--- a/Presentation/Основы алгоритмизации и программирования.pptx
+++ b/Presentation/Основы алгоритмизации и программирования.pptx
@@ -6,6 +6,13 @@
   </p:sldMasterIdLst>
   <p:sldIdLst>
     <p:sldId id="256" r:id="rId2"/>
+    <p:sldId id="257" r:id="rId3"/>
+    <p:sldId id="258" r:id="rId4"/>
+    <p:sldId id="259" r:id="rId5"/>
+    <p:sldId id="260" r:id="rId6"/>
+    <p:sldId id="261" r:id="rId7"/>
+    <p:sldId id="262" r:id="rId8"/>
+    <p:sldId id="263" r:id="rId9"/>
   </p:sldIdLst>
   <p:sldSz cx="12192000" cy="6858000"/>
   <p:notesSz cx="6858000" cy="9144000"/>
@@ -107,6 +114,32 @@
 </p:presentation>
 </file>
 
+<file path=ppt/commentAuthors.xml><?xml version="1.0" encoding="utf-8"?>
+<p:cmAuthorLst xmlns:a="http://schemas.openxmlformats.org/drawingml/2006/main" xmlns:r="http://schemas.openxmlformats.org/officeDocument/2006/relationships" xmlns:p="http://schemas.openxmlformats.org/presentationml/2006/main">
+  <p:cmAuthor id="1" name="Tsytovich, Pavel" initials="TP" lastIdx="1" clrIdx="0">
+    <p:extLst>
+      <p:ext uri="{19B8F6BF-5375-455C-9EA6-DF929625EA0E}">
+        <p15:presenceInfo xmlns:p15="http://schemas.microsoft.com/office/powerpoint/2012/main" userId="Tsytovich, Pavel" providerId="None"/>
+      </p:ext>
+    </p:extLst>
+  </p:cmAuthor>
+</p:cmAuthorLst>
+</file>
+
+<file path=ppt/comments/comment1.xml><?xml version="1.0" encoding="utf-8"?>
+<p:cmLst xmlns:a="http://schemas.openxmlformats.org/drawingml/2006/main" xmlns:r="http://schemas.openxmlformats.org/officeDocument/2006/relationships" xmlns:p="http://schemas.openxmlformats.org/presentationml/2006/main">
+  <p:cm authorId="1" dt="2020-10-21T13:23:08.475" idx="1">
+    <p:pos x="4387" y="449"/>
+    <p:text>Здесь надо дать несколько задач на физические формулы</p:text>
+    <p:extLst>
+      <p:ext uri="{C676402C-5697-4E1C-873F-D02D1690AC5C}">
+        <p15:threadingInfo xmlns:p15="http://schemas.microsoft.com/office/powerpoint/2012/main" timeZoneBias="-180"/>
+      </p:ext>
+    </p:extLst>
+  </p:cm>
+</p:cmLst>
+</file>
+
 <file path=ppt/slideLayouts/slideLayout1.xml><?xml version="1.0" encoding="utf-8"?>
 <p:sldLayout xmlns:a="http://schemas.openxmlformats.org/drawingml/2006/main" xmlns:r="http://schemas.openxmlformats.org/officeDocument/2006/relationships" xmlns:p="http://schemas.openxmlformats.org/presentationml/2006/main" type="title" preserve="1">
   <p:cSld name="Титульный слайд">
@@ -332,6 +365,294 @@
 </file>
 
 <file path=ppt/slideLayouts/slideLayout10.xml><?xml version="1.0" encoding="utf-8"?>
+<p:sldLayout xmlns:a="http://schemas.openxmlformats.org/drawingml/2006/main" xmlns:r="http://schemas.openxmlformats.org/officeDocument/2006/relationships" xmlns:p="http://schemas.openxmlformats.org/presentationml/2006/main" type="picTx" preserve="1">
+  <p:cSld name="Рисунок с подписью">
+    <p:spTree>
+      <p:nvGrpSpPr>
+        <p:cNvPr id="1" name=""/>
+        <p:cNvGrpSpPr/>
+        <p:nvPr/>
+      </p:nvGrpSpPr>
+      <p:grpSpPr>
+        <a:xfrm>
+          <a:off x="0" y="0"/>
+          <a:ext cx="0" cy="0"/>
+          <a:chOff x="0" y="0"/>
+          <a:chExt cx="0" cy="0"/>
+        </a:xfrm>
+      </p:grpSpPr>
+      <p:sp>
+        <p:nvSpPr>
+          <p:cNvPr id="2" name="Заголовок 1">
+            <a:extLst>
+              <a:ext uri="{FF2B5EF4-FFF2-40B4-BE49-F238E27FC236}">
+                <a16:creationId xmlns:a16="http://schemas.microsoft.com/office/drawing/2014/main" id="{24B561B9-C9E0-409D-A885-E7AA20E4EF8E}"/>
+              </a:ext>
+            </a:extLst>
+          </p:cNvPr>
+          <p:cNvSpPr>
+            <a:spLocks noGrp="1"/>
+          </p:cNvSpPr>
+          <p:nvPr>
+            <p:ph type="title"/>
+          </p:nvPr>
+        </p:nvSpPr>
+        <p:spPr>
+          <a:xfrm>
+            <a:off x="839788" y="457200"/>
+            <a:ext cx="3932237" cy="1600200"/>
+          </a:xfrm>
+        </p:spPr>
+        <p:txBody>
+          <a:bodyPr anchor="b"/>
+          <a:lstStyle>
+            <a:lvl1pPr>
+              <a:defRPr sz="3200"/>
+            </a:lvl1pPr>
+          </a:lstStyle>
+          <a:p>
+            <a:r>
+              <a:rPr lang="ru-RU"/>
+              <a:t>Образец заголовка</a:t>
+            </a:r>
+          </a:p>
+        </p:txBody>
+      </p:sp>
+      <p:sp>
+        <p:nvSpPr>
+          <p:cNvPr id="3" name="Рисунок 2">
+            <a:extLst>
+              <a:ext uri="{FF2B5EF4-FFF2-40B4-BE49-F238E27FC236}">
+                <a16:creationId xmlns:a16="http://schemas.microsoft.com/office/drawing/2014/main" id="{D37FA1D1-80F6-430F-8FF0-82B9DE98D9CD}"/>
+              </a:ext>
+            </a:extLst>
+          </p:cNvPr>
+          <p:cNvSpPr>
+            <a:spLocks noGrp="1"/>
+          </p:cNvSpPr>
+          <p:nvPr>
+            <p:ph type="pic" idx="1"/>
+          </p:nvPr>
+        </p:nvSpPr>
+        <p:spPr>
+          <a:xfrm>
+            <a:off x="5183188" y="987425"/>
+            <a:ext cx="6172200" cy="4873625"/>
+          </a:xfrm>
+        </p:spPr>
+        <p:txBody>
+          <a:bodyPr/>
+          <a:lstStyle>
+            <a:lvl1pPr marL="0" indent="0">
+              <a:buNone/>
+              <a:defRPr sz="3200"/>
+            </a:lvl1pPr>
+            <a:lvl2pPr marL="457200" indent="0">
+              <a:buNone/>
+              <a:defRPr sz="2800"/>
+            </a:lvl2pPr>
+            <a:lvl3pPr marL="914400" indent="0">
+              <a:buNone/>
+              <a:defRPr sz="2400"/>
+            </a:lvl3pPr>
+            <a:lvl4pPr marL="1371600" indent="0">
+              <a:buNone/>
+              <a:defRPr sz="2000"/>
+            </a:lvl4pPr>
+            <a:lvl5pPr marL="1828800" indent="0">
+              <a:buNone/>
+              <a:defRPr sz="2000"/>
+            </a:lvl5pPr>
+            <a:lvl6pPr marL="2286000" indent="0">
+              <a:buNone/>
+              <a:defRPr sz="2000"/>
+            </a:lvl6pPr>
+            <a:lvl7pPr marL="2743200" indent="0">
+              <a:buNone/>
+              <a:defRPr sz="2000"/>
+            </a:lvl7pPr>
+            <a:lvl8pPr marL="3200400" indent="0">
+              <a:buNone/>
+              <a:defRPr sz="2000"/>
+            </a:lvl8pPr>
+            <a:lvl9pPr marL="3657600" indent="0">
+              <a:buNone/>
+              <a:defRPr sz="2000"/>
+            </a:lvl9pPr>
+          </a:lstStyle>
+          <a:p>
+            <a:endParaRPr lang="ru-RU"/>
+          </a:p>
+        </p:txBody>
+      </p:sp>
+      <p:sp>
+        <p:nvSpPr>
+          <p:cNvPr id="4" name="Текст 3">
+            <a:extLst>
+              <a:ext uri="{FF2B5EF4-FFF2-40B4-BE49-F238E27FC236}">
+                <a16:creationId xmlns:a16="http://schemas.microsoft.com/office/drawing/2014/main" id="{8ECED445-742E-4DF5-81ED-D2E40649E284}"/>
+              </a:ext>
+            </a:extLst>
+          </p:cNvPr>
+          <p:cNvSpPr>
+            <a:spLocks noGrp="1"/>
+          </p:cNvSpPr>
+          <p:nvPr>
+            <p:ph type="body" sz="half" idx="2"/>
+          </p:nvPr>
+        </p:nvSpPr>
+        <p:spPr>
+          <a:xfrm>
+            <a:off x="839788" y="2057400"/>
+            <a:ext cx="3932237" cy="3811588"/>
+          </a:xfrm>
+        </p:spPr>
+        <p:txBody>
+          <a:bodyPr/>
+          <a:lstStyle>
+            <a:lvl1pPr marL="0" indent="0">
+              <a:buNone/>
+              <a:defRPr sz="1600"/>
+            </a:lvl1pPr>
+            <a:lvl2pPr marL="457200" indent="0">
+              <a:buNone/>
+              <a:defRPr sz="1400"/>
+            </a:lvl2pPr>
+            <a:lvl3pPr marL="914400" indent="0">
+              <a:buNone/>
+              <a:defRPr sz="1200"/>
+            </a:lvl3pPr>
+            <a:lvl4pPr marL="1371600" indent="0">
+              <a:buNone/>
+              <a:defRPr sz="1000"/>
+            </a:lvl4pPr>
+            <a:lvl5pPr marL="1828800" indent="0">
+              <a:buNone/>
+              <a:defRPr sz="1000"/>
+            </a:lvl5pPr>
+            <a:lvl6pPr marL="2286000" indent="0">
+              <a:buNone/>
+              <a:defRPr sz="1000"/>
+            </a:lvl6pPr>
+            <a:lvl7pPr marL="2743200" indent="0">
+              <a:buNone/>
+              <a:defRPr sz="1000"/>
+            </a:lvl7pPr>
+            <a:lvl8pPr marL="3200400" indent="0">
+              <a:buNone/>
+              <a:defRPr sz="1000"/>
+            </a:lvl8pPr>
+            <a:lvl9pPr marL="3657600" indent="0">
+              <a:buNone/>
+              <a:defRPr sz="1000"/>
+            </a:lvl9pPr>
+          </a:lstStyle>
+          <a:p>
+            <a:pPr lvl="0"/>
+            <a:r>
+              <a:rPr lang="ru-RU"/>
+              <a:t>Образец текста</a:t>
+            </a:r>
+          </a:p>
+        </p:txBody>
+      </p:sp>
+      <p:sp>
+        <p:nvSpPr>
+          <p:cNvPr id="5" name="Дата 4">
+            <a:extLst>
+              <a:ext uri="{FF2B5EF4-FFF2-40B4-BE49-F238E27FC236}">
+                <a16:creationId xmlns:a16="http://schemas.microsoft.com/office/drawing/2014/main" id="{56FA457F-8FC4-412B-B568-596C7FDAA346}"/>
+              </a:ext>
+            </a:extLst>
+          </p:cNvPr>
+          <p:cNvSpPr>
+            <a:spLocks noGrp="1"/>
+          </p:cNvSpPr>
+          <p:nvPr>
+            <p:ph type="dt" sz="half" idx="10"/>
+          </p:nvPr>
+        </p:nvSpPr>
+        <p:spPr/>
+        <p:txBody>
+          <a:bodyPr/>
+          <a:lstStyle/>
+          <a:p>
+            <a:fld id="{FA984E8B-3F5A-48DE-8BA5-BCD329794D47}" type="datetimeFigureOut">
+              <a:rPr lang="ru-RU" smtClean="0"/>
+              <a:t>21.10.2020</a:t>
+            </a:fld>
+            <a:endParaRPr lang="ru-RU"/>
+          </a:p>
+        </p:txBody>
+      </p:sp>
+      <p:sp>
+        <p:nvSpPr>
+          <p:cNvPr id="6" name="Нижний колонтитул 5">
+            <a:extLst>
+              <a:ext uri="{FF2B5EF4-FFF2-40B4-BE49-F238E27FC236}">
+                <a16:creationId xmlns:a16="http://schemas.microsoft.com/office/drawing/2014/main" id="{D8145784-A6DD-468D-AE09-54A18FB9C0D7}"/>
+              </a:ext>
+            </a:extLst>
+          </p:cNvPr>
+          <p:cNvSpPr>
+            <a:spLocks noGrp="1"/>
+          </p:cNvSpPr>
+          <p:nvPr>
+            <p:ph type="ftr" sz="quarter" idx="11"/>
+          </p:nvPr>
+        </p:nvSpPr>
+        <p:spPr/>
+        <p:txBody>
+          <a:bodyPr/>
+          <a:lstStyle/>
+          <a:p>
+            <a:endParaRPr lang="ru-RU"/>
+          </a:p>
+        </p:txBody>
+      </p:sp>
+      <p:sp>
+        <p:nvSpPr>
+          <p:cNvPr id="7" name="Номер слайда 6">
+            <a:extLst>
+              <a:ext uri="{FF2B5EF4-FFF2-40B4-BE49-F238E27FC236}">
+                <a16:creationId xmlns:a16="http://schemas.microsoft.com/office/drawing/2014/main" id="{A142C0A3-B58C-4080-BBF5-C824974087B4}"/>
+              </a:ext>
+            </a:extLst>
+          </p:cNvPr>
+          <p:cNvSpPr>
+            <a:spLocks noGrp="1"/>
+          </p:cNvSpPr>
+          <p:nvPr>
+            <p:ph type="sldNum" sz="quarter" idx="12"/>
+          </p:nvPr>
+        </p:nvSpPr>
+        <p:spPr/>
+        <p:txBody>
+          <a:bodyPr/>
+          <a:lstStyle/>
+          <a:p>
+            <a:fld id="{21540199-AE31-4F11-950F-924418A751AA}" type="slidenum">
+              <a:rPr lang="ru-RU" smtClean="0"/>
+              <a:t>‹#›</a:t>
+            </a:fld>
+            <a:endParaRPr lang="ru-RU"/>
+          </a:p>
+        </p:txBody>
+      </p:sp>
+    </p:spTree>
+    <p:extLst>
+      <p:ext uri="{BB962C8B-B14F-4D97-AF65-F5344CB8AC3E}">
+        <p14:creationId xmlns:p14="http://schemas.microsoft.com/office/powerpoint/2010/main" val="788952296"/>
+      </p:ext>
+    </p:extLst>
+  </p:cSld>
+  <p:clrMapOvr>
+    <a:masterClrMapping/>
+  </p:clrMapOvr>
+</p:sldLayout>
+</file>
+
+<file path=ppt/slideLayouts/slideLayout11.xml><?xml version="1.0" encoding="utf-8"?>
 <p:sldLayout xmlns:a="http://schemas.openxmlformats.org/drawingml/2006/main" xmlns:r="http://schemas.openxmlformats.org/officeDocument/2006/relationships" xmlns:p="http://schemas.openxmlformats.org/presentationml/2006/main" type="vertTx" preserve="1">
   <p:cSld name="Заголовок и вертикальный текст">
     <p:spTree>
@@ -529,7 +850,7 @@
 </p:sldLayout>
 </file>
 
-<file path=ppt/slideLayouts/slideLayout11.xml><?xml version="1.0" encoding="utf-8"?>
+<file path=ppt/slideLayouts/slideLayout12.xml><?xml version="1.0" encoding="utf-8"?>
 <p:sldLayout xmlns:a="http://schemas.openxmlformats.org/drawingml/2006/main" xmlns:r="http://schemas.openxmlformats.org/officeDocument/2006/relationships" xmlns:p="http://schemas.openxmlformats.org/presentationml/2006/main" type="vertTitleAndTx" preserve="1">
   <p:cSld name="Вертикальный заголовок и текст">
     <p:spTree>
@@ -889,7 +1210,11 @@
           <a:bodyPr/>
           <a:lstStyle/>
           <a:p>
-            <a:endParaRPr lang="ru-RU"/>
+            <a:r>
+              <a:rPr lang="en-US" dirty="0"/>
+              <a:t>© TICSIA</a:t>
+            </a:r>
+            <a:endParaRPr lang="ru-RU" dirty="0"/>
           </a:p>
         </p:txBody>
       </p:sp>
@@ -936,6 +1261,269 @@
 </file>
 
 <file path=ppt/slideLayouts/slideLayout3.xml><?xml version="1.0" encoding="utf-8"?>
+<p:sldLayout xmlns:a="http://schemas.openxmlformats.org/drawingml/2006/main" xmlns:r="http://schemas.openxmlformats.org/officeDocument/2006/relationships" xmlns:p="http://schemas.openxmlformats.org/presentationml/2006/main" preserve="1" userDrawn="1">
+  <p:cSld name="Упражнение">
+    <p:spTree>
+      <p:nvGrpSpPr>
+        <p:cNvPr id="1" name=""/>
+        <p:cNvGrpSpPr/>
+        <p:nvPr/>
+      </p:nvGrpSpPr>
+      <p:grpSpPr>
+        <a:xfrm>
+          <a:off x="0" y="0"/>
+          <a:ext cx="0" cy="0"/>
+          <a:chOff x="0" y="0"/>
+          <a:chExt cx="0" cy="0"/>
+        </a:xfrm>
+      </p:grpSpPr>
+      <p:sp>
+        <p:nvSpPr>
+          <p:cNvPr id="7" name="Прямоугольник 6">
+            <a:extLst>
+              <a:ext uri="{FF2B5EF4-FFF2-40B4-BE49-F238E27FC236}">
+                <a16:creationId xmlns:a16="http://schemas.microsoft.com/office/drawing/2014/main" id="{F6B90A0B-90EB-464C-8AA8-1C3E881F006C}"/>
+              </a:ext>
+            </a:extLst>
+          </p:cNvPr>
+          <p:cNvSpPr/>
+          <p:nvPr userDrawn="1"/>
+        </p:nvSpPr>
+        <p:spPr>
+          <a:xfrm>
+            <a:off x="0" y="0"/>
+            <a:ext cx="12192000" cy="6858000"/>
+          </a:xfrm>
+          <a:prstGeom prst="rect">
+            <a:avLst/>
+          </a:prstGeom>
+          <a:pattFill prst="lgGrid">
+            <a:fgClr>
+              <a:schemeClr val="accent1">
+                <a:lumMod val="20000"/>
+                <a:lumOff val="80000"/>
+              </a:schemeClr>
+            </a:fgClr>
+            <a:bgClr>
+              <a:schemeClr val="bg1"/>
+            </a:bgClr>
+          </a:pattFill>
+          <a:ln>
+            <a:noFill/>
+          </a:ln>
+        </p:spPr>
+        <p:style>
+          <a:lnRef idx="2">
+            <a:schemeClr val="accent1">
+              <a:shade val="50000"/>
+            </a:schemeClr>
+          </a:lnRef>
+          <a:fillRef idx="1">
+            <a:schemeClr val="accent1"/>
+          </a:fillRef>
+          <a:effectRef idx="0">
+            <a:schemeClr val="accent1"/>
+          </a:effectRef>
+          <a:fontRef idx="minor">
+            <a:schemeClr val="lt1"/>
+          </a:fontRef>
+        </p:style>
+        <p:txBody>
+          <a:bodyPr rtlCol="0" anchor="ctr"/>
+          <a:lstStyle/>
+          <a:p>
+            <a:pPr algn="ctr"/>
+            <a:endParaRPr lang="ru-RU" dirty="0"/>
+          </a:p>
+        </p:txBody>
+      </p:sp>
+      <p:sp>
+        <p:nvSpPr>
+          <p:cNvPr id="2" name="Заголовок 1">
+            <a:extLst>
+              <a:ext uri="{FF2B5EF4-FFF2-40B4-BE49-F238E27FC236}">
+                <a16:creationId xmlns:a16="http://schemas.microsoft.com/office/drawing/2014/main" id="{9F5B3D52-4629-43D8-BC1A-1D0D0B43FB4D}"/>
+              </a:ext>
+            </a:extLst>
+          </p:cNvPr>
+          <p:cNvSpPr>
+            <a:spLocks noGrp="1"/>
+          </p:cNvSpPr>
+          <p:nvPr>
+            <p:ph type="title"/>
+          </p:nvPr>
+        </p:nvSpPr>
+        <p:spPr/>
+        <p:txBody>
+          <a:bodyPr/>
+          <a:lstStyle/>
+          <a:p>
+            <a:r>
+              <a:rPr lang="ru-RU" dirty="0"/>
+              <a:t>Образец заголовка</a:t>
+            </a:r>
+          </a:p>
+        </p:txBody>
+      </p:sp>
+      <p:sp>
+        <p:nvSpPr>
+          <p:cNvPr id="3" name="Дата 2">
+            <a:extLst>
+              <a:ext uri="{FF2B5EF4-FFF2-40B4-BE49-F238E27FC236}">
+                <a16:creationId xmlns:a16="http://schemas.microsoft.com/office/drawing/2014/main" id="{4F77BCE8-83D6-40B0-86A0-3F5804FA31E9}"/>
+              </a:ext>
+            </a:extLst>
+          </p:cNvPr>
+          <p:cNvSpPr>
+            <a:spLocks noGrp="1"/>
+          </p:cNvSpPr>
+          <p:nvPr>
+            <p:ph type="dt" sz="half" idx="10"/>
+          </p:nvPr>
+        </p:nvSpPr>
+        <p:spPr/>
+        <p:txBody>
+          <a:bodyPr/>
+          <a:lstStyle/>
+          <a:p>
+            <a:fld id="{FA984E8B-3F5A-48DE-8BA5-BCD329794D47}" type="datetimeFigureOut">
+              <a:rPr lang="ru-RU" smtClean="0"/>
+              <a:t>21.10.2020</a:t>
+            </a:fld>
+            <a:endParaRPr lang="ru-RU"/>
+          </a:p>
+        </p:txBody>
+      </p:sp>
+      <p:sp>
+        <p:nvSpPr>
+          <p:cNvPr id="4" name="Нижний колонтитул 3">
+            <a:extLst>
+              <a:ext uri="{FF2B5EF4-FFF2-40B4-BE49-F238E27FC236}">
+                <a16:creationId xmlns:a16="http://schemas.microsoft.com/office/drawing/2014/main" id="{E0267DC2-6503-45FE-BCF6-CEDCA2BDCF73}"/>
+              </a:ext>
+            </a:extLst>
+          </p:cNvPr>
+          <p:cNvSpPr>
+            <a:spLocks noGrp="1"/>
+          </p:cNvSpPr>
+          <p:nvPr>
+            <p:ph type="ftr" sz="quarter" idx="11"/>
+          </p:nvPr>
+        </p:nvSpPr>
+        <p:spPr/>
+        <p:txBody>
+          <a:bodyPr/>
+          <a:lstStyle/>
+          <a:p>
+            <a:endParaRPr lang="ru-RU"/>
+          </a:p>
+        </p:txBody>
+      </p:sp>
+      <p:sp>
+        <p:nvSpPr>
+          <p:cNvPr id="5" name="Номер слайда 4">
+            <a:extLst>
+              <a:ext uri="{FF2B5EF4-FFF2-40B4-BE49-F238E27FC236}">
+                <a16:creationId xmlns:a16="http://schemas.microsoft.com/office/drawing/2014/main" id="{1F5FC07E-7740-403F-BBDA-D61D4BE79C80}"/>
+              </a:ext>
+            </a:extLst>
+          </p:cNvPr>
+          <p:cNvSpPr>
+            <a:spLocks noGrp="1"/>
+          </p:cNvSpPr>
+          <p:nvPr>
+            <p:ph type="sldNum" sz="quarter" idx="12"/>
+          </p:nvPr>
+        </p:nvSpPr>
+        <p:spPr/>
+        <p:txBody>
+          <a:bodyPr/>
+          <a:lstStyle/>
+          <a:p>
+            <a:fld id="{21540199-AE31-4F11-950F-924418A751AA}" type="slidenum">
+              <a:rPr lang="ru-RU" smtClean="0"/>
+              <a:t>‹#›</a:t>
+            </a:fld>
+            <a:endParaRPr lang="ru-RU"/>
+          </a:p>
+        </p:txBody>
+      </p:sp>
+      <p:sp>
+        <p:nvSpPr>
+          <p:cNvPr id="6" name="Объект 2">
+            <a:extLst>
+              <a:ext uri="{FF2B5EF4-FFF2-40B4-BE49-F238E27FC236}">
+                <a16:creationId xmlns:a16="http://schemas.microsoft.com/office/drawing/2014/main" id="{B0C10384-BF62-4ED1-9F82-778E4302EDE5}"/>
+              </a:ext>
+            </a:extLst>
+          </p:cNvPr>
+          <p:cNvSpPr>
+            <a:spLocks noGrp="1"/>
+          </p:cNvSpPr>
+          <p:nvPr>
+            <p:ph idx="1"/>
+          </p:nvPr>
+        </p:nvSpPr>
+        <p:spPr>
+          <a:xfrm>
+            <a:off x="838200" y="1825625"/>
+            <a:ext cx="10515600" cy="4351338"/>
+          </a:xfrm>
+        </p:spPr>
+        <p:txBody>
+          <a:bodyPr/>
+          <a:lstStyle/>
+          <a:p>
+            <a:pPr lvl="0"/>
+            <a:r>
+              <a:rPr lang="ru-RU"/>
+              <a:t>Образец текста</a:t>
+            </a:r>
+          </a:p>
+          <a:p>
+            <a:pPr lvl="1"/>
+            <a:r>
+              <a:rPr lang="ru-RU"/>
+              <a:t>Второй уровень</a:t>
+            </a:r>
+          </a:p>
+          <a:p>
+            <a:pPr lvl="2"/>
+            <a:r>
+              <a:rPr lang="ru-RU"/>
+              <a:t>Третий уровень</a:t>
+            </a:r>
+          </a:p>
+          <a:p>
+            <a:pPr lvl="3"/>
+            <a:r>
+              <a:rPr lang="ru-RU"/>
+              <a:t>Четвертый уровень</a:t>
+            </a:r>
+          </a:p>
+          <a:p>
+            <a:pPr lvl="4"/>
+            <a:r>
+              <a:rPr lang="ru-RU"/>
+              <a:t>Пятый уровень</a:t>
+            </a:r>
+          </a:p>
+        </p:txBody>
+      </p:sp>
+    </p:spTree>
+    <p:extLst>
+      <p:ext uri="{BB962C8B-B14F-4D97-AF65-F5344CB8AC3E}">
+        <p14:creationId xmlns:p14="http://schemas.microsoft.com/office/powerpoint/2010/main" val="946504079"/>
+      </p:ext>
+    </p:extLst>
+  </p:cSld>
+  <p:clrMapOvr>
+    <a:masterClrMapping/>
+  </p:clrMapOvr>
+</p:sldLayout>
+</file>
+
+<file path=ppt/slideLayouts/slideLayout4.xml><?xml version="1.0" encoding="utf-8"?>
 <p:sldLayout xmlns:a="http://schemas.openxmlformats.org/drawingml/2006/main" xmlns:r="http://schemas.openxmlformats.org/officeDocument/2006/relationships" xmlns:p="http://schemas.openxmlformats.org/presentationml/2006/main" type="secHead" preserve="1">
   <p:cSld name="Заголовок раздела">
     <p:spTree>
@@ -1164,7 +1752,11 @@
           <a:bodyPr/>
           <a:lstStyle/>
           <a:p>
-            <a:endParaRPr lang="ru-RU"/>
+            <a:r>
+              <a:rPr lang="en-US" dirty="0"/>
+              <a:t>©TICSIA</a:t>
+            </a:r>
+            <a:endParaRPr lang="ru-RU" dirty="0"/>
           </a:p>
         </p:txBody>
       </p:sp>
@@ -1210,7 +1802,7 @@
 </p:sldLayout>
 </file>
 
-<file path=ppt/slideLayouts/slideLayout4.xml><?xml version="1.0" encoding="utf-8"?>
+<file path=ppt/slideLayouts/slideLayout5.xml><?xml version="1.0" encoding="utf-8"?>
 <p:sldLayout xmlns:a="http://schemas.openxmlformats.org/drawingml/2006/main" xmlns:r="http://schemas.openxmlformats.org/officeDocument/2006/relationships" xmlns:p="http://schemas.openxmlformats.org/presentationml/2006/main" type="twoObj" preserve="1">
   <p:cSld name="Два объекта">
     <p:spTree>
@@ -1429,7 +2021,11 @@
           <a:bodyPr/>
           <a:lstStyle/>
           <a:p>
-            <a:endParaRPr lang="ru-RU"/>
+            <a:r>
+              <a:rPr lang="en-US" dirty="0"/>
+              <a:t>©TICSIA</a:t>
+            </a:r>
+            <a:endParaRPr lang="ru-RU" dirty="0"/>
           </a:p>
         </p:txBody>
       </p:sp>
@@ -1475,7 +2071,7 @@
 </p:sldLayout>
 </file>
 
-<file path=ppt/slideLayouts/slideLayout5.xml><?xml version="1.0" encoding="utf-8"?>
+<file path=ppt/slideLayouts/slideLayout6.xml><?xml version="1.0" encoding="utf-8"?>
 <p:sldLayout xmlns:a="http://schemas.openxmlformats.org/drawingml/2006/main" xmlns:r="http://schemas.openxmlformats.org/officeDocument/2006/relationships" xmlns:p="http://schemas.openxmlformats.org/presentationml/2006/main" type="twoTxTwoObj" preserve="1">
   <p:cSld name="Сравнение">
     <p:spTree>
@@ -1841,7 +2437,11 @@
           <a:bodyPr/>
           <a:lstStyle/>
           <a:p>
-            <a:endParaRPr lang="ru-RU"/>
+            <a:r>
+              <a:rPr lang="en-US" dirty="0"/>
+              <a:t>© TICSIA</a:t>
+            </a:r>
+            <a:endParaRPr lang="ru-RU" dirty="0"/>
           </a:p>
         </p:txBody>
       </p:sp>
@@ -1887,7 +2487,7 @@
 </p:sldLayout>
 </file>
 
-<file path=ppt/slideLayouts/slideLayout6.xml><?xml version="1.0" encoding="utf-8"?>
+<file path=ppt/slideLayouts/slideLayout7.xml><?xml version="1.0" encoding="utf-8"?>
 <p:sldLayout xmlns:a="http://schemas.openxmlformats.org/drawingml/2006/main" xmlns:r="http://schemas.openxmlformats.org/officeDocument/2006/relationships" xmlns:p="http://schemas.openxmlformats.org/presentationml/2006/main" type="titleOnly" preserve="1">
   <p:cSld name="Только заголовок">
     <p:spTree>
@@ -1982,7 +2582,11 @@
           <a:bodyPr/>
           <a:lstStyle/>
           <a:p>
-            <a:endParaRPr lang="ru-RU"/>
+            <a:r>
+              <a:rPr lang="en-US" dirty="0"/>
+              <a:t>© TICSIA</a:t>
+            </a:r>
+            <a:endParaRPr lang="ru-RU" dirty="0"/>
           </a:p>
         </p:txBody>
       </p:sp>
@@ -2028,7 +2632,7 @@
 </p:sldLayout>
 </file>
 
-<file path=ppt/slideLayouts/slideLayout7.xml><?xml version="1.0" encoding="utf-8"?>
+<file path=ppt/slideLayouts/slideLayout8.xml><?xml version="1.0" encoding="utf-8"?>
 <p:sldLayout xmlns:a="http://schemas.openxmlformats.org/drawingml/2006/main" xmlns:r="http://schemas.openxmlformats.org/officeDocument/2006/relationships" xmlns:p="http://schemas.openxmlformats.org/presentationml/2006/main" type="blank" preserve="1">
   <p:cSld name="Пустой слайд">
     <p:spTree>
@@ -2141,7 +2745,7 @@
 </p:sldLayout>
 </file>
 
-<file path=ppt/slideLayouts/slideLayout8.xml><?xml version="1.0" encoding="utf-8"?>
+<file path=ppt/slideLayouts/slideLayout9.xml><?xml version="1.0" encoding="utf-8"?>
 <p:sldLayout xmlns:a="http://schemas.openxmlformats.org/drawingml/2006/main" xmlns:r="http://schemas.openxmlformats.org/officeDocument/2006/relationships" xmlns:p="http://schemas.openxmlformats.org/presentationml/2006/main" type="objTx" preserve="1">
   <p:cSld name="Объект с подписью">
     <p:spTree>
@@ -2452,294 +3056,6 @@
 </p:sldLayout>
 </file>
 
-<file path=ppt/slideLayouts/slideLayout9.xml><?xml version="1.0" encoding="utf-8"?>
-<p:sldLayout xmlns:a="http://schemas.openxmlformats.org/drawingml/2006/main" xmlns:r="http://schemas.openxmlformats.org/officeDocument/2006/relationships" xmlns:p="http://schemas.openxmlformats.org/presentationml/2006/main" type="picTx" preserve="1">
-  <p:cSld name="Рисунок с подписью">
-    <p:spTree>
-      <p:nvGrpSpPr>
-        <p:cNvPr id="1" name=""/>
-        <p:cNvGrpSpPr/>
-        <p:nvPr/>
-      </p:nvGrpSpPr>
-      <p:grpSpPr>
-        <a:xfrm>
-          <a:off x="0" y="0"/>
-          <a:ext cx="0" cy="0"/>
-          <a:chOff x="0" y="0"/>
-          <a:chExt cx="0" cy="0"/>
-        </a:xfrm>
-      </p:grpSpPr>
-      <p:sp>
-        <p:nvSpPr>
-          <p:cNvPr id="2" name="Заголовок 1">
-            <a:extLst>
-              <a:ext uri="{FF2B5EF4-FFF2-40B4-BE49-F238E27FC236}">
-                <a16:creationId xmlns:a16="http://schemas.microsoft.com/office/drawing/2014/main" id="{24B561B9-C9E0-409D-A885-E7AA20E4EF8E}"/>
-              </a:ext>
-            </a:extLst>
-          </p:cNvPr>
-          <p:cNvSpPr>
-            <a:spLocks noGrp="1"/>
-          </p:cNvSpPr>
-          <p:nvPr>
-            <p:ph type="title"/>
-          </p:nvPr>
-        </p:nvSpPr>
-        <p:spPr>
-          <a:xfrm>
-            <a:off x="839788" y="457200"/>
-            <a:ext cx="3932237" cy="1600200"/>
-          </a:xfrm>
-        </p:spPr>
-        <p:txBody>
-          <a:bodyPr anchor="b"/>
-          <a:lstStyle>
-            <a:lvl1pPr>
-              <a:defRPr sz="3200"/>
-            </a:lvl1pPr>
-          </a:lstStyle>
-          <a:p>
-            <a:r>
-              <a:rPr lang="ru-RU"/>
-              <a:t>Образец заголовка</a:t>
-            </a:r>
-          </a:p>
-        </p:txBody>
-      </p:sp>
-      <p:sp>
-        <p:nvSpPr>
-          <p:cNvPr id="3" name="Рисунок 2">
-            <a:extLst>
-              <a:ext uri="{FF2B5EF4-FFF2-40B4-BE49-F238E27FC236}">
-                <a16:creationId xmlns:a16="http://schemas.microsoft.com/office/drawing/2014/main" id="{D37FA1D1-80F6-430F-8FF0-82B9DE98D9CD}"/>
-              </a:ext>
-            </a:extLst>
-          </p:cNvPr>
-          <p:cNvSpPr>
-            <a:spLocks noGrp="1"/>
-          </p:cNvSpPr>
-          <p:nvPr>
-            <p:ph type="pic" idx="1"/>
-          </p:nvPr>
-        </p:nvSpPr>
-        <p:spPr>
-          <a:xfrm>
-            <a:off x="5183188" y="987425"/>
-            <a:ext cx="6172200" cy="4873625"/>
-          </a:xfrm>
-        </p:spPr>
-        <p:txBody>
-          <a:bodyPr/>
-          <a:lstStyle>
-            <a:lvl1pPr marL="0" indent="0">
-              <a:buNone/>
-              <a:defRPr sz="3200"/>
-            </a:lvl1pPr>
-            <a:lvl2pPr marL="457200" indent="0">
-              <a:buNone/>
-              <a:defRPr sz="2800"/>
-            </a:lvl2pPr>
-            <a:lvl3pPr marL="914400" indent="0">
-              <a:buNone/>
-              <a:defRPr sz="2400"/>
-            </a:lvl3pPr>
-            <a:lvl4pPr marL="1371600" indent="0">
-              <a:buNone/>
-              <a:defRPr sz="2000"/>
-            </a:lvl4pPr>
-            <a:lvl5pPr marL="1828800" indent="0">
-              <a:buNone/>
-              <a:defRPr sz="2000"/>
-            </a:lvl5pPr>
-            <a:lvl6pPr marL="2286000" indent="0">
-              <a:buNone/>
-              <a:defRPr sz="2000"/>
-            </a:lvl6pPr>
-            <a:lvl7pPr marL="2743200" indent="0">
-              <a:buNone/>
-              <a:defRPr sz="2000"/>
-            </a:lvl7pPr>
-            <a:lvl8pPr marL="3200400" indent="0">
-              <a:buNone/>
-              <a:defRPr sz="2000"/>
-            </a:lvl8pPr>
-            <a:lvl9pPr marL="3657600" indent="0">
-              <a:buNone/>
-              <a:defRPr sz="2000"/>
-            </a:lvl9pPr>
-          </a:lstStyle>
-          <a:p>
-            <a:endParaRPr lang="ru-RU"/>
-          </a:p>
-        </p:txBody>
-      </p:sp>
-      <p:sp>
-        <p:nvSpPr>
-          <p:cNvPr id="4" name="Текст 3">
-            <a:extLst>
-              <a:ext uri="{FF2B5EF4-FFF2-40B4-BE49-F238E27FC236}">
-                <a16:creationId xmlns:a16="http://schemas.microsoft.com/office/drawing/2014/main" id="{8ECED445-742E-4DF5-81ED-D2E40649E284}"/>
-              </a:ext>
-            </a:extLst>
-          </p:cNvPr>
-          <p:cNvSpPr>
-            <a:spLocks noGrp="1"/>
-          </p:cNvSpPr>
-          <p:nvPr>
-            <p:ph type="body" sz="half" idx="2"/>
-          </p:nvPr>
-        </p:nvSpPr>
-        <p:spPr>
-          <a:xfrm>
-            <a:off x="839788" y="2057400"/>
-            <a:ext cx="3932237" cy="3811588"/>
-          </a:xfrm>
-        </p:spPr>
-        <p:txBody>
-          <a:bodyPr/>
-          <a:lstStyle>
-            <a:lvl1pPr marL="0" indent="0">
-              <a:buNone/>
-              <a:defRPr sz="1600"/>
-            </a:lvl1pPr>
-            <a:lvl2pPr marL="457200" indent="0">
-              <a:buNone/>
-              <a:defRPr sz="1400"/>
-            </a:lvl2pPr>
-            <a:lvl3pPr marL="914400" indent="0">
-              <a:buNone/>
-              <a:defRPr sz="1200"/>
-            </a:lvl3pPr>
-            <a:lvl4pPr marL="1371600" indent="0">
-              <a:buNone/>
-              <a:defRPr sz="1000"/>
-            </a:lvl4pPr>
-            <a:lvl5pPr marL="1828800" indent="0">
-              <a:buNone/>
-              <a:defRPr sz="1000"/>
-            </a:lvl5pPr>
-            <a:lvl6pPr marL="2286000" indent="0">
-              <a:buNone/>
-              <a:defRPr sz="1000"/>
-            </a:lvl6pPr>
-            <a:lvl7pPr marL="2743200" indent="0">
-              <a:buNone/>
-              <a:defRPr sz="1000"/>
-            </a:lvl7pPr>
-            <a:lvl8pPr marL="3200400" indent="0">
-              <a:buNone/>
-              <a:defRPr sz="1000"/>
-            </a:lvl8pPr>
-            <a:lvl9pPr marL="3657600" indent="0">
-              <a:buNone/>
-              <a:defRPr sz="1000"/>
-            </a:lvl9pPr>
-          </a:lstStyle>
-          <a:p>
-            <a:pPr lvl="0"/>
-            <a:r>
-              <a:rPr lang="ru-RU"/>
-              <a:t>Образец текста</a:t>
-            </a:r>
-          </a:p>
-        </p:txBody>
-      </p:sp>
-      <p:sp>
-        <p:nvSpPr>
-          <p:cNvPr id="5" name="Дата 4">
-            <a:extLst>
-              <a:ext uri="{FF2B5EF4-FFF2-40B4-BE49-F238E27FC236}">
-                <a16:creationId xmlns:a16="http://schemas.microsoft.com/office/drawing/2014/main" id="{56FA457F-8FC4-412B-B568-596C7FDAA346}"/>
-              </a:ext>
-            </a:extLst>
-          </p:cNvPr>
-          <p:cNvSpPr>
-            <a:spLocks noGrp="1"/>
-          </p:cNvSpPr>
-          <p:nvPr>
-            <p:ph type="dt" sz="half" idx="10"/>
-          </p:nvPr>
-        </p:nvSpPr>
-        <p:spPr/>
-        <p:txBody>
-          <a:bodyPr/>
-          <a:lstStyle/>
-          <a:p>
-            <a:fld id="{FA984E8B-3F5A-48DE-8BA5-BCD329794D47}" type="datetimeFigureOut">
-              <a:rPr lang="ru-RU" smtClean="0"/>
-              <a:t>21.10.2020</a:t>
-            </a:fld>
-            <a:endParaRPr lang="ru-RU"/>
-          </a:p>
-        </p:txBody>
-      </p:sp>
-      <p:sp>
-        <p:nvSpPr>
-          <p:cNvPr id="6" name="Нижний колонтитул 5">
-            <a:extLst>
-              <a:ext uri="{FF2B5EF4-FFF2-40B4-BE49-F238E27FC236}">
-                <a16:creationId xmlns:a16="http://schemas.microsoft.com/office/drawing/2014/main" id="{D8145784-A6DD-468D-AE09-54A18FB9C0D7}"/>
-              </a:ext>
-            </a:extLst>
-          </p:cNvPr>
-          <p:cNvSpPr>
-            <a:spLocks noGrp="1"/>
-          </p:cNvSpPr>
-          <p:nvPr>
-            <p:ph type="ftr" sz="quarter" idx="11"/>
-          </p:nvPr>
-        </p:nvSpPr>
-        <p:spPr/>
-        <p:txBody>
-          <a:bodyPr/>
-          <a:lstStyle/>
-          <a:p>
-            <a:endParaRPr lang="ru-RU"/>
-          </a:p>
-        </p:txBody>
-      </p:sp>
-      <p:sp>
-        <p:nvSpPr>
-          <p:cNvPr id="7" name="Номер слайда 6">
-            <a:extLst>
-              <a:ext uri="{FF2B5EF4-FFF2-40B4-BE49-F238E27FC236}">
-                <a16:creationId xmlns:a16="http://schemas.microsoft.com/office/drawing/2014/main" id="{A142C0A3-B58C-4080-BBF5-C824974087B4}"/>
-              </a:ext>
-            </a:extLst>
-          </p:cNvPr>
-          <p:cNvSpPr>
-            <a:spLocks noGrp="1"/>
-          </p:cNvSpPr>
-          <p:nvPr>
-            <p:ph type="sldNum" sz="quarter" idx="12"/>
-          </p:nvPr>
-        </p:nvSpPr>
-        <p:spPr/>
-        <p:txBody>
-          <a:bodyPr/>
-          <a:lstStyle/>
-          <a:p>
-            <a:fld id="{21540199-AE31-4F11-950F-924418A751AA}" type="slidenum">
-              <a:rPr lang="ru-RU" smtClean="0"/>
-              <a:t>‹#›</a:t>
-            </a:fld>
-            <a:endParaRPr lang="ru-RU"/>
-          </a:p>
-        </p:txBody>
-      </p:sp>
-    </p:spTree>
-    <p:extLst>
-      <p:ext uri="{BB962C8B-B14F-4D97-AF65-F5344CB8AC3E}">
-        <p14:creationId xmlns:p14="http://schemas.microsoft.com/office/powerpoint/2010/main" val="788952296"/>
-      </p:ext>
-    </p:extLst>
-  </p:cSld>
-  <p:clrMapOvr>
-    <a:masterClrMapping/>
-  </p:clrMapOvr>
-</p:sldLayout>
-</file>
-
 <file path=ppt/slideMasters/slideMaster1.xml><?xml version="1.0" encoding="utf-8"?>
 <p:sldMaster xmlns:a="http://schemas.openxmlformats.org/drawingml/2006/main" xmlns:r="http://schemas.openxmlformats.org/officeDocument/2006/relationships" xmlns:p="http://schemas.openxmlformats.org/presentationml/2006/main">
   <p:cSld>
@@ -3015,15 +3331,16 @@
   <p:sldLayoutIdLst>
     <p:sldLayoutId id="2147483649" r:id="rId1"/>
     <p:sldLayoutId id="2147483650" r:id="rId2"/>
-    <p:sldLayoutId id="2147483651" r:id="rId3"/>
-    <p:sldLayoutId id="2147483652" r:id="rId4"/>
-    <p:sldLayoutId id="2147483653" r:id="rId5"/>
-    <p:sldLayoutId id="2147483654" r:id="rId6"/>
-    <p:sldLayoutId id="2147483655" r:id="rId7"/>
-    <p:sldLayoutId id="2147483656" r:id="rId8"/>
-    <p:sldLayoutId id="2147483657" r:id="rId9"/>
-    <p:sldLayoutId id="2147483658" r:id="rId10"/>
-    <p:sldLayoutId id="2147483659" r:id="rId11"/>
+    <p:sldLayoutId id="2147483660" r:id="rId3"/>
+    <p:sldLayoutId id="2147483651" r:id="rId4"/>
+    <p:sldLayoutId id="2147483652" r:id="rId5"/>
+    <p:sldLayoutId id="2147483653" r:id="rId6"/>
+    <p:sldLayoutId id="2147483654" r:id="rId7"/>
+    <p:sldLayoutId id="2147483655" r:id="rId8"/>
+    <p:sldLayoutId id="2147483656" r:id="rId9"/>
+    <p:sldLayoutId id="2147483657" r:id="rId10"/>
+    <p:sldLayoutId id="2147483658" r:id="rId11"/>
+    <p:sldLayoutId id="2147483659" r:id="rId12"/>
   </p:sldLayoutIdLst>
   <p:txStyles>
     <p:titleStyle>
@@ -3383,40 +3700,3061 @@
           </a:p>
         </p:txBody>
       </p:sp>
-      <p:sp>
-        <p:nvSpPr>
-          <p:cNvPr id="4" name="Подзаголовок 3">
-            <a:extLst>
-              <a:ext uri="{FF2B5EF4-FFF2-40B4-BE49-F238E27FC236}">
-                <a16:creationId xmlns:a16="http://schemas.microsoft.com/office/drawing/2014/main" id="{8C33E209-DDA7-47D8-BCE9-CBE55A8DF45C}"/>
-              </a:ext>
-            </a:extLst>
-          </p:cNvPr>
-          <p:cNvSpPr>
-            <a:spLocks noGrp="1"/>
-          </p:cNvSpPr>
-          <p:nvPr>
-            <p:ph type="subTitle" idx="1"/>
-          </p:nvPr>
-        </p:nvSpPr>
-        <p:spPr>
+      <p:pic>
+        <p:nvPicPr>
+          <p:cNvPr id="1026" name="Picture 2" descr="Language,logo,python,free vector graphics,free pictures - free image from  needpix.com">
+            <a:extLst>
+              <a:ext uri="{FF2B5EF4-FFF2-40B4-BE49-F238E27FC236}">
+                <a16:creationId xmlns:a16="http://schemas.microsoft.com/office/drawing/2014/main" id="{E0BB791E-DBAF-416C-A31A-FCCF4795C3C1}"/>
+              </a:ext>
+            </a:extLst>
+          </p:cNvPr>
+          <p:cNvPicPr>
+            <a:picLocks noChangeAspect="1" noChangeArrowheads="1"/>
+          </p:cNvPicPr>
+          <p:nvPr/>
+        </p:nvPicPr>
+        <p:blipFill>
+          <a:blip r:embed="rId2">
+            <a:extLst>
+              <a:ext uri="{28A0092B-C50C-407E-A947-70E740481C1C}">
+                <a14:useLocalDpi xmlns:a14="http://schemas.microsoft.com/office/drawing/2010/main" val="0"/>
+              </a:ext>
+            </a:extLst>
+          </a:blip>
+          <a:srcRect/>
+          <a:stretch>
+            <a:fillRect/>
+          </a:stretch>
+        </p:blipFill>
+        <p:spPr bwMode="auto">
           <a:xfrm>
-            <a:off x="1524000" y="4495173"/>
-            <a:ext cx="9144000" cy="1655762"/>
+            <a:off x="5024437" y="4137837"/>
+            <a:ext cx="2143125" cy="2133600"/>
           </a:xfrm>
+          <a:prstGeom prst="rect">
+            <a:avLst/>
+          </a:prstGeom>
+          <a:noFill/>
+          <a:extLst>
+            <a:ext uri="{909E8E84-426E-40DD-AFC4-6F175D3DCCD1}">
+              <a14:hiddenFill xmlns:a14="http://schemas.microsoft.com/office/drawing/2010/main">
+                <a:solidFill>
+                  <a:srgbClr val="FFFFFF"/>
+                </a:solidFill>
+              </a14:hiddenFill>
+            </a:ext>
+          </a:extLst>
         </p:spPr>
-        <p:txBody>
-          <a:bodyPr/>
-          <a:lstStyle/>
-          <a:p>
-            <a:endParaRPr lang="ru-RU" dirty="0"/>
-          </a:p>
-        </p:txBody>
-      </p:sp>
+      </p:pic>
     </p:spTree>
     <p:extLst>
       <p:ext uri="{BB962C8B-B14F-4D97-AF65-F5344CB8AC3E}">
         <p14:creationId xmlns:p14="http://schemas.microsoft.com/office/powerpoint/2010/main" val="114727513"/>
+      </p:ext>
+    </p:extLst>
+  </p:cSld>
+  <p:clrMapOvr>
+    <a:masterClrMapping/>
+  </p:clrMapOvr>
+</p:sld>
+</file>
+
+<file path=ppt/slides/slide2.xml><?xml version="1.0" encoding="utf-8"?>
+<p:sld xmlns:a="http://schemas.openxmlformats.org/drawingml/2006/main" xmlns:r="http://schemas.openxmlformats.org/officeDocument/2006/relationships" xmlns:p="http://schemas.openxmlformats.org/presentationml/2006/main">
+  <p:cSld>
+    <p:spTree>
+      <p:nvGrpSpPr>
+        <p:cNvPr id="1" name=""/>
+        <p:cNvGrpSpPr/>
+        <p:nvPr/>
+      </p:nvGrpSpPr>
+      <p:grpSpPr>
+        <a:xfrm>
+          <a:off x="0" y="0"/>
+          <a:ext cx="0" cy="0"/>
+          <a:chOff x="0" y="0"/>
+          <a:chExt cx="0" cy="0"/>
+        </a:xfrm>
+      </p:grpSpPr>
+      <p:sp>
+        <p:nvSpPr>
+          <p:cNvPr id="2" name="Заголовок 1">
+            <a:extLst>
+              <a:ext uri="{FF2B5EF4-FFF2-40B4-BE49-F238E27FC236}">
+                <a16:creationId xmlns:a16="http://schemas.microsoft.com/office/drawing/2014/main" id="{C33DCCD3-C6F0-42AD-B34D-88DED569BB23}"/>
+              </a:ext>
+            </a:extLst>
+          </p:cNvPr>
+          <p:cNvSpPr>
+            <a:spLocks noGrp="1"/>
+          </p:cNvSpPr>
+          <p:nvPr>
+            <p:ph type="title"/>
+          </p:nvPr>
+        </p:nvSpPr>
+        <p:spPr/>
+        <p:txBody>
+          <a:bodyPr/>
+          <a:lstStyle/>
+          <a:p>
+            <a:r>
+              <a:rPr lang="ru-RU" dirty="0"/>
+              <a:t>Цель тренинга</a:t>
+            </a:r>
+          </a:p>
+        </p:txBody>
+      </p:sp>
+      <p:sp>
+        <p:nvSpPr>
+          <p:cNvPr id="3" name="Объект 2">
+            <a:extLst>
+              <a:ext uri="{FF2B5EF4-FFF2-40B4-BE49-F238E27FC236}">
+                <a16:creationId xmlns:a16="http://schemas.microsoft.com/office/drawing/2014/main" id="{0384740B-5D8D-421A-B72D-D75A732EF0B2}"/>
+              </a:ext>
+            </a:extLst>
+          </p:cNvPr>
+          <p:cNvSpPr>
+            <a:spLocks noGrp="1"/>
+          </p:cNvSpPr>
+          <p:nvPr>
+            <p:ph idx="1"/>
+          </p:nvPr>
+        </p:nvSpPr>
+        <p:spPr/>
+        <p:txBody>
+          <a:bodyPr/>
+          <a:lstStyle/>
+          <a:p>
+            <a:r>
+              <a:rPr lang="ru-RU" dirty="0"/>
+              <a:t>Получить начальную алгоритмическую подготовку</a:t>
+            </a:r>
+            <a:endParaRPr lang="en-US" dirty="0"/>
+          </a:p>
+          <a:p>
+            <a:r>
+              <a:rPr lang="ru-RU" dirty="0"/>
+              <a:t>Получить навыки разработки телеграмм-ботов на </a:t>
+            </a:r>
+            <a:r>
+              <a:rPr lang="en-US" dirty="0"/>
+              <a:t>Python</a:t>
+            </a:r>
+            <a:endParaRPr lang="ru-RU" dirty="0"/>
+          </a:p>
+        </p:txBody>
+      </p:sp>
+      <p:pic>
+        <p:nvPicPr>
+          <p:cNvPr id="2050" name="Picture 2" descr="цель, Цель, прицеливание, мишень для дротиков, фокус, стрела, s, умение,  крупный план, дротик, достижение | Pikist">
+            <a:extLst>
+              <a:ext uri="{FF2B5EF4-FFF2-40B4-BE49-F238E27FC236}">
+                <a16:creationId xmlns:a16="http://schemas.microsoft.com/office/drawing/2014/main" id="{629F8E9B-7AE6-48BF-A55C-93343123752D}"/>
+              </a:ext>
+            </a:extLst>
+          </p:cNvPr>
+          <p:cNvPicPr>
+            <a:picLocks noChangeAspect="1" noChangeArrowheads="1"/>
+          </p:cNvPicPr>
+          <p:nvPr/>
+        </p:nvPicPr>
+        <p:blipFill>
+          <a:blip r:embed="rId2">
+            <a:extLst>
+              <a:ext uri="{28A0092B-C50C-407E-A947-70E740481C1C}">
+                <a14:useLocalDpi xmlns:a14="http://schemas.microsoft.com/office/drawing/2010/main" val="0"/>
+              </a:ext>
+            </a:extLst>
+          </a:blip>
+          <a:srcRect/>
+          <a:stretch>
+            <a:fillRect/>
+          </a:stretch>
+        </p:blipFill>
+        <p:spPr bwMode="auto">
+          <a:xfrm>
+            <a:off x="2860158" y="2966483"/>
+            <a:ext cx="4991986" cy="3743990"/>
+          </a:xfrm>
+          <a:prstGeom prst="rect">
+            <a:avLst/>
+          </a:prstGeom>
+          <a:noFill/>
+          <a:extLst>
+            <a:ext uri="{909E8E84-426E-40DD-AFC4-6F175D3DCCD1}">
+              <a14:hiddenFill xmlns:a14="http://schemas.microsoft.com/office/drawing/2010/main">
+                <a:solidFill>
+                  <a:srgbClr val="FFFFFF"/>
+                </a:solidFill>
+              </a14:hiddenFill>
+            </a:ext>
+          </a:extLst>
+        </p:spPr>
+      </p:pic>
+    </p:spTree>
+    <p:extLst>
+      <p:ext uri="{BB962C8B-B14F-4D97-AF65-F5344CB8AC3E}">
+        <p14:creationId xmlns:p14="http://schemas.microsoft.com/office/powerpoint/2010/main" val="397995567"/>
+      </p:ext>
+    </p:extLst>
+  </p:cSld>
+  <p:clrMapOvr>
+    <a:masterClrMapping/>
+  </p:clrMapOvr>
+</p:sld>
+</file>
+
+<file path=ppt/slides/slide3.xml><?xml version="1.0" encoding="utf-8"?>
+<p:sld xmlns:a="http://schemas.openxmlformats.org/drawingml/2006/main" xmlns:r="http://schemas.openxmlformats.org/officeDocument/2006/relationships" xmlns:p="http://schemas.openxmlformats.org/presentationml/2006/main">
+  <p:cSld>
+    <p:spTree>
+      <p:nvGrpSpPr>
+        <p:cNvPr id="1" name=""/>
+        <p:cNvGrpSpPr/>
+        <p:nvPr/>
+      </p:nvGrpSpPr>
+      <p:grpSpPr>
+        <a:xfrm>
+          <a:off x="0" y="0"/>
+          <a:ext cx="0" cy="0"/>
+          <a:chOff x="0" y="0"/>
+          <a:chExt cx="0" cy="0"/>
+        </a:xfrm>
+      </p:grpSpPr>
+      <p:sp>
+        <p:nvSpPr>
+          <p:cNvPr id="4" name="Заголовок 3">
+            <a:extLst>
+              <a:ext uri="{FF2B5EF4-FFF2-40B4-BE49-F238E27FC236}">
+                <a16:creationId xmlns:a16="http://schemas.microsoft.com/office/drawing/2014/main" id="{8A834F1F-517A-4131-B059-EDF37D5B5D60}"/>
+              </a:ext>
+            </a:extLst>
+          </p:cNvPr>
+          <p:cNvSpPr>
+            <a:spLocks noGrp="1"/>
+          </p:cNvSpPr>
+          <p:nvPr>
+            <p:ph type="title"/>
+          </p:nvPr>
+        </p:nvSpPr>
+        <p:spPr/>
+        <p:txBody>
+          <a:bodyPr/>
+          <a:lstStyle/>
+          <a:p>
+            <a:r>
+              <a:rPr lang="ru-RU" dirty="0"/>
+              <a:t>Базовые основы </a:t>
+            </a:r>
+            <a:r>
+              <a:rPr lang="en-US" dirty="0"/>
+              <a:t>Python</a:t>
+            </a:r>
+            <a:endParaRPr lang="ru-RU" dirty="0"/>
+          </a:p>
+        </p:txBody>
+      </p:sp>
+      <p:sp>
+        <p:nvSpPr>
+          <p:cNvPr id="5" name="Текст 4">
+            <a:extLst>
+              <a:ext uri="{FF2B5EF4-FFF2-40B4-BE49-F238E27FC236}">
+                <a16:creationId xmlns:a16="http://schemas.microsoft.com/office/drawing/2014/main" id="{B69B8B0A-6106-4843-887A-A049BCFDA434}"/>
+              </a:ext>
+            </a:extLst>
+          </p:cNvPr>
+          <p:cNvSpPr>
+            <a:spLocks noGrp="1"/>
+          </p:cNvSpPr>
+          <p:nvPr>
+            <p:ph type="body" idx="1"/>
+          </p:nvPr>
+        </p:nvSpPr>
+        <p:spPr/>
+        <p:txBody>
+          <a:bodyPr/>
+          <a:lstStyle/>
+          <a:p>
+            <a:r>
+              <a:rPr lang="ru-RU" dirty="0"/>
+              <a:t>Модуль 1</a:t>
+            </a:r>
+          </a:p>
+        </p:txBody>
+      </p:sp>
+    </p:spTree>
+    <p:extLst>
+      <p:ext uri="{BB962C8B-B14F-4D97-AF65-F5344CB8AC3E}">
+        <p14:creationId xmlns:p14="http://schemas.microsoft.com/office/powerpoint/2010/main" val="3640832705"/>
+      </p:ext>
+    </p:extLst>
+  </p:cSld>
+  <p:clrMapOvr>
+    <a:masterClrMapping/>
+  </p:clrMapOvr>
+</p:sld>
+</file>
+
+<file path=ppt/slides/slide4.xml><?xml version="1.0" encoding="utf-8"?>
+<p:sld xmlns:a="http://schemas.openxmlformats.org/drawingml/2006/main" xmlns:r="http://schemas.openxmlformats.org/officeDocument/2006/relationships" xmlns:p="http://schemas.openxmlformats.org/presentationml/2006/main">
+  <p:cSld>
+    <p:spTree>
+      <p:nvGrpSpPr>
+        <p:cNvPr id="1" name=""/>
+        <p:cNvGrpSpPr/>
+        <p:nvPr/>
+      </p:nvGrpSpPr>
+      <p:grpSpPr>
+        <a:xfrm>
+          <a:off x="0" y="0"/>
+          <a:ext cx="0" cy="0"/>
+          <a:chOff x="0" y="0"/>
+          <a:chExt cx="0" cy="0"/>
+        </a:xfrm>
+      </p:grpSpPr>
+      <p:sp>
+        <p:nvSpPr>
+          <p:cNvPr id="2" name="Заголовок 1">
+            <a:extLst>
+              <a:ext uri="{FF2B5EF4-FFF2-40B4-BE49-F238E27FC236}">
+                <a16:creationId xmlns:a16="http://schemas.microsoft.com/office/drawing/2014/main" id="{2E9699DB-4689-42A0-B4C6-10931F4026D1}"/>
+              </a:ext>
+            </a:extLst>
+          </p:cNvPr>
+          <p:cNvSpPr>
+            <a:spLocks noGrp="1"/>
+          </p:cNvSpPr>
+          <p:nvPr>
+            <p:ph type="title"/>
+          </p:nvPr>
+        </p:nvSpPr>
+        <p:spPr/>
+        <p:txBody>
+          <a:bodyPr/>
+          <a:lstStyle/>
+          <a:p>
+            <a:r>
+              <a:rPr lang="ru-RU" dirty="0"/>
+              <a:t>История </a:t>
+            </a:r>
+            <a:r>
+              <a:rPr lang="en-US" dirty="0"/>
+              <a:t>Python</a:t>
+            </a:r>
+            <a:endParaRPr lang="ru-RU" dirty="0"/>
+          </a:p>
+        </p:txBody>
+      </p:sp>
+      <p:sp>
+        <p:nvSpPr>
+          <p:cNvPr id="3" name="Объект 2">
+            <a:extLst>
+              <a:ext uri="{FF2B5EF4-FFF2-40B4-BE49-F238E27FC236}">
+                <a16:creationId xmlns:a16="http://schemas.microsoft.com/office/drawing/2014/main" id="{848D5F79-3AAD-4F0C-BE10-CF67002CF300}"/>
+              </a:ext>
+            </a:extLst>
+          </p:cNvPr>
+          <p:cNvSpPr>
+            <a:spLocks noGrp="1"/>
+          </p:cNvSpPr>
+          <p:nvPr>
+            <p:ph idx="1"/>
+          </p:nvPr>
+        </p:nvSpPr>
+        <p:spPr/>
+        <p:txBody>
+          <a:bodyPr/>
+          <a:lstStyle/>
+          <a:p>
+            <a:r>
+              <a:rPr lang="ru-RU" b="0" i="0" dirty="0">
+                <a:solidFill>
+                  <a:srgbClr val="202122"/>
+                </a:solidFill>
+                <a:effectLst/>
+                <a:latin typeface="Arial" panose="020B0604020202020204" pitchFamily="34" charset="0"/>
+              </a:rPr>
+              <a:t>В феврале 1991 года Гвидо </a:t>
+            </a:r>
+            <a:r>
+              <a:rPr lang="ru-RU" b="0" i="0" dirty="0" err="1">
+                <a:solidFill>
+                  <a:srgbClr val="202122"/>
+                </a:solidFill>
+                <a:effectLst/>
+                <a:latin typeface="Arial" panose="020B0604020202020204" pitchFamily="34" charset="0"/>
+              </a:rPr>
+              <a:t>ван</a:t>
+            </a:r>
+            <a:r>
+              <a:rPr lang="ru-RU" b="0" i="0" dirty="0">
+                <a:solidFill>
+                  <a:srgbClr val="202122"/>
+                </a:solidFill>
+                <a:effectLst/>
+                <a:latin typeface="Arial" panose="020B0604020202020204" pitchFamily="34" charset="0"/>
+              </a:rPr>
+              <a:t> </a:t>
+            </a:r>
+            <a:r>
+              <a:rPr lang="ru-RU" b="0" i="0" dirty="0" err="1">
+                <a:solidFill>
+                  <a:srgbClr val="202122"/>
+                </a:solidFill>
+                <a:effectLst/>
+                <a:latin typeface="Arial" panose="020B0604020202020204" pitchFamily="34" charset="0"/>
+              </a:rPr>
+              <a:t>Россум</a:t>
+            </a:r>
+            <a:r>
+              <a:rPr lang="ru-RU" b="0" i="0" dirty="0">
+                <a:solidFill>
+                  <a:srgbClr val="202122"/>
+                </a:solidFill>
+                <a:effectLst/>
+                <a:latin typeface="Arial" panose="020B0604020202020204" pitchFamily="34" charset="0"/>
+              </a:rPr>
+              <a:t> опубликовал код </a:t>
+            </a:r>
+            <a:r>
+              <a:rPr lang="ru-RU" b="0" i="0" dirty="0" err="1">
+                <a:solidFill>
+                  <a:srgbClr val="202122"/>
+                </a:solidFill>
+                <a:effectLst/>
+                <a:latin typeface="Arial" panose="020B0604020202020204" pitchFamily="34" charset="0"/>
+              </a:rPr>
+              <a:t>Python</a:t>
+            </a:r>
+            <a:r>
+              <a:rPr lang="ru-RU" b="0" i="0" dirty="0">
+                <a:solidFill>
+                  <a:srgbClr val="202122"/>
+                </a:solidFill>
+                <a:effectLst/>
+                <a:latin typeface="Arial" panose="020B0604020202020204" pitchFamily="34" charset="0"/>
+              </a:rPr>
+              <a:t>, помеченный версией 0.9.0</a:t>
+            </a:r>
+            <a:endParaRPr lang="en-US" b="0" i="0" dirty="0">
+              <a:solidFill>
+                <a:srgbClr val="202122"/>
+              </a:solidFill>
+              <a:effectLst/>
+              <a:latin typeface="Arial" panose="020B0604020202020204" pitchFamily="34" charset="0"/>
+            </a:endParaRPr>
+          </a:p>
+          <a:p>
+            <a:r>
+              <a:rPr lang="ru-RU" b="0" i="0" dirty="0" err="1">
+                <a:solidFill>
+                  <a:srgbClr val="202122"/>
+                </a:solidFill>
+                <a:effectLst/>
+                <a:latin typeface="Arial" panose="020B0604020202020204" pitchFamily="34" charset="0"/>
+              </a:rPr>
+              <a:t>Python</a:t>
+            </a:r>
+            <a:r>
+              <a:rPr lang="ru-RU" b="0" i="0" dirty="0">
+                <a:solidFill>
+                  <a:srgbClr val="202122"/>
+                </a:solidFill>
+                <a:effectLst/>
+                <a:latin typeface="Arial" panose="020B0604020202020204" pitchFamily="34" charset="0"/>
+              </a:rPr>
+              <a:t> 1.0 появился в январе 1994 года. Основными новыми возможностями, включёнными в этот релиз, были средства функционального программирования</a:t>
+            </a:r>
+            <a:endParaRPr lang="en-US" dirty="0">
+              <a:solidFill>
+                <a:srgbClr val="202122"/>
+              </a:solidFill>
+              <a:latin typeface="Arial" panose="020B0604020202020204" pitchFamily="34" charset="0"/>
+            </a:endParaRPr>
+          </a:p>
+          <a:p>
+            <a:r>
+              <a:rPr lang="ru-RU" b="0" i="0" dirty="0">
+                <a:solidFill>
+                  <a:srgbClr val="202122"/>
+                </a:solidFill>
+                <a:effectLst/>
+                <a:latin typeface="Arial" panose="020B0604020202020204" pitchFamily="34" charset="0"/>
+              </a:rPr>
+              <a:t>В ноябре 2014 было объявлено, что </a:t>
+            </a:r>
+            <a:r>
+              <a:rPr lang="ru-RU" b="0" i="0" dirty="0" err="1">
+                <a:solidFill>
+                  <a:srgbClr val="202122"/>
+                </a:solidFill>
+                <a:effectLst/>
+                <a:latin typeface="Arial" panose="020B0604020202020204" pitchFamily="34" charset="0"/>
+              </a:rPr>
+              <a:t>Python</a:t>
+            </a:r>
+            <a:r>
+              <a:rPr lang="ru-RU" b="0" i="0" dirty="0">
+                <a:solidFill>
+                  <a:srgbClr val="202122"/>
+                </a:solidFill>
+                <a:effectLst/>
+                <a:latin typeface="Arial" panose="020B0604020202020204" pitchFamily="34" charset="0"/>
+              </a:rPr>
+              <a:t> 2.7 будет поддерживаться до 2020 года</a:t>
+            </a:r>
+            <a:endParaRPr lang="en-US" b="0" i="0" dirty="0">
+              <a:solidFill>
+                <a:srgbClr val="202122"/>
+              </a:solidFill>
+              <a:effectLst/>
+              <a:latin typeface="Arial" panose="020B0604020202020204" pitchFamily="34" charset="0"/>
+            </a:endParaRPr>
+          </a:p>
+          <a:p>
+            <a:r>
+              <a:rPr lang="ru-RU" b="0" i="0" dirty="0" err="1">
+                <a:solidFill>
+                  <a:srgbClr val="202122"/>
+                </a:solidFill>
+                <a:effectLst/>
+                <a:latin typeface="Arial" panose="020B0604020202020204" pitchFamily="34" charset="0"/>
+              </a:rPr>
+              <a:t>Python</a:t>
+            </a:r>
+            <a:r>
+              <a:rPr lang="ru-RU" b="0" i="0" dirty="0">
+                <a:solidFill>
+                  <a:srgbClr val="202122"/>
+                </a:solidFill>
+                <a:effectLst/>
+                <a:latin typeface="Arial" panose="020B0604020202020204" pitchFamily="34" charset="0"/>
+              </a:rPr>
+              <a:t> 3.0 был выпущен 3 декабря 2008 года</a:t>
+            </a:r>
+            <a:endParaRPr lang="ru-RU" dirty="0"/>
+          </a:p>
+        </p:txBody>
+      </p:sp>
+    </p:spTree>
+    <p:extLst>
+      <p:ext uri="{BB962C8B-B14F-4D97-AF65-F5344CB8AC3E}">
+        <p14:creationId xmlns:p14="http://schemas.microsoft.com/office/powerpoint/2010/main" val="1585202983"/>
+      </p:ext>
+    </p:extLst>
+  </p:cSld>
+  <p:clrMapOvr>
+    <a:masterClrMapping/>
+  </p:clrMapOvr>
+</p:sld>
+</file>
+
+<file path=ppt/slides/slide5.xml><?xml version="1.0" encoding="utf-8"?>
+<p:sld xmlns:a="http://schemas.openxmlformats.org/drawingml/2006/main" xmlns:r="http://schemas.openxmlformats.org/officeDocument/2006/relationships" xmlns:p="http://schemas.openxmlformats.org/presentationml/2006/main">
+  <p:cSld>
+    <p:spTree>
+      <p:nvGrpSpPr>
+        <p:cNvPr id="1" name=""/>
+        <p:cNvGrpSpPr/>
+        <p:nvPr/>
+      </p:nvGrpSpPr>
+      <p:grpSpPr>
+        <a:xfrm>
+          <a:off x="0" y="0"/>
+          <a:ext cx="0" cy="0"/>
+          <a:chOff x="0" y="0"/>
+          <a:chExt cx="0" cy="0"/>
+        </a:xfrm>
+      </p:grpSpPr>
+      <p:sp>
+        <p:nvSpPr>
+          <p:cNvPr id="2" name="Заголовок 1">
+            <a:extLst>
+              <a:ext uri="{FF2B5EF4-FFF2-40B4-BE49-F238E27FC236}">
+                <a16:creationId xmlns:a16="http://schemas.microsoft.com/office/drawing/2014/main" id="{64F40A02-5DF4-4E2D-84CB-C9F2C94D2763}"/>
+              </a:ext>
+            </a:extLst>
+          </p:cNvPr>
+          <p:cNvSpPr>
+            <a:spLocks noGrp="1"/>
+          </p:cNvSpPr>
+          <p:nvPr>
+            <p:ph type="title"/>
+          </p:nvPr>
+        </p:nvSpPr>
+        <p:spPr/>
+        <p:txBody>
+          <a:bodyPr/>
+          <a:lstStyle/>
+          <a:p>
+            <a:r>
+              <a:rPr lang="ru-RU" dirty="0"/>
+              <a:t>Первая программа</a:t>
+            </a:r>
+          </a:p>
+        </p:txBody>
+      </p:sp>
+      <p:sp>
+        <p:nvSpPr>
+          <p:cNvPr id="5" name="TextBox 4">
+            <a:extLst>
+              <a:ext uri="{FF2B5EF4-FFF2-40B4-BE49-F238E27FC236}">
+                <a16:creationId xmlns:a16="http://schemas.microsoft.com/office/drawing/2014/main" id="{D574778F-A07B-4CF1-AA1B-40703DA8A2D9}"/>
+              </a:ext>
+            </a:extLst>
+          </p:cNvPr>
+          <p:cNvSpPr txBox="1"/>
+          <p:nvPr/>
+        </p:nvSpPr>
+        <p:spPr>
+          <a:xfrm>
+            <a:off x="1677285" y="2881446"/>
+            <a:ext cx="4074930" cy="1754326"/>
+          </a:xfrm>
+          <a:prstGeom prst="rect">
+            <a:avLst/>
+          </a:prstGeom>
+          <a:noFill/>
+        </p:spPr>
+        <p:txBody>
+          <a:bodyPr wrap="square">
+            <a:spAutoFit/>
+          </a:bodyPr>
+          <a:lstStyle/>
+          <a:p>
+            <a:r>
+              <a:rPr lang="en-US" dirty="0">
+                <a:solidFill>
+                  <a:srgbClr val="6A9955"/>
+                </a:solidFill>
+                <a:effectLst/>
+                <a:latin typeface="Consolas" panose="020B0609020204030204" pitchFamily="49" charset="0"/>
+              </a:rPr>
+              <a:t># (c) TICSIA</a:t>
+            </a:r>
+            <a:endParaRPr lang="en-US" dirty="0">
+              <a:solidFill>
+                <a:srgbClr val="D4D4D4"/>
+              </a:solidFill>
+              <a:effectLst/>
+              <a:latin typeface="Consolas" panose="020B0609020204030204" pitchFamily="49" charset="0"/>
+            </a:endParaRPr>
+          </a:p>
+          <a:p>
+            <a:r>
+              <a:rPr lang="en-US" dirty="0">
+                <a:solidFill>
+                  <a:srgbClr val="6A9955"/>
+                </a:solidFill>
+                <a:effectLst/>
+                <a:latin typeface="Consolas" panose="020B0609020204030204" pitchFamily="49" charset="0"/>
+              </a:rPr>
+              <a:t>#</a:t>
+            </a:r>
+            <a:endParaRPr lang="en-US" dirty="0">
+              <a:solidFill>
+                <a:srgbClr val="D4D4D4"/>
+              </a:solidFill>
+              <a:effectLst/>
+              <a:latin typeface="Consolas" panose="020B0609020204030204" pitchFamily="49" charset="0"/>
+            </a:endParaRPr>
+          </a:p>
+          <a:p>
+            <a:r>
+              <a:rPr lang="en-US" dirty="0">
+                <a:solidFill>
+                  <a:srgbClr val="6A9955"/>
+                </a:solidFill>
+                <a:effectLst/>
+                <a:latin typeface="Consolas" panose="020B0609020204030204" pitchFamily="49" charset="0"/>
+              </a:rPr>
+              <a:t>#</a:t>
+            </a:r>
+            <a:endParaRPr lang="en-US" dirty="0">
+              <a:solidFill>
+                <a:srgbClr val="D4D4D4"/>
+              </a:solidFill>
+              <a:effectLst/>
+              <a:latin typeface="Consolas" panose="020B0609020204030204" pitchFamily="49" charset="0"/>
+            </a:endParaRPr>
+          </a:p>
+          <a:p>
+            <a:br>
+              <a:rPr lang="en-US" dirty="0">
+                <a:solidFill>
+                  <a:srgbClr val="D4D4D4"/>
+                </a:solidFill>
+                <a:effectLst/>
+                <a:latin typeface="Consolas" panose="020B0609020204030204" pitchFamily="49" charset="0"/>
+              </a:rPr>
+            </a:br>
+            <a:r>
+              <a:rPr lang="en-US" b="1" dirty="0">
+                <a:solidFill>
+                  <a:srgbClr val="D4D4D4"/>
+                </a:solidFill>
+                <a:effectLst/>
+                <a:latin typeface="Consolas" panose="020B0609020204030204" pitchFamily="49" charset="0"/>
+              </a:rPr>
+              <a:t>name = </a:t>
+            </a:r>
+            <a:r>
+              <a:rPr lang="en-US" b="1" dirty="0">
+                <a:solidFill>
+                  <a:srgbClr val="DCDCAA"/>
+                </a:solidFill>
+                <a:effectLst/>
+                <a:latin typeface="Consolas" panose="020B0609020204030204" pitchFamily="49" charset="0"/>
+              </a:rPr>
+              <a:t>input</a:t>
+            </a:r>
+            <a:r>
+              <a:rPr lang="en-US" b="1" dirty="0">
+                <a:solidFill>
+                  <a:srgbClr val="D4D4D4"/>
+                </a:solidFill>
+                <a:effectLst/>
+                <a:latin typeface="Consolas" panose="020B0609020204030204" pitchFamily="49" charset="0"/>
+              </a:rPr>
+              <a:t>(</a:t>
+            </a:r>
+            <a:r>
+              <a:rPr lang="en-US" b="1" dirty="0">
+                <a:solidFill>
+                  <a:srgbClr val="CE9178"/>
+                </a:solidFill>
+                <a:effectLst/>
+                <a:latin typeface="Consolas" panose="020B0609020204030204" pitchFamily="49" charset="0"/>
+              </a:rPr>
+              <a:t>'</a:t>
+            </a:r>
+            <a:r>
+              <a:rPr lang="ru-RU" b="1" dirty="0">
+                <a:solidFill>
+                  <a:srgbClr val="CE9178"/>
+                </a:solidFill>
+                <a:effectLst/>
+                <a:latin typeface="Consolas" panose="020B0609020204030204" pitchFamily="49" charset="0"/>
+              </a:rPr>
+              <a:t>Ваше имя &gt;'</a:t>
+            </a:r>
+            <a:r>
+              <a:rPr lang="ru-RU" b="1" dirty="0">
+                <a:solidFill>
+                  <a:srgbClr val="D4D4D4"/>
+                </a:solidFill>
+                <a:effectLst/>
+                <a:latin typeface="Consolas" panose="020B0609020204030204" pitchFamily="49" charset="0"/>
+              </a:rPr>
+              <a:t>)</a:t>
+            </a:r>
+          </a:p>
+          <a:p>
+            <a:r>
+              <a:rPr lang="en-US" b="1" dirty="0">
+                <a:solidFill>
+                  <a:srgbClr val="DCDCAA"/>
+                </a:solidFill>
+                <a:effectLst/>
+                <a:latin typeface="Consolas" panose="020B0609020204030204" pitchFamily="49" charset="0"/>
+              </a:rPr>
+              <a:t>print</a:t>
+            </a:r>
+            <a:r>
+              <a:rPr lang="en-US" b="1" dirty="0">
+                <a:solidFill>
+                  <a:srgbClr val="D4D4D4"/>
+                </a:solidFill>
+                <a:effectLst/>
+                <a:latin typeface="Consolas" panose="020B0609020204030204" pitchFamily="49" charset="0"/>
+              </a:rPr>
+              <a:t>(</a:t>
+            </a:r>
+            <a:r>
+              <a:rPr lang="en-US" b="1" dirty="0">
+                <a:solidFill>
+                  <a:srgbClr val="569CD6"/>
+                </a:solidFill>
+                <a:effectLst/>
+                <a:latin typeface="Consolas" panose="020B0609020204030204" pitchFamily="49" charset="0"/>
+              </a:rPr>
+              <a:t>f</a:t>
+            </a:r>
+            <a:r>
+              <a:rPr lang="en-US" b="1" dirty="0">
+                <a:solidFill>
+                  <a:srgbClr val="CE9178"/>
+                </a:solidFill>
+                <a:effectLst/>
+                <a:latin typeface="Consolas" panose="020B0609020204030204" pitchFamily="49" charset="0"/>
+              </a:rPr>
+              <a:t>'</a:t>
+            </a:r>
+            <a:r>
+              <a:rPr lang="ru-RU" b="1" dirty="0">
+                <a:solidFill>
+                  <a:srgbClr val="CE9178"/>
+                </a:solidFill>
+                <a:effectLst/>
+                <a:latin typeface="Consolas" panose="020B0609020204030204" pitchFamily="49" charset="0"/>
+              </a:rPr>
+              <a:t>Привет, </a:t>
+            </a:r>
+            <a:r>
+              <a:rPr lang="ru-RU" b="1" dirty="0">
+                <a:solidFill>
+                  <a:srgbClr val="569CD6"/>
+                </a:solidFill>
+                <a:effectLst/>
+                <a:latin typeface="Consolas" panose="020B0609020204030204" pitchFamily="49" charset="0"/>
+              </a:rPr>
+              <a:t>{</a:t>
+            </a:r>
+            <a:r>
+              <a:rPr lang="en-US" b="1" dirty="0">
+                <a:solidFill>
+                  <a:srgbClr val="D4D4D4"/>
+                </a:solidFill>
+                <a:effectLst/>
+                <a:latin typeface="Consolas" panose="020B0609020204030204" pitchFamily="49" charset="0"/>
+              </a:rPr>
+              <a:t>name</a:t>
+            </a:r>
+            <a:r>
+              <a:rPr lang="en-US" b="1" dirty="0">
+                <a:solidFill>
+                  <a:srgbClr val="569CD6"/>
+                </a:solidFill>
+                <a:effectLst/>
+                <a:latin typeface="Consolas" panose="020B0609020204030204" pitchFamily="49" charset="0"/>
+              </a:rPr>
+              <a:t>}</a:t>
+            </a:r>
+            <a:r>
+              <a:rPr lang="en-US" b="1" dirty="0">
+                <a:solidFill>
+                  <a:srgbClr val="CE9178"/>
+                </a:solidFill>
+                <a:effectLst/>
+                <a:latin typeface="Consolas" panose="020B0609020204030204" pitchFamily="49" charset="0"/>
+              </a:rPr>
+              <a:t>'</a:t>
+            </a:r>
+            <a:r>
+              <a:rPr lang="en-US" b="1" dirty="0">
+                <a:solidFill>
+                  <a:srgbClr val="D4D4D4"/>
+                </a:solidFill>
+                <a:effectLst/>
+                <a:latin typeface="Consolas" panose="020B0609020204030204" pitchFamily="49" charset="0"/>
+              </a:rPr>
+              <a:t>)</a:t>
+            </a:r>
+          </a:p>
+        </p:txBody>
+      </p:sp>
+      <p:sp>
+        <p:nvSpPr>
+          <p:cNvPr id="6" name="Облачко с текстом: прямоугольное 5">
+            <a:extLst>
+              <a:ext uri="{FF2B5EF4-FFF2-40B4-BE49-F238E27FC236}">
+                <a16:creationId xmlns:a16="http://schemas.microsoft.com/office/drawing/2014/main" id="{E66AA81E-5325-4050-AC4F-DA73CBC95488}"/>
+              </a:ext>
+            </a:extLst>
+          </p:cNvPr>
+          <p:cNvSpPr/>
+          <p:nvPr/>
+        </p:nvSpPr>
+        <p:spPr>
+          <a:xfrm>
+            <a:off x="4965405" y="2094614"/>
+            <a:ext cx="3508744" cy="925033"/>
+          </a:xfrm>
+          <a:prstGeom prst="wedgeRectCallout">
+            <a:avLst>
+              <a:gd name="adj1" fmla="val -75943"/>
+              <a:gd name="adj2" fmla="val 157421"/>
+            </a:avLst>
+          </a:prstGeom>
+        </p:spPr>
+        <p:style>
+          <a:lnRef idx="2">
+            <a:schemeClr val="accent1">
+              <a:shade val="50000"/>
+            </a:schemeClr>
+          </a:lnRef>
+          <a:fillRef idx="1">
+            <a:schemeClr val="accent1"/>
+          </a:fillRef>
+          <a:effectRef idx="0">
+            <a:schemeClr val="accent1"/>
+          </a:effectRef>
+          <a:fontRef idx="minor">
+            <a:schemeClr val="lt1"/>
+          </a:fontRef>
+        </p:style>
+        <p:txBody>
+          <a:bodyPr rtlCol="0" anchor="ctr"/>
+          <a:lstStyle/>
+          <a:p>
+            <a:pPr algn="ctr"/>
+            <a:r>
+              <a:rPr lang="ru-RU" dirty="0"/>
+              <a:t>Эта строка будет напечатана, после чего от пользователя будут ожидать ввод имени</a:t>
+            </a:r>
+          </a:p>
+        </p:txBody>
+      </p:sp>
+      <p:sp>
+        <p:nvSpPr>
+          <p:cNvPr id="7" name="Облачко с текстом: прямоугольное 6">
+            <a:extLst>
+              <a:ext uri="{FF2B5EF4-FFF2-40B4-BE49-F238E27FC236}">
+                <a16:creationId xmlns:a16="http://schemas.microsoft.com/office/drawing/2014/main" id="{467F83CD-2D63-4530-B580-343923260CC9}"/>
+              </a:ext>
+            </a:extLst>
+          </p:cNvPr>
+          <p:cNvSpPr/>
+          <p:nvPr/>
+        </p:nvSpPr>
+        <p:spPr>
+          <a:xfrm>
+            <a:off x="257838" y="5422604"/>
+            <a:ext cx="2838893" cy="1212112"/>
+          </a:xfrm>
+          <a:prstGeom prst="wedgeRectCallout">
+            <a:avLst>
+              <a:gd name="adj1" fmla="val -861"/>
+              <a:gd name="adj2" fmla="val -148427"/>
+            </a:avLst>
+          </a:prstGeom>
+        </p:spPr>
+        <p:style>
+          <a:lnRef idx="2">
+            <a:schemeClr val="accent1">
+              <a:shade val="50000"/>
+            </a:schemeClr>
+          </a:lnRef>
+          <a:fillRef idx="1">
+            <a:schemeClr val="accent1"/>
+          </a:fillRef>
+          <a:effectRef idx="0">
+            <a:schemeClr val="accent1"/>
+          </a:effectRef>
+          <a:fontRef idx="minor">
+            <a:schemeClr val="lt1"/>
+          </a:fontRef>
+        </p:style>
+        <p:txBody>
+          <a:bodyPr rtlCol="0" anchor="ctr"/>
+          <a:lstStyle/>
+          <a:p>
+            <a:pPr algn="ctr"/>
+            <a:r>
+              <a:rPr lang="ru-RU" dirty="0"/>
+              <a:t>В этой ячейке (переменной) будет запомнено то, что ввел </a:t>
+            </a:r>
+            <a:r>
+              <a:rPr lang="ru-RU" dirty="0" err="1"/>
+              <a:t>пользоватеь</a:t>
+            </a:r>
+            <a:endParaRPr lang="ru-RU" dirty="0"/>
+          </a:p>
+        </p:txBody>
+      </p:sp>
+      <p:sp>
+        <p:nvSpPr>
+          <p:cNvPr id="8" name="Облачко с текстом: прямоугольное 7">
+            <a:extLst>
+              <a:ext uri="{FF2B5EF4-FFF2-40B4-BE49-F238E27FC236}">
+                <a16:creationId xmlns:a16="http://schemas.microsoft.com/office/drawing/2014/main" id="{162F5FA1-D1AA-4177-BBC0-073CD0F7045B}"/>
+              </a:ext>
+            </a:extLst>
+          </p:cNvPr>
+          <p:cNvSpPr/>
+          <p:nvPr/>
+        </p:nvSpPr>
+        <p:spPr>
+          <a:xfrm>
+            <a:off x="3848986" y="5826529"/>
+            <a:ext cx="2966484" cy="808187"/>
+          </a:xfrm>
+          <a:prstGeom prst="wedgeRectCallout">
+            <a:avLst>
+              <a:gd name="adj1" fmla="val -108186"/>
+              <a:gd name="adj2" fmla="val -206164"/>
+            </a:avLst>
+          </a:prstGeom>
+        </p:spPr>
+        <p:style>
+          <a:lnRef idx="2">
+            <a:schemeClr val="accent1">
+              <a:shade val="50000"/>
+            </a:schemeClr>
+          </a:lnRef>
+          <a:fillRef idx="1">
+            <a:schemeClr val="accent1"/>
+          </a:fillRef>
+          <a:effectRef idx="0">
+            <a:schemeClr val="accent1"/>
+          </a:effectRef>
+          <a:fontRef idx="minor">
+            <a:schemeClr val="lt1"/>
+          </a:fontRef>
+        </p:style>
+        <p:txBody>
+          <a:bodyPr rtlCol="0" anchor="ctr"/>
+          <a:lstStyle/>
+          <a:p>
+            <a:pPr algn="ctr"/>
+            <a:r>
+              <a:rPr lang="ru-RU" dirty="0"/>
+              <a:t>Эта команда (функция) печатает строку</a:t>
+            </a:r>
+          </a:p>
+        </p:txBody>
+      </p:sp>
+      <p:sp>
+        <p:nvSpPr>
+          <p:cNvPr id="9" name="Облачко с текстом: прямоугольное 8">
+            <a:extLst>
+              <a:ext uri="{FF2B5EF4-FFF2-40B4-BE49-F238E27FC236}">
+                <a16:creationId xmlns:a16="http://schemas.microsoft.com/office/drawing/2014/main" id="{266C8353-F204-473D-992B-56D759FE271E}"/>
+              </a:ext>
+            </a:extLst>
+          </p:cNvPr>
+          <p:cNvSpPr/>
+          <p:nvPr/>
+        </p:nvSpPr>
+        <p:spPr>
+          <a:xfrm>
+            <a:off x="8591106" y="5720315"/>
+            <a:ext cx="3062177" cy="808187"/>
+          </a:xfrm>
+          <a:prstGeom prst="wedgeRectCallout">
+            <a:avLst>
+              <a:gd name="adj1" fmla="val -200807"/>
+              <a:gd name="adj2" fmla="val -180249"/>
+            </a:avLst>
+          </a:prstGeom>
+        </p:spPr>
+        <p:style>
+          <a:lnRef idx="2">
+            <a:schemeClr val="accent1">
+              <a:shade val="50000"/>
+            </a:schemeClr>
+          </a:lnRef>
+          <a:fillRef idx="1">
+            <a:schemeClr val="accent1"/>
+          </a:fillRef>
+          <a:effectRef idx="0">
+            <a:schemeClr val="accent1"/>
+          </a:effectRef>
+          <a:fontRef idx="minor">
+            <a:schemeClr val="lt1"/>
+          </a:fontRef>
+        </p:style>
+        <p:txBody>
+          <a:bodyPr rtlCol="0" anchor="ctr"/>
+          <a:lstStyle/>
+          <a:p>
+            <a:pPr algn="ctr"/>
+            <a:r>
+              <a:rPr lang="ru-RU" dirty="0"/>
+              <a:t>Вместо </a:t>
+            </a:r>
+            <a:r>
+              <a:rPr lang="en-US" dirty="0"/>
+              <a:t>{name}  </a:t>
+            </a:r>
+            <a:r>
+              <a:rPr lang="ru-RU" dirty="0"/>
+              <a:t>будет подставлено то, что вводил пользователь</a:t>
+            </a:r>
+          </a:p>
+        </p:txBody>
+      </p:sp>
+    </p:spTree>
+    <p:extLst>
+      <p:ext uri="{BB962C8B-B14F-4D97-AF65-F5344CB8AC3E}">
+        <p14:creationId xmlns:p14="http://schemas.microsoft.com/office/powerpoint/2010/main" val="1631389418"/>
+      </p:ext>
+    </p:extLst>
+  </p:cSld>
+  <p:clrMapOvr>
+    <a:masterClrMapping/>
+  </p:clrMapOvr>
+</p:sld>
+</file>
+
+<file path=ppt/slides/slide6.xml><?xml version="1.0" encoding="utf-8"?>
+<p:sld xmlns:a="http://schemas.openxmlformats.org/drawingml/2006/main" xmlns:r="http://schemas.openxmlformats.org/officeDocument/2006/relationships" xmlns:p="http://schemas.openxmlformats.org/presentationml/2006/main">
+  <p:cSld>
+    <p:spTree>
+      <p:nvGrpSpPr>
+        <p:cNvPr id="1" name=""/>
+        <p:cNvGrpSpPr/>
+        <p:nvPr/>
+      </p:nvGrpSpPr>
+      <p:grpSpPr>
+        <a:xfrm>
+          <a:off x="0" y="0"/>
+          <a:ext cx="0" cy="0"/>
+          <a:chOff x="0" y="0"/>
+          <a:chExt cx="0" cy="0"/>
+        </a:xfrm>
+      </p:grpSpPr>
+      <p:sp>
+        <p:nvSpPr>
+          <p:cNvPr id="2" name="Заголовок 1">
+            <a:extLst>
+              <a:ext uri="{FF2B5EF4-FFF2-40B4-BE49-F238E27FC236}">
+                <a16:creationId xmlns:a16="http://schemas.microsoft.com/office/drawing/2014/main" id="{AE3EA8D3-24AE-43B9-9177-D872FFCE6257}"/>
+              </a:ext>
+            </a:extLst>
+          </p:cNvPr>
+          <p:cNvSpPr>
+            <a:spLocks noGrp="1"/>
+          </p:cNvSpPr>
+          <p:nvPr>
+            <p:ph type="title"/>
+          </p:nvPr>
+        </p:nvSpPr>
+        <p:spPr/>
+        <p:txBody>
+          <a:bodyPr/>
+          <a:lstStyle/>
+          <a:p>
+            <a:r>
+              <a:rPr lang="ru-RU" dirty="0"/>
+              <a:t>Как устроена программа?</a:t>
+            </a:r>
+          </a:p>
+        </p:txBody>
+      </p:sp>
+      <p:sp>
+        <p:nvSpPr>
+          <p:cNvPr id="4" name="Прямоугольник 3">
+            <a:extLst>
+              <a:ext uri="{FF2B5EF4-FFF2-40B4-BE49-F238E27FC236}">
+                <a16:creationId xmlns:a16="http://schemas.microsoft.com/office/drawing/2014/main" id="{41FE19E1-4B1A-4134-BB84-6BF25B2B986E}"/>
+              </a:ext>
+            </a:extLst>
+          </p:cNvPr>
+          <p:cNvSpPr/>
+          <p:nvPr/>
+        </p:nvSpPr>
+        <p:spPr>
+          <a:xfrm>
+            <a:off x="1584251" y="1786270"/>
+            <a:ext cx="2371061" cy="3604437"/>
+          </a:xfrm>
+          <a:prstGeom prst="rect">
+            <a:avLst/>
+          </a:prstGeom>
+        </p:spPr>
+        <p:style>
+          <a:lnRef idx="2">
+            <a:schemeClr val="accent1">
+              <a:shade val="50000"/>
+            </a:schemeClr>
+          </a:lnRef>
+          <a:fillRef idx="1">
+            <a:schemeClr val="accent1"/>
+          </a:fillRef>
+          <a:effectRef idx="0">
+            <a:schemeClr val="accent1"/>
+          </a:effectRef>
+          <a:fontRef idx="minor">
+            <a:schemeClr val="lt1"/>
+          </a:fontRef>
+        </p:style>
+        <p:txBody>
+          <a:bodyPr rtlCol="0" anchor="ctr"/>
+          <a:lstStyle/>
+          <a:p>
+            <a:pPr algn="ctr"/>
+            <a:endParaRPr lang="ru-RU" dirty="0"/>
+          </a:p>
+          <a:p>
+            <a:pPr algn="ctr"/>
+            <a:endParaRPr lang="ru-RU" dirty="0"/>
+          </a:p>
+          <a:p>
+            <a:pPr algn="ctr"/>
+            <a:endParaRPr lang="ru-RU" dirty="0"/>
+          </a:p>
+          <a:p>
+            <a:pPr algn="ctr"/>
+            <a:endParaRPr lang="ru-RU" dirty="0"/>
+          </a:p>
+          <a:p>
+            <a:pPr algn="ctr"/>
+            <a:endParaRPr lang="ru-RU" dirty="0"/>
+          </a:p>
+          <a:p>
+            <a:pPr algn="ctr"/>
+            <a:endParaRPr lang="ru-RU" dirty="0"/>
+          </a:p>
+          <a:p>
+            <a:pPr algn="ctr"/>
+            <a:endParaRPr lang="ru-RU" dirty="0"/>
+          </a:p>
+          <a:p>
+            <a:pPr algn="ctr"/>
+            <a:endParaRPr lang="ru-RU" dirty="0"/>
+          </a:p>
+          <a:p>
+            <a:pPr algn="ctr"/>
+            <a:endParaRPr lang="ru-RU" dirty="0"/>
+          </a:p>
+          <a:p>
+            <a:pPr algn="ctr"/>
+            <a:endParaRPr lang="ru-RU" dirty="0"/>
+          </a:p>
+          <a:p>
+            <a:pPr algn="ctr"/>
+            <a:r>
+              <a:rPr lang="ru-RU" dirty="0"/>
+              <a:t>Команды</a:t>
+            </a:r>
+            <a:br>
+              <a:rPr lang="ru-RU" dirty="0"/>
+            </a:br>
+            <a:r>
+              <a:rPr lang="ru-RU" dirty="0"/>
+              <a:t>(то что надо делать)</a:t>
+            </a:r>
+          </a:p>
+        </p:txBody>
+      </p:sp>
+      <p:sp>
+        <p:nvSpPr>
+          <p:cNvPr id="5" name="Прямоугольник 4">
+            <a:extLst>
+              <a:ext uri="{FF2B5EF4-FFF2-40B4-BE49-F238E27FC236}">
+                <a16:creationId xmlns:a16="http://schemas.microsoft.com/office/drawing/2014/main" id="{36959EC9-DA08-47F7-A447-26D7D8A28626}"/>
+              </a:ext>
+            </a:extLst>
+          </p:cNvPr>
+          <p:cNvSpPr/>
+          <p:nvPr/>
+        </p:nvSpPr>
+        <p:spPr>
+          <a:xfrm>
+            <a:off x="7378995" y="1786270"/>
+            <a:ext cx="2371061" cy="3604437"/>
+          </a:xfrm>
+          <a:prstGeom prst="rect">
+            <a:avLst/>
+          </a:prstGeom>
+        </p:spPr>
+        <p:style>
+          <a:lnRef idx="2">
+            <a:schemeClr val="accent1">
+              <a:shade val="50000"/>
+            </a:schemeClr>
+          </a:lnRef>
+          <a:fillRef idx="1">
+            <a:schemeClr val="accent1"/>
+          </a:fillRef>
+          <a:effectRef idx="0">
+            <a:schemeClr val="accent1"/>
+          </a:effectRef>
+          <a:fontRef idx="minor">
+            <a:schemeClr val="lt1"/>
+          </a:fontRef>
+        </p:style>
+        <p:txBody>
+          <a:bodyPr rtlCol="0" anchor="ctr"/>
+          <a:lstStyle/>
+          <a:p>
+            <a:pPr algn="ctr"/>
+            <a:r>
+              <a:rPr lang="ru-RU" dirty="0"/>
+              <a:t>Данные</a:t>
+            </a:r>
+          </a:p>
+          <a:p>
+            <a:pPr algn="ctr"/>
+            <a:r>
+              <a:rPr lang="ru-RU" dirty="0"/>
+              <a:t>(то, что надо запоминать)</a:t>
+            </a:r>
+          </a:p>
+        </p:txBody>
+      </p:sp>
+      <p:sp>
+        <p:nvSpPr>
+          <p:cNvPr id="6" name="Прямоугольник 5">
+            <a:extLst>
+              <a:ext uri="{FF2B5EF4-FFF2-40B4-BE49-F238E27FC236}">
+                <a16:creationId xmlns:a16="http://schemas.microsoft.com/office/drawing/2014/main" id="{A1B6176A-6243-440A-8490-93DCF0D06EF2}"/>
+              </a:ext>
+            </a:extLst>
+          </p:cNvPr>
+          <p:cNvSpPr/>
+          <p:nvPr/>
+        </p:nvSpPr>
+        <p:spPr>
+          <a:xfrm>
+            <a:off x="1897911" y="1892680"/>
+            <a:ext cx="1743739" cy="414669"/>
+          </a:xfrm>
+          <a:prstGeom prst="rect">
+            <a:avLst/>
+          </a:prstGeom>
+        </p:spPr>
+        <p:style>
+          <a:lnRef idx="1">
+            <a:schemeClr val="accent2"/>
+          </a:lnRef>
+          <a:fillRef idx="3">
+            <a:schemeClr val="accent2"/>
+          </a:fillRef>
+          <a:effectRef idx="2">
+            <a:schemeClr val="accent2"/>
+          </a:effectRef>
+          <a:fontRef idx="minor">
+            <a:schemeClr val="lt1"/>
+          </a:fontRef>
+        </p:style>
+        <p:txBody>
+          <a:bodyPr rtlCol="0" anchor="ctr"/>
+          <a:lstStyle/>
+          <a:p>
+            <a:pPr algn="ctr"/>
+            <a:endParaRPr lang="ru-RU"/>
+          </a:p>
+        </p:txBody>
+      </p:sp>
+      <p:sp>
+        <p:nvSpPr>
+          <p:cNvPr id="7" name="Прямоугольник 6">
+            <a:extLst>
+              <a:ext uri="{FF2B5EF4-FFF2-40B4-BE49-F238E27FC236}">
+                <a16:creationId xmlns:a16="http://schemas.microsoft.com/office/drawing/2014/main" id="{ECD0AC90-01E4-40E4-A870-A3900A553801}"/>
+              </a:ext>
+            </a:extLst>
+          </p:cNvPr>
+          <p:cNvSpPr/>
+          <p:nvPr/>
+        </p:nvSpPr>
+        <p:spPr>
+          <a:xfrm>
+            <a:off x="1903228" y="2466642"/>
+            <a:ext cx="1743739" cy="414669"/>
+          </a:xfrm>
+          <a:prstGeom prst="rect">
+            <a:avLst/>
+          </a:prstGeom>
+        </p:spPr>
+        <p:style>
+          <a:lnRef idx="1">
+            <a:schemeClr val="accent2"/>
+          </a:lnRef>
+          <a:fillRef idx="3">
+            <a:schemeClr val="accent2"/>
+          </a:fillRef>
+          <a:effectRef idx="2">
+            <a:schemeClr val="accent2"/>
+          </a:effectRef>
+          <a:fontRef idx="minor">
+            <a:schemeClr val="lt1"/>
+          </a:fontRef>
+        </p:style>
+        <p:txBody>
+          <a:bodyPr rtlCol="0" anchor="ctr"/>
+          <a:lstStyle/>
+          <a:p>
+            <a:pPr algn="ctr"/>
+            <a:endParaRPr lang="ru-RU"/>
+          </a:p>
+        </p:txBody>
+      </p:sp>
+      <p:sp>
+        <p:nvSpPr>
+          <p:cNvPr id="8" name="Прямоугольник 7">
+            <a:extLst>
+              <a:ext uri="{FF2B5EF4-FFF2-40B4-BE49-F238E27FC236}">
+                <a16:creationId xmlns:a16="http://schemas.microsoft.com/office/drawing/2014/main" id="{3F9390CF-6A85-4DDF-9D5B-A2511A6AC2BC}"/>
+              </a:ext>
+            </a:extLst>
+          </p:cNvPr>
+          <p:cNvSpPr/>
+          <p:nvPr/>
+        </p:nvSpPr>
+        <p:spPr>
+          <a:xfrm>
+            <a:off x="1903228" y="3019815"/>
+            <a:ext cx="1743739" cy="414669"/>
+          </a:xfrm>
+          <a:prstGeom prst="rect">
+            <a:avLst/>
+          </a:prstGeom>
+        </p:spPr>
+        <p:style>
+          <a:lnRef idx="1">
+            <a:schemeClr val="accent2"/>
+          </a:lnRef>
+          <a:fillRef idx="3">
+            <a:schemeClr val="accent2"/>
+          </a:fillRef>
+          <a:effectRef idx="2">
+            <a:schemeClr val="accent2"/>
+          </a:effectRef>
+          <a:fontRef idx="minor">
+            <a:schemeClr val="lt1"/>
+          </a:fontRef>
+        </p:style>
+        <p:txBody>
+          <a:bodyPr rtlCol="0" anchor="ctr"/>
+          <a:lstStyle/>
+          <a:p>
+            <a:pPr algn="ctr"/>
+            <a:endParaRPr lang="ru-RU"/>
+          </a:p>
+        </p:txBody>
+      </p:sp>
+      <p:sp>
+        <p:nvSpPr>
+          <p:cNvPr id="9" name="Прямоугольник 8">
+            <a:extLst>
+              <a:ext uri="{FF2B5EF4-FFF2-40B4-BE49-F238E27FC236}">
+                <a16:creationId xmlns:a16="http://schemas.microsoft.com/office/drawing/2014/main" id="{FCAE2682-3056-48FB-87DA-6784DA073F24}"/>
+              </a:ext>
+            </a:extLst>
+          </p:cNvPr>
+          <p:cNvSpPr/>
+          <p:nvPr/>
+        </p:nvSpPr>
+        <p:spPr>
+          <a:xfrm>
+            <a:off x="1889051" y="3593777"/>
+            <a:ext cx="1743739" cy="414669"/>
+          </a:xfrm>
+          <a:prstGeom prst="rect">
+            <a:avLst/>
+          </a:prstGeom>
+        </p:spPr>
+        <p:style>
+          <a:lnRef idx="1">
+            <a:schemeClr val="accent2"/>
+          </a:lnRef>
+          <a:fillRef idx="3">
+            <a:schemeClr val="accent2"/>
+          </a:fillRef>
+          <a:effectRef idx="2">
+            <a:schemeClr val="accent2"/>
+          </a:effectRef>
+          <a:fontRef idx="minor">
+            <a:schemeClr val="lt1"/>
+          </a:fontRef>
+        </p:style>
+        <p:txBody>
+          <a:bodyPr rtlCol="0" anchor="ctr"/>
+          <a:lstStyle/>
+          <a:p>
+            <a:pPr algn="ctr"/>
+            <a:endParaRPr lang="ru-RU"/>
+          </a:p>
+        </p:txBody>
+      </p:sp>
+      <p:sp>
+        <p:nvSpPr>
+          <p:cNvPr id="10" name="Прямоугольник 9">
+            <a:extLst>
+              <a:ext uri="{FF2B5EF4-FFF2-40B4-BE49-F238E27FC236}">
+                <a16:creationId xmlns:a16="http://schemas.microsoft.com/office/drawing/2014/main" id="{D45A5890-517C-47DF-9087-A387BD1DE8B8}"/>
+              </a:ext>
+            </a:extLst>
+          </p:cNvPr>
+          <p:cNvSpPr/>
+          <p:nvPr/>
+        </p:nvSpPr>
+        <p:spPr>
+          <a:xfrm>
+            <a:off x="1897911" y="4178567"/>
+            <a:ext cx="1743739" cy="414669"/>
+          </a:xfrm>
+          <a:prstGeom prst="rect">
+            <a:avLst/>
+          </a:prstGeom>
+        </p:spPr>
+        <p:style>
+          <a:lnRef idx="1">
+            <a:schemeClr val="accent2"/>
+          </a:lnRef>
+          <a:fillRef idx="3">
+            <a:schemeClr val="accent2"/>
+          </a:fillRef>
+          <a:effectRef idx="2">
+            <a:schemeClr val="accent2"/>
+          </a:effectRef>
+          <a:fontRef idx="minor">
+            <a:schemeClr val="lt1"/>
+          </a:fontRef>
+        </p:style>
+        <p:txBody>
+          <a:bodyPr rtlCol="0" anchor="ctr"/>
+          <a:lstStyle/>
+          <a:p>
+            <a:pPr algn="ctr"/>
+            <a:endParaRPr lang="ru-RU"/>
+          </a:p>
+        </p:txBody>
+      </p:sp>
+      <p:sp>
+        <p:nvSpPr>
+          <p:cNvPr id="11" name="Стрелка: вниз 10">
+            <a:extLst>
+              <a:ext uri="{FF2B5EF4-FFF2-40B4-BE49-F238E27FC236}">
+                <a16:creationId xmlns:a16="http://schemas.microsoft.com/office/drawing/2014/main" id="{51F15B7B-8CDA-43F7-BF11-A816D2478477}"/>
+              </a:ext>
+            </a:extLst>
+          </p:cNvPr>
+          <p:cNvSpPr/>
+          <p:nvPr/>
+        </p:nvSpPr>
+        <p:spPr>
+          <a:xfrm>
+            <a:off x="492641" y="1786270"/>
+            <a:ext cx="691117" cy="4051115"/>
+          </a:xfrm>
+          <a:prstGeom prst="downArrow">
+            <a:avLst/>
+          </a:prstGeom>
+        </p:spPr>
+        <p:style>
+          <a:lnRef idx="2">
+            <a:schemeClr val="accent1">
+              <a:shade val="50000"/>
+            </a:schemeClr>
+          </a:lnRef>
+          <a:fillRef idx="1">
+            <a:schemeClr val="accent1"/>
+          </a:fillRef>
+          <a:effectRef idx="0">
+            <a:schemeClr val="accent1"/>
+          </a:effectRef>
+          <a:fontRef idx="minor">
+            <a:schemeClr val="lt1"/>
+          </a:fontRef>
+        </p:style>
+        <p:txBody>
+          <a:bodyPr rtlCol="0" anchor="ctr"/>
+          <a:lstStyle/>
+          <a:p>
+            <a:pPr algn="ctr"/>
+            <a:r>
+              <a:rPr lang="ru-RU" sz="1400" dirty="0"/>
+              <a:t>Порядок </a:t>
+            </a:r>
+          </a:p>
+          <a:p>
+            <a:pPr algn="ctr"/>
+            <a:r>
+              <a:rPr lang="ru-RU" sz="1400" dirty="0"/>
+              <a:t> выполнения</a:t>
+            </a:r>
+          </a:p>
+        </p:txBody>
+      </p:sp>
+      <p:sp>
+        <p:nvSpPr>
+          <p:cNvPr id="12" name="Стрелка: вправо 11">
+            <a:extLst>
+              <a:ext uri="{FF2B5EF4-FFF2-40B4-BE49-F238E27FC236}">
+                <a16:creationId xmlns:a16="http://schemas.microsoft.com/office/drawing/2014/main" id="{3FAFE39F-B025-4FE2-A3EA-E30BF9B4253C}"/>
+              </a:ext>
+            </a:extLst>
+          </p:cNvPr>
+          <p:cNvSpPr/>
+          <p:nvPr/>
+        </p:nvSpPr>
+        <p:spPr>
+          <a:xfrm>
+            <a:off x="3822405" y="1749140"/>
+            <a:ext cx="3891516" cy="840141"/>
+          </a:xfrm>
+          <a:prstGeom prst="rightArrow">
+            <a:avLst/>
+          </a:prstGeom>
+        </p:spPr>
+        <p:style>
+          <a:lnRef idx="2">
+            <a:schemeClr val="accent1">
+              <a:shade val="50000"/>
+            </a:schemeClr>
+          </a:lnRef>
+          <a:fillRef idx="1">
+            <a:schemeClr val="accent1"/>
+          </a:fillRef>
+          <a:effectRef idx="0">
+            <a:schemeClr val="accent1"/>
+          </a:effectRef>
+          <a:fontRef idx="minor">
+            <a:schemeClr val="lt1"/>
+          </a:fontRef>
+        </p:style>
+        <p:txBody>
+          <a:bodyPr rtlCol="0" anchor="ctr"/>
+          <a:lstStyle/>
+          <a:p>
+            <a:pPr algn="ctr"/>
+            <a:r>
+              <a:rPr lang="ru-RU" dirty="0"/>
+              <a:t>Присваивание значения</a:t>
+            </a:r>
+          </a:p>
+        </p:txBody>
+      </p:sp>
+      <p:sp>
+        <p:nvSpPr>
+          <p:cNvPr id="13" name="Стрелка: вправо 12">
+            <a:extLst>
+              <a:ext uri="{FF2B5EF4-FFF2-40B4-BE49-F238E27FC236}">
+                <a16:creationId xmlns:a16="http://schemas.microsoft.com/office/drawing/2014/main" id="{6D752FAB-8B39-4181-A428-5CCF04BF2E55}"/>
+              </a:ext>
+            </a:extLst>
+          </p:cNvPr>
+          <p:cNvSpPr/>
+          <p:nvPr/>
+        </p:nvSpPr>
+        <p:spPr>
+          <a:xfrm flipH="1">
+            <a:off x="3721396" y="4173165"/>
+            <a:ext cx="3891516" cy="840141"/>
+          </a:xfrm>
+          <a:prstGeom prst="rightArrow">
+            <a:avLst/>
+          </a:prstGeom>
+        </p:spPr>
+        <p:style>
+          <a:lnRef idx="2">
+            <a:schemeClr val="accent1">
+              <a:shade val="50000"/>
+            </a:schemeClr>
+          </a:lnRef>
+          <a:fillRef idx="1">
+            <a:schemeClr val="accent1"/>
+          </a:fillRef>
+          <a:effectRef idx="0">
+            <a:schemeClr val="accent1"/>
+          </a:effectRef>
+          <a:fontRef idx="minor">
+            <a:schemeClr val="lt1"/>
+          </a:fontRef>
+        </p:style>
+        <p:txBody>
+          <a:bodyPr rtlCol="0" anchor="ctr"/>
+          <a:lstStyle/>
+          <a:p>
+            <a:pPr algn="ctr"/>
+            <a:r>
+              <a:rPr lang="ru-RU" dirty="0"/>
+              <a:t>Чтение значения</a:t>
+            </a:r>
+          </a:p>
+        </p:txBody>
+      </p:sp>
+      <p:sp>
+        <p:nvSpPr>
+          <p:cNvPr id="14" name="TextBox 13">
+            <a:extLst>
+              <a:ext uri="{FF2B5EF4-FFF2-40B4-BE49-F238E27FC236}">
+                <a16:creationId xmlns:a16="http://schemas.microsoft.com/office/drawing/2014/main" id="{AFBEF121-7511-457C-8991-D4ED10C1ED09}"/>
+              </a:ext>
+            </a:extLst>
+          </p:cNvPr>
+          <p:cNvSpPr txBox="1"/>
+          <p:nvPr/>
+        </p:nvSpPr>
+        <p:spPr>
+          <a:xfrm>
+            <a:off x="7713921" y="5486289"/>
+            <a:ext cx="1965538" cy="646331"/>
+          </a:xfrm>
+          <a:prstGeom prst="rect">
+            <a:avLst/>
+          </a:prstGeom>
+          <a:noFill/>
+        </p:spPr>
+        <p:txBody>
+          <a:bodyPr wrap="none" rtlCol="0">
+            <a:spAutoFit/>
+          </a:bodyPr>
+          <a:lstStyle/>
+          <a:p>
+            <a:r>
+              <a:rPr lang="ru-RU" dirty="0"/>
+              <a:t>переменные,</a:t>
+            </a:r>
+            <a:br>
+              <a:rPr lang="ru-RU" dirty="0"/>
+            </a:br>
+            <a:r>
+              <a:rPr lang="ru-RU" dirty="0"/>
+              <a:t>структуры данных</a:t>
+            </a:r>
+          </a:p>
+        </p:txBody>
+      </p:sp>
+    </p:spTree>
+    <p:extLst>
+      <p:ext uri="{BB962C8B-B14F-4D97-AF65-F5344CB8AC3E}">
+        <p14:creationId xmlns:p14="http://schemas.microsoft.com/office/powerpoint/2010/main" val="1320950089"/>
+      </p:ext>
+    </p:extLst>
+  </p:cSld>
+  <p:clrMapOvr>
+    <a:masterClrMapping/>
+  </p:clrMapOvr>
+</p:sld>
+</file>
+
+<file path=ppt/slides/slide7.xml><?xml version="1.0" encoding="utf-8"?>
+<p:sld xmlns:a="http://schemas.openxmlformats.org/drawingml/2006/main" xmlns:r="http://schemas.openxmlformats.org/officeDocument/2006/relationships" xmlns:p="http://schemas.openxmlformats.org/presentationml/2006/main">
+  <p:cSld>
+    <p:spTree>
+      <p:nvGrpSpPr>
+        <p:cNvPr id="1" name=""/>
+        <p:cNvGrpSpPr/>
+        <p:nvPr/>
+      </p:nvGrpSpPr>
+      <p:grpSpPr>
+        <a:xfrm>
+          <a:off x="0" y="0"/>
+          <a:ext cx="0" cy="0"/>
+          <a:chOff x="0" y="0"/>
+          <a:chExt cx="0" cy="0"/>
+        </a:xfrm>
+      </p:grpSpPr>
+      <p:sp>
+        <p:nvSpPr>
+          <p:cNvPr id="2" name="Заголовок 1">
+            <a:extLst>
+              <a:ext uri="{FF2B5EF4-FFF2-40B4-BE49-F238E27FC236}">
+                <a16:creationId xmlns:a16="http://schemas.microsoft.com/office/drawing/2014/main" id="{8202A56F-DF2C-4D2F-A46D-B4AD73988342}"/>
+              </a:ext>
+            </a:extLst>
+          </p:cNvPr>
+          <p:cNvSpPr>
+            <a:spLocks noGrp="1"/>
+          </p:cNvSpPr>
+          <p:nvPr>
+            <p:ph type="title"/>
+          </p:nvPr>
+        </p:nvSpPr>
+        <p:spPr/>
+        <p:txBody>
+          <a:bodyPr/>
+          <a:lstStyle/>
+          <a:p>
+            <a:r>
+              <a:rPr lang="ru-RU" dirty="0"/>
+              <a:t>Пример посложней</a:t>
+            </a:r>
+          </a:p>
+        </p:txBody>
+      </p:sp>
+      <p:sp>
+        <p:nvSpPr>
+          <p:cNvPr id="5" name="TextBox 4">
+            <a:extLst>
+              <a:ext uri="{FF2B5EF4-FFF2-40B4-BE49-F238E27FC236}">
+                <a16:creationId xmlns:a16="http://schemas.microsoft.com/office/drawing/2014/main" id="{95220E72-9BED-4132-B505-6E7C16ABEAE8}"/>
+              </a:ext>
+            </a:extLst>
+          </p:cNvPr>
+          <p:cNvSpPr txBox="1"/>
+          <p:nvPr/>
+        </p:nvSpPr>
+        <p:spPr>
+          <a:xfrm>
+            <a:off x="838200" y="1502688"/>
+            <a:ext cx="6097772" cy="5355312"/>
+          </a:xfrm>
+          <a:prstGeom prst="rect">
+            <a:avLst/>
+          </a:prstGeom>
+          <a:noFill/>
+        </p:spPr>
+        <p:txBody>
+          <a:bodyPr wrap="square">
+            <a:spAutoFit/>
+          </a:bodyPr>
+          <a:lstStyle/>
+          <a:p>
+            <a:r>
+              <a:rPr lang="en-US" b="0" dirty="0">
+                <a:solidFill>
+                  <a:srgbClr val="6A9955"/>
+                </a:solidFill>
+                <a:effectLst/>
+                <a:latin typeface="Consolas" panose="020B0609020204030204" pitchFamily="49" charset="0"/>
+              </a:rPr>
+              <a:t># (c) TICSIA</a:t>
+            </a:r>
+            <a:endParaRPr lang="en-US" b="0" dirty="0">
+              <a:solidFill>
+                <a:srgbClr val="D4D4D4"/>
+              </a:solidFill>
+              <a:effectLst/>
+              <a:latin typeface="Consolas" panose="020B0609020204030204" pitchFamily="49" charset="0"/>
+            </a:endParaRPr>
+          </a:p>
+          <a:p>
+            <a:r>
+              <a:rPr lang="en-US" b="0" dirty="0">
+                <a:solidFill>
+                  <a:srgbClr val="6A9955"/>
+                </a:solidFill>
+                <a:effectLst/>
+                <a:latin typeface="Consolas" panose="020B0609020204030204" pitchFamily="49" charset="0"/>
+              </a:rPr>
+              <a:t>#</a:t>
+            </a:r>
+            <a:endParaRPr lang="en-US" b="0" dirty="0">
+              <a:solidFill>
+                <a:srgbClr val="D4D4D4"/>
+              </a:solidFill>
+              <a:effectLst/>
+              <a:latin typeface="Consolas" panose="020B0609020204030204" pitchFamily="49" charset="0"/>
+            </a:endParaRPr>
+          </a:p>
+          <a:p>
+            <a:r>
+              <a:rPr lang="en-US" b="0" dirty="0">
+                <a:solidFill>
+                  <a:srgbClr val="6A9955"/>
+                </a:solidFill>
+                <a:effectLst/>
+                <a:latin typeface="Consolas" panose="020B0609020204030204" pitchFamily="49" charset="0"/>
+              </a:rPr>
+              <a:t>#</a:t>
+            </a:r>
+            <a:endParaRPr lang="en-US" b="0" dirty="0">
+              <a:solidFill>
+                <a:srgbClr val="D4D4D4"/>
+              </a:solidFill>
+              <a:effectLst/>
+              <a:latin typeface="Consolas" panose="020B0609020204030204" pitchFamily="49" charset="0"/>
+            </a:endParaRPr>
+          </a:p>
+          <a:p>
+            <a:r>
+              <a:rPr lang="en-US" b="0" dirty="0">
+                <a:solidFill>
+                  <a:srgbClr val="C586C0"/>
+                </a:solidFill>
+                <a:effectLst/>
+                <a:latin typeface="Consolas" panose="020B0609020204030204" pitchFamily="49" charset="0"/>
+              </a:rPr>
+              <a:t>import</a:t>
+            </a:r>
+            <a:r>
+              <a:rPr lang="en-US" b="0" dirty="0">
+                <a:solidFill>
+                  <a:srgbClr val="D4D4D4"/>
+                </a:solidFill>
+                <a:effectLst/>
+                <a:latin typeface="Consolas" panose="020B0609020204030204" pitchFamily="49" charset="0"/>
+              </a:rPr>
+              <a:t> math</a:t>
+            </a:r>
+          </a:p>
+          <a:p>
+            <a:br>
+              <a:rPr lang="en-US" b="0" dirty="0">
+                <a:solidFill>
+                  <a:srgbClr val="D4D4D4"/>
+                </a:solidFill>
+                <a:effectLst/>
+                <a:latin typeface="Consolas" panose="020B0609020204030204" pitchFamily="49" charset="0"/>
+              </a:rPr>
+            </a:br>
+            <a:r>
+              <a:rPr lang="en-US" b="0" dirty="0">
+                <a:solidFill>
+                  <a:srgbClr val="D4D4D4"/>
+                </a:solidFill>
+                <a:effectLst/>
+                <a:latin typeface="Consolas" panose="020B0609020204030204" pitchFamily="49" charset="0"/>
+              </a:rPr>
+              <a:t>a = </a:t>
+            </a:r>
+            <a:r>
+              <a:rPr lang="en-US" b="0" dirty="0">
+                <a:solidFill>
+                  <a:srgbClr val="4EC9B0"/>
+                </a:solidFill>
+                <a:effectLst/>
+                <a:latin typeface="Consolas" panose="020B0609020204030204" pitchFamily="49" charset="0"/>
+              </a:rPr>
+              <a:t>int</a:t>
+            </a:r>
+            <a:r>
+              <a:rPr lang="en-US" b="0" dirty="0">
+                <a:solidFill>
+                  <a:srgbClr val="D4D4D4"/>
+                </a:solidFill>
+                <a:effectLst/>
+                <a:latin typeface="Consolas" panose="020B0609020204030204" pitchFamily="49" charset="0"/>
+              </a:rPr>
+              <a:t>(</a:t>
+            </a:r>
+            <a:r>
+              <a:rPr lang="en-US" b="0" dirty="0">
+                <a:solidFill>
+                  <a:srgbClr val="DCDCAA"/>
+                </a:solidFill>
+                <a:effectLst/>
+                <a:latin typeface="Consolas" panose="020B0609020204030204" pitchFamily="49" charset="0"/>
+              </a:rPr>
+              <a:t>input</a:t>
+            </a:r>
+            <a:r>
+              <a:rPr lang="en-US" b="0" dirty="0">
+                <a:solidFill>
+                  <a:srgbClr val="D4D4D4"/>
+                </a:solidFill>
+                <a:effectLst/>
+                <a:latin typeface="Consolas" panose="020B0609020204030204" pitchFamily="49" charset="0"/>
+              </a:rPr>
+              <a:t>(</a:t>
+            </a:r>
+            <a:r>
+              <a:rPr lang="en-US" b="0" dirty="0">
+                <a:solidFill>
+                  <a:srgbClr val="CE9178"/>
+                </a:solidFill>
+                <a:effectLst/>
+                <a:latin typeface="Consolas" panose="020B0609020204030204" pitchFamily="49" charset="0"/>
+              </a:rPr>
+              <a:t>'a &gt; '</a:t>
+            </a:r>
+            <a:r>
+              <a:rPr lang="en-US" b="0" dirty="0">
+                <a:solidFill>
+                  <a:srgbClr val="D4D4D4"/>
+                </a:solidFill>
+                <a:effectLst/>
+                <a:latin typeface="Consolas" panose="020B0609020204030204" pitchFamily="49" charset="0"/>
+              </a:rPr>
+              <a:t>))</a:t>
+            </a:r>
+          </a:p>
+          <a:p>
+            <a:r>
+              <a:rPr lang="en-US" b="0" dirty="0">
+                <a:solidFill>
+                  <a:srgbClr val="D4D4D4"/>
+                </a:solidFill>
+                <a:effectLst/>
+                <a:latin typeface="Consolas" panose="020B0609020204030204" pitchFamily="49" charset="0"/>
+              </a:rPr>
+              <a:t>b = </a:t>
+            </a:r>
+            <a:r>
+              <a:rPr lang="en-US" b="0" dirty="0">
+                <a:solidFill>
+                  <a:srgbClr val="4EC9B0"/>
+                </a:solidFill>
+                <a:effectLst/>
+                <a:latin typeface="Consolas" panose="020B0609020204030204" pitchFamily="49" charset="0"/>
+              </a:rPr>
+              <a:t>int</a:t>
+            </a:r>
+            <a:r>
+              <a:rPr lang="en-US" b="0" dirty="0">
+                <a:solidFill>
+                  <a:srgbClr val="D4D4D4"/>
+                </a:solidFill>
+                <a:effectLst/>
+                <a:latin typeface="Consolas" panose="020B0609020204030204" pitchFamily="49" charset="0"/>
+              </a:rPr>
+              <a:t>(</a:t>
+            </a:r>
+            <a:r>
+              <a:rPr lang="en-US" b="0" dirty="0">
+                <a:solidFill>
+                  <a:srgbClr val="DCDCAA"/>
+                </a:solidFill>
+                <a:effectLst/>
+                <a:latin typeface="Consolas" panose="020B0609020204030204" pitchFamily="49" charset="0"/>
+              </a:rPr>
+              <a:t>input</a:t>
+            </a:r>
+            <a:r>
+              <a:rPr lang="en-US" b="0" dirty="0">
+                <a:solidFill>
+                  <a:srgbClr val="D4D4D4"/>
+                </a:solidFill>
+                <a:effectLst/>
+                <a:latin typeface="Consolas" panose="020B0609020204030204" pitchFamily="49" charset="0"/>
+              </a:rPr>
+              <a:t>(</a:t>
+            </a:r>
+            <a:r>
+              <a:rPr lang="en-US" b="0" dirty="0">
+                <a:solidFill>
+                  <a:srgbClr val="CE9178"/>
+                </a:solidFill>
+                <a:effectLst/>
+                <a:latin typeface="Consolas" panose="020B0609020204030204" pitchFamily="49" charset="0"/>
+              </a:rPr>
+              <a:t>'b &gt; '</a:t>
+            </a:r>
+            <a:r>
+              <a:rPr lang="en-US" b="0" dirty="0">
+                <a:solidFill>
+                  <a:srgbClr val="D4D4D4"/>
+                </a:solidFill>
+                <a:effectLst/>
+                <a:latin typeface="Consolas" panose="020B0609020204030204" pitchFamily="49" charset="0"/>
+              </a:rPr>
+              <a:t>))</a:t>
+            </a:r>
+          </a:p>
+          <a:p>
+            <a:r>
+              <a:rPr lang="en-US" b="0" dirty="0">
+                <a:solidFill>
+                  <a:srgbClr val="D4D4D4"/>
+                </a:solidFill>
+                <a:effectLst/>
+                <a:latin typeface="Consolas" panose="020B0609020204030204" pitchFamily="49" charset="0"/>
+              </a:rPr>
+              <a:t>c = </a:t>
+            </a:r>
+            <a:r>
+              <a:rPr lang="en-US" b="0" dirty="0">
+                <a:solidFill>
+                  <a:srgbClr val="4EC9B0"/>
+                </a:solidFill>
+                <a:effectLst/>
+                <a:latin typeface="Consolas" panose="020B0609020204030204" pitchFamily="49" charset="0"/>
+              </a:rPr>
+              <a:t>int</a:t>
+            </a:r>
+            <a:r>
+              <a:rPr lang="en-US" b="0" dirty="0">
+                <a:solidFill>
+                  <a:srgbClr val="D4D4D4"/>
+                </a:solidFill>
+                <a:effectLst/>
+                <a:latin typeface="Consolas" panose="020B0609020204030204" pitchFamily="49" charset="0"/>
+              </a:rPr>
+              <a:t>(</a:t>
+            </a:r>
+            <a:r>
+              <a:rPr lang="en-US" b="0" dirty="0">
+                <a:solidFill>
+                  <a:srgbClr val="DCDCAA"/>
+                </a:solidFill>
+                <a:effectLst/>
+                <a:latin typeface="Consolas" panose="020B0609020204030204" pitchFamily="49" charset="0"/>
+              </a:rPr>
+              <a:t>input</a:t>
+            </a:r>
+            <a:r>
+              <a:rPr lang="en-US" b="0" dirty="0">
+                <a:solidFill>
+                  <a:srgbClr val="D4D4D4"/>
+                </a:solidFill>
+                <a:effectLst/>
+                <a:latin typeface="Consolas" panose="020B0609020204030204" pitchFamily="49" charset="0"/>
+              </a:rPr>
+              <a:t>(</a:t>
+            </a:r>
+            <a:r>
+              <a:rPr lang="en-US" b="0" dirty="0">
+                <a:solidFill>
+                  <a:srgbClr val="CE9178"/>
+                </a:solidFill>
+                <a:effectLst/>
+                <a:latin typeface="Consolas" panose="020B0609020204030204" pitchFamily="49" charset="0"/>
+              </a:rPr>
+              <a:t>'c &gt; '</a:t>
+            </a:r>
+            <a:r>
+              <a:rPr lang="en-US" b="0" dirty="0">
+                <a:solidFill>
+                  <a:srgbClr val="D4D4D4"/>
+                </a:solidFill>
+                <a:effectLst/>
+                <a:latin typeface="Consolas" panose="020B0609020204030204" pitchFamily="49" charset="0"/>
+              </a:rPr>
+              <a:t>))</a:t>
+            </a:r>
+          </a:p>
+          <a:p>
+            <a:br>
+              <a:rPr lang="en-US" b="0" dirty="0">
+                <a:solidFill>
+                  <a:srgbClr val="D4D4D4"/>
+                </a:solidFill>
+                <a:effectLst/>
+                <a:latin typeface="Consolas" panose="020B0609020204030204" pitchFamily="49" charset="0"/>
+              </a:rPr>
+            </a:br>
+            <a:r>
+              <a:rPr lang="en-US" b="0" dirty="0">
+                <a:solidFill>
+                  <a:srgbClr val="D4D4D4"/>
+                </a:solidFill>
+                <a:effectLst/>
+                <a:latin typeface="Consolas" panose="020B0609020204030204" pitchFamily="49" charset="0"/>
+              </a:rPr>
+              <a:t>d = (b**</a:t>
+            </a:r>
+            <a:r>
+              <a:rPr lang="en-US" b="0" dirty="0">
+                <a:solidFill>
+                  <a:srgbClr val="B5CEA8"/>
+                </a:solidFill>
+                <a:effectLst/>
+                <a:latin typeface="Consolas" panose="020B0609020204030204" pitchFamily="49" charset="0"/>
+              </a:rPr>
+              <a:t>2</a:t>
+            </a:r>
+            <a:r>
+              <a:rPr lang="en-US" b="0" dirty="0">
+                <a:solidFill>
+                  <a:srgbClr val="D4D4D4"/>
+                </a:solidFill>
+                <a:effectLst/>
+                <a:latin typeface="Consolas" panose="020B0609020204030204" pitchFamily="49" charset="0"/>
+              </a:rPr>
+              <a:t>) - </a:t>
+            </a:r>
+            <a:r>
+              <a:rPr lang="en-US" b="0" dirty="0">
+                <a:solidFill>
+                  <a:srgbClr val="B5CEA8"/>
+                </a:solidFill>
+                <a:effectLst/>
+                <a:latin typeface="Consolas" panose="020B0609020204030204" pitchFamily="49" charset="0"/>
+              </a:rPr>
+              <a:t>4</a:t>
+            </a:r>
+            <a:r>
+              <a:rPr lang="en-US" b="0" dirty="0">
+                <a:solidFill>
+                  <a:srgbClr val="D4D4D4"/>
+                </a:solidFill>
+                <a:effectLst/>
+                <a:latin typeface="Consolas" panose="020B0609020204030204" pitchFamily="49" charset="0"/>
+              </a:rPr>
+              <a:t> * a * c</a:t>
+            </a:r>
+          </a:p>
+          <a:p>
+            <a:br>
+              <a:rPr lang="en-US" b="0" dirty="0">
+                <a:solidFill>
+                  <a:srgbClr val="D4D4D4"/>
+                </a:solidFill>
+                <a:effectLst/>
+                <a:latin typeface="Consolas" panose="020B0609020204030204" pitchFamily="49" charset="0"/>
+              </a:rPr>
+            </a:br>
+            <a:r>
+              <a:rPr lang="en-US" b="0" dirty="0">
+                <a:solidFill>
+                  <a:srgbClr val="C586C0"/>
+                </a:solidFill>
+                <a:effectLst/>
+                <a:latin typeface="Consolas" panose="020B0609020204030204" pitchFamily="49" charset="0"/>
+              </a:rPr>
+              <a:t>if</a:t>
+            </a:r>
+            <a:r>
+              <a:rPr lang="en-US" b="0" dirty="0">
+                <a:solidFill>
+                  <a:srgbClr val="D4D4D4"/>
+                </a:solidFill>
+                <a:effectLst/>
+                <a:latin typeface="Consolas" panose="020B0609020204030204" pitchFamily="49" charset="0"/>
+              </a:rPr>
+              <a:t> d &gt;= </a:t>
+            </a:r>
+            <a:r>
+              <a:rPr lang="en-US" b="0" dirty="0">
+                <a:solidFill>
+                  <a:srgbClr val="B5CEA8"/>
+                </a:solidFill>
+                <a:effectLst/>
+                <a:latin typeface="Consolas" panose="020B0609020204030204" pitchFamily="49" charset="0"/>
+              </a:rPr>
+              <a:t>0</a:t>
+            </a:r>
+            <a:r>
+              <a:rPr lang="en-US" b="0" dirty="0">
+                <a:solidFill>
+                  <a:srgbClr val="D4D4D4"/>
+                </a:solidFill>
+                <a:effectLst/>
+                <a:latin typeface="Consolas" panose="020B0609020204030204" pitchFamily="49" charset="0"/>
+              </a:rPr>
+              <a:t>:</a:t>
+            </a:r>
+          </a:p>
+          <a:p>
+            <a:r>
+              <a:rPr lang="en-US" b="0" dirty="0">
+                <a:solidFill>
+                  <a:srgbClr val="D4D4D4"/>
+                </a:solidFill>
+                <a:effectLst/>
+                <a:latin typeface="Consolas" panose="020B0609020204030204" pitchFamily="49" charset="0"/>
+              </a:rPr>
+              <a:t>    x1 = -d + </a:t>
+            </a:r>
+            <a:r>
+              <a:rPr lang="en-US" b="0" dirty="0" err="1">
+                <a:solidFill>
+                  <a:srgbClr val="D4D4D4"/>
+                </a:solidFill>
+                <a:effectLst/>
+                <a:latin typeface="Consolas" panose="020B0609020204030204" pitchFamily="49" charset="0"/>
+              </a:rPr>
+              <a:t>math.sqrt</a:t>
+            </a:r>
+            <a:r>
+              <a:rPr lang="en-US" b="0" dirty="0">
+                <a:solidFill>
+                  <a:srgbClr val="D4D4D4"/>
+                </a:solidFill>
+                <a:effectLst/>
+                <a:latin typeface="Consolas" panose="020B0609020204030204" pitchFamily="49" charset="0"/>
+              </a:rPr>
+              <a:t>(d) / (</a:t>
+            </a:r>
+            <a:r>
+              <a:rPr lang="en-US" b="0" dirty="0">
+                <a:solidFill>
+                  <a:srgbClr val="B5CEA8"/>
+                </a:solidFill>
+                <a:effectLst/>
+                <a:latin typeface="Consolas" panose="020B0609020204030204" pitchFamily="49" charset="0"/>
+              </a:rPr>
+              <a:t>2</a:t>
+            </a:r>
+            <a:r>
+              <a:rPr lang="en-US" b="0" dirty="0">
+                <a:solidFill>
+                  <a:srgbClr val="D4D4D4"/>
+                </a:solidFill>
+                <a:effectLst/>
+                <a:latin typeface="Consolas" panose="020B0609020204030204" pitchFamily="49" charset="0"/>
+              </a:rPr>
+              <a:t>*a)</a:t>
+            </a:r>
+          </a:p>
+          <a:p>
+            <a:r>
+              <a:rPr lang="en-US" b="0" dirty="0">
+                <a:solidFill>
+                  <a:srgbClr val="D4D4D4"/>
+                </a:solidFill>
+                <a:effectLst/>
+                <a:latin typeface="Consolas" panose="020B0609020204030204" pitchFamily="49" charset="0"/>
+              </a:rPr>
+              <a:t>    x2 = -d - </a:t>
+            </a:r>
+            <a:r>
+              <a:rPr lang="en-US" b="0" dirty="0" err="1">
+                <a:solidFill>
+                  <a:srgbClr val="D4D4D4"/>
+                </a:solidFill>
+                <a:effectLst/>
+                <a:latin typeface="Consolas" panose="020B0609020204030204" pitchFamily="49" charset="0"/>
+              </a:rPr>
+              <a:t>math.sqrt</a:t>
+            </a:r>
+            <a:r>
+              <a:rPr lang="en-US" b="0" dirty="0">
+                <a:solidFill>
+                  <a:srgbClr val="D4D4D4"/>
+                </a:solidFill>
+                <a:effectLst/>
+                <a:latin typeface="Consolas" panose="020B0609020204030204" pitchFamily="49" charset="0"/>
+              </a:rPr>
+              <a:t>(d) / (</a:t>
+            </a:r>
+            <a:r>
+              <a:rPr lang="en-US" b="0" dirty="0">
+                <a:solidFill>
+                  <a:srgbClr val="B5CEA8"/>
+                </a:solidFill>
+                <a:effectLst/>
+                <a:latin typeface="Consolas" panose="020B0609020204030204" pitchFamily="49" charset="0"/>
+              </a:rPr>
+              <a:t>2</a:t>
+            </a:r>
+            <a:r>
+              <a:rPr lang="en-US" b="0" dirty="0">
+                <a:solidFill>
+                  <a:srgbClr val="D4D4D4"/>
+                </a:solidFill>
+                <a:effectLst/>
+                <a:latin typeface="Consolas" panose="020B0609020204030204" pitchFamily="49" charset="0"/>
+              </a:rPr>
+              <a:t>*a)</a:t>
+            </a:r>
+          </a:p>
+          <a:p>
+            <a:r>
+              <a:rPr lang="en-US" b="0" dirty="0">
+                <a:solidFill>
+                  <a:srgbClr val="D4D4D4"/>
+                </a:solidFill>
+                <a:effectLst/>
+                <a:latin typeface="Consolas" panose="020B0609020204030204" pitchFamily="49" charset="0"/>
+              </a:rPr>
+              <a:t>    </a:t>
+            </a:r>
+            <a:r>
+              <a:rPr lang="en-US" b="0" dirty="0">
+                <a:solidFill>
+                  <a:srgbClr val="DCDCAA"/>
+                </a:solidFill>
+                <a:effectLst/>
+                <a:latin typeface="Consolas" panose="020B0609020204030204" pitchFamily="49" charset="0"/>
+              </a:rPr>
+              <a:t>print</a:t>
+            </a:r>
+            <a:r>
+              <a:rPr lang="en-US" b="0" dirty="0">
+                <a:solidFill>
+                  <a:srgbClr val="D4D4D4"/>
+                </a:solidFill>
+                <a:effectLst/>
+                <a:latin typeface="Consolas" panose="020B0609020204030204" pitchFamily="49" charset="0"/>
+              </a:rPr>
+              <a:t>(</a:t>
+            </a:r>
+            <a:r>
+              <a:rPr lang="en-US" b="0" dirty="0">
+                <a:solidFill>
+                  <a:srgbClr val="569CD6"/>
+                </a:solidFill>
+                <a:effectLst/>
+                <a:latin typeface="Consolas" panose="020B0609020204030204" pitchFamily="49" charset="0"/>
+              </a:rPr>
+              <a:t>f</a:t>
+            </a:r>
+            <a:r>
+              <a:rPr lang="en-US" b="0" dirty="0">
+                <a:solidFill>
+                  <a:srgbClr val="CE9178"/>
+                </a:solidFill>
+                <a:effectLst/>
+                <a:latin typeface="Consolas" panose="020B0609020204030204" pitchFamily="49" charset="0"/>
+              </a:rPr>
+              <a:t>"x1 = </a:t>
+            </a:r>
+            <a:r>
+              <a:rPr lang="en-US" b="0" dirty="0">
+                <a:solidFill>
+                  <a:srgbClr val="569CD6"/>
+                </a:solidFill>
+                <a:effectLst/>
+                <a:latin typeface="Consolas" panose="020B0609020204030204" pitchFamily="49" charset="0"/>
+              </a:rPr>
+              <a:t>{</a:t>
+            </a:r>
+            <a:r>
+              <a:rPr lang="en-US" b="0" dirty="0">
+                <a:solidFill>
+                  <a:srgbClr val="D4D4D4"/>
+                </a:solidFill>
+                <a:effectLst/>
+                <a:latin typeface="Consolas" panose="020B0609020204030204" pitchFamily="49" charset="0"/>
+              </a:rPr>
+              <a:t>x1</a:t>
+            </a:r>
+            <a:r>
+              <a:rPr lang="en-US" b="0" dirty="0">
+                <a:solidFill>
+                  <a:srgbClr val="569CD6"/>
+                </a:solidFill>
+                <a:effectLst/>
+                <a:latin typeface="Consolas" panose="020B0609020204030204" pitchFamily="49" charset="0"/>
+              </a:rPr>
+              <a:t>}</a:t>
+            </a:r>
+            <a:r>
+              <a:rPr lang="en-US" b="0" dirty="0">
+                <a:solidFill>
+                  <a:srgbClr val="CE9178"/>
+                </a:solidFill>
+                <a:effectLst/>
+                <a:latin typeface="Consolas" panose="020B0609020204030204" pitchFamily="49" charset="0"/>
+              </a:rPr>
+              <a:t>, x2 = </a:t>
+            </a:r>
+            <a:r>
+              <a:rPr lang="en-US" b="0" dirty="0">
+                <a:solidFill>
+                  <a:srgbClr val="569CD6"/>
+                </a:solidFill>
+                <a:effectLst/>
+                <a:latin typeface="Consolas" panose="020B0609020204030204" pitchFamily="49" charset="0"/>
+              </a:rPr>
+              <a:t>{</a:t>
+            </a:r>
+            <a:r>
+              <a:rPr lang="en-US" b="0" dirty="0">
+                <a:solidFill>
+                  <a:srgbClr val="D4D4D4"/>
+                </a:solidFill>
+                <a:effectLst/>
+                <a:latin typeface="Consolas" panose="020B0609020204030204" pitchFamily="49" charset="0"/>
+              </a:rPr>
+              <a:t>x2</a:t>
+            </a:r>
+            <a:r>
+              <a:rPr lang="en-US" b="0" dirty="0">
+                <a:solidFill>
+                  <a:srgbClr val="569CD6"/>
+                </a:solidFill>
+                <a:effectLst/>
+                <a:latin typeface="Consolas" panose="020B0609020204030204" pitchFamily="49" charset="0"/>
+              </a:rPr>
+              <a:t>}</a:t>
+            </a:r>
+            <a:r>
+              <a:rPr lang="en-US" b="0" dirty="0">
+                <a:solidFill>
+                  <a:srgbClr val="CE9178"/>
+                </a:solidFill>
+                <a:effectLst/>
+                <a:latin typeface="Consolas" panose="020B0609020204030204" pitchFamily="49" charset="0"/>
+              </a:rPr>
+              <a:t>"</a:t>
+            </a:r>
+            <a:r>
+              <a:rPr lang="en-US" b="0" dirty="0">
+                <a:solidFill>
+                  <a:srgbClr val="D4D4D4"/>
+                </a:solidFill>
+                <a:effectLst/>
+                <a:latin typeface="Consolas" panose="020B0609020204030204" pitchFamily="49" charset="0"/>
+              </a:rPr>
+              <a:t>)</a:t>
+            </a:r>
+          </a:p>
+          <a:p>
+            <a:r>
+              <a:rPr lang="en-US" b="0" dirty="0">
+                <a:solidFill>
+                  <a:srgbClr val="C586C0"/>
+                </a:solidFill>
+                <a:effectLst/>
+                <a:latin typeface="Consolas" panose="020B0609020204030204" pitchFamily="49" charset="0"/>
+              </a:rPr>
+              <a:t>else</a:t>
+            </a:r>
+            <a:r>
+              <a:rPr lang="en-US" b="0" dirty="0">
+                <a:solidFill>
+                  <a:srgbClr val="D4D4D4"/>
+                </a:solidFill>
+                <a:effectLst/>
+                <a:latin typeface="Consolas" panose="020B0609020204030204" pitchFamily="49" charset="0"/>
+              </a:rPr>
+              <a:t>:</a:t>
+            </a:r>
+          </a:p>
+          <a:p>
+            <a:r>
+              <a:rPr lang="en-US" b="0" dirty="0">
+                <a:solidFill>
+                  <a:srgbClr val="D4D4D4"/>
+                </a:solidFill>
+                <a:effectLst/>
+                <a:latin typeface="Consolas" panose="020B0609020204030204" pitchFamily="49" charset="0"/>
+              </a:rPr>
+              <a:t>    </a:t>
+            </a:r>
+            <a:r>
+              <a:rPr lang="en-US" b="0" dirty="0">
+                <a:solidFill>
+                  <a:srgbClr val="DCDCAA"/>
+                </a:solidFill>
+                <a:effectLst/>
+                <a:latin typeface="Consolas" panose="020B0609020204030204" pitchFamily="49" charset="0"/>
+              </a:rPr>
+              <a:t>print</a:t>
+            </a:r>
+            <a:r>
+              <a:rPr lang="en-US" b="0" dirty="0">
+                <a:solidFill>
+                  <a:srgbClr val="D4D4D4"/>
+                </a:solidFill>
+                <a:effectLst/>
+                <a:latin typeface="Consolas" panose="020B0609020204030204" pitchFamily="49" charset="0"/>
+              </a:rPr>
+              <a:t>(</a:t>
+            </a:r>
+            <a:r>
+              <a:rPr lang="en-US" b="0" dirty="0">
+                <a:solidFill>
+                  <a:srgbClr val="CE9178"/>
+                </a:solidFill>
+                <a:effectLst/>
+                <a:latin typeface="Consolas" panose="020B0609020204030204" pitchFamily="49" charset="0"/>
+              </a:rPr>
+              <a:t>'</a:t>
+            </a:r>
+            <a:r>
+              <a:rPr lang="ru-RU" b="0" dirty="0">
+                <a:solidFill>
+                  <a:srgbClr val="CE9178"/>
+                </a:solidFill>
+                <a:effectLst/>
+                <a:latin typeface="Consolas" panose="020B0609020204030204" pitchFamily="49" charset="0"/>
+              </a:rPr>
+              <a:t>Корней нет'</a:t>
+            </a:r>
+            <a:r>
+              <a:rPr lang="ru-RU" b="0" dirty="0">
+                <a:solidFill>
+                  <a:srgbClr val="D4D4D4"/>
+                </a:solidFill>
+                <a:effectLst/>
+                <a:latin typeface="Consolas" panose="020B0609020204030204" pitchFamily="49" charset="0"/>
+              </a:rPr>
+              <a:t>)</a:t>
+            </a:r>
+          </a:p>
+          <a:p>
+            <a:br>
+              <a:rPr lang="ru-RU" b="0" dirty="0">
+                <a:solidFill>
+                  <a:srgbClr val="D4D4D4"/>
+                </a:solidFill>
+                <a:effectLst/>
+                <a:latin typeface="Consolas" panose="020B0609020204030204" pitchFamily="49" charset="0"/>
+              </a:rPr>
+            </a:br>
+            <a:endParaRPr lang="ru-RU" b="0" dirty="0">
+              <a:solidFill>
+                <a:srgbClr val="D4D4D4"/>
+              </a:solidFill>
+              <a:effectLst/>
+              <a:latin typeface="Consolas" panose="020B0609020204030204" pitchFamily="49" charset="0"/>
+            </a:endParaRPr>
+          </a:p>
+        </p:txBody>
+      </p:sp>
+      <p:sp>
+        <p:nvSpPr>
+          <p:cNvPr id="6" name="Облачко с текстом: прямоугольное 5">
+            <a:extLst>
+              <a:ext uri="{FF2B5EF4-FFF2-40B4-BE49-F238E27FC236}">
+                <a16:creationId xmlns:a16="http://schemas.microsoft.com/office/drawing/2014/main" id="{4659D4C4-E8CC-439E-A122-4D1759A05803}"/>
+              </a:ext>
+            </a:extLst>
+          </p:cNvPr>
+          <p:cNvSpPr/>
+          <p:nvPr/>
+        </p:nvSpPr>
+        <p:spPr>
+          <a:xfrm>
+            <a:off x="6730409" y="365124"/>
+            <a:ext cx="3391786" cy="1137563"/>
+          </a:xfrm>
+          <a:prstGeom prst="wedgeRectCallout">
+            <a:avLst>
+              <a:gd name="adj1" fmla="val -175692"/>
+              <a:gd name="adj2" fmla="val 137792"/>
+            </a:avLst>
+          </a:prstGeom>
+        </p:spPr>
+        <p:style>
+          <a:lnRef idx="2">
+            <a:schemeClr val="accent1">
+              <a:shade val="50000"/>
+            </a:schemeClr>
+          </a:lnRef>
+          <a:fillRef idx="1">
+            <a:schemeClr val="accent1"/>
+          </a:fillRef>
+          <a:effectRef idx="0">
+            <a:schemeClr val="accent1"/>
+          </a:effectRef>
+          <a:fontRef idx="minor">
+            <a:schemeClr val="lt1"/>
+          </a:fontRef>
+        </p:style>
+        <p:txBody>
+          <a:bodyPr rtlCol="0" anchor="ctr"/>
+          <a:lstStyle/>
+          <a:p>
+            <a:pPr algn="ctr"/>
+            <a:r>
+              <a:rPr lang="ru-RU" dirty="0"/>
+              <a:t>Команда </a:t>
+            </a:r>
+            <a:r>
+              <a:rPr lang="en-US" dirty="0"/>
+              <a:t>import  </a:t>
+            </a:r>
+            <a:r>
+              <a:rPr lang="ru-RU" dirty="0"/>
+              <a:t>подключает библиотеку, которую мы будем использовать для вычисления квадратного корня</a:t>
+            </a:r>
+          </a:p>
+        </p:txBody>
+      </p:sp>
+      <p:sp>
+        <p:nvSpPr>
+          <p:cNvPr id="7" name="Облачко с текстом: прямоугольное 6">
+            <a:extLst>
+              <a:ext uri="{FF2B5EF4-FFF2-40B4-BE49-F238E27FC236}">
+                <a16:creationId xmlns:a16="http://schemas.microsoft.com/office/drawing/2014/main" id="{A18EC33E-67ED-4980-8E6A-0CC230536F16}"/>
+              </a:ext>
+            </a:extLst>
+          </p:cNvPr>
+          <p:cNvSpPr/>
+          <p:nvPr/>
+        </p:nvSpPr>
+        <p:spPr>
+          <a:xfrm>
+            <a:off x="6730409" y="1794616"/>
+            <a:ext cx="3774558" cy="786800"/>
+          </a:xfrm>
+          <a:prstGeom prst="wedgeRectCallout">
+            <a:avLst>
+              <a:gd name="adj1" fmla="val -107876"/>
+              <a:gd name="adj2" fmla="val 148987"/>
+            </a:avLst>
+          </a:prstGeom>
+        </p:spPr>
+        <p:style>
+          <a:lnRef idx="2">
+            <a:schemeClr val="accent1">
+              <a:shade val="50000"/>
+            </a:schemeClr>
+          </a:lnRef>
+          <a:fillRef idx="1">
+            <a:schemeClr val="accent1"/>
+          </a:fillRef>
+          <a:effectRef idx="0">
+            <a:schemeClr val="accent1"/>
+          </a:effectRef>
+          <a:fontRef idx="minor">
+            <a:schemeClr val="lt1"/>
+          </a:fontRef>
+        </p:style>
+        <p:txBody>
+          <a:bodyPr rtlCol="0" anchor="ctr"/>
+          <a:lstStyle/>
+          <a:p>
+            <a:pPr algn="ctr"/>
+            <a:r>
+              <a:rPr lang="ru-RU" dirty="0"/>
+              <a:t>Вводим коэффициенты квадратного уравнения</a:t>
+            </a:r>
+          </a:p>
+        </p:txBody>
+      </p:sp>
+      <p:sp>
+        <p:nvSpPr>
+          <p:cNvPr id="8" name="Правая фигурная скобка 7">
+            <a:extLst>
+              <a:ext uri="{FF2B5EF4-FFF2-40B4-BE49-F238E27FC236}">
+                <a16:creationId xmlns:a16="http://schemas.microsoft.com/office/drawing/2014/main" id="{6F75784B-89A9-4F16-B569-72D2379DBD18}"/>
+              </a:ext>
+            </a:extLst>
+          </p:cNvPr>
+          <p:cNvSpPr/>
+          <p:nvPr/>
+        </p:nvSpPr>
+        <p:spPr>
+          <a:xfrm>
+            <a:off x="3646967" y="2743200"/>
+            <a:ext cx="925033" cy="1201479"/>
+          </a:xfrm>
+          <a:prstGeom prst="rightBrace">
+            <a:avLst/>
+          </a:prstGeom>
+        </p:spPr>
+        <p:style>
+          <a:lnRef idx="1">
+            <a:schemeClr val="accent1"/>
+          </a:lnRef>
+          <a:fillRef idx="0">
+            <a:schemeClr val="accent1"/>
+          </a:fillRef>
+          <a:effectRef idx="0">
+            <a:schemeClr val="accent1"/>
+          </a:effectRef>
+          <a:fontRef idx="minor">
+            <a:schemeClr val="tx1"/>
+          </a:fontRef>
+        </p:style>
+        <p:txBody>
+          <a:bodyPr rtlCol="0" anchor="ctr"/>
+          <a:lstStyle/>
+          <a:p>
+            <a:pPr algn="ctr"/>
+            <a:endParaRPr lang="ru-RU"/>
+          </a:p>
+        </p:txBody>
+      </p:sp>
+      <p:sp>
+        <p:nvSpPr>
+          <p:cNvPr id="9" name="Облачко с текстом: прямоугольное 8">
+            <a:extLst>
+              <a:ext uri="{FF2B5EF4-FFF2-40B4-BE49-F238E27FC236}">
+                <a16:creationId xmlns:a16="http://schemas.microsoft.com/office/drawing/2014/main" id="{26B52FB6-BD27-43EA-8BF0-196A513AD28B}"/>
+              </a:ext>
+            </a:extLst>
+          </p:cNvPr>
+          <p:cNvSpPr/>
+          <p:nvPr/>
+        </p:nvSpPr>
+        <p:spPr>
+          <a:xfrm>
+            <a:off x="8086946" y="2854842"/>
+            <a:ext cx="2115880" cy="1148316"/>
+          </a:xfrm>
+          <a:prstGeom prst="wedgeRectCallout">
+            <a:avLst>
+              <a:gd name="adj1" fmla="val -246444"/>
+              <a:gd name="adj2" fmla="val 64017"/>
+            </a:avLst>
+          </a:prstGeom>
+        </p:spPr>
+        <p:style>
+          <a:lnRef idx="2">
+            <a:schemeClr val="accent1">
+              <a:shade val="50000"/>
+            </a:schemeClr>
+          </a:lnRef>
+          <a:fillRef idx="1">
+            <a:schemeClr val="accent1"/>
+          </a:fillRef>
+          <a:effectRef idx="0">
+            <a:schemeClr val="accent1"/>
+          </a:effectRef>
+          <a:fontRef idx="minor">
+            <a:schemeClr val="lt1"/>
+          </a:fontRef>
+        </p:style>
+        <p:txBody>
+          <a:bodyPr rtlCol="0" anchor="ctr"/>
+          <a:lstStyle/>
+          <a:p>
+            <a:pPr algn="ctr"/>
+            <a:r>
+              <a:rPr lang="ru-RU" dirty="0"/>
+              <a:t>Вычисляем дискриминант</a:t>
+            </a:r>
+          </a:p>
+        </p:txBody>
+      </p:sp>
+      <p:sp>
+        <p:nvSpPr>
+          <p:cNvPr id="10" name="Облачко с текстом: прямоугольное 9">
+            <a:extLst>
+              <a:ext uri="{FF2B5EF4-FFF2-40B4-BE49-F238E27FC236}">
+                <a16:creationId xmlns:a16="http://schemas.microsoft.com/office/drawing/2014/main" id="{B84EF651-920A-4ECA-A093-437004A534D4}"/>
+              </a:ext>
+            </a:extLst>
+          </p:cNvPr>
+          <p:cNvSpPr/>
+          <p:nvPr/>
+        </p:nvSpPr>
+        <p:spPr>
+          <a:xfrm>
+            <a:off x="7060017" y="4412512"/>
+            <a:ext cx="3583173" cy="659218"/>
+          </a:xfrm>
+          <a:prstGeom prst="wedgeRectCallout">
+            <a:avLst>
+              <a:gd name="adj1" fmla="val -181173"/>
+              <a:gd name="adj2" fmla="val -5348"/>
+            </a:avLst>
+          </a:prstGeom>
+        </p:spPr>
+        <p:style>
+          <a:lnRef idx="2">
+            <a:schemeClr val="accent1">
+              <a:shade val="50000"/>
+            </a:schemeClr>
+          </a:lnRef>
+          <a:fillRef idx="1">
+            <a:schemeClr val="accent1"/>
+          </a:fillRef>
+          <a:effectRef idx="0">
+            <a:schemeClr val="accent1"/>
+          </a:effectRef>
+          <a:fontRef idx="minor">
+            <a:schemeClr val="lt1"/>
+          </a:fontRef>
+        </p:style>
+        <p:txBody>
+          <a:bodyPr rtlCol="0" anchor="ctr"/>
+          <a:lstStyle/>
+          <a:p>
+            <a:pPr algn="ctr"/>
+            <a:r>
+              <a:rPr lang="ru-RU" dirty="0"/>
+              <a:t>Оператор </a:t>
+            </a:r>
+            <a:r>
+              <a:rPr lang="en-US" dirty="0"/>
+              <a:t>if </a:t>
+            </a:r>
+            <a:r>
+              <a:rPr lang="ru-RU" dirty="0"/>
+              <a:t>проверяет значение дискриминанта</a:t>
+            </a:r>
+          </a:p>
+        </p:txBody>
+      </p:sp>
+      <p:sp>
+        <p:nvSpPr>
+          <p:cNvPr id="11" name="Правая фигурная скобка 10">
+            <a:extLst>
+              <a:ext uri="{FF2B5EF4-FFF2-40B4-BE49-F238E27FC236}">
+                <a16:creationId xmlns:a16="http://schemas.microsoft.com/office/drawing/2014/main" id="{AA03A763-7785-4519-BE70-4D070627383D}"/>
+              </a:ext>
+            </a:extLst>
+          </p:cNvPr>
+          <p:cNvSpPr/>
+          <p:nvPr/>
+        </p:nvSpPr>
+        <p:spPr>
+          <a:xfrm>
+            <a:off x="5071730" y="4795284"/>
+            <a:ext cx="659219" cy="1020725"/>
+          </a:xfrm>
+          <a:prstGeom prst="rightBrace">
+            <a:avLst/>
+          </a:prstGeom>
+        </p:spPr>
+        <p:style>
+          <a:lnRef idx="1">
+            <a:schemeClr val="accent1"/>
+          </a:lnRef>
+          <a:fillRef idx="0">
+            <a:schemeClr val="accent1"/>
+          </a:fillRef>
+          <a:effectRef idx="0">
+            <a:schemeClr val="accent1"/>
+          </a:effectRef>
+          <a:fontRef idx="minor">
+            <a:schemeClr val="tx1"/>
+          </a:fontRef>
+        </p:style>
+        <p:txBody>
+          <a:bodyPr rtlCol="0" anchor="ctr"/>
+          <a:lstStyle/>
+          <a:p>
+            <a:pPr algn="ctr"/>
+            <a:endParaRPr lang="ru-RU"/>
+          </a:p>
+        </p:txBody>
+      </p:sp>
+      <p:sp>
+        <p:nvSpPr>
+          <p:cNvPr id="12" name="Облачко с текстом: прямоугольное 11">
+            <a:extLst>
+              <a:ext uri="{FF2B5EF4-FFF2-40B4-BE49-F238E27FC236}">
+                <a16:creationId xmlns:a16="http://schemas.microsoft.com/office/drawing/2014/main" id="{D3604C32-65A7-4F8A-B2C3-DCEE2DB6449E}"/>
+              </a:ext>
+            </a:extLst>
+          </p:cNvPr>
+          <p:cNvSpPr/>
+          <p:nvPr/>
+        </p:nvSpPr>
+        <p:spPr>
+          <a:xfrm>
+            <a:off x="7662529" y="5323414"/>
+            <a:ext cx="2746745" cy="612648"/>
+          </a:xfrm>
+          <a:prstGeom prst="wedgeRectCallout">
+            <a:avLst>
+              <a:gd name="adj1" fmla="val -120623"/>
+              <a:gd name="adj2" fmla="val -52044"/>
+            </a:avLst>
+          </a:prstGeom>
+        </p:spPr>
+        <p:style>
+          <a:lnRef idx="2">
+            <a:schemeClr val="accent1">
+              <a:shade val="50000"/>
+            </a:schemeClr>
+          </a:lnRef>
+          <a:fillRef idx="1">
+            <a:schemeClr val="accent1"/>
+          </a:fillRef>
+          <a:effectRef idx="0">
+            <a:schemeClr val="accent1"/>
+          </a:effectRef>
+          <a:fontRef idx="minor">
+            <a:schemeClr val="lt1"/>
+          </a:fontRef>
+        </p:style>
+        <p:txBody>
+          <a:bodyPr rtlCol="0" anchor="ctr"/>
+          <a:lstStyle/>
+          <a:p>
+            <a:pPr algn="ctr"/>
+            <a:r>
+              <a:rPr lang="ru-RU" dirty="0"/>
+              <a:t>Вычисляем корни и печатаем</a:t>
+            </a:r>
+          </a:p>
+        </p:txBody>
+      </p:sp>
+      <p:sp>
+        <p:nvSpPr>
+          <p:cNvPr id="13" name="Облачко с текстом: прямоугольное 12">
+            <a:extLst>
+              <a:ext uri="{FF2B5EF4-FFF2-40B4-BE49-F238E27FC236}">
+                <a16:creationId xmlns:a16="http://schemas.microsoft.com/office/drawing/2014/main" id="{24062674-AC3C-49F2-85E5-1B403055E087}"/>
+              </a:ext>
+            </a:extLst>
+          </p:cNvPr>
+          <p:cNvSpPr/>
+          <p:nvPr/>
+        </p:nvSpPr>
+        <p:spPr>
+          <a:xfrm>
+            <a:off x="7104318" y="6011455"/>
+            <a:ext cx="3583173" cy="750852"/>
+          </a:xfrm>
+          <a:prstGeom prst="wedgeRectCallout">
+            <a:avLst>
+              <a:gd name="adj1" fmla="val -139200"/>
+              <a:gd name="adj2" fmla="val -34953"/>
+            </a:avLst>
+          </a:prstGeom>
+        </p:spPr>
+        <p:style>
+          <a:lnRef idx="2">
+            <a:schemeClr val="accent1">
+              <a:shade val="50000"/>
+            </a:schemeClr>
+          </a:lnRef>
+          <a:fillRef idx="1">
+            <a:schemeClr val="accent1"/>
+          </a:fillRef>
+          <a:effectRef idx="0">
+            <a:schemeClr val="accent1"/>
+          </a:effectRef>
+          <a:fontRef idx="minor">
+            <a:schemeClr val="lt1"/>
+          </a:fontRef>
+        </p:style>
+        <p:txBody>
+          <a:bodyPr rtlCol="0" anchor="ctr"/>
+          <a:lstStyle/>
+          <a:p>
+            <a:pPr algn="ctr"/>
+            <a:r>
+              <a:rPr lang="ru-RU" dirty="0"/>
+              <a:t>Сообщаем, что корней нет, если дискриминант отрицательный</a:t>
+            </a:r>
+          </a:p>
+        </p:txBody>
+      </p:sp>
+    </p:spTree>
+    <p:extLst>
+      <p:ext uri="{BB962C8B-B14F-4D97-AF65-F5344CB8AC3E}">
+        <p14:creationId xmlns:p14="http://schemas.microsoft.com/office/powerpoint/2010/main" val="3932307285"/>
+      </p:ext>
+    </p:extLst>
+  </p:cSld>
+  <p:clrMapOvr>
+    <a:masterClrMapping/>
+  </p:clrMapOvr>
+</p:sld>
+</file>
+
+<file path=ppt/slides/slide8.xml><?xml version="1.0" encoding="utf-8"?>
+<p:sld xmlns:a="http://schemas.openxmlformats.org/drawingml/2006/main" xmlns:r="http://schemas.openxmlformats.org/officeDocument/2006/relationships" xmlns:p="http://schemas.openxmlformats.org/presentationml/2006/main">
+  <p:cSld>
+    <p:spTree>
+      <p:nvGrpSpPr>
+        <p:cNvPr id="1" name=""/>
+        <p:cNvGrpSpPr/>
+        <p:nvPr/>
+      </p:nvGrpSpPr>
+      <p:grpSpPr>
+        <a:xfrm>
+          <a:off x="0" y="0"/>
+          <a:ext cx="0" cy="0"/>
+          <a:chOff x="0" y="0"/>
+          <a:chExt cx="0" cy="0"/>
+        </a:xfrm>
+      </p:grpSpPr>
+      <p:sp>
+        <p:nvSpPr>
+          <p:cNvPr id="2" name="Заголовок 1">
+            <a:extLst>
+              <a:ext uri="{FF2B5EF4-FFF2-40B4-BE49-F238E27FC236}">
+                <a16:creationId xmlns:a16="http://schemas.microsoft.com/office/drawing/2014/main" id="{8733E43A-47D7-410B-A0F6-862DAA0ACE29}"/>
+              </a:ext>
+            </a:extLst>
+          </p:cNvPr>
+          <p:cNvSpPr>
+            <a:spLocks noGrp="1"/>
+          </p:cNvSpPr>
+          <p:nvPr>
+            <p:ph type="title"/>
+          </p:nvPr>
+        </p:nvSpPr>
+        <p:spPr/>
+        <p:txBody>
+          <a:bodyPr/>
+          <a:lstStyle/>
+          <a:p>
+            <a:r>
+              <a:rPr lang="ru-RU" dirty="0"/>
+              <a:t>Изучаем законы физики…</a:t>
+            </a:r>
+          </a:p>
+        </p:txBody>
+      </p:sp>
+      <p:sp>
+        <p:nvSpPr>
+          <p:cNvPr id="3" name="Объект 2">
+            <a:extLst>
+              <a:ext uri="{FF2B5EF4-FFF2-40B4-BE49-F238E27FC236}">
+                <a16:creationId xmlns:a16="http://schemas.microsoft.com/office/drawing/2014/main" id="{887DF70D-C8E7-453D-9FD5-66F7843DF4D6}"/>
+              </a:ext>
+            </a:extLst>
+          </p:cNvPr>
+          <p:cNvSpPr>
+            <a:spLocks noGrp="1"/>
+          </p:cNvSpPr>
+          <p:nvPr>
+            <p:ph idx="1"/>
+          </p:nvPr>
+        </p:nvSpPr>
+        <p:spPr/>
+        <p:txBody>
+          <a:bodyPr/>
+          <a:lstStyle/>
+          <a:p>
+            <a:endParaRPr lang="ru-RU"/>
+          </a:p>
+        </p:txBody>
+      </p:sp>
+    </p:spTree>
+    <p:extLst>
+      <p:ext uri="{BB962C8B-B14F-4D97-AF65-F5344CB8AC3E}">
+        <p14:creationId xmlns:p14="http://schemas.microsoft.com/office/powerpoint/2010/main" val="1316849020"/>
       </p:ext>
     </p:extLst>
   </p:cSld>

--- a/Presentation/Основы алгоритмизации и программирования.pptx
+++ b/Presentation/Основы алгоритмизации и программирования.pptx
@@ -7,12 +7,15 @@
   <p:sldIdLst>
     <p:sldId id="256" r:id="rId2"/>
     <p:sldId id="257" r:id="rId3"/>
-    <p:sldId id="258" r:id="rId4"/>
-    <p:sldId id="259" r:id="rId5"/>
-    <p:sldId id="260" r:id="rId6"/>
-    <p:sldId id="261" r:id="rId7"/>
-    <p:sldId id="262" r:id="rId8"/>
-    <p:sldId id="263" r:id="rId9"/>
+    <p:sldId id="266" r:id="rId4"/>
+    <p:sldId id="258" r:id="rId5"/>
+    <p:sldId id="259" r:id="rId6"/>
+    <p:sldId id="260" r:id="rId7"/>
+    <p:sldId id="261" r:id="rId8"/>
+    <p:sldId id="262" r:id="rId9"/>
+    <p:sldId id="263" r:id="rId10"/>
+    <p:sldId id="264" r:id="rId11"/>
+    <p:sldId id="265" r:id="rId12"/>
   </p:sldIdLst>
   <p:sldSz cx="12192000" cy="6858000"/>
   <p:notesSz cx="6858000" cy="9144000"/>
@@ -111,6 +114,11 @@
       </a:defRPr>
     </a:lvl9pPr>
   </p:defaultTextStyle>
+  <p:extLst>
+    <p:ext uri="{EFAFB233-063F-42B5-8137-9DF3F51BA10A}">
+      <p15:sldGuideLst xmlns:p15="http://schemas.microsoft.com/office/powerpoint/2012/main"/>
+    </p:ext>
+  </p:extLst>
 </p:presentation>
 </file>
 
@@ -124,20 +132,6 @@
     </p:extLst>
   </p:cmAuthor>
 </p:cmAuthorLst>
-</file>
-
-<file path=ppt/comments/comment1.xml><?xml version="1.0" encoding="utf-8"?>
-<p:cmLst xmlns:a="http://schemas.openxmlformats.org/drawingml/2006/main" xmlns:r="http://schemas.openxmlformats.org/officeDocument/2006/relationships" xmlns:p="http://schemas.openxmlformats.org/presentationml/2006/main">
-  <p:cm authorId="1" dt="2020-10-21T13:23:08.475" idx="1">
-    <p:pos x="4387" y="449"/>
-    <p:text>Здесь надо дать несколько задач на физические формулы</p:text>
-    <p:extLst>
-      <p:ext uri="{C676402C-5697-4E1C-873F-D02D1690AC5C}">
-        <p15:threadingInfo xmlns:p15="http://schemas.microsoft.com/office/powerpoint/2012/main" timeZoneBias="-180"/>
-      </p:ext>
-    </p:extLst>
-  </p:cm>
-</p:cmLst>
 </file>
 
 <file path=ppt/slideLayouts/slideLayout1.xml><?xml version="1.0" encoding="utf-8"?>
@@ -287,7 +281,7 @@
           <a:p>
             <a:fld id="{FA984E8B-3F5A-48DE-8BA5-BCD329794D47}" type="datetimeFigureOut">
               <a:rPr lang="ru-RU" smtClean="0"/>
-              <a:t>21.10.2020</a:t>
+              <a:t>22.10.2020</a:t>
             </a:fld>
             <a:endParaRPr lang="ru-RU"/>
           </a:p>
@@ -579,7 +573,7 @@
           <a:p>
             <a:fld id="{FA984E8B-3F5A-48DE-8BA5-BCD329794D47}" type="datetimeFigureOut">
               <a:rPr lang="ru-RU" smtClean="0"/>
-              <a:t>21.10.2020</a:t>
+              <a:t>22.10.2020</a:t>
             </a:fld>
             <a:endParaRPr lang="ru-RU"/>
           </a:p>
@@ -777,7 +771,7 @@
           <a:p>
             <a:fld id="{FA984E8B-3F5A-48DE-8BA5-BCD329794D47}" type="datetimeFigureOut">
               <a:rPr lang="ru-RU" smtClean="0"/>
-              <a:t>21.10.2020</a:t>
+              <a:t>22.10.2020</a:t>
             </a:fld>
             <a:endParaRPr lang="ru-RU"/>
           </a:p>
@@ -985,7 +979,7 @@
           <a:p>
             <a:fld id="{FA984E8B-3F5A-48DE-8BA5-BCD329794D47}" type="datetimeFigureOut">
               <a:rPr lang="ru-RU" smtClean="0"/>
-              <a:t>21.10.2020</a:t>
+              <a:t>22.10.2020</a:t>
             </a:fld>
             <a:endParaRPr lang="ru-RU"/>
           </a:p>
@@ -1183,7 +1177,7 @@
           <a:p>
             <a:fld id="{FA984E8B-3F5A-48DE-8BA5-BCD329794D47}" type="datetimeFigureOut">
               <a:rPr lang="ru-RU" smtClean="0"/>
-              <a:t>21.10.2020</a:t>
+              <a:t>22.10.2020</a:t>
             </a:fld>
             <a:endParaRPr lang="ru-RU"/>
           </a:p>
@@ -1388,7 +1382,7 @@
           <a:p>
             <a:fld id="{FA984E8B-3F5A-48DE-8BA5-BCD329794D47}" type="datetimeFigureOut">
               <a:rPr lang="ru-RU" smtClean="0"/>
-              <a:t>21.10.2020</a:t>
+              <a:t>22.10.2020</a:t>
             </a:fld>
             <a:endParaRPr lang="ru-RU"/>
           </a:p>
@@ -1725,7 +1719,7 @@
           <a:p>
             <a:fld id="{FA984E8B-3F5A-48DE-8BA5-BCD329794D47}" type="datetimeFigureOut">
               <a:rPr lang="ru-RU" smtClean="0"/>
-              <a:t>21.10.2020</a:t>
+              <a:t>22.10.2020</a:t>
             </a:fld>
             <a:endParaRPr lang="ru-RU"/>
           </a:p>
@@ -1994,7 +1988,7 @@
           <a:p>
             <a:fld id="{FA984E8B-3F5A-48DE-8BA5-BCD329794D47}" type="datetimeFigureOut">
               <a:rPr lang="ru-RU" smtClean="0"/>
-              <a:t>21.10.2020</a:t>
+              <a:t>22.10.2020</a:t>
             </a:fld>
             <a:endParaRPr lang="ru-RU"/>
           </a:p>
@@ -2410,7 +2404,7 @@
           <a:p>
             <a:fld id="{FA984E8B-3F5A-48DE-8BA5-BCD329794D47}" type="datetimeFigureOut">
               <a:rPr lang="ru-RU" smtClean="0"/>
-              <a:t>21.10.2020</a:t>
+              <a:t>22.10.2020</a:t>
             </a:fld>
             <a:endParaRPr lang="ru-RU"/>
           </a:p>
@@ -2555,7 +2549,7 @@
           <a:p>
             <a:fld id="{FA984E8B-3F5A-48DE-8BA5-BCD329794D47}" type="datetimeFigureOut">
               <a:rPr lang="ru-RU" smtClean="0"/>
-              <a:t>21.10.2020</a:t>
+              <a:t>22.10.2020</a:t>
             </a:fld>
             <a:endParaRPr lang="ru-RU"/>
           </a:p>
@@ -2672,7 +2666,7 @@
           <a:p>
             <a:fld id="{FA984E8B-3F5A-48DE-8BA5-BCD329794D47}" type="datetimeFigureOut">
               <a:rPr lang="ru-RU" smtClean="0"/>
-              <a:t>21.10.2020</a:t>
+              <a:t>22.10.2020</a:t>
             </a:fld>
             <a:endParaRPr lang="ru-RU"/>
           </a:p>
@@ -2983,7 +2977,7 @@
           <a:p>
             <a:fld id="{FA984E8B-3F5A-48DE-8BA5-BCD329794D47}" type="datetimeFigureOut">
               <a:rPr lang="ru-RU" smtClean="0"/>
-              <a:t>21.10.2020</a:t>
+              <a:t>22.10.2020</a:t>
             </a:fld>
             <a:endParaRPr lang="ru-RU"/>
           </a:p>
@@ -3224,7 +3218,7 @@
           <a:p>
             <a:fld id="{FA984E8B-3F5A-48DE-8BA5-BCD329794D47}" type="datetimeFigureOut">
               <a:rPr lang="ru-RU" smtClean="0"/>
-              <a:t>21.10.2020</a:t>
+              <a:t>22.10.2020</a:t>
             </a:fld>
             <a:endParaRPr lang="ru-RU"/>
           </a:p>
@@ -3760,6 +3754,1102 @@
 </p:sld>
 </file>
 
+<file path=ppt/slides/slide10.xml><?xml version="1.0" encoding="utf-8"?>
+<p:sld xmlns:a="http://schemas.openxmlformats.org/drawingml/2006/main" xmlns:r="http://schemas.openxmlformats.org/officeDocument/2006/relationships" xmlns:p="http://schemas.openxmlformats.org/presentationml/2006/main">
+  <p:cSld>
+    <p:spTree>
+      <p:nvGrpSpPr>
+        <p:cNvPr id="1" name=""/>
+        <p:cNvGrpSpPr/>
+        <p:nvPr/>
+      </p:nvGrpSpPr>
+      <p:grpSpPr>
+        <a:xfrm>
+          <a:off x="0" y="0"/>
+          <a:ext cx="0" cy="0"/>
+          <a:chOff x="0" y="0"/>
+          <a:chExt cx="0" cy="0"/>
+        </a:xfrm>
+      </p:grpSpPr>
+      <p:sp>
+        <p:nvSpPr>
+          <p:cNvPr id="2" name="Заголовок 1">
+            <a:extLst>
+              <a:ext uri="{FF2B5EF4-FFF2-40B4-BE49-F238E27FC236}">
+                <a16:creationId xmlns:a16="http://schemas.microsoft.com/office/drawing/2014/main" id="{9C613A1F-3958-40B8-B9AC-1E60B3C1B766}"/>
+              </a:ext>
+            </a:extLst>
+          </p:cNvPr>
+          <p:cNvSpPr>
+            <a:spLocks noGrp="1"/>
+          </p:cNvSpPr>
+          <p:nvPr>
+            <p:ph type="title"/>
+          </p:nvPr>
+        </p:nvSpPr>
+        <p:spPr/>
+        <p:txBody>
+          <a:bodyPr/>
+          <a:lstStyle/>
+          <a:p>
+            <a:r>
+              <a:rPr lang="ru-RU" dirty="0"/>
+              <a:t>Отступы в </a:t>
+            </a:r>
+            <a:r>
+              <a:rPr lang="en-US" dirty="0"/>
+              <a:t>Python</a:t>
+            </a:r>
+            <a:endParaRPr lang="ru-RU" dirty="0"/>
+          </a:p>
+        </p:txBody>
+      </p:sp>
+      <p:sp>
+        <p:nvSpPr>
+          <p:cNvPr id="3" name="Объект 2">
+            <a:extLst>
+              <a:ext uri="{FF2B5EF4-FFF2-40B4-BE49-F238E27FC236}">
+                <a16:creationId xmlns:a16="http://schemas.microsoft.com/office/drawing/2014/main" id="{DE4A5433-C223-475F-8C4C-5665F8DA6F21}"/>
+              </a:ext>
+            </a:extLst>
+          </p:cNvPr>
+          <p:cNvSpPr>
+            <a:spLocks noGrp="1"/>
+          </p:cNvSpPr>
+          <p:nvPr>
+            <p:ph idx="1"/>
+          </p:nvPr>
+        </p:nvSpPr>
+        <p:spPr/>
+        <p:txBody>
+          <a:bodyPr/>
+          <a:lstStyle/>
+          <a:p>
+            <a:r>
+              <a:rPr lang="ru-RU" dirty="0"/>
+              <a:t>Программа на </a:t>
+            </a:r>
+            <a:r>
+              <a:rPr lang="en-US" dirty="0"/>
+              <a:t>Python </a:t>
+            </a:r>
+            <a:r>
+              <a:rPr lang="ru-RU" dirty="0"/>
+              <a:t>может состоять из логических блоков</a:t>
+            </a:r>
+          </a:p>
+          <a:p>
+            <a:r>
+              <a:rPr lang="ru-RU" dirty="0"/>
+              <a:t>Чтобы показать, что один логический блок вложен в другой, используются отступы</a:t>
+            </a:r>
+          </a:p>
+          <a:p>
+            <a:r>
+              <a:rPr lang="ru-RU" dirty="0"/>
+              <a:t>Программа начинает работу со строки, в которой с первой позиции начинается команда (кроме комментария!)</a:t>
+            </a:r>
+          </a:p>
+        </p:txBody>
+      </p:sp>
+    </p:spTree>
+    <p:extLst>
+      <p:ext uri="{BB962C8B-B14F-4D97-AF65-F5344CB8AC3E}">
+        <p14:creationId xmlns:p14="http://schemas.microsoft.com/office/powerpoint/2010/main" val="1182340981"/>
+      </p:ext>
+    </p:extLst>
+  </p:cSld>
+  <p:clrMapOvr>
+    <a:masterClrMapping/>
+  </p:clrMapOvr>
+</p:sld>
+</file>
+
+<file path=ppt/slides/slide11.xml><?xml version="1.0" encoding="utf-8"?>
+<p:sld xmlns:a="http://schemas.openxmlformats.org/drawingml/2006/main" xmlns:r="http://schemas.openxmlformats.org/officeDocument/2006/relationships" xmlns:p="http://schemas.openxmlformats.org/presentationml/2006/main">
+  <p:cSld>
+    <p:spTree>
+      <p:nvGrpSpPr>
+        <p:cNvPr id="1" name=""/>
+        <p:cNvGrpSpPr/>
+        <p:nvPr/>
+      </p:nvGrpSpPr>
+      <p:grpSpPr>
+        <a:xfrm>
+          <a:off x="0" y="0"/>
+          <a:ext cx="0" cy="0"/>
+          <a:chOff x="0" y="0"/>
+          <a:chExt cx="0" cy="0"/>
+        </a:xfrm>
+      </p:grpSpPr>
+      <p:sp>
+        <p:nvSpPr>
+          <p:cNvPr id="2" name="Заголовок 1">
+            <a:extLst>
+              <a:ext uri="{FF2B5EF4-FFF2-40B4-BE49-F238E27FC236}">
+                <a16:creationId xmlns:a16="http://schemas.microsoft.com/office/drawing/2014/main" id="{8202A56F-DF2C-4D2F-A46D-B4AD73988342}"/>
+              </a:ext>
+            </a:extLst>
+          </p:cNvPr>
+          <p:cNvSpPr>
+            <a:spLocks noGrp="1"/>
+          </p:cNvSpPr>
+          <p:nvPr>
+            <p:ph type="title"/>
+          </p:nvPr>
+        </p:nvSpPr>
+        <p:spPr>
+          <a:xfrm>
+            <a:off x="1206405" y="99313"/>
+            <a:ext cx="10515600" cy="1325563"/>
+          </a:xfrm>
+        </p:spPr>
+        <p:txBody>
+          <a:bodyPr/>
+          <a:lstStyle/>
+          <a:p>
+            <a:r>
+              <a:rPr lang="ru-RU" dirty="0"/>
+              <a:t>Отступы в </a:t>
+            </a:r>
+            <a:r>
+              <a:rPr lang="en-US" dirty="0"/>
+              <a:t>Python</a:t>
+            </a:r>
+            <a:endParaRPr lang="ru-RU" dirty="0"/>
+          </a:p>
+        </p:txBody>
+      </p:sp>
+      <p:sp>
+        <p:nvSpPr>
+          <p:cNvPr id="5" name="TextBox 4">
+            <a:extLst>
+              <a:ext uri="{FF2B5EF4-FFF2-40B4-BE49-F238E27FC236}">
+                <a16:creationId xmlns:a16="http://schemas.microsoft.com/office/drawing/2014/main" id="{95220E72-9BED-4132-B505-6E7C16ABEAE8}"/>
+              </a:ext>
+            </a:extLst>
+          </p:cNvPr>
+          <p:cNvSpPr txBox="1"/>
+          <p:nvPr/>
+        </p:nvSpPr>
+        <p:spPr>
+          <a:xfrm>
+            <a:off x="3415319" y="1323491"/>
+            <a:ext cx="6097772" cy="5355312"/>
+          </a:xfrm>
+          <a:prstGeom prst="rect">
+            <a:avLst/>
+          </a:prstGeom>
+          <a:noFill/>
+        </p:spPr>
+        <p:txBody>
+          <a:bodyPr wrap="square">
+            <a:spAutoFit/>
+          </a:bodyPr>
+          <a:lstStyle/>
+          <a:p>
+            <a:r>
+              <a:rPr lang="en-US" b="0" dirty="0">
+                <a:solidFill>
+                  <a:srgbClr val="6A9955"/>
+                </a:solidFill>
+                <a:effectLst/>
+                <a:latin typeface="Consolas" panose="020B0609020204030204" pitchFamily="49" charset="0"/>
+              </a:rPr>
+              <a:t># (c) TICSIA</a:t>
+            </a:r>
+            <a:endParaRPr lang="en-US" b="0" dirty="0">
+              <a:solidFill>
+                <a:srgbClr val="D4D4D4"/>
+              </a:solidFill>
+              <a:effectLst/>
+              <a:latin typeface="Consolas" panose="020B0609020204030204" pitchFamily="49" charset="0"/>
+            </a:endParaRPr>
+          </a:p>
+          <a:p>
+            <a:r>
+              <a:rPr lang="en-US" b="0" dirty="0">
+                <a:solidFill>
+                  <a:srgbClr val="6A9955"/>
+                </a:solidFill>
+                <a:effectLst/>
+                <a:latin typeface="Consolas" panose="020B0609020204030204" pitchFamily="49" charset="0"/>
+              </a:rPr>
+              <a:t>#</a:t>
+            </a:r>
+            <a:endParaRPr lang="en-US" b="0" dirty="0">
+              <a:solidFill>
+                <a:srgbClr val="D4D4D4"/>
+              </a:solidFill>
+              <a:effectLst/>
+              <a:latin typeface="Consolas" panose="020B0609020204030204" pitchFamily="49" charset="0"/>
+            </a:endParaRPr>
+          </a:p>
+          <a:p>
+            <a:r>
+              <a:rPr lang="en-US" b="0" dirty="0">
+                <a:solidFill>
+                  <a:srgbClr val="6A9955"/>
+                </a:solidFill>
+                <a:effectLst/>
+                <a:latin typeface="Consolas" panose="020B0609020204030204" pitchFamily="49" charset="0"/>
+              </a:rPr>
+              <a:t>#</a:t>
+            </a:r>
+            <a:endParaRPr lang="en-US" b="0" dirty="0">
+              <a:solidFill>
+                <a:srgbClr val="D4D4D4"/>
+              </a:solidFill>
+              <a:effectLst/>
+              <a:latin typeface="Consolas" panose="020B0609020204030204" pitchFamily="49" charset="0"/>
+            </a:endParaRPr>
+          </a:p>
+          <a:p>
+            <a:r>
+              <a:rPr lang="en-US" b="0" dirty="0">
+                <a:solidFill>
+                  <a:srgbClr val="C586C0"/>
+                </a:solidFill>
+                <a:effectLst/>
+                <a:latin typeface="Consolas" panose="020B0609020204030204" pitchFamily="49" charset="0"/>
+              </a:rPr>
+              <a:t>import</a:t>
+            </a:r>
+            <a:r>
+              <a:rPr lang="en-US" b="0" dirty="0">
+                <a:solidFill>
+                  <a:srgbClr val="D4D4D4"/>
+                </a:solidFill>
+                <a:effectLst/>
+                <a:latin typeface="Consolas" panose="020B0609020204030204" pitchFamily="49" charset="0"/>
+              </a:rPr>
+              <a:t> math</a:t>
+            </a:r>
+          </a:p>
+          <a:p>
+            <a:br>
+              <a:rPr lang="en-US" b="0" dirty="0">
+                <a:solidFill>
+                  <a:srgbClr val="D4D4D4"/>
+                </a:solidFill>
+                <a:effectLst/>
+                <a:latin typeface="Consolas" panose="020B0609020204030204" pitchFamily="49" charset="0"/>
+              </a:rPr>
+            </a:br>
+            <a:r>
+              <a:rPr lang="en-US" b="0" dirty="0">
+                <a:solidFill>
+                  <a:srgbClr val="D4D4D4"/>
+                </a:solidFill>
+                <a:effectLst/>
+                <a:latin typeface="Consolas" panose="020B0609020204030204" pitchFamily="49" charset="0"/>
+              </a:rPr>
+              <a:t>a = </a:t>
+            </a:r>
+            <a:r>
+              <a:rPr lang="en-US" b="0" dirty="0">
+                <a:solidFill>
+                  <a:srgbClr val="4EC9B0"/>
+                </a:solidFill>
+                <a:effectLst/>
+                <a:latin typeface="Consolas" panose="020B0609020204030204" pitchFamily="49" charset="0"/>
+              </a:rPr>
+              <a:t>int</a:t>
+            </a:r>
+            <a:r>
+              <a:rPr lang="en-US" b="0" dirty="0">
+                <a:solidFill>
+                  <a:srgbClr val="D4D4D4"/>
+                </a:solidFill>
+                <a:effectLst/>
+                <a:latin typeface="Consolas" panose="020B0609020204030204" pitchFamily="49" charset="0"/>
+              </a:rPr>
+              <a:t>(</a:t>
+            </a:r>
+            <a:r>
+              <a:rPr lang="en-US" b="0" dirty="0">
+                <a:solidFill>
+                  <a:srgbClr val="DCDCAA"/>
+                </a:solidFill>
+                <a:effectLst/>
+                <a:latin typeface="Consolas" panose="020B0609020204030204" pitchFamily="49" charset="0"/>
+              </a:rPr>
+              <a:t>input</a:t>
+            </a:r>
+            <a:r>
+              <a:rPr lang="en-US" b="0" dirty="0">
+                <a:solidFill>
+                  <a:srgbClr val="D4D4D4"/>
+                </a:solidFill>
+                <a:effectLst/>
+                <a:latin typeface="Consolas" panose="020B0609020204030204" pitchFamily="49" charset="0"/>
+              </a:rPr>
+              <a:t>(</a:t>
+            </a:r>
+            <a:r>
+              <a:rPr lang="en-US" b="0" dirty="0">
+                <a:solidFill>
+                  <a:srgbClr val="CE9178"/>
+                </a:solidFill>
+                <a:effectLst/>
+                <a:latin typeface="Consolas" panose="020B0609020204030204" pitchFamily="49" charset="0"/>
+              </a:rPr>
+              <a:t>'a &gt; '</a:t>
+            </a:r>
+            <a:r>
+              <a:rPr lang="en-US" b="0" dirty="0">
+                <a:solidFill>
+                  <a:srgbClr val="D4D4D4"/>
+                </a:solidFill>
+                <a:effectLst/>
+                <a:latin typeface="Consolas" panose="020B0609020204030204" pitchFamily="49" charset="0"/>
+              </a:rPr>
+              <a:t>))</a:t>
+            </a:r>
+          </a:p>
+          <a:p>
+            <a:r>
+              <a:rPr lang="en-US" b="0" dirty="0">
+                <a:solidFill>
+                  <a:srgbClr val="D4D4D4"/>
+                </a:solidFill>
+                <a:effectLst/>
+                <a:latin typeface="Consolas" panose="020B0609020204030204" pitchFamily="49" charset="0"/>
+              </a:rPr>
+              <a:t>b = </a:t>
+            </a:r>
+            <a:r>
+              <a:rPr lang="en-US" b="0" dirty="0">
+                <a:solidFill>
+                  <a:srgbClr val="4EC9B0"/>
+                </a:solidFill>
+                <a:effectLst/>
+                <a:latin typeface="Consolas" panose="020B0609020204030204" pitchFamily="49" charset="0"/>
+              </a:rPr>
+              <a:t>int</a:t>
+            </a:r>
+            <a:r>
+              <a:rPr lang="en-US" b="0" dirty="0">
+                <a:solidFill>
+                  <a:srgbClr val="D4D4D4"/>
+                </a:solidFill>
+                <a:effectLst/>
+                <a:latin typeface="Consolas" panose="020B0609020204030204" pitchFamily="49" charset="0"/>
+              </a:rPr>
+              <a:t>(</a:t>
+            </a:r>
+            <a:r>
+              <a:rPr lang="en-US" b="0" dirty="0">
+                <a:solidFill>
+                  <a:srgbClr val="DCDCAA"/>
+                </a:solidFill>
+                <a:effectLst/>
+                <a:latin typeface="Consolas" panose="020B0609020204030204" pitchFamily="49" charset="0"/>
+              </a:rPr>
+              <a:t>input</a:t>
+            </a:r>
+            <a:r>
+              <a:rPr lang="en-US" b="0" dirty="0">
+                <a:solidFill>
+                  <a:srgbClr val="D4D4D4"/>
+                </a:solidFill>
+                <a:effectLst/>
+                <a:latin typeface="Consolas" panose="020B0609020204030204" pitchFamily="49" charset="0"/>
+              </a:rPr>
+              <a:t>(</a:t>
+            </a:r>
+            <a:r>
+              <a:rPr lang="en-US" b="0" dirty="0">
+                <a:solidFill>
+                  <a:srgbClr val="CE9178"/>
+                </a:solidFill>
+                <a:effectLst/>
+                <a:latin typeface="Consolas" panose="020B0609020204030204" pitchFamily="49" charset="0"/>
+              </a:rPr>
+              <a:t>'b &gt; '</a:t>
+            </a:r>
+            <a:r>
+              <a:rPr lang="en-US" b="0" dirty="0">
+                <a:solidFill>
+                  <a:srgbClr val="D4D4D4"/>
+                </a:solidFill>
+                <a:effectLst/>
+                <a:latin typeface="Consolas" panose="020B0609020204030204" pitchFamily="49" charset="0"/>
+              </a:rPr>
+              <a:t>))</a:t>
+            </a:r>
+          </a:p>
+          <a:p>
+            <a:r>
+              <a:rPr lang="en-US" b="0" dirty="0">
+                <a:solidFill>
+                  <a:srgbClr val="D4D4D4"/>
+                </a:solidFill>
+                <a:effectLst/>
+                <a:latin typeface="Consolas" panose="020B0609020204030204" pitchFamily="49" charset="0"/>
+              </a:rPr>
+              <a:t>c = </a:t>
+            </a:r>
+            <a:r>
+              <a:rPr lang="en-US" b="0" dirty="0">
+                <a:solidFill>
+                  <a:srgbClr val="4EC9B0"/>
+                </a:solidFill>
+                <a:effectLst/>
+                <a:latin typeface="Consolas" panose="020B0609020204030204" pitchFamily="49" charset="0"/>
+              </a:rPr>
+              <a:t>int</a:t>
+            </a:r>
+            <a:r>
+              <a:rPr lang="en-US" b="0" dirty="0">
+                <a:solidFill>
+                  <a:srgbClr val="D4D4D4"/>
+                </a:solidFill>
+                <a:effectLst/>
+                <a:latin typeface="Consolas" panose="020B0609020204030204" pitchFamily="49" charset="0"/>
+              </a:rPr>
+              <a:t>(</a:t>
+            </a:r>
+            <a:r>
+              <a:rPr lang="en-US" b="0" dirty="0">
+                <a:solidFill>
+                  <a:srgbClr val="DCDCAA"/>
+                </a:solidFill>
+                <a:effectLst/>
+                <a:latin typeface="Consolas" panose="020B0609020204030204" pitchFamily="49" charset="0"/>
+              </a:rPr>
+              <a:t>input</a:t>
+            </a:r>
+            <a:r>
+              <a:rPr lang="en-US" b="0" dirty="0">
+                <a:solidFill>
+                  <a:srgbClr val="D4D4D4"/>
+                </a:solidFill>
+                <a:effectLst/>
+                <a:latin typeface="Consolas" panose="020B0609020204030204" pitchFamily="49" charset="0"/>
+              </a:rPr>
+              <a:t>(</a:t>
+            </a:r>
+            <a:r>
+              <a:rPr lang="en-US" b="0" dirty="0">
+                <a:solidFill>
+                  <a:srgbClr val="CE9178"/>
+                </a:solidFill>
+                <a:effectLst/>
+                <a:latin typeface="Consolas" panose="020B0609020204030204" pitchFamily="49" charset="0"/>
+              </a:rPr>
+              <a:t>'c &gt; '</a:t>
+            </a:r>
+            <a:r>
+              <a:rPr lang="en-US" b="0" dirty="0">
+                <a:solidFill>
+                  <a:srgbClr val="D4D4D4"/>
+                </a:solidFill>
+                <a:effectLst/>
+                <a:latin typeface="Consolas" panose="020B0609020204030204" pitchFamily="49" charset="0"/>
+              </a:rPr>
+              <a:t>))</a:t>
+            </a:r>
+          </a:p>
+          <a:p>
+            <a:br>
+              <a:rPr lang="en-US" b="0" dirty="0">
+                <a:solidFill>
+                  <a:srgbClr val="D4D4D4"/>
+                </a:solidFill>
+                <a:effectLst/>
+                <a:latin typeface="Consolas" panose="020B0609020204030204" pitchFamily="49" charset="0"/>
+              </a:rPr>
+            </a:br>
+            <a:r>
+              <a:rPr lang="en-US" b="0" dirty="0">
+                <a:solidFill>
+                  <a:srgbClr val="D4D4D4"/>
+                </a:solidFill>
+                <a:effectLst/>
+                <a:latin typeface="Consolas" panose="020B0609020204030204" pitchFamily="49" charset="0"/>
+              </a:rPr>
+              <a:t>d = (b**</a:t>
+            </a:r>
+            <a:r>
+              <a:rPr lang="en-US" b="0" dirty="0">
+                <a:solidFill>
+                  <a:srgbClr val="B5CEA8"/>
+                </a:solidFill>
+                <a:effectLst/>
+                <a:latin typeface="Consolas" panose="020B0609020204030204" pitchFamily="49" charset="0"/>
+              </a:rPr>
+              <a:t>2</a:t>
+            </a:r>
+            <a:r>
+              <a:rPr lang="en-US" b="0" dirty="0">
+                <a:solidFill>
+                  <a:srgbClr val="D4D4D4"/>
+                </a:solidFill>
+                <a:effectLst/>
+                <a:latin typeface="Consolas" panose="020B0609020204030204" pitchFamily="49" charset="0"/>
+              </a:rPr>
+              <a:t>) - </a:t>
+            </a:r>
+            <a:r>
+              <a:rPr lang="en-US" b="0" dirty="0">
+                <a:solidFill>
+                  <a:srgbClr val="B5CEA8"/>
+                </a:solidFill>
+                <a:effectLst/>
+                <a:latin typeface="Consolas" panose="020B0609020204030204" pitchFamily="49" charset="0"/>
+              </a:rPr>
+              <a:t>4</a:t>
+            </a:r>
+            <a:r>
+              <a:rPr lang="en-US" b="0" dirty="0">
+                <a:solidFill>
+                  <a:srgbClr val="D4D4D4"/>
+                </a:solidFill>
+                <a:effectLst/>
+                <a:latin typeface="Consolas" panose="020B0609020204030204" pitchFamily="49" charset="0"/>
+              </a:rPr>
+              <a:t> * a * c</a:t>
+            </a:r>
+          </a:p>
+          <a:p>
+            <a:br>
+              <a:rPr lang="en-US" b="0" dirty="0">
+                <a:solidFill>
+                  <a:srgbClr val="D4D4D4"/>
+                </a:solidFill>
+                <a:effectLst/>
+                <a:latin typeface="Consolas" panose="020B0609020204030204" pitchFamily="49" charset="0"/>
+              </a:rPr>
+            </a:br>
+            <a:r>
+              <a:rPr lang="en-US" b="0" dirty="0">
+                <a:solidFill>
+                  <a:srgbClr val="C586C0"/>
+                </a:solidFill>
+                <a:effectLst/>
+                <a:latin typeface="Consolas" panose="020B0609020204030204" pitchFamily="49" charset="0"/>
+              </a:rPr>
+              <a:t>if</a:t>
+            </a:r>
+            <a:r>
+              <a:rPr lang="en-US" b="0" dirty="0">
+                <a:solidFill>
+                  <a:srgbClr val="D4D4D4"/>
+                </a:solidFill>
+                <a:effectLst/>
+                <a:latin typeface="Consolas" panose="020B0609020204030204" pitchFamily="49" charset="0"/>
+              </a:rPr>
+              <a:t> d &gt;= </a:t>
+            </a:r>
+            <a:r>
+              <a:rPr lang="en-US" b="0" dirty="0">
+                <a:solidFill>
+                  <a:srgbClr val="B5CEA8"/>
+                </a:solidFill>
+                <a:effectLst/>
+                <a:latin typeface="Consolas" panose="020B0609020204030204" pitchFamily="49" charset="0"/>
+              </a:rPr>
+              <a:t>0</a:t>
+            </a:r>
+            <a:r>
+              <a:rPr lang="en-US" b="0" dirty="0">
+                <a:solidFill>
+                  <a:srgbClr val="D4D4D4"/>
+                </a:solidFill>
+                <a:effectLst/>
+                <a:latin typeface="Consolas" panose="020B0609020204030204" pitchFamily="49" charset="0"/>
+              </a:rPr>
+              <a:t>:</a:t>
+            </a:r>
+          </a:p>
+          <a:p>
+            <a:r>
+              <a:rPr lang="en-US" b="0" dirty="0">
+                <a:solidFill>
+                  <a:srgbClr val="D4D4D4"/>
+                </a:solidFill>
+                <a:effectLst/>
+                <a:latin typeface="Consolas" panose="020B0609020204030204" pitchFamily="49" charset="0"/>
+              </a:rPr>
+              <a:t>    x1 = -d + </a:t>
+            </a:r>
+            <a:r>
+              <a:rPr lang="en-US" b="0" dirty="0" err="1">
+                <a:solidFill>
+                  <a:srgbClr val="D4D4D4"/>
+                </a:solidFill>
+                <a:effectLst/>
+                <a:latin typeface="Consolas" panose="020B0609020204030204" pitchFamily="49" charset="0"/>
+              </a:rPr>
+              <a:t>math.sqrt</a:t>
+            </a:r>
+            <a:r>
+              <a:rPr lang="en-US" b="0" dirty="0">
+                <a:solidFill>
+                  <a:srgbClr val="D4D4D4"/>
+                </a:solidFill>
+                <a:effectLst/>
+                <a:latin typeface="Consolas" panose="020B0609020204030204" pitchFamily="49" charset="0"/>
+              </a:rPr>
+              <a:t>(d) / (</a:t>
+            </a:r>
+            <a:r>
+              <a:rPr lang="en-US" b="0" dirty="0">
+                <a:solidFill>
+                  <a:srgbClr val="B5CEA8"/>
+                </a:solidFill>
+                <a:effectLst/>
+                <a:latin typeface="Consolas" panose="020B0609020204030204" pitchFamily="49" charset="0"/>
+              </a:rPr>
+              <a:t>2</a:t>
+            </a:r>
+            <a:r>
+              <a:rPr lang="en-US" b="0" dirty="0">
+                <a:solidFill>
+                  <a:srgbClr val="D4D4D4"/>
+                </a:solidFill>
+                <a:effectLst/>
+                <a:latin typeface="Consolas" panose="020B0609020204030204" pitchFamily="49" charset="0"/>
+              </a:rPr>
+              <a:t>*a)</a:t>
+            </a:r>
+          </a:p>
+          <a:p>
+            <a:r>
+              <a:rPr lang="en-US" b="0" dirty="0">
+                <a:solidFill>
+                  <a:srgbClr val="D4D4D4"/>
+                </a:solidFill>
+                <a:effectLst/>
+                <a:latin typeface="Consolas" panose="020B0609020204030204" pitchFamily="49" charset="0"/>
+              </a:rPr>
+              <a:t>    x2 = -d - </a:t>
+            </a:r>
+            <a:r>
+              <a:rPr lang="en-US" b="0" dirty="0" err="1">
+                <a:solidFill>
+                  <a:srgbClr val="D4D4D4"/>
+                </a:solidFill>
+                <a:effectLst/>
+                <a:latin typeface="Consolas" panose="020B0609020204030204" pitchFamily="49" charset="0"/>
+              </a:rPr>
+              <a:t>math.sqrt</a:t>
+            </a:r>
+            <a:r>
+              <a:rPr lang="en-US" b="0" dirty="0">
+                <a:solidFill>
+                  <a:srgbClr val="D4D4D4"/>
+                </a:solidFill>
+                <a:effectLst/>
+                <a:latin typeface="Consolas" panose="020B0609020204030204" pitchFamily="49" charset="0"/>
+              </a:rPr>
+              <a:t>(d) / (</a:t>
+            </a:r>
+            <a:r>
+              <a:rPr lang="en-US" b="0" dirty="0">
+                <a:solidFill>
+                  <a:srgbClr val="B5CEA8"/>
+                </a:solidFill>
+                <a:effectLst/>
+                <a:latin typeface="Consolas" panose="020B0609020204030204" pitchFamily="49" charset="0"/>
+              </a:rPr>
+              <a:t>2</a:t>
+            </a:r>
+            <a:r>
+              <a:rPr lang="en-US" b="0" dirty="0">
+                <a:solidFill>
+                  <a:srgbClr val="D4D4D4"/>
+                </a:solidFill>
+                <a:effectLst/>
+                <a:latin typeface="Consolas" panose="020B0609020204030204" pitchFamily="49" charset="0"/>
+              </a:rPr>
+              <a:t>*a)</a:t>
+            </a:r>
+          </a:p>
+          <a:p>
+            <a:r>
+              <a:rPr lang="en-US" b="0" dirty="0">
+                <a:solidFill>
+                  <a:srgbClr val="D4D4D4"/>
+                </a:solidFill>
+                <a:effectLst/>
+                <a:latin typeface="Consolas" panose="020B0609020204030204" pitchFamily="49" charset="0"/>
+              </a:rPr>
+              <a:t>    </a:t>
+            </a:r>
+            <a:r>
+              <a:rPr lang="en-US" b="0" dirty="0">
+                <a:solidFill>
+                  <a:srgbClr val="DCDCAA"/>
+                </a:solidFill>
+                <a:effectLst/>
+                <a:latin typeface="Consolas" panose="020B0609020204030204" pitchFamily="49" charset="0"/>
+              </a:rPr>
+              <a:t>print</a:t>
+            </a:r>
+            <a:r>
+              <a:rPr lang="en-US" b="0" dirty="0">
+                <a:solidFill>
+                  <a:srgbClr val="D4D4D4"/>
+                </a:solidFill>
+                <a:effectLst/>
+                <a:latin typeface="Consolas" panose="020B0609020204030204" pitchFamily="49" charset="0"/>
+              </a:rPr>
+              <a:t>(</a:t>
+            </a:r>
+            <a:r>
+              <a:rPr lang="en-US" b="0" dirty="0">
+                <a:solidFill>
+                  <a:srgbClr val="569CD6"/>
+                </a:solidFill>
+                <a:effectLst/>
+                <a:latin typeface="Consolas" panose="020B0609020204030204" pitchFamily="49" charset="0"/>
+              </a:rPr>
+              <a:t>f</a:t>
+            </a:r>
+            <a:r>
+              <a:rPr lang="en-US" b="0" dirty="0">
+                <a:solidFill>
+                  <a:srgbClr val="CE9178"/>
+                </a:solidFill>
+                <a:effectLst/>
+                <a:latin typeface="Consolas" panose="020B0609020204030204" pitchFamily="49" charset="0"/>
+              </a:rPr>
+              <a:t>"x1 = </a:t>
+            </a:r>
+            <a:r>
+              <a:rPr lang="en-US" b="0" dirty="0">
+                <a:solidFill>
+                  <a:srgbClr val="569CD6"/>
+                </a:solidFill>
+                <a:effectLst/>
+                <a:latin typeface="Consolas" panose="020B0609020204030204" pitchFamily="49" charset="0"/>
+              </a:rPr>
+              <a:t>{</a:t>
+            </a:r>
+            <a:r>
+              <a:rPr lang="en-US" b="0" dirty="0">
+                <a:solidFill>
+                  <a:srgbClr val="D4D4D4"/>
+                </a:solidFill>
+                <a:effectLst/>
+                <a:latin typeface="Consolas" panose="020B0609020204030204" pitchFamily="49" charset="0"/>
+              </a:rPr>
+              <a:t>x1</a:t>
+            </a:r>
+            <a:r>
+              <a:rPr lang="en-US" b="0" dirty="0">
+                <a:solidFill>
+                  <a:srgbClr val="569CD6"/>
+                </a:solidFill>
+                <a:effectLst/>
+                <a:latin typeface="Consolas" panose="020B0609020204030204" pitchFamily="49" charset="0"/>
+              </a:rPr>
+              <a:t>}</a:t>
+            </a:r>
+            <a:r>
+              <a:rPr lang="en-US" b="0" dirty="0">
+                <a:solidFill>
+                  <a:srgbClr val="CE9178"/>
+                </a:solidFill>
+                <a:effectLst/>
+                <a:latin typeface="Consolas" panose="020B0609020204030204" pitchFamily="49" charset="0"/>
+              </a:rPr>
+              <a:t>, x2 = </a:t>
+            </a:r>
+            <a:r>
+              <a:rPr lang="en-US" b="0" dirty="0">
+                <a:solidFill>
+                  <a:srgbClr val="569CD6"/>
+                </a:solidFill>
+                <a:effectLst/>
+                <a:latin typeface="Consolas" panose="020B0609020204030204" pitchFamily="49" charset="0"/>
+              </a:rPr>
+              <a:t>{</a:t>
+            </a:r>
+            <a:r>
+              <a:rPr lang="en-US" b="0" dirty="0">
+                <a:solidFill>
+                  <a:srgbClr val="D4D4D4"/>
+                </a:solidFill>
+                <a:effectLst/>
+                <a:latin typeface="Consolas" panose="020B0609020204030204" pitchFamily="49" charset="0"/>
+              </a:rPr>
+              <a:t>x2</a:t>
+            </a:r>
+            <a:r>
+              <a:rPr lang="en-US" b="0" dirty="0">
+                <a:solidFill>
+                  <a:srgbClr val="569CD6"/>
+                </a:solidFill>
+                <a:effectLst/>
+                <a:latin typeface="Consolas" panose="020B0609020204030204" pitchFamily="49" charset="0"/>
+              </a:rPr>
+              <a:t>}</a:t>
+            </a:r>
+            <a:r>
+              <a:rPr lang="en-US" b="0" dirty="0">
+                <a:solidFill>
+                  <a:srgbClr val="CE9178"/>
+                </a:solidFill>
+                <a:effectLst/>
+                <a:latin typeface="Consolas" panose="020B0609020204030204" pitchFamily="49" charset="0"/>
+              </a:rPr>
+              <a:t>"</a:t>
+            </a:r>
+            <a:r>
+              <a:rPr lang="en-US" b="0" dirty="0">
+                <a:solidFill>
+                  <a:srgbClr val="D4D4D4"/>
+                </a:solidFill>
+                <a:effectLst/>
+                <a:latin typeface="Consolas" panose="020B0609020204030204" pitchFamily="49" charset="0"/>
+              </a:rPr>
+              <a:t>)</a:t>
+            </a:r>
+          </a:p>
+          <a:p>
+            <a:r>
+              <a:rPr lang="en-US" b="0" dirty="0">
+                <a:solidFill>
+                  <a:srgbClr val="C586C0"/>
+                </a:solidFill>
+                <a:effectLst/>
+                <a:latin typeface="Consolas" panose="020B0609020204030204" pitchFamily="49" charset="0"/>
+              </a:rPr>
+              <a:t>else</a:t>
+            </a:r>
+            <a:r>
+              <a:rPr lang="en-US" b="0" dirty="0">
+                <a:solidFill>
+                  <a:srgbClr val="D4D4D4"/>
+                </a:solidFill>
+                <a:effectLst/>
+                <a:latin typeface="Consolas" panose="020B0609020204030204" pitchFamily="49" charset="0"/>
+              </a:rPr>
+              <a:t>:</a:t>
+            </a:r>
+          </a:p>
+          <a:p>
+            <a:r>
+              <a:rPr lang="en-US" b="0" dirty="0">
+                <a:solidFill>
+                  <a:srgbClr val="D4D4D4"/>
+                </a:solidFill>
+                <a:effectLst/>
+                <a:latin typeface="Consolas" panose="020B0609020204030204" pitchFamily="49" charset="0"/>
+              </a:rPr>
+              <a:t>    </a:t>
+            </a:r>
+            <a:r>
+              <a:rPr lang="en-US" b="0" dirty="0">
+                <a:solidFill>
+                  <a:srgbClr val="DCDCAA"/>
+                </a:solidFill>
+                <a:effectLst/>
+                <a:latin typeface="Consolas" panose="020B0609020204030204" pitchFamily="49" charset="0"/>
+              </a:rPr>
+              <a:t>print</a:t>
+            </a:r>
+            <a:r>
+              <a:rPr lang="en-US" b="0" dirty="0">
+                <a:solidFill>
+                  <a:srgbClr val="D4D4D4"/>
+                </a:solidFill>
+                <a:effectLst/>
+                <a:latin typeface="Consolas" panose="020B0609020204030204" pitchFamily="49" charset="0"/>
+              </a:rPr>
+              <a:t>(</a:t>
+            </a:r>
+            <a:r>
+              <a:rPr lang="en-US" b="0" dirty="0">
+                <a:solidFill>
+                  <a:srgbClr val="CE9178"/>
+                </a:solidFill>
+                <a:effectLst/>
+                <a:latin typeface="Consolas" panose="020B0609020204030204" pitchFamily="49" charset="0"/>
+              </a:rPr>
+              <a:t>'</a:t>
+            </a:r>
+            <a:r>
+              <a:rPr lang="ru-RU" b="0" dirty="0">
+                <a:solidFill>
+                  <a:srgbClr val="CE9178"/>
+                </a:solidFill>
+                <a:effectLst/>
+                <a:latin typeface="Consolas" panose="020B0609020204030204" pitchFamily="49" charset="0"/>
+              </a:rPr>
+              <a:t>Корней нет'</a:t>
+            </a:r>
+            <a:r>
+              <a:rPr lang="ru-RU" b="0" dirty="0">
+                <a:solidFill>
+                  <a:srgbClr val="D4D4D4"/>
+                </a:solidFill>
+                <a:effectLst/>
+                <a:latin typeface="Consolas" panose="020B0609020204030204" pitchFamily="49" charset="0"/>
+              </a:rPr>
+              <a:t>)</a:t>
+            </a:r>
+          </a:p>
+          <a:p>
+            <a:br>
+              <a:rPr lang="ru-RU" b="0" dirty="0">
+                <a:solidFill>
+                  <a:srgbClr val="D4D4D4"/>
+                </a:solidFill>
+                <a:effectLst/>
+                <a:latin typeface="Consolas" panose="020B0609020204030204" pitchFamily="49" charset="0"/>
+              </a:rPr>
+            </a:br>
+            <a:endParaRPr lang="ru-RU" b="0" dirty="0">
+              <a:solidFill>
+                <a:srgbClr val="D4D4D4"/>
+              </a:solidFill>
+              <a:effectLst/>
+              <a:latin typeface="Consolas" panose="020B0609020204030204" pitchFamily="49" charset="0"/>
+            </a:endParaRPr>
+          </a:p>
+        </p:txBody>
+      </p:sp>
+      <p:sp>
+        <p:nvSpPr>
+          <p:cNvPr id="14" name="Правая круглая скобка 13">
+            <a:extLst>
+              <a:ext uri="{FF2B5EF4-FFF2-40B4-BE49-F238E27FC236}">
+                <a16:creationId xmlns:a16="http://schemas.microsoft.com/office/drawing/2014/main" id="{DD56298C-911D-4205-A378-22BC27121F8B}"/>
+              </a:ext>
+            </a:extLst>
+          </p:cNvPr>
+          <p:cNvSpPr/>
+          <p:nvPr/>
+        </p:nvSpPr>
+        <p:spPr>
+          <a:xfrm rot="5400000">
+            <a:off x="3669792" y="5193792"/>
+            <a:ext cx="158496" cy="451104"/>
+          </a:xfrm>
+          <a:prstGeom prst="rightBracket">
+            <a:avLst/>
+          </a:prstGeom>
+        </p:spPr>
+        <p:style>
+          <a:lnRef idx="1">
+            <a:schemeClr val="accent1"/>
+          </a:lnRef>
+          <a:fillRef idx="0">
+            <a:schemeClr val="accent1"/>
+          </a:fillRef>
+          <a:effectRef idx="0">
+            <a:schemeClr val="accent1"/>
+          </a:effectRef>
+          <a:fontRef idx="minor">
+            <a:schemeClr val="tx1"/>
+          </a:fontRef>
+        </p:style>
+        <p:txBody>
+          <a:bodyPr rtlCol="0" anchor="ctr"/>
+          <a:lstStyle/>
+          <a:p>
+            <a:pPr algn="ctr"/>
+            <a:endParaRPr lang="ru-RU"/>
+          </a:p>
+        </p:txBody>
+      </p:sp>
+      <p:cxnSp>
+        <p:nvCxnSpPr>
+          <p:cNvPr id="16" name="Прямая соединительная линия 15">
+            <a:extLst>
+              <a:ext uri="{FF2B5EF4-FFF2-40B4-BE49-F238E27FC236}">
+                <a16:creationId xmlns:a16="http://schemas.microsoft.com/office/drawing/2014/main" id="{9DC33E70-94F0-4F1B-B61E-4B81CD59CD34}"/>
+              </a:ext>
+            </a:extLst>
+          </p:cNvPr>
+          <p:cNvCxnSpPr/>
+          <p:nvPr/>
+        </p:nvCxnSpPr>
+        <p:spPr>
+          <a:xfrm>
+            <a:off x="3464087" y="1174210"/>
+            <a:ext cx="0" cy="5238782"/>
+          </a:xfrm>
+          <a:prstGeom prst="line">
+            <a:avLst/>
+          </a:prstGeom>
+        </p:spPr>
+        <p:style>
+          <a:lnRef idx="1">
+            <a:schemeClr val="accent1"/>
+          </a:lnRef>
+          <a:fillRef idx="0">
+            <a:schemeClr val="accent1"/>
+          </a:fillRef>
+          <a:effectRef idx="0">
+            <a:schemeClr val="accent1"/>
+          </a:effectRef>
+          <a:fontRef idx="minor">
+            <a:schemeClr val="tx1"/>
+          </a:fontRef>
+        </p:style>
+      </p:cxnSp>
+      <p:sp>
+        <p:nvSpPr>
+          <p:cNvPr id="17" name="Правая круглая скобка 16">
+            <a:extLst>
+              <a:ext uri="{FF2B5EF4-FFF2-40B4-BE49-F238E27FC236}">
+                <a16:creationId xmlns:a16="http://schemas.microsoft.com/office/drawing/2014/main" id="{7EA1C3DB-4ABA-4A0C-A0ED-92C759AE6D6F}"/>
+              </a:ext>
+            </a:extLst>
+          </p:cNvPr>
+          <p:cNvSpPr/>
+          <p:nvPr/>
+        </p:nvSpPr>
+        <p:spPr>
+          <a:xfrm rot="5400000">
+            <a:off x="3669792" y="5680813"/>
+            <a:ext cx="158496" cy="451104"/>
+          </a:xfrm>
+          <a:prstGeom prst="rightBracket">
+            <a:avLst/>
+          </a:prstGeom>
+        </p:spPr>
+        <p:style>
+          <a:lnRef idx="1">
+            <a:schemeClr val="accent1"/>
+          </a:lnRef>
+          <a:fillRef idx="0">
+            <a:schemeClr val="accent1"/>
+          </a:fillRef>
+          <a:effectRef idx="0">
+            <a:schemeClr val="accent1"/>
+          </a:effectRef>
+          <a:fontRef idx="minor">
+            <a:schemeClr val="tx1"/>
+          </a:fontRef>
+        </p:style>
+        <p:txBody>
+          <a:bodyPr rtlCol="0" anchor="ctr"/>
+          <a:lstStyle/>
+          <a:p>
+            <a:pPr algn="ctr"/>
+            <a:endParaRPr lang="ru-RU"/>
+          </a:p>
+        </p:txBody>
+      </p:sp>
+    </p:spTree>
+    <p:extLst>
+      <p:ext uri="{BB962C8B-B14F-4D97-AF65-F5344CB8AC3E}">
+        <p14:creationId xmlns:p14="http://schemas.microsoft.com/office/powerpoint/2010/main" val="1101473470"/>
+      </p:ext>
+    </p:extLst>
+  </p:cSld>
+  <p:clrMapOvr>
+    <a:masterClrMapping/>
+  </p:clrMapOvr>
+</p:sld>
+</file>
+
 <file path=ppt/slides/slide2.xml><?xml version="1.0" encoding="utf-8"?>
 <p:sld xmlns:a="http://schemas.openxmlformats.org/drawingml/2006/main" xmlns:r="http://schemas.openxmlformats.org/officeDocument/2006/relationships" xmlns:p="http://schemas.openxmlformats.org/presentationml/2006/main">
   <p:cSld>
@@ -3922,12 +5012,59 @@
           <a:chExt cx="0" cy="0"/>
         </a:xfrm>
       </p:grpSpPr>
-      <p:sp>
-        <p:nvSpPr>
-          <p:cNvPr id="4" name="Заголовок 3">
-            <a:extLst>
-              <a:ext uri="{FF2B5EF4-FFF2-40B4-BE49-F238E27FC236}">
-                <a16:creationId xmlns:a16="http://schemas.microsoft.com/office/drawing/2014/main" id="{8A834F1F-517A-4131-B059-EDF37D5B5D60}"/>
+      <p:pic>
+        <p:nvPicPr>
+          <p:cNvPr id="2050" name="Picture 2">
+            <a:extLst>
+              <a:ext uri="{FF2B5EF4-FFF2-40B4-BE49-F238E27FC236}">
+                <a16:creationId xmlns:a16="http://schemas.microsoft.com/office/drawing/2014/main" id="{224060B0-F24C-4893-A28E-5A898FB81EBE}"/>
+              </a:ext>
+            </a:extLst>
+          </p:cNvPr>
+          <p:cNvPicPr>
+            <a:picLocks noChangeAspect="1" noChangeArrowheads="1"/>
+          </p:cNvPicPr>
+          <p:nvPr/>
+        </p:nvPicPr>
+        <p:blipFill>
+          <a:blip r:embed="rId2">
+            <a:extLst>
+              <a:ext uri="{28A0092B-C50C-407E-A947-70E740481C1C}">
+                <a14:useLocalDpi xmlns:a14="http://schemas.microsoft.com/office/drawing/2010/main" val="0"/>
+              </a:ext>
+            </a:extLst>
+          </a:blip>
+          <a:srcRect/>
+          <a:stretch>
+            <a:fillRect/>
+          </a:stretch>
+        </p:blipFill>
+        <p:spPr bwMode="auto">
+          <a:xfrm>
+            <a:off x="0" y="-1"/>
+            <a:ext cx="12277344" cy="6812645"/>
+          </a:xfrm>
+          <a:prstGeom prst="rect">
+            <a:avLst/>
+          </a:prstGeom>
+          <a:noFill/>
+          <a:extLst>
+            <a:ext uri="{909E8E84-426E-40DD-AFC4-6F175D3DCCD1}">
+              <a14:hiddenFill xmlns:a14="http://schemas.microsoft.com/office/drawing/2010/main">
+                <a:solidFill>
+                  <a:srgbClr val="FFFFFF"/>
+                </a:solidFill>
+              </a14:hiddenFill>
+            </a:ext>
+          </a:extLst>
+        </p:spPr>
+      </p:pic>
+      <p:sp>
+        <p:nvSpPr>
+          <p:cNvPr id="2" name="Заголовок 1">
+            <a:extLst>
+              <a:ext uri="{FF2B5EF4-FFF2-40B4-BE49-F238E27FC236}">
+                <a16:creationId xmlns:a16="http://schemas.microsoft.com/office/drawing/2014/main" id="{A32C6FA1-D58B-477C-9072-C038E8F03C4D}"/>
               </a:ext>
             </a:extLst>
           </p:cNvPr>
@@ -3945,22 +5082,17 @@
           <a:p>
             <a:r>
               <a:rPr lang="ru-RU" dirty="0"/>
-              <a:t>Базовые основы </a:t>
-            </a:r>
-            <a:r>
-              <a:rPr lang="en-US" dirty="0"/>
-              <a:t>Python</a:t>
-            </a:r>
-            <a:endParaRPr lang="ru-RU" dirty="0"/>
-          </a:p>
-        </p:txBody>
-      </p:sp>
-      <p:sp>
-        <p:nvSpPr>
-          <p:cNvPr id="5" name="Текст 4">
-            <a:extLst>
-              <a:ext uri="{FF2B5EF4-FFF2-40B4-BE49-F238E27FC236}">
-                <a16:creationId xmlns:a16="http://schemas.microsoft.com/office/drawing/2014/main" id="{B69B8B0A-6106-4843-887A-A049BCFDA434}"/>
+              <a:t>Элементарное программирование</a:t>
+            </a:r>
+          </a:p>
+        </p:txBody>
+      </p:sp>
+      <p:sp>
+        <p:nvSpPr>
+          <p:cNvPr id="3" name="Текст 2">
+            <a:extLst>
+              <a:ext uri="{FF2B5EF4-FFF2-40B4-BE49-F238E27FC236}">
+                <a16:creationId xmlns:a16="http://schemas.microsoft.com/office/drawing/2014/main" id="{36931AFF-3143-4FA8-A747-A6D1850F7FC9}"/>
               </a:ext>
             </a:extLst>
           </p:cNvPr>
@@ -3978,15 +5110,20 @@
           <a:p>
             <a:r>
               <a:rPr lang="ru-RU" dirty="0"/>
-              <a:t>Модуль 1</a:t>
-            </a:r>
+              <a:t>Часть </a:t>
+            </a:r>
+            <a:r>
+              <a:rPr lang="en-US" dirty="0"/>
+              <a:t>I</a:t>
+            </a:r>
+            <a:endParaRPr lang="ru-RU" dirty="0"/>
           </a:p>
         </p:txBody>
       </p:sp>
     </p:spTree>
     <p:extLst>
       <p:ext uri="{BB962C8B-B14F-4D97-AF65-F5344CB8AC3E}">
-        <p14:creationId xmlns:p14="http://schemas.microsoft.com/office/powerpoint/2010/main" val="3640832705"/>
+        <p14:creationId xmlns:p14="http://schemas.microsoft.com/office/powerpoint/2010/main" val="411472317"/>
       </p:ext>
     </p:extLst>
   </p:cSld>
@@ -4015,10 +5152,10 @@
       </p:grpSpPr>
       <p:sp>
         <p:nvSpPr>
-          <p:cNvPr id="2" name="Заголовок 1">
-            <a:extLst>
-              <a:ext uri="{FF2B5EF4-FFF2-40B4-BE49-F238E27FC236}">
-                <a16:creationId xmlns:a16="http://schemas.microsoft.com/office/drawing/2014/main" id="{2E9699DB-4689-42A0-B4C6-10931F4026D1}"/>
+          <p:cNvPr id="4" name="Заголовок 3">
+            <a:extLst>
+              <a:ext uri="{FF2B5EF4-FFF2-40B4-BE49-F238E27FC236}">
+                <a16:creationId xmlns:a16="http://schemas.microsoft.com/office/drawing/2014/main" id="{8A834F1F-517A-4131-B059-EDF37D5B5D60}"/>
               </a:ext>
             </a:extLst>
           </p:cNvPr>
@@ -4036,7 +5173,7 @@
           <a:p>
             <a:r>
               <a:rPr lang="ru-RU" dirty="0"/>
-              <a:t>История </a:t>
+              <a:t>Базовые основы </a:t>
             </a:r>
             <a:r>
               <a:rPr lang="en-US" dirty="0"/>
@@ -4048,10 +5185,10 @@
       </p:sp>
       <p:sp>
         <p:nvSpPr>
-          <p:cNvPr id="3" name="Объект 2">
-            <a:extLst>
-              <a:ext uri="{FF2B5EF4-FFF2-40B4-BE49-F238E27FC236}">
-                <a16:creationId xmlns:a16="http://schemas.microsoft.com/office/drawing/2014/main" id="{848D5F79-3AAD-4F0C-BE10-CF67002CF300}"/>
+          <p:cNvPr id="5" name="Текст 4">
+            <a:extLst>
+              <a:ext uri="{FF2B5EF4-FFF2-40B4-BE49-F238E27FC236}">
+                <a16:creationId xmlns:a16="http://schemas.microsoft.com/office/drawing/2014/main" id="{B69B8B0A-6106-4843-887A-A049BCFDA434}"/>
               </a:ext>
             </a:extLst>
           </p:cNvPr>
@@ -4059,7 +5196,7 @@
             <a:spLocks noGrp="1"/>
           </p:cNvSpPr>
           <p:nvPr>
-            <p:ph idx="1"/>
+            <p:ph type="body" idx="1"/>
           </p:nvPr>
         </p:nvSpPr>
         <p:spPr/>
@@ -4068,179 +5205,16 @@
           <a:lstStyle/>
           <a:p>
             <a:r>
-              <a:rPr lang="ru-RU" b="0" i="0" dirty="0">
-                <a:solidFill>
-                  <a:srgbClr val="202122"/>
-                </a:solidFill>
-                <a:effectLst/>
-                <a:latin typeface="Arial" panose="020B0604020202020204" pitchFamily="34" charset="0"/>
-              </a:rPr>
-              <a:t>В феврале 1991 года Гвидо </a:t>
-            </a:r>
-            <a:r>
-              <a:rPr lang="ru-RU" b="0" i="0" dirty="0" err="1">
-                <a:solidFill>
-                  <a:srgbClr val="202122"/>
-                </a:solidFill>
-                <a:effectLst/>
-                <a:latin typeface="Arial" panose="020B0604020202020204" pitchFamily="34" charset="0"/>
-              </a:rPr>
-              <a:t>ван</a:t>
-            </a:r>
-            <a:r>
-              <a:rPr lang="ru-RU" b="0" i="0" dirty="0">
-                <a:solidFill>
-                  <a:srgbClr val="202122"/>
-                </a:solidFill>
-                <a:effectLst/>
-                <a:latin typeface="Arial" panose="020B0604020202020204" pitchFamily="34" charset="0"/>
-              </a:rPr>
-              <a:t> </a:t>
-            </a:r>
-            <a:r>
-              <a:rPr lang="ru-RU" b="0" i="0" dirty="0" err="1">
-                <a:solidFill>
-                  <a:srgbClr val="202122"/>
-                </a:solidFill>
-                <a:effectLst/>
-                <a:latin typeface="Arial" panose="020B0604020202020204" pitchFamily="34" charset="0"/>
-              </a:rPr>
-              <a:t>Россум</a:t>
-            </a:r>
-            <a:r>
-              <a:rPr lang="ru-RU" b="0" i="0" dirty="0">
-                <a:solidFill>
-                  <a:srgbClr val="202122"/>
-                </a:solidFill>
-                <a:effectLst/>
-                <a:latin typeface="Arial" panose="020B0604020202020204" pitchFamily="34" charset="0"/>
-              </a:rPr>
-              <a:t> опубликовал код </a:t>
-            </a:r>
-            <a:r>
-              <a:rPr lang="ru-RU" b="0" i="0" dirty="0" err="1">
-                <a:solidFill>
-                  <a:srgbClr val="202122"/>
-                </a:solidFill>
-                <a:effectLst/>
-                <a:latin typeface="Arial" panose="020B0604020202020204" pitchFamily="34" charset="0"/>
-              </a:rPr>
-              <a:t>Python</a:t>
-            </a:r>
-            <a:r>
-              <a:rPr lang="ru-RU" b="0" i="0" dirty="0">
-                <a:solidFill>
-                  <a:srgbClr val="202122"/>
-                </a:solidFill>
-                <a:effectLst/>
-                <a:latin typeface="Arial" panose="020B0604020202020204" pitchFamily="34" charset="0"/>
-              </a:rPr>
-              <a:t>, помеченный версией 0.9.0</a:t>
-            </a:r>
-            <a:endParaRPr lang="en-US" b="0" i="0" dirty="0">
-              <a:solidFill>
-                <a:srgbClr val="202122"/>
-              </a:solidFill>
-              <a:effectLst/>
-              <a:latin typeface="Arial" panose="020B0604020202020204" pitchFamily="34" charset="0"/>
-            </a:endParaRPr>
-          </a:p>
-          <a:p>
-            <a:r>
-              <a:rPr lang="ru-RU" b="0" i="0" dirty="0" err="1">
-                <a:solidFill>
-                  <a:srgbClr val="202122"/>
-                </a:solidFill>
-                <a:effectLst/>
-                <a:latin typeface="Arial" panose="020B0604020202020204" pitchFamily="34" charset="0"/>
-              </a:rPr>
-              <a:t>Python</a:t>
-            </a:r>
-            <a:r>
-              <a:rPr lang="ru-RU" b="0" i="0" dirty="0">
-                <a:solidFill>
-                  <a:srgbClr val="202122"/>
-                </a:solidFill>
-                <a:effectLst/>
-                <a:latin typeface="Arial" panose="020B0604020202020204" pitchFamily="34" charset="0"/>
-              </a:rPr>
-              <a:t> 1.0 появился в январе 1994 года. Основными новыми возможностями, включёнными в этот релиз, были средства функционального программирования</a:t>
-            </a:r>
-            <a:endParaRPr lang="en-US" dirty="0">
-              <a:solidFill>
-                <a:srgbClr val="202122"/>
-              </a:solidFill>
-              <a:latin typeface="Arial" panose="020B0604020202020204" pitchFamily="34" charset="0"/>
-            </a:endParaRPr>
-          </a:p>
-          <a:p>
-            <a:r>
-              <a:rPr lang="ru-RU" b="0" i="0" dirty="0">
-                <a:solidFill>
-                  <a:srgbClr val="202122"/>
-                </a:solidFill>
-                <a:effectLst/>
-                <a:latin typeface="Arial" panose="020B0604020202020204" pitchFamily="34" charset="0"/>
-              </a:rPr>
-              <a:t>В ноябре 2014 было объявлено, что </a:t>
-            </a:r>
-            <a:r>
-              <a:rPr lang="ru-RU" b="0" i="0" dirty="0" err="1">
-                <a:solidFill>
-                  <a:srgbClr val="202122"/>
-                </a:solidFill>
-                <a:effectLst/>
-                <a:latin typeface="Arial" panose="020B0604020202020204" pitchFamily="34" charset="0"/>
-              </a:rPr>
-              <a:t>Python</a:t>
-            </a:r>
-            <a:r>
-              <a:rPr lang="ru-RU" b="0" i="0" dirty="0">
-                <a:solidFill>
-                  <a:srgbClr val="202122"/>
-                </a:solidFill>
-                <a:effectLst/>
-                <a:latin typeface="Arial" panose="020B0604020202020204" pitchFamily="34" charset="0"/>
-              </a:rPr>
-              <a:t> 2.7 будет поддерживаться до 2020 года</a:t>
-            </a:r>
-            <a:endParaRPr lang="en-US" b="0" i="0" dirty="0">
-              <a:solidFill>
-                <a:srgbClr val="202122"/>
-              </a:solidFill>
-              <a:effectLst/>
-              <a:latin typeface="Arial" panose="020B0604020202020204" pitchFamily="34" charset="0"/>
-            </a:endParaRPr>
-          </a:p>
-          <a:p>
-            <a:r>
-              <a:rPr lang="ru-RU" b="0" i="0" dirty="0" err="1">
-                <a:solidFill>
-                  <a:srgbClr val="202122"/>
-                </a:solidFill>
-                <a:effectLst/>
-                <a:latin typeface="Arial" panose="020B0604020202020204" pitchFamily="34" charset="0"/>
-              </a:rPr>
-              <a:t>Python</a:t>
-            </a:r>
-            <a:r>
-              <a:rPr lang="ru-RU" b="0" i="0" dirty="0">
-                <a:solidFill>
-                  <a:srgbClr val="202122"/>
-                </a:solidFill>
-                <a:effectLst/>
-                <a:latin typeface="Arial" panose="020B0604020202020204" pitchFamily="34" charset="0"/>
-              </a:rPr>
-              <a:t> 3.0 был выпущен 3 декабря 2008 года</a:t>
-            </a:r>
-            <a:endParaRPr lang="ru-RU" dirty="0"/>
+              <a:rPr lang="ru-RU" dirty="0"/>
+              <a:t>Модуль 1</a:t>
+            </a:r>
           </a:p>
         </p:txBody>
       </p:sp>
     </p:spTree>
     <p:extLst>
       <p:ext uri="{BB962C8B-B14F-4D97-AF65-F5344CB8AC3E}">
-        <p14:creationId xmlns:p14="http://schemas.microsoft.com/office/powerpoint/2010/main" val="1585202983"/>
+        <p14:creationId xmlns:p14="http://schemas.microsoft.com/office/powerpoint/2010/main" val="3640832705"/>
       </p:ext>
     </p:extLst>
   </p:cSld>
@@ -4272,6 +5246,260 @@
           <p:cNvPr id="2" name="Заголовок 1">
             <a:extLst>
               <a:ext uri="{FF2B5EF4-FFF2-40B4-BE49-F238E27FC236}">
+                <a16:creationId xmlns:a16="http://schemas.microsoft.com/office/drawing/2014/main" id="{2E9699DB-4689-42A0-B4C6-10931F4026D1}"/>
+              </a:ext>
+            </a:extLst>
+          </p:cNvPr>
+          <p:cNvSpPr>
+            <a:spLocks noGrp="1"/>
+          </p:cNvSpPr>
+          <p:nvPr>
+            <p:ph type="title"/>
+          </p:nvPr>
+        </p:nvSpPr>
+        <p:spPr/>
+        <p:txBody>
+          <a:bodyPr/>
+          <a:lstStyle/>
+          <a:p>
+            <a:r>
+              <a:rPr lang="ru-RU" dirty="0"/>
+              <a:t>История </a:t>
+            </a:r>
+            <a:r>
+              <a:rPr lang="en-US" dirty="0"/>
+              <a:t>Python</a:t>
+            </a:r>
+            <a:endParaRPr lang="ru-RU" dirty="0"/>
+          </a:p>
+        </p:txBody>
+      </p:sp>
+      <p:sp>
+        <p:nvSpPr>
+          <p:cNvPr id="3" name="Объект 2">
+            <a:extLst>
+              <a:ext uri="{FF2B5EF4-FFF2-40B4-BE49-F238E27FC236}">
+                <a16:creationId xmlns:a16="http://schemas.microsoft.com/office/drawing/2014/main" id="{848D5F79-3AAD-4F0C-BE10-CF67002CF300}"/>
+              </a:ext>
+            </a:extLst>
+          </p:cNvPr>
+          <p:cNvSpPr>
+            <a:spLocks noGrp="1"/>
+          </p:cNvSpPr>
+          <p:nvPr>
+            <p:ph idx="1"/>
+          </p:nvPr>
+        </p:nvSpPr>
+        <p:spPr/>
+        <p:txBody>
+          <a:bodyPr/>
+          <a:lstStyle/>
+          <a:p>
+            <a:r>
+              <a:rPr lang="ru-RU" b="0" i="0" dirty="0">
+                <a:solidFill>
+                  <a:srgbClr val="202122"/>
+                </a:solidFill>
+                <a:effectLst/>
+                <a:latin typeface="Arial" panose="020B0604020202020204" pitchFamily="34" charset="0"/>
+              </a:rPr>
+              <a:t>В феврале 1991 года Гвидо </a:t>
+            </a:r>
+            <a:r>
+              <a:rPr lang="ru-RU" b="0" i="0" dirty="0" err="1">
+                <a:solidFill>
+                  <a:srgbClr val="202122"/>
+                </a:solidFill>
+                <a:effectLst/>
+                <a:latin typeface="Arial" panose="020B0604020202020204" pitchFamily="34" charset="0"/>
+              </a:rPr>
+              <a:t>ван</a:t>
+            </a:r>
+            <a:r>
+              <a:rPr lang="ru-RU" b="0" i="0" dirty="0">
+                <a:solidFill>
+                  <a:srgbClr val="202122"/>
+                </a:solidFill>
+                <a:effectLst/>
+                <a:latin typeface="Arial" panose="020B0604020202020204" pitchFamily="34" charset="0"/>
+              </a:rPr>
+              <a:t> </a:t>
+            </a:r>
+            <a:r>
+              <a:rPr lang="ru-RU" b="0" i="0" dirty="0" err="1">
+                <a:solidFill>
+                  <a:srgbClr val="202122"/>
+                </a:solidFill>
+                <a:effectLst/>
+                <a:latin typeface="Arial" panose="020B0604020202020204" pitchFamily="34" charset="0"/>
+              </a:rPr>
+              <a:t>Россум</a:t>
+            </a:r>
+            <a:r>
+              <a:rPr lang="ru-RU" b="0" i="0" dirty="0">
+                <a:solidFill>
+                  <a:srgbClr val="202122"/>
+                </a:solidFill>
+                <a:effectLst/>
+                <a:latin typeface="Arial" panose="020B0604020202020204" pitchFamily="34" charset="0"/>
+              </a:rPr>
+              <a:t> опубликовал код </a:t>
+            </a:r>
+            <a:r>
+              <a:rPr lang="ru-RU" b="0" i="0" dirty="0" err="1">
+                <a:solidFill>
+                  <a:srgbClr val="202122"/>
+                </a:solidFill>
+                <a:effectLst/>
+                <a:latin typeface="Arial" panose="020B0604020202020204" pitchFamily="34" charset="0"/>
+              </a:rPr>
+              <a:t>Python</a:t>
+            </a:r>
+            <a:r>
+              <a:rPr lang="ru-RU" b="0" i="0" dirty="0">
+                <a:solidFill>
+                  <a:srgbClr val="202122"/>
+                </a:solidFill>
+                <a:effectLst/>
+                <a:latin typeface="Arial" panose="020B0604020202020204" pitchFamily="34" charset="0"/>
+              </a:rPr>
+              <a:t>, помеченный версией 0.9.0</a:t>
+            </a:r>
+            <a:endParaRPr lang="en-US" b="0" i="0" dirty="0">
+              <a:solidFill>
+                <a:srgbClr val="202122"/>
+              </a:solidFill>
+              <a:effectLst/>
+              <a:latin typeface="Arial" panose="020B0604020202020204" pitchFamily="34" charset="0"/>
+            </a:endParaRPr>
+          </a:p>
+          <a:p>
+            <a:r>
+              <a:rPr lang="ru-RU" b="0" i="0" dirty="0" err="1">
+                <a:solidFill>
+                  <a:srgbClr val="202122"/>
+                </a:solidFill>
+                <a:effectLst/>
+                <a:latin typeface="Arial" panose="020B0604020202020204" pitchFamily="34" charset="0"/>
+              </a:rPr>
+              <a:t>Python</a:t>
+            </a:r>
+            <a:r>
+              <a:rPr lang="ru-RU" b="0" i="0" dirty="0">
+                <a:solidFill>
+                  <a:srgbClr val="202122"/>
+                </a:solidFill>
+                <a:effectLst/>
+                <a:latin typeface="Arial" panose="020B0604020202020204" pitchFamily="34" charset="0"/>
+              </a:rPr>
+              <a:t> 1.0 появился в январе 1994 года. Основными новыми возможностями, включёнными в этот релиз, были средства функционального программирования</a:t>
+            </a:r>
+            <a:endParaRPr lang="en-US" dirty="0">
+              <a:solidFill>
+                <a:srgbClr val="202122"/>
+              </a:solidFill>
+              <a:latin typeface="Arial" panose="020B0604020202020204" pitchFamily="34" charset="0"/>
+            </a:endParaRPr>
+          </a:p>
+          <a:p>
+            <a:r>
+              <a:rPr lang="ru-RU" b="0" i="0" dirty="0">
+                <a:solidFill>
+                  <a:srgbClr val="202122"/>
+                </a:solidFill>
+                <a:effectLst/>
+                <a:latin typeface="Arial" panose="020B0604020202020204" pitchFamily="34" charset="0"/>
+              </a:rPr>
+              <a:t>В ноябре 2014 было объявлено, что </a:t>
+            </a:r>
+            <a:r>
+              <a:rPr lang="ru-RU" b="0" i="0" dirty="0" err="1">
+                <a:solidFill>
+                  <a:srgbClr val="202122"/>
+                </a:solidFill>
+                <a:effectLst/>
+                <a:latin typeface="Arial" panose="020B0604020202020204" pitchFamily="34" charset="0"/>
+              </a:rPr>
+              <a:t>Python</a:t>
+            </a:r>
+            <a:r>
+              <a:rPr lang="ru-RU" b="0" i="0" dirty="0">
+                <a:solidFill>
+                  <a:srgbClr val="202122"/>
+                </a:solidFill>
+                <a:effectLst/>
+                <a:latin typeface="Arial" panose="020B0604020202020204" pitchFamily="34" charset="0"/>
+              </a:rPr>
+              <a:t> 2.7 будет поддерживаться до 2020 года</a:t>
+            </a:r>
+            <a:endParaRPr lang="en-US" b="0" i="0" dirty="0">
+              <a:solidFill>
+                <a:srgbClr val="202122"/>
+              </a:solidFill>
+              <a:effectLst/>
+              <a:latin typeface="Arial" panose="020B0604020202020204" pitchFamily="34" charset="0"/>
+            </a:endParaRPr>
+          </a:p>
+          <a:p>
+            <a:r>
+              <a:rPr lang="ru-RU" b="0" i="0" dirty="0" err="1">
+                <a:solidFill>
+                  <a:srgbClr val="202122"/>
+                </a:solidFill>
+                <a:effectLst/>
+                <a:latin typeface="Arial" panose="020B0604020202020204" pitchFamily="34" charset="0"/>
+              </a:rPr>
+              <a:t>Python</a:t>
+            </a:r>
+            <a:r>
+              <a:rPr lang="ru-RU" b="0" i="0" dirty="0">
+                <a:solidFill>
+                  <a:srgbClr val="202122"/>
+                </a:solidFill>
+                <a:effectLst/>
+                <a:latin typeface="Arial" panose="020B0604020202020204" pitchFamily="34" charset="0"/>
+              </a:rPr>
+              <a:t> 3.0 был выпущен 3 декабря 2008 года</a:t>
+            </a:r>
+            <a:endParaRPr lang="ru-RU" dirty="0"/>
+          </a:p>
+        </p:txBody>
+      </p:sp>
+    </p:spTree>
+    <p:extLst>
+      <p:ext uri="{BB962C8B-B14F-4D97-AF65-F5344CB8AC3E}">
+        <p14:creationId xmlns:p14="http://schemas.microsoft.com/office/powerpoint/2010/main" val="1585202983"/>
+      </p:ext>
+    </p:extLst>
+  </p:cSld>
+  <p:clrMapOvr>
+    <a:masterClrMapping/>
+  </p:clrMapOvr>
+</p:sld>
+</file>
+
+<file path=ppt/slides/slide6.xml><?xml version="1.0" encoding="utf-8"?>
+<p:sld xmlns:a="http://schemas.openxmlformats.org/drawingml/2006/main" xmlns:r="http://schemas.openxmlformats.org/officeDocument/2006/relationships" xmlns:p="http://schemas.openxmlformats.org/presentationml/2006/main">
+  <p:cSld>
+    <p:spTree>
+      <p:nvGrpSpPr>
+        <p:cNvPr id="1" name=""/>
+        <p:cNvGrpSpPr/>
+        <p:nvPr/>
+      </p:nvGrpSpPr>
+      <p:grpSpPr>
+        <a:xfrm>
+          <a:off x="0" y="0"/>
+          <a:ext cx="0" cy="0"/>
+          <a:chOff x="0" y="0"/>
+          <a:chExt cx="0" cy="0"/>
+        </a:xfrm>
+      </p:grpSpPr>
+      <p:sp>
+        <p:nvSpPr>
+          <p:cNvPr id="2" name="Заголовок 1">
+            <a:extLst>
+              <a:ext uri="{FF2B5EF4-FFF2-40B4-BE49-F238E27FC236}">
                 <a16:creationId xmlns:a16="http://schemas.microsoft.com/office/drawing/2014/main" id="{64F40A02-5DF4-4E2D-84CB-C9F2C94D2763}"/>
               </a:ext>
             </a:extLst>
@@ -4568,13 +5796,13 @@
         </p:nvSpPr>
         <p:spPr>
           <a:xfrm>
-            <a:off x="4965405" y="2094614"/>
+            <a:off x="6001725" y="2966483"/>
             <a:ext cx="3508744" cy="925033"/>
           </a:xfrm>
           <a:prstGeom prst="wedgeRectCallout">
             <a:avLst>
-              <a:gd name="adj1" fmla="val -75943"/>
-              <a:gd name="adj2" fmla="val 157421"/>
+              <a:gd name="adj1" fmla="val -82892"/>
+              <a:gd name="adj2" fmla="val 86249"/>
             </a:avLst>
           </a:prstGeom>
         </p:spPr>
@@ -4775,6 +6003,73 @@
           </a:p>
         </p:txBody>
       </p:sp>
+      <p:sp>
+        <p:nvSpPr>
+          <p:cNvPr id="3" name="Облачко с текстом: прямоугольное 2">
+            <a:extLst>
+              <a:ext uri="{FF2B5EF4-FFF2-40B4-BE49-F238E27FC236}">
+                <a16:creationId xmlns:a16="http://schemas.microsoft.com/office/drawing/2014/main" id="{5CA90010-8EA6-4D2B-88AC-49F8EE5B76E1}"/>
+              </a:ext>
+            </a:extLst>
+          </p:cNvPr>
+          <p:cNvSpPr/>
+          <p:nvPr/>
+        </p:nvSpPr>
+        <p:spPr>
+          <a:xfrm>
+            <a:off x="3964260" y="1680055"/>
+            <a:ext cx="4074930" cy="925032"/>
+          </a:xfrm>
+          <a:prstGeom prst="wedgeRectCallout">
+            <a:avLst>
+              <a:gd name="adj1" fmla="val -100961"/>
+              <a:gd name="adj2" fmla="val 85622"/>
+            </a:avLst>
+          </a:prstGeom>
+        </p:spPr>
+        <p:style>
+          <a:lnRef idx="2">
+            <a:schemeClr val="accent1">
+              <a:shade val="50000"/>
+            </a:schemeClr>
+          </a:lnRef>
+          <a:fillRef idx="1">
+            <a:schemeClr val="accent1"/>
+          </a:fillRef>
+          <a:effectRef idx="0">
+            <a:schemeClr val="accent1"/>
+          </a:effectRef>
+          <a:fontRef idx="minor">
+            <a:schemeClr val="lt1"/>
+          </a:fontRef>
+        </p:style>
+        <p:txBody>
+          <a:bodyPr rtlCol="0" anchor="ctr"/>
+          <a:lstStyle/>
+          <a:p>
+            <a:pPr algn="ctr"/>
+            <a:r>
+              <a:rPr lang="ru-RU" dirty="0"/>
+              <a:t>С символа </a:t>
+            </a:r>
+            <a:r>
+              <a:rPr lang="en-US" dirty="0"/>
+              <a:t># </a:t>
+            </a:r>
+            <a:r>
+              <a:rPr lang="ru-RU" dirty="0"/>
+              <a:t>начинается комментарий.</a:t>
+            </a:r>
+            <a:br>
+              <a:rPr lang="ru-RU" dirty="0"/>
+            </a:br>
+            <a:r>
+              <a:rPr lang="ru-RU" dirty="0"/>
+              <a:t>Все что после него – игнорируется как команды программы</a:t>
+            </a:r>
+          </a:p>
+        </p:txBody>
+      </p:sp>
     </p:spTree>
     <p:extLst>
       <p:ext uri="{BB962C8B-B14F-4D97-AF65-F5344CB8AC3E}">
@@ -4788,7 +6083,7 @@
 </p:sld>
 </file>
 
-<file path=ppt/slides/slide6.xml><?xml version="1.0" encoding="utf-8"?>
+<file path=ppt/slides/slide7.xml><?xml version="1.0" encoding="utf-8"?>
 <p:sld xmlns:a="http://schemas.openxmlformats.org/drawingml/2006/main" xmlns:r="http://schemas.openxmlformats.org/officeDocument/2006/relationships" xmlns:p="http://schemas.openxmlformats.org/presentationml/2006/main">
   <p:cSld>
     <p:spTree>
@@ -4847,7 +6142,7 @@
         </p:nvSpPr>
         <p:spPr>
           <a:xfrm>
-            <a:off x="1584251" y="1786270"/>
+            <a:off x="2145083" y="1835038"/>
             <a:ext cx="2371061" cy="3604437"/>
           </a:xfrm>
           <a:prstGeom prst="rect">
@@ -4943,7 +6238,7 @@
         </p:nvSpPr>
         <p:spPr>
           <a:xfrm>
-            <a:off x="7378995" y="1786270"/>
+            <a:off x="7939827" y="1835038"/>
             <a:ext cx="2371061" cy="3604437"/>
           </a:xfrm>
           <a:prstGeom prst="rect">
@@ -4999,7 +6294,7 @@
         </p:nvSpPr>
         <p:spPr>
           <a:xfrm>
-            <a:off x="1897911" y="1892680"/>
+            <a:off x="2458743" y="1941448"/>
             <a:ext cx="1743739" cy="414669"/>
           </a:xfrm>
           <a:prstGeom prst="rect">
@@ -5043,7 +6338,7 @@
         </p:nvSpPr>
         <p:spPr>
           <a:xfrm>
-            <a:off x="1903228" y="2466642"/>
+            <a:off x="2464060" y="2515410"/>
             <a:ext cx="1743739" cy="414669"/>
           </a:xfrm>
           <a:prstGeom prst="rect">
@@ -5087,7 +6382,7 @@
         </p:nvSpPr>
         <p:spPr>
           <a:xfrm>
-            <a:off x="1903228" y="3019815"/>
+            <a:off x="2464060" y="3068583"/>
             <a:ext cx="1743739" cy="414669"/>
           </a:xfrm>
           <a:prstGeom prst="rect">
@@ -5131,7 +6426,7 @@
         </p:nvSpPr>
         <p:spPr>
           <a:xfrm>
-            <a:off x="1889051" y="3593777"/>
+            <a:off x="2449883" y="3642545"/>
             <a:ext cx="1743739" cy="414669"/>
           </a:xfrm>
           <a:prstGeom prst="rect">
@@ -5175,7 +6470,7 @@
         </p:nvSpPr>
         <p:spPr>
           <a:xfrm>
-            <a:off x="1897911" y="4178567"/>
+            <a:off x="2458743" y="4227335"/>
             <a:ext cx="1743739" cy="414669"/>
           </a:xfrm>
           <a:prstGeom prst="rect">
@@ -5219,7 +6514,7 @@
         </p:nvSpPr>
         <p:spPr>
           <a:xfrm>
-            <a:off x="492641" y="1786270"/>
+            <a:off x="1053473" y="1835038"/>
             <a:ext cx="691117" cy="4051115"/>
           </a:xfrm>
           <a:prstGeom prst="downArrow">
@@ -5275,7 +6570,7 @@
         </p:nvSpPr>
         <p:spPr>
           <a:xfrm>
-            <a:off x="3822405" y="1749140"/>
+            <a:off x="4383237" y="1797908"/>
             <a:ext cx="3891516" cy="840141"/>
           </a:xfrm>
           <a:prstGeom prst="rightArrow">
@@ -5324,7 +6619,7 @@
         </p:nvSpPr>
         <p:spPr>
           <a:xfrm flipH="1">
-            <a:off x="3721396" y="4173165"/>
+            <a:off x="4282228" y="4221933"/>
             <a:ext cx="3891516" cy="840141"/>
           </a:xfrm>
           <a:prstGeom prst="rightArrow">
@@ -5373,7 +6668,7 @@
         </p:nvSpPr>
         <p:spPr>
           <a:xfrm>
-            <a:off x="7713921" y="5486289"/>
+            <a:off x="8274753" y="5535057"/>
             <a:ext cx="1965538" cy="646331"/>
           </a:xfrm>
           <a:prstGeom prst="rect">
@@ -5414,7 +6709,7 @@
 </p:sld>
 </file>
 
-<file path=ppt/slides/slide7.xml><?xml version="1.0" encoding="utf-8"?>
+<file path=ppt/slides/slide8.xml><?xml version="1.0" encoding="utf-8"?>
 <p:sld xmlns:a="http://schemas.openxmlformats.org/drawingml/2006/main" xmlns:r="http://schemas.openxmlformats.org/officeDocument/2006/relationships" xmlns:p="http://schemas.openxmlformats.org/presentationml/2006/main">
   <p:cSld>
     <p:spTree>
@@ -6681,7 +7976,7 @@
 </p:sld>
 </file>
 
-<file path=ppt/slides/slide8.xml><?xml version="1.0" encoding="utf-8"?>
+<file path=ppt/slides/slide9.xml><?xml version="1.0" encoding="utf-8"?>
 <p:sld xmlns:a="http://schemas.openxmlformats.org/drawingml/2006/main" xmlns:r="http://schemas.openxmlformats.org/officeDocument/2006/relationships" xmlns:p="http://schemas.openxmlformats.org/presentationml/2006/main">
   <p:cSld>
     <p:spTree>
@@ -6742,15 +8037,159 @@
             <p:ph idx="1"/>
           </p:nvPr>
         </p:nvSpPr>
-        <p:spPr/>
-        <p:txBody>
-          <a:bodyPr/>
-          <a:lstStyle/>
-          <a:p>
-            <a:endParaRPr lang="ru-RU"/>
-          </a:p>
-        </p:txBody>
-      </p:sp>
+        <p:spPr>
+          <a:xfrm>
+            <a:off x="313944" y="1690688"/>
+            <a:ext cx="10515600" cy="4351338"/>
+          </a:xfrm>
+        </p:spPr>
+        <p:txBody>
+          <a:bodyPr>
+            <a:normAutofit/>
+          </a:bodyPr>
+          <a:lstStyle/>
+          <a:p>
+            <a:r>
+              <a:rPr lang="ru-RU" dirty="0"/>
+              <a:t>Запустите командную строку </a:t>
+            </a:r>
+            <a:r>
+              <a:rPr lang="en-US" dirty="0"/>
+              <a:t>python:</a:t>
+            </a:r>
+            <a:br>
+              <a:rPr lang="en-US" dirty="0"/>
+            </a:br>
+            <a:r>
+              <a:rPr lang="en-US" dirty="0"/>
+              <a:t>&gt;python</a:t>
+            </a:r>
+            <a:endParaRPr lang="ru-RU" dirty="0"/>
+          </a:p>
+          <a:p>
+            <a:r>
+              <a:rPr lang="ru-RU" dirty="0"/>
+              <a:t>Напишите программу для расчета </a:t>
+            </a:r>
+            <a:br>
+              <a:rPr lang="ru-RU" dirty="0"/>
+            </a:br>
+            <a:r>
+              <a:rPr lang="ru-RU" dirty="0"/>
+              <a:t>значения физической формулы</a:t>
+            </a:r>
+            <a:endParaRPr lang="en-US" dirty="0"/>
+          </a:p>
+          <a:p>
+            <a:r>
+              <a:rPr lang="ru-RU" dirty="0"/>
+              <a:t>Каждую строку программы вводите</a:t>
+            </a:r>
+            <a:br>
+              <a:rPr lang="ru-RU" dirty="0"/>
+            </a:br>
+            <a:r>
+              <a:rPr lang="ru-RU" dirty="0"/>
+              <a:t>нажатием </a:t>
+            </a:r>
+            <a:r>
+              <a:rPr lang="en-US" dirty="0"/>
+              <a:t>Enter</a:t>
+            </a:r>
+            <a:br>
+              <a:rPr lang="en-US" dirty="0"/>
+            </a:br>
+            <a:r>
+              <a:rPr lang="ru-RU" dirty="0"/>
+              <a:t>Если вы ошиблись, строку (или</a:t>
+            </a:r>
+            <a:br>
+              <a:rPr lang="ru-RU" dirty="0"/>
+            </a:br>
+            <a:r>
+              <a:rPr lang="ru-RU" dirty="0"/>
+              <a:t>всю программу) нужно ввести заново</a:t>
+            </a:r>
+          </a:p>
+          <a:p>
+            <a:r>
+              <a:rPr lang="ru-RU" dirty="0"/>
+              <a:t>Посмотрите пример в</a:t>
+            </a:r>
+            <a:r>
+              <a:rPr lang="en-US" dirty="0"/>
+              <a:t> </a:t>
+            </a:r>
+            <a:r>
+              <a:rPr lang="ru-RU" dirty="0"/>
+              <a:t>файле</a:t>
+            </a:r>
+            <a:br>
+              <a:rPr lang="ru-RU" dirty="0"/>
+            </a:br>
+            <a:r>
+              <a:rPr lang="en-US" dirty="0"/>
+              <a:t>Module1</a:t>
+            </a:r>
+            <a:r>
+              <a:rPr lang="ru-RU" dirty="0"/>
+              <a:t>\</a:t>
+            </a:r>
+            <a:r>
+              <a:rPr lang="en-US" dirty="0"/>
+              <a:t>Exercises\physics.py</a:t>
+            </a:r>
+            <a:endParaRPr lang="ru-RU" dirty="0"/>
+          </a:p>
+        </p:txBody>
+      </p:sp>
+      <p:pic>
+        <p:nvPicPr>
+          <p:cNvPr id="1026" name="Picture 2" descr="Физика 9 класс. Все формулы и определения">
+            <a:extLst>
+              <a:ext uri="{FF2B5EF4-FFF2-40B4-BE49-F238E27FC236}">
+                <a16:creationId xmlns:a16="http://schemas.microsoft.com/office/drawing/2014/main" id="{82E86536-2110-4BD3-BFBF-7E14DE7686DD}"/>
+              </a:ext>
+            </a:extLst>
+          </p:cNvPr>
+          <p:cNvPicPr>
+            <a:picLocks noChangeAspect="1" noChangeArrowheads="1"/>
+          </p:cNvPicPr>
+          <p:nvPr/>
+        </p:nvPicPr>
+        <p:blipFill>
+          <a:blip r:embed="rId2">
+            <a:extLst>
+              <a:ext uri="{28A0092B-C50C-407E-A947-70E740481C1C}">
+                <a14:useLocalDpi xmlns:a14="http://schemas.microsoft.com/office/drawing/2010/main" val="0"/>
+              </a:ext>
+            </a:extLst>
+          </a:blip>
+          <a:srcRect/>
+          <a:stretch>
+            <a:fillRect/>
+          </a:stretch>
+        </p:blipFill>
+        <p:spPr bwMode="auto">
+          <a:xfrm>
+            <a:off x="6985944" y="0"/>
+            <a:ext cx="5206056" cy="6858000"/>
+          </a:xfrm>
+          <a:prstGeom prst="rect">
+            <a:avLst/>
+          </a:prstGeom>
+          <a:noFill/>
+          <a:extLst>
+            <a:ext uri="{909E8E84-426E-40DD-AFC4-6F175D3DCCD1}">
+              <a14:hiddenFill xmlns:a14="http://schemas.microsoft.com/office/drawing/2010/main">
+                <a:solidFill>
+                  <a:srgbClr val="FFFFFF"/>
+                </a:solidFill>
+              </a14:hiddenFill>
+            </a:ext>
+          </a:extLst>
+        </p:spPr>
+      </p:pic>
     </p:spTree>
     <p:extLst>
       <p:ext uri="{BB962C8B-B14F-4D97-AF65-F5344CB8AC3E}">

--- a/Presentation/Основы алгоритмизации и программирования.pptx
+++ b/Presentation/Основы алгоритмизации и программирования.pptx
@@ -16,6 +16,8 @@
     <p:sldId id="263" r:id="rId10"/>
     <p:sldId id="264" r:id="rId11"/>
     <p:sldId id="265" r:id="rId12"/>
+    <p:sldId id="268" r:id="rId13"/>
+    <p:sldId id="267" r:id="rId14"/>
   </p:sldIdLst>
   <p:sldSz cx="12192000" cy="6858000"/>
   <p:notesSz cx="6858000" cy="9144000"/>
@@ -4850,6 +4852,250 @@
 </p:sld>
 </file>
 
+<file path=ppt/slides/slide12.xml><?xml version="1.0" encoding="utf-8"?>
+<p:sld xmlns:a="http://schemas.openxmlformats.org/drawingml/2006/main" xmlns:r="http://schemas.openxmlformats.org/officeDocument/2006/relationships" xmlns:p="http://schemas.openxmlformats.org/presentationml/2006/main">
+  <p:cSld>
+    <p:spTree>
+      <p:nvGrpSpPr>
+        <p:cNvPr id="1" name=""/>
+        <p:cNvGrpSpPr/>
+        <p:nvPr/>
+      </p:nvGrpSpPr>
+      <p:grpSpPr>
+        <a:xfrm>
+          <a:off x="0" y="0"/>
+          <a:ext cx="0" cy="0"/>
+          <a:chOff x="0" y="0"/>
+          <a:chExt cx="0" cy="0"/>
+        </a:xfrm>
+      </p:grpSpPr>
+      <p:sp>
+        <p:nvSpPr>
+          <p:cNvPr id="2" name="Заголовок 1">
+            <a:extLst>
+              <a:ext uri="{FF2B5EF4-FFF2-40B4-BE49-F238E27FC236}">
+                <a16:creationId xmlns:a16="http://schemas.microsoft.com/office/drawing/2014/main" id="{AFA97C56-B3E5-4AC4-9986-A5A5453D0303}"/>
+              </a:ext>
+            </a:extLst>
+          </p:cNvPr>
+          <p:cNvSpPr>
+            <a:spLocks noGrp="1"/>
+          </p:cNvSpPr>
+          <p:nvPr>
+            <p:ph type="title"/>
+          </p:nvPr>
+        </p:nvSpPr>
+        <p:spPr/>
+        <p:txBody>
+          <a:bodyPr/>
+          <a:lstStyle/>
+          <a:p>
+            <a:r>
+              <a:rPr lang="ru-RU" dirty="0"/>
+              <a:t>Итоги модуля 1</a:t>
+            </a:r>
+          </a:p>
+        </p:txBody>
+      </p:sp>
+      <p:sp>
+        <p:nvSpPr>
+          <p:cNvPr id="3" name="Объект 2">
+            <a:extLst>
+              <a:ext uri="{FF2B5EF4-FFF2-40B4-BE49-F238E27FC236}">
+                <a16:creationId xmlns:a16="http://schemas.microsoft.com/office/drawing/2014/main" id="{87B2045B-B57E-4927-982E-FF162E45BB68}"/>
+              </a:ext>
+            </a:extLst>
+          </p:cNvPr>
+          <p:cNvSpPr>
+            <a:spLocks noGrp="1"/>
+          </p:cNvSpPr>
+          <p:nvPr>
+            <p:ph idx="1"/>
+          </p:nvPr>
+        </p:nvSpPr>
+        <p:spPr/>
+        <p:txBody>
+          <a:bodyPr/>
+          <a:lstStyle/>
+          <a:p>
+            <a:r>
+              <a:rPr lang="ru-RU" dirty="0"/>
+              <a:t>Актуальная версия </a:t>
+            </a:r>
+            <a:r>
+              <a:rPr lang="en-US" dirty="0"/>
+              <a:t>Python 3.8 (</a:t>
+            </a:r>
+            <a:r>
+              <a:rPr lang="ru-RU" dirty="0"/>
+              <a:t>по состоянию на 22 октября)</a:t>
+            </a:r>
+          </a:p>
+          <a:p>
+            <a:r>
+              <a:rPr lang="ru-RU" dirty="0"/>
+              <a:t>Программа – это последовательность команд, которая работает с данными</a:t>
+            </a:r>
+          </a:p>
+          <a:p>
+            <a:r>
+              <a:rPr lang="ru-RU" dirty="0"/>
+              <a:t>Для выделения логических блоков программы используются отступы</a:t>
+            </a:r>
+          </a:p>
+        </p:txBody>
+      </p:sp>
+      <p:pic>
+        <p:nvPicPr>
+          <p:cNvPr id="1026" name="Picture 2" descr="Бесплатное изображение: Книга, очки, язык, чтение, Сербия, Бумага,  литература, знания, образование, текст">
+            <a:extLst>
+              <a:ext uri="{FF2B5EF4-FFF2-40B4-BE49-F238E27FC236}">
+                <a16:creationId xmlns:a16="http://schemas.microsoft.com/office/drawing/2014/main" id="{294C5EA4-EA3E-4019-849C-788CD1736E5D}"/>
+              </a:ext>
+            </a:extLst>
+          </p:cNvPr>
+          <p:cNvPicPr>
+            <a:picLocks noChangeAspect="1" noChangeArrowheads="1"/>
+          </p:cNvPicPr>
+          <p:nvPr/>
+        </p:nvPicPr>
+        <p:blipFill>
+          <a:blip r:embed="rId2">
+            <a:extLst>
+              <a:ext uri="{28A0092B-C50C-407E-A947-70E740481C1C}">
+                <a14:useLocalDpi xmlns:a14="http://schemas.microsoft.com/office/drawing/2010/main" val="0"/>
+              </a:ext>
+            </a:extLst>
+          </a:blip>
+          <a:srcRect/>
+          <a:stretch>
+            <a:fillRect/>
+          </a:stretch>
+        </p:blipFill>
+        <p:spPr bwMode="auto">
+          <a:xfrm>
+            <a:off x="7774061" y="3982184"/>
+            <a:ext cx="3772897" cy="2510691"/>
+          </a:xfrm>
+          <a:prstGeom prst="rect">
+            <a:avLst/>
+          </a:prstGeom>
+          <a:noFill/>
+          <a:extLst>
+            <a:ext uri="{909E8E84-426E-40DD-AFC4-6F175D3DCCD1}">
+              <a14:hiddenFill xmlns:a14="http://schemas.microsoft.com/office/drawing/2010/main">
+                <a:solidFill>
+                  <a:srgbClr val="FFFFFF"/>
+                </a:solidFill>
+              </a14:hiddenFill>
+            </a:ext>
+          </a:extLst>
+        </p:spPr>
+      </p:pic>
+    </p:spTree>
+    <p:extLst>
+      <p:ext uri="{BB962C8B-B14F-4D97-AF65-F5344CB8AC3E}">
+        <p14:creationId xmlns:p14="http://schemas.microsoft.com/office/powerpoint/2010/main" val="2315312601"/>
+      </p:ext>
+    </p:extLst>
+  </p:cSld>
+  <p:clrMapOvr>
+    <a:masterClrMapping/>
+  </p:clrMapOvr>
+</p:sld>
+</file>
+
+<file path=ppt/slides/slide13.xml><?xml version="1.0" encoding="utf-8"?>
+<p:sld xmlns:a="http://schemas.openxmlformats.org/drawingml/2006/main" xmlns:r="http://schemas.openxmlformats.org/officeDocument/2006/relationships" xmlns:p="http://schemas.openxmlformats.org/presentationml/2006/main">
+  <p:cSld>
+    <p:spTree>
+      <p:nvGrpSpPr>
+        <p:cNvPr id="1" name=""/>
+        <p:cNvGrpSpPr/>
+        <p:nvPr/>
+      </p:nvGrpSpPr>
+      <p:grpSpPr>
+        <a:xfrm>
+          <a:off x="0" y="0"/>
+          <a:ext cx="0" cy="0"/>
+          <a:chOff x="0" y="0"/>
+          <a:chExt cx="0" cy="0"/>
+        </a:xfrm>
+      </p:grpSpPr>
+      <p:sp>
+        <p:nvSpPr>
+          <p:cNvPr id="2" name="Заголовок 1">
+            <a:extLst>
+              <a:ext uri="{FF2B5EF4-FFF2-40B4-BE49-F238E27FC236}">
+                <a16:creationId xmlns:a16="http://schemas.microsoft.com/office/drawing/2014/main" id="{B557371C-4866-4A3F-B003-264E80A6DF1E}"/>
+              </a:ext>
+            </a:extLst>
+          </p:cNvPr>
+          <p:cNvSpPr>
+            <a:spLocks noGrp="1"/>
+          </p:cNvSpPr>
+          <p:nvPr>
+            <p:ph type="title"/>
+          </p:nvPr>
+        </p:nvSpPr>
+        <p:spPr/>
+        <p:txBody>
+          <a:bodyPr/>
+          <a:lstStyle/>
+          <a:p>
+            <a:r>
+              <a:rPr lang="ru-RU" dirty="0"/>
+              <a:t>Средства разработки в </a:t>
+            </a:r>
+            <a:r>
+              <a:rPr lang="en-US" dirty="0"/>
+              <a:t>Python</a:t>
+            </a:r>
+            <a:endParaRPr lang="ru-RU" dirty="0"/>
+          </a:p>
+        </p:txBody>
+      </p:sp>
+      <p:sp>
+        <p:nvSpPr>
+          <p:cNvPr id="3" name="Текст 2">
+            <a:extLst>
+              <a:ext uri="{FF2B5EF4-FFF2-40B4-BE49-F238E27FC236}">
+                <a16:creationId xmlns:a16="http://schemas.microsoft.com/office/drawing/2014/main" id="{72E8FF35-0798-4F75-9FD3-82085B1850C5}"/>
+              </a:ext>
+            </a:extLst>
+          </p:cNvPr>
+          <p:cNvSpPr>
+            <a:spLocks noGrp="1"/>
+          </p:cNvSpPr>
+          <p:nvPr>
+            <p:ph type="body" idx="1"/>
+          </p:nvPr>
+        </p:nvSpPr>
+        <p:spPr/>
+        <p:txBody>
+          <a:bodyPr/>
+          <a:lstStyle/>
+          <a:p>
+            <a:r>
+              <a:rPr lang="ru-RU" dirty="0"/>
+              <a:t>Модуль 2</a:t>
+            </a:r>
+          </a:p>
+        </p:txBody>
+      </p:sp>
+    </p:spTree>
+    <p:extLst>
+      <p:ext uri="{BB962C8B-B14F-4D97-AF65-F5344CB8AC3E}">
+        <p14:creationId xmlns:p14="http://schemas.microsoft.com/office/powerpoint/2010/main" val="659499365"/>
+      </p:ext>
+    </p:extLst>
+  </p:cSld>
+  <p:clrMapOvr>
+    <a:masterClrMapping/>
+  </p:clrMapOvr>
+</p:sld>
+</file>
+
 <file path=ppt/slides/slide2.xml><?xml version="1.0" encoding="utf-8"?>
 <p:sld xmlns:a="http://schemas.openxmlformats.org/drawingml/2006/main" xmlns:r="http://schemas.openxmlformats.org/officeDocument/2006/relationships" xmlns:p="http://schemas.openxmlformats.org/presentationml/2006/main">
   <p:cSld>

--- a/Presentation/Основы алгоритмизации и программирования.pptx
+++ b/Presentation/Основы алгоритмизации и программирования.pptx
@@ -12,12 +12,14 @@
     <p:sldId id="259" r:id="rId6"/>
     <p:sldId id="260" r:id="rId7"/>
     <p:sldId id="261" r:id="rId8"/>
-    <p:sldId id="262" r:id="rId9"/>
-    <p:sldId id="263" r:id="rId10"/>
-    <p:sldId id="264" r:id="rId11"/>
-    <p:sldId id="265" r:id="rId12"/>
-    <p:sldId id="268" r:id="rId13"/>
-    <p:sldId id="267" r:id="rId14"/>
+    <p:sldId id="270" r:id="rId9"/>
+    <p:sldId id="262" r:id="rId10"/>
+    <p:sldId id="263" r:id="rId11"/>
+    <p:sldId id="264" r:id="rId12"/>
+    <p:sldId id="265" r:id="rId13"/>
+    <p:sldId id="268" r:id="rId14"/>
+    <p:sldId id="267" r:id="rId15"/>
+    <p:sldId id="269" r:id="rId16"/>
   </p:sldIdLst>
   <p:sldSz cx="12192000" cy="6858000"/>
   <p:notesSz cx="6858000" cy="9144000"/>
@@ -3778,6 +3780,233 @@
           <p:cNvPr id="2" name="Заголовок 1">
             <a:extLst>
               <a:ext uri="{FF2B5EF4-FFF2-40B4-BE49-F238E27FC236}">
+                <a16:creationId xmlns:a16="http://schemas.microsoft.com/office/drawing/2014/main" id="{8733E43A-47D7-410B-A0F6-862DAA0ACE29}"/>
+              </a:ext>
+            </a:extLst>
+          </p:cNvPr>
+          <p:cNvSpPr>
+            <a:spLocks noGrp="1"/>
+          </p:cNvSpPr>
+          <p:nvPr>
+            <p:ph type="title"/>
+          </p:nvPr>
+        </p:nvSpPr>
+        <p:spPr/>
+        <p:txBody>
+          <a:bodyPr/>
+          <a:lstStyle/>
+          <a:p>
+            <a:r>
+              <a:rPr lang="ru-RU" dirty="0"/>
+              <a:t>Изучаем законы физики…</a:t>
+            </a:r>
+          </a:p>
+        </p:txBody>
+      </p:sp>
+      <p:sp>
+        <p:nvSpPr>
+          <p:cNvPr id="3" name="Объект 2">
+            <a:extLst>
+              <a:ext uri="{FF2B5EF4-FFF2-40B4-BE49-F238E27FC236}">
+                <a16:creationId xmlns:a16="http://schemas.microsoft.com/office/drawing/2014/main" id="{887DF70D-C8E7-453D-9FD5-66F7843DF4D6}"/>
+              </a:ext>
+            </a:extLst>
+          </p:cNvPr>
+          <p:cNvSpPr>
+            <a:spLocks noGrp="1"/>
+          </p:cNvSpPr>
+          <p:nvPr>
+            <p:ph idx="1"/>
+          </p:nvPr>
+        </p:nvSpPr>
+        <p:spPr>
+          <a:xfrm>
+            <a:off x="313944" y="1690688"/>
+            <a:ext cx="10515600" cy="4351338"/>
+          </a:xfrm>
+        </p:spPr>
+        <p:txBody>
+          <a:bodyPr>
+            <a:normAutofit/>
+          </a:bodyPr>
+          <a:lstStyle/>
+          <a:p>
+            <a:r>
+              <a:rPr lang="ru-RU" dirty="0"/>
+              <a:t>Запустите командную строку </a:t>
+            </a:r>
+            <a:r>
+              <a:rPr lang="en-US" dirty="0"/>
+              <a:t>python:</a:t>
+            </a:r>
+            <a:br>
+              <a:rPr lang="en-US" dirty="0"/>
+            </a:br>
+            <a:r>
+              <a:rPr lang="en-US" dirty="0"/>
+              <a:t>&gt;python</a:t>
+            </a:r>
+            <a:endParaRPr lang="ru-RU" dirty="0"/>
+          </a:p>
+          <a:p>
+            <a:r>
+              <a:rPr lang="ru-RU" dirty="0"/>
+              <a:t>Напишите программу для расчета </a:t>
+            </a:r>
+            <a:br>
+              <a:rPr lang="ru-RU" dirty="0"/>
+            </a:br>
+            <a:r>
+              <a:rPr lang="ru-RU" dirty="0"/>
+              <a:t>значения физической формулы</a:t>
+            </a:r>
+            <a:endParaRPr lang="en-US" dirty="0"/>
+          </a:p>
+          <a:p>
+            <a:r>
+              <a:rPr lang="ru-RU" dirty="0"/>
+              <a:t>Каждую строку программы вводите</a:t>
+            </a:r>
+            <a:br>
+              <a:rPr lang="ru-RU" dirty="0"/>
+            </a:br>
+            <a:r>
+              <a:rPr lang="ru-RU" dirty="0"/>
+              <a:t>нажатием </a:t>
+            </a:r>
+            <a:r>
+              <a:rPr lang="en-US" dirty="0"/>
+              <a:t>Enter</a:t>
+            </a:r>
+            <a:br>
+              <a:rPr lang="en-US" dirty="0"/>
+            </a:br>
+            <a:r>
+              <a:rPr lang="ru-RU" dirty="0"/>
+              <a:t>Если вы ошиблись, строку (или</a:t>
+            </a:r>
+            <a:br>
+              <a:rPr lang="ru-RU" dirty="0"/>
+            </a:br>
+            <a:r>
+              <a:rPr lang="ru-RU" dirty="0"/>
+              <a:t>всю программу) нужно ввести заново</a:t>
+            </a:r>
+          </a:p>
+          <a:p>
+            <a:r>
+              <a:rPr lang="ru-RU" dirty="0"/>
+              <a:t>Посмотрите пример в</a:t>
+            </a:r>
+            <a:r>
+              <a:rPr lang="en-US" dirty="0"/>
+              <a:t> </a:t>
+            </a:r>
+            <a:r>
+              <a:rPr lang="ru-RU" dirty="0"/>
+              <a:t>файле</a:t>
+            </a:r>
+            <a:br>
+              <a:rPr lang="ru-RU" dirty="0"/>
+            </a:br>
+            <a:r>
+              <a:rPr lang="en-US" dirty="0"/>
+              <a:t>Module1</a:t>
+            </a:r>
+            <a:r>
+              <a:rPr lang="ru-RU" dirty="0"/>
+              <a:t>\</a:t>
+            </a:r>
+            <a:r>
+              <a:rPr lang="en-US" dirty="0"/>
+              <a:t>Exercises\physics.py</a:t>
+            </a:r>
+            <a:endParaRPr lang="ru-RU" dirty="0"/>
+          </a:p>
+        </p:txBody>
+      </p:sp>
+      <p:pic>
+        <p:nvPicPr>
+          <p:cNvPr id="1026" name="Picture 2" descr="Физика 9 класс. Все формулы и определения">
+            <a:extLst>
+              <a:ext uri="{FF2B5EF4-FFF2-40B4-BE49-F238E27FC236}">
+                <a16:creationId xmlns:a16="http://schemas.microsoft.com/office/drawing/2014/main" id="{82E86536-2110-4BD3-BFBF-7E14DE7686DD}"/>
+              </a:ext>
+            </a:extLst>
+          </p:cNvPr>
+          <p:cNvPicPr>
+            <a:picLocks noChangeAspect="1" noChangeArrowheads="1"/>
+          </p:cNvPicPr>
+          <p:nvPr/>
+        </p:nvPicPr>
+        <p:blipFill>
+          <a:blip r:embed="rId2">
+            <a:extLst>
+              <a:ext uri="{28A0092B-C50C-407E-A947-70E740481C1C}">
+                <a14:useLocalDpi xmlns:a14="http://schemas.microsoft.com/office/drawing/2010/main" val="0"/>
+              </a:ext>
+            </a:extLst>
+          </a:blip>
+          <a:srcRect/>
+          <a:stretch>
+            <a:fillRect/>
+          </a:stretch>
+        </p:blipFill>
+        <p:spPr bwMode="auto">
+          <a:xfrm>
+            <a:off x="6985944" y="0"/>
+            <a:ext cx="5206056" cy="6858000"/>
+          </a:xfrm>
+          <a:prstGeom prst="rect">
+            <a:avLst/>
+          </a:prstGeom>
+          <a:noFill/>
+          <a:extLst>
+            <a:ext uri="{909E8E84-426E-40DD-AFC4-6F175D3DCCD1}">
+              <a14:hiddenFill xmlns:a14="http://schemas.microsoft.com/office/drawing/2010/main">
+                <a:solidFill>
+                  <a:srgbClr val="FFFFFF"/>
+                </a:solidFill>
+              </a14:hiddenFill>
+            </a:ext>
+          </a:extLst>
+        </p:spPr>
+      </p:pic>
+    </p:spTree>
+    <p:extLst>
+      <p:ext uri="{BB962C8B-B14F-4D97-AF65-F5344CB8AC3E}">
+        <p14:creationId xmlns:p14="http://schemas.microsoft.com/office/powerpoint/2010/main" val="1316849020"/>
+      </p:ext>
+    </p:extLst>
+  </p:cSld>
+  <p:clrMapOvr>
+    <a:masterClrMapping/>
+  </p:clrMapOvr>
+</p:sld>
+</file>
+
+<file path=ppt/slides/slide11.xml><?xml version="1.0" encoding="utf-8"?>
+<p:sld xmlns:a="http://schemas.openxmlformats.org/drawingml/2006/main" xmlns:r="http://schemas.openxmlformats.org/officeDocument/2006/relationships" xmlns:p="http://schemas.openxmlformats.org/presentationml/2006/main">
+  <p:cSld>
+    <p:spTree>
+      <p:nvGrpSpPr>
+        <p:cNvPr id="1" name=""/>
+        <p:cNvGrpSpPr/>
+        <p:nvPr/>
+      </p:nvGrpSpPr>
+      <p:grpSpPr>
+        <a:xfrm>
+          <a:off x="0" y="0"/>
+          <a:ext cx="0" cy="0"/>
+          <a:chOff x="0" y="0"/>
+          <a:chExt cx="0" cy="0"/>
+        </a:xfrm>
+      </p:grpSpPr>
+      <p:sp>
+        <p:nvSpPr>
+          <p:cNvPr id="2" name="Заголовок 1">
+            <a:extLst>
+              <a:ext uri="{FF2B5EF4-FFF2-40B4-BE49-F238E27FC236}">
                 <a16:creationId xmlns:a16="http://schemas.microsoft.com/office/drawing/2014/main" id="{9C613A1F-3958-40B8-B9AC-1E60B3C1B766}"/>
               </a:ext>
             </a:extLst>
@@ -3867,7 +4096,7 @@
 </p:sld>
 </file>
 
-<file path=ppt/slides/slide11.xml><?xml version="1.0" encoding="utf-8"?>
+<file path=ppt/slides/slide12.xml><?xml version="1.0" encoding="utf-8"?>
 <p:sld xmlns:a="http://schemas.openxmlformats.org/drawingml/2006/main" xmlns:r="http://schemas.openxmlformats.org/officeDocument/2006/relationships" xmlns:p="http://schemas.openxmlformats.org/presentationml/2006/main">
   <p:cSld>
     <p:spTree>
@@ -4852,7 +5081,7 @@
 </p:sld>
 </file>
 
-<file path=ppt/slides/slide12.xml><?xml version="1.0" encoding="utf-8"?>
+<file path=ppt/slides/slide13.xml><?xml version="1.0" encoding="utf-8"?>
 <p:sld xmlns:a="http://schemas.openxmlformats.org/drawingml/2006/main" xmlns:r="http://schemas.openxmlformats.org/officeDocument/2006/relationships" xmlns:p="http://schemas.openxmlformats.org/presentationml/2006/main">
   <p:cSld>
     <p:spTree>
@@ -5005,7 +5234,7 @@
 </p:sld>
 </file>
 
-<file path=ppt/slides/slide13.xml><?xml version="1.0" encoding="utf-8"?>
+<file path=ppt/slides/slide14.xml><?xml version="1.0" encoding="utf-8"?>
 <p:sld xmlns:a="http://schemas.openxmlformats.org/drawingml/2006/main" xmlns:r="http://schemas.openxmlformats.org/officeDocument/2006/relationships" xmlns:p="http://schemas.openxmlformats.org/presentationml/2006/main">
   <p:cSld>
     <p:spTree>
@@ -5087,6 +5316,110 @@
     <p:extLst>
       <p:ext uri="{BB962C8B-B14F-4D97-AF65-F5344CB8AC3E}">
         <p14:creationId xmlns:p14="http://schemas.microsoft.com/office/powerpoint/2010/main" val="659499365"/>
+      </p:ext>
+    </p:extLst>
+  </p:cSld>
+  <p:clrMapOvr>
+    <a:masterClrMapping/>
+  </p:clrMapOvr>
+</p:sld>
+</file>
+
+<file path=ppt/slides/slide15.xml><?xml version="1.0" encoding="utf-8"?>
+<p:sld xmlns:a="http://schemas.openxmlformats.org/drawingml/2006/main" xmlns:r="http://schemas.openxmlformats.org/officeDocument/2006/relationships" xmlns:p="http://schemas.openxmlformats.org/presentationml/2006/main">
+  <p:cSld>
+    <p:spTree>
+      <p:nvGrpSpPr>
+        <p:cNvPr id="1" name=""/>
+        <p:cNvGrpSpPr/>
+        <p:nvPr/>
+      </p:nvGrpSpPr>
+      <p:grpSpPr>
+        <a:xfrm>
+          <a:off x="0" y="0"/>
+          <a:ext cx="0" cy="0"/>
+          <a:chOff x="0" y="0"/>
+          <a:chExt cx="0" cy="0"/>
+        </a:xfrm>
+      </p:grpSpPr>
+      <p:sp>
+        <p:nvSpPr>
+          <p:cNvPr id="2" name="Заголовок 1">
+            <a:extLst>
+              <a:ext uri="{FF2B5EF4-FFF2-40B4-BE49-F238E27FC236}">
+                <a16:creationId xmlns:a16="http://schemas.microsoft.com/office/drawing/2014/main" id="{CD0C4E0D-277E-4EF4-A019-818B8BB9B9A9}"/>
+              </a:ext>
+            </a:extLst>
+          </p:cNvPr>
+          <p:cNvSpPr>
+            <a:spLocks noGrp="1"/>
+          </p:cNvSpPr>
+          <p:nvPr>
+            <p:ph type="title"/>
+          </p:nvPr>
+        </p:nvSpPr>
+        <p:spPr/>
+        <p:txBody>
+          <a:bodyPr/>
+          <a:lstStyle/>
+          <a:p>
+            <a:r>
+              <a:rPr lang="ru-RU" dirty="0"/>
+              <a:t>Средства разработки </a:t>
+            </a:r>
+            <a:r>
+              <a:rPr lang="en-US" dirty="0"/>
+              <a:t>Python</a:t>
+            </a:r>
+            <a:endParaRPr lang="ru-RU" dirty="0"/>
+          </a:p>
+        </p:txBody>
+      </p:sp>
+      <p:sp>
+        <p:nvSpPr>
+          <p:cNvPr id="3" name="Объект 2">
+            <a:extLst>
+              <a:ext uri="{FF2B5EF4-FFF2-40B4-BE49-F238E27FC236}">
+                <a16:creationId xmlns:a16="http://schemas.microsoft.com/office/drawing/2014/main" id="{D42C6EB8-6C67-4759-BC65-3A51377E8055}"/>
+              </a:ext>
+            </a:extLst>
+          </p:cNvPr>
+          <p:cNvSpPr>
+            <a:spLocks noGrp="1"/>
+          </p:cNvSpPr>
+          <p:nvPr>
+            <p:ph idx="1"/>
+          </p:nvPr>
+        </p:nvSpPr>
+        <p:spPr/>
+        <p:txBody>
+          <a:bodyPr/>
+          <a:lstStyle/>
+          <a:p>
+            <a:r>
+              <a:rPr lang="ru-RU" dirty="0"/>
+              <a:t>Интерпретатор командной строки</a:t>
+            </a:r>
+          </a:p>
+          <a:p>
+            <a:r>
+              <a:rPr lang="en-US" dirty="0"/>
+              <a:t>PyCharm</a:t>
+            </a:r>
+          </a:p>
+          <a:p>
+            <a:r>
+              <a:rPr lang="en-US" dirty="0"/>
+              <a:t>Visual Studio Code</a:t>
+            </a:r>
+            <a:endParaRPr lang="ru-RU" dirty="0"/>
+          </a:p>
+        </p:txBody>
+      </p:sp>
+    </p:spTree>
+    <p:extLst>
+      <p:ext uri="{BB962C8B-B14F-4D97-AF65-F5344CB8AC3E}">
+        <p14:creationId xmlns:p14="http://schemas.microsoft.com/office/powerpoint/2010/main" val="2958434238"/>
       </p:ext>
     </p:extLst>
   </p:cSld>
@@ -6127,13 +6460,8 @@
             <a:pPr algn="ctr"/>
             <a:r>
               <a:rPr lang="ru-RU" dirty="0"/>
-              <a:t>В этой ячейке (переменной) будет запомнено то, что ввел </a:t>
-            </a:r>
-            <a:r>
-              <a:rPr lang="ru-RU" dirty="0" err="1"/>
-              <a:t>пользоватеь</a:t>
-            </a:r>
-            <a:endParaRPr lang="ru-RU" dirty="0"/>
+              <a:t>В этой ячейке (переменной) будет запомнено то, что ввел пользователь</a:t>
+            </a:r>
           </a:p>
         </p:txBody>
       </p:sp>
@@ -6977,6 +7305,104 @@
           <p:cNvPr id="2" name="Заголовок 1">
             <a:extLst>
               <a:ext uri="{FF2B5EF4-FFF2-40B4-BE49-F238E27FC236}">
+                <a16:creationId xmlns:a16="http://schemas.microsoft.com/office/drawing/2014/main" id="{F446DD56-F56B-49C0-B046-04C74B53271F}"/>
+              </a:ext>
+            </a:extLst>
+          </p:cNvPr>
+          <p:cNvSpPr>
+            <a:spLocks noGrp="1"/>
+          </p:cNvSpPr>
+          <p:nvPr>
+            <p:ph type="title"/>
+          </p:nvPr>
+        </p:nvSpPr>
+        <p:spPr/>
+        <p:txBody>
+          <a:bodyPr/>
+          <a:lstStyle/>
+          <a:p>
+            <a:r>
+              <a:rPr lang="ru-RU" dirty="0"/>
+              <a:t>Имена переменных</a:t>
+            </a:r>
+          </a:p>
+        </p:txBody>
+      </p:sp>
+      <p:sp>
+        <p:nvSpPr>
+          <p:cNvPr id="3" name="Объект 2">
+            <a:extLst>
+              <a:ext uri="{FF2B5EF4-FFF2-40B4-BE49-F238E27FC236}">
+                <a16:creationId xmlns:a16="http://schemas.microsoft.com/office/drawing/2014/main" id="{35B7A145-FB52-42DA-BBC6-79C8045DE790}"/>
+              </a:ext>
+            </a:extLst>
+          </p:cNvPr>
+          <p:cNvSpPr>
+            <a:spLocks noGrp="1"/>
+          </p:cNvSpPr>
+          <p:nvPr>
+            <p:ph idx="1"/>
+          </p:nvPr>
+        </p:nvSpPr>
+        <p:spPr/>
+        <p:txBody>
+          <a:bodyPr/>
+          <a:lstStyle/>
+          <a:p>
+            <a:r>
+              <a:rPr lang="ru-RU" dirty="0"/>
+              <a:t>имя переменной может состоять только из букв, цифр и знака подчёркивания;</a:t>
+            </a:r>
+          </a:p>
+          <a:p>
+            <a:r>
+              <a:rPr lang="ru-RU" dirty="0"/>
+              <a:t>имя не может начинаться с цифры;</a:t>
+            </a:r>
+          </a:p>
+          <a:p>
+            <a:r>
+              <a:rPr lang="ru-RU" dirty="0"/>
+              <a:t>имя не может содержать специальных символов @, $, %.</a:t>
+            </a:r>
+          </a:p>
+        </p:txBody>
+      </p:sp>
+    </p:spTree>
+    <p:extLst>
+      <p:ext uri="{BB962C8B-B14F-4D97-AF65-F5344CB8AC3E}">
+        <p14:creationId xmlns:p14="http://schemas.microsoft.com/office/powerpoint/2010/main" val="1755346359"/>
+      </p:ext>
+    </p:extLst>
+  </p:cSld>
+  <p:clrMapOvr>
+    <a:masterClrMapping/>
+  </p:clrMapOvr>
+</p:sld>
+</file>
+
+<file path=ppt/slides/slide9.xml><?xml version="1.0" encoding="utf-8"?>
+<p:sld xmlns:a="http://schemas.openxmlformats.org/drawingml/2006/main" xmlns:r="http://schemas.openxmlformats.org/officeDocument/2006/relationships" xmlns:p="http://schemas.openxmlformats.org/presentationml/2006/main">
+  <p:cSld>
+    <p:spTree>
+      <p:nvGrpSpPr>
+        <p:cNvPr id="1" name=""/>
+        <p:cNvGrpSpPr/>
+        <p:nvPr/>
+      </p:nvGrpSpPr>
+      <p:grpSpPr>
+        <a:xfrm>
+          <a:off x="0" y="0"/>
+          <a:ext cx="0" cy="0"/>
+          <a:chOff x="0" y="0"/>
+          <a:chExt cx="0" cy="0"/>
+        </a:xfrm>
+      </p:grpSpPr>
+      <p:sp>
+        <p:nvSpPr>
+          <p:cNvPr id="2" name="Заголовок 1">
+            <a:extLst>
+              <a:ext uri="{FF2B5EF4-FFF2-40B4-BE49-F238E27FC236}">
                 <a16:creationId xmlns:a16="http://schemas.microsoft.com/office/drawing/2014/main" id="{8202A56F-DF2C-4D2F-A46D-B4AD73988342}"/>
               </a:ext>
             </a:extLst>
@@ -8213,233 +8639,6 @@
     <p:extLst>
       <p:ext uri="{BB962C8B-B14F-4D97-AF65-F5344CB8AC3E}">
         <p14:creationId xmlns:p14="http://schemas.microsoft.com/office/powerpoint/2010/main" val="3932307285"/>
-      </p:ext>
-    </p:extLst>
-  </p:cSld>
-  <p:clrMapOvr>
-    <a:masterClrMapping/>
-  </p:clrMapOvr>
-</p:sld>
-</file>
-
-<file path=ppt/slides/slide9.xml><?xml version="1.0" encoding="utf-8"?>
-<p:sld xmlns:a="http://schemas.openxmlformats.org/drawingml/2006/main" xmlns:r="http://schemas.openxmlformats.org/officeDocument/2006/relationships" xmlns:p="http://schemas.openxmlformats.org/presentationml/2006/main">
-  <p:cSld>
-    <p:spTree>
-      <p:nvGrpSpPr>
-        <p:cNvPr id="1" name=""/>
-        <p:cNvGrpSpPr/>
-        <p:nvPr/>
-      </p:nvGrpSpPr>
-      <p:grpSpPr>
-        <a:xfrm>
-          <a:off x="0" y="0"/>
-          <a:ext cx="0" cy="0"/>
-          <a:chOff x="0" y="0"/>
-          <a:chExt cx="0" cy="0"/>
-        </a:xfrm>
-      </p:grpSpPr>
-      <p:sp>
-        <p:nvSpPr>
-          <p:cNvPr id="2" name="Заголовок 1">
-            <a:extLst>
-              <a:ext uri="{FF2B5EF4-FFF2-40B4-BE49-F238E27FC236}">
-                <a16:creationId xmlns:a16="http://schemas.microsoft.com/office/drawing/2014/main" id="{8733E43A-47D7-410B-A0F6-862DAA0ACE29}"/>
-              </a:ext>
-            </a:extLst>
-          </p:cNvPr>
-          <p:cNvSpPr>
-            <a:spLocks noGrp="1"/>
-          </p:cNvSpPr>
-          <p:nvPr>
-            <p:ph type="title"/>
-          </p:nvPr>
-        </p:nvSpPr>
-        <p:spPr/>
-        <p:txBody>
-          <a:bodyPr/>
-          <a:lstStyle/>
-          <a:p>
-            <a:r>
-              <a:rPr lang="ru-RU" dirty="0"/>
-              <a:t>Изучаем законы физики…</a:t>
-            </a:r>
-          </a:p>
-        </p:txBody>
-      </p:sp>
-      <p:sp>
-        <p:nvSpPr>
-          <p:cNvPr id="3" name="Объект 2">
-            <a:extLst>
-              <a:ext uri="{FF2B5EF4-FFF2-40B4-BE49-F238E27FC236}">
-                <a16:creationId xmlns:a16="http://schemas.microsoft.com/office/drawing/2014/main" id="{887DF70D-C8E7-453D-9FD5-66F7843DF4D6}"/>
-              </a:ext>
-            </a:extLst>
-          </p:cNvPr>
-          <p:cNvSpPr>
-            <a:spLocks noGrp="1"/>
-          </p:cNvSpPr>
-          <p:nvPr>
-            <p:ph idx="1"/>
-          </p:nvPr>
-        </p:nvSpPr>
-        <p:spPr>
-          <a:xfrm>
-            <a:off x="313944" y="1690688"/>
-            <a:ext cx="10515600" cy="4351338"/>
-          </a:xfrm>
-        </p:spPr>
-        <p:txBody>
-          <a:bodyPr>
-            <a:normAutofit/>
-          </a:bodyPr>
-          <a:lstStyle/>
-          <a:p>
-            <a:r>
-              <a:rPr lang="ru-RU" dirty="0"/>
-              <a:t>Запустите командную строку </a:t>
-            </a:r>
-            <a:r>
-              <a:rPr lang="en-US" dirty="0"/>
-              <a:t>python:</a:t>
-            </a:r>
-            <a:br>
-              <a:rPr lang="en-US" dirty="0"/>
-            </a:br>
-            <a:r>
-              <a:rPr lang="en-US" dirty="0"/>
-              <a:t>&gt;python</a:t>
-            </a:r>
-            <a:endParaRPr lang="ru-RU" dirty="0"/>
-          </a:p>
-          <a:p>
-            <a:r>
-              <a:rPr lang="ru-RU" dirty="0"/>
-              <a:t>Напишите программу для расчета </a:t>
-            </a:r>
-            <a:br>
-              <a:rPr lang="ru-RU" dirty="0"/>
-            </a:br>
-            <a:r>
-              <a:rPr lang="ru-RU" dirty="0"/>
-              <a:t>значения физической формулы</a:t>
-            </a:r>
-            <a:endParaRPr lang="en-US" dirty="0"/>
-          </a:p>
-          <a:p>
-            <a:r>
-              <a:rPr lang="ru-RU" dirty="0"/>
-              <a:t>Каждую строку программы вводите</a:t>
-            </a:r>
-            <a:br>
-              <a:rPr lang="ru-RU" dirty="0"/>
-            </a:br>
-            <a:r>
-              <a:rPr lang="ru-RU" dirty="0"/>
-              <a:t>нажатием </a:t>
-            </a:r>
-            <a:r>
-              <a:rPr lang="en-US" dirty="0"/>
-              <a:t>Enter</a:t>
-            </a:r>
-            <a:br>
-              <a:rPr lang="en-US" dirty="0"/>
-            </a:br>
-            <a:r>
-              <a:rPr lang="ru-RU" dirty="0"/>
-              <a:t>Если вы ошиблись, строку (или</a:t>
-            </a:r>
-            <a:br>
-              <a:rPr lang="ru-RU" dirty="0"/>
-            </a:br>
-            <a:r>
-              <a:rPr lang="ru-RU" dirty="0"/>
-              <a:t>всю программу) нужно ввести заново</a:t>
-            </a:r>
-          </a:p>
-          <a:p>
-            <a:r>
-              <a:rPr lang="ru-RU" dirty="0"/>
-              <a:t>Посмотрите пример в</a:t>
-            </a:r>
-            <a:r>
-              <a:rPr lang="en-US" dirty="0"/>
-              <a:t> </a:t>
-            </a:r>
-            <a:r>
-              <a:rPr lang="ru-RU" dirty="0"/>
-              <a:t>файле</a:t>
-            </a:r>
-            <a:br>
-              <a:rPr lang="ru-RU" dirty="0"/>
-            </a:br>
-            <a:r>
-              <a:rPr lang="en-US" dirty="0"/>
-              <a:t>Module1</a:t>
-            </a:r>
-            <a:r>
-              <a:rPr lang="ru-RU" dirty="0"/>
-              <a:t>\</a:t>
-            </a:r>
-            <a:r>
-              <a:rPr lang="en-US" dirty="0"/>
-              <a:t>Exercises\physics.py</a:t>
-            </a:r>
-            <a:endParaRPr lang="ru-RU" dirty="0"/>
-          </a:p>
-        </p:txBody>
-      </p:sp>
-      <p:pic>
-        <p:nvPicPr>
-          <p:cNvPr id="1026" name="Picture 2" descr="Физика 9 класс. Все формулы и определения">
-            <a:extLst>
-              <a:ext uri="{FF2B5EF4-FFF2-40B4-BE49-F238E27FC236}">
-                <a16:creationId xmlns:a16="http://schemas.microsoft.com/office/drawing/2014/main" id="{82E86536-2110-4BD3-BFBF-7E14DE7686DD}"/>
-              </a:ext>
-            </a:extLst>
-          </p:cNvPr>
-          <p:cNvPicPr>
-            <a:picLocks noChangeAspect="1" noChangeArrowheads="1"/>
-          </p:cNvPicPr>
-          <p:nvPr/>
-        </p:nvPicPr>
-        <p:blipFill>
-          <a:blip r:embed="rId2">
-            <a:extLst>
-              <a:ext uri="{28A0092B-C50C-407E-A947-70E740481C1C}">
-                <a14:useLocalDpi xmlns:a14="http://schemas.microsoft.com/office/drawing/2010/main" val="0"/>
-              </a:ext>
-            </a:extLst>
-          </a:blip>
-          <a:srcRect/>
-          <a:stretch>
-            <a:fillRect/>
-          </a:stretch>
-        </p:blipFill>
-        <p:spPr bwMode="auto">
-          <a:xfrm>
-            <a:off x="6985944" y="0"/>
-            <a:ext cx="5206056" cy="6858000"/>
-          </a:xfrm>
-          <a:prstGeom prst="rect">
-            <a:avLst/>
-          </a:prstGeom>
-          <a:noFill/>
-          <a:extLst>
-            <a:ext uri="{909E8E84-426E-40DD-AFC4-6F175D3DCCD1}">
-              <a14:hiddenFill xmlns:a14="http://schemas.microsoft.com/office/drawing/2010/main">
-                <a:solidFill>
-                  <a:srgbClr val="FFFFFF"/>
-                </a:solidFill>
-              </a14:hiddenFill>
-            </a:ext>
-          </a:extLst>
-        </p:spPr>
-      </p:pic>
-    </p:spTree>
-    <p:extLst>
-      <p:ext uri="{BB962C8B-B14F-4D97-AF65-F5344CB8AC3E}">
-        <p14:creationId xmlns:p14="http://schemas.microsoft.com/office/powerpoint/2010/main" val="1316849020"/>
       </p:ext>
     </p:extLst>
   </p:cSld>

--- a/Presentation/Основы алгоритмизации и программирования.pptx
+++ b/Presentation/Основы алгоритмизации и программирования.pptx
@@ -20,6 +20,7 @@
     <p:sldId id="268" r:id="rId14"/>
     <p:sldId id="267" r:id="rId15"/>
     <p:sldId id="269" r:id="rId16"/>
+    <p:sldId id="271" r:id="rId17"/>
   </p:sldIdLst>
   <p:sldSz cx="12192000" cy="6858000"/>
   <p:notesSz cx="6858000" cy="9144000"/>
@@ -5429,6 +5430,136 @@
 </p:sld>
 </file>
 
+<file path=ppt/slides/slide16.xml><?xml version="1.0" encoding="utf-8"?>
+<p:sld xmlns:a="http://schemas.openxmlformats.org/drawingml/2006/main" xmlns:r="http://schemas.openxmlformats.org/officeDocument/2006/relationships" xmlns:p="http://schemas.openxmlformats.org/presentationml/2006/main">
+  <p:cSld>
+    <p:spTree>
+      <p:nvGrpSpPr>
+        <p:cNvPr id="1" name=""/>
+        <p:cNvGrpSpPr/>
+        <p:nvPr/>
+      </p:nvGrpSpPr>
+      <p:grpSpPr>
+        <a:xfrm>
+          <a:off x="0" y="0"/>
+          <a:ext cx="0" cy="0"/>
+          <a:chOff x="0" y="0"/>
+          <a:chExt cx="0" cy="0"/>
+        </a:xfrm>
+      </p:grpSpPr>
+      <p:sp>
+        <p:nvSpPr>
+          <p:cNvPr id="2" name="Заголовок 1">
+            <a:extLst>
+              <a:ext uri="{FF2B5EF4-FFF2-40B4-BE49-F238E27FC236}">
+                <a16:creationId xmlns:a16="http://schemas.microsoft.com/office/drawing/2014/main" id="{1EAC80FB-048B-44FC-B353-D3D8185389DE}"/>
+              </a:ext>
+            </a:extLst>
+          </p:cNvPr>
+          <p:cNvSpPr>
+            <a:spLocks noGrp="1"/>
+          </p:cNvSpPr>
+          <p:nvPr>
+            <p:ph type="title"/>
+          </p:nvPr>
+        </p:nvSpPr>
+        <p:spPr/>
+        <p:txBody>
+          <a:bodyPr/>
+          <a:lstStyle/>
+          <a:p>
+            <a:r>
+              <a:rPr lang="ru-RU" dirty="0"/>
+              <a:t>Интерпретатор командной строки</a:t>
+            </a:r>
+          </a:p>
+        </p:txBody>
+      </p:sp>
+      <p:sp>
+        <p:nvSpPr>
+          <p:cNvPr id="3" name="Объект 2">
+            <a:extLst>
+              <a:ext uri="{FF2B5EF4-FFF2-40B4-BE49-F238E27FC236}">
+                <a16:creationId xmlns:a16="http://schemas.microsoft.com/office/drawing/2014/main" id="{2D977B07-E659-42D5-AC1D-E54A452E1E1B}"/>
+              </a:ext>
+            </a:extLst>
+          </p:cNvPr>
+          <p:cNvSpPr>
+            <a:spLocks noGrp="1"/>
+          </p:cNvSpPr>
+          <p:nvPr>
+            <p:ph idx="1"/>
+          </p:nvPr>
+        </p:nvSpPr>
+        <p:spPr/>
+        <p:txBody>
+          <a:bodyPr/>
+          <a:lstStyle/>
+          <a:p>
+            <a:r>
+              <a:rPr lang="ru-RU" dirty="0"/>
+              <a:t>Является инструментом</a:t>
+            </a:r>
+            <a:br>
+              <a:rPr lang="ru-RU" dirty="0"/>
+            </a:br>
+            <a:r>
+              <a:rPr lang="ru-RU" dirty="0"/>
+              <a:t>для изучения </a:t>
+            </a:r>
+            <a:r>
+              <a:rPr lang="en-US" dirty="0"/>
+              <a:t>Python</a:t>
+            </a:r>
+          </a:p>
+          <a:p>
+            <a:endParaRPr lang="ru-RU" dirty="0"/>
+          </a:p>
+        </p:txBody>
+      </p:sp>
+      <p:pic>
+        <p:nvPicPr>
+          <p:cNvPr id="4" name="Рисунок 3">
+            <a:extLst>
+              <a:ext uri="{FF2B5EF4-FFF2-40B4-BE49-F238E27FC236}">
+                <a16:creationId xmlns:a16="http://schemas.microsoft.com/office/drawing/2014/main" id="{E03F34C4-1EBE-434B-B790-CC743120F443}"/>
+              </a:ext>
+            </a:extLst>
+          </p:cNvPr>
+          <p:cNvPicPr>
+            <a:picLocks noChangeAspect="1"/>
+          </p:cNvPicPr>
+          <p:nvPr/>
+        </p:nvPicPr>
+        <p:blipFill>
+          <a:blip r:embed="rId2"/>
+          <a:stretch>
+            <a:fillRect/>
+          </a:stretch>
+        </p:blipFill>
+        <p:spPr>
+          <a:xfrm>
+            <a:off x="5580285" y="1521230"/>
+            <a:ext cx="6444085" cy="4454268"/>
+          </a:xfrm>
+          <a:prstGeom prst="rect">
+            <a:avLst/>
+          </a:prstGeom>
+        </p:spPr>
+      </p:pic>
+    </p:spTree>
+    <p:extLst>
+      <p:ext uri="{BB962C8B-B14F-4D97-AF65-F5344CB8AC3E}">
+        <p14:creationId xmlns:p14="http://schemas.microsoft.com/office/powerpoint/2010/main" val="605083335"/>
+      </p:ext>
+    </p:extLst>
+  </p:cSld>
+  <p:clrMapOvr>
+    <a:masterClrMapping/>
+  </p:clrMapOvr>
+</p:sld>
+</file>
+
 <file path=ppt/slides/slide2.xml><?xml version="1.0" encoding="utf-8"?>
 <p:sld xmlns:a="http://schemas.openxmlformats.org/drawingml/2006/main" xmlns:r="http://schemas.openxmlformats.org/officeDocument/2006/relationships" xmlns:p="http://schemas.openxmlformats.org/presentationml/2006/main">
   <p:cSld>

--- a/Presentation/Основы алгоритмизации и программирования.pptx
+++ b/Presentation/Основы алгоритмизации и программирования.pptx
@@ -21,6 +21,12 @@
     <p:sldId id="267" r:id="rId15"/>
     <p:sldId id="269" r:id="rId16"/>
     <p:sldId id="271" r:id="rId17"/>
+    <p:sldId id="272" r:id="rId18"/>
+    <p:sldId id="273" r:id="rId19"/>
+    <p:sldId id="274" r:id="rId20"/>
+    <p:sldId id="275" r:id="rId21"/>
+    <p:sldId id="276" r:id="rId22"/>
+    <p:sldId id="277" r:id="rId23"/>
   </p:sldIdLst>
   <p:sldSz cx="12192000" cy="6858000"/>
   <p:notesSz cx="6858000" cy="9144000"/>
@@ -286,7 +292,7 @@
           <a:p>
             <a:fld id="{FA984E8B-3F5A-48DE-8BA5-BCD329794D47}" type="datetimeFigureOut">
               <a:rPr lang="ru-RU" smtClean="0"/>
-              <a:t>22.10.2020</a:t>
+              <a:t>24.10.2020</a:t>
             </a:fld>
             <a:endParaRPr lang="ru-RU"/>
           </a:p>
@@ -578,7 +584,7 @@
           <a:p>
             <a:fld id="{FA984E8B-3F5A-48DE-8BA5-BCD329794D47}" type="datetimeFigureOut">
               <a:rPr lang="ru-RU" smtClean="0"/>
-              <a:t>22.10.2020</a:t>
+              <a:t>24.10.2020</a:t>
             </a:fld>
             <a:endParaRPr lang="ru-RU"/>
           </a:p>
@@ -776,7 +782,7 @@
           <a:p>
             <a:fld id="{FA984E8B-3F5A-48DE-8BA5-BCD329794D47}" type="datetimeFigureOut">
               <a:rPr lang="ru-RU" smtClean="0"/>
-              <a:t>22.10.2020</a:t>
+              <a:t>24.10.2020</a:t>
             </a:fld>
             <a:endParaRPr lang="ru-RU"/>
           </a:p>
@@ -984,7 +990,7 @@
           <a:p>
             <a:fld id="{FA984E8B-3F5A-48DE-8BA5-BCD329794D47}" type="datetimeFigureOut">
               <a:rPr lang="ru-RU" smtClean="0"/>
-              <a:t>22.10.2020</a:t>
+              <a:t>24.10.2020</a:t>
             </a:fld>
             <a:endParaRPr lang="ru-RU"/>
           </a:p>
@@ -1182,7 +1188,7 @@
           <a:p>
             <a:fld id="{FA984E8B-3F5A-48DE-8BA5-BCD329794D47}" type="datetimeFigureOut">
               <a:rPr lang="ru-RU" smtClean="0"/>
-              <a:t>22.10.2020</a:t>
+              <a:t>24.10.2020</a:t>
             </a:fld>
             <a:endParaRPr lang="ru-RU"/>
           </a:p>
@@ -1387,7 +1393,7 @@
           <a:p>
             <a:fld id="{FA984E8B-3F5A-48DE-8BA5-BCD329794D47}" type="datetimeFigureOut">
               <a:rPr lang="ru-RU" smtClean="0"/>
-              <a:t>22.10.2020</a:t>
+              <a:t>24.10.2020</a:t>
             </a:fld>
             <a:endParaRPr lang="ru-RU"/>
           </a:p>
@@ -1724,7 +1730,7 @@
           <a:p>
             <a:fld id="{FA984E8B-3F5A-48DE-8BA5-BCD329794D47}" type="datetimeFigureOut">
               <a:rPr lang="ru-RU" smtClean="0"/>
-              <a:t>22.10.2020</a:t>
+              <a:t>24.10.2020</a:t>
             </a:fld>
             <a:endParaRPr lang="ru-RU"/>
           </a:p>
@@ -1993,7 +1999,7 @@
           <a:p>
             <a:fld id="{FA984E8B-3F5A-48DE-8BA5-BCD329794D47}" type="datetimeFigureOut">
               <a:rPr lang="ru-RU" smtClean="0"/>
-              <a:t>22.10.2020</a:t>
+              <a:t>24.10.2020</a:t>
             </a:fld>
             <a:endParaRPr lang="ru-RU"/>
           </a:p>
@@ -2409,7 +2415,7 @@
           <a:p>
             <a:fld id="{FA984E8B-3F5A-48DE-8BA5-BCD329794D47}" type="datetimeFigureOut">
               <a:rPr lang="ru-RU" smtClean="0"/>
-              <a:t>22.10.2020</a:t>
+              <a:t>24.10.2020</a:t>
             </a:fld>
             <a:endParaRPr lang="ru-RU"/>
           </a:p>
@@ -2554,7 +2560,7 @@
           <a:p>
             <a:fld id="{FA984E8B-3F5A-48DE-8BA5-BCD329794D47}" type="datetimeFigureOut">
               <a:rPr lang="ru-RU" smtClean="0"/>
-              <a:t>22.10.2020</a:t>
+              <a:t>24.10.2020</a:t>
             </a:fld>
             <a:endParaRPr lang="ru-RU"/>
           </a:p>
@@ -2671,7 +2677,7 @@
           <a:p>
             <a:fld id="{FA984E8B-3F5A-48DE-8BA5-BCD329794D47}" type="datetimeFigureOut">
               <a:rPr lang="ru-RU" smtClean="0"/>
-              <a:t>22.10.2020</a:t>
+              <a:t>24.10.2020</a:t>
             </a:fld>
             <a:endParaRPr lang="ru-RU"/>
           </a:p>
@@ -2982,7 +2988,7 @@
           <a:p>
             <a:fld id="{FA984E8B-3F5A-48DE-8BA5-BCD329794D47}" type="datetimeFigureOut">
               <a:rPr lang="ru-RU" smtClean="0"/>
-              <a:t>22.10.2020</a:t>
+              <a:t>24.10.2020</a:t>
             </a:fld>
             <a:endParaRPr lang="ru-RU"/>
           </a:p>
@@ -3223,7 +3229,7 @@
           <a:p>
             <a:fld id="{FA984E8B-3F5A-48DE-8BA5-BCD329794D47}" type="datetimeFigureOut">
               <a:rPr lang="ru-RU" smtClean="0"/>
-              <a:t>22.10.2020</a:t>
+              <a:t>24.10.2020</a:t>
             </a:fld>
             <a:endParaRPr lang="ru-RU"/>
           </a:p>
@@ -5511,6 +5517,28 @@
               <a:rPr lang="en-US" dirty="0"/>
               <a:t>Python</a:t>
             </a:r>
+            <a:endParaRPr lang="ru-RU" dirty="0"/>
+          </a:p>
+          <a:p>
+            <a:r>
+              <a:rPr lang="ru-RU" dirty="0"/>
+              <a:t>Не содержит удобств</a:t>
+            </a:r>
+            <a:br>
+              <a:rPr lang="ru-RU" dirty="0"/>
+            </a:br>
+            <a:r>
+              <a:rPr lang="ru-RU" dirty="0"/>
+              <a:t>для интерактивной</a:t>
+            </a:r>
+            <a:br>
+              <a:rPr lang="ru-RU" dirty="0"/>
+            </a:br>
+            <a:r>
+              <a:rPr lang="ru-RU" dirty="0"/>
+              <a:t>отладки программ</a:t>
+            </a:r>
+            <a:endParaRPr lang="en-US" dirty="0"/>
           </a:p>
           <a:p>
             <a:endParaRPr lang="ru-RU" dirty="0"/>
@@ -5560,6 +5588,785 @@
 </p:sld>
 </file>
 
+<file path=ppt/slides/slide17.xml><?xml version="1.0" encoding="utf-8"?>
+<p:sld xmlns:a="http://schemas.openxmlformats.org/drawingml/2006/main" xmlns:r="http://schemas.openxmlformats.org/officeDocument/2006/relationships" xmlns:p="http://schemas.openxmlformats.org/presentationml/2006/main">
+  <p:cSld>
+    <p:spTree>
+      <p:nvGrpSpPr>
+        <p:cNvPr id="1" name=""/>
+        <p:cNvGrpSpPr/>
+        <p:nvPr/>
+      </p:nvGrpSpPr>
+      <p:grpSpPr>
+        <a:xfrm>
+          <a:off x="0" y="0"/>
+          <a:ext cx="0" cy="0"/>
+          <a:chOff x="0" y="0"/>
+          <a:chExt cx="0" cy="0"/>
+        </a:xfrm>
+      </p:grpSpPr>
+      <p:sp>
+        <p:nvSpPr>
+          <p:cNvPr id="2" name="Заголовок 1">
+            <a:extLst>
+              <a:ext uri="{FF2B5EF4-FFF2-40B4-BE49-F238E27FC236}">
+                <a16:creationId xmlns:a16="http://schemas.microsoft.com/office/drawing/2014/main" id="{8E437135-9051-42D2-8888-7BEB354DEA85}"/>
+              </a:ext>
+            </a:extLst>
+          </p:cNvPr>
+          <p:cNvSpPr>
+            <a:spLocks noGrp="1"/>
+          </p:cNvSpPr>
+          <p:nvPr>
+            <p:ph type="title"/>
+          </p:nvPr>
+        </p:nvSpPr>
+        <p:spPr/>
+        <p:txBody>
+          <a:bodyPr/>
+          <a:lstStyle/>
+          <a:p>
+            <a:r>
+              <a:rPr lang="ru-RU" dirty="0"/>
+              <a:t>Интерпретатор командной строки</a:t>
+            </a:r>
+          </a:p>
+        </p:txBody>
+      </p:sp>
+      <p:graphicFrame>
+        <p:nvGraphicFramePr>
+          <p:cNvPr id="4" name="Таблица 4">
+            <a:extLst>
+              <a:ext uri="{FF2B5EF4-FFF2-40B4-BE49-F238E27FC236}">
+                <a16:creationId xmlns:a16="http://schemas.microsoft.com/office/drawing/2014/main" id="{74200317-561A-4CF4-B572-F65840B869B7}"/>
+              </a:ext>
+            </a:extLst>
+          </p:cNvPr>
+          <p:cNvGraphicFramePr>
+            <a:graphicFrameLocks noGrp="1"/>
+          </p:cNvGraphicFramePr>
+          <p:nvPr>
+            <p:ph idx="1"/>
+            <p:extLst>
+              <p:ext uri="{D42A27DB-BD31-4B8C-83A1-F6EECF244321}">
+                <p14:modId xmlns:p14="http://schemas.microsoft.com/office/powerpoint/2010/main" val="623397805"/>
+              </p:ext>
+            </p:extLst>
+          </p:nvPr>
+        </p:nvGraphicFramePr>
+        <p:xfrm>
+          <a:off x="838200" y="1825625"/>
+          <a:ext cx="10515600" cy="4856480"/>
+        </p:xfrm>
+        <a:graphic>
+          <a:graphicData uri="http://schemas.openxmlformats.org/drawingml/2006/table">
+            <a:tbl>
+              <a:tblPr firstRow="1" bandRow="1">
+                <a:tableStyleId>{5C22544A-7EE6-4342-B048-85BDC9FD1C3A}</a:tableStyleId>
+              </a:tblPr>
+              <a:tblGrid>
+                <a:gridCol w="2755605">
+                  <a:extLst>
+                    <a:ext uri="{9D8B030D-6E8A-4147-A177-3AD203B41FA5}">
+                      <a16:colId xmlns:a16="http://schemas.microsoft.com/office/drawing/2014/main" val="54861246"/>
+                    </a:ext>
+                  </a:extLst>
+                </a:gridCol>
+                <a:gridCol w="7759995">
+                  <a:extLst>
+                    <a:ext uri="{9D8B030D-6E8A-4147-A177-3AD203B41FA5}">
+                      <a16:colId xmlns:a16="http://schemas.microsoft.com/office/drawing/2014/main" val="4034830103"/>
+                    </a:ext>
+                  </a:extLst>
+                </a:gridCol>
+              </a:tblGrid>
+              <a:tr h="370840">
+                <a:tc>
+                  <a:txBody>
+                    <a:bodyPr/>
+                    <a:lstStyle/>
+                    <a:p>
+                      <a:r>
+                        <a:rPr lang="ru-RU" dirty="0"/>
+                        <a:t>Ключ командной строки</a:t>
+                      </a:r>
+                    </a:p>
+                  </a:txBody>
+                  <a:tcPr/>
+                </a:tc>
+                <a:tc>
+                  <a:txBody>
+                    <a:bodyPr/>
+                    <a:lstStyle/>
+                    <a:p>
+                      <a:r>
+                        <a:rPr lang="ru-RU" dirty="0"/>
+                        <a:t>Значение</a:t>
+                      </a:r>
+                    </a:p>
+                  </a:txBody>
+                  <a:tcPr/>
+                </a:tc>
+                <a:extLst>
+                  <a:ext uri="{0D108BD9-81ED-4DB2-BD59-A6C34878D82A}">
+                    <a16:rowId xmlns:a16="http://schemas.microsoft.com/office/drawing/2014/main" val="1291877723"/>
+                  </a:ext>
+                </a:extLst>
+              </a:tr>
+              <a:tr h="370840">
+                <a:tc>
+                  <a:txBody>
+                    <a:bodyPr/>
+                    <a:lstStyle/>
+                    <a:p>
+                      <a:r>
+                        <a:rPr lang="ru-RU" dirty="0"/>
+                        <a:t>-</a:t>
+                      </a:r>
+                      <a:r>
+                        <a:rPr lang="en-US" dirty="0" err="1"/>
+                        <a:t>i</a:t>
+                      </a:r>
+                      <a:endParaRPr lang="ru-RU" dirty="0"/>
+                    </a:p>
+                  </a:txBody>
+                  <a:tcPr/>
+                </a:tc>
+                <a:tc>
+                  <a:txBody>
+                    <a:bodyPr/>
+                    <a:lstStyle/>
+                    <a:p>
+                      <a:r>
+                        <a:rPr lang="ru-RU" dirty="0"/>
+                        <a:t>Войти в диалоговый режим работы после выполнения </a:t>
+                      </a:r>
+                      <a:r>
+                        <a:rPr lang="ru-RU" dirty="0" err="1"/>
+                        <a:t>сце</a:t>
+                      </a:r>
+                      <a:r>
+                        <a:rPr lang="ru-RU" dirty="0"/>
+                        <a:t>-</a:t>
+                      </a:r>
+                    </a:p>
+                    <a:p>
+                      <a:r>
+                        <a:rPr lang="ru-RU" dirty="0" err="1"/>
+                        <a:t>нария</a:t>
+                      </a:r>
+                      <a:r>
+                        <a:rPr lang="ru-RU" dirty="0"/>
+                        <a:t>. Совет: этот параметр удобен для отладки программ</a:t>
+                      </a:r>
+                    </a:p>
+                    <a:p>
+                      <a:r>
+                        <a:rPr lang="ru-RU" dirty="0"/>
+                        <a:t>после отказов. См. также описание функции pdb.pm() в</a:t>
+                      </a:r>
+                    </a:p>
+                    <a:p>
+                      <a:r>
+                        <a:rPr lang="ru-RU" dirty="0"/>
+                        <a:t>руководстве по библиотекам </a:t>
+                      </a:r>
+                      <a:r>
+                        <a:rPr lang="ru-RU" dirty="0" err="1"/>
+                        <a:t>Python</a:t>
+                      </a:r>
+                      <a:r>
+                        <a:rPr lang="ru-RU" dirty="0"/>
+                        <a:t>.</a:t>
+                      </a:r>
+                    </a:p>
+                  </a:txBody>
+                  <a:tcPr/>
+                </a:tc>
+                <a:extLst>
+                  <a:ext uri="{0D108BD9-81ED-4DB2-BD59-A6C34878D82A}">
+                    <a16:rowId xmlns:a16="http://schemas.microsoft.com/office/drawing/2014/main" val="2916613194"/>
+                  </a:ext>
+                </a:extLst>
+              </a:tr>
+              <a:tr h="370840">
+                <a:tc>
+                  <a:txBody>
+                    <a:bodyPr/>
+                    <a:lstStyle/>
+                    <a:p>
+                      <a:r>
+                        <a:rPr lang="en-US" dirty="0"/>
+                        <a:t>-c </a:t>
+                      </a:r>
+                      <a:r>
+                        <a:rPr lang="ru-RU" dirty="0"/>
+                        <a:t>команда</a:t>
+                      </a:r>
+                    </a:p>
+                  </a:txBody>
+                  <a:tcPr/>
+                </a:tc>
+                <a:tc>
+                  <a:txBody>
+                    <a:bodyPr/>
+                    <a:lstStyle/>
+                    <a:p>
+                      <a:r>
+                        <a:rPr lang="ru-RU" dirty="0"/>
+                        <a:t>Обозначает (в виде символьной строки) исполняемый код</a:t>
+                      </a:r>
+                    </a:p>
+                    <a:p>
+                      <a:r>
+                        <a:rPr lang="ru-RU" dirty="0" err="1"/>
+                        <a:t>Python</a:t>
+                      </a:r>
+                      <a:r>
+                        <a:rPr lang="ru-RU" dirty="0"/>
+                        <a:t> (например, по команде </a:t>
+                      </a:r>
+                      <a:r>
+                        <a:rPr lang="ru-RU" dirty="0" err="1"/>
+                        <a:t>python</a:t>
+                      </a:r>
+                      <a:r>
+                        <a:rPr lang="ru-RU" dirty="0"/>
+                        <a:t> -c "</a:t>
+                      </a:r>
+                      <a:r>
+                        <a:rPr lang="ru-RU" dirty="0" err="1"/>
+                        <a:t>print</a:t>
+                      </a:r>
+                      <a:r>
+                        <a:rPr lang="ru-RU" dirty="0"/>
+                        <a:t>('</a:t>
+                      </a:r>
+                      <a:r>
+                        <a:rPr lang="ru-RU" dirty="0" err="1"/>
+                        <a:t>spam</a:t>
+                      </a:r>
+                      <a:r>
+                        <a:rPr lang="ru-RU" dirty="0"/>
+                        <a:t>'* 8)" в </a:t>
+                      </a:r>
+                      <a:r>
+                        <a:rPr lang="ru-RU" dirty="0" err="1"/>
+                        <a:t>Python</a:t>
+                      </a:r>
+                      <a:r>
+                        <a:rPr lang="ru-RU" dirty="0"/>
+                        <a:t> выполняется операция вывода на печать).</a:t>
+                      </a:r>
+                    </a:p>
+                  </a:txBody>
+                  <a:tcPr/>
+                </a:tc>
+                <a:extLst>
+                  <a:ext uri="{0D108BD9-81ED-4DB2-BD59-A6C34878D82A}">
+                    <a16:rowId xmlns:a16="http://schemas.microsoft.com/office/drawing/2014/main" val="215638807"/>
+                  </a:ext>
+                </a:extLst>
+              </a:tr>
+              <a:tr h="370840">
+                <a:tc>
+                  <a:txBody>
+                    <a:bodyPr/>
+                    <a:lstStyle/>
+                    <a:p>
+                      <a:r>
+                        <a:rPr lang="en-US" dirty="0"/>
+                        <a:t>-m </a:t>
+                      </a:r>
+                      <a:r>
+                        <a:rPr lang="ru-RU" dirty="0"/>
+                        <a:t>модуль</a:t>
+                      </a:r>
+                    </a:p>
+                  </a:txBody>
+                  <a:tcPr/>
+                </a:tc>
+                <a:tc>
+                  <a:txBody>
+                    <a:bodyPr/>
+                    <a:lstStyle/>
+                    <a:p>
+                      <a:r>
+                        <a:rPr lang="ru-RU" dirty="0"/>
+                        <a:t>Выполняет модуль в виде сценария. Поиск модуля осу-</a:t>
+                      </a:r>
+                    </a:p>
+                    <a:p>
+                      <a:r>
+                        <a:rPr lang="ru-RU" dirty="0" err="1"/>
+                        <a:t>ществляется</a:t>
+                      </a:r>
+                      <a:r>
+                        <a:rPr lang="ru-RU" dirty="0"/>
+                        <a:t> по пути в переменной </a:t>
+                      </a:r>
+                      <a:r>
+                        <a:rPr lang="ru-RU" dirty="0" err="1"/>
+                        <a:t>sys.path</a:t>
+                      </a:r>
+                      <a:r>
+                        <a:rPr lang="ru-RU" dirty="0"/>
+                        <a:t>, а его вы-</a:t>
+                      </a:r>
+                    </a:p>
+                    <a:p>
+                      <a:r>
+                        <a:rPr lang="ru-RU" dirty="0" err="1"/>
+                        <a:t>полнение</a:t>
+                      </a:r>
+                      <a:r>
+                        <a:rPr lang="ru-RU" dirty="0"/>
+                        <a:t> — в виде файла, находящего на самом верхнем</a:t>
+                      </a:r>
+                    </a:p>
+                    <a:p>
+                      <a:r>
+                        <a:rPr lang="ru-RU" dirty="0"/>
+                        <a:t>уровне иерархии (например, по команде </a:t>
+                      </a:r>
+                      <a:r>
+                        <a:rPr lang="ru-RU" dirty="0" err="1"/>
+                        <a:t>python</a:t>
+                      </a:r>
+                      <a:r>
+                        <a:rPr lang="ru-RU" dirty="0"/>
+                        <a:t> -m </a:t>
+                      </a:r>
+                      <a:r>
+                        <a:rPr lang="ru-RU" dirty="0" err="1"/>
+                        <a:t>pdb</a:t>
+                      </a:r>
+                      <a:endParaRPr lang="ru-RU" dirty="0"/>
+                    </a:p>
+                    <a:p>
+                      <a:r>
+                        <a:rPr lang="ru-RU" dirty="0"/>
+                        <a:t>s.py модуль </a:t>
+                      </a:r>
+                      <a:r>
+                        <a:rPr lang="ru-RU" dirty="0" err="1"/>
+                        <a:t>pdb</a:t>
+                      </a:r>
+                      <a:r>
+                        <a:rPr lang="ru-RU" dirty="0"/>
+                        <a:t> отладки программ на </a:t>
+                      </a:r>
+                      <a:r>
+                        <a:rPr lang="ru-RU" dirty="0" err="1"/>
+                        <a:t>Python</a:t>
+                      </a:r>
+                      <a:r>
+                        <a:rPr lang="ru-RU" dirty="0"/>
+                        <a:t>, находя-</a:t>
+                      </a:r>
+                    </a:p>
+                    <a:p>
+                      <a:r>
+                        <a:rPr lang="ru-RU" dirty="0" err="1"/>
+                        <a:t>щийся</a:t>
+                      </a:r>
+                      <a:r>
+                        <a:rPr lang="ru-RU" dirty="0"/>
+                        <a:t> в каталоге стандартной библиотеки, выполняется с</a:t>
+                      </a:r>
+                    </a:p>
+                    <a:p>
+                      <a:r>
+                        <a:rPr lang="ru-RU" dirty="0"/>
+                        <a:t>аргументом s.py). </a:t>
+                      </a:r>
+                    </a:p>
+                  </a:txBody>
+                  <a:tcPr/>
+                </a:tc>
+                <a:extLst>
+                  <a:ext uri="{0D108BD9-81ED-4DB2-BD59-A6C34878D82A}">
+                    <a16:rowId xmlns:a16="http://schemas.microsoft.com/office/drawing/2014/main" val="489833478"/>
+                  </a:ext>
+                </a:extLst>
+              </a:tr>
+              <a:tr h="370840">
+                <a:tc>
+                  <a:txBody>
+                    <a:bodyPr/>
+                    <a:lstStyle/>
+                    <a:p>
+                      <a:endParaRPr lang="ru-RU"/>
+                    </a:p>
+                  </a:txBody>
+                  <a:tcPr/>
+                </a:tc>
+                <a:tc>
+                  <a:txBody>
+                    <a:bodyPr/>
+                    <a:lstStyle/>
+                    <a:p>
+                      <a:endParaRPr lang="ru-RU" dirty="0"/>
+                    </a:p>
+                  </a:txBody>
+                  <a:tcPr/>
+                </a:tc>
+                <a:extLst>
+                  <a:ext uri="{0D108BD9-81ED-4DB2-BD59-A6C34878D82A}">
+                    <a16:rowId xmlns:a16="http://schemas.microsoft.com/office/drawing/2014/main" val="1490814389"/>
+                  </a:ext>
+                </a:extLst>
+              </a:tr>
+            </a:tbl>
+          </a:graphicData>
+        </a:graphic>
+      </p:graphicFrame>
+    </p:spTree>
+    <p:extLst>
+      <p:ext uri="{BB962C8B-B14F-4D97-AF65-F5344CB8AC3E}">
+        <p14:creationId xmlns:p14="http://schemas.microsoft.com/office/powerpoint/2010/main" val="2631040703"/>
+      </p:ext>
+    </p:extLst>
+  </p:cSld>
+  <p:clrMapOvr>
+    <a:masterClrMapping/>
+  </p:clrMapOvr>
+</p:sld>
+</file>
+
+<file path=ppt/slides/slide18.xml><?xml version="1.0" encoding="utf-8"?>
+<p:sld xmlns:a="http://schemas.openxmlformats.org/drawingml/2006/main" xmlns:r="http://schemas.openxmlformats.org/officeDocument/2006/relationships" xmlns:p="http://schemas.openxmlformats.org/presentationml/2006/main">
+  <p:cSld>
+    <p:spTree>
+      <p:nvGrpSpPr>
+        <p:cNvPr id="1" name=""/>
+        <p:cNvGrpSpPr/>
+        <p:nvPr/>
+      </p:nvGrpSpPr>
+      <p:grpSpPr>
+        <a:xfrm>
+          <a:off x="0" y="0"/>
+          <a:ext cx="0" cy="0"/>
+          <a:chOff x="0" y="0"/>
+          <a:chExt cx="0" cy="0"/>
+        </a:xfrm>
+      </p:grpSpPr>
+      <p:sp>
+        <p:nvSpPr>
+          <p:cNvPr id="2" name="Заголовок 1">
+            <a:extLst>
+              <a:ext uri="{FF2B5EF4-FFF2-40B4-BE49-F238E27FC236}">
+                <a16:creationId xmlns:a16="http://schemas.microsoft.com/office/drawing/2014/main" id="{C57FDE2E-3FCD-457A-8BCE-2722C763E86E}"/>
+              </a:ext>
+            </a:extLst>
+          </p:cNvPr>
+          <p:cNvSpPr>
+            <a:spLocks noGrp="1"/>
+          </p:cNvSpPr>
+          <p:nvPr>
+            <p:ph type="title"/>
+          </p:nvPr>
+        </p:nvSpPr>
+        <p:spPr/>
+        <p:txBody>
+          <a:bodyPr/>
+          <a:lstStyle/>
+          <a:p>
+            <a:r>
+              <a:rPr lang="en-US" dirty="0"/>
+              <a:t>PyCharm</a:t>
+            </a:r>
+            <a:endParaRPr lang="ru-RU" dirty="0"/>
+          </a:p>
+        </p:txBody>
+      </p:sp>
+      <p:sp>
+        <p:nvSpPr>
+          <p:cNvPr id="3" name="Объект 2">
+            <a:extLst>
+              <a:ext uri="{FF2B5EF4-FFF2-40B4-BE49-F238E27FC236}">
+                <a16:creationId xmlns:a16="http://schemas.microsoft.com/office/drawing/2014/main" id="{8BF010B2-4943-41E1-8EE3-9C1DA8BEC127}"/>
+              </a:ext>
+            </a:extLst>
+          </p:cNvPr>
+          <p:cNvSpPr>
+            <a:spLocks noGrp="1"/>
+          </p:cNvSpPr>
+          <p:nvPr>
+            <p:ph idx="1"/>
+          </p:nvPr>
+        </p:nvSpPr>
+        <p:spPr/>
+        <p:txBody>
+          <a:bodyPr/>
+          <a:lstStyle/>
+          <a:p>
+            <a:r>
+              <a:rPr lang="ru-RU" dirty="0" err="1"/>
+              <a:t>PyCharm</a:t>
+            </a:r>
+            <a:r>
+              <a:rPr lang="ru-RU" dirty="0"/>
+              <a:t> — интегрированная среда разработки для языка программирования </a:t>
+            </a:r>
+            <a:r>
+              <a:rPr lang="ru-RU" dirty="0" err="1"/>
+              <a:t>Python</a:t>
+            </a:r>
+            <a:endParaRPr lang="ru-RU" dirty="0"/>
+          </a:p>
+          <a:p>
+            <a:r>
+              <a:rPr lang="ru-RU" dirty="0"/>
+              <a:t>Предоставляет средства для анализа кода, графический отладчик, инструмент для запуска юнит-тестов и поддерживает веб-разработку на </a:t>
+            </a:r>
+            <a:r>
+              <a:rPr lang="ru-RU" dirty="0" err="1"/>
+              <a:t>Django</a:t>
+            </a:r>
+            <a:endParaRPr lang="ru-RU" dirty="0"/>
+          </a:p>
+          <a:p>
+            <a:r>
+              <a:rPr lang="ru-RU" dirty="0" err="1"/>
+              <a:t>PyCharm</a:t>
+            </a:r>
+            <a:r>
+              <a:rPr lang="ru-RU" dirty="0"/>
+              <a:t> разработана компанией </a:t>
+            </a:r>
+            <a:r>
+              <a:rPr lang="ru-RU" dirty="0" err="1"/>
+              <a:t>JetBrains</a:t>
+            </a:r>
+            <a:r>
+              <a:rPr lang="ru-RU" dirty="0"/>
+              <a:t>[5] на основе </a:t>
+            </a:r>
+            <a:r>
+              <a:rPr lang="ru-RU" dirty="0" err="1"/>
+              <a:t>IntelliJ</a:t>
+            </a:r>
+            <a:r>
+              <a:rPr lang="ru-RU" dirty="0"/>
+              <a:t> IDEA</a:t>
+            </a:r>
+          </a:p>
+        </p:txBody>
+      </p:sp>
+      <p:pic>
+        <p:nvPicPr>
+          <p:cNvPr id="1026" name="Picture 2" descr="upload.wikimedia.org/wikipedia/commons/thumb/a/...">
+            <a:extLst>
+              <a:ext uri="{FF2B5EF4-FFF2-40B4-BE49-F238E27FC236}">
+                <a16:creationId xmlns:a16="http://schemas.microsoft.com/office/drawing/2014/main" id="{F609B747-1972-4BC4-A6C7-DE9BE135CC6D}"/>
+              </a:ext>
+            </a:extLst>
+          </p:cNvPr>
+          <p:cNvPicPr>
+            <a:picLocks noChangeAspect="1" noChangeArrowheads="1"/>
+          </p:cNvPicPr>
+          <p:nvPr/>
+        </p:nvPicPr>
+        <p:blipFill>
+          <a:blip r:embed="rId2">
+            <a:extLst>
+              <a:ext uri="{28A0092B-C50C-407E-A947-70E740481C1C}">
+                <a14:useLocalDpi xmlns:a14="http://schemas.microsoft.com/office/drawing/2010/main" val="0"/>
+              </a:ext>
+            </a:extLst>
+          </a:blip>
+          <a:srcRect/>
+          <a:stretch>
+            <a:fillRect/>
+          </a:stretch>
+        </p:blipFill>
+        <p:spPr bwMode="auto">
+          <a:xfrm>
+            <a:off x="9812077" y="4540102"/>
+            <a:ext cx="2222205" cy="2222205"/>
+          </a:xfrm>
+          <a:prstGeom prst="rect">
+            <a:avLst/>
+          </a:prstGeom>
+          <a:noFill/>
+          <a:extLst>
+            <a:ext uri="{909E8E84-426E-40DD-AFC4-6F175D3DCCD1}">
+              <a14:hiddenFill xmlns:a14="http://schemas.microsoft.com/office/drawing/2010/main">
+                <a:solidFill>
+                  <a:srgbClr val="FFFFFF"/>
+                </a:solidFill>
+              </a14:hiddenFill>
+            </a:ext>
+          </a:extLst>
+        </p:spPr>
+      </p:pic>
+    </p:spTree>
+    <p:extLst>
+      <p:ext uri="{BB962C8B-B14F-4D97-AF65-F5344CB8AC3E}">
+        <p14:creationId xmlns:p14="http://schemas.microsoft.com/office/powerpoint/2010/main" val="1289198368"/>
+      </p:ext>
+    </p:extLst>
+  </p:cSld>
+  <p:clrMapOvr>
+    <a:masterClrMapping/>
+  </p:clrMapOvr>
+</p:sld>
+</file>
+
+<file path=ppt/slides/slide19.xml><?xml version="1.0" encoding="utf-8"?>
+<p:sld xmlns:a="http://schemas.openxmlformats.org/drawingml/2006/main" xmlns:r="http://schemas.openxmlformats.org/officeDocument/2006/relationships" xmlns:p="http://schemas.openxmlformats.org/presentationml/2006/main">
+  <p:cSld>
+    <p:spTree>
+      <p:nvGrpSpPr>
+        <p:cNvPr id="1" name=""/>
+        <p:cNvGrpSpPr/>
+        <p:nvPr/>
+      </p:nvGrpSpPr>
+      <p:grpSpPr>
+        <a:xfrm>
+          <a:off x="0" y="0"/>
+          <a:ext cx="0" cy="0"/>
+          <a:chOff x="0" y="0"/>
+          <a:chExt cx="0" cy="0"/>
+        </a:xfrm>
+      </p:grpSpPr>
+      <p:sp>
+        <p:nvSpPr>
+          <p:cNvPr id="2" name="Заголовок 1">
+            <a:extLst>
+              <a:ext uri="{FF2B5EF4-FFF2-40B4-BE49-F238E27FC236}">
+                <a16:creationId xmlns:a16="http://schemas.microsoft.com/office/drawing/2014/main" id="{C57FDE2E-3FCD-457A-8BCE-2722C763E86E}"/>
+              </a:ext>
+            </a:extLst>
+          </p:cNvPr>
+          <p:cNvSpPr>
+            <a:spLocks noGrp="1"/>
+          </p:cNvSpPr>
+          <p:nvPr>
+            <p:ph type="title"/>
+          </p:nvPr>
+        </p:nvSpPr>
+        <p:spPr/>
+        <p:txBody>
+          <a:bodyPr/>
+          <a:lstStyle/>
+          <a:p>
+            <a:r>
+              <a:rPr lang="en-US" dirty="0"/>
+              <a:t>PyCharm</a:t>
+            </a:r>
+            <a:endParaRPr lang="ru-RU" dirty="0"/>
+          </a:p>
+        </p:txBody>
+      </p:sp>
+      <p:pic>
+        <p:nvPicPr>
+          <p:cNvPr id="1026" name="Picture 2" descr="upload.wikimedia.org/wikipedia/commons/thumb/a/...">
+            <a:extLst>
+              <a:ext uri="{FF2B5EF4-FFF2-40B4-BE49-F238E27FC236}">
+                <a16:creationId xmlns:a16="http://schemas.microsoft.com/office/drawing/2014/main" id="{F609B747-1972-4BC4-A6C7-DE9BE135CC6D}"/>
+              </a:ext>
+            </a:extLst>
+          </p:cNvPr>
+          <p:cNvPicPr>
+            <a:picLocks noChangeAspect="1" noChangeArrowheads="1"/>
+          </p:cNvPicPr>
+          <p:nvPr/>
+        </p:nvPicPr>
+        <p:blipFill>
+          <a:blip r:embed="rId2">
+            <a:extLst>
+              <a:ext uri="{28A0092B-C50C-407E-A947-70E740481C1C}">
+                <a14:useLocalDpi xmlns:a14="http://schemas.microsoft.com/office/drawing/2010/main" val="0"/>
+              </a:ext>
+            </a:extLst>
+          </a:blip>
+          <a:srcRect/>
+          <a:stretch>
+            <a:fillRect/>
+          </a:stretch>
+        </p:blipFill>
+        <p:spPr bwMode="auto">
+          <a:xfrm>
+            <a:off x="9812077" y="4540102"/>
+            <a:ext cx="2222205" cy="2222205"/>
+          </a:xfrm>
+          <a:prstGeom prst="rect">
+            <a:avLst/>
+          </a:prstGeom>
+          <a:noFill/>
+          <a:extLst>
+            <a:ext uri="{909E8E84-426E-40DD-AFC4-6F175D3DCCD1}">
+              <a14:hiddenFill xmlns:a14="http://schemas.microsoft.com/office/drawing/2010/main">
+                <a:solidFill>
+                  <a:srgbClr val="FFFFFF"/>
+                </a:solidFill>
+              </a14:hiddenFill>
+            </a:ext>
+          </a:extLst>
+        </p:spPr>
+      </p:pic>
+      <p:pic>
+        <p:nvPicPr>
+          <p:cNvPr id="2050" name="Picture 2">
+            <a:extLst>
+              <a:ext uri="{FF2B5EF4-FFF2-40B4-BE49-F238E27FC236}">
+                <a16:creationId xmlns:a16="http://schemas.microsoft.com/office/drawing/2014/main" id="{7FC38DEA-B905-4EB6-8F69-88D9A3342156}"/>
+              </a:ext>
+            </a:extLst>
+          </p:cNvPr>
+          <p:cNvPicPr>
+            <a:picLocks noChangeAspect="1" noChangeArrowheads="1"/>
+          </p:cNvPicPr>
+          <p:nvPr/>
+        </p:nvPicPr>
+        <p:blipFill>
+          <a:blip r:embed="rId3">
+            <a:extLst>
+              <a:ext uri="{28A0092B-C50C-407E-A947-70E740481C1C}">
+                <a14:useLocalDpi xmlns:a14="http://schemas.microsoft.com/office/drawing/2010/main" val="0"/>
+              </a:ext>
+            </a:extLst>
+          </a:blip>
+          <a:srcRect/>
+          <a:stretch>
+            <a:fillRect/>
+          </a:stretch>
+        </p:blipFill>
+        <p:spPr bwMode="auto">
+          <a:xfrm>
+            <a:off x="595422" y="1280485"/>
+            <a:ext cx="8948309" cy="5212390"/>
+          </a:xfrm>
+          <a:prstGeom prst="rect">
+            <a:avLst/>
+          </a:prstGeom>
+          <a:noFill/>
+          <a:extLst>
+            <a:ext uri="{909E8E84-426E-40DD-AFC4-6F175D3DCCD1}">
+              <a14:hiddenFill xmlns:a14="http://schemas.microsoft.com/office/drawing/2010/main">
+                <a:solidFill>
+                  <a:srgbClr val="FFFFFF"/>
+                </a:solidFill>
+              </a14:hiddenFill>
+            </a:ext>
+          </a:extLst>
+        </p:spPr>
+      </p:pic>
+    </p:spTree>
+    <p:extLst>
+      <p:ext uri="{BB962C8B-B14F-4D97-AF65-F5344CB8AC3E}">
+        <p14:creationId xmlns:p14="http://schemas.microsoft.com/office/powerpoint/2010/main" val="1542024390"/>
+      </p:ext>
+    </p:extLst>
+  </p:cSld>
+  <p:clrMapOvr>
+    <a:masterClrMapping/>
+  </p:clrMapOvr>
+</p:sld>
+</file>
+
 <file path=ppt/slides/slide2.xml><?xml version="1.0" encoding="utf-8"?>
 <p:sld xmlns:a="http://schemas.openxmlformats.org/drawingml/2006/main" xmlns:r="http://schemas.openxmlformats.org/officeDocument/2006/relationships" xmlns:p="http://schemas.openxmlformats.org/presentationml/2006/main">
   <p:cSld>
@@ -5696,6 +6503,480 @@
     <p:extLst>
       <p:ext uri="{BB962C8B-B14F-4D97-AF65-F5344CB8AC3E}">
         <p14:creationId xmlns:p14="http://schemas.microsoft.com/office/powerpoint/2010/main" val="397995567"/>
+      </p:ext>
+    </p:extLst>
+  </p:cSld>
+  <p:clrMapOvr>
+    <a:masterClrMapping/>
+  </p:clrMapOvr>
+</p:sld>
+</file>
+
+<file path=ppt/slides/slide20.xml><?xml version="1.0" encoding="utf-8"?>
+<p:sld xmlns:a="http://schemas.openxmlformats.org/drawingml/2006/main" xmlns:r="http://schemas.openxmlformats.org/officeDocument/2006/relationships" xmlns:p="http://schemas.openxmlformats.org/presentationml/2006/main">
+  <p:cSld>
+    <p:spTree>
+      <p:nvGrpSpPr>
+        <p:cNvPr id="1" name=""/>
+        <p:cNvGrpSpPr/>
+        <p:nvPr/>
+      </p:nvGrpSpPr>
+      <p:grpSpPr>
+        <a:xfrm>
+          <a:off x="0" y="0"/>
+          <a:ext cx="0" cy="0"/>
+          <a:chOff x="0" y="0"/>
+          <a:chExt cx="0" cy="0"/>
+        </a:xfrm>
+      </p:grpSpPr>
+      <p:sp>
+        <p:nvSpPr>
+          <p:cNvPr id="2" name="Заголовок 1">
+            <a:extLst>
+              <a:ext uri="{FF2B5EF4-FFF2-40B4-BE49-F238E27FC236}">
+                <a16:creationId xmlns:a16="http://schemas.microsoft.com/office/drawing/2014/main" id="{8527CEC7-1D14-4C8F-ABD9-A3EAF60B8FD7}"/>
+              </a:ext>
+            </a:extLst>
+          </p:cNvPr>
+          <p:cNvSpPr>
+            <a:spLocks noGrp="1"/>
+          </p:cNvSpPr>
+          <p:nvPr>
+            <p:ph type="title"/>
+          </p:nvPr>
+        </p:nvSpPr>
+        <p:spPr/>
+        <p:txBody>
+          <a:bodyPr/>
+          <a:lstStyle/>
+          <a:p>
+            <a:r>
+              <a:rPr lang="en-US" dirty="0"/>
+              <a:t>Visual Studio Code</a:t>
+            </a:r>
+            <a:endParaRPr lang="ru-RU" dirty="0"/>
+          </a:p>
+        </p:txBody>
+      </p:sp>
+      <p:sp>
+        <p:nvSpPr>
+          <p:cNvPr id="3" name="Объект 2">
+            <a:extLst>
+              <a:ext uri="{FF2B5EF4-FFF2-40B4-BE49-F238E27FC236}">
+                <a16:creationId xmlns:a16="http://schemas.microsoft.com/office/drawing/2014/main" id="{DDC6BE8B-35D6-4A2D-AEFA-D4CED85C156A}"/>
+              </a:ext>
+            </a:extLst>
+          </p:cNvPr>
+          <p:cNvSpPr>
+            <a:spLocks noGrp="1"/>
+          </p:cNvSpPr>
+          <p:nvPr>
+            <p:ph idx="1"/>
+          </p:nvPr>
+        </p:nvSpPr>
+        <p:spPr/>
+        <p:txBody>
+          <a:bodyPr/>
+          <a:lstStyle/>
+          <a:p>
+            <a:r>
+              <a:rPr lang="en-US" dirty="0"/>
+              <a:t>Visual Studio Code — </a:t>
+            </a:r>
+            <a:r>
+              <a:rPr lang="ru-RU" dirty="0"/>
+              <a:t>редактор исходного кода, разработанный </a:t>
+            </a:r>
+            <a:r>
+              <a:rPr lang="en-US" dirty="0"/>
+              <a:t>Microsoft </a:t>
+            </a:r>
+            <a:r>
+              <a:rPr lang="ru-RU" dirty="0"/>
+              <a:t>для </a:t>
+            </a:r>
+            <a:r>
+              <a:rPr lang="en-US" dirty="0"/>
+              <a:t>Windows, Linux </a:t>
+            </a:r>
+            <a:r>
+              <a:rPr lang="ru-RU" dirty="0"/>
+              <a:t>и </a:t>
+            </a:r>
+            <a:r>
+              <a:rPr lang="en-US" dirty="0"/>
+              <a:t>macOS</a:t>
+            </a:r>
+          </a:p>
+          <a:p>
+            <a:r>
+              <a:rPr lang="ru-RU" dirty="0"/>
+              <a:t>Имеет широкие возможности для кастомизации: пользовательские темы, сочетания клавиш и файлы конфигурации</a:t>
+            </a:r>
+            <a:endParaRPr lang="en-US" dirty="0"/>
+          </a:p>
+          <a:p>
+            <a:r>
+              <a:rPr lang="ru-RU" dirty="0"/>
+              <a:t>Имеет множество расширений для разработки на </a:t>
+            </a:r>
+            <a:r>
+              <a:rPr lang="en-US" dirty="0"/>
+              <a:t>Python</a:t>
+            </a:r>
+            <a:endParaRPr lang="ru-RU" dirty="0"/>
+          </a:p>
+        </p:txBody>
+      </p:sp>
+      <p:pic>
+        <p:nvPicPr>
+          <p:cNvPr id="3074" name="Picture 2">
+            <a:extLst>
+              <a:ext uri="{FF2B5EF4-FFF2-40B4-BE49-F238E27FC236}">
+                <a16:creationId xmlns:a16="http://schemas.microsoft.com/office/drawing/2014/main" id="{D2AE26E9-55B1-4CAE-9B7E-8489BBFA727D}"/>
+              </a:ext>
+            </a:extLst>
+          </p:cNvPr>
+          <p:cNvPicPr>
+            <a:picLocks noChangeAspect="1" noChangeArrowheads="1"/>
+          </p:cNvPicPr>
+          <p:nvPr/>
+        </p:nvPicPr>
+        <p:blipFill>
+          <a:blip r:embed="rId2">
+            <a:extLst>
+              <a:ext uri="{28A0092B-C50C-407E-A947-70E740481C1C}">
+                <a14:useLocalDpi xmlns:a14="http://schemas.microsoft.com/office/drawing/2010/main" val="0"/>
+              </a:ext>
+            </a:extLst>
+          </a:blip>
+          <a:srcRect/>
+          <a:stretch>
+            <a:fillRect/>
+          </a:stretch>
+        </p:blipFill>
+        <p:spPr bwMode="auto">
+          <a:xfrm>
+            <a:off x="9980761" y="4772579"/>
+            <a:ext cx="1957830" cy="1957830"/>
+          </a:xfrm>
+          <a:prstGeom prst="rect">
+            <a:avLst/>
+          </a:prstGeom>
+          <a:noFill/>
+          <a:extLst>
+            <a:ext uri="{909E8E84-426E-40DD-AFC4-6F175D3DCCD1}">
+              <a14:hiddenFill xmlns:a14="http://schemas.microsoft.com/office/drawing/2010/main">
+                <a:solidFill>
+                  <a:srgbClr val="FFFFFF"/>
+                </a:solidFill>
+              </a14:hiddenFill>
+            </a:ext>
+          </a:extLst>
+        </p:spPr>
+      </p:pic>
+    </p:spTree>
+    <p:extLst>
+      <p:ext uri="{BB962C8B-B14F-4D97-AF65-F5344CB8AC3E}">
+        <p14:creationId xmlns:p14="http://schemas.microsoft.com/office/powerpoint/2010/main" val="365850728"/>
+      </p:ext>
+    </p:extLst>
+  </p:cSld>
+  <p:clrMapOvr>
+    <a:masterClrMapping/>
+  </p:clrMapOvr>
+</p:sld>
+</file>
+
+<file path=ppt/slides/slide21.xml><?xml version="1.0" encoding="utf-8"?>
+<p:sld xmlns:a="http://schemas.openxmlformats.org/drawingml/2006/main" xmlns:r="http://schemas.openxmlformats.org/officeDocument/2006/relationships" xmlns:p="http://schemas.openxmlformats.org/presentationml/2006/main">
+  <p:cSld>
+    <p:spTree>
+      <p:nvGrpSpPr>
+        <p:cNvPr id="1" name=""/>
+        <p:cNvGrpSpPr/>
+        <p:nvPr/>
+      </p:nvGrpSpPr>
+      <p:grpSpPr>
+        <a:xfrm>
+          <a:off x="0" y="0"/>
+          <a:ext cx="0" cy="0"/>
+          <a:chOff x="0" y="0"/>
+          <a:chExt cx="0" cy="0"/>
+        </a:xfrm>
+      </p:grpSpPr>
+      <p:sp>
+        <p:nvSpPr>
+          <p:cNvPr id="2" name="Заголовок 1">
+            <a:extLst>
+              <a:ext uri="{FF2B5EF4-FFF2-40B4-BE49-F238E27FC236}">
+                <a16:creationId xmlns:a16="http://schemas.microsoft.com/office/drawing/2014/main" id="{8527CEC7-1D14-4C8F-ABD9-A3EAF60B8FD7}"/>
+              </a:ext>
+            </a:extLst>
+          </p:cNvPr>
+          <p:cNvSpPr>
+            <a:spLocks noGrp="1"/>
+          </p:cNvSpPr>
+          <p:nvPr>
+            <p:ph type="title"/>
+          </p:nvPr>
+        </p:nvSpPr>
+        <p:spPr/>
+        <p:txBody>
+          <a:bodyPr/>
+          <a:lstStyle/>
+          <a:p>
+            <a:r>
+              <a:rPr lang="en-US" dirty="0"/>
+              <a:t>Visual Studio Code</a:t>
+            </a:r>
+            <a:endParaRPr lang="ru-RU" dirty="0"/>
+          </a:p>
+        </p:txBody>
+      </p:sp>
+      <p:pic>
+        <p:nvPicPr>
+          <p:cNvPr id="3074" name="Picture 2">
+            <a:extLst>
+              <a:ext uri="{FF2B5EF4-FFF2-40B4-BE49-F238E27FC236}">
+                <a16:creationId xmlns:a16="http://schemas.microsoft.com/office/drawing/2014/main" id="{D2AE26E9-55B1-4CAE-9B7E-8489BBFA727D}"/>
+              </a:ext>
+            </a:extLst>
+          </p:cNvPr>
+          <p:cNvPicPr>
+            <a:picLocks noChangeAspect="1" noChangeArrowheads="1"/>
+          </p:cNvPicPr>
+          <p:nvPr/>
+        </p:nvPicPr>
+        <p:blipFill>
+          <a:blip r:embed="rId2">
+            <a:extLst>
+              <a:ext uri="{28A0092B-C50C-407E-A947-70E740481C1C}">
+                <a14:useLocalDpi xmlns:a14="http://schemas.microsoft.com/office/drawing/2010/main" val="0"/>
+              </a:ext>
+            </a:extLst>
+          </a:blip>
+          <a:srcRect/>
+          <a:stretch>
+            <a:fillRect/>
+          </a:stretch>
+        </p:blipFill>
+        <p:spPr bwMode="auto">
+          <a:xfrm>
+            <a:off x="9980761" y="4772579"/>
+            <a:ext cx="1957830" cy="1957830"/>
+          </a:xfrm>
+          <a:prstGeom prst="rect">
+            <a:avLst/>
+          </a:prstGeom>
+          <a:noFill/>
+          <a:extLst>
+            <a:ext uri="{909E8E84-426E-40DD-AFC4-6F175D3DCCD1}">
+              <a14:hiddenFill xmlns:a14="http://schemas.microsoft.com/office/drawing/2010/main">
+                <a:solidFill>
+                  <a:srgbClr val="FFFFFF"/>
+                </a:solidFill>
+              </a14:hiddenFill>
+            </a:ext>
+          </a:extLst>
+        </p:spPr>
+      </p:pic>
+      <p:pic>
+        <p:nvPicPr>
+          <p:cNvPr id="6" name="Рисунок 5">
+            <a:extLst>
+              <a:ext uri="{FF2B5EF4-FFF2-40B4-BE49-F238E27FC236}">
+                <a16:creationId xmlns:a16="http://schemas.microsoft.com/office/drawing/2014/main" id="{F408F238-5431-40EC-AD5A-FF0F16BF4EA7}"/>
+              </a:ext>
+            </a:extLst>
+          </p:cNvPr>
+          <p:cNvPicPr>
+            <a:picLocks noChangeAspect="1"/>
+          </p:cNvPicPr>
+          <p:nvPr/>
+        </p:nvPicPr>
+        <p:blipFill>
+          <a:blip r:embed="rId3"/>
+          <a:stretch>
+            <a:fillRect/>
+          </a:stretch>
+        </p:blipFill>
+        <p:spPr>
+          <a:xfrm>
+            <a:off x="838200" y="1570650"/>
+            <a:ext cx="8821479" cy="4741545"/>
+          </a:xfrm>
+          <a:prstGeom prst="rect">
+            <a:avLst/>
+          </a:prstGeom>
+        </p:spPr>
+      </p:pic>
+    </p:spTree>
+    <p:extLst>
+      <p:ext uri="{BB962C8B-B14F-4D97-AF65-F5344CB8AC3E}">
+        <p14:creationId xmlns:p14="http://schemas.microsoft.com/office/powerpoint/2010/main" val="4165206209"/>
+      </p:ext>
+    </p:extLst>
+  </p:cSld>
+  <p:clrMapOvr>
+    <a:masterClrMapping/>
+  </p:clrMapOvr>
+</p:sld>
+</file>
+
+<file path=ppt/slides/slide22.xml><?xml version="1.0" encoding="utf-8"?>
+<p:sld xmlns:a="http://schemas.openxmlformats.org/drawingml/2006/main" xmlns:r="http://schemas.openxmlformats.org/officeDocument/2006/relationships" xmlns:p="http://schemas.openxmlformats.org/presentationml/2006/main">
+  <p:cSld>
+    <p:spTree>
+      <p:nvGrpSpPr>
+        <p:cNvPr id="1" name=""/>
+        <p:cNvGrpSpPr/>
+        <p:nvPr/>
+      </p:nvGrpSpPr>
+      <p:grpSpPr>
+        <a:xfrm>
+          <a:off x="0" y="0"/>
+          <a:ext cx="0" cy="0"/>
+          <a:chOff x="0" y="0"/>
+          <a:chExt cx="0" cy="0"/>
+        </a:xfrm>
+      </p:grpSpPr>
+      <p:sp>
+        <p:nvSpPr>
+          <p:cNvPr id="2" name="Заголовок 1">
+            <a:extLst>
+              <a:ext uri="{FF2B5EF4-FFF2-40B4-BE49-F238E27FC236}">
+                <a16:creationId xmlns:a16="http://schemas.microsoft.com/office/drawing/2014/main" id="{8527CEC7-1D14-4C8F-ABD9-A3EAF60B8FD7}"/>
+              </a:ext>
+            </a:extLst>
+          </p:cNvPr>
+          <p:cNvSpPr>
+            <a:spLocks noGrp="1"/>
+          </p:cNvSpPr>
+          <p:nvPr>
+            <p:ph type="title"/>
+          </p:nvPr>
+        </p:nvSpPr>
+        <p:spPr/>
+        <p:txBody>
+          <a:bodyPr/>
+          <a:lstStyle/>
+          <a:p>
+            <a:r>
+              <a:rPr lang="en-US" dirty="0"/>
+              <a:t>Visual Studio Code</a:t>
+            </a:r>
+            <a:endParaRPr lang="ru-RU" dirty="0"/>
+          </a:p>
+        </p:txBody>
+      </p:sp>
+      <p:sp>
+        <p:nvSpPr>
+          <p:cNvPr id="3" name="Объект 2">
+            <a:extLst>
+              <a:ext uri="{FF2B5EF4-FFF2-40B4-BE49-F238E27FC236}">
+                <a16:creationId xmlns:a16="http://schemas.microsoft.com/office/drawing/2014/main" id="{DDC6BE8B-35D6-4A2D-AEFA-D4CED85C156A}"/>
+              </a:ext>
+            </a:extLst>
+          </p:cNvPr>
+          <p:cNvSpPr>
+            <a:spLocks noGrp="1"/>
+          </p:cNvSpPr>
+          <p:nvPr>
+            <p:ph idx="1"/>
+          </p:nvPr>
+        </p:nvSpPr>
+        <p:spPr/>
+        <p:txBody>
+          <a:bodyPr/>
+          <a:lstStyle/>
+          <a:p>
+            <a:r>
+              <a:rPr lang="ru-RU" dirty="0"/>
+              <a:t>Рекомендованные расширения:</a:t>
+            </a:r>
+          </a:p>
+          <a:p>
+            <a:pPr lvl="1"/>
+            <a:r>
+              <a:rPr lang="en-US" dirty="0"/>
+              <a:t>Python</a:t>
+            </a:r>
+          </a:p>
+          <a:p>
+            <a:pPr lvl="1"/>
+            <a:r>
+              <a:rPr lang="en-US" dirty="0"/>
+              <a:t>Python Preview</a:t>
+            </a:r>
+          </a:p>
+          <a:p>
+            <a:pPr lvl="1"/>
+            <a:r>
+              <a:rPr lang="en-US" dirty="0"/>
+              <a:t>Python Indent</a:t>
+            </a:r>
+          </a:p>
+          <a:p>
+            <a:pPr lvl="1"/>
+            <a:r>
+              <a:rPr lang="en-US" dirty="0"/>
+              <a:t>Python Coding Conventions</a:t>
+            </a:r>
+          </a:p>
+        </p:txBody>
+      </p:sp>
+      <p:pic>
+        <p:nvPicPr>
+          <p:cNvPr id="3074" name="Picture 2">
+            <a:extLst>
+              <a:ext uri="{FF2B5EF4-FFF2-40B4-BE49-F238E27FC236}">
+                <a16:creationId xmlns:a16="http://schemas.microsoft.com/office/drawing/2014/main" id="{D2AE26E9-55B1-4CAE-9B7E-8489BBFA727D}"/>
+              </a:ext>
+            </a:extLst>
+          </p:cNvPr>
+          <p:cNvPicPr>
+            <a:picLocks noChangeAspect="1" noChangeArrowheads="1"/>
+          </p:cNvPicPr>
+          <p:nvPr/>
+        </p:nvPicPr>
+        <p:blipFill>
+          <a:blip r:embed="rId2">
+            <a:extLst>
+              <a:ext uri="{28A0092B-C50C-407E-A947-70E740481C1C}">
+                <a14:useLocalDpi xmlns:a14="http://schemas.microsoft.com/office/drawing/2010/main" val="0"/>
+              </a:ext>
+            </a:extLst>
+          </a:blip>
+          <a:srcRect/>
+          <a:stretch>
+            <a:fillRect/>
+          </a:stretch>
+        </p:blipFill>
+        <p:spPr bwMode="auto">
+          <a:xfrm>
+            <a:off x="9980761" y="4772579"/>
+            <a:ext cx="1957830" cy="1957830"/>
+          </a:xfrm>
+          <a:prstGeom prst="rect">
+            <a:avLst/>
+          </a:prstGeom>
+          <a:noFill/>
+          <a:extLst>
+            <a:ext uri="{909E8E84-426E-40DD-AFC4-6F175D3DCCD1}">
+              <a14:hiddenFill xmlns:a14="http://schemas.microsoft.com/office/drawing/2010/main">
+                <a:solidFill>
+                  <a:srgbClr val="FFFFFF"/>
+                </a:solidFill>
+              </a14:hiddenFill>
+            </a:ext>
+          </a:extLst>
+        </p:spPr>
+      </p:pic>
+    </p:spTree>
+    <p:extLst>
+      <p:ext uri="{BB962C8B-B14F-4D97-AF65-F5344CB8AC3E}">
+        <p14:creationId xmlns:p14="http://schemas.microsoft.com/office/powerpoint/2010/main" val="2675516052"/>
       </p:ext>
     </p:extLst>
   </p:cSld>

--- a/Presentation/Основы алгоритмизации и программирования.pptx
+++ b/Presentation/Основы алгоритмизации и программирования.pptx
@@ -27,6 +27,15 @@
     <p:sldId id="275" r:id="rId21"/>
     <p:sldId id="276" r:id="rId22"/>
     <p:sldId id="277" r:id="rId23"/>
+    <p:sldId id="278" r:id="rId24"/>
+    <p:sldId id="279" r:id="rId25"/>
+    <p:sldId id="280" r:id="rId26"/>
+    <p:sldId id="281" r:id="rId27"/>
+    <p:sldId id="282" r:id="rId28"/>
+    <p:sldId id="283" r:id="rId29"/>
+    <p:sldId id="284" r:id="rId30"/>
+    <p:sldId id="285" r:id="rId31"/>
+    <p:sldId id="286" r:id="rId32"/>
   </p:sldIdLst>
   <p:sldSz cx="12192000" cy="6858000"/>
   <p:notesSz cx="6858000" cy="9144000"/>
@@ -6986,6 +6995,2322 @@
 </p:sld>
 </file>
 
+<file path=ppt/slides/slide23.xml><?xml version="1.0" encoding="utf-8"?>
+<p:sld xmlns:a="http://schemas.openxmlformats.org/drawingml/2006/main" xmlns:r="http://schemas.openxmlformats.org/officeDocument/2006/relationships" xmlns:p="http://schemas.openxmlformats.org/presentationml/2006/main">
+  <p:cSld>
+    <p:spTree>
+      <p:nvGrpSpPr>
+        <p:cNvPr id="1" name=""/>
+        <p:cNvGrpSpPr/>
+        <p:nvPr/>
+      </p:nvGrpSpPr>
+      <p:grpSpPr>
+        <a:xfrm>
+          <a:off x="0" y="0"/>
+          <a:ext cx="0" cy="0"/>
+          <a:chOff x="0" y="0"/>
+          <a:chExt cx="0" cy="0"/>
+        </a:xfrm>
+      </p:grpSpPr>
+      <p:sp>
+        <p:nvSpPr>
+          <p:cNvPr id="2" name="Заголовок 1">
+            <a:extLst>
+              <a:ext uri="{FF2B5EF4-FFF2-40B4-BE49-F238E27FC236}">
+                <a16:creationId xmlns:a16="http://schemas.microsoft.com/office/drawing/2014/main" id="{B976DABD-2307-4690-B5AE-85D0CF1B30AC}"/>
+              </a:ext>
+            </a:extLst>
+          </p:cNvPr>
+          <p:cNvSpPr>
+            <a:spLocks noGrp="1"/>
+          </p:cNvSpPr>
+          <p:nvPr>
+            <p:ph type="title"/>
+          </p:nvPr>
+        </p:nvSpPr>
+        <p:spPr/>
+        <p:txBody>
+          <a:bodyPr/>
+          <a:lstStyle/>
+          <a:p>
+            <a:r>
+              <a:rPr lang="ru-RU" dirty="0"/>
+              <a:t>Элементарные структуры данных</a:t>
+            </a:r>
+          </a:p>
+        </p:txBody>
+      </p:sp>
+      <p:sp>
+        <p:nvSpPr>
+          <p:cNvPr id="3" name="Текст 2">
+            <a:extLst>
+              <a:ext uri="{FF2B5EF4-FFF2-40B4-BE49-F238E27FC236}">
+                <a16:creationId xmlns:a16="http://schemas.microsoft.com/office/drawing/2014/main" id="{779835DD-B059-417E-BF98-B17C407EA79A}"/>
+              </a:ext>
+            </a:extLst>
+          </p:cNvPr>
+          <p:cNvSpPr>
+            <a:spLocks noGrp="1"/>
+          </p:cNvSpPr>
+          <p:nvPr>
+            <p:ph type="body" idx="1"/>
+          </p:nvPr>
+        </p:nvSpPr>
+        <p:spPr/>
+        <p:txBody>
+          <a:bodyPr/>
+          <a:lstStyle/>
+          <a:p>
+            <a:r>
+              <a:rPr lang="ru-RU" dirty="0"/>
+              <a:t>Модуль 3</a:t>
+            </a:r>
+          </a:p>
+        </p:txBody>
+      </p:sp>
+    </p:spTree>
+    <p:extLst>
+      <p:ext uri="{BB962C8B-B14F-4D97-AF65-F5344CB8AC3E}">
+        <p14:creationId xmlns:p14="http://schemas.microsoft.com/office/powerpoint/2010/main" val="422953661"/>
+      </p:ext>
+    </p:extLst>
+  </p:cSld>
+  <p:clrMapOvr>
+    <a:masterClrMapping/>
+  </p:clrMapOvr>
+</p:sld>
+</file>
+
+<file path=ppt/slides/slide24.xml><?xml version="1.0" encoding="utf-8"?>
+<p:sld xmlns:a="http://schemas.openxmlformats.org/drawingml/2006/main" xmlns:r="http://schemas.openxmlformats.org/officeDocument/2006/relationships" xmlns:p="http://schemas.openxmlformats.org/presentationml/2006/main">
+  <p:cSld>
+    <p:spTree>
+      <p:nvGrpSpPr>
+        <p:cNvPr id="1" name=""/>
+        <p:cNvGrpSpPr/>
+        <p:nvPr/>
+      </p:nvGrpSpPr>
+      <p:grpSpPr>
+        <a:xfrm>
+          <a:off x="0" y="0"/>
+          <a:ext cx="0" cy="0"/>
+          <a:chOff x="0" y="0"/>
+          <a:chExt cx="0" cy="0"/>
+        </a:xfrm>
+      </p:grpSpPr>
+      <p:sp>
+        <p:nvSpPr>
+          <p:cNvPr id="2" name="Заголовок 1">
+            <a:extLst>
+              <a:ext uri="{FF2B5EF4-FFF2-40B4-BE49-F238E27FC236}">
+                <a16:creationId xmlns:a16="http://schemas.microsoft.com/office/drawing/2014/main" id="{378210BB-1F95-4BDF-99A5-EFD47467F0B7}"/>
+              </a:ext>
+            </a:extLst>
+          </p:cNvPr>
+          <p:cNvSpPr>
+            <a:spLocks noGrp="1"/>
+          </p:cNvSpPr>
+          <p:nvPr>
+            <p:ph type="title"/>
+          </p:nvPr>
+        </p:nvSpPr>
+        <p:spPr/>
+        <p:txBody>
+          <a:bodyPr/>
+          <a:lstStyle/>
+          <a:p>
+            <a:r>
+              <a:rPr lang="ru-RU" dirty="0"/>
+              <a:t>Элементарные структуры данных</a:t>
+            </a:r>
+          </a:p>
+        </p:txBody>
+      </p:sp>
+      <p:sp>
+        <p:nvSpPr>
+          <p:cNvPr id="3" name="Объект 2">
+            <a:extLst>
+              <a:ext uri="{FF2B5EF4-FFF2-40B4-BE49-F238E27FC236}">
+                <a16:creationId xmlns:a16="http://schemas.microsoft.com/office/drawing/2014/main" id="{8F3CBD82-AB70-408B-A41A-8552F80E4604}"/>
+              </a:ext>
+            </a:extLst>
+          </p:cNvPr>
+          <p:cNvSpPr>
+            <a:spLocks noGrp="1"/>
+          </p:cNvSpPr>
+          <p:nvPr>
+            <p:ph idx="1"/>
+          </p:nvPr>
+        </p:nvSpPr>
+        <p:spPr/>
+        <p:txBody>
+          <a:bodyPr/>
+          <a:lstStyle/>
+          <a:p>
+            <a:r>
+              <a:rPr lang="ru-RU" dirty="0"/>
+              <a:t>Понятие типа данных</a:t>
+            </a:r>
+          </a:p>
+          <a:p>
+            <a:r>
+              <a:rPr lang="ru-RU" dirty="0"/>
+              <a:t>Численные типы данных</a:t>
+            </a:r>
+          </a:p>
+          <a:p>
+            <a:r>
+              <a:rPr lang="ru-RU" dirty="0"/>
+              <a:t>Строки</a:t>
+            </a:r>
+          </a:p>
+          <a:p>
+            <a:r>
+              <a:rPr lang="ru-RU" dirty="0"/>
+              <a:t>Списки</a:t>
+            </a:r>
+          </a:p>
+          <a:p>
+            <a:r>
+              <a:rPr lang="ru-RU" dirty="0"/>
+              <a:t>Кортежи</a:t>
+            </a:r>
+          </a:p>
+          <a:p>
+            <a:r>
+              <a:rPr lang="ru-RU" dirty="0"/>
+              <a:t>Словари</a:t>
+            </a:r>
+          </a:p>
+          <a:p>
+            <a:r>
+              <a:rPr lang="ru-RU" dirty="0"/>
+              <a:t>Множества</a:t>
+            </a:r>
+          </a:p>
+          <a:p>
+            <a:endParaRPr lang="ru-RU" dirty="0"/>
+          </a:p>
+        </p:txBody>
+      </p:sp>
+    </p:spTree>
+    <p:extLst>
+      <p:ext uri="{BB962C8B-B14F-4D97-AF65-F5344CB8AC3E}">
+        <p14:creationId xmlns:p14="http://schemas.microsoft.com/office/powerpoint/2010/main" val="3461124002"/>
+      </p:ext>
+    </p:extLst>
+  </p:cSld>
+  <p:clrMapOvr>
+    <a:masterClrMapping/>
+  </p:clrMapOvr>
+</p:sld>
+</file>
+
+<file path=ppt/slides/slide25.xml><?xml version="1.0" encoding="utf-8"?>
+<p:sld xmlns:a="http://schemas.openxmlformats.org/drawingml/2006/main" xmlns:r="http://schemas.openxmlformats.org/officeDocument/2006/relationships" xmlns:p="http://schemas.openxmlformats.org/presentationml/2006/main">
+  <p:cSld>
+    <p:spTree>
+      <p:nvGrpSpPr>
+        <p:cNvPr id="1" name=""/>
+        <p:cNvGrpSpPr/>
+        <p:nvPr/>
+      </p:nvGrpSpPr>
+      <p:grpSpPr>
+        <a:xfrm>
+          <a:off x="0" y="0"/>
+          <a:ext cx="0" cy="0"/>
+          <a:chOff x="0" y="0"/>
+          <a:chExt cx="0" cy="0"/>
+        </a:xfrm>
+      </p:grpSpPr>
+      <p:sp>
+        <p:nvSpPr>
+          <p:cNvPr id="2" name="Заголовок 1">
+            <a:extLst>
+              <a:ext uri="{FF2B5EF4-FFF2-40B4-BE49-F238E27FC236}">
+                <a16:creationId xmlns:a16="http://schemas.microsoft.com/office/drawing/2014/main" id="{A3BB5518-8E6B-4359-809F-964E40EA7926}"/>
+              </a:ext>
+            </a:extLst>
+          </p:cNvPr>
+          <p:cNvSpPr>
+            <a:spLocks noGrp="1"/>
+          </p:cNvSpPr>
+          <p:nvPr>
+            <p:ph type="title"/>
+          </p:nvPr>
+        </p:nvSpPr>
+        <p:spPr/>
+        <p:txBody>
+          <a:bodyPr/>
+          <a:lstStyle/>
+          <a:p>
+            <a:r>
+              <a:rPr lang="ru-RU" dirty="0"/>
+              <a:t>Определение типа данных</a:t>
+            </a:r>
+          </a:p>
+        </p:txBody>
+      </p:sp>
+      <p:sp>
+        <p:nvSpPr>
+          <p:cNvPr id="3" name="Объект 2">
+            <a:extLst>
+              <a:ext uri="{FF2B5EF4-FFF2-40B4-BE49-F238E27FC236}">
+                <a16:creationId xmlns:a16="http://schemas.microsoft.com/office/drawing/2014/main" id="{E2ACD591-D2C7-46CB-A8A1-46FA802912D5}"/>
+              </a:ext>
+            </a:extLst>
+          </p:cNvPr>
+          <p:cNvSpPr>
+            <a:spLocks noGrp="1"/>
+          </p:cNvSpPr>
+          <p:nvPr>
+            <p:ph idx="1"/>
+          </p:nvPr>
+        </p:nvSpPr>
+        <p:spPr/>
+        <p:txBody>
+          <a:bodyPr/>
+          <a:lstStyle/>
+          <a:p>
+            <a:r>
+              <a:rPr lang="ru-RU" dirty="0"/>
+              <a:t>Любые данные имеют тип, который определяется:</a:t>
+            </a:r>
+          </a:p>
+          <a:p>
+            <a:pPr lvl="1"/>
+            <a:r>
+              <a:rPr lang="ru-RU" dirty="0"/>
+              <a:t>Внутренним представлением в памяти компьютера</a:t>
+            </a:r>
+          </a:p>
+          <a:p>
+            <a:pPr lvl="1"/>
+            <a:r>
+              <a:rPr lang="ru-RU" dirty="0"/>
+              <a:t>Размером в памяти</a:t>
+            </a:r>
+          </a:p>
+          <a:p>
+            <a:pPr lvl="1"/>
+            <a:r>
+              <a:rPr lang="ru-RU" dirty="0"/>
+              <a:t>Набором операций, который позволяет с ними работать</a:t>
+            </a:r>
+          </a:p>
+          <a:p>
+            <a:pPr lvl="1"/>
+            <a:endParaRPr lang="ru-RU" dirty="0"/>
+          </a:p>
+        </p:txBody>
+      </p:sp>
+      <p:sp>
+        <p:nvSpPr>
+          <p:cNvPr id="4" name="Прямоугольник: скругленные углы 3">
+            <a:extLst>
+              <a:ext uri="{FF2B5EF4-FFF2-40B4-BE49-F238E27FC236}">
+                <a16:creationId xmlns:a16="http://schemas.microsoft.com/office/drawing/2014/main" id="{821070FB-BB40-484F-AB3E-36F1668B2DEA}"/>
+              </a:ext>
+            </a:extLst>
+          </p:cNvPr>
+          <p:cNvSpPr/>
+          <p:nvPr/>
+        </p:nvSpPr>
+        <p:spPr>
+          <a:xfrm>
+            <a:off x="754915" y="3894969"/>
+            <a:ext cx="3848984" cy="1254642"/>
+          </a:xfrm>
+          <a:prstGeom prst="roundRect">
+            <a:avLst/>
+          </a:prstGeom>
+        </p:spPr>
+        <p:style>
+          <a:lnRef idx="2">
+            <a:schemeClr val="accent1">
+              <a:shade val="50000"/>
+            </a:schemeClr>
+          </a:lnRef>
+          <a:fillRef idx="1">
+            <a:schemeClr val="accent1"/>
+          </a:fillRef>
+          <a:effectRef idx="0">
+            <a:schemeClr val="accent1"/>
+          </a:effectRef>
+          <a:fontRef idx="minor">
+            <a:schemeClr val="lt1"/>
+          </a:fontRef>
+        </p:style>
+        <p:txBody>
+          <a:bodyPr rtlCol="0" anchor="ctr"/>
+          <a:lstStyle/>
+          <a:p>
+            <a:pPr algn="ctr"/>
+            <a:r>
+              <a:rPr lang="ru-RU" sz="4800" dirty="0"/>
+              <a:t>10101…010</a:t>
+            </a:r>
+          </a:p>
+        </p:txBody>
+      </p:sp>
+      <p:cxnSp>
+        <p:nvCxnSpPr>
+          <p:cNvPr id="6" name="Прямая соединительная линия 5">
+            <a:extLst>
+              <a:ext uri="{FF2B5EF4-FFF2-40B4-BE49-F238E27FC236}">
+                <a16:creationId xmlns:a16="http://schemas.microsoft.com/office/drawing/2014/main" id="{C80EA391-871F-4689-BEEB-78741CF7F436}"/>
+              </a:ext>
+            </a:extLst>
+          </p:cNvPr>
+          <p:cNvCxnSpPr/>
+          <p:nvPr/>
+        </p:nvCxnSpPr>
+        <p:spPr>
+          <a:xfrm>
+            <a:off x="754914" y="5305647"/>
+            <a:ext cx="0" cy="637953"/>
+          </a:xfrm>
+          <a:prstGeom prst="line">
+            <a:avLst/>
+          </a:prstGeom>
+        </p:spPr>
+        <p:style>
+          <a:lnRef idx="1">
+            <a:schemeClr val="accent1"/>
+          </a:lnRef>
+          <a:fillRef idx="0">
+            <a:schemeClr val="accent1"/>
+          </a:fillRef>
+          <a:effectRef idx="0">
+            <a:schemeClr val="accent1"/>
+          </a:effectRef>
+          <a:fontRef idx="minor">
+            <a:schemeClr val="tx1"/>
+          </a:fontRef>
+        </p:style>
+      </p:cxnSp>
+      <p:cxnSp>
+        <p:nvCxnSpPr>
+          <p:cNvPr id="7" name="Прямая соединительная линия 6">
+            <a:extLst>
+              <a:ext uri="{FF2B5EF4-FFF2-40B4-BE49-F238E27FC236}">
+                <a16:creationId xmlns:a16="http://schemas.microsoft.com/office/drawing/2014/main" id="{19759136-8B9A-4D40-9B0F-089EF3627819}"/>
+              </a:ext>
+            </a:extLst>
+          </p:cNvPr>
+          <p:cNvCxnSpPr/>
+          <p:nvPr/>
+        </p:nvCxnSpPr>
+        <p:spPr>
+          <a:xfrm>
+            <a:off x="4550739" y="5305647"/>
+            <a:ext cx="0" cy="637953"/>
+          </a:xfrm>
+          <a:prstGeom prst="line">
+            <a:avLst/>
+          </a:prstGeom>
+        </p:spPr>
+        <p:style>
+          <a:lnRef idx="1">
+            <a:schemeClr val="accent1"/>
+          </a:lnRef>
+          <a:fillRef idx="0">
+            <a:schemeClr val="accent1"/>
+          </a:fillRef>
+          <a:effectRef idx="0">
+            <a:schemeClr val="accent1"/>
+          </a:effectRef>
+          <a:fontRef idx="minor">
+            <a:schemeClr val="tx1"/>
+          </a:fontRef>
+        </p:style>
+      </p:cxnSp>
+      <p:sp>
+        <p:nvSpPr>
+          <p:cNvPr id="8" name="Прямоугольник: скругленные углы 7">
+            <a:extLst>
+              <a:ext uri="{FF2B5EF4-FFF2-40B4-BE49-F238E27FC236}">
+                <a16:creationId xmlns:a16="http://schemas.microsoft.com/office/drawing/2014/main" id="{08F8692E-C010-4A53-945B-A83F3DD3FDBE}"/>
+              </a:ext>
+            </a:extLst>
+          </p:cNvPr>
+          <p:cNvSpPr/>
+          <p:nvPr/>
+        </p:nvSpPr>
+        <p:spPr>
+          <a:xfrm>
+            <a:off x="7697975" y="3894969"/>
+            <a:ext cx="3848984" cy="1254642"/>
+          </a:xfrm>
+          <a:prstGeom prst="roundRect">
+            <a:avLst/>
+          </a:prstGeom>
+        </p:spPr>
+        <p:style>
+          <a:lnRef idx="2">
+            <a:schemeClr val="accent1">
+              <a:shade val="50000"/>
+            </a:schemeClr>
+          </a:lnRef>
+          <a:fillRef idx="1">
+            <a:schemeClr val="accent1"/>
+          </a:fillRef>
+          <a:effectRef idx="0">
+            <a:schemeClr val="accent1"/>
+          </a:effectRef>
+          <a:fontRef idx="minor">
+            <a:schemeClr val="lt1"/>
+          </a:fontRef>
+        </p:style>
+        <p:txBody>
+          <a:bodyPr rtlCol="0" anchor="ctr"/>
+          <a:lstStyle/>
+          <a:p>
+            <a:pPr algn="ctr"/>
+            <a:r>
+              <a:rPr lang="ru-RU" sz="4800" dirty="0"/>
+              <a:t>10101…010</a:t>
+            </a:r>
+          </a:p>
+        </p:txBody>
+      </p:sp>
+      <p:cxnSp>
+        <p:nvCxnSpPr>
+          <p:cNvPr id="9" name="Прямая соединительная линия 8">
+            <a:extLst>
+              <a:ext uri="{FF2B5EF4-FFF2-40B4-BE49-F238E27FC236}">
+                <a16:creationId xmlns:a16="http://schemas.microsoft.com/office/drawing/2014/main" id="{C56D4153-0CEE-4076-8627-F98D24E801FB}"/>
+              </a:ext>
+            </a:extLst>
+          </p:cNvPr>
+          <p:cNvCxnSpPr/>
+          <p:nvPr/>
+        </p:nvCxnSpPr>
+        <p:spPr>
+          <a:xfrm>
+            <a:off x="7708609" y="5422604"/>
+            <a:ext cx="0" cy="637953"/>
+          </a:xfrm>
+          <a:prstGeom prst="line">
+            <a:avLst/>
+          </a:prstGeom>
+        </p:spPr>
+        <p:style>
+          <a:lnRef idx="1">
+            <a:schemeClr val="accent1"/>
+          </a:lnRef>
+          <a:fillRef idx="0">
+            <a:schemeClr val="accent1"/>
+          </a:fillRef>
+          <a:effectRef idx="0">
+            <a:schemeClr val="accent1"/>
+          </a:effectRef>
+          <a:fontRef idx="minor">
+            <a:schemeClr val="tx1"/>
+          </a:fontRef>
+        </p:style>
+      </p:cxnSp>
+      <p:cxnSp>
+        <p:nvCxnSpPr>
+          <p:cNvPr id="10" name="Прямая соединительная линия 9">
+            <a:extLst>
+              <a:ext uri="{FF2B5EF4-FFF2-40B4-BE49-F238E27FC236}">
+                <a16:creationId xmlns:a16="http://schemas.microsoft.com/office/drawing/2014/main" id="{B0B3E4AD-2FD4-46A5-AE36-09D3FD904BE5}"/>
+              </a:ext>
+            </a:extLst>
+          </p:cNvPr>
+          <p:cNvCxnSpPr/>
+          <p:nvPr/>
+        </p:nvCxnSpPr>
+        <p:spPr>
+          <a:xfrm>
+            <a:off x="11504434" y="5422604"/>
+            <a:ext cx="0" cy="637953"/>
+          </a:xfrm>
+          <a:prstGeom prst="line">
+            <a:avLst/>
+          </a:prstGeom>
+        </p:spPr>
+        <p:style>
+          <a:lnRef idx="1">
+            <a:schemeClr val="accent1"/>
+          </a:lnRef>
+          <a:fillRef idx="0">
+            <a:schemeClr val="accent1"/>
+          </a:fillRef>
+          <a:effectRef idx="0">
+            <a:schemeClr val="accent1"/>
+          </a:effectRef>
+          <a:fontRef idx="minor">
+            <a:schemeClr val="tx1"/>
+          </a:fontRef>
+        </p:style>
+      </p:cxnSp>
+      <p:sp>
+        <p:nvSpPr>
+          <p:cNvPr id="11" name="Блок-схема: узел суммирования 10">
+            <a:extLst>
+              <a:ext uri="{FF2B5EF4-FFF2-40B4-BE49-F238E27FC236}">
+                <a16:creationId xmlns:a16="http://schemas.microsoft.com/office/drawing/2014/main" id="{84FDB88D-C740-404F-B193-46C960B0EFFE}"/>
+              </a:ext>
+            </a:extLst>
+          </p:cNvPr>
+          <p:cNvSpPr/>
+          <p:nvPr/>
+        </p:nvSpPr>
+        <p:spPr>
+          <a:xfrm>
+            <a:off x="5517412" y="3894969"/>
+            <a:ext cx="1275907" cy="1254642"/>
+          </a:xfrm>
+          <a:prstGeom prst="flowChartSummingJunction">
+            <a:avLst/>
+          </a:prstGeom>
+        </p:spPr>
+        <p:style>
+          <a:lnRef idx="2">
+            <a:schemeClr val="accent1">
+              <a:shade val="50000"/>
+            </a:schemeClr>
+          </a:lnRef>
+          <a:fillRef idx="1">
+            <a:schemeClr val="accent1"/>
+          </a:fillRef>
+          <a:effectRef idx="0">
+            <a:schemeClr val="accent1"/>
+          </a:effectRef>
+          <a:fontRef idx="minor">
+            <a:schemeClr val="lt1"/>
+          </a:fontRef>
+        </p:style>
+        <p:txBody>
+          <a:bodyPr rtlCol="0" anchor="ctr"/>
+          <a:lstStyle/>
+          <a:p>
+            <a:pPr algn="ctr"/>
+            <a:endParaRPr lang="ru-RU"/>
+          </a:p>
+        </p:txBody>
+      </p:sp>
+      <p:cxnSp>
+        <p:nvCxnSpPr>
+          <p:cNvPr id="13" name="Прямая со стрелкой 12">
+            <a:extLst>
+              <a:ext uri="{FF2B5EF4-FFF2-40B4-BE49-F238E27FC236}">
+                <a16:creationId xmlns:a16="http://schemas.microsoft.com/office/drawing/2014/main" id="{A5C436C2-B909-4537-8BBA-B24BFCF8CD10}"/>
+              </a:ext>
+            </a:extLst>
+          </p:cNvPr>
+          <p:cNvCxnSpPr/>
+          <p:nvPr/>
+        </p:nvCxnSpPr>
+        <p:spPr>
+          <a:xfrm>
+            <a:off x="754914" y="5624623"/>
+            <a:ext cx="3795825" cy="0"/>
+          </a:xfrm>
+          <a:prstGeom prst="straightConnector1">
+            <a:avLst/>
+          </a:prstGeom>
+          <a:ln>
+            <a:headEnd type="triangle"/>
+            <a:tailEnd type="triangle"/>
+          </a:ln>
+        </p:spPr>
+        <p:style>
+          <a:lnRef idx="1">
+            <a:schemeClr val="accent1"/>
+          </a:lnRef>
+          <a:fillRef idx="0">
+            <a:schemeClr val="accent1"/>
+          </a:fillRef>
+          <a:effectRef idx="0">
+            <a:schemeClr val="accent1"/>
+          </a:effectRef>
+          <a:fontRef idx="minor">
+            <a:schemeClr val="tx1"/>
+          </a:fontRef>
+        </p:style>
+      </p:cxnSp>
+      <p:cxnSp>
+        <p:nvCxnSpPr>
+          <p:cNvPr id="14" name="Прямая со стрелкой 13">
+            <a:extLst>
+              <a:ext uri="{FF2B5EF4-FFF2-40B4-BE49-F238E27FC236}">
+                <a16:creationId xmlns:a16="http://schemas.microsoft.com/office/drawing/2014/main" id="{5C04780A-294D-4450-9561-358C17004062}"/>
+              </a:ext>
+            </a:extLst>
+          </p:cNvPr>
+          <p:cNvCxnSpPr/>
+          <p:nvPr/>
+        </p:nvCxnSpPr>
+        <p:spPr>
+          <a:xfrm>
+            <a:off x="7724554" y="5709681"/>
+            <a:ext cx="3795825" cy="0"/>
+          </a:xfrm>
+          <a:prstGeom prst="straightConnector1">
+            <a:avLst/>
+          </a:prstGeom>
+          <a:ln>
+            <a:headEnd type="triangle"/>
+            <a:tailEnd type="triangle"/>
+          </a:ln>
+        </p:spPr>
+        <p:style>
+          <a:lnRef idx="1">
+            <a:schemeClr val="accent1"/>
+          </a:lnRef>
+          <a:fillRef idx="0">
+            <a:schemeClr val="accent1"/>
+          </a:fillRef>
+          <a:effectRef idx="0">
+            <a:schemeClr val="accent1"/>
+          </a:effectRef>
+          <a:fontRef idx="minor">
+            <a:schemeClr val="tx1"/>
+          </a:fontRef>
+        </p:style>
+      </p:cxnSp>
+      <p:sp>
+        <p:nvSpPr>
+          <p:cNvPr id="15" name="TextBox 14">
+            <a:extLst>
+              <a:ext uri="{FF2B5EF4-FFF2-40B4-BE49-F238E27FC236}">
+                <a16:creationId xmlns:a16="http://schemas.microsoft.com/office/drawing/2014/main" id="{7047B975-341F-43EB-B915-7A98CB7EC8C9}"/>
+              </a:ext>
+            </a:extLst>
+          </p:cNvPr>
+          <p:cNvSpPr txBox="1"/>
+          <p:nvPr/>
+        </p:nvSpPr>
+        <p:spPr>
+          <a:xfrm>
+            <a:off x="1616149" y="5779849"/>
+            <a:ext cx="1616405" cy="369332"/>
+          </a:xfrm>
+          <a:prstGeom prst="rect">
+            <a:avLst/>
+          </a:prstGeom>
+          <a:noFill/>
+        </p:spPr>
+        <p:txBody>
+          <a:bodyPr wrap="none" rtlCol="0">
+            <a:spAutoFit/>
+          </a:bodyPr>
+          <a:lstStyle/>
+          <a:p>
+            <a:r>
+              <a:rPr lang="ru-RU" dirty="0"/>
+              <a:t>Объем памяти</a:t>
+            </a:r>
+          </a:p>
+        </p:txBody>
+      </p:sp>
+      <p:sp>
+        <p:nvSpPr>
+          <p:cNvPr id="16" name="TextBox 15">
+            <a:extLst>
+              <a:ext uri="{FF2B5EF4-FFF2-40B4-BE49-F238E27FC236}">
+                <a16:creationId xmlns:a16="http://schemas.microsoft.com/office/drawing/2014/main" id="{05FC5619-71CA-46D6-BCD7-7107D7EE71D9}"/>
+              </a:ext>
+            </a:extLst>
+          </p:cNvPr>
+          <p:cNvSpPr txBox="1"/>
+          <p:nvPr/>
+        </p:nvSpPr>
+        <p:spPr>
+          <a:xfrm>
+            <a:off x="8814263" y="5779849"/>
+            <a:ext cx="1616405" cy="369332"/>
+          </a:xfrm>
+          <a:prstGeom prst="rect">
+            <a:avLst/>
+          </a:prstGeom>
+          <a:noFill/>
+        </p:spPr>
+        <p:txBody>
+          <a:bodyPr wrap="none" rtlCol="0">
+            <a:spAutoFit/>
+          </a:bodyPr>
+          <a:lstStyle/>
+          <a:p>
+            <a:r>
+              <a:rPr lang="ru-RU" dirty="0"/>
+              <a:t>Объем памяти</a:t>
+            </a:r>
+          </a:p>
+        </p:txBody>
+      </p:sp>
+      <p:sp>
+        <p:nvSpPr>
+          <p:cNvPr id="17" name="TextBox 16">
+            <a:extLst>
+              <a:ext uri="{FF2B5EF4-FFF2-40B4-BE49-F238E27FC236}">
+                <a16:creationId xmlns:a16="http://schemas.microsoft.com/office/drawing/2014/main" id="{EADAD7B7-C72E-4CC9-986A-0D54664A6EA5}"/>
+              </a:ext>
+            </a:extLst>
+          </p:cNvPr>
+          <p:cNvSpPr txBox="1"/>
+          <p:nvPr/>
+        </p:nvSpPr>
+        <p:spPr>
+          <a:xfrm>
+            <a:off x="5656393" y="5779849"/>
+            <a:ext cx="1164101" cy="369332"/>
+          </a:xfrm>
+          <a:prstGeom prst="rect">
+            <a:avLst/>
+          </a:prstGeom>
+          <a:noFill/>
+        </p:spPr>
+        <p:txBody>
+          <a:bodyPr wrap="none" rtlCol="0">
+            <a:spAutoFit/>
+          </a:bodyPr>
+          <a:lstStyle/>
+          <a:p>
+            <a:r>
+              <a:rPr lang="ru-RU" dirty="0"/>
+              <a:t>Операция</a:t>
+            </a:r>
+          </a:p>
+        </p:txBody>
+      </p:sp>
+    </p:spTree>
+    <p:extLst>
+      <p:ext uri="{BB962C8B-B14F-4D97-AF65-F5344CB8AC3E}">
+        <p14:creationId xmlns:p14="http://schemas.microsoft.com/office/powerpoint/2010/main" val="2275542484"/>
+      </p:ext>
+    </p:extLst>
+  </p:cSld>
+  <p:clrMapOvr>
+    <a:masterClrMapping/>
+  </p:clrMapOvr>
+</p:sld>
+</file>
+
+<file path=ppt/slides/slide26.xml><?xml version="1.0" encoding="utf-8"?>
+<p:sld xmlns:a="http://schemas.openxmlformats.org/drawingml/2006/main" xmlns:r="http://schemas.openxmlformats.org/officeDocument/2006/relationships" xmlns:p="http://schemas.openxmlformats.org/presentationml/2006/main">
+  <p:cSld>
+    <p:spTree>
+      <p:nvGrpSpPr>
+        <p:cNvPr id="1" name=""/>
+        <p:cNvGrpSpPr/>
+        <p:nvPr/>
+      </p:nvGrpSpPr>
+      <p:grpSpPr>
+        <a:xfrm>
+          <a:off x="0" y="0"/>
+          <a:ext cx="0" cy="0"/>
+          <a:chOff x="0" y="0"/>
+          <a:chExt cx="0" cy="0"/>
+        </a:xfrm>
+      </p:grpSpPr>
+      <p:sp>
+        <p:nvSpPr>
+          <p:cNvPr id="4" name="Заголовок 3">
+            <a:extLst>
+              <a:ext uri="{FF2B5EF4-FFF2-40B4-BE49-F238E27FC236}">
+                <a16:creationId xmlns:a16="http://schemas.microsoft.com/office/drawing/2014/main" id="{E80FF252-4EF8-45B5-B5DD-CCC7EA14ECB2}"/>
+              </a:ext>
+            </a:extLst>
+          </p:cNvPr>
+          <p:cNvSpPr>
+            <a:spLocks noGrp="1"/>
+          </p:cNvSpPr>
+          <p:nvPr>
+            <p:ph type="title"/>
+          </p:nvPr>
+        </p:nvSpPr>
+        <p:spPr/>
+        <p:txBody>
+          <a:bodyPr/>
+          <a:lstStyle/>
+          <a:p>
+            <a:r>
+              <a:rPr lang="ru-RU" dirty="0"/>
+              <a:t>Переменные</a:t>
+            </a:r>
+          </a:p>
+        </p:txBody>
+      </p:sp>
+      <p:sp>
+        <p:nvSpPr>
+          <p:cNvPr id="5" name="Объект 4">
+            <a:extLst>
+              <a:ext uri="{FF2B5EF4-FFF2-40B4-BE49-F238E27FC236}">
+                <a16:creationId xmlns:a16="http://schemas.microsoft.com/office/drawing/2014/main" id="{055A6DE1-66FA-495E-AE34-0414FAC72106}"/>
+              </a:ext>
+            </a:extLst>
+          </p:cNvPr>
+          <p:cNvSpPr>
+            <a:spLocks noGrp="1"/>
+          </p:cNvSpPr>
+          <p:nvPr>
+            <p:ph idx="1"/>
+          </p:nvPr>
+        </p:nvSpPr>
+        <p:spPr>
+          <a:xfrm>
+            <a:off x="838200" y="1421587"/>
+            <a:ext cx="10515600" cy="4351338"/>
+          </a:xfrm>
+        </p:spPr>
+        <p:txBody>
+          <a:bodyPr/>
+          <a:lstStyle/>
+          <a:p>
+            <a:r>
+              <a:rPr lang="ru-RU" dirty="0"/>
+              <a:t>Доступ к данным осуществляется с помощью переменных</a:t>
+            </a:r>
+          </a:p>
+          <a:p>
+            <a:r>
+              <a:rPr lang="ru-RU" dirty="0"/>
+              <a:t>Каждая переменная имеет имя</a:t>
+            </a:r>
+          </a:p>
+          <a:p>
+            <a:r>
+              <a:rPr lang="ru-RU" dirty="0"/>
+              <a:t>Имя переменной:</a:t>
+            </a:r>
+          </a:p>
+          <a:p>
+            <a:pPr lvl="1"/>
+            <a:r>
+              <a:rPr lang="ru-RU" dirty="0" err="1"/>
+              <a:t>РЕГистроЗАвисимо</a:t>
+            </a:r>
+            <a:endParaRPr lang="ru-RU" dirty="0"/>
+          </a:p>
+          <a:p>
+            <a:pPr lvl="1"/>
+            <a:r>
+              <a:rPr lang="ru-RU" dirty="0"/>
+              <a:t>Не может начинаться с цифры</a:t>
+            </a:r>
+          </a:p>
+          <a:p>
+            <a:pPr lvl="1"/>
+            <a:r>
+              <a:rPr lang="ru-RU" dirty="0"/>
+              <a:t>Может начинаться с символа _</a:t>
+            </a:r>
+          </a:p>
+          <a:p>
+            <a:r>
+              <a:rPr lang="ru-RU" dirty="0"/>
+              <a:t>В </a:t>
+            </a:r>
+            <a:r>
+              <a:rPr lang="en-US" dirty="0"/>
+              <a:t>Python </a:t>
+            </a:r>
+            <a:r>
+              <a:rPr lang="ru-RU" dirty="0"/>
+              <a:t>переменные не требуют предварительного описания, а создаются автоматически</a:t>
+            </a:r>
+          </a:p>
+        </p:txBody>
+      </p:sp>
+      <p:sp>
+        <p:nvSpPr>
+          <p:cNvPr id="6" name="Прямоугольник: скругленные углы 5">
+            <a:extLst>
+              <a:ext uri="{FF2B5EF4-FFF2-40B4-BE49-F238E27FC236}">
+                <a16:creationId xmlns:a16="http://schemas.microsoft.com/office/drawing/2014/main" id="{71F1CA84-1C28-4C7E-880B-1905E0058466}"/>
+              </a:ext>
+            </a:extLst>
+          </p:cNvPr>
+          <p:cNvSpPr/>
+          <p:nvPr/>
+        </p:nvSpPr>
+        <p:spPr>
+          <a:xfrm>
+            <a:off x="2785730" y="5284381"/>
+            <a:ext cx="6868633" cy="1052624"/>
+          </a:xfrm>
+          <a:prstGeom prst="roundRect">
+            <a:avLst/>
+          </a:prstGeom>
+        </p:spPr>
+        <p:style>
+          <a:lnRef idx="2">
+            <a:schemeClr val="accent1">
+              <a:shade val="50000"/>
+            </a:schemeClr>
+          </a:lnRef>
+          <a:fillRef idx="1">
+            <a:schemeClr val="accent1"/>
+          </a:fillRef>
+          <a:effectRef idx="0">
+            <a:schemeClr val="accent1"/>
+          </a:effectRef>
+          <a:fontRef idx="minor">
+            <a:schemeClr val="lt1"/>
+          </a:fontRef>
+        </p:style>
+        <p:txBody>
+          <a:bodyPr rtlCol="0" anchor="ctr"/>
+          <a:lstStyle/>
+          <a:p>
+            <a:pPr algn="ctr"/>
+            <a:r>
+              <a:rPr lang="ru-RU" sz="3600" dirty="0"/>
+              <a:t>= </a:t>
+            </a:r>
+          </a:p>
+        </p:txBody>
+      </p:sp>
+      <p:sp>
+        <p:nvSpPr>
+          <p:cNvPr id="7" name="Прямоугольник: скругленные углы 6">
+            <a:extLst>
+              <a:ext uri="{FF2B5EF4-FFF2-40B4-BE49-F238E27FC236}">
+                <a16:creationId xmlns:a16="http://schemas.microsoft.com/office/drawing/2014/main" id="{0EE51525-D3A2-4177-88E4-42FF71F50768}"/>
+              </a:ext>
+            </a:extLst>
+          </p:cNvPr>
+          <p:cNvSpPr/>
+          <p:nvPr/>
+        </p:nvSpPr>
+        <p:spPr>
+          <a:xfrm>
+            <a:off x="3349256" y="5518298"/>
+            <a:ext cx="2615609" cy="627321"/>
+          </a:xfrm>
+          <a:prstGeom prst="roundRect">
+            <a:avLst/>
+          </a:prstGeom>
+        </p:spPr>
+        <p:style>
+          <a:lnRef idx="0">
+            <a:schemeClr val="accent6"/>
+          </a:lnRef>
+          <a:fillRef idx="3">
+            <a:schemeClr val="accent6"/>
+          </a:fillRef>
+          <a:effectRef idx="3">
+            <a:schemeClr val="accent6"/>
+          </a:effectRef>
+          <a:fontRef idx="minor">
+            <a:schemeClr val="lt1"/>
+          </a:fontRef>
+        </p:style>
+        <p:txBody>
+          <a:bodyPr rtlCol="0" anchor="ctr"/>
+          <a:lstStyle/>
+          <a:p>
+            <a:pPr algn="ctr"/>
+            <a:r>
+              <a:rPr lang="ru-RU" dirty="0"/>
+              <a:t>ПЕРЕМЕННАЯ</a:t>
+            </a:r>
+          </a:p>
+        </p:txBody>
+      </p:sp>
+      <p:sp>
+        <p:nvSpPr>
+          <p:cNvPr id="8" name="Прямоугольник: скругленные углы 7">
+            <a:extLst>
+              <a:ext uri="{FF2B5EF4-FFF2-40B4-BE49-F238E27FC236}">
+                <a16:creationId xmlns:a16="http://schemas.microsoft.com/office/drawing/2014/main" id="{EDBA96E3-28A6-4E7B-8F5C-6287C59D5CC9}"/>
+              </a:ext>
+            </a:extLst>
+          </p:cNvPr>
+          <p:cNvSpPr/>
+          <p:nvPr/>
+        </p:nvSpPr>
+        <p:spPr>
+          <a:xfrm>
+            <a:off x="6528391" y="5518298"/>
+            <a:ext cx="2877879" cy="627321"/>
+          </a:xfrm>
+          <a:prstGeom prst="roundRect">
+            <a:avLst/>
+          </a:prstGeom>
+        </p:spPr>
+        <p:style>
+          <a:lnRef idx="0">
+            <a:schemeClr val="dk1"/>
+          </a:lnRef>
+          <a:fillRef idx="3">
+            <a:schemeClr val="dk1"/>
+          </a:fillRef>
+          <a:effectRef idx="3">
+            <a:schemeClr val="dk1"/>
+          </a:effectRef>
+          <a:fontRef idx="minor">
+            <a:schemeClr val="lt1"/>
+          </a:fontRef>
+        </p:style>
+        <p:txBody>
+          <a:bodyPr rtlCol="0" anchor="ctr"/>
+          <a:lstStyle/>
+          <a:p>
+            <a:pPr algn="ctr"/>
+            <a:r>
+              <a:rPr lang="ru-RU" dirty="0"/>
+              <a:t>ВЫРАЖЕНИЕ</a:t>
+            </a:r>
+          </a:p>
+        </p:txBody>
+      </p:sp>
+    </p:spTree>
+    <p:extLst>
+      <p:ext uri="{BB962C8B-B14F-4D97-AF65-F5344CB8AC3E}">
+        <p14:creationId xmlns:p14="http://schemas.microsoft.com/office/powerpoint/2010/main" val="778975904"/>
+      </p:ext>
+    </p:extLst>
+  </p:cSld>
+  <p:clrMapOvr>
+    <a:masterClrMapping/>
+  </p:clrMapOvr>
+</p:sld>
+</file>
+
+<file path=ppt/slides/slide27.xml><?xml version="1.0" encoding="utf-8"?>
+<p:sld xmlns:a="http://schemas.openxmlformats.org/drawingml/2006/main" xmlns:r="http://schemas.openxmlformats.org/officeDocument/2006/relationships" xmlns:p="http://schemas.openxmlformats.org/presentationml/2006/main">
+  <p:cSld>
+    <p:spTree>
+      <p:nvGrpSpPr>
+        <p:cNvPr id="1" name=""/>
+        <p:cNvGrpSpPr/>
+        <p:nvPr/>
+      </p:nvGrpSpPr>
+      <p:grpSpPr>
+        <a:xfrm>
+          <a:off x="0" y="0"/>
+          <a:ext cx="0" cy="0"/>
+          <a:chOff x="0" y="0"/>
+          <a:chExt cx="0" cy="0"/>
+        </a:xfrm>
+      </p:grpSpPr>
+      <p:sp>
+        <p:nvSpPr>
+          <p:cNvPr id="2" name="Заголовок 1">
+            <a:extLst>
+              <a:ext uri="{FF2B5EF4-FFF2-40B4-BE49-F238E27FC236}">
+                <a16:creationId xmlns:a16="http://schemas.microsoft.com/office/drawing/2014/main" id="{358F5837-3EF8-4AE1-9710-9EB29D8A8155}"/>
+              </a:ext>
+            </a:extLst>
+          </p:cNvPr>
+          <p:cNvSpPr>
+            <a:spLocks noGrp="1"/>
+          </p:cNvSpPr>
+          <p:nvPr>
+            <p:ph type="title"/>
+          </p:nvPr>
+        </p:nvSpPr>
+        <p:spPr/>
+        <p:txBody>
+          <a:bodyPr/>
+          <a:lstStyle/>
+          <a:p>
+            <a:r>
+              <a:rPr lang="ru-RU" dirty="0"/>
+              <a:t>Переменные</a:t>
+            </a:r>
+          </a:p>
+        </p:txBody>
+      </p:sp>
+      <p:sp>
+        <p:nvSpPr>
+          <p:cNvPr id="3" name="Объект 2">
+            <a:extLst>
+              <a:ext uri="{FF2B5EF4-FFF2-40B4-BE49-F238E27FC236}">
+                <a16:creationId xmlns:a16="http://schemas.microsoft.com/office/drawing/2014/main" id="{1CEB208A-8914-48CD-89FE-E4718B4D0E41}"/>
+              </a:ext>
+            </a:extLst>
+          </p:cNvPr>
+          <p:cNvSpPr>
+            <a:spLocks noGrp="1"/>
+          </p:cNvSpPr>
+          <p:nvPr>
+            <p:ph idx="1"/>
+          </p:nvPr>
+        </p:nvSpPr>
+        <p:spPr>
+          <a:xfrm>
+            <a:off x="838200" y="1591708"/>
+            <a:ext cx="10515600" cy="4351338"/>
+          </a:xfrm>
+        </p:spPr>
+        <p:txBody>
+          <a:bodyPr/>
+          <a:lstStyle/>
+          <a:p>
+            <a:r>
+              <a:rPr lang="ru-RU" dirty="0"/>
+              <a:t>Тип переменной определяется типом выражения, значение которого ей присваивается</a:t>
+            </a:r>
+          </a:p>
+          <a:p>
+            <a:r>
+              <a:rPr lang="ru-RU" dirty="0"/>
+              <a:t>Рекомендации:</a:t>
+            </a:r>
+          </a:p>
+          <a:p>
+            <a:pPr lvl="1"/>
+            <a:r>
+              <a:rPr lang="ru-RU" dirty="0"/>
+              <a:t>Выбирайте читабельное имя переменной</a:t>
+            </a:r>
+          </a:p>
+          <a:p>
+            <a:pPr lvl="1"/>
+            <a:r>
+              <a:rPr lang="ru-RU" dirty="0"/>
+              <a:t>Для накопительных вычислений используйте однобуквенные имена</a:t>
+            </a:r>
+          </a:p>
+          <a:p>
+            <a:pPr lvl="1"/>
+            <a:r>
+              <a:rPr lang="ru-RU" dirty="0"/>
+              <a:t>Используйте каждую переменную с какой-то одной целью</a:t>
+            </a:r>
+          </a:p>
+          <a:p>
+            <a:pPr lvl="1"/>
+            <a:endParaRPr lang="ru-RU" dirty="0"/>
+          </a:p>
+        </p:txBody>
+      </p:sp>
+      <p:sp>
+        <p:nvSpPr>
+          <p:cNvPr id="5" name="TextBox 4">
+            <a:extLst>
+              <a:ext uri="{FF2B5EF4-FFF2-40B4-BE49-F238E27FC236}">
+                <a16:creationId xmlns:a16="http://schemas.microsoft.com/office/drawing/2014/main" id="{BA0033DA-BDBB-44EC-AA3D-235AEBC572F8}"/>
+              </a:ext>
+            </a:extLst>
+          </p:cNvPr>
+          <p:cNvSpPr txBox="1"/>
+          <p:nvPr/>
+        </p:nvSpPr>
+        <p:spPr>
+          <a:xfrm>
+            <a:off x="2506625" y="4571748"/>
+            <a:ext cx="6097772" cy="2031325"/>
+          </a:xfrm>
+          <a:prstGeom prst="rect">
+            <a:avLst/>
+          </a:prstGeom>
+          <a:noFill/>
+        </p:spPr>
+        <p:txBody>
+          <a:bodyPr wrap="square">
+            <a:spAutoFit/>
+          </a:bodyPr>
+          <a:lstStyle/>
+          <a:p>
+            <a:r>
+              <a:rPr lang="en-US" b="0" dirty="0">
+                <a:solidFill>
+                  <a:srgbClr val="D4D4D4"/>
+                </a:solidFill>
+                <a:effectLst/>
+                <a:latin typeface="Consolas" panose="020B0609020204030204" pitchFamily="49" charset="0"/>
+              </a:rPr>
+              <a:t>number = </a:t>
+            </a:r>
+            <a:r>
+              <a:rPr lang="en-US" b="0" dirty="0">
+                <a:solidFill>
+                  <a:srgbClr val="B5CEA8"/>
+                </a:solidFill>
+                <a:effectLst/>
+                <a:latin typeface="Consolas" panose="020B0609020204030204" pitchFamily="49" charset="0"/>
+              </a:rPr>
+              <a:t>0</a:t>
+            </a:r>
+            <a:endParaRPr lang="en-US" b="0" dirty="0">
+              <a:solidFill>
+                <a:srgbClr val="D4D4D4"/>
+              </a:solidFill>
+              <a:effectLst/>
+              <a:latin typeface="Consolas" panose="020B0609020204030204" pitchFamily="49" charset="0"/>
+            </a:endParaRPr>
+          </a:p>
+          <a:p>
+            <a:r>
+              <a:rPr lang="en-US" b="0" dirty="0" err="1">
+                <a:solidFill>
+                  <a:srgbClr val="D4D4D4"/>
+                </a:solidFill>
+                <a:effectLst/>
+                <a:latin typeface="Consolas" panose="020B0609020204030204" pitchFamily="49" charset="0"/>
+              </a:rPr>
+              <a:t>roll_width</a:t>
+            </a:r>
+            <a:r>
+              <a:rPr lang="en-US" b="0" dirty="0">
+                <a:solidFill>
+                  <a:srgbClr val="D4D4D4"/>
+                </a:solidFill>
+                <a:effectLst/>
+                <a:latin typeface="Consolas" panose="020B0609020204030204" pitchFamily="49" charset="0"/>
+              </a:rPr>
+              <a:t> = </a:t>
+            </a:r>
+            <a:r>
+              <a:rPr lang="en-US" b="0" dirty="0">
+                <a:solidFill>
+                  <a:srgbClr val="B5CEA8"/>
+                </a:solidFill>
+                <a:effectLst/>
+                <a:latin typeface="Consolas" panose="020B0609020204030204" pitchFamily="49" charset="0"/>
+              </a:rPr>
+              <a:t>1.4</a:t>
+            </a:r>
+            <a:endParaRPr lang="en-US" b="0" dirty="0">
+              <a:solidFill>
+                <a:srgbClr val="D4D4D4"/>
+              </a:solidFill>
+              <a:effectLst/>
+              <a:latin typeface="Consolas" panose="020B0609020204030204" pitchFamily="49" charset="0"/>
+            </a:endParaRPr>
+          </a:p>
+          <a:p>
+            <a:r>
+              <a:rPr lang="en-US" b="0" dirty="0" err="1">
+                <a:solidFill>
+                  <a:srgbClr val="D4D4D4"/>
+                </a:solidFill>
+                <a:effectLst/>
+                <a:latin typeface="Consolas" panose="020B0609020204030204" pitchFamily="49" charset="0"/>
+              </a:rPr>
+              <a:t>price_per_metre</a:t>
+            </a:r>
+            <a:r>
+              <a:rPr lang="en-US" b="0" dirty="0">
+                <a:solidFill>
+                  <a:srgbClr val="D4D4D4"/>
+                </a:solidFill>
+                <a:effectLst/>
+                <a:latin typeface="Consolas" panose="020B0609020204030204" pitchFamily="49" charset="0"/>
+              </a:rPr>
+              <a:t> = </a:t>
+            </a:r>
+            <a:r>
+              <a:rPr lang="en-US" b="0" dirty="0">
+                <a:solidFill>
+                  <a:srgbClr val="B5CEA8"/>
+                </a:solidFill>
+                <a:effectLst/>
+                <a:latin typeface="Consolas" panose="020B0609020204030204" pitchFamily="49" charset="0"/>
+              </a:rPr>
+              <a:t>5</a:t>
+            </a:r>
+            <a:endParaRPr lang="en-US" b="0" dirty="0">
+              <a:solidFill>
+                <a:srgbClr val="D4D4D4"/>
+              </a:solidFill>
+              <a:effectLst/>
+              <a:latin typeface="Consolas" panose="020B0609020204030204" pitchFamily="49" charset="0"/>
+            </a:endParaRPr>
+          </a:p>
+          <a:p>
+            <a:r>
+              <a:rPr lang="en-US" b="0" dirty="0">
+                <a:solidFill>
+                  <a:srgbClr val="D4D4D4"/>
+                </a:solidFill>
+                <a:effectLst/>
+                <a:latin typeface="Consolas" panose="020B0609020204030204" pitchFamily="49" charset="0"/>
+              </a:rPr>
+              <a:t>filename = </a:t>
+            </a:r>
+            <a:r>
+              <a:rPr lang="en-US" b="0" dirty="0">
+                <a:solidFill>
+                  <a:srgbClr val="CE9178"/>
+                </a:solidFill>
+                <a:effectLst/>
+                <a:latin typeface="Consolas" panose="020B0609020204030204" pitchFamily="49" charset="0"/>
+              </a:rPr>
+              <a:t>'data.txt'</a:t>
+            </a:r>
+            <a:endParaRPr lang="en-US" b="0" dirty="0">
+              <a:solidFill>
+                <a:srgbClr val="D4D4D4"/>
+              </a:solidFill>
+              <a:effectLst/>
+              <a:latin typeface="Consolas" panose="020B0609020204030204" pitchFamily="49" charset="0"/>
+            </a:endParaRPr>
+          </a:p>
+          <a:p>
+            <a:r>
+              <a:rPr lang="en-US" b="0" dirty="0">
+                <a:solidFill>
+                  <a:srgbClr val="D4D4D4"/>
+                </a:solidFill>
+                <a:effectLst/>
+                <a:latin typeface="Consolas" panose="020B0609020204030204" pitchFamily="49" charset="0"/>
+              </a:rPr>
+              <a:t>trace = </a:t>
+            </a:r>
+            <a:r>
+              <a:rPr lang="en-US" b="0" dirty="0">
+                <a:solidFill>
+                  <a:srgbClr val="569CD6"/>
+                </a:solidFill>
+                <a:effectLst/>
+                <a:latin typeface="Consolas" panose="020B0609020204030204" pitchFamily="49" charset="0"/>
+              </a:rPr>
+              <a:t>False</a:t>
+            </a:r>
+            <a:endParaRPr lang="en-US" b="0" dirty="0">
+              <a:solidFill>
+                <a:srgbClr val="D4D4D4"/>
+              </a:solidFill>
+              <a:effectLst/>
+              <a:latin typeface="Consolas" panose="020B0609020204030204" pitchFamily="49" charset="0"/>
+            </a:endParaRPr>
+          </a:p>
+          <a:p>
+            <a:r>
+              <a:rPr lang="en-US" b="0" dirty="0">
+                <a:solidFill>
+                  <a:srgbClr val="D4D4D4"/>
+                </a:solidFill>
+                <a:effectLst/>
+                <a:latin typeface="Consolas" panose="020B0609020204030204" pitchFamily="49" charset="0"/>
+              </a:rPr>
+              <a:t>sentence = </a:t>
+            </a:r>
+            <a:r>
+              <a:rPr lang="en-US" b="0" dirty="0">
+                <a:solidFill>
+                  <a:srgbClr val="CE9178"/>
+                </a:solidFill>
+                <a:effectLst/>
+                <a:latin typeface="Consolas" panose="020B0609020204030204" pitchFamily="49" charset="0"/>
+              </a:rPr>
+              <a:t>"this is a whole lot of nothing"</a:t>
+            </a:r>
+            <a:endParaRPr lang="en-US" b="0" dirty="0">
+              <a:solidFill>
+                <a:srgbClr val="D4D4D4"/>
+              </a:solidFill>
+              <a:effectLst/>
+              <a:latin typeface="Consolas" panose="020B0609020204030204" pitchFamily="49" charset="0"/>
+            </a:endParaRPr>
+          </a:p>
+          <a:p>
+            <a:r>
+              <a:rPr lang="en-US" b="0" dirty="0" err="1">
+                <a:solidFill>
+                  <a:srgbClr val="D4D4D4"/>
+                </a:solidFill>
+                <a:effectLst/>
+                <a:latin typeface="Consolas" panose="020B0609020204030204" pitchFamily="49" charset="0"/>
+              </a:rPr>
+              <a:t>total_price</a:t>
+            </a:r>
+            <a:r>
+              <a:rPr lang="en-US" b="0" dirty="0">
+                <a:solidFill>
+                  <a:srgbClr val="D4D4D4"/>
+                </a:solidFill>
+                <a:effectLst/>
+                <a:latin typeface="Consolas" panose="020B0609020204030204" pitchFamily="49" charset="0"/>
+              </a:rPr>
+              <a:t> = </a:t>
+            </a:r>
+            <a:r>
+              <a:rPr lang="en-US" b="0" dirty="0" err="1">
+                <a:solidFill>
+                  <a:srgbClr val="D4D4D4"/>
+                </a:solidFill>
+                <a:effectLst/>
+                <a:latin typeface="Consolas" panose="020B0609020204030204" pitchFamily="49" charset="0"/>
+              </a:rPr>
+              <a:t>roll_width</a:t>
+            </a:r>
+            <a:r>
+              <a:rPr lang="en-US" b="0" dirty="0">
+                <a:solidFill>
+                  <a:srgbClr val="D4D4D4"/>
+                </a:solidFill>
+                <a:effectLst/>
+                <a:latin typeface="Consolas" panose="020B0609020204030204" pitchFamily="49" charset="0"/>
+              </a:rPr>
+              <a:t> * </a:t>
+            </a:r>
+            <a:r>
+              <a:rPr lang="en-US" b="0" dirty="0" err="1">
+                <a:solidFill>
+                  <a:srgbClr val="D4D4D4"/>
+                </a:solidFill>
+                <a:effectLst/>
+                <a:latin typeface="Consolas" panose="020B0609020204030204" pitchFamily="49" charset="0"/>
+              </a:rPr>
+              <a:t>price_per_metre</a:t>
+            </a:r>
+            <a:endParaRPr lang="en-US" b="0" dirty="0">
+              <a:solidFill>
+                <a:srgbClr val="D4D4D4"/>
+              </a:solidFill>
+              <a:effectLst/>
+              <a:latin typeface="Consolas" panose="020B0609020204030204" pitchFamily="49" charset="0"/>
+            </a:endParaRPr>
+          </a:p>
+        </p:txBody>
+      </p:sp>
+    </p:spTree>
+    <p:extLst>
+      <p:ext uri="{BB962C8B-B14F-4D97-AF65-F5344CB8AC3E}">
+        <p14:creationId xmlns:p14="http://schemas.microsoft.com/office/powerpoint/2010/main" val="3867092627"/>
+      </p:ext>
+    </p:extLst>
+  </p:cSld>
+  <p:clrMapOvr>
+    <a:masterClrMapping/>
+  </p:clrMapOvr>
+</p:sld>
+</file>
+
+<file path=ppt/slides/slide28.xml><?xml version="1.0" encoding="utf-8"?>
+<p:sld xmlns:a="http://schemas.openxmlformats.org/drawingml/2006/main" xmlns:r="http://schemas.openxmlformats.org/officeDocument/2006/relationships" xmlns:p="http://schemas.openxmlformats.org/presentationml/2006/main">
+  <p:cSld>
+    <p:spTree>
+      <p:nvGrpSpPr>
+        <p:cNvPr id="1" name=""/>
+        <p:cNvGrpSpPr/>
+        <p:nvPr/>
+      </p:nvGrpSpPr>
+      <p:grpSpPr>
+        <a:xfrm>
+          <a:off x="0" y="0"/>
+          <a:ext cx="0" cy="0"/>
+          <a:chOff x="0" y="0"/>
+          <a:chExt cx="0" cy="0"/>
+        </a:xfrm>
+      </p:grpSpPr>
+      <p:sp>
+        <p:nvSpPr>
+          <p:cNvPr id="2" name="Заголовок 1">
+            <a:extLst>
+              <a:ext uri="{FF2B5EF4-FFF2-40B4-BE49-F238E27FC236}">
+                <a16:creationId xmlns:a16="http://schemas.microsoft.com/office/drawing/2014/main" id="{131C83B6-CA77-4E95-83ED-AC274C3A8B8A}"/>
+              </a:ext>
+            </a:extLst>
+          </p:cNvPr>
+          <p:cNvSpPr>
+            <a:spLocks noGrp="1"/>
+          </p:cNvSpPr>
+          <p:nvPr>
+            <p:ph type="title"/>
+          </p:nvPr>
+        </p:nvSpPr>
+        <p:spPr/>
+        <p:txBody>
+          <a:bodyPr/>
+          <a:lstStyle/>
+          <a:p>
+            <a:r>
+              <a:rPr lang="ru-RU" dirty="0"/>
+              <a:t>Численные типы данных</a:t>
+            </a:r>
+          </a:p>
+        </p:txBody>
+      </p:sp>
+      <p:sp>
+        <p:nvSpPr>
+          <p:cNvPr id="3" name="Объект 2">
+            <a:extLst>
+              <a:ext uri="{FF2B5EF4-FFF2-40B4-BE49-F238E27FC236}">
+                <a16:creationId xmlns:a16="http://schemas.microsoft.com/office/drawing/2014/main" id="{110043E8-0C33-4713-A200-7E29A890BC24}"/>
+              </a:ext>
+            </a:extLst>
+          </p:cNvPr>
+          <p:cNvSpPr>
+            <a:spLocks noGrp="1"/>
+          </p:cNvSpPr>
+          <p:nvPr>
+            <p:ph idx="1"/>
+          </p:nvPr>
+        </p:nvSpPr>
+        <p:spPr/>
+        <p:txBody>
+          <a:bodyPr/>
+          <a:lstStyle/>
+          <a:p>
+            <a:r>
+              <a:rPr lang="en-US" dirty="0"/>
+              <a:t>int – </a:t>
+            </a:r>
+            <a:r>
+              <a:rPr lang="ru-RU" dirty="0"/>
+              <a:t>целые числа</a:t>
+            </a:r>
+          </a:p>
+          <a:p>
+            <a:r>
+              <a:rPr lang="en-US" dirty="0"/>
+              <a:t>float -  </a:t>
+            </a:r>
+            <a:r>
+              <a:rPr lang="ru-RU" dirty="0"/>
+              <a:t>числа с плавающей точкой</a:t>
+            </a:r>
+          </a:p>
+          <a:p>
+            <a:r>
+              <a:rPr lang="en-US" dirty="0"/>
+              <a:t>complex – </a:t>
+            </a:r>
+            <a:r>
+              <a:rPr lang="ru-RU" dirty="0"/>
+              <a:t>комплексные числа</a:t>
+            </a:r>
+          </a:p>
+        </p:txBody>
+      </p:sp>
+    </p:spTree>
+    <p:extLst>
+      <p:ext uri="{BB962C8B-B14F-4D97-AF65-F5344CB8AC3E}">
+        <p14:creationId xmlns:p14="http://schemas.microsoft.com/office/powerpoint/2010/main" val="2740941872"/>
+      </p:ext>
+    </p:extLst>
+  </p:cSld>
+  <p:clrMapOvr>
+    <a:masterClrMapping/>
+  </p:clrMapOvr>
+</p:sld>
+</file>
+
+<file path=ppt/slides/slide29.xml><?xml version="1.0" encoding="utf-8"?>
+<p:sld xmlns:a="http://schemas.openxmlformats.org/drawingml/2006/main" xmlns:r="http://schemas.openxmlformats.org/officeDocument/2006/relationships" xmlns:p="http://schemas.openxmlformats.org/presentationml/2006/main">
+  <p:cSld>
+    <p:spTree>
+      <p:nvGrpSpPr>
+        <p:cNvPr id="1" name=""/>
+        <p:cNvGrpSpPr/>
+        <p:nvPr/>
+      </p:nvGrpSpPr>
+      <p:grpSpPr>
+        <a:xfrm>
+          <a:off x="0" y="0"/>
+          <a:ext cx="0" cy="0"/>
+          <a:chOff x="0" y="0"/>
+          <a:chExt cx="0" cy="0"/>
+        </a:xfrm>
+      </p:grpSpPr>
+      <p:sp>
+        <p:nvSpPr>
+          <p:cNvPr id="2" name="Заголовок 1">
+            <a:extLst>
+              <a:ext uri="{FF2B5EF4-FFF2-40B4-BE49-F238E27FC236}">
+                <a16:creationId xmlns:a16="http://schemas.microsoft.com/office/drawing/2014/main" id="{AEB07036-2F2F-4F06-A23B-BDAA44E18505}"/>
+              </a:ext>
+            </a:extLst>
+          </p:cNvPr>
+          <p:cNvSpPr>
+            <a:spLocks noGrp="1"/>
+          </p:cNvSpPr>
+          <p:nvPr>
+            <p:ph type="title"/>
+          </p:nvPr>
+        </p:nvSpPr>
+        <p:spPr/>
+        <p:txBody>
+          <a:bodyPr/>
+          <a:lstStyle/>
+          <a:p>
+            <a:r>
+              <a:rPr lang="ru-RU" dirty="0"/>
+              <a:t>Численные типы данных. Простые операции</a:t>
+            </a:r>
+          </a:p>
+        </p:txBody>
+      </p:sp>
+      <p:graphicFrame>
+        <p:nvGraphicFramePr>
+          <p:cNvPr id="4" name="Таблица 4">
+            <a:extLst>
+              <a:ext uri="{FF2B5EF4-FFF2-40B4-BE49-F238E27FC236}">
+                <a16:creationId xmlns:a16="http://schemas.microsoft.com/office/drawing/2014/main" id="{4F3EC39D-283C-4E51-BF06-EA302C13D5BA}"/>
+              </a:ext>
+            </a:extLst>
+          </p:cNvPr>
+          <p:cNvGraphicFramePr>
+            <a:graphicFrameLocks noGrp="1"/>
+          </p:cNvGraphicFramePr>
+          <p:nvPr>
+            <p:ph idx="1"/>
+            <p:extLst>
+              <p:ext uri="{D42A27DB-BD31-4B8C-83A1-F6EECF244321}">
+                <p14:modId xmlns:p14="http://schemas.microsoft.com/office/powerpoint/2010/main" val="979620454"/>
+              </p:ext>
+            </p:extLst>
+          </p:nvPr>
+        </p:nvGraphicFramePr>
+        <p:xfrm>
+          <a:off x="838200" y="1825625"/>
+          <a:ext cx="10515600" cy="4450080"/>
+        </p:xfrm>
+        <a:graphic>
+          <a:graphicData uri="http://schemas.openxmlformats.org/drawingml/2006/table">
+            <a:tbl>
+              <a:tblPr firstRow="1" bandRow="1">
+                <a:tableStyleId>{5C22544A-7EE6-4342-B048-85BDC9FD1C3A}</a:tableStyleId>
+              </a:tblPr>
+              <a:tblGrid>
+                <a:gridCol w="2851298">
+                  <a:extLst>
+                    <a:ext uri="{9D8B030D-6E8A-4147-A177-3AD203B41FA5}">
+                      <a16:colId xmlns:a16="http://schemas.microsoft.com/office/drawing/2014/main" val="1670691999"/>
+                    </a:ext>
+                  </a:extLst>
+                </a:gridCol>
+                <a:gridCol w="3832151">
+                  <a:extLst>
+                    <a:ext uri="{9D8B030D-6E8A-4147-A177-3AD203B41FA5}">
+                      <a16:colId xmlns:a16="http://schemas.microsoft.com/office/drawing/2014/main" val="1585068171"/>
+                    </a:ext>
+                  </a:extLst>
+                </a:gridCol>
+                <a:gridCol w="3832151">
+                  <a:extLst>
+                    <a:ext uri="{9D8B030D-6E8A-4147-A177-3AD203B41FA5}">
+                      <a16:colId xmlns:a16="http://schemas.microsoft.com/office/drawing/2014/main" val="20357625"/>
+                    </a:ext>
+                  </a:extLst>
+                </a:gridCol>
+              </a:tblGrid>
+              <a:tr h="370840">
+                <a:tc>
+                  <a:txBody>
+                    <a:bodyPr/>
+                    <a:lstStyle/>
+                    <a:p>
+                      <a:r>
+                        <a:rPr lang="ru-RU" dirty="0"/>
+                        <a:t>Операция</a:t>
+                      </a:r>
+                    </a:p>
+                  </a:txBody>
+                  <a:tcPr/>
+                </a:tc>
+                <a:tc>
+                  <a:txBody>
+                    <a:bodyPr/>
+                    <a:lstStyle/>
+                    <a:p>
+                      <a:r>
+                        <a:rPr lang="ru-RU" dirty="0"/>
+                        <a:t>Описание</a:t>
+                      </a:r>
+                    </a:p>
+                  </a:txBody>
+                  <a:tcPr/>
+                </a:tc>
+                <a:tc>
+                  <a:txBody>
+                    <a:bodyPr/>
+                    <a:lstStyle/>
+                    <a:p>
+                      <a:r>
+                        <a:rPr lang="ru-RU" dirty="0"/>
+                        <a:t>Дополнительно</a:t>
+                      </a:r>
+                    </a:p>
+                  </a:txBody>
+                  <a:tcPr/>
+                </a:tc>
+                <a:extLst>
+                  <a:ext uri="{0D108BD9-81ED-4DB2-BD59-A6C34878D82A}">
+                    <a16:rowId xmlns:a16="http://schemas.microsoft.com/office/drawing/2014/main" val="1095283381"/>
+                  </a:ext>
+                </a:extLst>
+              </a:tr>
+              <a:tr h="370840">
+                <a:tc>
+                  <a:txBody>
+                    <a:bodyPr/>
+                    <a:lstStyle/>
+                    <a:p>
+                      <a:r>
+                        <a:rPr lang="en-US" dirty="0">
+                          <a:effectLst/>
+                        </a:rPr>
+                        <a:t>x + y</a:t>
+                      </a:r>
+                    </a:p>
+                  </a:txBody>
+                  <a:tcPr anchor="ctr"/>
+                </a:tc>
+                <a:tc>
+                  <a:txBody>
+                    <a:bodyPr/>
+                    <a:lstStyle/>
+                    <a:p>
+                      <a:r>
+                        <a:rPr lang="ru-RU" dirty="0">
+                          <a:effectLst/>
+                        </a:rPr>
+                        <a:t>Сложение</a:t>
+                      </a:r>
+                    </a:p>
+                  </a:txBody>
+                  <a:tcPr anchor="ctr"/>
+                </a:tc>
+                <a:tc>
+                  <a:txBody>
+                    <a:bodyPr/>
+                    <a:lstStyle/>
+                    <a:p>
+                      <a:endParaRPr lang="ru-RU" dirty="0">
+                        <a:effectLst/>
+                      </a:endParaRPr>
+                    </a:p>
+                  </a:txBody>
+                  <a:tcPr anchor="ctr"/>
+                </a:tc>
+                <a:extLst>
+                  <a:ext uri="{0D108BD9-81ED-4DB2-BD59-A6C34878D82A}">
+                    <a16:rowId xmlns:a16="http://schemas.microsoft.com/office/drawing/2014/main" val="3215184334"/>
+                  </a:ext>
+                </a:extLst>
+              </a:tr>
+              <a:tr h="370840">
+                <a:tc>
+                  <a:txBody>
+                    <a:bodyPr/>
+                    <a:lstStyle/>
+                    <a:p>
+                      <a:r>
+                        <a:rPr lang="en-US">
+                          <a:effectLst/>
+                        </a:rPr>
+                        <a:t>x - y</a:t>
+                      </a:r>
+                    </a:p>
+                  </a:txBody>
+                  <a:tcPr anchor="ctr"/>
+                </a:tc>
+                <a:tc>
+                  <a:txBody>
+                    <a:bodyPr/>
+                    <a:lstStyle/>
+                    <a:p>
+                      <a:r>
+                        <a:rPr lang="ru-RU" dirty="0">
+                          <a:effectLst/>
+                        </a:rPr>
+                        <a:t>Вычитание</a:t>
+                      </a:r>
+                    </a:p>
+                  </a:txBody>
+                  <a:tcPr anchor="ctr"/>
+                </a:tc>
+                <a:tc>
+                  <a:txBody>
+                    <a:bodyPr/>
+                    <a:lstStyle/>
+                    <a:p>
+                      <a:endParaRPr lang="ru-RU" dirty="0">
+                        <a:effectLst/>
+                      </a:endParaRPr>
+                    </a:p>
+                  </a:txBody>
+                  <a:tcPr anchor="ctr"/>
+                </a:tc>
+                <a:extLst>
+                  <a:ext uri="{0D108BD9-81ED-4DB2-BD59-A6C34878D82A}">
+                    <a16:rowId xmlns:a16="http://schemas.microsoft.com/office/drawing/2014/main" val="962663736"/>
+                  </a:ext>
+                </a:extLst>
+              </a:tr>
+              <a:tr h="370840">
+                <a:tc>
+                  <a:txBody>
+                    <a:bodyPr/>
+                    <a:lstStyle/>
+                    <a:p>
+                      <a:r>
+                        <a:rPr lang="en-US">
+                          <a:effectLst/>
+                        </a:rPr>
+                        <a:t>x * y</a:t>
+                      </a:r>
+                    </a:p>
+                  </a:txBody>
+                  <a:tcPr anchor="ctr"/>
+                </a:tc>
+                <a:tc>
+                  <a:txBody>
+                    <a:bodyPr/>
+                    <a:lstStyle/>
+                    <a:p>
+                      <a:r>
+                        <a:rPr lang="ru-RU" dirty="0">
+                          <a:effectLst/>
+                        </a:rPr>
+                        <a:t>Умножение</a:t>
+                      </a:r>
+                    </a:p>
+                  </a:txBody>
+                  <a:tcPr anchor="ctr"/>
+                </a:tc>
+                <a:tc>
+                  <a:txBody>
+                    <a:bodyPr/>
+                    <a:lstStyle/>
+                    <a:p>
+                      <a:endParaRPr lang="ru-RU" dirty="0">
+                        <a:effectLst/>
+                      </a:endParaRPr>
+                    </a:p>
+                  </a:txBody>
+                  <a:tcPr anchor="ctr"/>
+                </a:tc>
+                <a:extLst>
+                  <a:ext uri="{0D108BD9-81ED-4DB2-BD59-A6C34878D82A}">
+                    <a16:rowId xmlns:a16="http://schemas.microsoft.com/office/drawing/2014/main" val="3229280138"/>
+                  </a:ext>
+                </a:extLst>
+              </a:tr>
+              <a:tr h="370840">
+                <a:tc>
+                  <a:txBody>
+                    <a:bodyPr/>
+                    <a:lstStyle/>
+                    <a:p>
+                      <a:r>
+                        <a:rPr lang="en-US">
+                          <a:effectLst/>
+                        </a:rPr>
+                        <a:t>x / y</a:t>
+                      </a:r>
+                    </a:p>
+                  </a:txBody>
+                  <a:tcPr anchor="ctr"/>
+                </a:tc>
+                <a:tc>
+                  <a:txBody>
+                    <a:bodyPr/>
+                    <a:lstStyle/>
+                    <a:p>
+                      <a:r>
+                        <a:rPr lang="ru-RU" dirty="0">
+                          <a:effectLst/>
+                        </a:rPr>
+                        <a:t>Деление</a:t>
+                      </a:r>
+                    </a:p>
+                  </a:txBody>
+                  <a:tcPr anchor="ctr"/>
+                </a:tc>
+                <a:tc>
+                  <a:txBody>
+                    <a:bodyPr/>
+                    <a:lstStyle/>
+                    <a:p>
+                      <a:endParaRPr lang="ru-RU" dirty="0">
+                        <a:effectLst/>
+                      </a:endParaRPr>
+                    </a:p>
+                  </a:txBody>
+                  <a:tcPr anchor="ctr"/>
+                </a:tc>
+                <a:extLst>
+                  <a:ext uri="{0D108BD9-81ED-4DB2-BD59-A6C34878D82A}">
+                    <a16:rowId xmlns:a16="http://schemas.microsoft.com/office/drawing/2014/main" val="137796880"/>
+                  </a:ext>
+                </a:extLst>
+              </a:tr>
+              <a:tr h="370840">
+                <a:tc>
+                  <a:txBody>
+                    <a:bodyPr/>
+                    <a:lstStyle/>
+                    <a:p>
+                      <a:r>
+                        <a:rPr lang="en-US">
+                          <a:effectLst/>
+                        </a:rPr>
+                        <a:t>x // y</a:t>
+                      </a:r>
+                    </a:p>
+                  </a:txBody>
+                  <a:tcPr anchor="ctr"/>
+                </a:tc>
+                <a:tc>
+                  <a:txBody>
+                    <a:bodyPr/>
+                    <a:lstStyle/>
+                    <a:p>
+                      <a:r>
+                        <a:rPr lang="ru-RU" dirty="0">
+                          <a:effectLst/>
+                        </a:rPr>
+                        <a:t>Получение целой части от деления</a:t>
+                      </a:r>
+                    </a:p>
+                  </a:txBody>
+                  <a:tcPr anchor="ctr"/>
+                </a:tc>
+                <a:tc>
+                  <a:txBody>
+                    <a:bodyPr/>
+                    <a:lstStyle/>
+                    <a:p>
+                      <a:endParaRPr lang="ru-RU" dirty="0">
+                        <a:effectLst/>
+                      </a:endParaRPr>
+                    </a:p>
+                  </a:txBody>
+                  <a:tcPr anchor="ctr"/>
+                </a:tc>
+                <a:extLst>
+                  <a:ext uri="{0D108BD9-81ED-4DB2-BD59-A6C34878D82A}">
+                    <a16:rowId xmlns:a16="http://schemas.microsoft.com/office/drawing/2014/main" val="884930804"/>
+                  </a:ext>
+                </a:extLst>
+              </a:tr>
+              <a:tr h="370840">
+                <a:tc>
+                  <a:txBody>
+                    <a:bodyPr/>
+                    <a:lstStyle/>
+                    <a:p>
+                      <a:r>
+                        <a:rPr lang="en-US">
+                          <a:effectLst/>
+                        </a:rPr>
+                        <a:t>x % y</a:t>
+                      </a:r>
+                    </a:p>
+                  </a:txBody>
+                  <a:tcPr anchor="ctr"/>
+                </a:tc>
+                <a:tc>
+                  <a:txBody>
+                    <a:bodyPr/>
+                    <a:lstStyle/>
+                    <a:p>
+                      <a:r>
+                        <a:rPr lang="ru-RU" dirty="0">
+                          <a:effectLst/>
+                        </a:rPr>
+                        <a:t>Остаток от деления</a:t>
+                      </a:r>
+                    </a:p>
+                  </a:txBody>
+                  <a:tcPr anchor="ctr"/>
+                </a:tc>
+                <a:tc>
+                  <a:txBody>
+                    <a:bodyPr/>
+                    <a:lstStyle/>
+                    <a:p>
+                      <a:endParaRPr lang="ru-RU" dirty="0">
+                        <a:effectLst/>
+                      </a:endParaRPr>
+                    </a:p>
+                  </a:txBody>
+                  <a:tcPr anchor="ctr"/>
+                </a:tc>
+                <a:extLst>
+                  <a:ext uri="{0D108BD9-81ED-4DB2-BD59-A6C34878D82A}">
+                    <a16:rowId xmlns:a16="http://schemas.microsoft.com/office/drawing/2014/main" val="3657143967"/>
+                  </a:ext>
+                </a:extLst>
+              </a:tr>
+              <a:tr h="370840">
+                <a:tc>
+                  <a:txBody>
+                    <a:bodyPr/>
+                    <a:lstStyle/>
+                    <a:p>
+                      <a:r>
+                        <a:rPr lang="en-US">
+                          <a:effectLst/>
+                        </a:rPr>
+                        <a:t>-x</a:t>
+                      </a:r>
+                    </a:p>
+                  </a:txBody>
+                  <a:tcPr anchor="ctr"/>
+                </a:tc>
+                <a:tc>
+                  <a:txBody>
+                    <a:bodyPr/>
+                    <a:lstStyle/>
+                    <a:p>
+                      <a:r>
+                        <a:rPr lang="ru-RU" dirty="0">
+                          <a:effectLst/>
+                        </a:rPr>
+                        <a:t>Смена знака числа</a:t>
+                      </a:r>
+                    </a:p>
+                  </a:txBody>
+                  <a:tcPr anchor="ctr"/>
+                </a:tc>
+                <a:tc>
+                  <a:txBody>
+                    <a:bodyPr/>
+                    <a:lstStyle/>
+                    <a:p>
+                      <a:endParaRPr lang="ru-RU" dirty="0">
+                        <a:effectLst/>
+                      </a:endParaRPr>
+                    </a:p>
+                  </a:txBody>
+                  <a:tcPr anchor="ctr"/>
+                </a:tc>
+                <a:extLst>
+                  <a:ext uri="{0D108BD9-81ED-4DB2-BD59-A6C34878D82A}">
+                    <a16:rowId xmlns:a16="http://schemas.microsoft.com/office/drawing/2014/main" val="2692817656"/>
+                  </a:ext>
+                </a:extLst>
+              </a:tr>
+              <a:tr h="370840">
+                <a:tc>
+                  <a:txBody>
+                    <a:bodyPr/>
+                    <a:lstStyle/>
+                    <a:p>
+                      <a:r>
+                        <a:rPr lang="en-US" dirty="0">
+                          <a:effectLst/>
+                        </a:rPr>
+                        <a:t>abs(x)</a:t>
+                      </a:r>
+                    </a:p>
+                  </a:txBody>
+                  <a:tcPr anchor="ctr"/>
+                </a:tc>
+                <a:tc>
+                  <a:txBody>
+                    <a:bodyPr/>
+                    <a:lstStyle/>
+                    <a:p>
+                      <a:r>
+                        <a:rPr lang="ru-RU" dirty="0">
+                          <a:effectLst/>
+                        </a:rPr>
+                        <a:t>Модуль числа</a:t>
+                      </a:r>
+                    </a:p>
+                  </a:txBody>
+                  <a:tcPr anchor="ctr"/>
+                </a:tc>
+                <a:tc>
+                  <a:txBody>
+                    <a:bodyPr/>
+                    <a:lstStyle/>
+                    <a:p>
+                      <a:r>
+                        <a:rPr lang="ru-RU" dirty="0">
+                          <a:effectLst/>
+                        </a:rPr>
+                        <a:t>Модуль </a:t>
+                      </a:r>
+                      <a:r>
+                        <a:rPr lang="en-US" dirty="0">
+                          <a:effectLst/>
+                        </a:rPr>
+                        <a:t>math</a:t>
+                      </a:r>
+                      <a:endParaRPr lang="ru-RU" dirty="0">
+                        <a:effectLst/>
+                      </a:endParaRPr>
+                    </a:p>
+                  </a:txBody>
+                  <a:tcPr anchor="ctr"/>
+                </a:tc>
+                <a:extLst>
+                  <a:ext uri="{0D108BD9-81ED-4DB2-BD59-A6C34878D82A}">
+                    <a16:rowId xmlns:a16="http://schemas.microsoft.com/office/drawing/2014/main" val="2831469614"/>
+                  </a:ext>
+                </a:extLst>
+              </a:tr>
+              <a:tr h="370840">
+                <a:tc>
+                  <a:txBody>
+                    <a:bodyPr/>
+                    <a:lstStyle/>
+                    <a:p>
+                      <a:r>
+                        <a:rPr lang="en-US">
+                          <a:effectLst/>
+                        </a:rPr>
+                        <a:t>divmod(x, y)</a:t>
+                      </a:r>
+                    </a:p>
+                  </a:txBody>
+                  <a:tcPr anchor="ctr"/>
+                </a:tc>
+                <a:tc>
+                  <a:txBody>
+                    <a:bodyPr/>
+                    <a:lstStyle/>
+                    <a:p>
+                      <a:r>
+                        <a:rPr lang="es-ES" dirty="0">
+                          <a:effectLst/>
+                        </a:rPr>
+                        <a:t>Пара (x // y, x % y)</a:t>
+                      </a:r>
+                    </a:p>
+                  </a:txBody>
+                  <a:tcPr anchor="ctr"/>
+                </a:tc>
+                <a:tc>
+                  <a:txBody>
+                    <a:bodyPr/>
+                    <a:lstStyle/>
+                    <a:p>
+                      <a:endParaRPr lang="es-ES" dirty="0">
+                        <a:effectLst/>
+                      </a:endParaRPr>
+                    </a:p>
+                  </a:txBody>
+                  <a:tcPr anchor="ctr"/>
+                </a:tc>
+                <a:extLst>
+                  <a:ext uri="{0D108BD9-81ED-4DB2-BD59-A6C34878D82A}">
+                    <a16:rowId xmlns:a16="http://schemas.microsoft.com/office/drawing/2014/main" val="99738407"/>
+                  </a:ext>
+                </a:extLst>
+              </a:tr>
+              <a:tr h="370840">
+                <a:tc>
+                  <a:txBody>
+                    <a:bodyPr/>
+                    <a:lstStyle/>
+                    <a:p>
+                      <a:r>
+                        <a:rPr lang="en-US">
+                          <a:effectLst/>
+                        </a:rPr>
+                        <a:t>x ** y</a:t>
+                      </a:r>
+                    </a:p>
+                  </a:txBody>
+                  <a:tcPr anchor="ctr"/>
+                </a:tc>
+                <a:tc>
+                  <a:txBody>
+                    <a:bodyPr/>
+                    <a:lstStyle/>
+                    <a:p>
+                      <a:r>
+                        <a:rPr lang="ru-RU" dirty="0">
+                          <a:effectLst/>
+                        </a:rPr>
+                        <a:t>Возведение в степень</a:t>
+                      </a:r>
+                    </a:p>
+                  </a:txBody>
+                  <a:tcPr anchor="ctr"/>
+                </a:tc>
+                <a:tc>
+                  <a:txBody>
+                    <a:bodyPr/>
+                    <a:lstStyle/>
+                    <a:p>
+                      <a:endParaRPr lang="ru-RU" dirty="0">
+                        <a:effectLst/>
+                      </a:endParaRPr>
+                    </a:p>
+                  </a:txBody>
+                  <a:tcPr anchor="ctr"/>
+                </a:tc>
+                <a:extLst>
+                  <a:ext uri="{0D108BD9-81ED-4DB2-BD59-A6C34878D82A}">
+                    <a16:rowId xmlns:a16="http://schemas.microsoft.com/office/drawing/2014/main" val="749630630"/>
+                  </a:ext>
+                </a:extLst>
+              </a:tr>
+              <a:tr h="370840">
+                <a:tc>
+                  <a:txBody>
+                    <a:bodyPr/>
+                    <a:lstStyle/>
+                    <a:p>
+                      <a:r>
+                        <a:rPr lang="en-US" dirty="0">
+                          <a:effectLst/>
+                        </a:rPr>
+                        <a:t>pow(x, y)</a:t>
+                      </a:r>
+                    </a:p>
+                  </a:txBody>
+                  <a:tcPr anchor="ctr"/>
+                </a:tc>
+                <a:tc>
+                  <a:txBody>
+                    <a:bodyPr/>
+                    <a:lstStyle/>
+                    <a:p>
+                      <a:r>
+                        <a:rPr lang="ru-RU" dirty="0" err="1">
+                          <a:effectLst/>
+                        </a:rPr>
+                        <a:t>x</a:t>
+                      </a:r>
+                      <a:r>
+                        <a:rPr lang="ru-RU" baseline="30000" dirty="0" err="1">
+                          <a:effectLst/>
+                        </a:rPr>
+                        <a:t>y</a:t>
+                      </a:r>
+                      <a:r>
+                        <a:rPr lang="ru-RU" dirty="0">
+                          <a:effectLst/>
+                        </a:rPr>
+                        <a:t> </a:t>
+                      </a:r>
+                    </a:p>
+                  </a:txBody>
+                  <a:tcPr anchor="ctr"/>
+                </a:tc>
+                <a:tc>
+                  <a:txBody>
+                    <a:bodyPr/>
+                    <a:lstStyle/>
+                    <a:p>
+                      <a:endParaRPr lang="ru-RU" dirty="0">
+                        <a:effectLst/>
+                      </a:endParaRPr>
+                    </a:p>
+                  </a:txBody>
+                  <a:tcPr anchor="ctr"/>
+                </a:tc>
+                <a:extLst>
+                  <a:ext uri="{0D108BD9-81ED-4DB2-BD59-A6C34878D82A}">
+                    <a16:rowId xmlns:a16="http://schemas.microsoft.com/office/drawing/2014/main" val="716726994"/>
+                  </a:ext>
+                </a:extLst>
+              </a:tr>
+            </a:tbl>
+          </a:graphicData>
+        </a:graphic>
+      </p:graphicFrame>
+    </p:spTree>
+    <p:extLst>
+      <p:ext uri="{BB962C8B-B14F-4D97-AF65-F5344CB8AC3E}">
+        <p14:creationId xmlns:p14="http://schemas.microsoft.com/office/powerpoint/2010/main" val="305052653"/>
+      </p:ext>
+    </p:extLst>
+  </p:cSld>
+  <p:clrMapOvr>
+    <a:masterClrMapping/>
+  </p:clrMapOvr>
+</p:sld>
+</file>
+
 <file path=ppt/slides/slide3.xml><?xml version="1.0" encoding="utf-8"?>
 <p:sld xmlns:a="http://schemas.openxmlformats.org/drawingml/2006/main" xmlns:r="http://schemas.openxmlformats.org/officeDocument/2006/relationships" xmlns:p="http://schemas.openxmlformats.org/presentationml/2006/main">
   <p:cSld>
@@ -7115,6 +9440,1133 @@
     <p:extLst>
       <p:ext uri="{BB962C8B-B14F-4D97-AF65-F5344CB8AC3E}">
         <p14:creationId xmlns:p14="http://schemas.microsoft.com/office/powerpoint/2010/main" val="411472317"/>
+      </p:ext>
+    </p:extLst>
+  </p:cSld>
+  <p:clrMapOvr>
+    <a:masterClrMapping/>
+  </p:clrMapOvr>
+</p:sld>
+</file>
+
+<file path=ppt/slides/slide30.xml><?xml version="1.0" encoding="utf-8"?>
+<p:sld xmlns:a="http://schemas.openxmlformats.org/drawingml/2006/main" xmlns:r="http://schemas.openxmlformats.org/officeDocument/2006/relationships" xmlns:p="http://schemas.openxmlformats.org/presentationml/2006/main">
+  <p:cSld>
+    <p:spTree>
+      <p:nvGrpSpPr>
+        <p:cNvPr id="1" name=""/>
+        <p:cNvGrpSpPr/>
+        <p:nvPr/>
+      </p:nvGrpSpPr>
+      <p:grpSpPr>
+        <a:xfrm>
+          <a:off x="0" y="0"/>
+          <a:ext cx="0" cy="0"/>
+          <a:chOff x="0" y="0"/>
+          <a:chExt cx="0" cy="0"/>
+        </a:xfrm>
+      </p:grpSpPr>
+      <p:sp>
+        <p:nvSpPr>
+          <p:cNvPr id="2" name="Заголовок 1">
+            <a:extLst>
+              <a:ext uri="{FF2B5EF4-FFF2-40B4-BE49-F238E27FC236}">
+                <a16:creationId xmlns:a16="http://schemas.microsoft.com/office/drawing/2014/main" id="{BEF8599B-4D74-49DF-836B-F8357ADFB0C6}"/>
+              </a:ext>
+            </a:extLst>
+          </p:cNvPr>
+          <p:cNvSpPr>
+            <a:spLocks noGrp="1"/>
+          </p:cNvSpPr>
+          <p:nvPr>
+            <p:ph type="title"/>
+          </p:nvPr>
+        </p:nvSpPr>
+        <p:spPr/>
+        <p:txBody>
+          <a:bodyPr/>
+          <a:lstStyle/>
+          <a:p>
+            <a:r>
+              <a:rPr lang="ru-RU" dirty="0"/>
+              <a:t>Численные типы данных. Битовые операции</a:t>
+            </a:r>
+          </a:p>
+        </p:txBody>
+      </p:sp>
+      <p:graphicFrame>
+        <p:nvGraphicFramePr>
+          <p:cNvPr id="4" name="Таблица 4">
+            <a:extLst>
+              <a:ext uri="{FF2B5EF4-FFF2-40B4-BE49-F238E27FC236}">
+                <a16:creationId xmlns:a16="http://schemas.microsoft.com/office/drawing/2014/main" id="{ED48BA74-4DC1-4860-8832-42B02B958A6C}"/>
+              </a:ext>
+            </a:extLst>
+          </p:cNvPr>
+          <p:cNvGraphicFramePr>
+            <a:graphicFrameLocks noGrp="1"/>
+          </p:cNvGraphicFramePr>
+          <p:nvPr>
+            <p:ph idx="1"/>
+            <p:extLst>
+              <p:ext uri="{D42A27DB-BD31-4B8C-83A1-F6EECF244321}">
+                <p14:modId xmlns:p14="http://schemas.microsoft.com/office/powerpoint/2010/main" val="1587149599"/>
+              </p:ext>
+            </p:extLst>
+          </p:nvPr>
+        </p:nvGraphicFramePr>
+        <p:xfrm>
+          <a:off x="825795" y="3896995"/>
+          <a:ext cx="10515600" cy="2595880"/>
+        </p:xfrm>
+        <a:graphic>
+          <a:graphicData uri="http://schemas.openxmlformats.org/drawingml/2006/table">
+            <a:tbl>
+              <a:tblPr firstRow="1" bandRow="1">
+                <a:tableStyleId>{5C22544A-7EE6-4342-B048-85BDC9FD1C3A}</a:tableStyleId>
+              </a:tblPr>
+              <a:tblGrid>
+                <a:gridCol w="5257800">
+                  <a:extLst>
+                    <a:ext uri="{9D8B030D-6E8A-4147-A177-3AD203B41FA5}">
+                      <a16:colId xmlns:a16="http://schemas.microsoft.com/office/drawing/2014/main" val="2060930753"/>
+                    </a:ext>
+                  </a:extLst>
+                </a:gridCol>
+                <a:gridCol w="5257800">
+                  <a:extLst>
+                    <a:ext uri="{9D8B030D-6E8A-4147-A177-3AD203B41FA5}">
+                      <a16:colId xmlns:a16="http://schemas.microsoft.com/office/drawing/2014/main" val="3782700943"/>
+                    </a:ext>
+                  </a:extLst>
+                </a:gridCol>
+              </a:tblGrid>
+              <a:tr h="370840">
+                <a:tc>
+                  <a:txBody>
+                    <a:bodyPr/>
+                    <a:lstStyle/>
+                    <a:p>
+                      <a:r>
+                        <a:rPr lang="ru-RU" dirty="0"/>
+                        <a:t>Операция</a:t>
+                      </a:r>
+                    </a:p>
+                  </a:txBody>
+                  <a:tcPr/>
+                </a:tc>
+                <a:tc>
+                  <a:txBody>
+                    <a:bodyPr/>
+                    <a:lstStyle/>
+                    <a:p>
+                      <a:r>
+                        <a:rPr lang="ru-RU" dirty="0"/>
+                        <a:t>Описание</a:t>
+                      </a:r>
+                    </a:p>
+                  </a:txBody>
+                  <a:tcPr/>
+                </a:tc>
+                <a:extLst>
+                  <a:ext uri="{0D108BD9-81ED-4DB2-BD59-A6C34878D82A}">
+                    <a16:rowId xmlns:a16="http://schemas.microsoft.com/office/drawing/2014/main" val="2451740977"/>
+                  </a:ext>
+                </a:extLst>
+              </a:tr>
+              <a:tr h="370840">
+                <a:tc>
+                  <a:txBody>
+                    <a:bodyPr/>
+                    <a:lstStyle/>
+                    <a:p>
+                      <a:r>
+                        <a:rPr lang="en-US" dirty="0">
+                          <a:effectLst/>
+                        </a:rPr>
+                        <a:t>x | y</a:t>
+                      </a:r>
+                    </a:p>
+                  </a:txBody>
+                  <a:tcPr anchor="ctr"/>
+                </a:tc>
+                <a:tc>
+                  <a:txBody>
+                    <a:bodyPr/>
+                    <a:lstStyle/>
+                    <a:p>
+                      <a:r>
+                        <a:rPr lang="ru-RU">
+                          <a:effectLst/>
+                        </a:rPr>
+                        <a:t>Побитовое </a:t>
+                      </a:r>
+                      <a:r>
+                        <a:rPr lang="ru-RU" i="1">
+                          <a:effectLst/>
+                        </a:rPr>
+                        <a:t>или</a:t>
+                      </a:r>
+                      <a:endParaRPr lang="ru-RU">
+                        <a:effectLst/>
+                      </a:endParaRPr>
+                    </a:p>
+                  </a:txBody>
+                  <a:tcPr anchor="ctr"/>
+                </a:tc>
+                <a:extLst>
+                  <a:ext uri="{0D108BD9-81ED-4DB2-BD59-A6C34878D82A}">
+                    <a16:rowId xmlns:a16="http://schemas.microsoft.com/office/drawing/2014/main" val="15058517"/>
+                  </a:ext>
+                </a:extLst>
+              </a:tr>
+              <a:tr h="370840">
+                <a:tc>
+                  <a:txBody>
+                    <a:bodyPr/>
+                    <a:lstStyle/>
+                    <a:p>
+                      <a:r>
+                        <a:rPr lang="en-US">
+                          <a:effectLst/>
+                        </a:rPr>
+                        <a:t>x ^ y</a:t>
+                      </a:r>
+                    </a:p>
+                  </a:txBody>
+                  <a:tcPr anchor="ctr"/>
+                </a:tc>
+                <a:tc>
+                  <a:txBody>
+                    <a:bodyPr/>
+                    <a:lstStyle/>
+                    <a:p>
+                      <a:r>
+                        <a:rPr lang="ru-RU">
+                          <a:effectLst/>
+                        </a:rPr>
+                        <a:t>Побитовое </a:t>
+                      </a:r>
+                      <a:r>
+                        <a:rPr lang="ru-RU" i="1">
+                          <a:effectLst/>
+                        </a:rPr>
+                        <a:t>исключающее или</a:t>
+                      </a:r>
+                      <a:endParaRPr lang="ru-RU">
+                        <a:effectLst/>
+                      </a:endParaRPr>
+                    </a:p>
+                  </a:txBody>
+                  <a:tcPr anchor="ctr"/>
+                </a:tc>
+                <a:extLst>
+                  <a:ext uri="{0D108BD9-81ED-4DB2-BD59-A6C34878D82A}">
+                    <a16:rowId xmlns:a16="http://schemas.microsoft.com/office/drawing/2014/main" val="1845239248"/>
+                  </a:ext>
+                </a:extLst>
+              </a:tr>
+              <a:tr h="370840">
+                <a:tc>
+                  <a:txBody>
+                    <a:bodyPr/>
+                    <a:lstStyle/>
+                    <a:p>
+                      <a:r>
+                        <a:rPr lang="en-US">
+                          <a:effectLst/>
+                        </a:rPr>
+                        <a:t>x &amp; y</a:t>
+                      </a:r>
+                    </a:p>
+                  </a:txBody>
+                  <a:tcPr anchor="ctr"/>
+                </a:tc>
+                <a:tc>
+                  <a:txBody>
+                    <a:bodyPr/>
+                    <a:lstStyle/>
+                    <a:p>
+                      <a:r>
+                        <a:rPr lang="ru-RU">
+                          <a:effectLst/>
+                        </a:rPr>
+                        <a:t>Побитовое </a:t>
+                      </a:r>
+                      <a:r>
+                        <a:rPr lang="ru-RU" i="1">
+                          <a:effectLst/>
+                        </a:rPr>
+                        <a:t>и</a:t>
+                      </a:r>
+                      <a:endParaRPr lang="ru-RU">
+                        <a:effectLst/>
+                      </a:endParaRPr>
+                    </a:p>
+                  </a:txBody>
+                  <a:tcPr anchor="ctr"/>
+                </a:tc>
+                <a:extLst>
+                  <a:ext uri="{0D108BD9-81ED-4DB2-BD59-A6C34878D82A}">
+                    <a16:rowId xmlns:a16="http://schemas.microsoft.com/office/drawing/2014/main" val="3854458242"/>
+                  </a:ext>
+                </a:extLst>
+              </a:tr>
+              <a:tr h="370840">
+                <a:tc>
+                  <a:txBody>
+                    <a:bodyPr/>
+                    <a:lstStyle/>
+                    <a:p>
+                      <a:r>
+                        <a:rPr lang="en-US">
+                          <a:effectLst/>
+                        </a:rPr>
+                        <a:t>x &lt;&lt; n</a:t>
+                      </a:r>
+                    </a:p>
+                  </a:txBody>
+                  <a:tcPr anchor="ctr"/>
+                </a:tc>
+                <a:tc>
+                  <a:txBody>
+                    <a:bodyPr/>
+                    <a:lstStyle/>
+                    <a:p>
+                      <a:r>
+                        <a:rPr lang="ru-RU">
+                          <a:effectLst/>
+                        </a:rPr>
+                        <a:t>Битовый сдвиг влево</a:t>
+                      </a:r>
+                    </a:p>
+                  </a:txBody>
+                  <a:tcPr anchor="ctr"/>
+                </a:tc>
+                <a:extLst>
+                  <a:ext uri="{0D108BD9-81ED-4DB2-BD59-A6C34878D82A}">
+                    <a16:rowId xmlns:a16="http://schemas.microsoft.com/office/drawing/2014/main" val="2575084831"/>
+                  </a:ext>
+                </a:extLst>
+              </a:tr>
+              <a:tr h="370840">
+                <a:tc>
+                  <a:txBody>
+                    <a:bodyPr/>
+                    <a:lstStyle/>
+                    <a:p>
+                      <a:r>
+                        <a:rPr lang="en-US">
+                          <a:effectLst/>
+                        </a:rPr>
+                        <a:t>x &gt;&gt; y</a:t>
+                      </a:r>
+                    </a:p>
+                  </a:txBody>
+                  <a:tcPr anchor="ctr"/>
+                </a:tc>
+                <a:tc>
+                  <a:txBody>
+                    <a:bodyPr/>
+                    <a:lstStyle/>
+                    <a:p>
+                      <a:r>
+                        <a:rPr lang="ru-RU">
+                          <a:effectLst/>
+                        </a:rPr>
+                        <a:t>Битовый сдвиг вправо</a:t>
+                      </a:r>
+                    </a:p>
+                  </a:txBody>
+                  <a:tcPr anchor="ctr"/>
+                </a:tc>
+                <a:extLst>
+                  <a:ext uri="{0D108BD9-81ED-4DB2-BD59-A6C34878D82A}">
+                    <a16:rowId xmlns:a16="http://schemas.microsoft.com/office/drawing/2014/main" val="4153050615"/>
+                  </a:ext>
+                </a:extLst>
+              </a:tr>
+              <a:tr h="370840">
+                <a:tc>
+                  <a:txBody>
+                    <a:bodyPr/>
+                    <a:lstStyle/>
+                    <a:p>
+                      <a:r>
+                        <a:rPr lang="en-US">
+                          <a:effectLst/>
+                        </a:rPr>
+                        <a:t>~x</a:t>
+                      </a:r>
+                    </a:p>
+                  </a:txBody>
+                  <a:tcPr anchor="ctr"/>
+                </a:tc>
+                <a:tc>
+                  <a:txBody>
+                    <a:bodyPr/>
+                    <a:lstStyle/>
+                    <a:p>
+                      <a:r>
+                        <a:rPr lang="ru-RU" dirty="0">
+                          <a:effectLst/>
+                        </a:rPr>
+                        <a:t>Инверсия битов</a:t>
+                      </a:r>
+                    </a:p>
+                  </a:txBody>
+                  <a:tcPr anchor="ctr"/>
+                </a:tc>
+                <a:extLst>
+                  <a:ext uri="{0D108BD9-81ED-4DB2-BD59-A6C34878D82A}">
+                    <a16:rowId xmlns:a16="http://schemas.microsoft.com/office/drawing/2014/main" val="2407039616"/>
+                  </a:ext>
+                </a:extLst>
+              </a:tr>
+            </a:tbl>
+          </a:graphicData>
+        </a:graphic>
+      </p:graphicFrame>
+      <p:sp>
+        <p:nvSpPr>
+          <p:cNvPr id="5" name="Прямоугольник: скругленные углы 4">
+            <a:extLst>
+              <a:ext uri="{FF2B5EF4-FFF2-40B4-BE49-F238E27FC236}">
+                <a16:creationId xmlns:a16="http://schemas.microsoft.com/office/drawing/2014/main" id="{BA1E26C9-7573-471E-8ECB-4733370C3E8A}"/>
+              </a:ext>
+            </a:extLst>
+          </p:cNvPr>
+          <p:cNvSpPr/>
+          <p:nvPr/>
+        </p:nvSpPr>
+        <p:spPr>
+          <a:xfrm>
+            <a:off x="3880884" y="1839433"/>
+            <a:ext cx="2711303" cy="648586"/>
+          </a:xfrm>
+          <a:prstGeom prst="roundRect">
+            <a:avLst/>
+          </a:prstGeom>
+        </p:spPr>
+        <p:style>
+          <a:lnRef idx="2">
+            <a:schemeClr val="accent1">
+              <a:shade val="50000"/>
+            </a:schemeClr>
+          </a:lnRef>
+          <a:fillRef idx="1">
+            <a:schemeClr val="accent1"/>
+          </a:fillRef>
+          <a:effectRef idx="0">
+            <a:schemeClr val="accent1"/>
+          </a:effectRef>
+          <a:fontRef idx="minor">
+            <a:schemeClr val="lt1"/>
+          </a:fontRef>
+        </p:style>
+        <p:txBody>
+          <a:bodyPr rtlCol="0" anchor="ctr"/>
+          <a:lstStyle/>
+          <a:p>
+            <a:pPr algn="ctr"/>
+            <a:r>
+              <a:rPr lang="ru-RU" dirty="0"/>
+              <a:t>110011</a:t>
+            </a:r>
+          </a:p>
+        </p:txBody>
+      </p:sp>
+      <p:sp>
+        <p:nvSpPr>
+          <p:cNvPr id="6" name="Прямоугольник: скругленные углы 5">
+            <a:extLst>
+              <a:ext uri="{FF2B5EF4-FFF2-40B4-BE49-F238E27FC236}">
+                <a16:creationId xmlns:a16="http://schemas.microsoft.com/office/drawing/2014/main" id="{CF65F861-AF58-4B8F-80F1-181DC72D6D6E}"/>
+              </a:ext>
+            </a:extLst>
+          </p:cNvPr>
+          <p:cNvSpPr/>
+          <p:nvPr/>
+        </p:nvSpPr>
+        <p:spPr>
+          <a:xfrm>
+            <a:off x="3880884" y="2636712"/>
+            <a:ext cx="2711303" cy="648586"/>
+          </a:xfrm>
+          <a:prstGeom prst="roundRect">
+            <a:avLst/>
+          </a:prstGeom>
+        </p:spPr>
+        <p:style>
+          <a:lnRef idx="2">
+            <a:schemeClr val="accent1">
+              <a:shade val="50000"/>
+            </a:schemeClr>
+          </a:lnRef>
+          <a:fillRef idx="1">
+            <a:schemeClr val="accent1"/>
+          </a:fillRef>
+          <a:effectRef idx="0">
+            <a:schemeClr val="accent1"/>
+          </a:effectRef>
+          <a:fontRef idx="minor">
+            <a:schemeClr val="lt1"/>
+          </a:fontRef>
+        </p:style>
+        <p:txBody>
+          <a:bodyPr rtlCol="0" anchor="ctr"/>
+          <a:lstStyle/>
+          <a:p>
+            <a:pPr algn="ctr"/>
+            <a:r>
+              <a:rPr lang="ru-RU" dirty="0"/>
+              <a:t>110011</a:t>
+            </a:r>
+          </a:p>
+        </p:txBody>
+      </p:sp>
+      <p:sp>
+        <p:nvSpPr>
+          <p:cNvPr id="7" name="Блок-схема: узел суммирования 6">
+            <a:extLst>
+              <a:ext uri="{FF2B5EF4-FFF2-40B4-BE49-F238E27FC236}">
+                <a16:creationId xmlns:a16="http://schemas.microsoft.com/office/drawing/2014/main" id="{ECDA3624-7022-4CBE-A053-7668B43CA73B}"/>
+              </a:ext>
+            </a:extLst>
+          </p:cNvPr>
+          <p:cNvSpPr/>
+          <p:nvPr/>
+        </p:nvSpPr>
+        <p:spPr>
+          <a:xfrm>
+            <a:off x="3125972" y="2264735"/>
+            <a:ext cx="499730" cy="467832"/>
+          </a:xfrm>
+          <a:prstGeom prst="flowChartSummingJunction">
+            <a:avLst/>
+          </a:prstGeom>
+        </p:spPr>
+        <p:style>
+          <a:lnRef idx="2">
+            <a:schemeClr val="accent1">
+              <a:shade val="50000"/>
+            </a:schemeClr>
+          </a:lnRef>
+          <a:fillRef idx="1">
+            <a:schemeClr val="accent1"/>
+          </a:fillRef>
+          <a:effectRef idx="0">
+            <a:schemeClr val="accent1"/>
+          </a:effectRef>
+          <a:fontRef idx="minor">
+            <a:schemeClr val="lt1"/>
+          </a:fontRef>
+        </p:style>
+        <p:txBody>
+          <a:bodyPr rtlCol="0" anchor="ctr"/>
+          <a:lstStyle/>
+          <a:p>
+            <a:pPr algn="ctr"/>
+            <a:endParaRPr lang="ru-RU"/>
+          </a:p>
+        </p:txBody>
+      </p:sp>
+    </p:spTree>
+    <p:extLst>
+      <p:ext uri="{BB962C8B-B14F-4D97-AF65-F5344CB8AC3E}">
+        <p14:creationId xmlns:p14="http://schemas.microsoft.com/office/powerpoint/2010/main" val="1172973264"/>
+      </p:ext>
+    </p:extLst>
+  </p:cSld>
+  <p:clrMapOvr>
+    <a:masterClrMapping/>
+  </p:clrMapOvr>
+</p:sld>
+</file>
+
+<file path=ppt/slides/slide31.xml><?xml version="1.0" encoding="utf-8"?>
+<p:sld xmlns:a="http://schemas.openxmlformats.org/drawingml/2006/main" xmlns:r="http://schemas.openxmlformats.org/officeDocument/2006/relationships" xmlns:p="http://schemas.openxmlformats.org/presentationml/2006/main">
+  <p:cSld>
+    <p:spTree>
+      <p:nvGrpSpPr>
+        <p:cNvPr id="1" name=""/>
+        <p:cNvGrpSpPr/>
+        <p:nvPr/>
+      </p:nvGrpSpPr>
+      <p:grpSpPr>
+        <a:xfrm>
+          <a:off x="0" y="0"/>
+          <a:ext cx="0" cy="0"/>
+          <a:chOff x="0" y="0"/>
+          <a:chExt cx="0" cy="0"/>
+        </a:xfrm>
+      </p:grpSpPr>
+      <p:sp>
+        <p:nvSpPr>
+          <p:cNvPr id="2" name="Заголовок 1">
+            <a:extLst>
+              <a:ext uri="{FF2B5EF4-FFF2-40B4-BE49-F238E27FC236}">
+                <a16:creationId xmlns:a16="http://schemas.microsoft.com/office/drawing/2014/main" id="{3494E680-DF0C-4EB5-96F1-5527DCD78BA9}"/>
+              </a:ext>
+            </a:extLst>
+          </p:cNvPr>
+          <p:cNvSpPr>
+            <a:spLocks noGrp="1"/>
+          </p:cNvSpPr>
+          <p:nvPr>
+            <p:ph type="title"/>
+          </p:nvPr>
+        </p:nvSpPr>
+        <p:spPr/>
+        <p:txBody>
+          <a:bodyPr/>
+          <a:lstStyle/>
+          <a:p>
+            <a:r>
+              <a:rPr lang="ru-RU" dirty="0"/>
+              <a:t>Численные типы данных. Комплексные числа</a:t>
+            </a:r>
+          </a:p>
+        </p:txBody>
+      </p:sp>
+      <p:sp>
+        <p:nvSpPr>
+          <p:cNvPr id="5" name="TextBox 4">
+            <a:extLst>
+              <a:ext uri="{FF2B5EF4-FFF2-40B4-BE49-F238E27FC236}">
+                <a16:creationId xmlns:a16="http://schemas.microsoft.com/office/drawing/2014/main" id="{82CD169F-7F10-4102-845A-6091E5C70415}"/>
+              </a:ext>
+            </a:extLst>
+          </p:cNvPr>
+          <p:cNvSpPr txBox="1"/>
+          <p:nvPr/>
+        </p:nvSpPr>
+        <p:spPr>
+          <a:xfrm>
+            <a:off x="2060058" y="2456419"/>
+            <a:ext cx="6097772" cy="1477328"/>
+          </a:xfrm>
+          <a:prstGeom prst="rect">
+            <a:avLst/>
+          </a:prstGeom>
+          <a:noFill/>
+        </p:spPr>
+        <p:txBody>
+          <a:bodyPr wrap="square">
+            <a:spAutoFit/>
+          </a:bodyPr>
+          <a:lstStyle/>
+          <a:p>
+            <a:r>
+              <a:rPr lang="en-US" b="0" dirty="0">
+                <a:solidFill>
+                  <a:srgbClr val="D4D4D4"/>
+                </a:solidFill>
+                <a:effectLst/>
+                <a:latin typeface="Consolas" panose="020B0609020204030204" pitchFamily="49" charset="0"/>
+              </a:rPr>
+              <a:t>x = </a:t>
+            </a:r>
+            <a:r>
+              <a:rPr lang="en-US" b="0" dirty="0">
+                <a:solidFill>
+                  <a:srgbClr val="4EC9B0"/>
+                </a:solidFill>
+                <a:effectLst/>
+                <a:latin typeface="Consolas" panose="020B0609020204030204" pitchFamily="49" charset="0"/>
+              </a:rPr>
+              <a:t>complex</a:t>
+            </a:r>
+            <a:r>
+              <a:rPr lang="en-US" b="0" dirty="0">
+                <a:solidFill>
+                  <a:srgbClr val="D4D4D4"/>
+                </a:solidFill>
+                <a:effectLst/>
+                <a:latin typeface="Consolas" panose="020B0609020204030204" pitchFamily="49" charset="0"/>
+              </a:rPr>
+              <a:t>(</a:t>
+            </a:r>
+            <a:r>
+              <a:rPr lang="en-US" b="0" dirty="0">
+                <a:solidFill>
+                  <a:srgbClr val="B5CEA8"/>
+                </a:solidFill>
+                <a:effectLst/>
+                <a:latin typeface="Consolas" panose="020B0609020204030204" pitchFamily="49" charset="0"/>
+              </a:rPr>
+              <a:t>1</a:t>
+            </a:r>
+            <a:r>
+              <a:rPr lang="en-US" b="0" dirty="0">
+                <a:solidFill>
+                  <a:srgbClr val="D4D4D4"/>
+                </a:solidFill>
+                <a:effectLst/>
+                <a:latin typeface="Consolas" panose="020B0609020204030204" pitchFamily="49" charset="0"/>
+              </a:rPr>
+              <a:t>,</a:t>
+            </a:r>
+            <a:r>
+              <a:rPr lang="en-US" b="0" dirty="0">
+                <a:solidFill>
+                  <a:srgbClr val="B5CEA8"/>
+                </a:solidFill>
+                <a:effectLst/>
+                <a:latin typeface="Consolas" panose="020B0609020204030204" pitchFamily="49" charset="0"/>
+              </a:rPr>
+              <a:t>2</a:t>
+            </a:r>
+            <a:r>
+              <a:rPr lang="en-US" b="0" dirty="0">
+                <a:solidFill>
+                  <a:srgbClr val="D4D4D4"/>
+                </a:solidFill>
+                <a:effectLst/>
+                <a:latin typeface="Consolas" panose="020B0609020204030204" pitchFamily="49" charset="0"/>
+              </a:rPr>
+              <a:t>)</a:t>
+            </a:r>
+          </a:p>
+          <a:p>
+            <a:r>
+              <a:rPr lang="en-US" b="0" dirty="0">
+                <a:solidFill>
+                  <a:srgbClr val="D4D4D4"/>
+                </a:solidFill>
+                <a:effectLst/>
+                <a:latin typeface="Consolas" panose="020B0609020204030204" pitchFamily="49" charset="0"/>
+              </a:rPr>
+              <a:t>y = (</a:t>
+            </a:r>
+            <a:r>
+              <a:rPr lang="en-US" b="0" dirty="0">
+                <a:solidFill>
+                  <a:srgbClr val="B5CEA8"/>
+                </a:solidFill>
+                <a:effectLst/>
+                <a:latin typeface="Consolas" panose="020B0609020204030204" pitchFamily="49" charset="0"/>
+              </a:rPr>
+              <a:t>2</a:t>
+            </a:r>
+            <a:r>
+              <a:rPr lang="en-US" b="0" dirty="0">
+                <a:solidFill>
+                  <a:srgbClr val="D4D4D4"/>
+                </a:solidFill>
+                <a:effectLst/>
+                <a:latin typeface="Consolas" panose="020B0609020204030204" pitchFamily="49" charset="0"/>
+              </a:rPr>
+              <a:t>+</a:t>
+            </a:r>
+            <a:r>
+              <a:rPr lang="en-US" b="0" dirty="0">
+                <a:solidFill>
+                  <a:srgbClr val="B5CEA8"/>
+                </a:solidFill>
+                <a:effectLst/>
+                <a:latin typeface="Consolas" panose="020B0609020204030204" pitchFamily="49" charset="0"/>
+              </a:rPr>
+              <a:t>8</a:t>
+            </a:r>
+            <a:r>
+              <a:rPr lang="en-US" b="0" dirty="0">
+                <a:solidFill>
+                  <a:srgbClr val="569CD6"/>
+                </a:solidFill>
+                <a:effectLst/>
+                <a:latin typeface="Consolas" panose="020B0609020204030204" pitchFamily="49" charset="0"/>
+              </a:rPr>
+              <a:t>j</a:t>
+            </a:r>
+            <a:r>
+              <a:rPr lang="en-US" b="0" dirty="0">
+                <a:solidFill>
+                  <a:srgbClr val="D4D4D4"/>
+                </a:solidFill>
+                <a:effectLst/>
+                <a:latin typeface="Consolas" panose="020B0609020204030204" pitchFamily="49" charset="0"/>
+              </a:rPr>
+              <a:t>)</a:t>
+            </a:r>
+          </a:p>
+          <a:p>
+            <a:r>
+              <a:rPr lang="en-US" b="0" dirty="0">
+                <a:solidFill>
+                  <a:srgbClr val="D4D4D4"/>
+                </a:solidFill>
+                <a:effectLst/>
+                <a:latin typeface="Consolas" panose="020B0609020204030204" pitchFamily="49" charset="0"/>
+              </a:rPr>
+              <a:t>z = x + y</a:t>
+            </a:r>
+          </a:p>
+          <a:p>
+            <a:br>
+              <a:rPr lang="en-US" b="0" dirty="0">
+                <a:solidFill>
+                  <a:srgbClr val="D4D4D4"/>
+                </a:solidFill>
+                <a:effectLst/>
+                <a:latin typeface="Consolas" panose="020B0609020204030204" pitchFamily="49" charset="0"/>
+              </a:rPr>
+            </a:br>
+            <a:r>
+              <a:rPr lang="en-US" b="0" dirty="0">
+                <a:solidFill>
+                  <a:srgbClr val="DCDCAA"/>
+                </a:solidFill>
+                <a:effectLst/>
+                <a:latin typeface="Consolas" panose="020B0609020204030204" pitchFamily="49" charset="0"/>
+              </a:rPr>
+              <a:t>print</a:t>
+            </a:r>
+            <a:r>
+              <a:rPr lang="en-US" b="0" dirty="0">
+                <a:solidFill>
+                  <a:srgbClr val="D4D4D4"/>
+                </a:solidFill>
+                <a:effectLst/>
+                <a:latin typeface="Consolas" panose="020B0609020204030204" pitchFamily="49" charset="0"/>
+              </a:rPr>
+              <a:t>(</a:t>
+            </a:r>
+            <a:r>
+              <a:rPr lang="en-US" b="0" dirty="0" err="1">
+                <a:solidFill>
+                  <a:srgbClr val="569CD6"/>
+                </a:solidFill>
+                <a:effectLst/>
+                <a:latin typeface="Consolas" panose="020B0609020204030204" pitchFamily="49" charset="0"/>
+              </a:rPr>
+              <a:t>f</a:t>
+            </a:r>
+            <a:r>
+              <a:rPr lang="en-US" b="0" dirty="0" err="1">
+                <a:solidFill>
+                  <a:srgbClr val="CE9178"/>
+                </a:solidFill>
+                <a:effectLst/>
+                <a:latin typeface="Consolas" panose="020B0609020204030204" pitchFamily="49" charset="0"/>
+              </a:rPr>
+              <a:t>"Real</a:t>
+            </a:r>
+            <a:r>
+              <a:rPr lang="en-US" b="0" dirty="0">
+                <a:solidFill>
+                  <a:srgbClr val="CE9178"/>
+                </a:solidFill>
+                <a:effectLst/>
+                <a:latin typeface="Consolas" panose="020B0609020204030204" pitchFamily="49" charset="0"/>
+              </a:rPr>
+              <a:t> z = </a:t>
+            </a:r>
+            <a:r>
+              <a:rPr lang="en-US" b="0" dirty="0">
+                <a:solidFill>
+                  <a:srgbClr val="569CD6"/>
+                </a:solidFill>
+                <a:effectLst/>
+                <a:latin typeface="Consolas" panose="020B0609020204030204" pitchFamily="49" charset="0"/>
+              </a:rPr>
+              <a:t>{</a:t>
+            </a:r>
+            <a:r>
+              <a:rPr lang="en-US" b="0" dirty="0" err="1">
+                <a:solidFill>
+                  <a:srgbClr val="D4D4D4"/>
+                </a:solidFill>
+                <a:effectLst/>
+                <a:latin typeface="Consolas" panose="020B0609020204030204" pitchFamily="49" charset="0"/>
+              </a:rPr>
+              <a:t>x.real</a:t>
+            </a:r>
+            <a:r>
+              <a:rPr lang="en-US" b="0" dirty="0">
+                <a:solidFill>
+                  <a:srgbClr val="569CD6"/>
+                </a:solidFill>
+                <a:effectLst/>
+                <a:latin typeface="Consolas" panose="020B0609020204030204" pitchFamily="49" charset="0"/>
+              </a:rPr>
+              <a:t>}</a:t>
+            </a:r>
+            <a:r>
+              <a:rPr lang="en-US" b="0" dirty="0">
+                <a:solidFill>
+                  <a:srgbClr val="CE9178"/>
+                </a:solidFill>
+                <a:effectLst/>
+                <a:latin typeface="Consolas" panose="020B0609020204030204" pitchFamily="49" charset="0"/>
+              </a:rPr>
+              <a:t>, Image = </a:t>
+            </a:r>
+            <a:r>
+              <a:rPr lang="en-US" b="0" dirty="0">
+                <a:solidFill>
+                  <a:srgbClr val="569CD6"/>
+                </a:solidFill>
+                <a:effectLst/>
+                <a:latin typeface="Consolas" panose="020B0609020204030204" pitchFamily="49" charset="0"/>
+              </a:rPr>
+              <a:t>{</a:t>
+            </a:r>
+            <a:r>
+              <a:rPr lang="en-US" b="0" dirty="0" err="1">
+                <a:solidFill>
+                  <a:srgbClr val="D4D4D4"/>
+                </a:solidFill>
+                <a:effectLst/>
+                <a:latin typeface="Consolas" panose="020B0609020204030204" pitchFamily="49" charset="0"/>
+              </a:rPr>
+              <a:t>z.imag</a:t>
+            </a:r>
+            <a:r>
+              <a:rPr lang="en-US" b="0" dirty="0">
+                <a:solidFill>
+                  <a:srgbClr val="569CD6"/>
+                </a:solidFill>
+                <a:effectLst/>
+                <a:latin typeface="Consolas" panose="020B0609020204030204" pitchFamily="49" charset="0"/>
+              </a:rPr>
+              <a:t>}</a:t>
+            </a:r>
+            <a:r>
+              <a:rPr lang="en-US" b="0" dirty="0">
+                <a:solidFill>
+                  <a:srgbClr val="CE9178"/>
+                </a:solidFill>
+                <a:effectLst/>
+                <a:latin typeface="Consolas" panose="020B0609020204030204" pitchFamily="49" charset="0"/>
+              </a:rPr>
+              <a:t>"</a:t>
+            </a:r>
+            <a:r>
+              <a:rPr lang="en-US" b="0" dirty="0">
+                <a:solidFill>
+                  <a:srgbClr val="D4D4D4"/>
+                </a:solidFill>
+                <a:effectLst/>
+                <a:latin typeface="Consolas" panose="020B0609020204030204" pitchFamily="49" charset="0"/>
+              </a:rPr>
+              <a:t>)</a:t>
+            </a:r>
+          </a:p>
+        </p:txBody>
+      </p:sp>
+      <p:sp>
+        <p:nvSpPr>
+          <p:cNvPr id="6" name="Облачко с текстом: прямоугольное 5">
+            <a:extLst>
+              <a:ext uri="{FF2B5EF4-FFF2-40B4-BE49-F238E27FC236}">
+                <a16:creationId xmlns:a16="http://schemas.microsoft.com/office/drawing/2014/main" id="{83D222D1-9DA4-416C-AE65-EFC0E6FE16DB}"/>
+              </a:ext>
+            </a:extLst>
+          </p:cNvPr>
+          <p:cNvSpPr/>
+          <p:nvPr/>
+        </p:nvSpPr>
+        <p:spPr>
+          <a:xfrm>
+            <a:off x="6096000" y="1265274"/>
+            <a:ext cx="3271284" cy="893135"/>
+          </a:xfrm>
+          <a:prstGeom prst="wedgeRectCallout">
+            <a:avLst>
+              <a:gd name="adj1" fmla="val -105983"/>
+              <a:gd name="adj2" fmla="val 105357"/>
+            </a:avLst>
+          </a:prstGeom>
+        </p:spPr>
+        <p:style>
+          <a:lnRef idx="2">
+            <a:schemeClr val="accent1">
+              <a:shade val="50000"/>
+            </a:schemeClr>
+          </a:lnRef>
+          <a:fillRef idx="1">
+            <a:schemeClr val="accent1"/>
+          </a:fillRef>
+          <a:effectRef idx="0">
+            <a:schemeClr val="accent1"/>
+          </a:effectRef>
+          <a:fontRef idx="minor">
+            <a:schemeClr val="lt1"/>
+          </a:fontRef>
+        </p:style>
+        <p:txBody>
+          <a:bodyPr rtlCol="0" anchor="ctr"/>
+          <a:lstStyle/>
+          <a:p>
+            <a:pPr algn="ctr"/>
+            <a:r>
+              <a:rPr lang="ru-RU" dirty="0"/>
+              <a:t>Создание комплексного числа через создание объекта</a:t>
+            </a:r>
+          </a:p>
+        </p:txBody>
+      </p:sp>
+      <p:sp>
+        <p:nvSpPr>
+          <p:cNvPr id="7" name="Облачко с текстом: прямоугольное 6">
+            <a:extLst>
+              <a:ext uri="{FF2B5EF4-FFF2-40B4-BE49-F238E27FC236}">
+                <a16:creationId xmlns:a16="http://schemas.microsoft.com/office/drawing/2014/main" id="{69E4D06A-8767-4F17-8824-C9345B04B73C}"/>
+              </a:ext>
+            </a:extLst>
+          </p:cNvPr>
+          <p:cNvSpPr/>
+          <p:nvPr/>
+        </p:nvSpPr>
+        <p:spPr>
+          <a:xfrm>
+            <a:off x="6096000" y="2323213"/>
+            <a:ext cx="3271284" cy="893135"/>
+          </a:xfrm>
+          <a:prstGeom prst="wedgeRectCallout">
+            <a:avLst>
+              <a:gd name="adj1" fmla="val -130035"/>
+              <a:gd name="adj2" fmla="val 24405"/>
+            </a:avLst>
+          </a:prstGeom>
+        </p:spPr>
+        <p:style>
+          <a:lnRef idx="2">
+            <a:schemeClr val="accent1">
+              <a:shade val="50000"/>
+            </a:schemeClr>
+          </a:lnRef>
+          <a:fillRef idx="1">
+            <a:schemeClr val="accent1"/>
+          </a:fillRef>
+          <a:effectRef idx="0">
+            <a:schemeClr val="accent1"/>
+          </a:effectRef>
+          <a:fontRef idx="minor">
+            <a:schemeClr val="lt1"/>
+          </a:fontRef>
+        </p:style>
+        <p:txBody>
+          <a:bodyPr rtlCol="0" anchor="ctr"/>
+          <a:lstStyle/>
+          <a:p>
+            <a:pPr algn="ctr"/>
+            <a:r>
+              <a:rPr lang="ru-RU" dirty="0"/>
+              <a:t>Создание комплексного числа через константу</a:t>
+            </a:r>
+          </a:p>
+        </p:txBody>
+      </p:sp>
+      <p:sp>
+        <p:nvSpPr>
+          <p:cNvPr id="8" name="Облачко с текстом: прямоугольное 7">
+            <a:extLst>
+              <a:ext uri="{FF2B5EF4-FFF2-40B4-BE49-F238E27FC236}">
+                <a16:creationId xmlns:a16="http://schemas.microsoft.com/office/drawing/2014/main" id="{343CE774-0BD5-4B32-B062-B01DC7B791AA}"/>
+              </a:ext>
+            </a:extLst>
+          </p:cNvPr>
+          <p:cNvSpPr/>
+          <p:nvPr/>
+        </p:nvSpPr>
+        <p:spPr>
+          <a:xfrm>
+            <a:off x="1088065" y="5348176"/>
+            <a:ext cx="3271284" cy="893135"/>
+          </a:xfrm>
+          <a:prstGeom prst="wedgeRectCallout">
+            <a:avLst>
+              <a:gd name="adj1" fmla="val 60756"/>
+              <a:gd name="adj2" fmla="val -216071"/>
+            </a:avLst>
+          </a:prstGeom>
+        </p:spPr>
+        <p:style>
+          <a:lnRef idx="2">
+            <a:schemeClr val="accent1">
+              <a:shade val="50000"/>
+            </a:schemeClr>
+          </a:lnRef>
+          <a:fillRef idx="1">
+            <a:schemeClr val="accent1"/>
+          </a:fillRef>
+          <a:effectRef idx="0">
+            <a:schemeClr val="accent1"/>
+          </a:effectRef>
+          <a:fontRef idx="minor">
+            <a:schemeClr val="lt1"/>
+          </a:fontRef>
+        </p:style>
+        <p:txBody>
+          <a:bodyPr rtlCol="0" anchor="ctr"/>
+          <a:lstStyle/>
+          <a:p>
+            <a:pPr algn="ctr"/>
+            <a:r>
+              <a:rPr lang="ru-RU" dirty="0"/>
+              <a:t>Обращение к действительной части</a:t>
+            </a:r>
+          </a:p>
+        </p:txBody>
+      </p:sp>
+      <p:sp>
+        <p:nvSpPr>
+          <p:cNvPr id="9" name="Облачко с текстом: прямоугольное 8">
+            <a:extLst>
+              <a:ext uri="{FF2B5EF4-FFF2-40B4-BE49-F238E27FC236}">
+                <a16:creationId xmlns:a16="http://schemas.microsoft.com/office/drawing/2014/main" id="{2886D48E-B4C0-4735-A050-A3BDE952EAC9}"/>
+              </a:ext>
+            </a:extLst>
+          </p:cNvPr>
+          <p:cNvSpPr/>
+          <p:nvPr/>
+        </p:nvSpPr>
+        <p:spPr>
+          <a:xfrm>
+            <a:off x="7467600" y="5348176"/>
+            <a:ext cx="3271284" cy="893135"/>
+          </a:xfrm>
+          <a:prstGeom prst="wedgeRectCallout">
+            <a:avLst>
+              <a:gd name="adj1" fmla="val -59504"/>
+              <a:gd name="adj2" fmla="val -205357"/>
+            </a:avLst>
+          </a:prstGeom>
+        </p:spPr>
+        <p:style>
+          <a:lnRef idx="2">
+            <a:schemeClr val="accent1">
+              <a:shade val="50000"/>
+            </a:schemeClr>
+          </a:lnRef>
+          <a:fillRef idx="1">
+            <a:schemeClr val="accent1"/>
+          </a:fillRef>
+          <a:effectRef idx="0">
+            <a:schemeClr val="accent1"/>
+          </a:effectRef>
+          <a:fontRef idx="minor">
+            <a:schemeClr val="lt1"/>
+          </a:fontRef>
+        </p:style>
+        <p:txBody>
+          <a:bodyPr rtlCol="0" anchor="ctr"/>
+          <a:lstStyle/>
+          <a:p>
+            <a:pPr algn="ctr"/>
+            <a:r>
+              <a:rPr lang="ru-RU" dirty="0"/>
+              <a:t>Обращение к мнимой части</a:t>
+            </a:r>
+          </a:p>
+        </p:txBody>
+      </p:sp>
+    </p:spTree>
+    <p:extLst>
+      <p:ext uri="{BB962C8B-B14F-4D97-AF65-F5344CB8AC3E}">
+        <p14:creationId xmlns:p14="http://schemas.microsoft.com/office/powerpoint/2010/main" val="699735164"/>
       </p:ext>
     </p:extLst>
   </p:cSld>

--- a/Presentation/Основы алгоритмизации и программирования.pptx
+++ b/Presentation/Основы алгоритмизации и программирования.pptx
@@ -36,6 +36,12 @@
     <p:sldId id="284" r:id="rId30"/>
     <p:sldId id="285" r:id="rId31"/>
     <p:sldId id="286" r:id="rId32"/>
+    <p:sldId id="287" r:id="rId33"/>
+    <p:sldId id="288" r:id="rId34"/>
+    <p:sldId id="289" r:id="rId35"/>
+    <p:sldId id="290" r:id="rId36"/>
+    <p:sldId id="291" r:id="rId37"/>
+    <p:sldId id="292" r:id="rId38"/>
   </p:sldIdLst>
   <p:sldSz cx="12192000" cy="6858000"/>
   <p:notesSz cx="6858000" cy="9144000"/>
@@ -10576,6 +10582,2272 @@
 </p:sld>
 </file>
 
+<file path=ppt/slides/slide32.xml><?xml version="1.0" encoding="utf-8"?>
+<p:sld xmlns:a="http://schemas.openxmlformats.org/drawingml/2006/main" xmlns:r="http://schemas.openxmlformats.org/officeDocument/2006/relationships" xmlns:p="http://schemas.openxmlformats.org/presentationml/2006/main">
+  <p:cSld>
+    <p:spTree>
+      <p:nvGrpSpPr>
+        <p:cNvPr id="1" name=""/>
+        <p:cNvGrpSpPr/>
+        <p:nvPr/>
+      </p:nvGrpSpPr>
+      <p:grpSpPr>
+        <a:xfrm>
+          <a:off x="0" y="0"/>
+          <a:ext cx="0" cy="0"/>
+          <a:chOff x="0" y="0"/>
+          <a:chExt cx="0" cy="0"/>
+        </a:xfrm>
+      </p:grpSpPr>
+      <p:sp>
+        <p:nvSpPr>
+          <p:cNvPr id="2" name="Заголовок 1">
+            <a:extLst>
+              <a:ext uri="{FF2B5EF4-FFF2-40B4-BE49-F238E27FC236}">
+                <a16:creationId xmlns:a16="http://schemas.microsoft.com/office/drawing/2014/main" id="{25E1EFF2-DFA5-4664-BF47-5CC7F5F80129}"/>
+              </a:ext>
+            </a:extLst>
+          </p:cNvPr>
+          <p:cNvSpPr>
+            <a:spLocks noGrp="1"/>
+          </p:cNvSpPr>
+          <p:nvPr>
+            <p:ph type="title"/>
+          </p:nvPr>
+        </p:nvSpPr>
+        <p:spPr/>
+        <p:txBody>
+          <a:bodyPr/>
+          <a:lstStyle/>
+          <a:p>
+            <a:r>
+              <a:rPr lang="ru-RU" dirty="0"/>
+              <a:t>Строки</a:t>
+            </a:r>
+          </a:p>
+        </p:txBody>
+      </p:sp>
+      <p:sp>
+        <p:nvSpPr>
+          <p:cNvPr id="3" name="Объект 2">
+            <a:extLst>
+              <a:ext uri="{FF2B5EF4-FFF2-40B4-BE49-F238E27FC236}">
+                <a16:creationId xmlns:a16="http://schemas.microsoft.com/office/drawing/2014/main" id="{62B3548D-6593-4954-BE8D-7B0BD2154833}"/>
+              </a:ext>
+            </a:extLst>
+          </p:cNvPr>
+          <p:cNvSpPr>
+            <a:spLocks noGrp="1"/>
+          </p:cNvSpPr>
+          <p:nvPr>
+            <p:ph idx="1"/>
+          </p:nvPr>
+        </p:nvSpPr>
+        <p:spPr/>
+        <p:txBody>
+          <a:bodyPr/>
+          <a:lstStyle/>
+          <a:p>
+            <a:r>
+              <a:rPr lang="ru-RU" dirty="0"/>
+              <a:t>Строка – неизменяемый набор символов произвольной длины</a:t>
+            </a:r>
+          </a:p>
+          <a:p>
+            <a:r>
+              <a:rPr lang="en-US" dirty="0"/>
+              <a:t>Python </a:t>
+            </a:r>
+            <a:r>
+              <a:rPr lang="ru-RU" dirty="0"/>
+              <a:t>поддерживает </a:t>
+            </a:r>
+            <a:r>
+              <a:rPr lang="en-US" dirty="0" err="1"/>
+              <a:t>unicode</a:t>
+            </a:r>
+            <a:r>
+              <a:rPr lang="en-US" dirty="0"/>
+              <a:t>-</a:t>
+            </a:r>
+            <a:r>
+              <a:rPr lang="ru-RU" dirty="0"/>
+              <a:t>строки в формате  </a:t>
+            </a:r>
+            <a:r>
+              <a:rPr lang="en-US" dirty="0"/>
+              <a:t>UTF-8 – </a:t>
+            </a:r>
+            <a:r>
+              <a:rPr lang="ru-RU" dirty="0"/>
+              <a:t>для национальных символов, смайлов и т.д.</a:t>
+            </a:r>
+          </a:p>
+          <a:p>
+            <a:r>
+              <a:rPr lang="ru-RU" dirty="0"/>
+              <a:t>Можно использовать сочетание </a:t>
+            </a:r>
+            <a:r>
+              <a:rPr lang="en-US" dirty="0"/>
+              <a:t>\u</a:t>
+            </a:r>
+            <a:r>
+              <a:rPr lang="ru-RU" dirty="0"/>
+              <a:t>ЧИСЛОВОЙКОД для указания символа, которого нет на клавиатуре</a:t>
+            </a:r>
+          </a:p>
+          <a:p>
+            <a:r>
+              <a:rPr lang="ru-RU" dirty="0"/>
+              <a:t>Символ </a:t>
+            </a:r>
+            <a:r>
+              <a:rPr lang="en-US" dirty="0"/>
+              <a:t>Unicode </a:t>
+            </a:r>
+            <a:r>
+              <a:rPr lang="ru-RU" dirty="0"/>
+              <a:t>можно записать используя его имя </a:t>
+            </a:r>
+            <a:br>
+              <a:rPr lang="ru-RU" dirty="0"/>
+            </a:br>
+            <a:endParaRPr lang="ru-RU" dirty="0"/>
+          </a:p>
+          <a:p>
+            <a:endParaRPr lang="ru-RU" dirty="0"/>
+          </a:p>
+        </p:txBody>
+      </p:sp>
+      <p:sp>
+        <p:nvSpPr>
+          <p:cNvPr id="7" name="TextBox 6">
+            <a:extLst>
+              <a:ext uri="{FF2B5EF4-FFF2-40B4-BE49-F238E27FC236}">
+                <a16:creationId xmlns:a16="http://schemas.microsoft.com/office/drawing/2014/main" id="{E7C8E4D0-4A70-4D74-9E4E-E0D34F4C9EB8}"/>
+              </a:ext>
+            </a:extLst>
+          </p:cNvPr>
+          <p:cNvSpPr txBox="1"/>
+          <p:nvPr/>
+        </p:nvSpPr>
+        <p:spPr>
+          <a:xfrm>
+            <a:off x="2825603" y="5061949"/>
+            <a:ext cx="6097772" cy="923330"/>
+          </a:xfrm>
+          <a:prstGeom prst="rect">
+            <a:avLst/>
+          </a:prstGeom>
+          <a:noFill/>
+        </p:spPr>
+        <p:txBody>
+          <a:bodyPr wrap="square">
+            <a:spAutoFit/>
+          </a:bodyPr>
+          <a:lstStyle/>
+          <a:p>
+            <a:r>
+              <a:rPr lang="en-US" b="0" dirty="0" err="1">
+                <a:solidFill>
+                  <a:srgbClr val="D4D4D4"/>
+                </a:solidFill>
+                <a:effectLst/>
+                <a:latin typeface="Consolas" panose="020B0609020204030204" pitchFamily="49" charset="0"/>
+              </a:rPr>
+              <a:t>unic</a:t>
+            </a:r>
+            <a:r>
+              <a:rPr lang="en-US" b="0" dirty="0">
+                <a:solidFill>
+                  <a:srgbClr val="D4D4D4"/>
+                </a:solidFill>
+                <a:effectLst/>
+                <a:latin typeface="Consolas" panose="020B0609020204030204" pitchFamily="49" charset="0"/>
+              </a:rPr>
+              <a:t> = </a:t>
+            </a:r>
+            <a:r>
+              <a:rPr lang="en-US" b="0" dirty="0">
+                <a:solidFill>
+                  <a:srgbClr val="CE9178"/>
+                </a:solidFill>
+                <a:effectLst/>
+                <a:latin typeface="Consolas" panose="020B0609020204030204" pitchFamily="49" charset="0"/>
+              </a:rPr>
+              <a:t>"</a:t>
+            </a:r>
+            <a:r>
+              <a:rPr lang="en-US" b="0" dirty="0">
+                <a:solidFill>
+                  <a:srgbClr val="D7BA7D"/>
+                </a:solidFill>
+                <a:effectLst/>
+                <a:latin typeface="Consolas" panose="020B0609020204030204" pitchFamily="49" charset="0"/>
+              </a:rPr>
+              <a:t>\N{LATIN SMALL LETTER O WITH DIAERESIS}</a:t>
+            </a:r>
+            <a:r>
+              <a:rPr lang="en-US" b="0" dirty="0">
+                <a:solidFill>
+                  <a:srgbClr val="CE9178"/>
+                </a:solidFill>
+                <a:effectLst/>
+                <a:latin typeface="Consolas" panose="020B0609020204030204" pitchFamily="49" charset="0"/>
+              </a:rPr>
+              <a:t>"</a:t>
+            </a:r>
+            <a:endParaRPr lang="en-US" b="0" dirty="0">
+              <a:solidFill>
+                <a:srgbClr val="D4D4D4"/>
+              </a:solidFill>
+              <a:effectLst/>
+              <a:latin typeface="Consolas" panose="020B0609020204030204" pitchFamily="49" charset="0"/>
+            </a:endParaRPr>
+          </a:p>
+          <a:p>
+            <a:r>
+              <a:rPr lang="en-US" b="0" dirty="0">
+                <a:solidFill>
+                  <a:srgbClr val="DCDCAA"/>
+                </a:solidFill>
+                <a:effectLst/>
+                <a:latin typeface="Consolas" panose="020B0609020204030204" pitchFamily="49" charset="0"/>
+              </a:rPr>
+              <a:t>print</a:t>
+            </a:r>
+            <a:r>
+              <a:rPr lang="en-US" b="0" dirty="0">
+                <a:solidFill>
+                  <a:srgbClr val="D4D4D4"/>
+                </a:solidFill>
+                <a:effectLst/>
+                <a:latin typeface="Consolas" panose="020B0609020204030204" pitchFamily="49" charset="0"/>
+              </a:rPr>
+              <a:t>(</a:t>
+            </a:r>
+            <a:r>
+              <a:rPr lang="en-US" b="0" dirty="0" err="1">
+                <a:solidFill>
+                  <a:srgbClr val="D4D4D4"/>
+                </a:solidFill>
+                <a:effectLst/>
+                <a:latin typeface="Consolas" panose="020B0609020204030204" pitchFamily="49" charset="0"/>
+              </a:rPr>
+              <a:t>unic</a:t>
+            </a:r>
+            <a:r>
+              <a:rPr lang="en-US" b="0" dirty="0">
+                <a:solidFill>
+                  <a:srgbClr val="D4D4D4"/>
+                </a:solidFill>
+                <a:effectLst/>
+                <a:latin typeface="Consolas" panose="020B0609020204030204" pitchFamily="49" charset="0"/>
+              </a:rPr>
+              <a:t>)</a:t>
+            </a:r>
+          </a:p>
+        </p:txBody>
+      </p:sp>
+    </p:spTree>
+    <p:extLst>
+      <p:ext uri="{BB962C8B-B14F-4D97-AF65-F5344CB8AC3E}">
+        <p14:creationId xmlns:p14="http://schemas.microsoft.com/office/powerpoint/2010/main" val="175832530"/>
+      </p:ext>
+    </p:extLst>
+  </p:cSld>
+  <p:clrMapOvr>
+    <a:masterClrMapping/>
+  </p:clrMapOvr>
+</p:sld>
+</file>
+
+<file path=ppt/slides/slide33.xml><?xml version="1.0" encoding="utf-8"?>
+<p:sld xmlns:a="http://schemas.openxmlformats.org/drawingml/2006/main" xmlns:r="http://schemas.openxmlformats.org/officeDocument/2006/relationships" xmlns:p="http://schemas.openxmlformats.org/presentationml/2006/main">
+  <p:cSld>
+    <p:spTree>
+      <p:nvGrpSpPr>
+        <p:cNvPr id="1" name=""/>
+        <p:cNvGrpSpPr/>
+        <p:nvPr/>
+      </p:nvGrpSpPr>
+      <p:grpSpPr>
+        <a:xfrm>
+          <a:off x="0" y="0"/>
+          <a:ext cx="0" cy="0"/>
+          <a:chOff x="0" y="0"/>
+          <a:chExt cx="0" cy="0"/>
+        </a:xfrm>
+      </p:grpSpPr>
+      <p:sp>
+        <p:nvSpPr>
+          <p:cNvPr id="2" name="Заголовок 1">
+            <a:extLst>
+              <a:ext uri="{FF2B5EF4-FFF2-40B4-BE49-F238E27FC236}">
+                <a16:creationId xmlns:a16="http://schemas.microsoft.com/office/drawing/2014/main" id="{9A3A52E1-138C-485C-9C4F-BDC30DA9541E}"/>
+              </a:ext>
+            </a:extLst>
+          </p:cNvPr>
+          <p:cNvSpPr>
+            <a:spLocks noGrp="1"/>
+          </p:cNvSpPr>
+          <p:nvPr>
+            <p:ph type="title"/>
+          </p:nvPr>
+        </p:nvSpPr>
+        <p:spPr/>
+        <p:txBody>
+          <a:bodyPr/>
+          <a:lstStyle/>
+          <a:p>
+            <a:r>
+              <a:rPr lang="ru-RU" dirty="0"/>
+              <a:t>Байты</a:t>
+            </a:r>
+            <a:r>
+              <a:rPr lang="en-US" dirty="0"/>
+              <a:t> (bytes)</a:t>
+            </a:r>
+            <a:endParaRPr lang="ru-RU" dirty="0"/>
+          </a:p>
+        </p:txBody>
+      </p:sp>
+      <p:sp>
+        <p:nvSpPr>
+          <p:cNvPr id="3" name="Объект 2">
+            <a:extLst>
+              <a:ext uri="{FF2B5EF4-FFF2-40B4-BE49-F238E27FC236}">
+                <a16:creationId xmlns:a16="http://schemas.microsoft.com/office/drawing/2014/main" id="{C56E136B-AFD8-4CD8-903D-1A0C5C5BF837}"/>
+              </a:ext>
+            </a:extLst>
+          </p:cNvPr>
+          <p:cNvSpPr>
+            <a:spLocks noGrp="1"/>
+          </p:cNvSpPr>
+          <p:nvPr>
+            <p:ph idx="1"/>
+          </p:nvPr>
+        </p:nvSpPr>
+        <p:spPr/>
+        <p:txBody>
+          <a:bodyPr>
+            <a:normAutofit fontScale="92500" lnSpcReduction="10000"/>
+          </a:bodyPr>
+          <a:lstStyle/>
+          <a:p>
+            <a:r>
+              <a:rPr lang="ru-RU" dirty="0"/>
+              <a:t>Тип </a:t>
+            </a:r>
+            <a:r>
+              <a:rPr lang="ru-RU" dirty="0" err="1"/>
+              <a:t>bytes</a:t>
+            </a:r>
+            <a:r>
+              <a:rPr lang="ru-RU" dirty="0"/>
+              <a:t> - это неизменяемая последовательность байтов.</a:t>
+            </a:r>
+          </a:p>
+          <a:p>
+            <a:r>
+              <a:rPr lang="ru-RU" dirty="0"/>
+              <a:t>Байты обозначаются так же, как строки, но с добавлением буквы «b» перед строкой:</a:t>
+            </a:r>
+            <a:endParaRPr lang="en-US" dirty="0"/>
+          </a:p>
+          <a:p>
+            <a:endParaRPr lang="en-US" dirty="0"/>
+          </a:p>
+          <a:p>
+            <a:endParaRPr lang="en-US" dirty="0"/>
+          </a:p>
+          <a:p>
+            <a:endParaRPr lang="en-US" dirty="0"/>
+          </a:p>
+          <a:p>
+            <a:endParaRPr lang="en-US" dirty="0"/>
+          </a:p>
+          <a:p>
+            <a:endParaRPr lang="en-US" dirty="0"/>
+          </a:p>
+          <a:p>
+            <a:r>
+              <a:rPr lang="ru-RU" dirty="0"/>
+              <a:t>Если попытаться написать не ASCII-символ в байтовом литерале, возникнет ошибка</a:t>
+            </a:r>
+          </a:p>
+        </p:txBody>
+      </p:sp>
+      <p:sp>
+        <p:nvSpPr>
+          <p:cNvPr id="7" name="TextBox 6">
+            <a:extLst>
+              <a:ext uri="{FF2B5EF4-FFF2-40B4-BE49-F238E27FC236}">
+                <a16:creationId xmlns:a16="http://schemas.microsoft.com/office/drawing/2014/main" id="{0849ADAE-2EDF-42AD-A5DB-7FBEEB0C5124}"/>
+              </a:ext>
+            </a:extLst>
+          </p:cNvPr>
+          <p:cNvSpPr txBox="1"/>
+          <p:nvPr/>
+        </p:nvSpPr>
+        <p:spPr>
+          <a:xfrm>
+            <a:off x="3047114" y="3168802"/>
+            <a:ext cx="6097772" cy="1477328"/>
+          </a:xfrm>
+          <a:prstGeom prst="rect">
+            <a:avLst/>
+          </a:prstGeom>
+          <a:noFill/>
+        </p:spPr>
+        <p:txBody>
+          <a:bodyPr wrap="square">
+            <a:spAutoFit/>
+          </a:bodyPr>
+          <a:lstStyle/>
+          <a:p>
+            <a:r>
+              <a:rPr lang="en-US" b="0" dirty="0">
+                <a:solidFill>
+                  <a:srgbClr val="D4D4D4"/>
+                </a:solidFill>
+                <a:effectLst/>
+                <a:latin typeface="Consolas" panose="020B0609020204030204" pitchFamily="49" charset="0"/>
+              </a:rPr>
+              <a:t>b1 = </a:t>
+            </a:r>
+            <a:r>
+              <a:rPr lang="en-US" b="0" dirty="0">
+                <a:solidFill>
+                  <a:srgbClr val="569CD6"/>
+                </a:solidFill>
+                <a:effectLst/>
+                <a:latin typeface="Consolas" panose="020B0609020204030204" pitchFamily="49" charset="0"/>
+              </a:rPr>
+              <a:t>b</a:t>
+            </a:r>
+            <a:r>
+              <a:rPr lang="en-US" b="0" dirty="0">
+                <a:solidFill>
+                  <a:srgbClr val="CE9178"/>
+                </a:solidFill>
+                <a:effectLst/>
+                <a:latin typeface="Consolas" panose="020B0609020204030204" pitchFamily="49" charset="0"/>
+              </a:rPr>
+              <a:t>'</a:t>
+            </a:r>
+            <a:r>
+              <a:rPr lang="en-US" b="0" dirty="0">
+                <a:solidFill>
+                  <a:srgbClr val="D7BA7D"/>
+                </a:solidFill>
+                <a:effectLst/>
+                <a:latin typeface="Consolas" panose="020B0609020204030204" pitchFamily="49" charset="0"/>
+              </a:rPr>
+              <a:t>\xd0\xb4\xd0\xb0</a:t>
+            </a:r>
+            <a:r>
+              <a:rPr lang="en-US" b="0" dirty="0">
+                <a:solidFill>
+                  <a:srgbClr val="CE9178"/>
+                </a:solidFill>
+                <a:effectLst/>
+                <a:latin typeface="Consolas" panose="020B0609020204030204" pitchFamily="49" charset="0"/>
+              </a:rPr>
+              <a:t>'</a:t>
+            </a:r>
+            <a:endParaRPr lang="en-US" b="0" dirty="0">
+              <a:solidFill>
+                <a:srgbClr val="D4D4D4"/>
+              </a:solidFill>
+              <a:effectLst/>
+              <a:latin typeface="Consolas" panose="020B0609020204030204" pitchFamily="49" charset="0"/>
+            </a:endParaRPr>
+          </a:p>
+          <a:p>
+            <a:r>
+              <a:rPr lang="en-US" b="0" dirty="0">
+                <a:solidFill>
+                  <a:srgbClr val="D4D4D4"/>
+                </a:solidFill>
+                <a:effectLst/>
+                <a:latin typeface="Consolas" panose="020B0609020204030204" pitchFamily="49" charset="0"/>
+              </a:rPr>
+              <a:t>b2 = </a:t>
+            </a:r>
+            <a:r>
+              <a:rPr lang="en-US" b="0" dirty="0">
+                <a:solidFill>
+                  <a:srgbClr val="569CD6"/>
+                </a:solidFill>
+                <a:effectLst/>
+                <a:latin typeface="Consolas" panose="020B0609020204030204" pitchFamily="49" charset="0"/>
+              </a:rPr>
+              <a:t>b</a:t>
+            </a:r>
+            <a:r>
+              <a:rPr lang="en-US" b="0" dirty="0">
+                <a:solidFill>
+                  <a:srgbClr val="CE9178"/>
+                </a:solidFill>
+                <a:effectLst/>
+                <a:latin typeface="Consolas" panose="020B0609020204030204" pitchFamily="49" charset="0"/>
+              </a:rPr>
+              <a:t>"</a:t>
+            </a:r>
+            <a:r>
+              <a:rPr lang="en-US" b="0" dirty="0">
+                <a:solidFill>
+                  <a:srgbClr val="D7BA7D"/>
+                </a:solidFill>
+                <a:effectLst/>
+                <a:latin typeface="Consolas" panose="020B0609020204030204" pitchFamily="49" charset="0"/>
+              </a:rPr>
+              <a:t>\xd0\xb4\xd0\xb0</a:t>
+            </a:r>
+            <a:r>
+              <a:rPr lang="en-US" b="0" dirty="0">
+                <a:solidFill>
+                  <a:srgbClr val="CE9178"/>
+                </a:solidFill>
+                <a:effectLst/>
+                <a:latin typeface="Consolas" panose="020B0609020204030204" pitchFamily="49" charset="0"/>
+              </a:rPr>
+              <a:t>"</a:t>
+            </a:r>
+            <a:endParaRPr lang="en-US" b="0" dirty="0">
+              <a:solidFill>
+                <a:srgbClr val="D4D4D4"/>
+              </a:solidFill>
+              <a:effectLst/>
+              <a:latin typeface="Consolas" panose="020B0609020204030204" pitchFamily="49" charset="0"/>
+            </a:endParaRPr>
+          </a:p>
+          <a:p>
+            <a:r>
+              <a:rPr lang="en-US" b="0" dirty="0">
+                <a:solidFill>
+                  <a:srgbClr val="D4D4D4"/>
+                </a:solidFill>
+                <a:effectLst/>
+                <a:latin typeface="Consolas" panose="020B0609020204030204" pitchFamily="49" charset="0"/>
+              </a:rPr>
+              <a:t>b3 = </a:t>
+            </a:r>
+            <a:r>
+              <a:rPr lang="en-US" b="0" dirty="0">
+                <a:solidFill>
+                  <a:srgbClr val="569CD6"/>
+                </a:solidFill>
+                <a:effectLst/>
+                <a:latin typeface="Consolas" panose="020B0609020204030204" pitchFamily="49" charset="0"/>
+              </a:rPr>
+              <a:t>b</a:t>
+            </a:r>
+            <a:r>
+              <a:rPr lang="en-US" b="0" dirty="0">
+                <a:solidFill>
+                  <a:srgbClr val="CE9178"/>
+                </a:solidFill>
+                <a:effectLst/>
+                <a:latin typeface="Consolas" panose="020B0609020204030204" pitchFamily="49" charset="0"/>
+              </a:rPr>
+              <a:t>'''</a:t>
+            </a:r>
+            <a:r>
+              <a:rPr lang="en-US" b="0" dirty="0">
+                <a:solidFill>
+                  <a:srgbClr val="D7BA7D"/>
+                </a:solidFill>
+                <a:effectLst/>
+                <a:latin typeface="Consolas" panose="020B0609020204030204" pitchFamily="49" charset="0"/>
+              </a:rPr>
+              <a:t>\xd0\xb4\xd0\xb0</a:t>
+            </a:r>
+            <a:r>
+              <a:rPr lang="en-US" b="0" dirty="0">
+                <a:solidFill>
+                  <a:srgbClr val="CE9178"/>
+                </a:solidFill>
+                <a:effectLst/>
+                <a:latin typeface="Consolas" panose="020B0609020204030204" pitchFamily="49" charset="0"/>
+              </a:rPr>
+              <a:t>'''</a:t>
+            </a:r>
+            <a:endParaRPr lang="en-US" b="0" dirty="0">
+              <a:solidFill>
+                <a:srgbClr val="D4D4D4"/>
+              </a:solidFill>
+              <a:effectLst/>
+              <a:latin typeface="Consolas" panose="020B0609020204030204" pitchFamily="49" charset="0"/>
+            </a:endParaRPr>
+          </a:p>
+          <a:p>
+            <a:r>
+              <a:rPr lang="en-US" b="0" dirty="0">
+                <a:solidFill>
+                  <a:srgbClr val="D4D4D4"/>
+                </a:solidFill>
+                <a:effectLst/>
+                <a:latin typeface="Consolas" panose="020B0609020204030204" pitchFamily="49" charset="0"/>
+              </a:rPr>
+              <a:t>bytes1 = </a:t>
+            </a:r>
+            <a:r>
+              <a:rPr lang="en-US" b="0" dirty="0" err="1">
+                <a:solidFill>
+                  <a:srgbClr val="569CD6"/>
+                </a:solidFill>
+                <a:effectLst/>
+                <a:latin typeface="Consolas" panose="020B0609020204030204" pitchFamily="49" charset="0"/>
+              </a:rPr>
+              <a:t>b</a:t>
+            </a:r>
+            <a:r>
+              <a:rPr lang="en-US" b="0" dirty="0" err="1">
+                <a:solidFill>
+                  <a:srgbClr val="CE9178"/>
+                </a:solidFill>
+                <a:effectLst/>
+                <a:latin typeface="Consolas" panose="020B0609020204030204" pitchFamily="49" charset="0"/>
+              </a:rPr>
+              <a:t>'hello</a:t>
+            </a:r>
+            <a:r>
+              <a:rPr lang="en-US" b="0" dirty="0">
+                <a:solidFill>
+                  <a:srgbClr val="CE9178"/>
+                </a:solidFill>
+                <a:effectLst/>
+                <a:latin typeface="Consolas" panose="020B0609020204030204" pitchFamily="49" charset="0"/>
+              </a:rPr>
+              <a:t>'</a:t>
+            </a:r>
+            <a:endParaRPr lang="en-US" b="0" dirty="0">
+              <a:solidFill>
+                <a:srgbClr val="D4D4D4"/>
+              </a:solidFill>
+              <a:effectLst/>
+              <a:latin typeface="Consolas" panose="020B0609020204030204" pitchFamily="49" charset="0"/>
+            </a:endParaRPr>
+          </a:p>
+          <a:p>
+            <a:r>
+              <a:rPr lang="en-US" b="0" dirty="0">
+                <a:solidFill>
+                  <a:srgbClr val="DCDCAA"/>
+                </a:solidFill>
+                <a:effectLst/>
+                <a:latin typeface="Consolas" panose="020B0609020204030204" pitchFamily="49" charset="0"/>
+              </a:rPr>
+              <a:t>print</a:t>
+            </a:r>
+            <a:r>
+              <a:rPr lang="en-US" b="0" dirty="0">
+                <a:solidFill>
+                  <a:srgbClr val="D4D4D4"/>
+                </a:solidFill>
+                <a:effectLst/>
+                <a:latin typeface="Consolas" panose="020B0609020204030204" pitchFamily="49" charset="0"/>
+              </a:rPr>
+              <a:t>(b1, b2, b3, bytes1)</a:t>
+            </a:r>
+          </a:p>
+        </p:txBody>
+      </p:sp>
+    </p:spTree>
+    <p:extLst>
+      <p:ext uri="{BB962C8B-B14F-4D97-AF65-F5344CB8AC3E}">
+        <p14:creationId xmlns:p14="http://schemas.microsoft.com/office/powerpoint/2010/main" val="252109003"/>
+      </p:ext>
+    </p:extLst>
+  </p:cSld>
+  <p:clrMapOvr>
+    <a:masterClrMapping/>
+  </p:clrMapOvr>
+</p:sld>
+</file>
+
+<file path=ppt/slides/slide34.xml><?xml version="1.0" encoding="utf-8"?>
+<p:sld xmlns:a="http://schemas.openxmlformats.org/drawingml/2006/main" xmlns:r="http://schemas.openxmlformats.org/officeDocument/2006/relationships" xmlns:p="http://schemas.openxmlformats.org/presentationml/2006/main">
+  <p:cSld>
+    <p:spTree>
+      <p:nvGrpSpPr>
+        <p:cNvPr id="1" name=""/>
+        <p:cNvGrpSpPr/>
+        <p:nvPr/>
+      </p:nvGrpSpPr>
+      <p:grpSpPr>
+        <a:xfrm>
+          <a:off x="0" y="0"/>
+          <a:ext cx="0" cy="0"/>
+          <a:chOff x="0" y="0"/>
+          <a:chExt cx="0" cy="0"/>
+        </a:xfrm>
+      </p:grpSpPr>
+      <p:sp>
+        <p:nvSpPr>
+          <p:cNvPr id="2" name="Заголовок 1">
+            <a:extLst>
+              <a:ext uri="{FF2B5EF4-FFF2-40B4-BE49-F238E27FC236}">
+                <a16:creationId xmlns:a16="http://schemas.microsoft.com/office/drawing/2014/main" id="{BB979E8D-3B71-4677-B33C-FCB396083E87}"/>
+              </a:ext>
+            </a:extLst>
+          </p:cNvPr>
+          <p:cNvSpPr>
+            <a:spLocks noGrp="1"/>
+          </p:cNvSpPr>
+          <p:nvPr>
+            <p:ph type="title"/>
+          </p:nvPr>
+        </p:nvSpPr>
+        <p:spPr/>
+        <p:txBody>
+          <a:bodyPr/>
+          <a:lstStyle/>
+          <a:p>
+            <a:r>
+              <a:rPr lang="ru-RU" dirty="0"/>
+              <a:t>Массив байтов (</a:t>
+            </a:r>
+            <a:r>
+              <a:rPr lang="en-US" dirty="0" err="1"/>
+              <a:t>bytearray</a:t>
+            </a:r>
+            <a:r>
+              <a:rPr lang="en-US" dirty="0"/>
+              <a:t>)</a:t>
+            </a:r>
+            <a:endParaRPr lang="ru-RU" dirty="0"/>
+          </a:p>
+        </p:txBody>
+      </p:sp>
+      <p:sp>
+        <p:nvSpPr>
+          <p:cNvPr id="3" name="Объект 2">
+            <a:extLst>
+              <a:ext uri="{FF2B5EF4-FFF2-40B4-BE49-F238E27FC236}">
+                <a16:creationId xmlns:a16="http://schemas.microsoft.com/office/drawing/2014/main" id="{2C165213-B34C-423C-B91E-84C41BDF7E01}"/>
+              </a:ext>
+            </a:extLst>
+          </p:cNvPr>
+          <p:cNvSpPr>
+            <a:spLocks noGrp="1"/>
+          </p:cNvSpPr>
+          <p:nvPr>
+            <p:ph idx="1"/>
+          </p:nvPr>
+        </p:nvSpPr>
+        <p:spPr/>
+        <p:txBody>
+          <a:bodyPr/>
+          <a:lstStyle/>
+          <a:p>
+            <a:r>
+              <a:rPr lang="ru-RU" dirty="0" err="1"/>
+              <a:t>Bytearray</a:t>
+            </a:r>
+            <a:r>
+              <a:rPr lang="ru-RU" dirty="0"/>
+              <a:t> в </a:t>
+            </a:r>
+            <a:r>
+              <a:rPr lang="ru-RU" dirty="0" err="1"/>
+              <a:t>python</a:t>
+            </a:r>
+            <a:r>
+              <a:rPr lang="ru-RU" dirty="0"/>
+              <a:t> - массив байт</a:t>
+            </a:r>
+            <a:endParaRPr lang="en-US" dirty="0"/>
+          </a:p>
+          <a:p>
+            <a:r>
+              <a:rPr lang="ru-RU" dirty="0"/>
+              <a:t>От типа </a:t>
+            </a:r>
+            <a:r>
+              <a:rPr lang="ru-RU" dirty="0" err="1"/>
+              <a:t>bytes</a:t>
+            </a:r>
+            <a:r>
+              <a:rPr lang="ru-RU" dirty="0"/>
+              <a:t> отличается только тем, что является изменяемым</a:t>
+            </a:r>
+          </a:p>
+        </p:txBody>
+      </p:sp>
+      <p:sp>
+        <p:nvSpPr>
+          <p:cNvPr id="5" name="TextBox 4">
+            <a:extLst>
+              <a:ext uri="{FF2B5EF4-FFF2-40B4-BE49-F238E27FC236}">
+                <a16:creationId xmlns:a16="http://schemas.microsoft.com/office/drawing/2014/main" id="{79814481-BA9E-4555-8220-83695E219EA6}"/>
+              </a:ext>
+            </a:extLst>
+          </p:cNvPr>
+          <p:cNvSpPr txBox="1"/>
+          <p:nvPr/>
+        </p:nvSpPr>
+        <p:spPr>
+          <a:xfrm>
+            <a:off x="2474728" y="3647819"/>
+            <a:ext cx="3288119" cy="923330"/>
+          </a:xfrm>
+          <a:prstGeom prst="rect">
+            <a:avLst/>
+          </a:prstGeom>
+          <a:noFill/>
+        </p:spPr>
+        <p:txBody>
+          <a:bodyPr wrap="square">
+            <a:spAutoFit/>
+          </a:bodyPr>
+          <a:lstStyle/>
+          <a:p>
+            <a:r>
+              <a:rPr lang="en-US" b="0" dirty="0" err="1">
+                <a:solidFill>
+                  <a:srgbClr val="D4D4D4"/>
+                </a:solidFill>
+                <a:effectLst/>
+                <a:latin typeface="Consolas" panose="020B0609020204030204" pitchFamily="49" charset="0"/>
+              </a:rPr>
+              <a:t>bts</a:t>
+            </a:r>
+            <a:r>
+              <a:rPr lang="en-US" b="0" dirty="0">
+                <a:solidFill>
+                  <a:srgbClr val="D4D4D4"/>
+                </a:solidFill>
+                <a:effectLst/>
+                <a:latin typeface="Consolas" panose="020B0609020204030204" pitchFamily="49" charset="0"/>
+              </a:rPr>
+              <a:t> = </a:t>
+            </a:r>
+            <a:r>
+              <a:rPr lang="en-US" b="0" dirty="0" err="1">
+                <a:solidFill>
+                  <a:srgbClr val="4EC9B0"/>
+                </a:solidFill>
+                <a:effectLst/>
+                <a:latin typeface="Consolas" panose="020B0609020204030204" pitchFamily="49" charset="0"/>
+              </a:rPr>
+              <a:t>bytearray</a:t>
+            </a:r>
+            <a:r>
+              <a:rPr lang="en-US" b="0" dirty="0">
+                <a:solidFill>
+                  <a:srgbClr val="D4D4D4"/>
+                </a:solidFill>
+                <a:effectLst/>
+                <a:latin typeface="Consolas" panose="020B0609020204030204" pitchFamily="49" charset="0"/>
+              </a:rPr>
+              <a:t>(</a:t>
+            </a:r>
+            <a:r>
+              <a:rPr lang="en-US" b="0" dirty="0" err="1">
+                <a:solidFill>
+                  <a:srgbClr val="569CD6"/>
+                </a:solidFill>
+                <a:effectLst/>
+                <a:latin typeface="Consolas" panose="020B0609020204030204" pitchFamily="49" charset="0"/>
+              </a:rPr>
+              <a:t>b</a:t>
+            </a:r>
+            <a:r>
+              <a:rPr lang="en-US" b="0" dirty="0" err="1">
+                <a:solidFill>
+                  <a:srgbClr val="CE9178"/>
+                </a:solidFill>
+                <a:effectLst/>
+                <a:latin typeface="Consolas" panose="020B0609020204030204" pitchFamily="49" charset="0"/>
+              </a:rPr>
+              <a:t>'TEST</a:t>
+            </a:r>
+            <a:r>
+              <a:rPr lang="en-US" b="0" dirty="0">
+                <a:solidFill>
+                  <a:srgbClr val="CE9178"/>
+                </a:solidFill>
+                <a:effectLst/>
+                <a:latin typeface="Consolas" panose="020B0609020204030204" pitchFamily="49" charset="0"/>
+              </a:rPr>
+              <a:t>'</a:t>
+            </a:r>
+            <a:r>
+              <a:rPr lang="en-US" b="0" dirty="0">
+                <a:solidFill>
+                  <a:srgbClr val="D4D4D4"/>
+                </a:solidFill>
+                <a:effectLst/>
+                <a:latin typeface="Consolas" panose="020B0609020204030204" pitchFamily="49" charset="0"/>
+              </a:rPr>
+              <a:t>)</a:t>
+            </a:r>
+          </a:p>
+          <a:p>
+            <a:r>
+              <a:rPr lang="en-US" b="0" dirty="0" err="1">
+                <a:solidFill>
+                  <a:srgbClr val="D4D4D4"/>
+                </a:solidFill>
+                <a:effectLst/>
+                <a:latin typeface="Consolas" panose="020B0609020204030204" pitchFamily="49" charset="0"/>
+              </a:rPr>
+              <a:t>bts</a:t>
+            </a:r>
+            <a:r>
+              <a:rPr lang="en-US" b="0" dirty="0">
+                <a:solidFill>
+                  <a:srgbClr val="D4D4D4"/>
+                </a:solidFill>
+                <a:effectLst/>
+                <a:latin typeface="Consolas" panose="020B0609020204030204" pitchFamily="49" charset="0"/>
+              </a:rPr>
+              <a:t>[</a:t>
+            </a:r>
+            <a:r>
+              <a:rPr lang="en-US" b="0" dirty="0">
+                <a:solidFill>
+                  <a:srgbClr val="B5CEA8"/>
+                </a:solidFill>
+                <a:effectLst/>
+                <a:latin typeface="Consolas" panose="020B0609020204030204" pitchFamily="49" charset="0"/>
+              </a:rPr>
+              <a:t>0</a:t>
+            </a:r>
+            <a:r>
+              <a:rPr lang="en-US" b="0" dirty="0">
+                <a:solidFill>
+                  <a:srgbClr val="D4D4D4"/>
+                </a:solidFill>
+                <a:effectLst/>
+                <a:latin typeface="Consolas" panose="020B0609020204030204" pitchFamily="49" charset="0"/>
+              </a:rPr>
+              <a:t>] = </a:t>
+            </a:r>
+            <a:r>
+              <a:rPr lang="en-US" b="0" dirty="0">
+                <a:solidFill>
+                  <a:srgbClr val="B5CEA8"/>
+                </a:solidFill>
+                <a:effectLst/>
+                <a:latin typeface="Consolas" panose="020B0609020204030204" pitchFamily="49" charset="0"/>
+              </a:rPr>
+              <a:t>105</a:t>
+            </a:r>
+            <a:endParaRPr lang="en-US" b="0" dirty="0">
+              <a:solidFill>
+                <a:srgbClr val="D4D4D4"/>
+              </a:solidFill>
+              <a:effectLst/>
+              <a:latin typeface="Consolas" panose="020B0609020204030204" pitchFamily="49" charset="0"/>
+            </a:endParaRPr>
+          </a:p>
+          <a:p>
+            <a:r>
+              <a:rPr lang="en-US" b="0" dirty="0">
+                <a:solidFill>
+                  <a:srgbClr val="DCDCAA"/>
+                </a:solidFill>
+                <a:effectLst/>
+                <a:latin typeface="Consolas" panose="020B0609020204030204" pitchFamily="49" charset="0"/>
+              </a:rPr>
+              <a:t>print</a:t>
+            </a:r>
+            <a:r>
+              <a:rPr lang="en-US" b="0" dirty="0">
+                <a:solidFill>
+                  <a:srgbClr val="D4D4D4"/>
+                </a:solidFill>
+                <a:effectLst/>
+                <a:latin typeface="Consolas" panose="020B0609020204030204" pitchFamily="49" charset="0"/>
+              </a:rPr>
+              <a:t>(</a:t>
+            </a:r>
+            <a:r>
+              <a:rPr lang="en-US" b="0" dirty="0" err="1">
+                <a:solidFill>
+                  <a:srgbClr val="D4D4D4"/>
+                </a:solidFill>
+                <a:effectLst/>
+                <a:latin typeface="Consolas" panose="020B0609020204030204" pitchFamily="49" charset="0"/>
+              </a:rPr>
+              <a:t>bts</a:t>
+            </a:r>
+            <a:r>
+              <a:rPr lang="en-US" b="0" dirty="0">
+                <a:solidFill>
+                  <a:srgbClr val="D4D4D4"/>
+                </a:solidFill>
+                <a:effectLst/>
+                <a:latin typeface="Consolas" panose="020B0609020204030204" pitchFamily="49" charset="0"/>
+              </a:rPr>
+              <a:t>)</a:t>
+            </a:r>
+          </a:p>
+        </p:txBody>
+      </p:sp>
+      <p:sp>
+        <p:nvSpPr>
+          <p:cNvPr id="6" name="Облачко с текстом: прямоугольное 5">
+            <a:extLst>
+              <a:ext uri="{FF2B5EF4-FFF2-40B4-BE49-F238E27FC236}">
+                <a16:creationId xmlns:a16="http://schemas.microsoft.com/office/drawing/2014/main" id="{3FFB53E4-E343-4E34-A5B8-E95B00BD3108}"/>
+              </a:ext>
+            </a:extLst>
+          </p:cNvPr>
+          <p:cNvSpPr/>
+          <p:nvPr/>
+        </p:nvSpPr>
+        <p:spPr>
+          <a:xfrm>
+            <a:off x="7227861" y="3496836"/>
+            <a:ext cx="4614277" cy="612648"/>
+          </a:xfrm>
+          <a:prstGeom prst="wedgeRectCallout">
+            <a:avLst>
+              <a:gd name="adj1" fmla="val -117227"/>
+              <a:gd name="adj2" fmla="val 56013"/>
+            </a:avLst>
+          </a:prstGeom>
+        </p:spPr>
+        <p:style>
+          <a:lnRef idx="2">
+            <a:schemeClr val="accent1">
+              <a:shade val="50000"/>
+            </a:schemeClr>
+          </a:lnRef>
+          <a:fillRef idx="1">
+            <a:schemeClr val="accent1"/>
+          </a:fillRef>
+          <a:effectRef idx="0">
+            <a:schemeClr val="accent1"/>
+          </a:effectRef>
+          <a:fontRef idx="minor">
+            <a:schemeClr val="lt1"/>
+          </a:fontRef>
+        </p:style>
+        <p:txBody>
+          <a:bodyPr rtlCol="0" anchor="ctr"/>
+          <a:lstStyle/>
+          <a:p>
+            <a:pPr algn="ctr"/>
+            <a:r>
+              <a:rPr lang="ru-RU" dirty="0"/>
+              <a:t>Требуется указывать целое число. Это число – код символа</a:t>
+            </a:r>
+          </a:p>
+        </p:txBody>
+      </p:sp>
+    </p:spTree>
+    <p:extLst>
+      <p:ext uri="{BB962C8B-B14F-4D97-AF65-F5344CB8AC3E}">
+        <p14:creationId xmlns:p14="http://schemas.microsoft.com/office/powerpoint/2010/main" val="1909620432"/>
+      </p:ext>
+    </p:extLst>
+  </p:cSld>
+  <p:clrMapOvr>
+    <a:masterClrMapping/>
+  </p:clrMapOvr>
+</p:sld>
+</file>
+
+<file path=ppt/slides/slide35.xml><?xml version="1.0" encoding="utf-8"?>
+<p:sld xmlns:a="http://schemas.openxmlformats.org/drawingml/2006/main" xmlns:r="http://schemas.openxmlformats.org/officeDocument/2006/relationships" xmlns:p="http://schemas.openxmlformats.org/presentationml/2006/main">
+  <p:cSld>
+    <p:spTree>
+      <p:nvGrpSpPr>
+        <p:cNvPr id="1" name=""/>
+        <p:cNvGrpSpPr/>
+        <p:nvPr/>
+      </p:nvGrpSpPr>
+      <p:grpSpPr>
+        <a:xfrm>
+          <a:off x="0" y="0"/>
+          <a:ext cx="0" cy="0"/>
+          <a:chOff x="0" y="0"/>
+          <a:chExt cx="0" cy="0"/>
+        </a:xfrm>
+      </p:grpSpPr>
+      <p:sp>
+        <p:nvSpPr>
+          <p:cNvPr id="2" name="Заголовок 1">
+            <a:extLst>
+              <a:ext uri="{FF2B5EF4-FFF2-40B4-BE49-F238E27FC236}">
+                <a16:creationId xmlns:a16="http://schemas.microsoft.com/office/drawing/2014/main" id="{32A22D46-1F4E-4991-B6D1-5137753AEBFF}"/>
+              </a:ext>
+            </a:extLst>
+          </p:cNvPr>
+          <p:cNvSpPr>
+            <a:spLocks noGrp="1"/>
+          </p:cNvSpPr>
+          <p:nvPr>
+            <p:ph type="title"/>
+          </p:nvPr>
+        </p:nvSpPr>
+        <p:spPr>
+          <a:xfrm>
+            <a:off x="838200" y="0"/>
+            <a:ext cx="10515600" cy="1325563"/>
+          </a:xfrm>
+        </p:spPr>
+        <p:txBody>
+          <a:bodyPr/>
+          <a:lstStyle/>
+          <a:p>
+            <a:r>
+              <a:rPr lang="ru-RU" dirty="0"/>
+              <a:t>Операции со строками</a:t>
+            </a:r>
+          </a:p>
+        </p:txBody>
+      </p:sp>
+      <p:graphicFrame>
+        <p:nvGraphicFramePr>
+          <p:cNvPr id="4" name="Таблица 4">
+            <a:extLst>
+              <a:ext uri="{FF2B5EF4-FFF2-40B4-BE49-F238E27FC236}">
+                <a16:creationId xmlns:a16="http://schemas.microsoft.com/office/drawing/2014/main" id="{21E01640-72AF-4BDA-92D0-979A77548453}"/>
+              </a:ext>
+            </a:extLst>
+          </p:cNvPr>
+          <p:cNvGraphicFramePr>
+            <a:graphicFrameLocks noGrp="1"/>
+          </p:cNvGraphicFramePr>
+          <p:nvPr>
+            <p:ph idx="1"/>
+            <p:extLst>
+              <p:ext uri="{D42A27DB-BD31-4B8C-83A1-F6EECF244321}">
+                <p14:modId xmlns:p14="http://schemas.microsoft.com/office/powerpoint/2010/main" val="2139644725"/>
+              </p:ext>
+            </p:extLst>
+          </p:nvPr>
+        </p:nvGraphicFramePr>
+        <p:xfrm>
+          <a:off x="256953" y="1043881"/>
+          <a:ext cx="11678094" cy="5156200"/>
+        </p:xfrm>
+        <a:graphic>
+          <a:graphicData uri="http://schemas.openxmlformats.org/drawingml/2006/table">
+            <a:tbl>
+              <a:tblPr firstRow="1" bandRow="1">
+                <a:tableStyleId>{5C22544A-7EE6-4342-B048-85BDC9FD1C3A}</a:tableStyleId>
+              </a:tblPr>
+              <a:tblGrid>
+                <a:gridCol w="5839047">
+                  <a:extLst>
+                    <a:ext uri="{9D8B030D-6E8A-4147-A177-3AD203B41FA5}">
+                      <a16:colId xmlns:a16="http://schemas.microsoft.com/office/drawing/2014/main" val="620317689"/>
+                    </a:ext>
+                  </a:extLst>
+                </a:gridCol>
+                <a:gridCol w="5839047">
+                  <a:extLst>
+                    <a:ext uri="{9D8B030D-6E8A-4147-A177-3AD203B41FA5}">
+                      <a16:colId xmlns:a16="http://schemas.microsoft.com/office/drawing/2014/main" val="1348117886"/>
+                    </a:ext>
+                  </a:extLst>
+                </a:gridCol>
+              </a:tblGrid>
+              <a:tr h="370840">
+                <a:tc>
+                  <a:txBody>
+                    <a:bodyPr/>
+                    <a:lstStyle/>
+                    <a:p>
+                      <a:r>
+                        <a:rPr lang="ru-RU" dirty="0"/>
+                        <a:t>Операция</a:t>
+                      </a:r>
+                    </a:p>
+                  </a:txBody>
+                  <a:tcPr/>
+                </a:tc>
+                <a:tc>
+                  <a:txBody>
+                    <a:bodyPr/>
+                    <a:lstStyle/>
+                    <a:p>
+                      <a:r>
+                        <a:rPr lang="ru-RU" dirty="0"/>
+                        <a:t>Описание</a:t>
+                      </a:r>
+                    </a:p>
+                  </a:txBody>
+                  <a:tcPr/>
+                </a:tc>
+                <a:extLst>
+                  <a:ext uri="{0D108BD9-81ED-4DB2-BD59-A6C34878D82A}">
+                    <a16:rowId xmlns:a16="http://schemas.microsoft.com/office/drawing/2014/main" val="3761446742"/>
+                  </a:ext>
+                </a:extLst>
+              </a:tr>
+              <a:tr h="370840">
+                <a:tc>
+                  <a:txBody>
+                    <a:bodyPr/>
+                    <a:lstStyle/>
+                    <a:p>
+                      <a:r>
+                        <a:rPr lang="en-US" b="1" dirty="0">
+                          <a:effectLst/>
+                        </a:rPr>
+                        <a:t>S1 + S2</a:t>
+                      </a:r>
+                      <a:endParaRPr lang="en-US" dirty="0">
+                        <a:effectLst/>
+                      </a:endParaRPr>
+                    </a:p>
+                  </a:txBody>
+                  <a:tcPr anchor="ctr"/>
+                </a:tc>
+                <a:tc>
+                  <a:txBody>
+                    <a:bodyPr/>
+                    <a:lstStyle/>
+                    <a:p>
+                      <a:r>
+                        <a:rPr lang="ru-RU" dirty="0">
+                          <a:effectLst/>
+                        </a:rPr>
+                        <a:t>Конкатенация (сложение строк)</a:t>
+                      </a:r>
+                    </a:p>
+                  </a:txBody>
+                  <a:tcPr anchor="ctr"/>
+                </a:tc>
+                <a:extLst>
+                  <a:ext uri="{0D108BD9-81ED-4DB2-BD59-A6C34878D82A}">
+                    <a16:rowId xmlns:a16="http://schemas.microsoft.com/office/drawing/2014/main" val="3751061922"/>
+                  </a:ext>
+                </a:extLst>
+              </a:tr>
+              <a:tr h="370840">
+                <a:tc>
+                  <a:txBody>
+                    <a:bodyPr/>
+                    <a:lstStyle/>
+                    <a:p>
+                      <a:r>
+                        <a:rPr lang="en-US" b="1">
+                          <a:effectLst/>
+                        </a:rPr>
+                        <a:t>S1 * 3</a:t>
+                      </a:r>
+                      <a:endParaRPr lang="en-US">
+                        <a:effectLst/>
+                      </a:endParaRPr>
+                    </a:p>
+                  </a:txBody>
+                  <a:tcPr anchor="ctr"/>
+                </a:tc>
+                <a:tc>
+                  <a:txBody>
+                    <a:bodyPr/>
+                    <a:lstStyle/>
+                    <a:p>
+                      <a:r>
+                        <a:rPr lang="ru-RU" dirty="0">
+                          <a:effectLst/>
+                        </a:rPr>
+                        <a:t>Повторение строки, в данном случае, три раза</a:t>
+                      </a:r>
+                    </a:p>
+                  </a:txBody>
+                  <a:tcPr anchor="ctr"/>
+                </a:tc>
+                <a:extLst>
+                  <a:ext uri="{0D108BD9-81ED-4DB2-BD59-A6C34878D82A}">
+                    <a16:rowId xmlns:a16="http://schemas.microsoft.com/office/drawing/2014/main" val="850381266"/>
+                  </a:ext>
+                </a:extLst>
+              </a:tr>
+              <a:tr h="370840">
+                <a:tc>
+                  <a:txBody>
+                    <a:bodyPr/>
+                    <a:lstStyle/>
+                    <a:p>
+                      <a:r>
+                        <a:rPr lang="en-US" b="1">
+                          <a:effectLst/>
+                        </a:rPr>
+                        <a:t>S[i]</a:t>
+                      </a:r>
+                      <a:endParaRPr lang="en-US">
+                        <a:effectLst/>
+                      </a:endParaRPr>
+                    </a:p>
+                  </a:txBody>
+                  <a:tcPr anchor="ctr"/>
+                </a:tc>
+                <a:tc>
+                  <a:txBody>
+                    <a:bodyPr/>
+                    <a:lstStyle/>
+                    <a:p>
+                      <a:r>
+                        <a:rPr lang="ru-RU">
+                          <a:effectLst/>
+                        </a:rPr>
+                        <a:t>Обращение по индексу</a:t>
+                      </a:r>
+                    </a:p>
+                  </a:txBody>
+                  <a:tcPr anchor="ctr"/>
+                </a:tc>
+                <a:extLst>
+                  <a:ext uri="{0D108BD9-81ED-4DB2-BD59-A6C34878D82A}">
+                    <a16:rowId xmlns:a16="http://schemas.microsoft.com/office/drawing/2014/main" val="946051192"/>
+                  </a:ext>
+                </a:extLst>
+              </a:tr>
+              <a:tr h="370840">
+                <a:tc>
+                  <a:txBody>
+                    <a:bodyPr/>
+                    <a:lstStyle/>
+                    <a:p>
+                      <a:r>
+                        <a:rPr lang="en-US" b="1">
+                          <a:effectLst/>
+                        </a:rPr>
+                        <a:t>len</a:t>
+                      </a:r>
+                      <a:r>
+                        <a:rPr lang="en-US">
+                          <a:effectLst/>
+                        </a:rPr>
+                        <a:t>(S)</a:t>
+                      </a:r>
+                    </a:p>
+                  </a:txBody>
+                  <a:tcPr anchor="ctr"/>
+                </a:tc>
+                <a:tc>
+                  <a:txBody>
+                    <a:bodyPr/>
+                    <a:lstStyle/>
+                    <a:p>
+                      <a:r>
+                        <a:rPr lang="ru-RU" dirty="0">
+                          <a:effectLst/>
+                        </a:rPr>
+                        <a:t>Длина строки</a:t>
+                      </a:r>
+                    </a:p>
+                  </a:txBody>
+                  <a:tcPr anchor="ctr"/>
+                </a:tc>
+                <a:extLst>
+                  <a:ext uri="{0D108BD9-81ED-4DB2-BD59-A6C34878D82A}">
+                    <a16:rowId xmlns:a16="http://schemas.microsoft.com/office/drawing/2014/main" val="1912169077"/>
+                  </a:ext>
+                </a:extLst>
+              </a:tr>
+              <a:tr h="370840">
+                <a:tc>
+                  <a:txBody>
+                    <a:bodyPr/>
+                    <a:lstStyle/>
+                    <a:p>
+                      <a:r>
+                        <a:rPr lang="en-US" b="1">
+                          <a:effectLst/>
+                        </a:rPr>
+                        <a:t>S.find</a:t>
+                      </a:r>
+                      <a:r>
+                        <a:rPr lang="en-US">
+                          <a:effectLst/>
+                        </a:rPr>
+                        <a:t>(str, [start],[end])</a:t>
+                      </a:r>
+                    </a:p>
+                  </a:txBody>
+                  <a:tcPr anchor="ctr"/>
+                </a:tc>
+                <a:tc>
+                  <a:txBody>
+                    <a:bodyPr/>
+                    <a:lstStyle/>
+                    <a:p>
+                      <a:r>
+                        <a:rPr lang="ru-RU">
+                          <a:effectLst/>
+                        </a:rPr>
+                        <a:t>Поиск подстроки в строке. Возвращает номер первого вхождения или -1</a:t>
+                      </a:r>
+                    </a:p>
+                  </a:txBody>
+                  <a:tcPr anchor="ctr"/>
+                </a:tc>
+                <a:extLst>
+                  <a:ext uri="{0D108BD9-81ED-4DB2-BD59-A6C34878D82A}">
+                    <a16:rowId xmlns:a16="http://schemas.microsoft.com/office/drawing/2014/main" val="1464000699"/>
+                  </a:ext>
+                </a:extLst>
+              </a:tr>
+              <a:tr h="370840">
+                <a:tc>
+                  <a:txBody>
+                    <a:bodyPr/>
+                    <a:lstStyle/>
+                    <a:p>
+                      <a:r>
+                        <a:rPr lang="en-US" b="1">
+                          <a:effectLst/>
+                        </a:rPr>
+                        <a:t>S.rfind</a:t>
+                      </a:r>
+                      <a:r>
+                        <a:rPr lang="en-US">
+                          <a:effectLst/>
+                        </a:rPr>
+                        <a:t>(str, [start],[end])</a:t>
+                      </a:r>
+                    </a:p>
+                  </a:txBody>
+                  <a:tcPr anchor="ctr"/>
+                </a:tc>
+                <a:tc>
+                  <a:txBody>
+                    <a:bodyPr/>
+                    <a:lstStyle/>
+                    <a:p>
+                      <a:r>
+                        <a:rPr lang="ru-RU">
+                          <a:effectLst/>
+                        </a:rPr>
+                        <a:t>Поиск подстроки в строке. Возвращает номер последнего вхождения или -1</a:t>
+                      </a:r>
+                    </a:p>
+                  </a:txBody>
+                  <a:tcPr anchor="ctr"/>
+                </a:tc>
+                <a:extLst>
+                  <a:ext uri="{0D108BD9-81ED-4DB2-BD59-A6C34878D82A}">
+                    <a16:rowId xmlns:a16="http://schemas.microsoft.com/office/drawing/2014/main" val="2050252673"/>
+                  </a:ext>
+                </a:extLst>
+              </a:tr>
+              <a:tr h="370840">
+                <a:tc>
+                  <a:txBody>
+                    <a:bodyPr/>
+                    <a:lstStyle/>
+                    <a:p>
+                      <a:r>
+                        <a:rPr lang="en-US" b="1">
+                          <a:effectLst/>
+                        </a:rPr>
+                        <a:t>S.index</a:t>
+                      </a:r>
+                      <a:r>
+                        <a:rPr lang="en-US">
+                          <a:effectLst/>
+                        </a:rPr>
+                        <a:t>(str, [start],[end])</a:t>
+                      </a:r>
+                    </a:p>
+                  </a:txBody>
+                  <a:tcPr anchor="ctr"/>
+                </a:tc>
+                <a:tc>
+                  <a:txBody>
+                    <a:bodyPr/>
+                    <a:lstStyle/>
+                    <a:p>
+                      <a:r>
+                        <a:rPr lang="ru-RU" dirty="0">
+                          <a:effectLst/>
+                        </a:rPr>
+                        <a:t>Поиск подстроки в строке. Возвращает номер первого вхождения или вызывает</a:t>
+                      </a:r>
+                      <a:r>
+                        <a:rPr lang="en-US" dirty="0">
+                          <a:effectLst/>
+                        </a:rPr>
+                        <a:t> </a:t>
+                      </a:r>
+                      <a:r>
+                        <a:rPr lang="ru-RU" dirty="0">
+                          <a:effectLst/>
+                        </a:rPr>
+                        <a:t>ошибку </a:t>
+                      </a:r>
+                      <a:r>
+                        <a:rPr lang="ru-RU" dirty="0" err="1">
+                          <a:effectLst/>
+                        </a:rPr>
+                        <a:t>ValueError</a:t>
+                      </a:r>
+                      <a:endParaRPr lang="ru-RU" dirty="0">
+                        <a:effectLst/>
+                      </a:endParaRPr>
+                    </a:p>
+                  </a:txBody>
+                  <a:tcPr anchor="ctr"/>
+                </a:tc>
+                <a:extLst>
+                  <a:ext uri="{0D108BD9-81ED-4DB2-BD59-A6C34878D82A}">
+                    <a16:rowId xmlns:a16="http://schemas.microsoft.com/office/drawing/2014/main" val="1073211212"/>
+                  </a:ext>
+                </a:extLst>
+              </a:tr>
+              <a:tr h="370840">
+                <a:tc>
+                  <a:txBody>
+                    <a:bodyPr/>
+                    <a:lstStyle/>
+                    <a:p>
+                      <a:r>
+                        <a:rPr lang="en-US" b="1">
+                          <a:effectLst/>
+                        </a:rPr>
+                        <a:t>S.rindex</a:t>
+                      </a:r>
+                      <a:r>
+                        <a:rPr lang="en-US">
+                          <a:effectLst/>
+                        </a:rPr>
+                        <a:t>(str, [start],[end])</a:t>
+                      </a:r>
+                    </a:p>
+                  </a:txBody>
+                  <a:tcPr anchor="ctr"/>
+                </a:tc>
+                <a:tc>
+                  <a:txBody>
+                    <a:bodyPr/>
+                    <a:lstStyle/>
+                    <a:p>
+                      <a:r>
+                        <a:rPr lang="ru-RU" dirty="0">
+                          <a:effectLst/>
+                        </a:rPr>
+                        <a:t>Поиск подстроки в строке. Возвращает номер последнего вхождения или вызывает ошибку </a:t>
+                      </a:r>
+                      <a:r>
+                        <a:rPr lang="ru-RU" dirty="0" err="1">
+                          <a:effectLst/>
+                        </a:rPr>
+                        <a:t>ValueError</a:t>
+                      </a:r>
+                      <a:endParaRPr lang="ru-RU" dirty="0">
+                        <a:effectLst/>
+                      </a:endParaRPr>
+                    </a:p>
+                  </a:txBody>
+                  <a:tcPr anchor="ctr"/>
+                </a:tc>
+                <a:extLst>
+                  <a:ext uri="{0D108BD9-81ED-4DB2-BD59-A6C34878D82A}">
+                    <a16:rowId xmlns:a16="http://schemas.microsoft.com/office/drawing/2014/main" val="2078378294"/>
+                  </a:ext>
+                </a:extLst>
+              </a:tr>
+              <a:tr h="370840">
+                <a:tc>
+                  <a:txBody>
+                    <a:bodyPr/>
+                    <a:lstStyle/>
+                    <a:p>
+                      <a:r>
+                        <a:rPr lang="en-US" b="1">
+                          <a:effectLst/>
+                        </a:rPr>
+                        <a:t>S.replace</a:t>
+                      </a:r>
+                      <a:r>
+                        <a:rPr lang="en-US">
+                          <a:effectLst/>
+                        </a:rPr>
+                        <a:t>(</a:t>
+                      </a:r>
+                      <a:r>
+                        <a:rPr lang="ru-RU">
+                          <a:effectLst/>
+                        </a:rPr>
+                        <a:t>шаблон, замена)</a:t>
+                      </a:r>
+                    </a:p>
+                  </a:txBody>
+                  <a:tcPr anchor="ctr"/>
+                </a:tc>
+                <a:tc>
+                  <a:txBody>
+                    <a:bodyPr/>
+                    <a:lstStyle/>
+                    <a:p>
+                      <a:r>
+                        <a:rPr lang="ru-RU">
+                          <a:effectLst/>
+                        </a:rPr>
+                        <a:t>Замена шаблона</a:t>
+                      </a:r>
+                    </a:p>
+                  </a:txBody>
+                  <a:tcPr anchor="ctr"/>
+                </a:tc>
+                <a:extLst>
+                  <a:ext uri="{0D108BD9-81ED-4DB2-BD59-A6C34878D82A}">
+                    <a16:rowId xmlns:a16="http://schemas.microsoft.com/office/drawing/2014/main" val="729463398"/>
+                  </a:ext>
+                </a:extLst>
+              </a:tr>
+              <a:tr h="370840">
+                <a:tc>
+                  <a:txBody>
+                    <a:bodyPr/>
+                    <a:lstStyle/>
+                    <a:p>
+                      <a:r>
+                        <a:rPr lang="en-US" b="1">
+                          <a:effectLst/>
+                        </a:rPr>
+                        <a:t>S.split</a:t>
+                      </a:r>
+                      <a:r>
+                        <a:rPr lang="en-US">
+                          <a:effectLst/>
+                        </a:rPr>
+                        <a:t>(</a:t>
+                      </a:r>
+                      <a:r>
+                        <a:rPr lang="ru-RU">
+                          <a:effectLst/>
+                        </a:rPr>
+                        <a:t>символ)</a:t>
+                      </a:r>
+                    </a:p>
+                  </a:txBody>
+                  <a:tcPr anchor="ctr"/>
+                </a:tc>
+                <a:tc>
+                  <a:txBody>
+                    <a:bodyPr/>
+                    <a:lstStyle/>
+                    <a:p>
+                      <a:r>
+                        <a:rPr lang="ru-RU" dirty="0">
+                          <a:effectLst/>
+                        </a:rPr>
+                        <a:t>Разбиение строки по разделителю</a:t>
+                      </a:r>
+                    </a:p>
+                  </a:txBody>
+                  <a:tcPr anchor="ctr"/>
+                </a:tc>
+                <a:extLst>
+                  <a:ext uri="{0D108BD9-81ED-4DB2-BD59-A6C34878D82A}">
+                    <a16:rowId xmlns:a16="http://schemas.microsoft.com/office/drawing/2014/main" val="3345999813"/>
+                  </a:ext>
+                </a:extLst>
+              </a:tr>
+            </a:tbl>
+          </a:graphicData>
+        </a:graphic>
+      </p:graphicFrame>
+    </p:spTree>
+    <p:extLst>
+      <p:ext uri="{BB962C8B-B14F-4D97-AF65-F5344CB8AC3E}">
+        <p14:creationId xmlns:p14="http://schemas.microsoft.com/office/powerpoint/2010/main" val="2160150263"/>
+      </p:ext>
+    </p:extLst>
+  </p:cSld>
+  <p:clrMapOvr>
+    <a:masterClrMapping/>
+  </p:clrMapOvr>
+</p:sld>
+</file>
+
+<file path=ppt/slides/slide36.xml><?xml version="1.0" encoding="utf-8"?>
+<p:sld xmlns:a="http://schemas.openxmlformats.org/drawingml/2006/main" xmlns:r="http://schemas.openxmlformats.org/officeDocument/2006/relationships" xmlns:p="http://schemas.openxmlformats.org/presentationml/2006/main">
+  <p:cSld>
+    <p:spTree>
+      <p:nvGrpSpPr>
+        <p:cNvPr id="1" name=""/>
+        <p:cNvGrpSpPr/>
+        <p:nvPr/>
+      </p:nvGrpSpPr>
+      <p:grpSpPr>
+        <a:xfrm>
+          <a:off x="0" y="0"/>
+          <a:ext cx="0" cy="0"/>
+          <a:chOff x="0" y="0"/>
+          <a:chExt cx="0" cy="0"/>
+        </a:xfrm>
+      </p:grpSpPr>
+      <p:sp>
+        <p:nvSpPr>
+          <p:cNvPr id="2" name="Заголовок 1">
+            <a:extLst>
+              <a:ext uri="{FF2B5EF4-FFF2-40B4-BE49-F238E27FC236}">
+                <a16:creationId xmlns:a16="http://schemas.microsoft.com/office/drawing/2014/main" id="{6F5BF3F0-D114-4E06-BF27-98FE7C2F8736}"/>
+              </a:ext>
+            </a:extLst>
+          </p:cNvPr>
+          <p:cNvSpPr>
+            <a:spLocks noGrp="1"/>
+          </p:cNvSpPr>
+          <p:nvPr>
+            <p:ph type="title"/>
+          </p:nvPr>
+        </p:nvSpPr>
+        <p:spPr/>
+        <p:txBody>
+          <a:bodyPr/>
+          <a:lstStyle/>
+          <a:p>
+            <a:r>
+              <a:rPr lang="ru-RU" dirty="0"/>
+              <a:t>Элементарные операции со строками</a:t>
+            </a:r>
+          </a:p>
+        </p:txBody>
+      </p:sp>
+      <p:sp>
+        <p:nvSpPr>
+          <p:cNvPr id="3" name="Объект 2">
+            <a:extLst>
+              <a:ext uri="{FF2B5EF4-FFF2-40B4-BE49-F238E27FC236}">
+                <a16:creationId xmlns:a16="http://schemas.microsoft.com/office/drawing/2014/main" id="{94B2E32B-1F48-484C-BDD3-344E6A6B3BF0}"/>
+              </a:ext>
+            </a:extLst>
+          </p:cNvPr>
+          <p:cNvSpPr>
+            <a:spLocks noGrp="1"/>
+          </p:cNvSpPr>
+          <p:nvPr>
+            <p:ph idx="1"/>
+          </p:nvPr>
+        </p:nvSpPr>
+        <p:spPr/>
+        <p:txBody>
+          <a:bodyPr/>
+          <a:lstStyle/>
+          <a:p>
+            <a:r>
+              <a:rPr lang="ru-RU" dirty="0"/>
+              <a:t>Ввести две строки с помощью конструкций</a:t>
+            </a:r>
+          </a:p>
+          <a:p>
+            <a:pPr marL="0" indent="0">
+              <a:buNone/>
+            </a:pPr>
+            <a:r>
+              <a:rPr lang="ru-RU" i="1" dirty="0"/>
+              <a:t>ПЕРЕМЕННАЯ</a:t>
+            </a:r>
+            <a:r>
+              <a:rPr lang="ru-RU" dirty="0"/>
+              <a:t> = </a:t>
+            </a:r>
+            <a:r>
+              <a:rPr lang="en-US" dirty="0"/>
+              <a:t>input(‘ </a:t>
+            </a:r>
+            <a:r>
+              <a:rPr lang="ru-RU" dirty="0"/>
+              <a:t>введите строку </a:t>
+            </a:r>
+            <a:r>
+              <a:rPr lang="en-US" dirty="0"/>
+              <a:t>&gt; ‘)</a:t>
+            </a:r>
+            <a:endParaRPr lang="ru-RU" dirty="0"/>
+          </a:p>
+          <a:p>
+            <a:r>
+              <a:rPr lang="ru-RU" dirty="0"/>
+              <a:t>Продублировать первую строку пять раз</a:t>
+            </a:r>
+          </a:p>
+          <a:p>
+            <a:r>
+              <a:rPr lang="ru-RU" dirty="0"/>
+              <a:t>Сложить первую и вторую строку</a:t>
+            </a:r>
+            <a:endParaRPr lang="en-US" dirty="0"/>
+          </a:p>
+          <a:p>
+            <a:r>
+              <a:rPr lang="ru-RU" dirty="0"/>
+              <a:t>Сложите длины первой и второй строки</a:t>
+            </a:r>
+          </a:p>
+          <a:p>
+            <a:r>
+              <a:rPr lang="ru-RU" dirty="0"/>
+              <a:t>Найти вхождение второй строки в  первую строку. Напечатать результат – найдена подстрока или нет. Используйте оператор </a:t>
+            </a:r>
+            <a:r>
+              <a:rPr lang="en-US" dirty="0"/>
+              <a:t>if</a:t>
+            </a:r>
+            <a:endParaRPr lang="ru-RU" dirty="0"/>
+          </a:p>
+          <a:p>
+            <a:r>
+              <a:rPr lang="ru-RU" dirty="0"/>
+              <a:t>Распечатайте все полученные значения в каждом из пунктов</a:t>
+            </a:r>
+          </a:p>
+          <a:p>
+            <a:endParaRPr lang="ru-RU" dirty="0"/>
+          </a:p>
+        </p:txBody>
+      </p:sp>
+    </p:spTree>
+    <p:extLst>
+      <p:ext uri="{BB962C8B-B14F-4D97-AF65-F5344CB8AC3E}">
+        <p14:creationId xmlns:p14="http://schemas.microsoft.com/office/powerpoint/2010/main" val="4117489268"/>
+      </p:ext>
+    </p:extLst>
+  </p:cSld>
+  <p:clrMapOvr>
+    <a:masterClrMapping/>
+  </p:clrMapOvr>
+</p:sld>
+</file>
+
+<file path=ppt/slides/slide37.xml><?xml version="1.0" encoding="utf-8"?>
+<p:sld xmlns:a="http://schemas.openxmlformats.org/drawingml/2006/main" xmlns:r="http://schemas.openxmlformats.org/officeDocument/2006/relationships" xmlns:p="http://schemas.openxmlformats.org/presentationml/2006/main">
+  <p:cSld>
+    <p:spTree>
+      <p:nvGrpSpPr>
+        <p:cNvPr id="1" name=""/>
+        <p:cNvGrpSpPr/>
+        <p:nvPr/>
+      </p:nvGrpSpPr>
+      <p:grpSpPr>
+        <a:xfrm>
+          <a:off x="0" y="0"/>
+          <a:ext cx="0" cy="0"/>
+          <a:chOff x="0" y="0"/>
+          <a:chExt cx="0" cy="0"/>
+        </a:xfrm>
+      </p:grpSpPr>
+      <p:sp>
+        <p:nvSpPr>
+          <p:cNvPr id="2" name="Заголовок 1">
+            <a:extLst>
+              <a:ext uri="{FF2B5EF4-FFF2-40B4-BE49-F238E27FC236}">
+                <a16:creationId xmlns:a16="http://schemas.microsoft.com/office/drawing/2014/main" id="{961600F5-C256-4D19-96D5-FDE28049635B}"/>
+              </a:ext>
+            </a:extLst>
+          </p:cNvPr>
+          <p:cNvSpPr>
+            <a:spLocks noGrp="1"/>
+          </p:cNvSpPr>
+          <p:nvPr>
+            <p:ph type="title"/>
+          </p:nvPr>
+        </p:nvSpPr>
+        <p:spPr/>
+        <p:txBody>
+          <a:bodyPr/>
+          <a:lstStyle/>
+          <a:p>
+            <a:r>
+              <a:rPr lang="ru-RU" dirty="0"/>
+              <a:t>Оператор </a:t>
+            </a:r>
+            <a:r>
+              <a:rPr lang="en-US" dirty="0"/>
+              <a:t>slice</a:t>
+            </a:r>
+            <a:endParaRPr lang="ru-RU" dirty="0"/>
+          </a:p>
+        </p:txBody>
+      </p:sp>
+      <p:sp>
+        <p:nvSpPr>
+          <p:cNvPr id="3" name="Объект 2">
+            <a:extLst>
+              <a:ext uri="{FF2B5EF4-FFF2-40B4-BE49-F238E27FC236}">
+                <a16:creationId xmlns:a16="http://schemas.microsoft.com/office/drawing/2014/main" id="{ED94F0D6-6751-4FA1-ADFE-53D402CA278F}"/>
+              </a:ext>
+            </a:extLst>
+          </p:cNvPr>
+          <p:cNvSpPr>
+            <a:spLocks noGrp="1"/>
+          </p:cNvSpPr>
+          <p:nvPr>
+            <p:ph idx="1"/>
+          </p:nvPr>
+        </p:nvSpPr>
+        <p:spPr>
+          <a:xfrm>
+            <a:off x="838200" y="1467293"/>
+            <a:ext cx="10515600" cy="5188688"/>
+          </a:xfrm>
+        </p:spPr>
+        <p:txBody>
+          <a:bodyPr>
+            <a:normAutofit fontScale="92500"/>
+          </a:bodyPr>
+          <a:lstStyle/>
+          <a:p>
+            <a:r>
+              <a:rPr lang="ru-RU" dirty="0"/>
+              <a:t>Позволяет выделить подстроку из строки</a:t>
+            </a:r>
+          </a:p>
+          <a:p>
+            <a:endParaRPr lang="ru-RU" dirty="0"/>
+          </a:p>
+          <a:p>
+            <a:endParaRPr lang="ru-RU" dirty="0"/>
+          </a:p>
+          <a:p>
+            <a:endParaRPr lang="ru-RU" dirty="0"/>
+          </a:p>
+          <a:p>
+            <a:endParaRPr lang="ru-RU" dirty="0"/>
+          </a:p>
+          <a:p>
+            <a:r>
+              <a:rPr lang="ru-RU" dirty="0"/>
+              <a:t>ВЫРАЖЕНИЕ – любое выражение, результатом которого является структура данных – строка, список, кортеж и т.п.</a:t>
+            </a:r>
+          </a:p>
+          <a:p>
+            <a:r>
+              <a:rPr lang="ru-RU" dirty="0"/>
+              <a:t>СТАРТ – начальная позиция. Может</a:t>
+            </a:r>
+            <a:r>
+              <a:rPr lang="en-US" dirty="0"/>
+              <a:t> </a:t>
+            </a:r>
+            <a:r>
+              <a:rPr lang="ru-RU" dirty="0"/>
+              <a:t>не указываться, тогда = 0</a:t>
+            </a:r>
+          </a:p>
+          <a:p>
+            <a:r>
+              <a:rPr lang="ru-RU" dirty="0"/>
+              <a:t>СТОП – конечная позиция. Не включается в диапазон. Может не указываться, тогда равна количество элементов в структуре данных</a:t>
+            </a:r>
+          </a:p>
+          <a:p>
+            <a:r>
+              <a:rPr lang="ru-RU" dirty="0"/>
+              <a:t>ШАГ – шаг отбора элементов структуры данных. По умолчанию равно 1</a:t>
+            </a:r>
+            <a:endParaRPr lang="en-US" dirty="0"/>
+          </a:p>
+        </p:txBody>
+      </p:sp>
+      <p:grpSp>
+        <p:nvGrpSpPr>
+          <p:cNvPr id="10" name="Группа 9">
+            <a:extLst>
+              <a:ext uri="{FF2B5EF4-FFF2-40B4-BE49-F238E27FC236}">
+                <a16:creationId xmlns:a16="http://schemas.microsoft.com/office/drawing/2014/main" id="{CFB53B40-6D1C-4765-AA6A-758F1F1F0D07}"/>
+              </a:ext>
+            </a:extLst>
+          </p:cNvPr>
+          <p:cNvGrpSpPr/>
+          <p:nvPr/>
+        </p:nvGrpSpPr>
+        <p:grpSpPr>
+          <a:xfrm>
+            <a:off x="2732566" y="2163726"/>
+            <a:ext cx="6103089" cy="1488558"/>
+            <a:chOff x="2732566" y="2684721"/>
+            <a:chExt cx="6103089" cy="1488558"/>
+          </a:xfrm>
+        </p:grpSpPr>
+        <p:sp>
+          <p:nvSpPr>
+            <p:cNvPr id="4" name="Прямоугольник: скругленные углы 3">
+              <a:extLst>
+                <a:ext uri="{FF2B5EF4-FFF2-40B4-BE49-F238E27FC236}">
+                  <a16:creationId xmlns:a16="http://schemas.microsoft.com/office/drawing/2014/main" id="{CA34F778-7768-48FC-9E31-ED983CE22B4C}"/>
+                </a:ext>
+              </a:extLst>
+            </p:cNvPr>
+            <p:cNvSpPr/>
+            <p:nvPr/>
+          </p:nvSpPr>
+          <p:spPr>
+            <a:xfrm>
+              <a:off x="2732566" y="2684721"/>
+              <a:ext cx="6103089" cy="1488558"/>
+            </a:xfrm>
+            <a:prstGeom prst="roundRect">
+              <a:avLst/>
+            </a:prstGeom>
+          </p:spPr>
+          <p:style>
+            <a:lnRef idx="2">
+              <a:schemeClr val="accent1">
+                <a:shade val="50000"/>
+              </a:schemeClr>
+            </a:lnRef>
+            <a:fillRef idx="1">
+              <a:schemeClr val="accent1"/>
+            </a:fillRef>
+            <a:effectRef idx="0">
+              <a:schemeClr val="accent1"/>
+            </a:effectRef>
+            <a:fontRef idx="minor">
+              <a:schemeClr val="lt1"/>
+            </a:fontRef>
+          </p:style>
+          <p:txBody>
+            <a:bodyPr rtlCol="0" anchor="ctr"/>
+            <a:lstStyle/>
+            <a:p>
+              <a:r>
+                <a:rPr lang="ru-RU" sz="4000" dirty="0"/>
+                <a:t>              </a:t>
+              </a:r>
+              <a:r>
+                <a:rPr lang="en-US" sz="4000" dirty="0"/>
+                <a:t>[    </a:t>
+              </a:r>
+              <a:r>
+                <a:rPr lang="ru-RU" sz="4000" dirty="0"/>
+                <a:t>   </a:t>
+              </a:r>
+              <a:r>
+                <a:rPr lang="en-US" sz="4000" dirty="0"/>
+                <a:t>   :          :</a:t>
+              </a:r>
+              <a:r>
+                <a:rPr lang="ru-RU" sz="4000" dirty="0"/>
+                <a:t> </a:t>
+              </a:r>
+              <a:r>
+                <a:rPr lang="en-US" sz="4000" dirty="0"/>
+                <a:t>   </a:t>
+              </a:r>
+              <a:r>
+                <a:rPr lang="ru-RU" sz="4000" dirty="0"/>
+                <a:t>       </a:t>
+              </a:r>
+              <a:r>
+                <a:rPr lang="en-US" sz="4000" dirty="0"/>
+                <a:t>]</a:t>
+              </a:r>
+              <a:endParaRPr lang="ru-RU" sz="4000" dirty="0"/>
+            </a:p>
+          </p:txBody>
+        </p:sp>
+        <p:sp>
+          <p:nvSpPr>
+            <p:cNvPr id="5" name="Прямоугольник: скругленные углы 4">
+              <a:extLst>
+                <a:ext uri="{FF2B5EF4-FFF2-40B4-BE49-F238E27FC236}">
+                  <a16:creationId xmlns:a16="http://schemas.microsoft.com/office/drawing/2014/main" id="{502BB81D-2A62-449D-883A-5D4A14EF3C22}"/>
+                </a:ext>
+              </a:extLst>
+            </p:cNvPr>
+            <p:cNvSpPr/>
+            <p:nvPr/>
+          </p:nvSpPr>
+          <p:spPr>
+            <a:xfrm>
+              <a:off x="2858386" y="3094074"/>
+              <a:ext cx="1626782" cy="669851"/>
+            </a:xfrm>
+            <a:prstGeom prst="roundRect">
+              <a:avLst/>
+            </a:prstGeom>
+          </p:spPr>
+          <p:style>
+            <a:lnRef idx="0">
+              <a:schemeClr val="accent2"/>
+            </a:lnRef>
+            <a:fillRef idx="3">
+              <a:schemeClr val="accent2"/>
+            </a:fillRef>
+            <a:effectRef idx="3">
+              <a:schemeClr val="accent2"/>
+            </a:effectRef>
+            <a:fontRef idx="minor">
+              <a:schemeClr val="lt1"/>
+            </a:fontRef>
+          </p:style>
+          <p:txBody>
+            <a:bodyPr rtlCol="0" anchor="ctr"/>
+            <a:lstStyle/>
+            <a:p>
+              <a:pPr algn="ctr"/>
+              <a:r>
+                <a:rPr lang="ru-RU" dirty="0"/>
+                <a:t>ВЫРАЖЕНИЕ</a:t>
+              </a:r>
+            </a:p>
+          </p:txBody>
+        </p:sp>
+        <p:sp>
+          <p:nvSpPr>
+            <p:cNvPr id="6" name="Прямоугольник: скругленные углы 5">
+              <a:extLst>
+                <a:ext uri="{FF2B5EF4-FFF2-40B4-BE49-F238E27FC236}">
+                  <a16:creationId xmlns:a16="http://schemas.microsoft.com/office/drawing/2014/main" id="{F51959F6-8DA7-4F24-8B97-1B1DE5DF834E}"/>
+                </a:ext>
+              </a:extLst>
+            </p:cNvPr>
+            <p:cNvSpPr/>
+            <p:nvPr/>
+          </p:nvSpPr>
+          <p:spPr>
+            <a:xfrm>
+              <a:off x="4720855" y="3173818"/>
+              <a:ext cx="1063256" cy="590107"/>
+            </a:xfrm>
+            <a:prstGeom prst="roundRect">
+              <a:avLst/>
+            </a:prstGeom>
+          </p:spPr>
+          <p:style>
+            <a:lnRef idx="0">
+              <a:schemeClr val="accent6"/>
+            </a:lnRef>
+            <a:fillRef idx="3">
+              <a:schemeClr val="accent6"/>
+            </a:fillRef>
+            <a:effectRef idx="3">
+              <a:schemeClr val="accent6"/>
+            </a:effectRef>
+            <a:fontRef idx="minor">
+              <a:schemeClr val="lt1"/>
+            </a:fontRef>
+          </p:style>
+          <p:txBody>
+            <a:bodyPr rtlCol="0" anchor="ctr"/>
+            <a:lstStyle/>
+            <a:p>
+              <a:pPr algn="ctr"/>
+              <a:r>
+                <a:rPr lang="ru-RU" dirty="0"/>
+                <a:t>СТАРТ</a:t>
+              </a:r>
+            </a:p>
+          </p:txBody>
+        </p:sp>
+        <p:sp>
+          <p:nvSpPr>
+            <p:cNvPr id="7" name="Прямоугольник: скругленные углы 6">
+              <a:extLst>
+                <a:ext uri="{FF2B5EF4-FFF2-40B4-BE49-F238E27FC236}">
+                  <a16:creationId xmlns:a16="http://schemas.microsoft.com/office/drawing/2014/main" id="{2196B5ED-0E42-4B81-8FB2-2BC36E931EA1}"/>
+                </a:ext>
+              </a:extLst>
+            </p:cNvPr>
+            <p:cNvSpPr/>
+            <p:nvPr/>
+          </p:nvSpPr>
+          <p:spPr>
+            <a:xfrm>
+              <a:off x="6002078" y="3173817"/>
+              <a:ext cx="1063256" cy="590107"/>
+            </a:xfrm>
+            <a:prstGeom prst="roundRect">
+              <a:avLst/>
+            </a:prstGeom>
+            <a:solidFill>
+              <a:srgbClr val="C00000"/>
+            </a:solidFill>
+          </p:spPr>
+          <p:style>
+            <a:lnRef idx="0">
+              <a:schemeClr val="accent2"/>
+            </a:lnRef>
+            <a:fillRef idx="3">
+              <a:schemeClr val="accent2"/>
+            </a:fillRef>
+            <a:effectRef idx="3">
+              <a:schemeClr val="accent2"/>
+            </a:effectRef>
+            <a:fontRef idx="minor">
+              <a:schemeClr val="lt1"/>
+            </a:fontRef>
+          </p:style>
+          <p:txBody>
+            <a:bodyPr rtlCol="0" anchor="ctr"/>
+            <a:lstStyle/>
+            <a:p>
+              <a:pPr algn="ctr"/>
+              <a:r>
+                <a:rPr lang="ru-RU" dirty="0"/>
+                <a:t>СТОП</a:t>
+              </a:r>
+            </a:p>
+          </p:txBody>
+        </p:sp>
+        <p:sp>
+          <p:nvSpPr>
+            <p:cNvPr id="8" name="Прямоугольник: скругленные углы 7">
+              <a:extLst>
+                <a:ext uri="{FF2B5EF4-FFF2-40B4-BE49-F238E27FC236}">
+                  <a16:creationId xmlns:a16="http://schemas.microsoft.com/office/drawing/2014/main" id="{FF59B02F-96B3-40B8-9EF5-BEB4B4D52E1F}"/>
+                </a:ext>
+              </a:extLst>
+            </p:cNvPr>
+            <p:cNvSpPr/>
+            <p:nvPr/>
+          </p:nvSpPr>
+          <p:spPr>
+            <a:xfrm>
+              <a:off x="7301021" y="3173817"/>
+              <a:ext cx="1063256" cy="590107"/>
+            </a:xfrm>
+            <a:prstGeom prst="roundRect">
+              <a:avLst/>
+            </a:prstGeom>
+          </p:spPr>
+          <p:style>
+            <a:lnRef idx="0">
+              <a:schemeClr val="dk1"/>
+            </a:lnRef>
+            <a:fillRef idx="3">
+              <a:schemeClr val="dk1"/>
+            </a:fillRef>
+            <a:effectRef idx="3">
+              <a:schemeClr val="dk1"/>
+            </a:effectRef>
+            <a:fontRef idx="minor">
+              <a:schemeClr val="lt1"/>
+            </a:fontRef>
+          </p:style>
+          <p:txBody>
+            <a:bodyPr rtlCol="0" anchor="ctr"/>
+            <a:lstStyle/>
+            <a:p>
+              <a:pPr algn="ctr"/>
+              <a:r>
+                <a:rPr lang="ru-RU" dirty="0"/>
+                <a:t>ШАГ</a:t>
+              </a:r>
+            </a:p>
+          </p:txBody>
+        </p:sp>
+      </p:grpSp>
+    </p:spTree>
+    <p:extLst>
+      <p:ext uri="{BB962C8B-B14F-4D97-AF65-F5344CB8AC3E}">
+        <p14:creationId xmlns:p14="http://schemas.microsoft.com/office/powerpoint/2010/main" val="795400029"/>
+      </p:ext>
+    </p:extLst>
+  </p:cSld>
+  <p:clrMapOvr>
+    <a:masterClrMapping/>
+  </p:clrMapOvr>
+</p:sld>
+</file>
+
 <file path=ppt/slides/slide4.xml><?xml version="1.0" encoding="utf-8"?>
 <p:sld xmlns:a="http://schemas.openxmlformats.org/drawingml/2006/main" xmlns:r="http://schemas.openxmlformats.org/officeDocument/2006/relationships" xmlns:p="http://schemas.openxmlformats.org/presentationml/2006/main">
   <p:cSld>

--- a/Presentation/Основы алгоритмизации и программирования.pptx
+++ b/Presentation/Основы алгоритмизации и программирования.pptx
@@ -32,16 +32,29 @@
     <p:sldId id="280" r:id="rId26"/>
     <p:sldId id="281" r:id="rId27"/>
     <p:sldId id="282" r:id="rId28"/>
-    <p:sldId id="283" r:id="rId29"/>
-    <p:sldId id="284" r:id="rId30"/>
-    <p:sldId id="285" r:id="rId31"/>
-    <p:sldId id="286" r:id="rId32"/>
-    <p:sldId id="287" r:id="rId33"/>
-    <p:sldId id="288" r:id="rId34"/>
-    <p:sldId id="289" r:id="rId35"/>
-    <p:sldId id="290" r:id="rId36"/>
-    <p:sldId id="291" r:id="rId37"/>
-    <p:sldId id="292" r:id="rId38"/>
+    <p:sldId id="295" r:id="rId29"/>
+    <p:sldId id="283" r:id="rId30"/>
+    <p:sldId id="284" r:id="rId31"/>
+    <p:sldId id="285" r:id="rId32"/>
+    <p:sldId id="286" r:id="rId33"/>
+    <p:sldId id="296" r:id="rId34"/>
+    <p:sldId id="287" r:id="rId35"/>
+    <p:sldId id="288" r:id="rId36"/>
+    <p:sldId id="289" r:id="rId37"/>
+    <p:sldId id="290" r:id="rId38"/>
+    <p:sldId id="291" r:id="rId39"/>
+    <p:sldId id="292" r:id="rId40"/>
+    <p:sldId id="293" r:id="rId41"/>
+    <p:sldId id="294" r:id="rId42"/>
+    <p:sldId id="297" r:id="rId43"/>
+    <p:sldId id="298" r:id="rId44"/>
+    <p:sldId id="299" r:id="rId45"/>
+    <p:sldId id="300" r:id="rId46"/>
+    <p:sldId id="301" r:id="rId47"/>
+    <p:sldId id="302" r:id="rId48"/>
+    <p:sldId id="303" r:id="rId49"/>
+    <p:sldId id="304" r:id="rId50"/>
+    <p:sldId id="305" r:id="rId51"/>
   </p:sldIdLst>
   <p:sldSz cx="12192000" cy="6858000"/>
   <p:notesSz cx="6858000" cy="9144000"/>
@@ -307,7 +320,7 @@
           <a:p>
             <a:fld id="{FA984E8B-3F5A-48DE-8BA5-BCD329794D47}" type="datetimeFigureOut">
               <a:rPr lang="ru-RU" smtClean="0"/>
-              <a:t>24.10.2020</a:t>
+              <a:t>25.10.2020</a:t>
             </a:fld>
             <a:endParaRPr lang="ru-RU"/>
           </a:p>
@@ -599,7 +612,7 @@
           <a:p>
             <a:fld id="{FA984E8B-3F5A-48DE-8BA5-BCD329794D47}" type="datetimeFigureOut">
               <a:rPr lang="ru-RU" smtClean="0"/>
-              <a:t>24.10.2020</a:t>
+              <a:t>25.10.2020</a:t>
             </a:fld>
             <a:endParaRPr lang="ru-RU"/>
           </a:p>
@@ -797,7 +810,7 @@
           <a:p>
             <a:fld id="{FA984E8B-3F5A-48DE-8BA5-BCD329794D47}" type="datetimeFigureOut">
               <a:rPr lang="ru-RU" smtClean="0"/>
-              <a:t>24.10.2020</a:t>
+              <a:t>25.10.2020</a:t>
             </a:fld>
             <a:endParaRPr lang="ru-RU"/>
           </a:p>
@@ -1005,7 +1018,7 @@
           <a:p>
             <a:fld id="{FA984E8B-3F5A-48DE-8BA5-BCD329794D47}" type="datetimeFigureOut">
               <a:rPr lang="ru-RU" smtClean="0"/>
-              <a:t>24.10.2020</a:t>
+              <a:t>25.10.2020</a:t>
             </a:fld>
             <a:endParaRPr lang="ru-RU"/>
           </a:p>
@@ -1203,7 +1216,7 @@
           <a:p>
             <a:fld id="{FA984E8B-3F5A-48DE-8BA5-BCD329794D47}" type="datetimeFigureOut">
               <a:rPr lang="ru-RU" smtClean="0"/>
-              <a:t>24.10.2020</a:t>
+              <a:t>25.10.2020</a:t>
             </a:fld>
             <a:endParaRPr lang="ru-RU"/>
           </a:p>
@@ -1408,7 +1421,7 @@
           <a:p>
             <a:fld id="{FA984E8B-3F5A-48DE-8BA5-BCD329794D47}" type="datetimeFigureOut">
               <a:rPr lang="ru-RU" smtClean="0"/>
-              <a:t>24.10.2020</a:t>
+              <a:t>25.10.2020</a:t>
             </a:fld>
             <a:endParaRPr lang="ru-RU"/>
           </a:p>
@@ -1745,7 +1758,7 @@
           <a:p>
             <a:fld id="{FA984E8B-3F5A-48DE-8BA5-BCD329794D47}" type="datetimeFigureOut">
               <a:rPr lang="ru-RU" smtClean="0"/>
-              <a:t>24.10.2020</a:t>
+              <a:t>25.10.2020</a:t>
             </a:fld>
             <a:endParaRPr lang="ru-RU"/>
           </a:p>
@@ -2014,7 +2027,7 @@
           <a:p>
             <a:fld id="{FA984E8B-3F5A-48DE-8BA5-BCD329794D47}" type="datetimeFigureOut">
               <a:rPr lang="ru-RU" smtClean="0"/>
-              <a:t>24.10.2020</a:t>
+              <a:t>25.10.2020</a:t>
             </a:fld>
             <a:endParaRPr lang="ru-RU"/>
           </a:p>
@@ -2430,7 +2443,7 @@
           <a:p>
             <a:fld id="{FA984E8B-3F5A-48DE-8BA5-BCD329794D47}" type="datetimeFigureOut">
               <a:rPr lang="ru-RU" smtClean="0"/>
-              <a:t>24.10.2020</a:t>
+              <a:t>25.10.2020</a:t>
             </a:fld>
             <a:endParaRPr lang="ru-RU"/>
           </a:p>
@@ -2575,7 +2588,7 @@
           <a:p>
             <a:fld id="{FA984E8B-3F5A-48DE-8BA5-BCD329794D47}" type="datetimeFigureOut">
               <a:rPr lang="ru-RU" smtClean="0"/>
-              <a:t>24.10.2020</a:t>
+              <a:t>25.10.2020</a:t>
             </a:fld>
             <a:endParaRPr lang="ru-RU"/>
           </a:p>
@@ -2692,7 +2705,7 @@
           <a:p>
             <a:fld id="{FA984E8B-3F5A-48DE-8BA5-BCD329794D47}" type="datetimeFigureOut">
               <a:rPr lang="ru-RU" smtClean="0"/>
-              <a:t>24.10.2020</a:t>
+              <a:t>25.10.2020</a:t>
             </a:fld>
             <a:endParaRPr lang="ru-RU"/>
           </a:p>
@@ -3003,7 +3016,7 @@
           <a:p>
             <a:fld id="{FA984E8B-3F5A-48DE-8BA5-BCD329794D47}" type="datetimeFigureOut">
               <a:rPr lang="ru-RU" smtClean="0"/>
-              <a:t>24.10.2020</a:t>
+              <a:t>25.10.2020</a:t>
             </a:fld>
             <a:endParaRPr lang="ru-RU"/>
           </a:p>
@@ -3244,7 +3257,7 @@
           <a:p>
             <a:fld id="{FA984E8B-3F5A-48DE-8BA5-BCD329794D47}" type="datetimeFigureOut">
               <a:rPr lang="ru-RU" smtClean="0"/>
-              <a:t>24.10.2020</a:t>
+              <a:t>25.10.2020</a:t>
             </a:fld>
             <a:endParaRPr lang="ru-RU"/>
           </a:p>
@@ -8504,6 +8517,69 @@
           <p:cNvPr id="2" name="Заголовок 1">
             <a:extLst>
               <a:ext uri="{FF2B5EF4-FFF2-40B4-BE49-F238E27FC236}">
+                <a16:creationId xmlns:a16="http://schemas.microsoft.com/office/drawing/2014/main" id="{4CA4C947-CA7A-441E-A7AB-FC0610085AF1}"/>
+              </a:ext>
+            </a:extLst>
+          </p:cNvPr>
+          <p:cNvSpPr>
+            <a:spLocks noGrp="1"/>
+          </p:cNvSpPr>
+          <p:nvPr>
+            <p:ph type="title"/>
+          </p:nvPr>
+        </p:nvSpPr>
+        <p:spPr>
+          <a:xfrm>
+            <a:off x="423531" y="4554353"/>
+            <a:ext cx="10515600" cy="1325563"/>
+          </a:xfrm>
+        </p:spPr>
+        <p:txBody>
+          <a:bodyPr/>
+          <a:lstStyle/>
+          <a:p>
+            <a:r>
+              <a:rPr lang="ru-RU" dirty="0"/>
+              <a:t>Численные типы данных</a:t>
+            </a:r>
+          </a:p>
+        </p:txBody>
+      </p:sp>
+    </p:spTree>
+    <p:extLst>
+      <p:ext uri="{BB962C8B-B14F-4D97-AF65-F5344CB8AC3E}">
+        <p14:creationId xmlns:p14="http://schemas.microsoft.com/office/powerpoint/2010/main" val="2985022868"/>
+      </p:ext>
+    </p:extLst>
+  </p:cSld>
+  <p:clrMapOvr>
+    <a:masterClrMapping/>
+  </p:clrMapOvr>
+</p:sld>
+</file>
+
+<file path=ppt/slides/slide29.xml><?xml version="1.0" encoding="utf-8"?>
+<p:sld xmlns:a="http://schemas.openxmlformats.org/drawingml/2006/main" xmlns:r="http://schemas.openxmlformats.org/officeDocument/2006/relationships" xmlns:p="http://schemas.openxmlformats.org/presentationml/2006/main">
+  <p:cSld>
+    <p:spTree>
+      <p:nvGrpSpPr>
+        <p:cNvPr id="1" name=""/>
+        <p:cNvGrpSpPr/>
+        <p:nvPr/>
+      </p:nvGrpSpPr>
+      <p:grpSpPr>
+        <a:xfrm>
+          <a:off x="0" y="0"/>
+          <a:ext cx="0" cy="0"/>
+          <a:chOff x="0" y="0"/>
+          <a:chExt cx="0" cy="0"/>
+        </a:xfrm>
+      </p:grpSpPr>
+      <p:sp>
+        <p:nvSpPr>
+          <p:cNvPr id="2" name="Заголовок 1">
+            <a:extLst>
+              <a:ext uri="{FF2B5EF4-FFF2-40B4-BE49-F238E27FC236}">
                 <a16:creationId xmlns:a16="http://schemas.microsoft.com/office/drawing/2014/main" id="{131C83B6-CA77-4E95-83ED-AC274C3A8B8A}"/>
               </a:ext>
             </a:extLst>
@@ -8592,7 +8668,145 @@
 </p:sld>
 </file>
 
-<file path=ppt/slides/slide29.xml><?xml version="1.0" encoding="utf-8"?>
+<file path=ppt/slides/slide3.xml><?xml version="1.0" encoding="utf-8"?>
+<p:sld xmlns:a="http://schemas.openxmlformats.org/drawingml/2006/main" xmlns:r="http://schemas.openxmlformats.org/officeDocument/2006/relationships" xmlns:p="http://schemas.openxmlformats.org/presentationml/2006/main">
+  <p:cSld>
+    <p:spTree>
+      <p:nvGrpSpPr>
+        <p:cNvPr id="1" name=""/>
+        <p:cNvGrpSpPr/>
+        <p:nvPr/>
+      </p:nvGrpSpPr>
+      <p:grpSpPr>
+        <a:xfrm>
+          <a:off x="0" y="0"/>
+          <a:ext cx="0" cy="0"/>
+          <a:chOff x="0" y="0"/>
+          <a:chExt cx="0" cy="0"/>
+        </a:xfrm>
+      </p:grpSpPr>
+      <p:pic>
+        <p:nvPicPr>
+          <p:cNvPr id="2050" name="Picture 2">
+            <a:extLst>
+              <a:ext uri="{FF2B5EF4-FFF2-40B4-BE49-F238E27FC236}">
+                <a16:creationId xmlns:a16="http://schemas.microsoft.com/office/drawing/2014/main" id="{224060B0-F24C-4893-A28E-5A898FB81EBE}"/>
+              </a:ext>
+            </a:extLst>
+          </p:cNvPr>
+          <p:cNvPicPr>
+            <a:picLocks noChangeAspect="1" noChangeArrowheads="1"/>
+          </p:cNvPicPr>
+          <p:nvPr/>
+        </p:nvPicPr>
+        <p:blipFill>
+          <a:blip r:embed="rId2">
+            <a:extLst>
+              <a:ext uri="{28A0092B-C50C-407E-A947-70E740481C1C}">
+                <a14:useLocalDpi xmlns:a14="http://schemas.microsoft.com/office/drawing/2010/main" val="0"/>
+              </a:ext>
+            </a:extLst>
+          </a:blip>
+          <a:srcRect/>
+          <a:stretch>
+            <a:fillRect/>
+          </a:stretch>
+        </p:blipFill>
+        <p:spPr bwMode="auto">
+          <a:xfrm>
+            <a:off x="0" y="-1"/>
+            <a:ext cx="12277344" cy="6812645"/>
+          </a:xfrm>
+          <a:prstGeom prst="rect">
+            <a:avLst/>
+          </a:prstGeom>
+          <a:noFill/>
+          <a:extLst>
+            <a:ext uri="{909E8E84-426E-40DD-AFC4-6F175D3DCCD1}">
+              <a14:hiddenFill xmlns:a14="http://schemas.microsoft.com/office/drawing/2010/main">
+                <a:solidFill>
+                  <a:srgbClr val="FFFFFF"/>
+                </a:solidFill>
+              </a14:hiddenFill>
+            </a:ext>
+          </a:extLst>
+        </p:spPr>
+      </p:pic>
+      <p:sp>
+        <p:nvSpPr>
+          <p:cNvPr id="2" name="Заголовок 1">
+            <a:extLst>
+              <a:ext uri="{FF2B5EF4-FFF2-40B4-BE49-F238E27FC236}">
+                <a16:creationId xmlns:a16="http://schemas.microsoft.com/office/drawing/2014/main" id="{A32C6FA1-D58B-477C-9072-C038E8F03C4D}"/>
+              </a:ext>
+            </a:extLst>
+          </p:cNvPr>
+          <p:cNvSpPr>
+            <a:spLocks noGrp="1"/>
+          </p:cNvSpPr>
+          <p:nvPr>
+            <p:ph type="title"/>
+          </p:nvPr>
+        </p:nvSpPr>
+        <p:spPr/>
+        <p:txBody>
+          <a:bodyPr/>
+          <a:lstStyle/>
+          <a:p>
+            <a:r>
+              <a:rPr lang="ru-RU" dirty="0"/>
+              <a:t>Элементарное программирование</a:t>
+            </a:r>
+          </a:p>
+        </p:txBody>
+      </p:sp>
+      <p:sp>
+        <p:nvSpPr>
+          <p:cNvPr id="3" name="Текст 2">
+            <a:extLst>
+              <a:ext uri="{FF2B5EF4-FFF2-40B4-BE49-F238E27FC236}">
+                <a16:creationId xmlns:a16="http://schemas.microsoft.com/office/drawing/2014/main" id="{36931AFF-3143-4FA8-A747-A6D1850F7FC9}"/>
+              </a:ext>
+            </a:extLst>
+          </p:cNvPr>
+          <p:cNvSpPr>
+            <a:spLocks noGrp="1"/>
+          </p:cNvSpPr>
+          <p:nvPr>
+            <p:ph type="body" idx="1"/>
+          </p:nvPr>
+        </p:nvSpPr>
+        <p:spPr/>
+        <p:txBody>
+          <a:bodyPr/>
+          <a:lstStyle/>
+          <a:p>
+            <a:r>
+              <a:rPr lang="ru-RU" dirty="0"/>
+              <a:t>Часть </a:t>
+            </a:r>
+            <a:r>
+              <a:rPr lang="en-US" dirty="0"/>
+              <a:t>I</a:t>
+            </a:r>
+            <a:endParaRPr lang="ru-RU" dirty="0"/>
+          </a:p>
+        </p:txBody>
+      </p:sp>
+    </p:spTree>
+    <p:extLst>
+      <p:ext uri="{BB962C8B-B14F-4D97-AF65-F5344CB8AC3E}">
+        <p14:creationId xmlns:p14="http://schemas.microsoft.com/office/powerpoint/2010/main" val="411472317"/>
+      </p:ext>
+    </p:extLst>
+  </p:cSld>
+  <p:clrMapOvr>
+    <a:masterClrMapping/>
+  </p:clrMapOvr>
+</p:sld>
+</file>
+
+<file path=ppt/slides/slide30.xml><?xml version="1.0" encoding="utf-8"?>
 <p:sld xmlns:a="http://schemas.openxmlformats.org/drawingml/2006/main" xmlns:r="http://schemas.openxmlformats.org/officeDocument/2006/relationships" xmlns:p="http://schemas.openxmlformats.org/presentationml/2006/main">
   <p:cSld>
     <p:spTree>
@@ -9317,145 +9531,7 @@
 </p:sld>
 </file>
 
-<file path=ppt/slides/slide3.xml><?xml version="1.0" encoding="utf-8"?>
-<p:sld xmlns:a="http://schemas.openxmlformats.org/drawingml/2006/main" xmlns:r="http://schemas.openxmlformats.org/officeDocument/2006/relationships" xmlns:p="http://schemas.openxmlformats.org/presentationml/2006/main">
-  <p:cSld>
-    <p:spTree>
-      <p:nvGrpSpPr>
-        <p:cNvPr id="1" name=""/>
-        <p:cNvGrpSpPr/>
-        <p:nvPr/>
-      </p:nvGrpSpPr>
-      <p:grpSpPr>
-        <a:xfrm>
-          <a:off x="0" y="0"/>
-          <a:ext cx="0" cy="0"/>
-          <a:chOff x="0" y="0"/>
-          <a:chExt cx="0" cy="0"/>
-        </a:xfrm>
-      </p:grpSpPr>
-      <p:pic>
-        <p:nvPicPr>
-          <p:cNvPr id="2050" name="Picture 2">
-            <a:extLst>
-              <a:ext uri="{FF2B5EF4-FFF2-40B4-BE49-F238E27FC236}">
-                <a16:creationId xmlns:a16="http://schemas.microsoft.com/office/drawing/2014/main" id="{224060B0-F24C-4893-A28E-5A898FB81EBE}"/>
-              </a:ext>
-            </a:extLst>
-          </p:cNvPr>
-          <p:cNvPicPr>
-            <a:picLocks noChangeAspect="1" noChangeArrowheads="1"/>
-          </p:cNvPicPr>
-          <p:nvPr/>
-        </p:nvPicPr>
-        <p:blipFill>
-          <a:blip r:embed="rId2">
-            <a:extLst>
-              <a:ext uri="{28A0092B-C50C-407E-A947-70E740481C1C}">
-                <a14:useLocalDpi xmlns:a14="http://schemas.microsoft.com/office/drawing/2010/main" val="0"/>
-              </a:ext>
-            </a:extLst>
-          </a:blip>
-          <a:srcRect/>
-          <a:stretch>
-            <a:fillRect/>
-          </a:stretch>
-        </p:blipFill>
-        <p:spPr bwMode="auto">
-          <a:xfrm>
-            <a:off x="0" y="-1"/>
-            <a:ext cx="12277344" cy="6812645"/>
-          </a:xfrm>
-          <a:prstGeom prst="rect">
-            <a:avLst/>
-          </a:prstGeom>
-          <a:noFill/>
-          <a:extLst>
-            <a:ext uri="{909E8E84-426E-40DD-AFC4-6F175D3DCCD1}">
-              <a14:hiddenFill xmlns:a14="http://schemas.microsoft.com/office/drawing/2010/main">
-                <a:solidFill>
-                  <a:srgbClr val="FFFFFF"/>
-                </a:solidFill>
-              </a14:hiddenFill>
-            </a:ext>
-          </a:extLst>
-        </p:spPr>
-      </p:pic>
-      <p:sp>
-        <p:nvSpPr>
-          <p:cNvPr id="2" name="Заголовок 1">
-            <a:extLst>
-              <a:ext uri="{FF2B5EF4-FFF2-40B4-BE49-F238E27FC236}">
-                <a16:creationId xmlns:a16="http://schemas.microsoft.com/office/drawing/2014/main" id="{A32C6FA1-D58B-477C-9072-C038E8F03C4D}"/>
-              </a:ext>
-            </a:extLst>
-          </p:cNvPr>
-          <p:cNvSpPr>
-            <a:spLocks noGrp="1"/>
-          </p:cNvSpPr>
-          <p:nvPr>
-            <p:ph type="title"/>
-          </p:nvPr>
-        </p:nvSpPr>
-        <p:spPr/>
-        <p:txBody>
-          <a:bodyPr/>
-          <a:lstStyle/>
-          <a:p>
-            <a:r>
-              <a:rPr lang="ru-RU" dirty="0"/>
-              <a:t>Элементарное программирование</a:t>
-            </a:r>
-          </a:p>
-        </p:txBody>
-      </p:sp>
-      <p:sp>
-        <p:nvSpPr>
-          <p:cNvPr id="3" name="Текст 2">
-            <a:extLst>
-              <a:ext uri="{FF2B5EF4-FFF2-40B4-BE49-F238E27FC236}">
-                <a16:creationId xmlns:a16="http://schemas.microsoft.com/office/drawing/2014/main" id="{36931AFF-3143-4FA8-A747-A6D1850F7FC9}"/>
-              </a:ext>
-            </a:extLst>
-          </p:cNvPr>
-          <p:cNvSpPr>
-            <a:spLocks noGrp="1"/>
-          </p:cNvSpPr>
-          <p:nvPr>
-            <p:ph type="body" idx="1"/>
-          </p:nvPr>
-        </p:nvSpPr>
-        <p:spPr/>
-        <p:txBody>
-          <a:bodyPr/>
-          <a:lstStyle/>
-          <a:p>
-            <a:r>
-              <a:rPr lang="ru-RU" dirty="0"/>
-              <a:t>Часть </a:t>
-            </a:r>
-            <a:r>
-              <a:rPr lang="en-US" dirty="0"/>
-              <a:t>I</a:t>
-            </a:r>
-            <a:endParaRPr lang="ru-RU" dirty="0"/>
-          </a:p>
-        </p:txBody>
-      </p:sp>
-    </p:spTree>
-    <p:extLst>
-      <p:ext uri="{BB962C8B-B14F-4D97-AF65-F5344CB8AC3E}">
-        <p14:creationId xmlns:p14="http://schemas.microsoft.com/office/powerpoint/2010/main" val="411472317"/>
-      </p:ext>
-    </p:extLst>
-  </p:cSld>
-  <p:clrMapOvr>
-    <a:masterClrMapping/>
-  </p:clrMapOvr>
-</p:sld>
-</file>
-
-<file path=ppt/slides/slide30.xml><?xml version="1.0" encoding="utf-8"?>
+<file path=ppt/slides/slide31.xml><?xml version="1.0" encoding="utf-8"?>
 <p:sld xmlns:a="http://schemas.openxmlformats.org/drawingml/2006/main" xmlns:r="http://schemas.openxmlformats.org/officeDocument/2006/relationships" xmlns:p="http://schemas.openxmlformats.org/presentationml/2006/main">
   <p:cSld>
     <p:spTree>
@@ -9990,7 +10066,7 @@
 </p:sld>
 </file>
 
-<file path=ppt/slides/slide31.xml><?xml version="1.0" encoding="utf-8"?>
+<file path=ppt/slides/slide32.xml><?xml version="1.0" encoding="utf-8"?>
 <p:sld xmlns:a="http://schemas.openxmlformats.org/drawingml/2006/main" xmlns:r="http://schemas.openxmlformats.org/officeDocument/2006/relationships" xmlns:p="http://schemas.openxmlformats.org/presentationml/2006/main">
   <p:cSld>
     <p:spTree>
@@ -10582,287 +10658,6 @@
 </p:sld>
 </file>
 
-<file path=ppt/slides/slide32.xml><?xml version="1.0" encoding="utf-8"?>
-<p:sld xmlns:a="http://schemas.openxmlformats.org/drawingml/2006/main" xmlns:r="http://schemas.openxmlformats.org/officeDocument/2006/relationships" xmlns:p="http://schemas.openxmlformats.org/presentationml/2006/main">
-  <p:cSld>
-    <p:spTree>
-      <p:nvGrpSpPr>
-        <p:cNvPr id="1" name=""/>
-        <p:cNvGrpSpPr/>
-        <p:nvPr/>
-      </p:nvGrpSpPr>
-      <p:grpSpPr>
-        <a:xfrm>
-          <a:off x="0" y="0"/>
-          <a:ext cx="0" cy="0"/>
-          <a:chOff x="0" y="0"/>
-          <a:chExt cx="0" cy="0"/>
-        </a:xfrm>
-      </p:grpSpPr>
-      <p:sp>
-        <p:nvSpPr>
-          <p:cNvPr id="2" name="Заголовок 1">
-            <a:extLst>
-              <a:ext uri="{FF2B5EF4-FFF2-40B4-BE49-F238E27FC236}">
-                <a16:creationId xmlns:a16="http://schemas.microsoft.com/office/drawing/2014/main" id="{25E1EFF2-DFA5-4664-BF47-5CC7F5F80129}"/>
-              </a:ext>
-            </a:extLst>
-          </p:cNvPr>
-          <p:cNvSpPr>
-            <a:spLocks noGrp="1"/>
-          </p:cNvSpPr>
-          <p:nvPr>
-            <p:ph type="title"/>
-          </p:nvPr>
-        </p:nvSpPr>
-        <p:spPr/>
-        <p:txBody>
-          <a:bodyPr/>
-          <a:lstStyle/>
-          <a:p>
-            <a:r>
-              <a:rPr lang="ru-RU" dirty="0"/>
-              <a:t>Строки</a:t>
-            </a:r>
-          </a:p>
-        </p:txBody>
-      </p:sp>
-      <p:sp>
-        <p:nvSpPr>
-          <p:cNvPr id="3" name="Объект 2">
-            <a:extLst>
-              <a:ext uri="{FF2B5EF4-FFF2-40B4-BE49-F238E27FC236}">
-                <a16:creationId xmlns:a16="http://schemas.microsoft.com/office/drawing/2014/main" id="{62B3548D-6593-4954-BE8D-7B0BD2154833}"/>
-              </a:ext>
-            </a:extLst>
-          </p:cNvPr>
-          <p:cNvSpPr>
-            <a:spLocks noGrp="1"/>
-          </p:cNvSpPr>
-          <p:nvPr>
-            <p:ph idx="1"/>
-          </p:nvPr>
-        </p:nvSpPr>
-        <p:spPr/>
-        <p:txBody>
-          <a:bodyPr/>
-          <a:lstStyle/>
-          <a:p>
-            <a:r>
-              <a:rPr lang="ru-RU" dirty="0"/>
-              <a:t>Строка – неизменяемый набор символов произвольной длины</a:t>
-            </a:r>
-          </a:p>
-          <a:p>
-            <a:r>
-              <a:rPr lang="en-US" dirty="0"/>
-              <a:t>Python </a:t>
-            </a:r>
-            <a:r>
-              <a:rPr lang="ru-RU" dirty="0"/>
-              <a:t>поддерживает </a:t>
-            </a:r>
-            <a:r>
-              <a:rPr lang="en-US" dirty="0" err="1"/>
-              <a:t>unicode</a:t>
-            </a:r>
-            <a:r>
-              <a:rPr lang="en-US" dirty="0"/>
-              <a:t>-</a:t>
-            </a:r>
-            <a:r>
-              <a:rPr lang="ru-RU" dirty="0"/>
-              <a:t>строки в формате  </a:t>
-            </a:r>
-            <a:r>
-              <a:rPr lang="en-US" dirty="0"/>
-              <a:t>UTF-8 – </a:t>
-            </a:r>
-            <a:r>
-              <a:rPr lang="ru-RU" dirty="0"/>
-              <a:t>для национальных символов, смайлов и т.д.</a:t>
-            </a:r>
-          </a:p>
-          <a:p>
-            <a:r>
-              <a:rPr lang="ru-RU" dirty="0"/>
-              <a:t>Можно использовать сочетание </a:t>
-            </a:r>
-            <a:r>
-              <a:rPr lang="en-US" dirty="0"/>
-              <a:t>\u</a:t>
-            </a:r>
-            <a:r>
-              <a:rPr lang="ru-RU" dirty="0"/>
-              <a:t>ЧИСЛОВОЙКОД для указания символа, которого нет на клавиатуре</a:t>
-            </a:r>
-          </a:p>
-          <a:p>
-            <a:r>
-              <a:rPr lang="ru-RU" dirty="0"/>
-              <a:t>Символ </a:t>
-            </a:r>
-            <a:r>
-              <a:rPr lang="en-US" dirty="0"/>
-              <a:t>Unicode </a:t>
-            </a:r>
-            <a:r>
-              <a:rPr lang="ru-RU" dirty="0"/>
-              <a:t>можно записать используя его имя </a:t>
-            </a:r>
-            <a:br>
-              <a:rPr lang="ru-RU" dirty="0"/>
-            </a:br>
-            <a:endParaRPr lang="ru-RU" dirty="0"/>
-          </a:p>
-          <a:p>
-            <a:endParaRPr lang="ru-RU" dirty="0"/>
-          </a:p>
-        </p:txBody>
-      </p:sp>
-      <p:sp>
-        <p:nvSpPr>
-          <p:cNvPr id="7" name="TextBox 6">
-            <a:extLst>
-              <a:ext uri="{FF2B5EF4-FFF2-40B4-BE49-F238E27FC236}">
-                <a16:creationId xmlns:a16="http://schemas.microsoft.com/office/drawing/2014/main" id="{E7C8E4D0-4A70-4D74-9E4E-E0D34F4C9EB8}"/>
-              </a:ext>
-            </a:extLst>
-          </p:cNvPr>
-          <p:cNvSpPr txBox="1"/>
-          <p:nvPr/>
-        </p:nvSpPr>
-        <p:spPr>
-          <a:xfrm>
-            <a:off x="2825603" y="5061949"/>
-            <a:ext cx="6097772" cy="923330"/>
-          </a:xfrm>
-          <a:prstGeom prst="rect">
-            <a:avLst/>
-          </a:prstGeom>
-          <a:noFill/>
-        </p:spPr>
-        <p:txBody>
-          <a:bodyPr wrap="square">
-            <a:spAutoFit/>
-          </a:bodyPr>
-          <a:lstStyle/>
-          <a:p>
-            <a:r>
-              <a:rPr lang="en-US" b="0" dirty="0" err="1">
-                <a:solidFill>
-                  <a:srgbClr val="D4D4D4"/>
-                </a:solidFill>
-                <a:effectLst/>
-                <a:latin typeface="Consolas" panose="020B0609020204030204" pitchFamily="49" charset="0"/>
-              </a:rPr>
-              <a:t>unic</a:t>
-            </a:r>
-            <a:r>
-              <a:rPr lang="en-US" b="0" dirty="0">
-                <a:solidFill>
-                  <a:srgbClr val="D4D4D4"/>
-                </a:solidFill>
-                <a:effectLst/>
-                <a:latin typeface="Consolas" panose="020B0609020204030204" pitchFamily="49" charset="0"/>
-              </a:rPr>
-              <a:t> = </a:t>
-            </a:r>
-            <a:r>
-              <a:rPr lang="en-US" b="0" dirty="0">
-                <a:solidFill>
-                  <a:srgbClr val="CE9178"/>
-                </a:solidFill>
-                <a:effectLst/>
-                <a:latin typeface="Consolas" panose="020B0609020204030204" pitchFamily="49" charset="0"/>
-              </a:rPr>
-              <a:t>"</a:t>
-            </a:r>
-            <a:r>
-              <a:rPr lang="en-US" b="0" dirty="0">
-                <a:solidFill>
-                  <a:srgbClr val="D7BA7D"/>
-                </a:solidFill>
-                <a:effectLst/>
-                <a:latin typeface="Consolas" panose="020B0609020204030204" pitchFamily="49" charset="0"/>
-              </a:rPr>
-              <a:t>\N{LATIN SMALL LETTER O WITH DIAERESIS}</a:t>
-            </a:r>
-            <a:r>
-              <a:rPr lang="en-US" b="0" dirty="0">
-                <a:solidFill>
-                  <a:srgbClr val="CE9178"/>
-                </a:solidFill>
-                <a:effectLst/>
-                <a:latin typeface="Consolas" panose="020B0609020204030204" pitchFamily="49" charset="0"/>
-              </a:rPr>
-              <a:t>"</a:t>
-            </a:r>
-            <a:endParaRPr lang="en-US" b="0" dirty="0">
-              <a:solidFill>
-                <a:srgbClr val="D4D4D4"/>
-              </a:solidFill>
-              <a:effectLst/>
-              <a:latin typeface="Consolas" panose="020B0609020204030204" pitchFamily="49" charset="0"/>
-            </a:endParaRPr>
-          </a:p>
-          <a:p>
-            <a:r>
-              <a:rPr lang="en-US" b="0" dirty="0">
-                <a:solidFill>
-                  <a:srgbClr val="DCDCAA"/>
-                </a:solidFill>
-                <a:effectLst/>
-                <a:latin typeface="Consolas" panose="020B0609020204030204" pitchFamily="49" charset="0"/>
-              </a:rPr>
-              <a:t>print</a:t>
-            </a:r>
-            <a:r>
-              <a:rPr lang="en-US" b="0" dirty="0">
-                <a:solidFill>
-                  <a:srgbClr val="D4D4D4"/>
-                </a:solidFill>
-                <a:effectLst/>
-                <a:latin typeface="Consolas" panose="020B0609020204030204" pitchFamily="49" charset="0"/>
-              </a:rPr>
-              <a:t>(</a:t>
-            </a:r>
-            <a:r>
-              <a:rPr lang="en-US" b="0" dirty="0" err="1">
-                <a:solidFill>
-                  <a:srgbClr val="D4D4D4"/>
-                </a:solidFill>
-                <a:effectLst/>
-                <a:latin typeface="Consolas" panose="020B0609020204030204" pitchFamily="49" charset="0"/>
-              </a:rPr>
-              <a:t>unic</a:t>
-            </a:r>
-            <a:r>
-              <a:rPr lang="en-US" b="0" dirty="0">
-                <a:solidFill>
-                  <a:srgbClr val="D4D4D4"/>
-                </a:solidFill>
-                <a:effectLst/>
-                <a:latin typeface="Consolas" panose="020B0609020204030204" pitchFamily="49" charset="0"/>
-              </a:rPr>
-              <a:t>)</a:t>
-            </a:r>
-          </a:p>
-        </p:txBody>
-      </p:sp>
-    </p:spTree>
-    <p:extLst>
-      <p:ext uri="{BB962C8B-B14F-4D97-AF65-F5344CB8AC3E}">
-        <p14:creationId xmlns:p14="http://schemas.microsoft.com/office/powerpoint/2010/main" val="175832530"/>
-      </p:ext>
-    </p:extLst>
-  </p:cSld>
-  <p:clrMapOvr>
-    <a:masterClrMapping/>
-  </p:clrMapOvr>
-</p:sld>
-</file>
-
 <file path=ppt/slides/slide33.xml><?xml version="1.0" encoding="utf-8"?>
 <p:sld xmlns:a="http://schemas.openxmlformats.org/drawingml/2006/main" xmlns:r="http://schemas.openxmlformats.org/officeDocument/2006/relationships" xmlns:p="http://schemas.openxmlformats.org/presentationml/2006/main">
   <p:cSld>
@@ -10885,6 +10680,350 @@
           <p:cNvPr id="2" name="Заголовок 1">
             <a:extLst>
               <a:ext uri="{FF2B5EF4-FFF2-40B4-BE49-F238E27FC236}">
+                <a16:creationId xmlns:a16="http://schemas.microsoft.com/office/drawing/2014/main" id="{4CA4C947-CA7A-441E-A7AB-FC0610085AF1}"/>
+              </a:ext>
+            </a:extLst>
+          </p:cNvPr>
+          <p:cNvSpPr>
+            <a:spLocks noGrp="1"/>
+          </p:cNvSpPr>
+          <p:nvPr>
+            <p:ph type="title"/>
+          </p:nvPr>
+        </p:nvSpPr>
+        <p:spPr>
+          <a:xfrm>
+            <a:off x="423531" y="4554353"/>
+            <a:ext cx="10515600" cy="1325563"/>
+          </a:xfrm>
+        </p:spPr>
+        <p:txBody>
+          <a:bodyPr/>
+          <a:lstStyle/>
+          <a:p>
+            <a:r>
+              <a:rPr lang="ru-RU" dirty="0"/>
+              <a:t>Строки</a:t>
+            </a:r>
+          </a:p>
+        </p:txBody>
+      </p:sp>
+    </p:spTree>
+    <p:extLst>
+      <p:ext uri="{BB962C8B-B14F-4D97-AF65-F5344CB8AC3E}">
+        <p14:creationId xmlns:p14="http://schemas.microsoft.com/office/powerpoint/2010/main" val="2726490897"/>
+      </p:ext>
+    </p:extLst>
+  </p:cSld>
+  <p:clrMapOvr>
+    <a:masterClrMapping/>
+  </p:clrMapOvr>
+</p:sld>
+</file>
+
+<file path=ppt/slides/slide34.xml><?xml version="1.0" encoding="utf-8"?>
+<p:sld xmlns:a="http://schemas.openxmlformats.org/drawingml/2006/main" xmlns:r="http://schemas.openxmlformats.org/officeDocument/2006/relationships" xmlns:p="http://schemas.openxmlformats.org/presentationml/2006/main">
+  <p:cSld>
+    <p:spTree>
+      <p:nvGrpSpPr>
+        <p:cNvPr id="1" name=""/>
+        <p:cNvGrpSpPr/>
+        <p:nvPr/>
+      </p:nvGrpSpPr>
+      <p:grpSpPr>
+        <a:xfrm>
+          <a:off x="0" y="0"/>
+          <a:ext cx="0" cy="0"/>
+          <a:chOff x="0" y="0"/>
+          <a:chExt cx="0" cy="0"/>
+        </a:xfrm>
+      </p:grpSpPr>
+      <p:sp>
+        <p:nvSpPr>
+          <p:cNvPr id="2" name="Заголовок 1">
+            <a:extLst>
+              <a:ext uri="{FF2B5EF4-FFF2-40B4-BE49-F238E27FC236}">
+                <a16:creationId xmlns:a16="http://schemas.microsoft.com/office/drawing/2014/main" id="{25E1EFF2-DFA5-4664-BF47-5CC7F5F80129}"/>
+              </a:ext>
+            </a:extLst>
+          </p:cNvPr>
+          <p:cNvSpPr>
+            <a:spLocks noGrp="1"/>
+          </p:cNvSpPr>
+          <p:nvPr>
+            <p:ph type="title"/>
+          </p:nvPr>
+        </p:nvSpPr>
+        <p:spPr/>
+        <p:txBody>
+          <a:bodyPr/>
+          <a:lstStyle/>
+          <a:p>
+            <a:r>
+              <a:rPr lang="ru-RU" dirty="0"/>
+              <a:t>Строки</a:t>
+            </a:r>
+          </a:p>
+        </p:txBody>
+      </p:sp>
+      <p:sp>
+        <p:nvSpPr>
+          <p:cNvPr id="3" name="Объект 2">
+            <a:extLst>
+              <a:ext uri="{FF2B5EF4-FFF2-40B4-BE49-F238E27FC236}">
+                <a16:creationId xmlns:a16="http://schemas.microsoft.com/office/drawing/2014/main" id="{62B3548D-6593-4954-BE8D-7B0BD2154833}"/>
+              </a:ext>
+            </a:extLst>
+          </p:cNvPr>
+          <p:cNvSpPr>
+            <a:spLocks noGrp="1"/>
+          </p:cNvSpPr>
+          <p:nvPr>
+            <p:ph idx="1"/>
+          </p:nvPr>
+        </p:nvSpPr>
+        <p:spPr/>
+        <p:txBody>
+          <a:bodyPr/>
+          <a:lstStyle/>
+          <a:p>
+            <a:r>
+              <a:rPr lang="ru-RU" dirty="0"/>
+              <a:t>Строка – неизменяемый набор символов произвольной длины</a:t>
+            </a:r>
+          </a:p>
+          <a:p>
+            <a:r>
+              <a:rPr lang="en-US" dirty="0"/>
+              <a:t>Python </a:t>
+            </a:r>
+            <a:r>
+              <a:rPr lang="ru-RU" dirty="0"/>
+              <a:t>поддерживает </a:t>
+            </a:r>
+            <a:r>
+              <a:rPr lang="en-US" dirty="0" err="1"/>
+              <a:t>unicode</a:t>
+            </a:r>
+            <a:r>
+              <a:rPr lang="en-US" dirty="0"/>
+              <a:t>-</a:t>
+            </a:r>
+            <a:r>
+              <a:rPr lang="ru-RU" dirty="0"/>
+              <a:t>строки в формате  </a:t>
+            </a:r>
+            <a:r>
+              <a:rPr lang="en-US" dirty="0"/>
+              <a:t>UTF-8 – </a:t>
+            </a:r>
+            <a:r>
+              <a:rPr lang="ru-RU" dirty="0"/>
+              <a:t>для национальных символов, смайлов и т.д.</a:t>
+            </a:r>
+          </a:p>
+          <a:p>
+            <a:r>
+              <a:rPr lang="ru-RU" dirty="0"/>
+              <a:t>Можно использовать сочетание </a:t>
+            </a:r>
+            <a:r>
+              <a:rPr lang="en-US" dirty="0"/>
+              <a:t>\u</a:t>
+            </a:r>
+            <a:r>
+              <a:rPr lang="ru-RU" dirty="0"/>
+              <a:t>ЧИСЛОВОЙКОД для указания символа, которого нет на клавиатуре</a:t>
+            </a:r>
+          </a:p>
+          <a:p>
+            <a:r>
+              <a:rPr lang="ru-RU" dirty="0"/>
+              <a:t>Символ </a:t>
+            </a:r>
+            <a:r>
+              <a:rPr lang="en-US" dirty="0"/>
+              <a:t>Unicode </a:t>
+            </a:r>
+            <a:r>
+              <a:rPr lang="ru-RU" dirty="0"/>
+              <a:t>можно записать используя его имя </a:t>
+            </a:r>
+            <a:br>
+              <a:rPr lang="ru-RU" dirty="0"/>
+            </a:br>
+            <a:endParaRPr lang="ru-RU" dirty="0"/>
+          </a:p>
+          <a:p>
+            <a:endParaRPr lang="ru-RU" dirty="0"/>
+          </a:p>
+        </p:txBody>
+      </p:sp>
+      <p:sp>
+        <p:nvSpPr>
+          <p:cNvPr id="7" name="TextBox 6">
+            <a:extLst>
+              <a:ext uri="{FF2B5EF4-FFF2-40B4-BE49-F238E27FC236}">
+                <a16:creationId xmlns:a16="http://schemas.microsoft.com/office/drawing/2014/main" id="{E7C8E4D0-4A70-4D74-9E4E-E0D34F4C9EB8}"/>
+              </a:ext>
+            </a:extLst>
+          </p:cNvPr>
+          <p:cNvSpPr txBox="1"/>
+          <p:nvPr/>
+        </p:nvSpPr>
+        <p:spPr>
+          <a:xfrm>
+            <a:off x="2825603" y="5061949"/>
+            <a:ext cx="6097772" cy="923330"/>
+          </a:xfrm>
+          <a:prstGeom prst="rect">
+            <a:avLst/>
+          </a:prstGeom>
+          <a:noFill/>
+        </p:spPr>
+        <p:txBody>
+          <a:bodyPr wrap="square">
+            <a:spAutoFit/>
+          </a:bodyPr>
+          <a:lstStyle/>
+          <a:p>
+            <a:r>
+              <a:rPr lang="en-US" b="0" dirty="0" err="1">
+                <a:solidFill>
+                  <a:srgbClr val="D4D4D4"/>
+                </a:solidFill>
+                <a:effectLst/>
+                <a:latin typeface="Consolas" panose="020B0609020204030204" pitchFamily="49" charset="0"/>
+              </a:rPr>
+              <a:t>unic</a:t>
+            </a:r>
+            <a:r>
+              <a:rPr lang="en-US" b="0" dirty="0">
+                <a:solidFill>
+                  <a:srgbClr val="D4D4D4"/>
+                </a:solidFill>
+                <a:effectLst/>
+                <a:latin typeface="Consolas" panose="020B0609020204030204" pitchFamily="49" charset="0"/>
+              </a:rPr>
+              <a:t> = </a:t>
+            </a:r>
+            <a:r>
+              <a:rPr lang="en-US" b="0" dirty="0">
+                <a:solidFill>
+                  <a:srgbClr val="CE9178"/>
+                </a:solidFill>
+                <a:effectLst/>
+                <a:latin typeface="Consolas" panose="020B0609020204030204" pitchFamily="49" charset="0"/>
+              </a:rPr>
+              <a:t>"</a:t>
+            </a:r>
+            <a:r>
+              <a:rPr lang="en-US" b="0" dirty="0">
+                <a:solidFill>
+                  <a:srgbClr val="D7BA7D"/>
+                </a:solidFill>
+                <a:effectLst/>
+                <a:latin typeface="Consolas" panose="020B0609020204030204" pitchFamily="49" charset="0"/>
+              </a:rPr>
+              <a:t>\N{LATIN SMALL LETTER O WITH DIAERESIS}</a:t>
+            </a:r>
+            <a:r>
+              <a:rPr lang="en-US" b="0" dirty="0">
+                <a:solidFill>
+                  <a:srgbClr val="CE9178"/>
+                </a:solidFill>
+                <a:effectLst/>
+                <a:latin typeface="Consolas" panose="020B0609020204030204" pitchFamily="49" charset="0"/>
+              </a:rPr>
+              <a:t>"</a:t>
+            </a:r>
+            <a:endParaRPr lang="en-US" b="0" dirty="0">
+              <a:solidFill>
+                <a:srgbClr val="D4D4D4"/>
+              </a:solidFill>
+              <a:effectLst/>
+              <a:latin typeface="Consolas" panose="020B0609020204030204" pitchFamily="49" charset="0"/>
+            </a:endParaRPr>
+          </a:p>
+          <a:p>
+            <a:r>
+              <a:rPr lang="en-US" b="0" dirty="0">
+                <a:solidFill>
+                  <a:srgbClr val="DCDCAA"/>
+                </a:solidFill>
+                <a:effectLst/>
+                <a:latin typeface="Consolas" panose="020B0609020204030204" pitchFamily="49" charset="0"/>
+              </a:rPr>
+              <a:t>print</a:t>
+            </a:r>
+            <a:r>
+              <a:rPr lang="en-US" b="0" dirty="0">
+                <a:solidFill>
+                  <a:srgbClr val="D4D4D4"/>
+                </a:solidFill>
+                <a:effectLst/>
+                <a:latin typeface="Consolas" panose="020B0609020204030204" pitchFamily="49" charset="0"/>
+              </a:rPr>
+              <a:t>(</a:t>
+            </a:r>
+            <a:r>
+              <a:rPr lang="en-US" b="0" dirty="0" err="1">
+                <a:solidFill>
+                  <a:srgbClr val="D4D4D4"/>
+                </a:solidFill>
+                <a:effectLst/>
+                <a:latin typeface="Consolas" panose="020B0609020204030204" pitchFamily="49" charset="0"/>
+              </a:rPr>
+              <a:t>unic</a:t>
+            </a:r>
+            <a:r>
+              <a:rPr lang="en-US" b="0" dirty="0">
+                <a:solidFill>
+                  <a:srgbClr val="D4D4D4"/>
+                </a:solidFill>
+                <a:effectLst/>
+                <a:latin typeface="Consolas" panose="020B0609020204030204" pitchFamily="49" charset="0"/>
+              </a:rPr>
+              <a:t>)</a:t>
+            </a:r>
+          </a:p>
+        </p:txBody>
+      </p:sp>
+    </p:spTree>
+    <p:extLst>
+      <p:ext uri="{BB962C8B-B14F-4D97-AF65-F5344CB8AC3E}">
+        <p14:creationId xmlns:p14="http://schemas.microsoft.com/office/powerpoint/2010/main" val="175832530"/>
+      </p:ext>
+    </p:extLst>
+  </p:cSld>
+  <p:clrMapOvr>
+    <a:masterClrMapping/>
+  </p:clrMapOvr>
+</p:sld>
+</file>
+
+<file path=ppt/slides/slide35.xml><?xml version="1.0" encoding="utf-8"?>
+<p:sld xmlns:a="http://schemas.openxmlformats.org/drawingml/2006/main" xmlns:r="http://schemas.openxmlformats.org/officeDocument/2006/relationships" xmlns:p="http://schemas.openxmlformats.org/presentationml/2006/main">
+  <p:cSld>
+    <p:spTree>
+      <p:nvGrpSpPr>
+        <p:cNvPr id="1" name=""/>
+        <p:cNvGrpSpPr/>
+        <p:nvPr/>
+      </p:nvGrpSpPr>
+      <p:grpSpPr>
+        <a:xfrm>
+          <a:off x="0" y="0"/>
+          <a:ext cx="0" cy="0"/>
+          <a:chOff x="0" y="0"/>
+          <a:chExt cx="0" cy="0"/>
+        </a:xfrm>
+      </p:grpSpPr>
+      <p:sp>
+        <p:nvSpPr>
+          <p:cNvPr id="2" name="Заголовок 1">
+            <a:extLst>
+              <a:ext uri="{FF2B5EF4-FFF2-40B4-BE49-F238E27FC236}">
                 <a16:creationId xmlns:a16="http://schemas.microsoft.com/office/drawing/2014/main" id="{9A3A52E1-138C-485C-9C4F-BDC30DA9541E}"/>
               </a:ext>
             </a:extLst>
@@ -11269,7 +11408,7 @@
 </p:sld>
 </file>
 
-<file path=ppt/slides/slide34.xml><?xml version="1.0" encoding="utf-8"?>
+<file path=ppt/slides/slide36.xml><?xml version="1.0" encoding="utf-8"?>
 <p:sld xmlns:a="http://schemas.openxmlformats.org/drawingml/2006/main" xmlns:r="http://schemas.openxmlformats.org/officeDocument/2006/relationships" xmlns:p="http://schemas.openxmlformats.org/presentationml/2006/main">
   <p:cSld>
     <p:spTree>
@@ -11655,7 +11794,7 @@
 </p:sld>
 </file>
 
-<file path=ppt/slides/slide35.xml><?xml version="1.0" encoding="utf-8"?>
+<file path=ppt/slides/slide37.xml><?xml version="1.0" encoding="utf-8"?>
 <p:sld xmlns:a="http://schemas.openxmlformats.org/drawingml/2006/main" xmlns:r="http://schemas.openxmlformats.org/officeDocument/2006/relationships" xmlns:p="http://schemas.openxmlformats.org/presentationml/2006/main">
   <p:cSld>
     <p:spTree>
@@ -12265,7 +12404,7 @@
 </p:sld>
 </file>
 
-<file path=ppt/slides/slide36.xml><?xml version="1.0" encoding="utf-8"?>
+<file path=ppt/slides/slide38.xml><?xml version="1.0" encoding="utf-8"?>
 <p:sld xmlns:a="http://schemas.openxmlformats.org/drawingml/2006/main" xmlns:r="http://schemas.openxmlformats.org/officeDocument/2006/relationships" xmlns:p="http://schemas.openxmlformats.org/presentationml/2006/main">
   <p:cSld>
     <p:spTree>
@@ -12416,7 +12555,7 @@
 </p:sld>
 </file>
 
-<file path=ppt/slides/slide37.xml><?xml version="1.0" encoding="utf-8"?>
+<file path=ppt/slides/slide39.xml><?xml version="1.0" encoding="utf-8"?>
 <p:sld xmlns:a="http://schemas.openxmlformats.org/drawingml/2006/main" xmlns:r="http://schemas.openxmlformats.org/officeDocument/2006/relationships" xmlns:p="http://schemas.openxmlformats.org/presentationml/2006/main">
   <p:cSld>
     <p:spTree>
@@ -12939,6 +13078,4486 @@
 </p:sld>
 </file>
 
+<file path=ppt/slides/slide40.xml><?xml version="1.0" encoding="utf-8"?>
+<p:sld xmlns:a="http://schemas.openxmlformats.org/drawingml/2006/main" xmlns:r="http://schemas.openxmlformats.org/officeDocument/2006/relationships" xmlns:p="http://schemas.openxmlformats.org/presentationml/2006/main">
+  <p:cSld>
+    <p:spTree>
+      <p:nvGrpSpPr>
+        <p:cNvPr id="1" name=""/>
+        <p:cNvGrpSpPr/>
+        <p:nvPr/>
+      </p:nvGrpSpPr>
+      <p:grpSpPr>
+        <a:xfrm>
+          <a:off x="0" y="0"/>
+          <a:ext cx="0" cy="0"/>
+          <a:chOff x="0" y="0"/>
+          <a:chExt cx="0" cy="0"/>
+        </a:xfrm>
+      </p:grpSpPr>
+      <p:sp>
+        <p:nvSpPr>
+          <p:cNvPr id="2" name="Заголовок 1">
+            <a:extLst>
+              <a:ext uri="{FF2B5EF4-FFF2-40B4-BE49-F238E27FC236}">
+                <a16:creationId xmlns:a16="http://schemas.microsoft.com/office/drawing/2014/main" id="{764A3C72-FFFA-4DC2-82A6-39BA0115F7B1}"/>
+              </a:ext>
+            </a:extLst>
+          </p:cNvPr>
+          <p:cNvSpPr>
+            <a:spLocks noGrp="1"/>
+          </p:cNvSpPr>
+          <p:nvPr>
+            <p:ph type="title"/>
+          </p:nvPr>
+        </p:nvSpPr>
+        <p:spPr/>
+        <p:txBody>
+          <a:bodyPr/>
+          <a:lstStyle/>
+          <a:p>
+            <a:r>
+              <a:rPr lang="ru-RU" dirty="0"/>
+              <a:t>Оператор </a:t>
+            </a:r>
+            <a:r>
+              <a:rPr lang="en-US" dirty="0"/>
+              <a:t>slice</a:t>
+            </a:r>
+            <a:endParaRPr lang="ru-RU" dirty="0"/>
+          </a:p>
+        </p:txBody>
+      </p:sp>
+      <p:sp>
+        <p:nvSpPr>
+          <p:cNvPr id="9" name="Прямоугольник 8">
+            <a:extLst>
+              <a:ext uri="{FF2B5EF4-FFF2-40B4-BE49-F238E27FC236}">
+                <a16:creationId xmlns:a16="http://schemas.microsoft.com/office/drawing/2014/main" id="{76250C3B-5EF0-486B-8FF1-07D2BE678ACE}"/>
+              </a:ext>
+            </a:extLst>
+          </p:cNvPr>
+          <p:cNvSpPr/>
+          <p:nvPr/>
+        </p:nvSpPr>
+        <p:spPr>
+          <a:xfrm>
+            <a:off x="1105786" y="2126512"/>
+            <a:ext cx="1318437" cy="1158948"/>
+          </a:xfrm>
+          <a:prstGeom prst="rect">
+            <a:avLst/>
+          </a:prstGeom>
+        </p:spPr>
+        <p:style>
+          <a:lnRef idx="0">
+            <a:schemeClr val="accent1"/>
+          </a:lnRef>
+          <a:fillRef idx="3">
+            <a:schemeClr val="accent1"/>
+          </a:fillRef>
+          <a:effectRef idx="3">
+            <a:schemeClr val="accent1"/>
+          </a:effectRef>
+          <a:fontRef idx="minor">
+            <a:schemeClr val="lt1"/>
+          </a:fontRef>
+        </p:style>
+        <p:txBody>
+          <a:bodyPr rtlCol="0" anchor="ctr"/>
+          <a:lstStyle/>
+          <a:p>
+            <a:pPr algn="ctr"/>
+            <a:r>
+              <a:rPr lang="en-US" sz="6600" dirty="0"/>
+              <a:t>P</a:t>
+            </a:r>
+            <a:endParaRPr lang="ru-RU" sz="6600" dirty="0"/>
+          </a:p>
+        </p:txBody>
+      </p:sp>
+      <p:sp>
+        <p:nvSpPr>
+          <p:cNvPr id="10" name="Прямоугольник 9">
+            <a:extLst>
+              <a:ext uri="{FF2B5EF4-FFF2-40B4-BE49-F238E27FC236}">
+                <a16:creationId xmlns:a16="http://schemas.microsoft.com/office/drawing/2014/main" id="{D4B72294-8BC4-4472-81CB-5B983822C824}"/>
+              </a:ext>
+            </a:extLst>
+          </p:cNvPr>
+          <p:cNvSpPr/>
+          <p:nvPr/>
+        </p:nvSpPr>
+        <p:spPr>
+          <a:xfrm>
+            <a:off x="2424223" y="2126512"/>
+            <a:ext cx="1318437" cy="1158948"/>
+          </a:xfrm>
+          <a:prstGeom prst="rect">
+            <a:avLst/>
+          </a:prstGeom>
+        </p:spPr>
+        <p:style>
+          <a:lnRef idx="0">
+            <a:schemeClr val="accent1"/>
+          </a:lnRef>
+          <a:fillRef idx="3">
+            <a:schemeClr val="accent1"/>
+          </a:fillRef>
+          <a:effectRef idx="3">
+            <a:schemeClr val="accent1"/>
+          </a:effectRef>
+          <a:fontRef idx="minor">
+            <a:schemeClr val="lt1"/>
+          </a:fontRef>
+        </p:style>
+        <p:txBody>
+          <a:bodyPr rtlCol="0" anchor="ctr"/>
+          <a:lstStyle/>
+          <a:p>
+            <a:pPr algn="ctr"/>
+            <a:r>
+              <a:rPr lang="en-US" sz="6600" dirty="0"/>
+              <a:t>Y</a:t>
+            </a:r>
+            <a:endParaRPr lang="ru-RU" sz="6600" dirty="0"/>
+          </a:p>
+        </p:txBody>
+      </p:sp>
+      <p:sp>
+        <p:nvSpPr>
+          <p:cNvPr id="11" name="Прямоугольник 10">
+            <a:extLst>
+              <a:ext uri="{FF2B5EF4-FFF2-40B4-BE49-F238E27FC236}">
+                <a16:creationId xmlns:a16="http://schemas.microsoft.com/office/drawing/2014/main" id="{46208C4F-DA01-444D-8BFC-327F217F4E5A}"/>
+              </a:ext>
+            </a:extLst>
+          </p:cNvPr>
+          <p:cNvSpPr/>
+          <p:nvPr/>
+        </p:nvSpPr>
+        <p:spPr>
+          <a:xfrm>
+            <a:off x="3742660" y="2126512"/>
+            <a:ext cx="1318437" cy="1158948"/>
+          </a:xfrm>
+          <a:prstGeom prst="rect">
+            <a:avLst/>
+          </a:prstGeom>
+        </p:spPr>
+        <p:style>
+          <a:lnRef idx="0">
+            <a:schemeClr val="accent1"/>
+          </a:lnRef>
+          <a:fillRef idx="3">
+            <a:schemeClr val="accent1"/>
+          </a:fillRef>
+          <a:effectRef idx="3">
+            <a:schemeClr val="accent1"/>
+          </a:effectRef>
+          <a:fontRef idx="minor">
+            <a:schemeClr val="lt1"/>
+          </a:fontRef>
+        </p:style>
+        <p:txBody>
+          <a:bodyPr rtlCol="0" anchor="ctr"/>
+          <a:lstStyle/>
+          <a:p>
+            <a:pPr algn="ctr"/>
+            <a:r>
+              <a:rPr lang="en-US" sz="6600" dirty="0"/>
+              <a:t>T</a:t>
+            </a:r>
+            <a:endParaRPr lang="ru-RU" sz="6600" dirty="0"/>
+          </a:p>
+        </p:txBody>
+      </p:sp>
+      <p:sp>
+        <p:nvSpPr>
+          <p:cNvPr id="12" name="Прямоугольник 11">
+            <a:extLst>
+              <a:ext uri="{FF2B5EF4-FFF2-40B4-BE49-F238E27FC236}">
+                <a16:creationId xmlns:a16="http://schemas.microsoft.com/office/drawing/2014/main" id="{4EAEA754-34AB-43FA-A873-6151DE3AA2BF}"/>
+              </a:ext>
+            </a:extLst>
+          </p:cNvPr>
+          <p:cNvSpPr/>
+          <p:nvPr/>
+        </p:nvSpPr>
+        <p:spPr>
+          <a:xfrm>
+            <a:off x="5061097" y="2126512"/>
+            <a:ext cx="1318437" cy="1158948"/>
+          </a:xfrm>
+          <a:prstGeom prst="rect">
+            <a:avLst/>
+          </a:prstGeom>
+        </p:spPr>
+        <p:style>
+          <a:lnRef idx="0">
+            <a:schemeClr val="accent1"/>
+          </a:lnRef>
+          <a:fillRef idx="3">
+            <a:schemeClr val="accent1"/>
+          </a:fillRef>
+          <a:effectRef idx="3">
+            <a:schemeClr val="accent1"/>
+          </a:effectRef>
+          <a:fontRef idx="minor">
+            <a:schemeClr val="lt1"/>
+          </a:fontRef>
+        </p:style>
+        <p:txBody>
+          <a:bodyPr rtlCol="0" anchor="ctr"/>
+          <a:lstStyle/>
+          <a:p>
+            <a:pPr algn="ctr"/>
+            <a:r>
+              <a:rPr lang="en-US" sz="6600" dirty="0"/>
+              <a:t>H</a:t>
+            </a:r>
+            <a:endParaRPr lang="ru-RU" sz="6600" dirty="0"/>
+          </a:p>
+        </p:txBody>
+      </p:sp>
+      <p:sp>
+        <p:nvSpPr>
+          <p:cNvPr id="13" name="Прямоугольник 12">
+            <a:extLst>
+              <a:ext uri="{FF2B5EF4-FFF2-40B4-BE49-F238E27FC236}">
+                <a16:creationId xmlns:a16="http://schemas.microsoft.com/office/drawing/2014/main" id="{B60415E6-ECC3-4C83-9DEB-BA8FAFB7C2D0}"/>
+              </a:ext>
+            </a:extLst>
+          </p:cNvPr>
+          <p:cNvSpPr/>
+          <p:nvPr/>
+        </p:nvSpPr>
+        <p:spPr>
+          <a:xfrm>
+            <a:off x="6379534" y="2126512"/>
+            <a:ext cx="1318437" cy="1158948"/>
+          </a:xfrm>
+          <a:prstGeom prst="rect">
+            <a:avLst/>
+          </a:prstGeom>
+        </p:spPr>
+        <p:style>
+          <a:lnRef idx="0">
+            <a:schemeClr val="accent1"/>
+          </a:lnRef>
+          <a:fillRef idx="3">
+            <a:schemeClr val="accent1"/>
+          </a:fillRef>
+          <a:effectRef idx="3">
+            <a:schemeClr val="accent1"/>
+          </a:effectRef>
+          <a:fontRef idx="minor">
+            <a:schemeClr val="lt1"/>
+          </a:fontRef>
+        </p:style>
+        <p:txBody>
+          <a:bodyPr rtlCol="0" anchor="ctr"/>
+          <a:lstStyle/>
+          <a:p>
+            <a:pPr algn="ctr"/>
+            <a:r>
+              <a:rPr lang="en-US" sz="6600" dirty="0"/>
+              <a:t>O</a:t>
+            </a:r>
+            <a:endParaRPr lang="ru-RU" sz="6600" dirty="0"/>
+          </a:p>
+        </p:txBody>
+      </p:sp>
+      <p:sp>
+        <p:nvSpPr>
+          <p:cNvPr id="14" name="Прямоугольник 13">
+            <a:extLst>
+              <a:ext uri="{FF2B5EF4-FFF2-40B4-BE49-F238E27FC236}">
+                <a16:creationId xmlns:a16="http://schemas.microsoft.com/office/drawing/2014/main" id="{02C0A61E-12DC-4525-99C0-8255D852E230}"/>
+              </a:ext>
+            </a:extLst>
+          </p:cNvPr>
+          <p:cNvSpPr/>
+          <p:nvPr/>
+        </p:nvSpPr>
+        <p:spPr>
+          <a:xfrm>
+            <a:off x="7697971" y="2126512"/>
+            <a:ext cx="1318437" cy="1158948"/>
+          </a:xfrm>
+          <a:prstGeom prst="rect">
+            <a:avLst/>
+          </a:prstGeom>
+        </p:spPr>
+        <p:style>
+          <a:lnRef idx="0">
+            <a:schemeClr val="accent1"/>
+          </a:lnRef>
+          <a:fillRef idx="3">
+            <a:schemeClr val="accent1"/>
+          </a:fillRef>
+          <a:effectRef idx="3">
+            <a:schemeClr val="accent1"/>
+          </a:effectRef>
+          <a:fontRef idx="minor">
+            <a:schemeClr val="lt1"/>
+          </a:fontRef>
+        </p:style>
+        <p:txBody>
+          <a:bodyPr rtlCol="0" anchor="ctr"/>
+          <a:lstStyle/>
+          <a:p>
+            <a:pPr algn="ctr"/>
+            <a:r>
+              <a:rPr lang="en-US" sz="6600" dirty="0"/>
+              <a:t>N</a:t>
+            </a:r>
+            <a:endParaRPr lang="ru-RU" sz="6600" dirty="0"/>
+          </a:p>
+        </p:txBody>
+      </p:sp>
+      <p:sp>
+        <p:nvSpPr>
+          <p:cNvPr id="15" name="TextBox 14">
+            <a:extLst>
+              <a:ext uri="{FF2B5EF4-FFF2-40B4-BE49-F238E27FC236}">
+                <a16:creationId xmlns:a16="http://schemas.microsoft.com/office/drawing/2014/main" id="{C013091E-9BFC-4FDD-8E7E-16E106AA81F7}"/>
+              </a:ext>
+            </a:extLst>
+          </p:cNvPr>
+          <p:cNvSpPr txBox="1"/>
+          <p:nvPr/>
+        </p:nvSpPr>
+        <p:spPr>
+          <a:xfrm>
+            <a:off x="1105786" y="3721284"/>
+            <a:ext cx="8303876" cy="369332"/>
+          </a:xfrm>
+          <a:prstGeom prst="rect">
+            <a:avLst/>
+          </a:prstGeom>
+          <a:noFill/>
+        </p:spPr>
+        <p:txBody>
+          <a:bodyPr wrap="none" rtlCol="0">
+            <a:spAutoFit/>
+          </a:bodyPr>
+          <a:lstStyle/>
+          <a:p>
+            <a:r>
+              <a:rPr lang="en-US" dirty="0"/>
+              <a:t>0                      1                        2                       3                       4                      5                        6</a:t>
+            </a:r>
+            <a:endParaRPr lang="ru-RU" dirty="0"/>
+          </a:p>
+        </p:txBody>
+      </p:sp>
+      <p:sp>
+        <p:nvSpPr>
+          <p:cNvPr id="16" name="TextBox 15">
+            <a:extLst>
+              <a:ext uri="{FF2B5EF4-FFF2-40B4-BE49-F238E27FC236}">
+                <a16:creationId xmlns:a16="http://schemas.microsoft.com/office/drawing/2014/main" id="{C236F31A-F06A-4039-B225-548FA87CCEFC}"/>
+              </a:ext>
+            </a:extLst>
+          </p:cNvPr>
+          <p:cNvSpPr txBox="1"/>
+          <p:nvPr/>
+        </p:nvSpPr>
+        <p:spPr>
+          <a:xfrm>
+            <a:off x="1105786" y="4423144"/>
+            <a:ext cx="6917278" cy="369332"/>
+          </a:xfrm>
+          <a:prstGeom prst="rect">
+            <a:avLst/>
+          </a:prstGeom>
+          <a:noFill/>
+        </p:spPr>
+        <p:txBody>
+          <a:bodyPr wrap="none" rtlCol="0">
+            <a:spAutoFit/>
+          </a:bodyPr>
+          <a:lstStyle/>
+          <a:p>
+            <a:r>
+              <a:rPr lang="en-US" dirty="0"/>
+              <a:t>-6                     -5                      -4                      -3                     -2                    -1</a:t>
+            </a:r>
+            <a:endParaRPr lang="ru-RU" dirty="0"/>
+          </a:p>
+        </p:txBody>
+      </p:sp>
+    </p:spTree>
+    <p:extLst>
+      <p:ext uri="{BB962C8B-B14F-4D97-AF65-F5344CB8AC3E}">
+        <p14:creationId xmlns:p14="http://schemas.microsoft.com/office/powerpoint/2010/main" val="3746550881"/>
+      </p:ext>
+    </p:extLst>
+  </p:cSld>
+  <p:clrMapOvr>
+    <a:masterClrMapping/>
+  </p:clrMapOvr>
+</p:sld>
+</file>
+
+<file path=ppt/slides/slide41.xml><?xml version="1.0" encoding="utf-8"?>
+<p:sld xmlns:a="http://schemas.openxmlformats.org/drawingml/2006/main" xmlns:r="http://schemas.openxmlformats.org/officeDocument/2006/relationships" xmlns:p="http://schemas.openxmlformats.org/presentationml/2006/main">
+  <p:cSld>
+    <p:spTree>
+      <p:nvGrpSpPr>
+        <p:cNvPr id="1" name=""/>
+        <p:cNvGrpSpPr/>
+        <p:nvPr/>
+      </p:nvGrpSpPr>
+      <p:grpSpPr>
+        <a:xfrm>
+          <a:off x="0" y="0"/>
+          <a:ext cx="0" cy="0"/>
+          <a:chOff x="0" y="0"/>
+          <a:chExt cx="0" cy="0"/>
+        </a:xfrm>
+      </p:grpSpPr>
+      <p:sp>
+        <p:nvSpPr>
+          <p:cNvPr id="2" name="Заголовок 1">
+            <a:extLst>
+              <a:ext uri="{FF2B5EF4-FFF2-40B4-BE49-F238E27FC236}">
+                <a16:creationId xmlns:a16="http://schemas.microsoft.com/office/drawing/2014/main" id="{0FBDA0B6-48F5-44E7-8872-EA48811A7F95}"/>
+              </a:ext>
+            </a:extLst>
+          </p:cNvPr>
+          <p:cNvSpPr>
+            <a:spLocks noGrp="1"/>
+          </p:cNvSpPr>
+          <p:nvPr>
+            <p:ph type="title"/>
+          </p:nvPr>
+        </p:nvSpPr>
+        <p:spPr/>
+        <p:txBody>
+          <a:bodyPr/>
+          <a:lstStyle/>
+          <a:p>
+            <a:r>
+              <a:rPr lang="ru-RU" dirty="0"/>
+              <a:t>Оператор </a:t>
+            </a:r>
+            <a:r>
+              <a:rPr lang="en-US" dirty="0"/>
+              <a:t>slice</a:t>
+            </a:r>
+            <a:endParaRPr lang="ru-RU" dirty="0"/>
+          </a:p>
+        </p:txBody>
+      </p:sp>
+      <p:sp>
+        <p:nvSpPr>
+          <p:cNvPr id="4" name="TextBox 3">
+            <a:extLst>
+              <a:ext uri="{FF2B5EF4-FFF2-40B4-BE49-F238E27FC236}">
+                <a16:creationId xmlns:a16="http://schemas.microsoft.com/office/drawing/2014/main" id="{08B5F1FD-7DDF-4D07-9755-32CFAABD5498}"/>
+              </a:ext>
+            </a:extLst>
+          </p:cNvPr>
+          <p:cNvSpPr txBox="1"/>
+          <p:nvPr/>
+        </p:nvSpPr>
+        <p:spPr>
+          <a:xfrm>
+            <a:off x="1198820" y="1773451"/>
+            <a:ext cx="10369403" cy="2862322"/>
+          </a:xfrm>
+          <a:prstGeom prst="rect">
+            <a:avLst/>
+          </a:prstGeom>
+          <a:noFill/>
+        </p:spPr>
+        <p:txBody>
+          <a:bodyPr wrap="square">
+            <a:spAutoFit/>
+          </a:bodyPr>
+          <a:lstStyle/>
+          <a:p>
+            <a:r>
+              <a:rPr lang="en-US" b="0" dirty="0">
+                <a:solidFill>
+                  <a:srgbClr val="D4D4D4"/>
+                </a:solidFill>
+                <a:effectLst/>
+                <a:latin typeface="Consolas" panose="020B0609020204030204" pitchFamily="49" charset="0"/>
+              </a:rPr>
+              <a:t>str1 = </a:t>
+            </a:r>
+            <a:r>
+              <a:rPr lang="en-US" b="0" dirty="0">
+                <a:solidFill>
+                  <a:srgbClr val="CE9178"/>
+                </a:solidFill>
+                <a:effectLst/>
+                <a:latin typeface="Consolas" panose="020B0609020204030204" pitchFamily="49" charset="0"/>
+              </a:rPr>
+              <a:t>"123456789"</a:t>
+            </a:r>
+            <a:endParaRPr lang="en-US" b="0" dirty="0">
+              <a:solidFill>
+                <a:srgbClr val="D4D4D4"/>
+              </a:solidFill>
+              <a:effectLst/>
+              <a:latin typeface="Consolas" panose="020B0609020204030204" pitchFamily="49" charset="0"/>
+            </a:endParaRPr>
+          </a:p>
+          <a:p>
+            <a:r>
+              <a:rPr lang="en-US" b="0" dirty="0">
+                <a:solidFill>
+                  <a:srgbClr val="DCDCAA"/>
+                </a:solidFill>
+                <a:effectLst/>
+                <a:latin typeface="Consolas" panose="020B0609020204030204" pitchFamily="49" charset="0"/>
+              </a:rPr>
+              <a:t>print</a:t>
+            </a:r>
+            <a:r>
+              <a:rPr lang="en-US" b="0" dirty="0">
+                <a:solidFill>
+                  <a:srgbClr val="D4D4D4"/>
+                </a:solidFill>
+                <a:effectLst/>
+                <a:latin typeface="Consolas" panose="020B0609020204030204" pitchFamily="49" charset="0"/>
+              </a:rPr>
+              <a:t>(</a:t>
+            </a:r>
+            <a:r>
+              <a:rPr lang="en-US" b="0" dirty="0">
+                <a:solidFill>
+                  <a:srgbClr val="CE9178"/>
+                </a:solidFill>
+                <a:effectLst/>
+                <a:latin typeface="Consolas" panose="020B0609020204030204" pitchFamily="49" charset="0"/>
+              </a:rPr>
+              <a:t>'str1 = "123456789"'</a:t>
+            </a:r>
+            <a:r>
+              <a:rPr lang="en-US" b="0" dirty="0">
+                <a:solidFill>
+                  <a:srgbClr val="D4D4D4"/>
+                </a:solidFill>
+                <a:effectLst/>
+                <a:latin typeface="Consolas" panose="020B0609020204030204" pitchFamily="49" charset="0"/>
+              </a:rPr>
+              <a:t>)</a:t>
+            </a:r>
+          </a:p>
+          <a:p>
+            <a:r>
+              <a:rPr lang="en-US" b="0" dirty="0">
+                <a:solidFill>
+                  <a:srgbClr val="DCDCAA"/>
+                </a:solidFill>
+                <a:effectLst/>
+                <a:latin typeface="Consolas" panose="020B0609020204030204" pitchFamily="49" charset="0"/>
+              </a:rPr>
+              <a:t>print</a:t>
+            </a:r>
+            <a:r>
+              <a:rPr lang="en-US" b="0" dirty="0">
+                <a:solidFill>
+                  <a:srgbClr val="D4D4D4"/>
+                </a:solidFill>
+                <a:effectLst/>
+                <a:latin typeface="Consolas" panose="020B0609020204030204" pitchFamily="49" charset="0"/>
+              </a:rPr>
+              <a:t>(</a:t>
+            </a:r>
+            <a:r>
+              <a:rPr lang="en-US" b="0" dirty="0">
+                <a:solidFill>
+                  <a:srgbClr val="CE9178"/>
+                </a:solidFill>
+                <a:effectLst/>
+                <a:latin typeface="Consolas" panose="020B0609020204030204" pitchFamily="49" charset="0"/>
+              </a:rPr>
+              <a:t>"str1[1] = "</a:t>
+            </a:r>
+            <a:r>
+              <a:rPr lang="en-US" b="0" dirty="0">
+                <a:solidFill>
+                  <a:srgbClr val="D4D4D4"/>
+                </a:solidFill>
+                <a:effectLst/>
+                <a:latin typeface="Consolas" panose="020B0609020204030204" pitchFamily="49" charset="0"/>
+              </a:rPr>
+              <a:t>, str1[</a:t>
+            </a:r>
+            <a:r>
+              <a:rPr lang="en-US" b="0" dirty="0">
+                <a:solidFill>
+                  <a:srgbClr val="B5CEA8"/>
+                </a:solidFill>
+                <a:effectLst/>
+                <a:latin typeface="Consolas" panose="020B0609020204030204" pitchFamily="49" charset="0"/>
+              </a:rPr>
+              <a:t>1</a:t>
+            </a:r>
+            <a:r>
+              <a:rPr lang="en-US" b="0" dirty="0">
+                <a:solidFill>
+                  <a:srgbClr val="D4D4D4"/>
+                </a:solidFill>
+                <a:effectLst/>
+                <a:latin typeface="Consolas" panose="020B0609020204030204" pitchFamily="49" charset="0"/>
+              </a:rPr>
+              <a:t>])</a:t>
+            </a:r>
+          </a:p>
+          <a:p>
+            <a:r>
+              <a:rPr lang="en-US" b="0" dirty="0">
+                <a:solidFill>
+                  <a:srgbClr val="DCDCAA"/>
+                </a:solidFill>
+                <a:effectLst/>
+                <a:latin typeface="Consolas" panose="020B0609020204030204" pitchFamily="49" charset="0"/>
+              </a:rPr>
+              <a:t>print</a:t>
+            </a:r>
+            <a:r>
+              <a:rPr lang="en-US" b="0" dirty="0">
+                <a:solidFill>
+                  <a:srgbClr val="D4D4D4"/>
+                </a:solidFill>
+                <a:effectLst/>
+                <a:latin typeface="Consolas" panose="020B0609020204030204" pitchFamily="49" charset="0"/>
+              </a:rPr>
+              <a:t>(</a:t>
+            </a:r>
+            <a:r>
+              <a:rPr lang="en-US" b="0" dirty="0">
+                <a:solidFill>
+                  <a:srgbClr val="CE9178"/>
+                </a:solidFill>
+                <a:effectLst/>
+                <a:latin typeface="Consolas" panose="020B0609020204030204" pitchFamily="49" charset="0"/>
+              </a:rPr>
+              <a:t>"str1[2:5] = "</a:t>
+            </a:r>
+            <a:r>
+              <a:rPr lang="en-US" b="0" dirty="0">
+                <a:solidFill>
+                  <a:srgbClr val="D4D4D4"/>
+                </a:solidFill>
+                <a:effectLst/>
+                <a:latin typeface="Consolas" panose="020B0609020204030204" pitchFamily="49" charset="0"/>
+              </a:rPr>
+              <a:t>, str1[</a:t>
+            </a:r>
+            <a:r>
+              <a:rPr lang="en-US" b="0" dirty="0">
+                <a:solidFill>
+                  <a:srgbClr val="B5CEA8"/>
+                </a:solidFill>
+                <a:effectLst/>
+                <a:latin typeface="Consolas" panose="020B0609020204030204" pitchFamily="49" charset="0"/>
+              </a:rPr>
+              <a:t>2</a:t>
+            </a:r>
+            <a:r>
+              <a:rPr lang="en-US" b="0" dirty="0">
+                <a:solidFill>
+                  <a:srgbClr val="D4D4D4"/>
+                </a:solidFill>
+                <a:effectLst/>
+                <a:latin typeface="Consolas" panose="020B0609020204030204" pitchFamily="49" charset="0"/>
+              </a:rPr>
+              <a:t>:</a:t>
+            </a:r>
+            <a:r>
+              <a:rPr lang="en-US" b="0" dirty="0">
+                <a:solidFill>
+                  <a:srgbClr val="B5CEA8"/>
+                </a:solidFill>
+                <a:effectLst/>
+                <a:latin typeface="Consolas" panose="020B0609020204030204" pitchFamily="49" charset="0"/>
+              </a:rPr>
+              <a:t>5</a:t>
+            </a:r>
+            <a:r>
+              <a:rPr lang="en-US" b="0" dirty="0">
+                <a:solidFill>
+                  <a:srgbClr val="D4D4D4"/>
+                </a:solidFill>
+                <a:effectLst/>
+                <a:latin typeface="Consolas" panose="020B0609020204030204" pitchFamily="49" charset="0"/>
+              </a:rPr>
+              <a:t>])</a:t>
+            </a:r>
+          </a:p>
+          <a:p>
+            <a:r>
+              <a:rPr lang="en-US" b="0" dirty="0">
+                <a:solidFill>
+                  <a:srgbClr val="DCDCAA"/>
+                </a:solidFill>
+                <a:effectLst/>
+                <a:latin typeface="Consolas" panose="020B0609020204030204" pitchFamily="49" charset="0"/>
+              </a:rPr>
+              <a:t>print</a:t>
+            </a:r>
+            <a:r>
+              <a:rPr lang="en-US" b="0" dirty="0">
+                <a:solidFill>
+                  <a:srgbClr val="D4D4D4"/>
+                </a:solidFill>
+                <a:effectLst/>
+                <a:latin typeface="Consolas" panose="020B0609020204030204" pitchFamily="49" charset="0"/>
+              </a:rPr>
+              <a:t>(</a:t>
+            </a:r>
+            <a:r>
+              <a:rPr lang="en-US" b="0" dirty="0">
+                <a:solidFill>
+                  <a:srgbClr val="CE9178"/>
+                </a:solidFill>
+                <a:effectLst/>
+                <a:latin typeface="Consolas" panose="020B0609020204030204" pitchFamily="49" charset="0"/>
+              </a:rPr>
+              <a:t>"str1[-2] = "</a:t>
+            </a:r>
+            <a:r>
+              <a:rPr lang="en-US" b="0" dirty="0">
+                <a:solidFill>
+                  <a:srgbClr val="D4D4D4"/>
+                </a:solidFill>
+                <a:effectLst/>
+                <a:latin typeface="Consolas" panose="020B0609020204030204" pitchFamily="49" charset="0"/>
+              </a:rPr>
+              <a:t>, str1[-</a:t>
+            </a:r>
+            <a:r>
+              <a:rPr lang="en-US" b="0" dirty="0">
+                <a:solidFill>
+                  <a:srgbClr val="B5CEA8"/>
+                </a:solidFill>
+                <a:effectLst/>
+                <a:latin typeface="Consolas" panose="020B0609020204030204" pitchFamily="49" charset="0"/>
+              </a:rPr>
+              <a:t>2</a:t>
+            </a:r>
+            <a:r>
+              <a:rPr lang="en-US" b="0" dirty="0">
+                <a:solidFill>
+                  <a:srgbClr val="D4D4D4"/>
+                </a:solidFill>
+                <a:effectLst/>
+                <a:latin typeface="Consolas" panose="020B0609020204030204" pitchFamily="49" charset="0"/>
+              </a:rPr>
+              <a:t>])</a:t>
+            </a:r>
+          </a:p>
+          <a:p>
+            <a:r>
+              <a:rPr lang="en-US" b="0" dirty="0">
+                <a:solidFill>
+                  <a:srgbClr val="DCDCAA"/>
+                </a:solidFill>
+                <a:effectLst/>
+                <a:latin typeface="Consolas" panose="020B0609020204030204" pitchFamily="49" charset="0"/>
+              </a:rPr>
+              <a:t>print</a:t>
+            </a:r>
+            <a:r>
+              <a:rPr lang="en-US" b="0" dirty="0">
+                <a:solidFill>
+                  <a:srgbClr val="D4D4D4"/>
+                </a:solidFill>
+                <a:effectLst/>
+                <a:latin typeface="Consolas" panose="020B0609020204030204" pitchFamily="49" charset="0"/>
+              </a:rPr>
+              <a:t>(</a:t>
+            </a:r>
+            <a:r>
+              <a:rPr lang="en-US" b="0" dirty="0">
+                <a:solidFill>
+                  <a:srgbClr val="CE9178"/>
+                </a:solidFill>
+                <a:effectLst/>
+                <a:latin typeface="Consolas" panose="020B0609020204030204" pitchFamily="49" charset="0"/>
+              </a:rPr>
+              <a:t>"str1[3:] = "</a:t>
+            </a:r>
+            <a:r>
+              <a:rPr lang="en-US" b="0" dirty="0">
+                <a:solidFill>
+                  <a:srgbClr val="D4D4D4"/>
+                </a:solidFill>
+                <a:effectLst/>
+                <a:latin typeface="Consolas" panose="020B0609020204030204" pitchFamily="49" charset="0"/>
+              </a:rPr>
+              <a:t>, str1[</a:t>
+            </a:r>
+            <a:r>
+              <a:rPr lang="en-US" b="0" dirty="0">
+                <a:solidFill>
+                  <a:srgbClr val="B5CEA8"/>
+                </a:solidFill>
+                <a:effectLst/>
+                <a:latin typeface="Consolas" panose="020B0609020204030204" pitchFamily="49" charset="0"/>
+              </a:rPr>
+              <a:t>3</a:t>
+            </a:r>
+            <a:r>
+              <a:rPr lang="en-US" b="0" dirty="0">
+                <a:solidFill>
+                  <a:srgbClr val="D4D4D4"/>
+                </a:solidFill>
+                <a:effectLst/>
+                <a:latin typeface="Consolas" panose="020B0609020204030204" pitchFamily="49" charset="0"/>
+              </a:rPr>
+              <a:t>:])</a:t>
+            </a:r>
+          </a:p>
+          <a:p>
+            <a:r>
+              <a:rPr lang="en-US" b="0" dirty="0">
+                <a:solidFill>
+                  <a:srgbClr val="DCDCAA"/>
+                </a:solidFill>
+                <a:effectLst/>
+                <a:latin typeface="Consolas" panose="020B0609020204030204" pitchFamily="49" charset="0"/>
+              </a:rPr>
+              <a:t>print</a:t>
+            </a:r>
+            <a:r>
+              <a:rPr lang="en-US" b="0" dirty="0">
+                <a:solidFill>
+                  <a:srgbClr val="D4D4D4"/>
+                </a:solidFill>
+                <a:effectLst/>
+                <a:latin typeface="Consolas" panose="020B0609020204030204" pitchFamily="49" charset="0"/>
+              </a:rPr>
+              <a:t>(</a:t>
+            </a:r>
+            <a:r>
+              <a:rPr lang="en-US" b="0" dirty="0">
+                <a:solidFill>
+                  <a:srgbClr val="CE9178"/>
+                </a:solidFill>
+                <a:effectLst/>
+                <a:latin typeface="Consolas" panose="020B0609020204030204" pitchFamily="49" charset="0"/>
+              </a:rPr>
+              <a:t>"str1[:3] = "</a:t>
+            </a:r>
+            <a:r>
+              <a:rPr lang="en-US" b="0" dirty="0">
+                <a:solidFill>
+                  <a:srgbClr val="D4D4D4"/>
+                </a:solidFill>
+                <a:effectLst/>
+                <a:latin typeface="Consolas" panose="020B0609020204030204" pitchFamily="49" charset="0"/>
+              </a:rPr>
+              <a:t>, str1[:</a:t>
+            </a:r>
+            <a:r>
+              <a:rPr lang="en-US" b="0" dirty="0">
+                <a:solidFill>
+                  <a:srgbClr val="B5CEA8"/>
+                </a:solidFill>
+                <a:effectLst/>
+                <a:latin typeface="Consolas" panose="020B0609020204030204" pitchFamily="49" charset="0"/>
+              </a:rPr>
+              <a:t>3</a:t>
+            </a:r>
+            <a:r>
+              <a:rPr lang="en-US" b="0" dirty="0">
+                <a:solidFill>
+                  <a:srgbClr val="D4D4D4"/>
+                </a:solidFill>
+                <a:effectLst/>
+                <a:latin typeface="Consolas" panose="020B0609020204030204" pitchFamily="49" charset="0"/>
+              </a:rPr>
+              <a:t>])</a:t>
+            </a:r>
+          </a:p>
+          <a:p>
+            <a:r>
+              <a:rPr lang="en-US" b="0" dirty="0">
+                <a:solidFill>
+                  <a:srgbClr val="DCDCAA"/>
+                </a:solidFill>
+                <a:effectLst/>
+                <a:latin typeface="Consolas" panose="020B0609020204030204" pitchFamily="49" charset="0"/>
+              </a:rPr>
+              <a:t>print</a:t>
+            </a:r>
+            <a:r>
+              <a:rPr lang="en-US" b="0" dirty="0">
+                <a:solidFill>
+                  <a:srgbClr val="D4D4D4"/>
+                </a:solidFill>
+                <a:effectLst/>
+                <a:latin typeface="Consolas" panose="020B0609020204030204" pitchFamily="49" charset="0"/>
+              </a:rPr>
+              <a:t>(</a:t>
+            </a:r>
+            <a:r>
+              <a:rPr lang="en-US" b="0" dirty="0">
+                <a:solidFill>
+                  <a:srgbClr val="CE9178"/>
+                </a:solidFill>
+                <a:effectLst/>
+                <a:latin typeface="Consolas" panose="020B0609020204030204" pitchFamily="49" charset="0"/>
+              </a:rPr>
+              <a:t>"str1[:] = "</a:t>
+            </a:r>
+            <a:r>
+              <a:rPr lang="en-US" b="0" dirty="0">
+                <a:solidFill>
+                  <a:srgbClr val="D4D4D4"/>
+                </a:solidFill>
+                <a:effectLst/>
+                <a:latin typeface="Consolas" panose="020B0609020204030204" pitchFamily="49" charset="0"/>
+              </a:rPr>
+              <a:t>, str1[:])</a:t>
+            </a:r>
+          </a:p>
+          <a:p>
+            <a:r>
+              <a:rPr lang="en-US" b="0" dirty="0">
+                <a:solidFill>
+                  <a:srgbClr val="DCDCAA"/>
+                </a:solidFill>
+                <a:effectLst/>
+                <a:latin typeface="Consolas" panose="020B0609020204030204" pitchFamily="49" charset="0"/>
+              </a:rPr>
+              <a:t>print</a:t>
+            </a:r>
+            <a:r>
+              <a:rPr lang="en-US" b="0" dirty="0">
+                <a:solidFill>
+                  <a:srgbClr val="D4D4D4"/>
+                </a:solidFill>
+                <a:effectLst/>
+                <a:latin typeface="Consolas" panose="020B0609020204030204" pitchFamily="49" charset="0"/>
+              </a:rPr>
+              <a:t>(</a:t>
+            </a:r>
+            <a:r>
+              <a:rPr lang="en-US" b="0" dirty="0">
+                <a:solidFill>
+                  <a:srgbClr val="CE9178"/>
+                </a:solidFill>
+                <a:effectLst/>
+                <a:latin typeface="Consolas" panose="020B0609020204030204" pitchFamily="49" charset="0"/>
+              </a:rPr>
+              <a:t>"str1[-1:-5:-1]"</a:t>
+            </a:r>
+            <a:r>
+              <a:rPr lang="en-US" b="0" dirty="0">
+                <a:solidFill>
+                  <a:srgbClr val="D4D4D4"/>
+                </a:solidFill>
+                <a:effectLst/>
+                <a:latin typeface="Consolas" panose="020B0609020204030204" pitchFamily="49" charset="0"/>
+              </a:rPr>
+              <a:t>,str1[-</a:t>
+            </a:r>
+            <a:r>
+              <a:rPr lang="en-US" b="0" dirty="0">
+                <a:solidFill>
+                  <a:srgbClr val="B5CEA8"/>
+                </a:solidFill>
+                <a:effectLst/>
+                <a:latin typeface="Consolas" panose="020B0609020204030204" pitchFamily="49" charset="0"/>
+              </a:rPr>
+              <a:t>1</a:t>
+            </a:r>
+            <a:r>
+              <a:rPr lang="en-US" b="0" dirty="0">
+                <a:solidFill>
+                  <a:srgbClr val="D4D4D4"/>
+                </a:solidFill>
+                <a:effectLst/>
+                <a:latin typeface="Consolas" panose="020B0609020204030204" pitchFamily="49" charset="0"/>
+              </a:rPr>
+              <a:t>:-</a:t>
+            </a:r>
+            <a:r>
+              <a:rPr lang="en-US" b="0" dirty="0">
+                <a:solidFill>
+                  <a:srgbClr val="B5CEA8"/>
+                </a:solidFill>
+                <a:effectLst/>
+                <a:latin typeface="Consolas" panose="020B0609020204030204" pitchFamily="49" charset="0"/>
+              </a:rPr>
+              <a:t>5</a:t>
+            </a:r>
+            <a:r>
+              <a:rPr lang="en-US" b="0" dirty="0">
+                <a:solidFill>
+                  <a:srgbClr val="D4D4D4"/>
+                </a:solidFill>
+                <a:effectLst/>
+                <a:latin typeface="Consolas" panose="020B0609020204030204" pitchFamily="49" charset="0"/>
+              </a:rPr>
+              <a:t>:-</a:t>
+            </a:r>
+            <a:r>
+              <a:rPr lang="en-US" b="0" dirty="0">
+                <a:solidFill>
+                  <a:srgbClr val="B5CEA8"/>
+                </a:solidFill>
+                <a:effectLst/>
+                <a:latin typeface="Consolas" panose="020B0609020204030204" pitchFamily="49" charset="0"/>
+              </a:rPr>
+              <a:t>1</a:t>
+            </a:r>
+            <a:r>
+              <a:rPr lang="en-US" b="0" dirty="0">
+                <a:solidFill>
+                  <a:srgbClr val="D4D4D4"/>
+                </a:solidFill>
+                <a:effectLst/>
+                <a:latin typeface="Consolas" panose="020B0609020204030204" pitchFamily="49" charset="0"/>
+              </a:rPr>
+              <a:t>])</a:t>
+            </a:r>
+          </a:p>
+          <a:p>
+            <a:r>
+              <a:rPr lang="en-US" b="0" dirty="0">
+                <a:solidFill>
+                  <a:srgbClr val="DCDCAA"/>
+                </a:solidFill>
+                <a:effectLst/>
+                <a:latin typeface="Consolas" panose="020B0609020204030204" pitchFamily="49" charset="0"/>
+              </a:rPr>
+              <a:t>print</a:t>
+            </a:r>
+            <a:r>
+              <a:rPr lang="en-US" b="0" dirty="0">
+                <a:solidFill>
+                  <a:srgbClr val="D4D4D4"/>
+                </a:solidFill>
+                <a:effectLst/>
+                <a:latin typeface="Consolas" panose="020B0609020204030204" pitchFamily="49" charset="0"/>
+              </a:rPr>
+              <a:t>(</a:t>
+            </a:r>
+            <a:r>
+              <a:rPr lang="en-US" b="0" dirty="0">
+                <a:solidFill>
+                  <a:srgbClr val="CE9178"/>
+                </a:solidFill>
+                <a:effectLst/>
+                <a:latin typeface="Consolas" panose="020B0609020204030204" pitchFamily="49" charset="0"/>
+              </a:rPr>
+              <a:t>"str1[5:1:-1]"</a:t>
+            </a:r>
+            <a:r>
+              <a:rPr lang="en-US" b="0" dirty="0">
+                <a:solidFill>
+                  <a:srgbClr val="D4D4D4"/>
+                </a:solidFill>
+                <a:effectLst/>
+                <a:latin typeface="Consolas" panose="020B0609020204030204" pitchFamily="49" charset="0"/>
+              </a:rPr>
+              <a:t>,str1[</a:t>
+            </a:r>
+            <a:r>
+              <a:rPr lang="en-US" b="0" dirty="0">
+                <a:solidFill>
+                  <a:srgbClr val="B5CEA8"/>
+                </a:solidFill>
+                <a:effectLst/>
+                <a:latin typeface="Consolas" panose="020B0609020204030204" pitchFamily="49" charset="0"/>
+              </a:rPr>
+              <a:t>5</a:t>
+            </a:r>
+            <a:r>
+              <a:rPr lang="en-US" b="0" dirty="0">
+                <a:solidFill>
+                  <a:srgbClr val="D4D4D4"/>
+                </a:solidFill>
+                <a:effectLst/>
+                <a:latin typeface="Consolas" panose="020B0609020204030204" pitchFamily="49" charset="0"/>
+              </a:rPr>
+              <a:t>:</a:t>
+            </a:r>
+            <a:r>
+              <a:rPr lang="en-US" b="0" dirty="0">
+                <a:solidFill>
+                  <a:srgbClr val="B5CEA8"/>
+                </a:solidFill>
+                <a:effectLst/>
+                <a:latin typeface="Consolas" panose="020B0609020204030204" pitchFamily="49" charset="0"/>
+              </a:rPr>
+              <a:t>1</a:t>
+            </a:r>
+            <a:r>
+              <a:rPr lang="en-US" b="0" dirty="0">
+                <a:solidFill>
+                  <a:srgbClr val="D4D4D4"/>
+                </a:solidFill>
+                <a:effectLst/>
+                <a:latin typeface="Consolas" panose="020B0609020204030204" pitchFamily="49" charset="0"/>
+              </a:rPr>
+              <a:t>:-</a:t>
+            </a:r>
+            <a:r>
+              <a:rPr lang="en-US" b="0" dirty="0">
+                <a:solidFill>
+                  <a:srgbClr val="B5CEA8"/>
+                </a:solidFill>
+                <a:effectLst/>
+                <a:latin typeface="Consolas" panose="020B0609020204030204" pitchFamily="49" charset="0"/>
+              </a:rPr>
+              <a:t>1</a:t>
+            </a:r>
+            <a:r>
+              <a:rPr lang="en-US" b="0" dirty="0">
+                <a:solidFill>
+                  <a:srgbClr val="D4D4D4"/>
+                </a:solidFill>
+                <a:effectLst/>
+                <a:latin typeface="Consolas" panose="020B0609020204030204" pitchFamily="49" charset="0"/>
+              </a:rPr>
+              <a:t>])</a:t>
+            </a:r>
+          </a:p>
+        </p:txBody>
+      </p:sp>
+    </p:spTree>
+    <p:extLst>
+      <p:ext uri="{BB962C8B-B14F-4D97-AF65-F5344CB8AC3E}">
+        <p14:creationId xmlns:p14="http://schemas.microsoft.com/office/powerpoint/2010/main" val="2181685074"/>
+      </p:ext>
+    </p:extLst>
+  </p:cSld>
+  <p:clrMapOvr>
+    <a:masterClrMapping/>
+  </p:clrMapOvr>
+</p:sld>
+</file>
+
+<file path=ppt/slides/slide42.xml><?xml version="1.0" encoding="utf-8"?>
+<p:sld xmlns:a="http://schemas.openxmlformats.org/drawingml/2006/main" xmlns:r="http://schemas.openxmlformats.org/officeDocument/2006/relationships" xmlns:p="http://schemas.openxmlformats.org/presentationml/2006/main">
+  <p:cSld>
+    <p:spTree>
+      <p:nvGrpSpPr>
+        <p:cNvPr id="1" name=""/>
+        <p:cNvGrpSpPr/>
+        <p:nvPr/>
+      </p:nvGrpSpPr>
+      <p:grpSpPr>
+        <a:xfrm>
+          <a:off x="0" y="0"/>
+          <a:ext cx="0" cy="0"/>
+          <a:chOff x="0" y="0"/>
+          <a:chExt cx="0" cy="0"/>
+        </a:xfrm>
+      </p:grpSpPr>
+      <p:sp>
+        <p:nvSpPr>
+          <p:cNvPr id="2" name="Заголовок 1">
+            <a:extLst>
+              <a:ext uri="{FF2B5EF4-FFF2-40B4-BE49-F238E27FC236}">
+                <a16:creationId xmlns:a16="http://schemas.microsoft.com/office/drawing/2014/main" id="{4CA4C947-CA7A-441E-A7AB-FC0610085AF1}"/>
+              </a:ext>
+            </a:extLst>
+          </p:cNvPr>
+          <p:cNvSpPr>
+            <a:spLocks noGrp="1"/>
+          </p:cNvSpPr>
+          <p:nvPr>
+            <p:ph type="title"/>
+          </p:nvPr>
+        </p:nvSpPr>
+        <p:spPr>
+          <a:xfrm>
+            <a:off x="423531" y="4554353"/>
+            <a:ext cx="10515600" cy="1325563"/>
+          </a:xfrm>
+        </p:spPr>
+        <p:txBody>
+          <a:bodyPr/>
+          <a:lstStyle/>
+          <a:p>
+            <a:r>
+              <a:rPr lang="ru-RU" dirty="0"/>
+              <a:t>Списки и кортежи</a:t>
+            </a:r>
+          </a:p>
+        </p:txBody>
+      </p:sp>
+    </p:spTree>
+    <p:extLst>
+      <p:ext uri="{BB962C8B-B14F-4D97-AF65-F5344CB8AC3E}">
+        <p14:creationId xmlns:p14="http://schemas.microsoft.com/office/powerpoint/2010/main" val="124073686"/>
+      </p:ext>
+    </p:extLst>
+  </p:cSld>
+  <p:clrMapOvr>
+    <a:masterClrMapping/>
+  </p:clrMapOvr>
+</p:sld>
+</file>
+
+<file path=ppt/slides/slide43.xml><?xml version="1.0" encoding="utf-8"?>
+<p:sld xmlns:a="http://schemas.openxmlformats.org/drawingml/2006/main" xmlns:r="http://schemas.openxmlformats.org/officeDocument/2006/relationships" xmlns:p="http://schemas.openxmlformats.org/presentationml/2006/main">
+  <p:cSld>
+    <p:spTree>
+      <p:nvGrpSpPr>
+        <p:cNvPr id="1" name=""/>
+        <p:cNvGrpSpPr/>
+        <p:nvPr/>
+      </p:nvGrpSpPr>
+      <p:grpSpPr>
+        <a:xfrm>
+          <a:off x="0" y="0"/>
+          <a:ext cx="0" cy="0"/>
+          <a:chOff x="0" y="0"/>
+          <a:chExt cx="0" cy="0"/>
+        </a:xfrm>
+      </p:grpSpPr>
+      <p:sp>
+        <p:nvSpPr>
+          <p:cNvPr id="2" name="Заголовок 1">
+            <a:extLst>
+              <a:ext uri="{FF2B5EF4-FFF2-40B4-BE49-F238E27FC236}">
+                <a16:creationId xmlns:a16="http://schemas.microsoft.com/office/drawing/2014/main" id="{F05463A0-A1A5-4F33-BB21-5DD05AD49366}"/>
+              </a:ext>
+            </a:extLst>
+          </p:cNvPr>
+          <p:cNvSpPr>
+            <a:spLocks noGrp="1"/>
+          </p:cNvSpPr>
+          <p:nvPr>
+            <p:ph type="title"/>
+          </p:nvPr>
+        </p:nvSpPr>
+        <p:spPr/>
+        <p:txBody>
+          <a:bodyPr/>
+          <a:lstStyle/>
+          <a:p>
+            <a:r>
+              <a:rPr lang="ru-RU" dirty="0"/>
+              <a:t>Списки и кортежи</a:t>
+            </a:r>
+          </a:p>
+        </p:txBody>
+      </p:sp>
+      <p:sp>
+        <p:nvSpPr>
+          <p:cNvPr id="3" name="Объект 2">
+            <a:extLst>
+              <a:ext uri="{FF2B5EF4-FFF2-40B4-BE49-F238E27FC236}">
+                <a16:creationId xmlns:a16="http://schemas.microsoft.com/office/drawing/2014/main" id="{419A8218-1088-4A95-98D2-21DF9EC75D19}"/>
+              </a:ext>
+            </a:extLst>
+          </p:cNvPr>
+          <p:cNvSpPr>
+            <a:spLocks noGrp="1"/>
+          </p:cNvSpPr>
+          <p:nvPr>
+            <p:ph idx="1"/>
+          </p:nvPr>
+        </p:nvSpPr>
+        <p:spPr/>
+        <p:txBody>
+          <a:bodyPr/>
+          <a:lstStyle/>
+          <a:p>
+            <a:r>
+              <a:rPr lang="ru-RU" dirty="0"/>
+              <a:t>Список и кортеж – контейнер для хранения данных различных типов</a:t>
+            </a:r>
+          </a:p>
+          <a:p>
+            <a:r>
+              <a:rPr lang="ru-RU" dirty="0"/>
+              <a:t>Список – можно изменять – добавлять элементы, удалять, модифицировать</a:t>
+            </a:r>
+          </a:p>
+          <a:p>
+            <a:r>
+              <a:rPr lang="ru-RU" dirty="0"/>
+              <a:t>Кортеж – элементы менять нельзя</a:t>
+            </a:r>
+          </a:p>
+          <a:p>
+            <a:pPr marL="0" indent="0">
+              <a:buNone/>
+            </a:pPr>
+            <a:endParaRPr lang="ru-RU" dirty="0"/>
+          </a:p>
+        </p:txBody>
+      </p:sp>
+    </p:spTree>
+    <p:extLst>
+      <p:ext uri="{BB962C8B-B14F-4D97-AF65-F5344CB8AC3E}">
+        <p14:creationId xmlns:p14="http://schemas.microsoft.com/office/powerpoint/2010/main" val="3529697154"/>
+      </p:ext>
+    </p:extLst>
+  </p:cSld>
+  <p:clrMapOvr>
+    <a:masterClrMapping/>
+  </p:clrMapOvr>
+</p:sld>
+</file>
+
+<file path=ppt/slides/slide44.xml><?xml version="1.0" encoding="utf-8"?>
+<p:sld xmlns:a="http://schemas.openxmlformats.org/drawingml/2006/main" xmlns:r="http://schemas.openxmlformats.org/officeDocument/2006/relationships" xmlns:p="http://schemas.openxmlformats.org/presentationml/2006/main">
+  <p:cSld>
+    <p:spTree>
+      <p:nvGrpSpPr>
+        <p:cNvPr id="1" name=""/>
+        <p:cNvGrpSpPr/>
+        <p:nvPr/>
+      </p:nvGrpSpPr>
+      <p:grpSpPr>
+        <a:xfrm>
+          <a:off x="0" y="0"/>
+          <a:ext cx="0" cy="0"/>
+          <a:chOff x="0" y="0"/>
+          <a:chExt cx="0" cy="0"/>
+        </a:xfrm>
+      </p:grpSpPr>
+      <p:sp>
+        <p:nvSpPr>
+          <p:cNvPr id="2" name="Заголовок 1">
+            <a:extLst>
+              <a:ext uri="{FF2B5EF4-FFF2-40B4-BE49-F238E27FC236}">
+                <a16:creationId xmlns:a16="http://schemas.microsoft.com/office/drawing/2014/main" id="{232B81F4-9176-4975-AC48-5C5C58EFC534}"/>
+              </a:ext>
+            </a:extLst>
+          </p:cNvPr>
+          <p:cNvSpPr>
+            <a:spLocks noGrp="1"/>
+          </p:cNvSpPr>
+          <p:nvPr>
+            <p:ph type="title"/>
+          </p:nvPr>
+        </p:nvSpPr>
+        <p:spPr/>
+        <p:txBody>
+          <a:bodyPr/>
+          <a:lstStyle/>
+          <a:p>
+            <a:r>
+              <a:rPr lang="ru-RU" dirty="0"/>
+              <a:t>Списки и кортежи</a:t>
+            </a:r>
+          </a:p>
+        </p:txBody>
+      </p:sp>
+      <p:sp>
+        <p:nvSpPr>
+          <p:cNvPr id="3" name="Прямоугольник: скругленные углы 2">
+            <a:extLst>
+              <a:ext uri="{FF2B5EF4-FFF2-40B4-BE49-F238E27FC236}">
+                <a16:creationId xmlns:a16="http://schemas.microsoft.com/office/drawing/2014/main" id="{6827293C-BA93-420A-B15C-FDB3DCA2F3EC}"/>
+              </a:ext>
+            </a:extLst>
+          </p:cNvPr>
+          <p:cNvSpPr/>
+          <p:nvPr/>
+        </p:nvSpPr>
+        <p:spPr>
+          <a:xfrm>
+            <a:off x="2020186" y="2041451"/>
+            <a:ext cx="3072809" cy="1158949"/>
+          </a:xfrm>
+          <a:prstGeom prst="roundRect">
+            <a:avLst/>
+          </a:prstGeom>
+        </p:spPr>
+        <p:style>
+          <a:lnRef idx="2">
+            <a:schemeClr val="accent1">
+              <a:shade val="50000"/>
+            </a:schemeClr>
+          </a:lnRef>
+          <a:fillRef idx="1">
+            <a:schemeClr val="accent1"/>
+          </a:fillRef>
+          <a:effectRef idx="0">
+            <a:schemeClr val="accent1"/>
+          </a:effectRef>
+          <a:fontRef idx="minor">
+            <a:schemeClr val="lt1"/>
+          </a:fontRef>
+        </p:style>
+        <p:txBody>
+          <a:bodyPr rtlCol="0" anchor="ctr"/>
+          <a:lstStyle/>
+          <a:p>
+            <a:r>
+              <a:rPr lang="en-US" sz="4400" dirty="0"/>
+              <a:t>[                  </a:t>
+            </a:r>
+            <a:r>
+              <a:rPr lang="ru-RU" sz="4400" dirty="0"/>
+              <a:t> </a:t>
+            </a:r>
+            <a:r>
+              <a:rPr lang="en-US" sz="4400" dirty="0"/>
+              <a:t>]</a:t>
+            </a:r>
+            <a:endParaRPr lang="ru-RU" sz="4400" dirty="0"/>
+          </a:p>
+        </p:txBody>
+      </p:sp>
+      <p:sp>
+        <p:nvSpPr>
+          <p:cNvPr id="5" name="Прямоугольник: скругленные углы 4">
+            <a:extLst>
+              <a:ext uri="{FF2B5EF4-FFF2-40B4-BE49-F238E27FC236}">
+                <a16:creationId xmlns:a16="http://schemas.microsoft.com/office/drawing/2014/main" id="{0071A459-678E-41FE-9CFE-5405B46C64EA}"/>
+              </a:ext>
+            </a:extLst>
+          </p:cNvPr>
+          <p:cNvSpPr/>
+          <p:nvPr/>
+        </p:nvSpPr>
+        <p:spPr>
+          <a:xfrm>
+            <a:off x="2934595" y="2184991"/>
+            <a:ext cx="1722474" cy="520995"/>
+          </a:xfrm>
+          <a:prstGeom prst="roundRect">
+            <a:avLst/>
+          </a:prstGeom>
+        </p:spPr>
+        <p:style>
+          <a:lnRef idx="1">
+            <a:schemeClr val="accent2"/>
+          </a:lnRef>
+          <a:fillRef idx="3">
+            <a:schemeClr val="accent2"/>
+          </a:fillRef>
+          <a:effectRef idx="2">
+            <a:schemeClr val="accent2"/>
+          </a:effectRef>
+          <a:fontRef idx="minor">
+            <a:schemeClr val="lt1"/>
+          </a:fontRef>
+        </p:style>
+        <p:txBody>
+          <a:bodyPr rtlCol="0" anchor="ctr"/>
+          <a:lstStyle/>
+          <a:p>
+            <a:pPr algn="ctr"/>
+            <a:endParaRPr lang="ru-RU" dirty="0"/>
+          </a:p>
+        </p:txBody>
+      </p:sp>
+      <p:sp>
+        <p:nvSpPr>
+          <p:cNvPr id="6" name="Прямоугольник: скругленные углы 5">
+            <a:extLst>
+              <a:ext uri="{FF2B5EF4-FFF2-40B4-BE49-F238E27FC236}">
+                <a16:creationId xmlns:a16="http://schemas.microsoft.com/office/drawing/2014/main" id="{CADAC94F-598E-42A3-87B3-BDDBEAADD2D1}"/>
+              </a:ext>
+            </a:extLst>
+          </p:cNvPr>
+          <p:cNvSpPr/>
+          <p:nvPr/>
+        </p:nvSpPr>
+        <p:spPr>
+          <a:xfrm>
+            <a:off x="2658148" y="2328531"/>
+            <a:ext cx="1722474" cy="520995"/>
+          </a:xfrm>
+          <a:prstGeom prst="roundRect">
+            <a:avLst/>
+          </a:prstGeom>
+        </p:spPr>
+        <p:style>
+          <a:lnRef idx="1">
+            <a:schemeClr val="accent2"/>
+          </a:lnRef>
+          <a:fillRef idx="3">
+            <a:schemeClr val="accent2"/>
+          </a:fillRef>
+          <a:effectRef idx="2">
+            <a:schemeClr val="accent2"/>
+          </a:effectRef>
+          <a:fontRef idx="minor">
+            <a:schemeClr val="lt1"/>
+          </a:fontRef>
+        </p:style>
+        <p:txBody>
+          <a:bodyPr rtlCol="0" anchor="ctr"/>
+          <a:lstStyle/>
+          <a:p>
+            <a:pPr algn="ctr"/>
+            <a:endParaRPr lang="ru-RU" dirty="0"/>
+          </a:p>
+        </p:txBody>
+      </p:sp>
+      <p:sp>
+        <p:nvSpPr>
+          <p:cNvPr id="7" name="Прямоугольник: скругленные углы 6">
+            <a:extLst>
+              <a:ext uri="{FF2B5EF4-FFF2-40B4-BE49-F238E27FC236}">
+                <a16:creationId xmlns:a16="http://schemas.microsoft.com/office/drawing/2014/main" id="{C0CD5E9F-266B-4D4A-AFD5-CB56774184D6}"/>
+              </a:ext>
+            </a:extLst>
+          </p:cNvPr>
+          <p:cNvSpPr/>
+          <p:nvPr/>
+        </p:nvSpPr>
+        <p:spPr>
+          <a:xfrm>
+            <a:off x="2381701" y="2472071"/>
+            <a:ext cx="1722474" cy="520995"/>
+          </a:xfrm>
+          <a:prstGeom prst="roundRect">
+            <a:avLst/>
+          </a:prstGeom>
+        </p:spPr>
+        <p:style>
+          <a:lnRef idx="1">
+            <a:schemeClr val="accent2"/>
+          </a:lnRef>
+          <a:fillRef idx="3">
+            <a:schemeClr val="accent2"/>
+          </a:fillRef>
+          <a:effectRef idx="2">
+            <a:schemeClr val="accent2"/>
+          </a:effectRef>
+          <a:fontRef idx="minor">
+            <a:schemeClr val="lt1"/>
+          </a:fontRef>
+        </p:style>
+        <p:txBody>
+          <a:bodyPr rtlCol="0" anchor="ctr"/>
+          <a:lstStyle/>
+          <a:p>
+            <a:pPr algn="ctr"/>
+            <a:r>
+              <a:rPr lang="ru-RU" dirty="0"/>
+              <a:t>ВЫРАЖЕНИЕ</a:t>
+            </a:r>
+          </a:p>
+        </p:txBody>
+      </p:sp>
+      <p:sp>
+        <p:nvSpPr>
+          <p:cNvPr id="8" name="Прямоугольник: скругленные углы 7">
+            <a:extLst>
+              <a:ext uri="{FF2B5EF4-FFF2-40B4-BE49-F238E27FC236}">
+                <a16:creationId xmlns:a16="http://schemas.microsoft.com/office/drawing/2014/main" id="{5129A887-BB63-457B-B6D3-25FDBC03D0AF}"/>
+              </a:ext>
+            </a:extLst>
+          </p:cNvPr>
+          <p:cNvSpPr/>
+          <p:nvPr/>
+        </p:nvSpPr>
+        <p:spPr>
+          <a:xfrm>
+            <a:off x="2020186" y="4008475"/>
+            <a:ext cx="3072809" cy="1158949"/>
+          </a:xfrm>
+          <a:prstGeom prst="roundRect">
+            <a:avLst/>
+          </a:prstGeom>
+        </p:spPr>
+        <p:style>
+          <a:lnRef idx="2">
+            <a:schemeClr val="accent1">
+              <a:shade val="50000"/>
+            </a:schemeClr>
+          </a:lnRef>
+          <a:fillRef idx="1">
+            <a:schemeClr val="accent1"/>
+          </a:fillRef>
+          <a:effectRef idx="0">
+            <a:schemeClr val="accent1"/>
+          </a:effectRef>
+          <a:fontRef idx="minor">
+            <a:schemeClr val="lt1"/>
+          </a:fontRef>
+        </p:style>
+        <p:txBody>
+          <a:bodyPr rtlCol="0" anchor="ctr"/>
+          <a:lstStyle/>
+          <a:p>
+            <a:r>
+              <a:rPr lang="ru-RU" sz="4400" dirty="0"/>
+              <a:t>(</a:t>
+            </a:r>
+            <a:r>
+              <a:rPr lang="en-US" sz="4400" dirty="0"/>
+              <a:t>                  </a:t>
+            </a:r>
+            <a:r>
+              <a:rPr lang="ru-RU" sz="4400" dirty="0"/>
+              <a:t> )</a:t>
+            </a:r>
+          </a:p>
+        </p:txBody>
+      </p:sp>
+      <p:sp>
+        <p:nvSpPr>
+          <p:cNvPr id="9" name="Прямоугольник: скругленные углы 8">
+            <a:extLst>
+              <a:ext uri="{FF2B5EF4-FFF2-40B4-BE49-F238E27FC236}">
+                <a16:creationId xmlns:a16="http://schemas.microsoft.com/office/drawing/2014/main" id="{7A6648E4-4FB6-488F-8515-933F84EED6E9}"/>
+              </a:ext>
+            </a:extLst>
+          </p:cNvPr>
+          <p:cNvSpPr/>
+          <p:nvPr/>
+        </p:nvSpPr>
+        <p:spPr>
+          <a:xfrm>
+            <a:off x="2934595" y="4152015"/>
+            <a:ext cx="1722474" cy="520995"/>
+          </a:xfrm>
+          <a:prstGeom prst="roundRect">
+            <a:avLst/>
+          </a:prstGeom>
+        </p:spPr>
+        <p:style>
+          <a:lnRef idx="1">
+            <a:schemeClr val="accent2"/>
+          </a:lnRef>
+          <a:fillRef idx="3">
+            <a:schemeClr val="accent2"/>
+          </a:fillRef>
+          <a:effectRef idx="2">
+            <a:schemeClr val="accent2"/>
+          </a:effectRef>
+          <a:fontRef idx="minor">
+            <a:schemeClr val="lt1"/>
+          </a:fontRef>
+        </p:style>
+        <p:txBody>
+          <a:bodyPr rtlCol="0" anchor="ctr"/>
+          <a:lstStyle/>
+          <a:p>
+            <a:pPr algn="ctr"/>
+            <a:endParaRPr lang="ru-RU" dirty="0"/>
+          </a:p>
+        </p:txBody>
+      </p:sp>
+      <p:sp>
+        <p:nvSpPr>
+          <p:cNvPr id="10" name="Прямоугольник: скругленные углы 9">
+            <a:extLst>
+              <a:ext uri="{FF2B5EF4-FFF2-40B4-BE49-F238E27FC236}">
+                <a16:creationId xmlns:a16="http://schemas.microsoft.com/office/drawing/2014/main" id="{EB893B05-9805-45A6-B88E-3E344EAB8473}"/>
+              </a:ext>
+            </a:extLst>
+          </p:cNvPr>
+          <p:cNvSpPr/>
+          <p:nvPr/>
+        </p:nvSpPr>
+        <p:spPr>
+          <a:xfrm>
+            <a:off x="2658148" y="4295555"/>
+            <a:ext cx="1722474" cy="520995"/>
+          </a:xfrm>
+          <a:prstGeom prst="roundRect">
+            <a:avLst/>
+          </a:prstGeom>
+        </p:spPr>
+        <p:style>
+          <a:lnRef idx="1">
+            <a:schemeClr val="accent2"/>
+          </a:lnRef>
+          <a:fillRef idx="3">
+            <a:schemeClr val="accent2"/>
+          </a:fillRef>
+          <a:effectRef idx="2">
+            <a:schemeClr val="accent2"/>
+          </a:effectRef>
+          <a:fontRef idx="minor">
+            <a:schemeClr val="lt1"/>
+          </a:fontRef>
+        </p:style>
+        <p:txBody>
+          <a:bodyPr rtlCol="0" anchor="ctr"/>
+          <a:lstStyle/>
+          <a:p>
+            <a:pPr algn="ctr"/>
+            <a:endParaRPr lang="ru-RU" dirty="0"/>
+          </a:p>
+        </p:txBody>
+      </p:sp>
+      <p:sp>
+        <p:nvSpPr>
+          <p:cNvPr id="11" name="Прямоугольник: скругленные углы 10">
+            <a:extLst>
+              <a:ext uri="{FF2B5EF4-FFF2-40B4-BE49-F238E27FC236}">
+                <a16:creationId xmlns:a16="http://schemas.microsoft.com/office/drawing/2014/main" id="{3EAAC734-2210-4B9A-B2F9-B48F5ACBDEED}"/>
+              </a:ext>
+            </a:extLst>
+          </p:cNvPr>
+          <p:cNvSpPr/>
+          <p:nvPr/>
+        </p:nvSpPr>
+        <p:spPr>
+          <a:xfrm>
+            <a:off x="2381701" y="4439095"/>
+            <a:ext cx="1722474" cy="520995"/>
+          </a:xfrm>
+          <a:prstGeom prst="roundRect">
+            <a:avLst/>
+          </a:prstGeom>
+        </p:spPr>
+        <p:style>
+          <a:lnRef idx="1">
+            <a:schemeClr val="accent2"/>
+          </a:lnRef>
+          <a:fillRef idx="3">
+            <a:schemeClr val="accent2"/>
+          </a:fillRef>
+          <a:effectRef idx="2">
+            <a:schemeClr val="accent2"/>
+          </a:effectRef>
+          <a:fontRef idx="minor">
+            <a:schemeClr val="lt1"/>
+          </a:fontRef>
+        </p:style>
+        <p:txBody>
+          <a:bodyPr rtlCol="0" anchor="ctr"/>
+          <a:lstStyle/>
+          <a:p>
+            <a:pPr algn="ctr"/>
+            <a:r>
+              <a:rPr lang="ru-RU" dirty="0"/>
+              <a:t>ВЫРАЖЕНИЕ</a:t>
+            </a:r>
+          </a:p>
+        </p:txBody>
+      </p:sp>
+      <p:sp>
+        <p:nvSpPr>
+          <p:cNvPr id="12" name="Облачко с текстом: прямоугольное 11">
+            <a:extLst>
+              <a:ext uri="{FF2B5EF4-FFF2-40B4-BE49-F238E27FC236}">
+                <a16:creationId xmlns:a16="http://schemas.microsoft.com/office/drawing/2014/main" id="{4439AE9C-2FE7-437F-9D3B-4A76BA171FD4}"/>
+              </a:ext>
+            </a:extLst>
+          </p:cNvPr>
+          <p:cNvSpPr/>
+          <p:nvPr/>
+        </p:nvSpPr>
+        <p:spPr>
+          <a:xfrm>
+            <a:off x="6762307" y="1786270"/>
+            <a:ext cx="3409507" cy="919716"/>
+          </a:xfrm>
+          <a:prstGeom prst="wedgeRectCallout">
+            <a:avLst>
+              <a:gd name="adj1" fmla="val -90687"/>
+              <a:gd name="adj2" fmla="val 35911"/>
+            </a:avLst>
+          </a:prstGeom>
+        </p:spPr>
+        <p:style>
+          <a:lnRef idx="2">
+            <a:schemeClr val="accent1">
+              <a:shade val="50000"/>
+            </a:schemeClr>
+          </a:lnRef>
+          <a:fillRef idx="1">
+            <a:schemeClr val="accent1"/>
+          </a:fillRef>
+          <a:effectRef idx="0">
+            <a:schemeClr val="accent1"/>
+          </a:effectRef>
+          <a:fontRef idx="minor">
+            <a:schemeClr val="lt1"/>
+          </a:fontRef>
+        </p:style>
+        <p:txBody>
+          <a:bodyPr rtlCol="0" anchor="ctr"/>
+          <a:lstStyle/>
+          <a:p>
+            <a:pPr algn="ctr"/>
+            <a:r>
+              <a:rPr lang="ru-RU" dirty="0"/>
+              <a:t>Создание списка</a:t>
+            </a:r>
+          </a:p>
+        </p:txBody>
+      </p:sp>
+      <p:sp>
+        <p:nvSpPr>
+          <p:cNvPr id="13" name="Облачко с текстом: прямоугольное 12">
+            <a:extLst>
+              <a:ext uri="{FF2B5EF4-FFF2-40B4-BE49-F238E27FC236}">
+                <a16:creationId xmlns:a16="http://schemas.microsoft.com/office/drawing/2014/main" id="{007BEEE9-D151-4933-8B85-16A6461869D6}"/>
+              </a:ext>
+            </a:extLst>
+          </p:cNvPr>
+          <p:cNvSpPr/>
+          <p:nvPr/>
+        </p:nvSpPr>
+        <p:spPr>
+          <a:xfrm>
+            <a:off x="6932428" y="4295555"/>
+            <a:ext cx="3409507" cy="919716"/>
+          </a:xfrm>
+          <a:prstGeom prst="wedgeRectCallout">
+            <a:avLst>
+              <a:gd name="adj1" fmla="val -99107"/>
+              <a:gd name="adj2" fmla="val -16112"/>
+            </a:avLst>
+          </a:prstGeom>
+        </p:spPr>
+        <p:style>
+          <a:lnRef idx="2">
+            <a:schemeClr val="accent1">
+              <a:shade val="50000"/>
+            </a:schemeClr>
+          </a:lnRef>
+          <a:fillRef idx="1">
+            <a:schemeClr val="accent1"/>
+          </a:fillRef>
+          <a:effectRef idx="0">
+            <a:schemeClr val="accent1"/>
+          </a:effectRef>
+          <a:fontRef idx="minor">
+            <a:schemeClr val="lt1"/>
+          </a:fontRef>
+        </p:style>
+        <p:txBody>
+          <a:bodyPr rtlCol="0" anchor="ctr"/>
+          <a:lstStyle/>
+          <a:p>
+            <a:pPr algn="ctr"/>
+            <a:r>
+              <a:rPr lang="ru-RU" dirty="0"/>
+              <a:t>Создание кортежа</a:t>
+            </a:r>
+          </a:p>
+        </p:txBody>
+      </p:sp>
+    </p:spTree>
+    <p:extLst>
+      <p:ext uri="{BB962C8B-B14F-4D97-AF65-F5344CB8AC3E}">
+        <p14:creationId xmlns:p14="http://schemas.microsoft.com/office/powerpoint/2010/main" val="1699854557"/>
+      </p:ext>
+    </p:extLst>
+  </p:cSld>
+  <p:clrMapOvr>
+    <a:masterClrMapping/>
+  </p:clrMapOvr>
+</p:sld>
+</file>
+
+<file path=ppt/slides/slide45.xml><?xml version="1.0" encoding="utf-8"?>
+<p:sld xmlns:a="http://schemas.openxmlformats.org/drawingml/2006/main" xmlns:r="http://schemas.openxmlformats.org/officeDocument/2006/relationships" xmlns:p="http://schemas.openxmlformats.org/presentationml/2006/main">
+  <p:cSld>
+    <p:spTree>
+      <p:nvGrpSpPr>
+        <p:cNvPr id="1" name=""/>
+        <p:cNvGrpSpPr/>
+        <p:nvPr/>
+      </p:nvGrpSpPr>
+      <p:grpSpPr>
+        <a:xfrm>
+          <a:off x="0" y="0"/>
+          <a:ext cx="0" cy="0"/>
+          <a:chOff x="0" y="0"/>
+          <a:chExt cx="0" cy="0"/>
+        </a:xfrm>
+      </p:grpSpPr>
+      <p:sp>
+        <p:nvSpPr>
+          <p:cNvPr id="2" name="Заголовок 1">
+            <a:extLst>
+              <a:ext uri="{FF2B5EF4-FFF2-40B4-BE49-F238E27FC236}">
+                <a16:creationId xmlns:a16="http://schemas.microsoft.com/office/drawing/2014/main" id="{C92BD0FD-EFAF-41F5-9CD6-D11D66036408}"/>
+              </a:ext>
+            </a:extLst>
+          </p:cNvPr>
+          <p:cNvSpPr>
+            <a:spLocks noGrp="1"/>
+          </p:cNvSpPr>
+          <p:nvPr>
+            <p:ph type="title"/>
+          </p:nvPr>
+        </p:nvSpPr>
+        <p:spPr/>
+        <p:txBody>
+          <a:bodyPr/>
+          <a:lstStyle/>
+          <a:p>
+            <a:r>
+              <a:rPr lang="ru-RU" dirty="0"/>
+              <a:t>Списки и кортежи</a:t>
+            </a:r>
+          </a:p>
+        </p:txBody>
+      </p:sp>
+      <p:sp>
+        <p:nvSpPr>
+          <p:cNvPr id="9" name="TextBox 8">
+            <a:extLst>
+              <a:ext uri="{FF2B5EF4-FFF2-40B4-BE49-F238E27FC236}">
+                <a16:creationId xmlns:a16="http://schemas.microsoft.com/office/drawing/2014/main" id="{C635A260-2B23-4C7C-9054-446BFC871373}"/>
+              </a:ext>
+            </a:extLst>
+          </p:cNvPr>
+          <p:cNvSpPr txBox="1"/>
+          <p:nvPr/>
+        </p:nvSpPr>
+        <p:spPr>
+          <a:xfrm>
+            <a:off x="2421565" y="1806729"/>
+            <a:ext cx="7966444" cy="4524315"/>
+          </a:xfrm>
+          <a:prstGeom prst="rect">
+            <a:avLst/>
+          </a:prstGeom>
+          <a:noFill/>
+        </p:spPr>
+        <p:txBody>
+          <a:bodyPr wrap="square">
+            <a:spAutoFit/>
+          </a:bodyPr>
+          <a:lstStyle/>
+          <a:p>
+            <a:r>
+              <a:rPr lang="es-ES" sz="3200" b="0" dirty="0">
+                <a:solidFill>
+                  <a:srgbClr val="D4D4D4"/>
+                </a:solidFill>
+                <a:effectLst/>
+                <a:latin typeface="Consolas" panose="020B0609020204030204" pitchFamily="49" charset="0"/>
+              </a:rPr>
+              <a:t>x1 = [</a:t>
+            </a:r>
+            <a:r>
+              <a:rPr lang="es-ES" sz="3200" b="0" dirty="0">
+                <a:solidFill>
+                  <a:srgbClr val="B5CEA8"/>
+                </a:solidFill>
+                <a:effectLst/>
+                <a:latin typeface="Consolas" panose="020B0609020204030204" pitchFamily="49" charset="0"/>
+              </a:rPr>
+              <a:t>1</a:t>
+            </a:r>
+            <a:r>
+              <a:rPr lang="es-ES" sz="3200" b="0" dirty="0">
+                <a:solidFill>
+                  <a:srgbClr val="D4D4D4"/>
+                </a:solidFill>
+                <a:effectLst/>
+                <a:latin typeface="Consolas" panose="020B0609020204030204" pitchFamily="49" charset="0"/>
+              </a:rPr>
+              <a:t>,</a:t>
+            </a:r>
+            <a:r>
+              <a:rPr lang="es-ES" sz="3200" b="0" dirty="0">
+                <a:solidFill>
+                  <a:srgbClr val="B5CEA8"/>
+                </a:solidFill>
+                <a:effectLst/>
+                <a:latin typeface="Consolas" panose="020B0609020204030204" pitchFamily="49" charset="0"/>
+              </a:rPr>
+              <a:t>2</a:t>
+            </a:r>
+            <a:r>
+              <a:rPr lang="es-ES" sz="3200" b="0" dirty="0">
+                <a:solidFill>
+                  <a:srgbClr val="D4D4D4"/>
+                </a:solidFill>
+                <a:effectLst/>
+                <a:latin typeface="Consolas" panose="020B0609020204030204" pitchFamily="49" charset="0"/>
+              </a:rPr>
+              <a:t>,</a:t>
+            </a:r>
+            <a:r>
+              <a:rPr lang="es-ES" sz="3200" b="0" dirty="0">
+                <a:solidFill>
+                  <a:srgbClr val="B5CEA8"/>
+                </a:solidFill>
+                <a:effectLst/>
+                <a:latin typeface="Consolas" panose="020B0609020204030204" pitchFamily="49" charset="0"/>
+              </a:rPr>
+              <a:t>3</a:t>
+            </a:r>
+            <a:r>
+              <a:rPr lang="es-ES" sz="3200" b="0" dirty="0">
+                <a:solidFill>
+                  <a:srgbClr val="D4D4D4"/>
+                </a:solidFill>
+                <a:effectLst/>
+                <a:latin typeface="Consolas" panose="020B0609020204030204" pitchFamily="49" charset="0"/>
+              </a:rPr>
+              <a:t>,</a:t>
+            </a:r>
+            <a:r>
+              <a:rPr lang="es-ES" sz="3200" b="0" dirty="0">
+                <a:solidFill>
+                  <a:srgbClr val="B5CEA8"/>
+                </a:solidFill>
+                <a:effectLst/>
+                <a:latin typeface="Consolas" panose="020B0609020204030204" pitchFamily="49" charset="0"/>
+              </a:rPr>
+              <a:t>4</a:t>
+            </a:r>
+            <a:r>
+              <a:rPr lang="es-ES" sz="3200" b="0" dirty="0">
+                <a:solidFill>
+                  <a:srgbClr val="D4D4D4"/>
+                </a:solidFill>
+                <a:effectLst/>
+                <a:latin typeface="Consolas" panose="020B0609020204030204" pitchFamily="49" charset="0"/>
+              </a:rPr>
+              <a:t>]</a:t>
+            </a:r>
+          </a:p>
+          <a:p>
+            <a:r>
+              <a:rPr lang="es-ES" sz="3200" b="0" dirty="0">
+                <a:solidFill>
+                  <a:srgbClr val="D4D4D4"/>
+                </a:solidFill>
+                <a:effectLst/>
+                <a:latin typeface="Consolas" panose="020B0609020204030204" pitchFamily="49" charset="0"/>
+              </a:rPr>
+              <a:t>y1 = [</a:t>
+            </a:r>
+            <a:r>
+              <a:rPr lang="es-ES" sz="3200" b="0" dirty="0">
+                <a:solidFill>
+                  <a:srgbClr val="CE9178"/>
+                </a:solidFill>
+                <a:effectLst/>
+                <a:latin typeface="Consolas" panose="020B0609020204030204" pitchFamily="49" charset="0"/>
+              </a:rPr>
+              <a:t>"qwe"</a:t>
+            </a:r>
+            <a:r>
+              <a:rPr lang="es-ES" sz="3200" b="0" dirty="0">
+                <a:solidFill>
+                  <a:srgbClr val="D4D4D4"/>
+                </a:solidFill>
+                <a:effectLst/>
+                <a:latin typeface="Consolas" panose="020B0609020204030204" pitchFamily="49" charset="0"/>
+              </a:rPr>
+              <a:t>,</a:t>
+            </a:r>
+            <a:r>
+              <a:rPr lang="es-ES" sz="3200" b="0" dirty="0">
+                <a:solidFill>
+                  <a:srgbClr val="CE9178"/>
+                </a:solidFill>
+                <a:effectLst/>
+                <a:latin typeface="Consolas" panose="020B0609020204030204" pitchFamily="49" charset="0"/>
+              </a:rPr>
+              <a:t>"rty"</a:t>
+            </a:r>
+            <a:r>
+              <a:rPr lang="es-ES" sz="3200" b="0" dirty="0">
+                <a:solidFill>
+                  <a:srgbClr val="D4D4D4"/>
+                </a:solidFill>
+                <a:effectLst/>
+                <a:latin typeface="Consolas" panose="020B0609020204030204" pitchFamily="49" charset="0"/>
+              </a:rPr>
+              <a:t>,</a:t>
+            </a:r>
+            <a:r>
+              <a:rPr lang="es-ES" sz="3200" b="0" dirty="0">
+                <a:solidFill>
+                  <a:srgbClr val="CE9178"/>
+                </a:solidFill>
+                <a:effectLst/>
+                <a:latin typeface="Consolas" panose="020B0609020204030204" pitchFamily="49" charset="0"/>
+              </a:rPr>
+              <a:t>"asd"</a:t>
+            </a:r>
+            <a:r>
+              <a:rPr lang="es-ES" sz="3200" b="0" dirty="0">
+                <a:solidFill>
+                  <a:srgbClr val="D4D4D4"/>
+                </a:solidFill>
+                <a:effectLst/>
+                <a:latin typeface="Consolas" panose="020B0609020204030204" pitchFamily="49" charset="0"/>
+              </a:rPr>
+              <a:t>,</a:t>
+            </a:r>
+            <a:r>
+              <a:rPr lang="es-ES" sz="3200" b="0" dirty="0">
+                <a:solidFill>
+                  <a:srgbClr val="B5CEA8"/>
+                </a:solidFill>
+                <a:effectLst/>
+                <a:latin typeface="Consolas" panose="020B0609020204030204" pitchFamily="49" charset="0"/>
+              </a:rPr>
+              <a:t>1</a:t>
+            </a:r>
+            <a:r>
+              <a:rPr lang="es-ES" sz="3200" b="0" dirty="0">
+                <a:solidFill>
+                  <a:srgbClr val="D4D4D4"/>
+                </a:solidFill>
+                <a:effectLst/>
+                <a:latin typeface="Consolas" panose="020B0609020204030204" pitchFamily="49" charset="0"/>
+              </a:rPr>
+              <a:t>,</a:t>
+            </a:r>
+            <a:r>
+              <a:rPr lang="es-ES" sz="3200" b="0" dirty="0">
+                <a:solidFill>
+                  <a:srgbClr val="B5CEA8"/>
+                </a:solidFill>
+                <a:effectLst/>
+                <a:latin typeface="Consolas" panose="020B0609020204030204" pitchFamily="49" charset="0"/>
+              </a:rPr>
+              <a:t>2</a:t>
+            </a:r>
+            <a:r>
+              <a:rPr lang="es-ES" sz="3200" b="0" dirty="0">
+                <a:solidFill>
+                  <a:srgbClr val="D4D4D4"/>
+                </a:solidFill>
+                <a:effectLst/>
+                <a:latin typeface="Consolas" panose="020B0609020204030204" pitchFamily="49" charset="0"/>
+              </a:rPr>
+              <a:t>,</a:t>
+            </a:r>
+            <a:r>
+              <a:rPr lang="es-ES" sz="3200" b="0" dirty="0">
+                <a:solidFill>
+                  <a:srgbClr val="B5CEA8"/>
+                </a:solidFill>
+                <a:effectLst/>
+                <a:latin typeface="Consolas" panose="020B0609020204030204" pitchFamily="49" charset="0"/>
+              </a:rPr>
+              <a:t>3</a:t>
+            </a:r>
+            <a:r>
+              <a:rPr lang="es-ES" sz="3200" b="0" dirty="0">
+                <a:solidFill>
+                  <a:srgbClr val="D4D4D4"/>
+                </a:solidFill>
+                <a:effectLst/>
+                <a:latin typeface="Consolas" panose="020B0609020204030204" pitchFamily="49" charset="0"/>
+              </a:rPr>
+              <a:t>]</a:t>
+            </a:r>
+          </a:p>
+          <a:p>
+            <a:br>
+              <a:rPr lang="es-ES" sz="3200" b="0" dirty="0">
+                <a:solidFill>
+                  <a:srgbClr val="D4D4D4"/>
+                </a:solidFill>
+                <a:effectLst/>
+                <a:latin typeface="Consolas" panose="020B0609020204030204" pitchFamily="49" charset="0"/>
+              </a:rPr>
+            </a:br>
+            <a:r>
+              <a:rPr lang="es-ES" sz="3200" b="0" dirty="0">
+                <a:solidFill>
+                  <a:srgbClr val="D4D4D4"/>
+                </a:solidFill>
+                <a:effectLst/>
+                <a:latin typeface="Consolas" panose="020B0609020204030204" pitchFamily="49" charset="0"/>
+              </a:rPr>
+              <a:t>x2 = (</a:t>
+            </a:r>
+            <a:r>
+              <a:rPr lang="es-ES" sz="3200" b="0" dirty="0">
+                <a:solidFill>
+                  <a:srgbClr val="B5CEA8"/>
+                </a:solidFill>
+                <a:effectLst/>
+                <a:latin typeface="Consolas" panose="020B0609020204030204" pitchFamily="49" charset="0"/>
+              </a:rPr>
+              <a:t>1</a:t>
+            </a:r>
+            <a:r>
+              <a:rPr lang="es-ES" sz="3200" b="0" dirty="0">
+                <a:solidFill>
+                  <a:srgbClr val="D4D4D4"/>
+                </a:solidFill>
+                <a:effectLst/>
+                <a:latin typeface="Consolas" panose="020B0609020204030204" pitchFamily="49" charset="0"/>
+              </a:rPr>
+              <a:t>,</a:t>
+            </a:r>
+            <a:r>
+              <a:rPr lang="es-ES" sz="3200" b="0" dirty="0">
+                <a:solidFill>
+                  <a:srgbClr val="B5CEA8"/>
+                </a:solidFill>
+                <a:effectLst/>
+                <a:latin typeface="Consolas" panose="020B0609020204030204" pitchFamily="49" charset="0"/>
+              </a:rPr>
+              <a:t>2</a:t>
+            </a:r>
+            <a:r>
+              <a:rPr lang="es-ES" sz="3200" b="0" dirty="0">
+                <a:solidFill>
+                  <a:srgbClr val="D4D4D4"/>
+                </a:solidFill>
+                <a:effectLst/>
+                <a:latin typeface="Consolas" panose="020B0609020204030204" pitchFamily="49" charset="0"/>
+              </a:rPr>
+              <a:t>,</a:t>
+            </a:r>
+            <a:r>
+              <a:rPr lang="es-ES" sz="3200" b="0" dirty="0">
+                <a:solidFill>
+                  <a:srgbClr val="B5CEA8"/>
+                </a:solidFill>
+                <a:effectLst/>
+                <a:latin typeface="Consolas" panose="020B0609020204030204" pitchFamily="49" charset="0"/>
+              </a:rPr>
+              <a:t>3</a:t>
+            </a:r>
+            <a:r>
+              <a:rPr lang="es-ES" sz="3200" b="0" dirty="0">
+                <a:solidFill>
+                  <a:srgbClr val="D4D4D4"/>
+                </a:solidFill>
+                <a:effectLst/>
+                <a:latin typeface="Consolas" panose="020B0609020204030204" pitchFamily="49" charset="0"/>
+              </a:rPr>
+              <a:t>,</a:t>
+            </a:r>
+            <a:r>
+              <a:rPr lang="es-ES" sz="3200" b="0" dirty="0">
+                <a:solidFill>
+                  <a:srgbClr val="B5CEA8"/>
+                </a:solidFill>
+                <a:effectLst/>
+                <a:latin typeface="Consolas" panose="020B0609020204030204" pitchFamily="49" charset="0"/>
+              </a:rPr>
+              <a:t>4</a:t>
+            </a:r>
+            <a:r>
+              <a:rPr lang="es-ES" sz="3200" b="0" dirty="0">
+                <a:solidFill>
+                  <a:srgbClr val="D4D4D4"/>
+                </a:solidFill>
+                <a:effectLst/>
+                <a:latin typeface="Consolas" panose="020B0609020204030204" pitchFamily="49" charset="0"/>
+              </a:rPr>
+              <a:t>)</a:t>
+            </a:r>
+          </a:p>
+          <a:p>
+            <a:r>
+              <a:rPr lang="es-ES" sz="3200" b="0" dirty="0">
+                <a:solidFill>
+                  <a:srgbClr val="D4D4D4"/>
+                </a:solidFill>
+                <a:effectLst/>
+                <a:latin typeface="Consolas" panose="020B0609020204030204" pitchFamily="49" charset="0"/>
+              </a:rPr>
+              <a:t>y2 = (</a:t>
+            </a:r>
+            <a:r>
+              <a:rPr lang="es-ES" sz="3200" b="0" dirty="0">
+                <a:solidFill>
+                  <a:srgbClr val="CE9178"/>
+                </a:solidFill>
+                <a:effectLst/>
+                <a:latin typeface="Consolas" panose="020B0609020204030204" pitchFamily="49" charset="0"/>
+              </a:rPr>
+              <a:t>"qwe"</a:t>
+            </a:r>
+            <a:r>
+              <a:rPr lang="es-ES" sz="3200" b="0" dirty="0">
+                <a:solidFill>
+                  <a:srgbClr val="D4D4D4"/>
+                </a:solidFill>
+                <a:effectLst/>
+                <a:latin typeface="Consolas" panose="020B0609020204030204" pitchFamily="49" charset="0"/>
+              </a:rPr>
+              <a:t>,</a:t>
+            </a:r>
+            <a:r>
+              <a:rPr lang="es-ES" sz="3200" b="0" dirty="0">
+                <a:solidFill>
+                  <a:srgbClr val="CE9178"/>
+                </a:solidFill>
+                <a:effectLst/>
+                <a:latin typeface="Consolas" panose="020B0609020204030204" pitchFamily="49" charset="0"/>
+              </a:rPr>
+              <a:t>"rty"</a:t>
+            </a:r>
+            <a:r>
+              <a:rPr lang="es-ES" sz="3200" b="0" dirty="0">
+                <a:solidFill>
+                  <a:srgbClr val="D4D4D4"/>
+                </a:solidFill>
+                <a:effectLst/>
+                <a:latin typeface="Consolas" panose="020B0609020204030204" pitchFamily="49" charset="0"/>
+              </a:rPr>
+              <a:t>,</a:t>
+            </a:r>
+            <a:r>
+              <a:rPr lang="es-ES" sz="3200" b="0" dirty="0">
+                <a:solidFill>
+                  <a:srgbClr val="CE9178"/>
+                </a:solidFill>
+                <a:effectLst/>
+                <a:latin typeface="Consolas" panose="020B0609020204030204" pitchFamily="49" charset="0"/>
+              </a:rPr>
+              <a:t>"asd"</a:t>
+            </a:r>
+            <a:r>
+              <a:rPr lang="es-ES" sz="3200" b="0" dirty="0">
+                <a:solidFill>
+                  <a:srgbClr val="D4D4D4"/>
+                </a:solidFill>
+                <a:effectLst/>
+                <a:latin typeface="Consolas" panose="020B0609020204030204" pitchFamily="49" charset="0"/>
+              </a:rPr>
+              <a:t>,</a:t>
+            </a:r>
+            <a:r>
+              <a:rPr lang="es-ES" sz="3200" b="0" dirty="0">
+                <a:solidFill>
+                  <a:srgbClr val="B5CEA8"/>
+                </a:solidFill>
+                <a:effectLst/>
+                <a:latin typeface="Consolas" panose="020B0609020204030204" pitchFamily="49" charset="0"/>
+              </a:rPr>
+              <a:t>1</a:t>
+            </a:r>
+            <a:r>
+              <a:rPr lang="es-ES" sz="3200" b="0" dirty="0">
+                <a:solidFill>
+                  <a:srgbClr val="D4D4D4"/>
+                </a:solidFill>
+                <a:effectLst/>
+                <a:latin typeface="Consolas" panose="020B0609020204030204" pitchFamily="49" charset="0"/>
+              </a:rPr>
+              <a:t>,</a:t>
+            </a:r>
+            <a:r>
+              <a:rPr lang="es-ES" sz="3200" b="0" dirty="0">
+                <a:solidFill>
+                  <a:srgbClr val="CE9178"/>
+                </a:solidFill>
+                <a:effectLst/>
+                <a:latin typeface="Consolas" panose="020B0609020204030204" pitchFamily="49" charset="0"/>
+              </a:rPr>
+              <a:t>"test"</a:t>
+            </a:r>
+            <a:r>
+              <a:rPr lang="es-ES" sz="3200" b="0" dirty="0">
+                <a:solidFill>
+                  <a:srgbClr val="D4D4D4"/>
+                </a:solidFill>
+                <a:effectLst/>
+                <a:latin typeface="Consolas" panose="020B0609020204030204" pitchFamily="49" charset="0"/>
+              </a:rPr>
+              <a:t>)</a:t>
+            </a:r>
+          </a:p>
+          <a:p>
+            <a:br>
+              <a:rPr lang="es-ES" sz="3200" b="0" dirty="0">
+                <a:solidFill>
+                  <a:srgbClr val="D4D4D4"/>
+                </a:solidFill>
+                <a:effectLst/>
+                <a:latin typeface="Consolas" panose="020B0609020204030204" pitchFamily="49" charset="0"/>
+              </a:rPr>
+            </a:br>
+            <a:r>
+              <a:rPr lang="es-ES" sz="3200" b="0" dirty="0">
+                <a:solidFill>
+                  <a:srgbClr val="DCDCAA"/>
+                </a:solidFill>
+                <a:effectLst/>
+                <a:latin typeface="Consolas" panose="020B0609020204030204" pitchFamily="49" charset="0"/>
+              </a:rPr>
+              <a:t>print</a:t>
+            </a:r>
+            <a:r>
+              <a:rPr lang="es-ES" sz="3200" b="0" dirty="0">
+                <a:solidFill>
+                  <a:srgbClr val="D4D4D4"/>
+                </a:solidFill>
+                <a:effectLst/>
+                <a:latin typeface="Consolas" panose="020B0609020204030204" pitchFamily="49" charset="0"/>
+              </a:rPr>
+              <a:t>(x1,y1,x2,y2)</a:t>
+            </a:r>
+          </a:p>
+          <a:p>
+            <a:br>
+              <a:rPr lang="es-ES" sz="3200" b="0" dirty="0">
+                <a:solidFill>
+                  <a:srgbClr val="D4D4D4"/>
+                </a:solidFill>
+                <a:effectLst/>
+                <a:latin typeface="Consolas" panose="020B0609020204030204" pitchFamily="49" charset="0"/>
+              </a:rPr>
+            </a:br>
+            <a:endParaRPr lang="es-ES" sz="3200" b="0" dirty="0">
+              <a:solidFill>
+                <a:srgbClr val="D4D4D4"/>
+              </a:solidFill>
+              <a:effectLst/>
+              <a:latin typeface="Consolas" panose="020B0609020204030204" pitchFamily="49" charset="0"/>
+            </a:endParaRPr>
+          </a:p>
+        </p:txBody>
+      </p:sp>
+    </p:spTree>
+    <p:extLst>
+      <p:ext uri="{BB962C8B-B14F-4D97-AF65-F5344CB8AC3E}">
+        <p14:creationId xmlns:p14="http://schemas.microsoft.com/office/powerpoint/2010/main" val="539372970"/>
+      </p:ext>
+    </p:extLst>
+  </p:cSld>
+  <p:clrMapOvr>
+    <a:masterClrMapping/>
+  </p:clrMapOvr>
+</p:sld>
+</file>
+
+<file path=ppt/slides/slide46.xml><?xml version="1.0" encoding="utf-8"?>
+<p:sld xmlns:a="http://schemas.openxmlformats.org/drawingml/2006/main" xmlns:r="http://schemas.openxmlformats.org/officeDocument/2006/relationships" xmlns:p="http://schemas.openxmlformats.org/presentationml/2006/main">
+  <p:cSld>
+    <p:spTree>
+      <p:nvGrpSpPr>
+        <p:cNvPr id="1" name=""/>
+        <p:cNvGrpSpPr/>
+        <p:nvPr/>
+      </p:nvGrpSpPr>
+      <p:grpSpPr>
+        <a:xfrm>
+          <a:off x="0" y="0"/>
+          <a:ext cx="0" cy="0"/>
+          <a:chOff x="0" y="0"/>
+          <a:chExt cx="0" cy="0"/>
+        </a:xfrm>
+      </p:grpSpPr>
+      <p:sp>
+        <p:nvSpPr>
+          <p:cNvPr id="2" name="Заголовок 1">
+            <a:extLst>
+              <a:ext uri="{FF2B5EF4-FFF2-40B4-BE49-F238E27FC236}">
+                <a16:creationId xmlns:a16="http://schemas.microsoft.com/office/drawing/2014/main" id="{D2CC97D5-128A-4F0B-902A-6DA7F4435C33}"/>
+              </a:ext>
+            </a:extLst>
+          </p:cNvPr>
+          <p:cNvSpPr>
+            <a:spLocks noGrp="1"/>
+          </p:cNvSpPr>
+          <p:nvPr>
+            <p:ph type="title"/>
+          </p:nvPr>
+        </p:nvSpPr>
+        <p:spPr>
+          <a:xfrm>
+            <a:off x="838200" y="-113340"/>
+            <a:ext cx="10515600" cy="1325563"/>
+          </a:xfrm>
+        </p:spPr>
+        <p:txBody>
+          <a:bodyPr/>
+          <a:lstStyle/>
+          <a:p>
+            <a:r>
+              <a:rPr lang="ru-RU" dirty="0"/>
+              <a:t>Основные операции со списками</a:t>
+            </a:r>
+          </a:p>
+        </p:txBody>
+      </p:sp>
+      <p:graphicFrame>
+        <p:nvGraphicFramePr>
+          <p:cNvPr id="4" name="Таблица 4">
+            <a:extLst>
+              <a:ext uri="{FF2B5EF4-FFF2-40B4-BE49-F238E27FC236}">
+                <a16:creationId xmlns:a16="http://schemas.microsoft.com/office/drawing/2014/main" id="{DF303D8B-8834-45C9-A01A-7A7A5E7F5BAA}"/>
+              </a:ext>
+            </a:extLst>
+          </p:cNvPr>
+          <p:cNvGraphicFramePr>
+            <a:graphicFrameLocks noGrp="1"/>
+          </p:cNvGraphicFramePr>
+          <p:nvPr>
+            <p:ph idx="1"/>
+            <p:extLst>
+              <p:ext uri="{D42A27DB-BD31-4B8C-83A1-F6EECF244321}">
+                <p14:modId xmlns:p14="http://schemas.microsoft.com/office/powerpoint/2010/main" val="3555994941"/>
+              </p:ext>
+            </p:extLst>
+          </p:nvPr>
+        </p:nvGraphicFramePr>
+        <p:xfrm>
+          <a:off x="838200" y="782320"/>
+          <a:ext cx="10515600" cy="6075680"/>
+        </p:xfrm>
+        <a:graphic>
+          <a:graphicData uri="http://schemas.openxmlformats.org/drawingml/2006/table">
+            <a:tbl>
+              <a:tblPr firstRow="1" bandRow="1">
+                <a:tableStyleId>{5C22544A-7EE6-4342-B048-85BDC9FD1C3A}</a:tableStyleId>
+              </a:tblPr>
+              <a:tblGrid>
+                <a:gridCol w="5257800">
+                  <a:extLst>
+                    <a:ext uri="{9D8B030D-6E8A-4147-A177-3AD203B41FA5}">
+                      <a16:colId xmlns:a16="http://schemas.microsoft.com/office/drawing/2014/main" val="2694964807"/>
+                    </a:ext>
+                  </a:extLst>
+                </a:gridCol>
+                <a:gridCol w="5257800">
+                  <a:extLst>
+                    <a:ext uri="{9D8B030D-6E8A-4147-A177-3AD203B41FA5}">
+                      <a16:colId xmlns:a16="http://schemas.microsoft.com/office/drawing/2014/main" val="1657872084"/>
+                    </a:ext>
+                  </a:extLst>
+                </a:gridCol>
+              </a:tblGrid>
+              <a:tr h="370840">
+                <a:tc>
+                  <a:txBody>
+                    <a:bodyPr/>
+                    <a:lstStyle/>
+                    <a:p>
+                      <a:r>
+                        <a:rPr lang="ru-RU" dirty="0"/>
+                        <a:t>Операция</a:t>
+                      </a:r>
+                    </a:p>
+                  </a:txBody>
+                  <a:tcPr/>
+                </a:tc>
+                <a:tc>
+                  <a:txBody>
+                    <a:bodyPr/>
+                    <a:lstStyle/>
+                    <a:p>
+                      <a:r>
+                        <a:rPr lang="ru-RU" dirty="0"/>
+                        <a:t>Описание</a:t>
+                      </a:r>
+                    </a:p>
+                  </a:txBody>
+                  <a:tcPr/>
+                </a:tc>
+                <a:extLst>
+                  <a:ext uri="{0D108BD9-81ED-4DB2-BD59-A6C34878D82A}">
+                    <a16:rowId xmlns:a16="http://schemas.microsoft.com/office/drawing/2014/main" val="1568540961"/>
+                  </a:ext>
+                </a:extLst>
+              </a:tr>
+              <a:tr h="370840">
+                <a:tc>
+                  <a:txBody>
+                    <a:bodyPr/>
+                    <a:lstStyle/>
+                    <a:p>
+                      <a:r>
+                        <a:rPr lang="en-US" b="1" dirty="0" err="1">
+                          <a:effectLst/>
+                        </a:rPr>
+                        <a:t>list.append</a:t>
+                      </a:r>
+                      <a:r>
+                        <a:rPr lang="en-US" dirty="0">
+                          <a:effectLst/>
+                        </a:rPr>
+                        <a:t>(x)</a:t>
+                      </a:r>
+                    </a:p>
+                  </a:txBody>
+                  <a:tcPr anchor="ctr"/>
+                </a:tc>
+                <a:tc>
+                  <a:txBody>
+                    <a:bodyPr/>
+                    <a:lstStyle/>
+                    <a:p>
+                      <a:r>
+                        <a:rPr lang="ru-RU">
+                          <a:effectLst/>
+                        </a:rPr>
+                        <a:t>Добавляет элемент в конец списка</a:t>
+                      </a:r>
+                    </a:p>
+                  </a:txBody>
+                  <a:tcPr anchor="ctr"/>
+                </a:tc>
+                <a:extLst>
+                  <a:ext uri="{0D108BD9-81ED-4DB2-BD59-A6C34878D82A}">
+                    <a16:rowId xmlns:a16="http://schemas.microsoft.com/office/drawing/2014/main" val="2964401259"/>
+                  </a:ext>
+                </a:extLst>
+              </a:tr>
+              <a:tr h="370840">
+                <a:tc>
+                  <a:txBody>
+                    <a:bodyPr/>
+                    <a:lstStyle/>
+                    <a:p>
+                      <a:r>
+                        <a:rPr lang="en-US" b="1">
+                          <a:effectLst/>
+                        </a:rPr>
+                        <a:t>list.extend</a:t>
+                      </a:r>
+                      <a:r>
+                        <a:rPr lang="en-US">
+                          <a:effectLst/>
+                        </a:rPr>
+                        <a:t>(L)</a:t>
+                      </a:r>
+                    </a:p>
+                  </a:txBody>
+                  <a:tcPr anchor="ctr"/>
+                </a:tc>
+                <a:tc>
+                  <a:txBody>
+                    <a:bodyPr/>
+                    <a:lstStyle/>
+                    <a:p>
+                      <a:r>
+                        <a:rPr lang="ru-RU">
+                          <a:effectLst/>
+                        </a:rPr>
+                        <a:t>Расширяет список list, добавляя в конец все элементы списка L</a:t>
+                      </a:r>
+                    </a:p>
+                  </a:txBody>
+                  <a:tcPr anchor="ctr"/>
+                </a:tc>
+                <a:extLst>
+                  <a:ext uri="{0D108BD9-81ED-4DB2-BD59-A6C34878D82A}">
+                    <a16:rowId xmlns:a16="http://schemas.microsoft.com/office/drawing/2014/main" val="2554584992"/>
+                  </a:ext>
+                </a:extLst>
+              </a:tr>
+              <a:tr h="370840">
+                <a:tc>
+                  <a:txBody>
+                    <a:bodyPr/>
+                    <a:lstStyle/>
+                    <a:p>
+                      <a:r>
+                        <a:rPr lang="en-US" b="1">
+                          <a:effectLst/>
+                        </a:rPr>
+                        <a:t>list.insert</a:t>
+                      </a:r>
+                      <a:r>
+                        <a:rPr lang="en-US">
+                          <a:effectLst/>
+                        </a:rPr>
+                        <a:t>(i, x)</a:t>
+                      </a:r>
+                    </a:p>
+                  </a:txBody>
+                  <a:tcPr anchor="ctr"/>
+                </a:tc>
+                <a:tc>
+                  <a:txBody>
+                    <a:bodyPr/>
+                    <a:lstStyle/>
+                    <a:p>
+                      <a:r>
+                        <a:rPr lang="ru-RU">
+                          <a:effectLst/>
+                        </a:rPr>
+                        <a:t>Вставляет на i-ый элемент значение x</a:t>
+                      </a:r>
+                    </a:p>
+                  </a:txBody>
+                  <a:tcPr anchor="ctr"/>
+                </a:tc>
+                <a:extLst>
+                  <a:ext uri="{0D108BD9-81ED-4DB2-BD59-A6C34878D82A}">
+                    <a16:rowId xmlns:a16="http://schemas.microsoft.com/office/drawing/2014/main" val="2168301269"/>
+                  </a:ext>
+                </a:extLst>
+              </a:tr>
+              <a:tr h="370840">
+                <a:tc>
+                  <a:txBody>
+                    <a:bodyPr/>
+                    <a:lstStyle/>
+                    <a:p>
+                      <a:r>
+                        <a:rPr lang="en-US" b="1">
+                          <a:effectLst/>
+                        </a:rPr>
+                        <a:t>list.remove</a:t>
+                      </a:r>
+                      <a:r>
+                        <a:rPr lang="en-US">
+                          <a:effectLst/>
+                        </a:rPr>
+                        <a:t>(x)</a:t>
+                      </a:r>
+                    </a:p>
+                  </a:txBody>
+                  <a:tcPr anchor="ctr"/>
+                </a:tc>
+                <a:tc>
+                  <a:txBody>
+                    <a:bodyPr/>
+                    <a:lstStyle/>
+                    <a:p>
+                      <a:r>
+                        <a:rPr lang="ru-RU">
+                          <a:effectLst/>
+                        </a:rPr>
+                        <a:t>Удаляет первый элемент в списке, имеющий значение x. ValueError, если такого элемента не существует</a:t>
+                      </a:r>
+                    </a:p>
+                  </a:txBody>
+                  <a:tcPr anchor="ctr"/>
+                </a:tc>
+                <a:extLst>
+                  <a:ext uri="{0D108BD9-81ED-4DB2-BD59-A6C34878D82A}">
+                    <a16:rowId xmlns:a16="http://schemas.microsoft.com/office/drawing/2014/main" val="201829017"/>
+                  </a:ext>
+                </a:extLst>
+              </a:tr>
+              <a:tr h="370840">
+                <a:tc>
+                  <a:txBody>
+                    <a:bodyPr/>
+                    <a:lstStyle/>
+                    <a:p>
+                      <a:r>
+                        <a:rPr lang="en-US" b="1">
+                          <a:effectLst/>
+                        </a:rPr>
+                        <a:t>list.pop</a:t>
+                      </a:r>
+                      <a:r>
+                        <a:rPr lang="en-US">
+                          <a:effectLst/>
+                        </a:rPr>
+                        <a:t>([i])</a:t>
+                      </a:r>
+                    </a:p>
+                  </a:txBody>
+                  <a:tcPr anchor="ctr"/>
+                </a:tc>
+                <a:tc>
+                  <a:txBody>
+                    <a:bodyPr/>
+                    <a:lstStyle/>
+                    <a:p>
+                      <a:r>
+                        <a:rPr lang="ru-RU">
+                          <a:effectLst/>
+                        </a:rPr>
+                        <a:t>Удаляет i-ый элемент и возвращает его. Если индекс не указан, удаляется последний элемент</a:t>
+                      </a:r>
+                    </a:p>
+                  </a:txBody>
+                  <a:tcPr anchor="ctr"/>
+                </a:tc>
+                <a:extLst>
+                  <a:ext uri="{0D108BD9-81ED-4DB2-BD59-A6C34878D82A}">
+                    <a16:rowId xmlns:a16="http://schemas.microsoft.com/office/drawing/2014/main" val="3388069932"/>
+                  </a:ext>
+                </a:extLst>
+              </a:tr>
+              <a:tr h="370840">
+                <a:tc>
+                  <a:txBody>
+                    <a:bodyPr/>
+                    <a:lstStyle/>
+                    <a:p>
+                      <a:r>
+                        <a:rPr lang="en-US" b="1">
+                          <a:effectLst/>
+                        </a:rPr>
+                        <a:t>list.index</a:t>
+                      </a:r>
+                      <a:r>
+                        <a:rPr lang="en-US">
+                          <a:effectLst/>
+                        </a:rPr>
+                        <a:t>(x, [start [, end]])</a:t>
+                      </a:r>
+                    </a:p>
+                  </a:txBody>
+                  <a:tcPr anchor="ctr"/>
+                </a:tc>
+                <a:tc>
+                  <a:txBody>
+                    <a:bodyPr/>
+                    <a:lstStyle/>
+                    <a:p>
+                      <a:r>
+                        <a:rPr lang="ru-RU">
+                          <a:effectLst/>
+                        </a:rPr>
+                        <a:t>Возвращает положение первого элемента со значением x (при этом поиск ведется от start до end)</a:t>
+                      </a:r>
+                    </a:p>
+                  </a:txBody>
+                  <a:tcPr anchor="ctr"/>
+                </a:tc>
+                <a:extLst>
+                  <a:ext uri="{0D108BD9-81ED-4DB2-BD59-A6C34878D82A}">
+                    <a16:rowId xmlns:a16="http://schemas.microsoft.com/office/drawing/2014/main" val="325819223"/>
+                  </a:ext>
+                </a:extLst>
+              </a:tr>
+              <a:tr h="370840">
+                <a:tc>
+                  <a:txBody>
+                    <a:bodyPr/>
+                    <a:lstStyle/>
+                    <a:p>
+                      <a:r>
+                        <a:rPr lang="en-US" b="1">
+                          <a:effectLst/>
+                        </a:rPr>
+                        <a:t>list.count</a:t>
+                      </a:r>
+                      <a:r>
+                        <a:rPr lang="en-US">
+                          <a:effectLst/>
+                        </a:rPr>
+                        <a:t>(x)</a:t>
+                      </a:r>
+                    </a:p>
+                  </a:txBody>
+                  <a:tcPr anchor="ctr"/>
+                </a:tc>
+                <a:tc>
+                  <a:txBody>
+                    <a:bodyPr/>
+                    <a:lstStyle/>
+                    <a:p>
+                      <a:r>
+                        <a:rPr lang="ru-RU">
+                          <a:effectLst/>
+                        </a:rPr>
+                        <a:t>Возвращает количество элементов со значением x</a:t>
+                      </a:r>
+                    </a:p>
+                  </a:txBody>
+                  <a:tcPr anchor="ctr"/>
+                </a:tc>
+                <a:extLst>
+                  <a:ext uri="{0D108BD9-81ED-4DB2-BD59-A6C34878D82A}">
+                    <a16:rowId xmlns:a16="http://schemas.microsoft.com/office/drawing/2014/main" val="2335601463"/>
+                  </a:ext>
+                </a:extLst>
+              </a:tr>
+              <a:tr h="370840">
+                <a:tc>
+                  <a:txBody>
+                    <a:bodyPr/>
+                    <a:lstStyle/>
+                    <a:p>
+                      <a:r>
+                        <a:rPr lang="en-US" b="1">
+                          <a:effectLst/>
+                        </a:rPr>
+                        <a:t>list.sort</a:t>
+                      </a:r>
+                      <a:r>
+                        <a:rPr lang="en-US">
+                          <a:effectLst/>
+                        </a:rPr>
+                        <a:t>([key=</a:t>
+                      </a:r>
+                      <a:r>
+                        <a:rPr lang="ru-RU">
+                          <a:effectLst/>
+                        </a:rPr>
+                        <a:t>функция])</a:t>
+                      </a:r>
+                    </a:p>
+                  </a:txBody>
+                  <a:tcPr anchor="ctr"/>
+                </a:tc>
+                <a:tc>
+                  <a:txBody>
+                    <a:bodyPr/>
+                    <a:lstStyle/>
+                    <a:p>
+                      <a:r>
+                        <a:rPr lang="ru-RU">
+                          <a:effectLst/>
+                        </a:rPr>
+                        <a:t>Сортирует список на основе функции</a:t>
+                      </a:r>
+                    </a:p>
+                  </a:txBody>
+                  <a:tcPr anchor="ctr"/>
+                </a:tc>
+                <a:extLst>
+                  <a:ext uri="{0D108BD9-81ED-4DB2-BD59-A6C34878D82A}">
+                    <a16:rowId xmlns:a16="http://schemas.microsoft.com/office/drawing/2014/main" val="989401477"/>
+                  </a:ext>
+                </a:extLst>
+              </a:tr>
+              <a:tr h="370840">
+                <a:tc>
+                  <a:txBody>
+                    <a:bodyPr/>
+                    <a:lstStyle/>
+                    <a:p>
+                      <a:r>
+                        <a:rPr lang="en-US" b="1">
+                          <a:effectLst/>
+                        </a:rPr>
+                        <a:t>list.reverse</a:t>
+                      </a:r>
+                      <a:r>
+                        <a:rPr lang="en-US">
+                          <a:effectLst/>
+                        </a:rPr>
+                        <a:t>()</a:t>
+                      </a:r>
+                    </a:p>
+                  </a:txBody>
+                  <a:tcPr anchor="ctr"/>
+                </a:tc>
+                <a:tc>
+                  <a:txBody>
+                    <a:bodyPr/>
+                    <a:lstStyle/>
+                    <a:p>
+                      <a:r>
+                        <a:rPr lang="ru-RU">
+                          <a:effectLst/>
+                        </a:rPr>
+                        <a:t>Разворачивает список</a:t>
+                      </a:r>
+                    </a:p>
+                  </a:txBody>
+                  <a:tcPr anchor="ctr"/>
+                </a:tc>
+                <a:extLst>
+                  <a:ext uri="{0D108BD9-81ED-4DB2-BD59-A6C34878D82A}">
+                    <a16:rowId xmlns:a16="http://schemas.microsoft.com/office/drawing/2014/main" val="3140102379"/>
+                  </a:ext>
+                </a:extLst>
+              </a:tr>
+              <a:tr h="370840">
+                <a:tc>
+                  <a:txBody>
+                    <a:bodyPr/>
+                    <a:lstStyle/>
+                    <a:p>
+                      <a:r>
+                        <a:rPr lang="en-US" b="1">
+                          <a:effectLst/>
+                        </a:rPr>
+                        <a:t>list.copy</a:t>
+                      </a:r>
+                      <a:r>
+                        <a:rPr lang="en-US">
+                          <a:effectLst/>
+                        </a:rPr>
+                        <a:t>()</a:t>
+                      </a:r>
+                    </a:p>
+                  </a:txBody>
+                  <a:tcPr anchor="ctr"/>
+                </a:tc>
+                <a:tc>
+                  <a:txBody>
+                    <a:bodyPr/>
+                    <a:lstStyle/>
+                    <a:p>
+                      <a:r>
+                        <a:rPr lang="ru-RU">
+                          <a:effectLst/>
+                        </a:rPr>
+                        <a:t>Поверхностная копия списка</a:t>
+                      </a:r>
+                    </a:p>
+                  </a:txBody>
+                  <a:tcPr anchor="ctr"/>
+                </a:tc>
+                <a:extLst>
+                  <a:ext uri="{0D108BD9-81ED-4DB2-BD59-A6C34878D82A}">
+                    <a16:rowId xmlns:a16="http://schemas.microsoft.com/office/drawing/2014/main" val="2683314172"/>
+                  </a:ext>
+                </a:extLst>
+              </a:tr>
+              <a:tr h="370840">
+                <a:tc>
+                  <a:txBody>
+                    <a:bodyPr/>
+                    <a:lstStyle/>
+                    <a:p>
+                      <a:r>
+                        <a:rPr lang="en-US" b="1">
+                          <a:effectLst/>
+                        </a:rPr>
+                        <a:t>list.clear</a:t>
+                      </a:r>
+                      <a:r>
+                        <a:rPr lang="en-US">
+                          <a:effectLst/>
+                        </a:rPr>
+                        <a:t>()</a:t>
+                      </a:r>
+                    </a:p>
+                  </a:txBody>
+                  <a:tcPr anchor="ctr"/>
+                </a:tc>
+                <a:tc>
+                  <a:txBody>
+                    <a:bodyPr/>
+                    <a:lstStyle/>
+                    <a:p>
+                      <a:r>
+                        <a:rPr lang="ru-RU" dirty="0">
+                          <a:effectLst/>
+                        </a:rPr>
+                        <a:t>Очищает список</a:t>
+                      </a:r>
+                    </a:p>
+                  </a:txBody>
+                  <a:tcPr anchor="ctr"/>
+                </a:tc>
+                <a:extLst>
+                  <a:ext uri="{0D108BD9-81ED-4DB2-BD59-A6C34878D82A}">
+                    <a16:rowId xmlns:a16="http://schemas.microsoft.com/office/drawing/2014/main" val="27142701"/>
+                  </a:ext>
+                </a:extLst>
+              </a:tr>
+            </a:tbl>
+          </a:graphicData>
+        </a:graphic>
+      </p:graphicFrame>
+    </p:spTree>
+    <p:extLst>
+      <p:ext uri="{BB962C8B-B14F-4D97-AF65-F5344CB8AC3E}">
+        <p14:creationId xmlns:p14="http://schemas.microsoft.com/office/powerpoint/2010/main" val="1415668780"/>
+      </p:ext>
+    </p:extLst>
+  </p:cSld>
+  <p:clrMapOvr>
+    <a:masterClrMapping/>
+  </p:clrMapOvr>
+</p:sld>
+</file>
+
+<file path=ppt/slides/slide47.xml><?xml version="1.0" encoding="utf-8"?>
+<p:sld xmlns:a="http://schemas.openxmlformats.org/drawingml/2006/main" xmlns:r="http://schemas.openxmlformats.org/officeDocument/2006/relationships" xmlns:p="http://schemas.openxmlformats.org/presentationml/2006/main">
+  <p:cSld>
+    <p:spTree>
+      <p:nvGrpSpPr>
+        <p:cNvPr id="1" name=""/>
+        <p:cNvGrpSpPr/>
+        <p:nvPr/>
+      </p:nvGrpSpPr>
+      <p:grpSpPr>
+        <a:xfrm>
+          <a:off x="0" y="0"/>
+          <a:ext cx="0" cy="0"/>
+          <a:chOff x="0" y="0"/>
+          <a:chExt cx="0" cy="0"/>
+        </a:xfrm>
+      </p:grpSpPr>
+      <p:sp>
+        <p:nvSpPr>
+          <p:cNvPr id="2" name="Заголовок 1">
+            <a:extLst>
+              <a:ext uri="{FF2B5EF4-FFF2-40B4-BE49-F238E27FC236}">
+                <a16:creationId xmlns:a16="http://schemas.microsoft.com/office/drawing/2014/main" id="{53EAED71-976F-44C7-B829-66D08D6ED6A5}"/>
+              </a:ext>
+            </a:extLst>
+          </p:cNvPr>
+          <p:cNvSpPr>
+            <a:spLocks noGrp="1"/>
+          </p:cNvSpPr>
+          <p:nvPr>
+            <p:ph type="title"/>
+          </p:nvPr>
+        </p:nvSpPr>
+        <p:spPr/>
+        <p:txBody>
+          <a:bodyPr/>
+          <a:lstStyle/>
+          <a:p>
+            <a:r>
+              <a:rPr lang="ru-RU" dirty="0"/>
+              <a:t>Как кортежи и списки устроены внутри?</a:t>
+            </a:r>
+          </a:p>
+        </p:txBody>
+      </p:sp>
+      <p:sp>
+        <p:nvSpPr>
+          <p:cNvPr id="3" name="Объект 2">
+            <a:extLst>
+              <a:ext uri="{FF2B5EF4-FFF2-40B4-BE49-F238E27FC236}">
+                <a16:creationId xmlns:a16="http://schemas.microsoft.com/office/drawing/2014/main" id="{6BEBDA1D-529F-4F3E-89C5-43BD633E0D70}"/>
+              </a:ext>
+            </a:extLst>
+          </p:cNvPr>
+          <p:cNvSpPr>
+            <a:spLocks noGrp="1"/>
+          </p:cNvSpPr>
+          <p:nvPr>
+            <p:ph idx="1"/>
+          </p:nvPr>
+        </p:nvSpPr>
+        <p:spPr/>
+        <p:txBody>
+          <a:bodyPr/>
+          <a:lstStyle/>
+          <a:p>
+            <a:r>
+              <a:rPr lang="ru-RU" dirty="0"/>
+              <a:t>Будет ли работать код следующий код?</a:t>
+            </a:r>
+          </a:p>
+          <a:p>
+            <a:pPr lvl="1"/>
+            <a:r>
+              <a:rPr lang="en-US" dirty="0"/>
+              <a:t>x = [1,2,3,4]</a:t>
+            </a:r>
+          </a:p>
+          <a:p>
+            <a:pPr lvl="1"/>
+            <a:r>
+              <a:rPr lang="en-US" dirty="0" err="1"/>
+              <a:t>x.append</a:t>
+            </a:r>
+            <a:r>
+              <a:rPr lang="en-US" dirty="0"/>
+              <a:t>(x)</a:t>
+            </a:r>
+          </a:p>
+          <a:p>
+            <a:pPr lvl="1"/>
+            <a:endParaRPr lang="en-US" dirty="0"/>
+          </a:p>
+          <a:p>
+            <a:pPr lvl="1"/>
+            <a:endParaRPr lang="en-US" dirty="0"/>
+          </a:p>
+        </p:txBody>
+      </p:sp>
+      <p:grpSp>
+        <p:nvGrpSpPr>
+          <p:cNvPr id="30" name="Группа 29">
+            <a:extLst>
+              <a:ext uri="{FF2B5EF4-FFF2-40B4-BE49-F238E27FC236}">
+                <a16:creationId xmlns:a16="http://schemas.microsoft.com/office/drawing/2014/main" id="{D9616F2D-C06A-4586-BE57-5355B1402342}"/>
+              </a:ext>
+            </a:extLst>
+          </p:cNvPr>
+          <p:cNvGrpSpPr/>
+          <p:nvPr/>
+        </p:nvGrpSpPr>
+        <p:grpSpPr>
+          <a:xfrm>
+            <a:off x="935665" y="3429000"/>
+            <a:ext cx="9457661" cy="2535865"/>
+            <a:chOff x="935665" y="3429000"/>
+            <a:chExt cx="9457661" cy="2535865"/>
+          </a:xfrm>
+        </p:grpSpPr>
+        <p:sp>
+          <p:nvSpPr>
+            <p:cNvPr id="4" name="Прямоугольник: скругленные углы 3">
+              <a:extLst>
+                <a:ext uri="{FF2B5EF4-FFF2-40B4-BE49-F238E27FC236}">
+                  <a16:creationId xmlns:a16="http://schemas.microsoft.com/office/drawing/2014/main" id="{572E389B-61C3-413C-B298-33E441021B77}"/>
+                </a:ext>
+              </a:extLst>
+            </p:cNvPr>
+            <p:cNvSpPr/>
+            <p:nvPr/>
+          </p:nvSpPr>
+          <p:spPr>
+            <a:xfrm>
+              <a:off x="935665" y="3429000"/>
+              <a:ext cx="967563" cy="824023"/>
+            </a:xfrm>
+            <a:prstGeom prst="roundRect">
+              <a:avLst/>
+            </a:prstGeom>
+          </p:spPr>
+          <p:style>
+            <a:lnRef idx="0">
+              <a:schemeClr val="accent2"/>
+            </a:lnRef>
+            <a:fillRef idx="3">
+              <a:schemeClr val="accent2"/>
+            </a:fillRef>
+            <a:effectRef idx="3">
+              <a:schemeClr val="accent2"/>
+            </a:effectRef>
+            <a:fontRef idx="minor">
+              <a:schemeClr val="lt1"/>
+            </a:fontRef>
+          </p:style>
+          <p:txBody>
+            <a:bodyPr rtlCol="0" anchor="ctr"/>
+            <a:lstStyle/>
+            <a:p>
+              <a:pPr algn="ctr"/>
+              <a:r>
+                <a:rPr lang="en-US" dirty="0"/>
+                <a:t>X</a:t>
+              </a:r>
+              <a:endParaRPr lang="ru-RU" dirty="0"/>
+            </a:p>
+          </p:txBody>
+        </p:sp>
+        <p:sp>
+          <p:nvSpPr>
+            <p:cNvPr id="5" name="Прямоугольник: скругленные углы 4">
+              <a:extLst>
+                <a:ext uri="{FF2B5EF4-FFF2-40B4-BE49-F238E27FC236}">
+                  <a16:creationId xmlns:a16="http://schemas.microsoft.com/office/drawing/2014/main" id="{6F0DC82D-CB79-46A3-A40C-4B03E2C379CC}"/>
+                </a:ext>
+              </a:extLst>
+            </p:cNvPr>
+            <p:cNvSpPr/>
+            <p:nvPr/>
+          </p:nvSpPr>
+          <p:spPr>
+            <a:xfrm>
+              <a:off x="3094075" y="4492256"/>
+              <a:ext cx="935665" cy="824023"/>
+            </a:xfrm>
+            <a:prstGeom prst="roundRect">
+              <a:avLst/>
+            </a:prstGeom>
+          </p:spPr>
+          <p:style>
+            <a:lnRef idx="0">
+              <a:schemeClr val="accent1"/>
+            </a:lnRef>
+            <a:fillRef idx="3">
+              <a:schemeClr val="accent1"/>
+            </a:fillRef>
+            <a:effectRef idx="3">
+              <a:schemeClr val="accent1"/>
+            </a:effectRef>
+            <a:fontRef idx="minor">
+              <a:schemeClr val="lt1"/>
+            </a:fontRef>
+          </p:style>
+          <p:txBody>
+            <a:bodyPr rtlCol="0" anchor="ctr"/>
+            <a:lstStyle/>
+            <a:p>
+              <a:pPr algn="ctr"/>
+              <a:r>
+                <a:rPr lang="en-US" dirty="0"/>
+                <a:t>1</a:t>
+              </a:r>
+              <a:endParaRPr lang="ru-RU" dirty="0"/>
+            </a:p>
+          </p:txBody>
+        </p:sp>
+        <p:sp>
+          <p:nvSpPr>
+            <p:cNvPr id="6" name="Прямоугольник: скругленные углы 5">
+              <a:extLst>
+                <a:ext uri="{FF2B5EF4-FFF2-40B4-BE49-F238E27FC236}">
+                  <a16:creationId xmlns:a16="http://schemas.microsoft.com/office/drawing/2014/main" id="{4DF1353B-3CC7-4397-B5C3-FF8C31A2FE0A}"/>
+                </a:ext>
+              </a:extLst>
+            </p:cNvPr>
+            <p:cNvSpPr/>
+            <p:nvPr/>
+          </p:nvSpPr>
+          <p:spPr>
+            <a:xfrm>
+              <a:off x="4699592" y="4492256"/>
+              <a:ext cx="935665" cy="824023"/>
+            </a:xfrm>
+            <a:prstGeom prst="roundRect">
+              <a:avLst/>
+            </a:prstGeom>
+          </p:spPr>
+          <p:style>
+            <a:lnRef idx="0">
+              <a:schemeClr val="accent1"/>
+            </a:lnRef>
+            <a:fillRef idx="3">
+              <a:schemeClr val="accent1"/>
+            </a:fillRef>
+            <a:effectRef idx="3">
+              <a:schemeClr val="accent1"/>
+            </a:effectRef>
+            <a:fontRef idx="minor">
+              <a:schemeClr val="lt1"/>
+            </a:fontRef>
+          </p:style>
+          <p:txBody>
+            <a:bodyPr rtlCol="0" anchor="ctr"/>
+            <a:lstStyle/>
+            <a:p>
+              <a:pPr algn="ctr"/>
+              <a:r>
+                <a:rPr lang="en-US" dirty="0"/>
+                <a:t>2</a:t>
+              </a:r>
+              <a:endParaRPr lang="ru-RU" dirty="0"/>
+            </a:p>
+          </p:txBody>
+        </p:sp>
+        <p:sp>
+          <p:nvSpPr>
+            <p:cNvPr id="7" name="Прямоугольник: скругленные углы 6">
+              <a:extLst>
+                <a:ext uri="{FF2B5EF4-FFF2-40B4-BE49-F238E27FC236}">
+                  <a16:creationId xmlns:a16="http://schemas.microsoft.com/office/drawing/2014/main" id="{B6BC73E0-4BE5-4DCE-B603-73111CD63638}"/>
+                </a:ext>
+              </a:extLst>
+            </p:cNvPr>
+            <p:cNvSpPr/>
+            <p:nvPr/>
+          </p:nvSpPr>
+          <p:spPr>
+            <a:xfrm>
+              <a:off x="6285615" y="4492256"/>
+              <a:ext cx="935665" cy="824023"/>
+            </a:xfrm>
+            <a:prstGeom prst="roundRect">
+              <a:avLst/>
+            </a:prstGeom>
+          </p:spPr>
+          <p:style>
+            <a:lnRef idx="0">
+              <a:schemeClr val="accent1"/>
+            </a:lnRef>
+            <a:fillRef idx="3">
+              <a:schemeClr val="accent1"/>
+            </a:fillRef>
+            <a:effectRef idx="3">
+              <a:schemeClr val="accent1"/>
+            </a:effectRef>
+            <a:fontRef idx="minor">
+              <a:schemeClr val="lt1"/>
+            </a:fontRef>
+          </p:style>
+          <p:txBody>
+            <a:bodyPr rtlCol="0" anchor="ctr"/>
+            <a:lstStyle/>
+            <a:p>
+              <a:pPr algn="ctr"/>
+              <a:r>
+                <a:rPr lang="en-US" dirty="0"/>
+                <a:t>3</a:t>
+              </a:r>
+              <a:endParaRPr lang="ru-RU" dirty="0"/>
+            </a:p>
+          </p:txBody>
+        </p:sp>
+        <p:sp>
+          <p:nvSpPr>
+            <p:cNvPr id="8" name="Прямоугольник: скругленные углы 7">
+              <a:extLst>
+                <a:ext uri="{FF2B5EF4-FFF2-40B4-BE49-F238E27FC236}">
+                  <a16:creationId xmlns:a16="http://schemas.microsoft.com/office/drawing/2014/main" id="{ACA681AB-1E7D-4502-999F-910A1238734E}"/>
+                </a:ext>
+              </a:extLst>
+            </p:cNvPr>
+            <p:cNvSpPr/>
+            <p:nvPr/>
+          </p:nvSpPr>
+          <p:spPr>
+            <a:xfrm>
+              <a:off x="7871638" y="4492256"/>
+              <a:ext cx="935665" cy="824023"/>
+            </a:xfrm>
+            <a:prstGeom prst="roundRect">
+              <a:avLst/>
+            </a:prstGeom>
+          </p:spPr>
+          <p:style>
+            <a:lnRef idx="0">
+              <a:schemeClr val="accent1"/>
+            </a:lnRef>
+            <a:fillRef idx="3">
+              <a:schemeClr val="accent1"/>
+            </a:fillRef>
+            <a:effectRef idx="3">
+              <a:schemeClr val="accent1"/>
+            </a:effectRef>
+            <a:fontRef idx="minor">
+              <a:schemeClr val="lt1"/>
+            </a:fontRef>
+          </p:style>
+          <p:txBody>
+            <a:bodyPr rtlCol="0" anchor="ctr"/>
+            <a:lstStyle/>
+            <a:p>
+              <a:pPr algn="ctr"/>
+              <a:r>
+                <a:rPr lang="en-US" dirty="0"/>
+                <a:t>4</a:t>
+              </a:r>
+              <a:endParaRPr lang="ru-RU" dirty="0"/>
+            </a:p>
+          </p:txBody>
+        </p:sp>
+        <p:sp>
+          <p:nvSpPr>
+            <p:cNvPr id="9" name="Прямоугольник: скругленные углы 8">
+              <a:extLst>
+                <a:ext uri="{FF2B5EF4-FFF2-40B4-BE49-F238E27FC236}">
+                  <a16:creationId xmlns:a16="http://schemas.microsoft.com/office/drawing/2014/main" id="{9830E580-F315-4977-82E4-A3A39E1CB134}"/>
+                </a:ext>
+              </a:extLst>
+            </p:cNvPr>
+            <p:cNvSpPr/>
+            <p:nvPr/>
+          </p:nvSpPr>
+          <p:spPr>
+            <a:xfrm>
+              <a:off x="9457661" y="4492255"/>
+              <a:ext cx="935665" cy="824023"/>
+            </a:xfrm>
+            <a:prstGeom prst="roundRect">
+              <a:avLst/>
+            </a:prstGeom>
+          </p:spPr>
+          <p:style>
+            <a:lnRef idx="0">
+              <a:schemeClr val="accent1"/>
+            </a:lnRef>
+            <a:fillRef idx="3">
+              <a:schemeClr val="accent1"/>
+            </a:fillRef>
+            <a:effectRef idx="3">
+              <a:schemeClr val="accent1"/>
+            </a:effectRef>
+            <a:fontRef idx="minor">
+              <a:schemeClr val="lt1"/>
+            </a:fontRef>
+          </p:style>
+          <p:txBody>
+            <a:bodyPr rtlCol="0" anchor="ctr"/>
+            <a:lstStyle/>
+            <a:p>
+              <a:pPr algn="ctr"/>
+              <a:r>
+                <a:rPr lang="en-US" dirty="0"/>
+                <a:t>*</a:t>
+              </a:r>
+              <a:endParaRPr lang="ru-RU" dirty="0"/>
+            </a:p>
+          </p:txBody>
+        </p:sp>
+        <p:cxnSp>
+          <p:nvCxnSpPr>
+            <p:cNvPr id="11" name="Соединитель: уступ 10">
+              <a:extLst>
+                <a:ext uri="{FF2B5EF4-FFF2-40B4-BE49-F238E27FC236}">
+                  <a16:creationId xmlns:a16="http://schemas.microsoft.com/office/drawing/2014/main" id="{973F2C84-FBAB-431B-9DFA-3C21DE6A5DE0}"/>
+                </a:ext>
+              </a:extLst>
+            </p:cNvPr>
+            <p:cNvCxnSpPr>
+              <a:stCxn id="4" idx="3"/>
+              <a:endCxn id="5" idx="0"/>
+            </p:cNvCxnSpPr>
+            <p:nvPr/>
+          </p:nvCxnSpPr>
+          <p:spPr>
+            <a:xfrm>
+              <a:off x="1903228" y="3841012"/>
+              <a:ext cx="1658680" cy="651244"/>
+            </a:xfrm>
+            <a:prstGeom prst="bentConnector2">
+              <a:avLst/>
+            </a:prstGeom>
+            <a:ln>
+              <a:tailEnd type="triangle"/>
+            </a:ln>
+          </p:spPr>
+          <p:style>
+            <a:lnRef idx="3">
+              <a:schemeClr val="accent1"/>
+            </a:lnRef>
+            <a:fillRef idx="0">
+              <a:schemeClr val="accent1"/>
+            </a:fillRef>
+            <a:effectRef idx="2">
+              <a:schemeClr val="accent1"/>
+            </a:effectRef>
+            <a:fontRef idx="minor">
+              <a:schemeClr val="tx1"/>
+            </a:fontRef>
+          </p:style>
+        </p:cxnSp>
+        <p:cxnSp>
+          <p:nvCxnSpPr>
+            <p:cNvPr id="13" name="Прямая со стрелкой 12">
+              <a:extLst>
+                <a:ext uri="{FF2B5EF4-FFF2-40B4-BE49-F238E27FC236}">
+                  <a16:creationId xmlns:a16="http://schemas.microsoft.com/office/drawing/2014/main" id="{DD11A3E7-1D49-4059-AEA5-0463C2311BA3}"/>
+                </a:ext>
+              </a:extLst>
+            </p:cNvPr>
+            <p:cNvCxnSpPr>
+              <a:stCxn id="5" idx="3"/>
+              <a:endCxn id="6" idx="1"/>
+            </p:cNvCxnSpPr>
+            <p:nvPr/>
+          </p:nvCxnSpPr>
+          <p:spPr>
+            <a:xfrm>
+              <a:off x="4029740" y="4904268"/>
+              <a:ext cx="669852" cy="0"/>
+            </a:xfrm>
+            <a:prstGeom prst="straightConnector1">
+              <a:avLst/>
+            </a:prstGeom>
+            <a:ln>
+              <a:tailEnd type="triangle"/>
+            </a:ln>
+          </p:spPr>
+          <p:style>
+            <a:lnRef idx="3">
+              <a:schemeClr val="accent1"/>
+            </a:lnRef>
+            <a:fillRef idx="0">
+              <a:schemeClr val="accent1"/>
+            </a:fillRef>
+            <a:effectRef idx="2">
+              <a:schemeClr val="accent1"/>
+            </a:effectRef>
+            <a:fontRef idx="minor">
+              <a:schemeClr val="tx1"/>
+            </a:fontRef>
+          </p:style>
+        </p:cxnSp>
+        <p:cxnSp>
+          <p:nvCxnSpPr>
+            <p:cNvPr id="15" name="Прямая со стрелкой 14">
+              <a:extLst>
+                <a:ext uri="{FF2B5EF4-FFF2-40B4-BE49-F238E27FC236}">
+                  <a16:creationId xmlns:a16="http://schemas.microsoft.com/office/drawing/2014/main" id="{7A6050A8-A521-406F-B226-F1385AF2C6C2}"/>
+                </a:ext>
+              </a:extLst>
+            </p:cNvPr>
+            <p:cNvCxnSpPr>
+              <a:stCxn id="6" idx="3"/>
+              <a:endCxn id="7" idx="1"/>
+            </p:cNvCxnSpPr>
+            <p:nvPr/>
+          </p:nvCxnSpPr>
+          <p:spPr>
+            <a:xfrm>
+              <a:off x="5635257" y="4904268"/>
+              <a:ext cx="650358" cy="0"/>
+            </a:xfrm>
+            <a:prstGeom prst="straightConnector1">
+              <a:avLst/>
+            </a:prstGeom>
+            <a:ln>
+              <a:tailEnd type="triangle"/>
+            </a:ln>
+          </p:spPr>
+          <p:style>
+            <a:lnRef idx="3">
+              <a:schemeClr val="accent1"/>
+            </a:lnRef>
+            <a:fillRef idx="0">
+              <a:schemeClr val="accent1"/>
+            </a:fillRef>
+            <a:effectRef idx="2">
+              <a:schemeClr val="accent1"/>
+            </a:effectRef>
+            <a:fontRef idx="minor">
+              <a:schemeClr val="tx1"/>
+            </a:fontRef>
+          </p:style>
+        </p:cxnSp>
+        <p:cxnSp>
+          <p:nvCxnSpPr>
+            <p:cNvPr id="17" name="Прямая со стрелкой 16">
+              <a:extLst>
+                <a:ext uri="{FF2B5EF4-FFF2-40B4-BE49-F238E27FC236}">
+                  <a16:creationId xmlns:a16="http://schemas.microsoft.com/office/drawing/2014/main" id="{2C2F6C32-BEBF-42A0-9A2F-D771C54C4E2D}"/>
+                </a:ext>
+              </a:extLst>
+            </p:cNvPr>
+            <p:cNvCxnSpPr>
+              <a:stCxn id="7" idx="3"/>
+              <a:endCxn id="8" idx="1"/>
+            </p:cNvCxnSpPr>
+            <p:nvPr/>
+          </p:nvCxnSpPr>
+          <p:spPr>
+            <a:xfrm>
+              <a:off x="7221280" y="4904268"/>
+              <a:ext cx="650358" cy="0"/>
+            </a:xfrm>
+            <a:prstGeom prst="straightConnector1">
+              <a:avLst/>
+            </a:prstGeom>
+            <a:ln>
+              <a:tailEnd type="triangle"/>
+            </a:ln>
+          </p:spPr>
+          <p:style>
+            <a:lnRef idx="3">
+              <a:schemeClr val="accent1"/>
+            </a:lnRef>
+            <a:fillRef idx="0">
+              <a:schemeClr val="accent1"/>
+            </a:fillRef>
+            <a:effectRef idx="2">
+              <a:schemeClr val="accent1"/>
+            </a:effectRef>
+            <a:fontRef idx="minor">
+              <a:schemeClr val="tx1"/>
+            </a:fontRef>
+          </p:style>
+        </p:cxnSp>
+        <p:cxnSp>
+          <p:nvCxnSpPr>
+            <p:cNvPr id="19" name="Прямая со стрелкой 18">
+              <a:extLst>
+                <a:ext uri="{FF2B5EF4-FFF2-40B4-BE49-F238E27FC236}">
+                  <a16:creationId xmlns:a16="http://schemas.microsoft.com/office/drawing/2014/main" id="{734EB430-2CAB-46C0-A397-8262B02DD553}"/>
+                </a:ext>
+              </a:extLst>
+            </p:cNvPr>
+            <p:cNvCxnSpPr>
+              <a:endCxn id="9" idx="1"/>
+            </p:cNvCxnSpPr>
+            <p:nvPr/>
+          </p:nvCxnSpPr>
+          <p:spPr>
+            <a:xfrm>
+              <a:off x="8807303" y="4904266"/>
+              <a:ext cx="650358" cy="1"/>
+            </a:xfrm>
+            <a:prstGeom prst="straightConnector1">
+              <a:avLst/>
+            </a:prstGeom>
+            <a:ln>
+              <a:tailEnd type="triangle"/>
+            </a:ln>
+          </p:spPr>
+          <p:style>
+            <a:lnRef idx="3">
+              <a:schemeClr val="accent1"/>
+            </a:lnRef>
+            <a:fillRef idx="0">
+              <a:schemeClr val="accent1"/>
+            </a:fillRef>
+            <a:effectRef idx="2">
+              <a:schemeClr val="accent1"/>
+            </a:effectRef>
+            <a:fontRef idx="minor">
+              <a:schemeClr val="tx1"/>
+            </a:fontRef>
+          </p:style>
+        </p:cxnSp>
+        <p:cxnSp>
+          <p:nvCxnSpPr>
+            <p:cNvPr id="25" name="Прямая соединительная линия 24">
+              <a:extLst>
+                <a:ext uri="{FF2B5EF4-FFF2-40B4-BE49-F238E27FC236}">
+                  <a16:creationId xmlns:a16="http://schemas.microsoft.com/office/drawing/2014/main" id="{CCC90DBD-6FCF-4110-AB2C-D063F315469F}"/>
+                </a:ext>
+              </a:extLst>
+            </p:cNvPr>
+            <p:cNvCxnSpPr/>
+            <p:nvPr/>
+          </p:nvCxnSpPr>
+          <p:spPr>
+            <a:xfrm>
+              <a:off x="9909544" y="5316279"/>
+              <a:ext cx="0" cy="648586"/>
+            </a:xfrm>
+            <a:prstGeom prst="line">
+              <a:avLst/>
+            </a:prstGeom>
+          </p:spPr>
+          <p:style>
+            <a:lnRef idx="3">
+              <a:schemeClr val="accent1"/>
+            </a:lnRef>
+            <a:fillRef idx="0">
+              <a:schemeClr val="accent1"/>
+            </a:fillRef>
+            <a:effectRef idx="2">
+              <a:schemeClr val="accent1"/>
+            </a:effectRef>
+            <a:fontRef idx="minor">
+              <a:schemeClr val="tx1"/>
+            </a:fontRef>
+          </p:style>
+        </p:cxnSp>
+        <p:cxnSp>
+          <p:nvCxnSpPr>
+            <p:cNvPr id="27" name="Прямая соединительная линия 26">
+              <a:extLst>
+                <a:ext uri="{FF2B5EF4-FFF2-40B4-BE49-F238E27FC236}">
+                  <a16:creationId xmlns:a16="http://schemas.microsoft.com/office/drawing/2014/main" id="{28C9805D-F4BF-4A87-9ADE-666500D44FB3}"/>
+                </a:ext>
+              </a:extLst>
+            </p:cNvPr>
+            <p:cNvCxnSpPr/>
+            <p:nvPr/>
+          </p:nvCxnSpPr>
+          <p:spPr>
+            <a:xfrm flipH="1">
+              <a:off x="3561907" y="5964865"/>
+              <a:ext cx="6363586" cy="0"/>
+            </a:xfrm>
+            <a:prstGeom prst="line">
+              <a:avLst/>
+            </a:prstGeom>
+          </p:spPr>
+          <p:style>
+            <a:lnRef idx="3">
+              <a:schemeClr val="accent1"/>
+            </a:lnRef>
+            <a:fillRef idx="0">
+              <a:schemeClr val="accent1"/>
+            </a:fillRef>
+            <a:effectRef idx="2">
+              <a:schemeClr val="accent1"/>
+            </a:effectRef>
+            <a:fontRef idx="minor">
+              <a:schemeClr val="tx1"/>
+            </a:fontRef>
+          </p:style>
+        </p:cxnSp>
+        <p:cxnSp>
+          <p:nvCxnSpPr>
+            <p:cNvPr id="29" name="Прямая со стрелкой 28">
+              <a:extLst>
+                <a:ext uri="{FF2B5EF4-FFF2-40B4-BE49-F238E27FC236}">
+                  <a16:creationId xmlns:a16="http://schemas.microsoft.com/office/drawing/2014/main" id="{967A1E36-8CCD-411F-890C-EA1B7DEBB01B}"/>
+                </a:ext>
+              </a:extLst>
+            </p:cNvPr>
+            <p:cNvCxnSpPr/>
+            <p:nvPr/>
+          </p:nvCxnSpPr>
+          <p:spPr>
+            <a:xfrm flipV="1">
+              <a:off x="3561907" y="5316278"/>
+              <a:ext cx="0" cy="648587"/>
+            </a:xfrm>
+            <a:prstGeom prst="straightConnector1">
+              <a:avLst/>
+            </a:prstGeom>
+            <a:ln>
+              <a:tailEnd type="triangle"/>
+            </a:ln>
+          </p:spPr>
+          <p:style>
+            <a:lnRef idx="3">
+              <a:schemeClr val="accent1"/>
+            </a:lnRef>
+            <a:fillRef idx="0">
+              <a:schemeClr val="accent1"/>
+            </a:fillRef>
+            <a:effectRef idx="2">
+              <a:schemeClr val="accent1"/>
+            </a:effectRef>
+            <a:fontRef idx="minor">
+              <a:schemeClr val="tx1"/>
+            </a:fontRef>
+          </p:style>
+        </p:cxnSp>
+      </p:grpSp>
+    </p:spTree>
+    <p:extLst>
+      <p:ext uri="{BB962C8B-B14F-4D97-AF65-F5344CB8AC3E}">
+        <p14:creationId xmlns:p14="http://schemas.microsoft.com/office/powerpoint/2010/main" val="1745538322"/>
+      </p:ext>
+    </p:extLst>
+  </p:cSld>
+  <p:clrMapOvr>
+    <a:masterClrMapping/>
+  </p:clrMapOvr>
+  <p:timing>
+    <p:tnLst>
+      <p:par>
+        <p:cTn id="1" dur="indefinite" restart="never" nodeType="tmRoot">
+          <p:childTnLst>
+            <p:seq concurrent="1" nextAc="seek">
+              <p:cTn id="2" dur="indefinite" nodeType="mainSeq">
+                <p:childTnLst>
+                  <p:par>
+                    <p:cTn id="3" fill="hold">
+                      <p:stCondLst>
+                        <p:cond delay="indefinite"/>
+                      </p:stCondLst>
+                      <p:childTnLst>
+                        <p:par>
+                          <p:cTn id="4" fill="hold">
+                            <p:stCondLst>
+                              <p:cond delay="0"/>
+                            </p:stCondLst>
+                            <p:childTnLst>
+                              <p:par>
+                                <p:cTn id="5" presetID="10" presetClass="entr" presetSubtype="0" fill="hold" nodeType="clickEffect">
+                                  <p:stCondLst>
+                                    <p:cond delay="0"/>
+                                  </p:stCondLst>
+                                  <p:childTnLst>
+                                    <p:set>
+                                      <p:cBhvr>
+                                        <p:cTn id="6" dur="1" fill="hold">
+                                          <p:stCondLst>
+                                            <p:cond delay="0"/>
+                                          </p:stCondLst>
+                                        </p:cTn>
+                                        <p:tgtEl>
+                                          <p:spTgt spid="30"/>
+                                        </p:tgtEl>
+                                        <p:attrNameLst>
+                                          <p:attrName>style.visibility</p:attrName>
+                                        </p:attrNameLst>
+                                      </p:cBhvr>
+                                      <p:to>
+                                        <p:strVal val="visible"/>
+                                      </p:to>
+                                    </p:set>
+                                    <p:animEffect transition="in" filter="fade">
+                                      <p:cBhvr>
+                                        <p:cTn id="7" dur="500"/>
+                                        <p:tgtEl>
+                                          <p:spTgt spid="30"/>
+                                        </p:tgtEl>
+                                      </p:cBhvr>
+                                    </p:animEffect>
+                                  </p:childTnLst>
+                                </p:cTn>
+                              </p:par>
+                            </p:childTnLst>
+                          </p:cTn>
+                        </p:par>
+                      </p:childTnLst>
+                    </p:cTn>
+                  </p:par>
+                </p:childTnLst>
+              </p:cTn>
+              <p:prevCondLst>
+                <p:cond evt="onPrev" delay="0">
+                  <p:tgtEl>
+                    <p:sldTgt/>
+                  </p:tgtEl>
+                </p:cond>
+              </p:prevCondLst>
+              <p:nextCondLst>
+                <p:cond evt="onNext" delay="0">
+                  <p:tgtEl>
+                    <p:sldTgt/>
+                  </p:tgtEl>
+                </p:cond>
+              </p:nextCondLst>
+            </p:seq>
+          </p:childTnLst>
+        </p:cTn>
+      </p:par>
+    </p:tnLst>
+  </p:timing>
+</p:sld>
+</file>
+
+<file path=ppt/slides/slide48.xml><?xml version="1.0" encoding="utf-8"?>
+<p:sld xmlns:a="http://schemas.openxmlformats.org/drawingml/2006/main" xmlns:r="http://schemas.openxmlformats.org/officeDocument/2006/relationships" xmlns:p="http://schemas.openxmlformats.org/presentationml/2006/main">
+  <p:cSld>
+    <p:spTree>
+      <p:nvGrpSpPr>
+        <p:cNvPr id="1" name=""/>
+        <p:cNvGrpSpPr/>
+        <p:nvPr/>
+      </p:nvGrpSpPr>
+      <p:grpSpPr>
+        <a:xfrm>
+          <a:off x="0" y="0"/>
+          <a:ext cx="0" cy="0"/>
+          <a:chOff x="0" y="0"/>
+          <a:chExt cx="0" cy="0"/>
+        </a:xfrm>
+      </p:grpSpPr>
+      <p:sp>
+        <p:nvSpPr>
+          <p:cNvPr id="2" name="Заголовок 1">
+            <a:extLst>
+              <a:ext uri="{FF2B5EF4-FFF2-40B4-BE49-F238E27FC236}">
+                <a16:creationId xmlns:a16="http://schemas.microsoft.com/office/drawing/2014/main" id="{8A81506D-6D5D-4E3E-A445-D8A5866AD1E5}"/>
+              </a:ext>
+            </a:extLst>
+          </p:cNvPr>
+          <p:cNvSpPr>
+            <a:spLocks noGrp="1"/>
+          </p:cNvSpPr>
+          <p:nvPr>
+            <p:ph type="title"/>
+          </p:nvPr>
+        </p:nvSpPr>
+        <p:spPr/>
+        <p:txBody>
+          <a:bodyPr/>
+          <a:lstStyle/>
+          <a:p>
+            <a:r>
+              <a:rPr lang="ru-RU" dirty="0"/>
+              <a:t>Структура данных и операция присваивания</a:t>
+            </a:r>
+          </a:p>
+        </p:txBody>
+      </p:sp>
+      <p:sp>
+        <p:nvSpPr>
+          <p:cNvPr id="4" name="Прямоугольник: скругленные углы 3">
+            <a:extLst>
+              <a:ext uri="{FF2B5EF4-FFF2-40B4-BE49-F238E27FC236}">
+                <a16:creationId xmlns:a16="http://schemas.microsoft.com/office/drawing/2014/main" id="{2C23A9E0-9FE1-4E53-BBC0-C3BACEC3494F}"/>
+              </a:ext>
+            </a:extLst>
+          </p:cNvPr>
+          <p:cNvSpPr/>
+          <p:nvPr/>
+        </p:nvSpPr>
+        <p:spPr>
+          <a:xfrm>
+            <a:off x="2147775" y="1690688"/>
+            <a:ext cx="6496493" cy="1325562"/>
+          </a:xfrm>
+          <a:prstGeom prst="roundRect">
+            <a:avLst/>
+          </a:prstGeom>
+        </p:spPr>
+        <p:style>
+          <a:lnRef idx="2">
+            <a:schemeClr val="accent1">
+              <a:shade val="50000"/>
+            </a:schemeClr>
+          </a:lnRef>
+          <a:fillRef idx="1">
+            <a:schemeClr val="accent1"/>
+          </a:fillRef>
+          <a:effectRef idx="0">
+            <a:schemeClr val="accent1"/>
+          </a:effectRef>
+          <a:fontRef idx="minor">
+            <a:schemeClr val="lt1"/>
+          </a:fontRef>
+        </p:style>
+        <p:txBody>
+          <a:bodyPr rtlCol="0" anchor="ctr"/>
+          <a:lstStyle/>
+          <a:p>
+            <a:r>
+              <a:rPr lang="ru-RU" sz="4400" dirty="0"/>
+              <a:t>                    =</a:t>
+            </a:r>
+          </a:p>
+        </p:txBody>
+      </p:sp>
+      <p:sp>
+        <p:nvSpPr>
+          <p:cNvPr id="5" name="Прямоугольник: скругленные углы 4">
+            <a:extLst>
+              <a:ext uri="{FF2B5EF4-FFF2-40B4-BE49-F238E27FC236}">
+                <a16:creationId xmlns:a16="http://schemas.microsoft.com/office/drawing/2014/main" id="{D2923721-62CF-461E-82DE-8064EBAB8F66}"/>
+              </a:ext>
+            </a:extLst>
+          </p:cNvPr>
+          <p:cNvSpPr/>
+          <p:nvPr/>
+        </p:nvSpPr>
+        <p:spPr>
+          <a:xfrm>
+            <a:off x="3051543" y="1828912"/>
+            <a:ext cx="1626782" cy="606056"/>
+          </a:xfrm>
+          <a:prstGeom prst="roundRect">
+            <a:avLst/>
+          </a:prstGeom>
+        </p:spPr>
+        <p:style>
+          <a:lnRef idx="0">
+            <a:schemeClr val="accent2"/>
+          </a:lnRef>
+          <a:fillRef idx="3">
+            <a:schemeClr val="accent2"/>
+          </a:fillRef>
+          <a:effectRef idx="3">
+            <a:schemeClr val="accent2"/>
+          </a:effectRef>
+          <a:fontRef idx="minor">
+            <a:schemeClr val="lt1"/>
+          </a:fontRef>
+        </p:style>
+        <p:txBody>
+          <a:bodyPr rtlCol="0" anchor="ctr"/>
+          <a:lstStyle/>
+          <a:p>
+            <a:pPr algn="ctr"/>
+            <a:endParaRPr lang="ru-RU"/>
+          </a:p>
+        </p:txBody>
+      </p:sp>
+      <p:sp>
+        <p:nvSpPr>
+          <p:cNvPr id="6" name="Прямоугольник: скругленные углы 5">
+            <a:extLst>
+              <a:ext uri="{FF2B5EF4-FFF2-40B4-BE49-F238E27FC236}">
+                <a16:creationId xmlns:a16="http://schemas.microsoft.com/office/drawing/2014/main" id="{805AF1D1-EDE5-48E1-AF91-C39FD20F65C1}"/>
+              </a:ext>
+            </a:extLst>
+          </p:cNvPr>
+          <p:cNvSpPr/>
+          <p:nvPr/>
+        </p:nvSpPr>
+        <p:spPr>
+          <a:xfrm>
+            <a:off x="2690036" y="2004348"/>
+            <a:ext cx="1626782" cy="606056"/>
+          </a:xfrm>
+          <a:prstGeom prst="roundRect">
+            <a:avLst/>
+          </a:prstGeom>
+        </p:spPr>
+        <p:style>
+          <a:lnRef idx="0">
+            <a:schemeClr val="accent2"/>
+          </a:lnRef>
+          <a:fillRef idx="3">
+            <a:schemeClr val="accent2"/>
+          </a:fillRef>
+          <a:effectRef idx="3">
+            <a:schemeClr val="accent2"/>
+          </a:effectRef>
+          <a:fontRef idx="minor">
+            <a:schemeClr val="lt1"/>
+          </a:fontRef>
+        </p:style>
+        <p:txBody>
+          <a:bodyPr rtlCol="0" anchor="ctr"/>
+          <a:lstStyle/>
+          <a:p>
+            <a:pPr algn="ctr"/>
+            <a:endParaRPr lang="ru-RU"/>
+          </a:p>
+        </p:txBody>
+      </p:sp>
+      <p:sp>
+        <p:nvSpPr>
+          <p:cNvPr id="7" name="Прямоугольник: скругленные углы 6">
+            <a:extLst>
+              <a:ext uri="{FF2B5EF4-FFF2-40B4-BE49-F238E27FC236}">
+                <a16:creationId xmlns:a16="http://schemas.microsoft.com/office/drawing/2014/main" id="{AA5C527E-4C98-460F-AEEF-A125246534E2}"/>
+              </a:ext>
+            </a:extLst>
+          </p:cNvPr>
+          <p:cNvSpPr/>
+          <p:nvPr/>
+        </p:nvSpPr>
+        <p:spPr>
+          <a:xfrm>
+            <a:off x="2328529" y="2219658"/>
+            <a:ext cx="1626782" cy="606056"/>
+          </a:xfrm>
+          <a:prstGeom prst="roundRect">
+            <a:avLst/>
+          </a:prstGeom>
+        </p:spPr>
+        <p:style>
+          <a:lnRef idx="0">
+            <a:schemeClr val="accent2"/>
+          </a:lnRef>
+          <a:fillRef idx="3">
+            <a:schemeClr val="accent2"/>
+          </a:fillRef>
+          <a:effectRef idx="3">
+            <a:schemeClr val="accent2"/>
+          </a:effectRef>
+          <a:fontRef idx="minor">
+            <a:schemeClr val="lt1"/>
+          </a:fontRef>
+        </p:style>
+        <p:txBody>
+          <a:bodyPr rtlCol="0" anchor="ctr"/>
+          <a:lstStyle/>
+          <a:p>
+            <a:pPr algn="ctr"/>
+            <a:r>
+              <a:rPr lang="ru-RU" dirty="0"/>
+              <a:t>ПЕРЕМЕННАЯ</a:t>
+            </a:r>
+          </a:p>
+        </p:txBody>
+      </p:sp>
+      <p:sp>
+        <p:nvSpPr>
+          <p:cNvPr id="8" name="Прямоугольник: скругленные углы 7">
+            <a:extLst>
+              <a:ext uri="{FF2B5EF4-FFF2-40B4-BE49-F238E27FC236}">
+                <a16:creationId xmlns:a16="http://schemas.microsoft.com/office/drawing/2014/main" id="{40D23871-104D-4767-BECD-3099B09CA0D1}"/>
+              </a:ext>
+            </a:extLst>
+          </p:cNvPr>
+          <p:cNvSpPr/>
+          <p:nvPr/>
+        </p:nvSpPr>
+        <p:spPr>
+          <a:xfrm>
+            <a:off x="5305646" y="2004348"/>
+            <a:ext cx="3143695" cy="821366"/>
+          </a:xfrm>
+          <a:prstGeom prst="roundRect">
+            <a:avLst/>
+          </a:prstGeom>
+        </p:spPr>
+        <p:style>
+          <a:lnRef idx="0">
+            <a:schemeClr val="accent6"/>
+          </a:lnRef>
+          <a:fillRef idx="3">
+            <a:schemeClr val="accent6"/>
+          </a:fillRef>
+          <a:effectRef idx="3">
+            <a:schemeClr val="accent6"/>
+          </a:effectRef>
+          <a:fontRef idx="minor">
+            <a:schemeClr val="lt1"/>
+          </a:fontRef>
+        </p:style>
+        <p:txBody>
+          <a:bodyPr rtlCol="0" anchor="ctr"/>
+          <a:lstStyle/>
+          <a:p>
+            <a:pPr algn="ctr"/>
+            <a:r>
+              <a:rPr lang="ru-RU" dirty="0"/>
+              <a:t>СПИСОК ИЛИ КОРТЕЖ</a:t>
+            </a:r>
+          </a:p>
+        </p:txBody>
+      </p:sp>
+      <p:sp>
+        <p:nvSpPr>
+          <p:cNvPr id="10" name="TextBox 9">
+            <a:extLst>
+              <a:ext uri="{FF2B5EF4-FFF2-40B4-BE49-F238E27FC236}">
+                <a16:creationId xmlns:a16="http://schemas.microsoft.com/office/drawing/2014/main" id="{4D44F0E5-4D9F-4F78-B224-8803F23496E1}"/>
+              </a:ext>
+            </a:extLst>
+          </p:cNvPr>
+          <p:cNvSpPr txBox="1"/>
+          <p:nvPr/>
+        </p:nvSpPr>
+        <p:spPr>
+          <a:xfrm>
+            <a:off x="3141920" y="3841751"/>
+            <a:ext cx="6097772" cy="2554545"/>
+          </a:xfrm>
+          <a:prstGeom prst="rect">
+            <a:avLst/>
+          </a:prstGeom>
+          <a:noFill/>
+        </p:spPr>
+        <p:txBody>
+          <a:bodyPr wrap="square">
+            <a:spAutoFit/>
+          </a:bodyPr>
+          <a:lstStyle/>
+          <a:p>
+            <a:r>
+              <a:rPr lang="pl-PL" sz="3200" b="0" dirty="0">
+                <a:solidFill>
+                  <a:srgbClr val="D4D4D4"/>
+                </a:solidFill>
+                <a:effectLst/>
+                <a:latin typeface="Consolas" panose="020B0609020204030204" pitchFamily="49" charset="0"/>
+              </a:rPr>
+              <a:t>q = </a:t>
+            </a:r>
+            <a:r>
+              <a:rPr lang="pl-PL" sz="3200" b="0" dirty="0">
+                <a:solidFill>
+                  <a:srgbClr val="B5CEA8"/>
+                </a:solidFill>
+                <a:effectLst/>
+                <a:latin typeface="Consolas" panose="020B0609020204030204" pitchFamily="49" charset="0"/>
+              </a:rPr>
+              <a:t>2</a:t>
+            </a:r>
+            <a:endParaRPr lang="pl-PL" sz="3200" b="0" dirty="0">
+              <a:solidFill>
+                <a:srgbClr val="D4D4D4"/>
+              </a:solidFill>
+              <a:effectLst/>
+              <a:latin typeface="Consolas" panose="020B0609020204030204" pitchFamily="49" charset="0"/>
+            </a:endParaRPr>
+          </a:p>
+          <a:p>
+            <a:r>
+              <a:rPr lang="pl-PL" sz="3200" b="0" dirty="0">
+                <a:solidFill>
+                  <a:srgbClr val="D4D4D4"/>
+                </a:solidFill>
+                <a:effectLst/>
+                <a:latin typeface="Consolas" panose="020B0609020204030204" pitchFamily="49" charset="0"/>
+              </a:rPr>
+              <a:t>w = </a:t>
+            </a:r>
+            <a:r>
+              <a:rPr lang="pl-PL" sz="3200" b="0" dirty="0">
+                <a:solidFill>
+                  <a:srgbClr val="B5CEA8"/>
+                </a:solidFill>
+                <a:effectLst/>
+                <a:latin typeface="Consolas" panose="020B0609020204030204" pitchFamily="49" charset="0"/>
+              </a:rPr>
+              <a:t>4</a:t>
+            </a:r>
+            <a:endParaRPr lang="pl-PL" sz="3200" b="0" dirty="0">
+              <a:solidFill>
+                <a:srgbClr val="D4D4D4"/>
+              </a:solidFill>
+              <a:effectLst/>
+              <a:latin typeface="Consolas" panose="020B0609020204030204" pitchFamily="49" charset="0"/>
+            </a:endParaRPr>
+          </a:p>
+          <a:p>
+            <a:br>
+              <a:rPr lang="pl-PL" sz="3200" b="0" dirty="0">
+                <a:solidFill>
+                  <a:srgbClr val="D4D4D4"/>
+                </a:solidFill>
+                <a:effectLst/>
+                <a:latin typeface="Consolas" panose="020B0609020204030204" pitchFamily="49" charset="0"/>
+              </a:rPr>
+            </a:br>
+            <a:r>
+              <a:rPr lang="pl-PL" sz="3200" b="0" dirty="0">
+                <a:solidFill>
+                  <a:srgbClr val="D4D4D4"/>
+                </a:solidFill>
+                <a:effectLst/>
+                <a:latin typeface="Consolas" panose="020B0609020204030204" pitchFamily="49" charset="0"/>
+              </a:rPr>
+              <a:t>q, w = w, q</a:t>
+            </a:r>
+          </a:p>
+          <a:p>
+            <a:r>
+              <a:rPr lang="pl-PL" sz="3200" b="0" dirty="0">
+                <a:solidFill>
+                  <a:srgbClr val="DCDCAA"/>
+                </a:solidFill>
+                <a:effectLst/>
+                <a:latin typeface="Consolas" panose="020B0609020204030204" pitchFamily="49" charset="0"/>
+              </a:rPr>
+              <a:t>print</a:t>
+            </a:r>
+            <a:r>
+              <a:rPr lang="pl-PL" sz="3200" b="0" dirty="0">
+                <a:solidFill>
+                  <a:srgbClr val="D4D4D4"/>
+                </a:solidFill>
+                <a:effectLst/>
+                <a:latin typeface="Consolas" panose="020B0609020204030204" pitchFamily="49" charset="0"/>
+              </a:rPr>
+              <a:t>(q,w)</a:t>
+            </a:r>
+          </a:p>
+        </p:txBody>
+      </p:sp>
+    </p:spTree>
+    <p:extLst>
+      <p:ext uri="{BB962C8B-B14F-4D97-AF65-F5344CB8AC3E}">
+        <p14:creationId xmlns:p14="http://schemas.microsoft.com/office/powerpoint/2010/main" val="1501503660"/>
+      </p:ext>
+    </p:extLst>
+  </p:cSld>
+  <p:clrMapOvr>
+    <a:masterClrMapping/>
+  </p:clrMapOvr>
+</p:sld>
+</file>
+
+<file path=ppt/slides/slide49.xml><?xml version="1.0" encoding="utf-8"?>
+<p:sld xmlns:a="http://schemas.openxmlformats.org/drawingml/2006/main" xmlns:r="http://schemas.openxmlformats.org/officeDocument/2006/relationships" xmlns:p="http://schemas.openxmlformats.org/presentationml/2006/main">
+  <p:cSld>
+    <p:spTree>
+      <p:nvGrpSpPr>
+        <p:cNvPr id="1" name=""/>
+        <p:cNvGrpSpPr/>
+        <p:nvPr/>
+      </p:nvGrpSpPr>
+      <p:grpSpPr>
+        <a:xfrm>
+          <a:off x="0" y="0"/>
+          <a:ext cx="0" cy="0"/>
+          <a:chOff x="0" y="0"/>
+          <a:chExt cx="0" cy="0"/>
+        </a:xfrm>
+      </p:grpSpPr>
+      <p:sp>
+        <p:nvSpPr>
+          <p:cNvPr id="2" name="Заголовок 1">
+            <a:extLst>
+              <a:ext uri="{FF2B5EF4-FFF2-40B4-BE49-F238E27FC236}">
+                <a16:creationId xmlns:a16="http://schemas.microsoft.com/office/drawing/2014/main" id="{6BD1B70F-980B-43BE-99B7-1B22AA75C072}"/>
+              </a:ext>
+            </a:extLst>
+          </p:cNvPr>
+          <p:cNvSpPr>
+            <a:spLocks noGrp="1"/>
+          </p:cNvSpPr>
+          <p:nvPr>
+            <p:ph type="title"/>
+          </p:nvPr>
+        </p:nvSpPr>
+        <p:spPr/>
+        <p:txBody>
+          <a:bodyPr/>
+          <a:lstStyle/>
+          <a:p>
+            <a:r>
+              <a:rPr lang="ru-RU" dirty="0"/>
+              <a:t>Элементарные операции со списками и кортежами</a:t>
+            </a:r>
+          </a:p>
+        </p:txBody>
+      </p:sp>
+      <p:sp>
+        <p:nvSpPr>
+          <p:cNvPr id="3" name="Объект 2">
+            <a:extLst>
+              <a:ext uri="{FF2B5EF4-FFF2-40B4-BE49-F238E27FC236}">
+                <a16:creationId xmlns:a16="http://schemas.microsoft.com/office/drawing/2014/main" id="{B9D85AB5-1C00-442D-A8C4-34AD14A37D35}"/>
+              </a:ext>
+            </a:extLst>
+          </p:cNvPr>
+          <p:cNvSpPr>
+            <a:spLocks noGrp="1"/>
+          </p:cNvSpPr>
+          <p:nvPr>
+            <p:ph idx="1"/>
+          </p:nvPr>
+        </p:nvSpPr>
+        <p:spPr>
+          <a:xfrm>
+            <a:off x="838200" y="1562986"/>
+            <a:ext cx="10515600" cy="5092995"/>
+          </a:xfrm>
+        </p:spPr>
+        <p:txBody>
+          <a:bodyPr>
+            <a:normAutofit lnSpcReduction="10000"/>
+          </a:bodyPr>
+          <a:lstStyle/>
+          <a:p>
+            <a:r>
+              <a:rPr lang="ru-RU" dirty="0"/>
+              <a:t>Создайте список из десяти элементов разных типов</a:t>
+            </a:r>
+          </a:p>
+          <a:p>
+            <a:r>
+              <a:rPr lang="ru-RU" dirty="0"/>
+              <a:t>Используя оператор </a:t>
+            </a:r>
+            <a:r>
+              <a:rPr lang="en-US" dirty="0"/>
+              <a:t>slice </a:t>
+            </a:r>
+            <a:r>
+              <a:rPr lang="ru-RU" dirty="0"/>
+              <a:t>выделите в  отдельный список со второго по пятый элемент включительно</a:t>
+            </a:r>
+          </a:p>
+          <a:p>
+            <a:r>
+              <a:rPr lang="ru-RU" dirty="0"/>
+              <a:t>Создайте второй список из пяти элементов</a:t>
+            </a:r>
+          </a:p>
+          <a:p>
+            <a:r>
+              <a:rPr lang="ru-RU" dirty="0"/>
+              <a:t>В первый список добавьте элементы второго списка, но не сам второй список</a:t>
+            </a:r>
+          </a:p>
+          <a:p>
+            <a:r>
+              <a:rPr lang="ru-RU" dirty="0"/>
+              <a:t>Сложите первый список со вторым</a:t>
+            </a:r>
+          </a:p>
+          <a:p>
+            <a:r>
+              <a:rPr lang="ru-RU" dirty="0"/>
+              <a:t>Продублируйте полученный список пять раз</a:t>
+            </a:r>
+          </a:p>
+          <a:p>
+            <a:r>
+              <a:rPr lang="ru-RU" dirty="0"/>
+              <a:t>Напечатайте функцией </a:t>
+            </a:r>
+            <a:r>
+              <a:rPr lang="en-US" dirty="0"/>
+              <a:t>print</a:t>
+            </a:r>
+            <a:r>
+              <a:rPr lang="ru-RU" dirty="0"/>
+              <a:t>( ) результаты всех пунктов</a:t>
+            </a:r>
+          </a:p>
+          <a:p>
+            <a:r>
+              <a:rPr lang="ru-RU" dirty="0"/>
+              <a:t>Проделайте тоже самое для кортежей. Объясните, почему некоторые операции не удалось выполнить и </a:t>
+            </a:r>
+            <a:r>
+              <a:rPr lang="en-US" dirty="0"/>
+              <a:t>Python </a:t>
+            </a:r>
+            <a:r>
+              <a:rPr lang="ru-RU" dirty="0"/>
+              <a:t>показал ошибки</a:t>
+            </a:r>
+          </a:p>
+          <a:p>
+            <a:pPr marL="0" indent="0">
+              <a:buNone/>
+            </a:pPr>
+            <a:endParaRPr lang="ru-RU" dirty="0"/>
+          </a:p>
+        </p:txBody>
+      </p:sp>
+    </p:spTree>
+    <p:extLst>
+      <p:ext uri="{BB962C8B-B14F-4D97-AF65-F5344CB8AC3E}">
+        <p14:creationId xmlns:p14="http://schemas.microsoft.com/office/powerpoint/2010/main" val="3444640815"/>
+      </p:ext>
+    </p:extLst>
+  </p:cSld>
+  <p:clrMapOvr>
+    <a:masterClrMapping/>
+  </p:clrMapOvr>
+</p:sld>
+</file>
+
 <file path=ppt/slides/slide5.xml><?xml version="1.0" encoding="utf-8"?>
 <p:sld xmlns:a="http://schemas.openxmlformats.org/drawingml/2006/main" xmlns:r="http://schemas.openxmlformats.org/officeDocument/2006/relationships" xmlns:p="http://schemas.openxmlformats.org/presentationml/2006/main">
   <p:cSld>
@@ -13184,6 +17803,70 @@
     <p:extLst>
       <p:ext uri="{BB962C8B-B14F-4D97-AF65-F5344CB8AC3E}">
         <p14:creationId xmlns:p14="http://schemas.microsoft.com/office/powerpoint/2010/main" val="1585202983"/>
+      </p:ext>
+    </p:extLst>
+  </p:cSld>
+  <p:clrMapOvr>
+    <a:masterClrMapping/>
+  </p:clrMapOvr>
+</p:sld>
+</file>
+
+<file path=ppt/slides/slide50.xml><?xml version="1.0" encoding="utf-8"?>
+<p:sld xmlns:a="http://schemas.openxmlformats.org/drawingml/2006/main" xmlns:r="http://schemas.openxmlformats.org/officeDocument/2006/relationships" xmlns:p="http://schemas.openxmlformats.org/presentationml/2006/main">
+  <p:cSld>
+    <p:spTree>
+      <p:nvGrpSpPr>
+        <p:cNvPr id="1" name=""/>
+        <p:cNvGrpSpPr/>
+        <p:nvPr/>
+      </p:nvGrpSpPr>
+      <p:grpSpPr>
+        <a:xfrm>
+          <a:off x="0" y="0"/>
+          <a:ext cx="0" cy="0"/>
+          <a:chOff x="0" y="0"/>
+          <a:chExt cx="0" cy="0"/>
+        </a:xfrm>
+      </p:grpSpPr>
+      <p:sp>
+        <p:nvSpPr>
+          <p:cNvPr id="2" name="Заголовок 1">
+            <a:extLst>
+              <a:ext uri="{FF2B5EF4-FFF2-40B4-BE49-F238E27FC236}">
+                <a16:creationId xmlns:a16="http://schemas.microsoft.com/office/drawing/2014/main" id="{EFCE8630-B5EC-42B9-9AA2-9443375532D2}"/>
+              </a:ext>
+            </a:extLst>
+          </p:cNvPr>
+          <p:cNvSpPr>
+            <a:spLocks noGrp="1"/>
+          </p:cNvSpPr>
+          <p:nvPr>
+            <p:ph type="title"/>
+          </p:nvPr>
+        </p:nvSpPr>
+        <p:spPr>
+          <a:xfrm>
+            <a:off x="295939" y="4937125"/>
+            <a:ext cx="10515600" cy="1325563"/>
+          </a:xfrm>
+        </p:spPr>
+        <p:txBody>
+          <a:bodyPr/>
+          <a:lstStyle/>
+          <a:p>
+            <a:r>
+              <a:rPr lang="ru-RU"/>
+              <a:t>Словари</a:t>
+            </a:r>
+            <a:endParaRPr lang="ru-RU" dirty="0"/>
+          </a:p>
+        </p:txBody>
+      </p:sp>
+    </p:spTree>
+    <p:extLst>
+      <p:ext uri="{BB962C8B-B14F-4D97-AF65-F5344CB8AC3E}">
+        <p14:creationId xmlns:p14="http://schemas.microsoft.com/office/powerpoint/2010/main" val="79448893"/>
       </p:ext>
     </p:extLst>
   </p:cSld>

--- a/Presentation/Основы алгоритмизации и программирования.pptx
+++ b/Presentation/Основы алгоритмизации и программирования.pptx
@@ -55,6 +55,8 @@
     <p:sldId id="303" r:id="rId49"/>
     <p:sldId id="304" r:id="rId50"/>
     <p:sldId id="305" r:id="rId51"/>
+    <p:sldId id="306" r:id="rId52"/>
+    <p:sldId id="307" r:id="rId53"/>
   </p:sldIdLst>
   <p:sldSz cx="12192000" cy="6858000"/>
   <p:notesSz cx="6858000" cy="9144000"/>
@@ -17856,10 +17858,9 @@
           <a:lstStyle/>
           <a:p>
             <a:r>
-              <a:rPr lang="ru-RU"/>
+              <a:rPr lang="ru-RU" dirty="0"/>
               <a:t>Словари</a:t>
             </a:r>
-            <a:endParaRPr lang="ru-RU" dirty="0"/>
           </a:p>
         </p:txBody>
       </p:sp>
@@ -17867,6 +17868,133 @@
     <p:extLst>
       <p:ext uri="{BB962C8B-B14F-4D97-AF65-F5344CB8AC3E}">
         <p14:creationId xmlns:p14="http://schemas.microsoft.com/office/powerpoint/2010/main" val="79448893"/>
+      </p:ext>
+    </p:extLst>
+  </p:cSld>
+  <p:clrMapOvr>
+    <a:masterClrMapping/>
+  </p:clrMapOvr>
+</p:sld>
+</file>
+
+<file path=ppt/slides/slide51.xml><?xml version="1.0" encoding="utf-8"?>
+<p:sld xmlns:a="http://schemas.openxmlformats.org/drawingml/2006/main" xmlns:r="http://schemas.openxmlformats.org/officeDocument/2006/relationships" xmlns:p="http://schemas.openxmlformats.org/presentationml/2006/main">
+  <p:cSld>
+    <p:spTree>
+      <p:nvGrpSpPr>
+        <p:cNvPr id="1" name=""/>
+        <p:cNvGrpSpPr/>
+        <p:nvPr/>
+      </p:nvGrpSpPr>
+      <p:grpSpPr>
+        <a:xfrm>
+          <a:off x="0" y="0"/>
+          <a:ext cx="0" cy="0"/>
+          <a:chOff x="0" y="0"/>
+          <a:chExt cx="0" cy="0"/>
+        </a:xfrm>
+      </p:grpSpPr>
+      <p:sp>
+        <p:nvSpPr>
+          <p:cNvPr id="2" name="Заголовок 1">
+            <a:extLst>
+              <a:ext uri="{FF2B5EF4-FFF2-40B4-BE49-F238E27FC236}">
+                <a16:creationId xmlns:a16="http://schemas.microsoft.com/office/drawing/2014/main" id="{EFCE8630-B5EC-42B9-9AA2-9443375532D2}"/>
+              </a:ext>
+            </a:extLst>
+          </p:cNvPr>
+          <p:cNvSpPr>
+            <a:spLocks noGrp="1"/>
+          </p:cNvSpPr>
+          <p:nvPr>
+            <p:ph type="title"/>
+          </p:nvPr>
+        </p:nvSpPr>
+        <p:spPr>
+          <a:xfrm>
+            <a:off x="295939" y="4937125"/>
+            <a:ext cx="10515600" cy="1325563"/>
+          </a:xfrm>
+        </p:spPr>
+        <p:txBody>
+          <a:bodyPr/>
+          <a:lstStyle/>
+          <a:p>
+            <a:r>
+              <a:rPr lang="ru-RU" dirty="0"/>
+              <a:t>Множество</a:t>
+            </a:r>
+          </a:p>
+        </p:txBody>
+      </p:sp>
+    </p:spTree>
+    <p:extLst>
+      <p:ext uri="{BB962C8B-B14F-4D97-AF65-F5344CB8AC3E}">
+        <p14:creationId xmlns:p14="http://schemas.microsoft.com/office/powerpoint/2010/main" val="135774511"/>
+      </p:ext>
+    </p:extLst>
+  </p:cSld>
+  <p:clrMapOvr>
+    <a:masterClrMapping/>
+  </p:clrMapOvr>
+</p:sld>
+</file>
+
+<file path=ppt/slides/slide52.xml><?xml version="1.0" encoding="utf-8"?>
+<p:sld xmlns:a="http://schemas.openxmlformats.org/drawingml/2006/main" xmlns:r="http://schemas.openxmlformats.org/officeDocument/2006/relationships" xmlns:p="http://schemas.openxmlformats.org/presentationml/2006/main">
+  <p:cSld>
+    <p:spTree>
+      <p:nvGrpSpPr>
+        <p:cNvPr id="1" name=""/>
+        <p:cNvGrpSpPr/>
+        <p:nvPr/>
+      </p:nvGrpSpPr>
+      <p:grpSpPr>
+        <a:xfrm>
+          <a:off x="0" y="0"/>
+          <a:ext cx="0" cy="0"/>
+          <a:chOff x="0" y="0"/>
+          <a:chExt cx="0" cy="0"/>
+        </a:xfrm>
+      </p:grpSpPr>
+      <p:sp>
+        <p:nvSpPr>
+          <p:cNvPr id="2" name="Заголовок 1">
+            <a:extLst>
+              <a:ext uri="{FF2B5EF4-FFF2-40B4-BE49-F238E27FC236}">
+                <a16:creationId xmlns:a16="http://schemas.microsoft.com/office/drawing/2014/main" id="{EFCE8630-B5EC-42B9-9AA2-9443375532D2}"/>
+              </a:ext>
+            </a:extLst>
+          </p:cNvPr>
+          <p:cNvSpPr>
+            <a:spLocks noGrp="1"/>
+          </p:cNvSpPr>
+          <p:nvPr>
+            <p:ph type="title"/>
+          </p:nvPr>
+        </p:nvSpPr>
+        <p:spPr>
+          <a:xfrm>
+            <a:off x="295939" y="4937125"/>
+            <a:ext cx="10515600" cy="1325563"/>
+          </a:xfrm>
+        </p:spPr>
+        <p:txBody>
+          <a:bodyPr/>
+          <a:lstStyle/>
+          <a:p>
+            <a:r>
+              <a:rPr lang="ru-RU"/>
+              <a:t>Преобразование данных</a:t>
+            </a:r>
+            <a:endParaRPr lang="ru-RU" dirty="0"/>
+          </a:p>
+        </p:txBody>
+      </p:sp>
+    </p:spTree>
+    <p:extLst>
+      <p:ext uri="{BB962C8B-B14F-4D97-AF65-F5344CB8AC3E}">
+        <p14:creationId xmlns:p14="http://schemas.microsoft.com/office/powerpoint/2010/main" val="3493542152"/>
       </p:ext>
     </p:extLst>
   </p:cSld>

--- a/Presentation/Основы алгоритмизации и программирования.pptx
+++ b/Presentation/Основы алгоритмизации и программирования.pptx
@@ -55,8 +55,15 @@
     <p:sldId id="303" r:id="rId49"/>
     <p:sldId id="304" r:id="rId50"/>
     <p:sldId id="305" r:id="rId51"/>
-    <p:sldId id="306" r:id="rId52"/>
-    <p:sldId id="307" r:id="rId53"/>
+    <p:sldId id="308" r:id="rId52"/>
+    <p:sldId id="310" r:id="rId53"/>
+    <p:sldId id="309" r:id="rId54"/>
+    <p:sldId id="306" r:id="rId55"/>
+    <p:sldId id="311" r:id="rId56"/>
+    <p:sldId id="312" r:id="rId57"/>
+    <p:sldId id="313" r:id="rId58"/>
+    <p:sldId id="314" r:id="rId59"/>
+    <p:sldId id="307" r:id="rId60"/>
   </p:sldIdLst>
   <p:sldSz cx="12192000" cy="6858000"/>
   <p:notesSz cx="6858000" cy="9144000"/>
@@ -17899,7 +17906,7 @@
           <p:cNvPr id="2" name="Заголовок 1">
             <a:extLst>
               <a:ext uri="{FF2B5EF4-FFF2-40B4-BE49-F238E27FC236}">
-                <a16:creationId xmlns:a16="http://schemas.microsoft.com/office/drawing/2014/main" id="{EFCE8630-B5EC-42B9-9AA2-9443375532D2}"/>
+                <a16:creationId xmlns:a16="http://schemas.microsoft.com/office/drawing/2014/main" id="{309E88CC-10DE-4610-8AE4-07F6CD08220C}"/>
               </a:ext>
             </a:extLst>
           </p:cNvPr>
@@ -17910,27 +17917,242 @@
             <p:ph type="title"/>
           </p:nvPr>
         </p:nvSpPr>
-        <p:spPr>
-          <a:xfrm>
-            <a:off x="295939" y="4937125"/>
-            <a:ext cx="10515600" cy="1325563"/>
-          </a:xfrm>
-        </p:spPr>
+        <p:spPr/>
         <p:txBody>
           <a:bodyPr/>
           <a:lstStyle/>
           <a:p>
             <a:r>
               <a:rPr lang="ru-RU" dirty="0"/>
-              <a:t>Множество</a:t>
+              <a:t>Словари</a:t>
             </a:r>
           </a:p>
         </p:txBody>
       </p:sp>
+      <p:sp>
+        <p:nvSpPr>
+          <p:cNvPr id="3" name="Объект 2">
+            <a:extLst>
+              <a:ext uri="{FF2B5EF4-FFF2-40B4-BE49-F238E27FC236}">
+                <a16:creationId xmlns:a16="http://schemas.microsoft.com/office/drawing/2014/main" id="{F8CE9CE0-D575-423A-B217-BAD8D08C9EBC}"/>
+              </a:ext>
+            </a:extLst>
+          </p:cNvPr>
+          <p:cNvSpPr>
+            <a:spLocks noGrp="1"/>
+          </p:cNvSpPr>
+          <p:nvPr>
+            <p:ph idx="1"/>
+          </p:nvPr>
+        </p:nvSpPr>
+        <p:spPr/>
+        <p:txBody>
+          <a:bodyPr/>
+          <a:lstStyle/>
+          <a:p>
+            <a:r>
+              <a:rPr lang="ru-RU" dirty="0"/>
+              <a:t>Словарь – это таблица, которое по ключу сохраняет значение</a:t>
+            </a:r>
+          </a:p>
+          <a:p>
+            <a:r>
+              <a:rPr lang="ru-RU" dirty="0"/>
+              <a:t>Словарь – изменяемый тип</a:t>
+            </a:r>
+          </a:p>
+          <a:p>
+            <a:r>
+              <a:rPr lang="ru-RU" dirty="0"/>
+              <a:t>Начиная с </a:t>
+            </a:r>
+            <a:r>
+              <a:rPr lang="en-US" dirty="0"/>
+              <a:t>Python 3.8 </a:t>
+            </a:r>
+            <a:r>
+              <a:rPr lang="ru-RU" dirty="0"/>
+              <a:t>словари упорядочены, т.е. хранят данные в том же порядке, в котором они были добавлены в словарь</a:t>
+            </a:r>
+          </a:p>
+        </p:txBody>
+      </p:sp>
+      <p:grpSp>
+        <p:nvGrpSpPr>
+          <p:cNvPr id="7" name="Группа 6">
+            <a:extLst>
+              <a:ext uri="{FF2B5EF4-FFF2-40B4-BE49-F238E27FC236}">
+                <a16:creationId xmlns:a16="http://schemas.microsoft.com/office/drawing/2014/main" id="{EDFA6915-9E51-4810-BE90-BD049727ECA9}"/>
+              </a:ext>
+            </a:extLst>
+          </p:cNvPr>
+          <p:cNvGrpSpPr/>
+          <p:nvPr/>
+        </p:nvGrpSpPr>
+        <p:grpSpPr>
+          <a:xfrm>
+            <a:off x="3253561" y="4312297"/>
+            <a:ext cx="4550735" cy="1010093"/>
+            <a:chOff x="1903227" y="3217142"/>
+            <a:chExt cx="4550735" cy="1010093"/>
+          </a:xfrm>
+        </p:grpSpPr>
+        <p:sp>
+          <p:nvSpPr>
+            <p:cNvPr id="4" name="Прямоугольник: скругленные углы 3">
+              <a:extLst>
+                <a:ext uri="{FF2B5EF4-FFF2-40B4-BE49-F238E27FC236}">
+                  <a16:creationId xmlns:a16="http://schemas.microsoft.com/office/drawing/2014/main" id="{8DF45734-7DA4-499C-8F80-E39BF636C081}"/>
+                </a:ext>
+              </a:extLst>
+            </p:cNvPr>
+            <p:cNvSpPr/>
+            <p:nvPr/>
+          </p:nvSpPr>
+          <p:spPr>
+            <a:xfrm>
+              <a:off x="1903227" y="3217142"/>
+              <a:ext cx="4550735" cy="1010093"/>
+            </a:xfrm>
+            <a:prstGeom prst="roundRect">
+              <a:avLst/>
+            </a:prstGeom>
+          </p:spPr>
+          <p:style>
+            <a:lnRef idx="2">
+              <a:schemeClr val="accent1">
+                <a:shade val="50000"/>
+              </a:schemeClr>
+            </a:lnRef>
+            <a:fillRef idx="1">
+              <a:schemeClr val="accent1"/>
+            </a:fillRef>
+            <a:effectRef idx="0">
+              <a:schemeClr val="accent1"/>
+            </a:effectRef>
+            <a:fontRef idx="minor">
+              <a:schemeClr val="lt1"/>
+            </a:fontRef>
+          </p:style>
+          <p:txBody>
+            <a:bodyPr rtlCol="0" anchor="ctr"/>
+            <a:lstStyle/>
+            <a:p>
+              <a:r>
+                <a:rPr lang="en-US" sz="4400" dirty="0"/>
+                <a:t>{               :  </a:t>
+              </a:r>
+              <a:r>
+                <a:rPr lang="ru-RU" sz="4400" dirty="0"/>
+                <a:t>  </a:t>
+              </a:r>
+              <a:r>
+                <a:rPr lang="en-US" sz="4400" dirty="0"/>
+                <a:t>          }</a:t>
+              </a:r>
+              <a:endParaRPr lang="ru-RU" sz="4400" dirty="0"/>
+            </a:p>
+          </p:txBody>
+        </p:sp>
+        <p:sp>
+          <p:nvSpPr>
+            <p:cNvPr id="5" name="Прямоугольник: скругленные углы 4">
+              <a:extLst>
+                <a:ext uri="{FF2B5EF4-FFF2-40B4-BE49-F238E27FC236}">
+                  <a16:creationId xmlns:a16="http://schemas.microsoft.com/office/drawing/2014/main" id="{CBA02F8A-FC6E-44D4-85D3-36611DC9B157}"/>
+                </a:ext>
+              </a:extLst>
+            </p:cNvPr>
+            <p:cNvSpPr/>
+            <p:nvPr/>
+          </p:nvSpPr>
+          <p:spPr>
+            <a:xfrm>
+              <a:off x="2371059" y="3429000"/>
+              <a:ext cx="1594883" cy="558209"/>
+            </a:xfrm>
+            <a:prstGeom prst="roundRect">
+              <a:avLst/>
+            </a:prstGeom>
+          </p:spPr>
+          <p:style>
+            <a:lnRef idx="0">
+              <a:schemeClr val="accent2"/>
+            </a:lnRef>
+            <a:fillRef idx="3">
+              <a:schemeClr val="accent2"/>
+            </a:fillRef>
+            <a:effectRef idx="3">
+              <a:schemeClr val="accent2"/>
+            </a:effectRef>
+            <a:fontRef idx="minor">
+              <a:schemeClr val="lt1"/>
+            </a:fontRef>
+          </p:style>
+          <p:txBody>
+            <a:bodyPr rtlCol="0" anchor="ctr"/>
+            <a:lstStyle/>
+            <a:p>
+              <a:pPr algn="ctr"/>
+              <a:r>
+                <a:rPr lang="ru-RU" dirty="0"/>
+                <a:t>КЛЮЧ</a:t>
+              </a:r>
+            </a:p>
+          </p:txBody>
+        </p:sp>
+        <p:sp>
+          <p:nvSpPr>
+            <p:cNvPr id="6" name="Прямоугольник: скругленные углы 5">
+              <a:extLst>
+                <a:ext uri="{FF2B5EF4-FFF2-40B4-BE49-F238E27FC236}">
+                  <a16:creationId xmlns:a16="http://schemas.microsoft.com/office/drawing/2014/main" id="{0826E54B-2F6D-4825-96C2-4D71F6BD8BE5}"/>
+                </a:ext>
+              </a:extLst>
+            </p:cNvPr>
+            <p:cNvSpPr/>
+            <p:nvPr/>
+          </p:nvSpPr>
+          <p:spPr>
+            <a:xfrm>
+              <a:off x="4407195" y="3443085"/>
+              <a:ext cx="1594883" cy="558209"/>
+            </a:xfrm>
+            <a:prstGeom prst="roundRect">
+              <a:avLst/>
+            </a:prstGeom>
+          </p:spPr>
+          <p:style>
+            <a:lnRef idx="0">
+              <a:schemeClr val="accent6"/>
+            </a:lnRef>
+            <a:fillRef idx="3">
+              <a:schemeClr val="accent6"/>
+            </a:fillRef>
+            <a:effectRef idx="3">
+              <a:schemeClr val="accent6"/>
+            </a:effectRef>
+            <a:fontRef idx="minor">
+              <a:schemeClr val="lt1"/>
+            </a:fontRef>
+          </p:style>
+          <p:txBody>
+            <a:bodyPr rtlCol="0" anchor="ctr"/>
+            <a:lstStyle/>
+            <a:p>
+              <a:pPr algn="ctr"/>
+              <a:r>
+                <a:rPr lang="ru-RU" dirty="0"/>
+                <a:t>ЗНАЧЕНИЕ</a:t>
+              </a:r>
+            </a:p>
+          </p:txBody>
+        </p:sp>
+      </p:grpSp>
     </p:spTree>
     <p:extLst>
       <p:ext uri="{BB962C8B-B14F-4D97-AF65-F5344CB8AC3E}">
-        <p14:creationId xmlns:p14="http://schemas.microsoft.com/office/powerpoint/2010/main" val="135774511"/>
+        <p14:creationId xmlns:p14="http://schemas.microsoft.com/office/powerpoint/2010/main" val="3027659621"/>
       </p:ext>
     </p:extLst>
   </p:cSld>
@@ -17962,6 +18184,1875 @@
           <p:cNvPr id="2" name="Заголовок 1">
             <a:extLst>
               <a:ext uri="{FF2B5EF4-FFF2-40B4-BE49-F238E27FC236}">
+                <a16:creationId xmlns:a16="http://schemas.microsoft.com/office/drawing/2014/main" id="{4D7CFEA1-636A-42FC-9117-8D0174025699}"/>
+              </a:ext>
+            </a:extLst>
+          </p:cNvPr>
+          <p:cNvSpPr>
+            <a:spLocks noGrp="1"/>
+          </p:cNvSpPr>
+          <p:nvPr>
+            <p:ph type="title"/>
+          </p:nvPr>
+        </p:nvSpPr>
+        <p:spPr>
+          <a:xfrm>
+            <a:off x="847060" y="106325"/>
+            <a:ext cx="10515600" cy="595423"/>
+          </a:xfrm>
+        </p:spPr>
+        <p:txBody>
+          <a:bodyPr>
+            <a:normAutofit fontScale="90000"/>
+          </a:bodyPr>
+          <a:lstStyle/>
+          <a:p>
+            <a:r>
+              <a:rPr lang="ru-RU" dirty="0"/>
+              <a:t>Словари</a:t>
+            </a:r>
+          </a:p>
+        </p:txBody>
+      </p:sp>
+      <p:graphicFrame>
+        <p:nvGraphicFramePr>
+          <p:cNvPr id="4" name="Таблица 4">
+            <a:extLst>
+              <a:ext uri="{FF2B5EF4-FFF2-40B4-BE49-F238E27FC236}">
+                <a16:creationId xmlns:a16="http://schemas.microsoft.com/office/drawing/2014/main" id="{3D1934F3-BB68-448A-BA15-0A7D49461EC5}"/>
+              </a:ext>
+            </a:extLst>
+          </p:cNvPr>
+          <p:cNvGraphicFramePr>
+            <a:graphicFrameLocks noGrp="1"/>
+          </p:cNvGraphicFramePr>
+          <p:nvPr>
+            <p:ph idx="1"/>
+            <p:extLst>
+              <p:ext uri="{D42A27DB-BD31-4B8C-83A1-F6EECF244321}">
+                <p14:modId xmlns:p14="http://schemas.microsoft.com/office/powerpoint/2010/main" val="4205888820"/>
+              </p:ext>
+            </p:extLst>
+          </p:nvPr>
+        </p:nvGraphicFramePr>
+        <p:xfrm>
+          <a:off x="847060" y="808074"/>
+          <a:ext cx="10515600" cy="5491480"/>
+        </p:xfrm>
+        <a:graphic>
+          <a:graphicData uri="http://schemas.openxmlformats.org/drawingml/2006/table">
+            <a:tbl>
+              <a:tblPr firstRow="1" bandRow="1">
+                <a:tableStyleId>{5C22544A-7EE6-4342-B048-85BDC9FD1C3A}</a:tableStyleId>
+              </a:tblPr>
+              <a:tblGrid>
+                <a:gridCol w="3095847">
+                  <a:extLst>
+                    <a:ext uri="{9D8B030D-6E8A-4147-A177-3AD203B41FA5}">
+                      <a16:colId xmlns:a16="http://schemas.microsoft.com/office/drawing/2014/main" val="3042323506"/>
+                    </a:ext>
+                  </a:extLst>
+                </a:gridCol>
+                <a:gridCol w="7419753">
+                  <a:extLst>
+                    <a:ext uri="{9D8B030D-6E8A-4147-A177-3AD203B41FA5}">
+                      <a16:colId xmlns:a16="http://schemas.microsoft.com/office/drawing/2014/main" val="1318159120"/>
+                    </a:ext>
+                  </a:extLst>
+                </a:gridCol>
+              </a:tblGrid>
+              <a:tr h="370840">
+                <a:tc>
+                  <a:txBody>
+                    <a:bodyPr/>
+                    <a:lstStyle/>
+                    <a:p>
+                      <a:r>
+                        <a:rPr lang="ru-RU" sz="1600" dirty="0"/>
+                        <a:t>Операция</a:t>
+                      </a:r>
+                    </a:p>
+                  </a:txBody>
+                  <a:tcPr/>
+                </a:tc>
+                <a:tc>
+                  <a:txBody>
+                    <a:bodyPr/>
+                    <a:lstStyle/>
+                    <a:p>
+                      <a:r>
+                        <a:rPr lang="ru-RU" sz="1600" dirty="0"/>
+                        <a:t>Описание</a:t>
+                      </a:r>
+                    </a:p>
+                  </a:txBody>
+                  <a:tcPr/>
+                </a:tc>
+                <a:extLst>
+                  <a:ext uri="{0D108BD9-81ED-4DB2-BD59-A6C34878D82A}">
+                    <a16:rowId xmlns:a16="http://schemas.microsoft.com/office/drawing/2014/main" val="3778106925"/>
+                  </a:ext>
+                </a:extLst>
+              </a:tr>
+              <a:tr h="370840">
+                <a:tc>
+                  <a:txBody>
+                    <a:bodyPr/>
+                    <a:lstStyle/>
+                    <a:p>
+                      <a:r>
+                        <a:rPr lang="en-US" sz="1600" b="1" i="0" kern="1200" dirty="0" err="1">
+                          <a:solidFill>
+                            <a:schemeClr val="dk1"/>
+                          </a:solidFill>
+                          <a:effectLst/>
+                          <a:latin typeface="+mn-lt"/>
+                          <a:ea typeface="+mn-ea"/>
+                          <a:cs typeface="+mn-cs"/>
+                        </a:rPr>
+                        <a:t>dict.clear</a:t>
+                      </a:r>
+                      <a:r>
+                        <a:rPr lang="en-US" sz="1600" b="0" i="0" kern="1200" dirty="0">
+                          <a:solidFill>
+                            <a:schemeClr val="dk1"/>
+                          </a:solidFill>
+                          <a:effectLst/>
+                          <a:latin typeface="+mn-lt"/>
+                          <a:ea typeface="+mn-ea"/>
+                          <a:cs typeface="+mn-cs"/>
+                        </a:rPr>
+                        <a:t>() </a:t>
+                      </a:r>
+                      <a:endParaRPr lang="ru-RU" sz="1600" dirty="0"/>
+                    </a:p>
+                  </a:txBody>
+                  <a:tcPr/>
+                </a:tc>
+                <a:tc>
+                  <a:txBody>
+                    <a:bodyPr/>
+                    <a:lstStyle/>
+                    <a:p>
+                      <a:r>
+                        <a:rPr lang="ru-RU" sz="1600" b="0" i="0" kern="1200" dirty="0">
+                          <a:solidFill>
+                            <a:schemeClr val="dk1"/>
+                          </a:solidFill>
+                          <a:effectLst/>
+                          <a:latin typeface="+mn-lt"/>
+                          <a:ea typeface="+mn-ea"/>
+                          <a:cs typeface="+mn-cs"/>
+                        </a:rPr>
+                        <a:t>очищает словарь</a:t>
+                      </a:r>
+                      <a:endParaRPr lang="ru-RU" sz="1600" dirty="0"/>
+                    </a:p>
+                  </a:txBody>
+                  <a:tcPr/>
+                </a:tc>
+                <a:extLst>
+                  <a:ext uri="{0D108BD9-81ED-4DB2-BD59-A6C34878D82A}">
+                    <a16:rowId xmlns:a16="http://schemas.microsoft.com/office/drawing/2014/main" val="2211447558"/>
+                  </a:ext>
+                </a:extLst>
+              </a:tr>
+              <a:tr h="370840">
+                <a:tc>
+                  <a:txBody>
+                    <a:bodyPr/>
+                    <a:lstStyle/>
+                    <a:p>
+                      <a:r>
+                        <a:rPr lang="en-US" sz="1600" b="1" i="0" kern="1200" dirty="0" err="1">
+                          <a:solidFill>
+                            <a:schemeClr val="dk1"/>
+                          </a:solidFill>
+                          <a:effectLst/>
+                          <a:latin typeface="+mn-lt"/>
+                          <a:ea typeface="+mn-ea"/>
+                          <a:cs typeface="+mn-cs"/>
+                        </a:rPr>
+                        <a:t>dict.copy</a:t>
+                      </a:r>
+                      <a:r>
+                        <a:rPr lang="en-US" sz="1600" b="0" i="0" kern="1200" dirty="0">
+                          <a:solidFill>
+                            <a:schemeClr val="dk1"/>
+                          </a:solidFill>
+                          <a:effectLst/>
+                          <a:latin typeface="+mn-lt"/>
+                          <a:ea typeface="+mn-ea"/>
+                          <a:cs typeface="+mn-cs"/>
+                        </a:rPr>
+                        <a:t>()</a:t>
+                      </a:r>
+                      <a:endParaRPr lang="ru-RU" sz="1600" dirty="0"/>
+                    </a:p>
+                  </a:txBody>
+                  <a:tcPr/>
+                </a:tc>
+                <a:tc>
+                  <a:txBody>
+                    <a:bodyPr/>
+                    <a:lstStyle/>
+                    <a:p>
+                      <a:r>
+                        <a:rPr lang="ru-RU" sz="1600" b="0" i="0" kern="1200" dirty="0">
+                          <a:solidFill>
+                            <a:schemeClr val="dk1"/>
+                          </a:solidFill>
+                          <a:effectLst/>
+                          <a:latin typeface="+mn-lt"/>
+                          <a:ea typeface="+mn-ea"/>
+                          <a:cs typeface="+mn-cs"/>
+                        </a:rPr>
+                        <a:t>возвращает копию словаря</a:t>
+                      </a:r>
+                      <a:endParaRPr lang="ru-RU" sz="1600" dirty="0"/>
+                    </a:p>
+                  </a:txBody>
+                  <a:tcPr/>
+                </a:tc>
+                <a:extLst>
+                  <a:ext uri="{0D108BD9-81ED-4DB2-BD59-A6C34878D82A}">
+                    <a16:rowId xmlns:a16="http://schemas.microsoft.com/office/drawing/2014/main" val="2578438955"/>
+                  </a:ext>
+                </a:extLst>
+              </a:tr>
+              <a:tr h="370840">
+                <a:tc>
+                  <a:txBody>
+                    <a:bodyPr/>
+                    <a:lstStyle/>
+                    <a:p>
+                      <a:r>
+                        <a:rPr lang="en-US" sz="1600" b="1" i="0" u="sng" kern="1200" dirty="0" err="1">
+                          <a:solidFill>
+                            <a:schemeClr val="dk1"/>
+                          </a:solidFill>
+                          <a:effectLst/>
+                          <a:latin typeface="+mn-lt"/>
+                          <a:ea typeface="+mn-ea"/>
+                          <a:cs typeface="+mn-cs"/>
+                        </a:rPr>
+                        <a:t>dict</a:t>
+                      </a:r>
+                      <a:r>
+                        <a:rPr lang="en-US" sz="1600" b="1" i="0" kern="1200" dirty="0" err="1">
+                          <a:solidFill>
+                            <a:schemeClr val="dk1"/>
+                          </a:solidFill>
+                          <a:effectLst/>
+                          <a:latin typeface="+mn-lt"/>
+                          <a:ea typeface="+mn-ea"/>
+                          <a:cs typeface="+mn-cs"/>
+                        </a:rPr>
+                        <a:t>.fromkeys</a:t>
+                      </a:r>
+                      <a:r>
+                        <a:rPr lang="en-US" sz="1600" b="0" i="0" kern="1200" dirty="0">
+                          <a:solidFill>
+                            <a:schemeClr val="dk1"/>
+                          </a:solidFill>
+                          <a:effectLst/>
+                          <a:latin typeface="+mn-lt"/>
+                          <a:ea typeface="+mn-ea"/>
+                          <a:cs typeface="+mn-cs"/>
+                        </a:rPr>
+                        <a:t>(seq[, value])</a:t>
+                      </a:r>
+                      <a:endParaRPr lang="ru-RU" sz="1600" dirty="0"/>
+                    </a:p>
+                  </a:txBody>
+                  <a:tcPr/>
+                </a:tc>
+                <a:tc>
+                  <a:txBody>
+                    <a:bodyPr/>
+                    <a:lstStyle/>
+                    <a:p>
+                      <a:r>
+                        <a:rPr lang="ru-RU" sz="1600" b="0" i="0" kern="1200" dirty="0">
+                          <a:solidFill>
+                            <a:schemeClr val="dk1"/>
+                          </a:solidFill>
+                          <a:effectLst/>
+                          <a:latin typeface="+mn-lt"/>
+                          <a:ea typeface="+mn-ea"/>
+                          <a:cs typeface="+mn-cs"/>
+                        </a:rPr>
+                        <a:t>создает словарь с ключами из </a:t>
+                      </a:r>
+                      <a:r>
+                        <a:rPr lang="ru-RU" sz="1600" b="0" i="0" kern="1200" dirty="0" err="1">
+                          <a:solidFill>
+                            <a:schemeClr val="dk1"/>
+                          </a:solidFill>
+                          <a:effectLst/>
+                          <a:latin typeface="+mn-lt"/>
+                          <a:ea typeface="+mn-ea"/>
+                          <a:cs typeface="+mn-cs"/>
+                        </a:rPr>
+                        <a:t>seq</a:t>
+                      </a:r>
+                      <a:r>
+                        <a:rPr lang="ru-RU" sz="1600" b="0" i="0" kern="1200" dirty="0">
+                          <a:solidFill>
+                            <a:schemeClr val="dk1"/>
+                          </a:solidFill>
+                          <a:effectLst/>
+                          <a:latin typeface="+mn-lt"/>
+                          <a:ea typeface="+mn-ea"/>
+                          <a:cs typeface="+mn-cs"/>
+                        </a:rPr>
+                        <a:t> и значением </a:t>
+                      </a:r>
+                      <a:r>
+                        <a:rPr lang="ru-RU" sz="1600" b="0" i="0" kern="1200" dirty="0" err="1">
+                          <a:solidFill>
+                            <a:schemeClr val="dk1"/>
+                          </a:solidFill>
+                          <a:effectLst/>
+                          <a:latin typeface="+mn-lt"/>
+                          <a:ea typeface="+mn-ea"/>
+                          <a:cs typeface="+mn-cs"/>
+                        </a:rPr>
+                        <a:t>value</a:t>
+                      </a:r>
+                      <a:r>
+                        <a:rPr lang="ru-RU" sz="1600" b="0" i="0" kern="1200" dirty="0">
+                          <a:solidFill>
+                            <a:schemeClr val="dk1"/>
+                          </a:solidFill>
+                          <a:effectLst/>
+                          <a:latin typeface="+mn-lt"/>
+                          <a:ea typeface="+mn-ea"/>
+                          <a:cs typeface="+mn-cs"/>
+                        </a:rPr>
+                        <a:t> (по умолчанию </a:t>
+                      </a:r>
+                      <a:r>
+                        <a:rPr lang="ru-RU" sz="1600" b="0" i="0" kern="1200" dirty="0" err="1">
+                          <a:solidFill>
+                            <a:schemeClr val="dk1"/>
+                          </a:solidFill>
+                          <a:effectLst/>
+                          <a:latin typeface="+mn-lt"/>
+                          <a:ea typeface="+mn-ea"/>
+                          <a:cs typeface="+mn-cs"/>
+                        </a:rPr>
+                        <a:t>None</a:t>
+                      </a:r>
+                      <a:r>
+                        <a:rPr lang="ru-RU" sz="1600" b="0" i="0" kern="1200" dirty="0">
+                          <a:solidFill>
+                            <a:schemeClr val="dk1"/>
+                          </a:solidFill>
+                          <a:effectLst/>
+                          <a:latin typeface="+mn-lt"/>
+                          <a:ea typeface="+mn-ea"/>
+                          <a:cs typeface="+mn-cs"/>
+                        </a:rPr>
+                        <a:t>)</a:t>
+                      </a:r>
+                      <a:endParaRPr lang="ru-RU" sz="1600" dirty="0"/>
+                    </a:p>
+                  </a:txBody>
+                  <a:tcPr/>
+                </a:tc>
+                <a:extLst>
+                  <a:ext uri="{0D108BD9-81ED-4DB2-BD59-A6C34878D82A}">
+                    <a16:rowId xmlns:a16="http://schemas.microsoft.com/office/drawing/2014/main" val="2396555809"/>
+                  </a:ext>
+                </a:extLst>
+              </a:tr>
+              <a:tr h="370840">
+                <a:tc>
+                  <a:txBody>
+                    <a:bodyPr/>
+                    <a:lstStyle/>
+                    <a:p>
+                      <a:r>
+                        <a:rPr lang="en-US" sz="1600" b="1" i="0" kern="1200" dirty="0" err="1">
+                          <a:solidFill>
+                            <a:schemeClr val="dk1"/>
+                          </a:solidFill>
+                          <a:effectLst/>
+                          <a:latin typeface="+mn-lt"/>
+                          <a:ea typeface="+mn-ea"/>
+                          <a:cs typeface="+mn-cs"/>
+                        </a:rPr>
+                        <a:t>dict.get</a:t>
+                      </a:r>
+                      <a:r>
+                        <a:rPr lang="en-US" sz="1600" b="0" i="0" kern="1200" dirty="0">
+                          <a:solidFill>
+                            <a:schemeClr val="dk1"/>
+                          </a:solidFill>
+                          <a:effectLst/>
+                          <a:latin typeface="+mn-lt"/>
+                          <a:ea typeface="+mn-ea"/>
+                          <a:cs typeface="+mn-cs"/>
+                        </a:rPr>
+                        <a:t>(key[, default])</a:t>
+                      </a:r>
+                      <a:endParaRPr lang="ru-RU" sz="1600" dirty="0"/>
+                    </a:p>
+                  </a:txBody>
+                  <a:tcPr/>
+                </a:tc>
+                <a:tc>
+                  <a:txBody>
+                    <a:bodyPr/>
+                    <a:lstStyle/>
+                    <a:p>
+                      <a:r>
+                        <a:rPr lang="ru-RU" sz="1600" b="0" i="0" kern="1200" dirty="0">
+                          <a:solidFill>
+                            <a:schemeClr val="dk1"/>
+                          </a:solidFill>
+                          <a:effectLst/>
+                          <a:latin typeface="+mn-lt"/>
+                          <a:ea typeface="+mn-ea"/>
+                          <a:cs typeface="+mn-cs"/>
+                        </a:rPr>
+                        <a:t>возвращает значение ключа, но если его нет, не бросает исключение, а возвращает </a:t>
+                      </a:r>
+                      <a:r>
+                        <a:rPr lang="ru-RU" sz="1600" b="0" i="0" kern="1200" dirty="0" err="1">
+                          <a:solidFill>
+                            <a:schemeClr val="dk1"/>
+                          </a:solidFill>
+                          <a:effectLst/>
+                          <a:latin typeface="+mn-lt"/>
+                          <a:ea typeface="+mn-ea"/>
+                          <a:cs typeface="+mn-cs"/>
+                        </a:rPr>
+                        <a:t>default</a:t>
+                      </a:r>
+                      <a:r>
+                        <a:rPr lang="ru-RU" sz="1600" b="0" i="0" kern="1200" dirty="0">
+                          <a:solidFill>
+                            <a:schemeClr val="dk1"/>
+                          </a:solidFill>
+                          <a:effectLst/>
+                          <a:latin typeface="+mn-lt"/>
+                          <a:ea typeface="+mn-ea"/>
+                          <a:cs typeface="+mn-cs"/>
+                        </a:rPr>
+                        <a:t> (по умолчанию </a:t>
+                      </a:r>
+                      <a:r>
+                        <a:rPr lang="ru-RU" sz="1600" b="0" i="0" kern="1200" dirty="0" err="1">
+                          <a:solidFill>
+                            <a:schemeClr val="dk1"/>
+                          </a:solidFill>
+                          <a:effectLst/>
+                          <a:latin typeface="+mn-lt"/>
+                          <a:ea typeface="+mn-ea"/>
+                          <a:cs typeface="+mn-cs"/>
+                        </a:rPr>
+                        <a:t>None</a:t>
+                      </a:r>
+                      <a:r>
+                        <a:rPr lang="ru-RU" sz="1600" b="0" i="0" kern="1200" dirty="0">
+                          <a:solidFill>
+                            <a:schemeClr val="dk1"/>
+                          </a:solidFill>
+                          <a:effectLst/>
+                          <a:latin typeface="+mn-lt"/>
+                          <a:ea typeface="+mn-ea"/>
+                          <a:cs typeface="+mn-cs"/>
+                        </a:rPr>
+                        <a:t>)</a:t>
+                      </a:r>
+                      <a:endParaRPr lang="ru-RU" sz="1600" dirty="0"/>
+                    </a:p>
+                  </a:txBody>
+                  <a:tcPr/>
+                </a:tc>
+                <a:extLst>
+                  <a:ext uri="{0D108BD9-81ED-4DB2-BD59-A6C34878D82A}">
+                    <a16:rowId xmlns:a16="http://schemas.microsoft.com/office/drawing/2014/main" val="1560929852"/>
+                  </a:ext>
+                </a:extLst>
+              </a:tr>
+              <a:tr h="370840">
+                <a:tc>
+                  <a:txBody>
+                    <a:bodyPr/>
+                    <a:lstStyle/>
+                    <a:p>
+                      <a:r>
+                        <a:rPr lang="en-US" sz="1600" b="1" i="0" kern="1200" dirty="0" err="1">
+                          <a:solidFill>
+                            <a:schemeClr val="dk1"/>
+                          </a:solidFill>
+                          <a:effectLst/>
+                          <a:latin typeface="+mn-lt"/>
+                          <a:ea typeface="+mn-ea"/>
+                          <a:cs typeface="+mn-cs"/>
+                        </a:rPr>
+                        <a:t>dict.items</a:t>
+                      </a:r>
+                      <a:r>
+                        <a:rPr lang="en-US" sz="1600" b="0" i="0" kern="1200" dirty="0">
+                          <a:solidFill>
+                            <a:schemeClr val="dk1"/>
+                          </a:solidFill>
+                          <a:effectLst/>
+                          <a:latin typeface="+mn-lt"/>
+                          <a:ea typeface="+mn-ea"/>
+                          <a:cs typeface="+mn-cs"/>
+                        </a:rPr>
+                        <a:t>() </a:t>
+                      </a:r>
+                      <a:endParaRPr lang="ru-RU" sz="1600" dirty="0"/>
+                    </a:p>
+                  </a:txBody>
+                  <a:tcPr/>
+                </a:tc>
+                <a:tc>
+                  <a:txBody>
+                    <a:bodyPr/>
+                    <a:lstStyle/>
+                    <a:p>
+                      <a:r>
+                        <a:rPr lang="ru-RU" sz="1600" b="0" i="0" kern="1200" dirty="0">
+                          <a:solidFill>
+                            <a:schemeClr val="dk1"/>
+                          </a:solidFill>
+                          <a:effectLst/>
+                          <a:latin typeface="+mn-lt"/>
+                          <a:ea typeface="+mn-ea"/>
+                          <a:cs typeface="+mn-cs"/>
+                        </a:rPr>
+                        <a:t>возвращает пары (ключ, значение).</a:t>
+                      </a:r>
+                      <a:endParaRPr lang="ru-RU" sz="1600" dirty="0"/>
+                    </a:p>
+                  </a:txBody>
+                  <a:tcPr/>
+                </a:tc>
+                <a:extLst>
+                  <a:ext uri="{0D108BD9-81ED-4DB2-BD59-A6C34878D82A}">
+                    <a16:rowId xmlns:a16="http://schemas.microsoft.com/office/drawing/2014/main" val="3523421656"/>
+                  </a:ext>
+                </a:extLst>
+              </a:tr>
+              <a:tr h="370840">
+                <a:tc>
+                  <a:txBody>
+                    <a:bodyPr/>
+                    <a:lstStyle/>
+                    <a:p>
+                      <a:r>
+                        <a:rPr lang="en-US" sz="1600" b="1" i="0" kern="1200" dirty="0" err="1">
+                          <a:solidFill>
+                            <a:schemeClr val="dk1"/>
+                          </a:solidFill>
+                          <a:effectLst/>
+                          <a:latin typeface="+mn-lt"/>
+                          <a:ea typeface="+mn-ea"/>
+                          <a:cs typeface="+mn-cs"/>
+                        </a:rPr>
+                        <a:t>dict.keys</a:t>
+                      </a:r>
+                      <a:r>
+                        <a:rPr lang="en-US" sz="1600" b="0" i="0" kern="1200" dirty="0">
+                          <a:solidFill>
+                            <a:schemeClr val="dk1"/>
+                          </a:solidFill>
+                          <a:effectLst/>
+                          <a:latin typeface="+mn-lt"/>
+                          <a:ea typeface="+mn-ea"/>
+                          <a:cs typeface="+mn-cs"/>
+                        </a:rPr>
+                        <a:t>()</a:t>
+                      </a:r>
+                      <a:endParaRPr lang="ru-RU" sz="1600" dirty="0"/>
+                    </a:p>
+                  </a:txBody>
+                  <a:tcPr/>
+                </a:tc>
+                <a:tc>
+                  <a:txBody>
+                    <a:bodyPr/>
+                    <a:lstStyle/>
+                    <a:p>
+                      <a:r>
+                        <a:rPr lang="ru-RU" sz="1600" b="0" i="0" kern="1200" dirty="0">
+                          <a:solidFill>
+                            <a:schemeClr val="dk1"/>
+                          </a:solidFill>
+                          <a:effectLst/>
+                          <a:latin typeface="+mn-lt"/>
+                          <a:ea typeface="+mn-ea"/>
+                          <a:cs typeface="+mn-cs"/>
+                        </a:rPr>
+                        <a:t>возвращает ключи в словаре.</a:t>
+                      </a:r>
+                      <a:endParaRPr lang="ru-RU" sz="1600" dirty="0"/>
+                    </a:p>
+                  </a:txBody>
+                  <a:tcPr/>
+                </a:tc>
+                <a:extLst>
+                  <a:ext uri="{0D108BD9-81ED-4DB2-BD59-A6C34878D82A}">
+                    <a16:rowId xmlns:a16="http://schemas.microsoft.com/office/drawing/2014/main" val="3131966616"/>
+                  </a:ext>
+                </a:extLst>
+              </a:tr>
+              <a:tr h="370840">
+                <a:tc>
+                  <a:txBody>
+                    <a:bodyPr/>
+                    <a:lstStyle/>
+                    <a:p>
+                      <a:r>
+                        <a:rPr lang="en-US" sz="1600" b="1" i="0" kern="1200" dirty="0" err="1">
+                          <a:solidFill>
+                            <a:schemeClr val="dk1"/>
+                          </a:solidFill>
+                          <a:effectLst/>
+                          <a:latin typeface="+mn-lt"/>
+                          <a:ea typeface="+mn-ea"/>
+                          <a:cs typeface="+mn-cs"/>
+                        </a:rPr>
+                        <a:t>dict.pop</a:t>
+                      </a:r>
+                      <a:r>
+                        <a:rPr lang="en-US" sz="1600" b="0" i="0" kern="1200" dirty="0">
+                          <a:solidFill>
+                            <a:schemeClr val="dk1"/>
+                          </a:solidFill>
+                          <a:effectLst/>
+                          <a:latin typeface="+mn-lt"/>
+                          <a:ea typeface="+mn-ea"/>
+                          <a:cs typeface="+mn-cs"/>
+                        </a:rPr>
+                        <a:t>(key[, default]) </a:t>
+                      </a:r>
+                      <a:endParaRPr lang="ru-RU" sz="1600" dirty="0"/>
+                    </a:p>
+                  </a:txBody>
+                  <a:tcPr/>
+                </a:tc>
+                <a:tc>
+                  <a:txBody>
+                    <a:bodyPr/>
+                    <a:lstStyle/>
+                    <a:p>
+                      <a:r>
+                        <a:rPr lang="ru-RU" sz="1600" b="0" i="0" kern="1200" dirty="0">
+                          <a:solidFill>
+                            <a:schemeClr val="dk1"/>
+                          </a:solidFill>
+                          <a:effectLst/>
+                          <a:latin typeface="+mn-lt"/>
+                          <a:ea typeface="+mn-ea"/>
+                          <a:cs typeface="+mn-cs"/>
+                        </a:rPr>
+                        <a:t>удаляет ключ и возвращает значение. Если ключа нет, возвращает </a:t>
+                      </a:r>
+                      <a:r>
+                        <a:rPr lang="ru-RU" sz="1600" b="0" i="0" kern="1200" dirty="0" err="1">
+                          <a:solidFill>
+                            <a:schemeClr val="dk1"/>
+                          </a:solidFill>
+                          <a:effectLst/>
+                          <a:latin typeface="+mn-lt"/>
+                          <a:ea typeface="+mn-ea"/>
+                          <a:cs typeface="+mn-cs"/>
+                        </a:rPr>
+                        <a:t>default</a:t>
+                      </a:r>
+                      <a:r>
+                        <a:rPr lang="ru-RU" sz="1600" b="0" i="0" kern="1200" dirty="0">
+                          <a:solidFill>
+                            <a:schemeClr val="dk1"/>
+                          </a:solidFill>
+                          <a:effectLst/>
+                          <a:latin typeface="+mn-lt"/>
+                          <a:ea typeface="+mn-ea"/>
+                          <a:cs typeface="+mn-cs"/>
+                        </a:rPr>
+                        <a:t> (по умолчанию бросает исключение)</a:t>
+                      </a:r>
+                      <a:endParaRPr lang="ru-RU" sz="1600" dirty="0"/>
+                    </a:p>
+                  </a:txBody>
+                  <a:tcPr/>
+                </a:tc>
+                <a:extLst>
+                  <a:ext uri="{0D108BD9-81ED-4DB2-BD59-A6C34878D82A}">
+                    <a16:rowId xmlns:a16="http://schemas.microsoft.com/office/drawing/2014/main" val="1653023693"/>
+                  </a:ext>
+                </a:extLst>
+              </a:tr>
+              <a:tr h="370840">
+                <a:tc>
+                  <a:txBody>
+                    <a:bodyPr/>
+                    <a:lstStyle/>
+                    <a:p>
+                      <a:r>
+                        <a:rPr lang="en-US" sz="1600" b="1" i="0" kern="1200" dirty="0" err="1">
+                          <a:solidFill>
+                            <a:schemeClr val="dk1"/>
+                          </a:solidFill>
+                          <a:effectLst/>
+                          <a:latin typeface="+mn-lt"/>
+                          <a:ea typeface="+mn-ea"/>
+                          <a:cs typeface="+mn-cs"/>
+                        </a:rPr>
+                        <a:t>dict.popitem</a:t>
+                      </a:r>
+                      <a:r>
+                        <a:rPr lang="en-US" sz="1600" b="0" i="0" kern="1200" dirty="0">
+                          <a:solidFill>
+                            <a:schemeClr val="dk1"/>
+                          </a:solidFill>
+                          <a:effectLst/>
+                          <a:latin typeface="+mn-lt"/>
+                          <a:ea typeface="+mn-ea"/>
+                          <a:cs typeface="+mn-cs"/>
+                        </a:rPr>
+                        <a:t>()</a:t>
+                      </a:r>
+                      <a:endParaRPr lang="ru-RU" sz="1600" dirty="0"/>
+                    </a:p>
+                  </a:txBody>
+                  <a:tcPr/>
+                </a:tc>
+                <a:tc>
+                  <a:txBody>
+                    <a:bodyPr/>
+                    <a:lstStyle/>
+                    <a:p>
+                      <a:r>
+                        <a:rPr lang="ru-RU" sz="1600" b="0" i="0" kern="1200" dirty="0">
+                          <a:solidFill>
+                            <a:schemeClr val="dk1"/>
+                          </a:solidFill>
+                          <a:effectLst/>
+                          <a:latin typeface="+mn-lt"/>
+                          <a:ea typeface="+mn-ea"/>
+                          <a:cs typeface="+mn-cs"/>
+                        </a:rPr>
+                        <a:t>удаляет и возвращает пару (ключ, значение). Если словарь пуст, бросает исключение </a:t>
+                      </a:r>
+                      <a:r>
+                        <a:rPr lang="ru-RU" sz="1600" b="0" i="0" kern="1200" dirty="0" err="1">
+                          <a:solidFill>
+                            <a:schemeClr val="dk1"/>
+                          </a:solidFill>
+                          <a:effectLst/>
+                          <a:latin typeface="+mn-lt"/>
+                          <a:ea typeface="+mn-ea"/>
+                          <a:cs typeface="+mn-cs"/>
+                        </a:rPr>
+                        <a:t>KeyError</a:t>
+                      </a:r>
+                      <a:r>
+                        <a:rPr lang="ru-RU" sz="1600" b="0" i="0" kern="1200" dirty="0">
+                          <a:solidFill>
+                            <a:schemeClr val="dk1"/>
+                          </a:solidFill>
+                          <a:effectLst/>
+                          <a:latin typeface="+mn-lt"/>
+                          <a:ea typeface="+mn-ea"/>
+                          <a:cs typeface="+mn-cs"/>
+                        </a:rPr>
+                        <a:t>. Помните, что словари </a:t>
+                      </a:r>
+                      <a:r>
+                        <a:rPr lang="ru-RU" sz="1600" b="0" i="0" kern="1200" dirty="0" err="1">
+                          <a:solidFill>
+                            <a:schemeClr val="dk1"/>
+                          </a:solidFill>
+                          <a:effectLst/>
+                          <a:latin typeface="+mn-lt"/>
+                          <a:ea typeface="+mn-ea"/>
+                          <a:cs typeface="+mn-cs"/>
+                        </a:rPr>
+                        <a:t>неупорядочены</a:t>
+                      </a:r>
+                      <a:endParaRPr lang="ru-RU" sz="1600" dirty="0"/>
+                    </a:p>
+                  </a:txBody>
+                  <a:tcPr/>
+                </a:tc>
+                <a:extLst>
+                  <a:ext uri="{0D108BD9-81ED-4DB2-BD59-A6C34878D82A}">
+                    <a16:rowId xmlns:a16="http://schemas.microsoft.com/office/drawing/2014/main" val="130053255"/>
+                  </a:ext>
+                </a:extLst>
+              </a:tr>
+              <a:tr h="370840">
+                <a:tc>
+                  <a:txBody>
+                    <a:bodyPr/>
+                    <a:lstStyle/>
+                    <a:p>
+                      <a:r>
+                        <a:rPr lang="ru-RU" sz="1600" b="1" i="0" kern="1200" dirty="0" err="1">
+                          <a:solidFill>
+                            <a:schemeClr val="dk1"/>
+                          </a:solidFill>
+                          <a:effectLst/>
+                          <a:latin typeface="+mn-lt"/>
+                          <a:ea typeface="+mn-ea"/>
+                          <a:cs typeface="+mn-cs"/>
+                        </a:rPr>
+                        <a:t>dict.setdefault</a:t>
+                      </a:r>
+                      <a:r>
+                        <a:rPr lang="ru-RU" sz="1600" b="0" i="0" kern="1200" dirty="0">
+                          <a:solidFill>
+                            <a:schemeClr val="dk1"/>
+                          </a:solidFill>
+                          <a:effectLst/>
+                          <a:latin typeface="+mn-lt"/>
+                          <a:ea typeface="+mn-ea"/>
+                          <a:cs typeface="+mn-cs"/>
+                        </a:rPr>
+                        <a:t>(</a:t>
+                      </a:r>
+                      <a:r>
+                        <a:rPr lang="ru-RU" sz="1600" b="0" i="0" kern="1200" dirty="0" err="1">
+                          <a:solidFill>
+                            <a:schemeClr val="dk1"/>
+                          </a:solidFill>
+                          <a:effectLst/>
+                          <a:latin typeface="+mn-lt"/>
+                          <a:ea typeface="+mn-ea"/>
+                          <a:cs typeface="+mn-cs"/>
+                        </a:rPr>
+                        <a:t>key</a:t>
+                      </a:r>
+                      <a:r>
+                        <a:rPr lang="ru-RU" sz="1600" b="0" i="0" kern="1200" dirty="0">
+                          <a:solidFill>
+                            <a:schemeClr val="dk1"/>
+                          </a:solidFill>
+                          <a:effectLst/>
+                          <a:latin typeface="+mn-lt"/>
+                          <a:ea typeface="+mn-ea"/>
+                          <a:cs typeface="+mn-cs"/>
+                        </a:rPr>
+                        <a:t>[, </a:t>
+                      </a:r>
+                      <a:r>
+                        <a:rPr lang="ru-RU" sz="1600" b="0" i="0" kern="1200" dirty="0" err="1">
+                          <a:solidFill>
+                            <a:schemeClr val="dk1"/>
+                          </a:solidFill>
+                          <a:effectLst/>
+                          <a:latin typeface="+mn-lt"/>
+                          <a:ea typeface="+mn-ea"/>
+                          <a:cs typeface="+mn-cs"/>
+                        </a:rPr>
+                        <a:t>default</a:t>
+                      </a:r>
+                      <a:r>
+                        <a:rPr lang="ru-RU" sz="1600" b="0" i="0" kern="1200" dirty="0">
+                          <a:solidFill>
+                            <a:schemeClr val="dk1"/>
+                          </a:solidFill>
+                          <a:effectLst/>
+                          <a:latin typeface="+mn-lt"/>
+                          <a:ea typeface="+mn-ea"/>
+                          <a:cs typeface="+mn-cs"/>
+                        </a:rPr>
+                        <a:t>])</a:t>
+                      </a:r>
+                      <a:endParaRPr lang="ru-RU" sz="1600" dirty="0"/>
+                    </a:p>
+                  </a:txBody>
+                  <a:tcPr/>
+                </a:tc>
+                <a:tc>
+                  <a:txBody>
+                    <a:bodyPr/>
+                    <a:lstStyle/>
+                    <a:p>
+                      <a:r>
+                        <a:rPr lang="ru-RU" sz="1600" b="0" i="0" kern="1200" dirty="0">
+                          <a:solidFill>
+                            <a:schemeClr val="dk1"/>
+                          </a:solidFill>
+                          <a:effectLst/>
+                          <a:latin typeface="+mn-lt"/>
+                          <a:ea typeface="+mn-ea"/>
+                          <a:cs typeface="+mn-cs"/>
+                        </a:rPr>
+                        <a:t>возвращает значение ключа, но если его нет, не бросает исключение, а создает ключ с значением </a:t>
+                      </a:r>
+                      <a:r>
+                        <a:rPr lang="ru-RU" sz="1600" b="0" i="0" kern="1200" dirty="0" err="1">
+                          <a:solidFill>
+                            <a:schemeClr val="dk1"/>
+                          </a:solidFill>
+                          <a:effectLst/>
+                          <a:latin typeface="+mn-lt"/>
+                          <a:ea typeface="+mn-ea"/>
+                          <a:cs typeface="+mn-cs"/>
+                        </a:rPr>
+                        <a:t>default</a:t>
+                      </a:r>
+                      <a:r>
+                        <a:rPr lang="ru-RU" sz="1600" b="0" i="0" kern="1200" dirty="0">
+                          <a:solidFill>
+                            <a:schemeClr val="dk1"/>
+                          </a:solidFill>
+                          <a:effectLst/>
+                          <a:latin typeface="+mn-lt"/>
+                          <a:ea typeface="+mn-ea"/>
+                          <a:cs typeface="+mn-cs"/>
+                        </a:rPr>
+                        <a:t> (по умолчанию </a:t>
+                      </a:r>
+                      <a:r>
+                        <a:rPr lang="ru-RU" sz="1600" b="0" i="0" kern="1200" dirty="0" err="1">
+                          <a:solidFill>
+                            <a:schemeClr val="dk1"/>
+                          </a:solidFill>
+                          <a:effectLst/>
+                          <a:latin typeface="+mn-lt"/>
+                          <a:ea typeface="+mn-ea"/>
+                          <a:cs typeface="+mn-cs"/>
+                        </a:rPr>
+                        <a:t>None</a:t>
+                      </a:r>
+                      <a:r>
+                        <a:rPr lang="ru-RU" sz="1600" b="0" i="0" kern="1200" dirty="0">
+                          <a:solidFill>
+                            <a:schemeClr val="dk1"/>
+                          </a:solidFill>
+                          <a:effectLst/>
+                          <a:latin typeface="+mn-lt"/>
+                          <a:ea typeface="+mn-ea"/>
+                          <a:cs typeface="+mn-cs"/>
+                        </a:rPr>
+                        <a:t>)</a:t>
+                      </a:r>
+                      <a:endParaRPr lang="ru-RU" sz="1600" dirty="0"/>
+                    </a:p>
+                  </a:txBody>
+                  <a:tcPr/>
+                </a:tc>
+                <a:extLst>
+                  <a:ext uri="{0D108BD9-81ED-4DB2-BD59-A6C34878D82A}">
+                    <a16:rowId xmlns:a16="http://schemas.microsoft.com/office/drawing/2014/main" val="2909960982"/>
+                  </a:ext>
+                </a:extLst>
+              </a:tr>
+              <a:tr h="370840">
+                <a:tc>
+                  <a:txBody>
+                    <a:bodyPr/>
+                    <a:lstStyle/>
+                    <a:p>
+                      <a:r>
+                        <a:rPr lang="en-US" sz="1600" b="1" i="0" kern="1200" dirty="0" err="1">
+                          <a:solidFill>
+                            <a:schemeClr val="dk1"/>
+                          </a:solidFill>
+                          <a:effectLst/>
+                          <a:latin typeface="+mn-lt"/>
+                          <a:ea typeface="+mn-ea"/>
+                          <a:cs typeface="+mn-cs"/>
+                        </a:rPr>
+                        <a:t>dict.update</a:t>
+                      </a:r>
+                      <a:r>
+                        <a:rPr lang="en-US" sz="1600" b="0" i="0" kern="1200" dirty="0">
+                          <a:solidFill>
+                            <a:schemeClr val="dk1"/>
+                          </a:solidFill>
+                          <a:effectLst/>
+                          <a:latin typeface="+mn-lt"/>
+                          <a:ea typeface="+mn-ea"/>
+                          <a:cs typeface="+mn-cs"/>
+                        </a:rPr>
+                        <a:t>([other])</a:t>
+                      </a:r>
+                      <a:endParaRPr lang="ru-RU" sz="1600" dirty="0"/>
+                    </a:p>
+                  </a:txBody>
+                  <a:tcPr/>
+                </a:tc>
+                <a:tc>
+                  <a:txBody>
+                    <a:bodyPr/>
+                    <a:lstStyle/>
+                    <a:p>
+                      <a:r>
+                        <a:rPr lang="ru-RU" sz="1600" b="0" i="0" kern="1200" dirty="0">
+                          <a:solidFill>
+                            <a:schemeClr val="dk1"/>
+                          </a:solidFill>
+                          <a:effectLst/>
+                          <a:latin typeface="+mn-lt"/>
+                          <a:ea typeface="+mn-ea"/>
+                          <a:cs typeface="+mn-cs"/>
+                        </a:rPr>
+                        <a:t> обновляет словарь, добавляя пары (ключ, значение) из </a:t>
+                      </a:r>
+                      <a:r>
+                        <a:rPr lang="ru-RU" sz="1600" b="0" i="0" kern="1200" dirty="0" err="1">
+                          <a:solidFill>
+                            <a:schemeClr val="dk1"/>
+                          </a:solidFill>
+                          <a:effectLst/>
+                          <a:latin typeface="+mn-lt"/>
+                          <a:ea typeface="+mn-ea"/>
+                          <a:cs typeface="+mn-cs"/>
+                        </a:rPr>
+                        <a:t>other</a:t>
+                      </a:r>
+                      <a:r>
+                        <a:rPr lang="ru-RU" sz="1600" b="0" i="0" kern="1200" dirty="0">
+                          <a:solidFill>
+                            <a:schemeClr val="dk1"/>
+                          </a:solidFill>
+                          <a:effectLst/>
+                          <a:latin typeface="+mn-lt"/>
+                          <a:ea typeface="+mn-ea"/>
+                          <a:cs typeface="+mn-cs"/>
+                        </a:rPr>
+                        <a:t>. Существующие ключи перезаписываются. Возвращает </a:t>
+                      </a:r>
+                      <a:r>
+                        <a:rPr lang="ru-RU" sz="1600" b="0" i="0" kern="1200" dirty="0" err="1">
+                          <a:solidFill>
+                            <a:schemeClr val="dk1"/>
+                          </a:solidFill>
+                          <a:effectLst/>
+                          <a:latin typeface="+mn-lt"/>
+                          <a:ea typeface="+mn-ea"/>
+                          <a:cs typeface="+mn-cs"/>
+                        </a:rPr>
+                        <a:t>None</a:t>
+                      </a:r>
+                      <a:r>
+                        <a:rPr lang="ru-RU" sz="1600" b="0" i="0" kern="1200" dirty="0">
+                          <a:solidFill>
+                            <a:schemeClr val="dk1"/>
+                          </a:solidFill>
+                          <a:effectLst/>
+                          <a:latin typeface="+mn-lt"/>
+                          <a:ea typeface="+mn-ea"/>
+                          <a:cs typeface="+mn-cs"/>
+                        </a:rPr>
+                        <a:t> (не новый словарь!).</a:t>
+                      </a:r>
+                      <a:endParaRPr lang="ru-RU" sz="1600" dirty="0"/>
+                    </a:p>
+                  </a:txBody>
+                  <a:tcPr/>
+                </a:tc>
+                <a:extLst>
+                  <a:ext uri="{0D108BD9-81ED-4DB2-BD59-A6C34878D82A}">
+                    <a16:rowId xmlns:a16="http://schemas.microsoft.com/office/drawing/2014/main" val="1459588192"/>
+                  </a:ext>
+                </a:extLst>
+              </a:tr>
+              <a:tr h="370840">
+                <a:tc>
+                  <a:txBody>
+                    <a:bodyPr/>
+                    <a:lstStyle/>
+                    <a:p>
+                      <a:r>
+                        <a:rPr lang="en-US" sz="1600" b="1" i="0" kern="1200" dirty="0" err="1">
+                          <a:solidFill>
+                            <a:schemeClr val="dk1"/>
+                          </a:solidFill>
+                          <a:effectLst/>
+                          <a:latin typeface="+mn-lt"/>
+                          <a:ea typeface="+mn-ea"/>
+                          <a:cs typeface="+mn-cs"/>
+                        </a:rPr>
+                        <a:t>dict.values</a:t>
+                      </a:r>
+                      <a:r>
+                        <a:rPr lang="en-US" sz="1600" b="0" i="0" kern="1200" dirty="0">
+                          <a:solidFill>
+                            <a:schemeClr val="dk1"/>
+                          </a:solidFill>
+                          <a:effectLst/>
+                          <a:latin typeface="+mn-lt"/>
+                          <a:ea typeface="+mn-ea"/>
+                          <a:cs typeface="+mn-cs"/>
+                        </a:rPr>
+                        <a:t>() </a:t>
+                      </a:r>
+                      <a:endParaRPr lang="ru-RU" sz="1600" dirty="0"/>
+                    </a:p>
+                  </a:txBody>
+                  <a:tcPr/>
+                </a:tc>
+                <a:tc>
+                  <a:txBody>
+                    <a:bodyPr/>
+                    <a:lstStyle/>
+                    <a:p>
+                      <a:r>
+                        <a:rPr lang="ru-RU" sz="1600" b="0" i="0" kern="1200" dirty="0">
+                          <a:solidFill>
+                            <a:schemeClr val="dk1"/>
+                          </a:solidFill>
+                          <a:effectLst/>
+                          <a:latin typeface="+mn-lt"/>
+                          <a:ea typeface="+mn-ea"/>
+                          <a:cs typeface="+mn-cs"/>
+                        </a:rPr>
+                        <a:t>возвращает значения в словаре.</a:t>
+                      </a:r>
+                      <a:endParaRPr lang="ru-RU" sz="1600" dirty="0"/>
+                    </a:p>
+                  </a:txBody>
+                  <a:tcPr/>
+                </a:tc>
+                <a:extLst>
+                  <a:ext uri="{0D108BD9-81ED-4DB2-BD59-A6C34878D82A}">
+                    <a16:rowId xmlns:a16="http://schemas.microsoft.com/office/drawing/2014/main" val="1217199526"/>
+                  </a:ext>
+                </a:extLst>
+              </a:tr>
+            </a:tbl>
+          </a:graphicData>
+        </a:graphic>
+      </p:graphicFrame>
+    </p:spTree>
+    <p:extLst>
+      <p:ext uri="{BB962C8B-B14F-4D97-AF65-F5344CB8AC3E}">
+        <p14:creationId xmlns:p14="http://schemas.microsoft.com/office/powerpoint/2010/main" val="142740388"/>
+      </p:ext>
+    </p:extLst>
+  </p:cSld>
+  <p:clrMapOvr>
+    <a:masterClrMapping/>
+  </p:clrMapOvr>
+</p:sld>
+</file>
+
+<file path=ppt/slides/slide53.xml><?xml version="1.0" encoding="utf-8"?>
+<p:sld xmlns:a="http://schemas.openxmlformats.org/drawingml/2006/main" xmlns:r="http://schemas.openxmlformats.org/officeDocument/2006/relationships" xmlns:p="http://schemas.openxmlformats.org/presentationml/2006/main">
+  <p:cSld>
+    <p:spTree>
+      <p:nvGrpSpPr>
+        <p:cNvPr id="1" name=""/>
+        <p:cNvGrpSpPr/>
+        <p:nvPr/>
+      </p:nvGrpSpPr>
+      <p:grpSpPr>
+        <a:xfrm>
+          <a:off x="0" y="0"/>
+          <a:ext cx="0" cy="0"/>
+          <a:chOff x="0" y="0"/>
+          <a:chExt cx="0" cy="0"/>
+        </a:xfrm>
+      </p:grpSpPr>
+      <p:sp>
+        <p:nvSpPr>
+          <p:cNvPr id="2" name="Заголовок 1">
+            <a:extLst>
+              <a:ext uri="{FF2B5EF4-FFF2-40B4-BE49-F238E27FC236}">
+                <a16:creationId xmlns:a16="http://schemas.microsoft.com/office/drawing/2014/main" id="{945AD1FC-CD45-44A0-A9C7-169FBF99C538}"/>
+              </a:ext>
+            </a:extLst>
+          </p:cNvPr>
+          <p:cNvSpPr>
+            <a:spLocks noGrp="1"/>
+          </p:cNvSpPr>
+          <p:nvPr>
+            <p:ph type="title"/>
+          </p:nvPr>
+        </p:nvSpPr>
+        <p:spPr>
+          <a:xfrm>
+            <a:off x="838200" y="180753"/>
+            <a:ext cx="10515600" cy="1325563"/>
+          </a:xfrm>
+        </p:spPr>
+        <p:txBody>
+          <a:bodyPr/>
+          <a:lstStyle/>
+          <a:p>
+            <a:r>
+              <a:rPr lang="ru-RU" dirty="0"/>
+              <a:t>Словари</a:t>
+            </a:r>
+          </a:p>
+        </p:txBody>
+      </p:sp>
+      <p:sp>
+        <p:nvSpPr>
+          <p:cNvPr id="5" name="TextBox 4">
+            <a:extLst>
+              <a:ext uri="{FF2B5EF4-FFF2-40B4-BE49-F238E27FC236}">
+                <a16:creationId xmlns:a16="http://schemas.microsoft.com/office/drawing/2014/main" id="{7BC2601D-02CA-4831-928D-E8C15C84B413}"/>
+              </a:ext>
+            </a:extLst>
+          </p:cNvPr>
+          <p:cNvSpPr txBox="1"/>
+          <p:nvPr/>
+        </p:nvSpPr>
+        <p:spPr>
+          <a:xfrm>
+            <a:off x="274674" y="1168047"/>
+            <a:ext cx="11834038" cy="5509200"/>
+          </a:xfrm>
+          <a:prstGeom prst="rect">
+            <a:avLst/>
+          </a:prstGeom>
+          <a:noFill/>
+        </p:spPr>
+        <p:txBody>
+          <a:bodyPr wrap="square">
+            <a:spAutoFit/>
+          </a:bodyPr>
+          <a:lstStyle/>
+          <a:p>
+            <a:r>
+              <a:rPr lang="en-US" sz="3200" b="0" dirty="0">
+                <a:solidFill>
+                  <a:srgbClr val="D4D4D4"/>
+                </a:solidFill>
+                <a:effectLst/>
+                <a:latin typeface="Consolas" panose="020B0609020204030204" pitchFamily="49" charset="0"/>
+              </a:rPr>
+              <a:t>d = {</a:t>
+            </a:r>
+            <a:r>
+              <a:rPr lang="en-US" sz="3200" b="0" dirty="0">
+                <a:solidFill>
+                  <a:srgbClr val="CE9178"/>
+                </a:solidFill>
+                <a:effectLst/>
+                <a:latin typeface="Consolas" panose="020B0609020204030204" pitchFamily="49" charset="0"/>
+              </a:rPr>
+              <a:t>"first"</a:t>
+            </a:r>
+            <a:r>
+              <a:rPr lang="en-US" sz="3200" b="0" dirty="0">
+                <a:solidFill>
+                  <a:srgbClr val="D4D4D4"/>
+                </a:solidFill>
+                <a:effectLst/>
+                <a:latin typeface="Consolas" panose="020B0609020204030204" pitchFamily="49" charset="0"/>
+              </a:rPr>
+              <a:t> : </a:t>
+            </a:r>
+            <a:r>
+              <a:rPr lang="en-US" sz="3200" b="0" dirty="0">
+                <a:solidFill>
+                  <a:srgbClr val="CE9178"/>
+                </a:solidFill>
+                <a:effectLst/>
+                <a:latin typeface="Consolas" panose="020B0609020204030204" pitchFamily="49" charset="0"/>
+              </a:rPr>
+              <a:t>"test"</a:t>
+            </a:r>
+            <a:r>
+              <a:rPr lang="en-US" sz="3200" b="0" dirty="0">
+                <a:solidFill>
+                  <a:srgbClr val="D4D4D4"/>
+                </a:solidFill>
+                <a:effectLst/>
+                <a:latin typeface="Consolas" panose="020B0609020204030204" pitchFamily="49" charset="0"/>
+              </a:rPr>
+              <a:t>, </a:t>
+            </a:r>
+            <a:r>
+              <a:rPr lang="en-US" sz="3200" b="0" dirty="0">
+                <a:solidFill>
+                  <a:srgbClr val="B5CEA8"/>
+                </a:solidFill>
+                <a:effectLst/>
+                <a:latin typeface="Consolas" panose="020B0609020204030204" pitchFamily="49" charset="0"/>
+              </a:rPr>
+              <a:t>2</a:t>
+            </a:r>
+            <a:r>
+              <a:rPr lang="en-US" sz="3200" b="0" dirty="0">
+                <a:solidFill>
+                  <a:srgbClr val="D4D4D4"/>
+                </a:solidFill>
+                <a:effectLst/>
+                <a:latin typeface="Consolas" panose="020B0609020204030204" pitchFamily="49" charset="0"/>
+              </a:rPr>
+              <a:t>: </a:t>
+            </a:r>
+            <a:r>
+              <a:rPr lang="en-US" sz="3200" b="0" dirty="0">
+                <a:solidFill>
+                  <a:srgbClr val="CE9178"/>
+                </a:solidFill>
+                <a:effectLst/>
+                <a:latin typeface="Consolas" panose="020B0609020204030204" pitchFamily="49" charset="0"/>
+              </a:rPr>
+              <a:t>"test"</a:t>
+            </a:r>
+            <a:r>
+              <a:rPr lang="en-US" sz="3200" b="0" dirty="0">
+                <a:solidFill>
+                  <a:srgbClr val="D4D4D4"/>
+                </a:solidFill>
+                <a:effectLst/>
+                <a:latin typeface="Consolas" panose="020B0609020204030204" pitchFamily="49" charset="0"/>
+              </a:rPr>
+              <a:t>, </a:t>
+            </a:r>
+            <a:r>
+              <a:rPr lang="en-US" sz="3200" b="0" dirty="0">
+                <a:solidFill>
+                  <a:srgbClr val="CE9178"/>
+                </a:solidFill>
+                <a:effectLst/>
+                <a:latin typeface="Consolas" panose="020B0609020204030204" pitchFamily="49" charset="0"/>
+              </a:rPr>
+              <a:t>"three"</a:t>
+            </a:r>
+            <a:r>
+              <a:rPr lang="en-US" sz="3200" b="0" dirty="0">
+                <a:solidFill>
+                  <a:srgbClr val="D4D4D4"/>
+                </a:solidFill>
+                <a:effectLst/>
+                <a:latin typeface="Consolas" panose="020B0609020204030204" pitchFamily="49" charset="0"/>
+              </a:rPr>
+              <a:t>: [</a:t>
+            </a:r>
+            <a:r>
+              <a:rPr lang="en-US" sz="3200" b="0" dirty="0">
+                <a:solidFill>
+                  <a:srgbClr val="B5CEA8"/>
+                </a:solidFill>
+                <a:effectLst/>
+                <a:latin typeface="Consolas" panose="020B0609020204030204" pitchFamily="49" charset="0"/>
+              </a:rPr>
+              <a:t>1</a:t>
+            </a:r>
+            <a:r>
+              <a:rPr lang="en-US" sz="3200" b="0" dirty="0">
+                <a:solidFill>
+                  <a:srgbClr val="D4D4D4"/>
+                </a:solidFill>
+                <a:effectLst/>
+                <a:latin typeface="Consolas" panose="020B0609020204030204" pitchFamily="49" charset="0"/>
+              </a:rPr>
+              <a:t>,</a:t>
+            </a:r>
+            <a:r>
+              <a:rPr lang="en-US" sz="3200" b="0" dirty="0">
+                <a:solidFill>
+                  <a:srgbClr val="B5CEA8"/>
+                </a:solidFill>
+                <a:effectLst/>
+                <a:latin typeface="Consolas" panose="020B0609020204030204" pitchFamily="49" charset="0"/>
+              </a:rPr>
+              <a:t>2</a:t>
+            </a:r>
+            <a:r>
+              <a:rPr lang="en-US" sz="3200" b="0" dirty="0">
+                <a:solidFill>
+                  <a:srgbClr val="D4D4D4"/>
+                </a:solidFill>
+                <a:effectLst/>
+                <a:latin typeface="Consolas" panose="020B0609020204030204" pitchFamily="49" charset="0"/>
+              </a:rPr>
+              <a:t>,</a:t>
+            </a:r>
+            <a:r>
+              <a:rPr lang="en-US" sz="3200" b="0" dirty="0">
+                <a:solidFill>
+                  <a:srgbClr val="B5CEA8"/>
+                </a:solidFill>
+                <a:effectLst/>
+                <a:latin typeface="Consolas" panose="020B0609020204030204" pitchFamily="49" charset="0"/>
+              </a:rPr>
+              <a:t>3</a:t>
+            </a:r>
+            <a:r>
+              <a:rPr lang="en-US" sz="3200" b="0" dirty="0">
+                <a:solidFill>
+                  <a:srgbClr val="D4D4D4"/>
+                </a:solidFill>
+                <a:effectLst/>
+                <a:latin typeface="Consolas" panose="020B0609020204030204" pitchFamily="49" charset="0"/>
+              </a:rPr>
+              <a:t>]}</a:t>
+            </a:r>
+          </a:p>
+          <a:p>
+            <a:r>
+              <a:rPr lang="en-US" sz="3200" b="0" dirty="0">
+                <a:solidFill>
+                  <a:srgbClr val="DCDCAA"/>
+                </a:solidFill>
+                <a:effectLst/>
+                <a:latin typeface="Consolas" panose="020B0609020204030204" pitchFamily="49" charset="0"/>
+              </a:rPr>
+              <a:t>print</a:t>
+            </a:r>
+            <a:r>
+              <a:rPr lang="en-US" sz="3200" b="0" dirty="0">
+                <a:solidFill>
+                  <a:srgbClr val="D4D4D4"/>
+                </a:solidFill>
+                <a:effectLst/>
+                <a:latin typeface="Consolas" panose="020B0609020204030204" pitchFamily="49" charset="0"/>
+              </a:rPr>
+              <a:t>(d)</a:t>
+            </a:r>
+          </a:p>
+          <a:p>
+            <a:r>
+              <a:rPr lang="en-US" sz="3200" b="0" dirty="0">
+                <a:solidFill>
+                  <a:srgbClr val="DCDCAA"/>
+                </a:solidFill>
+                <a:effectLst/>
+                <a:latin typeface="Consolas" panose="020B0609020204030204" pitchFamily="49" charset="0"/>
+              </a:rPr>
+              <a:t>print</a:t>
+            </a:r>
+            <a:r>
+              <a:rPr lang="en-US" sz="3200" b="0" dirty="0">
+                <a:solidFill>
+                  <a:srgbClr val="D4D4D4"/>
+                </a:solidFill>
+                <a:effectLst/>
+                <a:latin typeface="Consolas" panose="020B0609020204030204" pitchFamily="49" charset="0"/>
+              </a:rPr>
+              <a:t>(d[</a:t>
+            </a:r>
+            <a:r>
+              <a:rPr lang="en-US" sz="3200" b="0" dirty="0">
+                <a:solidFill>
+                  <a:srgbClr val="CE9178"/>
+                </a:solidFill>
+                <a:effectLst/>
+                <a:latin typeface="Consolas" panose="020B0609020204030204" pitchFamily="49" charset="0"/>
+              </a:rPr>
+              <a:t>"first"</a:t>
+            </a:r>
+            <a:r>
+              <a:rPr lang="en-US" sz="3200" b="0" dirty="0">
+                <a:solidFill>
+                  <a:srgbClr val="D4D4D4"/>
+                </a:solidFill>
+                <a:effectLst/>
+                <a:latin typeface="Consolas" panose="020B0609020204030204" pitchFamily="49" charset="0"/>
+              </a:rPr>
+              <a:t>])</a:t>
+            </a:r>
+          </a:p>
+          <a:p>
+            <a:r>
+              <a:rPr lang="en-US" sz="3200" b="0" dirty="0">
+                <a:solidFill>
+                  <a:srgbClr val="DCDCAA"/>
+                </a:solidFill>
+                <a:effectLst/>
+                <a:latin typeface="Consolas" panose="020B0609020204030204" pitchFamily="49" charset="0"/>
+              </a:rPr>
+              <a:t>print</a:t>
+            </a:r>
+            <a:r>
+              <a:rPr lang="en-US" sz="3200" b="0" dirty="0">
+                <a:solidFill>
+                  <a:srgbClr val="D4D4D4"/>
+                </a:solidFill>
+                <a:effectLst/>
+                <a:latin typeface="Consolas" panose="020B0609020204030204" pitchFamily="49" charset="0"/>
+              </a:rPr>
+              <a:t>(d[</a:t>
+            </a:r>
+            <a:r>
+              <a:rPr lang="en-US" sz="3200" b="0" dirty="0">
+                <a:solidFill>
+                  <a:srgbClr val="B5CEA8"/>
+                </a:solidFill>
+                <a:effectLst/>
+                <a:latin typeface="Consolas" panose="020B0609020204030204" pitchFamily="49" charset="0"/>
+              </a:rPr>
+              <a:t>2</a:t>
+            </a:r>
+            <a:r>
+              <a:rPr lang="en-US" sz="3200" b="0" dirty="0">
+                <a:solidFill>
+                  <a:srgbClr val="D4D4D4"/>
+                </a:solidFill>
+                <a:effectLst/>
+                <a:latin typeface="Consolas" panose="020B0609020204030204" pitchFamily="49" charset="0"/>
+              </a:rPr>
+              <a:t>])</a:t>
+            </a:r>
+          </a:p>
+          <a:p>
+            <a:r>
+              <a:rPr lang="en-US" sz="3200" b="0" dirty="0">
+                <a:solidFill>
+                  <a:srgbClr val="DCDCAA"/>
+                </a:solidFill>
+                <a:effectLst/>
+                <a:latin typeface="Consolas" panose="020B0609020204030204" pitchFamily="49" charset="0"/>
+              </a:rPr>
+              <a:t>print</a:t>
+            </a:r>
+            <a:r>
+              <a:rPr lang="en-US" sz="3200" b="0" dirty="0">
+                <a:solidFill>
+                  <a:srgbClr val="D4D4D4"/>
+                </a:solidFill>
+                <a:effectLst/>
+                <a:latin typeface="Consolas" panose="020B0609020204030204" pitchFamily="49" charset="0"/>
+              </a:rPr>
+              <a:t>(d[</a:t>
+            </a:r>
+            <a:r>
+              <a:rPr lang="en-US" sz="3200" b="0" dirty="0">
+                <a:solidFill>
+                  <a:srgbClr val="CE9178"/>
+                </a:solidFill>
+                <a:effectLst/>
+                <a:latin typeface="Consolas" panose="020B0609020204030204" pitchFamily="49" charset="0"/>
+              </a:rPr>
+              <a:t>"three"</a:t>
+            </a:r>
+            <a:r>
+              <a:rPr lang="en-US" sz="3200" b="0" dirty="0">
+                <a:solidFill>
+                  <a:srgbClr val="D4D4D4"/>
+                </a:solidFill>
+                <a:effectLst/>
+                <a:latin typeface="Consolas" panose="020B0609020204030204" pitchFamily="49" charset="0"/>
+              </a:rPr>
+              <a:t>])</a:t>
+            </a:r>
+          </a:p>
+          <a:p>
+            <a:r>
+              <a:rPr lang="en-US" sz="3200" b="0" dirty="0">
+                <a:solidFill>
+                  <a:srgbClr val="D4D4D4"/>
+                </a:solidFill>
+                <a:effectLst/>
+                <a:latin typeface="Consolas" panose="020B0609020204030204" pitchFamily="49" charset="0"/>
+              </a:rPr>
+              <a:t>x = </a:t>
+            </a:r>
+            <a:r>
+              <a:rPr lang="en-US" sz="3200" b="0" dirty="0" err="1">
+                <a:solidFill>
+                  <a:srgbClr val="4EC9B0"/>
+                </a:solidFill>
+                <a:effectLst/>
+                <a:latin typeface="Consolas" panose="020B0609020204030204" pitchFamily="49" charset="0"/>
+              </a:rPr>
+              <a:t>dict</a:t>
+            </a:r>
+            <a:r>
+              <a:rPr lang="en-US" sz="3200" b="0" dirty="0" err="1">
+                <a:solidFill>
+                  <a:srgbClr val="D4D4D4"/>
+                </a:solidFill>
+                <a:effectLst/>
+                <a:latin typeface="Consolas" panose="020B0609020204030204" pitchFamily="49" charset="0"/>
+              </a:rPr>
+              <a:t>.fromkeys</a:t>
+            </a:r>
+            <a:r>
+              <a:rPr lang="en-US" sz="3200" b="0" dirty="0">
+                <a:solidFill>
+                  <a:srgbClr val="D4D4D4"/>
+                </a:solidFill>
+                <a:effectLst/>
+                <a:latin typeface="Consolas" panose="020B0609020204030204" pitchFamily="49" charset="0"/>
+              </a:rPr>
+              <a:t>([</a:t>
+            </a:r>
+            <a:r>
+              <a:rPr lang="en-US" sz="3200" b="0" dirty="0">
+                <a:solidFill>
+                  <a:srgbClr val="CE9178"/>
+                </a:solidFill>
+                <a:effectLst/>
+                <a:latin typeface="Consolas" panose="020B0609020204030204" pitchFamily="49" charset="0"/>
+              </a:rPr>
+              <a:t>"</a:t>
+            </a:r>
+            <a:r>
+              <a:rPr lang="en-US" sz="3200" b="0" dirty="0" err="1">
+                <a:solidFill>
+                  <a:srgbClr val="CE9178"/>
+                </a:solidFill>
+                <a:effectLst/>
+                <a:latin typeface="Consolas" panose="020B0609020204030204" pitchFamily="49" charset="0"/>
+              </a:rPr>
+              <a:t>one"</a:t>
+            </a:r>
+            <a:r>
+              <a:rPr lang="en-US" sz="3200" b="0" dirty="0" err="1">
+                <a:solidFill>
+                  <a:srgbClr val="D4D4D4"/>
+                </a:solidFill>
+                <a:effectLst/>
+                <a:latin typeface="Consolas" panose="020B0609020204030204" pitchFamily="49" charset="0"/>
+              </a:rPr>
+              <a:t>,</a:t>
+            </a:r>
+            <a:r>
+              <a:rPr lang="en-US" sz="3200" b="0" dirty="0" err="1">
+                <a:solidFill>
+                  <a:srgbClr val="CE9178"/>
+                </a:solidFill>
+                <a:effectLst/>
+                <a:latin typeface="Consolas" panose="020B0609020204030204" pitchFamily="49" charset="0"/>
+              </a:rPr>
+              <a:t>"two"</a:t>
+            </a:r>
+            <a:r>
+              <a:rPr lang="en-US" sz="3200" b="0" dirty="0" err="1">
+                <a:solidFill>
+                  <a:srgbClr val="D4D4D4"/>
+                </a:solidFill>
+                <a:effectLst/>
+                <a:latin typeface="Consolas" panose="020B0609020204030204" pitchFamily="49" charset="0"/>
+              </a:rPr>
+              <a:t>,</a:t>
+            </a:r>
+            <a:r>
+              <a:rPr lang="en-US" sz="3200" b="0" dirty="0" err="1">
+                <a:solidFill>
+                  <a:srgbClr val="CE9178"/>
+                </a:solidFill>
+                <a:effectLst/>
+                <a:latin typeface="Consolas" panose="020B0609020204030204" pitchFamily="49" charset="0"/>
+              </a:rPr>
+              <a:t>"three</a:t>
+            </a:r>
+            <a:r>
+              <a:rPr lang="en-US" sz="3200" b="0" dirty="0">
+                <a:solidFill>
+                  <a:srgbClr val="CE9178"/>
+                </a:solidFill>
+                <a:effectLst/>
+                <a:latin typeface="Consolas" panose="020B0609020204030204" pitchFamily="49" charset="0"/>
+              </a:rPr>
+              <a:t>"</a:t>
+            </a:r>
+            <a:r>
+              <a:rPr lang="en-US" sz="3200" b="0" dirty="0">
+                <a:solidFill>
+                  <a:srgbClr val="D4D4D4"/>
+                </a:solidFill>
+                <a:effectLst/>
+                <a:latin typeface="Consolas" panose="020B0609020204030204" pitchFamily="49" charset="0"/>
+              </a:rPr>
+              <a:t>])</a:t>
+            </a:r>
+          </a:p>
+          <a:p>
+            <a:r>
+              <a:rPr lang="en-US" sz="3200" b="0" dirty="0">
+                <a:solidFill>
+                  <a:srgbClr val="DCDCAA"/>
+                </a:solidFill>
+                <a:effectLst/>
+                <a:latin typeface="Consolas" panose="020B0609020204030204" pitchFamily="49" charset="0"/>
+              </a:rPr>
+              <a:t>print</a:t>
+            </a:r>
+            <a:r>
+              <a:rPr lang="en-US" sz="3200" b="0" dirty="0">
+                <a:solidFill>
+                  <a:srgbClr val="D4D4D4"/>
+                </a:solidFill>
+                <a:effectLst/>
+                <a:latin typeface="Consolas" panose="020B0609020204030204" pitchFamily="49" charset="0"/>
+              </a:rPr>
+              <a:t>(x)</a:t>
+            </a:r>
+          </a:p>
+          <a:p>
+            <a:r>
+              <a:rPr lang="en-US" sz="3200" b="0" dirty="0">
+                <a:solidFill>
+                  <a:srgbClr val="DCDCAA"/>
+                </a:solidFill>
+                <a:effectLst/>
+                <a:latin typeface="Consolas" panose="020B0609020204030204" pitchFamily="49" charset="0"/>
+              </a:rPr>
+              <a:t>print</a:t>
+            </a:r>
+            <a:r>
+              <a:rPr lang="en-US" sz="3200" b="0" dirty="0">
+                <a:solidFill>
+                  <a:srgbClr val="D4D4D4"/>
+                </a:solidFill>
+                <a:effectLst/>
+                <a:latin typeface="Consolas" panose="020B0609020204030204" pitchFamily="49" charset="0"/>
+              </a:rPr>
+              <a:t>(</a:t>
+            </a:r>
+            <a:r>
+              <a:rPr lang="en-US" sz="3200" b="0" dirty="0" err="1">
+                <a:solidFill>
+                  <a:srgbClr val="D4D4D4"/>
+                </a:solidFill>
+                <a:effectLst/>
+                <a:latin typeface="Consolas" panose="020B0609020204030204" pitchFamily="49" charset="0"/>
+              </a:rPr>
+              <a:t>d.items</a:t>
+            </a:r>
+            <a:r>
+              <a:rPr lang="en-US" sz="3200" b="0" dirty="0">
+                <a:solidFill>
+                  <a:srgbClr val="D4D4D4"/>
+                </a:solidFill>
+                <a:effectLst/>
+                <a:latin typeface="Consolas" panose="020B0609020204030204" pitchFamily="49" charset="0"/>
+              </a:rPr>
+              <a:t>())</a:t>
+            </a:r>
+          </a:p>
+          <a:p>
+            <a:r>
+              <a:rPr lang="en-US" sz="3200" b="0" dirty="0">
+                <a:solidFill>
+                  <a:srgbClr val="DCDCAA"/>
+                </a:solidFill>
+                <a:effectLst/>
+                <a:latin typeface="Consolas" panose="020B0609020204030204" pitchFamily="49" charset="0"/>
+              </a:rPr>
+              <a:t>print</a:t>
+            </a:r>
+            <a:r>
+              <a:rPr lang="en-US" sz="3200" b="0" dirty="0">
+                <a:solidFill>
+                  <a:srgbClr val="D4D4D4"/>
+                </a:solidFill>
+                <a:effectLst/>
+                <a:latin typeface="Consolas" panose="020B0609020204030204" pitchFamily="49" charset="0"/>
+              </a:rPr>
+              <a:t>(</a:t>
+            </a:r>
+            <a:r>
+              <a:rPr lang="en-US" sz="3200" b="0" dirty="0" err="1">
+                <a:solidFill>
+                  <a:srgbClr val="D4D4D4"/>
+                </a:solidFill>
+                <a:effectLst/>
+                <a:latin typeface="Consolas" panose="020B0609020204030204" pitchFamily="49" charset="0"/>
+              </a:rPr>
+              <a:t>d.keys</a:t>
+            </a:r>
+            <a:r>
+              <a:rPr lang="en-US" sz="3200" b="0" dirty="0">
+                <a:solidFill>
+                  <a:srgbClr val="D4D4D4"/>
+                </a:solidFill>
+                <a:effectLst/>
+                <a:latin typeface="Consolas" panose="020B0609020204030204" pitchFamily="49" charset="0"/>
+              </a:rPr>
+              <a:t>())</a:t>
+            </a:r>
+          </a:p>
+          <a:p>
+            <a:r>
+              <a:rPr lang="en-US" sz="3200" b="0" dirty="0">
+                <a:solidFill>
+                  <a:srgbClr val="DCDCAA"/>
+                </a:solidFill>
+                <a:effectLst/>
+                <a:latin typeface="Consolas" panose="020B0609020204030204" pitchFamily="49" charset="0"/>
+              </a:rPr>
+              <a:t>print</a:t>
+            </a:r>
+            <a:r>
+              <a:rPr lang="en-US" sz="3200" b="0" dirty="0">
+                <a:solidFill>
+                  <a:srgbClr val="D4D4D4"/>
+                </a:solidFill>
+                <a:effectLst/>
+                <a:latin typeface="Consolas" panose="020B0609020204030204" pitchFamily="49" charset="0"/>
+              </a:rPr>
+              <a:t>(</a:t>
+            </a:r>
+            <a:r>
+              <a:rPr lang="en-US" sz="3200" b="0" dirty="0" err="1">
+                <a:solidFill>
+                  <a:srgbClr val="D4D4D4"/>
+                </a:solidFill>
+                <a:effectLst/>
+                <a:latin typeface="Consolas" panose="020B0609020204030204" pitchFamily="49" charset="0"/>
+              </a:rPr>
+              <a:t>d.values</a:t>
+            </a:r>
+            <a:r>
+              <a:rPr lang="en-US" sz="3200" b="0" dirty="0">
+                <a:solidFill>
+                  <a:srgbClr val="D4D4D4"/>
+                </a:solidFill>
+                <a:effectLst/>
+                <a:latin typeface="Consolas" panose="020B0609020204030204" pitchFamily="49" charset="0"/>
+              </a:rPr>
+              <a:t>())</a:t>
+            </a:r>
+          </a:p>
+          <a:p>
+            <a:endParaRPr lang="en-US" sz="3200" b="0" dirty="0">
+              <a:solidFill>
+                <a:srgbClr val="D4D4D4"/>
+              </a:solidFill>
+              <a:effectLst/>
+              <a:latin typeface="Consolas" panose="020B0609020204030204" pitchFamily="49" charset="0"/>
+            </a:endParaRPr>
+          </a:p>
+        </p:txBody>
+      </p:sp>
+    </p:spTree>
+    <p:extLst>
+      <p:ext uri="{BB962C8B-B14F-4D97-AF65-F5344CB8AC3E}">
+        <p14:creationId xmlns:p14="http://schemas.microsoft.com/office/powerpoint/2010/main" val="790943006"/>
+      </p:ext>
+    </p:extLst>
+  </p:cSld>
+  <p:clrMapOvr>
+    <a:masterClrMapping/>
+  </p:clrMapOvr>
+</p:sld>
+</file>
+
+<file path=ppt/slides/slide54.xml><?xml version="1.0" encoding="utf-8"?>
+<p:sld xmlns:a="http://schemas.openxmlformats.org/drawingml/2006/main" xmlns:r="http://schemas.openxmlformats.org/officeDocument/2006/relationships" xmlns:p="http://schemas.openxmlformats.org/presentationml/2006/main">
+  <p:cSld>
+    <p:spTree>
+      <p:nvGrpSpPr>
+        <p:cNvPr id="1" name=""/>
+        <p:cNvGrpSpPr/>
+        <p:nvPr/>
+      </p:nvGrpSpPr>
+      <p:grpSpPr>
+        <a:xfrm>
+          <a:off x="0" y="0"/>
+          <a:ext cx="0" cy="0"/>
+          <a:chOff x="0" y="0"/>
+          <a:chExt cx="0" cy="0"/>
+        </a:xfrm>
+      </p:grpSpPr>
+      <p:sp>
+        <p:nvSpPr>
+          <p:cNvPr id="2" name="Заголовок 1">
+            <a:extLst>
+              <a:ext uri="{FF2B5EF4-FFF2-40B4-BE49-F238E27FC236}">
                 <a16:creationId xmlns:a16="http://schemas.microsoft.com/office/drawing/2014/main" id="{EFCE8630-B5EC-42B9-9AA2-9443375532D2}"/>
               </a:ext>
             </a:extLst>
@@ -17984,10 +20075,3231 @@
           <a:lstStyle/>
           <a:p>
             <a:r>
-              <a:rPr lang="ru-RU"/>
+              <a:rPr lang="ru-RU" dirty="0"/>
+              <a:t>Множество</a:t>
+            </a:r>
+          </a:p>
+        </p:txBody>
+      </p:sp>
+    </p:spTree>
+    <p:extLst>
+      <p:ext uri="{BB962C8B-B14F-4D97-AF65-F5344CB8AC3E}">
+        <p14:creationId xmlns:p14="http://schemas.microsoft.com/office/powerpoint/2010/main" val="135774511"/>
+      </p:ext>
+    </p:extLst>
+  </p:cSld>
+  <p:clrMapOvr>
+    <a:masterClrMapping/>
+  </p:clrMapOvr>
+</p:sld>
+</file>
+
+<file path=ppt/slides/slide55.xml><?xml version="1.0" encoding="utf-8"?>
+<p:sld xmlns:a="http://schemas.openxmlformats.org/drawingml/2006/main" xmlns:r="http://schemas.openxmlformats.org/officeDocument/2006/relationships" xmlns:p="http://schemas.openxmlformats.org/presentationml/2006/main">
+  <p:cSld>
+    <p:spTree>
+      <p:nvGrpSpPr>
+        <p:cNvPr id="1" name=""/>
+        <p:cNvGrpSpPr/>
+        <p:nvPr/>
+      </p:nvGrpSpPr>
+      <p:grpSpPr>
+        <a:xfrm>
+          <a:off x="0" y="0"/>
+          <a:ext cx="0" cy="0"/>
+          <a:chOff x="0" y="0"/>
+          <a:chExt cx="0" cy="0"/>
+        </a:xfrm>
+      </p:grpSpPr>
+      <p:sp>
+        <p:nvSpPr>
+          <p:cNvPr id="2" name="Заголовок 1">
+            <a:extLst>
+              <a:ext uri="{FF2B5EF4-FFF2-40B4-BE49-F238E27FC236}">
+                <a16:creationId xmlns:a16="http://schemas.microsoft.com/office/drawing/2014/main" id="{B4C4C4F0-AD70-44E0-A80A-807021929FFE}"/>
+              </a:ext>
+            </a:extLst>
+          </p:cNvPr>
+          <p:cNvSpPr>
+            <a:spLocks noGrp="1"/>
+          </p:cNvSpPr>
+          <p:nvPr>
+            <p:ph type="title"/>
+          </p:nvPr>
+        </p:nvSpPr>
+        <p:spPr/>
+        <p:txBody>
+          <a:bodyPr/>
+          <a:lstStyle/>
+          <a:p>
+            <a:r>
+              <a:rPr lang="ru-RU" dirty="0"/>
+              <a:t>Множество</a:t>
+            </a:r>
+          </a:p>
+        </p:txBody>
+      </p:sp>
+      <p:sp>
+        <p:nvSpPr>
+          <p:cNvPr id="3" name="Объект 2">
+            <a:extLst>
+              <a:ext uri="{FF2B5EF4-FFF2-40B4-BE49-F238E27FC236}">
+                <a16:creationId xmlns:a16="http://schemas.microsoft.com/office/drawing/2014/main" id="{A8C077C9-D0B3-4D3E-B62C-E96297898663}"/>
+              </a:ext>
+            </a:extLst>
+          </p:cNvPr>
+          <p:cNvSpPr>
+            <a:spLocks noGrp="1"/>
+          </p:cNvSpPr>
+          <p:nvPr>
+            <p:ph idx="1"/>
+          </p:nvPr>
+        </p:nvSpPr>
+        <p:spPr/>
+        <p:txBody>
+          <a:bodyPr/>
+          <a:lstStyle/>
+          <a:p>
+            <a:r>
+              <a:rPr lang="ru-RU" dirty="0"/>
+              <a:t>Множество в </a:t>
+            </a:r>
+            <a:r>
+              <a:rPr lang="ru-RU" dirty="0" err="1"/>
+              <a:t>python</a:t>
+            </a:r>
+            <a:r>
+              <a:rPr lang="ru-RU" dirty="0"/>
+              <a:t> - "контейнер", содержащий не повторяющиеся элементы в случайном порядке</a:t>
+            </a:r>
+          </a:p>
+          <a:p>
+            <a:endParaRPr lang="ru-RU" dirty="0"/>
+          </a:p>
+          <a:p>
+            <a:endParaRPr lang="ru-RU" dirty="0"/>
+          </a:p>
+          <a:p>
+            <a:endParaRPr lang="ru-RU" dirty="0"/>
+          </a:p>
+          <a:p>
+            <a:r>
+              <a:rPr lang="ru-RU" dirty="0"/>
+              <a:t>Структура данных – список, кортеж, строка или другой контейнер</a:t>
+            </a:r>
+          </a:p>
+        </p:txBody>
+      </p:sp>
+      <p:sp>
+        <p:nvSpPr>
+          <p:cNvPr id="4" name="Прямоугольник: скругленные углы 3">
+            <a:extLst>
+              <a:ext uri="{FF2B5EF4-FFF2-40B4-BE49-F238E27FC236}">
+                <a16:creationId xmlns:a16="http://schemas.microsoft.com/office/drawing/2014/main" id="{1CA60C0C-BCA1-4779-8961-F8F390F99504}"/>
+              </a:ext>
+            </a:extLst>
+          </p:cNvPr>
+          <p:cNvSpPr/>
+          <p:nvPr/>
+        </p:nvSpPr>
+        <p:spPr>
+          <a:xfrm>
+            <a:off x="3072809" y="2881423"/>
+            <a:ext cx="4136065" cy="1095154"/>
+          </a:xfrm>
+          <a:prstGeom prst="roundRect">
+            <a:avLst/>
+          </a:prstGeom>
+        </p:spPr>
+        <p:style>
+          <a:lnRef idx="2">
+            <a:schemeClr val="accent1">
+              <a:shade val="50000"/>
+            </a:schemeClr>
+          </a:lnRef>
+          <a:fillRef idx="1">
+            <a:schemeClr val="accent1"/>
+          </a:fillRef>
+          <a:effectRef idx="0">
+            <a:schemeClr val="accent1"/>
+          </a:effectRef>
+          <a:fontRef idx="minor">
+            <a:schemeClr val="lt1"/>
+          </a:fontRef>
+        </p:style>
+        <p:txBody>
+          <a:bodyPr rtlCol="0" anchor="ctr"/>
+          <a:lstStyle/>
+          <a:p>
+            <a:r>
+              <a:rPr lang="en-US" sz="4400" dirty="0"/>
+              <a:t>set(                   )</a:t>
+            </a:r>
+            <a:endParaRPr lang="ru-RU" sz="4400" dirty="0"/>
+          </a:p>
+        </p:txBody>
+      </p:sp>
+      <p:sp>
+        <p:nvSpPr>
+          <p:cNvPr id="5" name="Прямоугольник: скругленные углы 4">
+            <a:extLst>
+              <a:ext uri="{FF2B5EF4-FFF2-40B4-BE49-F238E27FC236}">
+                <a16:creationId xmlns:a16="http://schemas.microsoft.com/office/drawing/2014/main" id="{90D0897B-8E4F-4F3A-A719-8C1B8A4B59D6}"/>
+              </a:ext>
+            </a:extLst>
+          </p:cNvPr>
+          <p:cNvSpPr/>
+          <p:nvPr/>
+        </p:nvSpPr>
+        <p:spPr>
+          <a:xfrm>
+            <a:off x="4221126" y="3083442"/>
+            <a:ext cx="2137144" cy="669851"/>
+          </a:xfrm>
+          <a:prstGeom prst="roundRect">
+            <a:avLst/>
+          </a:prstGeom>
+        </p:spPr>
+        <p:style>
+          <a:lnRef idx="0">
+            <a:schemeClr val="accent2"/>
+          </a:lnRef>
+          <a:fillRef idx="3">
+            <a:schemeClr val="accent2"/>
+          </a:fillRef>
+          <a:effectRef idx="3">
+            <a:schemeClr val="accent2"/>
+          </a:effectRef>
+          <a:fontRef idx="minor">
+            <a:schemeClr val="lt1"/>
+          </a:fontRef>
+        </p:style>
+        <p:txBody>
+          <a:bodyPr rtlCol="0" anchor="ctr"/>
+          <a:lstStyle/>
+          <a:p>
+            <a:pPr algn="ctr"/>
+            <a:r>
+              <a:rPr lang="ru-RU" dirty="0"/>
+              <a:t>СТРУКТУРА ДАННЫХ</a:t>
+            </a:r>
+          </a:p>
+        </p:txBody>
+      </p:sp>
+    </p:spTree>
+    <p:extLst>
+      <p:ext uri="{BB962C8B-B14F-4D97-AF65-F5344CB8AC3E}">
+        <p14:creationId xmlns:p14="http://schemas.microsoft.com/office/powerpoint/2010/main" val="866285165"/>
+      </p:ext>
+    </p:extLst>
+  </p:cSld>
+  <p:clrMapOvr>
+    <a:masterClrMapping/>
+  </p:clrMapOvr>
+</p:sld>
+</file>
+
+<file path=ppt/slides/slide56.xml><?xml version="1.0" encoding="utf-8"?>
+<p:sld xmlns:a="http://schemas.openxmlformats.org/drawingml/2006/main" xmlns:r="http://schemas.openxmlformats.org/officeDocument/2006/relationships" xmlns:p="http://schemas.openxmlformats.org/presentationml/2006/main">
+  <p:cSld>
+    <p:spTree>
+      <p:nvGrpSpPr>
+        <p:cNvPr id="1" name=""/>
+        <p:cNvGrpSpPr/>
+        <p:nvPr/>
+      </p:nvGrpSpPr>
+      <p:grpSpPr>
+        <a:xfrm>
+          <a:off x="0" y="0"/>
+          <a:ext cx="0" cy="0"/>
+          <a:chOff x="0" y="0"/>
+          <a:chExt cx="0" cy="0"/>
+        </a:xfrm>
+      </p:grpSpPr>
+      <p:sp>
+        <p:nvSpPr>
+          <p:cNvPr id="2" name="Заголовок 1">
+            <a:extLst>
+              <a:ext uri="{FF2B5EF4-FFF2-40B4-BE49-F238E27FC236}">
+                <a16:creationId xmlns:a16="http://schemas.microsoft.com/office/drawing/2014/main" id="{2AD003EE-D212-4E51-88AE-5620C8451FBC}"/>
+              </a:ext>
+            </a:extLst>
+          </p:cNvPr>
+          <p:cNvSpPr>
+            <a:spLocks noGrp="1"/>
+          </p:cNvSpPr>
+          <p:nvPr>
+            <p:ph type="title"/>
+          </p:nvPr>
+        </p:nvSpPr>
+        <p:spPr/>
+        <p:txBody>
+          <a:bodyPr/>
+          <a:lstStyle/>
+          <a:p>
+            <a:r>
+              <a:rPr lang="ru-RU" dirty="0"/>
+              <a:t>Простые операции с множествами</a:t>
+            </a:r>
+          </a:p>
+        </p:txBody>
+      </p:sp>
+      <p:graphicFrame>
+        <p:nvGraphicFramePr>
+          <p:cNvPr id="4" name="Таблица 4">
+            <a:extLst>
+              <a:ext uri="{FF2B5EF4-FFF2-40B4-BE49-F238E27FC236}">
+                <a16:creationId xmlns:a16="http://schemas.microsoft.com/office/drawing/2014/main" id="{ED96C4C4-C045-4098-B73C-DA58EFDA5594}"/>
+              </a:ext>
+            </a:extLst>
+          </p:cNvPr>
+          <p:cNvGraphicFramePr>
+            <a:graphicFrameLocks noGrp="1"/>
+          </p:cNvGraphicFramePr>
+          <p:nvPr>
+            <p:ph idx="1"/>
+            <p:extLst>
+              <p:ext uri="{D42A27DB-BD31-4B8C-83A1-F6EECF244321}">
+                <p14:modId xmlns:p14="http://schemas.microsoft.com/office/powerpoint/2010/main" val="947152821"/>
+              </p:ext>
+            </p:extLst>
+          </p:nvPr>
+        </p:nvGraphicFramePr>
+        <p:xfrm>
+          <a:off x="838200" y="1453485"/>
+          <a:ext cx="10515600" cy="5257800"/>
+        </p:xfrm>
+        <a:graphic>
+          <a:graphicData uri="http://schemas.openxmlformats.org/drawingml/2006/table">
+            <a:tbl>
+              <a:tblPr firstRow="1" bandRow="1">
+                <a:tableStyleId>{5C22544A-7EE6-4342-B048-85BDC9FD1C3A}</a:tableStyleId>
+              </a:tblPr>
+              <a:tblGrid>
+                <a:gridCol w="4722628">
+                  <a:extLst>
+                    <a:ext uri="{9D8B030D-6E8A-4147-A177-3AD203B41FA5}">
+                      <a16:colId xmlns:a16="http://schemas.microsoft.com/office/drawing/2014/main" val="2946043801"/>
+                    </a:ext>
+                  </a:extLst>
+                </a:gridCol>
+                <a:gridCol w="5792972">
+                  <a:extLst>
+                    <a:ext uri="{9D8B030D-6E8A-4147-A177-3AD203B41FA5}">
+                      <a16:colId xmlns:a16="http://schemas.microsoft.com/office/drawing/2014/main" val="37554587"/>
+                    </a:ext>
+                  </a:extLst>
+                </a:gridCol>
+              </a:tblGrid>
+              <a:tr h="370840">
+                <a:tc>
+                  <a:txBody>
+                    <a:bodyPr/>
+                    <a:lstStyle/>
+                    <a:p>
+                      <a:r>
+                        <a:rPr lang="ru-RU" dirty="0"/>
+                        <a:t>Операция</a:t>
+                      </a:r>
+                    </a:p>
+                  </a:txBody>
+                  <a:tcPr/>
+                </a:tc>
+                <a:tc>
+                  <a:txBody>
+                    <a:bodyPr/>
+                    <a:lstStyle/>
+                    <a:p>
+                      <a:r>
+                        <a:rPr lang="ru-RU" dirty="0"/>
+                        <a:t>Описание</a:t>
+                      </a:r>
+                    </a:p>
+                  </a:txBody>
+                  <a:tcPr/>
+                </a:tc>
+                <a:extLst>
+                  <a:ext uri="{0D108BD9-81ED-4DB2-BD59-A6C34878D82A}">
+                    <a16:rowId xmlns:a16="http://schemas.microsoft.com/office/drawing/2014/main" val="3603980888"/>
+                  </a:ext>
+                </a:extLst>
+              </a:tr>
+              <a:tr h="370840">
+                <a:tc>
+                  <a:txBody>
+                    <a:bodyPr/>
+                    <a:lstStyle/>
+                    <a:p>
+                      <a:r>
+                        <a:rPr lang="en-US" sz="1800" b="1" i="0" kern="1200" dirty="0" err="1">
+                          <a:solidFill>
+                            <a:schemeClr val="dk1"/>
+                          </a:solidFill>
+                          <a:effectLst/>
+                          <a:latin typeface="+mn-lt"/>
+                          <a:ea typeface="+mn-ea"/>
+                          <a:cs typeface="+mn-cs"/>
+                        </a:rPr>
+                        <a:t>len</a:t>
+                      </a:r>
+                      <a:r>
+                        <a:rPr lang="en-US" sz="1800" b="1" i="0" kern="1200" dirty="0">
+                          <a:solidFill>
+                            <a:schemeClr val="dk1"/>
+                          </a:solidFill>
+                          <a:effectLst/>
+                          <a:latin typeface="+mn-lt"/>
+                          <a:ea typeface="+mn-ea"/>
+                          <a:cs typeface="+mn-cs"/>
+                        </a:rPr>
+                        <a:t>(s)</a:t>
+                      </a:r>
+                      <a:endParaRPr lang="ru-RU" b="1" dirty="0"/>
+                    </a:p>
+                  </a:txBody>
+                  <a:tcPr/>
+                </a:tc>
+                <a:tc>
+                  <a:txBody>
+                    <a:bodyPr/>
+                    <a:lstStyle/>
+                    <a:p>
+                      <a:r>
+                        <a:rPr lang="ru-RU" sz="1800" b="0" i="0" kern="1200" dirty="0">
+                          <a:solidFill>
+                            <a:schemeClr val="dk1"/>
+                          </a:solidFill>
+                          <a:effectLst/>
+                          <a:latin typeface="+mn-lt"/>
+                          <a:ea typeface="+mn-ea"/>
+                          <a:cs typeface="+mn-cs"/>
+                        </a:rPr>
+                        <a:t>число элементов в множестве (размер множества).</a:t>
+                      </a:r>
+                      <a:endParaRPr lang="ru-RU" dirty="0"/>
+                    </a:p>
+                  </a:txBody>
+                  <a:tcPr/>
+                </a:tc>
+                <a:extLst>
+                  <a:ext uri="{0D108BD9-81ED-4DB2-BD59-A6C34878D82A}">
+                    <a16:rowId xmlns:a16="http://schemas.microsoft.com/office/drawing/2014/main" val="3007258705"/>
+                  </a:ext>
+                </a:extLst>
+              </a:tr>
+              <a:tr h="370840">
+                <a:tc>
+                  <a:txBody>
+                    <a:bodyPr/>
+                    <a:lstStyle/>
+                    <a:p>
+                      <a:r>
+                        <a:rPr lang="en-US" sz="1800" b="1" i="0" kern="1200" dirty="0">
+                          <a:solidFill>
+                            <a:schemeClr val="dk1"/>
+                          </a:solidFill>
+                          <a:effectLst/>
+                          <a:latin typeface="+mn-lt"/>
+                          <a:ea typeface="+mn-ea"/>
+                          <a:cs typeface="+mn-cs"/>
+                        </a:rPr>
+                        <a:t>x in s</a:t>
+                      </a:r>
+                      <a:endParaRPr lang="ru-RU" b="1" dirty="0"/>
+                    </a:p>
+                  </a:txBody>
+                  <a:tcPr/>
+                </a:tc>
+                <a:tc>
+                  <a:txBody>
+                    <a:bodyPr/>
+                    <a:lstStyle/>
+                    <a:p>
+                      <a:r>
+                        <a:rPr lang="ru-RU" sz="1800" b="0" i="0" kern="1200" dirty="0">
+                          <a:solidFill>
+                            <a:schemeClr val="dk1"/>
+                          </a:solidFill>
+                          <a:effectLst/>
+                          <a:latin typeface="+mn-lt"/>
+                          <a:ea typeface="+mn-ea"/>
+                          <a:cs typeface="+mn-cs"/>
+                        </a:rPr>
+                        <a:t>принадлежит ли x множеству s</a:t>
+                      </a:r>
+                      <a:endParaRPr lang="ru-RU" dirty="0"/>
+                    </a:p>
+                  </a:txBody>
+                  <a:tcPr/>
+                </a:tc>
+                <a:extLst>
+                  <a:ext uri="{0D108BD9-81ED-4DB2-BD59-A6C34878D82A}">
+                    <a16:rowId xmlns:a16="http://schemas.microsoft.com/office/drawing/2014/main" val="1933947586"/>
+                  </a:ext>
+                </a:extLst>
+              </a:tr>
+              <a:tr h="370840">
+                <a:tc>
+                  <a:txBody>
+                    <a:bodyPr/>
+                    <a:lstStyle/>
+                    <a:p>
+                      <a:r>
+                        <a:rPr lang="en-US" sz="1800" b="1" i="0" kern="1200" dirty="0" err="1">
+                          <a:solidFill>
+                            <a:schemeClr val="dk1"/>
+                          </a:solidFill>
+                          <a:effectLst/>
+                          <a:latin typeface="+mn-lt"/>
+                          <a:ea typeface="+mn-ea"/>
+                          <a:cs typeface="+mn-cs"/>
+                        </a:rPr>
+                        <a:t>set.isdisjoint</a:t>
+                      </a:r>
+                      <a:r>
+                        <a:rPr lang="en-US" sz="1800" b="0" i="0" kern="1200" dirty="0">
+                          <a:solidFill>
+                            <a:schemeClr val="dk1"/>
+                          </a:solidFill>
+                          <a:effectLst/>
+                          <a:latin typeface="+mn-lt"/>
+                          <a:ea typeface="+mn-ea"/>
+                          <a:cs typeface="+mn-cs"/>
+                        </a:rPr>
+                        <a:t>(other)</a:t>
+                      </a:r>
+                      <a:endParaRPr lang="ru-RU" dirty="0"/>
+                    </a:p>
+                  </a:txBody>
+                  <a:tcPr/>
+                </a:tc>
+                <a:tc>
+                  <a:txBody>
+                    <a:bodyPr/>
+                    <a:lstStyle/>
+                    <a:p>
+                      <a:r>
+                        <a:rPr lang="ru-RU" sz="1800" b="0" i="0" kern="1200" dirty="0">
+                          <a:solidFill>
+                            <a:schemeClr val="dk1"/>
+                          </a:solidFill>
+                          <a:effectLst/>
+                          <a:latin typeface="+mn-lt"/>
+                          <a:ea typeface="+mn-ea"/>
+                          <a:cs typeface="+mn-cs"/>
+                        </a:rPr>
+                        <a:t>истина, если </a:t>
+                      </a:r>
+                      <a:r>
+                        <a:rPr lang="ru-RU" sz="1800" b="0" i="0" kern="1200" dirty="0" err="1">
+                          <a:solidFill>
+                            <a:schemeClr val="dk1"/>
+                          </a:solidFill>
+                          <a:effectLst/>
+                          <a:latin typeface="+mn-lt"/>
+                          <a:ea typeface="+mn-ea"/>
+                          <a:cs typeface="+mn-cs"/>
+                        </a:rPr>
+                        <a:t>set</a:t>
+                      </a:r>
+                      <a:r>
+                        <a:rPr lang="ru-RU" sz="1800" b="0" i="0" kern="1200" dirty="0">
+                          <a:solidFill>
+                            <a:schemeClr val="dk1"/>
+                          </a:solidFill>
+                          <a:effectLst/>
+                          <a:latin typeface="+mn-lt"/>
+                          <a:ea typeface="+mn-ea"/>
+                          <a:cs typeface="+mn-cs"/>
+                        </a:rPr>
+                        <a:t> и </a:t>
+                      </a:r>
+                      <a:r>
+                        <a:rPr lang="ru-RU" sz="1800" b="0" i="0" kern="1200" dirty="0" err="1">
+                          <a:solidFill>
+                            <a:schemeClr val="dk1"/>
+                          </a:solidFill>
+                          <a:effectLst/>
+                          <a:latin typeface="+mn-lt"/>
+                          <a:ea typeface="+mn-ea"/>
+                          <a:cs typeface="+mn-cs"/>
+                        </a:rPr>
+                        <a:t>other</a:t>
+                      </a:r>
+                      <a:r>
+                        <a:rPr lang="ru-RU" sz="1800" b="0" i="0" kern="1200" dirty="0">
+                          <a:solidFill>
+                            <a:schemeClr val="dk1"/>
+                          </a:solidFill>
+                          <a:effectLst/>
+                          <a:latin typeface="+mn-lt"/>
+                          <a:ea typeface="+mn-ea"/>
+                          <a:cs typeface="+mn-cs"/>
+                        </a:rPr>
+                        <a:t> не имеют общих элементов</a:t>
+                      </a:r>
+                      <a:endParaRPr lang="ru-RU" dirty="0"/>
+                    </a:p>
+                  </a:txBody>
+                  <a:tcPr/>
+                </a:tc>
+                <a:extLst>
+                  <a:ext uri="{0D108BD9-81ED-4DB2-BD59-A6C34878D82A}">
+                    <a16:rowId xmlns:a16="http://schemas.microsoft.com/office/drawing/2014/main" val="3775575661"/>
+                  </a:ext>
+                </a:extLst>
+              </a:tr>
+              <a:tr h="370840">
+                <a:tc>
+                  <a:txBody>
+                    <a:bodyPr/>
+                    <a:lstStyle/>
+                    <a:p>
+                      <a:r>
+                        <a:rPr lang="en-US" sz="1800" b="1" i="0" kern="1200" dirty="0">
+                          <a:solidFill>
+                            <a:schemeClr val="dk1"/>
+                          </a:solidFill>
+                          <a:effectLst/>
+                          <a:latin typeface="+mn-lt"/>
+                          <a:ea typeface="+mn-ea"/>
+                          <a:cs typeface="+mn-cs"/>
+                        </a:rPr>
+                        <a:t>set == other</a:t>
+                      </a:r>
+                      <a:endParaRPr lang="ru-RU" dirty="0"/>
+                    </a:p>
+                  </a:txBody>
+                  <a:tcPr/>
+                </a:tc>
+                <a:tc>
+                  <a:txBody>
+                    <a:bodyPr/>
+                    <a:lstStyle/>
+                    <a:p>
+                      <a:r>
+                        <a:rPr lang="ru-RU" sz="1800" b="0" i="0" kern="1200" dirty="0">
+                          <a:solidFill>
+                            <a:schemeClr val="dk1"/>
+                          </a:solidFill>
+                          <a:effectLst/>
+                          <a:latin typeface="+mn-lt"/>
+                          <a:ea typeface="+mn-ea"/>
+                          <a:cs typeface="+mn-cs"/>
+                        </a:rPr>
+                        <a:t>все элементы </a:t>
+                      </a:r>
+                      <a:r>
+                        <a:rPr lang="ru-RU" sz="1800" b="0" i="0" kern="1200" dirty="0" err="1">
+                          <a:solidFill>
+                            <a:schemeClr val="dk1"/>
+                          </a:solidFill>
+                          <a:effectLst/>
+                          <a:latin typeface="+mn-lt"/>
+                          <a:ea typeface="+mn-ea"/>
+                          <a:cs typeface="+mn-cs"/>
+                        </a:rPr>
+                        <a:t>set</a:t>
+                      </a:r>
+                      <a:r>
+                        <a:rPr lang="ru-RU" sz="1800" b="0" i="0" kern="1200" dirty="0">
+                          <a:solidFill>
+                            <a:schemeClr val="dk1"/>
+                          </a:solidFill>
+                          <a:effectLst/>
+                          <a:latin typeface="+mn-lt"/>
+                          <a:ea typeface="+mn-ea"/>
+                          <a:cs typeface="+mn-cs"/>
+                        </a:rPr>
+                        <a:t> принадлежат </a:t>
+                      </a:r>
+                      <a:r>
+                        <a:rPr lang="ru-RU" sz="1800" b="0" i="0" kern="1200" dirty="0" err="1">
+                          <a:solidFill>
+                            <a:schemeClr val="dk1"/>
+                          </a:solidFill>
+                          <a:effectLst/>
+                          <a:latin typeface="+mn-lt"/>
+                          <a:ea typeface="+mn-ea"/>
+                          <a:cs typeface="+mn-cs"/>
+                        </a:rPr>
+                        <a:t>other</a:t>
+                      </a:r>
+                      <a:r>
+                        <a:rPr lang="ru-RU" sz="1800" b="0" i="0" kern="1200" dirty="0">
+                          <a:solidFill>
+                            <a:schemeClr val="dk1"/>
+                          </a:solidFill>
+                          <a:effectLst/>
+                          <a:latin typeface="+mn-lt"/>
+                          <a:ea typeface="+mn-ea"/>
+                          <a:cs typeface="+mn-cs"/>
+                        </a:rPr>
+                        <a:t>, все элементы </a:t>
+                      </a:r>
+                      <a:r>
+                        <a:rPr lang="ru-RU" sz="1800" b="0" i="0" kern="1200" dirty="0" err="1">
+                          <a:solidFill>
+                            <a:schemeClr val="dk1"/>
+                          </a:solidFill>
+                          <a:effectLst/>
+                          <a:latin typeface="+mn-lt"/>
+                          <a:ea typeface="+mn-ea"/>
+                          <a:cs typeface="+mn-cs"/>
+                        </a:rPr>
+                        <a:t>other</a:t>
+                      </a:r>
+                      <a:r>
+                        <a:rPr lang="ru-RU" sz="1800" b="0" i="0" kern="1200" dirty="0">
+                          <a:solidFill>
+                            <a:schemeClr val="dk1"/>
+                          </a:solidFill>
+                          <a:effectLst/>
+                          <a:latin typeface="+mn-lt"/>
+                          <a:ea typeface="+mn-ea"/>
+                          <a:cs typeface="+mn-cs"/>
+                        </a:rPr>
+                        <a:t> принадлежат </a:t>
+                      </a:r>
+                      <a:r>
+                        <a:rPr lang="ru-RU" sz="1800" b="0" i="0" kern="1200" dirty="0" err="1">
+                          <a:solidFill>
+                            <a:schemeClr val="dk1"/>
+                          </a:solidFill>
+                          <a:effectLst/>
+                          <a:latin typeface="+mn-lt"/>
+                          <a:ea typeface="+mn-ea"/>
+                          <a:cs typeface="+mn-cs"/>
+                        </a:rPr>
+                        <a:t>set</a:t>
+                      </a:r>
+                      <a:endParaRPr lang="ru-RU" dirty="0"/>
+                    </a:p>
+                  </a:txBody>
+                  <a:tcPr/>
+                </a:tc>
+                <a:extLst>
+                  <a:ext uri="{0D108BD9-81ED-4DB2-BD59-A6C34878D82A}">
+                    <a16:rowId xmlns:a16="http://schemas.microsoft.com/office/drawing/2014/main" val="2463845996"/>
+                  </a:ext>
+                </a:extLst>
+              </a:tr>
+              <a:tr h="370840">
+                <a:tc>
+                  <a:txBody>
+                    <a:bodyPr/>
+                    <a:lstStyle/>
+                    <a:p>
+                      <a:r>
+                        <a:rPr lang="en-US" sz="1800" b="1" i="0" kern="1200" dirty="0" err="1">
+                          <a:solidFill>
+                            <a:schemeClr val="dk1"/>
+                          </a:solidFill>
+                          <a:effectLst/>
+                          <a:latin typeface="+mn-lt"/>
+                          <a:ea typeface="+mn-ea"/>
+                          <a:cs typeface="+mn-cs"/>
+                        </a:rPr>
+                        <a:t>set.issubset</a:t>
+                      </a:r>
+                      <a:r>
+                        <a:rPr lang="en-US" sz="1800" b="0" i="0" kern="1200" dirty="0">
+                          <a:solidFill>
+                            <a:schemeClr val="dk1"/>
+                          </a:solidFill>
+                          <a:effectLst/>
+                          <a:latin typeface="+mn-lt"/>
+                          <a:ea typeface="+mn-ea"/>
+                          <a:cs typeface="+mn-cs"/>
+                        </a:rPr>
+                        <a:t>(other) </a:t>
+                      </a:r>
+                      <a:r>
+                        <a:rPr lang="en-US" sz="1800" b="0" i="0" kern="1200" dirty="0" err="1">
+                          <a:solidFill>
+                            <a:schemeClr val="dk1"/>
+                          </a:solidFill>
+                          <a:effectLst/>
+                          <a:latin typeface="+mn-lt"/>
+                          <a:ea typeface="+mn-ea"/>
+                          <a:cs typeface="+mn-cs"/>
+                        </a:rPr>
+                        <a:t>или</a:t>
+                      </a:r>
+                      <a:r>
+                        <a:rPr lang="en-US" sz="1800" b="0" i="0" kern="1200" dirty="0">
+                          <a:solidFill>
+                            <a:schemeClr val="dk1"/>
+                          </a:solidFill>
+                          <a:effectLst/>
+                          <a:latin typeface="+mn-lt"/>
+                          <a:ea typeface="+mn-ea"/>
+                          <a:cs typeface="+mn-cs"/>
+                        </a:rPr>
+                        <a:t> </a:t>
+                      </a:r>
+                      <a:r>
+                        <a:rPr lang="en-US" sz="1800" b="1" i="0" kern="1200" dirty="0">
+                          <a:solidFill>
+                            <a:schemeClr val="dk1"/>
+                          </a:solidFill>
+                          <a:effectLst/>
+                          <a:latin typeface="+mn-lt"/>
+                          <a:ea typeface="+mn-ea"/>
+                          <a:cs typeface="+mn-cs"/>
+                        </a:rPr>
+                        <a:t>set &lt;= other</a:t>
+                      </a:r>
+                      <a:r>
+                        <a:rPr lang="en-US" sz="1800" b="0" i="0" kern="1200" dirty="0">
+                          <a:solidFill>
+                            <a:schemeClr val="dk1"/>
+                          </a:solidFill>
+                          <a:effectLst/>
+                          <a:latin typeface="+mn-lt"/>
+                          <a:ea typeface="+mn-ea"/>
+                          <a:cs typeface="+mn-cs"/>
+                        </a:rPr>
+                        <a:t> </a:t>
+                      </a:r>
+                      <a:endParaRPr lang="ru-RU" dirty="0"/>
+                    </a:p>
+                  </a:txBody>
+                  <a:tcPr/>
+                </a:tc>
+                <a:tc>
+                  <a:txBody>
+                    <a:bodyPr/>
+                    <a:lstStyle/>
+                    <a:p>
+                      <a:r>
+                        <a:rPr lang="ru-RU" sz="1800" b="0" i="0" kern="1200" dirty="0">
+                          <a:solidFill>
+                            <a:schemeClr val="dk1"/>
+                          </a:solidFill>
+                          <a:effectLst/>
+                          <a:latin typeface="+mn-lt"/>
+                          <a:ea typeface="+mn-ea"/>
+                          <a:cs typeface="+mn-cs"/>
+                        </a:rPr>
+                        <a:t>все элементы </a:t>
+                      </a:r>
+                      <a:r>
+                        <a:rPr lang="ru-RU" sz="1800" b="0" i="0" kern="1200" dirty="0" err="1">
+                          <a:solidFill>
+                            <a:schemeClr val="dk1"/>
+                          </a:solidFill>
+                          <a:effectLst/>
+                          <a:latin typeface="+mn-lt"/>
+                          <a:ea typeface="+mn-ea"/>
+                          <a:cs typeface="+mn-cs"/>
+                        </a:rPr>
+                        <a:t>set</a:t>
+                      </a:r>
+                      <a:r>
+                        <a:rPr lang="ru-RU" sz="1800" b="0" i="0" kern="1200" dirty="0">
+                          <a:solidFill>
+                            <a:schemeClr val="dk1"/>
+                          </a:solidFill>
+                          <a:effectLst/>
+                          <a:latin typeface="+mn-lt"/>
+                          <a:ea typeface="+mn-ea"/>
+                          <a:cs typeface="+mn-cs"/>
+                        </a:rPr>
+                        <a:t> принадлежат </a:t>
+                      </a:r>
+                      <a:r>
+                        <a:rPr lang="ru-RU" sz="1800" b="0" i="0" kern="1200" dirty="0" err="1">
+                          <a:solidFill>
+                            <a:schemeClr val="dk1"/>
+                          </a:solidFill>
+                          <a:effectLst/>
+                          <a:latin typeface="+mn-lt"/>
+                          <a:ea typeface="+mn-ea"/>
+                          <a:cs typeface="+mn-cs"/>
+                        </a:rPr>
+                        <a:t>other</a:t>
+                      </a:r>
+                      <a:r>
+                        <a:rPr lang="ru-RU" sz="1800" b="0" i="0" kern="1200" dirty="0">
+                          <a:solidFill>
+                            <a:schemeClr val="dk1"/>
+                          </a:solidFill>
+                          <a:effectLst/>
+                          <a:latin typeface="+mn-lt"/>
+                          <a:ea typeface="+mn-ea"/>
+                          <a:cs typeface="+mn-cs"/>
+                        </a:rPr>
+                        <a:t>.</a:t>
+                      </a:r>
+                      <a:endParaRPr lang="ru-RU" dirty="0"/>
+                    </a:p>
+                  </a:txBody>
+                  <a:tcPr/>
+                </a:tc>
+                <a:extLst>
+                  <a:ext uri="{0D108BD9-81ED-4DB2-BD59-A6C34878D82A}">
+                    <a16:rowId xmlns:a16="http://schemas.microsoft.com/office/drawing/2014/main" val="2494936406"/>
+                  </a:ext>
+                </a:extLst>
+              </a:tr>
+              <a:tr h="370840">
+                <a:tc>
+                  <a:txBody>
+                    <a:bodyPr/>
+                    <a:lstStyle/>
+                    <a:p>
+                      <a:r>
+                        <a:rPr lang="en-US" sz="1800" b="1" i="0" kern="1200" dirty="0" err="1">
+                          <a:solidFill>
+                            <a:schemeClr val="dk1"/>
+                          </a:solidFill>
+                          <a:effectLst/>
+                          <a:latin typeface="+mn-lt"/>
+                          <a:ea typeface="+mn-ea"/>
+                          <a:cs typeface="+mn-cs"/>
+                        </a:rPr>
+                        <a:t>set.issuperset</a:t>
+                      </a:r>
+                      <a:r>
+                        <a:rPr lang="en-US" sz="1800" b="0" i="0" kern="1200" dirty="0">
+                          <a:solidFill>
+                            <a:schemeClr val="dk1"/>
+                          </a:solidFill>
+                          <a:effectLst/>
+                          <a:latin typeface="+mn-lt"/>
+                          <a:ea typeface="+mn-ea"/>
+                          <a:cs typeface="+mn-cs"/>
+                        </a:rPr>
+                        <a:t>(other) </a:t>
+                      </a:r>
+                      <a:r>
+                        <a:rPr lang="en-US" sz="1800" b="0" i="0" kern="1200" dirty="0" err="1">
+                          <a:solidFill>
+                            <a:schemeClr val="dk1"/>
+                          </a:solidFill>
+                          <a:effectLst/>
+                          <a:latin typeface="+mn-lt"/>
+                          <a:ea typeface="+mn-ea"/>
+                          <a:cs typeface="+mn-cs"/>
+                        </a:rPr>
+                        <a:t>или</a:t>
+                      </a:r>
+                      <a:r>
+                        <a:rPr lang="en-US" sz="1800" b="0" i="0" kern="1200" dirty="0">
+                          <a:solidFill>
+                            <a:schemeClr val="dk1"/>
+                          </a:solidFill>
+                          <a:effectLst/>
+                          <a:latin typeface="+mn-lt"/>
+                          <a:ea typeface="+mn-ea"/>
+                          <a:cs typeface="+mn-cs"/>
+                        </a:rPr>
+                        <a:t> </a:t>
+                      </a:r>
+                      <a:r>
+                        <a:rPr lang="en-US" sz="1800" b="1" i="0" kern="1200" dirty="0">
+                          <a:solidFill>
+                            <a:schemeClr val="dk1"/>
+                          </a:solidFill>
+                          <a:effectLst/>
+                          <a:latin typeface="+mn-lt"/>
+                          <a:ea typeface="+mn-ea"/>
+                          <a:cs typeface="+mn-cs"/>
+                        </a:rPr>
+                        <a:t>set &gt;= other</a:t>
+                      </a:r>
+                      <a:endParaRPr lang="ru-RU" dirty="0"/>
+                    </a:p>
+                  </a:txBody>
+                  <a:tcPr/>
+                </a:tc>
+                <a:tc>
+                  <a:txBody>
+                    <a:bodyPr/>
+                    <a:lstStyle/>
+                    <a:p>
+                      <a:pPr marL="0" marR="0" lvl="0" indent="0" algn="l" defTabSz="914400" rtl="0" eaLnBrk="1" fontAlgn="auto" latinLnBrk="0" hangingPunct="1">
+                        <a:lnSpc>
+                          <a:spcPct val="100000"/>
+                        </a:lnSpc>
+                        <a:spcBef>
+                          <a:spcPts val="0"/>
+                        </a:spcBef>
+                        <a:spcAft>
+                          <a:spcPts val="0"/>
+                        </a:spcAft>
+                        <a:buClrTx/>
+                        <a:buSzTx/>
+                        <a:buFontTx/>
+                        <a:buNone/>
+                        <a:tabLst/>
+                        <a:defRPr/>
+                      </a:pPr>
+                      <a:r>
+                        <a:rPr lang="ru-RU" sz="1800" b="0" i="0" kern="1200" dirty="0">
+                          <a:solidFill>
+                            <a:schemeClr val="dk1"/>
+                          </a:solidFill>
+                          <a:effectLst/>
+                          <a:latin typeface="+mn-lt"/>
+                          <a:ea typeface="+mn-ea"/>
+                          <a:cs typeface="+mn-cs"/>
+                        </a:rPr>
+                        <a:t>все элементы </a:t>
+                      </a:r>
+                      <a:r>
+                        <a:rPr lang="ru-RU" sz="1800" b="0" i="0" kern="1200" dirty="0" err="1">
+                          <a:solidFill>
+                            <a:schemeClr val="dk1"/>
+                          </a:solidFill>
+                          <a:effectLst/>
+                          <a:latin typeface="+mn-lt"/>
+                          <a:ea typeface="+mn-ea"/>
+                          <a:cs typeface="+mn-cs"/>
+                        </a:rPr>
+                        <a:t>set</a:t>
+                      </a:r>
+                      <a:r>
+                        <a:rPr lang="ru-RU" sz="1800" b="0" i="0" kern="1200" dirty="0">
+                          <a:solidFill>
+                            <a:schemeClr val="dk1"/>
+                          </a:solidFill>
+                          <a:effectLst/>
+                          <a:latin typeface="+mn-lt"/>
+                          <a:ea typeface="+mn-ea"/>
+                          <a:cs typeface="+mn-cs"/>
+                        </a:rPr>
+                        <a:t> принадлежат </a:t>
+                      </a:r>
+                      <a:r>
+                        <a:rPr lang="ru-RU" sz="1800" b="0" i="0" kern="1200" dirty="0" err="1">
+                          <a:solidFill>
+                            <a:schemeClr val="dk1"/>
+                          </a:solidFill>
+                          <a:effectLst/>
+                          <a:latin typeface="+mn-lt"/>
+                          <a:ea typeface="+mn-ea"/>
+                          <a:cs typeface="+mn-cs"/>
+                        </a:rPr>
+                        <a:t>other</a:t>
+                      </a:r>
+                      <a:r>
+                        <a:rPr lang="ru-RU" sz="1800" b="0" i="0" kern="1200" dirty="0">
+                          <a:solidFill>
+                            <a:schemeClr val="dk1"/>
+                          </a:solidFill>
+                          <a:effectLst/>
+                          <a:latin typeface="+mn-lt"/>
+                          <a:ea typeface="+mn-ea"/>
+                          <a:cs typeface="+mn-cs"/>
+                        </a:rPr>
+                        <a:t>.</a:t>
+                      </a:r>
+                      <a:endParaRPr lang="ru-RU" dirty="0"/>
+                    </a:p>
+                  </a:txBody>
+                  <a:tcPr/>
+                </a:tc>
+                <a:extLst>
+                  <a:ext uri="{0D108BD9-81ED-4DB2-BD59-A6C34878D82A}">
+                    <a16:rowId xmlns:a16="http://schemas.microsoft.com/office/drawing/2014/main" val="2125774665"/>
+                  </a:ext>
+                </a:extLst>
+              </a:tr>
+              <a:tr h="370840">
+                <a:tc>
+                  <a:txBody>
+                    <a:bodyPr/>
+                    <a:lstStyle/>
+                    <a:p>
+                      <a:r>
+                        <a:rPr lang="en-US" sz="1800" b="1" i="0" kern="1200" dirty="0" err="1">
+                          <a:solidFill>
+                            <a:schemeClr val="dk1"/>
+                          </a:solidFill>
+                          <a:effectLst/>
+                          <a:latin typeface="+mn-lt"/>
+                          <a:ea typeface="+mn-ea"/>
+                          <a:cs typeface="+mn-cs"/>
+                        </a:rPr>
+                        <a:t>set.union</a:t>
+                      </a:r>
+                      <a:r>
+                        <a:rPr lang="en-US" sz="1800" b="0" i="0" kern="1200" dirty="0">
+                          <a:solidFill>
+                            <a:schemeClr val="dk1"/>
+                          </a:solidFill>
+                          <a:effectLst/>
+                          <a:latin typeface="+mn-lt"/>
+                          <a:ea typeface="+mn-ea"/>
+                          <a:cs typeface="+mn-cs"/>
+                        </a:rPr>
+                        <a:t>(other, ...) </a:t>
+                      </a:r>
+                      <a:r>
+                        <a:rPr lang="en-US" sz="1800" b="0" i="0" kern="1200" dirty="0" err="1">
+                          <a:solidFill>
+                            <a:schemeClr val="dk1"/>
+                          </a:solidFill>
+                          <a:effectLst/>
+                          <a:latin typeface="+mn-lt"/>
+                          <a:ea typeface="+mn-ea"/>
+                          <a:cs typeface="+mn-cs"/>
+                        </a:rPr>
+                        <a:t>или</a:t>
+                      </a:r>
+                      <a:r>
+                        <a:rPr lang="en-US" sz="1800" b="0" i="0" kern="1200" dirty="0">
+                          <a:solidFill>
+                            <a:schemeClr val="dk1"/>
+                          </a:solidFill>
+                          <a:effectLst/>
+                          <a:latin typeface="+mn-lt"/>
+                          <a:ea typeface="+mn-ea"/>
+                          <a:cs typeface="+mn-cs"/>
+                        </a:rPr>
+                        <a:t> </a:t>
+                      </a:r>
+                      <a:r>
+                        <a:rPr lang="en-US" sz="1800" b="1" i="0" kern="1200" dirty="0">
+                          <a:solidFill>
+                            <a:schemeClr val="dk1"/>
+                          </a:solidFill>
+                          <a:effectLst/>
+                          <a:latin typeface="+mn-lt"/>
+                          <a:ea typeface="+mn-ea"/>
+                          <a:cs typeface="+mn-cs"/>
+                        </a:rPr>
+                        <a:t>set | other | ...</a:t>
+                      </a:r>
+                      <a:r>
+                        <a:rPr lang="en-US" sz="1800" b="0" i="0" kern="1200" dirty="0">
+                          <a:solidFill>
+                            <a:schemeClr val="dk1"/>
+                          </a:solidFill>
+                          <a:effectLst/>
+                          <a:latin typeface="+mn-lt"/>
+                          <a:ea typeface="+mn-ea"/>
+                          <a:cs typeface="+mn-cs"/>
+                        </a:rPr>
+                        <a:t> </a:t>
+                      </a:r>
+                      <a:endParaRPr lang="ru-RU" dirty="0"/>
+                    </a:p>
+                  </a:txBody>
+                  <a:tcPr/>
+                </a:tc>
+                <a:tc>
+                  <a:txBody>
+                    <a:bodyPr/>
+                    <a:lstStyle/>
+                    <a:p>
+                      <a:r>
+                        <a:rPr lang="ru-RU" sz="1800" b="0" i="0" kern="1200" dirty="0">
+                          <a:solidFill>
+                            <a:schemeClr val="dk1"/>
+                          </a:solidFill>
+                          <a:effectLst/>
+                          <a:latin typeface="+mn-lt"/>
+                          <a:ea typeface="+mn-ea"/>
+                          <a:cs typeface="+mn-cs"/>
+                        </a:rPr>
+                        <a:t>объединение нескольких множеств</a:t>
+                      </a:r>
+                      <a:endParaRPr lang="ru-RU" dirty="0"/>
+                    </a:p>
+                  </a:txBody>
+                  <a:tcPr/>
+                </a:tc>
+                <a:extLst>
+                  <a:ext uri="{0D108BD9-81ED-4DB2-BD59-A6C34878D82A}">
+                    <a16:rowId xmlns:a16="http://schemas.microsoft.com/office/drawing/2014/main" val="2873424540"/>
+                  </a:ext>
+                </a:extLst>
+              </a:tr>
+              <a:tr h="370840">
+                <a:tc>
+                  <a:txBody>
+                    <a:bodyPr/>
+                    <a:lstStyle/>
+                    <a:p>
+                      <a:r>
+                        <a:rPr lang="en-US" sz="1800" b="1" i="0" kern="1200" dirty="0" err="1">
+                          <a:solidFill>
+                            <a:schemeClr val="dk1"/>
+                          </a:solidFill>
+                          <a:effectLst/>
+                          <a:latin typeface="+mn-lt"/>
+                          <a:ea typeface="+mn-ea"/>
+                          <a:cs typeface="+mn-cs"/>
+                        </a:rPr>
+                        <a:t>set.intersection</a:t>
+                      </a:r>
+                      <a:r>
+                        <a:rPr lang="en-US" sz="1800" b="0" i="0" kern="1200" dirty="0">
+                          <a:solidFill>
+                            <a:schemeClr val="dk1"/>
+                          </a:solidFill>
+                          <a:effectLst/>
+                          <a:latin typeface="+mn-lt"/>
+                          <a:ea typeface="+mn-ea"/>
+                          <a:cs typeface="+mn-cs"/>
+                        </a:rPr>
+                        <a:t>(other, ...) </a:t>
+                      </a:r>
+                      <a:r>
+                        <a:rPr lang="en-US" sz="1800" b="0" i="0" kern="1200" dirty="0" err="1">
+                          <a:solidFill>
+                            <a:schemeClr val="dk1"/>
+                          </a:solidFill>
+                          <a:effectLst/>
+                          <a:latin typeface="+mn-lt"/>
+                          <a:ea typeface="+mn-ea"/>
+                          <a:cs typeface="+mn-cs"/>
+                        </a:rPr>
+                        <a:t>или</a:t>
+                      </a:r>
+                      <a:r>
+                        <a:rPr lang="en-US" sz="1800" b="0" i="0" kern="1200" dirty="0">
+                          <a:solidFill>
+                            <a:schemeClr val="dk1"/>
+                          </a:solidFill>
+                          <a:effectLst/>
+                          <a:latin typeface="+mn-lt"/>
+                          <a:ea typeface="+mn-ea"/>
+                          <a:cs typeface="+mn-cs"/>
+                        </a:rPr>
+                        <a:t> </a:t>
+                      </a:r>
+                      <a:r>
+                        <a:rPr lang="en-US" sz="1800" b="1" i="0" kern="1200" dirty="0">
+                          <a:solidFill>
+                            <a:schemeClr val="dk1"/>
+                          </a:solidFill>
+                          <a:effectLst/>
+                          <a:latin typeface="+mn-lt"/>
+                          <a:ea typeface="+mn-ea"/>
+                          <a:cs typeface="+mn-cs"/>
+                        </a:rPr>
+                        <a:t>set &amp; other &amp; ...</a:t>
+                      </a:r>
+                      <a:endParaRPr lang="ru-RU" dirty="0"/>
+                    </a:p>
+                  </a:txBody>
+                  <a:tcPr/>
+                </a:tc>
+                <a:tc>
+                  <a:txBody>
+                    <a:bodyPr/>
+                    <a:lstStyle/>
+                    <a:p>
+                      <a:r>
+                        <a:rPr lang="ru-RU" sz="1800" b="0" i="0" kern="1200" dirty="0">
+                          <a:solidFill>
+                            <a:schemeClr val="dk1"/>
+                          </a:solidFill>
+                          <a:effectLst/>
+                          <a:latin typeface="+mn-lt"/>
+                          <a:ea typeface="+mn-ea"/>
+                          <a:cs typeface="+mn-cs"/>
+                        </a:rPr>
+                        <a:t>пересечение.</a:t>
+                      </a:r>
+                      <a:endParaRPr lang="ru-RU" dirty="0"/>
+                    </a:p>
+                  </a:txBody>
+                  <a:tcPr/>
+                </a:tc>
+                <a:extLst>
+                  <a:ext uri="{0D108BD9-81ED-4DB2-BD59-A6C34878D82A}">
+                    <a16:rowId xmlns:a16="http://schemas.microsoft.com/office/drawing/2014/main" val="2171180285"/>
+                  </a:ext>
+                </a:extLst>
+              </a:tr>
+              <a:tr h="370840">
+                <a:tc>
+                  <a:txBody>
+                    <a:bodyPr/>
+                    <a:lstStyle/>
+                    <a:p>
+                      <a:r>
+                        <a:rPr lang="en-US" sz="1800" b="1" i="0" kern="1200" dirty="0" err="1">
+                          <a:solidFill>
+                            <a:schemeClr val="dk1"/>
+                          </a:solidFill>
+                          <a:effectLst/>
+                          <a:latin typeface="+mn-lt"/>
+                          <a:ea typeface="+mn-ea"/>
+                          <a:cs typeface="+mn-cs"/>
+                        </a:rPr>
+                        <a:t>set.difference</a:t>
+                      </a:r>
+                      <a:r>
+                        <a:rPr lang="en-US" sz="1800" b="0" i="0" kern="1200" dirty="0">
+                          <a:solidFill>
+                            <a:schemeClr val="dk1"/>
+                          </a:solidFill>
+                          <a:effectLst/>
+                          <a:latin typeface="+mn-lt"/>
+                          <a:ea typeface="+mn-ea"/>
+                          <a:cs typeface="+mn-cs"/>
+                        </a:rPr>
+                        <a:t>(other, ...) </a:t>
+                      </a:r>
+                      <a:r>
+                        <a:rPr lang="en-US" sz="1800" b="0" i="0" kern="1200" dirty="0" err="1">
+                          <a:solidFill>
+                            <a:schemeClr val="dk1"/>
+                          </a:solidFill>
+                          <a:effectLst/>
+                          <a:latin typeface="+mn-lt"/>
+                          <a:ea typeface="+mn-ea"/>
+                          <a:cs typeface="+mn-cs"/>
+                        </a:rPr>
+                        <a:t>или</a:t>
+                      </a:r>
+                      <a:r>
+                        <a:rPr lang="en-US" sz="1800" b="0" i="0" kern="1200" dirty="0">
+                          <a:solidFill>
+                            <a:schemeClr val="dk1"/>
+                          </a:solidFill>
+                          <a:effectLst/>
+                          <a:latin typeface="+mn-lt"/>
+                          <a:ea typeface="+mn-ea"/>
+                          <a:cs typeface="+mn-cs"/>
+                        </a:rPr>
+                        <a:t> </a:t>
+                      </a:r>
+                      <a:r>
+                        <a:rPr lang="en-US" sz="1800" b="1" i="0" kern="1200" dirty="0">
+                          <a:solidFill>
+                            <a:schemeClr val="dk1"/>
+                          </a:solidFill>
+                          <a:effectLst/>
+                          <a:latin typeface="+mn-lt"/>
+                          <a:ea typeface="+mn-ea"/>
+                          <a:cs typeface="+mn-cs"/>
+                        </a:rPr>
+                        <a:t>set - other - ...</a:t>
+                      </a:r>
+                      <a:r>
+                        <a:rPr lang="en-US" sz="1800" b="0" i="0" kern="1200" dirty="0">
+                          <a:solidFill>
+                            <a:schemeClr val="dk1"/>
+                          </a:solidFill>
+                          <a:effectLst/>
+                          <a:latin typeface="+mn-lt"/>
+                          <a:ea typeface="+mn-ea"/>
+                          <a:cs typeface="+mn-cs"/>
+                        </a:rPr>
+                        <a:t> </a:t>
+                      </a:r>
+                      <a:endParaRPr lang="ru-RU" dirty="0"/>
+                    </a:p>
+                  </a:txBody>
+                  <a:tcPr/>
+                </a:tc>
+                <a:tc>
+                  <a:txBody>
+                    <a:bodyPr/>
+                    <a:lstStyle/>
+                    <a:p>
+                      <a:r>
+                        <a:rPr lang="ru-RU" sz="1800" b="0" i="0" kern="1200" dirty="0">
+                          <a:solidFill>
+                            <a:schemeClr val="dk1"/>
+                          </a:solidFill>
+                          <a:effectLst/>
+                          <a:latin typeface="+mn-lt"/>
+                          <a:ea typeface="+mn-ea"/>
+                          <a:cs typeface="+mn-cs"/>
+                        </a:rPr>
+                        <a:t>множество из всех элементов </a:t>
+                      </a:r>
+                      <a:r>
+                        <a:rPr lang="ru-RU" sz="1800" b="0" i="0" kern="1200" dirty="0" err="1">
+                          <a:solidFill>
+                            <a:schemeClr val="dk1"/>
+                          </a:solidFill>
+                          <a:effectLst/>
+                          <a:latin typeface="+mn-lt"/>
+                          <a:ea typeface="+mn-ea"/>
+                          <a:cs typeface="+mn-cs"/>
+                        </a:rPr>
+                        <a:t>set</a:t>
+                      </a:r>
+                      <a:r>
+                        <a:rPr lang="ru-RU" sz="1800" b="0" i="0" kern="1200" dirty="0">
+                          <a:solidFill>
+                            <a:schemeClr val="dk1"/>
+                          </a:solidFill>
+                          <a:effectLst/>
+                          <a:latin typeface="+mn-lt"/>
+                          <a:ea typeface="+mn-ea"/>
+                          <a:cs typeface="+mn-cs"/>
+                        </a:rPr>
+                        <a:t>, не принадлежащие ни одному из </a:t>
+                      </a:r>
+                      <a:r>
+                        <a:rPr lang="ru-RU" sz="1800" b="0" i="0" kern="1200" dirty="0" err="1">
+                          <a:solidFill>
+                            <a:schemeClr val="dk1"/>
+                          </a:solidFill>
+                          <a:effectLst/>
+                          <a:latin typeface="+mn-lt"/>
+                          <a:ea typeface="+mn-ea"/>
+                          <a:cs typeface="+mn-cs"/>
+                        </a:rPr>
+                        <a:t>other</a:t>
+                      </a:r>
+                      <a:endParaRPr lang="ru-RU" dirty="0"/>
+                    </a:p>
+                  </a:txBody>
+                  <a:tcPr/>
+                </a:tc>
+                <a:extLst>
+                  <a:ext uri="{0D108BD9-81ED-4DB2-BD59-A6C34878D82A}">
+                    <a16:rowId xmlns:a16="http://schemas.microsoft.com/office/drawing/2014/main" val="2016223658"/>
+                  </a:ext>
+                </a:extLst>
+              </a:tr>
+              <a:tr h="370840">
+                <a:tc>
+                  <a:txBody>
+                    <a:bodyPr/>
+                    <a:lstStyle/>
+                    <a:p>
+                      <a:r>
+                        <a:rPr lang="en-US" sz="1800" b="1" i="0" kern="1200" dirty="0" err="1">
+                          <a:solidFill>
+                            <a:schemeClr val="dk1"/>
+                          </a:solidFill>
+                          <a:effectLst/>
+                          <a:latin typeface="+mn-lt"/>
+                          <a:ea typeface="+mn-ea"/>
+                          <a:cs typeface="+mn-cs"/>
+                        </a:rPr>
+                        <a:t>set.symmetric_difference</a:t>
+                      </a:r>
+                      <a:r>
+                        <a:rPr lang="en-US" sz="1800" b="0" i="0" kern="1200" dirty="0">
+                          <a:solidFill>
+                            <a:schemeClr val="dk1"/>
+                          </a:solidFill>
+                          <a:effectLst/>
+                          <a:latin typeface="+mn-lt"/>
+                          <a:ea typeface="+mn-ea"/>
+                          <a:cs typeface="+mn-cs"/>
+                        </a:rPr>
+                        <a:t>(other); </a:t>
+                      </a:r>
+                      <a:r>
+                        <a:rPr lang="en-US" sz="1800" b="1" i="0" kern="1200" dirty="0">
+                          <a:solidFill>
+                            <a:schemeClr val="dk1"/>
+                          </a:solidFill>
+                          <a:effectLst/>
+                          <a:latin typeface="+mn-lt"/>
+                          <a:ea typeface="+mn-ea"/>
+                          <a:cs typeface="+mn-cs"/>
+                        </a:rPr>
+                        <a:t>set ^ other</a:t>
+                      </a:r>
+                      <a:endParaRPr lang="ru-RU" dirty="0"/>
+                    </a:p>
+                  </a:txBody>
+                  <a:tcPr/>
+                </a:tc>
+                <a:tc>
+                  <a:txBody>
+                    <a:bodyPr/>
+                    <a:lstStyle/>
+                    <a:p>
+                      <a:r>
+                        <a:rPr lang="ru-RU" sz="1800" b="0" i="0" kern="1200" dirty="0">
+                          <a:solidFill>
+                            <a:schemeClr val="dk1"/>
+                          </a:solidFill>
+                          <a:effectLst/>
+                          <a:latin typeface="+mn-lt"/>
+                          <a:ea typeface="+mn-ea"/>
+                          <a:cs typeface="+mn-cs"/>
+                        </a:rPr>
+                        <a:t>множество из элементов, встречающихся в одном множестве, но не встречающиеся в обоих</a:t>
+                      </a:r>
+                      <a:endParaRPr lang="ru-RU" dirty="0"/>
+                    </a:p>
+                  </a:txBody>
+                  <a:tcPr/>
+                </a:tc>
+                <a:extLst>
+                  <a:ext uri="{0D108BD9-81ED-4DB2-BD59-A6C34878D82A}">
+                    <a16:rowId xmlns:a16="http://schemas.microsoft.com/office/drawing/2014/main" val="3525673949"/>
+                  </a:ext>
+                </a:extLst>
+              </a:tr>
+              <a:tr h="370840">
+                <a:tc>
+                  <a:txBody>
+                    <a:bodyPr/>
+                    <a:lstStyle/>
+                    <a:p>
+                      <a:r>
+                        <a:rPr lang="en-US" sz="1800" b="1" i="0" kern="1200" dirty="0" err="1">
+                          <a:solidFill>
+                            <a:schemeClr val="dk1"/>
+                          </a:solidFill>
+                          <a:effectLst/>
+                          <a:latin typeface="+mn-lt"/>
+                          <a:ea typeface="+mn-ea"/>
+                          <a:cs typeface="+mn-cs"/>
+                        </a:rPr>
+                        <a:t>set.copy</a:t>
+                      </a:r>
+                      <a:r>
+                        <a:rPr lang="en-US" sz="1800" b="0" i="0" kern="1200" dirty="0">
+                          <a:solidFill>
+                            <a:schemeClr val="dk1"/>
+                          </a:solidFill>
+                          <a:effectLst/>
+                          <a:latin typeface="+mn-lt"/>
+                          <a:ea typeface="+mn-ea"/>
+                          <a:cs typeface="+mn-cs"/>
+                        </a:rPr>
+                        <a:t>()</a:t>
+                      </a:r>
+                      <a:endParaRPr lang="ru-RU" dirty="0"/>
+                    </a:p>
+                  </a:txBody>
+                  <a:tcPr/>
+                </a:tc>
+                <a:tc>
+                  <a:txBody>
+                    <a:bodyPr/>
+                    <a:lstStyle/>
+                    <a:p>
+                      <a:r>
+                        <a:rPr lang="ru-RU" sz="1800" b="0" i="0" kern="1200" dirty="0">
+                          <a:solidFill>
+                            <a:schemeClr val="dk1"/>
+                          </a:solidFill>
+                          <a:effectLst/>
+                          <a:latin typeface="+mn-lt"/>
+                          <a:ea typeface="+mn-ea"/>
+                          <a:cs typeface="+mn-cs"/>
+                        </a:rPr>
+                        <a:t>копия множества</a:t>
+                      </a:r>
+                      <a:endParaRPr lang="ru-RU" dirty="0"/>
+                    </a:p>
+                  </a:txBody>
+                  <a:tcPr/>
+                </a:tc>
+                <a:extLst>
+                  <a:ext uri="{0D108BD9-81ED-4DB2-BD59-A6C34878D82A}">
+                    <a16:rowId xmlns:a16="http://schemas.microsoft.com/office/drawing/2014/main" val="3095278675"/>
+                  </a:ext>
+                </a:extLst>
+              </a:tr>
+            </a:tbl>
+          </a:graphicData>
+        </a:graphic>
+      </p:graphicFrame>
+    </p:spTree>
+    <p:extLst>
+      <p:ext uri="{BB962C8B-B14F-4D97-AF65-F5344CB8AC3E}">
+        <p14:creationId xmlns:p14="http://schemas.microsoft.com/office/powerpoint/2010/main" val="3158898060"/>
+      </p:ext>
+    </p:extLst>
+  </p:cSld>
+  <p:clrMapOvr>
+    <a:masterClrMapping/>
+  </p:clrMapOvr>
+</p:sld>
+</file>
+
+<file path=ppt/slides/slide57.xml><?xml version="1.0" encoding="utf-8"?>
+<p:sld xmlns:a="http://schemas.openxmlformats.org/drawingml/2006/main" xmlns:r="http://schemas.openxmlformats.org/officeDocument/2006/relationships" xmlns:p="http://schemas.openxmlformats.org/presentationml/2006/main">
+  <p:cSld>
+    <p:spTree>
+      <p:nvGrpSpPr>
+        <p:cNvPr id="1" name=""/>
+        <p:cNvGrpSpPr/>
+        <p:nvPr/>
+      </p:nvGrpSpPr>
+      <p:grpSpPr>
+        <a:xfrm>
+          <a:off x="0" y="0"/>
+          <a:ext cx="0" cy="0"/>
+          <a:chOff x="0" y="0"/>
+          <a:chExt cx="0" cy="0"/>
+        </a:xfrm>
+      </p:grpSpPr>
+      <p:sp>
+        <p:nvSpPr>
+          <p:cNvPr id="2" name="Заголовок 1">
+            <a:extLst>
+              <a:ext uri="{FF2B5EF4-FFF2-40B4-BE49-F238E27FC236}">
+                <a16:creationId xmlns:a16="http://schemas.microsoft.com/office/drawing/2014/main" id="{85589267-41BF-4F70-B2FD-139B722FFD12}"/>
+              </a:ext>
+            </a:extLst>
+          </p:cNvPr>
+          <p:cNvSpPr>
+            <a:spLocks noGrp="1"/>
+          </p:cNvSpPr>
+          <p:nvPr>
+            <p:ph type="title"/>
+          </p:nvPr>
+        </p:nvSpPr>
+        <p:spPr/>
+        <p:txBody>
+          <a:bodyPr/>
+          <a:lstStyle/>
+          <a:p>
+            <a:r>
+              <a:rPr lang="ru-RU" dirty="0"/>
+              <a:t>Операции изменяющие множество</a:t>
+            </a:r>
+          </a:p>
+        </p:txBody>
+      </p:sp>
+      <p:graphicFrame>
+        <p:nvGraphicFramePr>
+          <p:cNvPr id="4" name="Таблица 4">
+            <a:extLst>
+              <a:ext uri="{FF2B5EF4-FFF2-40B4-BE49-F238E27FC236}">
+                <a16:creationId xmlns:a16="http://schemas.microsoft.com/office/drawing/2014/main" id="{5081320D-5ECD-4B5E-92EB-4FB755E744AA}"/>
+              </a:ext>
+            </a:extLst>
+          </p:cNvPr>
+          <p:cNvGraphicFramePr>
+            <a:graphicFrameLocks noGrp="1"/>
+          </p:cNvGraphicFramePr>
+          <p:nvPr>
+            <p:ph idx="1"/>
+            <p:extLst>
+              <p:ext uri="{D42A27DB-BD31-4B8C-83A1-F6EECF244321}">
+                <p14:modId xmlns:p14="http://schemas.microsoft.com/office/powerpoint/2010/main" val="555864127"/>
+              </p:ext>
+            </p:extLst>
+          </p:nvPr>
+        </p:nvGraphicFramePr>
+        <p:xfrm>
+          <a:off x="276447" y="1559811"/>
+          <a:ext cx="11183679" cy="5064760"/>
+        </p:xfrm>
+        <a:graphic>
+          <a:graphicData uri="http://schemas.openxmlformats.org/drawingml/2006/table">
+            <a:tbl>
+              <a:tblPr firstRow="1" bandRow="1">
+                <a:tableStyleId>{5C22544A-7EE6-4342-B048-85BDC9FD1C3A}</a:tableStyleId>
+              </a:tblPr>
+              <a:tblGrid>
+                <a:gridCol w="5825540">
+                  <a:extLst>
+                    <a:ext uri="{9D8B030D-6E8A-4147-A177-3AD203B41FA5}">
+                      <a16:colId xmlns:a16="http://schemas.microsoft.com/office/drawing/2014/main" val="1651047168"/>
+                    </a:ext>
+                  </a:extLst>
+                </a:gridCol>
+                <a:gridCol w="5358139">
+                  <a:extLst>
+                    <a:ext uri="{9D8B030D-6E8A-4147-A177-3AD203B41FA5}">
+                      <a16:colId xmlns:a16="http://schemas.microsoft.com/office/drawing/2014/main" val="3241597911"/>
+                    </a:ext>
+                  </a:extLst>
+                </a:gridCol>
+              </a:tblGrid>
+              <a:tr h="370840">
+                <a:tc>
+                  <a:txBody>
+                    <a:bodyPr/>
+                    <a:lstStyle/>
+                    <a:p>
+                      <a:r>
+                        <a:rPr lang="ru-RU" dirty="0"/>
+                        <a:t>Операция</a:t>
+                      </a:r>
+                    </a:p>
+                  </a:txBody>
+                  <a:tcPr/>
+                </a:tc>
+                <a:tc>
+                  <a:txBody>
+                    <a:bodyPr/>
+                    <a:lstStyle/>
+                    <a:p>
+                      <a:r>
+                        <a:rPr lang="ru-RU" dirty="0"/>
+                        <a:t>Описание</a:t>
+                      </a:r>
+                    </a:p>
+                  </a:txBody>
+                  <a:tcPr/>
+                </a:tc>
+                <a:extLst>
+                  <a:ext uri="{0D108BD9-81ED-4DB2-BD59-A6C34878D82A}">
+                    <a16:rowId xmlns:a16="http://schemas.microsoft.com/office/drawing/2014/main" val="2404482571"/>
+                  </a:ext>
+                </a:extLst>
+              </a:tr>
+              <a:tr h="370840">
+                <a:tc>
+                  <a:txBody>
+                    <a:bodyPr/>
+                    <a:lstStyle/>
+                    <a:p>
+                      <a:r>
+                        <a:rPr lang="en-US" sz="1800" b="1" i="0" kern="1200" dirty="0" err="1">
+                          <a:solidFill>
+                            <a:schemeClr val="dk1"/>
+                          </a:solidFill>
+                          <a:effectLst/>
+                          <a:latin typeface="+mn-lt"/>
+                          <a:ea typeface="+mn-ea"/>
+                          <a:cs typeface="+mn-cs"/>
+                        </a:rPr>
+                        <a:t>set.update</a:t>
+                      </a:r>
+                      <a:r>
+                        <a:rPr lang="en-US" sz="1800" b="0" i="0" kern="1200" dirty="0">
+                          <a:solidFill>
+                            <a:schemeClr val="dk1"/>
+                          </a:solidFill>
+                          <a:effectLst/>
+                          <a:latin typeface="+mn-lt"/>
+                          <a:ea typeface="+mn-ea"/>
+                          <a:cs typeface="+mn-cs"/>
+                        </a:rPr>
+                        <a:t>(other, ...)</a:t>
+                      </a:r>
+                      <a:r>
+                        <a:rPr lang="ru-RU" sz="1800" b="0" i="0" kern="1200" dirty="0">
+                          <a:solidFill>
+                            <a:schemeClr val="dk1"/>
+                          </a:solidFill>
+                          <a:effectLst/>
+                          <a:latin typeface="+mn-lt"/>
+                          <a:ea typeface="+mn-ea"/>
+                          <a:cs typeface="+mn-cs"/>
+                        </a:rPr>
+                        <a:t> или </a:t>
+                      </a:r>
+                      <a:r>
+                        <a:rPr lang="en-US" sz="1800" b="0" i="0" kern="1200" dirty="0">
+                          <a:solidFill>
+                            <a:schemeClr val="dk1"/>
+                          </a:solidFill>
+                          <a:effectLst/>
+                          <a:latin typeface="+mn-lt"/>
+                          <a:ea typeface="+mn-ea"/>
+                          <a:cs typeface="+mn-cs"/>
+                        </a:rPr>
+                        <a:t> </a:t>
+                      </a:r>
+                      <a:r>
+                        <a:rPr lang="en-US" sz="1800" b="1" i="0" kern="1200" dirty="0">
+                          <a:solidFill>
+                            <a:schemeClr val="dk1"/>
+                          </a:solidFill>
+                          <a:effectLst/>
+                          <a:latin typeface="+mn-lt"/>
+                          <a:ea typeface="+mn-ea"/>
+                          <a:cs typeface="+mn-cs"/>
+                        </a:rPr>
+                        <a:t>set |= other | ...</a:t>
+                      </a:r>
+                      <a:endParaRPr lang="ru-RU" b="1" dirty="0"/>
+                    </a:p>
+                  </a:txBody>
+                  <a:tcPr/>
+                </a:tc>
+                <a:tc>
+                  <a:txBody>
+                    <a:bodyPr/>
+                    <a:lstStyle/>
+                    <a:p>
+                      <a:r>
+                        <a:rPr lang="ru-RU" sz="1800" b="0" i="0" kern="1200" dirty="0">
+                          <a:solidFill>
+                            <a:schemeClr val="dk1"/>
+                          </a:solidFill>
+                          <a:effectLst/>
+                          <a:latin typeface="+mn-lt"/>
+                          <a:ea typeface="+mn-ea"/>
+                          <a:cs typeface="+mn-cs"/>
+                        </a:rPr>
+                        <a:t>Объединение с присвоением результата </a:t>
+                      </a:r>
+                      <a:r>
+                        <a:rPr lang="en-US" sz="1800" b="0" i="0" kern="1200" dirty="0">
+                          <a:solidFill>
+                            <a:schemeClr val="dk1"/>
+                          </a:solidFill>
+                          <a:effectLst/>
+                          <a:latin typeface="+mn-lt"/>
+                          <a:ea typeface="+mn-ea"/>
+                          <a:cs typeface="+mn-cs"/>
+                        </a:rPr>
+                        <a:t>set</a:t>
+                      </a:r>
+                      <a:endParaRPr lang="ru-RU" dirty="0"/>
+                    </a:p>
+                  </a:txBody>
+                  <a:tcPr/>
+                </a:tc>
+                <a:extLst>
+                  <a:ext uri="{0D108BD9-81ED-4DB2-BD59-A6C34878D82A}">
+                    <a16:rowId xmlns:a16="http://schemas.microsoft.com/office/drawing/2014/main" val="1086223853"/>
+                  </a:ext>
+                </a:extLst>
+              </a:tr>
+              <a:tr h="370840">
+                <a:tc>
+                  <a:txBody>
+                    <a:bodyPr/>
+                    <a:lstStyle/>
+                    <a:p>
+                      <a:r>
+                        <a:rPr lang="en-US" sz="1800" b="1" i="0" kern="1200" dirty="0" err="1">
+                          <a:solidFill>
+                            <a:schemeClr val="dk1"/>
+                          </a:solidFill>
+                          <a:effectLst/>
+                          <a:latin typeface="+mn-lt"/>
+                          <a:ea typeface="+mn-ea"/>
+                          <a:cs typeface="+mn-cs"/>
+                        </a:rPr>
+                        <a:t>set.intersection_update</a:t>
+                      </a:r>
+                      <a:r>
+                        <a:rPr lang="en-US" sz="1800" b="0" i="0" kern="1200" dirty="0">
+                          <a:solidFill>
+                            <a:schemeClr val="dk1"/>
+                          </a:solidFill>
+                          <a:effectLst/>
+                          <a:latin typeface="+mn-lt"/>
+                          <a:ea typeface="+mn-ea"/>
+                          <a:cs typeface="+mn-cs"/>
+                        </a:rPr>
+                        <a:t>(other, ...)</a:t>
+                      </a:r>
+                      <a:r>
+                        <a:rPr lang="ru-RU" sz="1800" b="0" i="0" kern="1200" dirty="0">
+                          <a:solidFill>
+                            <a:schemeClr val="dk1"/>
+                          </a:solidFill>
+                          <a:effectLst/>
+                          <a:latin typeface="+mn-lt"/>
+                          <a:ea typeface="+mn-ea"/>
+                          <a:cs typeface="+mn-cs"/>
+                        </a:rPr>
+                        <a:t> или</a:t>
+                      </a:r>
+                      <a:r>
+                        <a:rPr lang="en-US" sz="1800" b="0" i="0" kern="1200" dirty="0">
+                          <a:solidFill>
+                            <a:schemeClr val="dk1"/>
+                          </a:solidFill>
+                          <a:effectLst/>
+                          <a:latin typeface="+mn-lt"/>
+                          <a:ea typeface="+mn-ea"/>
+                          <a:cs typeface="+mn-cs"/>
+                        </a:rPr>
+                        <a:t> </a:t>
+                      </a:r>
+                      <a:r>
+                        <a:rPr lang="en-US" sz="1800" b="1" i="0" kern="1200" dirty="0">
+                          <a:solidFill>
+                            <a:schemeClr val="dk1"/>
+                          </a:solidFill>
+                          <a:effectLst/>
+                          <a:latin typeface="+mn-lt"/>
+                          <a:ea typeface="+mn-ea"/>
+                          <a:cs typeface="+mn-cs"/>
+                        </a:rPr>
+                        <a:t>set &amp;= other &amp; ... </a:t>
+                      </a:r>
+                      <a:endParaRPr lang="ru-RU" b="1" dirty="0"/>
+                    </a:p>
+                  </a:txBody>
+                  <a:tcPr/>
+                </a:tc>
+                <a:tc>
+                  <a:txBody>
+                    <a:bodyPr/>
+                    <a:lstStyle/>
+                    <a:p>
+                      <a:r>
+                        <a:rPr lang="ru-RU" sz="1800" b="0" i="0" kern="1200" dirty="0">
+                          <a:solidFill>
+                            <a:schemeClr val="dk1"/>
+                          </a:solidFill>
+                          <a:effectLst/>
+                          <a:latin typeface="+mn-lt"/>
+                          <a:ea typeface="+mn-ea"/>
+                          <a:cs typeface="+mn-cs"/>
+                        </a:rPr>
+                        <a:t>Пересечение с присвоением результата </a:t>
+                      </a:r>
+                      <a:r>
+                        <a:rPr lang="en-US" sz="1800" b="0" i="0" kern="1200" dirty="0">
+                          <a:solidFill>
+                            <a:schemeClr val="dk1"/>
+                          </a:solidFill>
+                          <a:effectLst/>
+                          <a:latin typeface="+mn-lt"/>
+                          <a:ea typeface="+mn-ea"/>
+                          <a:cs typeface="+mn-cs"/>
+                        </a:rPr>
+                        <a:t>set</a:t>
+                      </a:r>
+                      <a:endParaRPr lang="ru-RU" dirty="0"/>
+                    </a:p>
+                  </a:txBody>
+                  <a:tcPr/>
+                </a:tc>
+                <a:extLst>
+                  <a:ext uri="{0D108BD9-81ED-4DB2-BD59-A6C34878D82A}">
+                    <a16:rowId xmlns:a16="http://schemas.microsoft.com/office/drawing/2014/main" val="651630043"/>
+                  </a:ext>
+                </a:extLst>
+              </a:tr>
+              <a:tr h="370840">
+                <a:tc>
+                  <a:txBody>
+                    <a:bodyPr/>
+                    <a:lstStyle/>
+                    <a:p>
+                      <a:r>
+                        <a:rPr lang="en-US" sz="1800" b="1" i="0" kern="1200" dirty="0" err="1">
+                          <a:solidFill>
+                            <a:schemeClr val="dk1"/>
+                          </a:solidFill>
+                          <a:effectLst/>
+                          <a:latin typeface="+mn-lt"/>
+                          <a:ea typeface="+mn-ea"/>
+                          <a:cs typeface="+mn-cs"/>
+                        </a:rPr>
+                        <a:t>set.difference_update</a:t>
+                      </a:r>
+                      <a:r>
+                        <a:rPr lang="en-US" sz="1800" b="0" i="0" kern="1200" dirty="0">
+                          <a:solidFill>
+                            <a:schemeClr val="dk1"/>
+                          </a:solidFill>
+                          <a:effectLst/>
+                          <a:latin typeface="+mn-lt"/>
+                          <a:ea typeface="+mn-ea"/>
+                          <a:cs typeface="+mn-cs"/>
+                        </a:rPr>
+                        <a:t>(other, ...) </a:t>
+                      </a:r>
+                      <a:r>
+                        <a:rPr lang="ru-RU" sz="1800" b="0" i="0" kern="1200" dirty="0">
+                          <a:solidFill>
+                            <a:schemeClr val="dk1"/>
+                          </a:solidFill>
+                          <a:effectLst/>
+                          <a:latin typeface="+mn-lt"/>
+                          <a:ea typeface="+mn-ea"/>
+                          <a:cs typeface="+mn-cs"/>
+                        </a:rPr>
+                        <a:t>или</a:t>
+                      </a:r>
+                      <a:r>
+                        <a:rPr lang="en-US" sz="1800" b="0" i="0" kern="1200" dirty="0">
+                          <a:solidFill>
+                            <a:schemeClr val="dk1"/>
+                          </a:solidFill>
+                          <a:effectLst/>
+                          <a:latin typeface="+mn-lt"/>
+                          <a:ea typeface="+mn-ea"/>
+                          <a:cs typeface="+mn-cs"/>
+                        </a:rPr>
+                        <a:t> </a:t>
+                      </a:r>
+                      <a:r>
+                        <a:rPr lang="en-US" sz="1800" b="1" i="0" kern="1200" dirty="0">
+                          <a:solidFill>
+                            <a:schemeClr val="dk1"/>
+                          </a:solidFill>
+                          <a:effectLst/>
+                          <a:latin typeface="+mn-lt"/>
+                          <a:ea typeface="+mn-ea"/>
+                          <a:cs typeface="+mn-cs"/>
+                        </a:rPr>
+                        <a:t>set -= other | ...</a:t>
+                      </a:r>
+                      <a:endParaRPr lang="ru-RU" b="1" dirty="0"/>
+                    </a:p>
+                  </a:txBody>
+                  <a:tcPr/>
+                </a:tc>
+                <a:tc>
+                  <a:txBody>
+                    <a:bodyPr/>
+                    <a:lstStyle/>
+                    <a:p>
+                      <a:r>
+                        <a:rPr lang="ru-RU" sz="1800" b="0" i="0" kern="1200" dirty="0">
+                          <a:solidFill>
+                            <a:schemeClr val="dk1"/>
+                          </a:solidFill>
+                          <a:effectLst/>
+                          <a:latin typeface="+mn-lt"/>
+                          <a:ea typeface="+mn-ea"/>
+                          <a:cs typeface="+mn-cs"/>
+                        </a:rPr>
+                        <a:t>Вычитание с присвоением результата </a:t>
+                      </a:r>
+                      <a:r>
+                        <a:rPr lang="en-US" sz="1800" b="0" i="0" kern="1200" dirty="0">
+                          <a:solidFill>
+                            <a:schemeClr val="dk1"/>
+                          </a:solidFill>
+                          <a:effectLst/>
+                          <a:latin typeface="+mn-lt"/>
+                          <a:ea typeface="+mn-ea"/>
+                          <a:cs typeface="+mn-cs"/>
+                        </a:rPr>
+                        <a:t>set</a:t>
+                      </a:r>
+                      <a:endParaRPr lang="ru-RU" dirty="0"/>
+                    </a:p>
+                  </a:txBody>
+                  <a:tcPr/>
+                </a:tc>
+                <a:extLst>
+                  <a:ext uri="{0D108BD9-81ED-4DB2-BD59-A6C34878D82A}">
+                    <a16:rowId xmlns:a16="http://schemas.microsoft.com/office/drawing/2014/main" val="3535773401"/>
+                  </a:ext>
+                </a:extLst>
+              </a:tr>
+              <a:tr h="370840">
+                <a:tc>
+                  <a:txBody>
+                    <a:bodyPr/>
+                    <a:lstStyle/>
+                    <a:p>
+                      <a:r>
+                        <a:rPr lang="en-US" sz="1800" b="1" i="0" kern="1200" dirty="0" err="1">
+                          <a:solidFill>
+                            <a:schemeClr val="dk1"/>
+                          </a:solidFill>
+                          <a:effectLst/>
+                          <a:latin typeface="+mn-lt"/>
+                          <a:ea typeface="+mn-ea"/>
+                          <a:cs typeface="+mn-cs"/>
+                        </a:rPr>
+                        <a:t>set.symmetric_difference_update</a:t>
+                      </a:r>
+                      <a:r>
+                        <a:rPr lang="en-US" sz="1800" b="0" i="0" kern="1200" dirty="0">
+                          <a:solidFill>
+                            <a:schemeClr val="dk1"/>
+                          </a:solidFill>
+                          <a:effectLst/>
+                          <a:latin typeface="+mn-lt"/>
+                          <a:ea typeface="+mn-ea"/>
+                          <a:cs typeface="+mn-cs"/>
+                        </a:rPr>
+                        <a:t>(other) </a:t>
+                      </a:r>
+                      <a:r>
+                        <a:rPr lang="ru-RU" sz="1800" b="0" i="0" kern="1200" dirty="0">
+                          <a:solidFill>
+                            <a:schemeClr val="dk1"/>
+                          </a:solidFill>
+                          <a:effectLst/>
+                          <a:latin typeface="+mn-lt"/>
+                          <a:ea typeface="+mn-ea"/>
+                          <a:cs typeface="+mn-cs"/>
+                        </a:rPr>
+                        <a:t>или </a:t>
+                      </a:r>
+                      <a:r>
+                        <a:rPr lang="en-US" sz="1800" b="1" i="0" kern="1200" dirty="0">
+                          <a:solidFill>
+                            <a:schemeClr val="dk1"/>
+                          </a:solidFill>
+                          <a:effectLst/>
+                          <a:latin typeface="+mn-lt"/>
+                          <a:ea typeface="+mn-ea"/>
+                          <a:cs typeface="+mn-cs"/>
+                        </a:rPr>
+                        <a:t>set ^= other</a:t>
+                      </a:r>
+                      <a:endParaRPr lang="ru-RU" b="1" dirty="0"/>
+                    </a:p>
+                  </a:txBody>
+                  <a:tcPr/>
+                </a:tc>
+                <a:tc>
+                  <a:txBody>
+                    <a:bodyPr/>
+                    <a:lstStyle/>
+                    <a:p>
+                      <a:r>
+                        <a:rPr lang="ru-RU" dirty="0"/>
+                        <a:t>множество из элементов, встречающихся в одном множестве, но не встречающиеся в обоих с присвоением результата </a:t>
+                      </a:r>
+                      <a:r>
+                        <a:rPr lang="en-US" dirty="0"/>
+                        <a:t>set</a:t>
+                      </a:r>
+                      <a:endParaRPr lang="ru-RU" dirty="0"/>
+                    </a:p>
+                  </a:txBody>
+                  <a:tcPr/>
+                </a:tc>
+                <a:extLst>
+                  <a:ext uri="{0D108BD9-81ED-4DB2-BD59-A6C34878D82A}">
+                    <a16:rowId xmlns:a16="http://schemas.microsoft.com/office/drawing/2014/main" val="772754695"/>
+                  </a:ext>
+                </a:extLst>
+              </a:tr>
+              <a:tr h="370840">
+                <a:tc>
+                  <a:txBody>
+                    <a:bodyPr/>
+                    <a:lstStyle/>
+                    <a:p>
+                      <a:r>
+                        <a:rPr lang="en-US" sz="1800" b="1" i="0" kern="1200" dirty="0" err="1">
+                          <a:solidFill>
+                            <a:schemeClr val="dk1"/>
+                          </a:solidFill>
+                          <a:effectLst/>
+                          <a:latin typeface="+mn-lt"/>
+                          <a:ea typeface="+mn-ea"/>
+                          <a:cs typeface="+mn-cs"/>
+                        </a:rPr>
+                        <a:t>set.add</a:t>
+                      </a:r>
+                      <a:r>
+                        <a:rPr lang="en-US" sz="1800" b="0" i="0" kern="1200" dirty="0">
+                          <a:solidFill>
+                            <a:schemeClr val="dk1"/>
+                          </a:solidFill>
+                          <a:effectLst/>
+                          <a:latin typeface="+mn-lt"/>
+                          <a:ea typeface="+mn-ea"/>
+                          <a:cs typeface="+mn-cs"/>
+                        </a:rPr>
+                        <a:t>(</a:t>
+                      </a:r>
+                      <a:r>
+                        <a:rPr lang="en-US" sz="1800" b="0" i="0" kern="1200" dirty="0" err="1">
+                          <a:solidFill>
+                            <a:schemeClr val="dk1"/>
+                          </a:solidFill>
+                          <a:effectLst/>
+                          <a:latin typeface="+mn-lt"/>
+                          <a:ea typeface="+mn-ea"/>
+                          <a:cs typeface="+mn-cs"/>
+                        </a:rPr>
+                        <a:t>elem</a:t>
+                      </a:r>
+                      <a:r>
+                        <a:rPr lang="en-US" sz="1800" b="0" i="0" kern="1200" dirty="0">
+                          <a:solidFill>
+                            <a:schemeClr val="dk1"/>
+                          </a:solidFill>
+                          <a:effectLst/>
+                          <a:latin typeface="+mn-lt"/>
+                          <a:ea typeface="+mn-ea"/>
+                          <a:cs typeface="+mn-cs"/>
+                        </a:rPr>
+                        <a:t>)</a:t>
+                      </a:r>
+                      <a:endParaRPr lang="ru-RU" dirty="0"/>
+                    </a:p>
+                  </a:txBody>
+                  <a:tcPr/>
+                </a:tc>
+                <a:tc>
+                  <a:txBody>
+                    <a:bodyPr/>
+                    <a:lstStyle/>
+                    <a:p>
+                      <a:r>
+                        <a:rPr lang="ru-RU" sz="1800" b="0" i="0" kern="1200" dirty="0">
+                          <a:solidFill>
+                            <a:schemeClr val="dk1"/>
+                          </a:solidFill>
+                          <a:effectLst/>
+                          <a:latin typeface="+mn-lt"/>
+                          <a:ea typeface="+mn-ea"/>
+                          <a:cs typeface="+mn-cs"/>
+                        </a:rPr>
+                        <a:t>Добавляет элемент в множество</a:t>
+                      </a:r>
+                      <a:r>
+                        <a:rPr lang="en-US" sz="1800" b="0" i="0" kern="1200" dirty="0">
+                          <a:solidFill>
+                            <a:schemeClr val="dk1"/>
+                          </a:solidFill>
+                          <a:effectLst/>
+                          <a:latin typeface="+mn-lt"/>
+                          <a:ea typeface="+mn-ea"/>
+                          <a:cs typeface="+mn-cs"/>
+                        </a:rPr>
+                        <a:t> </a:t>
+                      </a:r>
+                      <a:endParaRPr lang="ru-RU" dirty="0"/>
+                    </a:p>
+                  </a:txBody>
+                  <a:tcPr/>
+                </a:tc>
+                <a:extLst>
+                  <a:ext uri="{0D108BD9-81ED-4DB2-BD59-A6C34878D82A}">
+                    <a16:rowId xmlns:a16="http://schemas.microsoft.com/office/drawing/2014/main" val="2748383045"/>
+                  </a:ext>
+                </a:extLst>
+              </a:tr>
+              <a:tr h="370840">
+                <a:tc>
+                  <a:txBody>
+                    <a:bodyPr/>
+                    <a:lstStyle/>
+                    <a:p>
+                      <a:r>
+                        <a:rPr lang="en-US" sz="1800" b="1" i="0" kern="1200" dirty="0" err="1">
+                          <a:solidFill>
+                            <a:schemeClr val="dk1"/>
+                          </a:solidFill>
+                          <a:effectLst/>
+                          <a:latin typeface="+mn-lt"/>
+                          <a:ea typeface="+mn-ea"/>
+                          <a:cs typeface="+mn-cs"/>
+                        </a:rPr>
+                        <a:t>set.remove</a:t>
+                      </a:r>
+                      <a:r>
+                        <a:rPr lang="en-US" sz="1800" b="0" i="0" kern="1200" dirty="0">
+                          <a:solidFill>
+                            <a:schemeClr val="dk1"/>
+                          </a:solidFill>
+                          <a:effectLst/>
+                          <a:latin typeface="+mn-lt"/>
+                          <a:ea typeface="+mn-ea"/>
+                          <a:cs typeface="+mn-cs"/>
+                        </a:rPr>
+                        <a:t>(</a:t>
+                      </a:r>
+                      <a:r>
+                        <a:rPr lang="en-US" sz="1800" b="0" i="0" kern="1200" dirty="0" err="1">
+                          <a:solidFill>
+                            <a:schemeClr val="dk1"/>
+                          </a:solidFill>
+                          <a:effectLst/>
+                          <a:latin typeface="+mn-lt"/>
+                          <a:ea typeface="+mn-ea"/>
+                          <a:cs typeface="+mn-cs"/>
+                        </a:rPr>
+                        <a:t>elem</a:t>
+                      </a:r>
+                      <a:r>
+                        <a:rPr lang="en-US" sz="1800" b="0" i="0" kern="1200" dirty="0">
+                          <a:solidFill>
+                            <a:schemeClr val="dk1"/>
+                          </a:solidFill>
+                          <a:effectLst/>
+                          <a:latin typeface="+mn-lt"/>
+                          <a:ea typeface="+mn-ea"/>
+                          <a:cs typeface="+mn-cs"/>
+                        </a:rPr>
+                        <a:t>)</a:t>
+                      </a:r>
+                      <a:endParaRPr lang="ru-RU" dirty="0"/>
+                    </a:p>
+                  </a:txBody>
+                  <a:tcPr/>
+                </a:tc>
+                <a:tc>
+                  <a:txBody>
+                    <a:bodyPr/>
+                    <a:lstStyle/>
+                    <a:p>
+                      <a:r>
+                        <a:rPr lang="ru-RU" sz="1800" b="0" i="0" kern="1200" dirty="0">
+                          <a:solidFill>
+                            <a:schemeClr val="dk1"/>
+                          </a:solidFill>
+                          <a:effectLst/>
+                          <a:latin typeface="+mn-lt"/>
+                          <a:ea typeface="+mn-ea"/>
+                          <a:cs typeface="+mn-cs"/>
+                        </a:rPr>
+                        <a:t>Удаляет элемент из множества. Возникает ошибка </a:t>
+                      </a:r>
+                      <a:r>
+                        <a:rPr lang="ru-RU" sz="1800" b="0" i="0" kern="1200" dirty="0" err="1">
+                          <a:solidFill>
+                            <a:schemeClr val="dk1"/>
+                          </a:solidFill>
+                          <a:effectLst/>
+                          <a:latin typeface="+mn-lt"/>
+                          <a:ea typeface="+mn-ea"/>
+                          <a:cs typeface="+mn-cs"/>
+                        </a:rPr>
+                        <a:t>KeyError</a:t>
+                      </a:r>
+                      <a:r>
+                        <a:rPr lang="ru-RU" sz="1800" b="0" i="0" kern="1200" dirty="0">
+                          <a:solidFill>
+                            <a:schemeClr val="dk1"/>
+                          </a:solidFill>
+                          <a:effectLst/>
+                          <a:latin typeface="+mn-lt"/>
+                          <a:ea typeface="+mn-ea"/>
+                          <a:cs typeface="+mn-cs"/>
+                        </a:rPr>
+                        <a:t>, если такого элемента не существует.</a:t>
+                      </a:r>
+                      <a:endParaRPr lang="ru-RU" dirty="0"/>
+                    </a:p>
+                  </a:txBody>
+                  <a:tcPr/>
+                </a:tc>
+                <a:extLst>
+                  <a:ext uri="{0D108BD9-81ED-4DB2-BD59-A6C34878D82A}">
+                    <a16:rowId xmlns:a16="http://schemas.microsoft.com/office/drawing/2014/main" val="4078764151"/>
+                  </a:ext>
+                </a:extLst>
+              </a:tr>
+              <a:tr h="370840">
+                <a:tc>
+                  <a:txBody>
+                    <a:bodyPr/>
+                    <a:lstStyle/>
+                    <a:p>
+                      <a:r>
+                        <a:rPr lang="en-US" sz="1800" b="1" i="0" kern="1200" dirty="0" err="1">
+                          <a:solidFill>
+                            <a:schemeClr val="dk1"/>
+                          </a:solidFill>
+                          <a:effectLst/>
+                          <a:latin typeface="+mn-lt"/>
+                          <a:ea typeface="+mn-ea"/>
+                          <a:cs typeface="+mn-cs"/>
+                        </a:rPr>
+                        <a:t>set.discard</a:t>
+                      </a:r>
+                      <a:r>
+                        <a:rPr lang="en-US" sz="1800" b="0" i="0" kern="1200" dirty="0">
+                          <a:solidFill>
+                            <a:schemeClr val="dk1"/>
+                          </a:solidFill>
+                          <a:effectLst/>
+                          <a:latin typeface="+mn-lt"/>
+                          <a:ea typeface="+mn-ea"/>
+                          <a:cs typeface="+mn-cs"/>
+                        </a:rPr>
+                        <a:t>(</a:t>
+                      </a:r>
+                      <a:r>
+                        <a:rPr lang="en-US" sz="1800" b="0" i="0" kern="1200" dirty="0" err="1">
+                          <a:solidFill>
+                            <a:schemeClr val="dk1"/>
+                          </a:solidFill>
+                          <a:effectLst/>
+                          <a:latin typeface="+mn-lt"/>
+                          <a:ea typeface="+mn-ea"/>
+                          <a:cs typeface="+mn-cs"/>
+                        </a:rPr>
+                        <a:t>elem</a:t>
+                      </a:r>
+                      <a:r>
+                        <a:rPr lang="en-US" sz="1800" b="0" i="0" kern="1200" dirty="0">
+                          <a:solidFill>
+                            <a:schemeClr val="dk1"/>
+                          </a:solidFill>
+                          <a:effectLst/>
+                          <a:latin typeface="+mn-lt"/>
+                          <a:ea typeface="+mn-ea"/>
+                          <a:cs typeface="+mn-cs"/>
+                        </a:rPr>
+                        <a:t>)</a:t>
+                      </a:r>
+                      <a:endParaRPr lang="ru-RU" dirty="0"/>
+                    </a:p>
+                  </a:txBody>
+                  <a:tcPr/>
+                </a:tc>
+                <a:tc>
+                  <a:txBody>
+                    <a:bodyPr/>
+                    <a:lstStyle/>
+                    <a:p>
+                      <a:r>
+                        <a:rPr lang="ru-RU" sz="1800" b="0" i="0" kern="1200" dirty="0">
+                          <a:solidFill>
+                            <a:schemeClr val="dk1"/>
+                          </a:solidFill>
+                          <a:effectLst/>
+                          <a:latin typeface="+mn-lt"/>
+                          <a:ea typeface="+mn-ea"/>
+                          <a:cs typeface="+mn-cs"/>
+                        </a:rPr>
+                        <a:t>Удаляет элемент, если он находится в множестве</a:t>
+                      </a:r>
+                      <a:endParaRPr lang="ru-RU" dirty="0"/>
+                    </a:p>
+                  </a:txBody>
+                  <a:tcPr/>
+                </a:tc>
+                <a:extLst>
+                  <a:ext uri="{0D108BD9-81ED-4DB2-BD59-A6C34878D82A}">
+                    <a16:rowId xmlns:a16="http://schemas.microsoft.com/office/drawing/2014/main" val="3820029193"/>
+                  </a:ext>
+                </a:extLst>
+              </a:tr>
+              <a:tr h="370840">
+                <a:tc>
+                  <a:txBody>
+                    <a:bodyPr/>
+                    <a:lstStyle/>
+                    <a:p>
+                      <a:r>
+                        <a:rPr lang="en-US" sz="1800" b="1" i="0" kern="1200" dirty="0" err="1">
+                          <a:solidFill>
+                            <a:schemeClr val="dk1"/>
+                          </a:solidFill>
+                          <a:effectLst/>
+                          <a:latin typeface="+mn-lt"/>
+                          <a:ea typeface="+mn-ea"/>
+                          <a:cs typeface="+mn-cs"/>
+                        </a:rPr>
+                        <a:t>set.pop</a:t>
+                      </a:r>
+                      <a:r>
+                        <a:rPr lang="en-US" sz="1800" b="0" i="0" kern="1200" dirty="0">
+                          <a:solidFill>
+                            <a:schemeClr val="dk1"/>
+                          </a:solidFill>
+                          <a:effectLst/>
+                          <a:latin typeface="+mn-lt"/>
+                          <a:ea typeface="+mn-ea"/>
+                          <a:cs typeface="+mn-cs"/>
+                        </a:rPr>
+                        <a:t>() </a:t>
+                      </a:r>
+                      <a:endParaRPr lang="ru-RU" dirty="0"/>
+                    </a:p>
+                  </a:txBody>
+                  <a:tcPr/>
+                </a:tc>
+                <a:tc>
+                  <a:txBody>
+                    <a:bodyPr/>
+                    <a:lstStyle/>
+                    <a:p>
+                      <a:r>
+                        <a:rPr lang="ru-RU" sz="1800" b="0" i="0" kern="1200" dirty="0">
+                          <a:solidFill>
+                            <a:schemeClr val="dk1"/>
+                          </a:solidFill>
+                          <a:effectLst/>
+                          <a:latin typeface="+mn-lt"/>
+                          <a:ea typeface="+mn-ea"/>
+                          <a:cs typeface="+mn-cs"/>
+                        </a:rPr>
+                        <a:t>удаляет первый элемент из множества. Так как множества не упорядочены, нельзя точно сказать, какой элемент будет первым</a:t>
+                      </a:r>
+                      <a:endParaRPr lang="ru-RU" dirty="0"/>
+                    </a:p>
+                  </a:txBody>
+                  <a:tcPr/>
+                </a:tc>
+                <a:extLst>
+                  <a:ext uri="{0D108BD9-81ED-4DB2-BD59-A6C34878D82A}">
+                    <a16:rowId xmlns:a16="http://schemas.microsoft.com/office/drawing/2014/main" val="898921852"/>
+                  </a:ext>
+                </a:extLst>
+              </a:tr>
+              <a:tr h="370840">
+                <a:tc>
+                  <a:txBody>
+                    <a:bodyPr/>
+                    <a:lstStyle/>
+                    <a:p>
+                      <a:r>
+                        <a:rPr lang="en-US" sz="1800" b="1" i="0" kern="1200" dirty="0" err="1">
+                          <a:solidFill>
+                            <a:schemeClr val="dk1"/>
+                          </a:solidFill>
+                          <a:effectLst/>
+                          <a:latin typeface="+mn-lt"/>
+                          <a:ea typeface="+mn-ea"/>
+                          <a:cs typeface="+mn-cs"/>
+                        </a:rPr>
+                        <a:t>set.clear</a:t>
+                      </a:r>
+                      <a:r>
+                        <a:rPr lang="en-US" sz="1800" b="0" i="0" kern="1200" dirty="0">
+                          <a:solidFill>
+                            <a:schemeClr val="dk1"/>
+                          </a:solidFill>
+                          <a:effectLst/>
+                          <a:latin typeface="+mn-lt"/>
+                          <a:ea typeface="+mn-ea"/>
+                          <a:cs typeface="+mn-cs"/>
+                        </a:rPr>
+                        <a:t>()</a:t>
+                      </a:r>
+                      <a:endParaRPr lang="ru-RU" dirty="0"/>
+                    </a:p>
+                  </a:txBody>
+                  <a:tcPr/>
+                </a:tc>
+                <a:tc>
+                  <a:txBody>
+                    <a:bodyPr/>
+                    <a:lstStyle/>
+                    <a:p>
+                      <a:r>
+                        <a:rPr lang="ru-RU" sz="1800" b="0" i="0" kern="1200" dirty="0">
+                          <a:solidFill>
+                            <a:schemeClr val="dk1"/>
+                          </a:solidFill>
+                          <a:effectLst/>
+                          <a:latin typeface="+mn-lt"/>
+                          <a:ea typeface="+mn-ea"/>
+                          <a:cs typeface="+mn-cs"/>
+                        </a:rPr>
+                        <a:t>Очистка множества</a:t>
+                      </a:r>
+                      <a:endParaRPr lang="ru-RU" dirty="0"/>
+                    </a:p>
+                  </a:txBody>
+                  <a:tcPr/>
+                </a:tc>
+                <a:extLst>
+                  <a:ext uri="{0D108BD9-81ED-4DB2-BD59-A6C34878D82A}">
+                    <a16:rowId xmlns:a16="http://schemas.microsoft.com/office/drawing/2014/main" val="2892117181"/>
+                  </a:ext>
+                </a:extLst>
+              </a:tr>
+            </a:tbl>
+          </a:graphicData>
+        </a:graphic>
+      </p:graphicFrame>
+    </p:spTree>
+    <p:extLst>
+      <p:ext uri="{BB962C8B-B14F-4D97-AF65-F5344CB8AC3E}">
+        <p14:creationId xmlns:p14="http://schemas.microsoft.com/office/powerpoint/2010/main" val="3831067757"/>
+      </p:ext>
+    </p:extLst>
+  </p:cSld>
+  <p:clrMapOvr>
+    <a:masterClrMapping/>
+  </p:clrMapOvr>
+</p:sld>
+</file>
+
+<file path=ppt/slides/slide58.xml><?xml version="1.0" encoding="utf-8"?>
+<p:sld xmlns:a="http://schemas.openxmlformats.org/drawingml/2006/main" xmlns:r="http://schemas.openxmlformats.org/officeDocument/2006/relationships" xmlns:p="http://schemas.openxmlformats.org/presentationml/2006/main">
+  <p:cSld>
+    <p:spTree>
+      <p:nvGrpSpPr>
+        <p:cNvPr id="1" name=""/>
+        <p:cNvGrpSpPr/>
+        <p:nvPr/>
+      </p:nvGrpSpPr>
+      <p:grpSpPr>
+        <a:xfrm>
+          <a:off x="0" y="0"/>
+          <a:ext cx="0" cy="0"/>
+          <a:chOff x="0" y="0"/>
+          <a:chExt cx="0" cy="0"/>
+        </a:xfrm>
+      </p:grpSpPr>
+      <p:sp>
+        <p:nvSpPr>
+          <p:cNvPr id="2" name="Заголовок 1">
+            <a:extLst>
+              <a:ext uri="{FF2B5EF4-FFF2-40B4-BE49-F238E27FC236}">
+                <a16:creationId xmlns:a16="http://schemas.microsoft.com/office/drawing/2014/main" id="{D25D5A94-FF2E-4CD2-84F3-D648F6CCBE38}"/>
+              </a:ext>
+            </a:extLst>
+          </p:cNvPr>
+          <p:cNvSpPr>
+            <a:spLocks noGrp="1"/>
+          </p:cNvSpPr>
+          <p:nvPr>
+            <p:ph type="title"/>
+          </p:nvPr>
+        </p:nvSpPr>
+        <p:spPr/>
+        <p:txBody>
+          <a:bodyPr/>
+          <a:lstStyle/>
+          <a:p>
+            <a:r>
+              <a:rPr lang="ru-RU" dirty="0"/>
+              <a:t>Операции над множествами</a:t>
+            </a:r>
+          </a:p>
+        </p:txBody>
+      </p:sp>
+      <p:sp>
+        <p:nvSpPr>
+          <p:cNvPr id="4" name="TextBox 3">
+            <a:extLst>
+              <a:ext uri="{FF2B5EF4-FFF2-40B4-BE49-F238E27FC236}">
+                <a16:creationId xmlns:a16="http://schemas.microsoft.com/office/drawing/2014/main" id="{62FA2D74-C730-44EB-A9A7-DD667A9C1DEA}"/>
+              </a:ext>
+            </a:extLst>
+          </p:cNvPr>
+          <p:cNvSpPr txBox="1"/>
+          <p:nvPr/>
+        </p:nvSpPr>
+        <p:spPr>
+          <a:xfrm>
+            <a:off x="1384448" y="1370242"/>
+            <a:ext cx="9423104" cy="4832092"/>
+          </a:xfrm>
+          <a:prstGeom prst="rect">
+            <a:avLst/>
+          </a:prstGeom>
+          <a:noFill/>
+        </p:spPr>
+        <p:txBody>
+          <a:bodyPr wrap="square">
+            <a:spAutoFit/>
+          </a:bodyPr>
+          <a:lstStyle/>
+          <a:p>
+            <a:r>
+              <a:rPr lang="en-US" sz="2800" b="0" dirty="0">
+                <a:solidFill>
+                  <a:srgbClr val="D4D4D4"/>
+                </a:solidFill>
+                <a:effectLst/>
+                <a:latin typeface="Consolas" panose="020B0609020204030204" pitchFamily="49" charset="0"/>
+              </a:rPr>
+              <a:t>s1 = </a:t>
+            </a:r>
+            <a:r>
+              <a:rPr lang="en-US" sz="2800" b="0" dirty="0">
+                <a:solidFill>
+                  <a:srgbClr val="4EC9B0"/>
+                </a:solidFill>
+                <a:effectLst/>
+                <a:latin typeface="Consolas" panose="020B0609020204030204" pitchFamily="49" charset="0"/>
+              </a:rPr>
+              <a:t>set</a:t>
+            </a:r>
+            <a:r>
+              <a:rPr lang="en-US" sz="2800" b="0" dirty="0">
+                <a:solidFill>
+                  <a:srgbClr val="D4D4D4"/>
+                </a:solidFill>
+                <a:effectLst/>
+                <a:latin typeface="Consolas" panose="020B0609020204030204" pitchFamily="49" charset="0"/>
+              </a:rPr>
+              <a:t>([</a:t>
+            </a:r>
+            <a:r>
+              <a:rPr lang="en-US" sz="2800" b="0" dirty="0">
+                <a:solidFill>
+                  <a:srgbClr val="B5CEA8"/>
+                </a:solidFill>
+                <a:effectLst/>
+                <a:latin typeface="Consolas" panose="020B0609020204030204" pitchFamily="49" charset="0"/>
+              </a:rPr>
+              <a:t>1</a:t>
+            </a:r>
+            <a:r>
+              <a:rPr lang="en-US" sz="2800" b="0" dirty="0">
+                <a:solidFill>
+                  <a:srgbClr val="D4D4D4"/>
+                </a:solidFill>
+                <a:effectLst/>
+                <a:latin typeface="Consolas" panose="020B0609020204030204" pitchFamily="49" charset="0"/>
+              </a:rPr>
+              <a:t>,</a:t>
+            </a:r>
+            <a:r>
+              <a:rPr lang="en-US" sz="2800" b="0" dirty="0">
+                <a:solidFill>
+                  <a:srgbClr val="B5CEA8"/>
+                </a:solidFill>
+                <a:effectLst/>
+                <a:latin typeface="Consolas" panose="020B0609020204030204" pitchFamily="49" charset="0"/>
+              </a:rPr>
+              <a:t>2</a:t>
+            </a:r>
+            <a:r>
+              <a:rPr lang="en-US" sz="2800" b="0" dirty="0">
+                <a:solidFill>
+                  <a:srgbClr val="D4D4D4"/>
+                </a:solidFill>
+                <a:effectLst/>
+                <a:latin typeface="Consolas" panose="020B0609020204030204" pitchFamily="49" charset="0"/>
+              </a:rPr>
+              <a:t>,</a:t>
+            </a:r>
+            <a:r>
+              <a:rPr lang="en-US" sz="2800" b="0" dirty="0">
+                <a:solidFill>
+                  <a:srgbClr val="B5CEA8"/>
+                </a:solidFill>
+                <a:effectLst/>
+                <a:latin typeface="Consolas" panose="020B0609020204030204" pitchFamily="49" charset="0"/>
+              </a:rPr>
+              <a:t>3</a:t>
+            </a:r>
+            <a:r>
+              <a:rPr lang="en-US" sz="2800" b="0" dirty="0">
+                <a:solidFill>
+                  <a:srgbClr val="D4D4D4"/>
+                </a:solidFill>
+                <a:effectLst/>
+                <a:latin typeface="Consolas" panose="020B0609020204030204" pitchFamily="49" charset="0"/>
+              </a:rPr>
+              <a:t>,</a:t>
+            </a:r>
+            <a:r>
+              <a:rPr lang="en-US" sz="2800" b="0" dirty="0">
+                <a:solidFill>
+                  <a:srgbClr val="B5CEA8"/>
+                </a:solidFill>
+                <a:effectLst/>
+                <a:latin typeface="Consolas" panose="020B0609020204030204" pitchFamily="49" charset="0"/>
+              </a:rPr>
+              <a:t>1</a:t>
+            </a:r>
+            <a:r>
+              <a:rPr lang="en-US" sz="2800" b="0" dirty="0">
+                <a:solidFill>
+                  <a:srgbClr val="D4D4D4"/>
+                </a:solidFill>
+                <a:effectLst/>
+                <a:latin typeface="Consolas" panose="020B0609020204030204" pitchFamily="49" charset="0"/>
+              </a:rPr>
+              <a:t>,</a:t>
+            </a:r>
+            <a:r>
+              <a:rPr lang="en-US" sz="2800" b="0" dirty="0">
+                <a:solidFill>
+                  <a:srgbClr val="B5CEA8"/>
+                </a:solidFill>
+                <a:effectLst/>
+                <a:latin typeface="Consolas" panose="020B0609020204030204" pitchFamily="49" charset="0"/>
+              </a:rPr>
+              <a:t>1</a:t>
+            </a:r>
+            <a:r>
+              <a:rPr lang="en-US" sz="2800" b="0" dirty="0">
+                <a:solidFill>
+                  <a:srgbClr val="D4D4D4"/>
+                </a:solidFill>
+                <a:effectLst/>
+                <a:latin typeface="Consolas" panose="020B0609020204030204" pitchFamily="49" charset="0"/>
+              </a:rPr>
+              <a:t>,</a:t>
+            </a:r>
+            <a:r>
+              <a:rPr lang="en-US" sz="2800" b="0" dirty="0">
+                <a:solidFill>
+                  <a:srgbClr val="B5CEA8"/>
+                </a:solidFill>
+                <a:effectLst/>
+                <a:latin typeface="Consolas" panose="020B0609020204030204" pitchFamily="49" charset="0"/>
+              </a:rPr>
+              <a:t>1</a:t>
+            </a:r>
+            <a:r>
+              <a:rPr lang="en-US" sz="2800" b="0" dirty="0">
+                <a:solidFill>
+                  <a:srgbClr val="D4D4D4"/>
+                </a:solidFill>
+                <a:effectLst/>
+                <a:latin typeface="Consolas" panose="020B0609020204030204" pitchFamily="49" charset="0"/>
+              </a:rPr>
+              <a:t>,</a:t>
+            </a:r>
+            <a:r>
+              <a:rPr lang="en-US" sz="2800" b="0" dirty="0">
+                <a:solidFill>
+                  <a:srgbClr val="B5CEA8"/>
+                </a:solidFill>
+                <a:effectLst/>
+                <a:latin typeface="Consolas" panose="020B0609020204030204" pitchFamily="49" charset="0"/>
+              </a:rPr>
+              <a:t>2</a:t>
+            </a:r>
+            <a:r>
+              <a:rPr lang="en-US" sz="2800" b="0" dirty="0">
+                <a:solidFill>
+                  <a:srgbClr val="D4D4D4"/>
+                </a:solidFill>
+                <a:effectLst/>
+                <a:latin typeface="Consolas" panose="020B0609020204030204" pitchFamily="49" charset="0"/>
+              </a:rPr>
+              <a:t>,</a:t>
+            </a:r>
+            <a:r>
+              <a:rPr lang="en-US" sz="2800" b="0" dirty="0">
+                <a:solidFill>
+                  <a:srgbClr val="B5CEA8"/>
+                </a:solidFill>
+                <a:effectLst/>
+                <a:latin typeface="Consolas" panose="020B0609020204030204" pitchFamily="49" charset="0"/>
+              </a:rPr>
+              <a:t>3</a:t>
+            </a:r>
+            <a:r>
+              <a:rPr lang="en-US" sz="2800" b="0" dirty="0">
+                <a:solidFill>
+                  <a:srgbClr val="D4D4D4"/>
+                </a:solidFill>
+                <a:effectLst/>
+                <a:latin typeface="Consolas" panose="020B0609020204030204" pitchFamily="49" charset="0"/>
+              </a:rPr>
+              <a:t>,</a:t>
+            </a:r>
+            <a:r>
+              <a:rPr lang="en-US" sz="2800" b="0" dirty="0">
+                <a:solidFill>
+                  <a:srgbClr val="B5CEA8"/>
+                </a:solidFill>
+                <a:effectLst/>
+                <a:latin typeface="Consolas" panose="020B0609020204030204" pitchFamily="49" charset="0"/>
+              </a:rPr>
+              <a:t>4</a:t>
+            </a:r>
+            <a:r>
+              <a:rPr lang="en-US" sz="2800" b="0" dirty="0">
+                <a:solidFill>
+                  <a:srgbClr val="D4D4D4"/>
+                </a:solidFill>
+                <a:effectLst/>
+                <a:latin typeface="Consolas" panose="020B0609020204030204" pitchFamily="49" charset="0"/>
+              </a:rPr>
+              <a:t>])</a:t>
+            </a:r>
+          </a:p>
+          <a:p>
+            <a:r>
+              <a:rPr lang="en-US" sz="2800" b="0" dirty="0">
+                <a:solidFill>
+                  <a:srgbClr val="D4D4D4"/>
+                </a:solidFill>
+                <a:effectLst/>
+                <a:latin typeface="Consolas" panose="020B0609020204030204" pitchFamily="49" charset="0"/>
+              </a:rPr>
+              <a:t>s2 = </a:t>
+            </a:r>
+            <a:r>
+              <a:rPr lang="en-US" sz="2800" b="0" dirty="0">
+                <a:solidFill>
+                  <a:srgbClr val="4EC9B0"/>
+                </a:solidFill>
+                <a:effectLst/>
+                <a:latin typeface="Consolas" panose="020B0609020204030204" pitchFamily="49" charset="0"/>
+              </a:rPr>
+              <a:t>set</a:t>
+            </a:r>
+            <a:r>
+              <a:rPr lang="en-US" sz="2800" b="0" dirty="0">
+                <a:solidFill>
+                  <a:srgbClr val="D4D4D4"/>
+                </a:solidFill>
+                <a:effectLst/>
+                <a:latin typeface="Consolas" panose="020B0609020204030204" pitchFamily="49" charset="0"/>
+              </a:rPr>
+              <a:t>([</a:t>
+            </a:r>
+            <a:r>
+              <a:rPr lang="en-US" sz="2800" b="0" dirty="0">
+                <a:solidFill>
+                  <a:srgbClr val="B5CEA8"/>
+                </a:solidFill>
+                <a:effectLst/>
+                <a:latin typeface="Consolas" panose="020B0609020204030204" pitchFamily="49" charset="0"/>
+              </a:rPr>
+              <a:t>2</a:t>
+            </a:r>
+            <a:r>
+              <a:rPr lang="en-US" sz="2800" b="0" dirty="0">
+                <a:solidFill>
+                  <a:srgbClr val="D4D4D4"/>
+                </a:solidFill>
+                <a:effectLst/>
+                <a:latin typeface="Consolas" panose="020B0609020204030204" pitchFamily="49" charset="0"/>
+              </a:rPr>
+              <a:t>,</a:t>
+            </a:r>
+            <a:r>
+              <a:rPr lang="en-US" sz="2800" b="0" dirty="0">
+                <a:solidFill>
+                  <a:srgbClr val="B5CEA8"/>
+                </a:solidFill>
+                <a:effectLst/>
+                <a:latin typeface="Consolas" panose="020B0609020204030204" pitchFamily="49" charset="0"/>
+              </a:rPr>
+              <a:t>3</a:t>
+            </a:r>
+            <a:r>
+              <a:rPr lang="en-US" sz="2800" b="0" dirty="0">
+                <a:solidFill>
+                  <a:srgbClr val="D4D4D4"/>
+                </a:solidFill>
+                <a:effectLst/>
+                <a:latin typeface="Consolas" panose="020B0609020204030204" pitchFamily="49" charset="0"/>
+              </a:rPr>
+              <a:t>,</a:t>
+            </a:r>
+            <a:r>
+              <a:rPr lang="en-US" sz="2800" b="0" dirty="0">
+                <a:solidFill>
+                  <a:srgbClr val="B5CEA8"/>
+                </a:solidFill>
+                <a:effectLst/>
+                <a:latin typeface="Consolas" panose="020B0609020204030204" pitchFamily="49" charset="0"/>
+              </a:rPr>
+              <a:t>3</a:t>
+            </a:r>
+            <a:r>
+              <a:rPr lang="en-US" sz="2800" b="0" dirty="0">
+                <a:solidFill>
+                  <a:srgbClr val="D4D4D4"/>
+                </a:solidFill>
+                <a:effectLst/>
+                <a:latin typeface="Consolas" panose="020B0609020204030204" pitchFamily="49" charset="0"/>
+              </a:rPr>
+              <a:t>,</a:t>
+            </a:r>
+            <a:r>
+              <a:rPr lang="en-US" sz="2800" b="0" dirty="0">
+                <a:solidFill>
+                  <a:srgbClr val="B5CEA8"/>
+                </a:solidFill>
+                <a:effectLst/>
+                <a:latin typeface="Consolas" panose="020B0609020204030204" pitchFamily="49" charset="0"/>
+              </a:rPr>
+              <a:t>3</a:t>
+            </a:r>
+            <a:r>
+              <a:rPr lang="en-US" sz="2800" b="0" dirty="0">
+                <a:solidFill>
+                  <a:srgbClr val="D4D4D4"/>
+                </a:solidFill>
+                <a:effectLst/>
+                <a:latin typeface="Consolas" panose="020B0609020204030204" pitchFamily="49" charset="0"/>
+              </a:rPr>
+              <a:t>,</a:t>
+            </a:r>
+            <a:r>
+              <a:rPr lang="en-US" sz="2800" b="0" dirty="0">
+                <a:solidFill>
+                  <a:srgbClr val="B5CEA8"/>
+                </a:solidFill>
+                <a:effectLst/>
+                <a:latin typeface="Consolas" panose="020B0609020204030204" pitchFamily="49" charset="0"/>
+              </a:rPr>
+              <a:t>4</a:t>
+            </a:r>
+            <a:r>
+              <a:rPr lang="en-US" sz="2800" b="0" dirty="0">
+                <a:solidFill>
+                  <a:srgbClr val="D4D4D4"/>
+                </a:solidFill>
+                <a:effectLst/>
+                <a:latin typeface="Consolas" panose="020B0609020204030204" pitchFamily="49" charset="0"/>
+              </a:rPr>
+              <a:t>,</a:t>
+            </a:r>
+            <a:r>
+              <a:rPr lang="en-US" sz="2800" b="0" dirty="0">
+                <a:solidFill>
+                  <a:srgbClr val="B5CEA8"/>
+                </a:solidFill>
+                <a:effectLst/>
+                <a:latin typeface="Consolas" panose="020B0609020204030204" pitchFamily="49" charset="0"/>
+              </a:rPr>
+              <a:t>2</a:t>
+            </a:r>
+            <a:r>
+              <a:rPr lang="en-US" sz="2800" b="0" dirty="0">
+                <a:solidFill>
+                  <a:srgbClr val="D4D4D4"/>
+                </a:solidFill>
+                <a:effectLst/>
+                <a:latin typeface="Consolas" panose="020B0609020204030204" pitchFamily="49" charset="0"/>
+              </a:rPr>
+              <a:t>,</a:t>
+            </a:r>
+            <a:r>
+              <a:rPr lang="en-US" sz="2800" b="0" dirty="0">
+                <a:solidFill>
+                  <a:srgbClr val="B5CEA8"/>
+                </a:solidFill>
+                <a:effectLst/>
+                <a:latin typeface="Consolas" panose="020B0609020204030204" pitchFamily="49" charset="0"/>
+              </a:rPr>
+              <a:t>1</a:t>
+            </a:r>
+            <a:r>
+              <a:rPr lang="en-US" sz="2800" b="0" dirty="0">
+                <a:solidFill>
+                  <a:srgbClr val="D4D4D4"/>
+                </a:solidFill>
+                <a:effectLst/>
+                <a:latin typeface="Consolas" panose="020B0609020204030204" pitchFamily="49" charset="0"/>
+              </a:rPr>
+              <a:t>,</a:t>
+            </a:r>
+            <a:r>
+              <a:rPr lang="en-US" sz="2800" b="0" dirty="0">
+                <a:solidFill>
+                  <a:srgbClr val="B5CEA8"/>
+                </a:solidFill>
+                <a:effectLst/>
+                <a:latin typeface="Consolas" panose="020B0609020204030204" pitchFamily="49" charset="0"/>
+              </a:rPr>
+              <a:t>5</a:t>
+            </a:r>
+            <a:r>
+              <a:rPr lang="en-US" sz="2800" b="0" dirty="0">
+                <a:solidFill>
+                  <a:srgbClr val="D4D4D4"/>
+                </a:solidFill>
+                <a:effectLst/>
+                <a:latin typeface="Consolas" panose="020B0609020204030204" pitchFamily="49" charset="0"/>
+              </a:rPr>
+              <a:t>])</a:t>
+            </a:r>
+          </a:p>
+          <a:p>
+            <a:r>
+              <a:rPr lang="en-US" sz="2800" b="0" dirty="0">
+                <a:solidFill>
+                  <a:srgbClr val="DCDCAA"/>
+                </a:solidFill>
+                <a:effectLst/>
+                <a:latin typeface="Consolas" panose="020B0609020204030204" pitchFamily="49" charset="0"/>
+              </a:rPr>
+              <a:t>print</a:t>
+            </a:r>
+            <a:r>
+              <a:rPr lang="en-US" sz="2800" b="0" dirty="0">
+                <a:solidFill>
+                  <a:srgbClr val="D4D4D4"/>
+                </a:solidFill>
+                <a:effectLst/>
+                <a:latin typeface="Consolas" panose="020B0609020204030204" pitchFamily="49" charset="0"/>
+              </a:rPr>
+              <a:t>(s1)</a:t>
+            </a:r>
+          </a:p>
+          <a:p>
+            <a:r>
+              <a:rPr lang="en-US" sz="2800" b="0" dirty="0">
+                <a:solidFill>
+                  <a:srgbClr val="DCDCAA"/>
+                </a:solidFill>
+                <a:effectLst/>
+                <a:latin typeface="Consolas" panose="020B0609020204030204" pitchFamily="49" charset="0"/>
+              </a:rPr>
+              <a:t>print</a:t>
+            </a:r>
+            <a:r>
+              <a:rPr lang="en-US" sz="2800" b="0" dirty="0">
+                <a:solidFill>
+                  <a:srgbClr val="D4D4D4"/>
+                </a:solidFill>
+                <a:effectLst/>
+                <a:latin typeface="Consolas" panose="020B0609020204030204" pitchFamily="49" charset="0"/>
+              </a:rPr>
+              <a:t>(s2)</a:t>
+            </a:r>
+          </a:p>
+          <a:p>
+            <a:br>
+              <a:rPr lang="en-US" sz="2800" b="0" dirty="0">
+                <a:solidFill>
+                  <a:srgbClr val="D4D4D4"/>
+                </a:solidFill>
+                <a:effectLst/>
+                <a:latin typeface="Consolas" panose="020B0609020204030204" pitchFamily="49" charset="0"/>
+              </a:rPr>
+            </a:br>
+            <a:r>
+              <a:rPr lang="en-US" sz="2800" b="0" dirty="0">
+                <a:solidFill>
+                  <a:srgbClr val="D4D4D4"/>
+                </a:solidFill>
+                <a:effectLst/>
+                <a:latin typeface="Consolas" panose="020B0609020204030204" pitchFamily="49" charset="0"/>
+              </a:rPr>
+              <a:t>s3 = s1.copy()</a:t>
+            </a:r>
+          </a:p>
+          <a:p>
+            <a:br>
+              <a:rPr lang="en-US" sz="2800" b="0" dirty="0">
+                <a:solidFill>
+                  <a:srgbClr val="D4D4D4"/>
+                </a:solidFill>
+                <a:effectLst/>
+                <a:latin typeface="Consolas" panose="020B0609020204030204" pitchFamily="49" charset="0"/>
+              </a:rPr>
+            </a:br>
+            <a:r>
+              <a:rPr lang="en-US" sz="2800" b="0" dirty="0">
+                <a:solidFill>
+                  <a:srgbClr val="DCDCAA"/>
+                </a:solidFill>
+                <a:effectLst/>
+                <a:latin typeface="Consolas" panose="020B0609020204030204" pitchFamily="49" charset="0"/>
+              </a:rPr>
+              <a:t>print</a:t>
+            </a:r>
+            <a:r>
+              <a:rPr lang="en-US" sz="2800" b="0" dirty="0">
+                <a:solidFill>
+                  <a:srgbClr val="D4D4D4"/>
+                </a:solidFill>
+                <a:effectLst/>
+                <a:latin typeface="Consolas" panose="020B0609020204030204" pitchFamily="49" charset="0"/>
+              </a:rPr>
+              <a:t>(s1 == s3)</a:t>
+            </a:r>
+          </a:p>
+          <a:p>
+            <a:r>
+              <a:rPr lang="en-US" sz="2800" b="0" dirty="0">
+                <a:solidFill>
+                  <a:srgbClr val="DCDCAA"/>
+                </a:solidFill>
+                <a:effectLst/>
+                <a:latin typeface="Consolas" panose="020B0609020204030204" pitchFamily="49" charset="0"/>
+              </a:rPr>
+              <a:t>print</a:t>
+            </a:r>
+            <a:r>
+              <a:rPr lang="en-US" sz="2800" b="0" dirty="0">
+                <a:solidFill>
+                  <a:srgbClr val="D4D4D4"/>
+                </a:solidFill>
+                <a:effectLst/>
+                <a:latin typeface="Consolas" panose="020B0609020204030204" pitchFamily="49" charset="0"/>
+              </a:rPr>
+              <a:t>(s1.issubset(s2))</a:t>
+            </a:r>
+          </a:p>
+          <a:p>
+            <a:r>
+              <a:rPr lang="en-US" sz="2800" b="0" dirty="0">
+                <a:solidFill>
+                  <a:srgbClr val="DCDCAA"/>
+                </a:solidFill>
+                <a:effectLst/>
+                <a:latin typeface="Consolas" panose="020B0609020204030204" pitchFamily="49" charset="0"/>
+              </a:rPr>
+              <a:t>print</a:t>
+            </a:r>
+            <a:r>
+              <a:rPr lang="en-US" sz="2800" b="0" dirty="0">
+                <a:solidFill>
+                  <a:srgbClr val="D4D4D4"/>
+                </a:solidFill>
+                <a:effectLst/>
+                <a:latin typeface="Consolas" panose="020B0609020204030204" pitchFamily="49" charset="0"/>
+              </a:rPr>
+              <a:t>(s1 | s2)</a:t>
+            </a:r>
+          </a:p>
+          <a:p>
+            <a:r>
+              <a:rPr lang="en-US" sz="2800" b="0" dirty="0">
+                <a:solidFill>
+                  <a:srgbClr val="DCDCAA"/>
+                </a:solidFill>
+                <a:effectLst/>
+                <a:latin typeface="Consolas" panose="020B0609020204030204" pitchFamily="49" charset="0"/>
+              </a:rPr>
+              <a:t>print</a:t>
+            </a:r>
+            <a:r>
+              <a:rPr lang="en-US" sz="2800" b="0" dirty="0">
+                <a:solidFill>
+                  <a:srgbClr val="D4D4D4"/>
+                </a:solidFill>
+                <a:effectLst/>
+                <a:latin typeface="Consolas" panose="020B0609020204030204" pitchFamily="49" charset="0"/>
+              </a:rPr>
+              <a:t>(s1 &amp; s2)</a:t>
+            </a:r>
+          </a:p>
+        </p:txBody>
+      </p:sp>
+    </p:spTree>
+    <p:extLst>
+      <p:ext uri="{BB962C8B-B14F-4D97-AF65-F5344CB8AC3E}">
+        <p14:creationId xmlns:p14="http://schemas.microsoft.com/office/powerpoint/2010/main" val="2157599366"/>
+      </p:ext>
+    </p:extLst>
+  </p:cSld>
+  <p:clrMapOvr>
+    <a:masterClrMapping/>
+  </p:clrMapOvr>
+</p:sld>
+</file>
+
+<file path=ppt/slides/slide59.xml><?xml version="1.0" encoding="utf-8"?>
+<p:sld xmlns:a="http://schemas.openxmlformats.org/drawingml/2006/main" xmlns:r="http://schemas.openxmlformats.org/officeDocument/2006/relationships" xmlns:p="http://schemas.openxmlformats.org/presentationml/2006/main">
+  <p:cSld>
+    <p:spTree>
+      <p:nvGrpSpPr>
+        <p:cNvPr id="1" name=""/>
+        <p:cNvGrpSpPr/>
+        <p:nvPr/>
+      </p:nvGrpSpPr>
+      <p:grpSpPr>
+        <a:xfrm>
+          <a:off x="0" y="0"/>
+          <a:ext cx="0" cy="0"/>
+          <a:chOff x="0" y="0"/>
+          <a:chExt cx="0" cy="0"/>
+        </a:xfrm>
+      </p:grpSpPr>
+      <p:sp>
+        <p:nvSpPr>
+          <p:cNvPr id="2" name="Заголовок 1">
+            <a:extLst>
+              <a:ext uri="{FF2B5EF4-FFF2-40B4-BE49-F238E27FC236}">
+                <a16:creationId xmlns:a16="http://schemas.microsoft.com/office/drawing/2014/main" id="{EFCE8630-B5EC-42B9-9AA2-9443375532D2}"/>
+              </a:ext>
+            </a:extLst>
+          </p:cNvPr>
+          <p:cNvSpPr>
+            <a:spLocks noGrp="1"/>
+          </p:cNvSpPr>
+          <p:nvPr>
+            <p:ph type="title"/>
+          </p:nvPr>
+        </p:nvSpPr>
+        <p:spPr>
+          <a:xfrm>
+            <a:off x="295939" y="4937125"/>
+            <a:ext cx="10515600" cy="1325563"/>
+          </a:xfrm>
+        </p:spPr>
+        <p:txBody>
+          <a:bodyPr/>
+          <a:lstStyle/>
+          <a:p>
+            <a:r>
+              <a:rPr lang="ru-RU" dirty="0"/>
               <a:t>Преобразование данных</a:t>
             </a:r>
-            <a:endParaRPr lang="ru-RU" dirty="0"/>
           </a:p>
         </p:txBody>
       </p:sp>

--- a/Presentation/Основы алгоритмизации и программирования.pptx
+++ b/Presentation/Основы алгоритмизации и программирования.pptx
@@ -64,6 +64,7 @@
     <p:sldId id="313" r:id="rId58"/>
     <p:sldId id="314" r:id="rId59"/>
     <p:sldId id="307" r:id="rId60"/>
+    <p:sldId id="315" r:id="rId61"/>
   </p:sldIdLst>
   <p:sldSz cx="12192000" cy="6858000"/>
   <p:notesSz cx="6858000" cy="9144000"/>
@@ -23916,6 +23917,518 @@
 </p:sld>
 </file>
 
+<file path=ppt/slides/slide60.xml><?xml version="1.0" encoding="utf-8"?>
+<p:sld xmlns:a="http://schemas.openxmlformats.org/drawingml/2006/main" xmlns:r="http://schemas.openxmlformats.org/officeDocument/2006/relationships" xmlns:p="http://schemas.openxmlformats.org/presentationml/2006/main">
+  <p:cSld>
+    <p:spTree>
+      <p:nvGrpSpPr>
+        <p:cNvPr id="1" name=""/>
+        <p:cNvGrpSpPr/>
+        <p:nvPr/>
+      </p:nvGrpSpPr>
+      <p:grpSpPr>
+        <a:xfrm>
+          <a:off x="0" y="0"/>
+          <a:ext cx="0" cy="0"/>
+          <a:chOff x="0" y="0"/>
+          <a:chExt cx="0" cy="0"/>
+        </a:xfrm>
+      </p:grpSpPr>
+      <p:sp>
+        <p:nvSpPr>
+          <p:cNvPr id="2" name="Заголовок 1">
+            <a:extLst>
+              <a:ext uri="{FF2B5EF4-FFF2-40B4-BE49-F238E27FC236}">
+                <a16:creationId xmlns:a16="http://schemas.microsoft.com/office/drawing/2014/main" id="{C9388C9C-EE78-4460-9E69-9F52BF32061A}"/>
+              </a:ext>
+            </a:extLst>
+          </p:cNvPr>
+          <p:cNvSpPr>
+            <a:spLocks noGrp="1"/>
+          </p:cNvSpPr>
+          <p:nvPr>
+            <p:ph type="title"/>
+          </p:nvPr>
+        </p:nvSpPr>
+        <p:spPr/>
+        <p:txBody>
+          <a:bodyPr/>
+          <a:lstStyle/>
+          <a:p>
+            <a:r>
+              <a:rPr lang="ru-RU" dirty="0"/>
+              <a:t>Преобразование данных</a:t>
+            </a:r>
+          </a:p>
+        </p:txBody>
+      </p:sp>
+      <p:sp>
+        <p:nvSpPr>
+          <p:cNvPr id="3" name="Объект 2">
+            <a:extLst>
+              <a:ext uri="{FF2B5EF4-FFF2-40B4-BE49-F238E27FC236}">
+                <a16:creationId xmlns:a16="http://schemas.microsoft.com/office/drawing/2014/main" id="{5B034DD5-74F6-49FE-BEF7-8712DEAA0C19}"/>
+              </a:ext>
+            </a:extLst>
+          </p:cNvPr>
+          <p:cNvSpPr>
+            <a:spLocks noGrp="1"/>
+          </p:cNvSpPr>
+          <p:nvPr>
+            <p:ph idx="1"/>
+          </p:nvPr>
+        </p:nvSpPr>
+        <p:spPr>
+          <a:xfrm>
+            <a:off x="838200" y="1825625"/>
+            <a:ext cx="10515600" cy="683659"/>
+          </a:xfrm>
+        </p:spPr>
+        <p:txBody>
+          <a:bodyPr/>
+          <a:lstStyle/>
+          <a:p>
+            <a:r>
+              <a:rPr lang="ru-RU" dirty="0"/>
+              <a:t>Вы можете перевести данные одного типа в данные другого типа</a:t>
+            </a:r>
+          </a:p>
+        </p:txBody>
+      </p:sp>
+      <p:graphicFrame>
+        <p:nvGraphicFramePr>
+          <p:cNvPr id="4" name="Таблица 4">
+            <a:extLst>
+              <a:ext uri="{FF2B5EF4-FFF2-40B4-BE49-F238E27FC236}">
+                <a16:creationId xmlns:a16="http://schemas.microsoft.com/office/drawing/2014/main" id="{9A6EC5F8-4A53-4DDE-9DE5-E3B475753A76}"/>
+              </a:ext>
+            </a:extLst>
+          </p:cNvPr>
+          <p:cNvGraphicFramePr>
+            <a:graphicFrameLocks noGrp="1"/>
+          </p:cNvGraphicFramePr>
+          <p:nvPr>
+            <p:extLst>
+              <p:ext uri="{D42A27DB-BD31-4B8C-83A1-F6EECF244321}">
+                <p14:modId xmlns:p14="http://schemas.microsoft.com/office/powerpoint/2010/main" val="917739027"/>
+              </p:ext>
+            </p:extLst>
+          </p:nvPr>
+        </p:nvGraphicFramePr>
+        <p:xfrm>
+          <a:off x="170121" y="2782382"/>
+          <a:ext cx="11331231" cy="2768600"/>
+        </p:xfrm>
+        <a:graphic>
+          <a:graphicData uri="http://schemas.openxmlformats.org/drawingml/2006/table">
+            <a:tbl>
+              <a:tblPr firstRow="1" bandRow="1">
+                <a:tableStyleId>{5C22544A-7EE6-4342-B048-85BDC9FD1C3A}</a:tableStyleId>
+              </a:tblPr>
+              <a:tblGrid>
+                <a:gridCol w="4579557">
+                  <a:extLst>
+                    <a:ext uri="{9D8B030D-6E8A-4147-A177-3AD203B41FA5}">
+                      <a16:colId xmlns:a16="http://schemas.microsoft.com/office/drawing/2014/main" val="2671425001"/>
+                    </a:ext>
+                  </a:extLst>
+                </a:gridCol>
+                <a:gridCol w="6751674">
+                  <a:extLst>
+                    <a:ext uri="{9D8B030D-6E8A-4147-A177-3AD203B41FA5}">
+                      <a16:colId xmlns:a16="http://schemas.microsoft.com/office/drawing/2014/main" val="284928219"/>
+                    </a:ext>
+                  </a:extLst>
+                </a:gridCol>
+              </a:tblGrid>
+              <a:tr h="370840">
+                <a:tc>
+                  <a:txBody>
+                    <a:bodyPr/>
+                    <a:lstStyle/>
+                    <a:p>
+                      <a:r>
+                        <a:rPr lang="ru-RU" dirty="0"/>
+                        <a:t>Операция</a:t>
+                      </a:r>
+                    </a:p>
+                  </a:txBody>
+                  <a:tcPr/>
+                </a:tc>
+                <a:tc>
+                  <a:txBody>
+                    <a:bodyPr/>
+                    <a:lstStyle/>
+                    <a:p>
+                      <a:r>
+                        <a:rPr lang="ru-RU" dirty="0"/>
+                        <a:t>Описание</a:t>
+                      </a:r>
+                    </a:p>
+                  </a:txBody>
+                  <a:tcPr/>
+                </a:tc>
+                <a:extLst>
+                  <a:ext uri="{0D108BD9-81ED-4DB2-BD59-A6C34878D82A}">
+                    <a16:rowId xmlns:a16="http://schemas.microsoft.com/office/drawing/2014/main" val="3884176689"/>
+                  </a:ext>
+                </a:extLst>
+              </a:tr>
+              <a:tr h="370840">
+                <a:tc>
+                  <a:txBody>
+                    <a:bodyPr/>
+                    <a:lstStyle/>
+                    <a:p>
+                      <a:r>
+                        <a:rPr lang="ru-RU" sz="1800" b="1" i="0" kern="1200" dirty="0" err="1">
+                          <a:solidFill>
+                            <a:schemeClr val="dk1"/>
+                          </a:solidFill>
+                          <a:effectLst/>
+                          <a:latin typeface="+mn-lt"/>
+                          <a:ea typeface="+mn-ea"/>
+                          <a:cs typeface="+mn-cs"/>
+                        </a:rPr>
+                        <a:t>int</a:t>
+                      </a:r>
+                      <a:r>
+                        <a:rPr lang="ru-RU" sz="1800" b="0" i="0" kern="1200" dirty="0">
+                          <a:solidFill>
+                            <a:schemeClr val="dk1"/>
+                          </a:solidFill>
+                          <a:effectLst/>
+                          <a:latin typeface="+mn-lt"/>
+                          <a:ea typeface="+mn-ea"/>
+                          <a:cs typeface="+mn-cs"/>
+                        </a:rPr>
+                        <a:t>([</a:t>
+                      </a:r>
+                      <a:r>
+                        <a:rPr lang="ru-RU" sz="1800" b="0" i="0" kern="1200" dirty="0" err="1">
+                          <a:solidFill>
+                            <a:schemeClr val="dk1"/>
+                          </a:solidFill>
+                          <a:effectLst/>
+                          <a:latin typeface="+mn-lt"/>
+                          <a:ea typeface="+mn-ea"/>
+                          <a:cs typeface="+mn-cs"/>
+                        </a:rPr>
+                        <a:t>object</a:t>
+                      </a:r>
+                      <a:r>
+                        <a:rPr lang="ru-RU" sz="1800" b="0" i="0" kern="1200" dirty="0">
+                          <a:solidFill>
+                            <a:schemeClr val="dk1"/>
+                          </a:solidFill>
+                          <a:effectLst/>
+                          <a:latin typeface="+mn-lt"/>
+                          <a:ea typeface="+mn-ea"/>
+                          <a:cs typeface="+mn-cs"/>
+                        </a:rPr>
+                        <a:t>], [основание системы счисления])</a:t>
+                      </a:r>
+                      <a:endParaRPr lang="ru-RU" dirty="0"/>
+                    </a:p>
+                  </a:txBody>
+                  <a:tcPr/>
+                </a:tc>
+                <a:tc>
+                  <a:txBody>
+                    <a:bodyPr/>
+                    <a:lstStyle/>
+                    <a:p>
+                      <a:r>
+                        <a:rPr lang="ru-RU" sz="1800" b="0" i="0" kern="1200" dirty="0">
+                          <a:solidFill>
+                            <a:schemeClr val="dk1"/>
+                          </a:solidFill>
+                          <a:effectLst/>
+                          <a:latin typeface="+mn-lt"/>
+                          <a:ea typeface="+mn-ea"/>
+                          <a:cs typeface="+mn-cs"/>
+                        </a:rPr>
+                        <a:t>Преобразование к целому числу в десятичной системе счисления. По умолчанию система счисления десятичная, но можно задать любое основание от 2 до 36 включительно</a:t>
+                      </a:r>
+                      <a:endParaRPr lang="ru-RU" dirty="0"/>
+                    </a:p>
+                  </a:txBody>
+                  <a:tcPr/>
+                </a:tc>
+                <a:extLst>
+                  <a:ext uri="{0D108BD9-81ED-4DB2-BD59-A6C34878D82A}">
+                    <a16:rowId xmlns:a16="http://schemas.microsoft.com/office/drawing/2014/main" val="2411404095"/>
+                  </a:ext>
+                </a:extLst>
+              </a:tr>
+              <a:tr h="370840">
+                <a:tc>
+                  <a:txBody>
+                    <a:bodyPr/>
+                    <a:lstStyle/>
+                    <a:p>
+                      <a:r>
+                        <a:rPr lang="en-US" sz="1800" b="1" i="0" kern="1200" dirty="0">
+                          <a:solidFill>
+                            <a:schemeClr val="dk1"/>
+                          </a:solidFill>
+                          <a:effectLst/>
+                          <a:latin typeface="+mn-lt"/>
+                          <a:ea typeface="+mn-ea"/>
+                          <a:cs typeface="+mn-cs"/>
+                        </a:rPr>
+                        <a:t>bin</a:t>
+                      </a:r>
+                      <a:r>
+                        <a:rPr lang="en-US" sz="1800" b="0" i="0" kern="1200" dirty="0">
+                          <a:solidFill>
+                            <a:schemeClr val="dk1"/>
+                          </a:solidFill>
+                          <a:effectLst/>
+                          <a:latin typeface="+mn-lt"/>
+                          <a:ea typeface="+mn-ea"/>
+                          <a:cs typeface="+mn-cs"/>
+                        </a:rPr>
+                        <a:t>(x) </a:t>
+                      </a:r>
+                      <a:endParaRPr lang="ru-RU" dirty="0"/>
+                    </a:p>
+                  </a:txBody>
+                  <a:tcPr/>
+                </a:tc>
+                <a:tc>
+                  <a:txBody>
+                    <a:bodyPr/>
+                    <a:lstStyle/>
+                    <a:p>
+                      <a:r>
+                        <a:rPr lang="ru-RU" sz="1800" b="0" i="0" kern="1200" dirty="0">
+                          <a:solidFill>
+                            <a:schemeClr val="dk1"/>
+                          </a:solidFill>
+                          <a:effectLst/>
+                          <a:latin typeface="+mn-lt"/>
+                          <a:ea typeface="+mn-ea"/>
+                          <a:cs typeface="+mn-cs"/>
+                        </a:rPr>
+                        <a:t>Преобразование в двоичную строку.</a:t>
+                      </a:r>
+                      <a:endParaRPr lang="ru-RU" dirty="0"/>
+                    </a:p>
+                  </a:txBody>
+                  <a:tcPr/>
+                </a:tc>
+                <a:extLst>
+                  <a:ext uri="{0D108BD9-81ED-4DB2-BD59-A6C34878D82A}">
+                    <a16:rowId xmlns:a16="http://schemas.microsoft.com/office/drawing/2014/main" val="2950123907"/>
+                  </a:ext>
+                </a:extLst>
+              </a:tr>
+              <a:tr h="370840">
+                <a:tc>
+                  <a:txBody>
+                    <a:bodyPr/>
+                    <a:lstStyle/>
+                    <a:p>
+                      <a:r>
+                        <a:rPr lang="en-US" sz="1800" b="1" i="0" kern="1200" dirty="0">
+                          <a:solidFill>
+                            <a:schemeClr val="dk1"/>
+                          </a:solidFill>
+                          <a:effectLst/>
+                          <a:latin typeface="+mn-lt"/>
+                          <a:ea typeface="+mn-ea"/>
+                          <a:cs typeface="+mn-cs"/>
+                        </a:rPr>
+                        <a:t>hex</a:t>
+                      </a:r>
+                      <a:r>
+                        <a:rPr lang="en-US" sz="1800" b="0" i="0" kern="1200" dirty="0">
+                          <a:solidFill>
+                            <a:schemeClr val="dk1"/>
+                          </a:solidFill>
+                          <a:effectLst/>
+                          <a:latin typeface="+mn-lt"/>
+                          <a:ea typeface="+mn-ea"/>
+                          <a:cs typeface="+mn-cs"/>
+                        </a:rPr>
+                        <a:t>(</a:t>
+                      </a:r>
+                      <a:r>
+                        <a:rPr lang="ru-RU" sz="1800" b="0" i="0" kern="1200" dirty="0">
+                          <a:solidFill>
+                            <a:schemeClr val="dk1"/>
+                          </a:solidFill>
+                          <a:effectLst/>
+                          <a:latin typeface="+mn-lt"/>
+                          <a:ea typeface="+mn-ea"/>
+                          <a:cs typeface="+mn-cs"/>
+                        </a:rPr>
+                        <a:t>х)</a:t>
+                      </a:r>
+                      <a:endParaRPr lang="ru-RU" dirty="0"/>
+                    </a:p>
+                  </a:txBody>
+                  <a:tcPr/>
+                </a:tc>
+                <a:tc>
+                  <a:txBody>
+                    <a:bodyPr/>
+                    <a:lstStyle/>
+                    <a:p>
+                      <a:r>
+                        <a:rPr lang="ru-RU" sz="1800" b="0" i="0" kern="1200" dirty="0">
+                          <a:solidFill>
+                            <a:schemeClr val="dk1"/>
+                          </a:solidFill>
+                          <a:effectLst/>
+                          <a:latin typeface="+mn-lt"/>
+                          <a:ea typeface="+mn-ea"/>
+                          <a:cs typeface="+mn-cs"/>
+                        </a:rPr>
+                        <a:t>Преобразование в шестнадцатеричную строку</a:t>
+                      </a:r>
+                      <a:endParaRPr lang="ru-RU" dirty="0"/>
+                    </a:p>
+                  </a:txBody>
+                  <a:tcPr/>
+                </a:tc>
+                <a:extLst>
+                  <a:ext uri="{0D108BD9-81ED-4DB2-BD59-A6C34878D82A}">
+                    <a16:rowId xmlns:a16="http://schemas.microsoft.com/office/drawing/2014/main" val="3576294005"/>
+                  </a:ext>
+                </a:extLst>
+              </a:tr>
+              <a:tr h="370840">
+                <a:tc>
+                  <a:txBody>
+                    <a:bodyPr/>
+                    <a:lstStyle/>
+                    <a:p>
+                      <a:r>
+                        <a:rPr lang="en-US" sz="1800" b="1" i="0" kern="1200" dirty="0">
+                          <a:solidFill>
+                            <a:schemeClr val="dk1"/>
+                          </a:solidFill>
+                          <a:effectLst/>
+                          <a:latin typeface="+mn-lt"/>
+                          <a:ea typeface="+mn-ea"/>
+                          <a:cs typeface="+mn-cs"/>
+                        </a:rPr>
+                        <a:t>oct</a:t>
+                      </a:r>
+                      <a:r>
+                        <a:rPr lang="en-US" sz="1800" b="0" i="0" kern="1200" dirty="0">
+                          <a:solidFill>
+                            <a:schemeClr val="dk1"/>
+                          </a:solidFill>
+                          <a:effectLst/>
+                          <a:latin typeface="+mn-lt"/>
+                          <a:ea typeface="+mn-ea"/>
+                          <a:cs typeface="+mn-cs"/>
+                        </a:rPr>
+                        <a:t>(</a:t>
+                      </a:r>
+                      <a:r>
+                        <a:rPr lang="ru-RU" sz="1800" b="0" i="0" kern="1200" dirty="0">
+                          <a:solidFill>
+                            <a:schemeClr val="dk1"/>
+                          </a:solidFill>
+                          <a:effectLst/>
+                          <a:latin typeface="+mn-lt"/>
+                          <a:ea typeface="+mn-ea"/>
+                          <a:cs typeface="+mn-cs"/>
+                        </a:rPr>
+                        <a:t>х)</a:t>
+                      </a:r>
+                      <a:endParaRPr lang="ru-RU" dirty="0"/>
+                    </a:p>
+                  </a:txBody>
+                  <a:tcPr/>
+                </a:tc>
+                <a:tc>
+                  <a:txBody>
+                    <a:bodyPr/>
+                    <a:lstStyle/>
+                    <a:p>
+                      <a:r>
+                        <a:rPr lang="ru-RU" sz="1800" b="0" i="0" kern="1200" dirty="0">
+                          <a:solidFill>
+                            <a:schemeClr val="dk1"/>
+                          </a:solidFill>
+                          <a:effectLst/>
+                          <a:latin typeface="+mn-lt"/>
+                          <a:ea typeface="+mn-ea"/>
+                          <a:cs typeface="+mn-cs"/>
+                        </a:rPr>
+                        <a:t>Преобразование в восьмеричную строку</a:t>
+                      </a:r>
+                      <a:endParaRPr lang="ru-RU" dirty="0"/>
+                    </a:p>
+                  </a:txBody>
+                  <a:tcPr/>
+                </a:tc>
+                <a:extLst>
+                  <a:ext uri="{0D108BD9-81ED-4DB2-BD59-A6C34878D82A}">
+                    <a16:rowId xmlns:a16="http://schemas.microsoft.com/office/drawing/2014/main" val="2301934362"/>
+                  </a:ext>
+                </a:extLst>
+              </a:tr>
+              <a:tr h="370840">
+                <a:tc>
+                  <a:txBody>
+                    <a:bodyPr/>
+                    <a:lstStyle/>
+                    <a:p>
+                      <a:r>
+                        <a:rPr lang="en-US" b="1" dirty="0"/>
+                        <a:t>float</a:t>
+                      </a:r>
+                      <a:r>
+                        <a:rPr lang="en-US" dirty="0"/>
+                        <a:t>(x)</a:t>
+                      </a:r>
+                      <a:endParaRPr lang="ru-RU" dirty="0"/>
+                    </a:p>
+                  </a:txBody>
+                  <a:tcPr/>
+                </a:tc>
+                <a:tc>
+                  <a:txBody>
+                    <a:bodyPr/>
+                    <a:lstStyle/>
+                    <a:p>
+                      <a:r>
+                        <a:rPr lang="ru-RU" dirty="0"/>
+                        <a:t>Преобразование в число с плавающей точкой</a:t>
+                      </a:r>
+                    </a:p>
+                  </a:txBody>
+                  <a:tcPr/>
+                </a:tc>
+                <a:extLst>
+                  <a:ext uri="{0D108BD9-81ED-4DB2-BD59-A6C34878D82A}">
+                    <a16:rowId xmlns:a16="http://schemas.microsoft.com/office/drawing/2014/main" val="1248561166"/>
+                  </a:ext>
+                </a:extLst>
+              </a:tr>
+            </a:tbl>
+          </a:graphicData>
+        </a:graphic>
+      </p:graphicFrame>
+    </p:spTree>
+    <p:extLst>
+      <p:ext uri="{BB962C8B-B14F-4D97-AF65-F5344CB8AC3E}">
+        <p14:creationId xmlns:p14="http://schemas.microsoft.com/office/powerpoint/2010/main" val="375827707"/>
+      </p:ext>
+    </p:extLst>
+  </p:cSld>
+  <p:clrMapOvr>
+    <a:masterClrMapping/>
+  </p:clrMapOvr>
+</p:sld>
+</file>
+
 <file path=ppt/slides/slide7.xml><?xml version="1.0" encoding="utf-8"?>
 <p:sld xmlns:a="http://schemas.openxmlformats.org/drawingml/2006/main" xmlns:r="http://schemas.openxmlformats.org/officeDocument/2006/relationships" xmlns:p="http://schemas.openxmlformats.org/presentationml/2006/main">
   <p:cSld>

--- a/Presentation/Основы алгоритмизации и программирования.pptx
+++ b/Presentation/Основы алгоритмизации и программирования.pptx
@@ -46,25 +46,26 @@
     <p:sldId id="292" r:id="rId40"/>
     <p:sldId id="293" r:id="rId41"/>
     <p:sldId id="294" r:id="rId42"/>
-    <p:sldId id="297" r:id="rId43"/>
-    <p:sldId id="298" r:id="rId44"/>
-    <p:sldId id="299" r:id="rId45"/>
-    <p:sldId id="300" r:id="rId46"/>
-    <p:sldId id="301" r:id="rId47"/>
-    <p:sldId id="302" r:id="rId48"/>
-    <p:sldId id="303" r:id="rId49"/>
-    <p:sldId id="304" r:id="rId50"/>
-    <p:sldId id="305" r:id="rId51"/>
-    <p:sldId id="308" r:id="rId52"/>
-    <p:sldId id="310" r:id="rId53"/>
-    <p:sldId id="309" r:id="rId54"/>
-    <p:sldId id="306" r:id="rId55"/>
-    <p:sldId id="311" r:id="rId56"/>
-    <p:sldId id="312" r:id="rId57"/>
-    <p:sldId id="313" r:id="rId58"/>
-    <p:sldId id="314" r:id="rId59"/>
-    <p:sldId id="307" r:id="rId60"/>
-    <p:sldId id="315" r:id="rId61"/>
+    <p:sldId id="316" r:id="rId43"/>
+    <p:sldId id="297" r:id="rId44"/>
+    <p:sldId id="298" r:id="rId45"/>
+    <p:sldId id="299" r:id="rId46"/>
+    <p:sldId id="300" r:id="rId47"/>
+    <p:sldId id="301" r:id="rId48"/>
+    <p:sldId id="302" r:id="rId49"/>
+    <p:sldId id="303" r:id="rId50"/>
+    <p:sldId id="304" r:id="rId51"/>
+    <p:sldId id="305" r:id="rId52"/>
+    <p:sldId id="308" r:id="rId53"/>
+    <p:sldId id="310" r:id="rId54"/>
+    <p:sldId id="309" r:id="rId55"/>
+    <p:sldId id="306" r:id="rId56"/>
+    <p:sldId id="311" r:id="rId57"/>
+    <p:sldId id="312" r:id="rId58"/>
+    <p:sldId id="313" r:id="rId59"/>
+    <p:sldId id="314" r:id="rId60"/>
+    <p:sldId id="307" r:id="rId61"/>
+    <p:sldId id="315" r:id="rId62"/>
   </p:sldIdLst>
   <p:sldSz cx="12192000" cy="6858000"/>
   <p:notesSz cx="6858000" cy="9144000"/>
@@ -14272,7 +14273,7 @@
           <p:cNvPr id="2" name="Заголовок 1">
             <a:extLst>
               <a:ext uri="{FF2B5EF4-FFF2-40B4-BE49-F238E27FC236}">
-                <a16:creationId xmlns:a16="http://schemas.microsoft.com/office/drawing/2014/main" id="{4CA4C947-CA7A-441E-A7AB-FC0610085AF1}"/>
+                <a16:creationId xmlns:a16="http://schemas.microsoft.com/office/drawing/2014/main" id="{8C87CEC9-7B68-42B1-935E-3457C34DC994}"/>
               </a:ext>
             </a:extLst>
           </p:cNvPr>
@@ -14283,27 +14284,1404 @@
             <p:ph type="title"/>
           </p:nvPr>
         </p:nvSpPr>
-        <p:spPr>
-          <a:xfrm>
-            <a:off x="423531" y="4554353"/>
-            <a:ext cx="10515600" cy="1325563"/>
-          </a:xfrm>
-        </p:spPr>
+        <p:spPr/>
         <p:txBody>
           <a:bodyPr/>
           <a:lstStyle/>
           <a:p>
             <a:r>
               <a:rPr lang="ru-RU" dirty="0"/>
-              <a:t>Списки и кортежи</a:t>
-            </a:r>
+              <a:t>Форматированные строки</a:t>
+            </a:r>
+          </a:p>
+        </p:txBody>
+      </p:sp>
+      <p:sp>
+        <p:nvSpPr>
+          <p:cNvPr id="5" name="TextBox 4">
+            <a:extLst>
+              <a:ext uri="{FF2B5EF4-FFF2-40B4-BE49-F238E27FC236}">
+                <a16:creationId xmlns:a16="http://schemas.microsoft.com/office/drawing/2014/main" id="{8EBEDA81-8AD0-4ADC-9FF2-DE615AFE621C}"/>
+              </a:ext>
+            </a:extLst>
+          </p:cNvPr>
+          <p:cNvSpPr txBox="1"/>
+          <p:nvPr/>
+        </p:nvSpPr>
+        <p:spPr>
+          <a:xfrm>
+            <a:off x="604284" y="1690688"/>
+            <a:ext cx="10749516" cy="4524315"/>
+          </a:xfrm>
+          <a:prstGeom prst="rect">
+            <a:avLst/>
+          </a:prstGeom>
+          <a:noFill/>
+        </p:spPr>
+        <p:txBody>
+          <a:bodyPr wrap="square">
+            <a:spAutoFit/>
+          </a:bodyPr>
+          <a:lstStyle/>
+          <a:p>
+            <a:r>
+              <a:rPr lang="en-US" b="0" dirty="0">
+                <a:solidFill>
+                  <a:srgbClr val="DCDCAA"/>
+                </a:solidFill>
+                <a:effectLst/>
+                <a:latin typeface="Consolas" panose="020B0609020204030204" pitchFamily="49" charset="0"/>
+              </a:rPr>
+              <a:t>print</a:t>
+            </a:r>
+            <a:r>
+              <a:rPr lang="en-US" b="0" dirty="0">
+                <a:solidFill>
+                  <a:srgbClr val="D4D4D4"/>
+                </a:solidFill>
+                <a:effectLst/>
+                <a:latin typeface="Consolas" panose="020B0609020204030204" pitchFamily="49" charset="0"/>
+              </a:rPr>
+              <a:t>(</a:t>
+            </a:r>
+            <a:r>
+              <a:rPr lang="en-US" b="0" dirty="0">
+                <a:solidFill>
+                  <a:srgbClr val="CE9178"/>
+                </a:solidFill>
+                <a:effectLst/>
+                <a:latin typeface="Consolas" panose="020B0609020204030204" pitchFamily="49" charset="0"/>
+              </a:rPr>
+              <a:t>'</a:t>
+            </a:r>
+            <a:r>
+              <a:rPr lang="en-US" b="0" dirty="0">
+                <a:solidFill>
+                  <a:srgbClr val="569CD6"/>
+                </a:solidFill>
+                <a:effectLst/>
+                <a:latin typeface="Consolas" panose="020B0609020204030204" pitchFamily="49" charset="0"/>
+              </a:rPr>
+              <a:t>{}</a:t>
+            </a:r>
+            <a:r>
+              <a:rPr lang="en-US" b="0" dirty="0">
+                <a:solidFill>
+                  <a:srgbClr val="CE9178"/>
+                </a:solidFill>
+                <a:effectLst/>
+                <a:latin typeface="Consolas" panose="020B0609020204030204" pitchFamily="49" charset="0"/>
+              </a:rPr>
+              <a:t> </a:t>
+            </a:r>
+            <a:r>
+              <a:rPr lang="en-US" b="0" dirty="0">
+                <a:solidFill>
+                  <a:srgbClr val="569CD6"/>
+                </a:solidFill>
+                <a:effectLst/>
+                <a:latin typeface="Consolas" panose="020B0609020204030204" pitchFamily="49" charset="0"/>
+              </a:rPr>
+              <a:t>{}</a:t>
+            </a:r>
+            <a:r>
+              <a:rPr lang="en-US" b="0" dirty="0">
+                <a:solidFill>
+                  <a:srgbClr val="CE9178"/>
+                </a:solidFill>
+                <a:effectLst/>
+                <a:latin typeface="Consolas" panose="020B0609020204030204" pitchFamily="49" charset="0"/>
+              </a:rPr>
+              <a:t>'</a:t>
+            </a:r>
+            <a:r>
+              <a:rPr lang="en-US" b="0" dirty="0">
+                <a:solidFill>
+                  <a:srgbClr val="D4D4D4"/>
+                </a:solidFill>
+                <a:effectLst/>
+                <a:latin typeface="Consolas" panose="020B0609020204030204" pitchFamily="49" charset="0"/>
+              </a:rPr>
+              <a:t>.format(</a:t>
+            </a:r>
+            <a:r>
+              <a:rPr lang="en-US" b="0" dirty="0">
+                <a:solidFill>
+                  <a:srgbClr val="CE9178"/>
+                </a:solidFill>
+                <a:effectLst/>
+                <a:latin typeface="Consolas" panose="020B0609020204030204" pitchFamily="49" charset="0"/>
+              </a:rPr>
+              <a:t>'one'</a:t>
+            </a:r>
+            <a:r>
+              <a:rPr lang="en-US" b="0" dirty="0">
+                <a:solidFill>
+                  <a:srgbClr val="D4D4D4"/>
+                </a:solidFill>
+                <a:effectLst/>
+                <a:latin typeface="Consolas" panose="020B0609020204030204" pitchFamily="49" charset="0"/>
+              </a:rPr>
+              <a:t>, </a:t>
+            </a:r>
+            <a:r>
+              <a:rPr lang="en-US" b="0" dirty="0">
+                <a:solidFill>
+                  <a:srgbClr val="CE9178"/>
+                </a:solidFill>
+                <a:effectLst/>
+                <a:latin typeface="Consolas" panose="020B0609020204030204" pitchFamily="49" charset="0"/>
+              </a:rPr>
+              <a:t>'two'</a:t>
+            </a:r>
+            <a:r>
+              <a:rPr lang="en-US" b="0" dirty="0">
+                <a:solidFill>
+                  <a:srgbClr val="D4D4D4"/>
+                </a:solidFill>
+                <a:effectLst/>
+                <a:latin typeface="Consolas" panose="020B0609020204030204" pitchFamily="49" charset="0"/>
+              </a:rPr>
+              <a:t>)) </a:t>
+            </a:r>
+          </a:p>
+          <a:p>
+            <a:r>
+              <a:rPr lang="en-US" b="0" dirty="0">
+                <a:solidFill>
+                  <a:srgbClr val="DCDCAA"/>
+                </a:solidFill>
+                <a:effectLst/>
+                <a:latin typeface="Consolas" panose="020B0609020204030204" pitchFamily="49" charset="0"/>
+              </a:rPr>
+              <a:t>print</a:t>
+            </a:r>
+            <a:r>
+              <a:rPr lang="en-US" b="0" dirty="0">
+                <a:solidFill>
+                  <a:srgbClr val="D4D4D4"/>
+                </a:solidFill>
+                <a:effectLst/>
+                <a:latin typeface="Consolas" panose="020B0609020204030204" pitchFamily="49" charset="0"/>
+              </a:rPr>
+              <a:t>(</a:t>
+            </a:r>
+            <a:r>
+              <a:rPr lang="en-US" b="0" dirty="0">
+                <a:solidFill>
+                  <a:srgbClr val="CE9178"/>
+                </a:solidFill>
+                <a:effectLst/>
+                <a:latin typeface="Consolas" panose="020B0609020204030204" pitchFamily="49" charset="0"/>
+              </a:rPr>
+              <a:t>'</a:t>
+            </a:r>
+            <a:r>
+              <a:rPr lang="en-US" b="0" dirty="0">
+                <a:solidFill>
+                  <a:srgbClr val="569CD6"/>
+                </a:solidFill>
+                <a:effectLst/>
+                <a:latin typeface="Consolas" panose="020B0609020204030204" pitchFamily="49" charset="0"/>
+              </a:rPr>
+              <a:t>{1}</a:t>
+            </a:r>
+            <a:r>
+              <a:rPr lang="en-US" b="0" dirty="0">
+                <a:solidFill>
+                  <a:srgbClr val="CE9178"/>
+                </a:solidFill>
+                <a:effectLst/>
+                <a:latin typeface="Consolas" panose="020B0609020204030204" pitchFamily="49" charset="0"/>
+              </a:rPr>
+              <a:t> </a:t>
+            </a:r>
+            <a:r>
+              <a:rPr lang="en-US" b="0" dirty="0">
+                <a:solidFill>
+                  <a:srgbClr val="569CD6"/>
+                </a:solidFill>
+                <a:effectLst/>
+                <a:latin typeface="Consolas" panose="020B0609020204030204" pitchFamily="49" charset="0"/>
+              </a:rPr>
+              <a:t>{0}</a:t>
+            </a:r>
+            <a:r>
+              <a:rPr lang="en-US" b="0" dirty="0">
+                <a:solidFill>
+                  <a:srgbClr val="CE9178"/>
+                </a:solidFill>
+                <a:effectLst/>
+                <a:latin typeface="Consolas" panose="020B0609020204030204" pitchFamily="49" charset="0"/>
+              </a:rPr>
+              <a:t>'</a:t>
+            </a:r>
+            <a:r>
+              <a:rPr lang="en-US" b="0" dirty="0">
+                <a:solidFill>
+                  <a:srgbClr val="D4D4D4"/>
+                </a:solidFill>
+                <a:effectLst/>
+                <a:latin typeface="Consolas" panose="020B0609020204030204" pitchFamily="49" charset="0"/>
+              </a:rPr>
+              <a:t>.format(</a:t>
+            </a:r>
+            <a:r>
+              <a:rPr lang="en-US" b="0" dirty="0">
+                <a:solidFill>
+                  <a:srgbClr val="CE9178"/>
+                </a:solidFill>
+                <a:effectLst/>
+                <a:latin typeface="Consolas" panose="020B0609020204030204" pitchFamily="49" charset="0"/>
+              </a:rPr>
+              <a:t>'one'</a:t>
+            </a:r>
+            <a:r>
+              <a:rPr lang="en-US" b="0" dirty="0">
+                <a:solidFill>
+                  <a:srgbClr val="D4D4D4"/>
+                </a:solidFill>
+                <a:effectLst/>
+                <a:latin typeface="Consolas" panose="020B0609020204030204" pitchFamily="49" charset="0"/>
+              </a:rPr>
+              <a:t>, </a:t>
+            </a:r>
+            <a:r>
+              <a:rPr lang="en-US" b="0" dirty="0">
+                <a:solidFill>
+                  <a:srgbClr val="CE9178"/>
+                </a:solidFill>
+                <a:effectLst/>
+                <a:latin typeface="Consolas" panose="020B0609020204030204" pitchFamily="49" charset="0"/>
+              </a:rPr>
+              <a:t>'two'</a:t>
+            </a:r>
+            <a:r>
+              <a:rPr lang="en-US" b="0" dirty="0">
+                <a:solidFill>
+                  <a:srgbClr val="D4D4D4"/>
+                </a:solidFill>
+                <a:effectLst/>
+                <a:latin typeface="Consolas" panose="020B0609020204030204" pitchFamily="49" charset="0"/>
+              </a:rPr>
+              <a:t>) )</a:t>
+            </a:r>
+          </a:p>
+          <a:p>
+            <a:r>
+              <a:rPr lang="en-US" b="0" dirty="0">
+                <a:solidFill>
+                  <a:srgbClr val="DCDCAA"/>
+                </a:solidFill>
+                <a:effectLst/>
+                <a:latin typeface="Consolas" panose="020B0609020204030204" pitchFamily="49" charset="0"/>
+              </a:rPr>
+              <a:t>print</a:t>
+            </a:r>
+            <a:r>
+              <a:rPr lang="en-US" b="0" dirty="0">
+                <a:solidFill>
+                  <a:srgbClr val="D4D4D4"/>
+                </a:solidFill>
+                <a:effectLst/>
+                <a:latin typeface="Consolas" panose="020B0609020204030204" pitchFamily="49" charset="0"/>
+              </a:rPr>
+              <a:t>(</a:t>
+            </a:r>
+            <a:r>
+              <a:rPr lang="en-US" b="0" dirty="0">
+                <a:solidFill>
+                  <a:srgbClr val="CE9178"/>
+                </a:solidFill>
+                <a:effectLst/>
+                <a:latin typeface="Consolas" panose="020B0609020204030204" pitchFamily="49" charset="0"/>
+              </a:rPr>
+              <a:t>'</a:t>
+            </a:r>
+            <a:r>
+              <a:rPr lang="en-US" b="0" dirty="0">
+                <a:solidFill>
+                  <a:srgbClr val="569CD6"/>
+                </a:solidFill>
+                <a:effectLst/>
+                <a:latin typeface="Consolas" panose="020B0609020204030204" pitchFamily="49" charset="0"/>
+              </a:rPr>
+              <a:t>{}</a:t>
+            </a:r>
+            <a:r>
+              <a:rPr lang="en-US" b="0" dirty="0">
+                <a:solidFill>
+                  <a:srgbClr val="CE9178"/>
+                </a:solidFill>
+                <a:effectLst/>
+                <a:latin typeface="Consolas" panose="020B0609020204030204" pitchFamily="49" charset="0"/>
+              </a:rPr>
+              <a:t> </a:t>
+            </a:r>
+            <a:r>
+              <a:rPr lang="en-US" b="0" dirty="0">
+                <a:solidFill>
+                  <a:srgbClr val="569CD6"/>
+                </a:solidFill>
+                <a:effectLst/>
+                <a:latin typeface="Consolas" panose="020B0609020204030204" pitchFamily="49" charset="0"/>
+              </a:rPr>
+              <a:t>{}</a:t>
+            </a:r>
+            <a:r>
+              <a:rPr lang="en-US" b="0" dirty="0">
+                <a:solidFill>
+                  <a:srgbClr val="CE9178"/>
+                </a:solidFill>
+                <a:effectLst/>
+                <a:latin typeface="Consolas" panose="020B0609020204030204" pitchFamily="49" charset="0"/>
+              </a:rPr>
+              <a:t>'</a:t>
+            </a:r>
+            <a:r>
+              <a:rPr lang="en-US" b="0" dirty="0">
+                <a:solidFill>
+                  <a:srgbClr val="D4D4D4"/>
+                </a:solidFill>
+                <a:effectLst/>
+                <a:latin typeface="Consolas" panose="020B0609020204030204" pitchFamily="49" charset="0"/>
+              </a:rPr>
+              <a:t>.format(</a:t>
+            </a:r>
+            <a:r>
+              <a:rPr lang="en-US" b="0" dirty="0">
+                <a:solidFill>
+                  <a:srgbClr val="B5CEA8"/>
+                </a:solidFill>
+                <a:effectLst/>
+                <a:latin typeface="Consolas" panose="020B0609020204030204" pitchFamily="49" charset="0"/>
+              </a:rPr>
+              <a:t>1</a:t>
+            </a:r>
+            <a:r>
+              <a:rPr lang="en-US" b="0" dirty="0">
+                <a:solidFill>
+                  <a:srgbClr val="D4D4D4"/>
+                </a:solidFill>
+                <a:effectLst/>
+                <a:latin typeface="Consolas" panose="020B0609020204030204" pitchFamily="49" charset="0"/>
+              </a:rPr>
+              <a:t>, </a:t>
+            </a:r>
+            <a:r>
+              <a:rPr lang="en-US" b="0" dirty="0">
+                <a:solidFill>
+                  <a:srgbClr val="B5CEA8"/>
+                </a:solidFill>
+                <a:effectLst/>
+                <a:latin typeface="Consolas" panose="020B0609020204030204" pitchFamily="49" charset="0"/>
+              </a:rPr>
+              <a:t>2</a:t>
+            </a:r>
+            <a:r>
+              <a:rPr lang="en-US" b="0" dirty="0">
+                <a:solidFill>
+                  <a:srgbClr val="D4D4D4"/>
+                </a:solidFill>
+                <a:effectLst/>
+                <a:latin typeface="Consolas" panose="020B0609020204030204" pitchFamily="49" charset="0"/>
+              </a:rPr>
+              <a:t>))</a:t>
+            </a:r>
+          </a:p>
+          <a:p>
+            <a:r>
+              <a:rPr lang="en-US" b="0" dirty="0">
+                <a:solidFill>
+                  <a:srgbClr val="DCDCAA"/>
+                </a:solidFill>
+                <a:effectLst/>
+                <a:latin typeface="Consolas" panose="020B0609020204030204" pitchFamily="49" charset="0"/>
+              </a:rPr>
+              <a:t>print</a:t>
+            </a:r>
+            <a:r>
+              <a:rPr lang="en-US" b="0" dirty="0">
+                <a:solidFill>
+                  <a:srgbClr val="D4D4D4"/>
+                </a:solidFill>
+                <a:effectLst/>
+                <a:latin typeface="Consolas" panose="020B0609020204030204" pitchFamily="49" charset="0"/>
+              </a:rPr>
+              <a:t>(</a:t>
+            </a:r>
+            <a:r>
+              <a:rPr lang="en-US" b="0" dirty="0">
+                <a:solidFill>
+                  <a:srgbClr val="CE9178"/>
+                </a:solidFill>
+                <a:effectLst/>
+                <a:latin typeface="Consolas" panose="020B0609020204030204" pitchFamily="49" charset="0"/>
+              </a:rPr>
+              <a:t>'</a:t>
+            </a:r>
+            <a:r>
+              <a:rPr lang="en-US" b="0" dirty="0">
+                <a:solidFill>
+                  <a:srgbClr val="569CD6"/>
+                </a:solidFill>
+                <a:effectLst/>
+                <a:latin typeface="Consolas" panose="020B0609020204030204" pitchFamily="49" charset="0"/>
+              </a:rPr>
+              <a:t>{</a:t>
+            </a:r>
+            <a:r>
+              <a:rPr lang="en-US" b="0" dirty="0" err="1">
+                <a:solidFill>
+                  <a:srgbClr val="569CD6"/>
+                </a:solidFill>
+                <a:effectLst/>
+                <a:latin typeface="Consolas" panose="020B0609020204030204" pitchFamily="49" charset="0"/>
+              </a:rPr>
+              <a:t>first_name</a:t>
+            </a:r>
+            <a:r>
+              <a:rPr lang="en-US" b="0" dirty="0">
+                <a:solidFill>
+                  <a:srgbClr val="569CD6"/>
+                </a:solidFill>
+                <a:effectLst/>
+                <a:latin typeface="Consolas" panose="020B0609020204030204" pitchFamily="49" charset="0"/>
+              </a:rPr>
+              <a:t>}</a:t>
+            </a:r>
+            <a:r>
+              <a:rPr lang="en-US" b="0" dirty="0">
+                <a:solidFill>
+                  <a:srgbClr val="CE9178"/>
+                </a:solidFill>
+                <a:effectLst/>
+                <a:latin typeface="Consolas" panose="020B0609020204030204" pitchFamily="49" charset="0"/>
+              </a:rPr>
+              <a:t> </a:t>
+            </a:r>
+            <a:r>
+              <a:rPr lang="en-US" b="0" dirty="0">
+                <a:solidFill>
+                  <a:srgbClr val="569CD6"/>
+                </a:solidFill>
+                <a:effectLst/>
+                <a:latin typeface="Consolas" panose="020B0609020204030204" pitchFamily="49" charset="0"/>
+              </a:rPr>
+              <a:t>{</a:t>
+            </a:r>
+            <a:r>
+              <a:rPr lang="en-US" b="0" dirty="0" err="1">
+                <a:solidFill>
+                  <a:srgbClr val="569CD6"/>
+                </a:solidFill>
+                <a:effectLst/>
+                <a:latin typeface="Consolas" panose="020B0609020204030204" pitchFamily="49" charset="0"/>
+              </a:rPr>
+              <a:t>last_name</a:t>
+            </a:r>
+            <a:r>
+              <a:rPr lang="en-US" b="0" dirty="0">
+                <a:solidFill>
+                  <a:srgbClr val="569CD6"/>
+                </a:solidFill>
+                <a:effectLst/>
+                <a:latin typeface="Consolas" panose="020B0609020204030204" pitchFamily="49" charset="0"/>
+              </a:rPr>
+              <a:t>}</a:t>
+            </a:r>
+            <a:r>
+              <a:rPr lang="en-US" b="0" dirty="0">
+                <a:solidFill>
+                  <a:srgbClr val="CE9178"/>
+                </a:solidFill>
+                <a:effectLst/>
+                <a:latin typeface="Consolas" panose="020B0609020204030204" pitchFamily="49" charset="0"/>
+              </a:rPr>
+              <a:t>'</a:t>
+            </a:r>
+            <a:r>
+              <a:rPr lang="en-US" b="0" dirty="0">
+                <a:solidFill>
+                  <a:srgbClr val="D4D4D4"/>
+                </a:solidFill>
+                <a:effectLst/>
+                <a:latin typeface="Consolas" panose="020B0609020204030204" pitchFamily="49" charset="0"/>
+              </a:rPr>
+              <a:t>.format(</a:t>
+            </a:r>
+            <a:r>
+              <a:rPr lang="en-US" b="0" dirty="0" err="1">
+                <a:solidFill>
+                  <a:srgbClr val="9CDCFE"/>
+                </a:solidFill>
+                <a:effectLst/>
+                <a:latin typeface="Consolas" panose="020B0609020204030204" pitchFamily="49" charset="0"/>
+              </a:rPr>
+              <a:t>last_name</a:t>
+            </a:r>
+            <a:r>
+              <a:rPr lang="en-US" b="0" dirty="0">
+                <a:solidFill>
+                  <a:srgbClr val="D4D4D4"/>
+                </a:solidFill>
+                <a:effectLst/>
+                <a:latin typeface="Consolas" panose="020B0609020204030204" pitchFamily="49" charset="0"/>
+              </a:rPr>
+              <a:t>=</a:t>
+            </a:r>
+            <a:r>
+              <a:rPr lang="en-US" b="0" dirty="0">
+                <a:solidFill>
+                  <a:srgbClr val="CE9178"/>
+                </a:solidFill>
+                <a:effectLst/>
+                <a:latin typeface="Consolas" panose="020B0609020204030204" pitchFamily="49" charset="0"/>
+              </a:rPr>
+              <a:t>'Picard'</a:t>
+            </a:r>
+            <a:r>
+              <a:rPr lang="en-US" b="0" dirty="0">
+                <a:solidFill>
+                  <a:srgbClr val="D4D4D4"/>
+                </a:solidFill>
+                <a:effectLst/>
+                <a:latin typeface="Consolas" panose="020B0609020204030204" pitchFamily="49" charset="0"/>
+              </a:rPr>
+              <a:t>, </a:t>
+            </a:r>
+            <a:r>
+              <a:rPr lang="en-US" b="0" dirty="0" err="1">
+                <a:solidFill>
+                  <a:srgbClr val="9CDCFE"/>
+                </a:solidFill>
+                <a:effectLst/>
+                <a:latin typeface="Consolas" panose="020B0609020204030204" pitchFamily="49" charset="0"/>
+              </a:rPr>
+              <a:t>first_name</a:t>
+            </a:r>
+            <a:r>
+              <a:rPr lang="en-US" b="0" dirty="0">
+                <a:solidFill>
+                  <a:srgbClr val="D4D4D4"/>
+                </a:solidFill>
+                <a:effectLst/>
+                <a:latin typeface="Consolas" panose="020B0609020204030204" pitchFamily="49" charset="0"/>
+              </a:rPr>
+              <a:t>=</a:t>
+            </a:r>
+            <a:r>
+              <a:rPr lang="en-US" b="0" dirty="0">
+                <a:solidFill>
+                  <a:srgbClr val="CE9178"/>
+                </a:solidFill>
+                <a:effectLst/>
+                <a:latin typeface="Consolas" panose="020B0609020204030204" pitchFamily="49" charset="0"/>
+              </a:rPr>
+              <a:t>'Jean-Luc'</a:t>
+            </a:r>
+            <a:r>
+              <a:rPr lang="en-US" b="0" dirty="0">
+                <a:solidFill>
+                  <a:srgbClr val="D4D4D4"/>
+                </a:solidFill>
+                <a:effectLst/>
+                <a:latin typeface="Consolas" panose="020B0609020204030204" pitchFamily="49" charset="0"/>
+              </a:rPr>
+              <a:t>))</a:t>
+            </a:r>
+          </a:p>
+          <a:p>
+            <a:r>
+              <a:rPr lang="en-US" b="0" dirty="0">
+                <a:solidFill>
+                  <a:srgbClr val="D4D4D4"/>
+                </a:solidFill>
+                <a:effectLst/>
+                <a:latin typeface="Consolas" panose="020B0609020204030204" pitchFamily="49" charset="0"/>
+              </a:rPr>
+              <a:t> </a:t>
+            </a:r>
+          </a:p>
+          <a:p>
+            <a:r>
+              <a:rPr lang="en-US" b="0" dirty="0">
+                <a:solidFill>
+                  <a:srgbClr val="DCDCAA"/>
+                </a:solidFill>
+                <a:effectLst/>
+                <a:latin typeface="Consolas" panose="020B0609020204030204" pitchFamily="49" charset="0"/>
+              </a:rPr>
+              <a:t>print</a:t>
+            </a:r>
+            <a:r>
+              <a:rPr lang="en-US" b="0" dirty="0">
+                <a:solidFill>
+                  <a:srgbClr val="D4D4D4"/>
+                </a:solidFill>
+                <a:effectLst/>
+                <a:latin typeface="Consolas" panose="020B0609020204030204" pitchFamily="49" charset="0"/>
+              </a:rPr>
+              <a:t>(</a:t>
+            </a:r>
+            <a:r>
+              <a:rPr lang="en-US" b="0" dirty="0">
+                <a:solidFill>
+                  <a:srgbClr val="CE9178"/>
+                </a:solidFill>
+                <a:effectLst/>
+                <a:latin typeface="Consolas" panose="020B0609020204030204" pitchFamily="49" charset="0"/>
+              </a:rPr>
+              <a:t>'</a:t>
+            </a:r>
+            <a:r>
+              <a:rPr lang="en-US" b="0" dirty="0">
+                <a:solidFill>
+                  <a:srgbClr val="569CD6"/>
+                </a:solidFill>
+                <a:effectLst/>
+                <a:latin typeface="Consolas" panose="020B0609020204030204" pitchFamily="49" charset="0"/>
+              </a:rPr>
+              <a:t>{:_&lt;10}</a:t>
+            </a:r>
+            <a:r>
+              <a:rPr lang="en-US" b="0" dirty="0">
+                <a:solidFill>
+                  <a:srgbClr val="CE9178"/>
+                </a:solidFill>
+                <a:effectLst/>
+                <a:latin typeface="Consolas" panose="020B0609020204030204" pitchFamily="49" charset="0"/>
+              </a:rPr>
+              <a:t>'</a:t>
+            </a:r>
+            <a:r>
+              <a:rPr lang="en-US" b="0" dirty="0">
+                <a:solidFill>
+                  <a:srgbClr val="D4D4D4"/>
+                </a:solidFill>
+                <a:effectLst/>
+                <a:latin typeface="Consolas" panose="020B0609020204030204" pitchFamily="49" charset="0"/>
+              </a:rPr>
+              <a:t>.format(</a:t>
+            </a:r>
+            <a:r>
+              <a:rPr lang="en-US" b="0" dirty="0">
+                <a:solidFill>
+                  <a:srgbClr val="CE9178"/>
+                </a:solidFill>
+                <a:effectLst/>
+                <a:latin typeface="Consolas" panose="020B0609020204030204" pitchFamily="49" charset="0"/>
+              </a:rPr>
+              <a:t>'test'</a:t>
+            </a:r>
+            <a:r>
+              <a:rPr lang="en-US" b="0" dirty="0">
+                <a:solidFill>
+                  <a:srgbClr val="D4D4D4"/>
+                </a:solidFill>
+                <a:effectLst/>
+                <a:latin typeface="Consolas" panose="020B0609020204030204" pitchFamily="49" charset="0"/>
+              </a:rPr>
+              <a:t>))</a:t>
+            </a:r>
+          </a:p>
+          <a:p>
+            <a:r>
+              <a:rPr lang="en-US" b="0" dirty="0">
+                <a:solidFill>
+                  <a:srgbClr val="DCDCAA"/>
+                </a:solidFill>
+                <a:effectLst/>
+                <a:latin typeface="Consolas" panose="020B0609020204030204" pitchFamily="49" charset="0"/>
+              </a:rPr>
+              <a:t>print</a:t>
+            </a:r>
+            <a:r>
+              <a:rPr lang="en-US" b="0" dirty="0">
+                <a:solidFill>
+                  <a:srgbClr val="D4D4D4"/>
+                </a:solidFill>
+                <a:effectLst/>
+                <a:latin typeface="Consolas" panose="020B0609020204030204" pitchFamily="49" charset="0"/>
+              </a:rPr>
+              <a:t>(</a:t>
+            </a:r>
+            <a:r>
+              <a:rPr lang="en-US" b="0" dirty="0">
+                <a:solidFill>
+                  <a:srgbClr val="CE9178"/>
+                </a:solidFill>
+                <a:effectLst/>
+                <a:latin typeface="Consolas" panose="020B0609020204030204" pitchFamily="49" charset="0"/>
+              </a:rPr>
+              <a:t>'</a:t>
+            </a:r>
+            <a:r>
+              <a:rPr lang="en-US" b="0" dirty="0">
+                <a:solidFill>
+                  <a:srgbClr val="569CD6"/>
+                </a:solidFill>
+                <a:effectLst/>
+                <a:latin typeface="Consolas" panose="020B0609020204030204" pitchFamily="49" charset="0"/>
+              </a:rPr>
+              <a:t>{:_&gt;10}</a:t>
+            </a:r>
+            <a:r>
+              <a:rPr lang="en-US" b="0" dirty="0">
+                <a:solidFill>
+                  <a:srgbClr val="CE9178"/>
+                </a:solidFill>
+                <a:effectLst/>
+                <a:latin typeface="Consolas" panose="020B0609020204030204" pitchFamily="49" charset="0"/>
+              </a:rPr>
+              <a:t>'</a:t>
+            </a:r>
+            <a:r>
+              <a:rPr lang="en-US" b="0" dirty="0">
+                <a:solidFill>
+                  <a:srgbClr val="D4D4D4"/>
+                </a:solidFill>
+                <a:effectLst/>
+                <a:latin typeface="Consolas" panose="020B0609020204030204" pitchFamily="49" charset="0"/>
+              </a:rPr>
+              <a:t>.format(</a:t>
+            </a:r>
+            <a:r>
+              <a:rPr lang="en-US" b="0" dirty="0">
+                <a:solidFill>
+                  <a:srgbClr val="CE9178"/>
+                </a:solidFill>
+                <a:effectLst/>
+                <a:latin typeface="Consolas" panose="020B0609020204030204" pitchFamily="49" charset="0"/>
+              </a:rPr>
+              <a:t>'test'</a:t>
+            </a:r>
+            <a:r>
+              <a:rPr lang="en-US" b="0" dirty="0">
+                <a:solidFill>
+                  <a:srgbClr val="D4D4D4"/>
+                </a:solidFill>
+                <a:effectLst/>
+                <a:latin typeface="Consolas" panose="020B0609020204030204" pitchFamily="49" charset="0"/>
+              </a:rPr>
+              <a:t>))</a:t>
+            </a:r>
+          </a:p>
+          <a:p>
+            <a:r>
+              <a:rPr lang="en-US" b="0" dirty="0">
+                <a:solidFill>
+                  <a:srgbClr val="DCDCAA"/>
+                </a:solidFill>
+                <a:effectLst/>
+                <a:latin typeface="Consolas" panose="020B0609020204030204" pitchFamily="49" charset="0"/>
+              </a:rPr>
+              <a:t>print</a:t>
+            </a:r>
+            <a:r>
+              <a:rPr lang="en-US" b="0" dirty="0">
+                <a:solidFill>
+                  <a:srgbClr val="D4D4D4"/>
+                </a:solidFill>
+                <a:effectLst/>
+                <a:latin typeface="Consolas" panose="020B0609020204030204" pitchFamily="49" charset="0"/>
+              </a:rPr>
+              <a:t>(</a:t>
+            </a:r>
+            <a:r>
+              <a:rPr lang="en-US" b="0" dirty="0">
+                <a:solidFill>
+                  <a:srgbClr val="CE9178"/>
+                </a:solidFill>
+                <a:effectLst/>
+                <a:latin typeface="Consolas" panose="020B0609020204030204" pitchFamily="49" charset="0"/>
+              </a:rPr>
+              <a:t>'</a:t>
+            </a:r>
+            <a:r>
+              <a:rPr lang="en-US" b="0" dirty="0">
+                <a:solidFill>
+                  <a:srgbClr val="569CD6"/>
+                </a:solidFill>
+                <a:effectLst/>
+                <a:latin typeface="Consolas" panose="020B0609020204030204" pitchFamily="49" charset="0"/>
+              </a:rPr>
+              <a:t>{:_^10}</a:t>
+            </a:r>
+            <a:r>
+              <a:rPr lang="en-US" b="0" dirty="0">
+                <a:solidFill>
+                  <a:srgbClr val="CE9178"/>
+                </a:solidFill>
+                <a:effectLst/>
+                <a:latin typeface="Consolas" panose="020B0609020204030204" pitchFamily="49" charset="0"/>
+              </a:rPr>
+              <a:t>'</a:t>
+            </a:r>
+            <a:r>
+              <a:rPr lang="en-US" b="0" dirty="0">
+                <a:solidFill>
+                  <a:srgbClr val="D4D4D4"/>
+                </a:solidFill>
+                <a:effectLst/>
+                <a:latin typeface="Consolas" panose="020B0609020204030204" pitchFamily="49" charset="0"/>
+              </a:rPr>
+              <a:t>.format(</a:t>
+            </a:r>
+            <a:r>
+              <a:rPr lang="en-US" b="0" dirty="0">
+                <a:solidFill>
+                  <a:srgbClr val="CE9178"/>
+                </a:solidFill>
+                <a:effectLst/>
+                <a:latin typeface="Consolas" panose="020B0609020204030204" pitchFamily="49" charset="0"/>
+              </a:rPr>
+              <a:t>'test'</a:t>
+            </a:r>
+            <a:r>
+              <a:rPr lang="en-US" b="0" dirty="0">
+                <a:solidFill>
+                  <a:srgbClr val="D4D4D4"/>
+                </a:solidFill>
+                <a:effectLst/>
+                <a:latin typeface="Consolas" panose="020B0609020204030204" pitchFamily="49" charset="0"/>
+              </a:rPr>
+              <a:t>))</a:t>
+            </a:r>
+          </a:p>
+          <a:p>
+            <a:r>
+              <a:rPr lang="en-US" b="0" dirty="0">
+                <a:solidFill>
+                  <a:srgbClr val="D4D4D4"/>
+                </a:solidFill>
+                <a:effectLst/>
+                <a:latin typeface="Consolas" panose="020B0609020204030204" pitchFamily="49" charset="0"/>
+              </a:rPr>
+              <a:t> </a:t>
+            </a:r>
+          </a:p>
+          <a:p>
+            <a:r>
+              <a:rPr lang="en-US" b="0" dirty="0">
+                <a:solidFill>
+                  <a:srgbClr val="DCDCAA"/>
+                </a:solidFill>
+                <a:effectLst/>
+                <a:latin typeface="Consolas" panose="020B0609020204030204" pitchFamily="49" charset="0"/>
+              </a:rPr>
+              <a:t>print</a:t>
+            </a:r>
+            <a:r>
+              <a:rPr lang="en-US" b="0" dirty="0">
+                <a:solidFill>
+                  <a:srgbClr val="D4D4D4"/>
+                </a:solidFill>
+                <a:effectLst/>
+                <a:latin typeface="Consolas" panose="020B0609020204030204" pitchFamily="49" charset="0"/>
+              </a:rPr>
+              <a:t>(</a:t>
+            </a:r>
+            <a:r>
+              <a:rPr lang="en-US" b="0" dirty="0">
+                <a:solidFill>
+                  <a:srgbClr val="CE9178"/>
+                </a:solidFill>
+                <a:effectLst/>
+                <a:latin typeface="Consolas" panose="020B0609020204030204" pitchFamily="49" charset="0"/>
+              </a:rPr>
+              <a:t>'</a:t>
+            </a:r>
+            <a:r>
+              <a:rPr lang="en-US" b="0" dirty="0">
+                <a:solidFill>
+                  <a:srgbClr val="569CD6"/>
+                </a:solidFill>
+                <a:effectLst/>
+                <a:latin typeface="Consolas" panose="020B0609020204030204" pitchFamily="49" charset="0"/>
+              </a:rPr>
+              <a:t>{</a:t>
+            </a:r>
+            <a:r>
+              <a:rPr lang="en-US" b="0" dirty="0" err="1">
+                <a:solidFill>
+                  <a:srgbClr val="569CD6"/>
+                </a:solidFill>
+                <a:effectLst/>
+                <a:latin typeface="Consolas" panose="020B0609020204030204" pitchFamily="49" charset="0"/>
+              </a:rPr>
+              <a:t>result!s</a:t>
+            </a:r>
+            <a:r>
+              <a:rPr lang="en-US" b="0" dirty="0">
+                <a:solidFill>
+                  <a:srgbClr val="569CD6"/>
+                </a:solidFill>
+                <a:effectLst/>
+                <a:latin typeface="Consolas" panose="020B0609020204030204" pitchFamily="49" charset="0"/>
+              </a:rPr>
+              <a:t>:_^20}</a:t>
+            </a:r>
+            <a:r>
+              <a:rPr lang="en-US" b="0" dirty="0">
+                <a:solidFill>
+                  <a:srgbClr val="CE9178"/>
+                </a:solidFill>
+                <a:effectLst/>
+                <a:latin typeface="Consolas" panose="020B0609020204030204" pitchFamily="49" charset="0"/>
+              </a:rPr>
+              <a:t>'</a:t>
+            </a:r>
+            <a:r>
+              <a:rPr lang="en-US" b="0" dirty="0">
+                <a:solidFill>
+                  <a:srgbClr val="D4D4D4"/>
+                </a:solidFill>
+                <a:effectLst/>
+                <a:latin typeface="Consolas" panose="020B0609020204030204" pitchFamily="49" charset="0"/>
+              </a:rPr>
+              <a:t>.format(</a:t>
+            </a:r>
+            <a:r>
+              <a:rPr lang="en-US" b="0" dirty="0">
+                <a:solidFill>
+                  <a:srgbClr val="9CDCFE"/>
+                </a:solidFill>
+                <a:effectLst/>
+                <a:latin typeface="Consolas" panose="020B0609020204030204" pitchFamily="49" charset="0"/>
+              </a:rPr>
+              <a:t>result</a:t>
+            </a:r>
+            <a:r>
+              <a:rPr lang="en-US" b="0" dirty="0">
+                <a:solidFill>
+                  <a:srgbClr val="D4D4D4"/>
+                </a:solidFill>
+                <a:effectLst/>
+                <a:latin typeface="Consolas" panose="020B0609020204030204" pitchFamily="49" charset="0"/>
+              </a:rPr>
+              <a:t>=(</a:t>
+            </a:r>
+            <a:r>
+              <a:rPr lang="en-US" b="0" dirty="0">
+                <a:solidFill>
+                  <a:srgbClr val="B5CEA8"/>
+                </a:solidFill>
+                <a:effectLst/>
+                <a:latin typeface="Consolas" panose="020B0609020204030204" pitchFamily="49" charset="0"/>
+              </a:rPr>
+              <a:t>1</a:t>
+            </a:r>
+            <a:r>
+              <a:rPr lang="en-US" b="0" dirty="0">
+                <a:solidFill>
+                  <a:srgbClr val="D4D4D4"/>
+                </a:solidFill>
+                <a:effectLst/>
+                <a:latin typeface="Consolas" panose="020B0609020204030204" pitchFamily="49" charset="0"/>
+              </a:rPr>
+              <a:t>, </a:t>
+            </a:r>
+            <a:r>
+              <a:rPr lang="en-US" b="0" dirty="0">
+                <a:solidFill>
+                  <a:srgbClr val="B5CEA8"/>
+                </a:solidFill>
+                <a:effectLst/>
+                <a:latin typeface="Consolas" panose="020B0609020204030204" pitchFamily="49" charset="0"/>
+              </a:rPr>
+              <a:t>2</a:t>
+            </a:r>
+            <a:r>
+              <a:rPr lang="en-US" b="0" dirty="0">
+                <a:solidFill>
+                  <a:srgbClr val="D4D4D4"/>
+                </a:solidFill>
+                <a:effectLst/>
+                <a:latin typeface="Consolas" panose="020B0609020204030204" pitchFamily="49" charset="0"/>
+              </a:rPr>
+              <a:t>)))</a:t>
+            </a:r>
+          </a:p>
+          <a:p>
+            <a:r>
+              <a:rPr lang="en-US" b="0" dirty="0">
+                <a:solidFill>
+                  <a:srgbClr val="DCDCAA"/>
+                </a:solidFill>
+                <a:effectLst/>
+                <a:latin typeface="Consolas" panose="020B0609020204030204" pitchFamily="49" charset="0"/>
+              </a:rPr>
+              <a:t>print</a:t>
+            </a:r>
+            <a:r>
+              <a:rPr lang="en-US" b="0" dirty="0">
+                <a:solidFill>
+                  <a:srgbClr val="D4D4D4"/>
+                </a:solidFill>
+                <a:effectLst/>
+                <a:latin typeface="Consolas" panose="020B0609020204030204" pitchFamily="49" charset="0"/>
+              </a:rPr>
+              <a:t>(</a:t>
+            </a:r>
+            <a:r>
+              <a:rPr lang="en-US" b="0" dirty="0">
+                <a:solidFill>
+                  <a:srgbClr val="CE9178"/>
+                </a:solidFill>
+                <a:effectLst/>
+                <a:latin typeface="Consolas" panose="020B0609020204030204" pitchFamily="49" charset="0"/>
+              </a:rPr>
+              <a:t>'</a:t>
+            </a:r>
+            <a:r>
+              <a:rPr lang="en-US" b="0" dirty="0">
+                <a:solidFill>
+                  <a:srgbClr val="569CD6"/>
+                </a:solidFill>
+                <a:effectLst/>
+                <a:latin typeface="Consolas" panose="020B0609020204030204" pitchFamily="49" charset="0"/>
+              </a:rPr>
+              <a:t>{</a:t>
+            </a:r>
+            <a:r>
+              <a:rPr lang="en-US" b="0" dirty="0" err="1">
+                <a:solidFill>
+                  <a:srgbClr val="569CD6"/>
+                </a:solidFill>
+                <a:effectLst/>
+                <a:latin typeface="Consolas" panose="020B0609020204030204" pitchFamily="49" charset="0"/>
+              </a:rPr>
+              <a:t>result!r</a:t>
+            </a:r>
+            <a:r>
+              <a:rPr lang="en-US" b="0" dirty="0">
+                <a:solidFill>
+                  <a:srgbClr val="569CD6"/>
+                </a:solidFill>
+                <a:effectLst/>
+                <a:latin typeface="Consolas" panose="020B0609020204030204" pitchFamily="49" charset="0"/>
+              </a:rPr>
+              <a:t>:_^20}</a:t>
+            </a:r>
+            <a:r>
+              <a:rPr lang="en-US" b="0" dirty="0">
+                <a:solidFill>
+                  <a:srgbClr val="CE9178"/>
+                </a:solidFill>
+                <a:effectLst/>
+                <a:latin typeface="Consolas" panose="020B0609020204030204" pitchFamily="49" charset="0"/>
+              </a:rPr>
+              <a:t>'</a:t>
+            </a:r>
+            <a:r>
+              <a:rPr lang="en-US" b="0" dirty="0">
+                <a:solidFill>
+                  <a:srgbClr val="D4D4D4"/>
+                </a:solidFill>
+                <a:effectLst/>
+                <a:latin typeface="Consolas" panose="020B0609020204030204" pitchFamily="49" charset="0"/>
+              </a:rPr>
+              <a:t>.format(</a:t>
+            </a:r>
+            <a:r>
+              <a:rPr lang="en-US" b="0" dirty="0">
+                <a:solidFill>
+                  <a:srgbClr val="9CDCFE"/>
+                </a:solidFill>
+                <a:effectLst/>
+                <a:latin typeface="Consolas" panose="020B0609020204030204" pitchFamily="49" charset="0"/>
+              </a:rPr>
+              <a:t>result</a:t>
+            </a:r>
+            <a:r>
+              <a:rPr lang="en-US" b="0" dirty="0">
+                <a:solidFill>
+                  <a:srgbClr val="D4D4D4"/>
+                </a:solidFill>
+                <a:effectLst/>
+                <a:latin typeface="Consolas" panose="020B0609020204030204" pitchFamily="49" charset="0"/>
+              </a:rPr>
+              <a:t>=(</a:t>
+            </a:r>
+            <a:r>
+              <a:rPr lang="en-US" b="0" dirty="0">
+                <a:solidFill>
+                  <a:srgbClr val="B5CEA8"/>
+                </a:solidFill>
+                <a:effectLst/>
+                <a:latin typeface="Consolas" panose="020B0609020204030204" pitchFamily="49" charset="0"/>
+              </a:rPr>
+              <a:t>1</a:t>
+            </a:r>
+            <a:r>
+              <a:rPr lang="en-US" b="0" dirty="0">
+                <a:solidFill>
+                  <a:srgbClr val="D4D4D4"/>
+                </a:solidFill>
+                <a:effectLst/>
+                <a:latin typeface="Consolas" panose="020B0609020204030204" pitchFamily="49" charset="0"/>
+              </a:rPr>
+              <a:t>, </a:t>
+            </a:r>
+            <a:r>
+              <a:rPr lang="en-US" b="0" dirty="0">
+                <a:solidFill>
+                  <a:srgbClr val="B5CEA8"/>
+                </a:solidFill>
+                <a:effectLst/>
+                <a:latin typeface="Consolas" panose="020B0609020204030204" pitchFamily="49" charset="0"/>
+              </a:rPr>
+              <a:t>2</a:t>
+            </a:r>
+            <a:r>
+              <a:rPr lang="en-US" b="0" dirty="0">
+                <a:solidFill>
+                  <a:srgbClr val="D4D4D4"/>
+                </a:solidFill>
+                <a:effectLst/>
+                <a:latin typeface="Consolas" panose="020B0609020204030204" pitchFamily="49" charset="0"/>
+              </a:rPr>
+              <a:t>)))</a:t>
+            </a:r>
+          </a:p>
+          <a:p>
+            <a:br>
+              <a:rPr lang="en-US" b="0" dirty="0">
+                <a:solidFill>
+                  <a:srgbClr val="D4D4D4"/>
+                </a:solidFill>
+                <a:effectLst/>
+                <a:latin typeface="Consolas" panose="020B0609020204030204" pitchFamily="49" charset="0"/>
+              </a:rPr>
+            </a:br>
+            <a:r>
+              <a:rPr lang="en-US" b="0" dirty="0">
+                <a:solidFill>
+                  <a:srgbClr val="DCDCAA"/>
+                </a:solidFill>
+                <a:effectLst/>
+                <a:latin typeface="Consolas" panose="020B0609020204030204" pitchFamily="49" charset="0"/>
+              </a:rPr>
+              <a:t>print</a:t>
+            </a:r>
+            <a:r>
+              <a:rPr lang="en-US" b="0" dirty="0">
+                <a:solidFill>
+                  <a:srgbClr val="D4D4D4"/>
+                </a:solidFill>
+                <a:effectLst/>
+                <a:latin typeface="Consolas" panose="020B0609020204030204" pitchFamily="49" charset="0"/>
+              </a:rPr>
+              <a:t>(</a:t>
+            </a:r>
+            <a:r>
+              <a:rPr lang="en-US" b="0" dirty="0">
+                <a:solidFill>
+                  <a:srgbClr val="CE9178"/>
+                </a:solidFill>
+                <a:effectLst/>
+                <a:latin typeface="Consolas" panose="020B0609020204030204" pitchFamily="49" charset="0"/>
+              </a:rPr>
+              <a:t>'</a:t>
+            </a:r>
+            <a:r>
+              <a:rPr lang="en-US" b="0" dirty="0">
+                <a:solidFill>
+                  <a:srgbClr val="569CD6"/>
+                </a:solidFill>
+                <a:effectLst/>
+                <a:latin typeface="Consolas" panose="020B0609020204030204" pitchFamily="49" charset="0"/>
+              </a:rPr>
+              <a:t>{result:_^ 20.2f}</a:t>
+            </a:r>
+            <a:r>
+              <a:rPr lang="en-US" b="0" dirty="0">
+                <a:solidFill>
+                  <a:srgbClr val="CE9178"/>
+                </a:solidFill>
+                <a:effectLst/>
+                <a:latin typeface="Consolas" panose="020B0609020204030204" pitchFamily="49" charset="0"/>
+              </a:rPr>
+              <a:t>'</a:t>
+            </a:r>
+            <a:r>
+              <a:rPr lang="en-US" b="0" dirty="0">
+                <a:solidFill>
+                  <a:srgbClr val="D4D4D4"/>
+                </a:solidFill>
+                <a:effectLst/>
+                <a:latin typeface="Consolas" panose="020B0609020204030204" pitchFamily="49" charset="0"/>
+              </a:rPr>
+              <a:t>.format(</a:t>
+            </a:r>
+            <a:r>
+              <a:rPr lang="en-US" b="0" dirty="0">
+                <a:solidFill>
+                  <a:srgbClr val="9CDCFE"/>
+                </a:solidFill>
+                <a:effectLst/>
+                <a:latin typeface="Consolas" panose="020B0609020204030204" pitchFamily="49" charset="0"/>
+              </a:rPr>
+              <a:t>result</a:t>
+            </a:r>
+            <a:r>
+              <a:rPr lang="en-US" b="0" dirty="0">
+                <a:solidFill>
+                  <a:srgbClr val="D4D4D4"/>
+                </a:solidFill>
+                <a:effectLst/>
+                <a:latin typeface="Consolas" panose="020B0609020204030204" pitchFamily="49" charset="0"/>
+              </a:rPr>
+              <a:t>=</a:t>
+            </a:r>
+            <a:r>
+              <a:rPr lang="en-US" b="0" dirty="0">
+                <a:solidFill>
+                  <a:srgbClr val="B5CEA8"/>
+                </a:solidFill>
+                <a:effectLst/>
+                <a:latin typeface="Consolas" panose="020B0609020204030204" pitchFamily="49" charset="0"/>
+              </a:rPr>
+              <a:t>3.141</a:t>
+            </a:r>
+            <a:r>
+              <a:rPr lang="en-US" b="0" dirty="0">
+                <a:solidFill>
+                  <a:srgbClr val="D4D4D4"/>
+                </a:solidFill>
+                <a:effectLst/>
+                <a:latin typeface="Consolas" panose="020B0609020204030204" pitchFamily="49" charset="0"/>
+              </a:rPr>
+              <a:t>))</a:t>
+            </a:r>
+          </a:p>
+          <a:p>
+            <a:r>
+              <a:rPr lang="en-US" b="0" dirty="0">
+                <a:solidFill>
+                  <a:srgbClr val="DCDCAA"/>
+                </a:solidFill>
+                <a:effectLst/>
+                <a:latin typeface="Consolas" panose="020B0609020204030204" pitchFamily="49" charset="0"/>
+              </a:rPr>
+              <a:t>print</a:t>
+            </a:r>
+            <a:r>
+              <a:rPr lang="en-US" b="0" dirty="0">
+                <a:solidFill>
+                  <a:srgbClr val="D4D4D4"/>
+                </a:solidFill>
+                <a:effectLst/>
+                <a:latin typeface="Consolas" panose="020B0609020204030204" pitchFamily="49" charset="0"/>
+              </a:rPr>
+              <a:t>(</a:t>
+            </a:r>
+            <a:r>
+              <a:rPr lang="en-US" b="0" dirty="0">
+                <a:solidFill>
+                  <a:srgbClr val="CE9178"/>
+                </a:solidFill>
+                <a:effectLst/>
+                <a:latin typeface="Consolas" panose="020B0609020204030204" pitchFamily="49" charset="0"/>
+              </a:rPr>
+              <a:t>'</a:t>
+            </a:r>
+            <a:r>
+              <a:rPr lang="en-US" b="0" dirty="0">
+                <a:solidFill>
+                  <a:srgbClr val="569CD6"/>
+                </a:solidFill>
+                <a:effectLst/>
+                <a:latin typeface="Consolas" panose="020B0609020204030204" pitchFamily="49" charset="0"/>
+              </a:rPr>
+              <a:t>{result:_^ 20.2f}</a:t>
+            </a:r>
+            <a:r>
+              <a:rPr lang="en-US" b="0" dirty="0">
+                <a:solidFill>
+                  <a:srgbClr val="CE9178"/>
+                </a:solidFill>
+                <a:effectLst/>
+                <a:latin typeface="Consolas" panose="020B0609020204030204" pitchFamily="49" charset="0"/>
+              </a:rPr>
+              <a:t>'</a:t>
+            </a:r>
+            <a:r>
+              <a:rPr lang="en-US" b="0" dirty="0">
+                <a:solidFill>
+                  <a:srgbClr val="D4D4D4"/>
+                </a:solidFill>
+                <a:effectLst/>
+                <a:latin typeface="Consolas" panose="020B0609020204030204" pitchFamily="49" charset="0"/>
+              </a:rPr>
+              <a:t>.format(</a:t>
+            </a:r>
+            <a:r>
+              <a:rPr lang="en-US" b="0" dirty="0">
+                <a:solidFill>
+                  <a:srgbClr val="9CDCFE"/>
+                </a:solidFill>
+                <a:effectLst/>
+                <a:latin typeface="Consolas" panose="020B0609020204030204" pitchFamily="49" charset="0"/>
+              </a:rPr>
+              <a:t>result</a:t>
+            </a:r>
+            <a:r>
+              <a:rPr lang="en-US" b="0" dirty="0">
+                <a:solidFill>
+                  <a:srgbClr val="D4D4D4"/>
+                </a:solidFill>
+                <a:effectLst/>
+                <a:latin typeface="Consolas" panose="020B0609020204030204" pitchFamily="49" charset="0"/>
+              </a:rPr>
+              <a:t>=-</a:t>
+            </a:r>
+            <a:r>
+              <a:rPr lang="en-US" b="0" dirty="0">
+                <a:solidFill>
+                  <a:srgbClr val="B5CEA8"/>
+                </a:solidFill>
+                <a:effectLst/>
+                <a:latin typeface="Consolas" panose="020B0609020204030204" pitchFamily="49" charset="0"/>
+              </a:rPr>
+              <a:t>3.141</a:t>
+            </a:r>
+            <a:r>
+              <a:rPr lang="en-US" b="0" dirty="0">
+                <a:solidFill>
+                  <a:srgbClr val="D4D4D4"/>
+                </a:solidFill>
+                <a:effectLst/>
+                <a:latin typeface="Consolas" panose="020B0609020204030204" pitchFamily="49" charset="0"/>
+              </a:rPr>
+              <a:t>))</a:t>
+            </a:r>
+          </a:p>
+          <a:p>
+            <a:br>
+              <a:rPr lang="en-US" b="0" dirty="0">
+                <a:solidFill>
+                  <a:srgbClr val="D4D4D4"/>
+                </a:solidFill>
+                <a:effectLst/>
+                <a:latin typeface="Consolas" panose="020B0609020204030204" pitchFamily="49" charset="0"/>
+              </a:rPr>
+            </a:br>
+            <a:endParaRPr lang="en-US" b="0" dirty="0">
+              <a:solidFill>
+                <a:srgbClr val="D4D4D4"/>
+              </a:solidFill>
+              <a:effectLst/>
+              <a:latin typeface="Consolas" panose="020B0609020204030204" pitchFamily="49" charset="0"/>
+            </a:endParaRPr>
           </a:p>
         </p:txBody>
       </p:sp>
     </p:spTree>
     <p:extLst>
       <p:ext uri="{BB962C8B-B14F-4D97-AF65-F5344CB8AC3E}">
-        <p14:creationId xmlns:p14="http://schemas.microsoft.com/office/powerpoint/2010/main" val="124073686"/>
+        <p14:creationId xmlns:p14="http://schemas.microsoft.com/office/powerpoint/2010/main" val="1250147989"/>
       </p:ext>
     </p:extLst>
   </p:cSld>
@@ -14335,6 +15713,69 @@
           <p:cNvPr id="2" name="Заголовок 1">
             <a:extLst>
               <a:ext uri="{FF2B5EF4-FFF2-40B4-BE49-F238E27FC236}">
+                <a16:creationId xmlns:a16="http://schemas.microsoft.com/office/drawing/2014/main" id="{4CA4C947-CA7A-441E-A7AB-FC0610085AF1}"/>
+              </a:ext>
+            </a:extLst>
+          </p:cNvPr>
+          <p:cNvSpPr>
+            <a:spLocks noGrp="1"/>
+          </p:cNvSpPr>
+          <p:nvPr>
+            <p:ph type="title"/>
+          </p:nvPr>
+        </p:nvSpPr>
+        <p:spPr>
+          <a:xfrm>
+            <a:off x="423531" y="4554353"/>
+            <a:ext cx="10515600" cy="1325563"/>
+          </a:xfrm>
+        </p:spPr>
+        <p:txBody>
+          <a:bodyPr/>
+          <a:lstStyle/>
+          <a:p>
+            <a:r>
+              <a:rPr lang="ru-RU" dirty="0"/>
+              <a:t>Списки и кортежи</a:t>
+            </a:r>
+          </a:p>
+        </p:txBody>
+      </p:sp>
+    </p:spTree>
+    <p:extLst>
+      <p:ext uri="{BB962C8B-B14F-4D97-AF65-F5344CB8AC3E}">
+        <p14:creationId xmlns:p14="http://schemas.microsoft.com/office/powerpoint/2010/main" val="124073686"/>
+      </p:ext>
+    </p:extLst>
+  </p:cSld>
+  <p:clrMapOvr>
+    <a:masterClrMapping/>
+  </p:clrMapOvr>
+</p:sld>
+</file>
+
+<file path=ppt/slides/slide44.xml><?xml version="1.0" encoding="utf-8"?>
+<p:sld xmlns:a="http://schemas.openxmlformats.org/drawingml/2006/main" xmlns:r="http://schemas.openxmlformats.org/officeDocument/2006/relationships" xmlns:p="http://schemas.openxmlformats.org/presentationml/2006/main">
+  <p:cSld>
+    <p:spTree>
+      <p:nvGrpSpPr>
+        <p:cNvPr id="1" name=""/>
+        <p:cNvGrpSpPr/>
+        <p:nvPr/>
+      </p:nvGrpSpPr>
+      <p:grpSpPr>
+        <a:xfrm>
+          <a:off x="0" y="0"/>
+          <a:ext cx="0" cy="0"/>
+          <a:chOff x="0" y="0"/>
+          <a:chExt cx="0" cy="0"/>
+        </a:xfrm>
+      </p:grpSpPr>
+      <p:sp>
+        <p:nvSpPr>
+          <p:cNvPr id="2" name="Заголовок 1">
+            <a:extLst>
+              <a:ext uri="{FF2B5EF4-FFF2-40B4-BE49-F238E27FC236}">
                 <a16:creationId xmlns:a16="http://schemas.microsoft.com/office/drawing/2014/main" id="{F05463A0-A1A5-4F33-BB21-5DD05AD49366}"/>
               </a:ext>
             </a:extLst>
@@ -14417,7 +15858,7 @@
 </p:sld>
 </file>
 
-<file path=ppt/slides/slide44.xml><?xml version="1.0" encoding="utf-8"?>
+<file path=ppt/slides/slide45.xml><?xml version="1.0" encoding="utf-8"?>
 <p:sld xmlns:a="http://schemas.openxmlformats.org/drawingml/2006/main" xmlns:r="http://schemas.openxmlformats.org/officeDocument/2006/relationships" xmlns:p="http://schemas.openxmlformats.org/presentationml/2006/main">
   <p:cSld>
     <p:spTree>
@@ -14962,7 +16403,7 @@
 </p:sld>
 </file>
 
-<file path=ppt/slides/slide45.xml><?xml version="1.0" encoding="utf-8"?>
+<file path=ppt/slides/slide46.xml><?xml version="1.0" encoding="utf-8"?>
 <p:sld xmlns:a="http://schemas.openxmlformats.org/drawingml/2006/main" xmlns:r="http://schemas.openxmlformats.org/officeDocument/2006/relationships" xmlns:p="http://schemas.openxmlformats.org/presentationml/2006/main">
   <p:cSld>
     <p:spTree>
@@ -15535,7 +16976,7 @@
 </p:sld>
 </file>
 
-<file path=ppt/slides/slide46.xml><?xml version="1.0" encoding="utf-8"?>
+<file path=ppt/slides/slide47.xml><?xml version="1.0" encoding="utf-8"?>
 <p:sld xmlns:a="http://schemas.openxmlformats.org/drawingml/2006/main" xmlns:r="http://schemas.openxmlformats.org/officeDocument/2006/relationships" xmlns:p="http://schemas.openxmlformats.org/presentationml/2006/main">
   <p:cSld>
     <p:spTree>
@@ -16161,7 +17602,7 @@
 </p:sld>
 </file>
 
-<file path=ppt/slides/slide47.xml><?xml version="1.0" encoding="utf-8"?>
+<file path=ppt/slides/slide48.xml><?xml version="1.0" encoding="utf-8"?>
 <p:sld xmlns:a="http://schemas.openxmlformats.org/drawingml/2006/main" xmlns:r="http://schemas.openxmlformats.org/officeDocument/2006/relationships" xmlns:p="http://schemas.openxmlformats.org/presentationml/2006/main">
   <p:cSld>
     <p:spTree>
@@ -16985,7 +18426,7 @@
 </p:sld>
 </file>
 
-<file path=ppt/slides/slide48.xml><?xml version="1.0" encoding="utf-8"?>
+<file path=ppt/slides/slide49.xml><?xml version="1.0" encoding="utf-8"?>
 <p:sld xmlns:a="http://schemas.openxmlformats.org/drawingml/2006/main" xmlns:r="http://schemas.openxmlformats.org/officeDocument/2006/relationships" xmlns:p="http://schemas.openxmlformats.org/presentationml/2006/main">
   <p:cSld>
     <p:spTree>
@@ -17394,171 +18835,6 @@
     <p:extLst>
       <p:ext uri="{BB962C8B-B14F-4D97-AF65-F5344CB8AC3E}">
         <p14:creationId xmlns:p14="http://schemas.microsoft.com/office/powerpoint/2010/main" val="1501503660"/>
-      </p:ext>
-    </p:extLst>
-  </p:cSld>
-  <p:clrMapOvr>
-    <a:masterClrMapping/>
-  </p:clrMapOvr>
-</p:sld>
-</file>
-
-<file path=ppt/slides/slide49.xml><?xml version="1.0" encoding="utf-8"?>
-<p:sld xmlns:a="http://schemas.openxmlformats.org/drawingml/2006/main" xmlns:r="http://schemas.openxmlformats.org/officeDocument/2006/relationships" xmlns:p="http://schemas.openxmlformats.org/presentationml/2006/main">
-  <p:cSld>
-    <p:spTree>
-      <p:nvGrpSpPr>
-        <p:cNvPr id="1" name=""/>
-        <p:cNvGrpSpPr/>
-        <p:nvPr/>
-      </p:nvGrpSpPr>
-      <p:grpSpPr>
-        <a:xfrm>
-          <a:off x="0" y="0"/>
-          <a:ext cx="0" cy="0"/>
-          <a:chOff x="0" y="0"/>
-          <a:chExt cx="0" cy="0"/>
-        </a:xfrm>
-      </p:grpSpPr>
-      <p:sp>
-        <p:nvSpPr>
-          <p:cNvPr id="2" name="Заголовок 1">
-            <a:extLst>
-              <a:ext uri="{FF2B5EF4-FFF2-40B4-BE49-F238E27FC236}">
-                <a16:creationId xmlns:a16="http://schemas.microsoft.com/office/drawing/2014/main" id="{6BD1B70F-980B-43BE-99B7-1B22AA75C072}"/>
-              </a:ext>
-            </a:extLst>
-          </p:cNvPr>
-          <p:cNvSpPr>
-            <a:spLocks noGrp="1"/>
-          </p:cNvSpPr>
-          <p:nvPr>
-            <p:ph type="title"/>
-          </p:nvPr>
-        </p:nvSpPr>
-        <p:spPr/>
-        <p:txBody>
-          <a:bodyPr/>
-          <a:lstStyle/>
-          <a:p>
-            <a:r>
-              <a:rPr lang="ru-RU" dirty="0"/>
-              <a:t>Элементарные операции со списками и кортежами</a:t>
-            </a:r>
-          </a:p>
-        </p:txBody>
-      </p:sp>
-      <p:sp>
-        <p:nvSpPr>
-          <p:cNvPr id="3" name="Объект 2">
-            <a:extLst>
-              <a:ext uri="{FF2B5EF4-FFF2-40B4-BE49-F238E27FC236}">
-                <a16:creationId xmlns:a16="http://schemas.microsoft.com/office/drawing/2014/main" id="{B9D85AB5-1C00-442D-A8C4-34AD14A37D35}"/>
-              </a:ext>
-            </a:extLst>
-          </p:cNvPr>
-          <p:cNvSpPr>
-            <a:spLocks noGrp="1"/>
-          </p:cNvSpPr>
-          <p:nvPr>
-            <p:ph idx="1"/>
-          </p:nvPr>
-        </p:nvSpPr>
-        <p:spPr>
-          <a:xfrm>
-            <a:off x="838200" y="1562986"/>
-            <a:ext cx="10515600" cy="5092995"/>
-          </a:xfrm>
-        </p:spPr>
-        <p:txBody>
-          <a:bodyPr>
-            <a:normAutofit lnSpcReduction="10000"/>
-          </a:bodyPr>
-          <a:lstStyle/>
-          <a:p>
-            <a:r>
-              <a:rPr lang="ru-RU" dirty="0"/>
-              <a:t>Создайте список из десяти элементов разных типов</a:t>
-            </a:r>
-          </a:p>
-          <a:p>
-            <a:r>
-              <a:rPr lang="ru-RU" dirty="0"/>
-              <a:t>Используя оператор </a:t>
-            </a:r>
-            <a:r>
-              <a:rPr lang="en-US" dirty="0"/>
-              <a:t>slice </a:t>
-            </a:r>
-            <a:r>
-              <a:rPr lang="ru-RU" dirty="0"/>
-              <a:t>выделите в  отдельный список со второго по пятый элемент включительно</a:t>
-            </a:r>
-          </a:p>
-          <a:p>
-            <a:r>
-              <a:rPr lang="ru-RU" dirty="0"/>
-              <a:t>Создайте второй список из пяти элементов</a:t>
-            </a:r>
-          </a:p>
-          <a:p>
-            <a:r>
-              <a:rPr lang="ru-RU" dirty="0"/>
-              <a:t>В первый список добавьте элементы второго списка, но не сам второй список</a:t>
-            </a:r>
-          </a:p>
-          <a:p>
-            <a:r>
-              <a:rPr lang="ru-RU" dirty="0"/>
-              <a:t>Сложите первый список со вторым</a:t>
-            </a:r>
-          </a:p>
-          <a:p>
-            <a:r>
-              <a:rPr lang="ru-RU" dirty="0"/>
-              <a:t>Продублируйте полученный список пять раз</a:t>
-            </a:r>
-          </a:p>
-          <a:p>
-            <a:r>
-              <a:rPr lang="ru-RU" dirty="0"/>
-              <a:t>Напечатайте функцией </a:t>
-            </a:r>
-            <a:r>
-              <a:rPr lang="en-US" dirty="0"/>
-              <a:t>print</a:t>
-            </a:r>
-            <a:r>
-              <a:rPr lang="ru-RU" dirty="0"/>
-              <a:t>( ) результаты всех пунктов</a:t>
-            </a:r>
-          </a:p>
-          <a:p>
-            <a:r>
-              <a:rPr lang="ru-RU" dirty="0"/>
-              <a:t>Проделайте тоже самое для кортежей. Объясните, почему некоторые операции не удалось выполнить и </a:t>
-            </a:r>
-            <a:r>
-              <a:rPr lang="en-US" dirty="0"/>
-              <a:t>Python </a:t>
-            </a:r>
-            <a:r>
-              <a:rPr lang="ru-RU" dirty="0"/>
-              <a:t>показал ошибки</a:t>
-            </a:r>
-          </a:p>
-          <a:p>
-            <a:pPr marL="0" indent="0">
-              <a:buNone/>
-            </a:pPr>
-            <a:endParaRPr lang="ru-RU" dirty="0"/>
-          </a:p>
-        </p:txBody>
-      </p:sp>
-    </p:spTree>
-    <p:extLst>
-      <p:ext uri="{BB962C8B-B14F-4D97-AF65-F5344CB8AC3E}">
-        <p14:creationId xmlns:p14="http://schemas.microsoft.com/office/powerpoint/2010/main" val="3444640815"/>
       </p:ext>
     </p:extLst>
   </p:cSld>
@@ -17844,6 +19120,171 @@
           <p:cNvPr id="2" name="Заголовок 1">
             <a:extLst>
               <a:ext uri="{FF2B5EF4-FFF2-40B4-BE49-F238E27FC236}">
+                <a16:creationId xmlns:a16="http://schemas.microsoft.com/office/drawing/2014/main" id="{6BD1B70F-980B-43BE-99B7-1B22AA75C072}"/>
+              </a:ext>
+            </a:extLst>
+          </p:cNvPr>
+          <p:cNvSpPr>
+            <a:spLocks noGrp="1"/>
+          </p:cNvSpPr>
+          <p:nvPr>
+            <p:ph type="title"/>
+          </p:nvPr>
+        </p:nvSpPr>
+        <p:spPr/>
+        <p:txBody>
+          <a:bodyPr/>
+          <a:lstStyle/>
+          <a:p>
+            <a:r>
+              <a:rPr lang="ru-RU" dirty="0"/>
+              <a:t>Элементарные операции со списками и кортежами</a:t>
+            </a:r>
+          </a:p>
+        </p:txBody>
+      </p:sp>
+      <p:sp>
+        <p:nvSpPr>
+          <p:cNvPr id="3" name="Объект 2">
+            <a:extLst>
+              <a:ext uri="{FF2B5EF4-FFF2-40B4-BE49-F238E27FC236}">
+                <a16:creationId xmlns:a16="http://schemas.microsoft.com/office/drawing/2014/main" id="{B9D85AB5-1C00-442D-A8C4-34AD14A37D35}"/>
+              </a:ext>
+            </a:extLst>
+          </p:cNvPr>
+          <p:cNvSpPr>
+            <a:spLocks noGrp="1"/>
+          </p:cNvSpPr>
+          <p:nvPr>
+            <p:ph idx="1"/>
+          </p:nvPr>
+        </p:nvSpPr>
+        <p:spPr>
+          <a:xfrm>
+            <a:off x="838200" y="1562986"/>
+            <a:ext cx="10515600" cy="5092995"/>
+          </a:xfrm>
+        </p:spPr>
+        <p:txBody>
+          <a:bodyPr>
+            <a:normAutofit lnSpcReduction="10000"/>
+          </a:bodyPr>
+          <a:lstStyle/>
+          <a:p>
+            <a:r>
+              <a:rPr lang="ru-RU" dirty="0"/>
+              <a:t>Создайте список из десяти элементов разных типов</a:t>
+            </a:r>
+          </a:p>
+          <a:p>
+            <a:r>
+              <a:rPr lang="ru-RU" dirty="0"/>
+              <a:t>Используя оператор </a:t>
+            </a:r>
+            <a:r>
+              <a:rPr lang="en-US" dirty="0"/>
+              <a:t>slice </a:t>
+            </a:r>
+            <a:r>
+              <a:rPr lang="ru-RU" dirty="0"/>
+              <a:t>выделите в  отдельный список со второго по пятый элемент включительно</a:t>
+            </a:r>
+          </a:p>
+          <a:p>
+            <a:r>
+              <a:rPr lang="ru-RU" dirty="0"/>
+              <a:t>Создайте второй список из пяти элементов</a:t>
+            </a:r>
+          </a:p>
+          <a:p>
+            <a:r>
+              <a:rPr lang="ru-RU" dirty="0"/>
+              <a:t>В первый список добавьте элементы второго списка, но не сам второй список</a:t>
+            </a:r>
+          </a:p>
+          <a:p>
+            <a:r>
+              <a:rPr lang="ru-RU" dirty="0"/>
+              <a:t>Сложите первый список со вторым</a:t>
+            </a:r>
+          </a:p>
+          <a:p>
+            <a:r>
+              <a:rPr lang="ru-RU" dirty="0"/>
+              <a:t>Продублируйте полученный список пять раз</a:t>
+            </a:r>
+          </a:p>
+          <a:p>
+            <a:r>
+              <a:rPr lang="ru-RU" dirty="0"/>
+              <a:t>Напечатайте функцией </a:t>
+            </a:r>
+            <a:r>
+              <a:rPr lang="en-US" dirty="0"/>
+              <a:t>print</a:t>
+            </a:r>
+            <a:r>
+              <a:rPr lang="ru-RU" dirty="0"/>
+              <a:t>( ) результаты всех пунктов</a:t>
+            </a:r>
+          </a:p>
+          <a:p>
+            <a:r>
+              <a:rPr lang="ru-RU" dirty="0"/>
+              <a:t>Проделайте тоже самое для кортежей. Объясните, почему некоторые операции не удалось выполнить и </a:t>
+            </a:r>
+            <a:r>
+              <a:rPr lang="en-US" dirty="0"/>
+              <a:t>Python </a:t>
+            </a:r>
+            <a:r>
+              <a:rPr lang="ru-RU" dirty="0"/>
+              <a:t>показал ошибки</a:t>
+            </a:r>
+          </a:p>
+          <a:p>
+            <a:pPr marL="0" indent="0">
+              <a:buNone/>
+            </a:pPr>
+            <a:endParaRPr lang="ru-RU" dirty="0"/>
+          </a:p>
+        </p:txBody>
+      </p:sp>
+    </p:spTree>
+    <p:extLst>
+      <p:ext uri="{BB962C8B-B14F-4D97-AF65-F5344CB8AC3E}">
+        <p14:creationId xmlns:p14="http://schemas.microsoft.com/office/powerpoint/2010/main" val="3444640815"/>
+      </p:ext>
+    </p:extLst>
+  </p:cSld>
+  <p:clrMapOvr>
+    <a:masterClrMapping/>
+  </p:clrMapOvr>
+</p:sld>
+</file>
+
+<file path=ppt/slides/slide51.xml><?xml version="1.0" encoding="utf-8"?>
+<p:sld xmlns:a="http://schemas.openxmlformats.org/drawingml/2006/main" xmlns:r="http://schemas.openxmlformats.org/officeDocument/2006/relationships" xmlns:p="http://schemas.openxmlformats.org/presentationml/2006/main">
+  <p:cSld>
+    <p:spTree>
+      <p:nvGrpSpPr>
+        <p:cNvPr id="1" name=""/>
+        <p:cNvGrpSpPr/>
+        <p:nvPr/>
+      </p:nvGrpSpPr>
+      <p:grpSpPr>
+        <a:xfrm>
+          <a:off x="0" y="0"/>
+          <a:ext cx="0" cy="0"/>
+          <a:chOff x="0" y="0"/>
+          <a:chExt cx="0" cy="0"/>
+        </a:xfrm>
+      </p:grpSpPr>
+      <p:sp>
+        <p:nvSpPr>
+          <p:cNvPr id="2" name="Заголовок 1">
+            <a:extLst>
+              <a:ext uri="{FF2B5EF4-FFF2-40B4-BE49-F238E27FC236}">
                 <a16:creationId xmlns:a16="http://schemas.microsoft.com/office/drawing/2014/main" id="{EFCE8630-B5EC-42B9-9AA2-9443375532D2}"/>
               </a:ext>
             </a:extLst>
@@ -17885,7 +19326,7 @@
 </p:sld>
 </file>
 
-<file path=ppt/slides/slide51.xml><?xml version="1.0" encoding="utf-8"?>
+<file path=ppt/slides/slide52.xml><?xml version="1.0" encoding="utf-8"?>
 <p:sld xmlns:a="http://schemas.openxmlformats.org/drawingml/2006/main" xmlns:r="http://schemas.openxmlformats.org/officeDocument/2006/relationships" xmlns:p="http://schemas.openxmlformats.org/presentationml/2006/main">
   <p:cSld>
     <p:spTree>
@@ -18163,7 +19604,7 @@
 </p:sld>
 </file>
 
-<file path=ppt/slides/slide52.xml><?xml version="1.0" encoding="utf-8"?>
+<file path=ppt/slides/slide53.xml><?xml version="1.0" encoding="utf-8"?>
 <p:sld xmlns:a="http://schemas.openxmlformats.org/drawingml/2006/main" xmlns:r="http://schemas.openxmlformats.org/officeDocument/2006/relationships" xmlns:p="http://schemas.openxmlformats.org/presentationml/2006/main">
   <p:cSld>
     <p:spTree>
@@ -19341,697 +20782,6 @@
 </p:sld>
 </file>
 
-<file path=ppt/slides/slide53.xml><?xml version="1.0" encoding="utf-8"?>
-<p:sld xmlns:a="http://schemas.openxmlformats.org/drawingml/2006/main" xmlns:r="http://schemas.openxmlformats.org/officeDocument/2006/relationships" xmlns:p="http://schemas.openxmlformats.org/presentationml/2006/main">
-  <p:cSld>
-    <p:spTree>
-      <p:nvGrpSpPr>
-        <p:cNvPr id="1" name=""/>
-        <p:cNvGrpSpPr/>
-        <p:nvPr/>
-      </p:nvGrpSpPr>
-      <p:grpSpPr>
-        <a:xfrm>
-          <a:off x="0" y="0"/>
-          <a:ext cx="0" cy="0"/>
-          <a:chOff x="0" y="0"/>
-          <a:chExt cx="0" cy="0"/>
-        </a:xfrm>
-      </p:grpSpPr>
-      <p:sp>
-        <p:nvSpPr>
-          <p:cNvPr id="2" name="Заголовок 1">
-            <a:extLst>
-              <a:ext uri="{FF2B5EF4-FFF2-40B4-BE49-F238E27FC236}">
-                <a16:creationId xmlns:a16="http://schemas.microsoft.com/office/drawing/2014/main" id="{945AD1FC-CD45-44A0-A9C7-169FBF99C538}"/>
-              </a:ext>
-            </a:extLst>
-          </p:cNvPr>
-          <p:cNvSpPr>
-            <a:spLocks noGrp="1"/>
-          </p:cNvSpPr>
-          <p:nvPr>
-            <p:ph type="title"/>
-          </p:nvPr>
-        </p:nvSpPr>
-        <p:spPr>
-          <a:xfrm>
-            <a:off x="838200" y="180753"/>
-            <a:ext cx="10515600" cy="1325563"/>
-          </a:xfrm>
-        </p:spPr>
-        <p:txBody>
-          <a:bodyPr/>
-          <a:lstStyle/>
-          <a:p>
-            <a:r>
-              <a:rPr lang="ru-RU" dirty="0"/>
-              <a:t>Словари</a:t>
-            </a:r>
-          </a:p>
-        </p:txBody>
-      </p:sp>
-      <p:sp>
-        <p:nvSpPr>
-          <p:cNvPr id="5" name="TextBox 4">
-            <a:extLst>
-              <a:ext uri="{FF2B5EF4-FFF2-40B4-BE49-F238E27FC236}">
-                <a16:creationId xmlns:a16="http://schemas.microsoft.com/office/drawing/2014/main" id="{7BC2601D-02CA-4831-928D-E8C15C84B413}"/>
-              </a:ext>
-            </a:extLst>
-          </p:cNvPr>
-          <p:cNvSpPr txBox="1"/>
-          <p:nvPr/>
-        </p:nvSpPr>
-        <p:spPr>
-          <a:xfrm>
-            <a:off x="274674" y="1168047"/>
-            <a:ext cx="11834038" cy="5509200"/>
-          </a:xfrm>
-          <a:prstGeom prst="rect">
-            <a:avLst/>
-          </a:prstGeom>
-          <a:noFill/>
-        </p:spPr>
-        <p:txBody>
-          <a:bodyPr wrap="square">
-            <a:spAutoFit/>
-          </a:bodyPr>
-          <a:lstStyle/>
-          <a:p>
-            <a:r>
-              <a:rPr lang="en-US" sz="3200" b="0" dirty="0">
-                <a:solidFill>
-                  <a:srgbClr val="D4D4D4"/>
-                </a:solidFill>
-                <a:effectLst/>
-                <a:latin typeface="Consolas" panose="020B0609020204030204" pitchFamily="49" charset="0"/>
-              </a:rPr>
-              <a:t>d = {</a:t>
-            </a:r>
-            <a:r>
-              <a:rPr lang="en-US" sz="3200" b="0" dirty="0">
-                <a:solidFill>
-                  <a:srgbClr val="CE9178"/>
-                </a:solidFill>
-                <a:effectLst/>
-                <a:latin typeface="Consolas" panose="020B0609020204030204" pitchFamily="49" charset="0"/>
-              </a:rPr>
-              <a:t>"first"</a:t>
-            </a:r>
-            <a:r>
-              <a:rPr lang="en-US" sz="3200" b="0" dirty="0">
-                <a:solidFill>
-                  <a:srgbClr val="D4D4D4"/>
-                </a:solidFill>
-                <a:effectLst/>
-                <a:latin typeface="Consolas" panose="020B0609020204030204" pitchFamily="49" charset="0"/>
-              </a:rPr>
-              <a:t> : </a:t>
-            </a:r>
-            <a:r>
-              <a:rPr lang="en-US" sz="3200" b="0" dirty="0">
-                <a:solidFill>
-                  <a:srgbClr val="CE9178"/>
-                </a:solidFill>
-                <a:effectLst/>
-                <a:latin typeface="Consolas" panose="020B0609020204030204" pitchFamily="49" charset="0"/>
-              </a:rPr>
-              <a:t>"test"</a:t>
-            </a:r>
-            <a:r>
-              <a:rPr lang="en-US" sz="3200" b="0" dirty="0">
-                <a:solidFill>
-                  <a:srgbClr val="D4D4D4"/>
-                </a:solidFill>
-                <a:effectLst/>
-                <a:latin typeface="Consolas" panose="020B0609020204030204" pitchFamily="49" charset="0"/>
-              </a:rPr>
-              <a:t>, </a:t>
-            </a:r>
-            <a:r>
-              <a:rPr lang="en-US" sz="3200" b="0" dirty="0">
-                <a:solidFill>
-                  <a:srgbClr val="B5CEA8"/>
-                </a:solidFill>
-                <a:effectLst/>
-                <a:latin typeface="Consolas" panose="020B0609020204030204" pitchFamily="49" charset="0"/>
-              </a:rPr>
-              <a:t>2</a:t>
-            </a:r>
-            <a:r>
-              <a:rPr lang="en-US" sz="3200" b="0" dirty="0">
-                <a:solidFill>
-                  <a:srgbClr val="D4D4D4"/>
-                </a:solidFill>
-                <a:effectLst/>
-                <a:latin typeface="Consolas" panose="020B0609020204030204" pitchFamily="49" charset="0"/>
-              </a:rPr>
-              <a:t>: </a:t>
-            </a:r>
-            <a:r>
-              <a:rPr lang="en-US" sz="3200" b="0" dirty="0">
-                <a:solidFill>
-                  <a:srgbClr val="CE9178"/>
-                </a:solidFill>
-                <a:effectLst/>
-                <a:latin typeface="Consolas" panose="020B0609020204030204" pitchFamily="49" charset="0"/>
-              </a:rPr>
-              <a:t>"test"</a:t>
-            </a:r>
-            <a:r>
-              <a:rPr lang="en-US" sz="3200" b="0" dirty="0">
-                <a:solidFill>
-                  <a:srgbClr val="D4D4D4"/>
-                </a:solidFill>
-                <a:effectLst/>
-                <a:latin typeface="Consolas" panose="020B0609020204030204" pitchFamily="49" charset="0"/>
-              </a:rPr>
-              <a:t>, </a:t>
-            </a:r>
-            <a:r>
-              <a:rPr lang="en-US" sz="3200" b="0" dirty="0">
-                <a:solidFill>
-                  <a:srgbClr val="CE9178"/>
-                </a:solidFill>
-                <a:effectLst/>
-                <a:latin typeface="Consolas" panose="020B0609020204030204" pitchFamily="49" charset="0"/>
-              </a:rPr>
-              <a:t>"three"</a:t>
-            </a:r>
-            <a:r>
-              <a:rPr lang="en-US" sz="3200" b="0" dirty="0">
-                <a:solidFill>
-                  <a:srgbClr val="D4D4D4"/>
-                </a:solidFill>
-                <a:effectLst/>
-                <a:latin typeface="Consolas" panose="020B0609020204030204" pitchFamily="49" charset="0"/>
-              </a:rPr>
-              <a:t>: [</a:t>
-            </a:r>
-            <a:r>
-              <a:rPr lang="en-US" sz="3200" b="0" dirty="0">
-                <a:solidFill>
-                  <a:srgbClr val="B5CEA8"/>
-                </a:solidFill>
-                <a:effectLst/>
-                <a:latin typeface="Consolas" panose="020B0609020204030204" pitchFamily="49" charset="0"/>
-              </a:rPr>
-              <a:t>1</a:t>
-            </a:r>
-            <a:r>
-              <a:rPr lang="en-US" sz="3200" b="0" dirty="0">
-                <a:solidFill>
-                  <a:srgbClr val="D4D4D4"/>
-                </a:solidFill>
-                <a:effectLst/>
-                <a:latin typeface="Consolas" panose="020B0609020204030204" pitchFamily="49" charset="0"/>
-              </a:rPr>
-              <a:t>,</a:t>
-            </a:r>
-            <a:r>
-              <a:rPr lang="en-US" sz="3200" b="0" dirty="0">
-                <a:solidFill>
-                  <a:srgbClr val="B5CEA8"/>
-                </a:solidFill>
-                <a:effectLst/>
-                <a:latin typeface="Consolas" panose="020B0609020204030204" pitchFamily="49" charset="0"/>
-              </a:rPr>
-              <a:t>2</a:t>
-            </a:r>
-            <a:r>
-              <a:rPr lang="en-US" sz="3200" b="0" dirty="0">
-                <a:solidFill>
-                  <a:srgbClr val="D4D4D4"/>
-                </a:solidFill>
-                <a:effectLst/>
-                <a:latin typeface="Consolas" panose="020B0609020204030204" pitchFamily="49" charset="0"/>
-              </a:rPr>
-              <a:t>,</a:t>
-            </a:r>
-            <a:r>
-              <a:rPr lang="en-US" sz="3200" b="0" dirty="0">
-                <a:solidFill>
-                  <a:srgbClr val="B5CEA8"/>
-                </a:solidFill>
-                <a:effectLst/>
-                <a:latin typeface="Consolas" panose="020B0609020204030204" pitchFamily="49" charset="0"/>
-              </a:rPr>
-              <a:t>3</a:t>
-            </a:r>
-            <a:r>
-              <a:rPr lang="en-US" sz="3200" b="0" dirty="0">
-                <a:solidFill>
-                  <a:srgbClr val="D4D4D4"/>
-                </a:solidFill>
-                <a:effectLst/>
-                <a:latin typeface="Consolas" panose="020B0609020204030204" pitchFamily="49" charset="0"/>
-              </a:rPr>
-              <a:t>]}</a:t>
-            </a:r>
-          </a:p>
-          <a:p>
-            <a:r>
-              <a:rPr lang="en-US" sz="3200" b="0" dirty="0">
-                <a:solidFill>
-                  <a:srgbClr val="DCDCAA"/>
-                </a:solidFill>
-                <a:effectLst/>
-                <a:latin typeface="Consolas" panose="020B0609020204030204" pitchFamily="49" charset="0"/>
-              </a:rPr>
-              <a:t>print</a:t>
-            </a:r>
-            <a:r>
-              <a:rPr lang="en-US" sz="3200" b="0" dirty="0">
-                <a:solidFill>
-                  <a:srgbClr val="D4D4D4"/>
-                </a:solidFill>
-                <a:effectLst/>
-                <a:latin typeface="Consolas" panose="020B0609020204030204" pitchFamily="49" charset="0"/>
-              </a:rPr>
-              <a:t>(d)</a:t>
-            </a:r>
-          </a:p>
-          <a:p>
-            <a:r>
-              <a:rPr lang="en-US" sz="3200" b="0" dirty="0">
-                <a:solidFill>
-                  <a:srgbClr val="DCDCAA"/>
-                </a:solidFill>
-                <a:effectLst/>
-                <a:latin typeface="Consolas" panose="020B0609020204030204" pitchFamily="49" charset="0"/>
-              </a:rPr>
-              <a:t>print</a:t>
-            </a:r>
-            <a:r>
-              <a:rPr lang="en-US" sz="3200" b="0" dirty="0">
-                <a:solidFill>
-                  <a:srgbClr val="D4D4D4"/>
-                </a:solidFill>
-                <a:effectLst/>
-                <a:latin typeface="Consolas" panose="020B0609020204030204" pitchFamily="49" charset="0"/>
-              </a:rPr>
-              <a:t>(d[</a:t>
-            </a:r>
-            <a:r>
-              <a:rPr lang="en-US" sz="3200" b="0" dirty="0">
-                <a:solidFill>
-                  <a:srgbClr val="CE9178"/>
-                </a:solidFill>
-                <a:effectLst/>
-                <a:latin typeface="Consolas" panose="020B0609020204030204" pitchFamily="49" charset="0"/>
-              </a:rPr>
-              <a:t>"first"</a:t>
-            </a:r>
-            <a:r>
-              <a:rPr lang="en-US" sz="3200" b="0" dirty="0">
-                <a:solidFill>
-                  <a:srgbClr val="D4D4D4"/>
-                </a:solidFill>
-                <a:effectLst/>
-                <a:latin typeface="Consolas" panose="020B0609020204030204" pitchFamily="49" charset="0"/>
-              </a:rPr>
-              <a:t>])</a:t>
-            </a:r>
-          </a:p>
-          <a:p>
-            <a:r>
-              <a:rPr lang="en-US" sz="3200" b="0" dirty="0">
-                <a:solidFill>
-                  <a:srgbClr val="DCDCAA"/>
-                </a:solidFill>
-                <a:effectLst/>
-                <a:latin typeface="Consolas" panose="020B0609020204030204" pitchFamily="49" charset="0"/>
-              </a:rPr>
-              <a:t>print</a:t>
-            </a:r>
-            <a:r>
-              <a:rPr lang="en-US" sz="3200" b="0" dirty="0">
-                <a:solidFill>
-                  <a:srgbClr val="D4D4D4"/>
-                </a:solidFill>
-                <a:effectLst/>
-                <a:latin typeface="Consolas" panose="020B0609020204030204" pitchFamily="49" charset="0"/>
-              </a:rPr>
-              <a:t>(d[</a:t>
-            </a:r>
-            <a:r>
-              <a:rPr lang="en-US" sz="3200" b="0" dirty="0">
-                <a:solidFill>
-                  <a:srgbClr val="B5CEA8"/>
-                </a:solidFill>
-                <a:effectLst/>
-                <a:latin typeface="Consolas" panose="020B0609020204030204" pitchFamily="49" charset="0"/>
-              </a:rPr>
-              <a:t>2</a:t>
-            </a:r>
-            <a:r>
-              <a:rPr lang="en-US" sz="3200" b="0" dirty="0">
-                <a:solidFill>
-                  <a:srgbClr val="D4D4D4"/>
-                </a:solidFill>
-                <a:effectLst/>
-                <a:latin typeface="Consolas" panose="020B0609020204030204" pitchFamily="49" charset="0"/>
-              </a:rPr>
-              <a:t>])</a:t>
-            </a:r>
-          </a:p>
-          <a:p>
-            <a:r>
-              <a:rPr lang="en-US" sz="3200" b="0" dirty="0">
-                <a:solidFill>
-                  <a:srgbClr val="DCDCAA"/>
-                </a:solidFill>
-                <a:effectLst/>
-                <a:latin typeface="Consolas" panose="020B0609020204030204" pitchFamily="49" charset="0"/>
-              </a:rPr>
-              <a:t>print</a:t>
-            </a:r>
-            <a:r>
-              <a:rPr lang="en-US" sz="3200" b="0" dirty="0">
-                <a:solidFill>
-                  <a:srgbClr val="D4D4D4"/>
-                </a:solidFill>
-                <a:effectLst/>
-                <a:latin typeface="Consolas" panose="020B0609020204030204" pitchFamily="49" charset="0"/>
-              </a:rPr>
-              <a:t>(d[</a:t>
-            </a:r>
-            <a:r>
-              <a:rPr lang="en-US" sz="3200" b="0" dirty="0">
-                <a:solidFill>
-                  <a:srgbClr val="CE9178"/>
-                </a:solidFill>
-                <a:effectLst/>
-                <a:latin typeface="Consolas" panose="020B0609020204030204" pitchFamily="49" charset="0"/>
-              </a:rPr>
-              <a:t>"three"</a:t>
-            </a:r>
-            <a:r>
-              <a:rPr lang="en-US" sz="3200" b="0" dirty="0">
-                <a:solidFill>
-                  <a:srgbClr val="D4D4D4"/>
-                </a:solidFill>
-                <a:effectLst/>
-                <a:latin typeface="Consolas" panose="020B0609020204030204" pitchFamily="49" charset="0"/>
-              </a:rPr>
-              <a:t>])</a:t>
-            </a:r>
-          </a:p>
-          <a:p>
-            <a:r>
-              <a:rPr lang="en-US" sz="3200" b="0" dirty="0">
-                <a:solidFill>
-                  <a:srgbClr val="D4D4D4"/>
-                </a:solidFill>
-                <a:effectLst/>
-                <a:latin typeface="Consolas" panose="020B0609020204030204" pitchFamily="49" charset="0"/>
-              </a:rPr>
-              <a:t>x = </a:t>
-            </a:r>
-            <a:r>
-              <a:rPr lang="en-US" sz="3200" b="0" dirty="0" err="1">
-                <a:solidFill>
-                  <a:srgbClr val="4EC9B0"/>
-                </a:solidFill>
-                <a:effectLst/>
-                <a:latin typeface="Consolas" panose="020B0609020204030204" pitchFamily="49" charset="0"/>
-              </a:rPr>
-              <a:t>dict</a:t>
-            </a:r>
-            <a:r>
-              <a:rPr lang="en-US" sz="3200" b="0" dirty="0" err="1">
-                <a:solidFill>
-                  <a:srgbClr val="D4D4D4"/>
-                </a:solidFill>
-                <a:effectLst/>
-                <a:latin typeface="Consolas" panose="020B0609020204030204" pitchFamily="49" charset="0"/>
-              </a:rPr>
-              <a:t>.fromkeys</a:t>
-            </a:r>
-            <a:r>
-              <a:rPr lang="en-US" sz="3200" b="0" dirty="0">
-                <a:solidFill>
-                  <a:srgbClr val="D4D4D4"/>
-                </a:solidFill>
-                <a:effectLst/>
-                <a:latin typeface="Consolas" panose="020B0609020204030204" pitchFamily="49" charset="0"/>
-              </a:rPr>
-              <a:t>([</a:t>
-            </a:r>
-            <a:r>
-              <a:rPr lang="en-US" sz="3200" b="0" dirty="0">
-                <a:solidFill>
-                  <a:srgbClr val="CE9178"/>
-                </a:solidFill>
-                <a:effectLst/>
-                <a:latin typeface="Consolas" panose="020B0609020204030204" pitchFamily="49" charset="0"/>
-              </a:rPr>
-              <a:t>"</a:t>
-            </a:r>
-            <a:r>
-              <a:rPr lang="en-US" sz="3200" b="0" dirty="0" err="1">
-                <a:solidFill>
-                  <a:srgbClr val="CE9178"/>
-                </a:solidFill>
-                <a:effectLst/>
-                <a:latin typeface="Consolas" panose="020B0609020204030204" pitchFamily="49" charset="0"/>
-              </a:rPr>
-              <a:t>one"</a:t>
-            </a:r>
-            <a:r>
-              <a:rPr lang="en-US" sz="3200" b="0" dirty="0" err="1">
-                <a:solidFill>
-                  <a:srgbClr val="D4D4D4"/>
-                </a:solidFill>
-                <a:effectLst/>
-                <a:latin typeface="Consolas" panose="020B0609020204030204" pitchFamily="49" charset="0"/>
-              </a:rPr>
-              <a:t>,</a:t>
-            </a:r>
-            <a:r>
-              <a:rPr lang="en-US" sz="3200" b="0" dirty="0" err="1">
-                <a:solidFill>
-                  <a:srgbClr val="CE9178"/>
-                </a:solidFill>
-                <a:effectLst/>
-                <a:latin typeface="Consolas" panose="020B0609020204030204" pitchFamily="49" charset="0"/>
-              </a:rPr>
-              <a:t>"two"</a:t>
-            </a:r>
-            <a:r>
-              <a:rPr lang="en-US" sz="3200" b="0" dirty="0" err="1">
-                <a:solidFill>
-                  <a:srgbClr val="D4D4D4"/>
-                </a:solidFill>
-                <a:effectLst/>
-                <a:latin typeface="Consolas" panose="020B0609020204030204" pitchFamily="49" charset="0"/>
-              </a:rPr>
-              <a:t>,</a:t>
-            </a:r>
-            <a:r>
-              <a:rPr lang="en-US" sz="3200" b="0" dirty="0" err="1">
-                <a:solidFill>
-                  <a:srgbClr val="CE9178"/>
-                </a:solidFill>
-                <a:effectLst/>
-                <a:latin typeface="Consolas" panose="020B0609020204030204" pitchFamily="49" charset="0"/>
-              </a:rPr>
-              <a:t>"three</a:t>
-            </a:r>
-            <a:r>
-              <a:rPr lang="en-US" sz="3200" b="0" dirty="0">
-                <a:solidFill>
-                  <a:srgbClr val="CE9178"/>
-                </a:solidFill>
-                <a:effectLst/>
-                <a:latin typeface="Consolas" panose="020B0609020204030204" pitchFamily="49" charset="0"/>
-              </a:rPr>
-              <a:t>"</a:t>
-            </a:r>
-            <a:r>
-              <a:rPr lang="en-US" sz="3200" b="0" dirty="0">
-                <a:solidFill>
-                  <a:srgbClr val="D4D4D4"/>
-                </a:solidFill>
-                <a:effectLst/>
-                <a:latin typeface="Consolas" panose="020B0609020204030204" pitchFamily="49" charset="0"/>
-              </a:rPr>
-              <a:t>])</a:t>
-            </a:r>
-          </a:p>
-          <a:p>
-            <a:r>
-              <a:rPr lang="en-US" sz="3200" b="0" dirty="0">
-                <a:solidFill>
-                  <a:srgbClr val="DCDCAA"/>
-                </a:solidFill>
-                <a:effectLst/>
-                <a:latin typeface="Consolas" panose="020B0609020204030204" pitchFamily="49" charset="0"/>
-              </a:rPr>
-              <a:t>print</a:t>
-            </a:r>
-            <a:r>
-              <a:rPr lang="en-US" sz="3200" b="0" dirty="0">
-                <a:solidFill>
-                  <a:srgbClr val="D4D4D4"/>
-                </a:solidFill>
-                <a:effectLst/>
-                <a:latin typeface="Consolas" panose="020B0609020204030204" pitchFamily="49" charset="0"/>
-              </a:rPr>
-              <a:t>(x)</a:t>
-            </a:r>
-          </a:p>
-          <a:p>
-            <a:r>
-              <a:rPr lang="en-US" sz="3200" b="0" dirty="0">
-                <a:solidFill>
-                  <a:srgbClr val="DCDCAA"/>
-                </a:solidFill>
-                <a:effectLst/>
-                <a:latin typeface="Consolas" panose="020B0609020204030204" pitchFamily="49" charset="0"/>
-              </a:rPr>
-              <a:t>print</a:t>
-            </a:r>
-            <a:r>
-              <a:rPr lang="en-US" sz="3200" b="0" dirty="0">
-                <a:solidFill>
-                  <a:srgbClr val="D4D4D4"/>
-                </a:solidFill>
-                <a:effectLst/>
-                <a:latin typeface="Consolas" panose="020B0609020204030204" pitchFamily="49" charset="0"/>
-              </a:rPr>
-              <a:t>(</a:t>
-            </a:r>
-            <a:r>
-              <a:rPr lang="en-US" sz="3200" b="0" dirty="0" err="1">
-                <a:solidFill>
-                  <a:srgbClr val="D4D4D4"/>
-                </a:solidFill>
-                <a:effectLst/>
-                <a:latin typeface="Consolas" panose="020B0609020204030204" pitchFamily="49" charset="0"/>
-              </a:rPr>
-              <a:t>d.items</a:t>
-            </a:r>
-            <a:r>
-              <a:rPr lang="en-US" sz="3200" b="0" dirty="0">
-                <a:solidFill>
-                  <a:srgbClr val="D4D4D4"/>
-                </a:solidFill>
-                <a:effectLst/>
-                <a:latin typeface="Consolas" panose="020B0609020204030204" pitchFamily="49" charset="0"/>
-              </a:rPr>
-              <a:t>())</a:t>
-            </a:r>
-          </a:p>
-          <a:p>
-            <a:r>
-              <a:rPr lang="en-US" sz="3200" b="0" dirty="0">
-                <a:solidFill>
-                  <a:srgbClr val="DCDCAA"/>
-                </a:solidFill>
-                <a:effectLst/>
-                <a:latin typeface="Consolas" panose="020B0609020204030204" pitchFamily="49" charset="0"/>
-              </a:rPr>
-              <a:t>print</a:t>
-            </a:r>
-            <a:r>
-              <a:rPr lang="en-US" sz="3200" b="0" dirty="0">
-                <a:solidFill>
-                  <a:srgbClr val="D4D4D4"/>
-                </a:solidFill>
-                <a:effectLst/>
-                <a:latin typeface="Consolas" panose="020B0609020204030204" pitchFamily="49" charset="0"/>
-              </a:rPr>
-              <a:t>(</a:t>
-            </a:r>
-            <a:r>
-              <a:rPr lang="en-US" sz="3200" b="0" dirty="0" err="1">
-                <a:solidFill>
-                  <a:srgbClr val="D4D4D4"/>
-                </a:solidFill>
-                <a:effectLst/>
-                <a:latin typeface="Consolas" panose="020B0609020204030204" pitchFamily="49" charset="0"/>
-              </a:rPr>
-              <a:t>d.keys</a:t>
-            </a:r>
-            <a:r>
-              <a:rPr lang="en-US" sz="3200" b="0" dirty="0">
-                <a:solidFill>
-                  <a:srgbClr val="D4D4D4"/>
-                </a:solidFill>
-                <a:effectLst/>
-                <a:latin typeface="Consolas" panose="020B0609020204030204" pitchFamily="49" charset="0"/>
-              </a:rPr>
-              <a:t>())</a:t>
-            </a:r>
-          </a:p>
-          <a:p>
-            <a:r>
-              <a:rPr lang="en-US" sz="3200" b="0" dirty="0">
-                <a:solidFill>
-                  <a:srgbClr val="DCDCAA"/>
-                </a:solidFill>
-                <a:effectLst/>
-                <a:latin typeface="Consolas" panose="020B0609020204030204" pitchFamily="49" charset="0"/>
-              </a:rPr>
-              <a:t>print</a:t>
-            </a:r>
-            <a:r>
-              <a:rPr lang="en-US" sz="3200" b="0" dirty="0">
-                <a:solidFill>
-                  <a:srgbClr val="D4D4D4"/>
-                </a:solidFill>
-                <a:effectLst/>
-                <a:latin typeface="Consolas" panose="020B0609020204030204" pitchFamily="49" charset="0"/>
-              </a:rPr>
-              <a:t>(</a:t>
-            </a:r>
-            <a:r>
-              <a:rPr lang="en-US" sz="3200" b="0" dirty="0" err="1">
-                <a:solidFill>
-                  <a:srgbClr val="D4D4D4"/>
-                </a:solidFill>
-                <a:effectLst/>
-                <a:latin typeface="Consolas" panose="020B0609020204030204" pitchFamily="49" charset="0"/>
-              </a:rPr>
-              <a:t>d.values</a:t>
-            </a:r>
-            <a:r>
-              <a:rPr lang="en-US" sz="3200" b="0" dirty="0">
-                <a:solidFill>
-                  <a:srgbClr val="D4D4D4"/>
-                </a:solidFill>
-                <a:effectLst/>
-                <a:latin typeface="Consolas" panose="020B0609020204030204" pitchFamily="49" charset="0"/>
-              </a:rPr>
-              <a:t>())</a:t>
-            </a:r>
-          </a:p>
-          <a:p>
-            <a:endParaRPr lang="en-US" sz="3200" b="0" dirty="0">
-              <a:solidFill>
-                <a:srgbClr val="D4D4D4"/>
-              </a:solidFill>
-              <a:effectLst/>
-              <a:latin typeface="Consolas" panose="020B0609020204030204" pitchFamily="49" charset="0"/>
-            </a:endParaRPr>
-          </a:p>
-        </p:txBody>
-      </p:sp>
-    </p:spTree>
-    <p:extLst>
-      <p:ext uri="{BB962C8B-B14F-4D97-AF65-F5344CB8AC3E}">
-        <p14:creationId xmlns:p14="http://schemas.microsoft.com/office/powerpoint/2010/main" val="790943006"/>
-      </p:ext>
-    </p:extLst>
-  </p:cSld>
-  <p:clrMapOvr>
-    <a:masterClrMapping/>
-  </p:clrMapOvr>
-</p:sld>
-</file>
-
 <file path=ppt/slides/slide54.xml><?xml version="1.0" encoding="utf-8"?>
 <p:sld xmlns:a="http://schemas.openxmlformats.org/drawingml/2006/main" xmlns:r="http://schemas.openxmlformats.org/officeDocument/2006/relationships" xmlns:p="http://schemas.openxmlformats.org/presentationml/2006/main">
   <p:cSld>
@@ -20054,6 +20804,697 @@
           <p:cNvPr id="2" name="Заголовок 1">
             <a:extLst>
               <a:ext uri="{FF2B5EF4-FFF2-40B4-BE49-F238E27FC236}">
+                <a16:creationId xmlns:a16="http://schemas.microsoft.com/office/drawing/2014/main" id="{945AD1FC-CD45-44A0-A9C7-169FBF99C538}"/>
+              </a:ext>
+            </a:extLst>
+          </p:cNvPr>
+          <p:cNvSpPr>
+            <a:spLocks noGrp="1"/>
+          </p:cNvSpPr>
+          <p:nvPr>
+            <p:ph type="title"/>
+          </p:nvPr>
+        </p:nvSpPr>
+        <p:spPr>
+          <a:xfrm>
+            <a:off x="838200" y="180753"/>
+            <a:ext cx="10515600" cy="1325563"/>
+          </a:xfrm>
+        </p:spPr>
+        <p:txBody>
+          <a:bodyPr/>
+          <a:lstStyle/>
+          <a:p>
+            <a:r>
+              <a:rPr lang="ru-RU" dirty="0"/>
+              <a:t>Словари</a:t>
+            </a:r>
+          </a:p>
+        </p:txBody>
+      </p:sp>
+      <p:sp>
+        <p:nvSpPr>
+          <p:cNvPr id="5" name="TextBox 4">
+            <a:extLst>
+              <a:ext uri="{FF2B5EF4-FFF2-40B4-BE49-F238E27FC236}">
+                <a16:creationId xmlns:a16="http://schemas.microsoft.com/office/drawing/2014/main" id="{7BC2601D-02CA-4831-928D-E8C15C84B413}"/>
+              </a:ext>
+            </a:extLst>
+          </p:cNvPr>
+          <p:cNvSpPr txBox="1"/>
+          <p:nvPr/>
+        </p:nvSpPr>
+        <p:spPr>
+          <a:xfrm>
+            <a:off x="274674" y="1168047"/>
+            <a:ext cx="11834038" cy="5509200"/>
+          </a:xfrm>
+          <a:prstGeom prst="rect">
+            <a:avLst/>
+          </a:prstGeom>
+          <a:noFill/>
+        </p:spPr>
+        <p:txBody>
+          <a:bodyPr wrap="square">
+            <a:spAutoFit/>
+          </a:bodyPr>
+          <a:lstStyle/>
+          <a:p>
+            <a:r>
+              <a:rPr lang="en-US" sz="3200" b="0" dirty="0">
+                <a:solidFill>
+                  <a:srgbClr val="D4D4D4"/>
+                </a:solidFill>
+                <a:effectLst/>
+                <a:latin typeface="Consolas" panose="020B0609020204030204" pitchFamily="49" charset="0"/>
+              </a:rPr>
+              <a:t>d = {</a:t>
+            </a:r>
+            <a:r>
+              <a:rPr lang="en-US" sz="3200" b="0" dirty="0">
+                <a:solidFill>
+                  <a:srgbClr val="CE9178"/>
+                </a:solidFill>
+                <a:effectLst/>
+                <a:latin typeface="Consolas" panose="020B0609020204030204" pitchFamily="49" charset="0"/>
+              </a:rPr>
+              <a:t>"first"</a:t>
+            </a:r>
+            <a:r>
+              <a:rPr lang="en-US" sz="3200" b="0" dirty="0">
+                <a:solidFill>
+                  <a:srgbClr val="D4D4D4"/>
+                </a:solidFill>
+                <a:effectLst/>
+                <a:latin typeface="Consolas" panose="020B0609020204030204" pitchFamily="49" charset="0"/>
+              </a:rPr>
+              <a:t> : </a:t>
+            </a:r>
+            <a:r>
+              <a:rPr lang="en-US" sz="3200" b="0" dirty="0">
+                <a:solidFill>
+                  <a:srgbClr val="CE9178"/>
+                </a:solidFill>
+                <a:effectLst/>
+                <a:latin typeface="Consolas" panose="020B0609020204030204" pitchFamily="49" charset="0"/>
+              </a:rPr>
+              <a:t>"test"</a:t>
+            </a:r>
+            <a:r>
+              <a:rPr lang="en-US" sz="3200" b="0" dirty="0">
+                <a:solidFill>
+                  <a:srgbClr val="D4D4D4"/>
+                </a:solidFill>
+                <a:effectLst/>
+                <a:latin typeface="Consolas" panose="020B0609020204030204" pitchFamily="49" charset="0"/>
+              </a:rPr>
+              <a:t>, </a:t>
+            </a:r>
+            <a:r>
+              <a:rPr lang="en-US" sz="3200" b="0" dirty="0">
+                <a:solidFill>
+                  <a:srgbClr val="B5CEA8"/>
+                </a:solidFill>
+                <a:effectLst/>
+                <a:latin typeface="Consolas" panose="020B0609020204030204" pitchFamily="49" charset="0"/>
+              </a:rPr>
+              <a:t>2</a:t>
+            </a:r>
+            <a:r>
+              <a:rPr lang="en-US" sz="3200" b="0" dirty="0">
+                <a:solidFill>
+                  <a:srgbClr val="D4D4D4"/>
+                </a:solidFill>
+                <a:effectLst/>
+                <a:latin typeface="Consolas" panose="020B0609020204030204" pitchFamily="49" charset="0"/>
+              </a:rPr>
+              <a:t>: </a:t>
+            </a:r>
+            <a:r>
+              <a:rPr lang="en-US" sz="3200" b="0" dirty="0">
+                <a:solidFill>
+                  <a:srgbClr val="CE9178"/>
+                </a:solidFill>
+                <a:effectLst/>
+                <a:latin typeface="Consolas" panose="020B0609020204030204" pitchFamily="49" charset="0"/>
+              </a:rPr>
+              <a:t>"test"</a:t>
+            </a:r>
+            <a:r>
+              <a:rPr lang="en-US" sz="3200" b="0" dirty="0">
+                <a:solidFill>
+                  <a:srgbClr val="D4D4D4"/>
+                </a:solidFill>
+                <a:effectLst/>
+                <a:latin typeface="Consolas" panose="020B0609020204030204" pitchFamily="49" charset="0"/>
+              </a:rPr>
+              <a:t>, </a:t>
+            </a:r>
+            <a:r>
+              <a:rPr lang="en-US" sz="3200" b="0" dirty="0">
+                <a:solidFill>
+                  <a:srgbClr val="CE9178"/>
+                </a:solidFill>
+                <a:effectLst/>
+                <a:latin typeface="Consolas" panose="020B0609020204030204" pitchFamily="49" charset="0"/>
+              </a:rPr>
+              <a:t>"three"</a:t>
+            </a:r>
+            <a:r>
+              <a:rPr lang="en-US" sz="3200" b="0" dirty="0">
+                <a:solidFill>
+                  <a:srgbClr val="D4D4D4"/>
+                </a:solidFill>
+                <a:effectLst/>
+                <a:latin typeface="Consolas" panose="020B0609020204030204" pitchFamily="49" charset="0"/>
+              </a:rPr>
+              <a:t>: [</a:t>
+            </a:r>
+            <a:r>
+              <a:rPr lang="en-US" sz="3200" b="0" dirty="0">
+                <a:solidFill>
+                  <a:srgbClr val="B5CEA8"/>
+                </a:solidFill>
+                <a:effectLst/>
+                <a:latin typeface="Consolas" panose="020B0609020204030204" pitchFamily="49" charset="0"/>
+              </a:rPr>
+              <a:t>1</a:t>
+            </a:r>
+            <a:r>
+              <a:rPr lang="en-US" sz="3200" b="0" dirty="0">
+                <a:solidFill>
+                  <a:srgbClr val="D4D4D4"/>
+                </a:solidFill>
+                <a:effectLst/>
+                <a:latin typeface="Consolas" panose="020B0609020204030204" pitchFamily="49" charset="0"/>
+              </a:rPr>
+              <a:t>,</a:t>
+            </a:r>
+            <a:r>
+              <a:rPr lang="en-US" sz="3200" b="0" dirty="0">
+                <a:solidFill>
+                  <a:srgbClr val="B5CEA8"/>
+                </a:solidFill>
+                <a:effectLst/>
+                <a:latin typeface="Consolas" panose="020B0609020204030204" pitchFamily="49" charset="0"/>
+              </a:rPr>
+              <a:t>2</a:t>
+            </a:r>
+            <a:r>
+              <a:rPr lang="en-US" sz="3200" b="0" dirty="0">
+                <a:solidFill>
+                  <a:srgbClr val="D4D4D4"/>
+                </a:solidFill>
+                <a:effectLst/>
+                <a:latin typeface="Consolas" panose="020B0609020204030204" pitchFamily="49" charset="0"/>
+              </a:rPr>
+              <a:t>,</a:t>
+            </a:r>
+            <a:r>
+              <a:rPr lang="en-US" sz="3200" b="0" dirty="0">
+                <a:solidFill>
+                  <a:srgbClr val="B5CEA8"/>
+                </a:solidFill>
+                <a:effectLst/>
+                <a:latin typeface="Consolas" panose="020B0609020204030204" pitchFamily="49" charset="0"/>
+              </a:rPr>
+              <a:t>3</a:t>
+            </a:r>
+            <a:r>
+              <a:rPr lang="en-US" sz="3200" b="0" dirty="0">
+                <a:solidFill>
+                  <a:srgbClr val="D4D4D4"/>
+                </a:solidFill>
+                <a:effectLst/>
+                <a:latin typeface="Consolas" panose="020B0609020204030204" pitchFamily="49" charset="0"/>
+              </a:rPr>
+              <a:t>]}</a:t>
+            </a:r>
+          </a:p>
+          <a:p>
+            <a:r>
+              <a:rPr lang="en-US" sz="3200" b="0" dirty="0">
+                <a:solidFill>
+                  <a:srgbClr val="DCDCAA"/>
+                </a:solidFill>
+                <a:effectLst/>
+                <a:latin typeface="Consolas" panose="020B0609020204030204" pitchFamily="49" charset="0"/>
+              </a:rPr>
+              <a:t>print</a:t>
+            </a:r>
+            <a:r>
+              <a:rPr lang="en-US" sz="3200" b="0" dirty="0">
+                <a:solidFill>
+                  <a:srgbClr val="D4D4D4"/>
+                </a:solidFill>
+                <a:effectLst/>
+                <a:latin typeface="Consolas" panose="020B0609020204030204" pitchFamily="49" charset="0"/>
+              </a:rPr>
+              <a:t>(d)</a:t>
+            </a:r>
+          </a:p>
+          <a:p>
+            <a:r>
+              <a:rPr lang="en-US" sz="3200" b="0" dirty="0">
+                <a:solidFill>
+                  <a:srgbClr val="DCDCAA"/>
+                </a:solidFill>
+                <a:effectLst/>
+                <a:latin typeface="Consolas" panose="020B0609020204030204" pitchFamily="49" charset="0"/>
+              </a:rPr>
+              <a:t>print</a:t>
+            </a:r>
+            <a:r>
+              <a:rPr lang="en-US" sz="3200" b="0" dirty="0">
+                <a:solidFill>
+                  <a:srgbClr val="D4D4D4"/>
+                </a:solidFill>
+                <a:effectLst/>
+                <a:latin typeface="Consolas" panose="020B0609020204030204" pitchFamily="49" charset="0"/>
+              </a:rPr>
+              <a:t>(d[</a:t>
+            </a:r>
+            <a:r>
+              <a:rPr lang="en-US" sz="3200" b="0" dirty="0">
+                <a:solidFill>
+                  <a:srgbClr val="CE9178"/>
+                </a:solidFill>
+                <a:effectLst/>
+                <a:latin typeface="Consolas" panose="020B0609020204030204" pitchFamily="49" charset="0"/>
+              </a:rPr>
+              <a:t>"first"</a:t>
+            </a:r>
+            <a:r>
+              <a:rPr lang="en-US" sz="3200" b="0" dirty="0">
+                <a:solidFill>
+                  <a:srgbClr val="D4D4D4"/>
+                </a:solidFill>
+                <a:effectLst/>
+                <a:latin typeface="Consolas" panose="020B0609020204030204" pitchFamily="49" charset="0"/>
+              </a:rPr>
+              <a:t>])</a:t>
+            </a:r>
+          </a:p>
+          <a:p>
+            <a:r>
+              <a:rPr lang="en-US" sz="3200" b="0" dirty="0">
+                <a:solidFill>
+                  <a:srgbClr val="DCDCAA"/>
+                </a:solidFill>
+                <a:effectLst/>
+                <a:latin typeface="Consolas" panose="020B0609020204030204" pitchFamily="49" charset="0"/>
+              </a:rPr>
+              <a:t>print</a:t>
+            </a:r>
+            <a:r>
+              <a:rPr lang="en-US" sz="3200" b="0" dirty="0">
+                <a:solidFill>
+                  <a:srgbClr val="D4D4D4"/>
+                </a:solidFill>
+                <a:effectLst/>
+                <a:latin typeface="Consolas" panose="020B0609020204030204" pitchFamily="49" charset="0"/>
+              </a:rPr>
+              <a:t>(d[</a:t>
+            </a:r>
+            <a:r>
+              <a:rPr lang="en-US" sz="3200" b="0" dirty="0">
+                <a:solidFill>
+                  <a:srgbClr val="B5CEA8"/>
+                </a:solidFill>
+                <a:effectLst/>
+                <a:latin typeface="Consolas" panose="020B0609020204030204" pitchFamily="49" charset="0"/>
+              </a:rPr>
+              <a:t>2</a:t>
+            </a:r>
+            <a:r>
+              <a:rPr lang="en-US" sz="3200" b="0" dirty="0">
+                <a:solidFill>
+                  <a:srgbClr val="D4D4D4"/>
+                </a:solidFill>
+                <a:effectLst/>
+                <a:latin typeface="Consolas" panose="020B0609020204030204" pitchFamily="49" charset="0"/>
+              </a:rPr>
+              <a:t>])</a:t>
+            </a:r>
+          </a:p>
+          <a:p>
+            <a:r>
+              <a:rPr lang="en-US" sz="3200" b="0" dirty="0">
+                <a:solidFill>
+                  <a:srgbClr val="DCDCAA"/>
+                </a:solidFill>
+                <a:effectLst/>
+                <a:latin typeface="Consolas" panose="020B0609020204030204" pitchFamily="49" charset="0"/>
+              </a:rPr>
+              <a:t>print</a:t>
+            </a:r>
+            <a:r>
+              <a:rPr lang="en-US" sz="3200" b="0" dirty="0">
+                <a:solidFill>
+                  <a:srgbClr val="D4D4D4"/>
+                </a:solidFill>
+                <a:effectLst/>
+                <a:latin typeface="Consolas" panose="020B0609020204030204" pitchFamily="49" charset="0"/>
+              </a:rPr>
+              <a:t>(d[</a:t>
+            </a:r>
+            <a:r>
+              <a:rPr lang="en-US" sz="3200" b="0" dirty="0">
+                <a:solidFill>
+                  <a:srgbClr val="CE9178"/>
+                </a:solidFill>
+                <a:effectLst/>
+                <a:latin typeface="Consolas" panose="020B0609020204030204" pitchFamily="49" charset="0"/>
+              </a:rPr>
+              <a:t>"three"</a:t>
+            </a:r>
+            <a:r>
+              <a:rPr lang="en-US" sz="3200" b="0" dirty="0">
+                <a:solidFill>
+                  <a:srgbClr val="D4D4D4"/>
+                </a:solidFill>
+                <a:effectLst/>
+                <a:latin typeface="Consolas" panose="020B0609020204030204" pitchFamily="49" charset="0"/>
+              </a:rPr>
+              <a:t>])</a:t>
+            </a:r>
+          </a:p>
+          <a:p>
+            <a:r>
+              <a:rPr lang="en-US" sz="3200" b="0" dirty="0">
+                <a:solidFill>
+                  <a:srgbClr val="D4D4D4"/>
+                </a:solidFill>
+                <a:effectLst/>
+                <a:latin typeface="Consolas" panose="020B0609020204030204" pitchFamily="49" charset="0"/>
+              </a:rPr>
+              <a:t>x = </a:t>
+            </a:r>
+            <a:r>
+              <a:rPr lang="en-US" sz="3200" b="0" dirty="0" err="1">
+                <a:solidFill>
+                  <a:srgbClr val="4EC9B0"/>
+                </a:solidFill>
+                <a:effectLst/>
+                <a:latin typeface="Consolas" panose="020B0609020204030204" pitchFamily="49" charset="0"/>
+              </a:rPr>
+              <a:t>dict</a:t>
+            </a:r>
+            <a:r>
+              <a:rPr lang="en-US" sz="3200" b="0" dirty="0" err="1">
+                <a:solidFill>
+                  <a:srgbClr val="D4D4D4"/>
+                </a:solidFill>
+                <a:effectLst/>
+                <a:latin typeface="Consolas" panose="020B0609020204030204" pitchFamily="49" charset="0"/>
+              </a:rPr>
+              <a:t>.fromkeys</a:t>
+            </a:r>
+            <a:r>
+              <a:rPr lang="en-US" sz="3200" b="0" dirty="0">
+                <a:solidFill>
+                  <a:srgbClr val="D4D4D4"/>
+                </a:solidFill>
+                <a:effectLst/>
+                <a:latin typeface="Consolas" panose="020B0609020204030204" pitchFamily="49" charset="0"/>
+              </a:rPr>
+              <a:t>([</a:t>
+            </a:r>
+            <a:r>
+              <a:rPr lang="en-US" sz="3200" b="0" dirty="0">
+                <a:solidFill>
+                  <a:srgbClr val="CE9178"/>
+                </a:solidFill>
+                <a:effectLst/>
+                <a:latin typeface="Consolas" panose="020B0609020204030204" pitchFamily="49" charset="0"/>
+              </a:rPr>
+              <a:t>"</a:t>
+            </a:r>
+            <a:r>
+              <a:rPr lang="en-US" sz="3200" b="0" dirty="0" err="1">
+                <a:solidFill>
+                  <a:srgbClr val="CE9178"/>
+                </a:solidFill>
+                <a:effectLst/>
+                <a:latin typeface="Consolas" panose="020B0609020204030204" pitchFamily="49" charset="0"/>
+              </a:rPr>
+              <a:t>one"</a:t>
+            </a:r>
+            <a:r>
+              <a:rPr lang="en-US" sz="3200" b="0" dirty="0" err="1">
+                <a:solidFill>
+                  <a:srgbClr val="D4D4D4"/>
+                </a:solidFill>
+                <a:effectLst/>
+                <a:latin typeface="Consolas" panose="020B0609020204030204" pitchFamily="49" charset="0"/>
+              </a:rPr>
+              <a:t>,</a:t>
+            </a:r>
+            <a:r>
+              <a:rPr lang="en-US" sz="3200" b="0" dirty="0" err="1">
+                <a:solidFill>
+                  <a:srgbClr val="CE9178"/>
+                </a:solidFill>
+                <a:effectLst/>
+                <a:latin typeface="Consolas" panose="020B0609020204030204" pitchFamily="49" charset="0"/>
+              </a:rPr>
+              <a:t>"two"</a:t>
+            </a:r>
+            <a:r>
+              <a:rPr lang="en-US" sz="3200" b="0" dirty="0" err="1">
+                <a:solidFill>
+                  <a:srgbClr val="D4D4D4"/>
+                </a:solidFill>
+                <a:effectLst/>
+                <a:latin typeface="Consolas" panose="020B0609020204030204" pitchFamily="49" charset="0"/>
+              </a:rPr>
+              <a:t>,</a:t>
+            </a:r>
+            <a:r>
+              <a:rPr lang="en-US" sz="3200" b="0" dirty="0" err="1">
+                <a:solidFill>
+                  <a:srgbClr val="CE9178"/>
+                </a:solidFill>
+                <a:effectLst/>
+                <a:latin typeface="Consolas" panose="020B0609020204030204" pitchFamily="49" charset="0"/>
+              </a:rPr>
+              <a:t>"three</a:t>
+            </a:r>
+            <a:r>
+              <a:rPr lang="en-US" sz="3200" b="0" dirty="0">
+                <a:solidFill>
+                  <a:srgbClr val="CE9178"/>
+                </a:solidFill>
+                <a:effectLst/>
+                <a:latin typeface="Consolas" panose="020B0609020204030204" pitchFamily="49" charset="0"/>
+              </a:rPr>
+              <a:t>"</a:t>
+            </a:r>
+            <a:r>
+              <a:rPr lang="en-US" sz="3200" b="0" dirty="0">
+                <a:solidFill>
+                  <a:srgbClr val="D4D4D4"/>
+                </a:solidFill>
+                <a:effectLst/>
+                <a:latin typeface="Consolas" panose="020B0609020204030204" pitchFamily="49" charset="0"/>
+              </a:rPr>
+              <a:t>])</a:t>
+            </a:r>
+          </a:p>
+          <a:p>
+            <a:r>
+              <a:rPr lang="en-US" sz="3200" b="0" dirty="0">
+                <a:solidFill>
+                  <a:srgbClr val="DCDCAA"/>
+                </a:solidFill>
+                <a:effectLst/>
+                <a:latin typeface="Consolas" panose="020B0609020204030204" pitchFamily="49" charset="0"/>
+              </a:rPr>
+              <a:t>print</a:t>
+            </a:r>
+            <a:r>
+              <a:rPr lang="en-US" sz="3200" b="0" dirty="0">
+                <a:solidFill>
+                  <a:srgbClr val="D4D4D4"/>
+                </a:solidFill>
+                <a:effectLst/>
+                <a:latin typeface="Consolas" panose="020B0609020204030204" pitchFamily="49" charset="0"/>
+              </a:rPr>
+              <a:t>(x)</a:t>
+            </a:r>
+          </a:p>
+          <a:p>
+            <a:r>
+              <a:rPr lang="en-US" sz="3200" b="0" dirty="0">
+                <a:solidFill>
+                  <a:srgbClr val="DCDCAA"/>
+                </a:solidFill>
+                <a:effectLst/>
+                <a:latin typeface="Consolas" panose="020B0609020204030204" pitchFamily="49" charset="0"/>
+              </a:rPr>
+              <a:t>print</a:t>
+            </a:r>
+            <a:r>
+              <a:rPr lang="en-US" sz="3200" b="0" dirty="0">
+                <a:solidFill>
+                  <a:srgbClr val="D4D4D4"/>
+                </a:solidFill>
+                <a:effectLst/>
+                <a:latin typeface="Consolas" panose="020B0609020204030204" pitchFamily="49" charset="0"/>
+              </a:rPr>
+              <a:t>(</a:t>
+            </a:r>
+            <a:r>
+              <a:rPr lang="en-US" sz="3200" b="0" dirty="0" err="1">
+                <a:solidFill>
+                  <a:srgbClr val="D4D4D4"/>
+                </a:solidFill>
+                <a:effectLst/>
+                <a:latin typeface="Consolas" panose="020B0609020204030204" pitchFamily="49" charset="0"/>
+              </a:rPr>
+              <a:t>d.items</a:t>
+            </a:r>
+            <a:r>
+              <a:rPr lang="en-US" sz="3200" b="0" dirty="0">
+                <a:solidFill>
+                  <a:srgbClr val="D4D4D4"/>
+                </a:solidFill>
+                <a:effectLst/>
+                <a:latin typeface="Consolas" panose="020B0609020204030204" pitchFamily="49" charset="0"/>
+              </a:rPr>
+              <a:t>())</a:t>
+            </a:r>
+          </a:p>
+          <a:p>
+            <a:r>
+              <a:rPr lang="en-US" sz="3200" b="0" dirty="0">
+                <a:solidFill>
+                  <a:srgbClr val="DCDCAA"/>
+                </a:solidFill>
+                <a:effectLst/>
+                <a:latin typeface="Consolas" panose="020B0609020204030204" pitchFamily="49" charset="0"/>
+              </a:rPr>
+              <a:t>print</a:t>
+            </a:r>
+            <a:r>
+              <a:rPr lang="en-US" sz="3200" b="0" dirty="0">
+                <a:solidFill>
+                  <a:srgbClr val="D4D4D4"/>
+                </a:solidFill>
+                <a:effectLst/>
+                <a:latin typeface="Consolas" panose="020B0609020204030204" pitchFamily="49" charset="0"/>
+              </a:rPr>
+              <a:t>(</a:t>
+            </a:r>
+            <a:r>
+              <a:rPr lang="en-US" sz="3200" b="0" dirty="0" err="1">
+                <a:solidFill>
+                  <a:srgbClr val="D4D4D4"/>
+                </a:solidFill>
+                <a:effectLst/>
+                <a:latin typeface="Consolas" panose="020B0609020204030204" pitchFamily="49" charset="0"/>
+              </a:rPr>
+              <a:t>d.keys</a:t>
+            </a:r>
+            <a:r>
+              <a:rPr lang="en-US" sz="3200" b="0" dirty="0">
+                <a:solidFill>
+                  <a:srgbClr val="D4D4D4"/>
+                </a:solidFill>
+                <a:effectLst/>
+                <a:latin typeface="Consolas" panose="020B0609020204030204" pitchFamily="49" charset="0"/>
+              </a:rPr>
+              <a:t>())</a:t>
+            </a:r>
+          </a:p>
+          <a:p>
+            <a:r>
+              <a:rPr lang="en-US" sz="3200" b="0" dirty="0">
+                <a:solidFill>
+                  <a:srgbClr val="DCDCAA"/>
+                </a:solidFill>
+                <a:effectLst/>
+                <a:latin typeface="Consolas" panose="020B0609020204030204" pitchFamily="49" charset="0"/>
+              </a:rPr>
+              <a:t>print</a:t>
+            </a:r>
+            <a:r>
+              <a:rPr lang="en-US" sz="3200" b="0" dirty="0">
+                <a:solidFill>
+                  <a:srgbClr val="D4D4D4"/>
+                </a:solidFill>
+                <a:effectLst/>
+                <a:latin typeface="Consolas" panose="020B0609020204030204" pitchFamily="49" charset="0"/>
+              </a:rPr>
+              <a:t>(</a:t>
+            </a:r>
+            <a:r>
+              <a:rPr lang="en-US" sz="3200" b="0" dirty="0" err="1">
+                <a:solidFill>
+                  <a:srgbClr val="D4D4D4"/>
+                </a:solidFill>
+                <a:effectLst/>
+                <a:latin typeface="Consolas" panose="020B0609020204030204" pitchFamily="49" charset="0"/>
+              </a:rPr>
+              <a:t>d.values</a:t>
+            </a:r>
+            <a:r>
+              <a:rPr lang="en-US" sz="3200" b="0" dirty="0">
+                <a:solidFill>
+                  <a:srgbClr val="D4D4D4"/>
+                </a:solidFill>
+                <a:effectLst/>
+                <a:latin typeface="Consolas" panose="020B0609020204030204" pitchFamily="49" charset="0"/>
+              </a:rPr>
+              <a:t>())</a:t>
+            </a:r>
+          </a:p>
+          <a:p>
+            <a:endParaRPr lang="en-US" sz="3200" b="0" dirty="0">
+              <a:solidFill>
+                <a:srgbClr val="D4D4D4"/>
+              </a:solidFill>
+              <a:effectLst/>
+              <a:latin typeface="Consolas" panose="020B0609020204030204" pitchFamily="49" charset="0"/>
+            </a:endParaRPr>
+          </a:p>
+        </p:txBody>
+      </p:sp>
+    </p:spTree>
+    <p:extLst>
+      <p:ext uri="{BB962C8B-B14F-4D97-AF65-F5344CB8AC3E}">
+        <p14:creationId xmlns:p14="http://schemas.microsoft.com/office/powerpoint/2010/main" val="790943006"/>
+      </p:ext>
+    </p:extLst>
+  </p:cSld>
+  <p:clrMapOvr>
+    <a:masterClrMapping/>
+  </p:clrMapOvr>
+</p:sld>
+</file>
+
+<file path=ppt/slides/slide55.xml><?xml version="1.0" encoding="utf-8"?>
+<p:sld xmlns:a="http://schemas.openxmlformats.org/drawingml/2006/main" xmlns:r="http://schemas.openxmlformats.org/officeDocument/2006/relationships" xmlns:p="http://schemas.openxmlformats.org/presentationml/2006/main">
+  <p:cSld>
+    <p:spTree>
+      <p:nvGrpSpPr>
+        <p:cNvPr id="1" name=""/>
+        <p:cNvGrpSpPr/>
+        <p:nvPr/>
+      </p:nvGrpSpPr>
+      <p:grpSpPr>
+        <a:xfrm>
+          <a:off x="0" y="0"/>
+          <a:ext cx="0" cy="0"/>
+          <a:chOff x="0" y="0"/>
+          <a:chExt cx="0" cy="0"/>
+        </a:xfrm>
+      </p:grpSpPr>
+      <p:sp>
+        <p:nvSpPr>
+          <p:cNvPr id="2" name="Заголовок 1">
+            <a:extLst>
+              <a:ext uri="{FF2B5EF4-FFF2-40B4-BE49-F238E27FC236}">
                 <a16:creationId xmlns:a16="http://schemas.microsoft.com/office/drawing/2014/main" id="{EFCE8630-B5EC-42B9-9AA2-9443375532D2}"/>
               </a:ext>
             </a:extLst>
@@ -20095,7 +21536,7 @@
 </p:sld>
 </file>
 
-<file path=ppt/slides/slide55.xml><?xml version="1.0" encoding="utf-8"?>
+<file path=ppt/slides/slide56.xml><?xml version="1.0" encoding="utf-8"?>
 <p:sld xmlns:a="http://schemas.openxmlformats.org/drawingml/2006/main" xmlns:r="http://schemas.openxmlformats.org/officeDocument/2006/relationships" xmlns:p="http://schemas.openxmlformats.org/presentationml/2006/main">
   <p:cSld>
     <p:spTree>
@@ -20300,7 +21741,7 @@
 </p:sld>
 </file>
 
-<file path=ppt/slides/slide56.xml><?xml version="1.0" encoding="utf-8"?>
+<file path=ppt/slides/slide57.xml><?xml version="1.0" encoding="utf-8"?>
 <p:sld xmlns:a="http://schemas.openxmlformats.org/drawingml/2006/main" xmlns:r="http://schemas.openxmlformats.org/officeDocument/2006/relationships" xmlns:p="http://schemas.openxmlformats.org/presentationml/2006/main">
   <p:cSld>
     <p:spTree>
@@ -21620,7 +23061,7 @@
 </p:sld>
 </file>
 
-<file path=ppt/slides/slide57.xml><?xml version="1.0" encoding="utf-8"?>
+<file path=ppt/slides/slide58.xml><?xml version="1.0" encoding="utf-8"?>
 <p:sld xmlns:a="http://schemas.openxmlformats.org/drawingml/2006/main" xmlns:r="http://schemas.openxmlformats.org/officeDocument/2006/relationships" xmlns:p="http://schemas.openxmlformats.org/presentationml/2006/main">
   <p:cSld>
     <p:spTree>
@@ -22601,659 +24042,6 @@
 </p:sld>
 </file>
 
-<file path=ppt/slides/slide58.xml><?xml version="1.0" encoding="utf-8"?>
-<p:sld xmlns:a="http://schemas.openxmlformats.org/drawingml/2006/main" xmlns:r="http://schemas.openxmlformats.org/officeDocument/2006/relationships" xmlns:p="http://schemas.openxmlformats.org/presentationml/2006/main">
-  <p:cSld>
-    <p:spTree>
-      <p:nvGrpSpPr>
-        <p:cNvPr id="1" name=""/>
-        <p:cNvGrpSpPr/>
-        <p:nvPr/>
-      </p:nvGrpSpPr>
-      <p:grpSpPr>
-        <a:xfrm>
-          <a:off x="0" y="0"/>
-          <a:ext cx="0" cy="0"/>
-          <a:chOff x="0" y="0"/>
-          <a:chExt cx="0" cy="0"/>
-        </a:xfrm>
-      </p:grpSpPr>
-      <p:sp>
-        <p:nvSpPr>
-          <p:cNvPr id="2" name="Заголовок 1">
-            <a:extLst>
-              <a:ext uri="{FF2B5EF4-FFF2-40B4-BE49-F238E27FC236}">
-                <a16:creationId xmlns:a16="http://schemas.microsoft.com/office/drawing/2014/main" id="{D25D5A94-FF2E-4CD2-84F3-D648F6CCBE38}"/>
-              </a:ext>
-            </a:extLst>
-          </p:cNvPr>
-          <p:cNvSpPr>
-            <a:spLocks noGrp="1"/>
-          </p:cNvSpPr>
-          <p:nvPr>
-            <p:ph type="title"/>
-          </p:nvPr>
-        </p:nvSpPr>
-        <p:spPr/>
-        <p:txBody>
-          <a:bodyPr/>
-          <a:lstStyle/>
-          <a:p>
-            <a:r>
-              <a:rPr lang="ru-RU" dirty="0"/>
-              <a:t>Операции над множествами</a:t>
-            </a:r>
-          </a:p>
-        </p:txBody>
-      </p:sp>
-      <p:sp>
-        <p:nvSpPr>
-          <p:cNvPr id="4" name="TextBox 3">
-            <a:extLst>
-              <a:ext uri="{FF2B5EF4-FFF2-40B4-BE49-F238E27FC236}">
-                <a16:creationId xmlns:a16="http://schemas.microsoft.com/office/drawing/2014/main" id="{62FA2D74-C730-44EB-A9A7-DD667A9C1DEA}"/>
-              </a:ext>
-            </a:extLst>
-          </p:cNvPr>
-          <p:cNvSpPr txBox="1"/>
-          <p:nvPr/>
-        </p:nvSpPr>
-        <p:spPr>
-          <a:xfrm>
-            <a:off x="1384448" y="1370242"/>
-            <a:ext cx="9423104" cy="4832092"/>
-          </a:xfrm>
-          <a:prstGeom prst="rect">
-            <a:avLst/>
-          </a:prstGeom>
-          <a:noFill/>
-        </p:spPr>
-        <p:txBody>
-          <a:bodyPr wrap="square">
-            <a:spAutoFit/>
-          </a:bodyPr>
-          <a:lstStyle/>
-          <a:p>
-            <a:r>
-              <a:rPr lang="en-US" sz="2800" b="0" dirty="0">
-                <a:solidFill>
-                  <a:srgbClr val="D4D4D4"/>
-                </a:solidFill>
-                <a:effectLst/>
-                <a:latin typeface="Consolas" panose="020B0609020204030204" pitchFamily="49" charset="0"/>
-              </a:rPr>
-              <a:t>s1 = </a:t>
-            </a:r>
-            <a:r>
-              <a:rPr lang="en-US" sz="2800" b="0" dirty="0">
-                <a:solidFill>
-                  <a:srgbClr val="4EC9B0"/>
-                </a:solidFill>
-                <a:effectLst/>
-                <a:latin typeface="Consolas" panose="020B0609020204030204" pitchFamily="49" charset="0"/>
-              </a:rPr>
-              <a:t>set</a:t>
-            </a:r>
-            <a:r>
-              <a:rPr lang="en-US" sz="2800" b="0" dirty="0">
-                <a:solidFill>
-                  <a:srgbClr val="D4D4D4"/>
-                </a:solidFill>
-                <a:effectLst/>
-                <a:latin typeface="Consolas" panose="020B0609020204030204" pitchFamily="49" charset="0"/>
-              </a:rPr>
-              <a:t>([</a:t>
-            </a:r>
-            <a:r>
-              <a:rPr lang="en-US" sz="2800" b="0" dirty="0">
-                <a:solidFill>
-                  <a:srgbClr val="B5CEA8"/>
-                </a:solidFill>
-                <a:effectLst/>
-                <a:latin typeface="Consolas" panose="020B0609020204030204" pitchFamily="49" charset="0"/>
-              </a:rPr>
-              <a:t>1</a:t>
-            </a:r>
-            <a:r>
-              <a:rPr lang="en-US" sz="2800" b="0" dirty="0">
-                <a:solidFill>
-                  <a:srgbClr val="D4D4D4"/>
-                </a:solidFill>
-                <a:effectLst/>
-                <a:latin typeface="Consolas" panose="020B0609020204030204" pitchFamily="49" charset="0"/>
-              </a:rPr>
-              <a:t>,</a:t>
-            </a:r>
-            <a:r>
-              <a:rPr lang="en-US" sz="2800" b="0" dirty="0">
-                <a:solidFill>
-                  <a:srgbClr val="B5CEA8"/>
-                </a:solidFill>
-                <a:effectLst/>
-                <a:latin typeface="Consolas" panose="020B0609020204030204" pitchFamily="49" charset="0"/>
-              </a:rPr>
-              <a:t>2</a:t>
-            </a:r>
-            <a:r>
-              <a:rPr lang="en-US" sz="2800" b="0" dirty="0">
-                <a:solidFill>
-                  <a:srgbClr val="D4D4D4"/>
-                </a:solidFill>
-                <a:effectLst/>
-                <a:latin typeface="Consolas" panose="020B0609020204030204" pitchFamily="49" charset="0"/>
-              </a:rPr>
-              <a:t>,</a:t>
-            </a:r>
-            <a:r>
-              <a:rPr lang="en-US" sz="2800" b="0" dirty="0">
-                <a:solidFill>
-                  <a:srgbClr val="B5CEA8"/>
-                </a:solidFill>
-                <a:effectLst/>
-                <a:latin typeface="Consolas" panose="020B0609020204030204" pitchFamily="49" charset="0"/>
-              </a:rPr>
-              <a:t>3</a:t>
-            </a:r>
-            <a:r>
-              <a:rPr lang="en-US" sz="2800" b="0" dirty="0">
-                <a:solidFill>
-                  <a:srgbClr val="D4D4D4"/>
-                </a:solidFill>
-                <a:effectLst/>
-                <a:latin typeface="Consolas" panose="020B0609020204030204" pitchFamily="49" charset="0"/>
-              </a:rPr>
-              <a:t>,</a:t>
-            </a:r>
-            <a:r>
-              <a:rPr lang="en-US" sz="2800" b="0" dirty="0">
-                <a:solidFill>
-                  <a:srgbClr val="B5CEA8"/>
-                </a:solidFill>
-                <a:effectLst/>
-                <a:latin typeface="Consolas" panose="020B0609020204030204" pitchFamily="49" charset="0"/>
-              </a:rPr>
-              <a:t>1</a:t>
-            </a:r>
-            <a:r>
-              <a:rPr lang="en-US" sz="2800" b="0" dirty="0">
-                <a:solidFill>
-                  <a:srgbClr val="D4D4D4"/>
-                </a:solidFill>
-                <a:effectLst/>
-                <a:latin typeface="Consolas" panose="020B0609020204030204" pitchFamily="49" charset="0"/>
-              </a:rPr>
-              <a:t>,</a:t>
-            </a:r>
-            <a:r>
-              <a:rPr lang="en-US" sz="2800" b="0" dirty="0">
-                <a:solidFill>
-                  <a:srgbClr val="B5CEA8"/>
-                </a:solidFill>
-                <a:effectLst/>
-                <a:latin typeface="Consolas" panose="020B0609020204030204" pitchFamily="49" charset="0"/>
-              </a:rPr>
-              <a:t>1</a:t>
-            </a:r>
-            <a:r>
-              <a:rPr lang="en-US" sz="2800" b="0" dirty="0">
-                <a:solidFill>
-                  <a:srgbClr val="D4D4D4"/>
-                </a:solidFill>
-                <a:effectLst/>
-                <a:latin typeface="Consolas" panose="020B0609020204030204" pitchFamily="49" charset="0"/>
-              </a:rPr>
-              <a:t>,</a:t>
-            </a:r>
-            <a:r>
-              <a:rPr lang="en-US" sz="2800" b="0" dirty="0">
-                <a:solidFill>
-                  <a:srgbClr val="B5CEA8"/>
-                </a:solidFill>
-                <a:effectLst/>
-                <a:latin typeface="Consolas" panose="020B0609020204030204" pitchFamily="49" charset="0"/>
-              </a:rPr>
-              <a:t>1</a:t>
-            </a:r>
-            <a:r>
-              <a:rPr lang="en-US" sz="2800" b="0" dirty="0">
-                <a:solidFill>
-                  <a:srgbClr val="D4D4D4"/>
-                </a:solidFill>
-                <a:effectLst/>
-                <a:latin typeface="Consolas" panose="020B0609020204030204" pitchFamily="49" charset="0"/>
-              </a:rPr>
-              <a:t>,</a:t>
-            </a:r>
-            <a:r>
-              <a:rPr lang="en-US" sz="2800" b="0" dirty="0">
-                <a:solidFill>
-                  <a:srgbClr val="B5CEA8"/>
-                </a:solidFill>
-                <a:effectLst/>
-                <a:latin typeface="Consolas" panose="020B0609020204030204" pitchFamily="49" charset="0"/>
-              </a:rPr>
-              <a:t>2</a:t>
-            </a:r>
-            <a:r>
-              <a:rPr lang="en-US" sz="2800" b="0" dirty="0">
-                <a:solidFill>
-                  <a:srgbClr val="D4D4D4"/>
-                </a:solidFill>
-                <a:effectLst/>
-                <a:latin typeface="Consolas" panose="020B0609020204030204" pitchFamily="49" charset="0"/>
-              </a:rPr>
-              <a:t>,</a:t>
-            </a:r>
-            <a:r>
-              <a:rPr lang="en-US" sz="2800" b="0" dirty="0">
-                <a:solidFill>
-                  <a:srgbClr val="B5CEA8"/>
-                </a:solidFill>
-                <a:effectLst/>
-                <a:latin typeface="Consolas" panose="020B0609020204030204" pitchFamily="49" charset="0"/>
-              </a:rPr>
-              <a:t>3</a:t>
-            </a:r>
-            <a:r>
-              <a:rPr lang="en-US" sz="2800" b="0" dirty="0">
-                <a:solidFill>
-                  <a:srgbClr val="D4D4D4"/>
-                </a:solidFill>
-                <a:effectLst/>
-                <a:latin typeface="Consolas" panose="020B0609020204030204" pitchFamily="49" charset="0"/>
-              </a:rPr>
-              <a:t>,</a:t>
-            </a:r>
-            <a:r>
-              <a:rPr lang="en-US" sz="2800" b="0" dirty="0">
-                <a:solidFill>
-                  <a:srgbClr val="B5CEA8"/>
-                </a:solidFill>
-                <a:effectLst/>
-                <a:latin typeface="Consolas" panose="020B0609020204030204" pitchFamily="49" charset="0"/>
-              </a:rPr>
-              <a:t>4</a:t>
-            </a:r>
-            <a:r>
-              <a:rPr lang="en-US" sz="2800" b="0" dirty="0">
-                <a:solidFill>
-                  <a:srgbClr val="D4D4D4"/>
-                </a:solidFill>
-                <a:effectLst/>
-                <a:latin typeface="Consolas" panose="020B0609020204030204" pitchFamily="49" charset="0"/>
-              </a:rPr>
-              <a:t>])</a:t>
-            </a:r>
-          </a:p>
-          <a:p>
-            <a:r>
-              <a:rPr lang="en-US" sz="2800" b="0" dirty="0">
-                <a:solidFill>
-                  <a:srgbClr val="D4D4D4"/>
-                </a:solidFill>
-                <a:effectLst/>
-                <a:latin typeface="Consolas" panose="020B0609020204030204" pitchFamily="49" charset="0"/>
-              </a:rPr>
-              <a:t>s2 = </a:t>
-            </a:r>
-            <a:r>
-              <a:rPr lang="en-US" sz="2800" b="0" dirty="0">
-                <a:solidFill>
-                  <a:srgbClr val="4EC9B0"/>
-                </a:solidFill>
-                <a:effectLst/>
-                <a:latin typeface="Consolas" panose="020B0609020204030204" pitchFamily="49" charset="0"/>
-              </a:rPr>
-              <a:t>set</a:t>
-            </a:r>
-            <a:r>
-              <a:rPr lang="en-US" sz="2800" b="0" dirty="0">
-                <a:solidFill>
-                  <a:srgbClr val="D4D4D4"/>
-                </a:solidFill>
-                <a:effectLst/>
-                <a:latin typeface="Consolas" panose="020B0609020204030204" pitchFamily="49" charset="0"/>
-              </a:rPr>
-              <a:t>([</a:t>
-            </a:r>
-            <a:r>
-              <a:rPr lang="en-US" sz="2800" b="0" dirty="0">
-                <a:solidFill>
-                  <a:srgbClr val="B5CEA8"/>
-                </a:solidFill>
-                <a:effectLst/>
-                <a:latin typeface="Consolas" panose="020B0609020204030204" pitchFamily="49" charset="0"/>
-              </a:rPr>
-              <a:t>2</a:t>
-            </a:r>
-            <a:r>
-              <a:rPr lang="en-US" sz="2800" b="0" dirty="0">
-                <a:solidFill>
-                  <a:srgbClr val="D4D4D4"/>
-                </a:solidFill>
-                <a:effectLst/>
-                <a:latin typeface="Consolas" panose="020B0609020204030204" pitchFamily="49" charset="0"/>
-              </a:rPr>
-              <a:t>,</a:t>
-            </a:r>
-            <a:r>
-              <a:rPr lang="en-US" sz="2800" b="0" dirty="0">
-                <a:solidFill>
-                  <a:srgbClr val="B5CEA8"/>
-                </a:solidFill>
-                <a:effectLst/>
-                <a:latin typeface="Consolas" panose="020B0609020204030204" pitchFamily="49" charset="0"/>
-              </a:rPr>
-              <a:t>3</a:t>
-            </a:r>
-            <a:r>
-              <a:rPr lang="en-US" sz="2800" b="0" dirty="0">
-                <a:solidFill>
-                  <a:srgbClr val="D4D4D4"/>
-                </a:solidFill>
-                <a:effectLst/>
-                <a:latin typeface="Consolas" panose="020B0609020204030204" pitchFamily="49" charset="0"/>
-              </a:rPr>
-              <a:t>,</a:t>
-            </a:r>
-            <a:r>
-              <a:rPr lang="en-US" sz="2800" b="0" dirty="0">
-                <a:solidFill>
-                  <a:srgbClr val="B5CEA8"/>
-                </a:solidFill>
-                <a:effectLst/>
-                <a:latin typeface="Consolas" panose="020B0609020204030204" pitchFamily="49" charset="0"/>
-              </a:rPr>
-              <a:t>3</a:t>
-            </a:r>
-            <a:r>
-              <a:rPr lang="en-US" sz="2800" b="0" dirty="0">
-                <a:solidFill>
-                  <a:srgbClr val="D4D4D4"/>
-                </a:solidFill>
-                <a:effectLst/>
-                <a:latin typeface="Consolas" panose="020B0609020204030204" pitchFamily="49" charset="0"/>
-              </a:rPr>
-              <a:t>,</a:t>
-            </a:r>
-            <a:r>
-              <a:rPr lang="en-US" sz="2800" b="0" dirty="0">
-                <a:solidFill>
-                  <a:srgbClr val="B5CEA8"/>
-                </a:solidFill>
-                <a:effectLst/>
-                <a:latin typeface="Consolas" panose="020B0609020204030204" pitchFamily="49" charset="0"/>
-              </a:rPr>
-              <a:t>3</a:t>
-            </a:r>
-            <a:r>
-              <a:rPr lang="en-US" sz="2800" b="0" dirty="0">
-                <a:solidFill>
-                  <a:srgbClr val="D4D4D4"/>
-                </a:solidFill>
-                <a:effectLst/>
-                <a:latin typeface="Consolas" panose="020B0609020204030204" pitchFamily="49" charset="0"/>
-              </a:rPr>
-              <a:t>,</a:t>
-            </a:r>
-            <a:r>
-              <a:rPr lang="en-US" sz="2800" b="0" dirty="0">
-                <a:solidFill>
-                  <a:srgbClr val="B5CEA8"/>
-                </a:solidFill>
-                <a:effectLst/>
-                <a:latin typeface="Consolas" panose="020B0609020204030204" pitchFamily="49" charset="0"/>
-              </a:rPr>
-              <a:t>4</a:t>
-            </a:r>
-            <a:r>
-              <a:rPr lang="en-US" sz="2800" b="0" dirty="0">
-                <a:solidFill>
-                  <a:srgbClr val="D4D4D4"/>
-                </a:solidFill>
-                <a:effectLst/>
-                <a:latin typeface="Consolas" panose="020B0609020204030204" pitchFamily="49" charset="0"/>
-              </a:rPr>
-              <a:t>,</a:t>
-            </a:r>
-            <a:r>
-              <a:rPr lang="en-US" sz="2800" b="0" dirty="0">
-                <a:solidFill>
-                  <a:srgbClr val="B5CEA8"/>
-                </a:solidFill>
-                <a:effectLst/>
-                <a:latin typeface="Consolas" panose="020B0609020204030204" pitchFamily="49" charset="0"/>
-              </a:rPr>
-              <a:t>2</a:t>
-            </a:r>
-            <a:r>
-              <a:rPr lang="en-US" sz="2800" b="0" dirty="0">
-                <a:solidFill>
-                  <a:srgbClr val="D4D4D4"/>
-                </a:solidFill>
-                <a:effectLst/>
-                <a:latin typeface="Consolas" panose="020B0609020204030204" pitchFamily="49" charset="0"/>
-              </a:rPr>
-              <a:t>,</a:t>
-            </a:r>
-            <a:r>
-              <a:rPr lang="en-US" sz="2800" b="0" dirty="0">
-                <a:solidFill>
-                  <a:srgbClr val="B5CEA8"/>
-                </a:solidFill>
-                <a:effectLst/>
-                <a:latin typeface="Consolas" panose="020B0609020204030204" pitchFamily="49" charset="0"/>
-              </a:rPr>
-              <a:t>1</a:t>
-            </a:r>
-            <a:r>
-              <a:rPr lang="en-US" sz="2800" b="0" dirty="0">
-                <a:solidFill>
-                  <a:srgbClr val="D4D4D4"/>
-                </a:solidFill>
-                <a:effectLst/>
-                <a:latin typeface="Consolas" panose="020B0609020204030204" pitchFamily="49" charset="0"/>
-              </a:rPr>
-              <a:t>,</a:t>
-            </a:r>
-            <a:r>
-              <a:rPr lang="en-US" sz="2800" b="0" dirty="0">
-                <a:solidFill>
-                  <a:srgbClr val="B5CEA8"/>
-                </a:solidFill>
-                <a:effectLst/>
-                <a:latin typeface="Consolas" panose="020B0609020204030204" pitchFamily="49" charset="0"/>
-              </a:rPr>
-              <a:t>5</a:t>
-            </a:r>
-            <a:r>
-              <a:rPr lang="en-US" sz="2800" b="0" dirty="0">
-                <a:solidFill>
-                  <a:srgbClr val="D4D4D4"/>
-                </a:solidFill>
-                <a:effectLst/>
-                <a:latin typeface="Consolas" panose="020B0609020204030204" pitchFamily="49" charset="0"/>
-              </a:rPr>
-              <a:t>])</a:t>
-            </a:r>
-          </a:p>
-          <a:p>
-            <a:r>
-              <a:rPr lang="en-US" sz="2800" b="0" dirty="0">
-                <a:solidFill>
-                  <a:srgbClr val="DCDCAA"/>
-                </a:solidFill>
-                <a:effectLst/>
-                <a:latin typeface="Consolas" panose="020B0609020204030204" pitchFamily="49" charset="0"/>
-              </a:rPr>
-              <a:t>print</a:t>
-            </a:r>
-            <a:r>
-              <a:rPr lang="en-US" sz="2800" b="0" dirty="0">
-                <a:solidFill>
-                  <a:srgbClr val="D4D4D4"/>
-                </a:solidFill>
-                <a:effectLst/>
-                <a:latin typeface="Consolas" panose="020B0609020204030204" pitchFamily="49" charset="0"/>
-              </a:rPr>
-              <a:t>(s1)</a:t>
-            </a:r>
-          </a:p>
-          <a:p>
-            <a:r>
-              <a:rPr lang="en-US" sz="2800" b="0" dirty="0">
-                <a:solidFill>
-                  <a:srgbClr val="DCDCAA"/>
-                </a:solidFill>
-                <a:effectLst/>
-                <a:latin typeface="Consolas" panose="020B0609020204030204" pitchFamily="49" charset="0"/>
-              </a:rPr>
-              <a:t>print</a:t>
-            </a:r>
-            <a:r>
-              <a:rPr lang="en-US" sz="2800" b="0" dirty="0">
-                <a:solidFill>
-                  <a:srgbClr val="D4D4D4"/>
-                </a:solidFill>
-                <a:effectLst/>
-                <a:latin typeface="Consolas" panose="020B0609020204030204" pitchFamily="49" charset="0"/>
-              </a:rPr>
-              <a:t>(s2)</a:t>
-            </a:r>
-          </a:p>
-          <a:p>
-            <a:br>
-              <a:rPr lang="en-US" sz="2800" b="0" dirty="0">
-                <a:solidFill>
-                  <a:srgbClr val="D4D4D4"/>
-                </a:solidFill>
-                <a:effectLst/>
-                <a:latin typeface="Consolas" panose="020B0609020204030204" pitchFamily="49" charset="0"/>
-              </a:rPr>
-            </a:br>
-            <a:r>
-              <a:rPr lang="en-US" sz="2800" b="0" dirty="0">
-                <a:solidFill>
-                  <a:srgbClr val="D4D4D4"/>
-                </a:solidFill>
-                <a:effectLst/>
-                <a:latin typeface="Consolas" panose="020B0609020204030204" pitchFamily="49" charset="0"/>
-              </a:rPr>
-              <a:t>s3 = s1.copy()</a:t>
-            </a:r>
-          </a:p>
-          <a:p>
-            <a:br>
-              <a:rPr lang="en-US" sz="2800" b="0" dirty="0">
-                <a:solidFill>
-                  <a:srgbClr val="D4D4D4"/>
-                </a:solidFill>
-                <a:effectLst/>
-                <a:latin typeface="Consolas" panose="020B0609020204030204" pitchFamily="49" charset="0"/>
-              </a:rPr>
-            </a:br>
-            <a:r>
-              <a:rPr lang="en-US" sz="2800" b="0" dirty="0">
-                <a:solidFill>
-                  <a:srgbClr val="DCDCAA"/>
-                </a:solidFill>
-                <a:effectLst/>
-                <a:latin typeface="Consolas" panose="020B0609020204030204" pitchFamily="49" charset="0"/>
-              </a:rPr>
-              <a:t>print</a:t>
-            </a:r>
-            <a:r>
-              <a:rPr lang="en-US" sz="2800" b="0" dirty="0">
-                <a:solidFill>
-                  <a:srgbClr val="D4D4D4"/>
-                </a:solidFill>
-                <a:effectLst/>
-                <a:latin typeface="Consolas" panose="020B0609020204030204" pitchFamily="49" charset="0"/>
-              </a:rPr>
-              <a:t>(s1 == s3)</a:t>
-            </a:r>
-          </a:p>
-          <a:p>
-            <a:r>
-              <a:rPr lang="en-US" sz="2800" b="0" dirty="0">
-                <a:solidFill>
-                  <a:srgbClr val="DCDCAA"/>
-                </a:solidFill>
-                <a:effectLst/>
-                <a:latin typeface="Consolas" panose="020B0609020204030204" pitchFamily="49" charset="0"/>
-              </a:rPr>
-              <a:t>print</a:t>
-            </a:r>
-            <a:r>
-              <a:rPr lang="en-US" sz="2800" b="0" dirty="0">
-                <a:solidFill>
-                  <a:srgbClr val="D4D4D4"/>
-                </a:solidFill>
-                <a:effectLst/>
-                <a:latin typeface="Consolas" panose="020B0609020204030204" pitchFamily="49" charset="0"/>
-              </a:rPr>
-              <a:t>(s1.issubset(s2))</a:t>
-            </a:r>
-          </a:p>
-          <a:p>
-            <a:r>
-              <a:rPr lang="en-US" sz="2800" b="0" dirty="0">
-                <a:solidFill>
-                  <a:srgbClr val="DCDCAA"/>
-                </a:solidFill>
-                <a:effectLst/>
-                <a:latin typeface="Consolas" panose="020B0609020204030204" pitchFamily="49" charset="0"/>
-              </a:rPr>
-              <a:t>print</a:t>
-            </a:r>
-            <a:r>
-              <a:rPr lang="en-US" sz="2800" b="0" dirty="0">
-                <a:solidFill>
-                  <a:srgbClr val="D4D4D4"/>
-                </a:solidFill>
-                <a:effectLst/>
-                <a:latin typeface="Consolas" panose="020B0609020204030204" pitchFamily="49" charset="0"/>
-              </a:rPr>
-              <a:t>(s1 | s2)</a:t>
-            </a:r>
-          </a:p>
-          <a:p>
-            <a:r>
-              <a:rPr lang="en-US" sz="2800" b="0" dirty="0">
-                <a:solidFill>
-                  <a:srgbClr val="DCDCAA"/>
-                </a:solidFill>
-                <a:effectLst/>
-                <a:latin typeface="Consolas" panose="020B0609020204030204" pitchFamily="49" charset="0"/>
-              </a:rPr>
-              <a:t>print</a:t>
-            </a:r>
-            <a:r>
-              <a:rPr lang="en-US" sz="2800" b="0" dirty="0">
-                <a:solidFill>
-                  <a:srgbClr val="D4D4D4"/>
-                </a:solidFill>
-                <a:effectLst/>
-                <a:latin typeface="Consolas" panose="020B0609020204030204" pitchFamily="49" charset="0"/>
-              </a:rPr>
-              <a:t>(s1 &amp; s2)</a:t>
-            </a:r>
-          </a:p>
-        </p:txBody>
-      </p:sp>
-    </p:spTree>
-    <p:extLst>
-      <p:ext uri="{BB962C8B-B14F-4D97-AF65-F5344CB8AC3E}">
-        <p14:creationId xmlns:p14="http://schemas.microsoft.com/office/powerpoint/2010/main" val="2157599366"/>
-      </p:ext>
-    </p:extLst>
-  </p:cSld>
-  <p:clrMapOvr>
-    <a:masterClrMapping/>
-  </p:clrMapOvr>
-</p:sld>
-</file>
-
 <file path=ppt/slides/slide59.xml><?xml version="1.0" encoding="utf-8"?>
 <p:sld xmlns:a="http://schemas.openxmlformats.org/drawingml/2006/main" xmlns:r="http://schemas.openxmlformats.org/officeDocument/2006/relationships" xmlns:p="http://schemas.openxmlformats.org/presentationml/2006/main">
   <p:cSld>
@@ -23276,7 +24064,7 @@
           <p:cNvPr id="2" name="Заголовок 1">
             <a:extLst>
               <a:ext uri="{FF2B5EF4-FFF2-40B4-BE49-F238E27FC236}">
-                <a16:creationId xmlns:a16="http://schemas.microsoft.com/office/drawing/2014/main" id="{EFCE8630-B5EC-42B9-9AA2-9443375532D2}"/>
+                <a16:creationId xmlns:a16="http://schemas.microsoft.com/office/drawing/2014/main" id="{D25D5A94-FF2E-4CD2-84F3-D648F6CCBE38}"/>
               </a:ext>
             </a:extLst>
           </p:cNvPr>
@@ -23287,19 +24075,609 @@
             <p:ph type="title"/>
           </p:nvPr>
         </p:nvSpPr>
-        <p:spPr>
-          <a:xfrm>
-            <a:off x="295939" y="4937125"/>
-            <a:ext cx="10515600" cy="1325563"/>
-          </a:xfrm>
-        </p:spPr>
+        <p:spPr/>
         <p:txBody>
           <a:bodyPr/>
           <a:lstStyle/>
           <a:p>
             <a:r>
               <a:rPr lang="ru-RU" dirty="0"/>
-              <a:t>Преобразование данных</a:t>
+              <a:t>Операции над множествами</a:t>
+            </a:r>
+          </a:p>
+        </p:txBody>
+      </p:sp>
+      <p:sp>
+        <p:nvSpPr>
+          <p:cNvPr id="4" name="TextBox 3">
+            <a:extLst>
+              <a:ext uri="{FF2B5EF4-FFF2-40B4-BE49-F238E27FC236}">
+                <a16:creationId xmlns:a16="http://schemas.microsoft.com/office/drawing/2014/main" id="{62FA2D74-C730-44EB-A9A7-DD667A9C1DEA}"/>
+              </a:ext>
+            </a:extLst>
+          </p:cNvPr>
+          <p:cNvSpPr txBox="1"/>
+          <p:nvPr/>
+        </p:nvSpPr>
+        <p:spPr>
+          <a:xfrm>
+            <a:off x="1384448" y="1370242"/>
+            <a:ext cx="9423104" cy="4832092"/>
+          </a:xfrm>
+          <a:prstGeom prst="rect">
+            <a:avLst/>
+          </a:prstGeom>
+          <a:noFill/>
+        </p:spPr>
+        <p:txBody>
+          <a:bodyPr wrap="square">
+            <a:spAutoFit/>
+          </a:bodyPr>
+          <a:lstStyle/>
+          <a:p>
+            <a:r>
+              <a:rPr lang="en-US" sz="2800" b="0" dirty="0">
+                <a:solidFill>
+                  <a:srgbClr val="D4D4D4"/>
+                </a:solidFill>
+                <a:effectLst/>
+                <a:latin typeface="Consolas" panose="020B0609020204030204" pitchFamily="49" charset="0"/>
+              </a:rPr>
+              <a:t>s1 = </a:t>
+            </a:r>
+            <a:r>
+              <a:rPr lang="en-US" sz="2800" b="0" dirty="0">
+                <a:solidFill>
+                  <a:srgbClr val="4EC9B0"/>
+                </a:solidFill>
+                <a:effectLst/>
+                <a:latin typeface="Consolas" panose="020B0609020204030204" pitchFamily="49" charset="0"/>
+              </a:rPr>
+              <a:t>set</a:t>
+            </a:r>
+            <a:r>
+              <a:rPr lang="en-US" sz="2800" b="0" dirty="0">
+                <a:solidFill>
+                  <a:srgbClr val="D4D4D4"/>
+                </a:solidFill>
+                <a:effectLst/>
+                <a:latin typeface="Consolas" panose="020B0609020204030204" pitchFamily="49" charset="0"/>
+              </a:rPr>
+              <a:t>([</a:t>
+            </a:r>
+            <a:r>
+              <a:rPr lang="en-US" sz="2800" b="0" dirty="0">
+                <a:solidFill>
+                  <a:srgbClr val="B5CEA8"/>
+                </a:solidFill>
+                <a:effectLst/>
+                <a:latin typeface="Consolas" panose="020B0609020204030204" pitchFamily="49" charset="0"/>
+              </a:rPr>
+              <a:t>1</a:t>
+            </a:r>
+            <a:r>
+              <a:rPr lang="en-US" sz="2800" b="0" dirty="0">
+                <a:solidFill>
+                  <a:srgbClr val="D4D4D4"/>
+                </a:solidFill>
+                <a:effectLst/>
+                <a:latin typeface="Consolas" panose="020B0609020204030204" pitchFamily="49" charset="0"/>
+              </a:rPr>
+              <a:t>,</a:t>
+            </a:r>
+            <a:r>
+              <a:rPr lang="en-US" sz="2800" b="0" dirty="0">
+                <a:solidFill>
+                  <a:srgbClr val="B5CEA8"/>
+                </a:solidFill>
+                <a:effectLst/>
+                <a:latin typeface="Consolas" panose="020B0609020204030204" pitchFamily="49" charset="0"/>
+              </a:rPr>
+              <a:t>2</a:t>
+            </a:r>
+            <a:r>
+              <a:rPr lang="en-US" sz="2800" b="0" dirty="0">
+                <a:solidFill>
+                  <a:srgbClr val="D4D4D4"/>
+                </a:solidFill>
+                <a:effectLst/>
+                <a:latin typeface="Consolas" panose="020B0609020204030204" pitchFamily="49" charset="0"/>
+              </a:rPr>
+              <a:t>,</a:t>
+            </a:r>
+            <a:r>
+              <a:rPr lang="en-US" sz="2800" b="0" dirty="0">
+                <a:solidFill>
+                  <a:srgbClr val="B5CEA8"/>
+                </a:solidFill>
+                <a:effectLst/>
+                <a:latin typeface="Consolas" panose="020B0609020204030204" pitchFamily="49" charset="0"/>
+              </a:rPr>
+              <a:t>3</a:t>
+            </a:r>
+            <a:r>
+              <a:rPr lang="en-US" sz="2800" b="0" dirty="0">
+                <a:solidFill>
+                  <a:srgbClr val="D4D4D4"/>
+                </a:solidFill>
+                <a:effectLst/>
+                <a:latin typeface="Consolas" panose="020B0609020204030204" pitchFamily="49" charset="0"/>
+              </a:rPr>
+              <a:t>,</a:t>
+            </a:r>
+            <a:r>
+              <a:rPr lang="en-US" sz="2800" b="0" dirty="0">
+                <a:solidFill>
+                  <a:srgbClr val="B5CEA8"/>
+                </a:solidFill>
+                <a:effectLst/>
+                <a:latin typeface="Consolas" panose="020B0609020204030204" pitchFamily="49" charset="0"/>
+              </a:rPr>
+              <a:t>1</a:t>
+            </a:r>
+            <a:r>
+              <a:rPr lang="en-US" sz="2800" b="0" dirty="0">
+                <a:solidFill>
+                  <a:srgbClr val="D4D4D4"/>
+                </a:solidFill>
+                <a:effectLst/>
+                <a:latin typeface="Consolas" panose="020B0609020204030204" pitchFamily="49" charset="0"/>
+              </a:rPr>
+              <a:t>,</a:t>
+            </a:r>
+            <a:r>
+              <a:rPr lang="en-US" sz="2800" b="0" dirty="0">
+                <a:solidFill>
+                  <a:srgbClr val="B5CEA8"/>
+                </a:solidFill>
+                <a:effectLst/>
+                <a:latin typeface="Consolas" panose="020B0609020204030204" pitchFamily="49" charset="0"/>
+              </a:rPr>
+              <a:t>1</a:t>
+            </a:r>
+            <a:r>
+              <a:rPr lang="en-US" sz="2800" b="0" dirty="0">
+                <a:solidFill>
+                  <a:srgbClr val="D4D4D4"/>
+                </a:solidFill>
+                <a:effectLst/>
+                <a:latin typeface="Consolas" panose="020B0609020204030204" pitchFamily="49" charset="0"/>
+              </a:rPr>
+              <a:t>,</a:t>
+            </a:r>
+            <a:r>
+              <a:rPr lang="en-US" sz="2800" b="0" dirty="0">
+                <a:solidFill>
+                  <a:srgbClr val="B5CEA8"/>
+                </a:solidFill>
+                <a:effectLst/>
+                <a:latin typeface="Consolas" panose="020B0609020204030204" pitchFamily="49" charset="0"/>
+              </a:rPr>
+              <a:t>1</a:t>
+            </a:r>
+            <a:r>
+              <a:rPr lang="en-US" sz="2800" b="0" dirty="0">
+                <a:solidFill>
+                  <a:srgbClr val="D4D4D4"/>
+                </a:solidFill>
+                <a:effectLst/>
+                <a:latin typeface="Consolas" panose="020B0609020204030204" pitchFamily="49" charset="0"/>
+              </a:rPr>
+              <a:t>,</a:t>
+            </a:r>
+            <a:r>
+              <a:rPr lang="en-US" sz="2800" b="0" dirty="0">
+                <a:solidFill>
+                  <a:srgbClr val="B5CEA8"/>
+                </a:solidFill>
+                <a:effectLst/>
+                <a:latin typeface="Consolas" panose="020B0609020204030204" pitchFamily="49" charset="0"/>
+              </a:rPr>
+              <a:t>2</a:t>
+            </a:r>
+            <a:r>
+              <a:rPr lang="en-US" sz="2800" b="0" dirty="0">
+                <a:solidFill>
+                  <a:srgbClr val="D4D4D4"/>
+                </a:solidFill>
+                <a:effectLst/>
+                <a:latin typeface="Consolas" panose="020B0609020204030204" pitchFamily="49" charset="0"/>
+              </a:rPr>
+              <a:t>,</a:t>
+            </a:r>
+            <a:r>
+              <a:rPr lang="en-US" sz="2800" b="0" dirty="0">
+                <a:solidFill>
+                  <a:srgbClr val="B5CEA8"/>
+                </a:solidFill>
+                <a:effectLst/>
+                <a:latin typeface="Consolas" panose="020B0609020204030204" pitchFamily="49" charset="0"/>
+              </a:rPr>
+              <a:t>3</a:t>
+            </a:r>
+            <a:r>
+              <a:rPr lang="en-US" sz="2800" b="0" dirty="0">
+                <a:solidFill>
+                  <a:srgbClr val="D4D4D4"/>
+                </a:solidFill>
+                <a:effectLst/>
+                <a:latin typeface="Consolas" panose="020B0609020204030204" pitchFamily="49" charset="0"/>
+              </a:rPr>
+              <a:t>,</a:t>
+            </a:r>
+            <a:r>
+              <a:rPr lang="en-US" sz="2800" b="0" dirty="0">
+                <a:solidFill>
+                  <a:srgbClr val="B5CEA8"/>
+                </a:solidFill>
+                <a:effectLst/>
+                <a:latin typeface="Consolas" panose="020B0609020204030204" pitchFamily="49" charset="0"/>
+              </a:rPr>
+              <a:t>4</a:t>
+            </a:r>
+            <a:r>
+              <a:rPr lang="en-US" sz="2800" b="0" dirty="0">
+                <a:solidFill>
+                  <a:srgbClr val="D4D4D4"/>
+                </a:solidFill>
+                <a:effectLst/>
+                <a:latin typeface="Consolas" panose="020B0609020204030204" pitchFamily="49" charset="0"/>
+              </a:rPr>
+              <a:t>])</a:t>
+            </a:r>
+          </a:p>
+          <a:p>
+            <a:r>
+              <a:rPr lang="en-US" sz="2800" b="0" dirty="0">
+                <a:solidFill>
+                  <a:srgbClr val="D4D4D4"/>
+                </a:solidFill>
+                <a:effectLst/>
+                <a:latin typeface="Consolas" panose="020B0609020204030204" pitchFamily="49" charset="0"/>
+              </a:rPr>
+              <a:t>s2 = </a:t>
+            </a:r>
+            <a:r>
+              <a:rPr lang="en-US" sz="2800" b="0" dirty="0">
+                <a:solidFill>
+                  <a:srgbClr val="4EC9B0"/>
+                </a:solidFill>
+                <a:effectLst/>
+                <a:latin typeface="Consolas" panose="020B0609020204030204" pitchFamily="49" charset="0"/>
+              </a:rPr>
+              <a:t>set</a:t>
+            </a:r>
+            <a:r>
+              <a:rPr lang="en-US" sz="2800" b="0" dirty="0">
+                <a:solidFill>
+                  <a:srgbClr val="D4D4D4"/>
+                </a:solidFill>
+                <a:effectLst/>
+                <a:latin typeface="Consolas" panose="020B0609020204030204" pitchFamily="49" charset="0"/>
+              </a:rPr>
+              <a:t>([</a:t>
+            </a:r>
+            <a:r>
+              <a:rPr lang="en-US" sz="2800" b="0" dirty="0">
+                <a:solidFill>
+                  <a:srgbClr val="B5CEA8"/>
+                </a:solidFill>
+                <a:effectLst/>
+                <a:latin typeface="Consolas" panose="020B0609020204030204" pitchFamily="49" charset="0"/>
+              </a:rPr>
+              <a:t>2</a:t>
+            </a:r>
+            <a:r>
+              <a:rPr lang="en-US" sz="2800" b="0" dirty="0">
+                <a:solidFill>
+                  <a:srgbClr val="D4D4D4"/>
+                </a:solidFill>
+                <a:effectLst/>
+                <a:latin typeface="Consolas" panose="020B0609020204030204" pitchFamily="49" charset="0"/>
+              </a:rPr>
+              <a:t>,</a:t>
+            </a:r>
+            <a:r>
+              <a:rPr lang="en-US" sz="2800" b="0" dirty="0">
+                <a:solidFill>
+                  <a:srgbClr val="B5CEA8"/>
+                </a:solidFill>
+                <a:effectLst/>
+                <a:latin typeface="Consolas" panose="020B0609020204030204" pitchFamily="49" charset="0"/>
+              </a:rPr>
+              <a:t>3</a:t>
+            </a:r>
+            <a:r>
+              <a:rPr lang="en-US" sz="2800" b="0" dirty="0">
+                <a:solidFill>
+                  <a:srgbClr val="D4D4D4"/>
+                </a:solidFill>
+                <a:effectLst/>
+                <a:latin typeface="Consolas" panose="020B0609020204030204" pitchFamily="49" charset="0"/>
+              </a:rPr>
+              <a:t>,</a:t>
+            </a:r>
+            <a:r>
+              <a:rPr lang="en-US" sz="2800" b="0" dirty="0">
+                <a:solidFill>
+                  <a:srgbClr val="B5CEA8"/>
+                </a:solidFill>
+                <a:effectLst/>
+                <a:latin typeface="Consolas" panose="020B0609020204030204" pitchFamily="49" charset="0"/>
+              </a:rPr>
+              <a:t>3</a:t>
+            </a:r>
+            <a:r>
+              <a:rPr lang="en-US" sz="2800" b="0" dirty="0">
+                <a:solidFill>
+                  <a:srgbClr val="D4D4D4"/>
+                </a:solidFill>
+                <a:effectLst/>
+                <a:latin typeface="Consolas" panose="020B0609020204030204" pitchFamily="49" charset="0"/>
+              </a:rPr>
+              <a:t>,</a:t>
+            </a:r>
+            <a:r>
+              <a:rPr lang="en-US" sz="2800" b="0" dirty="0">
+                <a:solidFill>
+                  <a:srgbClr val="B5CEA8"/>
+                </a:solidFill>
+                <a:effectLst/>
+                <a:latin typeface="Consolas" panose="020B0609020204030204" pitchFamily="49" charset="0"/>
+              </a:rPr>
+              <a:t>3</a:t>
+            </a:r>
+            <a:r>
+              <a:rPr lang="en-US" sz="2800" b="0" dirty="0">
+                <a:solidFill>
+                  <a:srgbClr val="D4D4D4"/>
+                </a:solidFill>
+                <a:effectLst/>
+                <a:latin typeface="Consolas" panose="020B0609020204030204" pitchFamily="49" charset="0"/>
+              </a:rPr>
+              <a:t>,</a:t>
+            </a:r>
+            <a:r>
+              <a:rPr lang="en-US" sz="2800" b="0" dirty="0">
+                <a:solidFill>
+                  <a:srgbClr val="B5CEA8"/>
+                </a:solidFill>
+                <a:effectLst/>
+                <a:latin typeface="Consolas" panose="020B0609020204030204" pitchFamily="49" charset="0"/>
+              </a:rPr>
+              <a:t>4</a:t>
+            </a:r>
+            <a:r>
+              <a:rPr lang="en-US" sz="2800" b="0" dirty="0">
+                <a:solidFill>
+                  <a:srgbClr val="D4D4D4"/>
+                </a:solidFill>
+                <a:effectLst/>
+                <a:latin typeface="Consolas" panose="020B0609020204030204" pitchFamily="49" charset="0"/>
+              </a:rPr>
+              <a:t>,</a:t>
+            </a:r>
+            <a:r>
+              <a:rPr lang="en-US" sz="2800" b="0" dirty="0">
+                <a:solidFill>
+                  <a:srgbClr val="B5CEA8"/>
+                </a:solidFill>
+                <a:effectLst/>
+                <a:latin typeface="Consolas" panose="020B0609020204030204" pitchFamily="49" charset="0"/>
+              </a:rPr>
+              <a:t>2</a:t>
+            </a:r>
+            <a:r>
+              <a:rPr lang="en-US" sz="2800" b="0" dirty="0">
+                <a:solidFill>
+                  <a:srgbClr val="D4D4D4"/>
+                </a:solidFill>
+                <a:effectLst/>
+                <a:latin typeface="Consolas" panose="020B0609020204030204" pitchFamily="49" charset="0"/>
+              </a:rPr>
+              <a:t>,</a:t>
+            </a:r>
+            <a:r>
+              <a:rPr lang="en-US" sz="2800" b="0" dirty="0">
+                <a:solidFill>
+                  <a:srgbClr val="B5CEA8"/>
+                </a:solidFill>
+                <a:effectLst/>
+                <a:latin typeface="Consolas" panose="020B0609020204030204" pitchFamily="49" charset="0"/>
+              </a:rPr>
+              <a:t>1</a:t>
+            </a:r>
+            <a:r>
+              <a:rPr lang="en-US" sz="2800" b="0" dirty="0">
+                <a:solidFill>
+                  <a:srgbClr val="D4D4D4"/>
+                </a:solidFill>
+                <a:effectLst/>
+                <a:latin typeface="Consolas" panose="020B0609020204030204" pitchFamily="49" charset="0"/>
+              </a:rPr>
+              <a:t>,</a:t>
+            </a:r>
+            <a:r>
+              <a:rPr lang="en-US" sz="2800" b="0" dirty="0">
+                <a:solidFill>
+                  <a:srgbClr val="B5CEA8"/>
+                </a:solidFill>
+                <a:effectLst/>
+                <a:latin typeface="Consolas" panose="020B0609020204030204" pitchFamily="49" charset="0"/>
+              </a:rPr>
+              <a:t>5</a:t>
+            </a:r>
+            <a:r>
+              <a:rPr lang="en-US" sz="2800" b="0" dirty="0">
+                <a:solidFill>
+                  <a:srgbClr val="D4D4D4"/>
+                </a:solidFill>
+                <a:effectLst/>
+                <a:latin typeface="Consolas" panose="020B0609020204030204" pitchFamily="49" charset="0"/>
+              </a:rPr>
+              <a:t>])</a:t>
+            </a:r>
+          </a:p>
+          <a:p>
+            <a:r>
+              <a:rPr lang="en-US" sz="2800" b="0" dirty="0">
+                <a:solidFill>
+                  <a:srgbClr val="DCDCAA"/>
+                </a:solidFill>
+                <a:effectLst/>
+                <a:latin typeface="Consolas" panose="020B0609020204030204" pitchFamily="49" charset="0"/>
+              </a:rPr>
+              <a:t>print</a:t>
+            </a:r>
+            <a:r>
+              <a:rPr lang="en-US" sz="2800" b="0" dirty="0">
+                <a:solidFill>
+                  <a:srgbClr val="D4D4D4"/>
+                </a:solidFill>
+                <a:effectLst/>
+                <a:latin typeface="Consolas" panose="020B0609020204030204" pitchFamily="49" charset="0"/>
+              </a:rPr>
+              <a:t>(s1)</a:t>
+            </a:r>
+          </a:p>
+          <a:p>
+            <a:r>
+              <a:rPr lang="en-US" sz="2800" b="0" dirty="0">
+                <a:solidFill>
+                  <a:srgbClr val="DCDCAA"/>
+                </a:solidFill>
+                <a:effectLst/>
+                <a:latin typeface="Consolas" panose="020B0609020204030204" pitchFamily="49" charset="0"/>
+              </a:rPr>
+              <a:t>print</a:t>
+            </a:r>
+            <a:r>
+              <a:rPr lang="en-US" sz="2800" b="0" dirty="0">
+                <a:solidFill>
+                  <a:srgbClr val="D4D4D4"/>
+                </a:solidFill>
+                <a:effectLst/>
+                <a:latin typeface="Consolas" panose="020B0609020204030204" pitchFamily="49" charset="0"/>
+              </a:rPr>
+              <a:t>(s2)</a:t>
+            </a:r>
+          </a:p>
+          <a:p>
+            <a:br>
+              <a:rPr lang="en-US" sz="2800" b="0" dirty="0">
+                <a:solidFill>
+                  <a:srgbClr val="D4D4D4"/>
+                </a:solidFill>
+                <a:effectLst/>
+                <a:latin typeface="Consolas" panose="020B0609020204030204" pitchFamily="49" charset="0"/>
+              </a:rPr>
+            </a:br>
+            <a:r>
+              <a:rPr lang="en-US" sz="2800" b="0" dirty="0">
+                <a:solidFill>
+                  <a:srgbClr val="D4D4D4"/>
+                </a:solidFill>
+                <a:effectLst/>
+                <a:latin typeface="Consolas" panose="020B0609020204030204" pitchFamily="49" charset="0"/>
+              </a:rPr>
+              <a:t>s3 = s1.copy()</a:t>
+            </a:r>
+          </a:p>
+          <a:p>
+            <a:br>
+              <a:rPr lang="en-US" sz="2800" b="0" dirty="0">
+                <a:solidFill>
+                  <a:srgbClr val="D4D4D4"/>
+                </a:solidFill>
+                <a:effectLst/>
+                <a:latin typeface="Consolas" panose="020B0609020204030204" pitchFamily="49" charset="0"/>
+              </a:rPr>
+            </a:br>
+            <a:r>
+              <a:rPr lang="en-US" sz="2800" b="0" dirty="0">
+                <a:solidFill>
+                  <a:srgbClr val="DCDCAA"/>
+                </a:solidFill>
+                <a:effectLst/>
+                <a:latin typeface="Consolas" panose="020B0609020204030204" pitchFamily="49" charset="0"/>
+              </a:rPr>
+              <a:t>print</a:t>
+            </a:r>
+            <a:r>
+              <a:rPr lang="en-US" sz="2800" b="0" dirty="0">
+                <a:solidFill>
+                  <a:srgbClr val="D4D4D4"/>
+                </a:solidFill>
+                <a:effectLst/>
+                <a:latin typeface="Consolas" panose="020B0609020204030204" pitchFamily="49" charset="0"/>
+              </a:rPr>
+              <a:t>(s1 == s3)</a:t>
+            </a:r>
+          </a:p>
+          <a:p>
+            <a:r>
+              <a:rPr lang="en-US" sz="2800" b="0" dirty="0">
+                <a:solidFill>
+                  <a:srgbClr val="DCDCAA"/>
+                </a:solidFill>
+                <a:effectLst/>
+                <a:latin typeface="Consolas" panose="020B0609020204030204" pitchFamily="49" charset="0"/>
+              </a:rPr>
+              <a:t>print</a:t>
+            </a:r>
+            <a:r>
+              <a:rPr lang="en-US" sz="2800" b="0" dirty="0">
+                <a:solidFill>
+                  <a:srgbClr val="D4D4D4"/>
+                </a:solidFill>
+                <a:effectLst/>
+                <a:latin typeface="Consolas" panose="020B0609020204030204" pitchFamily="49" charset="0"/>
+              </a:rPr>
+              <a:t>(s1.issubset(s2))</a:t>
+            </a:r>
+          </a:p>
+          <a:p>
+            <a:r>
+              <a:rPr lang="en-US" sz="2800" b="0" dirty="0">
+                <a:solidFill>
+                  <a:srgbClr val="DCDCAA"/>
+                </a:solidFill>
+                <a:effectLst/>
+                <a:latin typeface="Consolas" panose="020B0609020204030204" pitchFamily="49" charset="0"/>
+              </a:rPr>
+              <a:t>print</a:t>
+            </a:r>
+            <a:r>
+              <a:rPr lang="en-US" sz="2800" b="0" dirty="0">
+                <a:solidFill>
+                  <a:srgbClr val="D4D4D4"/>
+                </a:solidFill>
+                <a:effectLst/>
+                <a:latin typeface="Consolas" panose="020B0609020204030204" pitchFamily="49" charset="0"/>
+              </a:rPr>
+              <a:t>(s1 | s2)</a:t>
+            </a:r>
+          </a:p>
+          <a:p>
+            <a:r>
+              <a:rPr lang="en-US" sz="2800" b="0" dirty="0">
+                <a:solidFill>
+                  <a:srgbClr val="DCDCAA"/>
+                </a:solidFill>
+                <a:effectLst/>
+                <a:latin typeface="Consolas" panose="020B0609020204030204" pitchFamily="49" charset="0"/>
+              </a:rPr>
+              <a:t>print</a:t>
+            </a:r>
+            <a:r>
+              <a:rPr lang="en-US" sz="2800" b="0" dirty="0">
+                <a:solidFill>
+                  <a:srgbClr val="D4D4D4"/>
+                </a:solidFill>
+                <a:effectLst/>
+                <a:latin typeface="Consolas" panose="020B0609020204030204" pitchFamily="49" charset="0"/>
+              </a:rPr>
+              <a:t>(s1 &amp; s2)</a:t>
             </a:r>
           </a:p>
         </p:txBody>
@@ -23307,7 +24685,7 @@
     </p:spTree>
     <p:extLst>
       <p:ext uri="{BB962C8B-B14F-4D97-AF65-F5344CB8AC3E}">
-        <p14:creationId xmlns:p14="http://schemas.microsoft.com/office/powerpoint/2010/main" val="3493542152"/>
+        <p14:creationId xmlns:p14="http://schemas.microsoft.com/office/powerpoint/2010/main" val="2157599366"/>
       </p:ext>
     </p:extLst>
   </p:cSld>
@@ -23918,6 +25296,69 @@
 </file>
 
 <file path=ppt/slides/slide60.xml><?xml version="1.0" encoding="utf-8"?>
+<p:sld xmlns:a="http://schemas.openxmlformats.org/drawingml/2006/main" xmlns:r="http://schemas.openxmlformats.org/officeDocument/2006/relationships" xmlns:p="http://schemas.openxmlformats.org/presentationml/2006/main">
+  <p:cSld>
+    <p:spTree>
+      <p:nvGrpSpPr>
+        <p:cNvPr id="1" name=""/>
+        <p:cNvGrpSpPr/>
+        <p:nvPr/>
+      </p:nvGrpSpPr>
+      <p:grpSpPr>
+        <a:xfrm>
+          <a:off x="0" y="0"/>
+          <a:ext cx="0" cy="0"/>
+          <a:chOff x="0" y="0"/>
+          <a:chExt cx="0" cy="0"/>
+        </a:xfrm>
+      </p:grpSpPr>
+      <p:sp>
+        <p:nvSpPr>
+          <p:cNvPr id="2" name="Заголовок 1">
+            <a:extLst>
+              <a:ext uri="{FF2B5EF4-FFF2-40B4-BE49-F238E27FC236}">
+                <a16:creationId xmlns:a16="http://schemas.microsoft.com/office/drawing/2014/main" id="{EFCE8630-B5EC-42B9-9AA2-9443375532D2}"/>
+              </a:ext>
+            </a:extLst>
+          </p:cNvPr>
+          <p:cNvSpPr>
+            <a:spLocks noGrp="1"/>
+          </p:cNvSpPr>
+          <p:nvPr>
+            <p:ph type="title"/>
+          </p:nvPr>
+        </p:nvSpPr>
+        <p:spPr>
+          <a:xfrm>
+            <a:off x="295939" y="4937125"/>
+            <a:ext cx="10515600" cy="1325563"/>
+          </a:xfrm>
+        </p:spPr>
+        <p:txBody>
+          <a:bodyPr/>
+          <a:lstStyle/>
+          <a:p>
+            <a:r>
+              <a:rPr lang="ru-RU" dirty="0"/>
+              <a:t>Преобразование данных</a:t>
+            </a:r>
+          </a:p>
+        </p:txBody>
+      </p:sp>
+    </p:spTree>
+    <p:extLst>
+      <p:ext uri="{BB962C8B-B14F-4D97-AF65-F5344CB8AC3E}">
+        <p14:creationId xmlns:p14="http://schemas.microsoft.com/office/powerpoint/2010/main" val="3493542152"/>
+      </p:ext>
+    </p:extLst>
+  </p:cSld>
+  <p:clrMapOvr>
+    <a:masterClrMapping/>
+  </p:clrMapOvr>
+</p:sld>
+</file>
+
+<file path=ppt/slides/slide61.xml><?xml version="1.0" encoding="utf-8"?>
 <p:sld xmlns:a="http://schemas.openxmlformats.org/drawingml/2006/main" xmlns:r="http://schemas.openxmlformats.org/officeDocument/2006/relationships" xmlns:p="http://schemas.openxmlformats.org/presentationml/2006/main">
   <p:cSld>
     <p:spTree>

--- a/Presentation/Основы алгоритмизации и программирования.pptx
+++ b/Presentation/Основы алгоритмизации и программирования.pptx
@@ -64,8 +64,10 @@
     <p:sldId id="312" r:id="rId58"/>
     <p:sldId id="313" r:id="rId59"/>
     <p:sldId id="314" r:id="rId60"/>
-    <p:sldId id="307" r:id="rId61"/>
-    <p:sldId id="315" r:id="rId62"/>
+    <p:sldId id="317" r:id="rId61"/>
+    <p:sldId id="307" r:id="rId62"/>
+    <p:sldId id="315" r:id="rId63"/>
+    <p:sldId id="318" r:id="rId64"/>
   </p:sldIdLst>
   <p:sldSz cx="12192000" cy="6858000"/>
   <p:notesSz cx="6858000" cy="9144000"/>
@@ -331,7 +333,7 @@
           <a:p>
             <a:fld id="{FA984E8B-3F5A-48DE-8BA5-BCD329794D47}" type="datetimeFigureOut">
               <a:rPr lang="ru-RU" smtClean="0"/>
-              <a:t>25.10.2020</a:t>
+              <a:t>26.10.2020</a:t>
             </a:fld>
             <a:endParaRPr lang="ru-RU"/>
           </a:p>
@@ -623,7 +625,7 @@
           <a:p>
             <a:fld id="{FA984E8B-3F5A-48DE-8BA5-BCD329794D47}" type="datetimeFigureOut">
               <a:rPr lang="ru-RU" smtClean="0"/>
-              <a:t>25.10.2020</a:t>
+              <a:t>26.10.2020</a:t>
             </a:fld>
             <a:endParaRPr lang="ru-RU"/>
           </a:p>
@@ -821,7 +823,7 @@
           <a:p>
             <a:fld id="{FA984E8B-3F5A-48DE-8BA5-BCD329794D47}" type="datetimeFigureOut">
               <a:rPr lang="ru-RU" smtClean="0"/>
-              <a:t>25.10.2020</a:t>
+              <a:t>26.10.2020</a:t>
             </a:fld>
             <a:endParaRPr lang="ru-RU"/>
           </a:p>
@@ -1029,7 +1031,7 @@
           <a:p>
             <a:fld id="{FA984E8B-3F5A-48DE-8BA5-BCD329794D47}" type="datetimeFigureOut">
               <a:rPr lang="ru-RU" smtClean="0"/>
-              <a:t>25.10.2020</a:t>
+              <a:t>26.10.2020</a:t>
             </a:fld>
             <a:endParaRPr lang="ru-RU"/>
           </a:p>
@@ -1227,7 +1229,7 @@
           <a:p>
             <a:fld id="{FA984E8B-3F5A-48DE-8BA5-BCD329794D47}" type="datetimeFigureOut">
               <a:rPr lang="ru-RU" smtClean="0"/>
-              <a:t>25.10.2020</a:t>
+              <a:t>26.10.2020</a:t>
             </a:fld>
             <a:endParaRPr lang="ru-RU"/>
           </a:p>
@@ -1432,7 +1434,7 @@
           <a:p>
             <a:fld id="{FA984E8B-3F5A-48DE-8BA5-BCD329794D47}" type="datetimeFigureOut">
               <a:rPr lang="ru-RU" smtClean="0"/>
-              <a:t>25.10.2020</a:t>
+              <a:t>26.10.2020</a:t>
             </a:fld>
             <a:endParaRPr lang="ru-RU"/>
           </a:p>
@@ -1769,7 +1771,7 @@
           <a:p>
             <a:fld id="{FA984E8B-3F5A-48DE-8BA5-BCD329794D47}" type="datetimeFigureOut">
               <a:rPr lang="ru-RU" smtClean="0"/>
-              <a:t>25.10.2020</a:t>
+              <a:t>26.10.2020</a:t>
             </a:fld>
             <a:endParaRPr lang="ru-RU"/>
           </a:p>
@@ -2038,7 +2040,7 @@
           <a:p>
             <a:fld id="{FA984E8B-3F5A-48DE-8BA5-BCD329794D47}" type="datetimeFigureOut">
               <a:rPr lang="ru-RU" smtClean="0"/>
-              <a:t>25.10.2020</a:t>
+              <a:t>26.10.2020</a:t>
             </a:fld>
             <a:endParaRPr lang="ru-RU"/>
           </a:p>
@@ -2454,7 +2456,7 @@
           <a:p>
             <a:fld id="{FA984E8B-3F5A-48DE-8BA5-BCD329794D47}" type="datetimeFigureOut">
               <a:rPr lang="ru-RU" smtClean="0"/>
-              <a:t>25.10.2020</a:t>
+              <a:t>26.10.2020</a:t>
             </a:fld>
             <a:endParaRPr lang="ru-RU"/>
           </a:p>
@@ -2599,7 +2601,7 @@
           <a:p>
             <a:fld id="{FA984E8B-3F5A-48DE-8BA5-BCD329794D47}" type="datetimeFigureOut">
               <a:rPr lang="ru-RU" smtClean="0"/>
-              <a:t>25.10.2020</a:t>
+              <a:t>26.10.2020</a:t>
             </a:fld>
             <a:endParaRPr lang="ru-RU"/>
           </a:p>
@@ -2716,7 +2718,7 @@
           <a:p>
             <a:fld id="{FA984E8B-3F5A-48DE-8BA5-BCD329794D47}" type="datetimeFigureOut">
               <a:rPr lang="ru-RU" smtClean="0"/>
-              <a:t>25.10.2020</a:t>
+              <a:t>26.10.2020</a:t>
             </a:fld>
             <a:endParaRPr lang="ru-RU"/>
           </a:p>
@@ -3027,7 +3029,7 @@
           <a:p>
             <a:fld id="{FA984E8B-3F5A-48DE-8BA5-BCD329794D47}" type="datetimeFigureOut">
               <a:rPr lang="ru-RU" smtClean="0"/>
-              <a:t>25.10.2020</a:t>
+              <a:t>26.10.2020</a:t>
             </a:fld>
             <a:endParaRPr lang="ru-RU"/>
           </a:p>
@@ -3268,7 +3270,7 @@
           <a:p>
             <a:fld id="{FA984E8B-3F5A-48DE-8BA5-BCD329794D47}" type="datetimeFigureOut">
               <a:rPr lang="ru-RU" smtClean="0"/>
-              <a:t>25.10.2020</a:t>
+              <a:t>26.10.2020</a:t>
             </a:fld>
             <a:endParaRPr lang="ru-RU"/>
           </a:p>
@@ -25317,7 +25319,7 @@
           <p:cNvPr id="2" name="Заголовок 1">
             <a:extLst>
               <a:ext uri="{FF2B5EF4-FFF2-40B4-BE49-F238E27FC236}">
-                <a16:creationId xmlns:a16="http://schemas.microsoft.com/office/drawing/2014/main" id="{EFCE8630-B5EC-42B9-9AA2-9443375532D2}"/>
+                <a16:creationId xmlns:a16="http://schemas.microsoft.com/office/drawing/2014/main" id="{9F71AAFC-C17B-4E1D-A57A-B67DAACB8452}"/>
               </a:ext>
             </a:extLst>
           </p:cNvPr>
@@ -25328,27 +25330,92 @@
             <p:ph type="title"/>
           </p:nvPr>
         </p:nvSpPr>
+        <p:spPr/>
+        <p:txBody>
+          <a:bodyPr/>
+          <a:lstStyle/>
+          <a:p>
+            <a:r>
+              <a:rPr lang="ru-RU" dirty="0"/>
+              <a:t>Элементарные операции над множествами</a:t>
+            </a:r>
+          </a:p>
+        </p:txBody>
+      </p:sp>
+      <p:sp>
+        <p:nvSpPr>
+          <p:cNvPr id="3" name="Объект 2">
+            <a:extLst>
+              <a:ext uri="{FF2B5EF4-FFF2-40B4-BE49-F238E27FC236}">
+                <a16:creationId xmlns:a16="http://schemas.microsoft.com/office/drawing/2014/main" id="{F2A099BA-EC90-4CD4-9680-270F1ECCDFB0}"/>
+              </a:ext>
+            </a:extLst>
+          </p:cNvPr>
+          <p:cNvSpPr>
+            <a:spLocks noGrp="1"/>
+          </p:cNvSpPr>
+          <p:nvPr>
+            <p:ph idx="1"/>
+          </p:nvPr>
+        </p:nvSpPr>
         <p:spPr>
           <a:xfrm>
-            <a:off x="295939" y="4937125"/>
-            <a:ext cx="10515600" cy="1325563"/>
+            <a:off x="838200" y="1783094"/>
+            <a:ext cx="10515600" cy="4872887"/>
           </a:xfrm>
         </p:spPr>
         <p:txBody>
-          <a:bodyPr/>
+          <a:bodyPr>
+            <a:normAutofit/>
+          </a:bodyPr>
           <a:lstStyle/>
           <a:p>
             <a:r>
               <a:rPr lang="ru-RU" dirty="0"/>
-              <a:t>Преобразование данных</a:t>
-            </a:r>
+              <a:t>Создайте список из десяти элементов, содержащий повторяющиеся числа</a:t>
+            </a:r>
+          </a:p>
+          <a:p>
+            <a:r>
+              <a:rPr lang="ru-RU" dirty="0"/>
+              <a:t>Преобразуйте список в множество</a:t>
+            </a:r>
+          </a:p>
+          <a:p>
+            <a:r>
+              <a:rPr lang="ru-RU" dirty="0"/>
+              <a:t>Создайте второй список из десяти элементов, содержащий повторяющиеся числа и часть чисел из первого списка</a:t>
+            </a:r>
+          </a:p>
+          <a:p>
+            <a:r>
+              <a:rPr lang="ru-RU" dirty="0"/>
+              <a:t>Получите множество, образованное как разность двух множеств, которые вы сделали на предыдущих шагах</a:t>
+            </a:r>
+          </a:p>
+          <a:p>
+            <a:r>
+              <a:rPr lang="ru-RU" dirty="0"/>
+              <a:t>Получите множество, образованное как пересечение двух множеств, которые вы сделали на предыдущих шагах</a:t>
+            </a:r>
+          </a:p>
+          <a:p>
+            <a:r>
+              <a:rPr lang="ru-RU" dirty="0"/>
+              <a:t>Распечатайте все множества функцией </a:t>
+            </a:r>
+            <a:r>
+              <a:rPr lang="en-US" dirty="0"/>
+              <a:t>print( )</a:t>
+            </a:r>
+            <a:endParaRPr lang="ru-RU" dirty="0"/>
           </a:p>
         </p:txBody>
       </p:sp>
     </p:spTree>
     <p:extLst>
       <p:ext uri="{BB962C8B-B14F-4D97-AF65-F5344CB8AC3E}">
-        <p14:creationId xmlns:p14="http://schemas.microsoft.com/office/powerpoint/2010/main" val="3493542152"/>
+        <p14:creationId xmlns:p14="http://schemas.microsoft.com/office/powerpoint/2010/main" val="2281806115"/>
       </p:ext>
     </p:extLst>
   </p:cSld>
@@ -25380,6 +25447,69 @@
           <p:cNvPr id="2" name="Заголовок 1">
             <a:extLst>
               <a:ext uri="{FF2B5EF4-FFF2-40B4-BE49-F238E27FC236}">
+                <a16:creationId xmlns:a16="http://schemas.microsoft.com/office/drawing/2014/main" id="{EFCE8630-B5EC-42B9-9AA2-9443375532D2}"/>
+              </a:ext>
+            </a:extLst>
+          </p:cNvPr>
+          <p:cNvSpPr>
+            <a:spLocks noGrp="1"/>
+          </p:cNvSpPr>
+          <p:nvPr>
+            <p:ph type="title"/>
+          </p:nvPr>
+        </p:nvSpPr>
+        <p:spPr>
+          <a:xfrm>
+            <a:off x="295939" y="4937125"/>
+            <a:ext cx="10515600" cy="1325563"/>
+          </a:xfrm>
+        </p:spPr>
+        <p:txBody>
+          <a:bodyPr/>
+          <a:lstStyle/>
+          <a:p>
+            <a:r>
+              <a:rPr lang="ru-RU" dirty="0"/>
+              <a:t>Преобразование данных</a:t>
+            </a:r>
+          </a:p>
+        </p:txBody>
+      </p:sp>
+    </p:spTree>
+    <p:extLst>
+      <p:ext uri="{BB962C8B-B14F-4D97-AF65-F5344CB8AC3E}">
+        <p14:creationId xmlns:p14="http://schemas.microsoft.com/office/powerpoint/2010/main" val="3493542152"/>
+      </p:ext>
+    </p:extLst>
+  </p:cSld>
+  <p:clrMapOvr>
+    <a:masterClrMapping/>
+  </p:clrMapOvr>
+</p:sld>
+</file>
+
+<file path=ppt/slides/slide62.xml><?xml version="1.0" encoding="utf-8"?>
+<p:sld xmlns:a="http://schemas.openxmlformats.org/drawingml/2006/main" xmlns:r="http://schemas.openxmlformats.org/officeDocument/2006/relationships" xmlns:p="http://schemas.openxmlformats.org/presentationml/2006/main">
+  <p:cSld>
+    <p:spTree>
+      <p:nvGrpSpPr>
+        <p:cNvPr id="1" name=""/>
+        <p:cNvGrpSpPr/>
+        <p:nvPr/>
+      </p:nvGrpSpPr>
+      <p:grpSpPr>
+        <a:xfrm>
+          <a:off x="0" y="0"/>
+          <a:ext cx="0" cy="0"/>
+          <a:chOff x="0" y="0"/>
+          <a:chExt cx="0" cy="0"/>
+        </a:xfrm>
+      </p:grpSpPr>
+      <p:sp>
+        <p:nvSpPr>
+          <p:cNvPr id="2" name="Заголовок 1">
+            <a:extLst>
+              <a:ext uri="{FF2B5EF4-FFF2-40B4-BE49-F238E27FC236}">
                 <a16:creationId xmlns:a16="http://schemas.microsoft.com/office/drawing/2014/main" id="{C9388C9C-EE78-4460-9E69-9F52BF32061A}"/>
               </a:ext>
             </a:extLst>
@@ -25451,7 +25581,7 @@
           <p:nvPr>
             <p:extLst>
               <p:ext uri="{D42A27DB-BD31-4B8C-83A1-F6EECF244321}">
-                <p14:modId xmlns:p14="http://schemas.microsoft.com/office/powerpoint/2010/main" val="917739027"/>
+                <p14:modId xmlns:p14="http://schemas.microsoft.com/office/powerpoint/2010/main" val="3892190558"/>
               </p:ext>
             </p:extLst>
           </p:nvPr>
@@ -25652,7 +25782,7 @@
                           <a:ea typeface="+mn-ea"/>
                           <a:cs typeface="+mn-cs"/>
                         </a:rPr>
-                        <a:t>Преобразование в двоичную строку.</a:t>
+                        <a:t>Преобразование числа в двоичную строку.</a:t>
                       </a:r>
                       <a:endParaRPr lang="ru-RU" dirty="0"/>
                     </a:p>
@@ -25727,7 +25857,7 @@
                           <a:ea typeface="+mn-ea"/>
                           <a:cs typeface="+mn-cs"/>
                         </a:rPr>
-                        <a:t>Преобразование в шестнадцатеричную строку</a:t>
+                        <a:t>Преобразование числа в шестнадцатеричную строку</a:t>
                       </a:r>
                       <a:endParaRPr lang="ru-RU" dirty="0"/>
                     </a:p>
@@ -25802,7 +25932,7 @@
                           <a:ea typeface="+mn-ea"/>
                           <a:cs typeface="+mn-cs"/>
                         </a:rPr>
-                        <a:t>Преобразование в восьмеричную строку</a:t>
+                        <a:t>Преобразование числа в восьмеричную строку</a:t>
                       </a:r>
                       <a:endParaRPr lang="ru-RU" dirty="0"/>
                     </a:p>
@@ -25827,7 +25957,7 @@
                       </a:r>
                       <a:r>
                         <a:rPr lang="en-US" dirty="0"/>
-                        <a:t>(x)</a:t>
+                        <a:t>([object])</a:t>
                       </a:r>
                       <a:endParaRPr lang="ru-RU" dirty="0"/>
                     </a:p>
@@ -25841,7 +25971,7 @@
                     <a:p>
                       <a:r>
                         <a:rPr lang="ru-RU" dirty="0"/>
-                        <a:t>Преобразование в число с плавающей точкой</a:t>
+                        <a:t>Преобразование объекта в число с плавающей точкой</a:t>
                       </a:r>
                     </a:p>
                   </a:txBody>
@@ -25861,6 +25991,125 @@
     <p:extLst>
       <p:ext uri="{BB962C8B-B14F-4D97-AF65-F5344CB8AC3E}">
         <p14:creationId xmlns:p14="http://schemas.microsoft.com/office/powerpoint/2010/main" val="375827707"/>
+      </p:ext>
+    </p:extLst>
+  </p:cSld>
+  <p:clrMapOvr>
+    <a:masterClrMapping/>
+  </p:clrMapOvr>
+</p:sld>
+</file>
+
+<file path=ppt/slides/slide63.xml><?xml version="1.0" encoding="utf-8"?>
+<p:sld xmlns:a="http://schemas.openxmlformats.org/drawingml/2006/main" xmlns:r="http://schemas.openxmlformats.org/officeDocument/2006/relationships" xmlns:p="http://schemas.openxmlformats.org/presentationml/2006/main">
+  <p:cSld>
+    <p:spTree>
+      <p:nvGrpSpPr>
+        <p:cNvPr id="1" name=""/>
+        <p:cNvGrpSpPr/>
+        <p:nvPr/>
+      </p:nvGrpSpPr>
+      <p:grpSpPr>
+        <a:xfrm>
+          <a:off x="0" y="0"/>
+          <a:ext cx="0" cy="0"/>
+          <a:chOff x="0" y="0"/>
+          <a:chExt cx="0" cy="0"/>
+        </a:xfrm>
+      </p:grpSpPr>
+      <p:sp>
+        <p:nvSpPr>
+          <p:cNvPr id="2" name="Заголовок 1">
+            <a:extLst>
+              <a:ext uri="{FF2B5EF4-FFF2-40B4-BE49-F238E27FC236}">
+                <a16:creationId xmlns:a16="http://schemas.microsoft.com/office/drawing/2014/main" id="{187D35C8-3BA3-4721-9139-10681DED6409}"/>
+              </a:ext>
+            </a:extLst>
+          </p:cNvPr>
+          <p:cNvSpPr>
+            <a:spLocks noGrp="1"/>
+          </p:cNvSpPr>
+          <p:nvPr>
+            <p:ph type="title"/>
+          </p:nvPr>
+        </p:nvSpPr>
+        <p:spPr/>
+        <p:txBody>
+          <a:bodyPr/>
+          <a:lstStyle/>
+          <a:p>
+            <a:r>
+              <a:rPr lang="ru-RU" dirty="0"/>
+              <a:t>Преобразование данных</a:t>
+            </a:r>
+          </a:p>
+        </p:txBody>
+      </p:sp>
+      <p:sp>
+        <p:nvSpPr>
+          <p:cNvPr id="3" name="Объект 2">
+            <a:extLst>
+              <a:ext uri="{FF2B5EF4-FFF2-40B4-BE49-F238E27FC236}">
+                <a16:creationId xmlns:a16="http://schemas.microsoft.com/office/drawing/2014/main" id="{D04C92CB-6E43-437E-AFD9-ADFCC76F75B3}"/>
+              </a:ext>
+            </a:extLst>
+          </p:cNvPr>
+          <p:cNvSpPr>
+            <a:spLocks noGrp="1"/>
+          </p:cNvSpPr>
+          <p:nvPr>
+            <p:ph idx="1"/>
+          </p:nvPr>
+        </p:nvSpPr>
+        <p:spPr/>
+        <p:txBody>
+          <a:bodyPr/>
+          <a:lstStyle/>
+          <a:p>
+            <a:r>
+              <a:rPr lang="ru-RU" dirty="0"/>
+              <a:t>С помощью функции </a:t>
+            </a:r>
+            <a:r>
+              <a:rPr lang="en-US" dirty="0"/>
+              <a:t>input() </a:t>
+            </a:r>
+            <a:r>
+              <a:rPr lang="ru-RU" dirty="0"/>
+              <a:t>введите строку</a:t>
+            </a:r>
+          </a:p>
+          <a:p>
+            <a:r>
+              <a:rPr lang="ru-RU" dirty="0"/>
+              <a:t>Переведите строку в целое число. Обратите внимание на ошибку, которая может возникнуть, если строку нельзя перевести в целое число</a:t>
+            </a:r>
+          </a:p>
+          <a:p>
+            <a:r>
+              <a:rPr lang="ru-RU" dirty="0"/>
+              <a:t>Снова введите строку с помощью функции </a:t>
+            </a:r>
+            <a:r>
+              <a:rPr lang="en-US" dirty="0"/>
+              <a:t>input( )</a:t>
+            </a:r>
+          </a:p>
+          <a:p>
+            <a:r>
+              <a:rPr lang="ru-RU" dirty="0"/>
+              <a:t>Переведите строку в число с плавающей точкой. Обратите внимание на ошибку, которая может возникнуть, если строку нельзя перевести в число с плавающей точкой</a:t>
+            </a:r>
+          </a:p>
+          <a:p>
+            <a:endParaRPr lang="ru-RU" dirty="0"/>
+          </a:p>
+        </p:txBody>
+      </p:sp>
+    </p:spTree>
+    <p:extLst>
+      <p:ext uri="{BB962C8B-B14F-4D97-AF65-F5344CB8AC3E}">
+        <p14:creationId xmlns:p14="http://schemas.microsoft.com/office/powerpoint/2010/main" val="1909734272"/>
       </p:ext>
     </p:extLst>
   </p:cSld>

--- a/Presentation/Основы алгоритмизации и программирования.pptx
+++ b/Presentation/Основы алгоритмизации и программирования.pptx
@@ -26061,9 +26061,16 @@
             <p:ph idx="1"/>
           </p:nvPr>
         </p:nvSpPr>
-        <p:spPr/>
+        <p:spPr>
+          <a:xfrm>
+            <a:off x="838200" y="1825624"/>
+            <a:ext cx="10515600" cy="4883519"/>
+          </a:xfrm>
+        </p:spPr>
         <p:txBody>
-          <a:bodyPr/>
+          <a:bodyPr>
+            <a:normAutofit fontScale="92500" lnSpcReduction="10000"/>
+          </a:bodyPr>
           <a:lstStyle/>
           <a:p>
             <a:r>
@@ -26099,6 +26106,18 @@
             <a:r>
               <a:rPr lang="ru-RU" dirty="0"/>
               <a:t>Переведите строку в число с плавающей точкой. Обратите внимание на ошибку, которая может возникнуть, если строку нельзя перевести в число с плавающей точкой</a:t>
+            </a:r>
+          </a:p>
+          <a:p>
+            <a:r>
+              <a:rPr lang="ru-RU" dirty="0"/>
+              <a:t>Распечатайте целое число, полученное на втором шаге в двоичном виде</a:t>
+            </a:r>
+          </a:p>
+          <a:p>
+            <a:r>
+              <a:rPr lang="ru-RU" dirty="0"/>
+              <a:t>Распечатайте целое число, полученное на втором шаге в шестнадцатеричном виде</a:t>
             </a:r>
           </a:p>
           <a:p>

--- a/Presentation/Основы алгоритмизации и программирования.pptx
+++ b/Presentation/Основы алгоритмизации и программирования.pptx
@@ -25366,7 +25366,7 @@
         </p:spPr>
         <p:txBody>
           <a:bodyPr>
-            <a:normAutofit/>
+            <a:normAutofit lnSpcReduction="10000"/>
           </a:bodyPr>
           <a:lstStyle/>
           <a:p>
@@ -25385,6 +25385,13 @@
             <a:r>
               <a:rPr lang="ru-RU" dirty="0"/>
               <a:t>Создайте второй список из десяти элементов, содержащий повторяющиеся числа и часть чисел из первого списка</a:t>
+            </a:r>
+            <a:endParaRPr lang="en-US" dirty="0"/>
+          </a:p>
+          <a:p>
+            <a:r>
+              <a:rPr lang="ru-RU" dirty="0"/>
+              <a:t>Преобразуйте второй список в множество</a:t>
             </a:r>
           </a:p>
           <a:p>

--- a/Presentation/Основы алгоритмизации и программирования.pptx
+++ b/Presentation/Основы алгоритмизации и программирования.pptx
@@ -25477,7 +25477,7 @@
           <a:p>
             <a:r>
               <a:rPr lang="ru-RU" dirty="0"/>
-              <a:t>Преобразование данных</a:t>
+              <a:t>Преобразование типа данных</a:t>
             </a:r>
           </a:p>
         </p:txBody>
@@ -25535,7 +25535,7 @@
           <a:p>
             <a:r>
               <a:rPr lang="ru-RU" dirty="0"/>
-              <a:t>Преобразование данных</a:t>
+              <a:t>Преобразование типа данных</a:t>
             </a:r>
           </a:p>
         </p:txBody>
@@ -26047,7 +26047,7 @@
           <a:p>
             <a:r>
               <a:rPr lang="ru-RU" dirty="0"/>
-              <a:t>Преобразование данных</a:t>
+              <a:t>Преобразование типа данных</a:t>
             </a:r>
           </a:p>
         </p:txBody>

--- a/Presentation/Основы алгоритмизации и программирования.pptx
+++ b/Presentation/Основы алгоритмизации и программирования.pptx
@@ -68,6 +68,11 @@
     <p:sldId id="307" r:id="rId62"/>
     <p:sldId id="315" r:id="rId63"/>
     <p:sldId id="318" r:id="rId64"/>
+    <p:sldId id="319" r:id="rId65"/>
+    <p:sldId id="320" r:id="rId66"/>
+    <p:sldId id="321" r:id="rId67"/>
+    <p:sldId id="322" r:id="rId68"/>
+    <p:sldId id="323" r:id="rId69"/>
   </p:sldIdLst>
   <p:sldSz cx="12192000" cy="6858000"/>
   <p:notesSz cx="6858000" cy="9144000"/>
@@ -26145,6 +26150,1522 @@
 </p:sld>
 </file>
 
+<file path=ppt/slides/slide64.xml><?xml version="1.0" encoding="utf-8"?>
+<p:sld xmlns:a="http://schemas.openxmlformats.org/drawingml/2006/main" xmlns:r="http://schemas.openxmlformats.org/officeDocument/2006/relationships" xmlns:p="http://schemas.openxmlformats.org/presentationml/2006/main">
+  <p:cSld>
+    <p:spTree>
+      <p:nvGrpSpPr>
+        <p:cNvPr id="1" name=""/>
+        <p:cNvGrpSpPr/>
+        <p:nvPr/>
+      </p:nvGrpSpPr>
+      <p:grpSpPr>
+        <a:xfrm>
+          <a:off x="0" y="0"/>
+          <a:ext cx="0" cy="0"/>
+          <a:chOff x="0" y="0"/>
+          <a:chExt cx="0" cy="0"/>
+        </a:xfrm>
+      </p:grpSpPr>
+      <p:sp>
+        <p:nvSpPr>
+          <p:cNvPr id="2" name="Заголовок 1">
+            <a:extLst>
+              <a:ext uri="{FF2B5EF4-FFF2-40B4-BE49-F238E27FC236}">
+                <a16:creationId xmlns:a16="http://schemas.microsoft.com/office/drawing/2014/main" id="{8FA745C0-4AC2-4771-B1C1-AE0DE2CE2D48}"/>
+              </a:ext>
+            </a:extLst>
+          </p:cNvPr>
+          <p:cNvSpPr>
+            <a:spLocks noGrp="1"/>
+          </p:cNvSpPr>
+          <p:nvPr>
+            <p:ph type="title"/>
+          </p:nvPr>
+        </p:nvSpPr>
+        <p:spPr/>
+        <p:txBody>
+          <a:bodyPr/>
+          <a:lstStyle/>
+          <a:p>
+            <a:r>
+              <a:rPr lang="ru-RU" dirty="0"/>
+              <a:t>Операторы </a:t>
+            </a:r>
+            <a:r>
+              <a:rPr lang="en-US" dirty="0"/>
+              <a:t>Python</a:t>
+            </a:r>
+            <a:endParaRPr lang="ru-RU" dirty="0"/>
+          </a:p>
+        </p:txBody>
+      </p:sp>
+      <p:sp>
+        <p:nvSpPr>
+          <p:cNvPr id="3" name="Текст 2">
+            <a:extLst>
+              <a:ext uri="{FF2B5EF4-FFF2-40B4-BE49-F238E27FC236}">
+                <a16:creationId xmlns:a16="http://schemas.microsoft.com/office/drawing/2014/main" id="{4470EEC2-F867-4A49-829E-85469A6FE87A}"/>
+              </a:ext>
+            </a:extLst>
+          </p:cNvPr>
+          <p:cNvSpPr>
+            <a:spLocks noGrp="1"/>
+          </p:cNvSpPr>
+          <p:nvPr>
+            <p:ph type="body" idx="1"/>
+          </p:nvPr>
+        </p:nvSpPr>
+        <p:spPr/>
+        <p:txBody>
+          <a:bodyPr/>
+          <a:lstStyle/>
+          <a:p>
+            <a:endParaRPr lang="ru-RU"/>
+          </a:p>
+        </p:txBody>
+      </p:sp>
+    </p:spTree>
+    <p:extLst>
+      <p:ext uri="{BB962C8B-B14F-4D97-AF65-F5344CB8AC3E}">
+        <p14:creationId xmlns:p14="http://schemas.microsoft.com/office/powerpoint/2010/main" val="1277365166"/>
+      </p:ext>
+    </p:extLst>
+  </p:cSld>
+  <p:clrMapOvr>
+    <a:masterClrMapping/>
+  </p:clrMapOvr>
+</p:sld>
+</file>
+
+<file path=ppt/slides/slide65.xml><?xml version="1.0" encoding="utf-8"?>
+<p:sld xmlns:a="http://schemas.openxmlformats.org/drawingml/2006/main" xmlns:r="http://schemas.openxmlformats.org/officeDocument/2006/relationships" xmlns:p="http://schemas.openxmlformats.org/presentationml/2006/main">
+  <p:cSld>
+    <p:spTree>
+      <p:nvGrpSpPr>
+        <p:cNvPr id="1" name=""/>
+        <p:cNvGrpSpPr/>
+        <p:nvPr/>
+      </p:nvGrpSpPr>
+      <p:grpSpPr>
+        <a:xfrm>
+          <a:off x="0" y="0"/>
+          <a:ext cx="0" cy="0"/>
+          <a:chOff x="0" y="0"/>
+          <a:chExt cx="0" cy="0"/>
+        </a:xfrm>
+      </p:grpSpPr>
+      <p:sp>
+        <p:nvSpPr>
+          <p:cNvPr id="2" name="Заголовок 1">
+            <a:extLst>
+              <a:ext uri="{FF2B5EF4-FFF2-40B4-BE49-F238E27FC236}">
+                <a16:creationId xmlns:a16="http://schemas.microsoft.com/office/drawing/2014/main" id="{94BA997D-77DA-4447-BC1C-32C7D7DF54F3}"/>
+              </a:ext>
+            </a:extLst>
+          </p:cNvPr>
+          <p:cNvSpPr>
+            <a:spLocks noGrp="1"/>
+          </p:cNvSpPr>
+          <p:nvPr>
+            <p:ph type="title"/>
+          </p:nvPr>
+        </p:nvSpPr>
+        <p:spPr/>
+        <p:txBody>
+          <a:bodyPr/>
+          <a:lstStyle/>
+          <a:p>
+            <a:r>
+              <a:rPr lang="ru-RU" dirty="0"/>
+              <a:t>Операторы </a:t>
+            </a:r>
+            <a:r>
+              <a:rPr lang="en-US" dirty="0"/>
+              <a:t>Python</a:t>
+            </a:r>
+            <a:endParaRPr lang="ru-RU" dirty="0"/>
+          </a:p>
+        </p:txBody>
+      </p:sp>
+      <p:sp>
+        <p:nvSpPr>
+          <p:cNvPr id="3" name="Объект 2">
+            <a:extLst>
+              <a:ext uri="{FF2B5EF4-FFF2-40B4-BE49-F238E27FC236}">
+                <a16:creationId xmlns:a16="http://schemas.microsoft.com/office/drawing/2014/main" id="{765D77E9-FBE4-4A4C-B9C7-A942AECA2908}"/>
+              </a:ext>
+            </a:extLst>
+          </p:cNvPr>
+          <p:cNvSpPr>
+            <a:spLocks noGrp="1"/>
+          </p:cNvSpPr>
+          <p:nvPr>
+            <p:ph idx="1"/>
+          </p:nvPr>
+        </p:nvSpPr>
+        <p:spPr/>
+        <p:txBody>
+          <a:bodyPr/>
+          <a:lstStyle/>
+          <a:p>
+            <a:r>
+              <a:rPr lang="ru-RU" dirty="0"/>
+              <a:t>Оператор условного перехода</a:t>
+            </a:r>
+          </a:p>
+          <a:p>
+            <a:r>
+              <a:rPr lang="ru-RU" dirty="0"/>
+              <a:t>Условное выражение</a:t>
+            </a:r>
+          </a:p>
+          <a:p>
+            <a:r>
+              <a:rPr lang="ru-RU" dirty="0"/>
+              <a:t>Оператор цикла </a:t>
+            </a:r>
+            <a:r>
+              <a:rPr lang="en-US" b="1" dirty="0"/>
+              <a:t>while</a:t>
+            </a:r>
+          </a:p>
+          <a:p>
+            <a:r>
+              <a:rPr lang="ru-RU" dirty="0"/>
+              <a:t>Оператор цикла </a:t>
+            </a:r>
+            <a:r>
+              <a:rPr lang="en-US" b="1" dirty="0"/>
+              <a:t>for</a:t>
+            </a:r>
+          </a:p>
+          <a:p>
+            <a:r>
+              <a:rPr lang="ru-RU" dirty="0"/>
+              <a:t>Операторы перехода </a:t>
+            </a:r>
+            <a:r>
+              <a:rPr lang="en-US" b="1" dirty="0"/>
+              <a:t>break</a:t>
+            </a:r>
+            <a:r>
+              <a:rPr lang="en-US" dirty="0"/>
+              <a:t> </a:t>
+            </a:r>
+            <a:r>
+              <a:rPr lang="ru-RU" dirty="0"/>
+              <a:t>и </a:t>
+            </a:r>
+            <a:r>
+              <a:rPr lang="en-US" b="1" dirty="0"/>
+              <a:t>continue</a:t>
+            </a:r>
+          </a:p>
+          <a:p>
+            <a:r>
+              <a:rPr lang="ru-RU" dirty="0"/>
+              <a:t>Оператор </a:t>
+            </a:r>
+            <a:r>
+              <a:rPr lang="en-US" b="1" dirty="0"/>
+              <a:t>pass</a:t>
+            </a:r>
+            <a:endParaRPr lang="ru-RU" b="1" dirty="0"/>
+          </a:p>
+        </p:txBody>
+      </p:sp>
+    </p:spTree>
+    <p:extLst>
+      <p:ext uri="{BB962C8B-B14F-4D97-AF65-F5344CB8AC3E}">
+        <p14:creationId xmlns:p14="http://schemas.microsoft.com/office/powerpoint/2010/main" val="1211846391"/>
+      </p:ext>
+    </p:extLst>
+  </p:cSld>
+  <p:clrMapOvr>
+    <a:masterClrMapping/>
+  </p:clrMapOvr>
+</p:sld>
+</file>
+
+<file path=ppt/slides/slide66.xml><?xml version="1.0" encoding="utf-8"?>
+<p:sld xmlns:a="http://schemas.openxmlformats.org/drawingml/2006/main" xmlns:r="http://schemas.openxmlformats.org/officeDocument/2006/relationships" xmlns:p="http://schemas.openxmlformats.org/presentationml/2006/main">
+  <p:cSld>
+    <p:spTree>
+      <p:nvGrpSpPr>
+        <p:cNvPr id="1" name=""/>
+        <p:cNvGrpSpPr/>
+        <p:nvPr/>
+      </p:nvGrpSpPr>
+      <p:grpSpPr>
+        <a:xfrm>
+          <a:off x="0" y="0"/>
+          <a:ext cx="0" cy="0"/>
+          <a:chOff x="0" y="0"/>
+          <a:chExt cx="0" cy="0"/>
+        </a:xfrm>
+      </p:grpSpPr>
+      <p:sp>
+        <p:nvSpPr>
+          <p:cNvPr id="2" name="Заголовок 1">
+            <a:extLst>
+              <a:ext uri="{FF2B5EF4-FFF2-40B4-BE49-F238E27FC236}">
+                <a16:creationId xmlns:a16="http://schemas.microsoft.com/office/drawing/2014/main" id="{5C130FF4-CF97-4747-9344-5C56600D85DD}"/>
+              </a:ext>
+            </a:extLst>
+          </p:cNvPr>
+          <p:cNvSpPr>
+            <a:spLocks noGrp="1"/>
+          </p:cNvSpPr>
+          <p:nvPr>
+            <p:ph type="title"/>
+          </p:nvPr>
+        </p:nvSpPr>
+        <p:spPr>
+          <a:xfrm>
+            <a:off x="838200" y="163106"/>
+            <a:ext cx="10515600" cy="1325563"/>
+          </a:xfrm>
+        </p:spPr>
+        <p:txBody>
+          <a:bodyPr/>
+          <a:lstStyle/>
+          <a:p>
+            <a:r>
+              <a:rPr lang="ru-RU" dirty="0"/>
+              <a:t>Оператор условного перехода</a:t>
+            </a:r>
+          </a:p>
+        </p:txBody>
+      </p:sp>
+      <p:grpSp>
+        <p:nvGrpSpPr>
+          <p:cNvPr id="8" name="Группа 7">
+            <a:extLst>
+              <a:ext uri="{FF2B5EF4-FFF2-40B4-BE49-F238E27FC236}">
+                <a16:creationId xmlns:a16="http://schemas.microsoft.com/office/drawing/2014/main" id="{A36FA122-FCD0-4C00-9E3A-64D25E3AF71C}"/>
+              </a:ext>
+            </a:extLst>
+          </p:cNvPr>
+          <p:cNvGrpSpPr/>
+          <p:nvPr/>
+        </p:nvGrpSpPr>
+        <p:grpSpPr>
+          <a:xfrm>
+            <a:off x="636182" y="2445488"/>
+            <a:ext cx="4221126" cy="2785731"/>
+            <a:chOff x="6804838" y="1626781"/>
+            <a:chExt cx="4221126" cy="2785731"/>
+          </a:xfrm>
+        </p:grpSpPr>
+        <p:sp>
+          <p:nvSpPr>
+            <p:cNvPr id="4" name="Прямоугольник: скругленные углы 3">
+              <a:extLst>
+                <a:ext uri="{FF2B5EF4-FFF2-40B4-BE49-F238E27FC236}">
+                  <a16:creationId xmlns:a16="http://schemas.microsoft.com/office/drawing/2014/main" id="{50DF5F3C-86AA-43A4-847B-83400571D1A4}"/>
+                </a:ext>
+              </a:extLst>
+            </p:cNvPr>
+            <p:cNvSpPr/>
+            <p:nvPr/>
+          </p:nvSpPr>
+          <p:spPr>
+            <a:xfrm>
+              <a:off x="6804838" y="1626781"/>
+              <a:ext cx="4221126" cy="2785731"/>
+            </a:xfrm>
+            <a:prstGeom prst="roundRect">
+              <a:avLst/>
+            </a:prstGeom>
+          </p:spPr>
+          <p:style>
+            <a:lnRef idx="2">
+              <a:schemeClr val="accent1">
+                <a:shade val="50000"/>
+              </a:schemeClr>
+            </a:lnRef>
+            <a:fillRef idx="1">
+              <a:schemeClr val="accent1"/>
+            </a:fillRef>
+            <a:effectRef idx="0">
+              <a:schemeClr val="accent1"/>
+            </a:effectRef>
+            <a:fontRef idx="minor">
+              <a:schemeClr val="lt1"/>
+            </a:fontRef>
+          </p:style>
+          <p:txBody>
+            <a:bodyPr rtlCol="0" anchor="ctr"/>
+            <a:lstStyle/>
+            <a:p>
+              <a:r>
+                <a:rPr lang="en-US" sz="4400" dirty="0"/>
+                <a:t>if                  :</a:t>
+              </a:r>
+            </a:p>
+            <a:p>
+              <a:pPr algn="ctr"/>
+              <a:endParaRPr lang="en-US" sz="4400" dirty="0"/>
+            </a:p>
+            <a:p>
+              <a:r>
+                <a:rPr lang="en-US" sz="4400" dirty="0"/>
+                <a:t>else:</a:t>
+              </a:r>
+            </a:p>
+            <a:p>
+              <a:pPr algn="ctr"/>
+              <a:endParaRPr lang="en-US" sz="4400" dirty="0"/>
+            </a:p>
+          </p:txBody>
+        </p:sp>
+        <p:sp>
+          <p:nvSpPr>
+            <p:cNvPr id="5" name="Прямоугольник: скругленные углы 4">
+              <a:extLst>
+                <a:ext uri="{FF2B5EF4-FFF2-40B4-BE49-F238E27FC236}">
+                  <a16:creationId xmlns:a16="http://schemas.microsoft.com/office/drawing/2014/main" id="{3C784D86-8718-4057-959E-ABCFB19112E0}"/>
+                </a:ext>
+              </a:extLst>
+            </p:cNvPr>
+            <p:cNvSpPr/>
+            <p:nvPr/>
+          </p:nvSpPr>
+          <p:spPr>
+            <a:xfrm>
+              <a:off x="7581014" y="1765005"/>
+              <a:ext cx="1988288" cy="616688"/>
+            </a:xfrm>
+            <a:prstGeom prst="roundRect">
+              <a:avLst/>
+            </a:prstGeom>
+          </p:spPr>
+          <p:style>
+            <a:lnRef idx="0">
+              <a:schemeClr val="accent2"/>
+            </a:lnRef>
+            <a:fillRef idx="3">
+              <a:schemeClr val="accent2"/>
+            </a:fillRef>
+            <a:effectRef idx="3">
+              <a:schemeClr val="accent2"/>
+            </a:effectRef>
+            <a:fontRef idx="minor">
+              <a:schemeClr val="lt1"/>
+            </a:fontRef>
+          </p:style>
+          <p:txBody>
+            <a:bodyPr rtlCol="0" anchor="ctr"/>
+            <a:lstStyle/>
+            <a:p>
+              <a:pPr algn="ctr"/>
+              <a:r>
+                <a:rPr lang="ru-RU" dirty="0"/>
+                <a:t>УСЛОВИЕ</a:t>
+              </a:r>
+            </a:p>
+          </p:txBody>
+        </p:sp>
+        <p:sp>
+          <p:nvSpPr>
+            <p:cNvPr id="6" name="Прямоугольник: скругленные углы 5">
+              <a:extLst>
+                <a:ext uri="{FF2B5EF4-FFF2-40B4-BE49-F238E27FC236}">
+                  <a16:creationId xmlns:a16="http://schemas.microsoft.com/office/drawing/2014/main" id="{6B8C8FAA-FDF6-4D17-8E24-2C4BA590E5A5}"/>
+                </a:ext>
+              </a:extLst>
+            </p:cNvPr>
+            <p:cNvSpPr/>
+            <p:nvPr/>
+          </p:nvSpPr>
+          <p:spPr>
+            <a:xfrm>
+              <a:off x="8144539" y="2493446"/>
+              <a:ext cx="1988288" cy="616688"/>
+            </a:xfrm>
+            <a:prstGeom prst="roundRect">
+              <a:avLst/>
+            </a:prstGeom>
+          </p:spPr>
+          <p:style>
+            <a:lnRef idx="0">
+              <a:schemeClr val="accent6"/>
+            </a:lnRef>
+            <a:fillRef idx="3">
+              <a:schemeClr val="accent6"/>
+            </a:fillRef>
+            <a:effectRef idx="3">
+              <a:schemeClr val="accent6"/>
+            </a:effectRef>
+            <a:fontRef idx="minor">
+              <a:schemeClr val="lt1"/>
+            </a:fontRef>
+          </p:style>
+          <p:txBody>
+            <a:bodyPr rtlCol="0" anchor="ctr"/>
+            <a:lstStyle/>
+            <a:p>
+              <a:pPr algn="ctr"/>
+              <a:r>
+                <a:rPr lang="ru-RU" dirty="0"/>
+                <a:t>БЛОК </a:t>
+              </a:r>
+              <a:r>
+                <a:rPr lang="en-US" dirty="0"/>
+                <a:t>THEN</a:t>
+              </a:r>
+              <a:endParaRPr lang="ru-RU" dirty="0"/>
+            </a:p>
+          </p:txBody>
+        </p:sp>
+        <p:sp>
+          <p:nvSpPr>
+            <p:cNvPr id="7" name="Прямоугольник: скругленные углы 6">
+              <a:extLst>
+                <a:ext uri="{FF2B5EF4-FFF2-40B4-BE49-F238E27FC236}">
+                  <a16:creationId xmlns:a16="http://schemas.microsoft.com/office/drawing/2014/main" id="{32B887ED-4805-4CE7-8918-739409A987F9}"/>
+                </a:ext>
+              </a:extLst>
+            </p:cNvPr>
+            <p:cNvSpPr/>
+            <p:nvPr/>
+          </p:nvSpPr>
+          <p:spPr>
+            <a:xfrm>
+              <a:off x="8096692" y="3668455"/>
+              <a:ext cx="1988288" cy="573936"/>
+            </a:xfrm>
+            <a:prstGeom prst="roundRect">
+              <a:avLst/>
+            </a:prstGeom>
+          </p:spPr>
+          <p:style>
+            <a:lnRef idx="0">
+              <a:schemeClr val="accent3"/>
+            </a:lnRef>
+            <a:fillRef idx="3">
+              <a:schemeClr val="accent3"/>
+            </a:fillRef>
+            <a:effectRef idx="3">
+              <a:schemeClr val="accent3"/>
+            </a:effectRef>
+            <a:fontRef idx="minor">
+              <a:schemeClr val="lt1"/>
+            </a:fontRef>
+          </p:style>
+          <p:txBody>
+            <a:bodyPr rtlCol="0" anchor="ctr"/>
+            <a:lstStyle/>
+            <a:p>
+              <a:pPr algn="ctr"/>
+              <a:r>
+                <a:rPr lang="ru-RU" dirty="0"/>
+                <a:t>БЛОК </a:t>
+              </a:r>
+              <a:r>
+                <a:rPr lang="en-US" dirty="0"/>
+                <a:t>ELSE</a:t>
+              </a:r>
+              <a:endParaRPr lang="ru-RU" dirty="0"/>
+            </a:p>
+          </p:txBody>
+        </p:sp>
+      </p:grpSp>
+      <p:pic>
+        <p:nvPicPr>
+          <p:cNvPr id="9" name="Рисунок 8">
+            <a:extLst>
+              <a:ext uri="{FF2B5EF4-FFF2-40B4-BE49-F238E27FC236}">
+                <a16:creationId xmlns:a16="http://schemas.microsoft.com/office/drawing/2014/main" id="{2992797A-784C-46CC-B39C-F82452731503}"/>
+              </a:ext>
+            </a:extLst>
+          </p:cNvPr>
+          <p:cNvPicPr>
+            <a:picLocks noChangeAspect="1"/>
+          </p:cNvPicPr>
+          <p:nvPr/>
+        </p:nvPicPr>
+        <p:blipFill rotWithShape="1">
+          <a:blip r:embed="rId2"/>
+          <a:srcRect l="5536" t="8681" r="5286" b="3119"/>
+          <a:stretch/>
+        </p:blipFill>
+        <p:spPr>
+          <a:xfrm>
+            <a:off x="5444756" y="1260068"/>
+            <a:ext cx="5230332" cy="5580137"/>
+          </a:xfrm>
+          <a:prstGeom prst="rect">
+            <a:avLst/>
+          </a:prstGeom>
+        </p:spPr>
+      </p:pic>
+    </p:spTree>
+    <p:extLst>
+      <p:ext uri="{BB962C8B-B14F-4D97-AF65-F5344CB8AC3E}">
+        <p14:creationId xmlns:p14="http://schemas.microsoft.com/office/powerpoint/2010/main" val="3330837984"/>
+      </p:ext>
+    </p:extLst>
+  </p:cSld>
+  <p:clrMapOvr>
+    <a:masterClrMapping/>
+  </p:clrMapOvr>
+</p:sld>
+</file>
+
+<file path=ppt/slides/slide67.xml><?xml version="1.0" encoding="utf-8"?>
+<p:sld xmlns:a="http://schemas.openxmlformats.org/drawingml/2006/main" xmlns:r="http://schemas.openxmlformats.org/officeDocument/2006/relationships" xmlns:p="http://schemas.openxmlformats.org/presentationml/2006/main">
+  <p:cSld>
+    <p:spTree>
+      <p:nvGrpSpPr>
+        <p:cNvPr id="1" name=""/>
+        <p:cNvGrpSpPr/>
+        <p:nvPr/>
+      </p:nvGrpSpPr>
+      <p:grpSpPr>
+        <a:xfrm>
+          <a:off x="0" y="0"/>
+          <a:ext cx="0" cy="0"/>
+          <a:chOff x="0" y="0"/>
+          <a:chExt cx="0" cy="0"/>
+        </a:xfrm>
+      </p:grpSpPr>
+      <p:sp>
+        <p:nvSpPr>
+          <p:cNvPr id="2" name="Заголовок 1">
+            <a:extLst>
+              <a:ext uri="{FF2B5EF4-FFF2-40B4-BE49-F238E27FC236}">
+                <a16:creationId xmlns:a16="http://schemas.microsoft.com/office/drawing/2014/main" id="{E9FC8C45-483A-412D-86B2-EB49BFA82D14}"/>
+              </a:ext>
+            </a:extLst>
+          </p:cNvPr>
+          <p:cNvSpPr>
+            <a:spLocks noGrp="1"/>
+          </p:cNvSpPr>
+          <p:nvPr>
+            <p:ph type="title"/>
+          </p:nvPr>
+        </p:nvSpPr>
+        <p:spPr/>
+        <p:txBody>
+          <a:bodyPr/>
+          <a:lstStyle/>
+          <a:p>
+            <a:r>
+              <a:rPr lang="ru-RU" dirty="0"/>
+              <a:t>Оператор условного перехода</a:t>
+            </a:r>
+          </a:p>
+        </p:txBody>
+      </p:sp>
+      <p:sp>
+        <p:nvSpPr>
+          <p:cNvPr id="3" name="Объект 2">
+            <a:extLst>
+              <a:ext uri="{FF2B5EF4-FFF2-40B4-BE49-F238E27FC236}">
+                <a16:creationId xmlns:a16="http://schemas.microsoft.com/office/drawing/2014/main" id="{FA147E98-5864-48BE-B69A-960DF59130E3}"/>
+              </a:ext>
+            </a:extLst>
+          </p:cNvPr>
+          <p:cNvSpPr>
+            <a:spLocks noGrp="1"/>
+          </p:cNvSpPr>
+          <p:nvPr>
+            <p:ph idx="1"/>
+          </p:nvPr>
+        </p:nvSpPr>
+        <p:spPr/>
+        <p:txBody>
+          <a:bodyPr/>
+          <a:lstStyle/>
+          <a:p>
+            <a:r>
+              <a:rPr lang="ru-RU" dirty="0"/>
+              <a:t>Для принятия решения значения выражения в операторе </a:t>
+            </a:r>
+            <a:r>
+              <a:rPr lang="en-US" dirty="0"/>
+              <a:t>if  </a:t>
+            </a:r>
+            <a:r>
+              <a:rPr lang="ru-RU" dirty="0"/>
+              <a:t>преобразуется к типу </a:t>
+            </a:r>
+            <a:r>
+              <a:rPr lang="en-US" dirty="0"/>
+              <a:t>Boolean</a:t>
+            </a:r>
+            <a:endParaRPr lang="ru-RU" dirty="0"/>
+          </a:p>
+          <a:p>
+            <a:pPr marL="0" indent="0">
+              <a:buNone/>
+            </a:pPr>
+            <a:endParaRPr lang="ru-RU" dirty="0"/>
+          </a:p>
+        </p:txBody>
+      </p:sp>
+      <p:graphicFrame>
+        <p:nvGraphicFramePr>
+          <p:cNvPr id="5" name="Table 6">
+            <a:extLst>
+              <a:ext uri="{FF2B5EF4-FFF2-40B4-BE49-F238E27FC236}">
+                <a16:creationId xmlns:a16="http://schemas.microsoft.com/office/drawing/2014/main" id="{D1510442-462B-4C79-B1B9-31F434FF8DDD}"/>
+              </a:ext>
+            </a:extLst>
+          </p:cNvPr>
+          <p:cNvGraphicFramePr>
+            <a:graphicFrameLocks noGrp="1"/>
+          </p:cNvGraphicFramePr>
+          <p:nvPr>
+            <p:extLst>
+              <p:ext uri="{D42A27DB-BD31-4B8C-83A1-F6EECF244321}">
+                <p14:modId xmlns:p14="http://schemas.microsoft.com/office/powerpoint/2010/main" val="3698307102"/>
+              </p:ext>
+            </p:extLst>
+          </p:nvPr>
+        </p:nvGraphicFramePr>
+        <p:xfrm>
+          <a:off x="980077" y="2761933"/>
+          <a:ext cx="9948421" cy="3780790"/>
+        </p:xfrm>
+        <a:graphic>
+          <a:graphicData uri="http://schemas.openxmlformats.org/drawingml/2006/table">
+            <a:tbl>
+              <a:tblPr firstRow="1" bandRow="1">
+                <a:tableStyleId>{5C22544A-7EE6-4342-B048-85BDC9FD1C3A}</a:tableStyleId>
+              </a:tblPr>
+              <a:tblGrid>
+                <a:gridCol w="4611942">
+                  <a:extLst>
+                    <a:ext uri="{9D8B030D-6E8A-4147-A177-3AD203B41FA5}">
+                      <a16:colId xmlns:a16="http://schemas.microsoft.com/office/drawing/2014/main" val="20000"/>
+                    </a:ext>
+                  </a:extLst>
+                </a:gridCol>
+                <a:gridCol w="5336479">
+                  <a:extLst>
+                    <a:ext uri="{9D8B030D-6E8A-4147-A177-3AD203B41FA5}">
+                      <a16:colId xmlns:a16="http://schemas.microsoft.com/office/drawing/2014/main" val="20001"/>
+                    </a:ext>
+                  </a:extLst>
+                </a:gridCol>
+              </a:tblGrid>
+              <a:tr h="412608">
+                <a:tc>
+                  <a:txBody>
+                    <a:bodyPr/>
+                    <a:lstStyle/>
+                    <a:p>
+                      <a:pPr>
+                        <a:spcAft>
+                          <a:spcPts val="0"/>
+                        </a:spcAft>
+                      </a:pPr>
+                      <a:r>
+                        <a:rPr lang="ru-RU" sz="2400" b="1" kern="50" dirty="0">
+                          <a:latin typeface="Liberation Serif"/>
+                          <a:ea typeface="WenQuanYi Zen Hei"/>
+                          <a:cs typeface="Lohit Devanagari"/>
+                        </a:rPr>
+                        <a:t>Значение, воспринимаемое как </a:t>
+                      </a:r>
+                      <a:r>
+                        <a:rPr lang="en-US" sz="2400" b="1" kern="50" dirty="0">
+                          <a:latin typeface="Liberation Serif"/>
+                          <a:ea typeface="WenQuanYi Zen Hei"/>
+                          <a:cs typeface="Lohit Devanagari"/>
+                        </a:rPr>
+                        <a:t>True</a:t>
+                      </a:r>
+                      <a:endParaRPr lang="ro-RO" sz="2400" kern="50" dirty="0">
+                        <a:latin typeface="Liberation Serif"/>
+                        <a:ea typeface="WenQuanYi Zen Hei"/>
+                        <a:cs typeface="Lohit Devanagari"/>
+                      </a:endParaRPr>
+                    </a:p>
+                  </a:txBody>
+                  <a:tcPr marL="34925" marR="34925" marT="34925" marB="34925"/>
+                </a:tc>
+                <a:tc>
+                  <a:txBody>
+                    <a:bodyPr/>
+                    <a:lstStyle/>
+                    <a:p>
+                      <a:pPr>
+                        <a:spcAft>
+                          <a:spcPts val="0"/>
+                        </a:spcAft>
+                      </a:pPr>
+                      <a:r>
+                        <a:rPr lang="ru-RU" sz="2400" b="1" kern="50" dirty="0">
+                          <a:latin typeface="Liberation Serif"/>
+                          <a:ea typeface="WenQuanYi Zen Hei"/>
+                          <a:cs typeface="Lohit Devanagari"/>
+                        </a:rPr>
+                        <a:t>Значение воспринимаемое как </a:t>
+                      </a:r>
+                      <a:r>
+                        <a:rPr lang="en-US" sz="2400" b="1" kern="50" dirty="0">
+                          <a:latin typeface="Liberation Serif"/>
+                          <a:ea typeface="WenQuanYi Zen Hei"/>
+                          <a:cs typeface="Lohit Devanagari"/>
+                        </a:rPr>
+                        <a:t>False</a:t>
+                      </a:r>
+                      <a:endParaRPr lang="ro-RO" sz="2400" kern="50" dirty="0">
+                        <a:latin typeface="Liberation Serif"/>
+                        <a:ea typeface="WenQuanYi Zen Hei"/>
+                        <a:cs typeface="Lohit Devanagari"/>
+                      </a:endParaRPr>
+                    </a:p>
+                  </a:txBody>
+                  <a:tcPr marL="34925" marR="34925" marT="34925" marB="34925"/>
+                </a:tc>
+                <a:extLst>
+                  <a:ext uri="{0D108BD9-81ED-4DB2-BD59-A6C34878D82A}">
+                    <a16:rowId xmlns:a16="http://schemas.microsoft.com/office/drawing/2014/main" val="10000"/>
+                  </a:ext>
+                </a:extLst>
+              </a:tr>
+              <a:tr h="412608">
+                <a:tc>
+                  <a:txBody>
+                    <a:bodyPr/>
+                    <a:lstStyle/>
+                    <a:p>
+                      <a:pPr>
+                        <a:spcAft>
+                          <a:spcPts val="0"/>
+                        </a:spcAft>
+                      </a:pPr>
+                      <a:r>
+                        <a:rPr lang="en-US" sz="2400" kern="50">
+                          <a:latin typeface="Liberation Serif"/>
+                          <a:ea typeface="WenQuanYi Zen Hei"/>
+                          <a:cs typeface="Lohit Devanagari"/>
+                        </a:rPr>
+                        <a:t>True</a:t>
+                      </a:r>
+                      <a:endParaRPr lang="ro-RO" sz="2400" kern="50">
+                        <a:latin typeface="Liberation Serif"/>
+                        <a:ea typeface="WenQuanYi Zen Hei"/>
+                        <a:cs typeface="Lohit Devanagari"/>
+                      </a:endParaRPr>
+                    </a:p>
+                  </a:txBody>
+                  <a:tcPr marL="34925" marR="34925" marT="34925" marB="34925"/>
+                </a:tc>
+                <a:tc>
+                  <a:txBody>
+                    <a:bodyPr/>
+                    <a:lstStyle/>
+                    <a:p>
+                      <a:pPr>
+                        <a:spcAft>
+                          <a:spcPts val="0"/>
+                        </a:spcAft>
+                      </a:pPr>
+                      <a:r>
+                        <a:rPr lang="en-US" sz="2400" kern="50">
+                          <a:latin typeface="Liberation Serif"/>
+                          <a:ea typeface="WenQuanYi Zen Hei"/>
+                          <a:cs typeface="Lohit Devanagari"/>
+                        </a:rPr>
+                        <a:t>False</a:t>
+                      </a:r>
+                      <a:endParaRPr lang="ro-RO" sz="2400" kern="50">
+                        <a:latin typeface="Liberation Serif"/>
+                        <a:ea typeface="WenQuanYi Zen Hei"/>
+                        <a:cs typeface="Lohit Devanagari"/>
+                      </a:endParaRPr>
+                    </a:p>
+                  </a:txBody>
+                  <a:tcPr marL="34925" marR="34925" marT="34925" marB="34925"/>
+                </a:tc>
+                <a:extLst>
+                  <a:ext uri="{0D108BD9-81ED-4DB2-BD59-A6C34878D82A}">
+                    <a16:rowId xmlns:a16="http://schemas.microsoft.com/office/drawing/2014/main" val="10001"/>
+                  </a:ext>
+                </a:extLst>
+              </a:tr>
+              <a:tr h="412608">
+                <a:tc>
+                  <a:txBody>
+                    <a:bodyPr/>
+                    <a:lstStyle/>
+                    <a:p>
+                      <a:pPr>
+                        <a:spcAft>
+                          <a:spcPts val="0"/>
+                        </a:spcAft>
+                      </a:pPr>
+                      <a:r>
+                        <a:rPr lang="en-US" sz="2400" kern="50" dirty="0">
+                          <a:latin typeface="Liberation Serif"/>
+                          <a:ea typeface="WenQuanYi Zen Hei"/>
+                          <a:cs typeface="Lohit Devanagari"/>
+                        </a:rPr>
+                        <a:t>1</a:t>
+                      </a:r>
+                      <a:endParaRPr lang="ro-RO" sz="2400" kern="50" dirty="0">
+                        <a:latin typeface="Liberation Serif"/>
+                        <a:ea typeface="WenQuanYi Zen Hei"/>
+                        <a:cs typeface="Lohit Devanagari"/>
+                      </a:endParaRPr>
+                    </a:p>
+                  </a:txBody>
+                  <a:tcPr marL="34925" marR="34925" marT="34925" marB="34925"/>
+                </a:tc>
+                <a:tc>
+                  <a:txBody>
+                    <a:bodyPr/>
+                    <a:lstStyle/>
+                    <a:p>
+                      <a:pPr>
+                        <a:spcAft>
+                          <a:spcPts val="0"/>
+                        </a:spcAft>
+                      </a:pPr>
+                      <a:r>
+                        <a:rPr lang="en-US" sz="2400" kern="50">
+                          <a:latin typeface="Liberation Serif"/>
+                          <a:ea typeface="WenQuanYi Zen Hei"/>
+                          <a:cs typeface="Lohit Devanagari"/>
+                        </a:rPr>
+                        <a:t>0</a:t>
+                      </a:r>
+                      <a:endParaRPr lang="ro-RO" sz="2400" kern="50">
+                        <a:latin typeface="Liberation Serif"/>
+                        <a:ea typeface="WenQuanYi Zen Hei"/>
+                        <a:cs typeface="Lohit Devanagari"/>
+                      </a:endParaRPr>
+                    </a:p>
+                  </a:txBody>
+                  <a:tcPr marL="34925" marR="34925" marT="34925" marB="34925"/>
+                </a:tc>
+                <a:extLst>
+                  <a:ext uri="{0D108BD9-81ED-4DB2-BD59-A6C34878D82A}">
+                    <a16:rowId xmlns:a16="http://schemas.microsoft.com/office/drawing/2014/main" val="10002"/>
+                  </a:ext>
+                </a:extLst>
+              </a:tr>
+              <a:tr h="412608">
+                <a:tc>
+                  <a:txBody>
+                    <a:bodyPr/>
+                    <a:lstStyle/>
+                    <a:p>
+                      <a:pPr>
+                        <a:spcAft>
+                          <a:spcPts val="600"/>
+                        </a:spcAft>
+                      </a:pPr>
+                      <a:r>
+                        <a:rPr lang="ru-RU" sz="2400" kern="50" dirty="0">
+                          <a:latin typeface="Liberation Serif"/>
+                          <a:ea typeface="WenQuanYi Zen Hei"/>
+                          <a:cs typeface="Lohit Devanagari"/>
+                        </a:rPr>
+                        <a:t>Число не равное нулю</a:t>
+                      </a:r>
+                      <a:endParaRPr lang="ro-RO" sz="2400" kern="50" dirty="0">
+                        <a:latin typeface="Liberation Serif"/>
+                        <a:ea typeface="WenQuanYi Zen Hei"/>
+                        <a:cs typeface="Lohit Devanagari"/>
+                      </a:endParaRPr>
+                    </a:p>
+                  </a:txBody>
+                  <a:tcPr marL="34925" marR="34925" marT="34925" marB="34925"/>
+                </a:tc>
+                <a:tc>
+                  <a:txBody>
+                    <a:bodyPr/>
+                    <a:lstStyle/>
+                    <a:p>
+                      <a:pPr>
+                        <a:spcAft>
+                          <a:spcPts val="600"/>
+                        </a:spcAft>
+                      </a:pPr>
+                      <a:r>
+                        <a:rPr lang="ru-RU" sz="2400" kern="50" dirty="0">
+                          <a:latin typeface="Liberation Serif"/>
+                          <a:ea typeface="WenQuanYi Zen Hei"/>
+                          <a:cs typeface="Lohit Devanagari"/>
+                        </a:rPr>
+                        <a:t>Число равное нулю, либо равное </a:t>
+                      </a:r>
+                      <a:r>
+                        <a:rPr lang="en-US" sz="2400" kern="50" dirty="0">
+                          <a:latin typeface="Liberation Serif"/>
+                          <a:ea typeface="WenQuanYi Zen Hei"/>
+                          <a:cs typeface="Lohit Devanagari"/>
+                        </a:rPr>
+                        <a:t>None</a:t>
+                      </a:r>
+                      <a:endParaRPr lang="ro-RO" sz="2400" kern="50" dirty="0">
+                        <a:latin typeface="Liberation Serif"/>
+                        <a:ea typeface="WenQuanYi Zen Hei"/>
+                        <a:cs typeface="Lohit Devanagari"/>
+                      </a:endParaRPr>
+                    </a:p>
+                  </a:txBody>
+                  <a:tcPr marL="34925" marR="34925" marT="34925" marB="34925"/>
+                </a:tc>
+                <a:extLst>
+                  <a:ext uri="{0D108BD9-81ED-4DB2-BD59-A6C34878D82A}">
+                    <a16:rowId xmlns:a16="http://schemas.microsoft.com/office/drawing/2014/main" val="10003"/>
+                  </a:ext>
+                </a:extLst>
+              </a:tr>
+              <a:tr h="412608">
+                <a:tc>
+                  <a:txBody>
+                    <a:bodyPr/>
+                    <a:lstStyle/>
+                    <a:p>
+                      <a:pPr>
+                        <a:spcAft>
+                          <a:spcPts val="600"/>
+                        </a:spcAft>
+                      </a:pPr>
+                      <a:r>
+                        <a:rPr lang="ru-RU" sz="2400" kern="50" dirty="0">
+                          <a:latin typeface="Liberation Serif"/>
+                          <a:ea typeface="WenQuanYi Zen Hei"/>
+                          <a:cs typeface="Lohit Devanagari"/>
+                        </a:rPr>
+                        <a:t>Не пустая строка</a:t>
+                      </a:r>
+                      <a:endParaRPr lang="ro-RO" sz="2400" kern="50" dirty="0">
+                        <a:latin typeface="Liberation Serif"/>
+                        <a:ea typeface="WenQuanYi Zen Hei"/>
+                        <a:cs typeface="Lohit Devanagari"/>
+                      </a:endParaRPr>
+                    </a:p>
+                  </a:txBody>
+                  <a:tcPr marL="34925" marR="34925" marT="34925" marB="34925"/>
+                </a:tc>
+                <a:tc>
+                  <a:txBody>
+                    <a:bodyPr/>
+                    <a:lstStyle/>
+                    <a:p>
+                      <a:pPr>
+                        <a:spcAft>
+                          <a:spcPts val="600"/>
+                        </a:spcAft>
+                      </a:pPr>
+                      <a:r>
+                        <a:rPr lang="ru-RU" sz="2400" kern="50" dirty="0">
+                          <a:latin typeface="Liberation Serif"/>
+                          <a:ea typeface="WenQuanYi Zen Hei"/>
+                          <a:cs typeface="Lohit Devanagari"/>
+                        </a:rPr>
+                        <a:t>Пустая строка</a:t>
+                      </a:r>
+                      <a:endParaRPr lang="ro-RO" sz="2400" kern="50" dirty="0">
+                        <a:latin typeface="Liberation Serif"/>
+                        <a:ea typeface="WenQuanYi Zen Hei"/>
+                        <a:cs typeface="Lohit Devanagari"/>
+                      </a:endParaRPr>
+                    </a:p>
+                  </a:txBody>
+                  <a:tcPr marL="34925" marR="34925" marT="34925" marB="34925"/>
+                </a:tc>
+                <a:extLst>
+                  <a:ext uri="{0D108BD9-81ED-4DB2-BD59-A6C34878D82A}">
+                    <a16:rowId xmlns:a16="http://schemas.microsoft.com/office/drawing/2014/main" val="10004"/>
+                  </a:ext>
+                </a:extLst>
+              </a:tr>
+              <a:tr h="412608">
+                <a:tc>
+                  <a:txBody>
+                    <a:bodyPr/>
+                    <a:lstStyle/>
+                    <a:p>
+                      <a:pPr>
+                        <a:spcAft>
+                          <a:spcPts val="600"/>
+                        </a:spcAft>
+                      </a:pPr>
+                      <a:r>
+                        <a:rPr lang="ru-RU" sz="2400" kern="50" dirty="0">
+                          <a:latin typeface="Liberation Serif"/>
+                          <a:ea typeface="WenQuanYi Zen Hei"/>
+                          <a:cs typeface="Lohit Devanagari"/>
+                        </a:rPr>
+                        <a:t>Не пустой список</a:t>
+                      </a:r>
+                      <a:endParaRPr lang="ro-RO" sz="2400" kern="50" dirty="0">
+                        <a:latin typeface="Liberation Serif"/>
+                        <a:ea typeface="WenQuanYi Zen Hei"/>
+                        <a:cs typeface="Lohit Devanagari"/>
+                      </a:endParaRPr>
+                    </a:p>
+                  </a:txBody>
+                  <a:tcPr marL="34925" marR="34925" marT="34925" marB="34925"/>
+                </a:tc>
+                <a:tc>
+                  <a:txBody>
+                    <a:bodyPr/>
+                    <a:lstStyle/>
+                    <a:p>
+                      <a:pPr>
+                        <a:spcAft>
+                          <a:spcPts val="600"/>
+                        </a:spcAft>
+                      </a:pPr>
+                      <a:r>
+                        <a:rPr lang="ru-RU" sz="2400" kern="50" dirty="0">
+                          <a:latin typeface="Liberation Serif"/>
+                          <a:ea typeface="WenQuanYi Zen Hei"/>
+                          <a:cs typeface="Lohit Devanagari"/>
+                        </a:rPr>
+                        <a:t>Пустой список</a:t>
+                      </a:r>
+                      <a:endParaRPr lang="ro-RO" sz="2400" kern="50" dirty="0">
+                        <a:latin typeface="Liberation Serif"/>
+                        <a:ea typeface="WenQuanYi Zen Hei"/>
+                        <a:cs typeface="Lohit Devanagari"/>
+                      </a:endParaRPr>
+                    </a:p>
+                  </a:txBody>
+                  <a:tcPr marL="34925" marR="34925" marT="34925" marB="34925"/>
+                </a:tc>
+                <a:extLst>
+                  <a:ext uri="{0D108BD9-81ED-4DB2-BD59-A6C34878D82A}">
+                    <a16:rowId xmlns:a16="http://schemas.microsoft.com/office/drawing/2014/main" val="10005"/>
+                  </a:ext>
+                </a:extLst>
+              </a:tr>
+              <a:tr h="412608">
+                <a:tc>
+                  <a:txBody>
+                    <a:bodyPr/>
+                    <a:lstStyle/>
+                    <a:p>
+                      <a:pPr>
+                        <a:spcAft>
+                          <a:spcPts val="600"/>
+                        </a:spcAft>
+                      </a:pPr>
+                      <a:r>
+                        <a:rPr lang="ru-RU" sz="2400" kern="50" dirty="0">
+                          <a:latin typeface="Liberation Serif"/>
+                          <a:ea typeface="WenQuanYi Zen Hei"/>
+                          <a:cs typeface="Lohit Devanagari"/>
+                        </a:rPr>
+                        <a:t>Не пустой кортеж/словарь/множество</a:t>
+                      </a:r>
+                      <a:endParaRPr lang="ro-RO" sz="2400" kern="50" dirty="0">
+                        <a:latin typeface="Liberation Serif"/>
+                        <a:ea typeface="WenQuanYi Zen Hei"/>
+                        <a:cs typeface="Lohit Devanagari"/>
+                      </a:endParaRPr>
+                    </a:p>
+                  </a:txBody>
+                  <a:tcPr marL="34925" marR="34925" marT="34925" marB="34925"/>
+                </a:tc>
+                <a:tc>
+                  <a:txBody>
+                    <a:bodyPr/>
+                    <a:lstStyle/>
+                    <a:p>
+                      <a:pPr>
+                        <a:spcAft>
+                          <a:spcPts val="600"/>
+                        </a:spcAft>
+                      </a:pPr>
+                      <a:r>
+                        <a:rPr lang="ru-RU" sz="2400" kern="50" dirty="0">
+                          <a:latin typeface="Liberation Serif"/>
+                          <a:ea typeface="WenQuanYi Zen Hei"/>
+                          <a:cs typeface="Lohit Devanagari"/>
+                        </a:rPr>
+                        <a:t>Пустой кортеж/словарь/множество</a:t>
+                      </a:r>
+                      <a:endParaRPr lang="ro-RO" sz="2400" kern="50" dirty="0">
+                        <a:latin typeface="Liberation Serif"/>
+                        <a:ea typeface="WenQuanYi Zen Hei"/>
+                        <a:cs typeface="Lohit Devanagari"/>
+                      </a:endParaRPr>
+                    </a:p>
+                  </a:txBody>
+                  <a:tcPr marL="34925" marR="34925" marT="34925" marB="34925"/>
+                </a:tc>
+                <a:extLst>
+                  <a:ext uri="{0D108BD9-81ED-4DB2-BD59-A6C34878D82A}">
+                    <a16:rowId xmlns:a16="http://schemas.microsoft.com/office/drawing/2014/main" val="10006"/>
+                  </a:ext>
+                </a:extLst>
+              </a:tr>
+            </a:tbl>
+          </a:graphicData>
+        </a:graphic>
+      </p:graphicFrame>
+    </p:spTree>
+    <p:extLst>
+      <p:ext uri="{BB962C8B-B14F-4D97-AF65-F5344CB8AC3E}">
+        <p14:creationId xmlns:p14="http://schemas.microsoft.com/office/powerpoint/2010/main" val="114330687"/>
+      </p:ext>
+    </p:extLst>
+  </p:cSld>
+  <p:clrMapOvr>
+    <a:masterClrMapping/>
+  </p:clrMapOvr>
+</p:sld>
+</file>
+
+<file path=ppt/slides/slide68.xml><?xml version="1.0" encoding="utf-8"?>
+<p:sld xmlns:a="http://schemas.openxmlformats.org/drawingml/2006/main" xmlns:r="http://schemas.openxmlformats.org/officeDocument/2006/relationships" xmlns:p="http://schemas.openxmlformats.org/presentationml/2006/main">
+  <p:cSld>
+    <p:spTree>
+      <p:nvGrpSpPr>
+        <p:cNvPr id="1" name=""/>
+        <p:cNvGrpSpPr/>
+        <p:nvPr/>
+      </p:nvGrpSpPr>
+      <p:grpSpPr>
+        <a:xfrm>
+          <a:off x="0" y="0"/>
+          <a:ext cx="0" cy="0"/>
+          <a:chOff x="0" y="0"/>
+          <a:chExt cx="0" cy="0"/>
+        </a:xfrm>
+      </p:grpSpPr>
+      <p:sp>
+        <p:nvSpPr>
+          <p:cNvPr id="2" name="Заголовок 1">
+            <a:extLst>
+              <a:ext uri="{FF2B5EF4-FFF2-40B4-BE49-F238E27FC236}">
+                <a16:creationId xmlns:a16="http://schemas.microsoft.com/office/drawing/2014/main" id="{91B816F3-875E-4635-8337-AA7A8B6C62EB}"/>
+              </a:ext>
+            </a:extLst>
+          </p:cNvPr>
+          <p:cNvSpPr>
+            <a:spLocks noGrp="1"/>
+          </p:cNvSpPr>
+          <p:nvPr>
+            <p:ph type="title"/>
+          </p:nvPr>
+        </p:nvSpPr>
+        <p:spPr/>
+        <p:txBody>
+          <a:bodyPr/>
+          <a:lstStyle/>
+          <a:p>
+            <a:r>
+              <a:rPr lang="ru-RU" dirty="0"/>
+              <a:t>Условное выражение</a:t>
+            </a:r>
+          </a:p>
+        </p:txBody>
+      </p:sp>
+      <p:sp>
+        <p:nvSpPr>
+          <p:cNvPr id="3" name="Объект 2">
+            <a:extLst>
+              <a:ext uri="{FF2B5EF4-FFF2-40B4-BE49-F238E27FC236}">
+                <a16:creationId xmlns:a16="http://schemas.microsoft.com/office/drawing/2014/main" id="{04731570-4EEB-4B19-BB96-1C26EF383222}"/>
+              </a:ext>
+            </a:extLst>
+          </p:cNvPr>
+          <p:cNvSpPr>
+            <a:spLocks noGrp="1"/>
+          </p:cNvSpPr>
+          <p:nvPr>
+            <p:ph idx="1"/>
+          </p:nvPr>
+        </p:nvSpPr>
+        <p:spPr/>
+        <p:txBody>
+          <a:bodyPr/>
+          <a:lstStyle/>
+          <a:p>
+            <a:r>
+              <a:rPr lang="ru-RU" dirty="0"/>
+              <a:t>Используется в арифметических выражениях</a:t>
+            </a:r>
+            <a:endParaRPr lang="en-US" dirty="0"/>
+          </a:p>
+          <a:p>
+            <a:r>
+              <a:rPr lang="ru-RU" dirty="0"/>
+              <a:t>Логика работы аналогична оператору </a:t>
+            </a:r>
+            <a:r>
+              <a:rPr lang="en-US" dirty="0"/>
+              <a:t>if</a:t>
+            </a:r>
+          </a:p>
+          <a:p>
+            <a:r>
+              <a:rPr lang="ru-RU" dirty="0"/>
+              <a:t>Часть </a:t>
+            </a:r>
+            <a:r>
+              <a:rPr lang="en-US" dirty="0"/>
+              <a:t>else </a:t>
+            </a:r>
+            <a:r>
+              <a:rPr lang="ru-RU" dirty="0"/>
+              <a:t>является обязательной</a:t>
+            </a:r>
+          </a:p>
+        </p:txBody>
+      </p:sp>
+      <p:grpSp>
+        <p:nvGrpSpPr>
+          <p:cNvPr id="9" name="Группа 8">
+            <a:extLst>
+              <a:ext uri="{FF2B5EF4-FFF2-40B4-BE49-F238E27FC236}">
+                <a16:creationId xmlns:a16="http://schemas.microsoft.com/office/drawing/2014/main" id="{FC008AC5-1145-4762-8F3C-9CA2112741FD}"/>
+              </a:ext>
+            </a:extLst>
+          </p:cNvPr>
+          <p:cNvGrpSpPr/>
+          <p:nvPr/>
+        </p:nvGrpSpPr>
+        <p:grpSpPr>
+          <a:xfrm>
+            <a:off x="1616149" y="4173279"/>
+            <a:ext cx="8782493" cy="1158949"/>
+            <a:chOff x="1541721" y="3429000"/>
+            <a:chExt cx="8782493" cy="1158949"/>
+          </a:xfrm>
+        </p:grpSpPr>
+        <p:sp>
+          <p:nvSpPr>
+            <p:cNvPr id="4" name="Прямоугольник: скругленные углы 3">
+              <a:extLst>
+                <a:ext uri="{FF2B5EF4-FFF2-40B4-BE49-F238E27FC236}">
+                  <a16:creationId xmlns:a16="http://schemas.microsoft.com/office/drawing/2014/main" id="{6A75FC77-528F-46B1-A7B0-14BDC3E50C75}"/>
+                </a:ext>
+              </a:extLst>
+            </p:cNvPr>
+            <p:cNvSpPr/>
+            <p:nvPr/>
+          </p:nvSpPr>
+          <p:spPr>
+            <a:xfrm>
+              <a:off x="1541721" y="3429000"/>
+              <a:ext cx="8782493" cy="1158949"/>
+            </a:xfrm>
+            <a:prstGeom prst="roundRect">
+              <a:avLst/>
+            </a:prstGeom>
+          </p:spPr>
+          <p:style>
+            <a:lnRef idx="2">
+              <a:schemeClr val="accent1">
+                <a:shade val="50000"/>
+              </a:schemeClr>
+            </a:lnRef>
+            <a:fillRef idx="1">
+              <a:schemeClr val="accent1"/>
+            </a:fillRef>
+            <a:effectRef idx="0">
+              <a:schemeClr val="accent1"/>
+            </a:effectRef>
+            <a:fontRef idx="minor">
+              <a:schemeClr val="lt1"/>
+            </a:fontRef>
+          </p:style>
+          <p:txBody>
+            <a:bodyPr rtlCol="0" anchor="ctr"/>
+            <a:lstStyle/>
+            <a:p>
+              <a:r>
+                <a:rPr lang="en-US" sz="4400" dirty="0"/>
+                <a:t>                  if                      else</a:t>
+              </a:r>
+              <a:endParaRPr lang="ru-RU" sz="4400" dirty="0"/>
+            </a:p>
+          </p:txBody>
+        </p:sp>
+        <p:sp>
+          <p:nvSpPr>
+            <p:cNvPr id="5" name="Прямоугольник: скругленные углы 4">
+              <a:extLst>
+                <a:ext uri="{FF2B5EF4-FFF2-40B4-BE49-F238E27FC236}">
+                  <a16:creationId xmlns:a16="http://schemas.microsoft.com/office/drawing/2014/main" id="{EAB4CC17-B073-4484-874D-EBEB2FB5F013}"/>
+                </a:ext>
+              </a:extLst>
+            </p:cNvPr>
+            <p:cNvSpPr/>
+            <p:nvPr/>
+          </p:nvSpPr>
+          <p:spPr>
+            <a:xfrm>
+              <a:off x="1718930" y="3588488"/>
+              <a:ext cx="2151321" cy="850605"/>
+            </a:xfrm>
+            <a:prstGeom prst="roundRect">
+              <a:avLst/>
+            </a:prstGeom>
+          </p:spPr>
+          <p:style>
+            <a:lnRef idx="0">
+              <a:schemeClr val="accent6"/>
+            </a:lnRef>
+            <a:fillRef idx="3">
+              <a:schemeClr val="accent6"/>
+            </a:fillRef>
+            <a:effectRef idx="3">
+              <a:schemeClr val="accent6"/>
+            </a:effectRef>
+            <a:fontRef idx="minor">
+              <a:schemeClr val="lt1"/>
+            </a:fontRef>
+          </p:style>
+          <p:txBody>
+            <a:bodyPr rtlCol="0" anchor="ctr"/>
+            <a:lstStyle/>
+            <a:p>
+              <a:pPr algn="ctr"/>
+              <a:r>
+                <a:rPr lang="ru-RU" dirty="0"/>
+                <a:t>ВЫРАЖЕНИЕ</a:t>
+              </a:r>
+              <a:br>
+                <a:rPr lang="ru-RU" dirty="0"/>
+              </a:br>
+              <a:r>
+                <a:rPr lang="ru-RU" dirty="0"/>
+                <a:t>ЕСЛИ  УСЛОВИЕ </a:t>
+              </a:r>
+              <a:r>
+                <a:rPr lang="en-US" dirty="0"/>
+                <a:t>True</a:t>
+              </a:r>
+              <a:endParaRPr lang="ru-RU" dirty="0"/>
+            </a:p>
+          </p:txBody>
+        </p:sp>
+        <p:sp>
+          <p:nvSpPr>
+            <p:cNvPr id="6" name="Прямоугольник: скругленные углы 5">
+              <a:extLst>
+                <a:ext uri="{FF2B5EF4-FFF2-40B4-BE49-F238E27FC236}">
+                  <a16:creationId xmlns:a16="http://schemas.microsoft.com/office/drawing/2014/main" id="{83F3C21B-AB34-480A-A84F-C5EF72B69D9C}"/>
+                </a:ext>
+              </a:extLst>
+            </p:cNvPr>
+            <p:cNvSpPr/>
+            <p:nvPr/>
+          </p:nvSpPr>
+          <p:spPr>
+            <a:xfrm>
+              <a:off x="8066568" y="3588488"/>
+              <a:ext cx="2151321" cy="850605"/>
+            </a:xfrm>
+            <a:prstGeom prst="roundRect">
+              <a:avLst/>
+            </a:prstGeom>
+          </p:spPr>
+          <p:style>
+            <a:lnRef idx="0">
+              <a:schemeClr val="accent3"/>
+            </a:lnRef>
+            <a:fillRef idx="3">
+              <a:schemeClr val="accent3"/>
+            </a:fillRef>
+            <a:effectRef idx="3">
+              <a:schemeClr val="accent3"/>
+            </a:effectRef>
+            <a:fontRef idx="minor">
+              <a:schemeClr val="lt1"/>
+            </a:fontRef>
+          </p:style>
+          <p:txBody>
+            <a:bodyPr rtlCol="0" anchor="ctr"/>
+            <a:lstStyle/>
+            <a:p>
+              <a:pPr algn="ctr"/>
+              <a:r>
+                <a:rPr lang="ru-RU" dirty="0"/>
+                <a:t>ВЫРАЖЕНИЕ</a:t>
+              </a:r>
+              <a:br>
+                <a:rPr lang="ru-RU" dirty="0"/>
+              </a:br>
+              <a:r>
+                <a:rPr lang="ru-RU" dirty="0"/>
+                <a:t>ЕСЛИ  УСЛОВИЕ </a:t>
+              </a:r>
+              <a:r>
+                <a:rPr lang="en-US" dirty="0"/>
+                <a:t>False</a:t>
+              </a:r>
+              <a:endParaRPr lang="ru-RU" dirty="0"/>
+            </a:p>
+          </p:txBody>
+        </p:sp>
+        <p:sp>
+          <p:nvSpPr>
+            <p:cNvPr id="7" name="Прямоугольник: скругленные углы 6">
+              <a:extLst>
+                <a:ext uri="{FF2B5EF4-FFF2-40B4-BE49-F238E27FC236}">
+                  <a16:creationId xmlns:a16="http://schemas.microsoft.com/office/drawing/2014/main" id="{D4B5A22F-C4E7-4AF6-94F5-9439C84514D7}"/>
+                </a:ext>
+              </a:extLst>
+            </p:cNvPr>
+            <p:cNvSpPr/>
+            <p:nvPr/>
+          </p:nvSpPr>
+          <p:spPr>
+            <a:xfrm>
+              <a:off x="4634910" y="3588488"/>
+              <a:ext cx="2151321" cy="850605"/>
+            </a:xfrm>
+            <a:prstGeom prst="roundRect">
+              <a:avLst/>
+            </a:prstGeom>
+          </p:spPr>
+          <p:style>
+            <a:lnRef idx="0">
+              <a:schemeClr val="accent2"/>
+            </a:lnRef>
+            <a:fillRef idx="3">
+              <a:schemeClr val="accent2"/>
+            </a:fillRef>
+            <a:effectRef idx="3">
+              <a:schemeClr val="accent2"/>
+            </a:effectRef>
+            <a:fontRef idx="minor">
+              <a:schemeClr val="lt1"/>
+            </a:fontRef>
+          </p:style>
+          <p:txBody>
+            <a:bodyPr rtlCol="0" anchor="ctr"/>
+            <a:lstStyle/>
+            <a:p>
+              <a:pPr algn="ctr"/>
+              <a:r>
+                <a:rPr lang="ru-RU" dirty="0"/>
+                <a:t>УСЛОВИЕ</a:t>
+              </a:r>
+            </a:p>
+          </p:txBody>
+        </p:sp>
+      </p:grpSp>
+    </p:spTree>
+    <p:extLst>
+      <p:ext uri="{BB962C8B-B14F-4D97-AF65-F5344CB8AC3E}">
+        <p14:creationId xmlns:p14="http://schemas.microsoft.com/office/powerpoint/2010/main" val="2725067756"/>
+      </p:ext>
+    </p:extLst>
+  </p:cSld>
+  <p:clrMapOvr>
+    <a:masterClrMapping/>
+  </p:clrMapOvr>
+</p:sld>
+</file>
+
 <file path=ppt/slides/slide7.xml><?xml version="1.0" encoding="utf-8"?>
 <p:sld xmlns:a="http://schemas.openxmlformats.org/drawingml/2006/main" xmlns:r="http://schemas.openxmlformats.org/officeDocument/2006/relationships" xmlns:p="http://schemas.openxmlformats.org/presentationml/2006/main">
   <p:cSld>

--- a/Presentation/Основы алгоритмизации и программирования.pptx
+++ b/Presentation/Основы алгоритмизации и программирования.pptx
@@ -73,6 +73,7 @@
     <p:sldId id="321" r:id="rId67"/>
     <p:sldId id="322" r:id="rId68"/>
     <p:sldId id="323" r:id="rId69"/>
+    <p:sldId id="324" r:id="rId70"/>
   </p:sldIdLst>
   <p:sldSz cx="12192000" cy="6858000"/>
   <p:notesSz cx="6858000" cy="9144000"/>
@@ -26581,7 +26582,7 @@
           </p:nvSpPr>
           <p:spPr>
             <a:xfrm>
-              <a:off x="8144539" y="2493446"/>
+              <a:off x="8096692" y="2573358"/>
               <a:ext cx="1988288" cy="616688"/>
             </a:xfrm>
             <a:prstGeom prst="roundRect">
@@ -27657,6 +27658,332 @@
     <p:extLst>
       <p:ext uri="{BB962C8B-B14F-4D97-AF65-F5344CB8AC3E}">
         <p14:creationId xmlns:p14="http://schemas.microsoft.com/office/powerpoint/2010/main" val="2725067756"/>
+      </p:ext>
+    </p:extLst>
+  </p:cSld>
+  <p:clrMapOvr>
+    <a:masterClrMapping/>
+  </p:clrMapOvr>
+</p:sld>
+</file>
+
+<file path=ppt/slides/slide69.xml><?xml version="1.0" encoding="utf-8"?>
+<p:sld xmlns:a="http://schemas.openxmlformats.org/drawingml/2006/main" xmlns:r="http://schemas.openxmlformats.org/officeDocument/2006/relationships" xmlns:p="http://schemas.openxmlformats.org/presentationml/2006/main">
+  <p:cSld>
+    <p:spTree>
+      <p:nvGrpSpPr>
+        <p:cNvPr id="1" name=""/>
+        <p:cNvGrpSpPr/>
+        <p:nvPr/>
+      </p:nvGrpSpPr>
+      <p:grpSpPr>
+        <a:xfrm>
+          <a:off x="0" y="0"/>
+          <a:ext cx="0" cy="0"/>
+          <a:chOff x="0" y="0"/>
+          <a:chExt cx="0" cy="0"/>
+        </a:xfrm>
+      </p:grpSpPr>
+      <p:grpSp>
+        <p:nvGrpSpPr>
+          <p:cNvPr id="4" name="Группа 3">
+            <a:extLst>
+              <a:ext uri="{FF2B5EF4-FFF2-40B4-BE49-F238E27FC236}">
+                <a16:creationId xmlns:a16="http://schemas.microsoft.com/office/drawing/2014/main" id="{7E544510-4B4D-49E5-B602-DCFC78AFAE18}"/>
+              </a:ext>
+            </a:extLst>
+          </p:cNvPr>
+          <p:cNvGrpSpPr/>
+          <p:nvPr/>
+        </p:nvGrpSpPr>
+        <p:grpSpPr>
+          <a:xfrm>
+            <a:off x="636182" y="2445488"/>
+            <a:ext cx="4221126" cy="2785731"/>
+            <a:chOff x="6804838" y="1626781"/>
+            <a:chExt cx="4221126" cy="2785731"/>
+          </a:xfrm>
+        </p:grpSpPr>
+        <p:sp>
+          <p:nvSpPr>
+            <p:cNvPr id="5" name="Прямоугольник: скругленные углы 4">
+              <a:extLst>
+                <a:ext uri="{FF2B5EF4-FFF2-40B4-BE49-F238E27FC236}">
+                  <a16:creationId xmlns:a16="http://schemas.microsoft.com/office/drawing/2014/main" id="{6246EB4C-4722-4858-BCA6-3C480D76270E}"/>
+                </a:ext>
+              </a:extLst>
+            </p:cNvPr>
+            <p:cNvSpPr/>
+            <p:nvPr/>
+          </p:nvSpPr>
+          <p:spPr>
+            <a:xfrm>
+              <a:off x="6804838" y="1626781"/>
+              <a:ext cx="4221126" cy="2785731"/>
+            </a:xfrm>
+            <a:prstGeom prst="roundRect">
+              <a:avLst/>
+            </a:prstGeom>
+          </p:spPr>
+          <p:style>
+            <a:lnRef idx="2">
+              <a:schemeClr val="accent1">
+                <a:shade val="50000"/>
+              </a:schemeClr>
+            </a:lnRef>
+            <a:fillRef idx="1">
+              <a:schemeClr val="accent1"/>
+            </a:fillRef>
+            <a:effectRef idx="0">
+              <a:schemeClr val="accent1"/>
+            </a:effectRef>
+            <a:fontRef idx="minor">
+              <a:schemeClr val="lt1"/>
+            </a:fontRef>
+          </p:style>
+          <p:txBody>
+            <a:bodyPr rtlCol="0" anchor="ctr"/>
+            <a:lstStyle/>
+            <a:p>
+              <a:r>
+                <a:rPr lang="en-US" sz="4400" dirty="0"/>
+                <a:t>while                  :</a:t>
+              </a:r>
+            </a:p>
+            <a:p>
+              <a:pPr algn="ctr"/>
+              <a:endParaRPr lang="en-US" sz="4400" dirty="0"/>
+            </a:p>
+            <a:p>
+              <a:r>
+                <a:rPr lang="en-US" sz="4400" dirty="0"/>
+                <a:t>else:</a:t>
+              </a:r>
+            </a:p>
+            <a:p>
+              <a:pPr algn="ctr"/>
+              <a:endParaRPr lang="en-US" sz="4400" dirty="0"/>
+            </a:p>
+          </p:txBody>
+        </p:sp>
+        <p:sp>
+          <p:nvSpPr>
+            <p:cNvPr id="6" name="Прямоугольник: скругленные углы 5">
+              <a:extLst>
+                <a:ext uri="{FF2B5EF4-FFF2-40B4-BE49-F238E27FC236}">
+                  <a16:creationId xmlns:a16="http://schemas.microsoft.com/office/drawing/2014/main" id="{8585DA52-1BFF-4DC6-A78C-C6A196EE9E42}"/>
+                </a:ext>
+              </a:extLst>
+            </p:cNvPr>
+            <p:cNvSpPr/>
+            <p:nvPr/>
+          </p:nvSpPr>
+          <p:spPr>
+            <a:xfrm>
+              <a:off x="8378456" y="1751770"/>
+              <a:ext cx="1988288" cy="616688"/>
+            </a:xfrm>
+            <a:prstGeom prst="roundRect">
+              <a:avLst/>
+            </a:prstGeom>
+          </p:spPr>
+          <p:style>
+            <a:lnRef idx="0">
+              <a:schemeClr val="accent2"/>
+            </a:lnRef>
+            <a:fillRef idx="3">
+              <a:schemeClr val="accent2"/>
+            </a:fillRef>
+            <a:effectRef idx="3">
+              <a:schemeClr val="accent2"/>
+            </a:effectRef>
+            <a:fontRef idx="minor">
+              <a:schemeClr val="lt1"/>
+            </a:fontRef>
+          </p:style>
+          <p:txBody>
+            <a:bodyPr rtlCol="0" anchor="ctr"/>
+            <a:lstStyle/>
+            <a:p>
+              <a:pPr algn="ctr"/>
+              <a:r>
+                <a:rPr lang="ru-RU" dirty="0"/>
+                <a:t>УСЛОВИЕ</a:t>
+              </a:r>
+            </a:p>
+          </p:txBody>
+        </p:sp>
+        <p:sp>
+          <p:nvSpPr>
+            <p:cNvPr id="7" name="Прямоугольник: скругленные углы 6">
+              <a:extLst>
+                <a:ext uri="{FF2B5EF4-FFF2-40B4-BE49-F238E27FC236}">
+                  <a16:creationId xmlns:a16="http://schemas.microsoft.com/office/drawing/2014/main" id="{7952C987-32AD-4843-9960-28241867AF7A}"/>
+                </a:ext>
+              </a:extLst>
+            </p:cNvPr>
+            <p:cNvSpPr/>
+            <p:nvPr/>
+          </p:nvSpPr>
+          <p:spPr>
+            <a:xfrm>
+              <a:off x="8770089" y="2598360"/>
+              <a:ext cx="1988288" cy="616688"/>
+            </a:xfrm>
+            <a:prstGeom prst="roundRect">
+              <a:avLst/>
+            </a:prstGeom>
+          </p:spPr>
+          <p:style>
+            <a:lnRef idx="0">
+              <a:schemeClr val="accent6"/>
+            </a:lnRef>
+            <a:fillRef idx="3">
+              <a:schemeClr val="accent6"/>
+            </a:fillRef>
+            <a:effectRef idx="3">
+              <a:schemeClr val="accent6"/>
+            </a:effectRef>
+            <a:fontRef idx="minor">
+              <a:schemeClr val="lt1"/>
+            </a:fontRef>
+          </p:style>
+          <p:txBody>
+            <a:bodyPr rtlCol="0" anchor="ctr"/>
+            <a:lstStyle/>
+            <a:p>
+              <a:pPr algn="ctr"/>
+              <a:r>
+                <a:rPr lang="ru-RU" dirty="0"/>
+                <a:t>БЛОК ЦИКЛА</a:t>
+              </a:r>
+            </a:p>
+          </p:txBody>
+        </p:sp>
+        <p:sp>
+          <p:nvSpPr>
+            <p:cNvPr id="8" name="Прямоугольник: скругленные углы 7">
+              <a:extLst>
+                <a:ext uri="{FF2B5EF4-FFF2-40B4-BE49-F238E27FC236}">
+                  <a16:creationId xmlns:a16="http://schemas.microsoft.com/office/drawing/2014/main" id="{AD0738BD-0F01-4A04-AA0E-2007A71C3240}"/>
+                </a:ext>
+              </a:extLst>
+            </p:cNvPr>
+            <p:cNvSpPr/>
+            <p:nvPr/>
+          </p:nvSpPr>
+          <p:spPr>
+            <a:xfrm>
+              <a:off x="8096692" y="3668455"/>
+              <a:ext cx="1988288" cy="573936"/>
+            </a:xfrm>
+            <a:prstGeom prst="roundRect">
+              <a:avLst/>
+            </a:prstGeom>
+          </p:spPr>
+          <p:style>
+            <a:lnRef idx="0">
+              <a:schemeClr val="accent3"/>
+            </a:lnRef>
+            <a:fillRef idx="3">
+              <a:schemeClr val="accent3"/>
+            </a:fillRef>
+            <a:effectRef idx="3">
+              <a:schemeClr val="accent3"/>
+            </a:effectRef>
+            <a:fontRef idx="minor">
+              <a:schemeClr val="lt1"/>
+            </a:fontRef>
+          </p:style>
+          <p:txBody>
+            <a:bodyPr rtlCol="0" anchor="ctr"/>
+            <a:lstStyle/>
+            <a:p>
+              <a:pPr algn="ctr"/>
+              <a:r>
+                <a:rPr lang="ru-RU" dirty="0"/>
+                <a:t>БЛОК </a:t>
+              </a:r>
+              <a:r>
+                <a:rPr lang="en-US" dirty="0"/>
+                <a:t>ELSE</a:t>
+              </a:r>
+              <a:endParaRPr lang="ru-RU" dirty="0"/>
+            </a:p>
+          </p:txBody>
+        </p:sp>
+      </p:grpSp>
+      <p:pic>
+        <p:nvPicPr>
+          <p:cNvPr id="9" name="Рисунок 8">
+            <a:extLst>
+              <a:ext uri="{FF2B5EF4-FFF2-40B4-BE49-F238E27FC236}">
+                <a16:creationId xmlns:a16="http://schemas.microsoft.com/office/drawing/2014/main" id="{36023345-E7F1-4B77-9726-6E5547FD1303}"/>
+              </a:ext>
+            </a:extLst>
+          </p:cNvPr>
+          <p:cNvPicPr>
+            <a:picLocks noChangeAspect="1"/>
+          </p:cNvPicPr>
+          <p:nvPr/>
+        </p:nvPicPr>
+        <p:blipFill rotWithShape="1">
+          <a:blip r:embed="rId2"/>
+          <a:srcRect l="4256" t="7580" r="4101" b="3207"/>
+          <a:stretch/>
+        </p:blipFill>
+        <p:spPr>
+          <a:xfrm>
+            <a:off x="5007936" y="374634"/>
+            <a:ext cx="6939516" cy="6483367"/>
+          </a:xfrm>
+          <a:prstGeom prst="rect">
+            <a:avLst/>
+          </a:prstGeom>
+        </p:spPr>
+      </p:pic>
+      <p:sp>
+        <p:nvSpPr>
+          <p:cNvPr id="2" name="Заголовок 1">
+            <a:extLst>
+              <a:ext uri="{FF2B5EF4-FFF2-40B4-BE49-F238E27FC236}">
+                <a16:creationId xmlns:a16="http://schemas.microsoft.com/office/drawing/2014/main" id="{BD92278A-363C-4892-82E0-A5995D4C57F9}"/>
+              </a:ext>
+            </a:extLst>
+          </p:cNvPr>
+          <p:cNvSpPr>
+            <a:spLocks noGrp="1"/>
+          </p:cNvSpPr>
+          <p:nvPr>
+            <p:ph type="title"/>
+          </p:nvPr>
+        </p:nvSpPr>
+        <p:spPr>
+          <a:xfrm>
+            <a:off x="244549" y="0"/>
+            <a:ext cx="10515600" cy="1325563"/>
+          </a:xfrm>
+        </p:spPr>
+        <p:txBody>
+          <a:bodyPr/>
+          <a:lstStyle/>
+          <a:p>
+            <a:r>
+              <a:rPr lang="ru-RU" dirty="0"/>
+              <a:t>Оператор цикла </a:t>
+            </a:r>
+            <a:r>
+              <a:rPr lang="en-US" dirty="0"/>
+              <a:t>while</a:t>
+            </a:r>
+            <a:endParaRPr lang="ru-RU" dirty="0"/>
+          </a:p>
+        </p:txBody>
+      </p:sp>
+    </p:spTree>
+    <p:extLst>
+      <p:ext uri="{BB962C8B-B14F-4D97-AF65-F5344CB8AC3E}">
+        <p14:creationId xmlns:p14="http://schemas.microsoft.com/office/powerpoint/2010/main" val="599174320"/>
       </p:ext>
     </p:extLst>
   </p:cSld>

--- a/Presentation/Основы алгоритмизации и программирования.pptx
+++ b/Presentation/Основы алгоритмизации и программирования.pptx
@@ -74,6 +74,10 @@
     <p:sldId id="322" r:id="rId68"/>
     <p:sldId id="323" r:id="rId69"/>
     <p:sldId id="324" r:id="rId70"/>
+    <p:sldId id="325" r:id="rId71"/>
+    <p:sldId id="326" r:id="rId72"/>
+    <p:sldId id="327" r:id="rId73"/>
+    <p:sldId id="328" r:id="rId74"/>
   </p:sldIdLst>
   <p:sldSz cx="12192000" cy="6858000"/>
   <p:notesSz cx="6858000" cy="9144000"/>
@@ -339,7 +343,7 @@
           <a:p>
             <a:fld id="{FA984E8B-3F5A-48DE-8BA5-BCD329794D47}" type="datetimeFigureOut">
               <a:rPr lang="ru-RU" smtClean="0"/>
-              <a:t>26.10.2020</a:t>
+              <a:t>27.10.2020</a:t>
             </a:fld>
             <a:endParaRPr lang="ru-RU"/>
           </a:p>
@@ -631,7 +635,7 @@
           <a:p>
             <a:fld id="{FA984E8B-3F5A-48DE-8BA5-BCD329794D47}" type="datetimeFigureOut">
               <a:rPr lang="ru-RU" smtClean="0"/>
-              <a:t>26.10.2020</a:t>
+              <a:t>27.10.2020</a:t>
             </a:fld>
             <a:endParaRPr lang="ru-RU"/>
           </a:p>
@@ -829,7 +833,7 @@
           <a:p>
             <a:fld id="{FA984E8B-3F5A-48DE-8BA5-BCD329794D47}" type="datetimeFigureOut">
               <a:rPr lang="ru-RU" smtClean="0"/>
-              <a:t>26.10.2020</a:t>
+              <a:t>27.10.2020</a:t>
             </a:fld>
             <a:endParaRPr lang="ru-RU"/>
           </a:p>
@@ -1037,7 +1041,7 @@
           <a:p>
             <a:fld id="{FA984E8B-3F5A-48DE-8BA5-BCD329794D47}" type="datetimeFigureOut">
               <a:rPr lang="ru-RU" smtClean="0"/>
-              <a:t>26.10.2020</a:t>
+              <a:t>27.10.2020</a:t>
             </a:fld>
             <a:endParaRPr lang="ru-RU"/>
           </a:p>
@@ -1235,7 +1239,7 @@
           <a:p>
             <a:fld id="{FA984E8B-3F5A-48DE-8BA5-BCD329794D47}" type="datetimeFigureOut">
               <a:rPr lang="ru-RU" smtClean="0"/>
-              <a:t>26.10.2020</a:t>
+              <a:t>27.10.2020</a:t>
             </a:fld>
             <a:endParaRPr lang="ru-RU"/>
           </a:p>
@@ -1440,7 +1444,7 @@
           <a:p>
             <a:fld id="{FA984E8B-3F5A-48DE-8BA5-BCD329794D47}" type="datetimeFigureOut">
               <a:rPr lang="ru-RU" smtClean="0"/>
-              <a:t>26.10.2020</a:t>
+              <a:t>27.10.2020</a:t>
             </a:fld>
             <a:endParaRPr lang="ru-RU"/>
           </a:p>
@@ -1777,7 +1781,7 @@
           <a:p>
             <a:fld id="{FA984E8B-3F5A-48DE-8BA5-BCD329794D47}" type="datetimeFigureOut">
               <a:rPr lang="ru-RU" smtClean="0"/>
-              <a:t>26.10.2020</a:t>
+              <a:t>27.10.2020</a:t>
             </a:fld>
             <a:endParaRPr lang="ru-RU"/>
           </a:p>
@@ -2046,7 +2050,7 @@
           <a:p>
             <a:fld id="{FA984E8B-3F5A-48DE-8BA5-BCD329794D47}" type="datetimeFigureOut">
               <a:rPr lang="ru-RU" smtClean="0"/>
-              <a:t>26.10.2020</a:t>
+              <a:t>27.10.2020</a:t>
             </a:fld>
             <a:endParaRPr lang="ru-RU"/>
           </a:p>
@@ -2462,7 +2466,7 @@
           <a:p>
             <a:fld id="{FA984E8B-3F5A-48DE-8BA5-BCD329794D47}" type="datetimeFigureOut">
               <a:rPr lang="ru-RU" smtClean="0"/>
-              <a:t>26.10.2020</a:t>
+              <a:t>27.10.2020</a:t>
             </a:fld>
             <a:endParaRPr lang="ru-RU"/>
           </a:p>
@@ -2607,7 +2611,7 @@
           <a:p>
             <a:fld id="{FA984E8B-3F5A-48DE-8BA5-BCD329794D47}" type="datetimeFigureOut">
               <a:rPr lang="ru-RU" smtClean="0"/>
-              <a:t>26.10.2020</a:t>
+              <a:t>27.10.2020</a:t>
             </a:fld>
             <a:endParaRPr lang="ru-RU"/>
           </a:p>
@@ -2724,7 +2728,7 @@
           <a:p>
             <a:fld id="{FA984E8B-3F5A-48DE-8BA5-BCD329794D47}" type="datetimeFigureOut">
               <a:rPr lang="ru-RU" smtClean="0"/>
-              <a:t>26.10.2020</a:t>
+              <a:t>27.10.2020</a:t>
             </a:fld>
             <a:endParaRPr lang="ru-RU"/>
           </a:p>
@@ -3035,7 +3039,7 @@
           <a:p>
             <a:fld id="{FA984E8B-3F5A-48DE-8BA5-BCD329794D47}" type="datetimeFigureOut">
               <a:rPr lang="ru-RU" smtClean="0"/>
-              <a:t>26.10.2020</a:t>
+              <a:t>27.10.2020</a:t>
             </a:fld>
             <a:endParaRPr lang="ru-RU"/>
           </a:p>
@@ -3276,7 +3280,7 @@
           <a:p>
             <a:fld id="{FA984E8B-3F5A-48DE-8BA5-BCD329794D47}" type="datetimeFigureOut">
               <a:rPr lang="ru-RU" smtClean="0"/>
-              <a:t>26.10.2020</a:t>
+              <a:t>27.10.2020</a:t>
             </a:fld>
             <a:endParaRPr lang="ru-RU"/>
           </a:p>
@@ -28619,6 +28623,1244 @@
 </p:sld>
 </file>
 
+<file path=ppt/slides/slide70.xml><?xml version="1.0" encoding="utf-8"?>
+<p:sld xmlns:a="http://schemas.openxmlformats.org/drawingml/2006/main" xmlns:r="http://schemas.openxmlformats.org/officeDocument/2006/relationships" xmlns:p="http://schemas.openxmlformats.org/presentationml/2006/main">
+  <p:cSld>
+    <p:spTree>
+      <p:nvGrpSpPr>
+        <p:cNvPr id="1" name=""/>
+        <p:cNvGrpSpPr/>
+        <p:nvPr/>
+      </p:nvGrpSpPr>
+      <p:grpSpPr>
+        <a:xfrm>
+          <a:off x="0" y="0"/>
+          <a:ext cx="0" cy="0"/>
+          <a:chOff x="0" y="0"/>
+          <a:chExt cx="0" cy="0"/>
+        </a:xfrm>
+      </p:grpSpPr>
+      <p:sp>
+        <p:nvSpPr>
+          <p:cNvPr id="2" name="Заголовок 1">
+            <a:extLst>
+              <a:ext uri="{FF2B5EF4-FFF2-40B4-BE49-F238E27FC236}">
+                <a16:creationId xmlns:a16="http://schemas.microsoft.com/office/drawing/2014/main" id="{FE974C90-47C0-4483-96B9-E19C8EF95C08}"/>
+              </a:ext>
+            </a:extLst>
+          </p:cNvPr>
+          <p:cNvSpPr>
+            <a:spLocks noGrp="1"/>
+          </p:cNvSpPr>
+          <p:nvPr>
+            <p:ph type="title"/>
+          </p:nvPr>
+        </p:nvSpPr>
+        <p:spPr/>
+        <p:txBody>
+          <a:bodyPr/>
+          <a:lstStyle/>
+          <a:p>
+            <a:r>
+              <a:rPr lang="ru-RU" dirty="0"/>
+              <a:t>Оператор цикла </a:t>
+            </a:r>
+            <a:r>
+              <a:rPr lang="en-US" dirty="0"/>
+              <a:t>for</a:t>
+            </a:r>
+            <a:endParaRPr lang="ru-RU" dirty="0"/>
+          </a:p>
+        </p:txBody>
+      </p:sp>
+      <p:sp>
+        <p:nvSpPr>
+          <p:cNvPr id="3" name="Объект 2">
+            <a:extLst>
+              <a:ext uri="{FF2B5EF4-FFF2-40B4-BE49-F238E27FC236}">
+                <a16:creationId xmlns:a16="http://schemas.microsoft.com/office/drawing/2014/main" id="{DADEE299-ACD4-4FAE-A104-D246C8215F42}"/>
+              </a:ext>
+            </a:extLst>
+          </p:cNvPr>
+          <p:cNvSpPr>
+            <a:spLocks noGrp="1"/>
+          </p:cNvSpPr>
+          <p:nvPr>
+            <p:ph idx="1"/>
+          </p:nvPr>
+        </p:nvSpPr>
+        <p:spPr>
+          <a:xfrm>
+            <a:off x="838200" y="1538546"/>
+            <a:ext cx="10515600" cy="4351338"/>
+          </a:xfrm>
+        </p:spPr>
+        <p:txBody>
+          <a:bodyPr/>
+          <a:lstStyle/>
+          <a:p>
+            <a:r>
+              <a:rPr lang="ru-RU" dirty="0"/>
+              <a:t>Оператор цикла </a:t>
+            </a:r>
+            <a:r>
+              <a:rPr lang="en-US" dirty="0"/>
+              <a:t>for </a:t>
+            </a:r>
+            <a:r>
+              <a:rPr lang="ru-RU" dirty="0"/>
+              <a:t>позволяет последовательно обойти контейнер (строка, список, кортеж)</a:t>
+            </a:r>
+          </a:p>
+          <a:p>
+            <a:r>
+              <a:rPr lang="ru-RU" dirty="0"/>
+              <a:t>В каждом проходе цикла пользователь получает доступ к одному элементу из контейнера</a:t>
+            </a:r>
+          </a:p>
+        </p:txBody>
+      </p:sp>
+      <p:sp>
+        <p:nvSpPr>
+          <p:cNvPr id="4" name="Прямоугольник: скругленные углы 3">
+            <a:extLst>
+              <a:ext uri="{FF2B5EF4-FFF2-40B4-BE49-F238E27FC236}">
+                <a16:creationId xmlns:a16="http://schemas.microsoft.com/office/drawing/2014/main" id="{8456A595-EC48-49A5-A8EE-93CE491BEE07}"/>
+              </a:ext>
+            </a:extLst>
+          </p:cNvPr>
+          <p:cNvSpPr/>
+          <p:nvPr/>
+        </p:nvSpPr>
+        <p:spPr>
+          <a:xfrm>
+            <a:off x="4757183" y="4167963"/>
+            <a:ext cx="5007935" cy="1488558"/>
+          </a:xfrm>
+          <a:prstGeom prst="roundRect">
+            <a:avLst/>
+          </a:prstGeom>
+        </p:spPr>
+        <p:style>
+          <a:lnRef idx="2">
+            <a:schemeClr val="accent1">
+              <a:shade val="50000"/>
+            </a:schemeClr>
+          </a:lnRef>
+          <a:fillRef idx="1">
+            <a:schemeClr val="accent1"/>
+          </a:fillRef>
+          <a:effectRef idx="0">
+            <a:schemeClr val="accent1"/>
+          </a:effectRef>
+          <a:fontRef idx="minor">
+            <a:schemeClr val="lt1"/>
+          </a:fontRef>
+        </p:style>
+        <p:txBody>
+          <a:bodyPr rtlCol="0" anchor="ctr"/>
+          <a:lstStyle/>
+          <a:p>
+            <a:endParaRPr lang="ru-RU" dirty="0"/>
+          </a:p>
+          <a:p>
+            <a:endParaRPr lang="ru-RU" dirty="0"/>
+          </a:p>
+          <a:p>
+            <a:endParaRPr lang="ru-RU" dirty="0"/>
+          </a:p>
+          <a:p>
+            <a:r>
+              <a:rPr lang="ru-RU" dirty="0"/>
+              <a:t>Контейнер</a:t>
+            </a:r>
+          </a:p>
+        </p:txBody>
+      </p:sp>
+      <p:sp>
+        <p:nvSpPr>
+          <p:cNvPr id="5" name="Прямоугольник: скругленные углы 4">
+            <a:extLst>
+              <a:ext uri="{FF2B5EF4-FFF2-40B4-BE49-F238E27FC236}">
+                <a16:creationId xmlns:a16="http://schemas.microsoft.com/office/drawing/2014/main" id="{2417C1BD-8798-4449-AB8E-7ECA9265FA56}"/>
+              </a:ext>
+            </a:extLst>
+          </p:cNvPr>
+          <p:cNvSpPr/>
+          <p:nvPr/>
+        </p:nvSpPr>
+        <p:spPr>
+          <a:xfrm>
+            <a:off x="5065528" y="4355897"/>
+            <a:ext cx="754911" cy="648586"/>
+          </a:xfrm>
+          <a:prstGeom prst="roundRect">
+            <a:avLst/>
+          </a:prstGeom>
+        </p:spPr>
+        <p:style>
+          <a:lnRef idx="0">
+            <a:schemeClr val="accent3"/>
+          </a:lnRef>
+          <a:fillRef idx="3">
+            <a:schemeClr val="accent3"/>
+          </a:fillRef>
+          <a:effectRef idx="3">
+            <a:schemeClr val="accent3"/>
+          </a:effectRef>
+          <a:fontRef idx="minor">
+            <a:schemeClr val="lt1"/>
+          </a:fontRef>
+        </p:style>
+        <p:txBody>
+          <a:bodyPr rtlCol="0" anchor="ctr"/>
+          <a:lstStyle/>
+          <a:p>
+            <a:pPr algn="ctr"/>
+            <a:endParaRPr lang="ru-RU"/>
+          </a:p>
+        </p:txBody>
+      </p:sp>
+      <p:sp>
+        <p:nvSpPr>
+          <p:cNvPr id="6" name="Прямоугольник: скругленные углы 5">
+            <a:extLst>
+              <a:ext uri="{FF2B5EF4-FFF2-40B4-BE49-F238E27FC236}">
+                <a16:creationId xmlns:a16="http://schemas.microsoft.com/office/drawing/2014/main" id="{6EBC6C43-A085-4CFD-9F70-6BD947470251}"/>
+              </a:ext>
+            </a:extLst>
+          </p:cNvPr>
+          <p:cNvSpPr/>
+          <p:nvPr/>
+        </p:nvSpPr>
+        <p:spPr>
+          <a:xfrm>
+            <a:off x="5820439" y="4355897"/>
+            <a:ext cx="754911" cy="648586"/>
+          </a:xfrm>
+          <a:prstGeom prst="roundRect">
+            <a:avLst/>
+          </a:prstGeom>
+        </p:spPr>
+        <p:style>
+          <a:lnRef idx="0">
+            <a:schemeClr val="accent3"/>
+          </a:lnRef>
+          <a:fillRef idx="3">
+            <a:schemeClr val="accent3"/>
+          </a:fillRef>
+          <a:effectRef idx="3">
+            <a:schemeClr val="accent3"/>
+          </a:effectRef>
+          <a:fontRef idx="minor">
+            <a:schemeClr val="lt1"/>
+          </a:fontRef>
+        </p:style>
+        <p:txBody>
+          <a:bodyPr rtlCol="0" anchor="ctr"/>
+          <a:lstStyle/>
+          <a:p>
+            <a:pPr algn="ctr"/>
+            <a:endParaRPr lang="ru-RU"/>
+          </a:p>
+        </p:txBody>
+      </p:sp>
+      <p:sp>
+        <p:nvSpPr>
+          <p:cNvPr id="7" name="Прямоугольник: скругленные углы 6">
+            <a:extLst>
+              <a:ext uri="{FF2B5EF4-FFF2-40B4-BE49-F238E27FC236}">
+                <a16:creationId xmlns:a16="http://schemas.microsoft.com/office/drawing/2014/main" id="{C2912EE9-CD79-4079-866A-764610745900}"/>
+              </a:ext>
+            </a:extLst>
+          </p:cNvPr>
+          <p:cNvSpPr/>
+          <p:nvPr/>
+        </p:nvSpPr>
+        <p:spPr>
+          <a:xfrm>
+            <a:off x="6575350" y="4355897"/>
+            <a:ext cx="754911" cy="648586"/>
+          </a:xfrm>
+          <a:prstGeom prst="roundRect">
+            <a:avLst/>
+          </a:prstGeom>
+        </p:spPr>
+        <p:style>
+          <a:lnRef idx="0">
+            <a:schemeClr val="accent3"/>
+          </a:lnRef>
+          <a:fillRef idx="3">
+            <a:schemeClr val="accent3"/>
+          </a:fillRef>
+          <a:effectRef idx="3">
+            <a:schemeClr val="accent3"/>
+          </a:effectRef>
+          <a:fontRef idx="minor">
+            <a:schemeClr val="lt1"/>
+          </a:fontRef>
+        </p:style>
+        <p:txBody>
+          <a:bodyPr rtlCol="0" anchor="ctr"/>
+          <a:lstStyle/>
+          <a:p>
+            <a:pPr algn="ctr"/>
+            <a:endParaRPr lang="ru-RU"/>
+          </a:p>
+        </p:txBody>
+      </p:sp>
+      <p:sp>
+        <p:nvSpPr>
+          <p:cNvPr id="8" name="Прямоугольник: скругленные углы 7">
+            <a:extLst>
+              <a:ext uri="{FF2B5EF4-FFF2-40B4-BE49-F238E27FC236}">
+                <a16:creationId xmlns:a16="http://schemas.microsoft.com/office/drawing/2014/main" id="{78FC56F9-2F84-41F5-B0F8-4E3AEB25EBF6}"/>
+              </a:ext>
+            </a:extLst>
+          </p:cNvPr>
+          <p:cNvSpPr/>
+          <p:nvPr/>
+        </p:nvSpPr>
+        <p:spPr>
+          <a:xfrm>
+            <a:off x="7330261" y="4355897"/>
+            <a:ext cx="754911" cy="648586"/>
+          </a:xfrm>
+          <a:prstGeom prst="roundRect">
+            <a:avLst/>
+          </a:prstGeom>
+        </p:spPr>
+        <p:style>
+          <a:lnRef idx="0">
+            <a:schemeClr val="accent3"/>
+          </a:lnRef>
+          <a:fillRef idx="3">
+            <a:schemeClr val="accent3"/>
+          </a:fillRef>
+          <a:effectRef idx="3">
+            <a:schemeClr val="accent3"/>
+          </a:effectRef>
+          <a:fontRef idx="minor">
+            <a:schemeClr val="lt1"/>
+          </a:fontRef>
+        </p:style>
+        <p:txBody>
+          <a:bodyPr rtlCol="0" anchor="ctr"/>
+          <a:lstStyle/>
+          <a:p>
+            <a:pPr algn="ctr"/>
+            <a:endParaRPr lang="ru-RU"/>
+          </a:p>
+        </p:txBody>
+      </p:sp>
+      <p:sp>
+        <p:nvSpPr>
+          <p:cNvPr id="9" name="Прямоугольник: скругленные углы 8">
+            <a:extLst>
+              <a:ext uri="{FF2B5EF4-FFF2-40B4-BE49-F238E27FC236}">
+                <a16:creationId xmlns:a16="http://schemas.microsoft.com/office/drawing/2014/main" id="{80231D04-6C3C-4E40-AE37-FF58E614752D}"/>
+              </a:ext>
+            </a:extLst>
+          </p:cNvPr>
+          <p:cNvSpPr/>
+          <p:nvPr/>
+        </p:nvSpPr>
+        <p:spPr>
+          <a:xfrm>
+            <a:off x="8085172" y="4355897"/>
+            <a:ext cx="754911" cy="648586"/>
+          </a:xfrm>
+          <a:prstGeom prst="roundRect">
+            <a:avLst/>
+          </a:prstGeom>
+        </p:spPr>
+        <p:style>
+          <a:lnRef idx="0">
+            <a:schemeClr val="accent3"/>
+          </a:lnRef>
+          <a:fillRef idx="3">
+            <a:schemeClr val="accent3"/>
+          </a:fillRef>
+          <a:effectRef idx="3">
+            <a:schemeClr val="accent3"/>
+          </a:effectRef>
+          <a:fontRef idx="minor">
+            <a:schemeClr val="lt1"/>
+          </a:fontRef>
+        </p:style>
+        <p:txBody>
+          <a:bodyPr rtlCol="0" anchor="ctr"/>
+          <a:lstStyle/>
+          <a:p>
+            <a:pPr algn="ctr"/>
+            <a:endParaRPr lang="ru-RU"/>
+          </a:p>
+        </p:txBody>
+      </p:sp>
+      <p:sp>
+        <p:nvSpPr>
+          <p:cNvPr id="10" name="Прямоугольник: скругленные углы 9">
+            <a:extLst>
+              <a:ext uri="{FF2B5EF4-FFF2-40B4-BE49-F238E27FC236}">
+                <a16:creationId xmlns:a16="http://schemas.microsoft.com/office/drawing/2014/main" id="{D26BBE41-5CDE-4526-BD54-E1646F035EA6}"/>
+              </a:ext>
+            </a:extLst>
+          </p:cNvPr>
+          <p:cNvSpPr/>
+          <p:nvPr/>
+        </p:nvSpPr>
+        <p:spPr>
+          <a:xfrm>
+            <a:off x="8802866" y="4355897"/>
+            <a:ext cx="754911" cy="648586"/>
+          </a:xfrm>
+          <a:prstGeom prst="roundRect">
+            <a:avLst/>
+          </a:prstGeom>
+        </p:spPr>
+        <p:style>
+          <a:lnRef idx="0">
+            <a:schemeClr val="accent3"/>
+          </a:lnRef>
+          <a:fillRef idx="3">
+            <a:schemeClr val="accent3"/>
+          </a:fillRef>
+          <a:effectRef idx="3">
+            <a:schemeClr val="accent3"/>
+          </a:effectRef>
+          <a:fontRef idx="minor">
+            <a:schemeClr val="lt1"/>
+          </a:fontRef>
+        </p:style>
+        <p:txBody>
+          <a:bodyPr rtlCol="0" anchor="ctr"/>
+          <a:lstStyle/>
+          <a:p>
+            <a:pPr algn="ctr"/>
+            <a:endParaRPr lang="ru-RU"/>
+          </a:p>
+        </p:txBody>
+      </p:sp>
+      <p:sp>
+        <p:nvSpPr>
+          <p:cNvPr id="11" name="Прямоугольник: скругленные углы 10">
+            <a:extLst>
+              <a:ext uri="{FF2B5EF4-FFF2-40B4-BE49-F238E27FC236}">
+                <a16:creationId xmlns:a16="http://schemas.microsoft.com/office/drawing/2014/main" id="{3E9A5320-32EB-4AEC-8377-161E97D06CC0}"/>
+              </a:ext>
+            </a:extLst>
+          </p:cNvPr>
+          <p:cNvSpPr/>
+          <p:nvPr/>
+        </p:nvSpPr>
+        <p:spPr>
+          <a:xfrm>
+            <a:off x="2009996" y="3925279"/>
+            <a:ext cx="1575391" cy="1052623"/>
+          </a:xfrm>
+          <a:prstGeom prst="roundRect">
+            <a:avLst/>
+          </a:prstGeom>
+        </p:spPr>
+        <p:style>
+          <a:lnRef idx="0">
+            <a:schemeClr val="accent2"/>
+          </a:lnRef>
+          <a:fillRef idx="3">
+            <a:schemeClr val="accent2"/>
+          </a:fillRef>
+          <a:effectRef idx="3">
+            <a:schemeClr val="accent2"/>
+          </a:effectRef>
+          <a:fontRef idx="minor">
+            <a:schemeClr val="lt1"/>
+          </a:fontRef>
+        </p:style>
+        <p:txBody>
+          <a:bodyPr rtlCol="0" anchor="ctr"/>
+          <a:lstStyle/>
+          <a:p>
+            <a:pPr algn="ctr"/>
+            <a:r>
+              <a:rPr lang="ru-RU" dirty="0"/>
+              <a:t>Переменная</a:t>
+            </a:r>
+          </a:p>
+        </p:txBody>
+      </p:sp>
+      <p:cxnSp>
+        <p:nvCxnSpPr>
+          <p:cNvPr id="13" name="Соединитель: уступ 12">
+            <a:extLst>
+              <a:ext uri="{FF2B5EF4-FFF2-40B4-BE49-F238E27FC236}">
+                <a16:creationId xmlns:a16="http://schemas.microsoft.com/office/drawing/2014/main" id="{01ED24BD-8FF5-42CD-8BE9-1AF4F747C9E7}"/>
+              </a:ext>
+            </a:extLst>
+          </p:cNvPr>
+          <p:cNvCxnSpPr>
+            <a:cxnSpLocks/>
+            <a:stCxn id="11" idx="3"/>
+            <a:endCxn id="4" idx="1"/>
+          </p:cNvCxnSpPr>
+          <p:nvPr/>
+        </p:nvCxnSpPr>
+        <p:spPr>
+          <a:xfrm>
+            <a:off x="3585387" y="4451591"/>
+            <a:ext cx="1171796" cy="460651"/>
+          </a:xfrm>
+          <a:prstGeom prst="bentConnector3">
+            <a:avLst/>
+          </a:prstGeom>
+          <a:ln>
+            <a:tailEnd type="triangle"/>
+          </a:ln>
+        </p:spPr>
+        <p:style>
+          <a:lnRef idx="3">
+            <a:schemeClr val="accent1"/>
+          </a:lnRef>
+          <a:fillRef idx="0">
+            <a:schemeClr val="accent1"/>
+          </a:fillRef>
+          <a:effectRef idx="2">
+            <a:schemeClr val="accent1"/>
+          </a:effectRef>
+          <a:fontRef idx="minor">
+            <a:schemeClr val="tx1"/>
+          </a:fontRef>
+        </p:style>
+      </p:cxnSp>
+    </p:spTree>
+    <p:extLst>
+      <p:ext uri="{BB962C8B-B14F-4D97-AF65-F5344CB8AC3E}">
+        <p14:creationId xmlns:p14="http://schemas.microsoft.com/office/powerpoint/2010/main" val="2939622138"/>
+      </p:ext>
+    </p:extLst>
+  </p:cSld>
+  <p:clrMapOvr>
+    <a:masterClrMapping/>
+  </p:clrMapOvr>
+</p:sld>
+</file>
+
+<file path=ppt/slides/slide71.xml><?xml version="1.0" encoding="utf-8"?>
+<p:sld xmlns:a="http://schemas.openxmlformats.org/drawingml/2006/main" xmlns:r="http://schemas.openxmlformats.org/officeDocument/2006/relationships" xmlns:p="http://schemas.openxmlformats.org/presentationml/2006/main">
+  <p:cSld>
+    <p:spTree>
+      <p:nvGrpSpPr>
+        <p:cNvPr id="1" name=""/>
+        <p:cNvGrpSpPr/>
+        <p:nvPr/>
+      </p:nvGrpSpPr>
+      <p:grpSpPr>
+        <a:xfrm>
+          <a:off x="0" y="0"/>
+          <a:ext cx="0" cy="0"/>
+          <a:chOff x="0" y="0"/>
+          <a:chExt cx="0" cy="0"/>
+        </a:xfrm>
+      </p:grpSpPr>
+      <p:sp>
+        <p:nvSpPr>
+          <p:cNvPr id="2" name="Заголовок 1">
+            <a:extLst>
+              <a:ext uri="{FF2B5EF4-FFF2-40B4-BE49-F238E27FC236}">
+                <a16:creationId xmlns:a16="http://schemas.microsoft.com/office/drawing/2014/main" id="{DC2F03F6-0CE7-4450-A928-07DBBDA55597}"/>
+              </a:ext>
+            </a:extLst>
+          </p:cNvPr>
+          <p:cNvSpPr>
+            <a:spLocks noGrp="1"/>
+          </p:cNvSpPr>
+          <p:nvPr>
+            <p:ph type="title"/>
+          </p:nvPr>
+        </p:nvSpPr>
+        <p:spPr/>
+        <p:txBody>
+          <a:bodyPr/>
+          <a:lstStyle/>
+          <a:p>
+            <a:r>
+              <a:rPr lang="ru-RU" dirty="0"/>
+              <a:t>Оператор цикла </a:t>
+            </a:r>
+            <a:r>
+              <a:rPr lang="en-US" dirty="0"/>
+              <a:t>for</a:t>
+            </a:r>
+            <a:endParaRPr lang="ru-RU" dirty="0"/>
+          </a:p>
+        </p:txBody>
+      </p:sp>
+      <p:grpSp>
+        <p:nvGrpSpPr>
+          <p:cNvPr id="10" name="Группа 9">
+            <a:extLst>
+              <a:ext uri="{FF2B5EF4-FFF2-40B4-BE49-F238E27FC236}">
+                <a16:creationId xmlns:a16="http://schemas.microsoft.com/office/drawing/2014/main" id="{9F2C8F30-F309-4F52-9896-86C211B8906B}"/>
+              </a:ext>
+            </a:extLst>
+          </p:cNvPr>
+          <p:cNvGrpSpPr/>
+          <p:nvPr/>
+        </p:nvGrpSpPr>
+        <p:grpSpPr>
+          <a:xfrm>
+            <a:off x="95691" y="2190307"/>
+            <a:ext cx="5766392" cy="2834534"/>
+            <a:chOff x="329608" y="2190307"/>
+            <a:chExt cx="5766392" cy="2834534"/>
+          </a:xfrm>
+        </p:grpSpPr>
+        <p:sp>
+          <p:nvSpPr>
+            <p:cNvPr id="3" name="Прямоугольник: скругленные углы 2">
+              <a:extLst>
+                <a:ext uri="{FF2B5EF4-FFF2-40B4-BE49-F238E27FC236}">
+                  <a16:creationId xmlns:a16="http://schemas.microsoft.com/office/drawing/2014/main" id="{1E41C761-430F-4840-9524-251BACC2CADE}"/>
+                </a:ext>
+              </a:extLst>
+            </p:cNvPr>
+            <p:cNvSpPr/>
+            <p:nvPr/>
+          </p:nvSpPr>
+          <p:spPr>
+            <a:xfrm>
+              <a:off x="329608" y="2190307"/>
+              <a:ext cx="5766392" cy="2834534"/>
+            </a:xfrm>
+            <a:prstGeom prst="roundRect">
+              <a:avLst/>
+            </a:prstGeom>
+          </p:spPr>
+          <p:style>
+            <a:lnRef idx="2">
+              <a:schemeClr val="accent1">
+                <a:shade val="50000"/>
+              </a:schemeClr>
+            </a:lnRef>
+            <a:fillRef idx="1">
+              <a:schemeClr val="accent1"/>
+            </a:fillRef>
+            <a:effectRef idx="0">
+              <a:schemeClr val="accent1"/>
+            </a:effectRef>
+            <a:fontRef idx="minor">
+              <a:schemeClr val="lt1"/>
+            </a:fontRef>
+          </p:style>
+          <p:txBody>
+            <a:bodyPr rtlCol="0" anchor="ctr"/>
+            <a:lstStyle/>
+            <a:p>
+              <a:r>
+                <a:rPr lang="en-US" sz="4400" dirty="0"/>
+                <a:t>for </a:t>
+              </a:r>
+              <a:r>
+                <a:rPr lang="ru-RU" sz="4400" dirty="0"/>
+                <a:t>    </a:t>
+              </a:r>
+              <a:r>
+                <a:rPr lang="en-US" sz="4400" dirty="0"/>
+                <a:t>      </a:t>
+              </a:r>
+              <a:r>
+                <a:rPr lang="ru-RU" sz="4400" dirty="0"/>
+                <a:t>  </a:t>
+              </a:r>
+              <a:r>
+                <a:rPr lang="en-US" sz="4400" dirty="0"/>
+                <a:t> in   </a:t>
+              </a:r>
+              <a:r>
+                <a:rPr lang="ru-RU" sz="4400" dirty="0"/>
+                <a:t>           </a:t>
+              </a:r>
+              <a:r>
+                <a:rPr lang="en-US" sz="4400" dirty="0"/>
+                <a:t>:</a:t>
+              </a:r>
+            </a:p>
+            <a:p>
+              <a:endParaRPr lang="en-US" sz="4400" dirty="0"/>
+            </a:p>
+            <a:p>
+              <a:r>
+                <a:rPr lang="en-US" sz="4400" dirty="0"/>
+                <a:t>else:</a:t>
+              </a:r>
+            </a:p>
+          </p:txBody>
+        </p:sp>
+        <p:sp>
+          <p:nvSpPr>
+            <p:cNvPr id="4" name="Прямоугольник: скругленные углы 3">
+              <a:extLst>
+                <a:ext uri="{FF2B5EF4-FFF2-40B4-BE49-F238E27FC236}">
+                  <a16:creationId xmlns:a16="http://schemas.microsoft.com/office/drawing/2014/main" id="{B937CAD9-7C8B-406F-951E-ED34ED7878B6}"/>
+                </a:ext>
+              </a:extLst>
+            </p:cNvPr>
+            <p:cNvSpPr/>
+            <p:nvPr/>
+          </p:nvSpPr>
+          <p:spPr>
+            <a:xfrm>
+              <a:off x="1329071" y="2677379"/>
+              <a:ext cx="1605515" cy="581284"/>
+            </a:xfrm>
+            <a:prstGeom prst="roundRect">
+              <a:avLst/>
+            </a:prstGeom>
+          </p:spPr>
+          <p:style>
+            <a:lnRef idx="0">
+              <a:schemeClr val="accent4"/>
+            </a:lnRef>
+            <a:fillRef idx="3">
+              <a:schemeClr val="accent4"/>
+            </a:fillRef>
+            <a:effectRef idx="3">
+              <a:schemeClr val="accent4"/>
+            </a:effectRef>
+            <a:fontRef idx="minor">
+              <a:schemeClr val="lt1"/>
+            </a:fontRef>
+          </p:style>
+          <p:txBody>
+            <a:bodyPr rtlCol="0" anchor="ctr"/>
+            <a:lstStyle/>
+            <a:p>
+              <a:pPr algn="ctr"/>
+              <a:r>
+                <a:rPr lang="ru-RU" dirty="0"/>
+                <a:t>ТЕК.ЭЛЕМЕНТ</a:t>
+              </a:r>
+            </a:p>
+          </p:txBody>
+        </p:sp>
+        <p:sp>
+          <p:nvSpPr>
+            <p:cNvPr id="5" name="Прямоугольник: скругленные углы 4">
+              <a:extLst>
+                <a:ext uri="{FF2B5EF4-FFF2-40B4-BE49-F238E27FC236}">
+                  <a16:creationId xmlns:a16="http://schemas.microsoft.com/office/drawing/2014/main" id="{7B139CFF-72D0-49B8-858C-8800F038C224}"/>
+                </a:ext>
+              </a:extLst>
+            </p:cNvPr>
+            <p:cNvSpPr/>
+            <p:nvPr/>
+          </p:nvSpPr>
+          <p:spPr>
+            <a:xfrm>
+              <a:off x="3583172" y="2700784"/>
+              <a:ext cx="1541721" cy="627321"/>
+            </a:xfrm>
+            <a:prstGeom prst="roundRect">
+              <a:avLst/>
+            </a:prstGeom>
+          </p:spPr>
+          <p:style>
+            <a:lnRef idx="0">
+              <a:schemeClr val="accent2"/>
+            </a:lnRef>
+            <a:fillRef idx="3">
+              <a:schemeClr val="accent2"/>
+            </a:fillRef>
+            <a:effectRef idx="3">
+              <a:schemeClr val="accent2"/>
+            </a:effectRef>
+            <a:fontRef idx="minor">
+              <a:schemeClr val="lt1"/>
+            </a:fontRef>
+          </p:style>
+          <p:txBody>
+            <a:bodyPr rtlCol="0" anchor="ctr"/>
+            <a:lstStyle/>
+            <a:p>
+              <a:pPr algn="ctr"/>
+              <a:r>
+                <a:rPr lang="ru-RU" dirty="0"/>
+                <a:t>КОНТЕЙНЕР</a:t>
+              </a:r>
+            </a:p>
+          </p:txBody>
+        </p:sp>
+        <p:sp>
+          <p:nvSpPr>
+            <p:cNvPr id="7" name="Прямоугольник: скругленные углы 6">
+              <a:extLst>
+                <a:ext uri="{FF2B5EF4-FFF2-40B4-BE49-F238E27FC236}">
+                  <a16:creationId xmlns:a16="http://schemas.microsoft.com/office/drawing/2014/main" id="{79300695-A457-4741-91CD-E7B48B2F8C27}"/>
+                </a:ext>
+              </a:extLst>
+            </p:cNvPr>
+            <p:cNvSpPr/>
+            <p:nvPr/>
+          </p:nvSpPr>
+          <p:spPr>
+            <a:xfrm>
+              <a:off x="1740195" y="3514064"/>
+              <a:ext cx="1988288" cy="616688"/>
+            </a:xfrm>
+            <a:prstGeom prst="roundRect">
+              <a:avLst/>
+            </a:prstGeom>
+          </p:spPr>
+          <p:style>
+            <a:lnRef idx="0">
+              <a:schemeClr val="accent6"/>
+            </a:lnRef>
+            <a:fillRef idx="3">
+              <a:schemeClr val="accent6"/>
+            </a:fillRef>
+            <a:effectRef idx="3">
+              <a:schemeClr val="accent6"/>
+            </a:effectRef>
+            <a:fontRef idx="minor">
+              <a:schemeClr val="lt1"/>
+            </a:fontRef>
+          </p:style>
+          <p:txBody>
+            <a:bodyPr rtlCol="0" anchor="ctr"/>
+            <a:lstStyle/>
+            <a:p>
+              <a:pPr algn="ctr"/>
+              <a:r>
+                <a:rPr lang="ru-RU" dirty="0"/>
+                <a:t>БЛОК ЦИКЛА</a:t>
+              </a:r>
+            </a:p>
+          </p:txBody>
+        </p:sp>
+        <p:sp>
+          <p:nvSpPr>
+            <p:cNvPr id="9" name="Прямоугольник: скругленные углы 8">
+              <a:extLst>
+                <a:ext uri="{FF2B5EF4-FFF2-40B4-BE49-F238E27FC236}">
+                  <a16:creationId xmlns:a16="http://schemas.microsoft.com/office/drawing/2014/main" id="{0C07C2D3-B96F-49C0-9193-7F18531B2BC4}"/>
+                </a:ext>
+              </a:extLst>
+            </p:cNvPr>
+            <p:cNvSpPr/>
+            <p:nvPr/>
+          </p:nvSpPr>
+          <p:spPr>
+            <a:xfrm>
+              <a:off x="1740195" y="4386153"/>
+              <a:ext cx="1988288" cy="573936"/>
+            </a:xfrm>
+            <a:prstGeom prst="roundRect">
+              <a:avLst/>
+            </a:prstGeom>
+          </p:spPr>
+          <p:style>
+            <a:lnRef idx="0">
+              <a:schemeClr val="accent3"/>
+            </a:lnRef>
+            <a:fillRef idx="3">
+              <a:schemeClr val="accent3"/>
+            </a:fillRef>
+            <a:effectRef idx="3">
+              <a:schemeClr val="accent3"/>
+            </a:effectRef>
+            <a:fontRef idx="minor">
+              <a:schemeClr val="lt1"/>
+            </a:fontRef>
+          </p:style>
+          <p:txBody>
+            <a:bodyPr rtlCol="0" anchor="ctr"/>
+            <a:lstStyle/>
+            <a:p>
+              <a:pPr algn="ctr"/>
+              <a:r>
+                <a:rPr lang="ru-RU" dirty="0"/>
+                <a:t>БЛОК </a:t>
+              </a:r>
+              <a:r>
+                <a:rPr lang="en-US" dirty="0"/>
+                <a:t>ELSE</a:t>
+              </a:r>
+              <a:endParaRPr lang="ru-RU" dirty="0"/>
+            </a:p>
+          </p:txBody>
+        </p:sp>
+      </p:grpSp>
+      <p:pic>
+        <p:nvPicPr>
+          <p:cNvPr id="12" name="Рисунок 11">
+            <a:extLst>
+              <a:ext uri="{FF2B5EF4-FFF2-40B4-BE49-F238E27FC236}">
+                <a16:creationId xmlns:a16="http://schemas.microsoft.com/office/drawing/2014/main" id="{7F386F34-D692-4606-B3AC-89992757BD2C}"/>
+              </a:ext>
+            </a:extLst>
+          </p:cNvPr>
+          <p:cNvPicPr>
+            <a:picLocks noChangeAspect="1"/>
+          </p:cNvPicPr>
+          <p:nvPr/>
+        </p:nvPicPr>
+        <p:blipFill rotWithShape="1">
+          <a:blip r:embed="rId2"/>
+          <a:srcRect l="4220" t="7573" r="5143" b="3777"/>
+          <a:stretch/>
+        </p:blipFill>
+        <p:spPr>
+          <a:xfrm>
+            <a:off x="6308652" y="56667"/>
+            <a:ext cx="5766392" cy="6744666"/>
+          </a:xfrm>
+          <a:prstGeom prst="rect">
+            <a:avLst/>
+          </a:prstGeom>
+        </p:spPr>
+      </p:pic>
+    </p:spTree>
+    <p:extLst>
+      <p:ext uri="{BB962C8B-B14F-4D97-AF65-F5344CB8AC3E}">
+        <p14:creationId xmlns:p14="http://schemas.microsoft.com/office/powerpoint/2010/main" val="4061795951"/>
+      </p:ext>
+    </p:extLst>
+  </p:cSld>
+  <p:clrMapOvr>
+    <a:masterClrMapping/>
+  </p:clrMapOvr>
+</p:sld>
+</file>
+
+<file path=ppt/slides/slide72.xml><?xml version="1.0" encoding="utf-8"?>
+<p:sld xmlns:a="http://schemas.openxmlformats.org/drawingml/2006/main" xmlns:r="http://schemas.openxmlformats.org/officeDocument/2006/relationships" xmlns:p="http://schemas.openxmlformats.org/presentationml/2006/main">
+  <p:cSld>
+    <p:spTree>
+      <p:nvGrpSpPr>
+        <p:cNvPr id="1" name=""/>
+        <p:cNvGrpSpPr/>
+        <p:nvPr/>
+      </p:nvGrpSpPr>
+      <p:grpSpPr>
+        <a:xfrm>
+          <a:off x="0" y="0"/>
+          <a:ext cx="0" cy="0"/>
+          <a:chOff x="0" y="0"/>
+          <a:chExt cx="0" cy="0"/>
+        </a:xfrm>
+      </p:grpSpPr>
+      <p:sp>
+        <p:nvSpPr>
+          <p:cNvPr id="2" name="Заголовок 1">
+            <a:extLst>
+              <a:ext uri="{FF2B5EF4-FFF2-40B4-BE49-F238E27FC236}">
+                <a16:creationId xmlns:a16="http://schemas.microsoft.com/office/drawing/2014/main" id="{CDF86B11-7BCE-48FE-8670-CE4D3A68F10E}"/>
+              </a:ext>
+            </a:extLst>
+          </p:cNvPr>
+          <p:cNvSpPr>
+            <a:spLocks noGrp="1"/>
+          </p:cNvSpPr>
+          <p:nvPr>
+            <p:ph type="title"/>
+          </p:nvPr>
+        </p:nvSpPr>
+        <p:spPr/>
+        <p:txBody>
+          <a:bodyPr/>
+          <a:lstStyle/>
+          <a:p>
+            <a:r>
+              <a:rPr lang="ru-RU" dirty="0"/>
+              <a:t>Операторы перехода </a:t>
+            </a:r>
+            <a:r>
+              <a:rPr lang="en-US" dirty="0"/>
+              <a:t>break </a:t>
+            </a:r>
+            <a:r>
+              <a:rPr lang="ru-RU" dirty="0"/>
+              <a:t>и </a:t>
+            </a:r>
+            <a:r>
+              <a:rPr lang="en-US" dirty="0"/>
+              <a:t>continue</a:t>
+            </a:r>
+            <a:endParaRPr lang="ru-RU" dirty="0"/>
+          </a:p>
+        </p:txBody>
+      </p:sp>
+      <p:sp>
+        <p:nvSpPr>
+          <p:cNvPr id="3" name="Объект 2">
+            <a:extLst>
+              <a:ext uri="{FF2B5EF4-FFF2-40B4-BE49-F238E27FC236}">
+                <a16:creationId xmlns:a16="http://schemas.microsoft.com/office/drawing/2014/main" id="{5B0907C1-70EF-468D-B180-452059B2D840}"/>
+              </a:ext>
+            </a:extLst>
+          </p:cNvPr>
+          <p:cNvSpPr>
+            <a:spLocks noGrp="1"/>
+          </p:cNvSpPr>
+          <p:nvPr>
+            <p:ph idx="1"/>
+          </p:nvPr>
+        </p:nvSpPr>
+        <p:spPr/>
+        <p:txBody>
+          <a:bodyPr/>
+          <a:lstStyle/>
+          <a:p>
+            <a:r>
+              <a:rPr lang="ru-RU" dirty="0"/>
+              <a:t>Оператор </a:t>
+            </a:r>
+            <a:r>
+              <a:rPr lang="en-US" b="1" dirty="0"/>
+              <a:t>break</a:t>
+            </a:r>
+            <a:r>
+              <a:rPr lang="en-US" dirty="0"/>
+              <a:t> </a:t>
+            </a:r>
+            <a:r>
+              <a:rPr lang="ru-RU" dirty="0"/>
+              <a:t>немедленно прерывает цикл и передает управление оператору следующему за циклом</a:t>
+            </a:r>
+          </a:p>
+          <a:p>
+            <a:r>
+              <a:rPr lang="ru-RU" dirty="0"/>
+              <a:t>При срабатывании оператора </a:t>
+            </a:r>
+            <a:r>
+              <a:rPr lang="en-US" b="1" dirty="0"/>
+              <a:t>break</a:t>
+            </a:r>
+            <a:r>
+              <a:rPr lang="ru-RU" dirty="0"/>
+              <a:t>, часть </a:t>
+            </a:r>
+            <a:r>
+              <a:rPr lang="en-US" i="1" dirty="0"/>
+              <a:t>else</a:t>
+            </a:r>
+            <a:r>
+              <a:rPr lang="ru-RU" dirty="0"/>
+              <a:t>, если она присутствует в операторах </a:t>
+            </a:r>
+            <a:r>
+              <a:rPr lang="en-US" i="1" dirty="0"/>
+              <a:t>while</a:t>
+            </a:r>
+            <a:r>
+              <a:rPr lang="en-US" dirty="0"/>
+              <a:t> </a:t>
+            </a:r>
+            <a:r>
+              <a:rPr lang="ru-RU" dirty="0"/>
+              <a:t>или </a:t>
+            </a:r>
+            <a:r>
+              <a:rPr lang="en-US" i="1" dirty="0"/>
+              <a:t>for</a:t>
+            </a:r>
+            <a:r>
+              <a:rPr lang="en-US" dirty="0"/>
+              <a:t> </a:t>
+            </a:r>
+            <a:r>
+              <a:rPr lang="ru-RU" dirty="0"/>
+              <a:t>не выполняется</a:t>
+            </a:r>
+          </a:p>
+          <a:p>
+            <a:r>
+              <a:rPr lang="ru-RU" dirty="0"/>
+              <a:t>Оператор </a:t>
+            </a:r>
+            <a:r>
+              <a:rPr lang="en-US" b="1" dirty="0"/>
+              <a:t>continue</a:t>
+            </a:r>
+            <a:r>
+              <a:rPr lang="en-US" dirty="0"/>
+              <a:t> </a:t>
+            </a:r>
+            <a:r>
+              <a:rPr lang="ru-RU" dirty="0"/>
+              <a:t>позволяет досрочно завершить блок цикла и перейти к повторной итерации при соблюдении условия в </a:t>
+            </a:r>
+            <a:r>
+              <a:rPr lang="en-US" i="1" dirty="0"/>
+              <a:t>while</a:t>
+            </a:r>
+            <a:r>
+              <a:rPr lang="en-US" dirty="0"/>
+              <a:t> </a:t>
+            </a:r>
+            <a:r>
+              <a:rPr lang="ru-RU" dirty="0"/>
+              <a:t>и существовании очередного элемента контейнера в цикле </a:t>
+            </a:r>
+            <a:r>
+              <a:rPr lang="en-US" i="1" dirty="0"/>
+              <a:t>for</a:t>
+            </a:r>
+            <a:endParaRPr lang="ru-RU" i="1" dirty="0"/>
+          </a:p>
+        </p:txBody>
+      </p:sp>
+    </p:spTree>
+    <p:extLst>
+      <p:ext uri="{BB962C8B-B14F-4D97-AF65-F5344CB8AC3E}">
+        <p14:creationId xmlns:p14="http://schemas.microsoft.com/office/powerpoint/2010/main" val="3466538317"/>
+      </p:ext>
+    </p:extLst>
+  </p:cSld>
+  <p:clrMapOvr>
+    <a:masterClrMapping/>
+  </p:clrMapOvr>
+</p:sld>
+</file>
+
+<file path=ppt/slides/slide73.xml><?xml version="1.0" encoding="utf-8"?>
+<p:sld xmlns:a="http://schemas.openxmlformats.org/drawingml/2006/main" xmlns:r="http://schemas.openxmlformats.org/officeDocument/2006/relationships" xmlns:p="http://schemas.openxmlformats.org/presentationml/2006/main">
+  <p:cSld>
+    <p:spTree>
+      <p:nvGrpSpPr>
+        <p:cNvPr id="1" name=""/>
+        <p:cNvGrpSpPr/>
+        <p:nvPr/>
+      </p:nvGrpSpPr>
+      <p:grpSpPr>
+        <a:xfrm>
+          <a:off x="0" y="0"/>
+          <a:ext cx="0" cy="0"/>
+          <a:chOff x="0" y="0"/>
+          <a:chExt cx="0" cy="0"/>
+        </a:xfrm>
+      </p:grpSpPr>
+      <p:sp>
+        <p:nvSpPr>
+          <p:cNvPr id="2" name="Заголовок 1">
+            <a:extLst>
+              <a:ext uri="{FF2B5EF4-FFF2-40B4-BE49-F238E27FC236}">
+                <a16:creationId xmlns:a16="http://schemas.microsoft.com/office/drawing/2014/main" id="{193D5B6E-0C18-43C1-902C-CCB56F1B963F}"/>
+              </a:ext>
+            </a:extLst>
+          </p:cNvPr>
+          <p:cNvSpPr>
+            <a:spLocks noGrp="1"/>
+          </p:cNvSpPr>
+          <p:nvPr>
+            <p:ph type="title"/>
+          </p:nvPr>
+        </p:nvSpPr>
+        <p:spPr/>
+        <p:txBody>
+          <a:bodyPr/>
+          <a:lstStyle/>
+          <a:p>
+            <a:r>
+              <a:rPr lang="ru-RU" dirty="0"/>
+              <a:t>Элементарные операции с логикой ветвления</a:t>
+            </a:r>
+          </a:p>
+        </p:txBody>
+      </p:sp>
+      <p:sp>
+        <p:nvSpPr>
+          <p:cNvPr id="3" name="Объект 2">
+            <a:extLst>
+              <a:ext uri="{FF2B5EF4-FFF2-40B4-BE49-F238E27FC236}">
+                <a16:creationId xmlns:a16="http://schemas.microsoft.com/office/drawing/2014/main" id="{0D156E39-B370-4977-9DE9-E13E07529FFF}"/>
+              </a:ext>
+            </a:extLst>
+          </p:cNvPr>
+          <p:cNvSpPr>
+            <a:spLocks noGrp="1"/>
+          </p:cNvSpPr>
+          <p:nvPr>
+            <p:ph idx="1"/>
+          </p:nvPr>
+        </p:nvSpPr>
+        <p:spPr/>
+        <p:txBody>
+          <a:bodyPr/>
+          <a:lstStyle/>
+          <a:p>
+            <a:r>
+              <a:rPr lang="ru-RU" dirty="0"/>
+              <a:t>Организуйте ввод чисел с помощью конструкции </a:t>
+            </a:r>
+            <a:r>
+              <a:rPr lang="en-US" dirty="0"/>
+              <a:t>x = int(input(‘&gt;’)) </a:t>
+            </a:r>
+          </a:p>
+          <a:p>
+            <a:r>
+              <a:rPr lang="ru-RU" dirty="0"/>
+              <a:t>Пользователь вводит числа, пока очередным числом не будет «0»</a:t>
+            </a:r>
+          </a:p>
+          <a:p>
+            <a:r>
+              <a:rPr lang="ru-RU" dirty="0"/>
+              <a:t>Используя цикл </a:t>
+            </a:r>
+            <a:r>
+              <a:rPr lang="en-US" dirty="0"/>
+              <a:t>while </a:t>
+            </a:r>
+            <a:r>
+              <a:rPr lang="ru-RU" dirty="0"/>
+              <a:t>посчитайте сумму введенных чисел</a:t>
+            </a:r>
+          </a:p>
+          <a:p>
+            <a:r>
+              <a:rPr lang="ru-RU" dirty="0"/>
+              <a:t>Используя цикл </a:t>
+            </a:r>
+            <a:r>
+              <a:rPr lang="en-US" dirty="0"/>
+              <a:t>for </a:t>
+            </a:r>
+            <a:r>
+              <a:rPr lang="ru-RU" dirty="0"/>
+              <a:t>посчитайте произведение введенных чисел</a:t>
+            </a:r>
+          </a:p>
+          <a:p>
+            <a:r>
+              <a:rPr lang="ru-RU" dirty="0"/>
+              <a:t>Используя оператор </a:t>
+            </a:r>
+            <a:r>
+              <a:rPr lang="en-US" dirty="0"/>
+              <a:t>if </a:t>
+            </a:r>
+            <a:r>
+              <a:rPr lang="ru-RU" dirty="0"/>
+              <a:t>исключите из подсчета сумму в циклах нечетные числа</a:t>
+            </a:r>
+          </a:p>
+        </p:txBody>
+      </p:sp>
+    </p:spTree>
+    <p:extLst>
+      <p:ext uri="{BB962C8B-B14F-4D97-AF65-F5344CB8AC3E}">
+        <p14:creationId xmlns:p14="http://schemas.microsoft.com/office/powerpoint/2010/main" val="4002637206"/>
+      </p:ext>
+    </p:extLst>
+  </p:cSld>
+  <p:clrMapOvr>
+    <a:masterClrMapping/>
+  </p:clrMapOvr>
+</p:sld>
+</file>
+
 <file path=ppt/slides/slide8.xml><?xml version="1.0" encoding="utf-8"?>
 <p:sld xmlns:a="http://schemas.openxmlformats.org/drawingml/2006/main" xmlns:r="http://schemas.openxmlformats.org/officeDocument/2006/relationships" xmlns:p="http://schemas.openxmlformats.org/presentationml/2006/main">
   <p:cSld>

--- a/Presentation/Основы алгоритмизации и программирования.pptx
+++ b/Presentation/Основы алгоритмизации и программирования.pptx
@@ -26363,20 +26363,10 @@
               <a:t>и </a:t>
             </a:r>
             <a:r>
-              <a:rPr lang="en-US" b="1" dirty="0"/>
+              <a:rPr lang="en-US" b="1"/>
               <a:t>continue</a:t>
             </a:r>
-          </a:p>
-          <a:p>
-            <a:r>
-              <a:rPr lang="ru-RU" dirty="0"/>
-              <a:t>Оператор </a:t>
-            </a:r>
-            <a:r>
-              <a:rPr lang="en-US" b="1" dirty="0"/>
-              <a:t>pass</a:t>
-            </a:r>
-            <a:endParaRPr lang="ru-RU" b="1" dirty="0"/>
+            <a:endParaRPr lang="en-US" b="1" dirty="0"/>
           </a:p>
         </p:txBody>
       </p:sp>

--- a/Presentation/Основы алгоритмизации и программирования.pptx
+++ b/Presentation/Основы алгоритмизации и программирования.pptx
@@ -26226,7 +26226,10 @@
           <a:bodyPr/>
           <a:lstStyle/>
           <a:p>
-            <a:endParaRPr lang="ru-RU"/>
+            <a:r>
+              <a:rPr lang="ru-RU"/>
+              <a:t>Модуль 4</a:t>
+            </a:r>
           </a:p>
         </p:txBody>
       </p:sp>
@@ -26363,10 +26366,9 @@
               <a:t>и </a:t>
             </a:r>
             <a:r>
-              <a:rPr lang="en-US" b="1"/>
+              <a:rPr lang="en-US" b="1" dirty="0"/>
               <a:t>continue</a:t>
             </a:r>
-            <a:endParaRPr lang="en-US" b="1" dirty="0"/>
           </a:p>
         </p:txBody>
       </p:sp>

--- a/Presentation/Основы алгоритмизации и программирования.pptx
+++ b/Presentation/Основы алгоритмизации и программирования.pptx
@@ -78,6 +78,7 @@
     <p:sldId id="326" r:id="rId72"/>
     <p:sldId id="327" r:id="rId73"/>
     <p:sldId id="328" r:id="rId74"/>
+    <p:sldId id="329" r:id="rId75"/>
   </p:sldIdLst>
   <p:sldSz cx="12192000" cy="6858000"/>
   <p:notesSz cx="6858000" cy="9144000"/>
@@ -26227,7 +26228,7 @@
           <a:lstStyle/>
           <a:p>
             <a:r>
-              <a:rPr lang="ru-RU"/>
+              <a:rPr lang="ru-RU" dirty="0"/>
               <a:t>Модуль 4</a:t>
             </a:r>
           </a:p>
@@ -29844,6 +29845,92 @@
     <p:extLst>
       <p:ext uri="{BB962C8B-B14F-4D97-AF65-F5344CB8AC3E}">
         <p14:creationId xmlns:p14="http://schemas.microsoft.com/office/powerpoint/2010/main" val="4002637206"/>
+      </p:ext>
+    </p:extLst>
+  </p:cSld>
+  <p:clrMapOvr>
+    <a:masterClrMapping/>
+  </p:clrMapOvr>
+</p:sld>
+</file>
+
+<file path=ppt/slides/slide74.xml><?xml version="1.0" encoding="utf-8"?>
+<p:sld xmlns:a="http://schemas.openxmlformats.org/drawingml/2006/main" xmlns:r="http://schemas.openxmlformats.org/officeDocument/2006/relationships" xmlns:p="http://schemas.openxmlformats.org/presentationml/2006/main">
+  <p:cSld>
+    <p:spTree>
+      <p:nvGrpSpPr>
+        <p:cNvPr id="1" name=""/>
+        <p:cNvGrpSpPr/>
+        <p:nvPr/>
+      </p:nvGrpSpPr>
+      <p:grpSpPr>
+        <a:xfrm>
+          <a:off x="0" y="0"/>
+          <a:ext cx="0" cy="0"/>
+          <a:chOff x="0" y="0"/>
+          <a:chExt cx="0" cy="0"/>
+        </a:xfrm>
+      </p:grpSpPr>
+      <p:sp>
+        <p:nvSpPr>
+          <p:cNvPr id="2" name="Заголовок 1">
+            <a:extLst>
+              <a:ext uri="{FF2B5EF4-FFF2-40B4-BE49-F238E27FC236}">
+                <a16:creationId xmlns:a16="http://schemas.microsoft.com/office/drawing/2014/main" id="{8EF8096A-4C51-4B82-8E44-39942205C264}"/>
+              </a:ext>
+            </a:extLst>
+          </p:cNvPr>
+          <p:cNvSpPr>
+            <a:spLocks noGrp="1"/>
+          </p:cNvSpPr>
+          <p:nvPr>
+            <p:ph type="title"/>
+          </p:nvPr>
+        </p:nvSpPr>
+        <p:spPr/>
+        <p:txBody>
+          <a:bodyPr/>
+          <a:lstStyle/>
+          <a:p>
+            <a:r>
+              <a:rPr lang="ru-RU" dirty="0"/>
+              <a:t>Функции</a:t>
+            </a:r>
+          </a:p>
+        </p:txBody>
+      </p:sp>
+      <p:sp>
+        <p:nvSpPr>
+          <p:cNvPr id="3" name="Текст 2">
+            <a:extLst>
+              <a:ext uri="{FF2B5EF4-FFF2-40B4-BE49-F238E27FC236}">
+                <a16:creationId xmlns:a16="http://schemas.microsoft.com/office/drawing/2014/main" id="{6F6550D9-7193-4092-8E1D-C2685FDC3375}"/>
+              </a:ext>
+            </a:extLst>
+          </p:cNvPr>
+          <p:cNvSpPr>
+            <a:spLocks noGrp="1"/>
+          </p:cNvSpPr>
+          <p:nvPr>
+            <p:ph type="body" idx="1"/>
+          </p:nvPr>
+        </p:nvSpPr>
+        <p:spPr/>
+        <p:txBody>
+          <a:bodyPr/>
+          <a:lstStyle/>
+          <a:p>
+            <a:r>
+              <a:rPr lang="ru-RU" dirty="0"/>
+              <a:t>Модуль 5</a:t>
+            </a:r>
+          </a:p>
+        </p:txBody>
+      </p:sp>
+    </p:spTree>
+    <p:extLst>
+      <p:ext uri="{BB962C8B-B14F-4D97-AF65-F5344CB8AC3E}">
+        <p14:creationId xmlns:p14="http://schemas.microsoft.com/office/powerpoint/2010/main" val="3118658722"/>
       </p:ext>
     </p:extLst>
   </p:cSld>

--- a/Presentation/Основы алгоритмизации и программирования.pptx
+++ b/Presentation/Основы алгоритмизации и программирования.pptx
@@ -79,6 +79,10 @@
     <p:sldId id="327" r:id="rId73"/>
     <p:sldId id="328" r:id="rId74"/>
     <p:sldId id="329" r:id="rId75"/>
+    <p:sldId id="330" r:id="rId76"/>
+    <p:sldId id="331" r:id="rId77"/>
+    <p:sldId id="332" r:id="rId78"/>
+    <p:sldId id="333" r:id="rId79"/>
   </p:sldIdLst>
   <p:sldSz cx="12192000" cy="6858000"/>
   <p:notesSz cx="6858000" cy="9144000"/>
@@ -344,7 +348,7 @@
           <a:p>
             <a:fld id="{FA984E8B-3F5A-48DE-8BA5-BCD329794D47}" type="datetimeFigureOut">
               <a:rPr lang="ru-RU" smtClean="0"/>
-              <a:t>27.10.2020</a:t>
+              <a:t>28.10.2020</a:t>
             </a:fld>
             <a:endParaRPr lang="ru-RU"/>
           </a:p>
@@ -636,7 +640,7 @@
           <a:p>
             <a:fld id="{FA984E8B-3F5A-48DE-8BA5-BCD329794D47}" type="datetimeFigureOut">
               <a:rPr lang="ru-RU" smtClean="0"/>
-              <a:t>27.10.2020</a:t>
+              <a:t>28.10.2020</a:t>
             </a:fld>
             <a:endParaRPr lang="ru-RU"/>
           </a:p>
@@ -834,7 +838,7 @@
           <a:p>
             <a:fld id="{FA984E8B-3F5A-48DE-8BA5-BCD329794D47}" type="datetimeFigureOut">
               <a:rPr lang="ru-RU" smtClean="0"/>
-              <a:t>27.10.2020</a:t>
+              <a:t>28.10.2020</a:t>
             </a:fld>
             <a:endParaRPr lang="ru-RU"/>
           </a:p>
@@ -1042,7 +1046,7 @@
           <a:p>
             <a:fld id="{FA984E8B-3F5A-48DE-8BA5-BCD329794D47}" type="datetimeFigureOut">
               <a:rPr lang="ru-RU" smtClean="0"/>
-              <a:t>27.10.2020</a:t>
+              <a:t>28.10.2020</a:t>
             </a:fld>
             <a:endParaRPr lang="ru-RU"/>
           </a:p>
@@ -1240,7 +1244,7 @@
           <a:p>
             <a:fld id="{FA984E8B-3F5A-48DE-8BA5-BCD329794D47}" type="datetimeFigureOut">
               <a:rPr lang="ru-RU" smtClean="0"/>
-              <a:t>27.10.2020</a:t>
+              <a:t>28.10.2020</a:t>
             </a:fld>
             <a:endParaRPr lang="ru-RU"/>
           </a:p>
@@ -1445,7 +1449,7 @@
           <a:p>
             <a:fld id="{FA984E8B-3F5A-48DE-8BA5-BCD329794D47}" type="datetimeFigureOut">
               <a:rPr lang="ru-RU" smtClean="0"/>
-              <a:t>27.10.2020</a:t>
+              <a:t>28.10.2020</a:t>
             </a:fld>
             <a:endParaRPr lang="ru-RU"/>
           </a:p>
@@ -1782,7 +1786,7 @@
           <a:p>
             <a:fld id="{FA984E8B-3F5A-48DE-8BA5-BCD329794D47}" type="datetimeFigureOut">
               <a:rPr lang="ru-RU" smtClean="0"/>
-              <a:t>27.10.2020</a:t>
+              <a:t>28.10.2020</a:t>
             </a:fld>
             <a:endParaRPr lang="ru-RU"/>
           </a:p>
@@ -2051,7 +2055,7 @@
           <a:p>
             <a:fld id="{FA984E8B-3F5A-48DE-8BA5-BCD329794D47}" type="datetimeFigureOut">
               <a:rPr lang="ru-RU" smtClean="0"/>
-              <a:t>27.10.2020</a:t>
+              <a:t>28.10.2020</a:t>
             </a:fld>
             <a:endParaRPr lang="ru-RU"/>
           </a:p>
@@ -2467,7 +2471,7 @@
           <a:p>
             <a:fld id="{FA984E8B-3F5A-48DE-8BA5-BCD329794D47}" type="datetimeFigureOut">
               <a:rPr lang="ru-RU" smtClean="0"/>
-              <a:t>27.10.2020</a:t>
+              <a:t>28.10.2020</a:t>
             </a:fld>
             <a:endParaRPr lang="ru-RU"/>
           </a:p>
@@ -2612,7 +2616,7 @@
           <a:p>
             <a:fld id="{FA984E8B-3F5A-48DE-8BA5-BCD329794D47}" type="datetimeFigureOut">
               <a:rPr lang="ru-RU" smtClean="0"/>
-              <a:t>27.10.2020</a:t>
+              <a:t>28.10.2020</a:t>
             </a:fld>
             <a:endParaRPr lang="ru-RU"/>
           </a:p>
@@ -2729,7 +2733,7 @@
           <a:p>
             <a:fld id="{FA984E8B-3F5A-48DE-8BA5-BCD329794D47}" type="datetimeFigureOut">
               <a:rPr lang="ru-RU" smtClean="0"/>
-              <a:t>27.10.2020</a:t>
+              <a:t>28.10.2020</a:t>
             </a:fld>
             <a:endParaRPr lang="ru-RU"/>
           </a:p>
@@ -3040,7 +3044,7 @@
           <a:p>
             <a:fld id="{FA984E8B-3F5A-48DE-8BA5-BCD329794D47}" type="datetimeFigureOut">
               <a:rPr lang="ru-RU" smtClean="0"/>
-              <a:t>27.10.2020</a:t>
+              <a:t>28.10.2020</a:t>
             </a:fld>
             <a:endParaRPr lang="ru-RU"/>
           </a:p>
@@ -3281,7 +3285,7 @@
           <a:p>
             <a:fld id="{FA984E8B-3F5A-48DE-8BA5-BCD329794D47}" type="datetimeFigureOut">
               <a:rPr lang="ru-RU" smtClean="0"/>
-              <a:t>27.10.2020</a:t>
+              <a:t>28.10.2020</a:t>
             </a:fld>
             <a:endParaRPr lang="ru-RU"/>
           </a:p>
@@ -29940,6 +29944,3831 @@
 </p:sld>
 </file>
 
+<file path=ppt/slides/slide75.xml><?xml version="1.0" encoding="utf-8"?>
+<p:sld xmlns:a="http://schemas.openxmlformats.org/drawingml/2006/main" xmlns:r="http://schemas.openxmlformats.org/officeDocument/2006/relationships" xmlns:p="http://schemas.openxmlformats.org/presentationml/2006/main">
+  <p:cSld>
+    <p:spTree>
+      <p:nvGrpSpPr>
+        <p:cNvPr id="1" name=""/>
+        <p:cNvGrpSpPr/>
+        <p:nvPr/>
+      </p:nvGrpSpPr>
+      <p:grpSpPr>
+        <a:xfrm>
+          <a:off x="0" y="0"/>
+          <a:ext cx="0" cy="0"/>
+          <a:chOff x="0" y="0"/>
+          <a:chExt cx="0" cy="0"/>
+        </a:xfrm>
+      </p:grpSpPr>
+      <p:sp>
+        <p:nvSpPr>
+          <p:cNvPr id="2" name="Заголовок 1">
+            <a:extLst>
+              <a:ext uri="{FF2B5EF4-FFF2-40B4-BE49-F238E27FC236}">
+                <a16:creationId xmlns:a16="http://schemas.microsoft.com/office/drawing/2014/main" id="{F6712528-071A-4F3D-AC41-84BF917261B4}"/>
+              </a:ext>
+            </a:extLst>
+          </p:cNvPr>
+          <p:cNvSpPr>
+            <a:spLocks noGrp="1"/>
+          </p:cNvSpPr>
+          <p:nvPr>
+            <p:ph type="title"/>
+          </p:nvPr>
+        </p:nvSpPr>
+        <p:spPr/>
+        <p:txBody>
+          <a:bodyPr/>
+          <a:lstStyle/>
+          <a:p>
+            <a:r>
+              <a:rPr lang="ru-RU" dirty="0"/>
+              <a:t>функции</a:t>
+            </a:r>
+          </a:p>
+        </p:txBody>
+      </p:sp>
+      <p:sp>
+        <p:nvSpPr>
+          <p:cNvPr id="3" name="Объект 2">
+            <a:extLst>
+              <a:ext uri="{FF2B5EF4-FFF2-40B4-BE49-F238E27FC236}">
+                <a16:creationId xmlns:a16="http://schemas.microsoft.com/office/drawing/2014/main" id="{73A51240-50F2-448C-8B15-6D90C40E1089}"/>
+              </a:ext>
+            </a:extLst>
+          </p:cNvPr>
+          <p:cNvSpPr>
+            <a:spLocks noGrp="1"/>
+          </p:cNvSpPr>
+          <p:nvPr>
+            <p:ph idx="1"/>
+          </p:nvPr>
+        </p:nvSpPr>
+        <p:spPr>
+          <a:xfrm>
+            <a:off x="838200" y="1612972"/>
+            <a:ext cx="10515600" cy="4713399"/>
+          </a:xfrm>
+        </p:spPr>
+        <p:txBody>
+          <a:bodyPr>
+            <a:normAutofit/>
+          </a:bodyPr>
+          <a:lstStyle/>
+          <a:p>
+            <a:r>
+              <a:rPr lang="ru-RU" dirty="0"/>
+              <a:t>Функция (подпрограмма) - это отдельная функционально независимая часть программы.</a:t>
+            </a:r>
+          </a:p>
+          <a:p>
+            <a:r>
+              <a:rPr lang="ru-RU" dirty="0"/>
+              <a:t>Функции решают следующие задачи:</a:t>
+            </a:r>
+          </a:p>
+          <a:p>
+            <a:pPr lvl="1"/>
+            <a:r>
+              <a:rPr lang="ru-RU" dirty="0"/>
+              <a:t>избавляют от необходимости многократно повторять в тексте программы аналогичные фрагменты;</a:t>
+            </a:r>
+          </a:p>
+          <a:p>
+            <a:pPr lvl="1"/>
+            <a:r>
+              <a:rPr lang="ru-RU" dirty="0"/>
+              <a:t>улучшают структуру программы, облегчая ее понимание;</a:t>
+            </a:r>
+          </a:p>
+          <a:p>
+            <a:pPr lvl="1"/>
+            <a:r>
+              <a:rPr lang="ru-RU" dirty="0"/>
+              <a:t>повышают устойчивость к ошибкам программирования и непредвиденным последствиям при модификациях программы</a:t>
+            </a:r>
+          </a:p>
+          <a:p>
+            <a:pPr marL="0" indent="0">
+              <a:buNone/>
+            </a:pPr>
+            <a:endParaRPr lang="ru-RU" dirty="0"/>
+          </a:p>
+        </p:txBody>
+      </p:sp>
+    </p:spTree>
+    <p:extLst>
+      <p:ext uri="{BB962C8B-B14F-4D97-AF65-F5344CB8AC3E}">
+        <p14:creationId xmlns:p14="http://schemas.microsoft.com/office/powerpoint/2010/main" val="650733977"/>
+      </p:ext>
+    </p:extLst>
+  </p:cSld>
+  <p:clrMapOvr>
+    <a:masterClrMapping/>
+  </p:clrMapOvr>
+</p:sld>
+</file>
+
+<file path=ppt/slides/slide76.xml><?xml version="1.0" encoding="utf-8"?>
+<p:sld xmlns:a="http://schemas.openxmlformats.org/drawingml/2006/main" xmlns:r="http://schemas.openxmlformats.org/officeDocument/2006/relationships" xmlns:p="http://schemas.openxmlformats.org/presentationml/2006/main">
+  <p:cSld>
+    <p:spTree>
+      <p:nvGrpSpPr>
+        <p:cNvPr id="1" name=""/>
+        <p:cNvGrpSpPr/>
+        <p:nvPr/>
+      </p:nvGrpSpPr>
+      <p:grpSpPr>
+        <a:xfrm>
+          <a:off x="0" y="0"/>
+          <a:ext cx="0" cy="0"/>
+          <a:chOff x="0" y="0"/>
+          <a:chExt cx="0" cy="0"/>
+        </a:xfrm>
+      </p:grpSpPr>
+      <p:sp>
+        <p:nvSpPr>
+          <p:cNvPr id="2" name="Заголовок 1">
+            <a:extLst>
+              <a:ext uri="{FF2B5EF4-FFF2-40B4-BE49-F238E27FC236}">
+                <a16:creationId xmlns:a16="http://schemas.microsoft.com/office/drawing/2014/main" id="{BEFDEC81-423D-440A-9C4B-CB158CF35DE6}"/>
+              </a:ext>
+            </a:extLst>
+          </p:cNvPr>
+          <p:cNvSpPr>
+            <a:spLocks noGrp="1"/>
+          </p:cNvSpPr>
+          <p:nvPr>
+            <p:ph type="title"/>
+          </p:nvPr>
+        </p:nvSpPr>
+        <p:spPr/>
+        <p:txBody>
+          <a:bodyPr/>
+          <a:lstStyle/>
+          <a:p>
+            <a:r>
+              <a:rPr lang="ru-RU" dirty="0"/>
+              <a:t>Функция</a:t>
+            </a:r>
+          </a:p>
+        </p:txBody>
+      </p:sp>
+      <p:sp>
+        <p:nvSpPr>
+          <p:cNvPr id="3" name="Прямоугольник: скругленные углы 2">
+            <a:extLst>
+              <a:ext uri="{FF2B5EF4-FFF2-40B4-BE49-F238E27FC236}">
+                <a16:creationId xmlns:a16="http://schemas.microsoft.com/office/drawing/2014/main" id="{724079B6-012C-409D-AD4C-13AE500EDAE7}"/>
+              </a:ext>
+            </a:extLst>
+          </p:cNvPr>
+          <p:cNvSpPr/>
+          <p:nvPr/>
+        </p:nvSpPr>
+        <p:spPr>
+          <a:xfrm>
+            <a:off x="1222743" y="1839432"/>
+            <a:ext cx="9569303" cy="3880883"/>
+          </a:xfrm>
+          <a:prstGeom prst="roundRect">
+            <a:avLst/>
+          </a:prstGeom>
+        </p:spPr>
+        <p:style>
+          <a:lnRef idx="2">
+            <a:schemeClr val="accent1">
+              <a:shade val="50000"/>
+            </a:schemeClr>
+          </a:lnRef>
+          <a:fillRef idx="1">
+            <a:schemeClr val="accent1"/>
+          </a:fillRef>
+          <a:effectRef idx="0">
+            <a:schemeClr val="accent1"/>
+          </a:effectRef>
+          <a:fontRef idx="minor">
+            <a:schemeClr val="lt1"/>
+          </a:fontRef>
+        </p:style>
+        <p:txBody>
+          <a:bodyPr rtlCol="0" anchor="ctr"/>
+          <a:lstStyle/>
+          <a:p>
+            <a:r>
+              <a:rPr lang="en-US" sz="4400" dirty="0"/>
+              <a:t>def                    </a:t>
+            </a:r>
+            <a:r>
+              <a:rPr lang="ru-RU" sz="4400" dirty="0"/>
+              <a:t>(                                 )</a:t>
+            </a:r>
+            <a:r>
+              <a:rPr lang="en-US" sz="4400" dirty="0"/>
+              <a:t>:</a:t>
+            </a:r>
+          </a:p>
+          <a:p>
+            <a:endParaRPr lang="en-US" sz="4400" dirty="0"/>
+          </a:p>
+          <a:p>
+            <a:endParaRPr lang="en-US" sz="4400" dirty="0"/>
+          </a:p>
+          <a:p>
+            <a:endParaRPr lang="ru-RU" sz="4400" dirty="0"/>
+          </a:p>
+        </p:txBody>
+      </p:sp>
+      <p:sp>
+        <p:nvSpPr>
+          <p:cNvPr id="4" name="Прямоугольник: скругленные углы 3">
+            <a:extLst>
+              <a:ext uri="{FF2B5EF4-FFF2-40B4-BE49-F238E27FC236}">
+                <a16:creationId xmlns:a16="http://schemas.microsoft.com/office/drawing/2014/main" id="{0E7BE2AF-133C-41EC-BC5C-8D638EF10635}"/>
+              </a:ext>
+            </a:extLst>
+          </p:cNvPr>
+          <p:cNvSpPr/>
+          <p:nvPr/>
+        </p:nvSpPr>
+        <p:spPr>
+          <a:xfrm>
+            <a:off x="2466753" y="2360540"/>
+            <a:ext cx="2158410" cy="786809"/>
+          </a:xfrm>
+          <a:prstGeom prst="roundRect">
+            <a:avLst/>
+          </a:prstGeom>
+        </p:spPr>
+        <p:style>
+          <a:lnRef idx="0">
+            <a:schemeClr val="accent2"/>
+          </a:lnRef>
+          <a:fillRef idx="3">
+            <a:schemeClr val="accent2"/>
+          </a:fillRef>
+          <a:effectRef idx="3">
+            <a:schemeClr val="accent2"/>
+          </a:effectRef>
+          <a:fontRef idx="minor">
+            <a:schemeClr val="lt1"/>
+          </a:fontRef>
+        </p:style>
+        <p:txBody>
+          <a:bodyPr rtlCol="0" anchor="ctr"/>
+          <a:lstStyle/>
+          <a:p>
+            <a:pPr algn="ctr"/>
+            <a:r>
+              <a:rPr lang="ru-RU" sz="3200" dirty="0"/>
+              <a:t>ИМЯ</a:t>
+            </a:r>
+          </a:p>
+        </p:txBody>
+      </p:sp>
+      <p:sp>
+        <p:nvSpPr>
+          <p:cNvPr id="5" name="Прямоугольник: скругленные углы 4">
+            <a:extLst>
+              <a:ext uri="{FF2B5EF4-FFF2-40B4-BE49-F238E27FC236}">
+                <a16:creationId xmlns:a16="http://schemas.microsoft.com/office/drawing/2014/main" id="{EF2D4F3A-0ABF-4181-B839-8F31AF52DB1A}"/>
+              </a:ext>
+            </a:extLst>
+          </p:cNvPr>
+          <p:cNvSpPr/>
+          <p:nvPr/>
+        </p:nvSpPr>
+        <p:spPr>
+          <a:xfrm>
+            <a:off x="5050466" y="2286112"/>
+            <a:ext cx="4008474" cy="861237"/>
+          </a:xfrm>
+          <a:prstGeom prst="roundRect">
+            <a:avLst/>
+          </a:prstGeom>
+        </p:spPr>
+        <p:style>
+          <a:lnRef idx="0">
+            <a:schemeClr val="accent4"/>
+          </a:lnRef>
+          <a:fillRef idx="3">
+            <a:schemeClr val="accent4"/>
+          </a:fillRef>
+          <a:effectRef idx="3">
+            <a:schemeClr val="accent4"/>
+          </a:effectRef>
+          <a:fontRef idx="minor">
+            <a:schemeClr val="lt1"/>
+          </a:fontRef>
+        </p:style>
+        <p:txBody>
+          <a:bodyPr rtlCol="0" anchor="ctr"/>
+          <a:lstStyle/>
+          <a:p>
+            <a:r>
+              <a:rPr lang="ru-RU" sz="3200" dirty="0"/>
+              <a:t>ПАРАМЕТР  </a:t>
+            </a:r>
+          </a:p>
+        </p:txBody>
+      </p:sp>
+      <p:sp>
+        <p:nvSpPr>
+          <p:cNvPr id="6" name="Прямоугольник: скругленные углы 5">
+            <a:extLst>
+              <a:ext uri="{FF2B5EF4-FFF2-40B4-BE49-F238E27FC236}">
+                <a16:creationId xmlns:a16="http://schemas.microsoft.com/office/drawing/2014/main" id="{36BAFC10-FA8D-4111-8C53-ED22714223D0}"/>
+              </a:ext>
+            </a:extLst>
+          </p:cNvPr>
+          <p:cNvSpPr/>
+          <p:nvPr/>
+        </p:nvSpPr>
+        <p:spPr>
+          <a:xfrm>
+            <a:off x="7134447" y="2360540"/>
+            <a:ext cx="1786269" cy="669739"/>
+          </a:xfrm>
+          <a:prstGeom prst="roundRect">
+            <a:avLst/>
+          </a:prstGeom>
+        </p:spPr>
+        <p:style>
+          <a:lnRef idx="0">
+            <a:schemeClr val="accent3"/>
+          </a:lnRef>
+          <a:fillRef idx="3">
+            <a:schemeClr val="accent3"/>
+          </a:fillRef>
+          <a:effectRef idx="3">
+            <a:schemeClr val="accent3"/>
+          </a:effectRef>
+          <a:fontRef idx="minor">
+            <a:schemeClr val="lt1"/>
+          </a:fontRef>
+        </p:style>
+        <p:txBody>
+          <a:bodyPr rtlCol="0" anchor="ctr"/>
+          <a:lstStyle/>
+          <a:p>
+            <a:pPr algn="ctr"/>
+            <a:r>
+              <a:rPr lang="ru-RU" dirty="0"/>
+              <a:t>= УМОЛЧАНИЕ</a:t>
+            </a:r>
+          </a:p>
+        </p:txBody>
+      </p:sp>
+      <p:sp>
+        <p:nvSpPr>
+          <p:cNvPr id="7" name="Прямоугольник: скругленные углы 6">
+            <a:extLst>
+              <a:ext uri="{FF2B5EF4-FFF2-40B4-BE49-F238E27FC236}">
+                <a16:creationId xmlns:a16="http://schemas.microsoft.com/office/drawing/2014/main" id="{F1D7EB37-2AF0-466E-BC24-FBAC1252ED2E}"/>
+              </a:ext>
+            </a:extLst>
+          </p:cNvPr>
+          <p:cNvSpPr/>
+          <p:nvPr/>
+        </p:nvSpPr>
+        <p:spPr>
+          <a:xfrm>
+            <a:off x="2158408" y="3296093"/>
+            <a:ext cx="7697972" cy="669738"/>
+          </a:xfrm>
+          <a:prstGeom prst="roundRect">
+            <a:avLst/>
+          </a:prstGeom>
+        </p:spPr>
+        <p:style>
+          <a:lnRef idx="1">
+            <a:schemeClr val="accent2"/>
+          </a:lnRef>
+          <a:fillRef idx="2">
+            <a:schemeClr val="accent2"/>
+          </a:fillRef>
+          <a:effectRef idx="1">
+            <a:schemeClr val="accent2"/>
+          </a:effectRef>
+          <a:fontRef idx="minor">
+            <a:schemeClr val="dk1"/>
+          </a:fontRef>
+        </p:style>
+        <p:txBody>
+          <a:bodyPr rtlCol="0" anchor="ctr"/>
+          <a:lstStyle/>
+          <a:p>
+            <a:pPr algn="ctr"/>
+            <a:r>
+              <a:rPr lang="ru-RU" dirty="0"/>
+              <a:t>СТРОКА ДОКУМЕНТИРОВАНИЯ КОДА</a:t>
+            </a:r>
+          </a:p>
+        </p:txBody>
+      </p:sp>
+      <p:sp>
+        <p:nvSpPr>
+          <p:cNvPr id="8" name="Прямоугольник: скругленные углы 7">
+            <a:extLst>
+              <a:ext uri="{FF2B5EF4-FFF2-40B4-BE49-F238E27FC236}">
+                <a16:creationId xmlns:a16="http://schemas.microsoft.com/office/drawing/2014/main" id="{4A0CBE45-65B8-4C83-80AA-9F90B2D8230C}"/>
+              </a:ext>
+            </a:extLst>
+          </p:cNvPr>
+          <p:cNvSpPr/>
+          <p:nvPr/>
+        </p:nvSpPr>
+        <p:spPr>
+          <a:xfrm>
+            <a:off x="2200940" y="4098963"/>
+            <a:ext cx="7634176" cy="1440600"/>
+          </a:xfrm>
+          <a:prstGeom prst="roundRect">
+            <a:avLst/>
+          </a:prstGeom>
+        </p:spPr>
+        <p:style>
+          <a:lnRef idx="0">
+            <a:schemeClr val="accent6"/>
+          </a:lnRef>
+          <a:fillRef idx="3">
+            <a:schemeClr val="accent6"/>
+          </a:fillRef>
+          <a:effectRef idx="3">
+            <a:schemeClr val="accent6"/>
+          </a:effectRef>
+          <a:fontRef idx="minor">
+            <a:schemeClr val="lt1"/>
+          </a:fontRef>
+        </p:style>
+        <p:txBody>
+          <a:bodyPr rtlCol="0" anchor="ctr"/>
+          <a:lstStyle/>
+          <a:p>
+            <a:pPr algn="ctr"/>
+            <a:r>
+              <a:rPr lang="ru-RU" dirty="0"/>
+              <a:t>ТЕЛО ФУНКЦИИ</a:t>
+            </a:r>
+          </a:p>
+        </p:txBody>
+      </p:sp>
+    </p:spTree>
+    <p:extLst>
+      <p:ext uri="{BB962C8B-B14F-4D97-AF65-F5344CB8AC3E}">
+        <p14:creationId xmlns:p14="http://schemas.microsoft.com/office/powerpoint/2010/main" val="3983217674"/>
+      </p:ext>
+    </p:extLst>
+  </p:cSld>
+  <p:clrMapOvr>
+    <a:masterClrMapping/>
+  </p:clrMapOvr>
+</p:sld>
+</file>
+
+<file path=ppt/slides/slide77.xml><?xml version="1.0" encoding="utf-8"?>
+<p:sld xmlns:a="http://schemas.openxmlformats.org/drawingml/2006/main" xmlns:r="http://schemas.openxmlformats.org/officeDocument/2006/relationships" xmlns:p="http://schemas.openxmlformats.org/presentationml/2006/main">
+  <p:cSld>
+    <p:spTree>
+      <p:nvGrpSpPr>
+        <p:cNvPr id="1" name=""/>
+        <p:cNvGrpSpPr/>
+        <p:nvPr/>
+      </p:nvGrpSpPr>
+      <p:grpSpPr>
+        <a:xfrm>
+          <a:off x="0" y="0"/>
+          <a:ext cx="0" cy="0"/>
+          <a:chOff x="0" y="0"/>
+          <a:chExt cx="0" cy="0"/>
+        </a:xfrm>
+      </p:grpSpPr>
+      <p:sp>
+        <p:nvSpPr>
+          <p:cNvPr id="2" name="Заголовок 1">
+            <a:extLst>
+              <a:ext uri="{FF2B5EF4-FFF2-40B4-BE49-F238E27FC236}">
+                <a16:creationId xmlns:a16="http://schemas.microsoft.com/office/drawing/2014/main" id="{2DA1CAB0-1B2B-45E3-8D05-2902FBF525CA}"/>
+              </a:ext>
+            </a:extLst>
+          </p:cNvPr>
+          <p:cNvSpPr>
+            <a:spLocks noGrp="1"/>
+          </p:cNvSpPr>
+          <p:nvPr>
+            <p:ph type="title"/>
+          </p:nvPr>
+        </p:nvSpPr>
+        <p:spPr>
+          <a:xfrm>
+            <a:off x="838200" y="0"/>
+            <a:ext cx="10515600" cy="1325563"/>
+          </a:xfrm>
+        </p:spPr>
+        <p:txBody>
+          <a:bodyPr/>
+          <a:lstStyle/>
+          <a:p>
+            <a:r>
+              <a:rPr lang="ru-RU" dirty="0"/>
+              <a:t>Функции и параметры</a:t>
+            </a:r>
+          </a:p>
+        </p:txBody>
+      </p:sp>
+      <p:sp>
+        <p:nvSpPr>
+          <p:cNvPr id="3" name="Объект 2">
+            <a:extLst>
+              <a:ext uri="{FF2B5EF4-FFF2-40B4-BE49-F238E27FC236}">
+                <a16:creationId xmlns:a16="http://schemas.microsoft.com/office/drawing/2014/main" id="{D23BFEE0-577C-4264-98E5-ED4E869263DD}"/>
+              </a:ext>
+            </a:extLst>
+          </p:cNvPr>
+          <p:cNvSpPr>
+            <a:spLocks noGrp="1"/>
+          </p:cNvSpPr>
+          <p:nvPr>
+            <p:ph idx="1"/>
+          </p:nvPr>
+        </p:nvSpPr>
+        <p:spPr>
+          <a:xfrm>
+            <a:off x="742507" y="1325563"/>
+            <a:ext cx="10515600" cy="5255990"/>
+          </a:xfrm>
+        </p:spPr>
+        <p:txBody>
+          <a:bodyPr>
+            <a:normAutofit fontScale="92500"/>
+          </a:bodyPr>
+          <a:lstStyle/>
+          <a:p>
+            <a:r>
+              <a:rPr lang="ru-RU" dirty="0"/>
+              <a:t>Функция вызывается по имени. При вызове указываются параметры функции</a:t>
+            </a:r>
+          </a:p>
+          <a:p>
+            <a:r>
+              <a:rPr lang="ru-RU" dirty="0"/>
+              <a:t>Параметры позволяют указать функции начальные значения, которые могут быть потом использованы в коде функции</a:t>
+            </a:r>
+          </a:p>
+          <a:p>
+            <a:r>
+              <a:rPr lang="ru-RU" dirty="0"/>
+              <a:t>Параметры бывают:</a:t>
+            </a:r>
+          </a:p>
+          <a:p>
+            <a:pPr lvl="1"/>
+            <a:r>
+              <a:rPr lang="ru-RU" dirty="0"/>
+              <a:t>Обязательными – их нужно указывать в строгом порядке при вызове функции</a:t>
+            </a:r>
+          </a:p>
+          <a:p>
+            <a:pPr lvl="1"/>
+            <a:r>
+              <a:rPr lang="ru-RU" dirty="0"/>
+              <a:t>Именованными – их можно указывать в любом порядке, если указываются их имя</a:t>
+            </a:r>
+          </a:p>
+          <a:p>
+            <a:pPr lvl="1"/>
+            <a:r>
+              <a:rPr lang="ru-RU" dirty="0"/>
+              <a:t>Со значениями по умолчанию – если при вызове значение не указывается, то их значение подставляется автоматически из значения по умолчанию</a:t>
+            </a:r>
+          </a:p>
+          <a:p>
+            <a:r>
+              <a:rPr lang="ru-RU" dirty="0"/>
+              <a:t>Функция может возвращать значение оператором </a:t>
+            </a:r>
+            <a:r>
+              <a:rPr lang="en-US" dirty="0"/>
+              <a:t>return. </a:t>
+            </a:r>
+            <a:r>
+              <a:rPr lang="ru-RU" dirty="0"/>
+              <a:t>В этом случае, это значение может быть использовано дальше при вычислении другого выражения</a:t>
+            </a:r>
+          </a:p>
+        </p:txBody>
+      </p:sp>
+    </p:spTree>
+    <p:extLst>
+      <p:ext uri="{BB962C8B-B14F-4D97-AF65-F5344CB8AC3E}">
+        <p14:creationId xmlns:p14="http://schemas.microsoft.com/office/powerpoint/2010/main" val="3778455000"/>
+      </p:ext>
+    </p:extLst>
+  </p:cSld>
+  <p:clrMapOvr>
+    <a:masterClrMapping/>
+  </p:clrMapOvr>
+</p:sld>
+</file>
+
+<file path=ppt/slides/slide78.xml><?xml version="1.0" encoding="utf-8"?>
+<p:sld xmlns:a="http://schemas.openxmlformats.org/drawingml/2006/main" xmlns:r="http://schemas.openxmlformats.org/officeDocument/2006/relationships" xmlns:p="http://schemas.openxmlformats.org/presentationml/2006/main">
+  <p:cSld>
+    <p:spTree>
+      <p:nvGrpSpPr>
+        <p:cNvPr id="1" name=""/>
+        <p:cNvGrpSpPr/>
+        <p:nvPr/>
+      </p:nvGrpSpPr>
+      <p:grpSpPr>
+        <a:xfrm>
+          <a:off x="0" y="0"/>
+          <a:ext cx="0" cy="0"/>
+          <a:chOff x="0" y="0"/>
+          <a:chExt cx="0" cy="0"/>
+        </a:xfrm>
+      </p:grpSpPr>
+      <p:sp>
+        <p:nvSpPr>
+          <p:cNvPr id="2" name="Заголовок 1">
+            <a:extLst>
+              <a:ext uri="{FF2B5EF4-FFF2-40B4-BE49-F238E27FC236}">
+                <a16:creationId xmlns:a16="http://schemas.microsoft.com/office/drawing/2014/main" id="{F9311759-E77C-410F-9177-6480D577E276}"/>
+              </a:ext>
+            </a:extLst>
+          </p:cNvPr>
+          <p:cNvSpPr>
+            <a:spLocks noGrp="1"/>
+          </p:cNvSpPr>
+          <p:nvPr>
+            <p:ph type="title"/>
+          </p:nvPr>
+        </p:nvSpPr>
+        <p:spPr/>
+        <p:txBody>
+          <a:bodyPr/>
+          <a:lstStyle/>
+          <a:p>
+            <a:r>
+              <a:rPr lang="ru-RU" dirty="0"/>
+              <a:t>Пример функций</a:t>
+            </a:r>
+          </a:p>
+        </p:txBody>
+      </p:sp>
+      <p:sp>
+        <p:nvSpPr>
+          <p:cNvPr id="4" name="TextBox 3">
+            <a:extLst>
+              <a:ext uri="{FF2B5EF4-FFF2-40B4-BE49-F238E27FC236}">
+                <a16:creationId xmlns:a16="http://schemas.microsoft.com/office/drawing/2014/main" id="{CF75C885-EFC2-440C-9B19-B412DE755039}"/>
+              </a:ext>
+            </a:extLst>
+          </p:cNvPr>
+          <p:cNvSpPr txBox="1"/>
+          <p:nvPr/>
+        </p:nvSpPr>
+        <p:spPr>
+          <a:xfrm>
+            <a:off x="888703" y="1533587"/>
+            <a:ext cx="9582594" cy="4524315"/>
+          </a:xfrm>
+          <a:prstGeom prst="rect">
+            <a:avLst/>
+          </a:prstGeom>
+          <a:noFill/>
+        </p:spPr>
+        <p:txBody>
+          <a:bodyPr wrap="square">
+            <a:spAutoFit/>
+          </a:bodyPr>
+          <a:lstStyle/>
+          <a:p>
+            <a:r>
+              <a:rPr lang="en-US" sz="2400" b="0" dirty="0">
+                <a:solidFill>
+                  <a:srgbClr val="569CD6"/>
+                </a:solidFill>
+                <a:effectLst/>
+                <a:latin typeface="Consolas" panose="020B0609020204030204" pitchFamily="49" charset="0"/>
+              </a:rPr>
+              <a:t>def</a:t>
+            </a:r>
+            <a:r>
+              <a:rPr lang="en-US" sz="2400" b="0" dirty="0">
+                <a:solidFill>
+                  <a:srgbClr val="D4D4D4"/>
+                </a:solidFill>
+                <a:effectLst/>
+                <a:latin typeface="Consolas" panose="020B0609020204030204" pitchFamily="49" charset="0"/>
+              </a:rPr>
+              <a:t> </a:t>
+            </a:r>
+            <a:r>
+              <a:rPr lang="en-US" sz="2400" b="0" dirty="0">
+                <a:solidFill>
+                  <a:srgbClr val="DCDCAA"/>
+                </a:solidFill>
+                <a:effectLst/>
+                <a:latin typeface="Consolas" panose="020B0609020204030204" pitchFamily="49" charset="0"/>
+              </a:rPr>
+              <a:t>add</a:t>
+            </a:r>
+            <a:r>
+              <a:rPr lang="en-US" sz="2400" b="0" dirty="0">
+                <a:solidFill>
+                  <a:srgbClr val="D4D4D4"/>
+                </a:solidFill>
+                <a:effectLst/>
+                <a:latin typeface="Consolas" panose="020B0609020204030204" pitchFamily="49" charset="0"/>
+              </a:rPr>
+              <a:t>(</a:t>
+            </a:r>
+            <a:r>
+              <a:rPr lang="en-US" sz="2400" b="0" dirty="0" err="1">
+                <a:solidFill>
+                  <a:srgbClr val="9CDCFE"/>
+                </a:solidFill>
+                <a:effectLst/>
+                <a:latin typeface="Consolas" panose="020B0609020204030204" pitchFamily="49" charset="0"/>
+              </a:rPr>
+              <a:t>x</a:t>
+            </a:r>
+            <a:r>
+              <a:rPr lang="en-US" sz="2400" b="0" dirty="0" err="1">
+                <a:solidFill>
+                  <a:srgbClr val="D4D4D4"/>
+                </a:solidFill>
+                <a:effectLst/>
+                <a:latin typeface="Consolas" panose="020B0609020204030204" pitchFamily="49" charset="0"/>
+              </a:rPr>
+              <a:t>,</a:t>
+            </a:r>
+            <a:r>
+              <a:rPr lang="en-US" sz="2400" b="0" dirty="0" err="1">
+                <a:solidFill>
+                  <a:srgbClr val="9CDCFE"/>
+                </a:solidFill>
+                <a:effectLst/>
+                <a:latin typeface="Consolas" panose="020B0609020204030204" pitchFamily="49" charset="0"/>
+              </a:rPr>
+              <a:t>y</a:t>
+            </a:r>
+            <a:r>
+              <a:rPr lang="en-US" sz="2400" b="0" dirty="0">
+                <a:solidFill>
+                  <a:srgbClr val="D4D4D4"/>
+                </a:solidFill>
+                <a:effectLst/>
+                <a:latin typeface="Consolas" panose="020B0609020204030204" pitchFamily="49" charset="0"/>
+              </a:rPr>
+              <a:t>):</a:t>
+            </a:r>
+          </a:p>
+          <a:p>
+            <a:r>
+              <a:rPr lang="en-US" sz="2400" b="0" dirty="0">
+                <a:solidFill>
+                  <a:srgbClr val="D4D4D4"/>
+                </a:solidFill>
+                <a:effectLst/>
+                <a:latin typeface="Consolas" panose="020B0609020204030204" pitchFamily="49" charset="0"/>
+              </a:rPr>
+              <a:t>    </a:t>
+            </a:r>
+            <a:r>
+              <a:rPr lang="en-US" sz="2400" b="0" dirty="0">
+                <a:solidFill>
+                  <a:srgbClr val="CE9178"/>
+                </a:solidFill>
+                <a:effectLst/>
+                <a:latin typeface="Consolas" panose="020B0609020204030204" pitchFamily="49" charset="0"/>
+              </a:rPr>
+              <a:t>"</a:t>
+            </a:r>
+            <a:r>
+              <a:rPr lang="ru-RU" sz="2400" b="0" dirty="0">
+                <a:solidFill>
+                  <a:srgbClr val="CE9178"/>
+                </a:solidFill>
+                <a:effectLst/>
+                <a:latin typeface="Consolas" panose="020B0609020204030204" pitchFamily="49" charset="0"/>
+              </a:rPr>
+              <a:t>Функция сложения двух аргументов"</a:t>
+            </a:r>
+            <a:endParaRPr lang="ru-RU" sz="2400" b="0" dirty="0">
+              <a:solidFill>
+                <a:srgbClr val="D4D4D4"/>
+              </a:solidFill>
+              <a:effectLst/>
+              <a:latin typeface="Consolas" panose="020B0609020204030204" pitchFamily="49" charset="0"/>
+            </a:endParaRPr>
+          </a:p>
+          <a:p>
+            <a:r>
+              <a:rPr lang="ru-RU" sz="2400" b="0" dirty="0">
+                <a:solidFill>
+                  <a:srgbClr val="D4D4D4"/>
+                </a:solidFill>
+                <a:effectLst/>
+                <a:latin typeface="Consolas" panose="020B0609020204030204" pitchFamily="49" charset="0"/>
+              </a:rPr>
+              <a:t>    </a:t>
+            </a:r>
+            <a:r>
+              <a:rPr lang="en-US" sz="2400" b="0" dirty="0">
+                <a:solidFill>
+                  <a:srgbClr val="DCDCAA"/>
+                </a:solidFill>
+                <a:effectLst/>
+                <a:latin typeface="Consolas" panose="020B0609020204030204" pitchFamily="49" charset="0"/>
+              </a:rPr>
+              <a:t>print</a:t>
+            </a:r>
+            <a:r>
+              <a:rPr lang="en-US" sz="2400" b="0" dirty="0">
+                <a:solidFill>
+                  <a:srgbClr val="D4D4D4"/>
+                </a:solidFill>
+                <a:effectLst/>
+                <a:latin typeface="Consolas" panose="020B0609020204030204" pitchFamily="49" charset="0"/>
+              </a:rPr>
+              <a:t>(</a:t>
+            </a:r>
+            <a:r>
+              <a:rPr lang="en-US" sz="2400" b="0" dirty="0" err="1">
+                <a:solidFill>
+                  <a:srgbClr val="D4D4D4"/>
+                </a:solidFill>
+                <a:effectLst/>
+                <a:latin typeface="Consolas" panose="020B0609020204030204" pitchFamily="49" charset="0"/>
+              </a:rPr>
+              <a:t>x+y</a:t>
+            </a:r>
+            <a:r>
+              <a:rPr lang="en-US" sz="2400" b="0" dirty="0">
+                <a:solidFill>
+                  <a:srgbClr val="D4D4D4"/>
+                </a:solidFill>
+                <a:effectLst/>
+                <a:latin typeface="Consolas" panose="020B0609020204030204" pitchFamily="49" charset="0"/>
+              </a:rPr>
+              <a:t>)</a:t>
+            </a:r>
+          </a:p>
+          <a:p>
+            <a:r>
+              <a:rPr lang="en-US" sz="2400" b="0" dirty="0">
+                <a:solidFill>
+                  <a:srgbClr val="569CD6"/>
+                </a:solidFill>
+                <a:effectLst/>
+                <a:latin typeface="Consolas" panose="020B0609020204030204" pitchFamily="49" charset="0"/>
+              </a:rPr>
+              <a:t>def</a:t>
+            </a:r>
+            <a:r>
+              <a:rPr lang="en-US" sz="2400" b="0" dirty="0">
+                <a:solidFill>
+                  <a:srgbClr val="D4D4D4"/>
+                </a:solidFill>
+                <a:effectLst/>
+                <a:latin typeface="Consolas" panose="020B0609020204030204" pitchFamily="49" charset="0"/>
+              </a:rPr>
+              <a:t> </a:t>
+            </a:r>
+            <a:r>
+              <a:rPr lang="en-US" sz="2400" b="0" dirty="0" err="1">
+                <a:solidFill>
+                  <a:srgbClr val="DCDCAA"/>
+                </a:solidFill>
+                <a:effectLst/>
+                <a:latin typeface="Consolas" panose="020B0609020204030204" pitchFamily="49" charset="0"/>
+              </a:rPr>
+              <a:t>my_sum</a:t>
+            </a:r>
+            <a:r>
+              <a:rPr lang="en-US" sz="2400" b="0" dirty="0">
+                <a:solidFill>
+                  <a:srgbClr val="D4D4D4"/>
+                </a:solidFill>
+                <a:effectLst/>
+                <a:latin typeface="Consolas" panose="020B0609020204030204" pitchFamily="49" charset="0"/>
+              </a:rPr>
+              <a:t>(</a:t>
+            </a:r>
+            <a:r>
+              <a:rPr lang="en-US" sz="2400" b="0" dirty="0">
+                <a:solidFill>
+                  <a:srgbClr val="9CDCFE"/>
+                </a:solidFill>
+                <a:effectLst/>
+                <a:latin typeface="Consolas" panose="020B0609020204030204" pitchFamily="49" charset="0"/>
+              </a:rPr>
+              <a:t>l</a:t>
+            </a:r>
+            <a:r>
+              <a:rPr lang="en-US" sz="2400" b="0" dirty="0">
+                <a:solidFill>
+                  <a:srgbClr val="D4D4D4"/>
+                </a:solidFill>
+                <a:effectLst/>
+                <a:latin typeface="Consolas" panose="020B0609020204030204" pitchFamily="49" charset="0"/>
+              </a:rPr>
+              <a:t>):</a:t>
+            </a:r>
+          </a:p>
+          <a:p>
+            <a:r>
+              <a:rPr lang="en-US" sz="2400" b="0" dirty="0">
+                <a:solidFill>
+                  <a:srgbClr val="D4D4D4"/>
+                </a:solidFill>
+                <a:effectLst/>
+                <a:latin typeface="Consolas" panose="020B0609020204030204" pitchFamily="49" charset="0"/>
+              </a:rPr>
+              <a:t>    </a:t>
+            </a:r>
+            <a:r>
+              <a:rPr lang="en-US" sz="2400" b="0" dirty="0">
+                <a:solidFill>
+                  <a:srgbClr val="CE9178"/>
+                </a:solidFill>
+                <a:effectLst/>
+                <a:latin typeface="Consolas" panose="020B0609020204030204" pitchFamily="49" charset="0"/>
+              </a:rPr>
+              <a:t>"</a:t>
+            </a:r>
+            <a:r>
+              <a:rPr lang="ru-RU" sz="2400" b="0" dirty="0">
+                <a:solidFill>
+                  <a:srgbClr val="CE9178"/>
+                </a:solidFill>
+                <a:effectLst/>
+                <a:latin typeface="Consolas" panose="020B0609020204030204" pitchFamily="49" charset="0"/>
+              </a:rPr>
+              <a:t>Функция суммирования элементов списка"</a:t>
+            </a:r>
+            <a:endParaRPr lang="ru-RU" sz="2400" b="0" dirty="0">
+              <a:solidFill>
+                <a:srgbClr val="D4D4D4"/>
+              </a:solidFill>
+              <a:effectLst/>
+              <a:latin typeface="Consolas" panose="020B0609020204030204" pitchFamily="49" charset="0"/>
+            </a:endParaRPr>
+          </a:p>
+          <a:p>
+            <a:r>
+              <a:rPr lang="ru-RU" sz="2400" b="0" dirty="0">
+                <a:solidFill>
+                  <a:srgbClr val="D4D4D4"/>
+                </a:solidFill>
+                <a:effectLst/>
+                <a:latin typeface="Consolas" panose="020B0609020204030204" pitchFamily="49" charset="0"/>
+              </a:rPr>
+              <a:t>    </a:t>
+            </a:r>
+            <a:r>
+              <a:rPr lang="en-US" sz="2400" b="0" dirty="0">
+                <a:solidFill>
+                  <a:srgbClr val="D4D4D4"/>
+                </a:solidFill>
+                <a:effectLst/>
+                <a:latin typeface="Consolas" panose="020B0609020204030204" pitchFamily="49" charset="0"/>
+              </a:rPr>
+              <a:t>s = </a:t>
+            </a:r>
+            <a:r>
+              <a:rPr lang="en-US" sz="2400" b="0" dirty="0">
+                <a:solidFill>
+                  <a:srgbClr val="B5CEA8"/>
+                </a:solidFill>
+                <a:effectLst/>
+                <a:latin typeface="Consolas" panose="020B0609020204030204" pitchFamily="49" charset="0"/>
+              </a:rPr>
+              <a:t>0</a:t>
+            </a:r>
+            <a:endParaRPr lang="en-US" sz="2400" b="0" dirty="0">
+              <a:solidFill>
+                <a:srgbClr val="D4D4D4"/>
+              </a:solidFill>
+              <a:effectLst/>
+              <a:latin typeface="Consolas" panose="020B0609020204030204" pitchFamily="49" charset="0"/>
+            </a:endParaRPr>
+          </a:p>
+          <a:p>
+            <a:r>
+              <a:rPr lang="en-US" sz="2400" b="0" dirty="0">
+                <a:solidFill>
+                  <a:srgbClr val="D4D4D4"/>
+                </a:solidFill>
+                <a:effectLst/>
+                <a:latin typeface="Consolas" panose="020B0609020204030204" pitchFamily="49" charset="0"/>
+              </a:rPr>
+              <a:t>    </a:t>
+            </a:r>
+            <a:r>
+              <a:rPr lang="en-US" sz="2400" b="0" dirty="0">
+                <a:solidFill>
+                  <a:srgbClr val="C586C0"/>
+                </a:solidFill>
+                <a:effectLst/>
+                <a:latin typeface="Consolas" panose="020B0609020204030204" pitchFamily="49" charset="0"/>
+              </a:rPr>
+              <a:t>for</a:t>
+            </a:r>
+            <a:r>
+              <a:rPr lang="en-US" sz="2400" b="0" dirty="0">
+                <a:solidFill>
+                  <a:srgbClr val="D4D4D4"/>
+                </a:solidFill>
+                <a:effectLst/>
+                <a:latin typeface="Consolas" panose="020B0609020204030204" pitchFamily="49" charset="0"/>
+              </a:rPr>
+              <a:t> </a:t>
+            </a:r>
+            <a:r>
+              <a:rPr lang="en-US" sz="2400" b="0" dirty="0" err="1">
+                <a:solidFill>
+                  <a:srgbClr val="D4D4D4"/>
+                </a:solidFill>
+                <a:effectLst/>
+                <a:latin typeface="Consolas" panose="020B0609020204030204" pitchFamily="49" charset="0"/>
+              </a:rPr>
+              <a:t>i</a:t>
+            </a:r>
+            <a:r>
+              <a:rPr lang="en-US" sz="2400" b="0" dirty="0">
+                <a:solidFill>
+                  <a:srgbClr val="D4D4D4"/>
+                </a:solidFill>
+                <a:effectLst/>
+                <a:latin typeface="Consolas" panose="020B0609020204030204" pitchFamily="49" charset="0"/>
+              </a:rPr>
+              <a:t> </a:t>
+            </a:r>
+            <a:r>
+              <a:rPr lang="en-US" sz="2400" b="0" dirty="0">
+                <a:solidFill>
+                  <a:srgbClr val="C586C0"/>
+                </a:solidFill>
+                <a:effectLst/>
+                <a:latin typeface="Consolas" panose="020B0609020204030204" pitchFamily="49" charset="0"/>
+              </a:rPr>
+              <a:t>in</a:t>
+            </a:r>
+            <a:r>
+              <a:rPr lang="en-US" sz="2400" b="0" dirty="0">
+                <a:solidFill>
+                  <a:srgbClr val="D4D4D4"/>
+                </a:solidFill>
+                <a:effectLst/>
+                <a:latin typeface="Consolas" panose="020B0609020204030204" pitchFamily="49" charset="0"/>
+              </a:rPr>
+              <a:t> l:</a:t>
+            </a:r>
+          </a:p>
+          <a:p>
+            <a:r>
+              <a:rPr lang="en-US" sz="2400" b="0" dirty="0">
+                <a:solidFill>
+                  <a:srgbClr val="D4D4D4"/>
+                </a:solidFill>
+                <a:effectLst/>
+                <a:latin typeface="Consolas" panose="020B0609020204030204" pitchFamily="49" charset="0"/>
+              </a:rPr>
+              <a:t>        s += </a:t>
+            </a:r>
+            <a:r>
+              <a:rPr lang="en-US" sz="2400" b="0" dirty="0" err="1">
+                <a:solidFill>
+                  <a:srgbClr val="D4D4D4"/>
+                </a:solidFill>
+                <a:effectLst/>
+                <a:latin typeface="Consolas" panose="020B0609020204030204" pitchFamily="49" charset="0"/>
+              </a:rPr>
+              <a:t>i</a:t>
+            </a:r>
+            <a:endParaRPr lang="en-US" sz="2400" b="0" dirty="0">
+              <a:solidFill>
+                <a:srgbClr val="D4D4D4"/>
+              </a:solidFill>
+              <a:effectLst/>
+              <a:latin typeface="Consolas" panose="020B0609020204030204" pitchFamily="49" charset="0"/>
+            </a:endParaRPr>
+          </a:p>
+          <a:p>
+            <a:r>
+              <a:rPr lang="en-US" sz="2400" b="0" dirty="0">
+                <a:solidFill>
+                  <a:srgbClr val="D4D4D4"/>
+                </a:solidFill>
+                <a:effectLst/>
+                <a:latin typeface="Consolas" panose="020B0609020204030204" pitchFamily="49" charset="0"/>
+              </a:rPr>
+              <a:t>    </a:t>
+            </a:r>
+            <a:r>
+              <a:rPr lang="en-US" sz="2400" b="0" dirty="0">
+                <a:solidFill>
+                  <a:srgbClr val="C586C0"/>
+                </a:solidFill>
+                <a:effectLst/>
+                <a:latin typeface="Consolas" panose="020B0609020204030204" pitchFamily="49" charset="0"/>
+              </a:rPr>
+              <a:t>return</a:t>
+            </a:r>
+            <a:r>
+              <a:rPr lang="en-US" sz="2400" b="0" dirty="0">
+                <a:solidFill>
+                  <a:srgbClr val="D4D4D4"/>
+                </a:solidFill>
+                <a:effectLst/>
+                <a:latin typeface="Consolas" panose="020B0609020204030204" pitchFamily="49" charset="0"/>
+              </a:rPr>
+              <a:t> s</a:t>
+            </a:r>
+          </a:p>
+          <a:p>
+            <a:br>
+              <a:rPr lang="en-US" sz="2400" b="0" dirty="0">
+                <a:solidFill>
+                  <a:srgbClr val="D4D4D4"/>
+                </a:solidFill>
+                <a:effectLst/>
+                <a:latin typeface="Consolas" panose="020B0609020204030204" pitchFamily="49" charset="0"/>
+              </a:rPr>
+            </a:br>
+            <a:r>
+              <a:rPr lang="en-US" sz="2400" b="0" dirty="0">
+                <a:solidFill>
+                  <a:srgbClr val="D4D4D4"/>
+                </a:solidFill>
+                <a:effectLst/>
+                <a:latin typeface="Consolas" panose="020B0609020204030204" pitchFamily="49" charset="0"/>
+              </a:rPr>
+              <a:t>add(</a:t>
+            </a:r>
+            <a:r>
+              <a:rPr lang="en-US" sz="2400" b="0" dirty="0">
+                <a:solidFill>
+                  <a:srgbClr val="B5CEA8"/>
+                </a:solidFill>
+                <a:effectLst/>
+                <a:latin typeface="Consolas" panose="020B0609020204030204" pitchFamily="49" charset="0"/>
+              </a:rPr>
+              <a:t>2</a:t>
+            </a:r>
+            <a:r>
+              <a:rPr lang="en-US" sz="2400" b="0" dirty="0">
+                <a:solidFill>
+                  <a:srgbClr val="D4D4D4"/>
+                </a:solidFill>
+                <a:effectLst/>
+                <a:latin typeface="Consolas" panose="020B0609020204030204" pitchFamily="49" charset="0"/>
+              </a:rPr>
+              <a:t>,</a:t>
+            </a:r>
+            <a:r>
+              <a:rPr lang="en-US" sz="2400" b="0" dirty="0">
+                <a:solidFill>
+                  <a:srgbClr val="B5CEA8"/>
+                </a:solidFill>
+                <a:effectLst/>
+                <a:latin typeface="Consolas" panose="020B0609020204030204" pitchFamily="49" charset="0"/>
+              </a:rPr>
+              <a:t>4</a:t>
+            </a:r>
+            <a:r>
+              <a:rPr lang="en-US" sz="2400" b="0" dirty="0">
+                <a:solidFill>
+                  <a:srgbClr val="D4D4D4"/>
+                </a:solidFill>
+                <a:effectLst/>
+                <a:latin typeface="Consolas" panose="020B0609020204030204" pitchFamily="49" charset="0"/>
+              </a:rPr>
+              <a:t>)</a:t>
+            </a:r>
+          </a:p>
+          <a:p>
+            <a:r>
+              <a:rPr lang="en-US" sz="2400" b="0" dirty="0">
+                <a:solidFill>
+                  <a:srgbClr val="DCDCAA"/>
+                </a:solidFill>
+                <a:effectLst/>
+                <a:latin typeface="Consolas" panose="020B0609020204030204" pitchFamily="49" charset="0"/>
+              </a:rPr>
+              <a:t>print</a:t>
+            </a:r>
+            <a:r>
+              <a:rPr lang="en-US" sz="2400" b="0" dirty="0">
+                <a:solidFill>
+                  <a:srgbClr val="D4D4D4"/>
+                </a:solidFill>
+                <a:effectLst/>
+                <a:latin typeface="Consolas" panose="020B0609020204030204" pitchFamily="49" charset="0"/>
+              </a:rPr>
+              <a:t>(</a:t>
+            </a:r>
+            <a:r>
+              <a:rPr lang="en-US" sz="2400" b="0" dirty="0" err="1">
+                <a:solidFill>
+                  <a:srgbClr val="D4D4D4"/>
+                </a:solidFill>
+                <a:effectLst/>
+                <a:latin typeface="Consolas" panose="020B0609020204030204" pitchFamily="49" charset="0"/>
+              </a:rPr>
+              <a:t>my_sum</a:t>
+            </a:r>
+            <a:r>
+              <a:rPr lang="en-US" sz="2400" b="0" dirty="0">
+                <a:solidFill>
+                  <a:srgbClr val="D4D4D4"/>
+                </a:solidFill>
+                <a:effectLst/>
+                <a:latin typeface="Consolas" panose="020B0609020204030204" pitchFamily="49" charset="0"/>
+              </a:rPr>
+              <a:t>([</a:t>
+            </a:r>
+            <a:r>
+              <a:rPr lang="en-US" sz="2400" b="0" dirty="0">
+                <a:solidFill>
+                  <a:srgbClr val="B5CEA8"/>
+                </a:solidFill>
+                <a:effectLst/>
+                <a:latin typeface="Consolas" panose="020B0609020204030204" pitchFamily="49" charset="0"/>
+              </a:rPr>
+              <a:t>1</a:t>
+            </a:r>
+            <a:r>
+              <a:rPr lang="en-US" sz="2400" b="0" dirty="0">
+                <a:solidFill>
+                  <a:srgbClr val="D4D4D4"/>
+                </a:solidFill>
+                <a:effectLst/>
+                <a:latin typeface="Consolas" panose="020B0609020204030204" pitchFamily="49" charset="0"/>
+              </a:rPr>
+              <a:t>,</a:t>
+            </a:r>
+            <a:r>
+              <a:rPr lang="en-US" sz="2400" b="0" dirty="0">
+                <a:solidFill>
+                  <a:srgbClr val="B5CEA8"/>
+                </a:solidFill>
+                <a:effectLst/>
+                <a:latin typeface="Consolas" panose="020B0609020204030204" pitchFamily="49" charset="0"/>
+              </a:rPr>
+              <a:t>2</a:t>
+            </a:r>
+            <a:r>
+              <a:rPr lang="en-US" sz="2400" b="0" dirty="0">
+                <a:solidFill>
+                  <a:srgbClr val="D4D4D4"/>
+                </a:solidFill>
+                <a:effectLst/>
+                <a:latin typeface="Consolas" panose="020B0609020204030204" pitchFamily="49" charset="0"/>
+              </a:rPr>
+              <a:t>,</a:t>
+            </a:r>
+            <a:r>
+              <a:rPr lang="en-US" sz="2400" b="0" dirty="0">
+                <a:solidFill>
+                  <a:srgbClr val="B5CEA8"/>
+                </a:solidFill>
+                <a:effectLst/>
+                <a:latin typeface="Consolas" panose="020B0609020204030204" pitchFamily="49" charset="0"/>
+              </a:rPr>
+              <a:t>3</a:t>
+            </a:r>
+            <a:r>
+              <a:rPr lang="en-US" sz="2400" b="0" dirty="0">
+                <a:solidFill>
+                  <a:srgbClr val="D4D4D4"/>
+                </a:solidFill>
+                <a:effectLst/>
+                <a:latin typeface="Consolas" panose="020B0609020204030204" pitchFamily="49" charset="0"/>
+              </a:rPr>
+              <a:t>,</a:t>
+            </a:r>
+            <a:r>
+              <a:rPr lang="en-US" sz="2400" b="0" dirty="0">
+                <a:solidFill>
+                  <a:srgbClr val="B5CEA8"/>
+                </a:solidFill>
+                <a:effectLst/>
+                <a:latin typeface="Consolas" panose="020B0609020204030204" pitchFamily="49" charset="0"/>
+              </a:rPr>
+              <a:t>4</a:t>
+            </a:r>
+            <a:r>
+              <a:rPr lang="en-US" sz="2400" b="0" dirty="0">
+                <a:solidFill>
+                  <a:srgbClr val="D4D4D4"/>
+                </a:solidFill>
+                <a:effectLst/>
+                <a:latin typeface="Consolas" panose="020B0609020204030204" pitchFamily="49" charset="0"/>
+              </a:rPr>
+              <a:t>,</a:t>
+            </a:r>
+            <a:r>
+              <a:rPr lang="en-US" sz="2400" b="0" dirty="0">
+                <a:solidFill>
+                  <a:srgbClr val="B5CEA8"/>
+                </a:solidFill>
+                <a:effectLst/>
+                <a:latin typeface="Consolas" panose="020B0609020204030204" pitchFamily="49" charset="0"/>
+              </a:rPr>
+              <a:t>5</a:t>
+            </a:r>
+            <a:r>
+              <a:rPr lang="en-US" sz="2400" b="0" dirty="0">
+                <a:solidFill>
+                  <a:srgbClr val="D4D4D4"/>
+                </a:solidFill>
+                <a:effectLst/>
+                <a:latin typeface="Consolas" panose="020B0609020204030204" pitchFamily="49" charset="0"/>
+              </a:rPr>
+              <a:t>]))</a:t>
+            </a:r>
+          </a:p>
+        </p:txBody>
+      </p:sp>
+      <p:sp>
+        <p:nvSpPr>
+          <p:cNvPr id="5" name="Облачко с текстом: прямоугольное 4">
+            <a:extLst>
+              <a:ext uri="{FF2B5EF4-FFF2-40B4-BE49-F238E27FC236}">
+                <a16:creationId xmlns:a16="http://schemas.microsoft.com/office/drawing/2014/main" id="{179BA935-DBBD-4AE4-ABE0-26C7403509BD}"/>
+              </a:ext>
+            </a:extLst>
+          </p:cNvPr>
+          <p:cNvSpPr/>
+          <p:nvPr/>
+        </p:nvSpPr>
+        <p:spPr>
+          <a:xfrm>
+            <a:off x="8240232" y="542260"/>
+            <a:ext cx="2881423" cy="612648"/>
+          </a:xfrm>
+          <a:prstGeom prst="wedgeRectCallout">
+            <a:avLst>
+              <a:gd name="adj1" fmla="val -81350"/>
+              <a:gd name="adj2" fmla="val 215225"/>
+            </a:avLst>
+          </a:prstGeom>
+        </p:spPr>
+        <p:style>
+          <a:lnRef idx="2">
+            <a:schemeClr val="accent1">
+              <a:shade val="50000"/>
+            </a:schemeClr>
+          </a:lnRef>
+          <a:fillRef idx="1">
+            <a:schemeClr val="accent1"/>
+          </a:fillRef>
+          <a:effectRef idx="0">
+            <a:schemeClr val="accent1"/>
+          </a:effectRef>
+          <a:fontRef idx="minor">
+            <a:schemeClr val="lt1"/>
+          </a:fontRef>
+        </p:style>
+        <p:txBody>
+          <a:bodyPr rtlCol="0" anchor="ctr"/>
+          <a:lstStyle/>
+          <a:p>
+            <a:pPr algn="ctr"/>
+            <a:r>
+              <a:rPr lang="ru-RU" dirty="0"/>
+              <a:t>Строка документирования функции</a:t>
+            </a:r>
+          </a:p>
+        </p:txBody>
+      </p:sp>
+      <p:sp>
+        <p:nvSpPr>
+          <p:cNvPr id="6" name="Облачко с текстом: прямоугольное 5">
+            <a:extLst>
+              <a:ext uri="{FF2B5EF4-FFF2-40B4-BE49-F238E27FC236}">
+                <a16:creationId xmlns:a16="http://schemas.microsoft.com/office/drawing/2014/main" id="{DF832922-30EA-4D47-A9BF-F8566D47B545}"/>
+              </a:ext>
+            </a:extLst>
+          </p:cNvPr>
+          <p:cNvSpPr/>
+          <p:nvPr/>
+        </p:nvSpPr>
+        <p:spPr>
+          <a:xfrm>
+            <a:off x="8591107" y="3508744"/>
+            <a:ext cx="2762693" cy="974646"/>
+          </a:xfrm>
+          <a:prstGeom prst="wedgeRectCallout">
+            <a:avLst>
+              <a:gd name="adj1" fmla="val -249056"/>
+              <a:gd name="adj2" fmla="val 74927"/>
+            </a:avLst>
+          </a:prstGeom>
+        </p:spPr>
+        <p:style>
+          <a:lnRef idx="2">
+            <a:schemeClr val="accent1">
+              <a:shade val="50000"/>
+            </a:schemeClr>
+          </a:lnRef>
+          <a:fillRef idx="1">
+            <a:schemeClr val="accent1"/>
+          </a:fillRef>
+          <a:effectRef idx="0">
+            <a:schemeClr val="accent1"/>
+          </a:effectRef>
+          <a:fontRef idx="minor">
+            <a:schemeClr val="lt1"/>
+          </a:fontRef>
+        </p:style>
+        <p:txBody>
+          <a:bodyPr rtlCol="0" anchor="ctr"/>
+          <a:lstStyle/>
+          <a:p>
+            <a:pPr algn="ctr"/>
+            <a:r>
+              <a:rPr lang="ru-RU" dirty="0"/>
+              <a:t>Возврат результата функции оператором  </a:t>
+            </a:r>
+            <a:r>
+              <a:rPr lang="en-US" dirty="0"/>
+              <a:t>return</a:t>
+            </a:r>
+            <a:endParaRPr lang="ru-RU" dirty="0"/>
+          </a:p>
+        </p:txBody>
+      </p:sp>
+      <p:sp>
+        <p:nvSpPr>
+          <p:cNvPr id="7" name="Облачко с текстом: прямоугольное 6">
+            <a:extLst>
+              <a:ext uri="{FF2B5EF4-FFF2-40B4-BE49-F238E27FC236}">
+                <a16:creationId xmlns:a16="http://schemas.microsoft.com/office/drawing/2014/main" id="{C034CAA1-602A-4C2B-B590-31C12128DB6C}"/>
+              </a:ext>
+            </a:extLst>
+          </p:cNvPr>
+          <p:cNvSpPr/>
+          <p:nvPr/>
+        </p:nvSpPr>
+        <p:spPr>
+          <a:xfrm>
+            <a:off x="8779832" y="4905643"/>
+            <a:ext cx="3024964" cy="612648"/>
+          </a:xfrm>
+          <a:prstGeom prst="wedgeRectCallout">
+            <a:avLst>
+              <a:gd name="adj1" fmla="val -262660"/>
+              <a:gd name="adj2" fmla="val 46881"/>
+            </a:avLst>
+          </a:prstGeom>
+        </p:spPr>
+        <p:style>
+          <a:lnRef idx="2">
+            <a:schemeClr val="accent1">
+              <a:shade val="50000"/>
+            </a:schemeClr>
+          </a:lnRef>
+          <a:fillRef idx="1">
+            <a:schemeClr val="accent1"/>
+          </a:fillRef>
+          <a:effectRef idx="0">
+            <a:schemeClr val="accent1"/>
+          </a:effectRef>
+          <a:fontRef idx="minor">
+            <a:schemeClr val="lt1"/>
+          </a:fontRef>
+        </p:style>
+        <p:txBody>
+          <a:bodyPr rtlCol="0" anchor="ctr"/>
+          <a:lstStyle/>
+          <a:p>
+            <a:pPr algn="ctr"/>
+            <a:r>
+              <a:rPr lang="ru-RU" dirty="0"/>
+              <a:t>Вызов функции</a:t>
+            </a:r>
+          </a:p>
+        </p:txBody>
+      </p:sp>
+      <p:sp>
+        <p:nvSpPr>
+          <p:cNvPr id="8" name="Облачко с текстом: прямоугольное 7">
+            <a:extLst>
+              <a:ext uri="{FF2B5EF4-FFF2-40B4-BE49-F238E27FC236}">
+                <a16:creationId xmlns:a16="http://schemas.microsoft.com/office/drawing/2014/main" id="{7951A3BB-B140-4CD8-8D22-2DF7B307A3BE}"/>
+              </a:ext>
+            </a:extLst>
+          </p:cNvPr>
+          <p:cNvSpPr/>
+          <p:nvPr/>
+        </p:nvSpPr>
+        <p:spPr>
+          <a:xfrm>
+            <a:off x="7325832" y="5880227"/>
+            <a:ext cx="3880884" cy="612648"/>
+          </a:xfrm>
+          <a:prstGeom prst="wedgeRectCallout">
+            <a:avLst>
+              <a:gd name="adj1" fmla="val -105765"/>
+              <a:gd name="adj2" fmla="val -55515"/>
+            </a:avLst>
+          </a:prstGeom>
+        </p:spPr>
+        <p:style>
+          <a:lnRef idx="2">
+            <a:schemeClr val="accent1">
+              <a:shade val="50000"/>
+            </a:schemeClr>
+          </a:lnRef>
+          <a:fillRef idx="1">
+            <a:schemeClr val="accent1"/>
+          </a:fillRef>
+          <a:effectRef idx="0">
+            <a:schemeClr val="accent1"/>
+          </a:effectRef>
+          <a:fontRef idx="minor">
+            <a:schemeClr val="lt1"/>
+          </a:fontRef>
+        </p:style>
+        <p:txBody>
+          <a:bodyPr rtlCol="0" anchor="ctr"/>
+          <a:lstStyle/>
+          <a:p>
+            <a:pPr algn="ctr"/>
+            <a:r>
+              <a:rPr lang="ru-RU" dirty="0"/>
+              <a:t>Вызов функции внутри выражения (другой функции)</a:t>
+            </a:r>
+          </a:p>
+        </p:txBody>
+      </p:sp>
+      <p:sp>
+        <p:nvSpPr>
+          <p:cNvPr id="10" name="TextBox 9">
+            <a:extLst>
+              <a:ext uri="{FF2B5EF4-FFF2-40B4-BE49-F238E27FC236}">
+                <a16:creationId xmlns:a16="http://schemas.microsoft.com/office/drawing/2014/main" id="{70ACB025-72B6-4A8F-AD1C-C71A35C9EFB8}"/>
+              </a:ext>
+            </a:extLst>
+          </p:cNvPr>
+          <p:cNvSpPr txBox="1"/>
+          <p:nvPr/>
+        </p:nvSpPr>
+        <p:spPr>
+          <a:xfrm rot="17631033">
+            <a:off x="207107" y="1644498"/>
+            <a:ext cx="643125" cy="369332"/>
+          </a:xfrm>
+          <a:prstGeom prst="rect">
+            <a:avLst/>
+          </a:prstGeom>
+          <a:noFill/>
+        </p:spPr>
+        <p:txBody>
+          <a:bodyPr wrap="none" rtlCol="0">
+            <a:spAutoFit/>
+          </a:bodyPr>
+          <a:lstStyle/>
+          <a:p>
+            <a:r>
+              <a:rPr lang="en-US" dirty="0"/>
+              <a:t>X = 2</a:t>
+            </a:r>
+            <a:endParaRPr lang="ru-RU" dirty="0"/>
+          </a:p>
+        </p:txBody>
+      </p:sp>
+      <p:sp>
+        <p:nvSpPr>
+          <p:cNvPr id="13" name="TextBox 12">
+            <a:extLst>
+              <a:ext uri="{FF2B5EF4-FFF2-40B4-BE49-F238E27FC236}">
+                <a16:creationId xmlns:a16="http://schemas.microsoft.com/office/drawing/2014/main" id="{FECFBDE5-0C3C-45AE-B5DC-F624AFE3166A}"/>
+              </a:ext>
+            </a:extLst>
+          </p:cNvPr>
+          <p:cNvSpPr txBox="1"/>
+          <p:nvPr/>
+        </p:nvSpPr>
+        <p:spPr>
+          <a:xfrm rot="5130797">
+            <a:off x="4519033" y="2491232"/>
+            <a:ext cx="627095" cy="369332"/>
+          </a:xfrm>
+          <a:prstGeom prst="rect">
+            <a:avLst/>
+          </a:prstGeom>
+          <a:noFill/>
+        </p:spPr>
+        <p:txBody>
+          <a:bodyPr wrap="none" rtlCol="0">
+            <a:spAutoFit/>
+          </a:bodyPr>
+          <a:lstStyle/>
+          <a:p>
+            <a:r>
+              <a:rPr lang="en-US" dirty="0"/>
+              <a:t>y = 4</a:t>
+            </a:r>
+            <a:endParaRPr lang="ru-RU" dirty="0"/>
+          </a:p>
+        </p:txBody>
+      </p:sp>
+      <p:sp>
+        <p:nvSpPr>
+          <p:cNvPr id="15" name="TextBox 14">
+            <a:extLst>
+              <a:ext uri="{FF2B5EF4-FFF2-40B4-BE49-F238E27FC236}">
+                <a16:creationId xmlns:a16="http://schemas.microsoft.com/office/drawing/2014/main" id="{495AB4DB-06A1-4F34-AB3C-384ED60DCE2F}"/>
+              </a:ext>
+            </a:extLst>
+          </p:cNvPr>
+          <p:cNvSpPr txBox="1"/>
+          <p:nvPr/>
+        </p:nvSpPr>
+        <p:spPr>
+          <a:xfrm rot="5400000">
+            <a:off x="3632215" y="4615113"/>
+            <a:ext cx="1415772" cy="369332"/>
+          </a:xfrm>
+          <a:prstGeom prst="rect">
+            <a:avLst/>
+          </a:prstGeom>
+          <a:noFill/>
+        </p:spPr>
+        <p:txBody>
+          <a:bodyPr wrap="none" rtlCol="0">
+            <a:spAutoFit/>
+          </a:bodyPr>
+          <a:lstStyle/>
+          <a:p>
+            <a:r>
+              <a:rPr lang="en-US" dirty="0"/>
+              <a:t>l = [1,2,3,4,5]</a:t>
+            </a:r>
+            <a:endParaRPr lang="ru-RU" dirty="0"/>
+          </a:p>
+        </p:txBody>
+      </p:sp>
+      <p:sp>
+        <p:nvSpPr>
+          <p:cNvPr id="17" name="Полилиния: фигура 16">
+            <a:extLst>
+              <a:ext uri="{FF2B5EF4-FFF2-40B4-BE49-F238E27FC236}">
+                <a16:creationId xmlns:a16="http://schemas.microsoft.com/office/drawing/2014/main" id="{CCDDA5FA-6D72-47EF-8842-73DC29338912}"/>
+              </a:ext>
+            </a:extLst>
+          </p:cNvPr>
+          <p:cNvSpPr/>
+          <p:nvPr/>
+        </p:nvSpPr>
+        <p:spPr>
+          <a:xfrm>
+            <a:off x="680484" y="1244009"/>
+            <a:ext cx="1775637" cy="4051005"/>
+          </a:xfrm>
+          <a:custGeom>
+            <a:avLst/>
+            <a:gdLst>
+              <a:gd name="connsiteX0" fmla="*/ 1041990 w 1775637"/>
+              <a:gd name="connsiteY0" fmla="*/ 4051005 h 4051005"/>
+              <a:gd name="connsiteX1" fmla="*/ 978195 w 1775637"/>
+              <a:gd name="connsiteY1" fmla="*/ 3944679 h 4051005"/>
+              <a:gd name="connsiteX2" fmla="*/ 935665 w 1775637"/>
+              <a:gd name="connsiteY2" fmla="*/ 3891517 h 4051005"/>
+              <a:gd name="connsiteX3" fmla="*/ 903767 w 1775637"/>
+              <a:gd name="connsiteY3" fmla="*/ 3838354 h 4051005"/>
+              <a:gd name="connsiteX4" fmla="*/ 871869 w 1775637"/>
+              <a:gd name="connsiteY4" fmla="*/ 3806456 h 4051005"/>
+              <a:gd name="connsiteX5" fmla="*/ 850604 w 1775637"/>
+              <a:gd name="connsiteY5" fmla="*/ 3763926 h 4051005"/>
+              <a:gd name="connsiteX6" fmla="*/ 839972 w 1775637"/>
+              <a:gd name="connsiteY6" fmla="*/ 3732028 h 4051005"/>
+              <a:gd name="connsiteX7" fmla="*/ 808074 w 1775637"/>
+              <a:gd name="connsiteY7" fmla="*/ 3700131 h 4051005"/>
+              <a:gd name="connsiteX8" fmla="*/ 786809 w 1775637"/>
+              <a:gd name="connsiteY8" fmla="*/ 3668233 h 4051005"/>
+              <a:gd name="connsiteX9" fmla="*/ 744279 w 1775637"/>
+              <a:gd name="connsiteY9" fmla="*/ 3615070 h 4051005"/>
+              <a:gd name="connsiteX10" fmla="*/ 701749 w 1775637"/>
+              <a:gd name="connsiteY10" fmla="*/ 3551275 h 4051005"/>
+              <a:gd name="connsiteX11" fmla="*/ 627321 w 1775637"/>
+              <a:gd name="connsiteY11" fmla="*/ 3455582 h 4051005"/>
+              <a:gd name="connsiteX12" fmla="*/ 563525 w 1775637"/>
+              <a:gd name="connsiteY12" fmla="*/ 3391786 h 4051005"/>
+              <a:gd name="connsiteX13" fmla="*/ 542260 w 1775637"/>
+              <a:gd name="connsiteY13" fmla="*/ 3359889 h 4051005"/>
+              <a:gd name="connsiteX14" fmla="*/ 489097 w 1775637"/>
+              <a:gd name="connsiteY14" fmla="*/ 3306726 h 4051005"/>
+              <a:gd name="connsiteX15" fmla="*/ 446567 w 1775637"/>
+              <a:gd name="connsiteY15" fmla="*/ 3242931 h 4051005"/>
+              <a:gd name="connsiteX16" fmla="*/ 393404 w 1775637"/>
+              <a:gd name="connsiteY16" fmla="*/ 3179135 h 4051005"/>
+              <a:gd name="connsiteX17" fmla="*/ 361507 w 1775637"/>
+              <a:gd name="connsiteY17" fmla="*/ 3094075 h 4051005"/>
+              <a:gd name="connsiteX18" fmla="*/ 329609 w 1775637"/>
+              <a:gd name="connsiteY18" fmla="*/ 3062177 h 4051005"/>
+              <a:gd name="connsiteX19" fmla="*/ 297711 w 1775637"/>
+              <a:gd name="connsiteY19" fmla="*/ 2987749 h 4051005"/>
+              <a:gd name="connsiteX20" fmla="*/ 287079 w 1775637"/>
+              <a:gd name="connsiteY20" fmla="*/ 2945219 h 4051005"/>
+              <a:gd name="connsiteX21" fmla="*/ 276446 w 1775637"/>
+              <a:gd name="connsiteY21" fmla="*/ 2913321 h 4051005"/>
+              <a:gd name="connsiteX22" fmla="*/ 265814 w 1775637"/>
+              <a:gd name="connsiteY22" fmla="*/ 2838893 h 4051005"/>
+              <a:gd name="connsiteX23" fmla="*/ 244549 w 1775637"/>
+              <a:gd name="connsiteY23" fmla="*/ 2806996 h 4051005"/>
+              <a:gd name="connsiteX24" fmla="*/ 223283 w 1775637"/>
+              <a:gd name="connsiteY24" fmla="*/ 2764465 h 4051005"/>
+              <a:gd name="connsiteX25" fmla="*/ 191386 w 1775637"/>
+              <a:gd name="connsiteY25" fmla="*/ 2679405 h 4051005"/>
+              <a:gd name="connsiteX26" fmla="*/ 180753 w 1775637"/>
+              <a:gd name="connsiteY26" fmla="*/ 2626242 h 4051005"/>
+              <a:gd name="connsiteX27" fmla="*/ 159488 w 1775637"/>
+              <a:gd name="connsiteY27" fmla="*/ 2541182 h 4051005"/>
+              <a:gd name="connsiteX28" fmla="*/ 127590 w 1775637"/>
+              <a:gd name="connsiteY28" fmla="*/ 2434856 h 4051005"/>
+              <a:gd name="connsiteX29" fmla="*/ 116958 w 1775637"/>
+              <a:gd name="connsiteY29" fmla="*/ 2307265 h 4051005"/>
+              <a:gd name="connsiteX30" fmla="*/ 95693 w 1775637"/>
+              <a:gd name="connsiteY30" fmla="*/ 2222205 h 4051005"/>
+              <a:gd name="connsiteX31" fmla="*/ 74428 w 1775637"/>
+              <a:gd name="connsiteY31" fmla="*/ 1977656 h 4051005"/>
+              <a:gd name="connsiteX32" fmla="*/ 63795 w 1775637"/>
+              <a:gd name="connsiteY32" fmla="*/ 1945758 h 4051005"/>
+              <a:gd name="connsiteX33" fmla="*/ 21265 w 1775637"/>
+              <a:gd name="connsiteY33" fmla="*/ 1446028 h 4051005"/>
+              <a:gd name="connsiteX34" fmla="*/ 0 w 1775637"/>
+              <a:gd name="connsiteY34" fmla="*/ 1137684 h 4051005"/>
+              <a:gd name="connsiteX35" fmla="*/ 21265 w 1775637"/>
+              <a:gd name="connsiteY35" fmla="*/ 606056 h 4051005"/>
+              <a:gd name="connsiteX36" fmla="*/ 42530 w 1775637"/>
+              <a:gd name="connsiteY36" fmla="*/ 574158 h 4051005"/>
+              <a:gd name="connsiteX37" fmla="*/ 53163 w 1775637"/>
+              <a:gd name="connsiteY37" fmla="*/ 520996 h 4051005"/>
+              <a:gd name="connsiteX38" fmla="*/ 95693 w 1775637"/>
+              <a:gd name="connsiteY38" fmla="*/ 478465 h 4051005"/>
+              <a:gd name="connsiteX39" fmla="*/ 191386 w 1775637"/>
+              <a:gd name="connsiteY39" fmla="*/ 372140 h 4051005"/>
+              <a:gd name="connsiteX40" fmla="*/ 223283 w 1775637"/>
+              <a:gd name="connsiteY40" fmla="*/ 340242 h 4051005"/>
+              <a:gd name="connsiteX41" fmla="*/ 308344 w 1775637"/>
+              <a:gd name="connsiteY41" fmla="*/ 233917 h 4051005"/>
+              <a:gd name="connsiteX42" fmla="*/ 340242 w 1775637"/>
+              <a:gd name="connsiteY42" fmla="*/ 223284 h 4051005"/>
+              <a:gd name="connsiteX43" fmla="*/ 404037 w 1775637"/>
+              <a:gd name="connsiteY43" fmla="*/ 170121 h 4051005"/>
+              <a:gd name="connsiteX44" fmla="*/ 467832 w 1775637"/>
+              <a:gd name="connsiteY44" fmla="*/ 127591 h 4051005"/>
+              <a:gd name="connsiteX45" fmla="*/ 489097 w 1775637"/>
+              <a:gd name="connsiteY45" fmla="*/ 85061 h 4051005"/>
+              <a:gd name="connsiteX46" fmla="*/ 584790 w 1775637"/>
+              <a:gd name="connsiteY46" fmla="*/ 53163 h 4051005"/>
+              <a:gd name="connsiteX47" fmla="*/ 627321 w 1775637"/>
+              <a:gd name="connsiteY47" fmla="*/ 31898 h 4051005"/>
+              <a:gd name="connsiteX48" fmla="*/ 659218 w 1775637"/>
+              <a:gd name="connsiteY48" fmla="*/ 10633 h 4051005"/>
+              <a:gd name="connsiteX49" fmla="*/ 701749 w 1775637"/>
+              <a:gd name="connsiteY49" fmla="*/ 0 h 4051005"/>
+              <a:gd name="connsiteX50" fmla="*/ 1201479 w 1775637"/>
+              <a:gd name="connsiteY50" fmla="*/ 10633 h 4051005"/>
+              <a:gd name="connsiteX51" fmla="*/ 1392865 w 1775637"/>
+              <a:gd name="connsiteY51" fmla="*/ 42531 h 4051005"/>
+              <a:gd name="connsiteX52" fmla="*/ 1467293 w 1775637"/>
+              <a:gd name="connsiteY52" fmla="*/ 53163 h 4051005"/>
+              <a:gd name="connsiteX53" fmla="*/ 1509823 w 1775637"/>
+              <a:gd name="connsiteY53" fmla="*/ 74428 h 4051005"/>
+              <a:gd name="connsiteX54" fmla="*/ 1562986 w 1775637"/>
+              <a:gd name="connsiteY54" fmla="*/ 85061 h 4051005"/>
+              <a:gd name="connsiteX55" fmla="*/ 1594883 w 1775637"/>
+              <a:gd name="connsiteY55" fmla="*/ 116958 h 4051005"/>
+              <a:gd name="connsiteX56" fmla="*/ 1626781 w 1775637"/>
+              <a:gd name="connsiteY56" fmla="*/ 138224 h 4051005"/>
+              <a:gd name="connsiteX57" fmla="*/ 1690576 w 1775637"/>
+              <a:gd name="connsiteY57" fmla="*/ 202019 h 4051005"/>
+              <a:gd name="connsiteX58" fmla="*/ 1711842 w 1775637"/>
+              <a:gd name="connsiteY58" fmla="*/ 223284 h 4051005"/>
+              <a:gd name="connsiteX59" fmla="*/ 1765004 w 1775637"/>
+              <a:gd name="connsiteY59" fmla="*/ 287079 h 4051005"/>
+              <a:gd name="connsiteX60" fmla="*/ 1775637 w 1775637"/>
+              <a:gd name="connsiteY60" fmla="*/ 318977 h 4051005"/>
+              <a:gd name="connsiteX61" fmla="*/ 1754372 w 1775637"/>
+              <a:gd name="connsiteY61" fmla="*/ 404038 h 4051005"/>
+            </a:gdLst>
+            <a:ahLst/>
+            <a:cxnLst>
+              <a:cxn ang="0">
+                <a:pos x="connsiteX0" y="connsiteY0"/>
+              </a:cxn>
+              <a:cxn ang="0">
+                <a:pos x="connsiteX1" y="connsiteY1"/>
+              </a:cxn>
+              <a:cxn ang="0">
+                <a:pos x="connsiteX2" y="connsiteY2"/>
+              </a:cxn>
+              <a:cxn ang="0">
+                <a:pos x="connsiteX3" y="connsiteY3"/>
+              </a:cxn>
+              <a:cxn ang="0">
+                <a:pos x="connsiteX4" y="connsiteY4"/>
+              </a:cxn>
+              <a:cxn ang="0">
+                <a:pos x="connsiteX5" y="connsiteY5"/>
+              </a:cxn>
+              <a:cxn ang="0">
+                <a:pos x="connsiteX6" y="connsiteY6"/>
+              </a:cxn>
+              <a:cxn ang="0">
+                <a:pos x="connsiteX7" y="connsiteY7"/>
+              </a:cxn>
+              <a:cxn ang="0">
+                <a:pos x="connsiteX8" y="connsiteY8"/>
+              </a:cxn>
+              <a:cxn ang="0">
+                <a:pos x="connsiteX9" y="connsiteY9"/>
+              </a:cxn>
+              <a:cxn ang="0">
+                <a:pos x="connsiteX10" y="connsiteY10"/>
+              </a:cxn>
+              <a:cxn ang="0">
+                <a:pos x="connsiteX11" y="connsiteY11"/>
+              </a:cxn>
+              <a:cxn ang="0">
+                <a:pos x="connsiteX12" y="connsiteY12"/>
+              </a:cxn>
+              <a:cxn ang="0">
+                <a:pos x="connsiteX13" y="connsiteY13"/>
+              </a:cxn>
+              <a:cxn ang="0">
+                <a:pos x="connsiteX14" y="connsiteY14"/>
+              </a:cxn>
+              <a:cxn ang="0">
+                <a:pos x="connsiteX15" y="connsiteY15"/>
+              </a:cxn>
+              <a:cxn ang="0">
+                <a:pos x="connsiteX16" y="connsiteY16"/>
+              </a:cxn>
+              <a:cxn ang="0">
+                <a:pos x="connsiteX17" y="connsiteY17"/>
+              </a:cxn>
+              <a:cxn ang="0">
+                <a:pos x="connsiteX18" y="connsiteY18"/>
+              </a:cxn>
+              <a:cxn ang="0">
+                <a:pos x="connsiteX19" y="connsiteY19"/>
+              </a:cxn>
+              <a:cxn ang="0">
+                <a:pos x="connsiteX20" y="connsiteY20"/>
+              </a:cxn>
+              <a:cxn ang="0">
+                <a:pos x="connsiteX21" y="connsiteY21"/>
+              </a:cxn>
+              <a:cxn ang="0">
+                <a:pos x="connsiteX22" y="connsiteY22"/>
+              </a:cxn>
+              <a:cxn ang="0">
+                <a:pos x="connsiteX23" y="connsiteY23"/>
+              </a:cxn>
+              <a:cxn ang="0">
+                <a:pos x="connsiteX24" y="connsiteY24"/>
+              </a:cxn>
+              <a:cxn ang="0">
+                <a:pos x="connsiteX25" y="connsiteY25"/>
+              </a:cxn>
+              <a:cxn ang="0">
+                <a:pos x="connsiteX26" y="connsiteY26"/>
+              </a:cxn>
+              <a:cxn ang="0">
+                <a:pos x="connsiteX27" y="connsiteY27"/>
+              </a:cxn>
+              <a:cxn ang="0">
+                <a:pos x="connsiteX28" y="connsiteY28"/>
+              </a:cxn>
+              <a:cxn ang="0">
+                <a:pos x="connsiteX29" y="connsiteY29"/>
+              </a:cxn>
+              <a:cxn ang="0">
+                <a:pos x="connsiteX30" y="connsiteY30"/>
+              </a:cxn>
+              <a:cxn ang="0">
+                <a:pos x="connsiteX31" y="connsiteY31"/>
+              </a:cxn>
+              <a:cxn ang="0">
+                <a:pos x="connsiteX32" y="connsiteY32"/>
+              </a:cxn>
+              <a:cxn ang="0">
+                <a:pos x="connsiteX33" y="connsiteY33"/>
+              </a:cxn>
+              <a:cxn ang="0">
+                <a:pos x="connsiteX34" y="connsiteY34"/>
+              </a:cxn>
+              <a:cxn ang="0">
+                <a:pos x="connsiteX35" y="connsiteY35"/>
+              </a:cxn>
+              <a:cxn ang="0">
+                <a:pos x="connsiteX36" y="connsiteY36"/>
+              </a:cxn>
+              <a:cxn ang="0">
+                <a:pos x="connsiteX37" y="connsiteY37"/>
+              </a:cxn>
+              <a:cxn ang="0">
+                <a:pos x="connsiteX38" y="connsiteY38"/>
+              </a:cxn>
+              <a:cxn ang="0">
+                <a:pos x="connsiteX39" y="connsiteY39"/>
+              </a:cxn>
+              <a:cxn ang="0">
+                <a:pos x="connsiteX40" y="connsiteY40"/>
+              </a:cxn>
+              <a:cxn ang="0">
+                <a:pos x="connsiteX41" y="connsiteY41"/>
+              </a:cxn>
+              <a:cxn ang="0">
+                <a:pos x="connsiteX42" y="connsiteY42"/>
+              </a:cxn>
+              <a:cxn ang="0">
+                <a:pos x="connsiteX43" y="connsiteY43"/>
+              </a:cxn>
+              <a:cxn ang="0">
+                <a:pos x="connsiteX44" y="connsiteY44"/>
+              </a:cxn>
+              <a:cxn ang="0">
+                <a:pos x="connsiteX45" y="connsiteY45"/>
+              </a:cxn>
+              <a:cxn ang="0">
+                <a:pos x="connsiteX46" y="connsiteY46"/>
+              </a:cxn>
+              <a:cxn ang="0">
+                <a:pos x="connsiteX47" y="connsiteY47"/>
+              </a:cxn>
+              <a:cxn ang="0">
+                <a:pos x="connsiteX48" y="connsiteY48"/>
+              </a:cxn>
+              <a:cxn ang="0">
+                <a:pos x="connsiteX49" y="connsiteY49"/>
+              </a:cxn>
+              <a:cxn ang="0">
+                <a:pos x="connsiteX50" y="connsiteY50"/>
+              </a:cxn>
+              <a:cxn ang="0">
+                <a:pos x="connsiteX51" y="connsiteY51"/>
+              </a:cxn>
+              <a:cxn ang="0">
+                <a:pos x="connsiteX52" y="connsiteY52"/>
+              </a:cxn>
+              <a:cxn ang="0">
+                <a:pos x="connsiteX53" y="connsiteY53"/>
+              </a:cxn>
+              <a:cxn ang="0">
+                <a:pos x="connsiteX54" y="connsiteY54"/>
+              </a:cxn>
+              <a:cxn ang="0">
+                <a:pos x="connsiteX55" y="connsiteY55"/>
+              </a:cxn>
+              <a:cxn ang="0">
+                <a:pos x="connsiteX56" y="connsiteY56"/>
+              </a:cxn>
+              <a:cxn ang="0">
+                <a:pos x="connsiteX57" y="connsiteY57"/>
+              </a:cxn>
+              <a:cxn ang="0">
+                <a:pos x="connsiteX58" y="connsiteY58"/>
+              </a:cxn>
+              <a:cxn ang="0">
+                <a:pos x="connsiteX59" y="connsiteY59"/>
+              </a:cxn>
+              <a:cxn ang="0">
+                <a:pos x="connsiteX60" y="connsiteY60"/>
+              </a:cxn>
+              <a:cxn ang="0">
+                <a:pos x="connsiteX61" y="connsiteY61"/>
+              </a:cxn>
+            </a:cxnLst>
+            <a:rect l="l" t="t" r="r" b="b"/>
+            <a:pathLst>
+              <a:path w="1775637" h="4051005">
+                <a:moveTo>
+                  <a:pt x="1041990" y="4051005"/>
+                </a:moveTo>
+                <a:cubicBezTo>
+                  <a:pt x="1020725" y="4015563"/>
+                  <a:pt x="1004015" y="3976954"/>
+                  <a:pt x="978195" y="3944679"/>
+                </a:cubicBezTo>
+                <a:cubicBezTo>
+                  <a:pt x="964018" y="3926958"/>
+                  <a:pt x="948679" y="3910108"/>
+                  <a:pt x="935665" y="3891517"/>
+                </a:cubicBezTo>
+                <a:cubicBezTo>
+                  <a:pt x="923814" y="3874587"/>
+                  <a:pt x="916167" y="3854887"/>
+                  <a:pt x="903767" y="3838354"/>
+                </a:cubicBezTo>
+                <a:cubicBezTo>
+                  <a:pt x="894745" y="3826325"/>
+                  <a:pt x="880609" y="3818692"/>
+                  <a:pt x="871869" y="3806456"/>
+                </a:cubicBezTo>
+                <a:cubicBezTo>
+                  <a:pt x="862656" y="3793558"/>
+                  <a:pt x="856848" y="3778494"/>
+                  <a:pt x="850604" y="3763926"/>
+                </a:cubicBezTo>
+                <a:cubicBezTo>
+                  <a:pt x="846189" y="3753624"/>
+                  <a:pt x="846189" y="3741353"/>
+                  <a:pt x="839972" y="3732028"/>
+                </a:cubicBezTo>
+                <a:cubicBezTo>
+                  <a:pt x="831631" y="3719517"/>
+                  <a:pt x="817700" y="3711682"/>
+                  <a:pt x="808074" y="3700131"/>
+                </a:cubicBezTo>
+                <a:cubicBezTo>
+                  <a:pt x="799893" y="3690314"/>
+                  <a:pt x="794476" y="3678456"/>
+                  <a:pt x="786809" y="3668233"/>
+                </a:cubicBezTo>
+                <a:cubicBezTo>
+                  <a:pt x="773193" y="3650078"/>
+                  <a:pt x="757627" y="3633423"/>
+                  <a:pt x="744279" y="3615070"/>
+                </a:cubicBezTo>
+                <a:cubicBezTo>
+                  <a:pt x="729247" y="3594401"/>
+                  <a:pt x="719821" y="3569347"/>
+                  <a:pt x="701749" y="3551275"/>
+                </a:cubicBezTo>
+                <a:cubicBezTo>
+                  <a:pt x="562696" y="3412222"/>
+                  <a:pt x="753960" y="3610363"/>
+                  <a:pt x="627321" y="3455582"/>
+                </a:cubicBezTo>
+                <a:cubicBezTo>
+                  <a:pt x="608277" y="3432306"/>
+                  <a:pt x="580207" y="3416809"/>
+                  <a:pt x="563525" y="3391786"/>
+                </a:cubicBezTo>
+                <a:cubicBezTo>
+                  <a:pt x="556437" y="3381154"/>
+                  <a:pt x="550675" y="3369506"/>
+                  <a:pt x="542260" y="3359889"/>
+                </a:cubicBezTo>
+                <a:cubicBezTo>
+                  <a:pt x="525757" y="3341029"/>
+                  <a:pt x="489097" y="3306726"/>
+                  <a:pt x="489097" y="3306726"/>
+                </a:cubicBezTo>
+                <a:cubicBezTo>
+                  <a:pt x="470412" y="3250668"/>
+                  <a:pt x="490815" y="3296028"/>
+                  <a:pt x="446567" y="3242931"/>
+                </a:cubicBezTo>
+                <a:cubicBezTo>
+                  <a:pt x="372545" y="3154105"/>
+                  <a:pt x="486603" y="3272334"/>
+                  <a:pt x="393404" y="3179135"/>
+                </a:cubicBezTo>
+                <a:cubicBezTo>
+                  <a:pt x="384842" y="3144887"/>
+                  <a:pt x="382892" y="3124014"/>
+                  <a:pt x="361507" y="3094075"/>
+                </a:cubicBezTo>
+                <a:cubicBezTo>
+                  <a:pt x="352767" y="3081839"/>
+                  <a:pt x="340242" y="3072810"/>
+                  <a:pt x="329609" y="3062177"/>
+                </a:cubicBezTo>
+                <a:cubicBezTo>
+                  <a:pt x="299080" y="2940068"/>
+                  <a:pt x="341770" y="3090555"/>
+                  <a:pt x="297711" y="2987749"/>
+                </a:cubicBezTo>
+                <a:cubicBezTo>
+                  <a:pt x="291955" y="2974318"/>
+                  <a:pt x="291093" y="2959270"/>
+                  <a:pt x="287079" y="2945219"/>
+                </a:cubicBezTo>
+                <a:cubicBezTo>
+                  <a:pt x="284000" y="2934442"/>
+                  <a:pt x="279990" y="2923954"/>
+                  <a:pt x="276446" y="2913321"/>
+                </a:cubicBezTo>
+                <a:cubicBezTo>
+                  <a:pt x="272902" y="2888512"/>
+                  <a:pt x="273015" y="2862897"/>
+                  <a:pt x="265814" y="2838893"/>
+                </a:cubicBezTo>
+                <a:cubicBezTo>
+                  <a:pt x="262142" y="2826653"/>
+                  <a:pt x="250889" y="2818091"/>
+                  <a:pt x="244549" y="2806996"/>
+                </a:cubicBezTo>
+                <a:cubicBezTo>
+                  <a:pt x="236685" y="2793234"/>
+                  <a:pt x="230372" y="2778642"/>
+                  <a:pt x="223283" y="2764465"/>
+                </a:cubicBezTo>
+                <a:cubicBezTo>
+                  <a:pt x="183183" y="2604058"/>
+                  <a:pt x="246979" y="2846183"/>
+                  <a:pt x="191386" y="2679405"/>
+                </a:cubicBezTo>
+                <a:cubicBezTo>
+                  <a:pt x="185671" y="2662260"/>
+                  <a:pt x="184817" y="2643851"/>
+                  <a:pt x="180753" y="2626242"/>
+                </a:cubicBezTo>
+                <a:cubicBezTo>
+                  <a:pt x="174181" y="2597765"/>
+                  <a:pt x="168730" y="2568908"/>
+                  <a:pt x="159488" y="2541182"/>
+                </a:cubicBezTo>
+                <a:cubicBezTo>
+                  <a:pt x="140697" y="2484806"/>
+                  <a:pt x="151935" y="2520060"/>
+                  <a:pt x="127590" y="2434856"/>
+                </a:cubicBezTo>
+                <a:cubicBezTo>
+                  <a:pt x="124046" y="2392326"/>
+                  <a:pt x="123289" y="2349471"/>
+                  <a:pt x="116958" y="2307265"/>
+                </a:cubicBezTo>
+                <a:cubicBezTo>
+                  <a:pt x="112623" y="2278362"/>
+                  <a:pt x="99826" y="2251137"/>
+                  <a:pt x="95693" y="2222205"/>
+                </a:cubicBezTo>
+                <a:cubicBezTo>
+                  <a:pt x="60284" y="1974346"/>
+                  <a:pt x="106649" y="2187096"/>
+                  <a:pt x="74428" y="1977656"/>
+                </a:cubicBezTo>
+                <a:cubicBezTo>
+                  <a:pt x="72724" y="1966578"/>
+                  <a:pt x="67339" y="1956391"/>
+                  <a:pt x="63795" y="1945758"/>
+                </a:cubicBezTo>
+                <a:cubicBezTo>
+                  <a:pt x="29697" y="1741159"/>
+                  <a:pt x="51454" y="1883769"/>
+                  <a:pt x="21265" y="1446028"/>
+                </a:cubicBezTo>
+                <a:lnTo>
+                  <a:pt x="0" y="1137684"/>
+                </a:lnTo>
+                <a:cubicBezTo>
+                  <a:pt x="7088" y="960475"/>
+                  <a:pt x="7918" y="782904"/>
+                  <a:pt x="21265" y="606056"/>
+                </a:cubicBezTo>
+                <a:cubicBezTo>
+                  <a:pt x="22227" y="593313"/>
+                  <a:pt x="38043" y="586123"/>
+                  <a:pt x="42530" y="574158"/>
+                </a:cubicBezTo>
+                <a:cubicBezTo>
+                  <a:pt x="48875" y="557237"/>
+                  <a:pt x="44387" y="536793"/>
+                  <a:pt x="53163" y="520996"/>
+                </a:cubicBezTo>
+                <a:cubicBezTo>
+                  <a:pt x="62900" y="503470"/>
+                  <a:pt x="82491" y="493554"/>
+                  <a:pt x="95693" y="478465"/>
+                </a:cubicBezTo>
+                <a:cubicBezTo>
+                  <a:pt x="212217" y="345292"/>
+                  <a:pt x="2063" y="561463"/>
+                  <a:pt x="191386" y="372140"/>
+                </a:cubicBezTo>
+                <a:cubicBezTo>
+                  <a:pt x="202019" y="361507"/>
+                  <a:pt x="216558" y="353691"/>
+                  <a:pt x="223283" y="340242"/>
+                </a:cubicBezTo>
+                <a:cubicBezTo>
+                  <a:pt x="242186" y="302438"/>
+                  <a:pt x="263344" y="248918"/>
+                  <a:pt x="308344" y="233917"/>
+                </a:cubicBezTo>
+                <a:lnTo>
+                  <a:pt x="340242" y="223284"/>
+                </a:lnTo>
+                <a:cubicBezTo>
+                  <a:pt x="433411" y="130112"/>
+                  <a:pt x="315235" y="244121"/>
+                  <a:pt x="404037" y="170121"/>
+                </a:cubicBezTo>
+                <a:cubicBezTo>
+                  <a:pt x="457135" y="125874"/>
+                  <a:pt x="411776" y="146278"/>
+                  <a:pt x="467832" y="127591"/>
+                </a:cubicBezTo>
+                <a:cubicBezTo>
+                  <a:pt x="474920" y="113414"/>
+                  <a:pt x="477889" y="96269"/>
+                  <a:pt x="489097" y="85061"/>
+                </a:cubicBezTo>
+                <a:cubicBezTo>
+                  <a:pt x="511107" y="63052"/>
+                  <a:pt x="557912" y="58539"/>
+                  <a:pt x="584790" y="53163"/>
+                </a:cubicBezTo>
+                <a:cubicBezTo>
+                  <a:pt x="598967" y="46075"/>
+                  <a:pt x="613559" y="39762"/>
+                  <a:pt x="627321" y="31898"/>
+                </a:cubicBezTo>
+                <a:cubicBezTo>
+                  <a:pt x="638416" y="25558"/>
+                  <a:pt x="647473" y="15667"/>
+                  <a:pt x="659218" y="10633"/>
+                </a:cubicBezTo>
+                <a:cubicBezTo>
+                  <a:pt x="672650" y="4876"/>
+                  <a:pt x="687572" y="3544"/>
+                  <a:pt x="701749" y="0"/>
+                </a:cubicBezTo>
+                <a:lnTo>
+                  <a:pt x="1201479" y="10633"/>
+                </a:lnTo>
+                <a:cubicBezTo>
+                  <a:pt x="1263749" y="12897"/>
+                  <a:pt x="1332713" y="31916"/>
+                  <a:pt x="1392865" y="42531"/>
+                </a:cubicBezTo>
+                <a:cubicBezTo>
+                  <a:pt x="1417545" y="46886"/>
+                  <a:pt x="1442484" y="49619"/>
+                  <a:pt x="1467293" y="53163"/>
+                </a:cubicBezTo>
+                <a:cubicBezTo>
+                  <a:pt x="1481470" y="60251"/>
+                  <a:pt x="1494786" y="69416"/>
+                  <a:pt x="1509823" y="74428"/>
+                </a:cubicBezTo>
+                <a:cubicBezTo>
+                  <a:pt x="1526968" y="80143"/>
+                  <a:pt x="1546822" y="76979"/>
+                  <a:pt x="1562986" y="85061"/>
+                </a:cubicBezTo>
+                <a:cubicBezTo>
+                  <a:pt x="1576435" y="91785"/>
+                  <a:pt x="1583332" y="107332"/>
+                  <a:pt x="1594883" y="116958"/>
+                </a:cubicBezTo>
+                <a:cubicBezTo>
+                  <a:pt x="1604700" y="125139"/>
+                  <a:pt x="1617230" y="129734"/>
+                  <a:pt x="1626781" y="138224"/>
+                </a:cubicBezTo>
+                <a:cubicBezTo>
+                  <a:pt x="1649258" y="158204"/>
+                  <a:pt x="1669311" y="180754"/>
+                  <a:pt x="1690576" y="202019"/>
+                </a:cubicBezTo>
+                <a:lnTo>
+                  <a:pt x="1711842" y="223284"/>
+                </a:lnTo>
+                <a:cubicBezTo>
+                  <a:pt x="1735354" y="246796"/>
+                  <a:pt x="1750202" y="257476"/>
+                  <a:pt x="1765004" y="287079"/>
+                </a:cubicBezTo>
+                <a:cubicBezTo>
+                  <a:pt x="1770016" y="297104"/>
+                  <a:pt x="1772093" y="308344"/>
+                  <a:pt x="1775637" y="318977"/>
+                </a:cubicBezTo>
+                <a:cubicBezTo>
+                  <a:pt x="1764295" y="398367"/>
+                  <a:pt x="1782724" y="375683"/>
+                  <a:pt x="1754372" y="404038"/>
+                </a:cubicBezTo>
+              </a:path>
+            </a:pathLst>
+          </a:custGeom>
+          <a:noFill/>
+          <a:ln>
+            <a:solidFill>
+              <a:srgbClr val="FF0000"/>
+            </a:solidFill>
+            <a:headEnd type="none" w="med" len="med"/>
+            <a:tailEnd type="triangle" w="med" len="med"/>
+          </a:ln>
+        </p:spPr>
+        <p:style>
+          <a:lnRef idx="2">
+            <a:schemeClr val="accent1">
+              <a:shade val="50000"/>
+            </a:schemeClr>
+          </a:lnRef>
+          <a:fillRef idx="1">
+            <a:schemeClr val="accent1"/>
+          </a:fillRef>
+          <a:effectRef idx="0">
+            <a:schemeClr val="accent1"/>
+          </a:effectRef>
+          <a:fontRef idx="minor">
+            <a:schemeClr val="lt1"/>
+          </a:fontRef>
+        </p:style>
+        <p:txBody>
+          <a:bodyPr rtlCol="0" anchor="ctr"/>
+          <a:lstStyle/>
+          <a:p>
+            <a:pPr algn="ctr"/>
+            <a:endParaRPr lang="ru-RU"/>
+          </a:p>
+        </p:txBody>
+      </p:sp>
+      <p:sp>
+        <p:nvSpPr>
+          <p:cNvPr id="18" name="Полилиния: фигура 17">
+            <a:extLst>
+              <a:ext uri="{FF2B5EF4-FFF2-40B4-BE49-F238E27FC236}">
+                <a16:creationId xmlns:a16="http://schemas.microsoft.com/office/drawing/2014/main" id="{836D6C35-C9B7-41E9-8563-F536452F8FAB}"/>
+              </a:ext>
+            </a:extLst>
+          </p:cNvPr>
+          <p:cNvSpPr/>
+          <p:nvPr/>
+        </p:nvSpPr>
+        <p:spPr>
+          <a:xfrm>
+            <a:off x="2137144" y="1297172"/>
+            <a:ext cx="2477386" cy="4104168"/>
+          </a:xfrm>
+          <a:custGeom>
+            <a:avLst/>
+            <a:gdLst>
+              <a:gd name="connsiteX0" fmla="*/ 0 w 2477386"/>
+              <a:gd name="connsiteY0" fmla="*/ 4104168 h 4104168"/>
+              <a:gd name="connsiteX1" fmla="*/ 63796 w 2477386"/>
+              <a:gd name="connsiteY1" fmla="*/ 4082902 h 4104168"/>
+              <a:gd name="connsiteX2" fmla="*/ 159489 w 2477386"/>
+              <a:gd name="connsiteY2" fmla="*/ 4061637 h 4104168"/>
+              <a:gd name="connsiteX3" fmla="*/ 180754 w 2477386"/>
+              <a:gd name="connsiteY3" fmla="*/ 4029740 h 4104168"/>
+              <a:gd name="connsiteX4" fmla="*/ 255182 w 2477386"/>
+              <a:gd name="connsiteY4" fmla="*/ 4019107 h 4104168"/>
+              <a:gd name="connsiteX5" fmla="*/ 318977 w 2477386"/>
+              <a:gd name="connsiteY5" fmla="*/ 3955312 h 4104168"/>
+              <a:gd name="connsiteX6" fmla="*/ 350875 w 2477386"/>
+              <a:gd name="connsiteY6" fmla="*/ 3934047 h 4104168"/>
+              <a:gd name="connsiteX7" fmla="*/ 414670 w 2477386"/>
+              <a:gd name="connsiteY7" fmla="*/ 3870251 h 4104168"/>
+              <a:gd name="connsiteX8" fmla="*/ 478465 w 2477386"/>
+              <a:gd name="connsiteY8" fmla="*/ 3827721 h 4104168"/>
+              <a:gd name="connsiteX9" fmla="*/ 584791 w 2477386"/>
+              <a:gd name="connsiteY9" fmla="*/ 3700130 h 4104168"/>
+              <a:gd name="connsiteX10" fmla="*/ 616689 w 2477386"/>
+              <a:gd name="connsiteY10" fmla="*/ 3668233 h 4104168"/>
+              <a:gd name="connsiteX11" fmla="*/ 648586 w 2477386"/>
+              <a:gd name="connsiteY11" fmla="*/ 3636335 h 4104168"/>
+              <a:gd name="connsiteX12" fmla="*/ 701749 w 2477386"/>
+              <a:gd name="connsiteY12" fmla="*/ 3604437 h 4104168"/>
+              <a:gd name="connsiteX13" fmla="*/ 797442 w 2477386"/>
+              <a:gd name="connsiteY13" fmla="*/ 3572540 h 4104168"/>
+              <a:gd name="connsiteX14" fmla="*/ 829340 w 2477386"/>
+              <a:gd name="connsiteY14" fmla="*/ 3551275 h 4104168"/>
+              <a:gd name="connsiteX15" fmla="*/ 871870 w 2477386"/>
+              <a:gd name="connsiteY15" fmla="*/ 3540642 h 4104168"/>
+              <a:gd name="connsiteX16" fmla="*/ 999461 w 2477386"/>
+              <a:gd name="connsiteY16" fmla="*/ 3519377 h 4104168"/>
+              <a:gd name="connsiteX17" fmla="*/ 1031358 w 2477386"/>
+              <a:gd name="connsiteY17" fmla="*/ 3508744 h 4104168"/>
+              <a:gd name="connsiteX18" fmla="*/ 1073889 w 2477386"/>
+              <a:gd name="connsiteY18" fmla="*/ 3498112 h 4104168"/>
+              <a:gd name="connsiteX19" fmla="*/ 1105786 w 2477386"/>
+              <a:gd name="connsiteY19" fmla="*/ 3476847 h 4104168"/>
+              <a:gd name="connsiteX20" fmla="*/ 1158949 w 2477386"/>
+              <a:gd name="connsiteY20" fmla="*/ 3423684 h 4104168"/>
+              <a:gd name="connsiteX21" fmla="*/ 1201479 w 2477386"/>
+              <a:gd name="connsiteY21" fmla="*/ 3413051 h 4104168"/>
+              <a:gd name="connsiteX22" fmla="*/ 1265275 w 2477386"/>
+              <a:gd name="connsiteY22" fmla="*/ 3370521 h 4104168"/>
+              <a:gd name="connsiteX23" fmla="*/ 1307805 w 2477386"/>
+              <a:gd name="connsiteY23" fmla="*/ 3338623 h 4104168"/>
+              <a:gd name="connsiteX24" fmla="*/ 1371600 w 2477386"/>
+              <a:gd name="connsiteY24" fmla="*/ 3296093 h 4104168"/>
+              <a:gd name="connsiteX25" fmla="*/ 1435396 w 2477386"/>
+              <a:gd name="connsiteY25" fmla="*/ 3242930 h 4104168"/>
+              <a:gd name="connsiteX26" fmla="*/ 1467293 w 2477386"/>
+              <a:gd name="connsiteY26" fmla="*/ 3200400 h 4104168"/>
+              <a:gd name="connsiteX27" fmla="*/ 1531089 w 2477386"/>
+              <a:gd name="connsiteY27" fmla="*/ 3136605 h 4104168"/>
+              <a:gd name="connsiteX28" fmla="*/ 1605516 w 2477386"/>
+              <a:gd name="connsiteY28" fmla="*/ 3030279 h 4104168"/>
+              <a:gd name="connsiteX29" fmla="*/ 1658679 w 2477386"/>
+              <a:gd name="connsiteY29" fmla="*/ 2977116 h 4104168"/>
+              <a:gd name="connsiteX30" fmla="*/ 1690577 w 2477386"/>
+              <a:gd name="connsiteY30" fmla="*/ 2945219 h 4104168"/>
+              <a:gd name="connsiteX31" fmla="*/ 1701209 w 2477386"/>
+              <a:gd name="connsiteY31" fmla="*/ 2913321 h 4104168"/>
+              <a:gd name="connsiteX32" fmla="*/ 1796903 w 2477386"/>
+              <a:gd name="connsiteY32" fmla="*/ 2838893 h 4104168"/>
+              <a:gd name="connsiteX33" fmla="*/ 1839433 w 2477386"/>
+              <a:gd name="connsiteY33" fmla="*/ 2806995 h 4104168"/>
+              <a:gd name="connsiteX34" fmla="*/ 1892596 w 2477386"/>
+              <a:gd name="connsiteY34" fmla="*/ 2753833 h 4104168"/>
+              <a:gd name="connsiteX35" fmla="*/ 1935126 w 2477386"/>
+              <a:gd name="connsiteY35" fmla="*/ 2679405 h 4104168"/>
+              <a:gd name="connsiteX36" fmla="*/ 1988289 w 2477386"/>
+              <a:gd name="connsiteY36" fmla="*/ 2626242 h 4104168"/>
+              <a:gd name="connsiteX37" fmla="*/ 2041451 w 2477386"/>
+              <a:gd name="connsiteY37" fmla="*/ 2551814 h 4104168"/>
+              <a:gd name="connsiteX38" fmla="*/ 2083982 w 2477386"/>
+              <a:gd name="connsiteY38" fmla="*/ 2488019 h 4104168"/>
+              <a:gd name="connsiteX39" fmla="*/ 2115879 w 2477386"/>
+              <a:gd name="connsiteY39" fmla="*/ 2456121 h 4104168"/>
+              <a:gd name="connsiteX40" fmla="*/ 2169042 w 2477386"/>
+              <a:gd name="connsiteY40" fmla="*/ 2371061 h 4104168"/>
+              <a:gd name="connsiteX41" fmla="*/ 2190307 w 2477386"/>
+              <a:gd name="connsiteY41" fmla="*/ 2349795 h 4104168"/>
+              <a:gd name="connsiteX42" fmla="*/ 2222205 w 2477386"/>
+              <a:gd name="connsiteY42" fmla="*/ 2307265 h 4104168"/>
+              <a:gd name="connsiteX43" fmla="*/ 2254103 w 2477386"/>
+              <a:gd name="connsiteY43" fmla="*/ 2254102 h 4104168"/>
+              <a:gd name="connsiteX44" fmla="*/ 2296633 w 2477386"/>
+              <a:gd name="connsiteY44" fmla="*/ 2158409 h 4104168"/>
+              <a:gd name="connsiteX45" fmla="*/ 2317898 w 2477386"/>
+              <a:gd name="connsiteY45" fmla="*/ 2115879 h 4104168"/>
+              <a:gd name="connsiteX46" fmla="*/ 2339163 w 2477386"/>
+              <a:gd name="connsiteY46" fmla="*/ 2052084 h 4104168"/>
+              <a:gd name="connsiteX47" fmla="*/ 2349796 w 2477386"/>
+              <a:gd name="connsiteY47" fmla="*/ 2020186 h 4104168"/>
+              <a:gd name="connsiteX48" fmla="*/ 2360428 w 2477386"/>
+              <a:gd name="connsiteY48" fmla="*/ 1988288 h 4104168"/>
+              <a:gd name="connsiteX49" fmla="*/ 2392326 w 2477386"/>
+              <a:gd name="connsiteY49" fmla="*/ 1924493 h 4104168"/>
+              <a:gd name="connsiteX50" fmla="*/ 2413591 w 2477386"/>
+              <a:gd name="connsiteY50" fmla="*/ 1839433 h 4104168"/>
+              <a:gd name="connsiteX51" fmla="*/ 2434856 w 2477386"/>
+              <a:gd name="connsiteY51" fmla="*/ 1765005 h 4104168"/>
+              <a:gd name="connsiteX52" fmla="*/ 2445489 w 2477386"/>
+              <a:gd name="connsiteY52" fmla="*/ 1711842 h 4104168"/>
+              <a:gd name="connsiteX53" fmla="*/ 2456121 w 2477386"/>
+              <a:gd name="connsiteY53" fmla="*/ 1679944 h 4104168"/>
+              <a:gd name="connsiteX54" fmla="*/ 2477386 w 2477386"/>
+              <a:gd name="connsiteY54" fmla="*/ 1562986 h 4104168"/>
+              <a:gd name="connsiteX55" fmla="*/ 2466754 w 2477386"/>
+              <a:gd name="connsiteY55" fmla="*/ 914400 h 4104168"/>
+              <a:gd name="connsiteX56" fmla="*/ 2445489 w 2477386"/>
+              <a:gd name="connsiteY56" fmla="*/ 882502 h 4104168"/>
+              <a:gd name="connsiteX57" fmla="*/ 2434856 w 2477386"/>
+              <a:gd name="connsiteY57" fmla="*/ 839972 h 4104168"/>
+              <a:gd name="connsiteX58" fmla="*/ 2392326 w 2477386"/>
+              <a:gd name="connsiteY58" fmla="*/ 776177 h 4104168"/>
+              <a:gd name="connsiteX59" fmla="*/ 2381693 w 2477386"/>
+              <a:gd name="connsiteY59" fmla="*/ 733647 h 4104168"/>
+              <a:gd name="connsiteX60" fmla="*/ 2317898 w 2477386"/>
+              <a:gd name="connsiteY60" fmla="*/ 648586 h 4104168"/>
+              <a:gd name="connsiteX61" fmla="*/ 2307265 w 2477386"/>
+              <a:gd name="connsiteY61" fmla="*/ 606056 h 4104168"/>
+              <a:gd name="connsiteX62" fmla="*/ 2254103 w 2477386"/>
+              <a:gd name="connsiteY62" fmla="*/ 542261 h 4104168"/>
+              <a:gd name="connsiteX63" fmla="*/ 2232837 w 2477386"/>
+              <a:gd name="connsiteY63" fmla="*/ 499730 h 4104168"/>
+              <a:gd name="connsiteX64" fmla="*/ 2211572 w 2477386"/>
+              <a:gd name="connsiteY64" fmla="*/ 467833 h 4104168"/>
+              <a:gd name="connsiteX65" fmla="*/ 2190307 w 2477386"/>
+              <a:gd name="connsiteY65" fmla="*/ 404037 h 4104168"/>
+              <a:gd name="connsiteX66" fmla="*/ 2179675 w 2477386"/>
+              <a:gd name="connsiteY66" fmla="*/ 372140 h 4104168"/>
+              <a:gd name="connsiteX67" fmla="*/ 2158409 w 2477386"/>
+              <a:gd name="connsiteY67" fmla="*/ 350875 h 4104168"/>
+              <a:gd name="connsiteX68" fmla="*/ 2147777 w 2477386"/>
+              <a:gd name="connsiteY68" fmla="*/ 318977 h 4104168"/>
+              <a:gd name="connsiteX69" fmla="*/ 2137144 w 2477386"/>
+              <a:gd name="connsiteY69" fmla="*/ 276447 h 4104168"/>
+              <a:gd name="connsiteX70" fmla="*/ 2115879 w 2477386"/>
+              <a:gd name="connsiteY70" fmla="*/ 255181 h 4104168"/>
+              <a:gd name="connsiteX71" fmla="*/ 2030819 w 2477386"/>
+              <a:gd name="connsiteY71" fmla="*/ 159488 h 4104168"/>
+              <a:gd name="connsiteX72" fmla="*/ 1998921 w 2477386"/>
+              <a:gd name="connsiteY72" fmla="*/ 127591 h 4104168"/>
+              <a:gd name="connsiteX73" fmla="*/ 1913861 w 2477386"/>
+              <a:gd name="connsiteY73" fmla="*/ 106326 h 4104168"/>
+              <a:gd name="connsiteX74" fmla="*/ 1818168 w 2477386"/>
+              <a:gd name="connsiteY74" fmla="*/ 85061 h 4104168"/>
+              <a:gd name="connsiteX75" fmla="*/ 1754372 w 2477386"/>
+              <a:gd name="connsiteY75" fmla="*/ 63795 h 4104168"/>
+              <a:gd name="connsiteX76" fmla="*/ 1722475 w 2477386"/>
+              <a:gd name="connsiteY76" fmla="*/ 53163 h 4104168"/>
+              <a:gd name="connsiteX77" fmla="*/ 1648047 w 2477386"/>
+              <a:gd name="connsiteY77" fmla="*/ 31898 h 4104168"/>
+              <a:gd name="connsiteX78" fmla="*/ 1594884 w 2477386"/>
+              <a:gd name="connsiteY78" fmla="*/ 21265 h 4104168"/>
+              <a:gd name="connsiteX79" fmla="*/ 1499191 w 2477386"/>
+              <a:gd name="connsiteY79" fmla="*/ 0 h 4104168"/>
+              <a:gd name="connsiteX80" fmla="*/ 999461 w 2477386"/>
+              <a:gd name="connsiteY80" fmla="*/ 10633 h 4104168"/>
+              <a:gd name="connsiteX81" fmla="*/ 946298 w 2477386"/>
+              <a:gd name="connsiteY81" fmla="*/ 31898 h 4104168"/>
+              <a:gd name="connsiteX82" fmla="*/ 786809 w 2477386"/>
+              <a:gd name="connsiteY82" fmla="*/ 42530 h 4104168"/>
+              <a:gd name="connsiteX83" fmla="*/ 701749 w 2477386"/>
+              <a:gd name="connsiteY83" fmla="*/ 116958 h 4104168"/>
+              <a:gd name="connsiteX84" fmla="*/ 669851 w 2477386"/>
+              <a:gd name="connsiteY84" fmla="*/ 148856 h 4104168"/>
+              <a:gd name="connsiteX85" fmla="*/ 627321 w 2477386"/>
+              <a:gd name="connsiteY85" fmla="*/ 223284 h 4104168"/>
+              <a:gd name="connsiteX86" fmla="*/ 595423 w 2477386"/>
+              <a:gd name="connsiteY86" fmla="*/ 287079 h 4104168"/>
+              <a:gd name="connsiteX87" fmla="*/ 595423 w 2477386"/>
+              <a:gd name="connsiteY87" fmla="*/ 340242 h 4104168"/>
+            </a:gdLst>
+            <a:ahLst/>
+            <a:cxnLst>
+              <a:cxn ang="0">
+                <a:pos x="connsiteX0" y="connsiteY0"/>
+              </a:cxn>
+              <a:cxn ang="0">
+                <a:pos x="connsiteX1" y="connsiteY1"/>
+              </a:cxn>
+              <a:cxn ang="0">
+                <a:pos x="connsiteX2" y="connsiteY2"/>
+              </a:cxn>
+              <a:cxn ang="0">
+                <a:pos x="connsiteX3" y="connsiteY3"/>
+              </a:cxn>
+              <a:cxn ang="0">
+                <a:pos x="connsiteX4" y="connsiteY4"/>
+              </a:cxn>
+              <a:cxn ang="0">
+                <a:pos x="connsiteX5" y="connsiteY5"/>
+              </a:cxn>
+              <a:cxn ang="0">
+                <a:pos x="connsiteX6" y="connsiteY6"/>
+              </a:cxn>
+              <a:cxn ang="0">
+                <a:pos x="connsiteX7" y="connsiteY7"/>
+              </a:cxn>
+              <a:cxn ang="0">
+                <a:pos x="connsiteX8" y="connsiteY8"/>
+              </a:cxn>
+              <a:cxn ang="0">
+                <a:pos x="connsiteX9" y="connsiteY9"/>
+              </a:cxn>
+              <a:cxn ang="0">
+                <a:pos x="connsiteX10" y="connsiteY10"/>
+              </a:cxn>
+              <a:cxn ang="0">
+                <a:pos x="connsiteX11" y="connsiteY11"/>
+              </a:cxn>
+              <a:cxn ang="0">
+                <a:pos x="connsiteX12" y="connsiteY12"/>
+              </a:cxn>
+              <a:cxn ang="0">
+                <a:pos x="connsiteX13" y="connsiteY13"/>
+              </a:cxn>
+              <a:cxn ang="0">
+                <a:pos x="connsiteX14" y="connsiteY14"/>
+              </a:cxn>
+              <a:cxn ang="0">
+                <a:pos x="connsiteX15" y="connsiteY15"/>
+              </a:cxn>
+              <a:cxn ang="0">
+                <a:pos x="connsiteX16" y="connsiteY16"/>
+              </a:cxn>
+              <a:cxn ang="0">
+                <a:pos x="connsiteX17" y="connsiteY17"/>
+              </a:cxn>
+              <a:cxn ang="0">
+                <a:pos x="connsiteX18" y="connsiteY18"/>
+              </a:cxn>
+              <a:cxn ang="0">
+                <a:pos x="connsiteX19" y="connsiteY19"/>
+              </a:cxn>
+              <a:cxn ang="0">
+                <a:pos x="connsiteX20" y="connsiteY20"/>
+              </a:cxn>
+              <a:cxn ang="0">
+                <a:pos x="connsiteX21" y="connsiteY21"/>
+              </a:cxn>
+              <a:cxn ang="0">
+                <a:pos x="connsiteX22" y="connsiteY22"/>
+              </a:cxn>
+              <a:cxn ang="0">
+                <a:pos x="connsiteX23" y="connsiteY23"/>
+              </a:cxn>
+              <a:cxn ang="0">
+                <a:pos x="connsiteX24" y="connsiteY24"/>
+              </a:cxn>
+              <a:cxn ang="0">
+                <a:pos x="connsiteX25" y="connsiteY25"/>
+              </a:cxn>
+              <a:cxn ang="0">
+                <a:pos x="connsiteX26" y="connsiteY26"/>
+              </a:cxn>
+              <a:cxn ang="0">
+                <a:pos x="connsiteX27" y="connsiteY27"/>
+              </a:cxn>
+              <a:cxn ang="0">
+                <a:pos x="connsiteX28" y="connsiteY28"/>
+              </a:cxn>
+              <a:cxn ang="0">
+                <a:pos x="connsiteX29" y="connsiteY29"/>
+              </a:cxn>
+              <a:cxn ang="0">
+                <a:pos x="connsiteX30" y="connsiteY30"/>
+              </a:cxn>
+              <a:cxn ang="0">
+                <a:pos x="connsiteX31" y="connsiteY31"/>
+              </a:cxn>
+              <a:cxn ang="0">
+                <a:pos x="connsiteX32" y="connsiteY32"/>
+              </a:cxn>
+              <a:cxn ang="0">
+                <a:pos x="connsiteX33" y="connsiteY33"/>
+              </a:cxn>
+              <a:cxn ang="0">
+                <a:pos x="connsiteX34" y="connsiteY34"/>
+              </a:cxn>
+              <a:cxn ang="0">
+                <a:pos x="connsiteX35" y="connsiteY35"/>
+              </a:cxn>
+              <a:cxn ang="0">
+                <a:pos x="connsiteX36" y="connsiteY36"/>
+              </a:cxn>
+              <a:cxn ang="0">
+                <a:pos x="connsiteX37" y="connsiteY37"/>
+              </a:cxn>
+              <a:cxn ang="0">
+                <a:pos x="connsiteX38" y="connsiteY38"/>
+              </a:cxn>
+              <a:cxn ang="0">
+                <a:pos x="connsiteX39" y="connsiteY39"/>
+              </a:cxn>
+              <a:cxn ang="0">
+                <a:pos x="connsiteX40" y="connsiteY40"/>
+              </a:cxn>
+              <a:cxn ang="0">
+                <a:pos x="connsiteX41" y="connsiteY41"/>
+              </a:cxn>
+              <a:cxn ang="0">
+                <a:pos x="connsiteX42" y="connsiteY42"/>
+              </a:cxn>
+              <a:cxn ang="0">
+                <a:pos x="connsiteX43" y="connsiteY43"/>
+              </a:cxn>
+              <a:cxn ang="0">
+                <a:pos x="connsiteX44" y="connsiteY44"/>
+              </a:cxn>
+              <a:cxn ang="0">
+                <a:pos x="connsiteX45" y="connsiteY45"/>
+              </a:cxn>
+              <a:cxn ang="0">
+                <a:pos x="connsiteX46" y="connsiteY46"/>
+              </a:cxn>
+              <a:cxn ang="0">
+                <a:pos x="connsiteX47" y="connsiteY47"/>
+              </a:cxn>
+              <a:cxn ang="0">
+                <a:pos x="connsiteX48" y="connsiteY48"/>
+              </a:cxn>
+              <a:cxn ang="0">
+                <a:pos x="connsiteX49" y="connsiteY49"/>
+              </a:cxn>
+              <a:cxn ang="0">
+                <a:pos x="connsiteX50" y="connsiteY50"/>
+              </a:cxn>
+              <a:cxn ang="0">
+                <a:pos x="connsiteX51" y="connsiteY51"/>
+              </a:cxn>
+              <a:cxn ang="0">
+                <a:pos x="connsiteX52" y="connsiteY52"/>
+              </a:cxn>
+              <a:cxn ang="0">
+                <a:pos x="connsiteX53" y="connsiteY53"/>
+              </a:cxn>
+              <a:cxn ang="0">
+                <a:pos x="connsiteX54" y="connsiteY54"/>
+              </a:cxn>
+              <a:cxn ang="0">
+                <a:pos x="connsiteX55" y="connsiteY55"/>
+              </a:cxn>
+              <a:cxn ang="0">
+                <a:pos x="connsiteX56" y="connsiteY56"/>
+              </a:cxn>
+              <a:cxn ang="0">
+                <a:pos x="connsiteX57" y="connsiteY57"/>
+              </a:cxn>
+              <a:cxn ang="0">
+                <a:pos x="connsiteX58" y="connsiteY58"/>
+              </a:cxn>
+              <a:cxn ang="0">
+                <a:pos x="connsiteX59" y="connsiteY59"/>
+              </a:cxn>
+              <a:cxn ang="0">
+                <a:pos x="connsiteX60" y="connsiteY60"/>
+              </a:cxn>
+              <a:cxn ang="0">
+                <a:pos x="connsiteX61" y="connsiteY61"/>
+              </a:cxn>
+              <a:cxn ang="0">
+                <a:pos x="connsiteX62" y="connsiteY62"/>
+              </a:cxn>
+              <a:cxn ang="0">
+                <a:pos x="connsiteX63" y="connsiteY63"/>
+              </a:cxn>
+              <a:cxn ang="0">
+                <a:pos x="connsiteX64" y="connsiteY64"/>
+              </a:cxn>
+              <a:cxn ang="0">
+                <a:pos x="connsiteX65" y="connsiteY65"/>
+              </a:cxn>
+              <a:cxn ang="0">
+                <a:pos x="connsiteX66" y="connsiteY66"/>
+              </a:cxn>
+              <a:cxn ang="0">
+                <a:pos x="connsiteX67" y="connsiteY67"/>
+              </a:cxn>
+              <a:cxn ang="0">
+                <a:pos x="connsiteX68" y="connsiteY68"/>
+              </a:cxn>
+              <a:cxn ang="0">
+                <a:pos x="connsiteX69" y="connsiteY69"/>
+              </a:cxn>
+              <a:cxn ang="0">
+                <a:pos x="connsiteX70" y="connsiteY70"/>
+              </a:cxn>
+              <a:cxn ang="0">
+                <a:pos x="connsiteX71" y="connsiteY71"/>
+              </a:cxn>
+              <a:cxn ang="0">
+                <a:pos x="connsiteX72" y="connsiteY72"/>
+              </a:cxn>
+              <a:cxn ang="0">
+                <a:pos x="connsiteX73" y="connsiteY73"/>
+              </a:cxn>
+              <a:cxn ang="0">
+                <a:pos x="connsiteX74" y="connsiteY74"/>
+              </a:cxn>
+              <a:cxn ang="0">
+                <a:pos x="connsiteX75" y="connsiteY75"/>
+              </a:cxn>
+              <a:cxn ang="0">
+                <a:pos x="connsiteX76" y="connsiteY76"/>
+              </a:cxn>
+              <a:cxn ang="0">
+                <a:pos x="connsiteX77" y="connsiteY77"/>
+              </a:cxn>
+              <a:cxn ang="0">
+                <a:pos x="connsiteX78" y="connsiteY78"/>
+              </a:cxn>
+              <a:cxn ang="0">
+                <a:pos x="connsiteX79" y="connsiteY79"/>
+              </a:cxn>
+              <a:cxn ang="0">
+                <a:pos x="connsiteX80" y="connsiteY80"/>
+              </a:cxn>
+              <a:cxn ang="0">
+                <a:pos x="connsiteX81" y="connsiteY81"/>
+              </a:cxn>
+              <a:cxn ang="0">
+                <a:pos x="connsiteX82" y="connsiteY82"/>
+              </a:cxn>
+              <a:cxn ang="0">
+                <a:pos x="connsiteX83" y="connsiteY83"/>
+              </a:cxn>
+              <a:cxn ang="0">
+                <a:pos x="connsiteX84" y="connsiteY84"/>
+              </a:cxn>
+              <a:cxn ang="0">
+                <a:pos x="connsiteX85" y="connsiteY85"/>
+              </a:cxn>
+              <a:cxn ang="0">
+                <a:pos x="connsiteX86" y="connsiteY86"/>
+              </a:cxn>
+              <a:cxn ang="0">
+                <a:pos x="connsiteX87" y="connsiteY87"/>
+              </a:cxn>
+            </a:cxnLst>
+            <a:rect l="l" t="t" r="r" b="b"/>
+            <a:pathLst>
+              <a:path w="2477386" h="4104168">
+                <a:moveTo>
+                  <a:pt x="0" y="4104168"/>
+                </a:moveTo>
+                <a:cubicBezTo>
+                  <a:pt x="21265" y="4097079"/>
+                  <a:pt x="42137" y="4088678"/>
+                  <a:pt x="63796" y="4082902"/>
+                </a:cubicBezTo>
+                <a:cubicBezTo>
+                  <a:pt x="95368" y="4074483"/>
+                  <a:pt x="129742" y="4075158"/>
+                  <a:pt x="159489" y="4061637"/>
+                </a:cubicBezTo>
+                <a:cubicBezTo>
+                  <a:pt x="171122" y="4056349"/>
+                  <a:pt x="169077" y="4034930"/>
+                  <a:pt x="180754" y="4029740"/>
+                </a:cubicBezTo>
+                <a:cubicBezTo>
+                  <a:pt x="203655" y="4019562"/>
+                  <a:pt x="230373" y="4022651"/>
+                  <a:pt x="255182" y="4019107"/>
+                </a:cubicBezTo>
+                <a:cubicBezTo>
+                  <a:pt x="276447" y="3997842"/>
+                  <a:pt x="293954" y="3971993"/>
+                  <a:pt x="318977" y="3955312"/>
+                </a:cubicBezTo>
+                <a:cubicBezTo>
+                  <a:pt x="329610" y="3948224"/>
+                  <a:pt x="341324" y="3942537"/>
+                  <a:pt x="350875" y="3934047"/>
+                </a:cubicBezTo>
+                <a:cubicBezTo>
+                  <a:pt x="373352" y="3914067"/>
+                  <a:pt x="389647" y="3886933"/>
+                  <a:pt x="414670" y="3870251"/>
+                </a:cubicBezTo>
+                <a:lnTo>
+                  <a:pt x="478465" y="3827721"/>
+                </a:lnTo>
+                <a:cubicBezTo>
+                  <a:pt x="528414" y="3744474"/>
+                  <a:pt x="495751" y="3789169"/>
+                  <a:pt x="584791" y="3700130"/>
+                </a:cubicBezTo>
+                <a:lnTo>
+                  <a:pt x="616689" y="3668233"/>
+                </a:lnTo>
+                <a:cubicBezTo>
+                  <a:pt x="627322" y="3657600"/>
+                  <a:pt x="635692" y="3644071"/>
+                  <a:pt x="648586" y="3636335"/>
+                </a:cubicBezTo>
+                <a:cubicBezTo>
+                  <a:pt x="666307" y="3625702"/>
+                  <a:pt x="682754" y="3612578"/>
+                  <a:pt x="701749" y="3604437"/>
+                </a:cubicBezTo>
+                <a:cubicBezTo>
+                  <a:pt x="732653" y="3591192"/>
+                  <a:pt x="797442" y="3572540"/>
+                  <a:pt x="797442" y="3572540"/>
+                </a:cubicBezTo>
+                <a:cubicBezTo>
+                  <a:pt x="808075" y="3565452"/>
+                  <a:pt x="817594" y="3556309"/>
+                  <a:pt x="829340" y="3551275"/>
+                </a:cubicBezTo>
+                <a:cubicBezTo>
+                  <a:pt x="842771" y="3545519"/>
+                  <a:pt x="857507" y="3543335"/>
+                  <a:pt x="871870" y="3540642"/>
+                </a:cubicBezTo>
+                <a:cubicBezTo>
+                  <a:pt x="914248" y="3532696"/>
+                  <a:pt x="956931" y="3526465"/>
+                  <a:pt x="999461" y="3519377"/>
+                </a:cubicBezTo>
+                <a:cubicBezTo>
+                  <a:pt x="1010093" y="3515833"/>
+                  <a:pt x="1020582" y="3511823"/>
+                  <a:pt x="1031358" y="3508744"/>
+                </a:cubicBezTo>
+                <a:cubicBezTo>
+                  <a:pt x="1045409" y="3504729"/>
+                  <a:pt x="1060457" y="3503868"/>
+                  <a:pt x="1073889" y="3498112"/>
+                </a:cubicBezTo>
+                <a:cubicBezTo>
+                  <a:pt x="1085634" y="3493078"/>
+                  <a:pt x="1096169" y="3485262"/>
+                  <a:pt x="1105786" y="3476847"/>
+                </a:cubicBezTo>
+                <a:cubicBezTo>
+                  <a:pt x="1124646" y="3460344"/>
+                  <a:pt x="1134636" y="3429763"/>
+                  <a:pt x="1158949" y="3423684"/>
+                </a:cubicBezTo>
+                <a:lnTo>
+                  <a:pt x="1201479" y="3413051"/>
+                </a:lnTo>
+                <a:cubicBezTo>
+                  <a:pt x="1275713" y="3338820"/>
+                  <a:pt x="1193464" y="3411557"/>
+                  <a:pt x="1265275" y="3370521"/>
+                </a:cubicBezTo>
+                <a:cubicBezTo>
+                  <a:pt x="1280661" y="3361729"/>
+                  <a:pt x="1293287" y="3348785"/>
+                  <a:pt x="1307805" y="3338623"/>
+                </a:cubicBezTo>
+                <a:cubicBezTo>
+                  <a:pt x="1328742" y="3323967"/>
+                  <a:pt x="1353528" y="3314165"/>
+                  <a:pt x="1371600" y="3296093"/>
+                </a:cubicBezTo>
+                <a:cubicBezTo>
+                  <a:pt x="1412534" y="3255159"/>
+                  <a:pt x="1390987" y="3272536"/>
+                  <a:pt x="1435396" y="3242930"/>
+                </a:cubicBezTo>
+                <a:cubicBezTo>
+                  <a:pt x="1446028" y="3228753"/>
+                  <a:pt x="1455438" y="3213572"/>
+                  <a:pt x="1467293" y="3200400"/>
+                </a:cubicBezTo>
+                <a:cubicBezTo>
+                  <a:pt x="1487411" y="3178047"/>
+                  <a:pt x="1514407" y="3161628"/>
+                  <a:pt x="1531089" y="3136605"/>
+                </a:cubicBezTo>
+                <a:cubicBezTo>
+                  <a:pt x="1545604" y="3114833"/>
+                  <a:pt x="1584525" y="3053894"/>
+                  <a:pt x="1605516" y="3030279"/>
+                </a:cubicBezTo>
+                <a:cubicBezTo>
+                  <a:pt x="1622166" y="3011548"/>
+                  <a:pt x="1640958" y="2994837"/>
+                  <a:pt x="1658679" y="2977116"/>
+                </a:cubicBezTo>
+                <a:lnTo>
+                  <a:pt x="1690577" y="2945219"/>
+                </a:lnTo>
+                <a:cubicBezTo>
+                  <a:pt x="1694121" y="2934586"/>
+                  <a:pt x="1694328" y="2922168"/>
+                  <a:pt x="1701209" y="2913321"/>
+                </a:cubicBezTo>
+                <a:cubicBezTo>
+                  <a:pt x="1751413" y="2848774"/>
+                  <a:pt x="1744494" y="2856363"/>
+                  <a:pt x="1796903" y="2838893"/>
+                </a:cubicBezTo>
+                <a:cubicBezTo>
+                  <a:pt x="1811080" y="2828260"/>
+                  <a:pt x="1826188" y="2818768"/>
+                  <a:pt x="1839433" y="2806995"/>
+                </a:cubicBezTo>
+                <a:cubicBezTo>
+                  <a:pt x="1858164" y="2790345"/>
+                  <a:pt x="1892596" y="2753833"/>
+                  <a:pt x="1892596" y="2753833"/>
+                </a:cubicBezTo>
+                <a:cubicBezTo>
+                  <a:pt x="1904043" y="2730939"/>
+                  <a:pt x="1917591" y="2699445"/>
+                  <a:pt x="1935126" y="2679405"/>
+                </a:cubicBezTo>
+                <a:cubicBezTo>
+                  <a:pt x="1951629" y="2660545"/>
+                  <a:pt x="1974388" y="2647094"/>
+                  <a:pt x="1988289" y="2626242"/>
+                </a:cubicBezTo>
+                <a:cubicBezTo>
+                  <a:pt x="2057395" y="2522582"/>
+                  <a:pt x="1949176" y="2683635"/>
+                  <a:pt x="2041451" y="2551814"/>
+                </a:cubicBezTo>
+                <a:cubicBezTo>
+                  <a:pt x="2056107" y="2530876"/>
+                  <a:pt x="2065910" y="2506091"/>
+                  <a:pt x="2083982" y="2488019"/>
+                </a:cubicBezTo>
+                <a:cubicBezTo>
+                  <a:pt x="2094614" y="2477386"/>
+                  <a:pt x="2106857" y="2468150"/>
+                  <a:pt x="2115879" y="2456121"/>
+                </a:cubicBezTo>
+                <a:cubicBezTo>
+                  <a:pt x="2149461" y="2411344"/>
+                  <a:pt x="2139337" y="2408192"/>
+                  <a:pt x="2169042" y="2371061"/>
+                </a:cubicBezTo>
+                <a:cubicBezTo>
+                  <a:pt x="2175304" y="2363233"/>
+                  <a:pt x="2183889" y="2357496"/>
+                  <a:pt x="2190307" y="2349795"/>
+                </a:cubicBezTo>
+                <a:cubicBezTo>
+                  <a:pt x="2201652" y="2336181"/>
+                  <a:pt x="2211572" y="2321442"/>
+                  <a:pt x="2222205" y="2307265"/>
+                </a:cubicBezTo>
+                <a:cubicBezTo>
+                  <a:pt x="2246884" y="2233225"/>
+                  <a:pt x="2215183" y="2312482"/>
+                  <a:pt x="2254103" y="2254102"/>
+                </a:cubicBezTo>
+                <a:cubicBezTo>
+                  <a:pt x="2271553" y="2227928"/>
+                  <a:pt x="2284354" y="2186037"/>
+                  <a:pt x="2296633" y="2158409"/>
+                </a:cubicBezTo>
+                <a:cubicBezTo>
+                  <a:pt x="2303070" y="2143925"/>
+                  <a:pt x="2312011" y="2130595"/>
+                  <a:pt x="2317898" y="2115879"/>
+                </a:cubicBezTo>
+                <a:cubicBezTo>
+                  <a:pt x="2326223" y="2095067"/>
+                  <a:pt x="2332075" y="2073349"/>
+                  <a:pt x="2339163" y="2052084"/>
+                </a:cubicBezTo>
+                <a:lnTo>
+                  <a:pt x="2349796" y="2020186"/>
+                </a:lnTo>
+                <a:cubicBezTo>
+                  <a:pt x="2353340" y="2009553"/>
+                  <a:pt x="2354211" y="1997613"/>
+                  <a:pt x="2360428" y="1988288"/>
+                </a:cubicBezTo>
+                <a:cubicBezTo>
+                  <a:pt x="2382762" y="1954788"/>
+                  <a:pt x="2382167" y="1961741"/>
+                  <a:pt x="2392326" y="1924493"/>
+                </a:cubicBezTo>
+                <a:cubicBezTo>
+                  <a:pt x="2400016" y="1896297"/>
+                  <a:pt x="2404349" y="1867159"/>
+                  <a:pt x="2413591" y="1839433"/>
+                </a:cubicBezTo>
+                <a:cubicBezTo>
+                  <a:pt x="2425430" y="1803915"/>
+                  <a:pt x="2425956" y="1805052"/>
+                  <a:pt x="2434856" y="1765005"/>
+                </a:cubicBezTo>
+                <a:cubicBezTo>
+                  <a:pt x="2438777" y="1747363"/>
+                  <a:pt x="2441106" y="1729374"/>
+                  <a:pt x="2445489" y="1711842"/>
+                </a:cubicBezTo>
+                <a:cubicBezTo>
+                  <a:pt x="2448207" y="1700969"/>
+                  <a:pt x="2453773" y="1690903"/>
+                  <a:pt x="2456121" y="1679944"/>
+                </a:cubicBezTo>
+                <a:cubicBezTo>
+                  <a:pt x="2464423" y="1641198"/>
+                  <a:pt x="2470298" y="1601972"/>
+                  <a:pt x="2477386" y="1562986"/>
+                </a:cubicBezTo>
+                <a:cubicBezTo>
+                  <a:pt x="2473842" y="1346791"/>
+                  <a:pt x="2476878" y="1130387"/>
+                  <a:pt x="2466754" y="914400"/>
+                </a:cubicBezTo>
+                <a:cubicBezTo>
+                  <a:pt x="2466156" y="901635"/>
+                  <a:pt x="2450523" y="894248"/>
+                  <a:pt x="2445489" y="882502"/>
+                </a:cubicBezTo>
+                <a:cubicBezTo>
+                  <a:pt x="2439733" y="869071"/>
+                  <a:pt x="2441391" y="853042"/>
+                  <a:pt x="2434856" y="839972"/>
+                </a:cubicBezTo>
+                <a:cubicBezTo>
+                  <a:pt x="2423426" y="817113"/>
+                  <a:pt x="2392326" y="776177"/>
+                  <a:pt x="2392326" y="776177"/>
+                </a:cubicBezTo>
+                <a:cubicBezTo>
+                  <a:pt x="2388782" y="762000"/>
+                  <a:pt x="2389056" y="746269"/>
+                  <a:pt x="2381693" y="733647"/>
+                </a:cubicBezTo>
+                <a:cubicBezTo>
+                  <a:pt x="2363835" y="703033"/>
+                  <a:pt x="2317898" y="648586"/>
+                  <a:pt x="2317898" y="648586"/>
+                </a:cubicBezTo>
+                <a:cubicBezTo>
+                  <a:pt x="2314354" y="634409"/>
+                  <a:pt x="2313021" y="619487"/>
+                  <a:pt x="2307265" y="606056"/>
+                </a:cubicBezTo>
+                <a:cubicBezTo>
+                  <a:pt x="2289183" y="563865"/>
+                  <a:pt x="2281476" y="580584"/>
+                  <a:pt x="2254103" y="542261"/>
+                </a:cubicBezTo>
+                <a:cubicBezTo>
+                  <a:pt x="2244890" y="529363"/>
+                  <a:pt x="2240701" y="513492"/>
+                  <a:pt x="2232837" y="499730"/>
+                </a:cubicBezTo>
+                <a:cubicBezTo>
+                  <a:pt x="2226497" y="488635"/>
+                  <a:pt x="2218660" y="478465"/>
+                  <a:pt x="2211572" y="467833"/>
+                </a:cubicBezTo>
+                <a:lnTo>
+                  <a:pt x="2190307" y="404037"/>
+                </a:lnTo>
+                <a:cubicBezTo>
+                  <a:pt x="2186763" y="393405"/>
+                  <a:pt x="2187600" y="380065"/>
+                  <a:pt x="2179675" y="372140"/>
+                </a:cubicBezTo>
+                <a:lnTo>
+                  <a:pt x="2158409" y="350875"/>
+                </a:lnTo>
+                <a:cubicBezTo>
+                  <a:pt x="2154865" y="340242"/>
+                  <a:pt x="2150856" y="329754"/>
+                  <a:pt x="2147777" y="318977"/>
+                </a:cubicBezTo>
+                <a:cubicBezTo>
+                  <a:pt x="2143763" y="304926"/>
+                  <a:pt x="2143679" y="289517"/>
+                  <a:pt x="2137144" y="276447"/>
+                </a:cubicBezTo>
+                <a:cubicBezTo>
+                  <a:pt x="2132661" y="267481"/>
+                  <a:pt x="2122297" y="262882"/>
+                  <a:pt x="2115879" y="255181"/>
+                </a:cubicBezTo>
+                <a:cubicBezTo>
+                  <a:pt x="2037668" y="161325"/>
+                  <a:pt x="2140746" y="269414"/>
+                  <a:pt x="2030819" y="159488"/>
+                </a:cubicBezTo>
+                <a:cubicBezTo>
+                  <a:pt x="2020186" y="148856"/>
+                  <a:pt x="2013509" y="131238"/>
+                  <a:pt x="1998921" y="127591"/>
+                </a:cubicBezTo>
+                <a:cubicBezTo>
+                  <a:pt x="1970568" y="120503"/>
+                  <a:pt x="1942519" y="112058"/>
+                  <a:pt x="1913861" y="106326"/>
+                </a:cubicBezTo>
+                <a:cubicBezTo>
+                  <a:pt x="1883521" y="100258"/>
+                  <a:pt x="1848189" y="94067"/>
+                  <a:pt x="1818168" y="85061"/>
+                </a:cubicBezTo>
+                <a:cubicBezTo>
+                  <a:pt x="1796698" y="78620"/>
+                  <a:pt x="1775637" y="70884"/>
+                  <a:pt x="1754372" y="63795"/>
+                </a:cubicBezTo>
+                <a:cubicBezTo>
+                  <a:pt x="1743740" y="60251"/>
+                  <a:pt x="1733251" y="56242"/>
+                  <a:pt x="1722475" y="53163"/>
+                </a:cubicBezTo>
+                <a:cubicBezTo>
+                  <a:pt x="1697666" y="46075"/>
+                  <a:pt x="1673079" y="38156"/>
+                  <a:pt x="1648047" y="31898"/>
+                </a:cubicBezTo>
+                <a:cubicBezTo>
+                  <a:pt x="1630515" y="27515"/>
+                  <a:pt x="1612555" y="25052"/>
+                  <a:pt x="1594884" y="21265"/>
+                </a:cubicBezTo>
+                <a:lnTo>
+                  <a:pt x="1499191" y="0"/>
+                </a:lnTo>
+                <a:cubicBezTo>
+                  <a:pt x="1332614" y="3544"/>
+                  <a:pt x="1165799" y="1036"/>
+                  <a:pt x="999461" y="10633"/>
+                </a:cubicBezTo>
+                <a:cubicBezTo>
+                  <a:pt x="980407" y="11732"/>
+                  <a:pt x="965173" y="29067"/>
+                  <a:pt x="946298" y="31898"/>
+                </a:cubicBezTo>
+                <a:cubicBezTo>
+                  <a:pt x="893606" y="39802"/>
+                  <a:pt x="839972" y="38986"/>
+                  <a:pt x="786809" y="42530"/>
+                </a:cubicBezTo>
+                <a:cubicBezTo>
+                  <a:pt x="734060" y="77697"/>
+                  <a:pt x="763948" y="54759"/>
+                  <a:pt x="701749" y="116958"/>
+                </a:cubicBezTo>
+                <a:cubicBezTo>
+                  <a:pt x="691116" y="127591"/>
+                  <a:pt x="678192" y="136345"/>
+                  <a:pt x="669851" y="148856"/>
+                </a:cubicBezTo>
+                <a:cubicBezTo>
+                  <a:pt x="618038" y="226577"/>
+                  <a:pt x="681286" y="128846"/>
+                  <a:pt x="627321" y="223284"/>
+                </a:cubicBezTo>
+                <a:cubicBezTo>
+                  <a:pt x="612124" y="249879"/>
+                  <a:pt x="599322" y="255888"/>
+                  <a:pt x="595423" y="287079"/>
+                </a:cubicBezTo>
+                <a:cubicBezTo>
+                  <a:pt x="593225" y="304663"/>
+                  <a:pt x="595423" y="322521"/>
+                  <a:pt x="595423" y="340242"/>
+                </a:cubicBezTo>
+              </a:path>
+            </a:pathLst>
+          </a:custGeom>
+          <a:noFill/>
+          <a:ln>
+            <a:solidFill>
+              <a:srgbClr val="FF0000"/>
+            </a:solidFill>
+            <a:headEnd type="none" w="med" len="med"/>
+            <a:tailEnd type="triangle" w="med" len="med"/>
+          </a:ln>
+        </p:spPr>
+        <p:style>
+          <a:lnRef idx="2">
+            <a:schemeClr val="accent1">
+              <a:shade val="50000"/>
+            </a:schemeClr>
+          </a:lnRef>
+          <a:fillRef idx="1">
+            <a:schemeClr val="accent1"/>
+          </a:fillRef>
+          <a:effectRef idx="0">
+            <a:schemeClr val="accent1"/>
+          </a:effectRef>
+          <a:fontRef idx="minor">
+            <a:schemeClr val="lt1"/>
+          </a:fontRef>
+        </p:style>
+        <p:txBody>
+          <a:bodyPr rtlCol="0" anchor="ctr"/>
+          <a:lstStyle/>
+          <a:p>
+            <a:pPr algn="ctr"/>
+            <a:endParaRPr lang="ru-RU"/>
+          </a:p>
+        </p:txBody>
+      </p:sp>
+      <p:sp>
+        <p:nvSpPr>
+          <p:cNvPr id="19" name="Полилиния: фигура 18">
+            <a:extLst>
+              <a:ext uri="{FF2B5EF4-FFF2-40B4-BE49-F238E27FC236}">
+                <a16:creationId xmlns:a16="http://schemas.microsoft.com/office/drawing/2014/main" id="{40975907-9E41-4EA2-A491-7FD6DEB2FED7}"/>
+              </a:ext>
+            </a:extLst>
+          </p:cNvPr>
+          <p:cNvSpPr/>
+          <p:nvPr/>
+        </p:nvSpPr>
+        <p:spPr>
+          <a:xfrm>
+            <a:off x="2998381" y="2787515"/>
+            <a:ext cx="2147777" cy="3326206"/>
+          </a:xfrm>
+          <a:custGeom>
+            <a:avLst/>
+            <a:gdLst>
+              <a:gd name="connsiteX0" fmla="*/ 893135 w 2147777"/>
+              <a:gd name="connsiteY0" fmla="*/ 2837108 h 3326206"/>
+              <a:gd name="connsiteX1" fmla="*/ 425303 w 2147777"/>
+              <a:gd name="connsiteY1" fmla="*/ 2847741 h 3326206"/>
+              <a:gd name="connsiteX2" fmla="*/ 393405 w 2147777"/>
+              <a:gd name="connsiteY2" fmla="*/ 2869006 h 3326206"/>
+              <a:gd name="connsiteX3" fmla="*/ 350875 w 2147777"/>
+              <a:gd name="connsiteY3" fmla="*/ 2890271 h 3326206"/>
+              <a:gd name="connsiteX4" fmla="*/ 318977 w 2147777"/>
+              <a:gd name="connsiteY4" fmla="*/ 2900904 h 3326206"/>
+              <a:gd name="connsiteX5" fmla="*/ 223284 w 2147777"/>
+              <a:gd name="connsiteY5" fmla="*/ 2954066 h 3326206"/>
+              <a:gd name="connsiteX6" fmla="*/ 202019 w 2147777"/>
+              <a:gd name="connsiteY6" fmla="*/ 2985964 h 3326206"/>
+              <a:gd name="connsiteX7" fmla="*/ 159489 w 2147777"/>
+              <a:gd name="connsiteY7" fmla="*/ 3017862 h 3326206"/>
+              <a:gd name="connsiteX8" fmla="*/ 148856 w 2147777"/>
+              <a:gd name="connsiteY8" fmla="*/ 3060392 h 3326206"/>
+              <a:gd name="connsiteX9" fmla="*/ 127591 w 2147777"/>
+              <a:gd name="connsiteY9" fmla="*/ 3092290 h 3326206"/>
+              <a:gd name="connsiteX10" fmla="*/ 138224 w 2147777"/>
+              <a:gd name="connsiteY10" fmla="*/ 3262411 h 3326206"/>
+              <a:gd name="connsiteX11" fmla="*/ 223284 w 2147777"/>
+              <a:gd name="connsiteY11" fmla="*/ 3304941 h 3326206"/>
+              <a:gd name="connsiteX12" fmla="*/ 276447 w 2147777"/>
+              <a:gd name="connsiteY12" fmla="*/ 3326206 h 3326206"/>
+              <a:gd name="connsiteX13" fmla="*/ 2083982 w 2147777"/>
+              <a:gd name="connsiteY13" fmla="*/ 3315573 h 3326206"/>
+              <a:gd name="connsiteX14" fmla="*/ 2126512 w 2147777"/>
+              <a:gd name="connsiteY14" fmla="*/ 3273043 h 3326206"/>
+              <a:gd name="connsiteX15" fmla="*/ 2137145 w 2147777"/>
+              <a:gd name="connsiteY15" fmla="*/ 3219880 h 3326206"/>
+              <a:gd name="connsiteX16" fmla="*/ 2147777 w 2147777"/>
+              <a:gd name="connsiteY16" fmla="*/ 3177350 h 3326206"/>
+              <a:gd name="connsiteX17" fmla="*/ 2137145 w 2147777"/>
+              <a:gd name="connsiteY17" fmla="*/ 3007229 h 3326206"/>
+              <a:gd name="connsiteX18" fmla="*/ 2115879 w 2147777"/>
+              <a:gd name="connsiteY18" fmla="*/ 2964699 h 3326206"/>
+              <a:gd name="connsiteX19" fmla="*/ 2105247 w 2147777"/>
+              <a:gd name="connsiteY19" fmla="*/ 2900904 h 3326206"/>
+              <a:gd name="connsiteX20" fmla="*/ 2073349 w 2147777"/>
+              <a:gd name="connsiteY20" fmla="*/ 2879638 h 3326206"/>
+              <a:gd name="connsiteX21" fmla="*/ 2009554 w 2147777"/>
+              <a:gd name="connsiteY21" fmla="*/ 2837108 h 3326206"/>
+              <a:gd name="connsiteX22" fmla="*/ 1924493 w 2147777"/>
+              <a:gd name="connsiteY22" fmla="*/ 2783945 h 3326206"/>
+              <a:gd name="connsiteX23" fmla="*/ 1701210 w 2147777"/>
+              <a:gd name="connsiteY23" fmla="*/ 2762680 h 3326206"/>
+              <a:gd name="connsiteX24" fmla="*/ 1020726 w 2147777"/>
+              <a:gd name="connsiteY24" fmla="*/ 2762680 h 3326206"/>
+              <a:gd name="connsiteX25" fmla="*/ 925033 w 2147777"/>
+              <a:gd name="connsiteY25" fmla="*/ 2773313 h 3326206"/>
+              <a:gd name="connsiteX26" fmla="*/ 893135 w 2147777"/>
+              <a:gd name="connsiteY26" fmla="*/ 2794578 h 3326206"/>
+              <a:gd name="connsiteX27" fmla="*/ 903768 w 2147777"/>
+              <a:gd name="connsiteY27" fmla="*/ 2752048 h 3326206"/>
+              <a:gd name="connsiteX28" fmla="*/ 946298 w 2147777"/>
+              <a:gd name="connsiteY28" fmla="*/ 2688252 h 3326206"/>
+              <a:gd name="connsiteX29" fmla="*/ 956931 w 2147777"/>
+              <a:gd name="connsiteY29" fmla="*/ 2645722 h 3326206"/>
+              <a:gd name="connsiteX30" fmla="*/ 978196 w 2147777"/>
+              <a:gd name="connsiteY30" fmla="*/ 2581927 h 3326206"/>
+              <a:gd name="connsiteX31" fmla="*/ 988828 w 2147777"/>
+              <a:gd name="connsiteY31" fmla="*/ 1997136 h 3326206"/>
+              <a:gd name="connsiteX32" fmla="*/ 999461 w 2147777"/>
+              <a:gd name="connsiteY32" fmla="*/ 1954606 h 3326206"/>
+              <a:gd name="connsiteX33" fmla="*/ 1010093 w 2147777"/>
+              <a:gd name="connsiteY33" fmla="*/ 1901443 h 3326206"/>
+              <a:gd name="connsiteX34" fmla="*/ 1031359 w 2147777"/>
+              <a:gd name="connsiteY34" fmla="*/ 1646262 h 3326206"/>
+              <a:gd name="connsiteX35" fmla="*/ 1063256 w 2147777"/>
+              <a:gd name="connsiteY35" fmla="*/ 1029573 h 3326206"/>
+              <a:gd name="connsiteX36" fmla="*/ 1073889 w 2147777"/>
+              <a:gd name="connsiteY36" fmla="*/ 944513 h 3326206"/>
+              <a:gd name="connsiteX37" fmla="*/ 1063256 w 2147777"/>
+              <a:gd name="connsiteY37" fmla="*/ 412885 h 3326206"/>
+              <a:gd name="connsiteX38" fmla="*/ 1052624 w 2147777"/>
+              <a:gd name="connsiteY38" fmla="*/ 380987 h 3326206"/>
+              <a:gd name="connsiteX39" fmla="*/ 1010093 w 2147777"/>
+              <a:gd name="connsiteY39" fmla="*/ 274662 h 3326206"/>
+              <a:gd name="connsiteX40" fmla="*/ 988828 w 2147777"/>
+              <a:gd name="connsiteY40" fmla="*/ 232132 h 3326206"/>
+              <a:gd name="connsiteX41" fmla="*/ 956931 w 2147777"/>
+              <a:gd name="connsiteY41" fmla="*/ 221499 h 3326206"/>
+              <a:gd name="connsiteX42" fmla="*/ 893135 w 2147777"/>
+              <a:gd name="connsiteY42" fmla="*/ 168336 h 3326206"/>
+              <a:gd name="connsiteX43" fmla="*/ 808075 w 2147777"/>
+              <a:gd name="connsiteY43" fmla="*/ 104541 h 3326206"/>
+              <a:gd name="connsiteX44" fmla="*/ 776177 w 2147777"/>
+              <a:gd name="connsiteY44" fmla="*/ 83276 h 3326206"/>
+              <a:gd name="connsiteX45" fmla="*/ 733647 w 2147777"/>
+              <a:gd name="connsiteY45" fmla="*/ 72643 h 3326206"/>
+              <a:gd name="connsiteX46" fmla="*/ 627321 w 2147777"/>
+              <a:gd name="connsiteY46" fmla="*/ 51378 h 3326206"/>
+              <a:gd name="connsiteX47" fmla="*/ 0 w 2147777"/>
+              <a:gd name="connsiteY47" fmla="*/ 72643 h 3326206"/>
+            </a:gdLst>
+            <a:ahLst/>
+            <a:cxnLst>
+              <a:cxn ang="0">
+                <a:pos x="connsiteX0" y="connsiteY0"/>
+              </a:cxn>
+              <a:cxn ang="0">
+                <a:pos x="connsiteX1" y="connsiteY1"/>
+              </a:cxn>
+              <a:cxn ang="0">
+                <a:pos x="connsiteX2" y="connsiteY2"/>
+              </a:cxn>
+              <a:cxn ang="0">
+                <a:pos x="connsiteX3" y="connsiteY3"/>
+              </a:cxn>
+              <a:cxn ang="0">
+                <a:pos x="connsiteX4" y="connsiteY4"/>
+              </a:cxn>
+              <a:cxn ang="0">
+                <a:pos x="connsiteX5" y="connsiteY5"/>
+              </a:cxn>
+              <a:cxn ang="0">
+                <a:pos x="connsiteX6" y="connsiteY6"/>
+              </a:cxn>
+              <a:cxn ang="0">
+                <a:pos x="connsiteX7" y="connsiteY7"/>
+              </a:cxn>
+              <a:cxn ang="0">
+                <a:pos x="connsiteX8" y="connsiteY8"/>
+              </a:cxn>
+              <a:cxn ang="0">
+                <a:pos x="connsiteX9" y="connsiteY9"/>
+              </a:cxn>
+              <a:cxn ang="0">
+                <a:pos x="connsiteX10" y="connsiteY10"/>
+              </a:cxn>
+              <a:cxn ang="0">
+                <a:pos x="connsiteX11" y="connsiteY11"/>
+              </a:cxn>
+              <a:cxn ang="0">
+                <a:pos x="connsiteX12" y="connsiteY12"/>
+              </a:cxn>
+              <a:cxn ang="0">
+                <a:pos x="connsiteX13" y="connsiteY13"/>
+              </a:cxn>
+              <a:cxn ang="0">
+                <a:pos x="connsiteX14" y="connsiteY14"/>
+              </a:cxn>
+              <a:cxn ang="0">
+                <a:pos x="connsiteX15" y="connsiteY15"/>
+              </a:cxn>
+              <a:cxn ang="0">
+                <a:pos x="connsiteX16" y="connsiteY16"/>
+              </a:cxn>
+              <a:cxn ang="0">
+                <a:pos x="connsiteX17" y="connsiteY17"/>
+              </a:cxn>
+              <a:cxn ang="0">
+                <a:pos x="connsiteX18" y="connsiteY18"/>
+              </a:cxn>
+              <a:cxn ang="0">
+                <a:pos x="connsiteX19" y="connsiteY19"/>
+              </a:cxn>
+              <a:cxn ang="0">
+                <a:pos x="connsiteX20" y="connsiteY20"/>
+              </a:cxn>
+              <a:cxn ang="0">
+                <a:pos x="connsiteX21" y="connsiteY21"/>
+              </a:cxn>
+              <a:cxn ang="0">
+                <a:pos x="connsiteX22" y="connsiteY22"/>
+              </a:cxn>
+              <a:cxn ang="0">
+                <a:pos x="connsiteX23" y="connsiteY23"/>
+              </a:cxn>
+              <a:cxn ang="0">
+                <a:pos x="connsiteX24" y="connsiteY24"/>
+              </a:cxn>
+              <a:cxn ang="0">
+                <a:pos x="connsiteX25" y="connsiteY25"/>
+              </a:cxn>
+              <a:cxn ang="0">
+                <a:pos x="connsiteX26" y="connsiteY26"/>
+              </a:cxn>
+              <a:cxn ang="0">
+                <a:pos x="connsiteX27" y="connsiteY27"/>
+              </a:cxn>
+              <a:cxn ang="0">
+                <a:pos x="connsiteX28" y="connsiteY28"/>
+              </a:cxn>
+              <a:cxn ang="0">
+                <a:pos x="connsiteX29" y="connsiteY29"/>
+              </a:cxn>
+              <a:cxn ang="0">
+                <a:pos x="connsiteX30" y="connsiteY30"/>
+              </a:cxn>
+              <a:cxn ang="0">
+                <a:pos x="connsiteX31" y="connsiteY31"/>
+              </a:cxn>
+              <a:cxn ang="0">
+                <a:pos x="connsiteX32" y="connsiteY32"/>
+              </a:cxn>
+              <a:cxn ang="0">
+                <a:pos x="connsiteX33" y="connsiteY33"/>
+              </a:cxn>
+              <a:cxn ang="0">
+                <a:pos x="connsiteX34" y="connsiteY34"/>
+              </a:cxn>
+              <a:cxn ang="0">
+                <a:pos x="connsiteX35" y="connsiteY35"/>
+              </a:cxn>
+              <a:cxn ang="0">
+                <a:pos x="connsiteX36" y="connsiteY36"/>
+              </a:cxn>
+              <a:cxn ang="0">
+                <a:pos x="connsiteX37" y="connsiteY37"/>
+              </a:cxn>
+              <a:cxn ang="0">
+                <a:pos x="connsiteX38" y="connsiteY38"/>
+              </a:cxn>
+              <a:cxn ang="0">
+                <a:pos x="connsiteX39" y="connsiteY39"/>
+              </a:cxn>
+              <a:cxn ang="0">
+                <a:pos x="connsiteX40" y="connsiteY40"/>
+              </a:cxn>
+              <a:cxn ang="0">
+                <a:pos x="connsiteX41" y="connsiteY41"/>
+              </a:cxn>
+              <a:cxn ang="0">
+                <a:pos x="connsiteX42" y="connsiteY42"/>
+              </a:cxn>
+              <a:cxn ang="0">
+                <a:pos x="connsiteX43" y="connsiteY43"/>
+              </a:cxn>
+              <a:cxn ang="0">
+                <a:pos x="connsiteX44" y="connsiteY44"/>
+              </a:cxn>
+              <a:cxn ang="0">
+                <a:pos x="connsiteX45" y="connsiteY45"/>
+              </a:cxn>
+              <a:cxn ang="0">
+                <a:pos x="connsiteX46" y="connsiteY46"/>
+              </a:cxn>
+              <a:cxn ang="0">
+                <a:pos x="connsiteX47" y="connsiteY47"/>
+              </a:cxn>
+            </a:cxnLst>
+            <a:rect l="l" t="t" r="r" b="b"/>
+            <a:pathLst>
+              <a:path w="2147777" h="3326206">
+                <a:moveTo>
+                  <a:pt x="893135" y="2837108"/>
+                </a:moveTo>
+                <a:cubicBezTo>
+                  <a:pt x="737191" y="2840652"/>
+                  <a:pt x="580970" y="2837805"/>
+                  <a:pt x="425303" y="2847741"/>
+                </a:cubicBezTo>
+                <a:cubicBezTo>
+                  <a:pt x="412550" y="2848555"/>
+                  <a:pt x="404500" y="2862666"/>
+                  <a:pt x="393405" y="2869006"/>
+                </a:cubicBezTo>
+                <a:cubicBezTo>
+                  <a:pt x="379643" y="2876870"/>
+                  <a:pt x="365443" y="2884027"/>
+                  <a:pt x="350875" y="2890271"/>
+                </a:cubicBezTo>
+                <a:cubicBezTo>
+                  <a:pt x="340573" y="2894686"/>
+                  <a:pt x="328774" y="2895461"/>
+                  <a:pt x="318977" y="2900904"/>
+                </a:cubicBezTo>
+                <a:cubicBezTo>
+                  <a:pt x="209301" y="2961835"/>
+                  <a:pt x="295459" y="2930009"/>
+                  <a:pt x="223284" y="2954066"/>
+                </a:cubicBezTo>
+                <a:cubicBezTo>
+                  <a:pt x="216196" y="2964699"/>
+                  <a:pt x="211055" y="2976928"/>
+                  <a:pt x="202019" y="2985964"/>
+                </a:cubicBezTo>
+                <a:cubicBezTo>
+                  <a:pt x="189489" y="2998495"/>
+                  <a:pt x="169789" y="3003442"/>
+                  <a:pt x="159489" y="3017862"/>
+                </a:cubicBezTo>
+                <a:cubicBezTo>
+                  <a:pt x="150995" y="3029753"/>
+                  <a:pt x="154612" y="3046961"/>
+                  <a:pt x="148856" y="3060392"/>
+                </a:cubicBezTo>
+                <a:cubicBezTo>
+                  <a:pt x="143822" y="3072138"/>
+                  <a:pt x="134679" y="3081657"/>
+                  <a:pt x="127591" y="3092290"/>
+                </a:cubicBezTo>
+                <a:cubicBezTo>
+                  <a:pt x="131135" y="3148997"/>
+                  <a:pt x="126519" y="3206812"/>
+                  <a:pt x="138224" y="3262411"/>
+                </a:cubicBezTo>
+                <a:cubicBezTo>
+                  <a:pt x="146521" y="3301823"/>
+                  <a:pt x="199099" y="3297686"/>
+                  <a:pt x="223284" y="3304941"/>
+                </a:cubicBezTo>
+                <a:cubicBezTo>
+                  <a:pt x="241565" y="3310425"/>
+                  <a:pt x="258726" y="3319118"/>
+                  <a:pt x="276447" y="3326206"/>
+                </a:cubicBezTo>
+                <a:lnTo>
+                  <a:pt x="2083982" y="3315573"/>
+                </a:lnTo>
+                <a:cubicBezTo>
+                  <a:pt x="2104023" y="3314997"/>
+                  <a:pt x="2116775" y="3290569"/>
+                  <a:pt x="2126512" y="3273043"/>
+                </a:cubicBezTo>
+                <a:cubicBezTo>
+                  <a:pt x="2135289" y="3257245"/>
+                  <a:pt x="2133225" y="3237522"/>
+                  <a:pt x="2137145" y="3219880"/>
+                </a:cubicBezTo>
+                <a:cubicBezTo>
+                  <a:pt x="2140315" y="3205615"/>
+                  <a:pt x="2144233" y="3191527"/>
+                  <a:pt x="2147777" y="3177350"/>
+                </a:cubicBezTo>
+                <a:cubicBezTo>
+                  <a:pt x="2144233" y="3120643"/>
+                  <a:pt x="2145573" y="3063418"/>
+                  <a:pt x="2137145" y="3007229"/>
+                </a:cubicBezTo>
+                <a:cubicBezTo>
+                  <a:pt x="2134794" y="2991554"/>
+                  <a:pt x="2120434" y="2979881"/>
+                  <a:pt x="2115879" y="2964699"/>
+                </a:cubicBezTo>
+                <a:cubicBezTo>
+                  <a:pt x="2109684" y="2944050"/>
+                  <a:pt x="2114888" y="2920186"/>
+                  <a:pt x="2105247" y="2900904"/>
+                </a:cubicBezTo>
+                <a:cubicBezTo>
+                  <a:pt x="2099532" y="2889474"/>
+                  <a:pt x="2083166" y="2887819"/>
+                  <a:pt x="2073349" y="2879638"/>
+                </a:cubicBezTo>
+                <a:cubicBezTo>
+                  <a:pt x="1964843" y="2789215"/>
+                  <a:pt x="2106913" y="2890213"/>
+                  <a:pt x="2009554" y="2837108"/>
+                </a:cubicBezTo>
+                <a:cubicBezTo>
+                  <a:pt x="1980201" y="2821097"/>
+                  <a:pt x="1957280" y="2790502"/>
+                  <a:pt x="1924493" y="2783945"/>
+                </a:cubicBezTo>
+                <a:cubicBezTo>
+                  <a:pt x="1815617" y="2762171"/>
+                  <a:pt x="1889367" y="2774440"/>
+                  <a:pt x="1701210" y="2762680"/>
+                </a:cubicBezTo>
+                <a:cubicBezTo>
+                  <a:pt x="1465333" y="2684059"/>
+                  <a:pt x="1658314" y="2744463"/>
+                  <a:pt x="1020726" y="2762680"/>
+                </a:cubicBezTo>
+                <a:cubicBezTo>
+                  <a:pt x="988645" y="2763597"/>
+                  <a:pt x="956931" y="2769769"/>
+                  <a:pt x="925033" y="2773313"/>
+                </a:cubicBezTo>
+                <a:cubicBezTo>
+                  <a:pt x="914400" y="2780401"/>
+                  <a:pt x="902171" y="2803614"/>
+                  <a:pt x="893135" y="2794578"/>
+                </a:cubicBezTo>
+                <a:cubicBezTo>
+                  <a:pt x="882802" y="2784245"/>
+                  <a:pt x="897233" y="2765118"/>
+                  <a:pt x="903768" y="2752048"/>
+                </a:cubicBezTo>
+                <a:cubicBezTo>
+                  <a:pt x="915198" y="2729189"/>
+                  <a:pt x="946298" y="2688252"/>
+                  <a:pt x="946298" y="2688252"/>
+                </a:cubicBezTo>
+                <a:cubicBezTo>
+                  <a:pt x="949842" y="2674075"/>
+                  <a:pt x="952732" y="2659719"/>
+                  <a:pt x="956931" y="2645722"/>
+                </a:cubicBezTo>
+                <a:cubicBezTo>
+                  <a:pt x="963372" y="2624252"/>
+                  <a:pt x="978196" y="2581927"/>
+                  <a:pt x="978196" y="2581927"/>
+                </a:cubicBezTo>
+                <a:cubicBezTo>
+                  <a:pt x="981740" y="2386997"/>
+                  <a:pt x="982223" y="2191987"/>
+                  <a:pt x="988828" y="1997136"/>
+                </a:cubicBezTo>
+                <a:cubicBezTo>
+                  <a:pt x="989323" y="1982531"/>
+                  <a:pt x="996291" y="1968871"/>
+                  <a:pt x="999461" y="1954606"/>
+                </a:cubicBezTo>
+                <a:cubicBezTo>
+                  <a:pt x="1003381" y="1936964"/>
+                  <a:pt x="1006549" y="1919164"/>
+                  <a:pt x="1010093" y="1901443"/>
+                </a:cubicBezTo>
+                <a:cubicBezTo>
+                  <a:pt x="1017182" y="1816383"/>
+                  <a:pt x="1027947" y="1731549"/>
+                  <a:pt x="1031359" y="1646262"/>
+                </a:cubicBezTo>
+                <a:cubicBezTo>
+                  <a:pt x="1055967" y="1031056"/>
+                  <a:pt x="990402" y="1284562"/>
+                  <a:pt x="1063256" y="1029573"/>
+                </a:cubicBezTo>
+                <a:cubicBezTo>
+                  <a:pt x="1066800" y="1001220"/>
+                  <a:pt x="1073889" y="973087"/>
+                  <a:pt x="1073889" y="944513"/>
+                </a:cubicBezTo>
+                <a:cubicBezTo>
+                  <a:pt x="1073889" y="767268"/>
+                  <a:pt x="1069940" y="590004"/>
+                  <a:pt x="1063256" y="412885"/>
+                </a:cubicBezTo>
+                <a:cubicBezTo>
+                  <a:pt x="1062833" y="401685"/>
+                  <a:pt x="1055844" y="391722"/>
+                  <a:pt x="1052624" y="380987"/>
+                </a:cubicBezTo>
+                <a:cubicBezTo>
+                  <a:pt x="1013898" y="251896"/>
+                  <a:pt x="1052581" y="349014"/>
+                  <a:pt x="1010093" y="274662"/>
+                </a:cubicBezTo>
+                <a:cubicBezTo>
+                  <a:pt x="1002229" y="260900"/>
+                  <a:pt x="1000036" y="243340"/>
+                  <a:pt x="988828" y="232132"/>
+                </a:cubicBezTo>
+                <a:cubicBezTo>
+                  <a:pt x="980903" y="224207"/>
+                  <a:pt x="967563" y="225043"/>
+                  <a:pt x="956931" y="221499"/>
+                </a:cubicBezTo>
+                <a:cubicBezTo>
+                  <a:pt x="904383" y="168951"/>
+                  <a:pt x="947414" y="207812"/>
+                  <a:pt x="893135" y="168336"/>
+                </a:cubicBezTo>
+                <a:cubicBezTo>
+                  <a:pt x="864472" y="147490"/>
+                  <a:pt x="837564" y="124200"/>
+                  <a:pt x="808075" y="104541"/>
+                </a:cubicBezTo>
+                <a:cubicBezTo>
+                  <a:pt x="797442" y="97453"/>
+                  <a:pt x="787923" y="88310"/>
+                  <a:pt x="776177" y="83276"/>
+                </a:cubicBezTo>
+                <a:cubicBezTo>
+                  <a:pt x="762746" y="77520"/>
+                  <a:pt x="747976" y="75509"/>
+                  <a:pt x="733647" y="72643"/>
+                </a:cubicBezTo>
+                <a:cubicBezTo>
+                  <a:pt x="603292" y="46572"/>
+                  <a:pt x="726114" y="76077"/>
+                  <a:pt x="627321" y="51378"/>
+                </a:cubicBezTo>
+                <a:cubicBezTo>
+                  <a:pt x="5622" y="62097"/>
+                  <a:pt x="156016" y="-83359"/>
+                  <a:pt x="0" y="72643"/>
+                </a:cubicBezTo>
+              </a:path>
+            </a:pathLst>
+          </a:custGeom>
+          <a:noFill/>
+          <a:ln>
+            <a:solidFill>
+              <a:srgbClr val="0070C0"/>
+            </a:solidFill>
+            <a:headEnd type="none" w="med" len="med"/>
+            <a:tailEnd type="triangle" w="med" len="med"/>
+          </a:ln>
+        </p:spPr>
+        <p:style>
+          <a:lnRef idx="2">
+            <a:schemeClr val="accent1">
+              <a:shade val="50000"/>
+            </a:schemeClr>
+          </a:lnRef>
+          <a:fillRef idx="1">
+            <a:schemeClr val="accent1"/>
+          </a:fillRef>
+          <a:effectRef idx="0">
+            <a:schemeClr val="accent1"/>
+          </a:effectRef>
+          <a:fontRef idx="minor">
+            <a:schemeClr val="lt1"/>
+          </a:fontRef>
+        </p:style>
+        <p:txBody>
+          <a:bodyPr rtlCol="0" anchor="ctr"/>
+          <a:lstStyle/>
+          <a:p>
+            <a:pPr algn="ctr"/>
+            <a:endParaRPr lang="ru-RU"/>
+          </a:p>
+        </p:txBody>
+      </p:sp>
+    </p:spTree>
+    <p:extLst>
+      <p:ext uri="{BB962C8B-B14F-4D97-AF65-F5344CB8AC3E}">
+        <p14:creationId xmlns:p14="http://schemas.microsoft.com/office/powerpoint/2010/main" val="1271207054"/>
+      </p:ext>
+    </p:extLst>
+  </p:cSld>
+  <p:clrMapOvr>
+    <a:masterClrMapping/>
+  </p:clrMapOvr>
+</p:sld>
+</file>
+
 <file path=ppt/slides/slide8.xml><?xml version="1.0" encoding="utf-8"?>
 <p:sld xmlns:a="http://schemas.openxmlformats.org/drawingml/2006/main" xmlns:r="http://schemas.openxmlformats.org/officeDocument/2006/relationships" xmlns:p="http://schemas.openxmlformats.org/presentationml/2006/main">
   <p:cSld>

--- a/Presentation/Основы алгоритмизации и программирования.pptx
+++ b/Presentation/Основы алгоритмизации и программирования.pptx
@@ -31508,2254 +31508,2317 @@
           </a:p>
         </p:txBody>
       </p:sp>
-      <p:sp>
-        <p:nvSpPr>
-          <p:cNvPr id="10" name="TextBox 9">
+      <p:grpSp>
+        <p:nvGrpSpPr>
+          <p:cNvPr id="20" name="Группа 19">
             <a:extLst>
               <a:ext uri="{FF2B5EF4-FFF2-40B4-BE49-F238E27FC236}">
-                <a16:creationId xmlns:a16="http://schemas.microsoft.com/office/drawing/2014/main" id="{70ACB025-72B6-4A8F-AD1C-C71A35C9EFB8}"/>
+                <a16:creationId xmlns:a16="http://schemas.microsoft.com/office/drawing/2014/main" id="{5B3B5F4D-B99C-4852-8103-740C6072D8FC}"/>
               </a:ext>
             </a:extLst>
           </p:cNvPr>
-          <p:cNvSpPr txBox="1"/>
+          <p:cNvGrpSpPr/>
           <p:nvPr/>
-        </p:nvSpPr>
-        <p:spPr>
-          <a:xfrm rot="17631033">
-            <a:off x="207107" y="1644498"/>
-            <a:ext cx="643125" cy="369332"/>
+        </p:nvGrpSpPr>
+        <p:grpSpPr>
+          <a:xfrm>
+            <a:off x="344004" y="1244009"/>
+            <a:ext cx="2112117" cy="4051005"/>
+            <a:chOff x="344004" y="1244009"/>
+            <a:chExt cx="2112117" cy="4051005"/>
           </a:xfrm>
-          <a:prstGeom prst="rect">
-            <a:avLst/>
-          </a:prstGeom>
-          <a:noFill/>
-        </p:spPr>
-        <p:txBody>
-          <a:bodyPr wrap="none" rtlCol="0">
-            <a:spAutoFit/>
-          </a:bodyPr>
-          <a:lstStyle/>
-          <a:p>
-            <a:r>
-              <a:rPr lang="en-US" dirty="0"/>
-              <a:t>X = 2</a:t>
-            </a:r>
-            <a:endParaRPr lang="ru-RU" dirty="0"/>
-          </a:p>
-        </p:txBody>
-      </p:sp>
-      <p:sp>
-        <p:nvSpPr>
-          <p:cNvPr id="13" name="TextBox 12">
+        </p:grpSpPr>
+        <p:sp>
+          <p:nvSpPr>
+            <p:cNvPr id="10" name="TextBox 9">
+              <a:extLst>
+                <a:ext uri="{FF2B5EF4-FFF2-40B4-BE49-F238E27FC236}">
+                  <a16:creationId xmlns:a16="http://schemas.microsoft.com/office/drawing/2014/main" id="{70ACB025-72B6-4A8F-AD1C-C71A35C9EFB8}"/>
+                </a:ext>
+              </a:extLst>
+            </p:cNvPr>
+            <p:cNvSpPr txBox="1"/>
+            <p:nvPr/>
+          </p:nvSpPr>
+          <p:spPr>
+            <a:xfrm rot="17631033">
+              <a:off x="207107" y="1644498"/>
+              <a:ext cx="643125" cy="369332"/>
+            </a:xfrm>
+            <a:prstGeom prst="rect">
+              <a:avLst/>
+            </a:prstGeom>
+            <a:noFill/>
+          </p:spPr>
+          <p:txBody>
+            <a:bodyPr wrap="none" rtlCol="0">
+              <a:spAutoFit/>
+            </a:bodyPr>
+            <a:lstStyle/>
+            <a:p>
+              <a:r>
+                <a:rPr lang="en-US" dirty="0"/>
+                <a:t>X = 2</a:t>
+              </a:r>
+              <a:endParaRPr lang="ru-RU" dirty="0"/>
+            </a:p>
+          </p:txBody>
+        </p:sp>
+        <p:sp>
+          <p:nvSpPr>
+            <p:cNvPr id="17" name="Полилиния: фигура 16">
+              <a:extLst>
+                <a:ext uri="{FF2B5EF4-FFF2-40B4-BE49-F238E27FC236}">
+                  <a16:creationId xmlns:a16="http://schemas.microsoft.com/office/drawing/2014/main" id="{CCDDA5FA-6D72-47EF-8842-73DC29338912}"/>
+                </a:ext>
+              </a:extLst>
+            </p:cNvPr>
+            <p:cNvSpPr/>
+            <p:nvPr/>
+          </p:nvSpPr>
+          <p:spPr>
+            <a:xfrm>
+              <a:off x="680484" y="1244009"/>
+              <a:ext cx="1775637" cy="4051005"/>
+            </a:xfrm>
+            <a:custGeom>
+              <a:avLst/>
+              <a:gdLst>
+                <a:gd name="connsiteX0" fmla="*/ 1041990 w 1775637"/>
+                <a:gd name="connsiteY0" fmla="*/ 4051005 h 4051005"/>
+                <a:gd name="connsiteX1" fmla="*/ 978195 w 1775637"/>
+                <a:gd name="connsiteY1" fmla="*/ 3944679 h 4051005"/>
+                <a:gd name="connsiteX2" fmla="*/ 935665 w 1775637"/>
+                <a:gd name="connsiteY2" fmla="*/ 3891517 h 4051005"/>
+                <a:gd name="connsiteX3" fmla="*/ 903767 w 1775637"/>
+                <a:gd name="connsiteY3" fmla="*/ 3838354 h 4051005"/>
+                <a:gd name="connsiteX4" fmla="*/ 871869 w 1775637"/>
+                <a:gd name="connsiteY4" fmla="*/ 3806456 h 4051005"/>
+                <a:gd name="connsiteX5" fmla="*/ 850604 w 1775637"/>
+                <a:gd name="connsiteY5" fmla="*/ 3763926 h 4051005"/>
+                <a:gd name="connsiteX6" fmla="*/ 839972 w 1775637"/>
+                <a:gd name="connsiteY6" fmla="*/ 3732028 h 4051005"/>
+                <a:gd name="connsiteX7" fmla="*/ 808074 w 1775637"/>
+                <a:gd name="connsiteY7" fmla="*/ 3700131 h 4051005"/>
+                <a:gd name="connsiteX8" fmla="*/ 786809 w 1775637"/>
+                <a:gd name="connsiteY8" fmla="*/ 3668233 h 4051005"/>
+                <a:gd name="connsiteX9" fmla="*/ 744279 w 1775637"/>
+                <a:gd name="connsiteY9" fmla="*/ 3615070 h 4051005"/>
+                <a:gd name="connsiteX10" fmla="*/ 701749 w 1775637"/>
+                <a:gd name="connsiteY10" fmla="*/ 3551275 h 4051005"/>
+                <a:gd name="connsiteX11" fmla="*/ 627321 w 1775637"/>
+                <a:gd name="connsiteY11" fmla="*/ 3455582 h 4051005"/>
+                <a:gd name="connsiteX12" fmla="*/ 563525 w 1775637"/>
+                <a:gd name="connsiteY12" fmla="*/ 3391786 h 4051005"/>
+                <a:gd name="connsiteX13" fmla="*/ 542260 w 1775637"/>
+                <a:gd name="connsiteY13" fmla="*/ 3359889 h 4051005"/>
+                <a:gd name="connsiteX14" fmla="*/ 489097 w 1775637"/>
+                <a:gd name="connsiteY14" fmla="*/ 3306726 h 4051005"/>
+                <a:gd name="connsiteX15" fmla="*/ 446567 w 1775637"/>
+                <a:gd name="connsiteY15" fmla="*/ 3242931 h 4051005"/>
+                <a:gd name="connsiteX16" fmla="*/ 393404 w 1775637"/>
+                <a:gd name="connsiteY16" fmla="*/ 3179135 h 4051005"/>
+                <a:gd name="connsiteX17" fmla="*/ 361507 w 1775637"/>
+                <a:gd name="connsiteY17" fmla="*/ 3094075 h 4051005"/>
+                <a:gd name="connsiteX18" fmla="*/ 329609 w 1775637"/>
+                <a:gd name="connsiteY18" fmla="*/ 3062177 h 4051005"/>
+                <a:gd name="connsiteX19" fmla="*/ 297711 w 1775637"/>
+                <a:gd name="connsiteY19" fmla="*/ 2987749 h 4051005"/>
+                <a:gd name="connsiteX20" fmla="*/ 287079 w 1775637"/>
+                <a:gd name="connsiteY20" fmla="*/ 2945219 h 4051005"/>
+                <a:gd name="connsiteX21" fmla="*/ 276446 w 1775637"/>
+                <a:gd name="connsiteY21" fmla="*/ 2913321 h 4051005"/>
+                <a:gd name="connsiteX22" fmla="*/ 265814 w 1775637"/>
+                <a:gd name="connsiteY22" fmla="*/ 2838893 h 4051005"/>
+                <a:gd name="connsiteX23" fmla="*/ 244549 w 1775637"/>
+                <a:gd name="connsiteY23" fmla="*/ 2806996 h 4051005"/>
+                <a:gd name="connsiteX24" fmla="*/ 223283 w 1775637"/>
+                <a:gd name="connsiteY24" fmla="*/ 2764465 h 4051005"/>
+                <a:gd name="connsiteX25" fmla="*/ 191386 w 1775637"/>
+                <a:gd name="connsiteY25" fmla="*/ 2679405 h 4051005"/>
+                <a:gd name="connsiteX26" fmla="*/ 180753 w 1775637"/>
+                <a:gd name="connsiteY26" fmla="*/ 2626242 h 4051005"/>
+                <a:gd name="connsiteX27" fmla="*/ 159488 w 1775637"/>
+                <a:gd name="connsiteY27" fmla="*/ 2541182 h 4051005"/>
+                <a:gd name="connsiteX28" fmla="*/ 127590 w 1775637"/>
+                <a:gd name="connsiteY28" fmla="*/ 2434856 h 4051005"/>
+                <a:gd name="connsiteX29" fmla="*/ 116958 w 1775637"/>
+                <a:gd name="connsiteY29" fmla="*/ 2307265 h 4051005"/>
+                <a:gd name="connsiteX30" fmla="*/ 95693 w 1775637"/>
+                <a:gd name="connsiteY30" fmla="*/ 2222205 h 4051005"/>
+                <a:gd name="connsiteX31" fmla="*/ 74428 w 1775637"/>
+                <a:gd name="connsiteY31" fmla="*/ 1977656 h 4051005"/>
+                <a:gd name="connsiteX32" fmla="*/ 63795 w 1775637"/>
+                <a:gd name="connsiteY32" fmla="*/ 1945758 h 4051005"/>
+                <a:gd name="connsiteX33" fmla="*/ 21265 w 1775637"/>
+                <a:gd name="connsiteY33" fmla="*/ 1446028 h 4051005"/>
+                <a:gd name="connsiteX34" fmla="*/ 0 w 1775637"/>
+                <a:gd name="connsiteY34" fmla="*/ 1137684 h 4051005"/>
+                <a:gd name="connsiteX35" fmla="*/ 21265 w 1775637"/>
+                <a:gd name="connsiteY35" fmla="*/ 606056 h 4051005"/>
+                <a:gd name="connsiteX36" fmla="*/ 42530 w 1775637"/>
+                <a:gd name="connsiteY36" fmla="*/ 574158 h 4051005"/>
+                <a:gd name="connsiteX37" fmla="*/ 53163 w 1775637"/>
+                <a:gd name="connsiteY37" fmla="*/ 520996 h 4051005"/>
+                <a:gd name="connsiteX38" fmla="*/ 95693 w 1775637"/>
+                <a:gd name="connsiteY38" fmla="*/ 478465 h 4051005"/>
+                <a:gd name="connsiteX39" fmla="*/ 191386 w 1775637"/>
+                <a:gd name="connsiteY39" fmla="*/ 372140 h 4051005"/>
+                <a:gd name="connsiteX40" fmla="*/ 223283 w 1775637"/>
+                <a:gd name="connsiteY40" fmla="*/ 340242 h 4051005"/>
+                <a:gd name="connsiteX41" fmla="*/ 308344 w 1775637"/>
+                <a:gd name="connsiteY41" fmla="*/ 233917 h 4051005"/>
+                <a:gd name="connsiteX42" fmla="*/ 340242 w 1775637"/>
+                <a:gd name="connsiteY42" fmla="*/ 223284 h 4051005"/>
+                <a:gd name="connsiteX43" fmla="*/ 404037 w 1775637"/>
+                <a:gd name="connsiteY43" fmla="*/ 170121 h 4051005"/>
+                <a:gd name="connsiteX44" fmla="*/ 467832 w 1775637"/>
+                <a:gd name="connsiteY44" fmla="*/ 127591 h 4051005"/>
+                <a:gd name="connsiteX45" fmla="*/ 489097 w 1775637"/>
+                <a:gd name="connsiteY45" fmla="*/ 85061 h 4051005"/>
+                <a:gd name="connsiteX46" fmla="*/ 584790 w 1775637"/>
+                <a:gd name="connsiteY46" fmla="*/ 53163 h 4051005"/>
+                <a:gd name="connsiteX47" fmla="*/ 627321 w 1775637"/>
+                <a:gd name="connsiteY47" fmla="*/ 31898 h 4051005"/>
+                <a:gd name="connsiteX48" fmla="*/ 659218 w 1775637"/>
+                <a:gd name="connsiteY48" fmla="*/ 10633 h 4051005"/>
+                <a:gd name="connsiteX49" fmla="*/ 701749 w 1775637"/>
+                <a:gd name="connsiteY49" fmla="*/ 0 h 4051005"/>
+                <a:gd name="connsiteX50" fmla="*/ 1201479 w 1775637"/>
+                <a:gd name="connsiteY50" fmla="*/ 10633 h 4051005"/>
+                <a:gd name="connsiteX51" fmla="*/ 1392865 w 1775637"/>
+                <a:gd name="connsiteY51" fmla="*/ 42531 h 4051005"/>
+                <a:gd name="connsiteX52" fmla="*/ 1467293 w 1775637"/>
+                <a:gd name="connsiteY52" fmla="*/ 53163 h 4051005"/>
+                <a:gd name="connsiteX53" fmla="*/ 1509823 w 1775637"/>
+                <a:gd name="connsiteY53" fmla="*/ 74428 h 4051005"/>
+                <a:gd name="connsiteX54" fmla="*/ 1562986 w 1775637"/>
+                <a:gd name="connsiteY54" fmla="*/ 85061 h 4051005"/>
+                <a:gd name="connsiteX55" fmla="*/ 1594883 w 1775637"/>
+                <a:gd name="connsiteY55" fmla="*/ 116958 h 4051005"/>
+                <a:gd name="connsiteX56" fmla="*/ 1626781 w 1775637"/>
+                <a:gd name="connsiteY56" fmla="*/ 138224 h 4051005"/>
+                <a:gd name="connsiteX57" fmla="*/ 1690576 w 1775637"/>
+                <a:gd name="connsiteY57" fmla="*/ 202019 h 4051005"/>
+                <a:gd name="connsiteX58" fmla="*/ 1711842 w 1775637"/>
+                <a:gd name="connsiteY58" fmla="*/ 223284 h 4051005"/>
+                <a:gd name="connsiteX59" fmla="*/ 1765004 w 1775637"/>
+                <a:gd name="connsiteY59" fmla="*/ 287079 h 4051005"/>
+                <a:gd name="connsiteX60" fmla="*/ 1775637 w 1775637"/>
+                <a:gd name="connsiteY60" fmla="*/ 318977 h 4051005"/>
+                <a:gd name="connsiteX61" fmla="*/ 1754372 w 1775637"/>
+                <a:gd name="connsiteY61" fmla="*/ 404038 h 4051005"/>
+              </a:gdLst>
+              <a:ahLst/>
+              <a:cxnLst>
+                <a:cxn ang="0">
+                  <a:pos x="connsiteX0" y="connsiteY0"/>
+                </a:cxn>
+                <a:cxn ang="0">
+                  <a:pos x="connsiteX1" y="connsiteY1"/>
+                </a:cxn>
+                <a:cxn ang="0">
+                  <a:pos x="connsiteX2" y="connsiteY2"/>
+                </a:cxn>
+                <a:cxn ang="0">
+                  <a:pos x="connsiteX3" y="connsiteY3"/>
+                </a:cxn>
+                <a:cxn ang="0">
+                  <a:pos x="connsiteX4" y="connsiteY4"/>
+                </a:cxn>
+                <a:cxn ang="0">
+                  <a:pos x="connsiteX5" y="connsiteY5"/>
+                </a:cxn>
+                <a:cxn ang="0">
+                  <a:pos x="connsiteX6" y="connsiteY6"/>
+                </a:cxn>
+                <a:cxn ang="0">
+                  <a:pos x="connsiteX7" y="connsiteY7"/>
+                </a:cxn>
+                <a:cxn ang="0">
+                  <a:pos x="connsiteX8" y="connsiteY8"/>
+                </a:cxn>
+                <a:cxn ang="0">
+                  <a:pos x="connsiteX9" y="connsiteY9"/>
+                </a:cxn>
+                <a:cxn ang="0">
+                  <a:pos x="connsiteX10" y="connsiteY10"/>
+                </a:cxn>
+                <a:cxn ang="0">
+                  <a:pos x="connsiteX11" y="connsiteY11"/>
+                </a:cxn>
+                <a:cxn ang="0">
+                  <a:pos x="connsiteX12" y="connsiteY12"/>
+                </a:cxn>
+                <a:cxn ang="0">
+                  <a:pos x="connsiteX13" y="connsiteY13"/>
+                </a:cxn>
+                <a:cxn ang="0">
+                  <a:pos x="connsiteX14" y="connsiteY14"/>
+                </a:cxn>
+                <a:cxn ang="0">
+                  <a:pos x="connsiteX15" y="connsiteY15"/>
+                </a:cxn>
+                <a:cxn ang="0">
+                  <a:pos x="connsiteX16" y="connsiteY16"/>
+                </a:cxn>
+                <a:cxn ang="0">
+                  <a:pos x="connsiteX17" y="connsiteY17"/>
+                </a:cxn>
+                <a:cxn ang="0">
+                  <a:pos x="connsiteX18" y="connsiteY18"/>
+                </a:cxn>
+                <a:cxn ang="0">
+                  <a:pos x="connsiteX19" y="connsiteY19"/>
+                </a:cxn>
+                <a:cxn ang="0">
+                  <a:pos x="connsiteX20" y="connsiteY20"/>
+                </a:cxn>
+                <a:cxn ang="0">
+                  <a:pos x="connsiteX21" y="connsiteY21"/>
+                </a:cxn>
+                <a:cxn ang="0">
+                  <a:pos x="connsiteX22" y="connsiteY22"/>
+                </a:cxn>
+                <a:cxn ang="0">
+                  <a:pos x="connsiteX23" y="connsiteY23"/>
+                </a:cxn>
+                <a:cxn ang="0">
+                  <a:pos x="connsiteX24" y="connsiteY24"/>
+                </a:cxn>
+                <a:cxn ang="0">
+                  <a:pos x="connsiteX25" y="connsiteY25"/>
+                </a:cxn>
+                <a:cxn ang="0">
+                  <a:pos x="connsiteX26" y="connsiteY26"/>
+                </a:cxn>
+                <a:cxn ang="0">
+                  <a:pos x="connsiteX27" y="connsiteY27"/>
+                </a:cxn>
+                <a:cxn ang="0">
+                  <a:pos x="connsiteX28" y="connsiteY28"/>
+                </a:cxn>
+                <a:cxn ang="0">
+                  <a:pos x="connsiteX29" y="connsiteY29"/>
+                </a:cxn>
+                <a:cxn ang="0">
+                  <a:pos x="connsiteX30" y="connsiteY30"/>
+                </a:cxn>
+                <a:cxn ang="0">
+                  <a:pos x="connsiteX31" y="connsiteY31"/>
+                </a:cxn>
+                <a:cxn ang="0">
+                  <a:pos x="connsiteX32" y="connsiteY32"/>
+                </a:cxn>
+                <a:cxn ang="0">
+                  <a:pos x="connsiteX33" y="connsiteY33"/>
+                </a:cxn>
+                <a:cxn ang="0">
+                  <a:pos x="connsiteX34" y="connsiteY34"/>
+                </a:cxn>
+                <a:cxn ang="0">
+                  <a:pos x="connsiteX35" y="connsiteY35"/>
+                </a:cxn>
+                <a:cxn ang="0">
+                  <a:pos x="connsiteX36" y="connsiteY36"/>
+                </a:cxn>
+                <a:cxn ang="0">
+                  <a:pos x="connsiteX37" y="connsiteY37"/>
+                </a:cxn>
+                <a:cxn ang="0">
+                  <a:pos x="connsiteX38" y="connsiteY38"/>
+                </a:cxn>
+                <a:cxn ang="0">
+                  <a:pos x="connsiteX39" y="connsiteY39"/>
+                </a:cxn>
+                <a:cxn ang="0">
+                  <a:pos x="connsiteX40" y="connsiteY40"/>
+                </a:cxn>
+                <a:cxn ang="0">
+                  <a:pos x="connsiteX41" y="connsiteY41"/>
+                </a:cxn>
+                <a:cxn ang="0">
+                  <a:pos x="connsiteX42" y="connsiteY42"/>
+                </a:cxn>
+                <a:cxn ang="0">
+                  <a:pos x="connsiteX43" y="connsiteY43"/>
+                </a:cxn>
+                <a:cxn ang="0">
+                  <a:pos x="connsiteX44" y="connsiteY44"/>
+                </a:cxn>
+                <a:cxn ang="0">
+                  <a:pos x="connsiteX45" y="connsiteY45"/>
+                </a:cxn>
+                <a:cxn ang="0">
+                  <a:pos x="connsiteX46" y="connsiteY46"/>
+                </a:cxn>
+                <a:cxn ang="0">
+                  <a:pos x="connsiteX47" y="connsiteY47"/>
+                </a:cxn>
+                <a:cxn ang="0">
+                  <a:pos x="connsiteX48" y="connsiteY48"/>
+                </a:cxn>
+                <a:cxn ang="0">
+                  <a:pos x="connsiteX49" y="connsiteY49"/>
+                </a:cxn>
+                <a:cxn ang="0">
+                  <a:pos x="connsiteX50" y="connsiteY50"/>
+                </a:cxn>
+                <a:cxn ang="0">
+                  <a:pos x="connsiteX51" y="connsiteY51"/>
+                </a:cxn>
+                <a:cxn ang="0">
+                  <a:pos x="connsiteX52" y="connsiteY52"/>
+                </a:cxn>
+                <a:cxn ang="0">
+                  <a:pos x="connsiteX53" y="connsiteY53"/>
+                </a:cxn>
+                <a:cxn ang="0">
+                  <a:pos x="connsiteX54" y="connsiteY54"/>
+                </a:cxn>
+                <a:cxn ang="0">
+                  <a:pos x="connsiteX55" y="connsiteY55"/>
+                </a:cxn>
+                <a:cxn ang="0">
+                  <a:pos x="connsiteX56" y="connsiteY56"/>
+                </a:cxn>
+                <a:cxn ang="0">
+                  <a:pos x="connsiteX57" y="connsiteY57"/>
+                </a:cxn>
+                <a:cxn ang="0">
+                  <a:pos x="connsiteX58" y="connsiteY58"/>
+                </a:cxn>
+                <a:cxn ang="0">
+                  <a:pos x="connsiteX59" y="connsiteY59"/>
+                </a:cxn>
+                <a:cxn ang="0">
+                  <a:pos x="connsiteX60" y="connsiteY60"/>
+                </a:cxn>
+                <a:cxn ang="0">
+                  <a:pos x="connsiteX61" y="connsiteY61"/>
+                </a:cxn>
+              </a:cxnLst>
+              <a:rect l="l" t="t" r="r" b="b"/>
+              <a:pathLst>
+                <a:path w="1775637" h="4051005">
+                  <a:moveTo>
+                    <a:pt x="1041990" y="4051005"/>
+                  </a:moveTo>
+                  <a:cubicBezTo>
+                    <a:pt x="1020725" y="4015563"/>
+                    <a:pt x="1004015" y="3976954"/>
+                    <a:pt x="978195" y="3944679"/>
+                  </a:cubicBezTo>
+                  <a:cubicBezTo>
+                    <a:pt x="964018" y="3926958"/>
+                    <a:pt x="948679" y="3910108"/>
+                    <a:pt x="935665" y="3891517"/>
+                  </a:cubicBezTo>
+                  <a:cubicBezTo>
+                    <a:pt x="923814" y="3874587"/>
+                    <a:pt x="916167" y="3854887"/>
+                    <a:pt x="903767" y="3838354"/>
+                  </a:cubicBezTo>
+                  <a:cubicBezTo>
+                    <a:pt x="894745" y="3826325"/>
+                    <a:pt x="880609" y="3818692"/>
+                    <a:pt x="871869" y="3806456"/>
+                  </a:cubicBezTo>
+                  <a:cubicBezTo>
+                    <a:pt x="862656" y="3793558"/>
+                    <a:pt x="856848" y="3778494"/>
+                    <a:pt x="850604" y="3763926"/>
+                  </a:cubicBezTo>
+                  <a:cubicBezTo>
+                    <a:pt x="846189" y="3753624"/>
+                    <a:pt x="846189" y="3741353"/>
+                    <a:pt x="839972" y="3732028"/>
+                  </a:cubicBezTo>
+                  <a:cubicBezTo>
+                    <a:pt x="831631" y="3719517"/>
+                    <a:pt x="817700" y="3711682"/>
+                    <a:pt x="808074" y="3700131"/>
+                  </a:cubicBezTo>
+                  <a:cubicBezTo>
+                    <a:pt x="799893" y="3690314"/>
+                    <a:pt x="794476" y="3678456"/>
+                    <a:pt x="786809" y="3668233"/>
+                  </a:cubicBezTo>
+                  <a:cubicBezTo>
+                    <a:pt x="773193" y="3650078"/>
+                    <a:pt x="757627" y="3633423"/>
+                    <a:pt x="744279" y="3615070"/>
+                  </a:cubicBezTo>
+                  <a:cubicBezTo>
+                    <a:pt x="729247" y="3594401"/>
+                    <a:pt x="719821" y="3569347"/>
+                    <a:pt x="701749" y="3551275"/>
+                  </a:cubicBezTo>
+                  <a:cubicBezTo>
+                    <a:pt x="562696" y="3412222"/>
+                    <a:pt x="753960" y="3610363"/>
+                    <a:pt x="627321" y="3455582"/>
+                  </a:cubicBezTo>
+                  <a:cubicBezTo>
+                    <a:pt x="608277" y="3432306"/>
+                    <a:pt x="580207" y="3416809"/>
+                    <a:pt x="563525" y="3391786"/>
+                  </a:cubicBezTo>
+                  <a:cubicBezTo>
+                    <a:pt x="556437" y="3381154"/>
+                    <a:pt x="550675" y="3369506"/>
+                    <a:pt x="542260" y="3359889"/>
+                  </a:cubicBezTo>
+                  <a:cubicBezTo>
+                    <a:pt x="525757" y="3341029"/>
+                    <a:pt x="489097" y="3306726"/>
+                    <a:pt x="489097" y="3306726"/>
+                  </a:cubicBezTo>
+                  <a:cubicBezTo>
+                    <a:pt x="470412" y="3250668"/>
+                    <a:pt x="490815" y="3296028"/>
+                    <a:pt x="446567" y="3242931"/>
+                  </a:cubicBezTo>
+                  <a:cubicBezTo>
+                    <a:pt x="372545" y="3154105"/>
+                    <a:pt x="486603" y="3272334"/>
+                    <a:pt x="393404" y="3179135"/>
+                  </a:cubicBezTo>
+                  <a:cubicBezTo>
+                    <a:pt x="384842" y="3144887"/>
+                    <a:pt x="382892" y="3124014"/>
+                    <a:pt x="361507" y="3094075"/>
+                  </a:cubicBezTo>
+                  <a:cubicBezTo>
+                    <a:pt x="352767" y="3081839"/>
+                    <a:pt x="340242" y="3072810"/>
+                    <a:pt x="329609" y="3062177"/>
+                  </a:cubicBezTo>
+                  <a:cubicBezTo>
+                    <a:pt x="299080" y="2940068"/>
+                    <a:pt x="341770" y="3090555"/>
+                    <a:pt x="297711" y="2987749"/>
+                  </a:cubicBezTo>
+                  <a:cubicBezTo>
+                    <a:pt x="291955" y="2974318"/>
+                    <a:pt x="291093" y="2959270"/>
+                    <a:pt x="287079" y="2945219"/>
+                  </a:cubicBezTo>
+                  <a:cubicBezTo>
+                    <a:pt x="284000" y="2934442"/>
+                    <a:pt x="279990" y="2923954"/>
+                    <a:pt x="276446" y="2913321"/>
+                  </a:cubicBezTo>
+                  <a:cubicBezTo>
+                    <a:pt x="272902" y="2888512"/>
+                    <a:pt x="273015" y="2862897"/>
+                    <a:pt x="265814" y="2838893"/>
+                  </a:cubicBezTo>
+                  <a:cubicBezTo>
+                    <a:pt x="262142" y="2826653"/>
+                    <a:pt x="250889" y="2818091"/>
+                    <a:pt x="244549" y="2806996"/>
+                  </a:cubicBezTo>
+                  <a:cubicBezTo>
+                    <a:pt x="236685" y="2793234"/>
+                    <a:pt x="230372" y="2778642"/>
+                    <a:pt x="223283" y="2764465"/>
+                  </a:cubicBezTo>
+                  <a:cubicBezTo>
+                    <a:pt x="183183" y="2604058"/>
+                    <a:pt x="246979" y="2846183"/>
+                    <a:pt x="191386" y="2679405"/>
+                  </a:cubicBezTo>
+                  <a:cubicBezTo>
+                    <a:pt x="185671" y="2662260"/>
+                    <a:pt x="184817" y="2643851"/>
+                    <a:pt x="180753" y="2626242"/>
+                  </a:cubicBezTo>
+                  <a:cubicBezTo>
+                    <a:pt x="174181" y="2597765"/>
+                    <a:pt x="168730" y="2568908"/>
+                    <a:pt x="159488" y="2541182"/>
+                  </a:cubicBezTo>
+                  <a:cubicBezTo>
+                    <a:pt x="140697" y="2484806"/>
+                    <a:pt x="151935" y="2520060"/>
+                    <a:pt x="127590" y="2434856"/>
+                  </a:cubicBezTo>
+                  <a:cubicBezTo>
+                    <a:pt x="124046" y="2392326"/>
+                    <a:pt x="123289" y="2349471"/>
+                    <a:pt x="116958" y="2307265"/>
+                  </a:cubicBezTo>
+                  <a:cubicBezTo>
+                    <a:pt x="112623" y="2278362"/>
+                    <a:pt x="99826" y="2251137"/>
+                    <a:pt x="95693" y="2222205"/>
+                  </a:cubicBezTo>
+                  <a:cubicBezTo>
+                    <a:pt x="60284" y="1974346"/>
+                    <a:pt x="106649" y="2187096"/>
+                    <a:pt x="74428" y="1977656"/>
+                  </a:cubicBezTo>
+                  <a:cubicBezTo>
+                    <a:pt x="72724" y="1966578"/>
+                    <a:pt x="67339" y="1956391"/>
+                    <a:pt x="63795" y="1945758"/>
+                  </a:cubicBezTo>
+                  <a:cubicBezTo>
+                    <a:pt x="29697" y="1741159"/>
+                    <a:pt x="51454" y="1883769"/>
+                    <a:pt x="21265" y="1446028"/>
+                  </a:cubicBezTo>
+                  <a:lnTo>
+                    <a:pt x="0" y="1137684"/>
+                  </a:lnTo>
+                  <a:cubicBezTo>
+                    <a:pt x="7088" y="960475"/>
+                    <a:pt x="7918" y="782904"/>
+                    <a:pt x="21265" y="606056"/>
+                  </a:cubicBezTo>
+                  <a:cubicBezTo>
+                    <a:pt x="22227" y="593313"/>
+                    <a:pt x="38043" y="586123"/>
+                    <a:pt x="42530" y="574158"/>
+                  </a:cubicBezTo>
+                  <a:cubicBezTo>
+                    <a:pt x="48875" y="557237"/>
+                    <a:pt x="44387" y="536793"/>
+                    <a:pt x="53163" y="520996"/>
+                  </a:cubicBezTo>
+                  <a:cubicBezTo>
+                    <a:pt x="62900" y="503470"/>
+                    <a:pt x="82491" y="493554"/>
+                    <a:pt x="95693" y="478465"/>
+                  </a:cubicBezTo>
+                  <a:cubicBezTo>
+                    <a:pt x="212217" y="345292"/>
+                    <a:pt x="2063" y="561463"/>
+                    <a:pt x="191386" y="372140"/>
+                  </a:cubicBezTo>
+                  <a:cubicBezTo>
+                    <a:pt x="202019" y="361507"/>
+                    <a:pt x="216558" y="353691"/>
+                    <a:pt x="223283" y="340242"/>
+                  </a:cubicBezTo>
+                  <a:cubicBezTo>
+                    <a:pt x="242186" y="302438"/>
+                    <a:pt x="263344" y="248918"/>
+                    <a:pt x="308344" y="233917"/>
+                  </a:cubicBezTo>
+                  <a:lnTo>
+                    <a:pt x="340242" y="223284"/>
+                  </a:lnTo>
+                  <a:cubicBezTo>
+                    <a:pt x="433411" y="130112"/>
+                    <a:pt x="315235" y="244121"/>
+                    <a:pt x="404037" y="170121"/>
+                  </a:cubicBezTo>
+                  <a:cubicBezTo>
+                    <a:pt x="457135" y="125874"/>
+                    <a:pt x="411776" y="146278"/>
+                    <a:pt x="467832" y="127591"/>
+                  </a:cubicBezTo>
+                  <a:cubicBezTo>
+                    <a:pt x="474920" y="113414"/>
+                    <a:pt x="477889" y="96269"/>
+                    <a:pt x="489097" y="85061"/>
+                  </a:cubicBezTo>
+                  <a:cubicBezTo>
+                    <a:pt x="511107" y="63052"/>
+                    <a:pt x="557912" y="58539"/>
+                    <a:pt x="584790" y="53163"/>
+                  </a:cubicBezTo>
+                  <a:cubicBezTo>
+                    <a:pt x="598967" y="46075"/>
+                    <a:pt x="613559" y="39762"/>
+                    <a:pt x="627321" y="31898"/>
+                  </a:cubicBezTo>
+                  <a:cubicBezTo>
+                    <a:pt x="638416" y="25558"/>
+                    <a:pt x="647473" y="15667"/>
+                    <a:pt x="659218" y="10633"/>
+                  </a:cubicBezTo>
+                  <a:cubicBezTo>
+                    <a:pt x="672650" y="4876"/>
+                    <a:pt x="687572" y="3544"/>
+                    <a:pt x="701749" y="0"/>
+                  </a:cubicBezTo>
+                  <a:lnTo>
+                    <a:pt x="1201479" y="10633"/>
+                  </a:lnTo>
+                  <a:cubicBezTo>
+                    <a:pt x="1263749" y="12897"/>
+                    <a:pt x="1332713" y="31916"/>
+                    <a:pt x="1392865" y="42531"/>
+                  </a:cubicBezTo>
+                  <a:cubicBezTo>
+                    <a:pt x="1417545" y="46886"/>
+                    <a:pt x="1442484" y="49619"/>
+                    <a:pt x="1467293" y="53163"/>
+                  </a:cubicBezTo>
+                  <a:cubicBezTo>
+                    <a:pt x="1481470" y="60251"/>
+                    <a:pt x="1494786" y="69416"/>
+                    <a:pt x="1509823" y="74428"/>
+                  </a:cubicBezTo>
+                  <a:cubicBezTo>
+                    <a:pt x="1526968" y="80143"/>
+                    <a:pt x="1546822" y="76979"/>
+                    <a:pt x="1562986" y="85061"/>
+                  </a:cubicBezTo>
+                  <a:cubicBezTo>
+                    <a:pt x="1576435" y="91785"/>
+                    <a:pt x="1583332" y="107332"/>
+                    <a:pt x="1594883" y="116958"/>
+                  </a:cubicBezTo>
+                  <a:cubicBezTo>
+                    <a:pt x="1604700" y="125139"/>
+                    <a:pt x="1617230" y="129734"/>
+                    <a:pt x="1626781" y="138224"/>
+                  </a:cubicBezTo>
+                  <a:cubicBezTo>
+                    <a:pt x="1649258" y="158204"/>
+                    <a:pt x="1669311" y="180754"/>
+                    <a:pt x="1690576" y="202019"/>
+                  </a:cubicBezTo>
+                  <a:lnTo>
+                    <a:pt x="1711842" y="223284"/>
+                  </a:lnTo>
+                  <a:cubicBezTo>
+                    <a:pt x="1735354" y="246796"/>
+                    <a:pt x="1750202" y="257476"/>
+                    <a:pt x="1765004" y="287079"/>
+                  </a:cubicBezTo>
+                  <a:cubicBezTo>
+                    <a:pt x="1770016" y="297104"/>
+                    <a:pt x="1772093" y="308344"/>
+                    <a:pt x="1775637" y="318977"/>
+                  </a:cubicBezTo>
+                  <a:cubicBezTo>
+                    <a:pt x="1764295" y="398367"/>
+                    <a:pt x="1782724" y="375683"/>
+                    <a:pt x="1754372" y="404038"/>
+                  </a:cubicBezTo>
+                </a:path>
+              </a:pathLst>
+            </a:custGeom>
+            <a:noFill/>
+            <a:ln>
+              <a:solidFill>
+                <a:srgbClr val="FF0000"/>
+              </a:solidFill>
+              <a:headEnd type="none" w="med" len="med"/>
+              <a:tailEnd type="triangle" w="med" len="med"/>
+            </a:ln>
+          </p:spPr>
+          <p:style>
+            <a:lnRef idx="2">
+              <a:schemeClr val="accent1">
+                <a:shade val="50000"/>
+              </a:schemeClr>
+            </a:lnRef>
+            <a:fillRef idx="1">
+              <a:schemeClr val="accent1"/>
+            </a:fillRef>
+            <a:effectRef idx="0">
+              <a:schemeClr val="accent1"/>
+            </a:effectRef>
+            <a:fontRef idx="minor">
+              <a:schemeClr val="lt1"/>
+            </a:fontRef>
+          </p:style>
+          <p:txBody>
+            <a:bodyPr rtlCol="0" anchor="ctr"/>
+            <a:lstStyle/>
+            <a:p>
+              <a:pPr algn="ctr"/>
+              <a:endParaRPr lang="ru-RU"/>
+            </a:p>
+          </p:txBody>
+        </p:sp>
+      </p:grpSp>
+      <p:grpSp>
+        <p:nvGrpSpPr>
+          <p:cNvPr id="21" name="Группа 20">
             <a:extLst>
               <a:ext uri="{FF2B5EF4-FFF2-40B4-BE49-F238E27FC236}">
-                <a16:creationId xmlns:a16="http://schemas.microsoft.com/office/drawing/2014/main" id="{FECFBDE5-0C3C-45AE-B5DC-F624AFE3166A}"/>
+                <a16:creationId xmlns:a16="http://schemas.microsoft.com/office/drawing/2014/main" id="{99554F46-961C-4FC4-8856-01625FE8B001}"/>
               </a:ext>
             </a:extLst>
           </p:cNvPr>
-          <p:cNvSpPr txBox="1"/>
+          <p:cNvGrpSpPr/>
           <p:nvPr/>
-        </p:nvSpPr>
-        <p:spPr>
-          <a:xfrm rot="5130797">
-            <a:off x="4519033" y="2491232"/>
-            <a:ext cx="627095" cy="369332"/>
+        </p:nvGrpSpPr>
+        <p:grpSpPr>
+          <a:xfrm>
+            <a:off x="2137144" y="1297172"/>
+            <a:ext cx="2880103" cy="4104168"/>
+            <a:chOff x="2137144" y="1297172"/>
+            <a:chExt cx="2880103" cy="4104168"/>
           </a:xfrm>
-          <a:prstGeom prst="rect">
-            <a:avLst/>
-          </a:prstGeom>
-          <a:noFill/>
-        </p:spPr>
-        <p:txBody>
-          <a:bodyPr wrap="none" rtlCol="0">
-            <a:spAutoFit/>
-          </a:bodyPr>
-          <a:lstStyle/>
-          <a:p>
-            <a:r>
-              <a:rPr lang="en-US" dirty="0"/>
-              <a:t>y = 4</a:t>
-            </a:r>
-            <a:endParaRPr lang="ru-RU" dirty="0"/>
-          </a:p>
-        </p:txBody>
-      </p:sp>
-      <p:sp>
-        <p:nvSpPr>
-          <p:cNvPr id="15" name="TextBox 14">
+        </p:grpSpPr>
+        <p:sp>
+          <p:nvSpPr>
+            <p:cNvPr id="13" name="TextBox 12">
+              <a:extLst>
+                <a:ext uri="{FF2B5EF4-FFF2-40B4-BE49-F238E27FC236}">
+                  <a16:creationId xmlns:a16="http://schemas.microsoft.com/office/drawing/2014/main" id="{FECFBDE5-0C3C-45AE-B5DC-F624AFE3166A}"/>
+                </a:ext>
+              </a:extLst>
+            </p:cNvPr>
+            <p:cNvSpPr txBox="1"/>
+            <p:nvPr/>
+          </p:nvSpPr>
+          <p:spPr>
+            <a:xfrm rot="5130797">
+              <a:off x="4519033" y="2491232"/>
+              <a:ext cx="627095" cy="369332"/>
+            </a:xfrm>
+            <a:prstGeom prst="rect">
+              <a:avLst/>
+            </a:prstGeom>
+            <a:noFill/>
+          </p:spPr>
+          <p:txBody>
+            <a:bodyPr wrap="none" rtlCol="0">
+              <a:spAutoFit/>
+            </a:bodyPr>
+            <a:lstStyle/>
+            <a:p>
+              <a:r>
+                <a:rPr lang="en-US" dirty="0"/>
+                <a:t>y = 4</a:t>
+              </a:r>
+              <a:endParaRPr lang="ru-RU" dirty="0"/>
+            </a:p>
+          </p:txBody>
+        </p:sp>
+        <p:sp>
+          <p:nvSpPr>
+            <p:cNvPr id="18" name="Полилиния: фигура 17">
+              <a:extLst>
+                <a:ext uri="{FF2B5EF4-FFF2-40B4-BE49-F238E27FC236}">
+                  <a16:creationId xmlns:a16="http://schemas.microsoft.com/office/drawing/2014/main" id="{836D6C35-C9B7-41E9-8563-F536452F8FAB}"/>
+                </a:ext>
+              </a:extLst>
+            </p:cNvPr>
+            <p:cNvSpPr/>
+            <p:nvPr/>
+          </p:nvSpPr>
+          <p:spPr>
+            <a:xfrm>
+              <a:off x="2137144" y="1297172"/>
+              <a:ext cx="2477386" cy="4104168"/>
+            </a:xfrm>
+            <a:custGeom>
+              <a:avLst/>
+              <a:gdLst>
+                <a:gd name="connsiteX0" fmla="*/ 0 w 2477386"/>
+                <a:gd name="connsiteY0" fmla="*/ 4104168 h 4104168"/>
+                <a:gd name="connsiteX1" fmla="*/ 63796 w 2477386"/>
+                <a:gd name="connsiteY1" fmla="*/ 4082902 h 4104168"/>
+                <a:gd name="connsiteX2" fmla="*/ 159489 w 2477386"/>
+                <a:gd name="connsiteY2" fmla="*/ 4061637 h 4104168"/>
+                <a:gd name="connsiteX3" fmla="*/ 180754 w 2477386"/>
+                <a:gd name="connsiteY3" fmla="*/ 4029740 h 4104168"/>
+                <a:gd name="connsiteX4" fmla="*/ 255182 w 2477386"/>
+                <a:gd name="connsiteY4" fmla="*/ 4019107 h 4104168"/>
+                <a:gd name="connsiteX5" fmla="*/ 318977 w 2477386"/>
+                <a:gd name="connsiteY5" fmla="*/ 3955312 h 4104168"/>
+                <a:gd name="connsiteX6" fmla="*/ 350875 w 2477386"/>
+                <a:gd name="connsiteY6" fmla="*/ 3934047 h 4104168"/>
+                <a:gd name="connsiteX7" fmla="*/ 414670 w 2477386"/>
+                <a:gd name="connsiteY7" fmla="*/ 3870251 h 4104168"/>
+                <a:gd name="connsiteX8" fmla="*/ 478465 w 2477386"/>
+                <a:gd name="connsiteY8" fmla="*/ 3827721 h 4104168"/>
+                <a:gd name="connsiteX9" fmla="*/ 584791 w 2477386"/>
+                <a:gd name="connsiteY9" fmla="*/ 3700130 h 4104168"/>
+                <a:gd name="connsiteX10" fmla="*/ 616689 w 2477386"/>
+                <a:gd name="connsiteY10" fmla="*/ 3668233 h 4104168"/>
+                <a:gd name="connsiteX11" fmla="*/ 648586 w 2477386"/>
+                <a:gd name="connsiteY11" fmla="*/ 3636335 h 4104168"/>
+                <a:gd name="connsiteX12" fmla="*/ 701749 w 2477386"/>
+                <a:gd name="connsiteY12" fmla="*/ 3604437 h 4104168"/>
+                <a:gd name="connsiteX13" fmla="*/ 797442 w 2477386"/>
+                <a:gd name="connsiteY13" fmla="*/ 3572540 h 4104168"/>
+                <a:gd name="connsiteX14" fmla="*/ 829340 w 2477386"/>
+                <a:gd name="connsiteY14" fmla="*/ 3551275 h 4104168"/>
+                <a:gd name="connsiteX15" fmla="*/ 871870 w 2477386"/>
+                <a:gd name="connsiteY15" fmla="*/ 3540642 h 4104168"/>
+                <a:gd name="connsiteX16" fmla="*/ 999461 w 2477386"/>
+                <a:gd name="connsiteY16" fmla="*/ 3519377 h 4104168"/>
+                <a:gd name="connsiteX17" fmla="*/ 1031358 w 2477386"/>
+                <a:gd name="connsiteY17" fmla="*/ 3508744 h 4104168"/>
+                <a:gd name="connsiteX18" fmla="*/ 1073889 w 2477386"/>
+                <a:gd name="connsiteY18" fmla="*/ 3498112 h 4104168"/>
+                <a:gd name="connsiteX19" fmla="*/ 1105786 w 2477386"/>
+                <a:gd name="connsiteY19" fmla="*/ 3476847 h 4104168"/>
+                <a:gd name="connsiteX20" fmla="*/ 1158949 w 2477386"/>
+                <a:gd name="connsiteY20" fmla="*/ 3423684 h 4104168"/>
+                <a:gd name="connsiteX21" fmla="*/ 1201479 w 2477386"/>
+                <a:gd name="connsiteY21" fmla="*/ 3413051 h 4104168"/>
+                <a:gd name="connsiteX22" fmla="*/ 1265275 w 2477386"/>
+                <a:gd name="connsiteY22" fmla="*/ 3370521 h 4104168"/>
+                <a:gd name="connsiteX23" fmla="*/ 1307805 w 2477386"/>
+                <a:gd name="connsiteY23" fmla="*/ 3338623 h 4104168"/>
+                <a:gd name="connsiteX24" fmla="*/ 1371600 w 2477386"/>
+                <a:gd name="connsiteY24" fmla="*/ 3296093 h 4104168"/>
+                <a:gd name="connsiteX25" fmla="*/ 1435396 w 2477386"/>
+                <a:gd name="connsiteY25" fmla="*/ 3242930 h 4104168"/>
+                <a:gd name="connsiteX26" fmla="*/ 1467293 w 2477386"/>
+                <a:gd name="connsiteY26" fmla="*/ 3200400 h 4104168"/>
+                <a:gd name="connsiteX27" fmla="*/ 1531089 w 2477386"/>
+                <a:gd name="connsiteY27" fmla="*/ 3136605 h 4104168"/>
+                <a:gd name="connsiteX28" fmla="*/ 1605516 w 2477386"/>
+                <a:gd name="connsiteY28" fmla="*/ 3030279 h 4104168"/>
+                <a:gd name="connsiteX29" fmla="*/ 1658679 w 2477386"/>
+                <a:gd name="connsiteY29" fmla="*/ 2977116 h 4104168"/>
+                <a:gd name="connsiteX30" fmla="*/ 1690577 w 2477386"/>
+                <a:gd name="connsiteY30" fmla="*/ 2945219 h 4104168"/>
+                <a:gd name="connsiteX31" fmla="*/ 1701209 w 2477386"/>
+                <a:gd name="connsiteY31" fmla="*/ 2913321 h 4104168"/>
+                <a:gd name="connsiteX32" fmla="*/ 1796903 w 2477386"/>
+                <a:gd name="connsiteY32" fmla="*/ 2838893 h 4104168"/>
+                <a:gd name="connsiteX33" fmla="*/ 1839433 w 2477386"/>
+                <a:gd name="connsiteY33" fmla="*/ 2806995 h 4104168"/>
+                <a:gd name="connsiteX34" fmla="*/ 1892596 w 2477386"/>
+                <a:gd name="connsiteY34" fmla="*/ 2753833 h 4104168"/>
+                <a:gd name="connsiteX35" fmla="*/ 1935126 w 2477386"/>
+                <a:gd name="connsiteY35" fmla="*/ 2679405 h 4104168"/>
+                <a:gd name="connsiteX36" fmla="*/ 1988289 w 2477386"/>
+                <a:gd name="connsiteY36" fmla="*/ 2626242 h 4104168"/>
+                <a:gd name="connsiteX37" fmla="*/ 2041451 w 2477386"/>
+                <a:gd name="connsiteY37" fmla="*/ 2551814 h 4104168"/>
+                <a:gd name="connsiteX38" fmla="*/ 2083982 w 2477386"/>
+                <a:gd name="connsiteY38" fmla="*/ 2488019 h 4104168"/>
+                <a:gd name="connsiteX39" fmla="*/ 2115879 w 2477386"/>
+                <a:gd name="connsiteY39" fmla="*/ 2456121 h 4104168"/>
+                <a:gd name="connsiteX40" fmla="*/ 2169042 w 2477386"/>
+                <a:gd name="connsiteY40" fmla="*/ 2371061 h 4104168"/>
+                <a:gd name="connsiteX41" fmla="*/ 2190307 w 2477386"/>
+                <a:gd name="connsiteY41" fmla="*/ 2349795 h 4104168"/>
+                <a:gd name="connsiteX42" fmla="*/ 2222205 w 2477386"/>
+                <a:gd name="connsiteY42" fmla="*/ 2307265 h 4104168"/>
+                <a:gd name="connsiteX43" fmla="*/ 2254103 w 2477386"/>
+                <a:gd name="connsiteY43" fmla="*/ 2254102 h 4104168"/>
+                <a:gd name="connsiteX44" fmla="*/ 2296633 w 2477386"/>
+                <a:gd name="connsiteY44" fmla="*/ 2158409 h 4104168"/>
+                <a:gd name="connsiteX45" fmla="*/ 2317898 w 2477386"/>
+                <a:gd name="connsiteY45" fmla="*/ 2115879 h 4104168"/>
+                <a:gd name="connsiteX46" fmla="*/ 2339163 w 2477386"/>
+                <a:gd name="connsiteY46" fmla="*/ 2052084 h 4104168"/>
+                <a:gd name="connsiteX47" fmla="*/ 2349796 w 2477386"/>
+                <a:gd name="connsiteY47" fmla="*/ 2020186 h 4104168"/>
+                <a:gd name="connsiteX48" fmla="*/ 2360428 w 2477386"/>
+                <a:gd name="connsiteY48" fmla="*/ 1988288 h 4104168"/>
+                <a:gd name="connsiteX49" fmla="*/ 2392326 w 2477386"/>
+                <a:gd name="connsiteY49" fmla="*/ 1924493 h 4104168"/>
+                <a:gd name="connsiteX50" fmla="*/ 2413591 w 2477386"/>
+                <a:gd name="connsiteY50" fmla="*/ 1839433 h 4104168"/>
+                <a:gd name="connsiteX51" fmla="*/ 2434856 w 2477386"/>
+                <a:gd name="connsiteY51" fmla="*/ 1765005 h 4104168"/>
+                <a:gd name="connsiteX52" fmla="*/ 2445489 w 2477386"/>
+                <a:gd name="connsiteY52" fmla="*/ 1711842 h 4104168"/>
+                <a:gd name="connsiteX53" fmla="*/ 2456121 w 2477386"/>
+                <a:gd name="connsiteY53" fmla="*/ 1679944 h 4104168"/>
+                <a:gd name="connsiteX54" fmla="*/ 2477386 w 2477386"/>
+                <a:gd name="connsiteY54" fmla="*/ 1562986 h 4104168"/>
+                <a:gd name="connsiteX55" fmla="*/ 2466754 w 2477386"/>
+                <a:gd name="connsiteY55" fmla="*/ 914400 h 4104168"/>
+                <a:gd name="connsiteX56" fmla="*/ 2445489 w 2477386"/>
+                <a:gd name="connsiteY56" fmla="*/ 882502 h 4104168"/>
+                <a:gd name="connsiteX57" fmla="*/ 2434856 w 2477386"/>
+                <a:gd name="connsiteY57" fmla="*/ 839972 h 4104168"/>
+                <a:gd name="connsiteX58" fmla="*/ 2392326 w 2477386"/>
+                <a:gd name="connsiteY58" fmla="*/ 776177 h 4104168"/>
+                <a:gd name="connsiteX59" fmla="*/ 2381693 w 2477386"/>
+                <a:gd name="connsiteY59" fmla="*/ 733647 h 4104168"/>
+                <a:gd name="connsiteX60" fmla="*/ 2317898 w 2477386"/>
+                <a:gd name="connsiteY60" fmla="*/ 648586 h 4104168"/>
+                <a:gd name="connsiteX61" fmla="*/ 2307265 w 2477386"/>
+                <a:gd name="connsiteY61" fmla="*/ 606056 h 4104168"/>
+                <a:gd name="connsiteX62" fmla="*/ 2254103 w 2477386"/>
+                <a:gd name="connsiteY62" fmla="*/ 542261 h 4104168"/>
+                <a:gd name="connsiteX63" fmla="*/ 2232837 w 2477386"/>
+                <a:gd name="connsiteY63" fmla="*/ 499730 h 4104168"/>
+                <a:gd name="connsiteX64" fmla="*/ 2211572 w 2477386"/>
+                <a:gd name="connsiteY64" fmla="*/ 467833 h 4104168"/>
+                <a:gd name="connsiteX65" fmla="*/ 2190307 w 2477386"/>
+                <a:gd name="connsiteY65" fmla="*/ 404037 h 4104168"/>
+                <a:gd name="connsiteX66" fmla="*/ 2179675 w 2477386"/>
+                <a:gd name="connsiteY66" fmla="*/ 372140 h 4104168"/>
+                <a:gd name="connsiteX67" fmla="*/ 2158409 w 2477386"/>
+                <a:gd name="connsiteY67" fmla="*/ 350875 h 4104168"/>
+                <a:gd name="connsiteX68" fmla="*/ 2147777 w 2477386"/>
+                <a:gd name="connsiteY68" fmla="*/ 318977 h 4104168"/>
+                <a:gd name="connsiteX69" fmla="*/ 2137144 w 2477386"/>
+                <a:gd name="connsiteY69" fmla="*/ 276447 h 4104168"/>
+                <a:gd name="connsiteX70" fmla="*/ 2115879 w 2477386"/>
+                <a:gd name="connsiteY70" fmla="*/ 255181 h 4104168"/>
+                <a:gd name="connsiteX71" fmla="*/ 2030819 w 2477386"/>
+                <a:gd name="connsiteY71" fmla="*/ 159488 h 4104168"/>
+                <a:gd name="connsiteX72" fmla="*/ 1998921 w 2477386"/>
+                <a:gd name="connsiteY72" fmla="*/ 127591 h 4104168"/>
+                <a:gd name="connsiteX73" fmla="*/ 1913861 w 2477386"/>
+                <a:gd name="connsiteY73" fmla="*/ 106326 h 4104168"/>
+                <a:gd name="connsiteX74" fmla="*/ 1818168 w 2477386"/>
+                <a:gd name="connsiteY74" fmla="*/ 85061 h 4104168"/>
+                <a:gd name="connsiteX75" fmla="*/ 1754372 w 2477386"/>
+                <a:gd name="connsiteY75" fmla="*/ 63795 h 4104168"/>
+                <a:gd name="connsiteX76" fmla="*/ 1722475 w 2477386"/>
+                <a:gd name="connsiteY76" fmla="*/ 53163 h 4104168"/>
+                <a:gd name="connsiteX77" fmla="*/ 1648047 w 2477386"/>
+                <a:gd name="connsiteY77" fmla="*/ 31898 h 4104168"/>
+                <a:gd name="connsiteX78" fmla="*/ 1594884 w 2477386"/>
+                <a:gd name="connsiteY78" fmla="*/ 21265 h 4104168"/>
+                <a:gd name="connsiteX79" fmla="*/ 1499191 w 2477386"/>
+                <a:gd name="connsiteY79" fmla="*/ 0 h 4104168"/>
+                <a:gd name="connsiteX80" fmla="*/ 999461 w 2477386"/>
+                <a:gd name="connsiteY80" fmla="*/ 10633 h 4104168"/>
+                <a:gd name="connsiteX81" fmla="*/ 946298 w 2477386"/>
+                <a:gd name="connsiteY81" fmla="*/ 31898 h 4104168"/>
+                <a:gd name="connsiteX82" fmla="*/ 786809 w 2477386"/>
+                <a:gd name="connsiteY82" fmla="*/ 42530 h 4104168"/>
+                <a:gd name="connsiteX83" fmla="*/ 701749 w 2477386"/>
+                <a:gd name="connsiteY83" fmla="*/ 116958 h 4104168"/>
+                <a:gd name="connsiteX84" fmla="*/ 669851 w 2477386"/>
+                <a:gd name="connsiteY84" fmla="*/ 148856 h 4104168"/>
+                <a:gd name="connsiteX85" fmla="*/ 627321 w 2477386"/>
+                <a:gd name="connsiteY85" fmla="*/ 223284 h 4104168"/>
+                <a:gd name="connsiteX86" fmla="*/ 595423 w 2477386"/>
+                <a:gd name="connsiteY86" fmla="*/ 287079 h 4104168"/>
+                <a:gd name="connsiteX87" fmla="*/ 595423 w 2477386"/>
+                <a:gd name="connsiteY87" fmla="*/ 340242 h 4104168"/>
+              </a:gdLst>
+              <a:ahLst/>
+              <a:cxnLst>
+                <a:cxn ang="0">
+                  <a:pos x="connsiteX0" y="connsiteY0"/>
+                </a:cxn>
+                <a:cxn ang="0">
+                  <a:pos x="connsiteX1" y="connsiteY1"/>
+                </a:cxn>
+                <a:cxn ang="0">
+                  <a:pos x="connsiteX2" y="connsiteY2"/>
+                </a:cxn>
+                <a:cxn ang="0">
+                  <a:pos x="connsiteX3" y="connsiteY3"/>
+                </a:cxn>
+                <a:cxn ang="0">
+                  <a:pos x="connsiteX4" y="connsiteY4"/>
+                </a:cxn>
+                <a:cxn ang="0">
+                  <a:pos x="connsiteX5" y="connsiteY5"/>
+                </a:cxn>
+                <a:cxn ang="0">
+                  <a:pos x="connsiteX6" y="connsiteY6"/>
+                </a:cxn>
+                <a:cxn ang="0">
+                  <a:pos x="connsiteX7" y="connsiteY7"/>
+                </a:cxn>
+                <a:cxn ang="0">
+                  <a:pos x="connsiteX8" y="connsiteY8"/>
+                </a:cxn>
+                <a:cxn ang="0">
+                  <a:pos x="connsiteX9" y="connsiteY9"/>
+                </a:cxn>
+                <a:cxn ang="0">
+                  <a:pos x="connsiteX10" y="connsiteY10"/>
+                </a:cxn>
+                <a:cxn ang="0">
+                  <a:pos x="connsiteX11" y="connsiteY11"/>
+                </a:cxn>
+                <a:cxn ang="0">
+                  <a:pos x="connsiteX12" y="connsiteY12"/>
+                </a:cxn>
+                <a:cxn ang="0">
+                  <a:pos x="connsiteX13" y="connsiteY13"/>
+                </a:cxn>
+                <a:cxn ang="0">
+                  <a:pos x="connsiteX14" y="connsiteY14"/>
+                </a:cxn>
+                <a:cxn ang="0">
+                  <a:pos x="connsiteX15" y="connsiteY15"/>
+                </a:cxn>
+                <a:cxn ang="0">
+                  <a:pos x="connsiteX16" y="connsiteY16"/>
+                </a:cxn>
+                <a:cxn ang="0">
+                  <a:pos x="connsiteX17" y="connsiteY17"/>
+                </a:cxn>
+                <a:cxn ang="0">
+                  <a:pos x="connsiteX18" y="connsiteY18"/>
+                </a:cxn>
+                <a:cxn ang="0">
+                  <a:pos x="connsiteX19" y="connsiteY19"/>
+                </a:cxn>
+                <a:cxn ang="0">
+                  <a:pos x="connsiteX20" y="connsiteY20"/>
+                </a:cxn>
+                <a:cxn ang="0">
+                  <a:pos x="connsiteX21" y="connsiteY21"/>
+                </a:cxn>
+                <a:cxn ang="0">
+                  <a:pos x="connsiteX22" y="connsiteY22"/>
+                </a:cxn>
+                <a:cxn ang="0">
+                  <a:pos x="connsiteX23" y="connsiteY23"/>
+                </a:cxn>
+                <a:cxn ang="0">
+                  <a:pos x="connsiteX24" y="connsiteY24"/>
+                </a:cxn>
+                <a:cxn ang="0">
+                  <a:pos x="connsiteX25" y="connsiteY25"/>
+                </a:cxn>
+                <a:cxn ang="0">
+                  <a:pos x="connsiteX26" y="connsiteY26"/>
+                </a:cxn>
+                <a:cxn ang="0">
+                  <a:pos x="connsiteX27" y="connsiteY27"/>
+                </a:cxn>
+                <a:cxn ang="0">
+                  <a:pos x="connsiteX28" y="connsiteY28"/>
+                </a:cxn>
+                <a:cxn ang="0">
+                  <a:pos x="connsiteX29" y="connsiteY29"/>
+                </a:cxn>
+                <a:cxn ang="0">
+                  <a:pos x="connsiteX30" y="connsiteY30"/>
+                </a:cxn>
+                <a:cxn ang="0">
+                  <a:pos x="connsiteX31" y="connsiteY31"/>
+                </a:cxn>
+                <a:cxn ang="0">
+                  <a:pos x="connsiteX32" y="connsiteY32"/>
+                </a:cxn>
+                <a:cxn ang="0">
+                  <a:pos x="connsiteX33" y="connsiteY33"/>
+                </a:cxn>
+                <a:cxn ang="0">
+                  <a:pos x="connsiteX34" y="connsiteY34"/>
+                </a:cxn>
+                <a:cxn ang="0">
+                  <a:pos x="connsiteX35" y="connsiteY35"/>
+                </a:cxn>
+                <a:cxn ang="0">
+                  <a:pos x="connsiteX36" y="connsiteY36"/>
+                </a:cxn>
+                <a:cxn ang="0">
+                  <a:pos x="connsiteX37" y="connsiteY37"/>
+                </a:cxn>
+                <a:cxn ang="0">
+                  <a:pos x="connsiteX38" y="connsiteY38"/>
+                </a:cxn>
+                <a:cxn ang="0">
+                  <a:pos x="connsiteX39" y="connsiteY39"/>
+                </a:cxn>
+                <a:cxn ang="0">
+                  <a:pos x="connsiteX40" y="connsiteY40"/>
+                </a:cxn>
+                <a:cxn ang="0">
+                  <a:pos x="connsiteX41" y="connsiteY41"/>
+                </a:cxn>
+                <a:cxn ang="0">
+                  <a:pos x="connsiteX42" y="connsiteY42"/>
+                </a:cxn>
+                <a:cxn ang="0">
+                  <a:pos x="connsiteX43" y="connsiteY43"/>
+                </a:cxn>
+                <a:cxn ang="0">
+                  <a:pos x="connsiteX44" y="connsiteY44"/>
+                </a:cxn>
+                <a:cxn ang="0">
+                  <a:pos x="connsiteX45" y="connsiteY45"/>
+                </a:cxn>
+                <a:cxn ang="0">
+                  <a:pos x="connsiteX46" y="connsiteY46"/>
+                </a:cxn>
+                <a:cxn ang="0">
+                  <a:pos x="connsiteX47" y="connsiteY47"/>
+                </a:cxn>
+                <a:cxn ang="0">
+                  <a:pos x="connsiteX48" y="connsiteY48"/>
+                </a:cxn>
+                <a:cxn ang="0">
+                  <a:pos x="connsiteX49" y="connsiteY49"/>
+                </a:cxn>
+                <a:cxn ang="0">
+                  <a:pos x="connsiteX50" y="connsiteY50"/>
+                </a:cxn>
+                <a:cxn ang="0">
+                  <a:pos x="connsiteX51" y="connsiteY51"/>
+                </a:cxn>
+                <a:cxn ang="0">
+                  <a:pos x="connsiteX52" y="connsiteY52"/>
+                </a:cxn>
+                <a:cxn ang="0">
+                  <a:pos x="connsiteX53" y="connsiteY53"/>
+                </a:cxn>
+                <a:cxn ang="0">
+                  <a:pos x="connsiteX54" y="connsiteY54"/>
+                </a:cxn>
+                <a:cxn ang="0">
+                  <a:pos x="connsiteX55" y="connsiteY55"/>
+                </a:cxn>
+                <a:cxn ang="0">
+                  <a:pos x="connsiteX56" y="connsiteY56"/>
+                </a:cxn>
+                <a:cxn ang="0">
+                  <a:pos x="connsiteX57" y="connsiteY57"/>
+                </a:cxn>
+                <a:cxn ang="0">
+                  <a:pos x="connsiteX58" y="connsiteY58"/>
+                </a:cxn>
+                <a:cxn ang="0">
+                  <a:pos x="connsiteX59" y="connsiteY59"/>
+                </a:cxn>
+                <a:cxn ang="0">
+                  <a:pos x="connsiteX60" y="connsiteY60"/>
+                </a:cxn>
+                <a:cxn ang="0">
+                  <a:pos x="connsiteX61" y="connsiteY61"/>
+                </a:cxn>
+                <a:cxn ang="0">
+                  <a:pos x="connsiteX62" y="connsiteY62"/>
+                </a:cxn>
+                <a:cxn ang="0">
+                  <a:pos x="connsiteX63" y="connsiteY63"/>
+                </a:cxn>
+                <a:cxn ang="0">
+                  <a:pos x="connsiteX64" y="connsiteY64"/>
+                </a:cxn>
+                <a:cxn ang="0">
+                  <a:pos x="connsiteX65" y="connsiteY65"/>
+                </a:cxn>
+                <a:cxn ang="0">
+                  <a:pos x="connsiteX66" y="connsiteY66"/>
+                </a:cxn>
+                <a:cxn ang="0">
+                  <a:pos x="connsiteX67" y="connsiteY67"/>
+                </a:cxn>
+                <a:cxn ang="0">
+                  <a:pos x="connsiteX68" y="connsiteY68"/>
+                </a:cxn>
+                <a:cxn ang="0">
+                  <a:pos x="connsiteX69" y="connsiteY69"/>
+                </a:cxn>
+                <a:cxn ang="0">
+                  <a:pos x="connsiteX70" y="connsiteY70"/>
+                </a:cxn>
+                <a:cxn ang="0">
+                  <a:pos x="connsiteX71" y="connsiteY71"/>
+                </a:cxn>
+                <a:cxn ang="0">
+                  <a:pos x="connsiteX72" y="connsiteY72"/>
+                </a:cxn>
+                <a:cxn ang="0">
+                  <a:pos x="connsiteX73" y="connsiteY73"/>
+                </a:cxn>
+                <a:cxn ang="0">
+                  <a:pos x="connsiteX74" y="connsiteY74"/>
+                </a:cxn>
+                <a:cxn ang="0">
+                  <a:pos x="connsiteX75" y="connsiteY75"/>
+                </a:cxn>
+                <a:cxn ang="0">
+                  <a:pos x="connsiteX76" y="connsiteY76"/>
+                </a:cxn>
+                <a:cxn ang="0">
+                  <a:pos x="connsiteX77" y="connsiteY77"/>
+                </a:cxn>
+                <a:cxn ang="0">
+                  <a:pos x="connsiteX78" y="connsiteY78"/>
+                </a:cxn>
+                <a:cxn ang="0">
+                  <a:pos x="connsiteX79" y="connsiteY79"/>
+                </a:cxn>
+                <a:cxn ang="0">
+                  <a:pos x="connsiteX80" y="connsiteY80"/>
+                </a:cxn>
+                <a:cxn ang="0">
+                  <a:pos x="connsiteX81" y="connsiteY81"/>
+                </a:cxn>
+                <a:cxn ang="0">
+                  <a:pos x="connsiteX82" y="connsiteY82"/>
+                </a:cxn>
+                <a:cxn ang="0">
+                  <a:pos x="connsiteX83" y="connsiteY83"/>
+                </a:cxn>
+                <a:cxn ang="0">
+                  <a:pos x="connsiteX84" y="connsiteY84"/>
+                </a:cxn>
+                <a:cxn ang="0">
+                  <a:pos x="connsiteX85" y="connsiteY85"/>
+                </a:cxn>
+                <a:cxn ang="0">
+                  <a:pos x="connsiteX86" y="connsiteY86"/>
+                </a:cxn>
+                <a:cxn ang="0">
+                  <a:pos x="connsiteX87" y="connsiteY87"/>
+                </a:cxn>
+              </a:cxnLst>
+              <a:rect l="l" t="t" r="r" b="b"/>
+              <a:pathLst>
+                <a:path w="2477386" h="4104168">
+                  <a:moveTo>
+                    <a:pt x="0" y="4104168"/>
+                  </a:moveTo>
+                  <a:cubicBezTo>
+                    <a:pt x="21265" y="4097079"/>
+                    <a:pt x="42137" y="4088678"/>
+                    <a:pt x="63796" y="4082902"/>
+                  </a:cubicBezTo>
+                  <a:cubicBezTo>
+                    <a:pt x="95368" y="4074483"/>
+                    <a:pt x="129742" y="4075158"/>
+                    <a:pt x="159489" y="4061637"/>
+                  </a:cubicBezTo>
+                  <a:cubicBezTo>
+                    <a:pt x="171122" y="4056349"/>
+                    <a:pt x="169077" y="4034930"/>
+                    <a:pt x="180754" y="4029740"/>
+                  </a:cubicBezTo>
+                  <a:cubicBezTo>
+                    <a:pt x="203655" y="4019562"/>
+                    <a:pt x="230373" y="4022651"/>
+                    <a:pt x="255182" y="4019107"/>
+                  </a:cubicBezTo>
+                  <a:cubicBezTo>
+                    <a:pt x="276447" y="3997842"/>
+                    <a:pt x="293954" y="3971993"/>
+                    <a:pt x="318977" y="3955312"/>
+                  </a:cubicBezTo>
+                  <a:cubicBezTo>
+                    <a:pt x="329610" y="3948224"/>
+                    <a:pt x="341324" y="3942537"/>
+                    <a:pt x="350875" y="3934047"/>
+                  </a:cubicBezTo>
+                  <a:cubicBezTo>
+                    <a:pt x="373352" y="3914067"/>
+                    <a:pt x="389647" y="3886933"/>
+                    <a:pt x="414670" y="3870251"/>
+                  </a:cubicBezTo>
+                  <a:lnTo>
+                    <a:pt x="478465" y="3827721"/>
+                  </a:lnTo>
+                  <a:cubicBezTo>
+                    <a:pt x="528414" y="3744474"/>
+                    <a:pt x="495751" y="3789169"/>
+                    <a:pt x="584791" y="3700130"/>
+                  </a:cubicBezTo>
+                  <a:lnTo>
+                    <a:pt x="616689" y="3668233"/>
+                  </a:lnTo>
+                  <a:cubicBezTo>
+                    <a:pt x="627322" y="3657600"/>
+                    <a:pt x="635692" y="3644071"/>
+                    <a:pt x="648586" y="3636335"/>
+                  </a:cubicBezTo>
+                  <a:cubicBezTo>
+                    <a:pt x="666307" y="3625702"/>
+                    <a:pt x="682754" y="3612578"/>
+                    <a:pt x="701749" y="3604437"/>
+                  </a:cubicBezTo>
+                  <a:cubicBezTo>
+                    <a:pt x="732653" y="3591192"/>
+                    <a:pt x="797442" y="3572540"/>
+                    <a:pt x="797442" y="3572540"/>
+                  </a:cubicBezTo>
+                  <a:cubicBezTo>
+                    <a:pt x="808075" y="3565452"/>
+                    <a:pt x="817594" y="3556309"/>
+                    <a:pt x="829340" y="3551275"/>
+                  </a:cubicBezTo>
+                  <a:cubicBezTo>
+                    <a:pt x="842771" y="3545519"/>
+                    <a:pt x="857507" y="3543335"/>
+                    <a:pt x="871870" y="3540642"/>
+                  </a:cubicBezTo>
+                  <a:cubicBezTo>
+                    <a:pt x="914248" y="3532696"/>
+                    <a:pt x="956931" y="3526465"/>
+                    <a:pt x="999461" y="3519377"/>
+                  </a:cubicBezTo>
+                  <a:cubicBezTo>
+                    <a:pt x="1010093" y="3515833"/>
+                    <a:pt x="1020582" y="3511823"/>
+                    <a:pt x="1031358" y="3508744"/>
+                  </a:cubicBezTo>
+                  <a:cubicBezTo>
+                    <a:pt x="1045409" y="3504729"/>
+                    <a:pt x="1060457" y="3503868"/>
+                    <a:pt x="1073889" y="3498112"/>
+                  </a:cubicBezTo>
+                  <a:cubicBezTo>
+                    <a:pt x="1085634" y="3493078"/>
+                    <a:pt x="1096169" y="3485262"/>
+                    <a:pt x="1105786" y="3476847"/>
+                  </a:cubicBezTo>
+                  <a:cubicBezTo>
+                    <a:pt x="1124646" y="3460344"/>
+                    <a:pt x="1134636" y="3429763"/>
+                    <a:pt x="1158949" y="3423684"/>
+                  </a:cubicBezTo>
+                  <a:lnTo>
+                    <a:pt x="1201479" y="3413051"/>
+                  </a:lnTo>
+                  <a:cubicBezTo>
+                    <a:pt x="1275713" y="3338820"/>
+                    <a:pt x="1193464" y="3411557"/>
+                    <a:pt x="1265275" y="3370521"/>
+                  </a:cubicBezTo>
+                  <a:cubicBezTo>
+                    <a:pt x="1280661" y="3361729"/>
+                    <a:pt x="1293287" y="3348785"/>
+                    <a:pt x="1307805" y="3338623"/>
+                  </a:cubicBezTo>
+                  <a:cubicBezTo>
+                    <a:pt x="1328742" y="3323967"/>
+                    <a:pt x="1353528" y="3314165"/>
+                    <a:pt x="1371600" y="3296093"/>
+                  </a:cubicBezTo>
+                  <a:cubicBezTo>
+                    <a:pt x="1412534" y="3255159"/>
+                    <a:pt x="1390987" y="3272536"/>
+                    <a:pt x="1435396" y="3242930"/>
+                  </a:cubicBezTo>
+                  <a:cubicBezTo>
+                    <a:pt x="1446028" y="3228753"/>
+                    <a:pt x="1455438" y="3213572"/>
+                    <a:pt x="1467293" y="3200400"/>
+                  </a:cubicBezTo>
+                  <a:cubicBezTo>
+                    <a:pt x="1487411" y="3178047"/>
+                    <a:pt x="1514407" y="3161628"/>
+                    <a:pt x="1531089" y="3136605"/>
+                  </a:cubicBezTo>
+                  <a:cubicBezTo>
+                    <a:pt x="1545604" y="3114833"/>
+                    <a:pt x="1584525" y="3053894"/>
+                    <a:pt x="1605516" y="3030279"/>
+                  </a:cubicBezTo>
+                  <a:cubicBezTo>
+                    <a:pt x="1622166" y="3011548"/>
+                    <a:pt x="1640958" y="2994837"/>
+                    <a:pt x="1658679" y="2977116"/>
+                  </a:cubicBezTo>
+                  <a:lnTo>
+                    <a:pt x="1690577" y="2945219"/>
+                  </a:lnTo>
+                  <a:cubicBezTo>
+                    <a:pt x="1694121" y="2934586"/>
+                    <a:pt x="1694328" y="2922168"/>
+                    <a:pt x="1701209" y="2913321"/>
+                  </a:cubicBezTo>
+                  <a:cubicBezTo>
+                    <a:pt x="1751413" y="2848774"/>
+                    <a:pt x="1744494" y="2856363"/>
+                    <a:pt x="1796903" y="2838893"/>
+                  </a:cubicBezTo>
+                  <a:cubicBezTo>
+                    <a:pt x="1811080" y="2828260"/>
+                    <a:pt x="1826188" y="2818768"/>
+                    <a:pt x="1839433" y="2806995"/>
+                  </a:cubicBezTo>
+                  <a:cubicBezTo>
+                    <a:pt x="1858164" y="2790345"/>
+                    <a:pt x="1892596" y="2753833"/>
+                    <a:pt x="1892596" y="2753833"/>
+                  </a:cubicBezTo>
+                  <a:cubicBezTo>
+                    <a:pt x="1904043" y="2730939"/>
+                    <a:pt x="1917591" y="2699445"/>
+                    <a:pt x="1935126" y="2679405"/>
+                  </a:cubicBezTo>
+                  <a:cubicBezTo>
+                    <a:pt x="1951629" y="2660545"/>
+                    <a:pt x="1974388" y="2647094"/>
+                    <a:pt x="1988289" y="2626242"/>
+                  </a:cubicBezTo>
+                  <a:cubicBezTo>
+                    <a:pt x="2057395" y="2522582"/>
+                    <a:pt x="1949176" y="2683635"/>
+                    <a:pt x="2041451" y="2551814"/>
+                  </a:cubicBezTo>
+                  <a:cubicBezTo>
+                    <a:pt x="2056107" y="2530876"/>
+                    <a:pt x="2065910" y="2506091"/>
+                    <a:pt x="2083982" y="2488019"/>
+                  </a:cubicBezTo>
+                  <a:cubicBezTo>
+                    <a:pt x="2094614" y="2477386"/>
+                    <a:pt x="2106857" y="2468150"/>
+                    <a:pt x="2115879" y="2456121"/>
+                  </a:cubicBezTo>
+                  <a:cubicBezTo>
+                    <a:pt x="2149461" y="2411344"/>
+                    <a:pt x="2139337" y="2408192"/>
+                    <a:pt x="2169042" y="2371061"/>
+                  </a:cubicBezTo>
+                  <a:cubicBezTo>
+                    <a:pt x="2175304" y="2363233"/>
+                    <a:pt x="2183889" y="2357496"/>
+                    <a:pt x="2190307" y="2349795"/>
+                  </a:cubicBezTo>
+                  <a:cubicBezTo>
+                    <a:pt x="2201652" y="2336181"/>
+                    <a:pt x="2211572" y="2321442"/>
+                    <a:pt x="2222205" y="2307265"/>
+                  </a:cubicBezTo>
+                  <a:cubicBezTo>
+                    <a:pt x="2246884" y="2233225"/>
+                    <a:pt x="2215183" y="2312482"/>
+                    <a:pt x="2254103" y="2254102"/>
+                  </a:cubicBezTo>
+                  <a:cubicBezTo>
+                    <a:pt x="2271553" y="2227928"/>
+                    <a:pt x="2284354" y="2186037"/>
+                    <a:pt x="2296633" y="2158409"/>
+                  </a:cubicBezTo>
+                  <a:cubicBezTo>
+                    <a:pt x="2303070" y="2143925"/>
+                    <a:pt x="2312011" y="2130595"/>
+                    <a:pt x="2317898" y="2115879"/>
+                  </a:cubicBezTo>
+                  <a:cubicBezTo>
+                    <a:pt x="2326223" y="2095067"/>
+                    <a:pt x="2332075" y="2073349"/>
+                    <a:pt x="2339163" y="2052084"/>
+                  </a:cubicBezTo>
+                  <a:lnTo>
+                    <a:pt x="2349796" y="2020186"/>
+                  </a:lnTo>
+                  <a:cubicBezTo>
+                    <a:pt x="2353340" y="2009553"/>
+                    <a:pt x="2354211" y="1997613"/>
+                    <a:pt x="2360428" y="1988288"/>
+                  </a:cubicBezTo>
+                  <a:cubicBezTo>
+                    <a:pt x="2382762" y="1954788"/>
+                    <a:pt x="2382167" y="1961741"/>
+                    <a:pt x="2392326" y="1924493"/>
+                  </a:cubicBezTo>
+                  <a:cubicBezTo>
+                    <a:pt x="2400016" y="1896297"/>
+                    <a:pt x="2404349" y="1867159"/>
+                    <a:pt x="2413591" y="1839433"/>
+                  </a:cubicBezTo>
+                  <a:cubicBezTo>
+                    <a:pt x="2425430" y="1803915"/>
+                    <a:pt x="2425956" y="1805052"/>
+                    <a:pt x="2434856" y="1765005"/>
+                  </a:cubicBezTo>
+                  <a:cubicBezTo>
+                    <a:pt x="2438777" y="1747363"/>
+                    <a:pt x="2441106" y="1729374"/>
+                    <a:pt x="2445489" y="1711842"/>
+                  </a:cubicBezTo>
+                  <a:cubicBezTo>
+                    <a:pt x="2448207" y="1700969"/>
+                    <a:pt x="2453773" y="1690903"/>
+                    <a:pt x="2456121" y="1679944"/>
+                  </a:cubicBezTo>
+                  <a:cubicBezTo>
+                    <a:pt x="2464423" y="1641198"/>
+                    <a:pt x="2470298" y="1601972"/>
+                    <a:pt x="2477386" y="1562986"/>
+                  </a:cubicBezTo>
+                  <a:cubicBezTo>
+                    <a:pt x="2473842" y="1346791"/>
+                    <a:pt x="2476878" y="1130387"/>
+                    <a:pt x="2466754" y="914400"/>
+                  </a:cubicBezTo>
+                  <a:cubicBezTo>
+                    <a:pt x="2466156" y="901635"/>
+                    <a:pt x="2450523" y="894248"/>
+                    <a:pt x="2445489" y="882502"/>
+                  </a:cubicBezTo>
+                  <a:cubicBezTo>
+                    <a:pt x="2439733" y="869071"/>
+                    <a:pt x="2441391" y="853042"/>
+                    <a:pt x="2434856" y="839972"/>
+                  </a:cubicBezTo>
+                  <a:cubicBezTo>
+                    <a:pt x="2423426" y="817113"/>
+                    <a:pt x="2392326" y="776177"/>
+                    <a:pt x="2392326" y="776177"/>
+                  </a:cubicBezTo>
+                  <a:cubicBezTo>
+                    <a:pt x="2388782" y="762000"/>
+                    <a:pt x="2389056" y="746269"/>
+                    <a:pt x="2381693" y="733647"/>
+                  </a:cubicBezTo>
+                  <a:cubicBezTo>
+                    <a:pt x="2363835" y="703033"/>
+                    <a:pt x="2317898" y="648586"/>
+                    <a:pt x="2317898" y="648586"/>
+                  </a:cubicBezTo>
+                  <a:cubicBezTo>
+                    <a:pt x="2314354" y="634409"/>
+                    <a:pt x="2313021" y="619487"/>
+                    <a:pt x="2307265" y="606056"/>
+                  </a:cubicBezTo>
+                  <a:cubicBezTo>
+                    <a:pt x="2289183" y="563865"/>
+                    <a:pt x="2281476" y="580584"/>
+                    <a:pt x="2254103" y="542261"/>
+                  </a:cubicBezTo>
+                  <a:cubicBezTo>
+                    <a:pt x="2244890" y="529363"/>
+                    <a:pt x="2240701" y="513492"/>
+                    <a:pt x="2232837" y="499730"/>
+                  </a:cubicBezTo>
+                  <a:cubicBezTo>
+                    <a:pt x="2226497" y="488635"/>
+                    <a:pt x="2218660" y="478465"/>
+                    <a:pt x="2211572" y="467833"/>
+                  </a:cubicBezTo>
+                  <a:lnTo>
+                    <a:pt x="2190307" y="404037"/>
+                  </a:lnTo>
+                  <a:cubicBezTo>
+                    <a:pt x="2186763" y="393405"/>
+                    <a:pt x="2187600" y="380065"/>
+                    <a:pt x="2179675" y="372140"/>
+                  </a:cubicBezTo>
+                  <a:lnTo>
+                    <a:pt x="2158409" y="350875"/>
+                  </a:lnTo>
+                  <a:cubicBezTo>
+                    <a:pt x="2154865" y="340242"/>
+                    <a:pt x="2150856" y="329754"/>
+                    <a:pt x="2147777" y="318977"/>
+                  </a:cubicBezTo>
+                  <a:cubicBezTo>
+                    <a:pt x="2143763" y="304926"/>
+                    <a:pt x="2143679" y="289517"/>
+                    <a:pt x="2137144" y="276447"/>
+                  </a:cubicBezTo>
+                  <a:cubicBezTo>
+                    <a:pt x="2132661" y="267481"/>
+                    <a:pt x="2122297" y="262882"/>
+                    <a:pt x="2115879" y="255181"/>
+                  </a:cubicBezTo>
+                  <a:cubicBezTo>
+                    <a:pt x="2037668" y="161325"/>
+                    <a:pt x="2140746" y="269414"/>
+                    <a:pt x="2030819" y="159488"/>
+                  </a:cubicBezTo>
+                  <a:cubicBezTo>
+                    <a:pt x="2020186" y="148856"/>
+                    <a:pt x="2013509" y="131238"/>
+                    <a:pt x="1998921" y="127591"/>
+                  </a:cubicBezTo>
+                  <a:cubicBezTo>
+                    <a:pt x="1970568" y="120503"/>
+                    <a:pt x="1942519" y="112058"/>
+                    <a:pt x="1913861" y="106326"/>
+                  </a:cubicBezTo>
+                  <a:cubicBezTo>
+                    <a:pt x="1883521" y="100258"/>
+                    <a:pt x="1848189" y="94067"/>
+                    <a:pt x="1818168" y="85061"/>
+                  </a:cubicBezTo>
+                  <a:cubicBezTo>
+                    <a:pt x="1796698" y="78620"/>
+                    <a:pt x="1775637" y="70884"/>
+                    <a:pt x="1754372" y="63795"/>
+                  </a:cubicBezTo>
+                  <a:cubicBezTo>
+                    <a:pt x="1743740" y="60251"/>
+                    <a:pt x="1733251" y="56242"/>
+                    <a:pt x="1722475" y="53163"/>
+                  </a:cubicBezTo>
+                  <a:cubicBezTo>
+                    <a:pt x="1697666" y="46075"/>
+                    <a:pt x="1673079" y="38156"/>
+                    <a:pt x="1648047" y="31898"/>
+                  </a:cubicBezTo>
+                  <a:cubicBezTo>
+                    <a:pt x="1630515" y="27515"/>
+                    <a:pt x="1612555" y="25052"/>
+                    <a:pt x="1594884" y="21265"/>
+                  </a:cubicBezTo>
+                  <a:lnTo>
+                    <a:pt x="1499191" y="0"/>
+                  </a:lnTo>
+                  <a:cubicBezTo>
+                    <a:pt x="1332614" y="3544"/>
+                    <a:pt x="1165799" y="1036"/>
+                    <a:pt x="999461" y="10633"/>
+                  </a:cubicBezTo>
+                  <a:cubicBezTo>
+                    <a:pt x="980407" y="11732"/>
+                    <a:pt x="965173" y="29067"/>
+                    <a:pt x="946298" y="31898"/>
+                  </a:cubicBezTo>
+                  <a:cubicBezTo>
+                    <a:pt x="893606" y="39802"/>
+                    <a:pt x="839972" y="38986"/>
+                    <a:pt x="786809" y="42530"/>
+                  </a:cubicBezTo>
+                  <a:cubicBezTo>
+                    <a:pt x="734060" y="77697"/>
+                    <a:pt x="763948" y="54759"/>
+                    <a:pt x="701749" y="116958"/>
+                  </a:cubicBezTo>
+                  <a:cubicBezTo>
+                    <a:pt x="691116" y="127591"/>
+                    <a:pt x="678192" y="136345"/>
+                    <a:pt x="669851" y="148856"/>
+                  </a:cubicBezTo>
+                  <a:cubicBezTo>
+                    <a:pt x="618038" y="226577"/>
+                    <a:pt x="681286" y="128846"/>
+                    <a:pt x="627321" y="223284"/>
+                  </a:cubicBezTo>
+                  <a:cubicBezTo>
+                    <a:pt x="612124" y="249879"/>
+                    <a:pt x="599322" y="255888"/>
+                    <a:pt x="595423" y="287079"/>
+                  </a:cubicBezTo>
+                  <a:cubicBezTo>
+                    <a:pt x="593225" y="304663"/>
+                    <a:pt x="595423" y="322521"/>
+                    <a:pt x="595423" y="340242"/>
+                  </a:cubicBezTo>
+                </a:path>
+              </a:pathLst>
+            </a:custGeom>
+            <a:noFill/>
+            <a:ln>
+              <a:solidFill>
+                <a:srgbClr val="FF0000"/>
+              </a:solidFill>
+              <a:headEnd type="none" w="med" len="med"/>
+              <a:tailEnd type="triangle" w="med" len="med"/>
+            </a:ln>
+          </p:spPr>
+          <p:style>
+            <a:lnRef idx="2">
+              <a:schemeClr val="accent1">
+                <a:shade val="50000"/>
+              </a:schemeClr>
+            </a:lnRef>
+            <a:fillRef idx="1">
+              <a:schemeClr val="accent1"/>
+            </a:fillRef>
+            <a:effectRef idx="0">
+              <a:schemeClr val="accent1"/>
+            </a:effectRef>
+            <a:fontRef idx="minor">
+              <a:schemeClr val="lt1"/>
+            </a:fontRef>
+          </p:style>
+          <p:txBody>
+            <a:bodyPr rtlCol="0" anchor="ctr"/>
+            <a:lstStyle/>
+            <a:p>
+              <a:pPr algn="ctr"/>
+              <a:endParaRPr lang="ru-RU"/>
+            </a:p>
+          </p:txBody>
+        </p:sp>
+      </p:grpSp>
+      <p:grpSp>
+        <p:nvGrpSpPr>
+          <p:cNvPr id="22" name="Группа 21">
             <a:extLst>
               <a:ext uri="{FF2B5EF4-FFF2-40B4-BE49-F238E27FC236}">
-                <a16:creationId xmlns:a16="http://schemas.microsoft.com/office/drawing/2014/main" id="{495AB4DB-06A1-4F34-AB3C-384ED60DCE2F}"/>
+                <a16:creationId xmlns:a16="http://schemas.microsoft.com/office/drawing/2014/main" id="{06383CAE-4D56-4C9A-AAE3-1E5CDA8562CA}"/>
               </a:ext>
             </a:extLst>
           </p:cNvPr>
-          <p:cNvSpPr txBox="1"/>
+          <p:cNvGrpSpPr/>
           <p:nvPr/>
-        </p:nvSpPr>
-        <p:spPr>
-          <a:xfrm rot="5400000">
-            <a:off x="3632215" y="4615113"/>
-            <a:ext cx="1415772" cy="369332"/>
-          </a:xfrm>
-          <a:prstGeom prst="rect">
-            <a:avLst/>
-          </a:prstGeom>
-          <a:noFill/>
-        </p:spPr>
-        <p:txBody>
-          <a:bodyPr wrap="none" rtlCol="0">
-            <a:spAutoFit/>
-          </a:bodyPr>
-          <a:lstStyle/>
-          <a:p>
-            <a:r>
-              <a:rPr lang="en-US" dirty="0"/>
-              <a:t>l = [1,2,3,4,5]</a:t>
-            </a:r>
-            <a:endParaRPr lang="ru-RU" dirty="0"/>
-          </a:p>
-        </p:txBody>
-      </p:sp>
-      <p:sp>
-        <p:nvSpPr>
-          <p:cNvPr id="17" name="Полилиния: фигура 16">
-            <a:extLst>
-              <a:ext uri="{FF2B5EF4-FFF2-40B4-BE49-F238E27FC236}">
-                <a16:creationId xmlns:a16="http://schemas.microsoft.com/office/drawing/2014/main" id="{CCDDA5FA-6D72-47EF-8842-73DC29338912}"/>
-              </a:ext>
-            </a:extLst>
-          </p:cNvPr>
-          <p:cNvSpPr/>
-          <p:nvPr/>
-        </p:nvSpPr>
-        <p:spPr>
-          <a:xfrm>
-            <a:off x="680484" y="1244009"/>
-            <a:ext cx="1775637" cy="4051005"/>
-          </a:xfrm>
-          <a:custGeom>
-            <a:avLst/>
-            <a:gdLst>
-              <a:gd name="connsiteX0" fmla="*/ 1041990 w 1775637"/>
-              <a:gd name="connsiteY0" fmla="*/ 4051005 h 4051005"/>
-              <a:gd name="connsiteX1" fmla="*/ 978195 w 1775637"/>
-              <a:gd name="connsiteY1" fmla="*/ 3944679 h 4051005"/>
-              <a:gd name="connsiteX2" fmla="*/ 935665 w 1775637"/>
-              <a:gd name="connsiteY2" fmla="*/ 3891517 h 4051005"/>
-              <a:gd name="connsiteX3" fmla="*/ 903767 w 1775637"/>
-              <a:gd name="connsiteY3" fmla="*/ 3838354 h 4051005"/>
-              <a:gd name="connsiteX4" fmla="*/ 871869 w 1775637"/>
-              <a:gd name="connsiteY4" fmla="*/ 3806456 h 4051005"/>
-              <a:gd name="connsiteX5" fmla="*/ 850604 w 1775637"/>
-              <a:gd name="connsiteY5" fmla="*/ 3763926 h 4051005"/>
-              <a:gd name="connsiteX6" fmla="*/ 839972 w 1775637"/>
-              <a:gd name="connsiteY6" fmla="*/ 3732028 h 4051005"/>
-              <a:gd name="connsiteX7" fmla="*/ 808074 w 1775637"/>
-              <a:gd name="connsiteY7" fmla="*/ 3700131 h 4051005"/>
-              <a:gd name="connsiteX8" fmla="*/ 786809 w 1775637"/>
-              <a:gd name="connsiteY8" fmla="*/ 3668233 h 4051005"/>
-              <a:gd name="connsiteX9" fmla="*/ 744279 w 1775637"/>
-              <a:gd name="connsiteY9" fmla="*/ 3615070 h 4051005"/>
-              <a:gd name="connsiteX10" fmla="*/ 701749 w 1775637"/>
-              <a:gd name="connsiteY10" fmla="*/ 3551275 h 4051005"/>
-              <a:gd name="connsiteX11" fmla="*/ 627321 w 1775637"/>
-              <a:gd name="connsiteY11" fmla="*/ 3455582 h 4051005"/>
-              <a:gd name="connsiteX12" fmla="*/ 563525 w 1775637"/>
-              <a:gd name="connsiteY12" fmla="*/ 3391786 h 4051005"/>
-              <a:gd name="connsiteX13" fmla="*/ 542260 w 1775637"/>
-              <a:gd name="connsiteY13" fmla="*/ 3359889 h 4051005"/>
-              <a:gd name="connsiteX14" fmla="*/ 489097 w 1775637"/>
-              <a:gd name="connsiteY14" fmla="*/ 3306726 h 4051005"/>
-              <a:gd name="connsiteX15" fmla="*/ 446567 w 1775637"/>
-              <a:gd name="connsiteY15" fmla="*/ 3242931 h 4051005"/>
-              <a:gd name="connsiteX16" fmla="*/ 393404 w 1775637"/>
-              <a:gd name="connsiteY16" fmla="*/ 3179135 h 4051005"/>
-              <a:gd name="connsiteX17" fmla="*/ 361507 w 1775637"/>
-              <a:gd name="connsiteY17" fmla="*/ 3094075 h 4051005"/>
-              <a:gd name="connsiteX18" fmla="*/ 329609 w 1775637"/>
-              <a:gd name="connsiteY18" fmla="*/ 3062177 h 4051005"/>
-              <a:gd name="connsiteX19" fmla="*/ 297711 w 1775637"/>
-              <a:gd name="connsiteY19" fmla="*/ 2987749 h 4051005"/>
-              <a:gd name="connsiteX20" fmla="*/ 287079 w 1775637"/>
-              <a:gd name="connsiteY20" fmla="*/ 2945219 h 4051005"/>
-              <a:gd name="connsiteX21" fmla="*/ 276446 w 1775637"/>
-              <a:gd name="connsiteY21" fmla="*/ 2913321 h 4051005"/>
-              <a:gd name="connsiteX22" fmla="*/ 265814 w 1775637"/>
-              <a:gd name="connsiteY22" fmla="*/ 2838893 h 4051005"/>
-              <a:gd name="connsiteX23" fmla="*/ 244549 w 1775637"/>
-              <a:gd name="connsiteY23" fmla="*/ 2806996 h 4051005"/>
-              <a:gd name="connsiteX24" fmla="*/ 223283 w 1775637"/>
-              <a:gd name="connsiteY24" fmla="*/ 2764465 h 4051005"/>
-              <a:gd name="connsiteX25" fmla="*/ 191386 w 1775637"/>
-              <a:gd name="connsiteY25" fmla="*/ 2679405 h 4051005"/>
-              <a:gd name="connsiteX26" fmla="*/ 180753 w 1775637"/>
-              <a:gd name="connsiteY26" fmla="*/ 2626242 h 4051005"/>
-              <a:gd name="connsiteX27" fmla="*/ 159488 w 1775637"/>
-              <a:gd name="connsiteY27" fmla="*/ 2541182 h 4051005"/>
-              <a:gd name="connsiteX28" fmla="*/ 127590 w 1775637"/>
-              <a:gd name="connsiteY28" fmla="*/ 2434856 h 4051005"/>
-              <a:gd name="connsiteX29" fmla="*/ 116958 w 1775637"/>
-              <a:gd name="connsiteY29" fmla="*/ 2307265 h 4051005"/>
-              <a:gd name="connsiteX30" fmla="*/ 95693 w 1775637"/>
-              <a:gd name="connsiteY30" fmla="*/ 2222205 h 4051005"/>
-              <a:gd name="connsiteX31" fmla="*/ 74428 w 1775637"/>
-              <a:gd name="connsiteY31" fmla="*/ 1977656 h 4051005"/>
-              <a:gd name="connsiteX32" fmla="*/ 63795 w 1775637"/>
-              <a:gd name="connsiteY32" fmla="*/ 1945758 h 4051005"/>
-              <a:gd name="connsiteX33" fmla="*/ 21265 w 1775637"/>
-              <a:gd name="connsiteY33" fmla="*/ 1446028 h 4051005"/>
-              <a:gd name="connsiteX34" fmla="*/ 0 w 1775637"/>
-              <a:gd name="connsiteY34" fmla="*/ 1137684 h 4051005"/>
-              <a:gd name="connsiteX35" fmla="*/ 21265 w 1775637"/>
-              <a:gd name="connsiteY35" fmla="*/ 606056 h 4051005"/>
-              <a:gd name="connsiteX36" fmla="*/ 42530 w 1775637"/>
-              <a:gd name="connsiteY36" fmla="*/ 574158 h 4051005"/>
-              <a:gd name="connsiteX37" fmla="*/ 53163 w 1775637"/>
-              <a:gd name="connsiteY37" fmla="*/ 520996 h 4051005"/>
-              <a:gd name="connsiteX38" fmla="*/ 95693 w 1775637"/>
-              <a:gd name="connsiteY38" fmla="*/ 478465 h 4051005"/>
-              <a:gd name="connsiteX39" fmla="*/ 191386 w 1775637"/>
-              <a:gd name="connsiteY39" fmla="*/ 372140 h 4051005"/>
-              <a:gd name="connsiteX40" fmla="*/ 223283 w 1775637"/>
-              <a:gd name="connsiteY40" fmla="*/ 340242 h 4051005"/>
-              <a:gd name="connsiteX41" fmla="*/ 308344 w 1775637"/>
-              <a:gd name="connsiteY41" fmla="*/ 233917 h 4051005"/>
-              <a:gd name="connsiteX42" fmla="*/ 340242 w 1775637"/>
-              <a:gd name="connsiteY42" fmla="*/ 223284 h 4051005"/>
-              <a:gd name="connsiteX43" fmla="*/ 404037 w 1775637"/>
-              <a:gd name="connsiteY43" fmla="*/ 170121 h 4051005"/>
-              <a:gd name="connsiteX44" fmla="*/ 467832 w 1775637"/>
-              <a:gd name="connsiteY44" fmla="*/ 127591 h 4051005"/>
-              <a:gd name="connsiteX45" fmla="*/ 489097 w 1775637"/>
-              <a:gd name="connsiteY45" fmla="*/ 85061 h 4051005"/>
-              <a:gd name="connsiteX46" fmla="*/ 584790 w 1775637"/>
-              <a:gd name="connsiteY46" fmla="*/ 53163 h 4051005"/>
-              <a:gd name="connsiteX47" fmla="*/ 627321 w 1775637"/>
-              <a:gd name="connsiteY47" fmla="*/ 31898 h 4051005"/>
-              <a:gd name="connsiteX48" fmla="*/ 659218 w 1775637"/>
-              <a:gd name="connsiteY48" fmla="*/ 10633 h 4051005"/>
-              <a:gd name="connsiteX49" fmla="*/ 701749 w 1775637"/>
-              <a:gd name="connsiteY49" fmla="*/ 0 h 4051005"/>
-              <a:gd name="connsiteX50" fmla="*/ 1201479 w 1775637"/>
-              <a:gd name="connsiteY50" fmla="*/ 10633 h 4051005"/>
-              <a:gd name="connsiteX51" fmla="*/ 1392865 w 1775637"/>
-              <a:gd name="connsiteY51" fmla="*/ 42531 h 4051005"/>
-              <a:gd name="connsiteX52" fmla="*/ 1467293 w 1775637"/>
-              <a:gd name="connsiteY52" fmla="*/ 53163 h 4051005"/>
-              <a:gd name="connsiteX53" fmla="*/ 1509823 w 1775637"/>
-              <a:gd name="connsiteY53" fmla="*/ 74428 h 4051005"/>
-              <a:gd name="connsiteX54" fmla="*/ 1562986 w 1775637"/>
-              <a:gd name="connsiteY54" fmla="*/ 85061 h 4051005"/>
-              <a:gd name="connsiteX55" fmla="*/ 1594883 w 1775637"/>
-              <a:gd name="connsiteY55" fmla="*/ 116958 h 4051005"/>
-              <a:gd name="connsiteX56" fmla="*/ 1626781 w 1775637"/>
-              <a:gd name="connsiteY56" fmla="*/ 138224 h 4051005"/>
-              <a:gd name="connsiteX57" fmla="*/ 1690576 w 1775637"/>
-              <a:gd name="connsiteY57" fmla="*/ 202019 h 4051005"/>
-              <a:gd name="connsiteX58" fmla="*/ 1711842 w 1775637"/>
-              <a:gd name="connsiteY58" fmla="*/ 223284 h 4051005"/>
-              <a:gd name="connsiteX59" fmla="*/ 1765004 w 1775637"/>
-              <a:gd name="connsiteY59" fmla="*/ 287079 h 4051005"/>
-              <a:gd name="connsiteX60" fmla="*/ 1775637 w 1775637"/>
-              <a:gd name="connsiteY60" fmla="*/ 318977 h 4051005"/>
-              <a:gd name="connsiteX61" fmla="*/ 1754372 w 1775637"/>
-              <a:gd name="connsiteY61" fmla="*/ 404038 h 4051005"/>
-            </a:gdLst>
-            <a:ahLst/>
-            <a:cxnLst>
-              <a:cxn ang="0">
-                <a:pos x="connsiteX0" y="connsiteY0"/>
-              </a:cxn>
-              <a:cxn ang="0">
-                <a:pos x="connsiteX1" y="connsiteY1"/>
-              </a:cxn>
-              <a:cxn ang="0">
-                <a:pos x="connsiteX2" y="connsiteY2"/>
-              </a:cxn>
-              <a:cxn ang="0">
-                <a:pos x="connsiteX3" y="connsiteY3"/>
-              </a:cxn>
-              <a:cxn ang="0">
-                <a:pos x="connsiteX4" y="connsiteY4"/>
-              </a:cxn>
-              <a:cxn ang="0">
-                <a:pos x="connsiteX5" y="connsiteY5"/>
-              </a:cxn>
-              <a:cxn ang="0">
-                <a:pos x="connsiteX6" y="connsiteY6"/>
-              </a:cxn>
-              <a:cxn ang="0">
-                <a:pos x="connsiteX7" y="connsiteY7"/>
-              </a:cxn>
-              <a:cxn ang="0">
-                <a:pos x="connsiteX8" y="connsiteY8"/>
-              </a:cxn>
-              <a:cxn ang="0">
-                <a:pos x="connsiteX9" y="connsiteY9"/>
-              </a:cxn>
-              <a:cxn ang="0">
-                <a:pos x="connsiteX10" y="connsiteY10"/>
-              </a:cxn>
-              <a:cxn ang="0">
-                <a:pos x="connsiteX11" y="connsiteY11"/>
-              </a:cxn>
-              <a:cxn ang="0">
-                <a:pos x="connsiteX12" y="connsiteY12"/>
-              </a:cxn>
-              <a:cxn ang="0">
-                <a:pos x="connsiteX13" y="connsiteY13"/>
-              </a:cxn>
-              <a:cxn ang="0">
-                <a:pos x="connsiteX14" y="connsiteY14"/>
-              </a:cxn>
-              <a:cxn ang="0">
-                <a:pos x="connsiteX15" y="connsiteY15"/>
-              </a:cxn>
-              <a:cxn ang="0">
-                <a:pos x="connsiteX16" y="connsiteY16"/>
-              </a:cxn>
-              <a:cxn ang="0">
-                <a:pos x="connsiteX17" y="connsiteY17"/>
-              </a:cxn>
-              <a:cxn ang="0">
-                <a:pos x="connsiteX18" y="connsiteY18"/>
-              </a:cxn>
-              <a:cxn ang="0">
-                <a:pos x="connsiteX19" y="connsiteY19"/>
-              </a:cxn>
-              <a:cxn ang="0">
-                <a:pos x="connsiteX20" y="connsiteY20"/>
-              </a:cxn>
-              <a:cxn ang="0">
-                <a:pos x="connsiteX21" y="connsiteY21"/>
-              </a:cxn>
-              <a:cxn ang="0">
-                <a:pos x="connsiteX22" y="connsiteY22"/>
-              </a:cxn>
-              <a:cxn ang="0">
-                <a:pos x="connsiteX23" y="connsiteY23"/>
-              </a:cxn>
-              <a:cxn ang="0">
-                <a:pos x="connsiteX24" y="connsiteY24"/>
-              </a:cxn>
-              <a:cxn ang="0">
-                <a:pos x="connsiteX25" y="connsiteY25"/>
-              </a:cxn>
-              <a:cxn ang="0">
-                <a:pos x="connsiteX26" y="connsiteY26"/>
-              </a:cxn>
-              <a:cxn ang="0">
-                <a:pos x="connsiteX27" y="connsiteY27"/>
-              </a:cxn>
-              <a:cxn ang="0">
-                <a:pos x="connsiteX28" y="connsiteY28"/>
-              </a:cxn>
-              <a:cxn ang="0">
-                <a:pos x="connsiteX29" y="connsiteY29"/>
-              </a:cxn>
-              <a:cxn ang="0">
-                <a:pos x="connsiteX30" y="connsiteY30"/>
-              </a:cxn>
-              <a:cxn ang="0">
-                <a:pos x="connsiteX31" y="connsiteY31"/>
-              </a:cxn>
-              <a:cxn ang="0">
-                <a:pos x="connsiteX32" y="connsiteY32"/>
-              </a:cxn>
-              <a:cxn ang="0">
-                <a:pos x="connsiteX33" y="connsiteY33"/>
-              </a:cxn>
-              <a:cxn ang="0">
-                <a:pos x="connsiteX34" y="connsiteY34"/>
-              </a:cxn>
-              <a:cxn ang="0">
-                <a:pos x="connsiteX35" y="connsiteY35"/>
-              </a:cxn>
-              <a:cxn ang="0">
-                <a:pos x="connsiteX36" y="connsiteY36"/>
-              </a:cxn>
-              <a:cxn ang="0">
-                <a:pos x="connsiteX37" y="connsiteY37"/>
-              </a:cxn>
-              <a:cxn ang="0">
-                <a:pos x="connsiteX38" y="connsiteY38"/>
-              </a:cxn>
-              <a:cxn ang="0">
-                <a:pos x="connsiteX39" y="connsiteY39"/>
-              </a:cxn>
-              <a:cxn ang="0">
-                <a:pos x="connsiteX40" y="connsiteY40"/>
-              </a:cxn>
-              <a:cxn ang="0">
-                <a:pos x="connsiteX41" y="connsiteY41"/>
-              </a:cxn>
-              <a:cxn ang="0">
-                <a:pos x="connsiteX42" y="connsiteY42"/>
-              </a:cxn>
-              <a:cxn ang="0">
-                <a:pos x="connsiteX43" y="connsiteY43"/>
-              </a:cxn>
-              <a:cxn ang="0">
-                <a:pos x="connsiteX44" y="connsiteY44"/>
-              </a:cxn>
-              <a:cxn ang="0">
-                <a:pos x="connsiteX45" y="connsiteY45"/>
-              </a:cxn>
-              <a:cxn ang="0">
-                <a:pos x="connsiteX46" y="connsiteY46"/>
-              </a:cxn>
-              <a:cxn ang="0">
-                <a:pos x="connsiteX47" y="connsiteY47"/>
-              </a:cxn>
-              <a:cxn ang="0">
-                <a:pos x="connsiteX48" y="connsiteY48"/>
-              </a:cxn>
-              <a:cxn ang="0">
-                <a:pos x="connsiteX49" y="connsiteY49"/>
-              </a:cxn>
-              <a:cxn ang="0">
-                <a:pos x="connsiteX50" y="connsiteY50"/>
-              </a:cxn>
-              <a:cxn ang="0">
-                <a:pos x="connsiteX51" y="connsiteY51"/>
-              </a:cxn>
-              <a:cxn ang="0">
-                <a:pos x="connsiteX52" y="connsiteY52"/>
-              </a:cxn>
-              <a:cxn ang="0">
-                <a:pos x="connsiteX53" y="connsiteY53"/>
-              </a:cxn>
-              <a:cxn ang="0">
-                <a:pos x="connsiteX54" y="connsiteY54"/>
-              </a:cxn>
-              <a:cxn ang="0">
-                <a:pos x="connsiteX55" y="connsiteY55"/>
-              </a:cxn>
-              <a:cxn ang="0">
-                <a:pos x="connsiteX56" y="connsiteY56"/>
-              </a:cxn>
-              <a:cxn ang="0">
-                <a:pos x="connsiteX57" y="connsiteY57"/>
-              </a:cxn>
-              <a:cxn ang="0">
-                <a:pos x="connsiteX58" y="connsiteY58"/>
-              </a:cxn>
-              <a:cxn ang="0">
-                <a:pos x="connsiteX59" y="connsiteY59"/>
-              </a:cxn>
-              <a:cxn ang="0">
-                <a:pos x="connsiteX60" y="connsiteY60"/>
-              </a:cxn>
-              <a:cxn ang="0">
-                <a:pos x="connsiteX61" y="connsiteY61"/>
-              </a:cxn>
-            </a:cxnLst>
-            <a:rect l="l" t="t" r="r" b="b"/>
-            <a:pathLst>
-              <a:path w="1775637" h="4051005">
-                <a:moveTo>
-                  <a:pt x="1041990" y="4051005"/>
-                </a:moveTo>
-                <a:cubicBezTo>
-                  <a:pt x="1020725" y="4015563"/>
-                  <a:pt x="1004015" y="3976954"/>
-                  <a:pt x="978195" y="3944679"/>
-                </a:cubicBezTo>
-                <a:cubicBezTo>
-                  <a:pt x="964018" y="3926958"/>
-                  <a:pt x="948679" y="3910108"/>
-                  <a:pt x="935665" y="3891517"/>
-                </a:cubicBezTo>
-                <a:cubicBezTo>
-                  <a:pt x="923814" y="3874587"/>
-                  <a:pt x="916167" y="3854887"/>
-                  <a:pt x="903767" y="3838354"/>
-                </a:cubicBezTo>
-                <a:cubicBezTo>
-                  <a:pt x="894745" y="3826325"/>
-                  <a:pt x="880609" y="3818692"/>
-                  <a:pt x="871869" y="3806456"/>
-                </a:cubicBezTo>
-                <a:cubicBezTo>
-                  <a:pt x="862656" y="3793558"/>
-                  <a:pt x="856848" y="3778494"/>
-                  <a:pt x="850604" y="3763926"/>
-                </a:cubicBezTo>
-                <a:cubicBezTo>
-                  <a:pt x="846189" y="3753624"/>
-                  <a:pt x="846189" y="3741353"/>
-                  <a:pt x="839972" y="3732028"/>
-                </a:cubicBezTo>
-                <a:cubicBezTo>
-                  <a:pt x="831631" y="3719517"/>
-                  <a:pt x="817700" y="3711682"/>
-                  <a:pt x="808074" y="3700131"/>
-                </a:cubicBezTo>
-                <a:cubicBezTo>
-                  <a:pt x="799893" y="3690314"/>
-                  <a:pt x="794476" y="3678456"/>
-                  <a:pt x="786809" y="3668233"/>
-                </a:cubicBezTo>
-                <a:cubicBezTo>
-                  <a:pt x="773193" y="3650078"/>
-                  <a:pt x="757627" y="3633423"/>
-                  <a:pt x="744279" y="3615070"/>
-                </a:cubicBezTo>
-                <a:cubicBezTo>
-                  <a:pt x="729247" y="3594401"/>
-                  <a:pt x="719821" y="3569347"/>
-                  <a:pt x="701749" y="3551275"/>
-                </a:cubicBezTo>
-                <a:cubicBezTo>
-                  <a:pt x="562696" y="3412222"/>
-                  <a:pt x="753960" y="3610363"/>
-                  <a:pt x="627321" y="3455582"/>
-                </a:cubicBezTo>
-                <a:cubicBezTo>
-                  <a:pt x="608277" y="3432306"/>
-                  <a:pt x="580207" y="3416809"/>
-                  <a:pt x="563525" y="3391786"/>
-                </a:cubicBezTo>
-                <a:cubicBezTo>
-                  <a:pt x="556437" y="3381154"/>
-                  <a:pt x="550675" y="3369506"/>
-                  <a:pt x="542260" y="3359889"/>
-                </a:cubicBezTo>
-                <a:cubicBezTo>
-                  <a:pt x="525757" y="3341029"/>
-                  <a:pt x="489097" y="3306726"/>
-                  <a:pt x="489097" y="3306726"/>
-                </a:cubicBezTo>
-                <a:cubicBezTo>
-                  <a:pt x="470412" y="3250668"/>
-                  <a:pt x="490815" y="3296028"/>
-                  <a:pt x="446567" y="3242931"/>
-                </a:cubicBezTo>
-                <a:cubicBezTo>
-                  <a:pt x="372545" y="3154105"/>
-                  <a:pt x="486603" y="3272334"/>
-                  <a:pt x="393404" y="3179135"/>
-                </a:cubicBezTo>
-                <a:cubicBezTo>
-                  <a:pt x="384842" y="3144887"/>
-                  <a:pt x="382892" y="3124014"/>
-                  <a:pt x="361507" y="3094075"/>
-                </a:cubicBezTo>
-                <a:cubicBezTo>
-                  <a:pt x="352767" y="3081839"/>
-                  <a:pt x="340242" y="3072810"/>
-                  <a:pt x="329609" y="3062177"/>
-                </a:cubicBezTo>
-                <a:cubicBezTo>
-                  <a:pt x="299080" y="2940068"/>
-                  <a:pt x="341770" y="3090555"/>
-                  <a:pt x="297711" y="2987749"/>
-                </a:cubicBezTo>
-                <a:cubicBezTo>
-                  <a:pt x="291955" y="2974318"/>
-                  <a:pt x="291093" y="2959270"/>
-                  <a:pt x="287079" y="2945219"/>
-                </a:cubicBezTo>
-                <a:cubicBezTo>
-                  <a:pt x="284000" y="2934442"/>
-                  <a:pt x="279990" y="2923954"/>
-                  <a:pt x="276446" y="2913321"/>
-                </a:cubicBezTo>
-                <a:cubicBezTo>
-                  <a:pt x="272902" y="2888512"/>
-                  <a:pt x="273015" y="2862897"/>
-                  <a:pt x="265814" y="2838893"/>
-                </a:cubicBezTo>
-                <a:cubicBezTo>
-                  <a:pt x="262142" y="2826653"/>
-                  <a:pt x="250889" y="2818091"/>
-                  <a:pt x="244549" y="2806996"/>
-                </a:cubicBezTo>
-                <a:cubicBezTo>
-                  <a:pt x="236685" y="2793234"/>
-                  <a:pt x="230372" y="2778642"/>
-                  <a:pt x="223283" y="2764465"/>
-                </a:cubicBezTo>
-                <a:cubicBezTo>
-                  <a:pt x="183183" y="2604058"/>
-                  <a:pt x="246979" y="2846183"/>
-                  <a:pt x="191386" y="2679405"/>
-                </a:cubicBezTo>
-                <a:cubicBezTo>
-                  <a:pt x="185671" y="2662260"/>
-                  <a:pt x="184817" y="2643851"/>
-                  <a:pt x="180753" y="2626242"/>
-                </a:cubicBezTo>
-                <a:cubicBezTo>
-                  <a:pt x="174181" y="2597765"/>
-                  <a:pt x="168730" y="2568908"/>
-                  <a:pt x="159488" y="2541182"/>
-                </a:cubicBezTo>
-                <a:cubicBezTo>
-                  <a:pt x="140697" y="2484806"/>
-                  <a:pt x="151935" y="2520060"/>
-                  <a:pt x="127590" y="2434856"/>
-                </a:cubicBezTo>
-                <a:cubicBezTo>
-                  <a:pt x="124046" y="2392326"/>
-                  <a:pt x="123289" y="2349471"/>
-                  <a:pt x="116958" y="2307265"/>
-                </a:cubicBezTo>
-                <a:cubicBezTo>
-                  <a:pt x="112623" y="2278362"/>
-                  <a:pt x="99826" y="2251137"/>
-                  <a:pt x="95693" y="2222205"/>
-                </a:cubicBezTo>
-                <a:cubicBezTo>
-                  <a:pt x="60284" y="1974346"/>
-                  <a:pt x="106649" y="2187096"/>
-                  <a:pt x="74428" y="1977656"/>
-                </a:cubicBezTo>
-                <a:cubicBezTo>
-                  <a:pt x="72724" y="1966578"/>
-                  <a:pt x="67339" y="1956391"/>
-                  <a:pt x="63795" y="1945758"/>
-                </a:cubicBezTo>
-                <a:cubicBezTo>
-                  <a:pt x="29697" y="1741159"/>
-                  <a:pt x="51454" y="1883769"/>
-                  <a:pt x="21265" y="1446028"/>
-                </a:cubicBezTo>
-                <a:lnTo>
-                  <a:pt x="0" y="1137684"/>
-                </a:lnTo>
-                <a:cubicBezTo>
-                  <a:pt x="7088" y="960475"/>
-                  <a:pt x="7918" y="782904"/>
-                  <a:pt x="21265" y="606056"/>
-                </a:cubicBezTo>
-                <a:cubicBezTo>
-                  <a:pt x="22227" y="593313"/>
-                  <a:pt x="38043" y="586123"/>
-                  <a:pt x="42530" y="574158"/>
-                </a:cubicBezTo>
-                <a:cubicBezTo>
-                  <a:pt x="48875" y="557237"/>
-                  <a:pt x="44387" y="536793"/>
-                  <a:pt x="53163" y="520996"/>
-                </a:cubicBezTo>
-                <a:cubicBezTo>
-                  <a:pt x="62900" y="503470"/>
-                  <a:pt x="82491" y="493554"/>
-                  <a:pt x="95693" y="478465"/>
-                </a:cubicBezTo>
-                <a:cubicBezTo>
-                  <a:pt x="212217" y="345292"/>
-                  <a:pt x="2063" y="561463"/>
-                  <a:pt x="191386" y="372140"/>
-                </a:cubicBezTo>
-                <a:cubicBezTo>
-                  <a:pt x="202019" y="361507"/>
-                  <a:pt x="216558" y="353691"/>
-                  <a:pt x="223283" y="340242"/>
-                </a:cubicBezTo>
-                <a:cubicBezTo>
-                  <a:pt x="242186" y="302438"/>
-                  <a:pt x="263344" y="248918"/>
-                  <a:pt x="308344" y="233917"/>
-                </a:cubicBezTo>
-                <a:lnTo>
-                  <a:pt x="340242" y="223284"/>
-                </a:lnTo>
-                <a:cubicBezTo>
-                  <a:pt x="433411" y="130112"/>
-                  <a:pt x="315235" y="244121"/>
-                  <a:pt x="404037" y="170121"/>
-                </a:cubicBezTo>
-                <a:cubicBezTo>
-                  <a:pt x="457135" y="125874"/>
-                  <a:pt x="411776" y="146278"/>
-                  <a:pt x="467832" y="127591"/>
-                </a:cubicBezTo>
-                <a:cubicBezTo>
-                  <a:pt x="474920" y="113414"/>
-                  <a:pt x="477889" y="96269"/>
-                  <a:pt x="489097" y="85061"/>
-                </a:cubicBezTo>
-                <a:cubicBezTo>
-                  <a:pt x="511107" y="63052"/>
-                  <a:pt x="557912" y="58539"/>
-                  <a:pt x="584790" y="53163"/>
-                </a:cubicBezTo>
-                <a:cubicBezTo>
-                  <a:pt x="598967" y="46075"/>
-                  <a:pt x="613559" y="39762"/>
-                  <a:pt x="627321" y="31898"/>
-                </a:cubicBezTo>
-                <a:cubicBezTo>
-                  <a:pt x="638416" y="25558"/>
-                  <a:pt x="647473" y="15667"/>
-                  <a:pt x="659218" y="10633"/>
-                </a:cubicBezTo>
-                <a:cubicBezTo>
-                  <a:pt x="672650" y="4876"/>
-                  <a:pt x="687572" y="3544"/>
-                  <a:pt x="701749" y="0"/>
-                </a:cubicBezTo>
-                <a:lnTo>
-                  <a:pt x="1201479" y="10633"/>
-                </a:lnTo>
-                <a:cubicBezTo>
-                  <a:pt x="1263749" y="12897"/>
-                  <a:pt x="1332713" y="31916"/>
-                  <a:pt x="1392865" y="42531"/>
-                </a:cubicBezTo>
-                <a:cubicBezTo>
-                  <a:pt x="1417545" y="46886"/>
-                  <a:pt x="1442484" y="49619"/>
-                  <a:pt x="1467293" y="53163"/>
-                </a:cubicBezTo>
-                <a:cubicBezTo>
-                  <a:pt x="1481470" y="60251"/>
-                  <a:pt x="1494786" y="69416"/>
-                  <a:pt x="1509823" y="74428"/>
-                </a:cubicBezTo>
-                <a:cubicBezTo>
-                  <a:pt x="1526968" y="80143"/>
-                  <a:pt x="1546822" y="76979"/>
-                  <a:pt x="1562986" y="85061"/>
-                </a:cubicBezTo>
-                <a:cubicBezTo>
-                  <a:pt x="1576435" y="91785"/>
-                  <a:pt x="1583332" y="107332"/>
-                  <a:pt x="1594883" y="116958"/>
-                </a:cubicBezTo>
-                <a:cubicBezTo>
-                  <a:pt x="1604700" y="125139"/>
-                  <a:pt x="1617230" y="129734"/>
-                  <a:pt x="1626781" y="138224"/>
-                </a:cubicBezTo>
-                <a:cubicBezTo>
-                  <a:pt x="1649258" y="158204"/>
-                  <a:pt x="1669311" y="180754"/>
-                  <a:pt x="1690576" y="202019"/>
-                </a:cubicBezTo>
-                <a:lnTo>
-                  <a:pt x="1711842" y="223284"/>
-                </a:lnTo>
-                <a:cubicBezTo>
-                  <a:pt x="1735354" y="246796"/>
-                  <a:pt x="1750202" y="257476"/>
-                  <a:pt x="1765004" y="287079"/>
-                </a:cubicBezTo>
-                <a:cubicBezTo>
-                  <a:pt x="1770016" y="297104"/>
-                  <a:pt x="1772093" y="308344"/>
-                  <a:pt x="1775637" y="318977"/>
-                </a:cubicBezTo>
-                <a:cubicBezTo>
-                  <a:pt x="1764295" y="398367"/>
-                  <a:pt x="1782724" y="375683"/>
-                  <a:pt x="1754372" y="404038"/>
-                </a:cubicBezTo>
-              </a:path>
-            </a:pathLst>
-          </a:custGeom>
-          <a:noFill/>
-          <a:ln>
-            <a:solidFill>
-              <a:srgbClr val="FF0000"/>
-            </a:solidFill>
-            <a:headEnd type="none" w="med" len="med"/>
-            <a:tailEnd type="triangle" w="med" len="med"/>
-          </a:ln>
-        </p:spPr>
-        <p:style>
-          <a:lnRef idx="2">
-            <a:schemeClr val="accent1">
-              <a:shade val="50000"/>
-            </a:schemeClr>
-          </a:lnRef>
-          <a:fillRef idx="1">
-            <a:schemeClr val="accent1"/>
-          </a:fillRef>
-          <a:effectRef idx="0">
-            <a:schemeClr val="accent1"/>
-          </a:effectRef>
-          <a:fontRef idx="minor">
-            <a:schemeClr val="lt1"/>
-          </a:fontRef>
-        </p:style>
-        <p:txBody>
-          <a:bodyPr rtlCol="0" anchor="ctr"/>
-          <a:lstStyle/>
-          <a:p>
-            <a:pPr algn="ctr"/>
-            <a:endParaRPr lang="ru-RU"/>
-          </a:p>
-        </p:txBody>
-      </p:sp>
-      <p:sp>
-        <p:nvSpPr>
-          <p:cNvPr id="18" name="Полилиния: фигура 17">
-            <a:extLst>
-              <a:ext uri="{FF2B5EF4-FFF2-40B4-BE49-F238E27FC236}">
-                <a16:creationId xmlns:a16="http://schemas.microsoft.com/office/drawing/2014/main" id="{836D6C35-C9B7-41E9-8563-F536452F8FAB}"/>
-              </a:ext>
-            </a:extLst>
-          </p:cNvPr>
-          <p:cNvSpPr/>
-          <p:nvPr/>
-        </p:nvSpPr>
-        <p:spPr>
-          <a:xfrm>
-            <a:off x="2137144" y="1297172"/>
-            <a:ext cx="2477386" cy="4104168"/>
-          </a:xfrm>
-          <a:custGeom>
-            <a:avLst/>
-            <a:gdLst>
-              <a:gd name="connsiteX0" fmla="*/ 0 w 2477386"/>
-              <a:gd name="connsiteY0" fmla="*/ 4104168 h 4104168"/>
-              <a:gd name="connsiteX1" fmla="*/ 63796 w 2477386"/>
-              <a:gd name="connsiteY1" fmla="*/ 4082902 h 4104168"/>
-              <a:gd name="connsiteX2" fmla="*/ 159489 w 2477386"/>
-              <a:gd name="connsiteY2" fmla="*/ 4061637 h 4104168"/>
-              <a:gd name="connsiteX3" fmla="*/ 180754 w 2477386"/>
-              <a:gd name="connsiteY3" fmla="*/ 4029740 h 4104168"/>
-              <a:gd name="connsiteX4" fmla="*/ 255182 w 2477386"/>
-              <a:gd name="connsiteY4" fmla="*/ 4019107 h 4104168"/>
-              <a:gd name="connsiteX5" fmla="*/ 318977 w 2477386"/>
-              <a:gd name="connsiteY5" fmla="*/ 3955312 h 4104168"/>
-              <a:gd name="connsiteX6" fmla="*/ 350875 w 2477386"/>
-              <a:gd name="connsiteY6" fmla="*/ 3934047 h 4104168"/>
-              <a:gd name="connsiteX7" fmla="*/ 414670 w 2477386"/>
-              <a:gd name="connsiteY7" fmla="*/ 3870251 h 4104168"/>
-              <a:gd name="connsiteX8" fmla="*/ 478465 w 2477386"/>
-              <a:gd name="connsiteY8" fmla="*/ 3827721 h 4104168"/>
-              <a:gd name="connsiteX9" fmla="*/ 584791 w 2477386"/>
-              <a:gd name="connsiteY9" fmla="*/ 3700130 h 4104168"/>
-              <a:gd name="connsiteX10" fmla="*/ 616689 w 2477386"/>
-              <a:gd name="connsiteY10" fmla="*/ 3668233 h 4104168"/>
-              <a:gd name="connsiteX11" fmla="*/ 648586 w 2477386"/>
-              <a:gd name="connsiteY11" fmla="*/ 3636335 h 4104168"/>
-              <a:gd name="connsiteX12" fmla="*/ 701749 w 2477386"/>
-              <a:gd name="connsiteY12" fmla="*/ 3604437 h 4104168"/>
-              <a:gd name="connsiteX13" fmla="*/ 797442 w 2477386"/>
-              <a:gd name="connsiteY13" fmla="*/ 3572540 h 4104168"/>
-              <a:gd name="connsiteX14" fmla="*/ 829340 w 2477386"/>
-              <a:gd name="connsiteY14" fmla="*/ 3551275 h 4104168"/>
-              <a:gd name="connsiteX15" fmla="*/ 871870 w 2477386"/>
-              <a:gd name="connsiteY15" fmla="*/ 3540642 h 4104168"/>
-              <a:gd name="connsiteX16" fmla="*/ 999461 w 2477386"/>
-              <a:gd name="connsiteY16" fmla="*/ 3519377 h 4104168"/>
-              <a:gd name="connsiteX17" fmla="*/ 1031358 w 2477386"/>
-              <a:gd name="connsiteY17" fmla="*/ 3508744 h 4104168"/>
-              <a:gd name="connsiteX18" fmla="*/ 1073889 w 2477386"/>
-              <a:gd name="connsiteY18" fmla="*/ 3498112 h 4104168"/>
-              <a:gd name="connsiteX19" fmla="*/ 1105786 w 2477386"/>
-              <a:gd name="connsiteY19" fmla="*/ 3476847 h 4104168"/>
-              <a:gd name="connsiteX20" fmla="*/ 1158949 w 2477386"/>
-              <a:gd name="connsiteY20" fmla="*/ 3423684 h 4104168"/>
-              <a:gd name="connsiteX21" fmla="*/ 1201479 w 2477386"/>
-              <a:gd name="connsiteY21" fmla="*/ 3413051 h 4104168"/>
-              <a:gd name="connsiteX22" fmla="*/ 1265275 w 2477386"/>
-              <a:gd name="connsiteY22" fmla="*/ 3370521 h 4104168"/>
-              <a:gd name="connsiteX23" fmla="*/ 1307805 w 2477386"/>
-              <a:gd name="connsiteY23" fmla="*/ 3338623 h 4104168"/>
-              <a:gd name="connsiteX24" fmla="*/ 1371600 w 2477386"/>
-              <a:gd name="connsiteY24" fmla="*/ 3296093 h 4104168"/>
-              <a:gd name="connsiteX25" fmla="*/ 1435396 w 2477386"/>
-              <a:gd name="connsiteY25" fmla="*/ 3242930 h 4104168"/>
-              <a:gd name="connsiteX26" fmla="*/ 1467293 w 2477386"/>
-              <a:gd name="connsiteY26" fmla="*/ 3200400 h 4104168"/>
-              <a:gd name="connsiteX27" fmla="*/ 1531089 w 2477386"/>
-              <a:gd name="connsiteY27" fmla="*/ 3136605 h 4104168"/>
-              <a:gd name="connsiteX28" fmla="*/ 1605516 w 2477386"/>
-              <a:gd name="connsiteY28" fmla="*/ 3030279 h 4104168"/>
-              <a:gd name="connsiteX29" fmla="*/ 1658679 w 2477386"/>
-              <a:gd name="connsiteY29" fmla="*/ 2977116 h 4104168"/>
-              <a:gd name="connsiteX30" fmla="*/ 1690577 w 2477386"/>
-              <a:gd name="connsiteY30" fmla="*/ 2945219 h 4104168"/>
-              <a:gd name="connsiteX31" fmla="*/ 1701209 w 2477386"/>
-              <a:gd name="connsiteY31" fmla="*/ 2913321 h 4104168"/>
-              <a:gd name="connsiteX32" fmla="*/ 1796903 w 2477386"/>
-              <a:gd name="connsiteY32" fmla="*/ 2838893 h 4104168"/>
-              <a:gd name="connsiteX33" fmla="*/ 1839433 w 2477386"/>
-              <a:gd name="connsiteY33" fmla="*/ 2806995 h 4104168"/>
-              <a:gd name="connsiteX34" fmla="*/ 1892596 w 2477386"/>
-              <a:gd name="connsiteY34" fmla="*/ 2753833 h 4104168"/>
-              <a:gd name="connsiteX35" fmla="*/ 1935126 w 2477386"/>
-              <a:gd name="connsiteY35" fmla="*/ 2679405 h 4104168"/>
-              <a:gd name="connsiteX36" fmla="*/ 1988289 w 2477386"/>
-              <a:gd name="connsiteY36" fmla="*/ 2626242 h 4104168"/>
-              <a:gd name="connsiteX37" fmla="*/ 2041451 w 2477386"/>
-              <a:gd name="connsiteY37" fmla="*/ 2551814 h 4104168"/>
-              <a:gd name="connsiteX38" fmla="*/ 2083982 w 2477386"/>
-              <a:gd name="connsiteY38" fmla="*/ 2488019 h 4104168"/>
-              <a:gd name="connsiteX39" fmla="*/ 2115879 w 2477386"/>
-              <a:gd name="connsiteY39" fmla="*/ 2456121 h 4104168"/>
-              <a:gd name="connsiteX40" fmla="*/ 2169042 w 2477386"/>
-              <a:gd name="connsiteY40" fmla="*/ 2371061 h 4104168"/>
-              <a:gd name="connsiteX41" fmla="*/ 2190307 w 2477386"/>
-              <a:gd name="connsiteY41" fmla="*/ 2349795 h 4104168"/>
-              <a:gd name="connsiteX42" fmla="*/ 2222205 w 2477386"/>
-              <a:gd name="connsiteY42" fmla="*/ 2307265 h 4104168"/>
-              <a:gd name="connsiteX43" fmla="*/ 2254103 w 2477386"/>
-              <a:gd name="connsiteY43" fmla="*/ 2254102 h 4104168"/>
-              <a:gd name="connsiteX44" fmla="*/ 2296633 w 2477386"/>
-              <a:gd name="connsiteY44" fmla="*/ 2158409 h 4104168"/>
-              <a:gd name="connsiteX45" fmla="*/ 2317898 w 2477386"/>
-              <a:gd name="connsiteY45" fmla="*/ 2115879 h 4104168"/>
-              <a:gd name="connsiteX46" fmla="*/ 2339163 w 2477386"/>
-              <a:gd name="connsiteY46" fmla="*/ 2052084 h 4104168"/>
-              <a:gd name="connsiteX47" fmla="*/ 2349796 w 2477386"/>
-              <a:gd name="connsiteY47" fmla="*/ 2020186 h 4104168"/>
-              <a:gd name="connsiteX48" fmla="*/ 2360428 w 2477386"/>
-              <a:gd name="connsiteY48" fmla="*/ 1988288 h 4104168"/>
-              <a:gd name="connsiteX49" fmla="*/ 2392326 w 2477386"/>
-              <a:gd name="connsiteY49" fmla="*/ 1924493 h 4104168"/>
-              <a:gd name="connsiteX50" fmla="*/ 2413591 w 2477386"/>
-              <a:gd name="connsiteY50" fmla="*/ 1839433 h 4104168"/>
-              <a:gd name="connsiteX51" fmla="*/ 2434856 w 2477386"/>
-              <a:gd name="connsiteY51" fmla="*/ 1765005 h 4104168"/>
-              <a:gd name="connsiteX52" fmla="*/ 2445489 w 2477386"/>
-              <a:gd name="connsiteY52" fmla="*/ 1711842 h 4104168"/>
-              <a:gd name="connsiteX53" fmla="*/ 2456121 w 2477386"/>
-              <a:gd name="connsiteY53" fmla="*/ 1679944 h 4104168"/>
-              <a:gd name="connsiteX54" fmla="*/ 2477386 w 2477386"/>
-              <a:gd name="connsiteY54" fmla="*/ 1562986 h 4104168"/>
-              <a:gd name="connsiteX55" fmla="*/ 2466754 w 2477386"/>
-              <a:gd name="connsiteY55" fmla="*/ 914400 h 4104168"/>
-              <a:gd name="connsiteX56" fmla="*/ 2445489 w 2477386"/>
-              <a:gd name="connsiteY56" fmla="*/ 882502 h 4104168"/>
-              <a:gd name="connsiteX57" fmla="*/ 2434856 w 2477386"/>
-              <a:gd name="connsiteY57" fmla="*/ 839972 h 4104168"/>
-              <a:gd name="connsiteX58" fmla="*/ 2392326 w 2477386"/>
-              <a:gd name="connsiteY58" fmla="*/ 776177 h 4104168"/>
-              <a:gd name="connsiteX59" fmla="*/ 2381693 w 2477386"/>
-              <a:gd name="connsiteY59" fmla="*/ 733647 h 4104168"/>
-              <a:gd name="connsiteX60" fmla="*/ 2317898 w 2477386"/>
-              <a:gd name="connsiteY60" fmla="*/ 648586 h 4104168"/>
-              <a:gd name="connsiteX61" fmla="*/ 2307265 w 2477386"/>
-              <a:gd name="connsiteY61" fmla="*/ 606056 h 4104168"/>
-              <a:gd name="connsiteX62" fmla="*/ 2254103 w 2477386"/>
-              <a:gd name="connsiteY62" fmla="*/ 542261 h 4104168"/>
-              <a:gd name="connsiteX63" fmla="*/ 2232837 w 2477386"/>
-              <a:gd name="connsiteY63" fmla="*/ 499730 h 4104168"/>
-              <a:gd name="connsiteX64" fmla="*/ 2211572 w 2477386"/>
-              <a:gd name="connsiteY64" fmla="*/ 467833 h 4104168"/>
-              <a:gd name="connsiteX65" fmla="*/ 2190307 w 2477386"/>
-              <a:gd name="connsiteY65" fmla="*/ 404037 h 4104168"/>
-              <a:gd name="connsiteX66" fmla="*/ 2179675 w 2477386"/>
-              <a:gd name="connsiteY66" fmla="*/ 372140 h 4104168"/>
-              <a:gd name="connsiteX67" fmla="*/ 2158409 w 2477386"/>
-              <a:gd name="connsiteY67" fmla="*/ 350875 h 4104168"/>
-              <a:gd name="connsiteX68" fmla="*/ 2147777 w 2477386"/>
-              <a:gd name="connsiteY68" fmla="*/ 318977 h 4104168"/>
-              <a:gd name="connsiteX69" fmla="*/ 2137144 w 2477386"/>
-              <a:gd name="connsiteY69" fmla="*/ 276447 h 4104168"/>
-              <a:gd name="connsiteX70" fmla="*/ 2115879 w 2477386"/>
-              <a:gd name="connsiteY70" fmla="*/ 255181 h 4104168"/>
-              <a:gd name="connsiteX71" fmla="*/ 2030819 w 2477386"/>
-              <a:gd name="connsiteY71" fmla="*/ 159488 h 4104168"/>
-              <a:gd name="connsiteX72" fmla="*/ 1998921 w 2477386"/>
-              <a:gd name="connsiteY72" fmla="*/ 127591 h 4104168"/>
-              <a:gd name="connsiteX73" fmla="*/ 1913861 w 2477386"/>
-              <a:gd name="connsiteY73" fmla="*/ 106326 h 4104168"/>
-              <a:gd name="connsiteX74" fmla="*/ 1818168 w 2477386"/>
-              <a:gd name="connsiteY74" fmla="*/ 85061 h 4104168"/>
-              <a:gd name="connsiteX75" fmla="*/ 1754372 w 2477386"/>
-              <a:gd name="connsiteY75" fmla="*/ 63795 h 4104168"/>
-              <a:gd name="connsiteX76" fmla="*/ 1722475 w 2477386"/>
-              <a:gd name="connsiteY76" fmla="*/ 53163 h 4104168"/>
-              <a:gd name="connsiteX77" fmla="*/ 1648047 w 2477386"/>
-              <a:gd name="connsiteY77" fmla="*/ 31898 h 4104168"/>
-              <a:gd name="connsiteX78" fmla="*/ 1594884 w 2477386"/>
-              <a:gd name="connsiteY78" fmla="*/ 21265 h 4104168"/>
-              <a:gd name="connsiteX79" fmla="*/ 1499191 w 2477386"/>
-              <a:gd name="connsiteY79" fmla="*/ 0 h 4104168"/>
-              <a:gd name="connsiteX80" fmla="*/ 999461 w 2477386"/>
-              <a:gd name="connsiteY80" fmla="*/ 10633 h 4104168"/>
-              <a:gd name="connsiteX81" fmla="*/ 946298 w 2477386"/>
-              <a:gd name="connsiteY81" fmla="*/ 31898 h 4104168"/>
-              <a:gd name="connsiteX82" fmla="*/ 786809 w 2477386"/>
-              <a:gd name="connsiteY82" fmla="*/ 42530 h 4104168"/>
-              <a:gd name="connsiteX83" fmla="*/ 701749 w 2477386"/>
-              <a:gd name="connsiteY83" fmla="*/ 116958 h 4104168"/>
-              <a:gd name="connsiteX84" fmla="*/ 669851 w 2477386"/>
-              <a:gd name="connsiteY84" fmla="*/ 148856 h 4104168"/>
-              <a:gd name="connsiteX85" fmla="*/ 627321 w 2477386"/>
-              <a:gd name="connsiteY85" fmla="*/ 223284 h 4104168"/>
-              <a:gd name="connsiteX86" fmla="*/ 595423 w 2477386"/>
-              <a:gd name="connsiteY86" fmla="*/ 287079 h 4104168"/>
-              <a:gd name="connsiteX87" fmla="*/ 595423 w 2477386"/>
-              <a:gd name="connsiteY87" fmla="*/ 340242 h 4104168"/>
-            </a:gdLst>
-            <a:ahLst/>
-            <a:cxnLst>
-              <a:cxn ang="0">
-                <a:pos x="connsiteX0" y="connsiteY0"/>
-              </a:cxn>
-              <a:cxn ang="0">
-                <a:pos x="connsiteX1" y="connsiteY1"/>
-              </a:cxn>
-              <a:cxn ang="0">
-                <a:pos x="connsiteX2" y="connsiteY2"/>
-              </a:cxn>
-              <a:cxn ang="0">
-                <a:pos x="connsiteX3" y="connsiteY3"/>
-              </a:cxn>
-              <a:cxn ang="0">
-                <a:pos x="connsiteX4" y="connsiteY4"/>
-              </a:cxn>
-              <a:cxn ang="0">
-                <a:pos x="connsiteX5" y="connsiteY5"/>
-              </a:cxn>
-              <a:cxn ang="0">
-                <a:pos x="connsiteX6" y="connsiteY6"/>
-              </a:cxn>
-              <a:cxn ang="0">
-                <a:pos x="connsiteX7" y="connsiteY7"/>
-              </a:cxn>
-              <a:cxn ang="0">
-                <a:pos x="connsiteX8" y="connsiteY8"/>
-              </a:cxn>
-              <a:cxn ang="0">
-                <a:pos x="connsiteX9" y="connsiteY9"/>
-              </a:cxn>
-              <a:cxn ang="0">
-                <a:pos x="connsiteX10" y="connsiteY10"/>
-              </a:cxn>
-              <a:cxn ang="0">
-                <a:pos x="connsiteX11" y="connsiteY11"/>
-              </a:cxn>
-              <a:cxn ang="0">
-                <a:pos x="connsiteX12" y="connsiteY12"/>
-              </a:cxn>
-              <a:cxn ang="0">
-                <a:pos x="connsiteX13" y="connsiteY13"/>
-              </a:cxn>
-              <a:cxn ang="0">
-                <a:pos x="connsiteX14" y="connsiteY14"/>
-              </a:cxn>
-              <a:cxn ang="0">
-                <a:pos x="connsiteX15" y="connsiteY15"/>
-              </a:cxn>
-              <a:cxn ang="0">
-                <a:pos x="connsiteX16" y="connsiteY16"/>
-              </a:cxn>
-              <a:cxn ang="0">
-                <a:pos x="connsiteX17" y="connsiteY17"/>
-              </a:cxn>
-              <a:cxn ang="0">
-                <a:pos x="connsiteX18" y="connsiteY18"/>
-              </a:cxn>
-              <a:cxn ang="0">
-                <a:pos x="connsiteX19" y="connsiteY19"/>
-              </a:cxn>
-              <a:cxn ang="0">
-                <a:pos x="connsiteX20" y="connsiteY20"/>
-              </a:cxn>
-              <a:cxn ang="0">
-                <a:pos x="connsiteX21" y="connsiteY21"/>
-              </a:cxn>
-              <a:cxn ang="0">
-                <a:pos x="connsiteX22" y="connsiteY22"/>
-              </a:cxn>
-              <a:cxn ang="0">
-                <a:pos x="connsiteX23" y="connsiteY23"/>
-              </a:cxn>
-              <a:cxn ang="0">
-                <a:pos x="connsiteX24" y="connsiteY24"/>
-              </a:cxn>
-              <a:cxn ang="0">
-                <a:pos x="connsiteX25" y="connsiteY25"/>
-              </a:cxn>
-              <a:cxn ang="0">
-                <a:pos x="connsiteX26" y="connsiteY26"/>
-              </a:cxn>
-              <a:cxn ang="0">
-                <a:pos x="connsiteX27" y="connsiteY27"/>
-              </a:cxn>
-              <a:cxn ang="0">
-                <a:pos x="connsiteX28" y="connsiteY28"/>
-              </a:cxn>
-              <a:cxn ang="0">
-                <a:pos x="connsiteX29" y="connsiteY29"/>
-              </a:cxn>
-              <a:cxn ang="0">
-                <a:pos x="connsiteX30" y="connsiteY30"/>
-              </a:cxn>
-              <a:cxn ang="0">
-                <a:pos x="connsiteX31" y="connsiteY31"/>
-              </a:cxn>
-              <a:cxn ang="0">
-                <a:pos x="connsiteX32" y="connsiteY32"/>
-              </a:cxn>
-              <a:cxn ang="0">
-                <a:pos x="connsiteX33" y="connsiteY33"/>
-              </a:cxn>
-              <a:cxn ang="0">
-                <a:pos x="connsiteX34" y="connsiteY34"/>
-              </a:cxn>
-              <a:cxn ang="0">
-                <a:pos x="connsiteX35" y="connsiteY35"/>
-              </a:cxn>
-              <a:cxn ang="0">
-                <a:pos x="connsiteX36" y="connsiteY36"/>
-              </a:cxn>
-              <a:cxn ang="0">
-                <a:pos x="connsiteX37" y="connsiteY37"/>
-              </a:cxn>
-              <a:cxn ang="0">
-                <a:pos x="connsiteX38" y="connsiteY38"/>
-              </a:cxn>
-              <a:cxn ang="0">
-                <a:pos x="connsiteX39" y="connsiteY39"/>
-              </a:cxn>
-              <a:cxn ang="0">
-                <a:pos x="connsiteX40" y="connsiteY40"/>
-              </a:cxn>
-              <a:cxn ang="0">
-                <a:pos x="connsiteX41" y="connsiteY41"/>
-              </a:cxn>
-              <a:cxn ang="0">
-                <a:pos x="connsiteX42" y="connsiteY42"/>
-              </a:cxn>
-              <a:cxn ang="0">
-                <a:pos x="connsiteX43" y="connsiteY43"/>
-              </a:cxn>
-              <a:cxn ang="0">
-                <a:pos x="connsiteX44" y="connsiteY44"/>
-              </a:cxn>
-              <a:cxn ang="0">
-                <a:pos x="connsiteX45" y="connsiteY45"/>
-              </a:cxn>
-              <a:cxn ang="0">
-                <a:pos x="connsiteX46" y="connsiteY46"/>
-              </a:cxn>
-              <a:cxn ang="0">
-                <a:pos x="connsiteX47" y="connsiteY47"/>
-              </a:cxn>
-              <a:cxn ang="0">
-                <a:pos x="connsiteX48" y="connsiteY48"/>
-              </a:cxn>
-              <a:cxn ang="0">
-                <a:pos x="connsiteX49" y="connsiteY49"/>
-              </a:cxn>
-              <a:cxn ang="0">
-                <a:pos x="connsiteX50" y="connsiteY50"/>
-              </a:cxn>
-              <a:cxn ang="0">
-                <a:pos x="connsiteX51" y="connsiteY51"/>
-              </a:cxn>
-              <a:cxn ang="0">
-                <a:pos x="connsiteX52" y="connsiteY52"/>
-              </a:cxn>
-              <a:cxn ang="0">
-                <a:pos x="connsiteX53" y="connsiteY53"/>
-              </a:cxn>
-              <a:cxn ang="0">
-                <a:pos x="connsiteX54" y="connsiteY54"/>
-              </a:cxn>
-              <a:cxn ang="0">
-                <a:pos x="connsiteX55" y="connsiteY55"/>
-              </a:cxn>
-              <a:cxn ang="0">
-                <a:pos x="connsiteX56" y="connsiteY56"/>
-              </a:cxn>
-              <a:cxn ang="0">
-                <a:pos x="connsiteX57" y="connsiteY57"/>
-              </a:cxn>
-              <a:cxn ang="0">
-                <a:pos x="connsiteX58" y="connsiteY58"/>
-              </a:cxn>
-              <a:cxn ang="0">
-                <a:pos x="connsiteX59" y="connsiteY59"/>
-              </a:cxn>
-              <a:cxn ang="0">
-                <a:pos x="connsiteX60" y="connsiteY60"/>
-              </a:cxn>
-              <a:cxn ang="0">
-                <a:pos x="connsiteX61" y="connsiteY61"/>
-              </a:cxn>
-              <a:cxn ang="0">
-                <a:pos x="connsiteX62" y="connsiteY62"/>
-              </a:cxn>
-              <a:cxn ang="0">
-                <a:pos x="connsiteX63" y="connsiteY63"/>
-              </a:cxn>
-              <a:cxn ang="0">
-                <a:pos x="connsiteX64" y="connsiteY64"/>
-              </a:cxn>
-              <a:cxn ang="0">
-                <a:pos x="connsiteX65" y="connsiteY65"/>
-              </a:cxn>
-              <a:cxn ang="0">
-                <a:pos x="connsiteX66" y="connsiteY66"/>
-              </a:cxn>
-              <a:cxn ang="0">
-                <a:pos x="connsiteX67" y="connsiteY67"/>
-              </a:cxn>
-              <a:cxn ang="0">
-                <a:pos x="connsiteX68" y="connsiteY68"/>
-              </a:cxn>
-              <a:cxn ang="0">
-                <a:pos x="connsiteX69" y="connsiteY69"/>
-              </a:cxn>
-              <a:cxn ang="0">
-                <a:pos x="connsiteX70" y="connsiteY70"/>
-              </a:cxn>
-              <a:cxn ang="0">
-                <a:pos x="connsiteX71" y="connsiteY71"/>
-              </a:cxn>
-              <a:cxn ang="0">
-                <a:pos x="connsiteX72" y="connsiteY72"/>
-              </a:cxn>
-              <a:cxn ang="0">
-                <a:pos x="connsiteX73" y="connsiteY73"/>
-              </a:cxn>
-              <a:cxn ang="0">
-                <a:pos x="connsiteX74" y="connsiteY74"/>
-              </a:cxn>
-              <a:cxn ang="0">
-                <a:pos x="connsiteX75" y="connsiteY75"/>
-              </a:cxn>
-              <a:cxn ang="0">
-                <a:pos x="connsiteX76" y="connsiteY76"/>
-              </a:cxn>
-              <a:cxn ang="0">
-                <a:pos x="connsiteX77" y="connsiteY77"/>
-              </a:cxn>
-              <a:cxn ang="0">
-                <a:pos x="connsiteX78" y="connsiteY78"/>
-              </a:cxn>
-              <a:cxn ang="0">
-                <a:pos x="connsiteX79" y="connsiteY79"/>
-              </a:cxn>
-              <a:cxn ang="0">
-                <a:pos x="connsiteX80" y="connsiteY80"/>
-              </a:cxn>
-              <a:cxn ang="0">
-                <a:pos x="connsiteX81" y="connsiteY81"/>
-              </a:cxn>
-              <a:cxn ang="0">
-                <a:pos x="connsiteX82" y="connsiteY82"/>
-              </a:cxn>
-              <a:cxn ang="0">
-                <a:pos x="connsiteX83" y="connsiteY83"/>
-              </a:cxn>
-              <a:cxn ang="0">
-                <a:pos x="connsiteX84" y="connsiteY84"/>
-              </a:cxn>
-              <a:cxn ang="0">
-                <a:pos x="connsiteX85" y="connsiteY85"/>
-              </a:cxn>
-              <a:cxn ang="0">
-                <a:pos x="connsiteX86" y="connsiteY86"/>
-              </a:cxn>
-              <a:cxn ang="0">
-                <a:pos x="connsiteX87" y="connsiteY87"/>
-              </a:cxn>
-            </a:cxnLst>
-            <a:rect l="l" t="t" r="r" b="b"/>
-            <a:pathLst>
-              <a:path w="2477386" h="4104168">
-                <a:moveTo>
-                  <a:pt x="0" y="4104168"/>
-                </a:moveTo>
-                <a:cubicBezTo>
-                  <a:pt x="21265" y="4097079"/>
-                  <a:pt x="42137" y="4088678"/>
-                  <a:pt x="63796" y="4082902"/>
-                </a:cubicBezTo>
-                <a:cubicBezTo>
-                  <a:pt x="95368" y="4074483"/>
-                  <a:pt x="129742" y="4075158"/>
-                  <a:pt x="159489" y="4061637"/>
-                </a:cubicBezTo>
-                <a:cubicBezTo>
-                  <a:pt x="171122" y="4056349"/>
-                  <a:pt x="169077" y="4034930"/>
-                  <a:pt x="180754" y="4029740"/>
-                </a:cubicBezTo>
-                <a:cubicBezTo>
-                  <a:pt x="203655" y="4019562"/>
-                  <a:pt x="230373" y="4022651"/>
-                  <a:pt x="255182" y="4019107"/>
-                </a:cubicBezTo>
-                <a:cubicBezTo>
-                  <a:pt x="276447" y="3997842"/>
-                  <a:pt x="293954" y="3971993"/>
-                  <a:pt x="318977" y="3955312"/>
-                </a:cubicBezTo>
-                <a:cubicBezTo>
-                  <a:pt x="329610" y="3948224"/>
-                  <a:pt x="341324" y="3942537"/>
-                  <a:pt x="350875" y="3934047"/>
-                </a:cubicBezTo>
-                <a:cubicBezTo>
-                  <a:pt x="373352" y="3914067"/>
-                  <a:pt x="389647" y="3886933"/>
-                  <a:pt x="414670" y="3870251"/>
-                </a:cubicBezTo>
-                <a:lnTo>
-                  <a:pt x="478465" y="3827721"/>
-                </a:lnTo>
-                <a:cubicBezTo>
-                  <a:pt x="528414" y="3744474"/>
-                  <a:pt x="495751" y="3789169"/>
-                  <a:pt x="584791" y="3700130"/>
-                </a:cubicBezTo>
-                <a:lnTo>
-                  <a:pt x="616689" y="3668233"/>
-                </a:lnTo>
-                <a:cubicBezTo>
-                  <a:pt x="627322" y="3657600"/>
-                  <a:pt x="635692" y="3644071"/>
-                  <a:pt x="648586" y="3636335"/>
-                </a:cubicBezTo>
-                <a:cubicBezTo>
-                  <a:pt x="666307" y="3625702"/>
-                  <a:pt x="682754" y="3612578"/>
-                  <a:pt x="701749" y="3604437"/>
-                </a:cubicBezTo>
-                <a:cubicBezTo>
-                  <a:pt x="732653" y="3591192"/>
-                  <a:pt x="797442" y="3572540"/>
-                  <a:pt x="797442" y="3572540"/>
-                </a:cubicBezTo>
-                <a:cubicBezTo>
-                  <a:pt x="808075" y="3565452"/>
-                  <a:pt x="817594" y="3556309"/>
-                  <a:pt x="829340" y="3551275"/>
-                </a:cubicBezTo>
-                <a:cubicBezTo>
-                  <a:pt x="842771" y="3545519"/>
-                  <a:pt x="857507" y="3543335"/>
-                  <a:pt x="871870" y="3540642"/>
-                </a:cubicBezTo>
-                <a:cubicBezTo>
-                  <a:pt x="914248" y="3532696"/>
-                  <a:pt x="956931" y="3526465"/>
-                  <a:pt x="999461" y="3519377"/>
-                </a:cubicBezTo>
-                <a:cubicBezTo>
-                  <a:pt x="1010093" y="3515833"/>
-                  <a:pt x="1020582" y="3511823"/>
-                  <a:pt x="1031358" y="3508744"/>
-                </a:cubicBezTo>
-                <a:cubicBezTo>
-                  <a:pt x="1045409" y="3504729"/>
-                  <a:pt x="1060457" y="3503868"/>
-                  <a:pt x="1073889" y="3498112"/>
-                </a:cubicBezTo>
-                <a:cubicBezTo>
-                  <a:pt x="1085634" y="3493078"/>
-                  <a:pt x="1096169" y="3485262"/>
-                  <a:pt x="1105786" y="3476847"/>
-                </a:cubicBezTo>
-                <a:cubicBezTo>
-                  <a:pt x="1124646" y="3460344"/>
-                  <a:pt x="1134636" y="3429763"/>
-                  <a:pt x="1158949" y="3423684"/>
-                </a:cubicBezTo>
-                <a:lnTo>
-                  <a:pt x="1201479" y="3413051"/>
-                </a:lnTo>
-                <a:cubicBezTo>
-                  <a:pt x="1275713" y="3338820"/>
-                  <a:pt x="1193464" y="3411557"/>
-                  <a:pt x="1265275" y="3370521"/>
-                </a:cubicBezTo>
-                <a:cubicBezTo>
-                  <a:pt x="1280661" y="3361729"/>
-                  <a:pt x="1293287" y="3348785"/>
-                  <a:pt x="1307805" y="3338623"/>
-                </a:cubicBezTo>
-                <a:cubicBezTo>
-                  <a:pt x="1328742" y="3323967"/>
-                  <a:pt x="1353528" y="3314165"/>
-                  <a:pt x="1371600" y="3296093"/>
-                </a:cubicBezTo>
-                <a:cubicBezTo>
-                  <a:pt x="1412534" y="3255159"/>
-                  <a:pt x="1390987" y="3272536"/>
-                  <a:pt x="1435396" y="3242930"/>
-                </a:cubicBezTo>
-                <a:cubicBezTo>
-                  <a:pt x="1446028" y="3228753"/>
-                  <a:pt x="1455438" y="3213572"/>
-                  <a:pt x="1467293" y="3200400"/>
-                </a:cubicBezTo>
-                <a:cubicBezTo>
-                  <a:pt x="1487411" y="3178047"/>
-                  <a:pt x="1514407" y="3161628"/>
-                  <a:pt x="1531089" y="3136605"/>
-                </a:cubicBezTo>
-                <a:cubicBezTo>
-                  <a:pt x="1545604" y="3114833"/>
-                  <a:pt x="1584525" y="3053894"/>
-                  <a:pt x="1605516" y="3030279"/>
-                </a:cubicBezTo>
-                <a:cubicBezTo>
-                  <a:pt x="1622166" y="3011548"/>
-                  <a:pt x="1640958" y="2994837"/>
-                  <a:pt x="1658679" y="2977116"/>
-                </a:cubicBezTo>
-                <a:lnTo>
-                  <a:pt x="1690577" y="2945219"/>
-                </a:lnTo>
-                <a:cubicBezTo>
-                  <a:pt x="1694121" y="2934586"/>
-                  <a:pt x="1694328" y="2922168"/>
-                  <a:pt x="1701209" y="2913321"/>
-                </a:cubicBezTo>
-                <a:cubicBezTo>
-                  <a:pt x="1751413" y="2848774"/>
-                  <a:pt x="1744494" y="2856363"/>
-                  <a:pt x="1796903" y="2838893"/>
-                </a:cubicBezTo>
-                <a:cubicBezTo>
-                  <a:pt x="1811080" y="2828260"/>
-                  <a:pt x="1826188" y="2818768"/>
-                  <a:pt x="1839433" y="2806995"/>
-                </a:cubicBezTo>
-                <a:cubicBezTo>
-                  <a:pt x="1858164" y="2790345"/>
-                  <a:pt x="1892596" y="2753833"/>
-                  <a:pt x="1892596" y="2753833"/>
-                </a:cubicBezTo>
-                <a:cubicBezTo>
-                  <a:pt x="1904043" y="2730939"/>
-                  <a:pt x="1917591" y="2699445"/>
-                  <a:pt x="1935126" y="2679405"/>
-                </a:cubicBezTo>
-                <a:cubicBezTo>
-                  <a:pt x="1951629" y="2660545"/>
-                  <a:pt x="1974388" y="2647094"/>
-                  <a:pt x="1988289" y="2626242"/>
-                </a:cubicBezTo>
-                <a:cubicBezTo>
-                  <a:pt x="2057395" y="2522582"/>
-                  <a:pt x="1949176" y="2683635"/>
-                  <a:pt x="2041451" y="2551814"/>
-                </a:cubicBezTo>
-                <a:cubicBezTo>
-                  <a:pt x="2056107" y="2530876"/>
-                  <a:pt x="2065910" y="2506091"/>
-                  <a:pt x="2083982" y="2488019"/>
-                </a:cubicBezTo>
-                <a:cubicBezTo>
-                  <a:pt x="2094614" y="2477386"/>
-                  <a:pt x="2106857" y="2468150"/>
-                  <a:pt x="2115879" y="2456121"/>
-                </a:cubicBezTo>
-                <a:cubicBezTo>
-                  <a:pt x="2149461" y="2411344"/>
-                  <a:pt x="2139337" y="2408192"/>
-                  <a:pt x="2169042" y="2371061"/>
-                </a:cubicBezTo>
-                <a:cubicBezTo>
-                  <a:pt x="2175304" y="2363233"/>
-                  <a:pt x="2183889" y="2357496"/>
-                  <a:pt x="2190307" y="2349795"/>
-                </a:cubicBezTo>
-                <a:cubicBezTo>
-                  <a:pt x="2201652" y="2336181"/>
-                  <a:pt x="2211572" y="2321442"/>
-                  <a:pt x="2222205" y="2307265"/>
-                </a:cubicBezTo>
-                <a:cubicBezTo>
-                  <a:pt x="2246884" y="2233225"/>
-                  <a:pt x="2215183" y="2312482"/>
-                  <a:pt x="2254103" y="2254102"/>
-                </a:cubicBezTo>
-                <a:cubicBezTo>
-                  <a:pt x="2271553" y="2227928"/>
-                  <a:pt x="2284354" y="2186037"/>
-                  <a:pt x="2296633" y="2158409"/>
-                </a:cubicBezTo>
-                <a:cubicBezTo>
-                  <a:pt x="2303070" y="2143925"/>
-                  <a:pt x="2312011" y="2130595"/>
-                  <a:pt x="2317898" y="2115879"/>
-                </a:cubicBezTo>
-                <a:cubicBezTo>
-                  <a:pt x="2326223" y="2095067"/>
-                  <a:pt x="2332075" y="2073349"/>
-                  <a:pt x="2339163" y="2052084"/>
-                </a:cubicBezTo>
-                <a:lnTo>
-                  <a:pt x="2349796" y="2020186"/>
-                </a:lnTo>
-                <a:cubicBezTo>
-                  <a:pt x="2353340" y="2009553"/>
-                  <a:pt x="2354211" y="1997613"/>
-                  <a:pt x="2360428" y="1988288"/>
-                </a:cubicBezTo>
-                <a:cubicBezTo>
-                  <a:pt x="2382762" y="1954788"/>
-                  <a:pt x="2382167" y="1961741"/>
-                  <a:pt x="2392326" y="1924493"/>
-                </a:cubicBezTo>
-                <a:cubicBezTo>
-                  <a:pt x="2400016" y="1896297"/>
-                  <a:pt x="2404349" y="1867159"/>
-                  <a:pt x="2413591" y="1839433"/>
-                </a:cubicBezTo>
-                <a:cubicBezTo>
-                  <a:pt x="2425430" y="1803915"/>
-                  <a:pt x="2425956" y="1805052"/>
-                  <a:pt x="2434856" y="1765005"/>
-                </a:cubicBezTo>
-                <a:cubicBezTo>
-                  <a:pt x="2438777" y="1747363"/>
-                  <a:pt x="2441106" y="1729374"/>
-                  <a:pt x="2445489" y="1711842"/>
-                </a:cubicBezTo>
-                <a:cubicBezTo>
-                  <a:pt x="2448207" y="1700969"/>
-                  <a:pt x="2453773" y="1690903"/>
-                  <a:pt x="2456121" y="1679944"/>
-                </a:cubicBezTo>
-                <a:cubicBezTo>
-                  <a:pt x="2464423" y="1641198"/>
-                  <a:pt x="2470298" y="1601972"/>
-                  <a:pt x="2477386" y="1562986"/>
-                </a:cubicBezTo>
-                <a:cubicBezTo>
-                  <a:pt x="2473842" y="1346791"/>
-                  <a:pt x="2476878" y="1130387"/>
-                  <a:pt x="2466754" y="914400"/>
-                </a:cubicBezTo>
-                <a:cubicBezTo>
-                  <a:pt x="2466156" y="901635"/>
-                  <a:pt x="2450523" y="894248"/>
-                  <a:pt x="2445489" y="882502"/>
-                </a:cubicBezTo>
-                <a:cubicBezTo>
-                  <a:pt x="2439733" y="869071"/>
-                  <a:pt x="2441391" y="853042"/>
-                  <a:pt x="2434856" y="839972"/>
-                </a:cubicBezTo>
-                <a:cubicBezTo>
-                  <a:pt x="2423426" y="817113"/>
-                  <a:pt x="2392326" y="776177"/>
-                  <a:pt x="2392326" y="776177"/>
-                </a:cubicBezTo>
-                <a:cubicBezTo>
-                  <a:pt x="2388782" y="762000"/>
-                  <a:pt x="2389056" y="746269"/>
-                  <a:pt x="2381693" y="733647"/>
-                </a:cubicBezTo>
-                <a:cubicBezTo>
-                  <a:pt x="2363835" y="703033"/>
-                  <a:pt x="2317898" y="648586"/>
-                  <a:pt x="2317898" y="648586"/>
-                </a:cubicBezTo>
-                <a:cubicBezTo>
-                  <a:pt x="2314354" y="634409"/>
-                  <a:pt x="2313021" y="619487"/>
-                  <a:pt x="2307265" y="606056"/>
-                </a:cubicBezTo>
-                <a:cubicBezTo>
-                  <a:pt x="2289183" y="563865"/>
-                  <a:pt x="2281476" y="580584"/>
-                  <a:pt x="2254103" y="542261"/>
-                </a:cubicBezTo>
-                <a:cubicBezTo>
-                  <a:pt x="2244890" y="529363"/>
-                  <a:pt x="2240701" y="513492"/>
-                  <a:pt x="2232837" y="499730"/>
-                </a:cubicBezTo>
-                <a:cubicBezTo>
-                  <a:pt x="2226497" y="488635"/>
-                  <a:pt x="2218660" y="478465"/>
-                  <a:pt x="2211572" y="467833"/>
-                </a:cubicBezTo>
-                <a:lnTo>
-                  <a:pt x="2190307" y="404037"/>
-                </a:lnTo>
-                <a:cubicBezTo>
-                  <a:pt x="2186763" y="393405"/>
-                  <a:pt x="2187600" y="380065"/>
-                  <a:pt x="2179675" y="372140"/>
-                </a:cubicBezTo>
-                <a:lnTo>
-                  <a:pt x="2158409" y="350875"/>
-                </a:lnTo>
-                <a:cubicBezTo>
-                  <a:pt x="2154865" y="340242"/>
-                  <a:pt x="2150856" y="329754"/>
-                  <a:pt x="2147777" y="318977"/>
-                </a:cubicBezTo>
-                <a:cubicBezTo>
-                  <a:pt x="2143763" y="304926"/>
-                  <a:pt x="2143679" y="289517"/>
-                  <a:pt x="2137144" y="276447"/>
-                </a:cubicBezTo>
-                <a:cubicBezTo>
-                  <a:pt x="2132661" y="267481"/>
-                  <a:pt x="2122297" y="262882"/>
-                  <a:pt x="2115879" y="255181"/>
-                </a:cubicBezTo>
-                <a:cubicBezTo>
-                  <a:pt x="2037668" y="161325"/>
-                  <a:pt x="2140746" y="269414"/>
-                  <a:pt x="2030819" y="159488"/>
-                </a:cubicBezTo>
-                <a:cubicBezTo>
-                  <a:pt x="2020186" y="148856"/>
-                  <a:pt x="2013509" y="131238"/>
-                  <a:pt x="1998921" y="127591"/>
-                </a:cubicBezTo>
-                <a:cubicBezTo>
-                  <a:pt x="1970568" y="120503"/>
-                  <a:pt x="1942519" y="112058"/>
-                  <a:pt x="1913861" y="106326"/>
-                </a:cubicBezTo>
-                <a:cubicBezTo>
-                  <a:pt x="1883521" y="100258"/>
-                  <a:pt x="1848189" y="94067"/>
-                  <a:pt x="1818168" y="85061"/>
-                </a:cubicBezTo>
-                <a:cubicBezTo>
-                  <a:pt x="1796698" y="78620"/>
-                  <a:pt x="1775637" y="70884"/>
-                  <a:pt x="1754372" y="63795"/>
-                </a:cubicBezTo>
-                <a:cubicBezTo>
-                  <a:pt x="1743740" y="60251"/>
-                  <a:pt x="1733251" y="56242"/>
-                  <a:pt x="1722475" y="53163"/>
-                </a:cubicBezTo>
-                <a:cubicBezTo>
-                  <a:pt x="1697666" y="46075"/>
-                  <a:pt x="1673079" y="38156"/>
-                  <a:pt x="1648047" y="31898"/>
-                </a:cubicBezTo>
-                <a:cubicBezTo>
-                  <a:pt x="1630515" y="27515"/>
-                  <a:pt x="1612555" y="25052"/>
-                  <a:pt x="1594884" y="21265"/>
-                </a:cubicBezTo>
-                <a:lnTo>
-                  <a:pt x="1499191" y="0"/>
-                </a:lnTo>
-                <a:cubicBezTo>
-                  <a:pt x="1332614" y="3544"/>
-                  <a:pt x="1165799" y="1036"/>
-                  <a:pt x="999461" y="10633"/>
-                </a:cubicBezTo>
-                <a:cubicBezTo>
-                  <a:pt x="980407" y="11732"/>
-                  <a:pt x="965173" y="29067"/>
-                  <a:pt x="946298" y="31898"/>
-                </a:cubicBezTo>
-                <a:cubicBezTo>
-                  <a:pt x="893606" y="39802"/>
-                  <a:pt x="839972" y="38986"/>
-                  <a:pt x="786809" y="42530"/>
-                </a:cubicBezTo>
-                <a:cubicBezTo>
-                  <a:pt x="734060" y="77697"/>
-                  <a:pt x="763948" y="54759"/>
-                  <a:pt x="701749" y="116958"/>
-                </a:cubicBezTo>
-                <a:cubicBezTo>
-                  <a:pt x="691116" y="127591"/>
-                  <a:pt x="678192" y="136345"/>
-                  <a:pt x="669851" y="148856"/>
-                </a:cubicBezTo>
-                <a:cubicBezTo>
-                  <a:pt x="618038" y="226577"/>
-                  <a:pt x="681286" y="128846"/>
-                  <a:pt x="627321" y="223284"/>
-                </a:cubicBezTo>
-                <a:cubicBezTo>
-                  <a:pt x="612124" y="249879"/>
-                  <a:pt x="599322" y="255888"/>
-                  <a:pt x="595423" y="287079"/>
-                </a:cubicBezTo>
-                <a:cubicBezTo>
-                  <a:pt x="593225" y="304663"/>
-                  <a:pt x="595423" y="322521"/>
-                  <a:pt x="595423" y="340242"/>
-                </a:cubicBezTo>
-              </a:path>
-            </a:pathLst>
-          </a:custGeom>
-          <a:noFill/>
-          <a:ln>
-            <a:solidFill>
-              <a:srgbClr val="FF0000"/>
-            </a:solidFill>
-            <a:headEnd type="none" w="med" len="med"/>
-            <a:tailEnd type="triangle" w="med" len="med"/>
-          </a:ln>
-        </p:spPr>
-        <p:style>
-          <a:lnRef idx="2">
-            <a:schemeClr val="accent1">
-              <a:shade val="50000"/>
-            </a:schemeClr>
-          </a:lnRef>
-          <a:fillRef idx="1">
-            <a:schemeClr val="accent1"/>
-          </a:fillRef>
-          <a:effectRef idx="0">
-            <a:schemeClr val="accent1"/>
-          </a:effectRef>
-          <a:fontRef idx="minor">
-            <a:schemeClr val="lt1"/>
-          </a:fontRef>
-        </p:style>
-        <p:txBody>
-          <a:bodyPr rtlCol="0" anchor="ctr"/>
-          <a:lstStyle/>
-          <a:p>
-            <a:pPr algn="ctr"/>
-            <a:endParaRPr lang="ru-RU"/>
-          </a:p>
-        </p:txBody>
-      </p:sp>
-      <p:sp>
-        <p:nvSpPr>
-          <p:cNvPr id="19" name="Полилиния: фигура 18">
-            <a:extLst>
-              <a:ext uri="{FF2B5EF4-FFF2-40B4-BE49-F238E27FC236}">
-                <a16:creationId xmlns:a16="http://schemas.microsoft.com/office/drawing/2014/main" id="{40975907-9E41-4EA2-A491-7FD6DEB2FED7}"/>
-              </a:ext>
-            </a:extLst>
-          </p:cNvPr>
-          <p:cNvSpPr/>
-          <p:nvPr/>
-        </p:nvSpPr>
-        <p:spPr>
+        </p:nvGrpSpPr>
+        <p:grpSpPr>
           <a:xfrm>
             <a:off x="2998381" y="2787515"/>
             <a:ext cx="2147777" cy="3326206"/>
+            <a:chOff x="2998381" y="2787515"/>
+            <a:chExt cx="2147777" cy="3326206"/>
           </a:xfrm>
-          <a:custGeom>
-            <a:avLst/>
-            <a:gdLst>
-              <a:gd name="connsiteX0" fmla="*/ 893135 w 2147777"/>
-              <a:gd name="connsiteY0" fmla="*/ 2837108 h 3326206"/>
-              <a:gd name="connsiteX1" fmla="*/ 425303 w 2147777"/>
-              <a:gd name="connsiteY1" fmla="*/ 2847741 h 3326206"/>
-              <a:gd name="connsiteX2" fmla="*/ 393405 w 2147777"/>
-              <a:gd name="connsiteY2" fmla="*/ 2869006 h 3326206"/>
-              <a:gd name="connsiteX3" fmla="*/ 350875 w 2147777"/>
-              <a:gd name="connsiteY3" fmla="*/ 2890271 h 3326206"/>
-              <a:gd name="connsiteX4" fmla="*/ 318977 w 2147777"/>
-              <a:gd name="connsiteY4" fmla="*/ 2900904 h 3326206"/>
-              <a:gd name="connsiteX5" fmla="*/ 223284 w 2147777"/>
-              <a:gd name="connsiteY5" fmla="*/ 2954066 h 3326206"/>
-              <a:gd name="connsiteX6" fmla="*/ 202019 w 2147777"/>
-              <a:gd name="connsiteY6" fmla="*/ 2985964 h 3326206"/>
-              <a:gd name="connsiteX7" fmla="*/ 159489 w 2147777"/>
-              <a:gd name="connsiteY7" fmla="*/ 3017862 h 3326206"/>
-              <a:gd name="connsiteX8" fmla="*/ 148856 w 2147777"/>
-              <a:gd name="connsiteY8" fmla="*/ 3060392 h 3326206"/>
-              <a:gd name="connsiteX9" fmla="*/ 127591 w 2147777"/>
-              <a:gd name="connsiteY9" fmla="*/ 3092290 h 3326206"/>
-              <a:gd name="connsiteX10" fmla="*/ 138224 w 2147777"/>
-              <a:gd name="connsiteY10" fmla="*/ 3262411 h 3326206"/>
-              <a:gd name="connsiteX11" fmla="*/ 223284 w 2147777"/>
-              <a:gd name="connsiteY11" fmla="*/ 3304941 h 3326206"/>
-              <a:gd name="connsiteX12" fmla="*/ 276447 w 2147777"/>
-              <a:gd name="connsiteY12" fmla="*/ 3326206 h 3326206"/>
-              <a:gd name="connsiteX13" fmla="*/ 2083982 w 2147777"/>
-              <a:gd name="connsiteY13" fmla="*/ 3315573 h 3326206"/>
-              <a:gd name="connsiteX14" fmla="*/ 2126512 w 2147777"/>
-              <a:gd name="connsiteY14" fmla="*/ 3273043 h 3326206"/>
-              <a:gd name="connsiteX15" fmla="*/ 2137145 w 2147777"/>
-              <a:gd name="connsiteY15" fmla="*/ 3219880 h 3326206"/>
-              <a:gd name="connsiteX16" fmla="*/ 2147777 w 2147777"/>
-              <a:gd name="connsiteY16" fmla="*/ 3177350 h 3326206"/>
-              <a:gd name="connsiteX17" fmla="*/ 2137145 w 2147777"/>
-              <a:gd name="connsiteY17" fmla="*/ 3007229 h 3326206"/>
-              <a:gd name="connsiteX18" fmla="*/ 2115879 w 2147777"/>
-              <a:gd name="connsiteY18" fmla="*/ 2964699 h 3326206"/>
-              <a:gd name="connsiteX19" fmla="*/ 2105247 w 2147777"/>
-              <a:gd name="connsiteY19" fmla="*/ 2900904 h 3326206"/>
-              <a:gd name="connsiteX20" fmla="*/ 2073349 w 2147777"/>
-              <a:gd name="connsiteY20" fmla="*/ 2879638 h 3326206"/>
-              <a:gd name="connsiteX21" fmla="*/ 2009554 w 2147777"/>
-              <a:gd name="connsiteY21" fmla="*/ 2837108 h 3326206"/>
-              <a:gd name="connsiteX22" fmla="*/ 1924493 w 2147777"/>
-              <a:gd name="connsiteY22" fmla="*/ 2783945 h 3326206"/>
-              <a:gd name="connsiteX23" fmla="*/ 1701210 w 2147777"/>
-              <a:gd name="connsiteY23" fmla="*/ 2762680 h 3326206"/>
-              <a:gd name="connsiteX24" fmla="*/ 1020726 w 2147777"/>
-              <a:gd name="connsiteY24" fmla="*/ 2762680 h 3326206"/>
-              <a:gd name="connsiteX25" fmla="*/ 925033 w 2147777"/>
-              <a:gd name="connsiteY25" fmla="*/ 2773313 h 3326206"/>
-              <a:gd name="connsiteX26" fmla="*/ 893135 w 2147777"/>
-              <a:gd name="connsiteY26" fmla="*/ 2794578 h 3326206"/>
-              <a:gd name="connsiteX27" fmla="*/ 903768 w 2147777"/>
-              <a:gd name="connsiteY27" fmla="*/ 2752048 h 3326206"/>
-              <a:gd name="connsiteX28" fmla="*/ 946298 w 2147777"/>
-              <a:gd name="connsiteY28" fmla="*/ 2688252 h 3326206"/>
-              <a:gd name="connsiteX29" fmla="*/ 956931 w 2147777"/>
-              <a:gd name="connsiteY29" fmla="*/ 2645722 h 3326206"/>
-              <a:gd name="connsiteX30" fmla="*/ 978196 w 2147777"/>
-              <a:gd name="connsiteY30" fmla="*/ 2581927 h 3326206"/>
-              <a:gd name="connsiteX31" fmla="*/ 988828 w 2147777"/>
-              <a:gd name="connsiteY31" fmla="*/ 1997136 h 3326206"/>
-              <a:gd name="connsiteX32" fmla="*/ 999461 w 2147777"/>
-              <a:gd name="connsiteY32" fmla="*/ 1954606 h 3326206"/>
-              <a:gd name="connsiteX33" fmla="*/ 1010093 w 2147777"/>
-              <a:gd name="connsiteY33" fmla="*/ 1901443 h 3326206"/>
-              <a:gd name="connsiteX34" fmla="*/ 1031359 w 2147777"/>
-              <a:gd name="connsiteY34" fmla="*/ 1646262 h 3326206"/>
-              <a:gd name="connsiteX35" fmla="*/ 1063256 w 2147777"/>
-              <a:gd name="connsiteY35" fmla="*/ 1029573 h 3326206"/>
-              <a:gd name="connsiteX36" fmla="*/ 1073889 w 2147777"/>
-              <a:gd name="connsiteY36" fmla="*/ 944513 h 3326206"/>
-              <a:gd name="connsiteX37" fmla="*/ 1063256 w 2147777"/>
-              <a:gd name="connsiteY37" fmla="*/ 412885 h 3326206"/>
-              <a:gd name="connsiteX38" fmla="*/ 1052624 w 2147777"/>
-              <a:gd name="connsiteY38" fmla="*/ 380987 h 3326206"/>
-              <a:gd name="connsiteX39" fmla="*/ 1010093 w 2147777"/>
-              <a:gd name="connsiteY39" fmla="*/ 274662 h 3326206"/>
-              <a:gd name="connsiteX40" fmla="*/ 988828 w 2147777"/>
-              <a:gd name="connsiteY40" fmla="*/ 232132 h 3326206"/>
-              <a:gd name="connsiteX41" fmla="*/ 956931 w 2147777"/>
-              <a:gd name="connsiteY41" fmla="*/ 221499 h 3326206"/>
-              <a:gd name="connsiteX42" fmla="*/ 893135 w 2147777"/>
-              <a:gd name="connsiteY42" fmla="*/ 168336 h 3326206"/>
-              <a:gd name="connsiteX43" fmla="*/ 808075 w 2147777"/>
-              <a:gd name="connsiteY43" fmla="*/ 104541 h 3326206"/>
-              <a:gd name="connsiteX44" fmla="*/ 776177 w 2147777"/>
-              <a:gd name="connsiteY44" fmla="*/ 83276 h 3326206"/>
-              <a:gd name="connsiteX45" fmla="*/ 733647 w 2147777"/>
-              <a:gd name="connsiteY45" fmla="*/ 72643 h 3326206"/>
-              <a:gd name="connsiteX46" fmla="*/ 627321 w 2147777"/>
-              <a:gd name="connsiteY46" fmla="*/ 51378 h 3326206"/>
-              <a:gd name="connsiteX47" fmla="*/ 0 w 2147777"/>
-              <a:gd name="connsiteY47" fmla="*/ 72643 h 3326206"/>
-            </a:gdLst>
-            <a:ahLst/>
-            <a:cxnLst>
-              <a:cxn ang="0">
-                <a:pos x="connsiteX0" y="connsiteY0"/>
-              </a:cxn>
-              <a:cxn ang="0">
-                <a:pos x="connsiteX1" y="connsiteY1"/>
-              </a:cxn>
-              <a:cxn ang="0">
-                <a:pos x="connsiteX2" y="connsiteY2"/>
-              </a:cxn>
-              <a:cxn ang="0">
-                <a:pos x="connsiteX3" y="connsiteY3"/>
-              </a:cxn>
-              <a:cxn ang="0">
-                <a:pos x="connsiteX4" y="connsiteY4"/>
-              </a:cxn>
-              <a:cxn ang="0">
-                <a:pos x="connsiteX5" y="connsiteY5"/>
-              </a:cxn>
-              <a:cxn ang="0">
-                <a:pos x="connsiteX6" y="connsiteY6"/>
-              </a:cxn>
-              <a:cxn ang="0">
-                <a:pos x="connsiteX7" y="connsiteY7"/>
-              </a:cxn>
-              <a:cxn ang="0">
-                <a:pos x="connsiteX8" y="connsiteY8"/>
-              </a:cxn>
-              <a:cxn ang="0">
-                <a:pos x="connsiteX9" y="connsiteY9"/>
-              </a:cxn>
-              <a:cxn ang="0">
-                <a:pos x="connsiteX10" y="connsiteY10"/>
-              </a:cxn>
-              <a:cxn ang="0">
-                <a:pos x="connsiteX11" y="connsiteY11"/>
-              </a:cxn>
-              <a:cxn ang="0">
-                <a:pos x="connsiteX12" y="connsiteY12"/>
-              </a:cxn>
-              <a:cxn ang="0">
-                <a:pos x="connsiteX13" y="connsiteY13"/>
-              </a:cxn>
-              <a:cxn ang="0">
-                <a:pos x="connsiteX14" y="connsiteY14"/>
-              </a:cxn>
-              <a:cxn ang="0">
-                <a:pos x="connsiteX15" y="connsiteY15"/>
-              </a:cxn>
-              <a:cxn ang="0">
-                <a:pos x="connsiteX16" y="connsiteY16"/>
-              </a:cxn>
-              <a:cxn ang="0">
-                <a:pos x="connsiteX17" y="connsiteY17"/>
-              </a:cxn>
-              <a:cxn ang="0">
-                <a:pos x="connsiteX18" y="connsiteY18"/>
-              </a:cxn>
-              <a:cxn ang="0">
-                <a:pos x="connsiteX19" y="connsiteY19"/>
-              </a:cxn>
-              <a:cxn ang="0">
-                <a:pos x="connsiteX20" y="connsiteY20"/>
-              </a:cxn>
-              <a:cxn ang="0">
-                <a:pos x="connsiteX21" y="connsiteY21"/>
-              </a:cxn>
-              <a:cxn ang="0">
-                <a:pos x="connsiteX22" y="connsiteY22"/>
-              </a:cxn>
-              <a:cxn ang="0">
-                <a:pos x="connsiteX23" y="connsiteY23"/>
-              </a:cxn>
-              <a:cxn ang="0">
-                <a:pos x="connsiteX24" y="connsiteY24"/>
-              </a:cxn>
-              <a:cxn ang="0">
-                <a:pos x="connsiteX25" y="connsiteY25"/>
-              </a:cxn>
-              <a:cxn ang="0">
-                <a:pos x="connsiteX26" y="connsiteY26"/>
-              </a:cxn>
-              <a:cxn ang="0">
-                <a:pos x="connsiteX27" y="connsiteY27"/>
-              </a:cxn>
-              <a:cxn ang="0">
-                <a:pos x="connsiteX28" y="connsiteY28"/>
-              </a:cxn>
-              <a:cxn ang="0">
-                <a:pos x="connsiteX29" y="connsiteY29"/>
-              </a:cxn>
-              <a:cxn ang="0">
-                <a:pos x="connsiteX30" y="connsiteY30"/>
-              </a:cxn>
-              <a:cxn ang="0">
-                <a:pos x="connsiteX31" y="connsiteY31"/>
-              </a:cxn>
-              <a:cxn ang="0">
-                <a:pos x="connsiteX32" y="connsiteY32"/>
-              </a:cxn>
-              <a:cxn ang="0">
-                <a:pos x="connsiteX33" y="connsiteY33"/>
-              </a:cxn>
-              <a:cxn ang="0">
-                <a:pos x="connsiteX34" y="connsiteY34"/>
-              </a:cxn>
-              <a:cxn ang="0">
-                <a:pos x="connsiteX35" y="connsiteY35"/>
-              </a:cxn>
-              <a:cxn ang="0">
-                <a:pos x="connsiteX36" y="connsiteY36"/>
-              </a:cxn>
-              <a:cxn ang="0">
-                <a:pos x="connsiteX37" y="connsiteY37"/>
-              </a:cxn>
-              <a:cxn ang="0">
-                <a:pos x="connsiteX38" y="connsiteY38"/>
-              </a:cxn>
-              <a:cxn ang="0">
-                <a:pos x="connsiteX39" y="connsiteY39"/>
-              </a:cxn>
-              <a:cxn ang="0">
-                <a:pos x="connsiteX40" y="connsiteY40"/>
-              </a:cxn>
-              <a:cxn ang="0">
-                <a:pos x="connsiteX41" y="connsiteY41"/>
-              </a:cxn>
-              <a:cxn ang="0">
-                <a:pos x="connsiteX42" y="connsiteY42"/>
-              </a:cxn>
-              <a:cxn ang="0">
-                <a:pos x="connsiteX43" y="connsiteY43"/>
-              </a:cxn>
-              <a:cxn ang="0">
-                <a:pos x="connsiteX44" y="connsiteY44"/>
-              </a:cxn>
-              <a:cxn ang="0">
-                <a:pos x="connsiteX45" y="connsiteY45"/>
-              </a:cxn>
-              <a:cxn ang="0">
-                <a:pos x="connsiteX46" y="connsiteY46"/>
-              </a:cxn>
-              <a:cxn ang="0">
-                <a:pos x="connsiteX47" y="connsiteY47"/>
-              </a:cxn>
-            </a:cxnLst>
-            <a:rect l="l" t="t" r="r" b="b"/>
-            <a:pathLst>
-              <a:path w="2147777" h="3326206">
-                <a:moveTo>
-                  <a:pt x="893135" y="2837108"/>
-                </a:moveTo>
-                <a:cubicBezTo>
-                  <a:pt x="737191" y="2840652"/>
-                  <a:pt x="580970" y="2837805"/>
-                  <a:pt x="425303" y="2847741"/>
-                </a:cubicBezTo>
-                <a:cubicBezTo>
-                  <a:pt x="412550" y="2848555"/>
-                  <a:pt x="404500" y="2862666"/>
-                  <a:pt x="393405" y="2869006"/>
-                </a:cubicBezTo>
-                <a:cubicBezTo>
-                  <a:pt x="379643" y="2876870"/>
-                  <a:pt x="365443" y="2884027"/>
-                  <a:pt x="350875" y="2890271"/>
-                </a:cubicBezTo>
-                <a:cubicBezTo>
-                  <a:pt x="340573" y="2894686"/>
-                  <a:pt x="328774" y="2895461"/>
-                  <a:pt x="318977" y="2900904"/>
-                </a:cubicBezTo>
-                <a:cubicBezTo>
-                  <a:pt x="209301" y="2961835"/>
-                  <a:pt x="295459" y="2930009"/>
-                  <a:pt x="223284" y="2954066"/>
-                </a:cubicBezTo>
-                <a:cubicBezTo>
-                  <a:pt x="216196" y="2964699"/>
-                  <a:pt x="211055" y="2976928"/>
-                  <a:pt x="202019" y="2985964"/>
-                </a:cubicBezTo>
-                <a:cubicBezTo>
-                  <a:pt x="189489" y="2998495"/>
-                  <a:pt x="169789" y="3003442"/>
-                  <a:pt x="159489" y="3017862"/>
-                </a:cubicBezTo>
-                <a:cubicBezTo>
-                  <a:pt x="150995" y="3029753"/>
-                  <a:pt x="154612" y="3046961"/>
-                  <a:pt x="148856" y="3060392"/>
-                </a:cubicBezTo>
-                <a:cubicBezTo>
-                  <a:pt x="143822" y="3072138"/>
-                  <a:pt x="134679" y="3081657"/>
-                  <a:pt x="127591" y="3092290"/>
-                </a:cubicBezTo>
-                <a:cubicBezTo>
-                  <a:pt x="131135" y="3148997"/>
-                  <a:pt x="126519" y="3206812"/>
-                  <a:pt x="138224" y="3262411"/>
-                </a:cubicBezTo>
-                <a:cubicBezTo>
-                  <a:pt x="146521" y="3301823"/>
-                  <a:pt x="199099" y="3297686"/>
-                  <a:pt x="223284" y="3304941"/>
-                </a:cubicBezTo>
-                <a:cubicBezTo>
-                  <a:pt x="241565" y="3310425"/>
-                  <a:pt x="258726" y="3319118"/>
-                  <a:pt x="276447" y="3326206"/>
-                </a:cubicBezTo>
-                <a:lnTo>
-                  <a:pt x="2083982" y="3315573"/>
-                </a:lnTo>
-                <a:cubicBezTo>
-                  <a:pt x="2104023" y="3314997"/>
-                  <a:pt x="2116775" y="3290569"/>
-                  <a:pt x="2126512" y="3273043"/>
-                </a:cubicBezTo>
-                <a:cubicBezTo>
-                  <a:pt x="2135289" y="3257245"/>
-                  <a:pt x="2133225" y="3237522"/>
-                  <a:pt x="2137145" y="3219880"/>
-                </a:cubicBezTo>
-                <a:cubicBezTo>
-                  <a:pt x="2140315" y="3205615"/>
-                  <a:pt x="2144233" y="3191527"/>
-                  <a:pt x="2147777" y="3177350"/>
-                </a:cubicBezTo>
-                <a:cubicBezTo>
-                  <a:pt x="2144233" y="3120643"/>
-                  <a:pt x="2145573" y="3063418"/>
-                  <a:pt x="2137145" y="3007229"/>
-                </a:cubicBezTo>
-                <a:cubicBezTo>
-                  <a:pt x="2134794" y="2991554"/>
-                  <a:pt x="2120434" y="2979881"/>
-                  <a:pt x="2115879" y="2964699"/>
-                </a:cubicBezTo>
-                <a:cubicBezTo>
-                  <a:pt x="2109684" y="2944050"/>
-                  <a:pt x="2114888" y="2920186"/>
-                  <a:pt x="2105247" y="2900904"/>
-                </a:cubicBezTo>
-                <a:cubicBezTo>
-                  <a:pt x="2099532" y="2889474"/>
-                  <a:pt x="2083166" y="2887819"/>
-                  <a:pt x="2073349" y="2879638"/>
-                </a:cubicBezTo>
-                <a:cubicBezTo>
-                  <a:pt x="1964843" y="2789215"/>
-                  <a:pt x="2106913" y="2890213"/>
-                  <a:pt x="2009554" y="2837108"/>
-                </a:cubicBezTo>
-                <a:cubicBezTo>
-                  <a:pt x="1980201" y="2821097"/>
-                  <a:pt x="1957280" y="2790502"/>
-                  <a:pt x="1924493" y="2783945"/>
-                </a:cubicBezTo>
-                <a:cubicBezTo>
-                  <a:pt x="1815617" y="2762171"/>
-                  <a:pt x="1889367" y="2774440"/>
-                  <a:pt x="1701210" y="2762680"/>
-                </a:cubicBezTo>
-                <a:cubicBezTo>
-                  <a:pt x="1465333" y="2684059"/>
-                  <a:pt x="1658314" y="2744463"/>
-                  <a:pt x="1020726" y="2762680"/>
-                </a:cubicBezTo>
-                <a:cubicBezTo>
-                  <a:pt x="988645" y="2763597"/>
-                  <a:pt x="956931" y="2769769"/>
-                  <a:pt x="925033" y="2773313"/>
-                </a:cubicBezTo>
-                <a:cubicBezTo>
-                  <a:pt x="914400" y="2780401"/>
-                  <a:pt x="902171" y="2803614"/>
-                  <a:pt x="893135" y="2794578"/>
-                </a:cubicBezTo>
-                <a:cubicBezTo>
-                  <a:pt x="882802" y="2784245"/>
-                  <a:pt x="897233" y="2765118"/>
-                  <a:pt x="903768" y="2752048"/>
-                </a:cubicBezTo>
-                <a:cubicBezTo>
-                  <a:pt x="915198" y="2729189"/>
-                  <a:pt x="946298" y="2688252"/>
-                  <a:pt x="946298" y="2688252"/>
-                </a:cubicBezTo>
-                <a:cubicBezTo>
-                  <a:pt x="949842" y="2674075"/>
-                  <a:pt x="952732" y="2659719"/>
-                  <a:pt x="956931" y="2645722"/>
-                </a:cubicBezTo>
-                <a:cubicBezTo>
-                  <a:pt x="963372" y="2624252"/>
-                  <a:pt x="978196" y="2581927"/>
-                  <a:pt x="978196" y="2581927"/>
-                </a:cubicBezTo>
-                <a:cubicBezTo>
-                  <a:pt x="981740" y="2386997"/>
-                  <a:pt x="982223" y="2191987"/>
-                  <a:pt x="988828" y="1997136"/>
-                </a:cubicBezTo>
-                <a:cubicBezTo>
-                  <a:pt x="989323" y="1982531"/>
-                  <a:pt x="996291" y="1968871"/>
-                  <a:pt x="999461" y="1954606"/>
-                </a:cubicBezTo>
-                <a:cubicBezTo>
-                  <a:pt x="1003381" y="1936964"/>
-                  <a:pt x="1006549" y="1919164"/>
-                  <a:pt x="1010093" y="1901443"/>
-                </a:cubicBezTo>
-                <a:cubicBezTo>
-                  <a:pt x="1017182" y="1816383"/>
-                  <a:pt x="1027947" y="1731549"/>
-                  <a:pt x="1031359" y="1646262"/>
-                </a:cubicBezTo>
-                <a:cubicBezTo>
-                  <a:pt x="1055967" y="1031056"/>
-                  <a:pt x="990402" y="1284562"/>
-                  <a:pt x="1063256" y="1029573"/>
-                </a:cubicBezTo>
-                <a:cubicBezTo>
-                  <a:pt x="1066800" y="1001220"/>
-                  <a:pt x="1073889" y="973087"/>
-                  <a:pt x="1073889" y="944513"/>
-                </a:cubicBezTo>
-                <a:cubicBezTo>
-                  <a:pt x="1073889" y="767268"/>
-                  <a:pt x="1069940" y="590004"/>
-                  <a:pt x="1063256" y="412885"/>
-                </a:cubicBezTo>
-                <a:cubicBezTo>
-                  <a:pt x="1062833" y="401685"/>
-                  <a:pt x="1055844" y="391722"/>
-                  <a:pt x="1052624" y="380987"/>
-                </a:cubicBezTo>
-                <a:cubicBezTo>
-                  <a:pt x="1013898" y="251896"/>
-                  <a:pt x="1052581" y="349014"/>
-                  <a:pt x="1010093" y="274662"/>
-                </a:cubicBezTo>
-                <a:cubicBezTo>
-                  <a:pt x="1002229" y="260900"/>
-                  <a:pt x="1000036" y="243340"/>
-                  <a:pt x="988828" y="232132"/>
-                </a:cubicBezTo>
-                <a:cubicBezTo>
-                  <a:pt x="980903" y="224207"/>
-                  <a:pt x="967563" y="225043"/>
-                  <a:pt x="956931" y="221499"/>
-                </a:cubicBezTo>
-                <a:cubicBezTo>
-                  <a:pt x="904383" y="168951"/>
-                  <a:pt x="947414" y="207812"/>
-                  <a:pt x="893135" y="168336"/>
-                </a:cubicBezTo>
-                <a:cubicBezTo>
-                  <a:pt x="864472" y="147490"/>
-                  <a:pt x="837564" y="124200"/>
-                  <a:pt x="808075" y="104541"/>
-                </a:cubicBezTo>
-                <a:cubicBezTo>
-                  <a:pt x="797442" y="97453"/>
-                  <a:pt x="787923" y="88310"/>
-                  <a:pt x="776177" y="83276"/>
-                </a:cubicBezTo>
-                <a:cubicBezTo>
-                  <a:pt x="762746" y="77520"/>
-                  <a:pt x="747976" y="75509"/>
-                  <a:pt x="733647" y="72643"/>
-                </a:cubicBezTo>
-                <a:cubicBezTo>
-                  <a:pt x="603292" y="46572"/>
-                  <a:pt x="726114" y="76077"/>
-                  <a:pt x="627321" y="51378"/>
-                </a:cubicBezTo>
-                <a:cubicBezTo>
-                  <a:pt x="5622" y="62097"/>
-                  <a:pt x="156016" y="-83359"/>
-                  <a:pt x="0" y="72643"/>
-                </a:cubicBezTo>
-              </a:path>
-            </a:pathLst>
-          </a:custGeom>
-          <a:noFill/>
-          <a:ln>
-            <a:solidFill>
-              <a:srgbClr val="0070C0"/>
-            </a:solidFill>
-            <a:headEnd type="none" w="med" len="med"/>
-            <a:tailEnd type="triangle" w="med" len="med"/>
-          </a:ln>
-        </p:spPr>
-        <p:style>
-          <a:lnRef idx="2">
-            <a:schemeClr val="accent1">
-              <a:shade val="50000"/>
-            </a:schemeClr>
-          </a:lnRef>
-          <a:fillRef idx="1">
-            <a:schemeClr val="accent1"/>
-          </a:fillRef>
-          <a:effectRef idx="0">
-            <a:schemeClr val="accent1"/>
-          </a:effectRef>
-          <a:fontRef idx="minor">
-            <a:schemeClr val="lt1"/>
-          </a:fontRef>
-        </p:style>
-        <p:txBody>
-          <a:bodyPr rtlCol="0" anchor="ctr"/>
-          <a:lstStyle/>
-          <a:p>
-            <a:pPr algn="ctr"/>
-            <a:endParaRPr lang="ru-RU"/>
-          </a:p>
-        </p:txBody>
-      </p:sp>
+        </p:grpSpPr>
+        <p:sp>
+          <p:nvSpPr>
+            <p:cNvPr id="15" name="TextBox 14">
+              <a:extLst>
+                <a:ext uri="{FF2B5EF4-FFF2-40B4-BE49-F238E27FC236}">
+                  <a16:creationId xmlns:a16="http://schemas.microsoft.com/office/drawing/2014/main" id="{495AB4DB-06A1-4F34-AB3C-384ED60DCE2F}"/>
+                </a:ext>
+              </a:extLst>
+            </p:cNvPr>
+            <p:cNvSpPr txBox="1"/>
+            <p:nvPr/>
+          </p:nvSpPr>
+          <p:spPr>
+            <a:xfrm rot="5400000">
+              <a:off x="3632215" y="4615113"/>
+              <a:ext cx="1415772" cy="369332"/>
+            </a:xfrm>
+            <a:prstGeom prst="rect">
+              <a:avLst/>
+            </a:prstGeom>
+            <a:noFill/>
+          </p:spPr>
+          <p:txBody>
+            <a:bodyPr wrap="none" rtlCol="0">
+              <a:spAutoFit/>
+            </a:bodyPr>
+            <a:lstStyle/>
+            <a:p>
+              <a:r>
+                <a:rPr lang="en-US" dirty="0"/>
+                <a:t>l = [1,2,3,4,5]</a:t>
+              </a:r>
+              <a:endParaRPr lang="ru-RU" dirty="0"/>
+            </a:p>
+          </p:txBody>
+        </p:sp>
+        <p:sp>
+          <p:nvSpPr>
+            <p:cNvPr id="19" name="Полилиния: фигура 18">
+              <a:extLst>
+                <a:ext uri="{FF2B5EF4-FFF2-40B4-BE49-F238E27FC236}">
+                  <a16:creationId xmlns:a16="http://schemas.microsoft.com/office/drawing/2014/main" id="{40975907-9E41-4EA2-A491-7FD6DEB2FED7}"/>
+                </a:ext>
+              </a:extLst>
+            </p:cNvPr>
+            <p:cNvSpPr/>
+            <p:nvPr/>
+          </p:nvSpPr>
+          <p:spPr>
+            <a:xfrm>
+              <a:off x="2998381" y="2787515"/>
+              <a:ext cx="2147777" cy="3326206"/>
+            </a:xfrm>
+            <a:custGeom>
+              <a:avLst/>
+              <a:gdLst>
+                <a:gd name="connsiteX0" fmla="*/ 893135 w 2147777"/>
+                <a:gd name="connsiteY0" fmla="*/ 2837108 h 3326206"/>
+                <a:gd name="connsiteX1" fmla="*/ 425303 w 2147777"/>
+                <a:gd name="connsiteY1" fmla="*/ 2847741 h 3326206"/>
+                <a:gd name="connsiteX2" fmla="*/ 393405 w 2147777"/>
+                <a:gd name="connsiteY2" fmla="*/ 2869006 h 3326206"/>
+                <a:gd name="connsiteX3" fmla="*/ 350875 w 2147777"/>
+                <a:gd name="connsiteY3" fmla="*/ 2890271 h 3326206"/>
+                <a:gd name="connsiteX4" fmla="*/ 318977 w 2147777"/>
+                <a:gd name="connsiteY4" fmla="*/ 2900904 h 3326206"/>
+                <a:gd name="connsiteX5" fmla="*/ 223284 w 2147777"/>
+                <a:gd name="connsiteY5" fmla="*/ 2954066 h 3326206"/>
+                <a:gd name="connsiteX6" fmla="*/ 202019 w 2147777"/>
+                <a:gd name="connsiteY6" fmla="*/ 2985964 h 3326206"/>
+                <a:gd name="connsiteX7" fmla="*/ 159489 w 2147777"/>
+                <a:gd name="connsiteY7" fmla="*/ 3017862 h 3326206"/>
+                <a:gd name="connsiteX8" fmla="*/ 148856 w 2147777"/>
+                <a:gd name="connsiteY8" fmla="*/ 3060392 h 3326206"/>
+                <a:gd name="connsiteX9" fmla="*/ 127591 w 2147777"/>
+                <a:gd name="connsiteY9" fmla="*/ 3092290 h 3326206"/>
+                <a:gd name="connsiteX10" fmla="*/ 138224 w 2147777"/>
+                <a:gd name="connsiteY10" fmla="*/ 3262411 h 3326206"/>
+                <a:gd name="connsiteX11" fmla="*/ 223284 w 2147777"/>
+                <a:gd name="connsiteY11" fmla="*/ 3304941 h 3326206"/>
+                <a:gd name="connsiteX12" fmla="*/ 276447 w 2147777"/>
+                <a:gd name="connsiteY12" fmla="*/ 3326206 h 3326206"/>
+                <a:gd name="connsiteX13" fmla="*/ 2083982 w 2147777"/>
+                <a:gd name="connsiteY13" fmla="*/ 3315573 h 3326206"/>
+                <a:gd name="connsiteX14" fmla="*/ 2126512 w 2147777"/>
+                <a:gd name="connsiteY14" fmla="*/ 3273043 h 3326206"/>
+                <a:gd name="connsiteX15" fmla="*/ 2137145 w 2147777"/>
+                <a:gd name="connsiteY15" fmla="*/ 3219880 h 3326206"/>
+                <a:gd name="connsiteX16" fmla="*/ 2147777 w 2147777"/>
+                <a:gd name="connsiteY16" fmla="*/ 3177350 h 3326206"/>
+                <a:gd name="connsiteX17" fmla="*/ 2137145 w 2147777"/>
+                <a:gd name="connsiteY17" fmla="*/ 3007229 h 3326206"/>
+                <a:gd name="connsiteX18" fmla="*/ 2115879 w 2147777"/>
+                <a:gd name="connsiteY18" fmla="*/ 2964699 h 3326206"/>
+                <a:gd name="connsiteX19" fmla="*/ 2105247 w 2147777"/>
+                <a:gd name="connsiteY19" fmla="*/ 2900904 h 3326206"/>
+                <a:gd name="connsiteX20" fmla="*/ 2073349 w 2147777"/>
+                <a:gd name="connsiteY20" fmla="*/ 2879638 h 3326206"/>
+                <a:gd name="connsiteX21" fmla="*/ 2009554 w 2147777"/>
+                <a:gd name="connsiteY21" fmla="*/ 2837108 h 3326206"/>
+                <a:gd name="connsiteX22" fmla="*/ 1924493 w 2147777"/>
+                <a:gd name="connsiteY22" fmla="*/ 2783945 h 3326206"/>
+                <a:gd name="connsiteX23" fmla="*/ 1701210 w 2147777"/>
+                <a:gd name="connsiteY23" fmla="*/ 2762680 h 3326206"/>
+                <a:gd name="connsiteX24" fmla="*/ 1020726 w 2147777"/>
+                <a:gd name="connsiteY24" fmla="*/ 2762680 h 3326206"/>
+                <a:gd name="connsiteX25" fmla="*/ 925033 w 2147777"/>
+                <a:gd name="connsiteY25" fmla="*/ 2773313 h 3326206"/>
+                <a:gd name="connsiteX26" fmla="*/ 893135 w 2147777"/>
+                <a:gd name="connsiteY26" fmla="*/ 2794578 h 3326206"/>
+                <a:gd name="connsiteX27" fmla="*/ 903768 w 2147777"/>
+                <a:gd name="connsiteY27" fmla="*/ 2752048 h 3326206"/>
+                <a:gd name="connsiteX28" fmla="*/ 946298 w 2147777"/>
+                <a:gd name="connsiteY28" fmla="*/ 2688252 h 3326206"/>
+                <a:gd name="connsiteX29" fmla="*/ 956931 w 2147777"/>
+                <a:gd name="connsiteY29" fmla="*/ 2645722 h 3326206"/>
+                <a:gd name="connsiteX30" fmla="*/ 978196 w 2147777"/>
+                <a:gd name="connsiteY30" fmla="*/ 2581927 h 3326206"/>
+                <a:gd name="connsiteX31" fmla="*/ 988828 w 2147777"/>
+                <a:gd name="connsiteY31" fmla="*/ 1997136 h 3326206"/>
+                <a:gd name="connsiteX32" fmla="*/ 999461 w 2147777"/>
+                <a:gd name="connsiteY32" fmla="*/ 1954606 h 3326206"/>
+                <a:gd name="connsiteX33" fmla="*/ 1010093 w 2147777"/>
+                <a:gd name="connsiteY33" fmla="*/ 1901443 h 3326206"/>
+                <a:gd name="connsiteX34" fmla="*/ 1031359 w 2147777"/>
+                <a:gd name="connsiteY34" fmla="*/ 1646262 h 3326206"/>
+                <a:gd name="connsiteX35" fmla="*/ 1063256 w 2147777"/>
+                <a:gd name="connsiteY35" fmla="*/ 1029573 h 3326206"/>
+                <a:gd name="connsiteX36" fmla="*/ 1073889 w 2147777"/>
+                <a:gd name="connsiteY36" fmla="*/ 944513 h 3326206"/>
+                <a:gd name="connsiteX37" fmla="*/ 1063256 w 2147777"/>
+                <a:gd name="connsiteY37" fmla="*/ 412885 h 3326206"/>
+                <a:gd name="connsiteX38" fmla="*/ 1052624 w 2147777"/>
+                <a:gd name="connsiteY38" fmla="*/ 380987 h 3326206"/>
+                <a:gd name="connsiteX39" fmla="*/ 1010093 w 2147777"/>
+                <a:gd name="connsiteY39" fmla="*/ 274662 h 3326206"/>
+                <a:gd name="connsiteX40" fmla="*/ 988828 w 2147777"/>
+                <a:gd name="connsiteY40" fmla="*/ 232132 h 3326206"/>
+                <a:gd name="connsiteX41" fmla="*/ 956931 w 2147777"/>
+                <a:gd name="connsiteY41" fmla="*/ 221499 h 3326206"/>
+                <a:gd name="connsiteX42" fmla="*/ 893135 w 2147777"/>
+                <a:gd name="connsiteY42" fmla="*/ 168336 h 3326206"/>
+                <a:gd name="connsiteX43" fmla="*/ 808075 w 2147777"/>
+                <a:gd name="connsiteY43" fmla="*/ 104541 h 3326206"/>
+                <a:gd name="connsiteX44" fmla="*/ 776177 w 2147777"/>
+                <a:gd name="connsiteY44" fmla="*/ 83276 h 3326206"/>
+                <a:gd name="connsiteX45" fmla="*/ 733647 w 2147777"/>
+                <a:gd name="connsiteY45" fmla="*/ 72643 h 3326206"/>
+                <a:gd name="connsiteX46" fmla="*/ 627321 w 2147777"/>
+                <a:gd name="connsiteY46" fmla="*/ 51378 h 3326206"/>
+                <a:gd name="connsiteX47" fmla="*/ 0 w 2147777"/>
+                <a:gd name="connsiteY47" fmla="*/ 72643 h 3326206"/>
+              </a:gdLst>
+              <a:ahLst/>
+              <a:cxnLst>
+                <a:cxn ang="0">
+                  <a:pos x="connsiteX0" y="connsiteY0"/>
+                </a:cxn>
+                <a:cxn ang="0">
+                  <a:pos x="connsiteX1" y="connsiteY1"/>
+                </a:cxn>
+                <a:cxn ang="0">
+                  <a:pos x="connsiteX2" y="connsiteY2"/>
+                </a:cxn>
+                <a:cxn ang="0">
+                  <a:pos x="connsiteX3" y="connsiteY3"/>
+                </a:cxn>
+                <a:cxn ang="0">
+                  <a:pos x="connsiteX4" y="connsiteY4"/>
+                </a:cxn>
+                <a:cxn ang="0">
+                  <a:pos x="connsiteX5" y="connsiteY5"/>
+                </a:cxn>
+                <a:cxn ang="0">
+                  <a:pos x="connsiteX6" y="connsiteY6"/>
+                </a:cxn>
+                <a:cxn ang="0">
+                  <a:pos x="connsiteX7" y="connsiteY7"/>
+                </a:cxn>
+                <a:cxn ang="0">
+                  <a:pos x="connsiteX8" y="connsiteY8"/>
+                </a:cxn>
+                <a:cxn ang="0">
+                  <a:pos x="connsiteX9" y="connsiteY9"/>
+                </a:cxn>
+                <a:cxn ang="0">
+                  <a:pos x="connsiteX10" y="connsiteY10"/>
+                </a:cxn>
+                <a:cxn ang="0">
+                  <a:pos x="connsiteX11" y="connsiteY11"/>
+                </a:cxn>
+                <a:cxn ang="0">
+                  <a:pos x="connsiteX12" y="connsiteY12"/>
+                </a:cxn>
+                <a:cxn ang="0">
+                  <a:pos x="connsiteX13" y="connsiteY13"/>
+                </a:cxn>
+                <a:cxn ang="0">
+                  <a:pos x="connsiteX14" y="connsiteY14"/>
+                </a:cxn>
+                <a:cxn ang="0">
+                  <a:pos x="connsiteX15" y="connsiteY15"/>
+                </a:cxn>
+                <a:cxn ang="0">
+                  <a:pos x="connsiteX16" y="connsiteY16"/>
+                </a:cxn>
+                <a:cxn ang="0">
+                  <a:pos x="connsiteX17" y="connsiteY17"/>
+                </a:cxn>
+                <a:cxn ang="0">
+                  <a:pos x="connsiteX18" y="connsiteY18"/>
+                </a:cxn>
+                <a:cxn ang="0">
+                  <a:pos x="connsiteX19" y="connsiteY19"/>
+                </a:cxn>
+                <a:cxn ang="0">
+                  <a:pos x="connsiteX20" y="connsiteY20"/>
+                </a:cxn>
+                <a:cxn ang="0">
+                  <a:pos x="connsiteX21" y="connsiteY21"/>
+                </a:cxn>
+                <a:cxn ang="0">
+                  <a:pos x="connsiteX22" y="connsiteY22"/>
+                </a:cxn>
+                <a:cxn ang="0">
+                  <a:pos x="connsiteX23" y="connsiteY23"/>
+                </a:cxn>
+                <a:cxn ang="0">
+                  <a:pos x="connsiteX24" y="connsiteY24"/>
+                </a:cxn>
+                <a:cxn ang="0">
+                  <a:pos x="connsiteX25" y="connsiteY25"/>
+                </a:cxn>
+                <a:cxn ang="0">
+                  <a:pos x="connsiteX26" y="connsiteY26"/>
+                </a:cxn>
+                <a:cxn ang="0">
+                  <a:pos x="connsiteX27" y="connsiteY27"/>
+                </a:cxn>
+                <a:cxn ang="0">
+                  <a:pos x="connsiteX28" y="connsiteY28"/>
+                </a:cxn>
+                <a:cxn ang="0">
+                  <a:pos x="connsiteX29" y="connsiteY29"/>
+                </a:cxn>
+                <a:cxn ang="0">
+                  <a:pos x="connsiteX30" y="connsiteY30"/>
+                </a:cxn>
+                <a:cxn ang="0">
+                  <a:pos x="connsiteX31" y="connsiteY31"/>
+                </a:cxn>
+                <a:cxn ang="0">
+                  <a:pos x="connsiteX32" y="connsiteY32"/>
+                </a:cxn>
+                <a:cxn ang="0">
+                  <a:pos x="connsiteX33" y="connsiteY33"/>
+                </a:cxn>
+                <a:cxn ang="0">
+                  <a:pos x="connsiteX34" y="connsiteY34"/>
+                </a:cxn>
+                <a:cxn ang="0">
+                  <a:pos x="connsiteX35" y="connsiteY35"/>
+                </a:cxn>
+                <a:cxn ang="0">
+                  <a:pos x="connsiteX36" y="connsiteY36"/>
+                </a:cxn>
+                <a:cxn ang="0">
+                  <a:pos x="connsiteX37" y="connsiteY37"/>
+                </a:cxn>
+                <a:cxn ang="0">
+                  <a:pos x="connsiteX38" y="connsiteY38"/>
+                </a:cxn>
+                <a:cxn ang="0">
+                  <a:pos x="connsiteX39" y="connsiteY39"/>
+                </a:cxn>
+                <a:cxn ang="0">
+                  <a:pos x="connsiteX40" y="connsiteY40"/>
+                </a:cxn>
+                <a:cxn ang="0">
+                  <a:pos x="connsiteX41" y="connsiteY41"/>
+                </a:cxn>
+                <a:cxn ang="0">
+                  <a:pos x="connsiteX42" y="connsiteY42"/>
+                </a:cxn>
+                <a:cxn ang="0">
+                  <a:pos x="connsiteX43" y="connsiteY43"/>
+                </a:cxn>
+                <a:cxn ang="0">
+                  <a:pos x="connsiteX44" y="connsiteY44"/>
+                </a:cxn>
+                <a:cxn ang="0">
+                  <a:pos x="connsiteX45" y="connsiteY45"/>
+                </a:cxn>
+                <a:cxn ang="0">
+                  <a:pos x="connsiteX46" y="connsiteY46"/>
+                </a:cxn>
+                <a:cxn ang="0">
+                  <a:pos x="connsiteX47" y="connsiteY47"/>
+                </a:cxn>
+              </a:cxnLst>
+              <a:rect l="l" t="t" r="r" b="b"/>
+              <a:pathLst>
+                <a:path w="2147777" h="3326206">
+                  <a:moveTo>
+                    <a:pt x="893135" y="2837108"/>
+                  </a:moveTo>
+                  <a:cubicBezTo>
+                    <a:pt x="737191" y="2840652"/>
+                    <a:pt x="580970" y="2837805"/>
+                    <a:pt x="425303" y="2847741"/>
+                  </a:cubicBezTo>
+                  <a:cubicBezTo>
+                    <a:pt x="412550" y="2848555"/>
+                    <a:pt x="404500" y="2862666"/>
+                    <a:pt x="393405" y="2869006"/>
+                  </a:cubicBezTo>
+                  <a:cubicBezTo>
+                    <a:pt x="379643" y="2876870"/>
+                    <a:pt x="365443" y="2884027"/>
+                    <a:pt x="350875" y="2890271"/>
+                  </a:cubicBezTo>
+                  <a:cubicBezTo>
+                    <a:pt x="340573" y="2894686"/>
+                    <a:pt x="328774" y="2895461"/>
+                    <a:pt x="318977" y="2900904"/>
+                  </a:cubicBezTo>
+                  <a:cubicBezTo>
+                    <a:pt x="209301" y="2961835"/>
+                    <a:pt x="295459" y="2930009"/>
+                    <a:pt x="223284" y="2954066"/>
+                  </a:cubicBezTo>
+                  <a:cubicBezTo>
+                    <a:pt x="216196" y="2964699"/>
+                    <a:pt x="211055" y="2976928"/>
+                    <a:pt x="202019" y="2985964"/>
+                  </a:cubicBezTo>
+                  <a:cubicBezTo>
+                    <a:pt x="189489" y="2998495"/>
+                    <a:pt x="169789" y="3003442"/>
+                    <a:pt x="159489" y="3017862"/>
+                  </a:cubicBezTo>
+                  <a:cubicBezTo>
+                    <a:pt x="150995" y="3029753"/>
+                    <a:pt x="154612" y="3046961"/>
+                    <a:pt x="148856" y="3060392"/>
+                  </a:cubicBezTo>
+                  <a:cubicBezTo>
+                    <a:pt x="143822" y="3072138"/>
+                    <a:pt x="134679" y="3081657"/>
+                    <a:pt x="127591" y="3092290"/>
+                  </a:cubicBezTo>
+                  <a:cubicBezTo>
+                    <a:pt x="131135" y="3148997"/>
+                    <a:pt x="126519" y="3206812"/>
+                    <a:pt x="138224" y="3262411"/>
+                  </a:cubicBezTo>
+                  <a:cubicBezTo>
+                    <a:pt x="146521" y="3301823"/>
+                    <a:pt x="199099" y="3297686"/>
+                    <a:pt x="223284" y="3304941"/>
+                  </a:cubicBezTo>
+                  <a:cubicBezTo>
+                    <a:pt x="241565" y="3310425"/>
+                    <a:pt x="258726" y="3319118"/>
+                    <a:pt x="276447" y="3326206"/>
+                  </a:cubicBezTo>
+                  <a:lnTo>
+                    <a:pt x="2083982" y="3315573"/>
+                  </a:lnTo>
+                  <a:cubicBezTo>
+                    <a:pt x="2104023" y="3314997"/>
+                    <a:pt x="2116775" y="3290569"/>
+                    <a:pt x="2126512" y="3273043"/>
+                  </a:cubicBezTo>
+                  <a:cubicBezTo>
+                    <a:pt x="2135289" y="3257245"/>
+                    <a:pt x="2133225" y="3237522"/>
+                    <a:pt x="2137145" y="3219880"/>
+                  </a:cubicBezTo>
+                  <a:cubicBezTo>
+                    <a:pt x="2140315" y="3205615"/>
+                    <a:pt x="2144233" y="3191527"/>
+                    <a:pt x="2147777" y="3177350"/>
+                  </a:cubicBezTo>
+                  <a:cubicBezTo>
+                    <a:pt x="2144233" y="3120643"/>
+                    <a:pt x="2145573" y="3063418"/>
+                    <a:pt x="2137145" y="3007229"/>
+                  </a:cubicBezTo>
+                  <a:cubicBezTo>
+                    <a:pt x="2134794" y="2991554"/>
+                    <a:pt x="2120434" y="2979881"/>
+                    <a:pt x="2115879" y="2964699"/>
+                  </a:cubicBezTo>
+                  <a:cubicBezTo>
+                    <a:pt x="2109684" y="2944050"/>
+                    <a:pt x="2114888" y="2920186"/>
+                    <a:pt x="2105247" y="2900904"/>
+                  </a:cubicBezTo>
+                  <a:cubicBezTo>
+                    <a:pt x="2099532" y="2889474"/>
+                    <a:pt x="2083166" y="2887819"/>
+                    <a:pt x="2073349" y="2879638"/>
+                  </a:cubicBezTo>
+                  <a:cubicBezTo>
+                    <a:pt x="1964843" y="2789215"/>
+                    <a:pt x="2106913" y="2890213"/>
+                    <a:pt x="2009554" y="2837108"/>
+                  </a:cubicBezTo>
+                  <a:cubicBezTo>
+                    <a:pt x="1980201" y="2821097"/>
+                    <a:pt x="1957280" y="2790502"/>
+                    <a:pt x="1924493" y="2783945"/>
+                  </a:cubicBezTo>
+                  <a:cubicBezTo>
+                    <a:pt x="1815617" y="2762171"/>
+                    <a:pt x="1889367" y="2774440"/>
+                    <a:pt x="1701210" y="2762680"/>
+                  </a:cubicBezTo>
+                  <a:cubicBezTo>
+                    <a:pt x="1465333" y="2684059"/>
+                    <a:pt x="1658314" y="2744463"/>
+                    <a:pt x="1020726" y="2762680"/>
+                  </a:cubicBezTo>
+                  <a:cubicBezTo>
+                    <a:pt x="988645" y="2763597"/>
+                    <a:pt x="956931" y="2769769"/>
+                    <a:pt x="925033" y="2773313"/>
+                  </a:cubicBezTo>
+                  <a:cubicBezTo>
+                    <a:pt x="914400" y="2780401"/>
+                    <a:pt x="902171" y="2803614"/>
+                    <a:pt x="893135" y="2794578"/>
+                  </a:cubicBezTo>
+                  <a:cubicBezTo>
+                    <a:pt x="882802" y="2784245"/>
+                    <a:pt x="897233" y="2765118"/>
+                    <a:pt x="903768" y="2752048"/>
+                  </a:cubicBezTo>
+                  <a:cubicBezTo>
+                    <a:pt x="915198" y="2729189"/>
+                    <a:pt x="946298" y="2688252"/>
+                    <a:pt x="946298" y="2688252"/>
+                  </a:cubicBezTo>
+                  <a:cubicBezTo>
+                    <a:pt x="949842" y="2674075"/>
+                    <a:pt x="952732" y="2659719"/>
+                    <a:pt x="956931" y="2645722"/>
+                  </a:cubicBezTo>
+                  <a:cubicBezTo>
+                    <a:pt x="963372" y="2624252"/>
+                    <a:pt x="978196" y="2581927"/>
+                    <a:pt x="978196" y="2581927"/>
+                  </a:cubicBezTo>
+                  <a:cubicBezTo>
+                    <a:pt x="981740" y="2386997"/>
+                    <a:pt x="982223" y="2191987"/>
+                    <a:pt x="988828" y="1997136"/>
+                  </a:cubicBezTo>
+                  <a:cubicBezTo>
+                    <a:pt x="989323" y="1982531"/>
+                    <a:pt x="996291" y="1968871"/>
+                    <a:pt x="999461" y="1954606"/>
+                  </a:cubicBezTo>
+                  <a:cubicBezTo>
+                    <a:pt x="1003381" y="1936964"/>
+                    <a:pt x="1006549" y="1919164"/>
+                    <a:pt x="1010093" y="1901443"/>
+                  </a:cubicBezTo>
+                  <a:cubicBezTo>
+                    <a:pt x="1017182" y="1816383"/>
+                    <a:pt x="1027947" y="1731549"/>
+                    <a:pt x="1031359" y="1646262"/>
+                  </a:cubicBezTo>
+                  <a:cubicBezTo>
+                    <a:pt x="1055967" y="1031056"/>
+                    <a:pt x="990402" y="1284562"/>
+                    <a:pt x="1063256" y="1029573"/>
+                  </a:cubicBezTo>
+                  <a:cubicBezTo>
+                    <a:pt x="1066800" y="1001220"/>
+                    <a:pt x="1073889" y="973087"/>
+                    <a:pt x="1073889" y="944513"/>
+                  </a:cubicBezTo>
+                  <a:cubicBezTo>
+                    <a:pt x="1073889" y="767268"/>
+                    <a:pt x="1069940" y="590004"/>
+                    <a:pt x="1063256" y="412885"/>
+                  </a:cubicBezTo>
+                  <a:cubicBezTo>
+                    <a:pt x="1062833" y="401685"/>
+                    <a:pt x="1055844" y="391722"/>
+                    <a:pt x="1052624" y="380987"/>
+                  </a:cubicBezTo>
+                  <a:cubicBezTo>
+                    <a:pt x="1013898" y="251896"/>
+                    <a:pt x="1052581" y="349014"/>
+                    <a:pt x="1010093" y="274662"/>
+                  </a:cubicBezTo>
+                  <a:cubicBezTo>
+                    <a:pt x="1002229" y="260900"/>
+                    <a:pt x="1000036" y="243340"/>
+                    <a:pt x="988828" y="232132"/>
+                  </a:cubicBezTo>
+                  <a:cubicBezTo>
+                    <a:pt x="980903" y="224207"/>
+                    <a:pt x="967563" y="225043"/>
+                    <a:pt x="956931" y="221499"/>
+                  </a:cubicBezTo>
+                  <a:cubicBezTo>
+                    <a:pt x="904383" y="168951"/>
+                    <a:pt x="947414" y="207812"/>
+                    <a:pt x="893135" y="168336"/>
+                  </a:cubicBezTo>
+                  <a:cubicBezTo>
+                    <a:pt x="864472" y="147490"/>
+                    <a:pt x="837564" y="124200"/>
+                    <a:pt x="808075" y="104541"/>
+                  </a:cubicBezTo>
+                  <a:cubicBezTo>
+                    <a:pt x="797442" y="97453"/>
+                    <a:pt x="787923" y="88310"/>
+                    <a:pt x="776177" y="83276"/>
+                  </a:cubicBezTo>
+                  <a:cubicBezTo>
+                    <a:pt x="762746" y="77520"/>
+                    <a:pt x="747976" y="75509"/>
+                    <a:pt x="733647" y="72643"/>
+                  </a:cubicBezTo>
+                  <a:cubicBezTo>
+                    <a:pt x="603292" y="46572"/>
+                    <a:pt x="726114" y="76077"/>
+                    <a:pt x="627321" y="51378"/>
+                  </a:cubicBezTo>
+                  <a:cubicBezTo>
+                    <a:pt x="5622" y="62097"/>
+                    <a:pt x="156016" y="-83359"/>
+                    <a:pt x="0" y="72643"/>
+                  </a:cubicBezTo>
+                </a:path>
+              </a:pathLst>
+            </a:custGeom>
+            <a:noFill/>
+            <a:ln>
+              <a:solidFill>
+                <a:srgbClr val="0070C0"/>
+              </a:solidFill>
+              <a:headEnd type="none" w="med" len="med"/>
+              <a:tailEnd type="triangle" w="med" len="med"/>
+            </a:ln>
+          </p:spPr>
+          <p:style>
+            <a:lnRef idx="2">
+              <a:schemeClr val="accent1">
+                <a:shade val="50000"/>
+              </a:schemeClr>
+            </a:lnRef>
+            <a:fillRef idx="1">
+              <a:schemeClr val="accent1"/>
+            </a:fillRef>
+            <a:effectRef idx="0">
+              <a:schemeClr val="accent1"/>
+            </a:effectRef>
+            <a:fontRef idx="minor">
+              <a:schemeClr val="lt1"/>
+            </a:fontRef>
+          </p:style>
+          <p:txBody>
+            <a:bodyPr rtlCol="0" anchor="ctr"/>
+            <a:lstStyle/>
+            <a:p>
+              <a:pPr algn="ctr"/>
+              <a:endParaRPr lang="ru-RU"/>
+            </a:p>
+          </p:txBody>
+        </p:sp>
+      </p:grpSp>
     </p:spTree>
     <p:extLst>
       <p:ext uri="{BB962C8B-B14F-4D97-AF65-F5344CB8AC3E}">
@@ -33766,6 +33829,195 @@
   <p:clrMapOvr>
     <a:masterClrMapping/>
   </p:clrMapOvr>
+  <p:timing>
+    <p:tnLst>
+      <p:par>
+        <p:cTn id="1" dur="indefinite" restart="never" nodeType="tmRoot">
+          <p:childTnLst>
+            <p:seq concurrent="1" nextAc="seek">
+              <p:cTn id="2" dur="indefinite" nodeType="mainSeq">
+                <p:childTnLst>
+                  <p:par>
+                    <p:cTn id="3" fill="hold">
+                      <p:stCondLst>
+                        <p:cond delay="indefinite"/>
+                      </p:stCondLst>
+                      <p:childTnLst>
+                        <p:par>
+                          <p:cTn id="4" fill="hold">
+                            <p:stCondLst>
+                              <p:cond delay="0"/>
+                            </p:stCondLst>
+                            <p:childTnLst>
+                              <p:par>
+                                <p:cTn id="5" presetID="22" presetClass="entr" presetSubtype="4" fill="hold" nodeType="clickEffect">
+                                  <p:stCondLst>
+                                    <p:cond delay="0"/>
+                                  </p:stCondLst>
+                                  <p:childTnLst>
+                                    <p:set>
+                                      <p:cBhvr>
+                                        <p:cTn id="6" dur="1" fill="hold">
+                                          <p:stCondLst>
+                                            <p:cond delay="0"/>
+                                          </p:stCondLst>
+                                        </p:cTn>
+                                        <p:tgtEl>
+                                          <p:spTgt spid="20"/>
+                                        </p:tgtEl>
+                                        <p:attrNameLst>
+                                          <p:attrName>style.visibility</p:attrName>
+                                        </p:attrNameLst>
+                                      </p:cBhvr>
+                                      <p:to>
+                                        <p:strVal val="visible"/>
+                                      </p:to>
+                                    </p:set>
+                                    <p:animEffect transition="in" filter="wipe(down)">
+                                      <p:cBhvr>
+                                        <p:cTn id="7" dur="500"/>
+                                        <p:tgtEl>
+                                          <p:spTgt spid="20"/>
+                                        </p:tgtEl>
+                                      </p:cBhvr>
+                                    </p:animEffect>
+                                  </p:childTnLst>
+                                </p:cTn>
+                              </p:par>
+                            </p:childTnLst>
+                          </p:cTn>
+                        </p:par>
+                      </p:childTnLst>
+                    </p:cTn>
+                  </p:par>
+                  <p:par>
+                    <p:cTn id="8" fill="hold">
+                      <p:stCondLst>
+                        <p:cond delay="indefinite"/>
+                      </p:stCondLst>
+                      <p:childTnLst>
+                        <p:par>
+                          <p:cTn id="9" fill="hold">
+                            <p:stCondLst>
+                              <p:cond delay="0"/>
+                            </p:stCondLst>
+                            <p:childTnLst>
+                              <p:par>
+                                <p:cTn id="10" presetID="22" presetClass="entr" presetSubtype="4" fill="hold" nodeType="clickEffect">
+                                  <p:stCondLst>
+                                    <p:cond delay="0"/>
+                                  </p:stCondLst>
+                                  <p:childTnLst>
+                                    <p:set>
+                                      <p:cBhvr>
+                                        <p:cTn id="11" dur="1" fill="hold">
+                                          <p:stCondLst>
+                                            <p:cond delay="0"/>
+                                          </p:stCondLst>
+                                        </p:cTn>
+                                        <p:tgtEl>
+                                          <p:spTgt spid="21"/>
+                                        </p:tgtEl>
+                                        <p:attrNameLst>
+                                          <p:attrName>style.visibility</p:attrName>
+                                        </p:attrNameLst>
+                                      </p:cBhvr>
+                                      <p:to>
+                                        <p:strVal val="visible"/>
+                                      </p:to>
+                                    </p:set>
+                                    <p:animEffect transition="in" filter="wipe(down)">
+                                      <p:cBhvr>
+                                        <p:cTn id="12" dur="500"/>
+                                        <p:tgtEl>
+                                          <p:spTgt spid="21"/>
+                                        </p:tgtEl>
+                                      </p:cBhvr>
+                                    </p:animEffect>
+                                  </p:childTnLst>
+                                </p:cTn>
+                              </p:par>
+                            </p:childTnLst>
+                          </p:cTn>
+                        </p:par>
+                      </p:childTnLst>
+                    </p:cTn>
+                  </p:par>
+                  <p:par>
+                    <p:cTn id="13" fill="hold">
+                      <p:stCondLst>
+                        <p:cond delay="indefinite"/>
+                      </p:stCondLst>
+                      <p:childTnLst>
+                        <p:par>
+                          <p:cTn id="14" fill="hold">
+                            <p:stCondLst>
+                              <p:cond delay="0"/>
+                            </p:stCondLst>
+                            <p:childTnLst>
+                              <p:par>
+                                <p:cTn id="15" presetID="22" presetClass="entr" presetSubtype="4" fill="hold" nodeType="clickEffect">
+                                  <p:stCondLst>
+                                    <p:cond delay="0"/>
+                                  </p:stCondLst>
+                                  <p:childTnLst>
+                                    <p:set>
+                                      <p:cBhvr>
+                                        <p:cTn id="16" dur="1" fill="hold">
+                                          <p:stCondLst>
+                                            <p:cond delay="0"/>
+                                          </p:stCondLst>
+                                        </p:cTn>
+                                        <p:tgtEl>
+                                          <p:spTgt spid="22"/>
+                                        </p:tgtEl>
+                                        <p:attrNameLst>
+                                          <p:attrName>style.visibility</p:attrName>
+                                        </p:attrNameLst>
+                                      </p:cBhvr>
+                                      <p:to>
+                                        <p:strVal val="visible"/>
+                                      </p:to>
+                                    </p:set>
+                                    <p:animEffect transition="in" filter="wipe(down)">
+                                      <p:cBhvr>
+                                        <p:cTn id="17" dur="500"/>
+                                        <p:tgtEl>
+                                          <p:spTgt spid="22"/>
+                                        </p:tgtEl>
+                                      </p:cBhvr>
+                                    </p:animEffect>
+                                  </p:childTnLst>
+                                </p:cTn>
+                              </p:par>
+                            </p:childTnLst>
+                          </p:cTn>
+                        </p:par>
+                      </p:childTnLst>
+                    </p:cTn>
+                  </p:par>
+                </p:childTnLst>
+              </p:cTn>
+              <p:prevCondLst>
+                <p:cond evt="onPrev" delay="0">
+                  <p:tgtEl>
+                    <p:sldTgt/>
+                  </p:tgtEl>
+                </p:cond>
+              </p:prevCondLst>
+              <p:nextCondLst>
+                <p:cond evt="onNext" delay="0">
+                  <p:tgtEl>
+                    <p:sldTgt/>
+                  </p:tgtEl>
+                </p:cond>
+              </p:nextCondLst>
+            </p:seq>
+          </p:childTnLst>
+        </p:cTn>
+      </p:par>
+    </p:tnLst>
+  </p:timing>
 </p:sld>
 </file>
 

--- a/Presentation/Основы алгоритмизации и программирования.pptx
+++ b/Presentation/Основы алгоритмизации и программирования.pptx
@@ -83,6 +83,8 @@
     <p:sldId id="331" r:id="rId77"/>
     <p:sldId id="332" r:id="rId78"/>
     <p:sldId id="333" r:id="rId79"/>
+    <p:sldId id="334" r:id="rId80"/>
+    <p:sldId id="335" r:id="rId81"/>
   </p:sldIdLst>
   <p:sldSz cx="12192000" cy="6858000"/>
   <p:notesSz cx="6858000" cy="9144000"/>
@@ -34021,6 +34023,361 @@
 </p:sld>
 </file>
 
+<file path=ppt/slides/slide79.xml><?xml version="1.0" encoding="utf-8"?>
+<p:sld xmlns:a="http://schemas.openxmlformats.org/drawingml/2006/main" xmlns:r="http://schemas.openxmlformats.org/officeDocument/2006/relationships" xmlns:p="http://schemas.openxmlformats.org/presentationml/2006/main">
+  <p:cSld>
+    <p:spTree>
+      <p:nvGrpSpPr>
+        <p:cNvPr id="1" name=""/>
+        <p:cNvGrpSpPr/>
+        <p:nvPr/>
+      </p:nvGrpSpPr>
+      <p:grpSpPr>
+        <a:xfrm>
+          <a:off x="0" y="0"/>
+          <a:ext cx="0" cy="0"/>
+          <a:chOff x="0" y="0"/>
+          <a:chExt cx="0" cy="0"/>
+        </a:xfrm>
+      </p:grpSpPr>
+      <p:sp>
+        <p:nvSpPr>
+          <p:cNvPr id="2" name="Заголовок 1">
+            <a:extLst>
+              <a:ext uri="{FF2B5EF4-FFF2-40B4-BE49-F238E27FC236}">
+                <a16:creationId xmlns:a16="http://schemas.microsoft.com/office/drawing/2014/main" id="{5D41E662-D244-414A-8D80-99A1C684B501}"/>
+              </a:ext>
+            </a:extLst>
+          </p:cNvPr>
+          <p:cNvSpPr>
+            <a:spLocks noGrp="1"/>
+          </p:cNvSpPr>
+          <p:nvPr>
+            <p:ph type="title"/>
+          </p:nvPr>
+        </p:nvSpPr>
+        <p:spPr/>
+        <p:txBody>
+          <a:bodyPr/>
+          <a:lstStyle/>
+          <a:p>
+            <a:r>
+              <a:rPr lang="ru-RU" dirty="0"/>
+              <a:t>Лямбда-функция</a:t>
+            </a:r>
+          </a:p>
+        </p:txBody>
+      </p:sp>
+      <p:sp>
+        <p:nvSpPr>
+          <p:cNvPr id="3" name="Объект 2">
+            <a:extLst>
+              <a:ext uri="{FF2B5EF4-FFF2-40B4-BE49-F238E27FC236}">
+                <a16:creationId xmlns:a16="http://schemas.microsoft.com/office/drawing/2014/main" id="{AFB2322A-D255-454C-AAA9-AD3EA7289422}"/>
+              </a:ext>
+            </a:extLst>
+          </p:cNvPr>
+          <p:cNvSpPr>
+            <a:spLocks noGrp="1"/>
+          </p:cNvSpPr>
+          <p:nvPr>
+            <p:ph idx="1"/>
+          </p:nvPr>
+        </p:nvSpPr>
+        <p:spPr>
+          <a:xfrm>
+            <a:off x="838200" y="1428495"/>
+            <a:ext cx="10515600" cy="4351338"/>
+          </a:xfrm>
+        </p:spPr>
+        <p:txBody>
+          <a:bodyPr/>
+          <a:lstStyle/>
+          <a:p>
+            <a:r>
+              <a:rPr lang="ru-RU" dirty="0"/>
+              <a:t>Простейшая функция, которая записывается одним выражением</a:t>
+            </a:r>
+          </a:p>
+          <a:p>
+            <a:r>
+              <a:rPr lang="ru-RU" dirty="0"/>
+              <a:t>Не содержит сложных конструкций</a:t>
+            </a:r>
+          </a:p>
+          <a:p>
+            <a:r>
+              <a:rPr lang="ru-RU" dirty="0"/>
+              <a:t>Используется для определения пользовательских условий в различных функциях обработки данных</a:t>
+            </a:r>
+          </a:p>
+        </p:txBody>
+      </p:sp>
+      <p:grpSp>
+        <p:nvGrpSpPr>
+          <p:cNvPr id="9" name="Группа 8">
+            <a:extLst>
+              <a:ext uri="{FF2B5EF4-FFF2-40B4-BE49-F238E27FC236}">
+                <a16:creationId xmlns:a16="http://schemas.microsoft.com/office/drawing/2014/main" id="{16A1F26F-4820-48A4-8013-4D532AC9D0B9}"/>
+              </a:ext>
+            </a:extLst>
+          </p:cNvPr>
+          <p:cNvGrpSpPr/>
+          <p:nvPr/>
+        </p:nvGrpSpPr>
+        <p:grpSpPr>
+          <a:xfrm>
+            <a:off x="1615440" y="4121721"/>
+            <a:ext cx="7693152" cy="1658112"/>
+            <a:chOff x="1615440" y="4121721"/>
+            <a:chExt cx="7693152" cy="1658112"/>
+          </a:xfrm>
+        </p:grpSpPr>
+        <p:sp>
+          <p:nvSpPr>
+            <p:cNvPr id="4" name="Прямоугольник: скругленные углы 3">
+              <a:extLst>
+                <a:ext uri="{FF2B5EF4-FFF2-40B4-BE49-F238E27FC236}">
+                  <a16:creationId xmlns:a16="http://schemas.microsoft.com/office/drawing/2014/main" id="{857B8039-FCF8-4D35-924B-247312E3BDDD}"/>
+                </a:ext>
+              </a:extLst>
+            </p:cNvPr>
+            <p:cNvSpPr/>
+            <p:nvPr/>
+          </p:nvSpPr>
+          <p:spPr>
+            <a:xfrm>
+              <a:off x="1615440" y="4121721"/>
+              <a:ext cx="7693152" cy="1658112"/>
+            </a:xfrm>
+            <a:prstGeom prst="roundRect">
+              <a:avLst/>
+            </a:prstGeom>
+          </p:spPr>
+          <p:style>
+            <a:lnRef idx="2">
+              <a:schemeClr val="accent1">
+                <a:shade val="50000"/>
+              </a:schemeClr>
+            </a:lnRef>
+            <a:fillRef idx="1">
+              <a:schemeClr val="accent1"/>
+            </a:fillRef>
+            <a:effectRef idx="0">
+              <a:schemeClr val="accent1"/>
+            </a:effectRef>
+            <a:fontRef idx="minor">
+              <a:schemeClr val="lt1"/>
+            </a:fontRef>
+          </p:style>
+          <p:txBody>
+            <a:bodyPr rtlCol="0" anchor="ctr"/>
+            <a:lstStyle/>
+            <a:p>
+              <a:r>
+                <a:rPr lang="en-US" sz="4400" dirty="0"/>
+                <a:t>lambda                : </a:t>
+              </a:r>
+              <a:endParaRPr lang="ru-RU" sz="4400" dirty="0"/>
+            </a:p>
+          </p:txBody>
+        </p:sp>
+        <p:sp>
+          <p:nvSpPr>
+            <p:cNvPr id="5" name="Прямоугольник: скругленные углы 4">
+              <a:extLst>
+                <a:ext uri="{FF2B5EF4-FFF2-40B4-BE49-F238E27FC236}">
+                  <a16:creationId xmlns:a16="http://schemas.microsoft.com/office/drawing/2014/main" id="{B207BF71-5176-4B05-8D73-98A11112F78D}"/>
+                </a:ext>
+              </a:extLst>
+            </p:cNvPr>
+            <p:cNvSpPr/>
+            <p:nvPr/>
+          </p:nvSpPr>
+          <p:spPr>
+            <a:xfrm>
+              <a:off x="3962400" y="4523232"/>
+              <a:ext cx="1499616" cy="585216"/>
+            </a:xfrm>
+            <a:prstGeom prst="roundRect">
+              <a:avLst/>
+            </a:prstGeom>
+          </p:spPr>
+          <p:style>
+            <a:lnRef idx="0">
+              <a:schemeClr val="accent4"/>
+            </a:lnRef>
+            <a:fillRef idx="3">
+              <a:schemeClr val="accent4"/>
+            </a:fillRef>
+            <a:effectRef idx="3">
+              <a:schemeClr val="accent4"/>
+            </a:effectRef>
+            <a:fontRef idx="minor">
+              <a:schemeClr val="lt1"/>
+            </a:fontRef>
+          </p:style>
+          <p:txBody>
+            <a:bodyPr rtlCol="0" anchor="ctr"/>
+            <a:lstStyle/>
+            <a:p>
+              <a:pPr algn="ctr"/>
+              <a:endParaRPr lang="ru-RU"/>
+            </a:p>
+          </p:txBody>
+        </p:sp>
+        <p:sp>
+          <p:nvSpPr>
+            <p:cNvPr id="6" name="Прямоугольник: скругленные углы 5">
+              <a:extLst>
+                <a:ext uri="{FF2B5EF4-FFF2-40B4-BE49-F238E27FC236}">
+                  <a16:creationId xmlns:a16="http://schemas.microsoft.com/office/drawing/2014/main" id="{4C57C580-8B75-444A-900D-CBED76D24355}"/>
+                </a:ext>
+              </a:extLst>
+            </p:cNvPr>
+            <p:cNvSpPr/>
+            <p:nvPr/>
+          </p:nvSpPr>
+          <p:spPr>
+            <a:xfrm>
+              <a:off x="3742944" y="4658169"/>
+              <a:ext cx="1499616" cy="585216"/>
+            </a:xfrm>
+            <a:prstGeom prst="roundRect">
+              <a:avLst/>
+            </a:prstGeom>
+          </p:spPr>
+          <p:style>
+            <a:lnRef idx="0">
+              <a:schemeClr val="accent4"/>
+            </a:lnRef>
+            <a:fillRef idx="3">
+              <a:schemeClr val="accent4"/>
+            </a:fillRef>
+            <a:effectRef idx="3">
+              <a:schemeClr val="accent4"/>
+            </a:effectRef>
+            <a:fontRef idx="minor">
+              <a:schemeClr val="lt1"/>
+            </a:fontRef>
+          </p:style>
+          <p:txBody>
+            <a:bodyPr rtlCol="0" anchor="ctr"/>
+            <a:lstStyle/>
+            <a:p>
+              <a:pPr algn="ctr"/>
+              <a:endParaRPr lang="ru-RU"/>
+            </a:p>
+          </p:txBody>
+        </p:sp>
+        <p:sp>
+          <p:nvSpPr>
+            <p:cNvPr id="7" name="Прямоугольник: скругленные углы 6">
+              <a:extLst>
+                <a:ext uri="{FF2B5EF4-FFF2-40B4-BE49-F238E27FC236}">
+                  <a16:creationId xmlns:a16="http://schemas.microsoft.com/office/drawing/2014/main" id="{BF9F713B-2F5D-4C8E-8B87-457778A358F0}"/>
+                </a:ext>
+              </a:extLst>
+            </p:cNvPr>
+            <p:cNvSpPr/>
+            <p:nvPr/>
+          </p:nvSpPr>
+          <p:spPr>
+            <a:xfrm>
+              <a:off x="3608832" y="4815840"/>
+              <a:ext cx="1499616" cy="585216"/>
+            </a:xfrm>
+            <a:prstGeom prst="roundRect">
+              <a:avLst/>
+            </a:prstGeom>
+          </p:spPr>
+          <p:style>
+            <a:lnRef idx="0">
+              <a:schemeClr val="accent4"/>
+            </a:lnRef>
+            <a:fillRef idx="3">
+              <a:schemeClr val="accent4"/>
+            </a:fillRef>
+            <a:effectRef idx="3">
+              <a:schemeClr val="accent4"/>
+            </a:effectRef>
+            <a:fontRef idx="minor">
+              <a:schemeClr val="lt1"/>
+            </a:fontRef>
+          </p:style>
+          <p:txBody>
+            <a:bodyPr rtlCol="0" anchor="ctr"/>
+            <a:lstStyle/>
+            <a:p>
+              <a:pPr algn="ctr"/>
+              <a:r>
+                <a:rPr lang="ru-RU" dirty="0"/>
+                <a:t>ПАРАМЕТР</a:t>
+              </a:r>
+            </a:p>
+          </p:txBody>
+        </p:sp>
+        <p:sp>
+          <p:nvSpPr>
+            <p:cNvPr id="8" name="Прямоугольник: скругленные углы 7">
+              <a:extLst>
+                <a:ext uri="{FF2B5EF4-FFF2-40B4-BE49-F238E27FC236}">
+                  <a16:creationId xmlns:a16="http://schemas.microsoft.com/office/drawing/2014/main" id="{05BCC57D-1F07-4DFC-BAB5-F62A9AEAD443}"/>
+                </a:ext>
+              </a:extLst>
+            </p:cNvPr>
+            <p:cNvSpPr/>
+            <p:nvPr/>
+          </p:nvSpPr>
+          <p:spPr>
+            <a:xfrm>
+              <a:off x="5885688" y="4645152"/>
+              <a:ext cx="3051048" cy="755904"/>
+            </a:xfrm>
+            <a:prstGeom prst="roundRect">
+              <a:avLst/>
+            </a:prstGeom>
+          </p:spPr>
+          <p:style>
+            <a:lnRef idx="0">
+              <a:schemeClr val="accent2"/>
+            </a:lnRef>
+            <a:fillRef idx="3">
+              <a:schemeClr val="accent2"/>
+            </a:fillRef>
+            <a:effectRef idx="3">
+              <a:schemeClr val="accent2"/>
+            </a:effectRef>
+            <a:fontRef idx="minor">
+              <a:schemeClr val="lt1"/>
+            </a:fontRef>
+          </p:style>
+          <p:txBody>
+            <a:bodyPr rtlCol="0" anchor="ctr"/>
+            <a:lstStyle/>
+            <a:p>
+              <a:pPr algn="ctr"/>
+              <a:r>
+                <a:rPr lang="ru-RU" dirty="0"/>
+                <a:t>ВЫРАЖЕНИЕ</a:t>
+              </a:r>
+            </a:p>
+          </p:txBody>
+        </p:sp>
+      </p:grpSp>
+    </p:spTree>
+    <p:extLst>
+      <p:ext uri="{BB962C8B-B14F-4D97-AF65-F5344CB8AC3E}">
+        <p14:creationId xmlns:p14="http://schemas.microsoft.com/office/powerpoint/2010/main" val="3600297361"/>
+      </p:ext>
+    </p:extLst>
+  </p:cSld>
+  <p:clrMapOvr>
+    <a:masterClrMapping/>
+  </p:clrMapOvr>
+</p:sld>
+</file>
+
 <file path=ppt/slides/slide8.xml><?xml version="1.0" encoding="utf-8"?>
 <p:sld xmlns:a="http://schemas.openxmlformats.org/drawingml/2006/main" xmlns:r="http://schemas.openxmlformats.org/officeDocument/2006/relationships" xmlns:p="http://schemas.openxmlformats.org/presentationml/2006/main">
   <p:cSld>
@@ -34110,6 +34467,947 @@
     <p:extLst>
       <p:ext uri="{BB962C8B-B14F-4D97-AF65-F5344CB8AC3E}">
         <p14:creationId xmlns:p14="http://schemas.microsoft.com/office/powerpoint/2010/main" val="1755346359"/>
+      </p:ext>
+    </p:extLst>
+  </p:cSld>
+  <p:clrMapOvr>
+    <a:masterClrMapping/>
+  </p:clrMapOvr>
+</p:sld>
+</file>
+
+<file path=ppt/slides/slide80.xml><?xml version="1.0" encoding="utf-8"?>
+<p:sld xmlns:a="http://schemas.openxmlformats.org/drawingml/2006/main" xmlns:r="http://schemas.openxmlformats.org/officeDocument/2006/relationships" xmlns:p="http://schemas.openxmlformats.org/presentationml/2006/main">
+  <p:cSld>
+    <p:spTree>
+      <p:nvGrpSpPr>
+        <p:cNvPr id="1" name=""/>
+        <p:cNvGrpSpPr/>
+        <p:nvPr/>
+      </p:nvGrpSpPr>
+      <p:grpSpPr>
+        <a:xfrm>
+          <a:off x="0" y="0"/>
+          <a:ext cx="0" cy="0"/>
+          <a:chOff x="0" y="0"/>
+          <a:chExt cx="0" cy="0"/>
+        </a:xfrm>
+      </p:grpSpPr>
+      <p:sp>
+        <p:nvSpPr>
+          <p:cNvPr id="7" name="Облачко с текстом: прямоугольное 6">
+            <a:extLst>
+              <a:ext uri="{FF2B5EF4-FFF2-40B4-BE49-F238E27FC236}">
+                <a16:creationId xmlns:a16="http://schemas.microsoft.com/office/drawing/2014/main" id="{AA25F90F-4F73-47E0-B28C-3907A30180FA}"/>
+              </a:ext>
+            </a:extLst>
+          </p:cNvPr>
+          <p:cNvSpPr/>
+          <p:nvPr/>
+        </p:nvSpPr>
+        <p:spPr>
+          <a:xfrm>
+            <a:off x="6473952" y="5274106"/>
+            <a:ext cx="4852416" cy="1212074"/>
+          </a:xfrm>
+          <a:prstGeom prst="wedgeRectCallout">
+            <a:avLst>
+              <a:gd name="adj1" fmla="val -91185"/>
+              <a:gd name="adj2" fmla="val -177906"/>
+            </a:avLst>
+          </a:prstGeom>
+        </p:spPr>
+        <p:style>
+          <a:lnRef idx="2">
+            <a:schemeClr val="accent1">
+              <a:shade val="50000"/>
+            </a:schemeClr>
+          </a:lnRef>
+          <a:fillRef idx="1">
+            <a:schemeClr val="accent1"/>
+          </a:fillRef>
+          <a:effectRef idx="0">
+            <a:schemeClr val="accent1"/>
+          </a:effectRef>
+          <a:fontRef idx="minor">
+            <a:schemeClr val="lt1"/>
+          </a:fontRef>
+        </p:style>
+        <p:txBody>
+          <a:bodyPr rtlCol="0" anchor="ctr"/>
+          <a:lstStyle/>
+          <a:p>
+            <a:pPr algn="ctr"/>
+            <a:r>
+              <a:rPr lang="ru-RU" dirty="0"/>
+              <a:t>Функция-фильтр. В результате остаются элементы списка соответствующие условие, определяемым </a:t>
+            </a:r>
+            <a:r>
+              <a:rPr lang="en-US" dirty="0"/>
+              <a:t>lambda-</a:t>
+            </a:r>
+            <a:r>
+              <a:rPr lang="ru-RU" dirty="0"/>
+              <a:t>функцией</a:t>
+            </a:r>
+          </a:p>
+        </p:txBody>
+      </p:sp>
+      <p:sp>
+        <p:nvSpPr>
+          <p:cNvPr id="2" name="Заголовок 1">
+            <a:extLst>
+              <a:ext uri="{FF2B5EF4-FFF2-40B4-BE49-F238E27FC236}">
+                <a16:creationId xmlns:a16="http://schemas.microsoft.com/office/drawing/2014/main" id="{696719BE-8100-4EEB-A923-87D672F188C0}"/>
+              </a:ext>
+            </a:extLst>
+          </p:cNvPr>
+          <p:cNvSpPr>
+            <a:spLocks noGrp="1"/>
+          </p:cNvSpPr>
+          <p:nvPr>
+            <p:ph type="title"/>
+          </p:nvPr>
+        </p:nvSpPr>
+        <p:spPr/>
+        <p:txBody>
+          <a:bodyPr/>
+          <a:lstStyle/>
+          <a:p>
+            <a:r>
+              <a:rPr lang="ru-RU" dirty="0"/>
+              <a:t>Пример применения лямбда-функции</a:t>
+            </a:r>
+          </a:p>
+        </p:txBody>
+      </p:sp>
+      <p:sp>
+        <p:nvSpPr>
+          <p:cNvPr id="4" name="TextBox 3">
+            <a:extLst>
+              <a:ext uri="{FF2B5EF4-FFF2-40B4-BE49-F238E27FC236}">
+                <a16:creationId xmlns:a16="http://schemas.microsoft.com/office/drawing/2014/main" id="{E7A19F41-45D1-4474-AB83-D800D7D5D5C1}"/>
+              </a:ext>
+            </a:extLst>
+          </p:cNvPr>
+          <p:cNvSpPr txBox="1"/>
+          <p:nvPr/>
+        </p:nvSpPr>
+        <p:spPr>
+          <a:xfrm>
+            <a:off x="158496" y="2216926"/>
+            <a:ext cx="8741664" cy="3046988"/>
+          </a:xfrm>
+          <a:prstGeom prst="rect">
+            <a:avLst/>
+          </a:prstGeom>
+          <a:noFill/>
+        </p:spPr>
+        <p:txBody>
+          <a:bodyPr wrap="square">
+            <a:spAutoFit/>
+          </a:bodyPr>
+          <a:lstStyle/>
+          <a:p>
+            <a:r>
+              <a:rPr lang="en-US" sz="2400" b="0" dirty="0" err="1">
+                <a:solidFill>
+                  <a:srgbClr val="D4D4D4"/>
+                </a:solidFill>
+                <a:effectLst/>
+                <a:latin typeface="Consolas" panose="020B0609020204030204" pitchFamily="49" charset="0"/>
+              </a:rPr>
+              <a:t>numbers_list</a:t>
+            </a:r>
+            <a:r>
+              <a:rPr lang="en-US" sz="2400" b="0" dirty="0">
+                <a:solidFill>
+                  <a:srgbClr val="D4D4D4"/>
+                </a:solidFill>
+                <a:effectLst/>
+                <a:latin typeface="Consolas" panose="020B0609020204030204" pitchFamily="49" charset="0"/>
+              </a:rPr>
+              <a:t> = [</a:t>
+            </a:r>
+            <a:r>
+              <a:rPr lang="en-US" sz="2400" b="0" dirty="0">
+                <a:solidFill>
+                  <a:srgbClr val="B5CEA8"/>
+                </a:solidFill>
+                <a:effectLst/>
+                <a:latin typeface="Consolas" panose="020B0609020204030204" pitchFamily="49" charset="0"/>
+              </a:rPr>
+              <a:t>2</a:t>
+            </a:r>
+            <a:r>
+              <a:rPr lang="en-US" sz="2400" b="0" dirty="0">
+                <a:solidFill>
+                  <a:srgbClr val="D4D4D4"/>
+                </a:solidFill>
+                <a:effectLst/>
+                <a:latin typeface="Consolas" panose="020B0609020204030204" pitchFamily="49" charset="0"/>
+              </a:rPr>
+              <a:t>, </a:t>
+            </a:r>
+            <a:r>
+              <a:rPr lang="en-US" sz="2400" b="0" dirty="0">
+                <a:solidFill>
+                  <a:srgbClr val="B5CEA8"/>
+                </a:solidFill>
+                <a:effectLst/>
+                <a:latin typeface="Consolas" panose="020B0609020204030204" pitchFamily="49" charset="0"/>
+              </a:rPr>
+              <a:t>6</a:t>
+            </a:r>
+            <a:r>
+              <a:rPr lang="en-US" sz="2400" b="0" dirty="0">
+                <a:solidFill>
+                  <a:srgbClr val="D4D4D4"/>
+                </a:solidFill>
+                <a:effectLst/>
+                <a:latin typeface="Consolas" panose="020B0609020204030204" pitchFamily="49" charset="0"/>
+              </a:rPr>
+              <a:t>, </a:t>
+            </a:r>
+            <a:r>
+              <a:rPr lang="en-US" sz="2400" b="0" dirty="0">
+                <a:solidFill>
+                  <a:srgbClr val="B5CEA8"/>
+                </a:solidFill>
+                <a:effectLst/>
+                <a:latin typeface="Consolas" panose="020B0609020204030204" pitchFamily="49" charset="0"/>
+              </a:rPr>
+              <a:t>8</a:t>
+            </a:r>
+            <a:r>
+              <a:rPr lang="en-US" sz="2400" b="0" dirty="0">
+                <a:solidFill>
+                  <a:srgbClr val="D4D4D4"/>
+                </a:solidFill>
+                <a:effectLst/>
+                <a:latin typeface="Consolas" panose="020B0609020204030204" pitchFamily="49" charset="0"/>
+              </a:rPr>
+              <a:t>, </a:t>
+            </a:r>
+            <a:r>
+              <a:rPr lang="en-US" sz="2400" b="0" dirty="0">
+                <a:solidFill>
+                  <a:srgbClr val="B5CEA8"/>
+                </a:solidFill>
+                <a:effectLst/>
+                <a:latin typeface="Consolas" panose="020B0609020204030204" pitchFamily="49" charset="0"/>
+              </a:rPr>
+              <a:t>10</a:t>
+            </a:r>
+            <a:r>
+              <a:rPr lang="en-US" sz="2400" b="0" dirty="0">
+                <a:solidFill>
+                  <a:srgbClr val="D4D4D4"/>
+                </a:solidFill>
+                <a:effectLst/>
+                <a:latin typeface="Consolas" panose="020B0609020204030204" pitchFamily="49" charset="0"/>
+              </a:rPr>
+              <a:t>, </a:t>
+            </a:r>
+            <a:r>
+              <a:rPr lang="en-US" sz="2400" b="0" dirty="0">
+                <a:solidFill>
+                  <a:srgbClr val="B5CEA8"/>
+                </a:solidFill>
+                <a:effectLst/>
+                <a:latin typeface="Consolas" panose="020B0609020204030204" pitchFamily="49" charset="0"/>
+              </a:rPr>
+              <a:t>11</a:t>
+            </a:r>
+            <a:r>
+              <a:rPr lang="en-US" sz="2400" b="0" dirty="0">
+                <a:solidFill>
+                  <a:srgbClr val="D4D4D4"/>
+                </a:solidFill>
+                <a:effectLst/>
+                <a:latin typeface="Consolas" panose="020B0609020204030204" pitchFamily="49" charset="0"/>
+              </a:rPr>
+              <a:t>, </a:t>
+            </a:r>
+            <a:r>
+              <a:rPr lang="en-US" sz="2400" b="0" dirty="0">
+                <a:solidFill>
+                  <a:srgbClr val="B5CEA8"/>
+                </a:solidFill>
+                <a:effectLst/>
+                <a:latin typeface="Consolas" panose="020B0609020204030204" pitchFamily="49" charset="0"/>
+              </a:rPr>
+              <a:t>4</a:t>
+            </a:r>
+            <a:r>
+              <a:rPr lang="en-US" sz="2400" b="0" dirty="0">
+                <a:solidFill>
+                  <a:srgbClr val="D4D4D4"/>
+                </a:solidFill>
+                <a:effectLst/>
+                <a:latin typeface="Consolas" panose="020B0609020204030204" pitchFamily="49" charset="0"/>
+              </a:rPr>
+              <a:t>, </a:t>
+            </a:r>
+            <a:r>
+              <a:rPr lang="en-US" sz="2400" b="0" dirty="0">
+                <a:solidFill>
+                  <a:srgbClr val="B5CEA8"/>
+                </a:solidFill>
+                <a:effectLst/>
+                <a:latin typeface="Consolas" panose="020B0609020204030204" pitchFamily="49" charset="0"/>
+              </a:rPr>
+              <a:t>12</a:t>
+            </a:r>
+            <a:r>
+              <a:rPr lang="en-US" sz="2400" b="0" dirty="0">
+                <a:solidFill>
+                  <a:srgbClr val="D4D4D4"/>
+                </a:solidFill>
+                <a:effectLst/>
+                <a:latin typeface="Consolas" panose="020B0609020204030204" pitchFamily="49" charset="0"/>
+              </a:rPr>
+              <a:t>, </a:t>
+            </a:r>
+            <a:r>
+              <a:rPr lang="en-US" sz="2400" b="0" dirty="0">
+                <a:solidFill>
+                  <a:srgbClr val="B5CEA8"/>
+                </a:solidFill>
+                <a:effectLst/>
+                <a:latin typeface="Consolas" panose="020B0609020204030204" pitchFamily="49" charset="0"/>
+              </a:rPr>
+              <a:t>7</a:t>
+            </a:r>
+            <a:r>
+              <a:rPr lang="en-US" sz="2400" b="0" dirty="0">
+                <a:solidFill>
+                  <a:srgbClr val="D4D4D4"/>
+                </a:solidFill>
+                <a:effectLst/>
+                <a:latin typeface="Consolas" panose="020B0609020204030204" pitchFamily="49" charset="0"/>
+              </a:rPr>
+              <a:t>, </a:t>
+            </a:r>
+            <a:r>
+              <a:rPr lang="en-US" sz="2400" b="0" dirty="0">
+                <a:solidFill>
+                  <a:srgbClr val="B5CEA8"/>
+                </a:solidFill>
+                <a:effectLst/>
+                <a:latin typeface="Consolas" panose="020B0609020204030204" pitchFamily="49" charset="0"/>
+              </a:rPr>
+              <a:t>13</a:t>
+            </a:r>
+            <a:r>
+              <a:rPr lang="en-US" sz="2400" b="0" dirty="0">
+                <a:solidFill>
+                  <a:srgbClr val="D4D4D4"/>
+                </a:solidFill>
+                <a:effectLst/>
+                <a:latin typeface="Consolas" panose="020B0609020204030204" pitchFamily="49" charset="0"/>
+              </a:rPr>
+              <a:t>, </a:t>
+            </a:r>
+            <a:r>
+              <a:rPr lang="en-US" sz="2400" b="0" dirty="0">
+                <a:solidFill>
+                  <a:srgbClr val="B5CEA8"/>
+                </a:solidFill>
+                <a:effectLst/>
+                <a:latin typeface="Consolas" panose="020B0609020204030204" pitchFamily="49" charset="0"/>
+              </a:rPr>
+              <a:t>17</a:t>
+            </a:r>
+            <a:r>
+              <a:rPr lang="en-US" sz="2400" b="0" dirty="0">
+                <a:solidFill>
+                  <a:srgbClr val="D4D4D4"/>
+                </a:solidFill>
+                <a:effectLst/>
+                <a:latin typeface="Consolas" panose="020B0609020204030204" pitchFamily="49" charset="0"/>
+              </a:rPr>
+              <a:t>, </a:t>
+            </a:r>
+            <a:r>
+              <a:rPr lang="en-US" sz="2400" b="0" dirty="0">
+                <a:solidFill>
+                  <a:srgbClr val="B5CEA8"/>
+                </a:solidFill>
+                <a:effectLst/>
+                <a:latin typeface="Consolas" panose="020B0609020204030204" pitchFamily="49" charset="0"/>
+              </a:rPr>
+              <a:t>0</a:t>
+            </a:r>
+            <a:r>
+              <a:rPr lang="en-US" sz="2400" b="0" dirty="0">
+                <a:solidFill>
+                  <a:srgbClr val="D4D4D4"/>
+                </a:solidFill>
+                <a:effectLst/>
+                <a:latin typeface="Consolas" panose="020B0609020204030204" pitchFamily="49" charset="0"/>
+              </a:rPr>
+              <a:t>, </a:t>
+            </a:r>
+            <a:r>
+              <a:rPr lang="en-US" sz="2400" b="0" dirty="0">
+                <a:solidFill>
+                  <a:srgbClr val="B5CEA8"/>
+                </a:solidFill>
+                <a:effectLst/>
+                <a:latin typeface="Consolas" panose="020B0609020204030204" pitchFamily="49" charset="0"/>
+              </a:rPr>
+              <a:t>3</a:t>
+            </a:r>
+            <a:r>
+              <a:rPr lang="en-US" sz="2400" b="0" dirty="0">
+                <a:solidFill>
+                  <a:srgbClr val="D4D4D4"/>
+                </a:solidFill>
+                <a:effectLst/>
+                <a:latin typeface="Consolas" panose="020B0609020204030204" pitchFamily="49" charset="0"/>
+              </a:rPr>
+              <a:t>, </a:t>
+            </a:r>
+            <a:r>
+              <a:rPr lang="en-US" sz="2400" b="0" dirty="0">
+                <a:solidFill>
+                  <a:srgbClr val="B5CEA8"/>
+                </a:solidFill>
+                <a:effectLst/>
+                <a:latin typeface="Consolas" panose="020B0609020204030204" pitchFamily="49" charset="0"/>
+              </a:rPr>
+              <a:t>21</a:t>
+            </a:r>
+            <a:r>
+              <a:rPr lang="en-US" sz="2400" b="0" dirty="0">
+                <a:solidFill>
+                  <a:srgbClr val="D4D4D4"/>
+                </a:solidFill>
+                <a:effectLst/>
+                <a:latin typeface="Consolas" panose="020B0609020204030204" pitchFamily="49" charset="0"/>
+              </a:rPr>
+              <a:t>]</a:t>
+            </a:r>
+          </a:p>
+          <a:p>
+            <a:r>
+              <a:rPr lang="en-US" sz="2400" b="0" dirty="0" err="1">
+                <a:solidFill>
+                  <a:srgbClr val="D4D4D4"/>
+                </a:solidFill>
+                <a:effectLst/>
+                <a:latin typeface="Consolas" panose="020B0609020204030204" pitchFamily="49" charset="0"/>
+              </a:rPr>
+              <a:t>filtered_list</a:t>
+            </a:r>
+            <a:r>
+              <a:rPr lang="en-US" sz="2400" b="0" dirty="0">
+                <a:solidFill>
+                  <a:srgbClr val="D4D4D4"/>
+                </a:solidFill>
+                <a:effectLst/>
+                <a:latin typeface="Consolas" panose="020B0609020204030204" pitchFamily="49" charset="0"/>
+              </a:rPr>
+              <a:t> = </a:t>
+            </a:r>
+            <a:r>
+              <a:rPr lang="en-US" sz="2400" b="0" dirty="0">
+                <a:solidFill>
+                  <a:srgbClr val="4EC9B0"/>
+                </a:solidFill>
+                <a:effectLst/>
+                <a:latin typeface="Consolas" panose="020B0609020204030204" pitchFamily="49" charset="0"/>
+              </a:rPr>
+              <a:t>list</a:t>
+            </a:r>
+            <a:r>
+              <a:rPr lang="en-US" sz="2400" b="0" dirty="0">
+                <a:solidFill>
+                  <a:srgbClr val="D4D4D4"/>
+                </a:solidFill>
+                <a:effectLst/>
+                <a:latin typeface="Consolas" panose="020B0609020204030204" pitchFamily="49" charset="0"/>
+              </a:rPr>
+              <a:t>(</a:t>
+            </a:r>
+            <a:r>
+              <a:rPr lang="en-US" sz="2400" b="0" dirty="0">
+                <a:solidFill>
+                  <a:srgbClr val="DCDCAA"/>
+                </a:solidFill>
+                <a:effectLst/>
+                <a:latin typeface="Consolas" panose="020B0609020204030204" pitchFamily="49" charset="0"/>
+              </a:rPr>
+              <a:t>filter</a:t>
+            </a:r>
+            <a:r>
+              <a:rPr lang="en-US" sz="2400" b="0" dirty="0">
+                <a:solidFill>
+                  <a:srgbClr val="D4D4D4"/>
+                </a:solidFill>
+                <a:effectLst/>
+                <a:latin typeface="Consolas" panose="020B0609020204030204" pitchFamily="49" charset="0"/>
+              </a:rPr>
+              <a:t>(</a:t>
+            </a:r>
+            <a:r>
+              <a:rPr lang="en-US" sz="2400" b="0" dirty="0">
+                <a:solidFill>
+                  <a:srgbClr val="569CD6"/>
+                </a:solidFill>
+                <a:effectLst/>
+                <a:latin typeface="Consolas" panose="020B0609020204030204" pitchFamily="49" charset="0"/>
+              </a:rPr>
+              <a:t>lambda</a:t>
+            </a:r>
+            <a:r>
+              <a:rPr lang="en-US" sz="2400" b="0" dirty="0">
+                <a:solidFill>
+                  <a:srgbClr val="D4D4D4"/>
+                </a:solidFill>
+                <a:effectLst/>
+                <a:latin typeface="Consolas" panose="020B0609020204030204" pitchFamily="49" charset="0"/>
+              </a:rPr>
+              <a:t> </a:t>
+            </a:r>
+            <a:r>
+              <a:rPr lang="en-US" sz="2400" b="0" dirty="0">
+                <a:solidFill>
+                  <a:srgbClr val="9CDCFE"/>
+                </a:solidFill>
+                <a:effectLst/>
+                <a:latin typeface="Consolas" panose="020B0609020204030204" pitchFamily="49" charset="0"/>
+              </a:rPr>
+              <a:t>num</a:t>
+            </a:r>
+            <a:r>
+              <a:rPr lang="en-US" sz="2400" b="0" dirty="0">
+                <a:solidFill>
+                  <a:srgbClr val="D4D4D4"/>
+                </a:solidFill>
+                <a:effectLst/>
+                <a:latin typeface="Consolas" panose="020B0609020204030204" pitchFamily="49" charset="0"/>
+              </a:rPr>
+              <a:t>: (num &gt; </a:t>
+            </a:r>
+            <a:r>
+              <a:rPr lang="en-US" sz="2400" b="0" dirty="0">
+                <a:solidFill>
+                  <a:srgbClr val="B5CEA8"/>
+                </a:solidFill>
+                <a:effectLst/>
+                <a:latin typeface="Consolas" panose="020B0609020204030204" pitchFamily="49" charset="0"/>
+              </a:rPr>
+              <a:t>7</a:t>
+            </a:r>
+            <a:r>
+              <a:rPr lang="en-US" sz="2400" b="0" dirty="0">
+                <a:solidFill>
+                  <a:srgbClr val="D4D4D4"/>
+                </a:solidFill>
+                <a:effectLst/>
+                <a:latin typeface="Consolas" panose="020B0609020204030204" pitchFamily="49" charset="0"/>
+              </a:rPr>
+              <a:t>), </a:t>
+            </a:r>
+            <a:r>
+              <a:rPr lang="en-US" sz="2400" b="0" dirty="0" err="1">
+                <a:solidFill>
+                  <a:srgbClr val="D4D4D4"/>
+                </a:solidFill>
+                <a:effectLst/>
+                <a:latin typeface="Consolas" panose="020B0609020204030204" pitchFamily="49" charset="0"/>
+              </a:rPr>
+              <a:t>numbers_list</a:t>
+            </a:r>
+            <a:r>
+              <a:rPr lang="en-US" sz="2400" b="0" dirty="0">
+                <a:solidFill>
+                  <a:srgbClr val="D4D4D4"/>
+                </a:solidFill>
+                <a:effectLst/>
+                <a:latin typeface="Consolas" panose="020B0609020204030204" pitchFamily="49" charset="0"/>
+              </a:rPr>
+              <a:t>))</a:t>
+            </a:r>
+          </a:p>
+          <a:p>
+            <a:r>
+              <a:rPr lang="en-US" sz="2400" b="0" dirty="0">
+                <a:solidFill>
+                  <a:srgbClr val="DCDCAA"/>
+                </a:solidFill>
+                <a:effectLst/>
+                <a:latin typeface="Consolas" panose="020B0609020204030204" pitchFamily="49" charset="0"/>
+              </a:rPr>
+              <a:t>print</a:t>
+            </a:r>
+            <a:r>
+              <a:rPr lang="en-US" sz="2400" b="0" dirty="0">
+                <a:solidFill>
+                  <a:srgbClr val="D4D4D4"/>
+                </a:solidFill>
+                <a:effectLst/>
+                <a:latin typeface="Consolas" panose="020B0609020204030204" pitchFamily="49" charset="0"/>
+              </a:rPr>
+              <a:t>(</a:t>
+            </a:r>
+            <a:r>
+              <a:rPr lang="en-US" sz="2400" b="0" dirty="0" err="1">
+                <a:solidFill>
+                  <a:srgbClr val="D4D4D4"/>
+                </a:solidFill>
+                <a:effectLst/>
+                <a:latin typeface="Consolas" panose="020B0609020204030204" pitchFamily="49" charset="0"/>
+              </a:rPr>
+              <a:t>filtered_list</a:t>
+            </a:r>
+            <a:r>
+              <a:rPr lang="en-US" sz="2400" b="0" dirty="0">
+                <a:solidFill>
+                  <a:srgbClr val="D4D4D4"/>
+                </a:solidFill>
+                <a:effectLst/>
+                <a:latin typeface="Consolas" panose="020B0609020204030204" pitchFamily="49" charset="0"/>
+              </a:rPr>
+              <a:t>)</a:t>
+            </a:r>
+          </a:p>
+          <a:p>
+            <a:r>
+              <a:rPr lang="en-US" sz="2400" b="0" dirty="0" err="1">
+                <a:solidFill>
+                  <a:srgbClr val="D4D4D4"/>
+                </a:solidFill>
+                <a:effectLst/>
+                <a:latin typeface="Consolas" panose="020B0609020204030204" pitchFamily="49" charset="0"/>
+              </a:rPr>
+              <a:t>filtered_list</a:t>
+            </a:r>
+            <a:r>
+              <a:rPr lang="en-US" sz="2400" b="0" dirty="0">
+                <a:solidFill>
+                  <a:srgbClr val="D4D4D4"/>
+                </a:solidFill>
+                <a:effectLst/>
+                <a:latin typeface="Consolas" panose="020B0609020204030204" pitchFamily="49" charset="0"/>
+              </a:rPr>
+              <a:t> = </a:t>
+            </a:r>
+            <a:r>
+              <a:rPr lang="en-US" sz="2400" b="0" dirty="0">
+                <a:solidFill>
+                  <a:srgbClr val="4EC9B0"/>
+                </a:solidFill>
+                <a:effectLst/>
+                <a:latin typeface="Consolas" panose="020B0609020204030204" pitchFamily="49" charset="0"/>
+              </a:rPr>
+              <a:t>list</a:t>
+            </a:r>
+            <a:r>
+              <a:rPr lang="en-US" sz="2400" b="0" dirty="0">
+                <a:solidFill>
+                  <a:srgbClr val="D4D4D4"/>
+                </a:solidFill>
+                <a:effectLst/>
+                <a:latin typeface="Consolas" panose="020B0609020204030204" pitchFamily="49" charset="0"/>
+              </a:rPr>
+              <a:t>(</a:t>
+            </a:r>
+            <a:r>
+              <a:rPr lang="en-US" sz="2400" b="0" dirty="0">
+                <a:solidFill>
+                  <a:srgbClr val="DCDCAA"/>
+                </a:solidFill>
+                <a:effectLst/>
+                <a:latin typeface="Consolas" panose="020B0609020204030204" pitchFamily="49" charset="0"/>
+              </a:rPr>
+              <a:t>filter</a:t>
+            </a:r>
+            <a:r>
+              <a:rPr lang="en-US" sz="2400" b="0" dirty="0">
+                <a:solidFill>
+                  <a:srgbClr val="D4D4D4"/>
+                </a:solidFill>
+                <a:effectLst/>
+                <a:latin typeface="Consolas" panose="020B0609020204030204" pitchFamily="49" charset="0"/>
+              </a:rPr>
+              <a:t>(</a:t>
+            </a:r>
+            <a:r>
+              <a:rPr lang="en-US" sz="2400" b="0" dirty="0">
+                <a:solidFill>
+                  <a:srgbClr val="569CD6"/>
+                </a:solidFill>
+                <a:effectLst/>
+                <a:latin typeface="Consolas" panose="020B0609020204030204" pitchFamily="49" charset="0"/>
+              </a:rPr>
+              <a:t>lambda</a:t>
+            </a:r>
+            <a:r>
+              <a:rPr lang="en-US" sz="2400" b="0" dirty="0">
+                <a:solidFill>
+                  <a:srgbClr val="D4D4D4"/>
+                </a:solidFill>
+                <a:effectLst/>
+                <a:latin typeface="Consolas" panose="020B0609020204030204" pitchFamily="49" charset="0"/>
+              </a:rPr>
+              <a:t> </a:t>
+            </a:r>
+            <a:r>
+              <a:rPr lang="en-US" sz="2400" b="0" dirty="0">
+                <a:solidFill>
+                  <a:srgbClr val="9CDCFE"/>
+                </a:solidFill>
+                <a:effectLst/>
+                <a:latin typeface="Consolas" panose="020B0609020204030204" pitchFamily="49" charset="0"/>
+              </a:rPr>
+              <a:t>num</a:t>
+            </a:r>
+            <a:r>
+              <a:rPr lang="en-US" sz="2400" b="0" dirty="0">
+                <a:solidFill>
+                  <a:srgbClr val="D4D4D4"/>
+                </a:solidFill>
+                <a:effectLst/>
+                <a:latin typeface="Consolas" panose="020B0609020204030204" pitchFamily="49" charset="0"/>
+              </a:rPr>
+              <a:t>: (num &lt; </a:t>
+            </a:r>
+            <a:r>
+              <a:rPr lang="en-US" sz="2400" b="0" dirty="0">
+                <a:solidFill>
+                  <a:srgbClr val="B5CEA8"/>
+                </a:solidFill>
+                <a:effectLst/>
+                <a:latin typeface="Consolas" panose="020B0609020204030204" pitchFamily="49" charset="0"/>
+              </a:rPr>
+              <a:t>7</a:t>
+            </a:r>
+            <a:r>
+              <a:rPr lang="en-US" sz="2400" b="0" dirty="0">
+                <a:solidFill>
+                  <a:srgbClr val="D4D4D4"/>
+                </a:solidFill>
+                <a:effectLst/>
+                <a:latin typeface="Consolas" panose="020B0609020204030204" pitchFamily="49" charset="0"/>
+              </a:rPr>
+              <a:t>), </a:t>
+            </a:r>
+            <a:r>
+              <a:rPr lang="en-US" sz="2400" b="0" dirty="0" err="1">
+                <a:solidFill>
+                  <a:srgbClr val="D4D4D4"/>
+                </a:solidFill>
+                <a:effectLst/>
+                <a:latin typeface="Consolas" panose="020B0609020204030204" pitchFamily="49" charset="0"/>
+              </a:rPr>
+              <a:t>numbers_list</a:t>
+            </a:r>
+            <a:r>
+              <a:rPr lang="en-US" sz="2400" b="0" dirty="0">
+                <a:solidFill>
+                  <a:srgbClr val="D4D4D4"/>
+                </a:solidFill>
+                <a:effectLst/>
+                <a:latin typeface="Consolas" panose="020B0609020204030204" pitchFamily="49" charset="0"/>
+              </a:rPr>
+              <a:t>))</a:t>
+            </a:r>
+          </a:p>
+          <a:p>
+            <a:r>
+              <a:rPr lang="en-US" sz="2400" b="0" dirty="0">
+                <a:solidFill>
+                  <a:srgbClr val="DCDCAA"/>
+                </a:solidFill>
+                <a:effectLst/>
+                <a:latin typeface="Consolas" panose="020B0609020204030204" pitchFamily="49" charset="0"/>
+              </a:rPr>
+              <a:t>print</a:t>
+            </a:r>
+            <a:r>
+              <a:rPr lang="en-US" sz="2400" b="0" dirty="0">
+                <a:solidFill>
+                  <a:srgbClr val="D4D4D4"/>
+                </a:solidFill>
+                <a:effectLst/>
+                <a:latin typeface="Consolas" panose="020B0609020204030204" pitchFamily="49" charset="0"/>
+              </a:rPr>
+              <a:t>(</a:t>
+            </a:r>
+            <a:r>
+              <a:rPr lang="en-US" sz="2400" b="0" dirty="0" err="1">
+                <a:solidFill>
+                  <a:srgbClr val="D4D4D4"/>
+                </a:solidFill>
+                <a:effectLst/>
+                <a:latin typeface="Consolas" panose="020B0609020204030204" pitchFamily="49" charset="0"/>
+              </a:rPr>
+              <a:t>filtered_list</a:t>
+            </a:r>
+            <a:r>
+              <a:rPr lang="en-US" sz="2400" b="0" dirty="0">
+                <a:solidFill>
+                  <a:srgbClr val="D4D4D4"/>
+                </a:solidFill>
+                <a:effectLst/>
+                <a:latin typeface="Consolas" panose="020B0609020204030204" pitchFamily="49" charset="0"/>
+              </a:rPr>
+              <a:t>)</a:t>
+            </a:r>
+          </a:p>
+        </p:txBody>
+      </p:sp>
+      <p:sp>
+        <p:nvSpPr>
+          <p:cNvPr id="5" name="Облачко с текстом: прямоугольное 4">
+            <a:extLst>
+              <a:ext uri="{FF2B5EF4-FFF2-40B4-BE49-F238E27FC236}">
+                <a16:creationId xmlns:a16="http://schemas.microsoft.com/office/drawing/2014/main" id="{CF278064-C738-4E5F-94F2-59CD71047ECA}"/>
+              </a:ext>
+            </a:extLst>
+          </p:cNvPr>
+          <p:cNvSpPr/>
+          <p:nvPr/>
+        </p:nvSpPr>
+        <p:spPr>
+          <a:xfrm>
+            <a:off x="8985504" y="1594086"/>
+            <a:ext cx="2889504" cy="612648"/>
+          </a:xfrm>
+          <a:prstGeom prst="wedgeRectCallout">
+            <a:avLst>
+              <a:gd name="adj1" fmla="val -68512"/>
+              <a:gd name="adj2" fmla="val 185883"/>
+            </a:avLst>
+          </a:prstGeom>
+        </p:spPr>
+        <p:style>
+          <a:lnRef idx="2">
+            <a:schemeClr val="accent1">
+              <a:shade val="50000"/>
+            </a:schemeClr>
+          </a:lnRef>
+          <a:fillRef idx="1">
+            <a:schemeClr val="accent1"/>
+          </a:fillRef>
+          <a:effectRef idx="0">
+            <a:schemeClr val="accent1"/>
+          </a:effectRef>
+          <a:fontRef idx="minor">
+            <a:schemeClr val="lt1"/>
+          </a:fontRef>
+        </p:style>
+        <p:txBody>
+          <a:bodyPr rtlCol="0" anchor="ctr"/>
+          <a:lstStyle/>
+          <a:p>
+            <a:pPr algn="ctr"/>
+            <a:r>
+              <a:rPr lang="ru-RU" dirty="0"/>
+              <a:t>Критерий выборки : все значения больше 7</a:t>
+            </a:r>
+          </a:p>
+        </p:txBody>
+      </p:sp>
+      <p:sp>
+        <p:nvSpPr>
+          <p:cNvPr id="6" name="Облачко с текстом: прямоугольное 5">
+            <a:extLst>
+              <a:ext uri="{FF2B5EF4-FFF2-40B4-BE49-F238E27FC236}">
+                <a16:creationId xmlns:a16="http://schemas.microsoft.com/office/drawing/2014/main" id="{DD281D03-DDAF-49DB-9932-CEA22A41BFF5}"/>
+              </a:ext>
+            </a:extLst>
+          </p:cNvPr>
+          <p:cNvSpPr/>
+          <p:nvPr/>
+        </p:nvSpPr>
+        <p:spPr>
+          <a:xfrm>
+            <a:off x="8900160" y="3429000"/>
+            <a:ext cx="2889504" cy="612648"/>
+          </a:xfrm>
+          <a:prstGeom prst="wedgeRectCallout">
+            <a:avLst>
+              <a:gd name="adj1" fmla="val -68512"/>
+              <a:gd name="adj2" fmla="val 102301"/>
+            </a:avLst>
+          </a:prstGeom>
+        </p:spPr>
+        <p:style>
+          <a:lnRef idx="2">
+            <a:schemeClr val="accent1">
+              <a:shade val="50000"/>
+            </a:schemeClr>
+          </a:lnRef>
+          <a:fillRef idx="1">
+            <a:schemeClr val="accent1"/>
+          </a:fillRef>
+          <a:effectRef idx="0">
+            <a:schemeClr val="accent1"/>
+          </a:effectRef>
+          <a:fontRef idx="minor">
+            <a:schemeClr val="lt1"/>
+          </a:fontRef>
+        </p:style>
+        <p:txBody>
+          <a:bodyPr rtlCol="0" anchor="ctr"/>
+          <a:lstStyle/>
+          <a:p>
+            <a:pPr algn="ctr"/>
+            <a:r>
+              <a:rPr lang="ru-RU" dirty="0"/>
+              <a:t>Критерий выборки : все значения меньше  7</a:t>
+            </a:r>
+          </a:p>
+        </p:txBody>
+      </p:sp>
+      <p:cxnSp>
+        <p:nvCxnSpPr>
+          <p:cNvPr id="9" name="Прямая соединительная линия 8">
+            <a:extLst>
+              <a:ext uri="{FF2B5EF4-FFF2-40B4-BE49-F238E27FC236}">
+                <a16:creationId xmlns:a16="http://schemas.microsoft.com/office/drawing/2014/main" id="{08C1DE8F-A157-4891-A2E5-D25E68935D08}"/>
+              </a:ext>
+            </a:extLst>
+          </p:cNvPr>
+          <p:cNvCxnSpPr/>
+          <p:nvPr/>
+        </p:nvCxnSpPr>
+        <p:spPr>
+          <a:xfrm>
+            <a:off x="4315968" y="3429000"/>
+            <a:ext cx="0" cy="612648"/>
+          </a:xfrm>
+          <a:prstGeom prst="line">
+            <a:avLst/>
+          </a:prstGeom>
+          <a:ln w="28575">
+            <a:headEnd type="triangle" w="med" len="med"/>
+            <a:tailEnd type="triangle" w="med" len="med"/>
+          </a:ln>
+        </p:spPr>
+        <p:style>
+          <a:lnRef idx="1">
+            <a:schemeClr val="accent1"/>
+          </a:lnRef>
+          <a:fillRef idx="0">
+            <a:schemeClr val="accent1"/>
+          </a:fillRef>
+          <a:effectRef idx="0">
+            <a:schemeClr val="accent1"/>
+          </a:effectRef>
+          <a:fontRef idx="minor">
+            <a:schemeClr val="tx1"/>
+          </a:fontRef>
+        </p:style>
+      </p:cxnSp>
+    </p:spTree>
+    <p:extLst>
+      <p:ext uri="{BB962C8B-B14F-4D97-AF65-F5344CB8AC3E}">
+        <p14:creationId xmlns:p14="http://schemas.microsoft.com/office/powerpoint/2010/main" val="275029330"/>
       </p:ext>
     </p:extLst>
   </p:cSld>

--- a/Presentation/Основы алгоритмизации и программирования.pptx
+++ b/Presentation/Основы алгоритмизации и программирования.pptx
@@ -85,6 +85,8 @@
     <p:sldId id="333" r:id="rId79"/>
     <p:sldId id="334" r:id="rId80"/>
     <p:sldId id="335" r:id="rId81"/>
+    <p:sldId id="336" r:id="rId82"/>
+    <p:sldId id="337" r:id="rId83"/>
   </p:sldIdLst>
   <p:sldSz cx="12192000" cy="6858000"/>
   <p:notesSz cx="6858000" cy="9144000"/>
@@ -35417,6 +35419,2581 @@
 </p:sld>
 </file>
 
+<file path=ppt/slides/slide81.xml><?xml version="1.0" encoding="utf-8"?>
+<p:sld xmlns:a="http://schemas.openxmlformats.org/drawingml/2006/main" xmlns:r="http://schemas.openxmlformats.org/officeDocument/2006/relationships" xmlns:p="http://schemas.openxmlformats.org/presentationml/2006/main">
+  <p:cSld>
+    <p:spTree>
+      <p:nvGrpSpPr>
+        <p:cNvPr id="1" name=""/>
+        <p:cNvGrpSpPr/>
+        <p:nvPr/>
+      </p:nvGrpSpPr>
+      <p:grpSpPr>
+        <a:xfrm>
+          <a:off x="0" y="0"/>
+          <a:ext cx="0" cy="0"/>
+          <a:chOff x="0" y="0"/>
+          <a:chExt cx="0" cy="0"/>
+        </a:xfrm>
+      </p:grpSpPr>
+      <p:sp>
+        <p:nvSpPr>
+          <p:cNvPr id="2" name="Заголовок 1">
+            <a:extLst>
+              <a:ext uri="{FF2B5EF4-FFF2-40B4-BE49-F238E27FC236}">
+                <a16:creationId xmlns:a16="http://schemas.microsoft.com/office/drawing/2014/main" id="{2CC51B77-9037-4AF4-BD9D-0B98029651D3}"/>
+              </a:ext>
+            </a:extLst>
+          </p:cNvPr>
+          <p:cNvSpPr>
+            <a:spLocks noGrp="1"/>
+          </p:cNvSpPr>
+          <p:nvPr>
+            <p:ph type="title"/>
+          </p:nvPr>
+        </p:nvSpPr>
+        <p:spPr>
+          <a:xfrm>
+            <a:off x="838200" y="-40576"/>
+            <a:ext cx="10515600" cy="937417"/>
+          </a:xfrm>
+        </p:spPr>
+        <p:txBody>
+          <a:bodyPr/>
+          <a:lstStyle/>
+          <a:p>
+            <a:r>
+              <a:rPr lang="ru-RU" dirty="0"/>
+              <a:t>Алгоритм «</a:t>
+            </a:r>
+            <a:r>
+              <a:rPr lang="en-US" dirty="0"/>
+              <a:t>Map-Filter-Reduce</a:t>
+            </a:r>
+            <a:r>
+              <a:rPr lang="ru-RU" dirty="0"/>
+              <a:t>»</a:t>
+            </a:r>
+          </a:p>
+        </p:txBody>
+      </p:sp>
+      <p:sp>
+        <p:nvSpPr>
+          <p:cNvPr id="3" name="Прямоугольник: скругленные углы 2">
+            <a:extLst>
+              <a:ext uri="{FF2B5EF4-FFF2-40B4-BE49-F238E27FC236}">
+                <a16:creationId xmlns:a16="http://schemas.microsoft.com/office/drawing/2014/main" id="{C690CA19-4A46-47DC-937A-196174532513}"/>
+              </a:ext>
+            </a:extLst>
+          </p:cNvPr>
+          <p:cNvSpPr/>
+          <p:nvPr/>
+        </p:nvSpPr>
+        <p:spPr>
+          <a:xfrm>
+            <a:off x="2560320" y="896841"/>
+            <a:ext cx="7303008" cy="1162240"/>
+          </a:xfrm>
+          <a:prstGeom prst="roundRect">
+            <a:avLst/>
+          </a:prstGeom>
+        </p:spPr>
+        <p:style>
+          <a:lnRef idx="2">
+            <a:schemeClr val="accent1">
+              <a:shade val="50000"/>
+            </a:schemeClr>
+          </a:lnRef>
+          <a:fillRef idx="1">
+            <a:schemeClr val="accent1"/>
+          </a:fillRef>
+          <a:effectRef idx="0">
+            <a:schemeClr val="accent1"/>
+          </a:effectRef>
+          <a:fontRef idx="minor">
+            <a:schemeClr val="lt1"/>
+          </a:fontRef>
+        </p:style>
+        <p:txBody>
+          <a:bodyPr rtlCol="0" anchor="ctr"/>
+          <a:lstStyle/>
+          <a:p>
+            <a:pPr algn="ctr"/>
+            <a:endParaRPr lang="ru-RU"/>
+          </a:p>
+        </p:txBody>
+      </p:sp>
+      <p:sp>
+        <p:nvSpPr>
+          <p:cNvPr id="4" name="Прямоугольник: скругленные углы 3">
+            <a:extLst>
+              <a:ext uri="{FF2B5EF4-FFF2-40B4-BE49-F238E27FC236}">
+                <a16:creationId xmlns:a16="http://schemas.microsoft.com/office/drawing/2014/main" id="{81E14807-644A-4926-9566-BC9E3954B085}"/>
+              </a:ext>
+            </a:extLst>
+          </p:cNvPr>
+          <p:cNvSpPr/>
+          <p:nvPr/>
+        </p:nvSpPr>
+        <p:spPr>
+          <a:xfrm>
+            <a:off x="2877312" y="1132489"/>
+            <a:ext cx="780288" cy="682752"/>
+          </a:xfrm>
+          <a:prstGeom prst="roundRect">
+            <a:avLst/>
+          </a:prstGeom>
+        </p:spPr>
+        <p:style>
+          <a:lnRef idx="0">
+            <a:schemeClr val="accent4"/>
+          </a:lnRef>
+          <a:fillRef idx="3">
+            <a:schemeClr val="accent4"/>
+          </a:fillRef>
+          <a:effectRef idx="3">
+            <a:schemeClr val="accent4"/>
+          </a:effectRef>
+          <a:fontRef idx="minor">
+            <a:schemeClr val="lt1"/>
+          </a:fontRef>
+        </p:style>
+        <p:txBody>
+          <a:bodyPr rtlCol="0" anchor="ctr"/>
+          <a:lstStyle/>
+          <a:p>
+            <a:pPr algn="ctr"/>
+            <a:endParaRPr lang="ru-RU"/>
+          </a:p>
+        </p:txBody>
+      </p:sp>
+      <p:sp>
+        <p:nvSpPr>
+          <p:cNvPr id="5" name="Прямоугольник: скругленные углы 4">
+            <a:extLst>
+              <a:ext uri="{FF2B5EF4-FFF2-40B4-BE49-F238E27FC236}">
+                <a16:creationId xmlns:a16="http://schemas.microsoft.com/office/drawing/2014/main" id="{B809BD88-35A7-4ABE-A2E5-7C162C7FBCA9}"/>
+              </a:ext>
+            </a:extLst>
+          </p:cNvPr>
+          <p:cNvSpPr/>
+          <p:nvPr/>
+        </p:nvSpPr>
+        <p:spPr>
+          <a:xfrm>
+            <a:off x="3713988" y="1132489"/>
+            <a:ext cx="780288" cy="682752"/>
+          </a:xfrm>
+          <a:prstGeom prst="roundRect">
+            <a:avLst/>
+          </a:prstGeom>
+        </p:spPr>
+        <p:style>
+          <a:lnRef idx="0">
+            <a:schemeClr val="accent4"/>
+          </a:lnRef>
+          <a:fillRef idx="3">
+            <a:schemeClr val="accent4"/>
+          </a:fillRef>
+          <a:effectRef idx="3">
+            <a:schemeClr val="accent4"/>
+          </a:effectRef>
+          <a:fontRef idx="minor">
+            <a:schemeClr val="lt1"/>
+          </a:fontRef>
+        </p:style>
+        <p:txBody>
+          <a:bodyPr rtlCol="0" anchor="ctr"/>
+          <a:lstStyle/>
+          <a:p>
+            <a:pPr algn="ctr"/>
+            <a:endParaRPr lang="ru-RU"/>
+          </a:p>
+        </p:txBody>
+      </p:sp>
+      <p:sp>
+        <p:nvSpPr>
+          <p:cNvPr id="6" name="Прямоугольник: скругленные углы 5">
+            <a:extLst>
+              <a:ext uri="{FF2B5EF4-FFF2-40B4-BE49-F238E27FC236}">
+                <a16:creationId xmlns:a16="http://schemas.microsoft.com/office/drawing/2014/main" id="{16784982-F9CA-404E-87BD-A64C9C0E0AC7}"/>
+              </a:ext>
+            </a:extLst>
+          </p:cNvPr>
+          <p:cNvSpPr/>
+          <p:nvPr/>
+        </p:nvSpPr>
+        <p:spPr>
+          <a:xfrm>
+            <a:off x="4550664" y="1132489"/>
+            <a:ext cx="780288" cy="682752"/>
+          </a:xfrm>
+          <a:prstGeom prst="roundRect">
+            <a:avLst/>
+          </a:prstGeom>
+        </p:spPr>
+        <p:style>
+          <a:lnRef idx="0">
+            <a:schemeClr val="accent4"/>
+          </a:lnRef>
+          <a:fillRef idx="3">
+            <a:schemeClr val="accent4"/>
+          </a:fillRef>
+          <a:effectRef idx="3">
+            <a:schemeClr val="accent4"/>
+          </a:effectRef>
+          <a:fontRef idx="minor">
+            <a:schemeClr val="lt1"/>
+          </a:fontRef>
+        </p:style>
+        <p:txBody>
+          <a:bodyPr rtlCol="0" anchor="ctr"/>
+          <a:lstStyle/>
+          <a:p>
+            <a:pPr algn="ctr"/>
+            <a:endParaRPr lang="ru-RU"/>
+          </a:p>
+        </p:txBody>
+      </p:sp>
+      <p:sp>
+        <p:nvSpPr>
+          <p:cNvPr id="7" name="Прямоугольник: скругленные углы 6">
+            <a:extLst>
+              <a:ext uri="{FF2B5EF4-FFF2-40B4-BE49-F238E27FC236}">
+                <a16:creationId xmlns:a16="http://schemas.microsoft.com/office/drawing/2014/main" id="{384D2E07-2470-4DD3-AD4C-01F5F4C83D79}"/>
+              </a:ext>
+            </a:extLst>
+          </p:cNvPr>
+          <p:cNvSpPr/>
+          <p:nvPr/>
+        </p:nvSpPr>
+        <p:spPr>
+          <a:xfrm>
+            <a:off x="5399532" y="1132489"/>
+            <a:ext cx="780288" cy="682752"/>
+          </a:xfrm>
+          <a:prstGeom prst="roundRect">
+            <a:avLst/>
+          </a:prstGeom>
+        </p:spPr>
+        <p:style>
+          <a:lnRef idx="0">
+            <a:schemeClr val="accent4"/>
+          </a:lnRef>
+          <a:fillRef idx="3">
+            <a:schemeClr val="accent4"/>
+          </a:fillRef>
+          <a:effectRef idx="3">
+            <a:schemeClr val="accent4"/>
+          </a:effectRef>
+          <a:fontRef idx="minor">
+            <a:schemeClr val="lt1"/>
+          </a:fontRef>
+        </p:style>
+        <p:txBody>
+          <a:bodyPr rtlCol="0" anchor="ctr"/>
+          <a:lstStyle/>
+          <a:p>
+            <a:pPr algn="ctr"/>
+            <a:endParaRPr lang="ru-RU"/>
+          </a:p>
+        </p:txBody>
+      </p:sp>
+      <p:sp>
+        <p:nvSpPr>
+          <p:cNvPr id="8" name="Прямоугольник: скругленные углы 7">
+            <a:extLst>
+              <a:ext uri="{FF2B5EF4-FFF2-40B4-BE49-F238E27FC236}">
+                <a16:creationId xmlns:a16="http://schemas.microsoft.com/office/drawing/2014/main" id="{7936E549-A7AA-4E4B-B2F4-D39FAD34DF32}"/>
+              </a:ext>
+            </a:extLst>
+          </p:cNvPr>
+          <p:cNvSpPr/>
+          <p:nvPr/>
+        </p:nvSpPr>
+        <p:spPr>
+          <a:xfrm>
+            <a:off x="6262878" y="1132489"/>
+            <a:ext cx="780288" cy="682752"/>
+          </a:xfrm>
+          <a:prstGeom prst="roundRect">
+            <a:avLst/>
+          </a:prstGeom>
+        </p:spPr>
+        <p:style>
+          <a:lnRef idx="0">
+            <a:schemeClr val="accent4"/>
+          </a:lnRef>
+          <a:fillRef idx="3">
+            <a:schemeClr val="accent4"/>
+          </a:fillRef>
+          <a:effectRef idx="3">
+            <a:schemeClr val="accent4"/>
+          </a:effectRef>
+          <a:fontRef idx="minor">
+            <a:schemeClr val="lt1"/>
+          </a:fontRef>
+        </p:style>
+        <p:txBody>
+          <a:bodyPr rtlCol="0" anchor="ctr"/>
+          <a:lstStyle/>
+          <a:p>
+            <a:pPr algn="ctr"/>
+            <a:endParaRPr lang="ru-RU"/>
+          </a:p>
+        </p:txBody>
+      </p:sp>
+      <p:sp>
+        <p:nvSpPr>
+          <p:cNvPr id="9" name="Прямоугольник: скругленные углы 8">
+            <a:extLst>
+              <a:ext uri="{FF2B5EF4-FFF2-40B4-BE49-F238E27FC236}">
+                <a16:creationId xmlns:a16="http://schemas.microsoft.com/office/drawing/2014/main" id="{38F6E7EC-4CEC-453B-975E-6A52B3EBD79E}"/>
+              </a:ext>
+            </a:extLst>
+          </p:cNvPr>
+          <p:cNvSpPr/>
+          <p:nvPr/>
+        </p:nvSpPr>
+        <p:spPr>
+          <a:xfrm>
+            <a:off x="7126605" y="1120297"/>
+            <a:ext cx="780288" cy="682752"/>
+          </a:xfrm>
+          <a:prstGeom prst="roundRect">
+            <a:avLst/>
+          </a:prstGeom>
+        </p:spPr>
+        <p:style>
+          <a:lnRef idx="0">
+            <a:schemeClr val="accent4"/>
+          </a:lnRef>
+          <a:fillRef idx="3">
+            <a:schemeClr val="accent4"/>
+          </a:fillRef>
+          <a:effectRef idx="3">
+            <a:schemeClr val="accent4"/>
+          </a:effectRef>
+          <a:fontRef idx="minor">
+            <a:schemeClr val="lt1"/>
+          </a:fontRef>
+        </p:style>
+        <p:txBody>
+          <a:bodyPr rtlCol="0" anchor="ctr"/>
+          <a:lstStyle/>
+          <a:p>
+            <a:pPr algn="ctr"/>
+            <a:endParaRPr lang="ru-RU"/>
+          </a:p>
+        </p:txBody>
+      </p:sp>
+      <p:sp>
+        <p:nvSpPr>
+          <p:cNvPr id="10" name="Прямоугольник: скругленные углы 9">
+            <a:extLst>
+              <a:ext uri="{FF2B5EF4-FFF2-40B4-BE49-F238E27FC236}">
+                <a16:creationId xmlns:a16="http://schemas.microsoft.com/office/drawing/2014/main" id="{3DA72FA5-BE91-4156-BB5E-8DF2F7F019CB}"/>
+              </a:ext>
+            </a:extLst>
+          </p:cNvPr>
+          <p:cNvSpPr/>
+          <p:nvPr/>
+        </p:nvSpPr>
+        <p:spPr>
+          <a:xfrm>
+            <a:off x="7975473" y="1120297"/>
+            <a:ext cx="780288" cy="682752"/>
+          </a:xfrm>
+          <a:prstGeom prst="roundRect">
+            <a:avLst/>
+          </a:prstGeom>
+        </p:spPr>
+        <p:style>
+          <a:lnRef idx="0">
+            <a:schemeClr val="accent4"/>
+          </a:lnRef>
+          <a:fillRef idx="3">
+            <a:schemeClr val="accent4"/>
+          </a:fillRef>
+          <a:effectRef idx="3">
+            <a:schemeClr val="accent4"/>
+          </a:effectRef>
+          <a:fontRef idx="minor">
+            <a:schemeClr val="lt1"/>
+          </a:fontRef>
+        </p:style>
+        <p:txBody>
+          <a:bodyPr rtlCol="0" anchor="ctr"/>
+          <a:lstStyle/>
+          <a:p>
+            <a:pPr algn="ctr"/>
+            <a:endParaRPr lang="ru-RU"/>
+          </a:p>
+        </p:txBody>
+      </p:sp>
+      <p:sp>
+        <p:nvSpPr>
+          <p:cNvPr id="11" name="Прямоугольник: скругленные углы 10">
+            <a:extLst>
+              <a:ext uri="{FF2B5EF4-FFF2-40B4-BE49-F238E27FC236}">
+                <a16:creationId xmlns:a16="http://schemas.microsoft.com/office/drawing/2014/main" id="{917B16DC-017F-48E4-81B4-4334049FC27E}"/>
+              </a:ext>
+            </a:extLst>
+          </p:cNvPr>
+          <p:cNvSpPr/>
+          <p:nvPr/>
+        </p:nvSpPr>
+        <p:spPr>
+          <a:xfrm>
+            <a:off x="8799957" y="1120297"/>
+            <a:ext cx="780288" cy="682752"/>
+          </a:xfrm>
+          <a:prstGeom prst="roundRect">
+            <a:avLst/>
+          </a:prstGeom>
+        </p:spPr>
+        <p:style>
+          <a:lnRef idx="0">
+            <a:schemeClr val="accent4"/>
+          </a:lnRef>
+          <a:fillRef idx="3">
+            <a:schemeClr val="accent4"/>
+          </a:fillRef>
+          <a:effectRef idx="3">
+            <a:schemeClr val="accent4"/>
+          </a:effectRef>
+          <a:fontRef idx="minor">
+            <a:schemeClr val="lt1"/>
+          </a:fontRef>
+        </p:style>
+        <p:txBody>
+          <a:bodyPr rtlCol="0" anchor="ctr"/>
+          <a:lstStyle/>
+          <a:p>
+            <a:pPr algn="ctr"/>
+            <a:endParaRPr lang="ru-RU"/>
+          </a:p>
+        </p:txBody>
+      </p:sp>
+      <p:sp>
+        <p:nvSpPr>
+          <p:cNvPr id="12" name="Прямоугольник 11">
+            <a:extLst>
+              <a:ext uri="{FF2B5EF4-FFF2-40B4-BE49-F238E27FC236}">
+                <a16:creationId xmlns:a16="http://schemas.microsoft.com/office/drawing/2014/main" id="{76EF3933-D5F7-4323-881B-2F39C44FEA2F}"/>
+              </a:ext>
+            </a:extLst>
+          </p:cNvPr>
+          <p:cNvSpPr/>
+          <p:nvPr/>
+        </p:nvSpPr>
+        <p:spPr>
+          <a:xfrm>
+            <a:off x="2560320" y="2246692"/>
+            <a:ext cx="7303008" cy="682752"/>
+          </a:xfrm>
+          <a:prstGeom prst="rect">
+            <a:avLst/>
+          </a:prstGeom>
+        </p:spPr>
+        <p:style>
+          <a:lnRef idx="0">
+            <a:schemeClr val="accent3"/>
+          </a:lnRef>
+          <a:fillRef idx="3">
+            <a:schemeClr val="accent3"/>
+          </a:fillRef>
+          <a:effectRef idx="3">
+            <a:schemeClr val="accent3"/>
+          </a:effectRef>
+          <a:fontRef idx="minor">
+            <a:schemeClr val="lt1"/>
+          </a:fontRef>
+        </p:style>
+        <p:txBody>
+          <a:bodyPr rtlCol="0" anchor="ctr"/>
+          <a:lstStyle/>
+          <a:p>
+            <a:pPr algn="ctr"/>
+            <a:r>
+              <a:rPr lang="en-US" dirty="0"/>
+              <a:t>map</a:t>
+            </a:r>
+            <a:endParaRPr lang="ru-RU" dirty="0"/>
+          </a:p>
+        </p:txBody>
+      </p:sp>
+      <p:sp>
+        <p:nvSpPr>
+          <p:cNvPr id="13" name="Прямоугольник: скругленные углы 12">
+            <a:extLst>
+              <a:ext uri="{FF2B5EF4-FFF2-40B4-BE49-F238E27FC236}">
+                <a16:creationId xmlns:a16="http://schemas.microsoft.com/office/drawing/2014/main" id="{2339618F-0040-410A-B652-097894CFC0B7}"/>
+              </a:ext>
+            </a:extLst>
+          </p:cNvPr>
+          <p:cNvSpPr/>
+          <p:nvPr/>
+        </p:nvSpPr>
+        <p:spPr>
+          <a:xfrm>
+            <a:off x="2560320" y="3130074"/>
+            <a:ext cx="7303008" cy="1162240"/>
+          </a:xfrm>
+          <a:prstGeom prst="roundRect">
+            <a:avLst/>
+          </a:prstGeom>
+        </p:spPr>
+        <p:style>
+          <a:lnRef idx="2">
+            <a:schemeClr val="accent1">
+              <a:shade val="50000"/>
+            </a:schemeClr>
+          </a:lnRef>
+          <a:fillRef idx="1">
+            <a:schemeClr val="accent1"/>
+          </a:fillRef>
+          <a:effectRef idx="0">
+            <a:schemeClr val="accent1"/>
+          </a:effectRef>
+          <a:fontRef idx="minor">
+            <a:schemeClr val="lt1"/>
+          </a:fontRef>
+        </p:style>
+        <p:txBody>
+          <a:bodyPr rtlCol="0" anchor="ctr"/>
+          <a:lstStyle/>
+          <a:p>
+            <a:pPr algn="ctr"/>
+            <a:endParaRPr lang="ru-RU"/>
+          </a:p>
+        </p:txBody>
+      </p:sp>
+      <p:sp>
+        <p:nvSpPr>
+          <p:cNvPr id="14" name="Прямоугольник: скругленные углы 13">
+            <a:extLst>
+              <a:ext uri="{FF2B5EF4-FFF2-40B4-BE49-F238E27FC236}">
+                <a16:creationId xmlns:a16="http://schemas.microsoft.com/office/drawing/2014/main" id="{EA4AA94F-48FF-412A-899A-D899D7C37D41}"/>
+              </a:ext>
+            </a:extLst>
+          </p:cNvPr>
+          <p:cNvSpPr/>
+          <p:nvPr/>
+        </p:nvSpPr>
+        <p:spPr>
+          <a:xfrm>
+            <a:off x="2877312" y="3365722"/>
+            <a:ext cx="780288" cy="682752"/>
+          </a:xfrm>
+          <a:prstGeom prst="roundRect">
+            <a:avLst/>
+          </a:prstGeom>
+        </p:spPr>
+        <p:style>
+          <a:lnRef idx="0">
+            <a:schemeClr val="accent2"/>
+          </a:lnRef>
+          <a:fillRef idx="3">
+            <a:schemeClr val="accent2"/>
+          </a:fillRef>
+          <a:effectRef idx="3">
+            <a:schemeClr val="accent2"/>
+          </a:effectRef>
+          <a:fontRef idx="minor">
+            <a:schemeClr val="lt1"/>
+          </a:fontRef>
+        </p:style>
+        <p:txBody>
+          <a:bodyPr rtlCol="0" anchor="ctr"/>
+          <a:lstStyle/>
+          <a:p>
+            <a:pPr algn="ctr"/>
+            <a:endParaRPr lang="ru-RU"/>
+          </a:p>
+        </p:txBody>
+      </p:sp>
+      <p:sp>
+        <p:nvSpPr>
+          <p:cNvPr id="15" name="Прямоугольник: скругленные углы 14">
+            <a:extLst>
+              <a:ext uri="{FF2B5EF4-FFF2-40B4-BE49-F238E27FC236}">
+                <a16:creationId xmlns:a16="http://schemas.microsoft.com/office/drawing/2014/main" id="{6A28829C-CA67-4EC4-8C11-C89491A10F70}"/>
+              </a:ext>
+            </a:extLst>
+          </p:cNvPr>
+          <p:cNvSpPr/>
+          <p:nvPr/>
+        </p:nvSpPr>
+        <p:spPr>
+          <a:xfrm>
+            <a:off x="3713988" y="3365722"/>
+            <a:ext cx="780288" cy="682752"/>
+          </a:xfrm>
+          <a:prstGeom prst="roundRect">
+            <a:avLst/>
+          </a:prstGeom>
+        </p:spPr>
+        <p:style>
+          <a:lnRef idx="0">
+            <a:schemeClr val="accent4"/>
+          </a:lnRef>
+          <a:fillRef idx="3">
+            <a:schemeClr val="accent4"/>
+          </a:fillRef>
+          <a:effectRef idx="3">
+            <a:schemeClr val="accent4"/>
+          </a:effectRef>
+          <a:fontRef idx="minor">
+            <a:schemeClr val="lt1"/>
+          </a:fontRef>
+        </p:style>
+        <p:txBody>
+          <a:bodyPr rtlCol="0" anchor="ctr"/>
+          <a:lstStyle/>
+          <a:p>
+            <a:pPr algn="ctr"/>
+            <a:endParaRPr lang="ru-RU"/>
+          </a:p>
+        </p:txBody>
+      </p:sp>
+      <p:sp>
+        <p:nvSpPr>
+          <p:cNvPr id="16" name="Прямоугольник: скругленные углы 15">
+            <a:extLst>
+              <a:ext uri="{FF2B5EF4-FFF2-40B4-BE49-F238E27FC236}">
+                <a16:creationId xmlns:a16="http://schemas.microsoft.com/office/drawing/2014/main" id="{A3558AE9-F26E-4215-9457-25723E7A0ED2}"/>
+              </a:ext>
+            </a:extLst>
+          </p:cNvPr>
+          <p:cNvSpPr/>
+          <p:nvPr/>
+        </p:nvSpPr>
+        <p:spPr>
+          <a:xfrm>
+            <a:off x="4550664" y="3365722"/>
+            <a:ext cx="780288" cy="682752"/>
+          </a:xfrm>
+          <a:prstGeom prst="roundRect">
+            <a:avLst/>
+          </a:prstGeom>
+        </p:spPr>
+        <p:style>
+          <a:lnRef idx="0">
+            <a:schemeClr val="accent2"/>
+          </a:lnRef>
+          <a:fillRef idx="3">
+            <a:schemeClr val="accent2"/>
+          </a:fillRef>
+          <a:effectRef idx="3">
+            <a:schemeClr val="accent2"/>
+          </a:effectRef>
+          <a:fontRef idx="minor">
+            <a:schemeClr val="lt1"/>
+          </a:fontRef>
+        </p:style>
+        <p:txBody>
+          <a:bodyPr rtlCol="0" anchor="ctr"/>
+          <a:lstStyle/>
+          <a:p>
+            <a:pPr algn="ctr"/>
+            <a:endParaRPr lang="ru-RU"/>
+          </a:p>
+        </p:txBody>
+      </p:sp>
+      <p:sp>
+        <p:nvSpPr>
+          <p:cNvPr id="17" name="Прямоугольник: скругленные углы 16">
+            <a:extLst>
+              <a:ext uri="{FF2B5EF4-FFF2-40B4-BE49-F238E27FC236}">
+                <a16:creationId xmlns:a16="http://schemas.microsoft.com/office/drawing/2014/main" id="{92C47B61-889E-4F61-95B5-6918462B4F24}"/>
+              </a:ext>
+            </a:extLst>
+          </p:cNvPr>
+          <p:cNvSpPr/>
+          <p:nvPr/>
+        </p:nvSpPr>
+        <p:spPr>
+          <a:xfrm>
+            <a:off x="5399532" y="3365722"/>
+            <a:ext cx="780288" cy="682752"/>
+          </a:xfrm>
+          <a:prstGeom prst="roundRect">
+            <a:avLst/>
+          </a:prstGeom>
+        </p:spPr>
+        <p:style>
+          <a:lnRef idx="0">
+            <a:schemeClr val="accent2"/>
+          </a:lnRef>
+          <a:fillRef idx="3">
+            <a:schemeClr val="accent2"/>
+          </a:fillRef>
+          <a:effectRef idx="3">
+            <a:schemeClr val="accent2"/>
+          </a:effectRef>
+          <a:fontRef idx="minor">
+            <a:schemeClr val="lt1"/>
+          </a:fontRef>
+        </p:style>
+        <p:txBody>
+          <a:bodyPr rtlCol="0" anchor="ctr"/>
+          <a:lstStyle/>
+          <a:p>
+            <a:pPr algn="ctr"/>
+            <a:endParaRPr lang="ru-RU"/>
+          </a:p>
+        </p:txBody>
+      </p:sp>
+      <p:sp>
+        <p:nvSpPr>
+          <p:cNvPr id="18" name="Прямоугольник: скругленные углы 17">
+            <a:extLst>
+              <a:ext uri="{FF2B5EF4-FFF2-40B4-BE49-F238E27FC236}">
+                <a16:creationId xmlns:a16="http://schemas.microsoft.com/office/drawing/2014/main" id="{A9B70871-8263-43C5-9442-CEEB6F7033AB}"/>
+              </a:ext>
+            </a:extLst>
+          </p:cNvPr>
+          <p:cNvSpPr/>
+          <p:nvPr/>
+        </p:nvSpPr>
+        <p:spPr>
+          <a:xfrm>
+            <a:off x="6262878" y="3365722"/>
+            <a:ext cx="780288" cy="682752"/>
+          </a:xfrm>
+          <a:prstGeom prst="roundRect">
+            <a:avLst/>
+          </a:prstGeom>
+        </p:spPr>
+        <p:style>
+          <a:lnRef idx="0">
+            <a:schemeClr val="accent4"/>
+          </a:lnRef>
+          <a:fillRef idx="3">
+            <a:schemeClr val="accent4"/>
+          </a:fillRef>
+          <a:effectRef idx="3">
+            <a:schemeClr val="accent4"/>
+          </a:effectRef>
+          <a:fontRef idx="minor">
+            <a:schemeClr val="lt1"/>
+          </a:fontRef>
+        </p:style>
+        <p:txBody>
+          <a:bodyPr rtlCol="0" anchor="ctr"/>
+          <a:lstStyle/>
+          <a:p>
+            <a:pPr algn="ctr"/>
+            <a:endParaRPr lang="ru-RU"/>
+          </a:p>
+        </p:txBody>
+      </p:sp>
+      <p:sp>
+        <p:nvSpPr>
+          <p:cNvPr id="19" name="Прямоугольник: скругленные углы 18">
+            <a:extLst>
+              <a:ext uri="{FF2B5EF4-FFF2-40B4-BE49-F238E27FC236}">
+                <a16:creationId xmlns:a16="http://schemas.microsoft.com/office/drawing/2014/main" id="{598AACE3-B10B-4D02-94D2-77CD2A25356D}"/>
+              </a:ext>
+            </a:extLst>
+          </p:cNvPr>
+          <p:cNvSpPr/>
+          <p:nvPr/>
+        </p:nvSpPr>
+        <p:spPr>
+          <a:xfrm>
+            <a:off x="7126605" y="3353530"/>
+            <a:ext cx="780288" cy="682752"/>
+          </a:xfrm>
+          <a:prstGeom prst="roundRect">
+            <a:avLst/>
+          </a:prstGeom>
+        </p:spPr>
+        <p:style>
+          <a:lnRef idx="0">
+            <a:schemeClr val="accent2"/>
+          </a:lnRef>
+          <a:fillRef idx="3">
+            <a:schemeClr val="accent2"/>
+          </a:fillRef>
+          <a:effectRef idx="3">
+            <a:schemeClr val="accent2"/>
+          </a:effectRef>
+          <a:fontRef idx="minor">
+            <a:schemeClr val="lt1"/>
+          </a:fontRef>
+        </p:style>
+        <p:txBody>
+          <a:bodyPr rtlCol="0" anchor="ctr"/>
+          <a:lstStyle/>
+          <a:p>
+            <a:pPr algn="ctr"/>
+            <a:endParaRPr lang="ru-RU"/>
+          </a:p>
+        </p:txBody>
+      </p:sp>
+      <p:sp>
+        <p:nvSpPr>
+          <p:cNvPr id="20" name="Прямоугольник: скругленные углы 19">
+            <a:extLst>
+              <a:ext uri="{FF2B5EF4-FFF2-40B4-BE49-F238E27FC236}">
+                <a16:creationId xmlns:a16="http://schemas.microsoft.com/office/drawing/2014/main" id="{7F9C01E5-D365-4435-AF21-FC2BAF94A6B0}"/>
+              </a:ext>
+            </a:extLst>
+          </p:cNvPr>
+          <p:cNvSpPr/>
+          <p:nvPr/>
+        </p:nvSpPr>
+        <p:spPr>
+          <a:xfrm>
+            <a:off x="7975473" y="3353530"/>
+            <a:ext cx="780288" cy="682752"/>
+          </a:xfrm>
+          <a:prstGeom prst="roundRect">
+            <a:avLst/>
+          </a:prstGeom>
+        </p:spPr>
+        <p:style>
+          <a:lnRef idx="0">
+            <a:schemeClr val="accent4"/>
+          </a:lnRef>
+          <a:fillRef idx="3">
+            <a:schemeClr val="accent4"/>
+          </a:fillRef>
+          <a:effectRef idx="3">
+            <a:schemeClr val="accent4"/>
+          </a:effectRef>
+          <a:fontRef idx="minor">
+            <a:schemeClr val="lt1"/>
+          </a:fontRef>
+        </p:style>
+        <p:txBody>
+          <a:bodyPr rtlCol="0" anchor="ctr"/>
+          <a:lstStyle/>
+          <a:p>
+            <a:pPr algn="ctr"/>
+            <a:endParaRPr lang="ru-RU"/>
+          </a:p>
+        </p:txBody>
+      </p:sp>
+      <p:sp>
+        <p:nvSpPr>
+          <p:cNvPr id="21" name="Прямоугольник: скругленные углы 20">
+            <a:extLst>
+              <a:ext uri="{FF2B5EF4-FFF2-40B4-BE49-F238E27FC236}">
+                <a16:creationId xmlns:a16="http://schemas.microsoft.com/office/drawing/2014/main" id="{A5846B72-6E06-4C22-8E30-E0BD69B122B9}"/>
+              </a:ext>
+            </a:extLst>
+          </p:cNvPr>
+          <p:cNvSpPr/>
+          <p:nvPr/>
+        </p:nvSpPr>
+        <p:spPr>
+          <a:xfrm>
+            <a:off x="8799957" y="3353530"/>
+            <a:ext cx="780288" cy="682752"/>
+          </a:xfrm>
+          <a:prstGeom prst="roundRect">
+            <a:avLst/>
+          </a:prstGeom>
+        </p:spPr>
+        <p:style>
+          <a:lnRef idx="0">
+            <a:schemeClr val="accent4"/>
+          </a:lnRef>
+          <a:fillRef idx="3">
+            <a:schemeClr val="accent4"/>
+          </a:fillRef>
+          <a:effectRef idx="3">
+            <a:schemeClr val="accent4"/>
+          </a:effectRef>
+          <a:fontRef idx="minor">
+            <a:schemeClr val="lt1"/>
+          </a:fontRef>
+        </p:style>
+        <p:txBody>
+          <a:bodyPr rtlCol="0" anchor="ctr"/>
+          <a:lstStyle/>
+          <a:p>
+            <a:pPr algn="ctr"/>
+            <a:endParaRPr lang="ru-RU"/>
+          </a:p>
+        </p:txBody>
+      </p:sp>
+      <p:sp>
+        <p:nvSpPr>
+          <p:cNvPr id="22" name="Прямоугольник 21">
+            <a:extLst>
+              <a:ext uri="{FF2B5EF4-FFF2-40B4-BE49-F238E27FC236}">
+                <a16:creationId xmlns:a16="http://schemas.microsoft.com/office/drawing/2014/main" id="{A99AE313-9652-4778-8CE5-6643B1E1AC0E}"/>
+              </a:ext>
+            </a:extLst>
+          </p:cNvPr>
+          <p:cNvSpPr/>
+          <p:nvPr/>
+        </p:nvSpPr>
+        <p:spPr>
+          <a:xfrm>
+            <a:off x="2560320" y="4527962"/>
+            <a:ext cx="7303008" cy="682752"/>
+          </a:xfrm>
+          <a:prstGeom prst="rect">
+            <a:avLst/>
+          </a:prstGeom>
+        </p:spPr>
+        <p:style>
+          <a:lnRef idx="0">
+            <a:schemeClr val="accent3"/>
+          </a:lnRef>
+          <a:fillRef idx="3">
+            <a:schemeClr val="accent3"/>
+          </a:fillRef>
+          <a:effectRef idx="3">
+            <a:schemeClr val="accent3"/>
+          </a:effectRef>
+          <a:fontRef idx="minor">
+            <a:schemeClr val="lt1"/>
+          </a:fontRef>
+        </p:style>
+        <p:txBody>
+          <a:bodyPr rtlCol="0" anchor="ctr"/>
+          <a:lstStyle/>
+          <a:p>
+            <a:pPr algn="ctr"/>
+            <a:r>
+              <a:rPr lang="en-US" dirty="0"/>
+              <a:t>filter</a:t>
+            </a:r>
+            <a:endParaRPr lang="ru-RU" dirty="0"/>
+          </a:p>
+        </p:txBody>
+      </p:sp>
+      <p:sp>
+        <p:nvSpPr>
+          <p:cNvPr id="23" name="Прямоугольник: скругленные углы 22">
+            <a:extLst>
+              <a:ext uri="{FF2B5EF4-FFF2-40B4-BE49-F238E27FC236}">
+                <a16:creationId xmlns:a16="http://schemas.microsoft.com/office/drawing/2014/main" id="{B0511BFB-E9D4-49C8-AEA3-74DFC4FF7EC2}"/>
+              </a:ext>
+            </a:extLst>
+          </p:cNvPr>
+          <p:cNvSpPr/>
+          <p:nvPr/>
+        </p:nvSpPr>
+        <p:spPr>
+          <a:xfrm>
+            <a:off x="2538984" y="5446362"/>
+            <a:ext cx="4023360" cy="1162240"/>
+          </a:xfrm>
+          <a:prstGeom prst="roundRect">
+            <a:avLst/>
+          </a:prstGeom>
+        </p:spPr>
+        <p:style>
+          <a:lnRef idx="2">
+            <a:schemeClr val="accent1">
+              <a:shade val="50000"/>
+            </a:schemeClr>
+          </a:lnRef>
+          <a:fillRef idx="1">
+            <a:schemeClr val="accent1"/>
+          </a:fillRef>
+          <a:effectRef idx="0">
+            <a:schemeClr val="accent1"/>
+          </a:effectRef>
+          <a:fontRef idx="minor">
+            <a:schemeClr val="lt1"/>
+          </a:fontRef>
+        </p:style>
+        <p:txBody>
+          <a:bodyPr rtlCol="0" anchor="ctr"/>
+          <a:lstStyle/>
+          <a:p>
+            <a:pPr algn="ctr"/>
+            <a:endParaRPr lang="ru-RU"/>
+          </a:p>
+        </p:txBody>
+      </p:sp>
+      <p:sp>
+        <p:nvSpPr>
+          <p:cNvPr id="24" name="Прямоугольник: скругленные углы 23">
+            <a:extLst>
+              <a:ext uri="{FF2B5EF4-FFF2-40B4-BE49-F238E27FC236}">
+                <a16:creationId xmlns:a16="http://schemas.microsoft.com/office/drawing/2014/main" id="{CA0F2972-9EBB-4981-B512-9920582E93C8}"/>
+              </a:ext>
+            </a:extLst>
+          </p:cNvPr>
+          <p:cNvSpPr/>
+          <p:nvPr/>
+        </p:nvSpPr>
+        <p:spPr>
+          <a:xfrm>
+            <a:off x="2855976" y="5682010"/>
+            <a:ext cx="780288" cy="682752"/>
+          </a:xfrm>
+          <a:prstGeom prst="roundRect">
+            <a:avLst/>
+          </a:prstGeom>
+        </p:spPr>
+        <p:style>
+          <a:lnRef idx="0">
+            <a:schemeClr val="accent2"/>
+          </a:lnRef>
+          <a:fillRef idx="3">
+            <a:schemeClr val="accent2"/>
+          </a:fillRef>
+          <a:effectRef idx="3">
+            <a:schemeClr val="accent2"/>
+          </a:effectRef>
+          <a:fontRef idx="minor">
+            <a:schemeClr val="lt1"/>
+          </a:fontRef>
+        </p:style>
+        <p:txBody>
+          <a:bodyPr rtlCol="0" anchor="ctr"/>
+          <a:lstStyle/>
+          <a:p>
+            <a:pPr algn="ctr"/>
+            <a:endParaRPr lang="ru-RU"/>
+          </a:p>
+        </p:txBody>
+      </p:sp>
+      <p:sp>
+        <p:nvSpPr>
+          <p:cNvPr id="26" name="Прямоугольник: скругленные углы 25">
+            <a:extLst>
+              <a:ext uri="{FF2B5EF4-FFF2-40B4-BE49-F238E27FC236}">
+                <a16:creationId xmlns:a16="http://schemas.microsoft.com/office/drawing/2014/main" id="{A0BAF3D8-A6F5-4E4D-A8DE-9004BA911313}"/>
+              </a:ext>
+            </a:extLst>
+          </p:cNvPr>
+          <p:cNvSpPr/>
+          <p:nvPr/>
+        </p:nvSpPr>
+        <p:spPr>
+          <a:xfrm>
+            <a:off x="3749040" y="5703661"/>
+            <a:ext cx="780288" cy="682752"/>
+          </a:xfrm>
+          <a:prstGeom prst="roundRect">
+            <a:avLst/>
+          </a:prstGeom>
+        </p:spPr>
+        <p:style>
+          <a:lnRef idx="0">
+            <a:schemeClr val="accent2"/>
+          </a:lnRef>
+          <a:fillRef idx="3">
+            <a:schemeClr val="accent2"/>
+          </a:fillRef>
+          <a:effectRef idx="3">
+            <a:schemeClr val="accent2"/>
+          </a:effectRef>
+          <a:fontRef idx="minor">
+            <a:schemeClr val="lt1"/>
+          </a:fontRef>
+        </p:style>
+        <p:txBody>
+          <a:bodyPr rtlCol="0" anchor="ctr"/>
+          <a:lstStyle/>
+          <a:p>
+            <a:pPr algn="ctr"/>
+            <a:endParaRPr lang="ru-RU"/>
+          </a:p>
+        </p:txBody>
+      </p:sp>
+      <p:sp>
+        <p:nvSpPr>
+          <p:cNvPr id="27" name="Прямоугольник: скругленные углы 26">
+            <a:extLst>
+              <a:ext uri="{FF2B5EF4-FFF2-40B4-BE49-F238E27FC236}">
+                <a16:creationId xmlns:a16="http://schemas.microsoft.com/office/drawing/2014/main" id="{456E6D57-1B39-48DC-81E1-AE906A870576}"/>
+              </a:ext>
+            </a:extLst>
+          </p:cNvPr>
+          <p:cNvSpPr/>
+          <p:nvPr/>
+        </p:nvSpPr>
+        <p:spPr>
+          <a:xfrm>
+            <a:off x="4653916" y="5703661"/>
+            <a:ext cx="780288" cy="682752"/>
+          </a:xfrm>
+          <a:prstGeom prst="roundRect">
+            <a:avLst/>
+          </a:prstGeom>
+        </p:spPr>
+        <p:style>
+          <a:lnRef idx="0">
+            <a:schemeClr val="accent2"/>
+          </a:lnRef>
+          <a:fillRef idx="3">
+            <a:schemeClr val="accent2"/>
+          </a:fillRef>
+          <a:effectRef idx="3">
+            <a:schemeClr val="accent2"/>
+          </a:effectRef>
+          <a:fontRef idx="minor">
+            <a:schemeClr val="lt1"/>
+          </a:fontRef>
+        </p:style>
+        <p:txBody>
+          <a:bodyPr rtlCol="0" anchor="ctr"/>
+          <a:lstStyle/>
+          <a:p>
+            <a:pPr algn="ctr"/>
+            <a:endParaRPr lang="ru-RU"/>
+          </a:p>
+        </p:txBody>
+      </p:sp>
+      <p:sp>
+        <p:nvSpPr>
+          <p:cNvPr id="29" name="Прямоугольник: скругленные углы 28">
+            <a:extLst>
+              <a:ext uri="{FF2B5EF4-FFF2-40B4-BE49-F238E27FC236}">
+                <a16:creationId xmlns:a16="http://schemas.microsoft.com/office/drawing/2014/main" id="{1AEE4E19-E05B-4BAB-A3D9-444D6AAF564E}"/>
+              </a:ext>
+            </a:extLst>
+          </p:cNvPr>
+          <p:cNvSpPr/>
+          <p:nvPr/>
+        </p:nvSpPr>
+        <p:spPr>
+          <a:xfrm>
+            <a:off x="5562790" y="5667183"/>
+            <a:ext cx="780288" cy="682752"/>
+          </a:xfrm>
+          <a:prstGeom prst="roundRect">
+            <a:avLst/>
+          </a:prstGeom>
+        </p:spPr>
+        <p:style>
+          <a:lnRef idx="0">
+            <a:schemeClr val="accent2"/>
+          </a:lnRef>
+          <a:fillRef idx="3">
+            <a:schemeClr val="accent2"/>
+          </a:fillRef>
+          <a:effectRef idx="3">
+            <a:schemeClr val="accent2"/>
+          </a:effectRef>
+          <a:fontRef idx="minor">
+            <a:schemeClr val="lt1"/>
+          </a:fontRef>
+        </p:style>
+        <p:txBody>
+          <a:bodyPr rtlCol="0" anchor="ctr"/>
+          <a:lstStyle/>
+          <a:p>
+            <a:pPr algn="ctr"/>
+            <a:endParaRPr lang="ru-RU"/>
+          </a:p>
+        </p:txBody>
+      </p:sp>
+      <p:sp>
+        <p:nvSpPr>
+          <p:cNvPr id="32" name="Прямоугольник 31">
+            <a:extLst>
+              <a:ext uri="{FF2B5EF4-FFF2-40B4-BE49-F238E27FC236}">
+                <a16:creationId xmlns:a16="http://schemas.microsoft.com/office/drawing/2014/main" id="{625561E2-D103-4D61-960C-A481CC24232D}"/>
+              </a:ext>
+            </a:extLst>
+          </p:cNvPr>
+          <p:cNvSpPr/>
+          <p:nvPr/>
+        </p:nvSpPr>
+        <p:spPr>
+          <a:xfrm>
+            <a:off x="6778752" y="5682010"/>
+            <a:ext cx="1679258" cy="704403"/>
+          </a:xfrm>
+          <a:prstGeom prst="rect">
+            <a:avLst/>
+          </a:prstGeom>
+        </p:spPr>
+        <p:style>
+          <a:lnRef idx="0">
+            <a:schemeClr val="accent3"/>
+          </a:lnRef>
+          <a:fillRef idx="3">
+            <a:schemeClr val="accent3"/>
+          </a:fillRef>
+          <a:effectRef idx="3">
+            <a:schemeClr val="accent3"/>
+          </a:effectRef>
+          <a:fontRef idx="minor">
+            <a:schemeClr val="lt1"/>
+          </a:fontRef>
+        </p:style>
+        <p:txBody>
+          <a:bodyPr rtlCol="0" anchor="ctr"/>
+          <a:lstStyle/>
+          <a:p>
+            <a:pPr algn="ctr"/>
+            <a:r>
+              <a:rPr lang="en-US" dirty="0"/>
+              <a:t>reduce</a:t>
+            </a:r>
+            <a:endParaRPr lang="ru-RU" dirty="0"/>
+          </a:p>
+        </p:txBody>
+      </p:sp>
+      <p:sp>
+        <p:nvSpPr>
+          <p:cNvPr id="33" name="Прямоугольник: скругленные углы 32">
+            <a:extLst>
+              <a:ext uri="{FF2B5EF4-FFF2-40B4-BE49-F238E27FC236}">
+                <a16:creationId xmlns:a16="http://schemas.microsoft.com/office/drawing/2014/main" id="{C0BF6AAF-7001-4912-971F-36E12BC3C7C6}"/>
+              </a:ext>
+            </a:extLst>
+          </p:cNvPr>
+          <p:cNvSpPr/>
+          <p:nvPr/>
+        </p:nvSpPr>
+        <p:spPr>
+          <a:xfrm>
+            <a:off x="8872728" y="5667183"/>
+            <a:ext cx="780288" cy="682752"/>
+          </a:xfrm>
+          <a:prstGeom prst="roundRect">
+            <a:avLst/>
+          </a:prstGeom>
+        </p:spPr>
+        <p:style>
+          <a:lnRef idx="0">
+            <a:schemeClr val="accent6"/>
+          </a:lnRef>
+          <a:fillRef idx="3">
+            <a:schemeClr val="accent6"/>
+          </a:fillRef>
+          <a:effectRef idx="3">
+            <a:schemeClr val="accent6"/>
+          </a:effectRef>
+          <a:fontRef idx="minor">
+            <a:schemeClr val="lt1"/>
+          </a:fontRef>
+        </p:style>
+        <p:txBody>
+          <a:bodyPr rtlCol="0" anchor="ctr"/>
+          <a:lstStyle/>
+          <a:p>
+            <a:pPr algn="ctr"/>
+            <a:endParaRPr lang="ru-RU"/>
+          </a:p>
+        </p:txBody>
+      </p:sp>
+      <p:sp>
+        <p:nvSpPr>
+          <p:cNvPr id="34" name="Стрелка: вниз 33">
+            <a:extLst>
+              <a:ext uri="{FF2B5EF4-FFF2-40B4-BE49-F238E27FC236}">
+                <a16:creationId xmlns:a16="http://schemas.microsoft.com/office/drawing/2014/main" id="{A69CD8A7-F616-477F-8536-2D7925297DB9}"/>
+              </a:ext>
+            </a:extLst>
+          </p:cNvPr>
+          <p:cNvSpPr/>
+          <p:nvPr/>
+        </p:nvSpPr>
+        <p:spPr>
+          <a:xfrm>
+            <a:off x="5789676" y="1926336"/>
+            <a:ext cx="780288" cy="524256"/>
+          </a:xfrm>
+          <a:prstGeom prst="downArrow">
+            <a:avLst/>
+          </a:prstGeom>
+        </p:spPr>
+        <p:style>
+          <a:lnRef idx="2">
+            <a:schemeClr val="accent2"/>
+          </a:lnRef>
+          <a:fillRef idx="1">
+            <a:schemeClr val="lt1"/>
+          </a:fillRef>
+          <a:effectRef idx="0">
+            <a:schemeClr val="accent2"/>
+          </a:effectRef>
+          <a:fontRef idx="minor">
+            <a:schemeClr val="dk1"/>
+          </a:fontRef>
+        </p:style>
+        <p:txBody>
+          <a:bodyPr rtlCol="0" anchor="ctr"/>
+          <a:lstStyle/>
+          <a:p>
+            <a:pPr algn="ctr"/>
+            <a:endParaRPr lang="ru-RU"/>
+          </a:p>
+        </p:txBody>
+      </p:sp>
+      <p:sp>
+        <p:nvSpPr>
+          <p:cNvPr id="35" name="Стрелка: вниз 34">
+            <a:extLst>
+              <a:ext uri="{FF2B5EF4-FFF2-40B4-BE49-F238E27FC236}">
+                <a16:creationId xmlns:a16="http://schemas.microsoft.com/office/drawing/2014/main" id="{0D6760A8-7443-46E2-8992-A1F3EB8988A3}"/>
+              </a:ext>
+            </a:extLst>
+          </p:cNvPr>
+          <p:cNvSpPr/>
+          <p:nvPr/>
+        </p:nvSpPr>
+        <p:spPr>
+          <a:xfrm>
+            <a:off x="5821680" y="2757536"/>
+            <a:ext cx="780288" cy="524256"/>
+          </a:xfrm>
+          <a:prstGeom prst="downArrow">
+            <a:avLst/>
+          </a:prstGeom>
+        </p:spPr>
+        <p:style>
+          <a:lnRef idx="2">
+            <a:schemeClr val="accent2"/>
+          </a:lnRef>
+          <a:fillRef idx="1">
+            <a:schemeClr val="lt1"/>
+          </a:fillRef>
+          <a:effectRef idx="0">
+            <a:schemeClr val="accent2"/>
+          </a:effectRef>
+          <a:fontRef idx="minor">
+            <a:schemeClr val="dk1"/>
+          </a:fontRef>
+        </p:style>
+        <p:txBody>
+          <a:bodyPr rtlCol="0" anchor="ctr"/>
+          <a:lstStyle/>
+          <a:p>
+            <a:pPr algn="ctr"/>
+            <a:endParaRPr lang="ru-RU"/>
+          </a:p>
+        </p:txBody>
+      </p:sp>
+      <p:sp>
+        <p:nvSpPr>
+          <p:cNvPr id="36" name="Стрелка: вниз 35">
+            <a:extLst>
+              <a:ext uri="{FF2B5EF4-FFF2-40B4-BE49-F238E27FC236}">
+                <a16:creationId xmlns:a16="http://schemas.microsoft.com/office/drawing/2014/main" id="{EF223E1C-8901-4F7F-A8DD-3DF4CF818CC9}"/>
+              </a:ext>
+            </a:extLst>
+          </p:cNvPr>
+          <p:cNvSpPr/>
+          <p:nvPr/>
+        </p:nvSpPr>
+        <p:spPr>
+          <a:xfrm>
+            <a:off x="5872734" y="4155424"/>
+            <a:ext cx="780288" cy="524256"/>
+          </a:xfrm>
+          <a:prstGeom prst="downArrow">
+            <a:avLst/>
+          </a:prstGeom>
+        </p:spPr>
+        <p:style>
+          <a:lnRef idx="2">
+            <a:schemeClr val="accent2"/>
+          </a:lnRef>
+          <a:fillRef idx="1">
+            <a:schemeClr val="lt1"/>
+          </a:fillRef>
+          <a:effectRef idx="0">
+            <a:schemeClr val="accent2"/>
+          </a:effectRef>
+          <a:fontRef idx="minor">
+            <a:schemeClr val="dk1"/>
+          </a:fontRef>
+        </p:style>
+        <p:txBody>
+          <a:bodyPr rtlCol="0" anchor="ctr"/>
+          <a:lstStyle/>
+          <a:p>
+            <a:pPr algn="ctr"/>
+            <a:endParaRPr lang="ru-RU"/>
+          </a:p>
+        </p:txBody>
+      </p:sp>
+      <p:sp>
+        <p:nvSpPr>
+          <p:cNvPr id="37" name="Стрелка: вниз 36">
+            <a:extLst>
+              <a:ext uri="{FF2B5EF4-FFF2-40B4-BE49-F238E27FC236}">
+                <a16:creationId xmlns:a16="http://schemas.microsoft.com/office/drawing/2014/main" id="{2F0AD963-24C4-4636-A46F-688A5A00A251}"/>
+              </a:ext>
+            </a:extLst>
+          </p:cNvPr>
+          <p:cNvSpPr/>
+          <p:nvPr/>
+        </p:nvSpPr>
+        <p:spPr>
+          <a:xfrm>
+            <a:off x="3770376" y="5066799"/>
+            <a:ext cx="780288" cy="524256"/>
+          </a:xfrm>
+          <a:prstGeom prst="downArrow">
+            <a:avLst/>
+          </a:prstGeom>
+        </p:spPr>
+        <p:style>
+          <a:lnRef idx="2">
+            <a:schemeClr val="accent2"/>
+          </a:lnRef>
+          <a:fillRef idx="1">
+            <a:schemeClr val="lt1"/>
+          </a:fillRef>
+          <a:effectRef idx="0">
+            <a:schemeClr val="accent2"/>
+          </a:effectRef>
+          <a:fontRef idx="minor">
+            <a:schemeClr val="dk1"/>
+          </a:fontRef>
+        </p:style>
+        <p:txBody>
+          <a:bodyPr rtlCol="0" anchor="ctr"/>
+          <a:lstStyle/>
+          <a:p>
+            <a:pPr algn="ctr"/>
+            <a:endParaRPr lang="ru-RU"/>
+          </a:p>
+        </p:txBody>
+      </p:sp>
+      <p:sp>
+        <p:nvSpPr>
+          <p:cNvPr id="38" name="Стрелка: вниз 37">
+            <a:extLst>
+              <a:ext uri="{FF2B5EF4-FFF2-40B4-BE49-F238E27FC236}">
+                <a16:creationId xmlns:a16="http://schemas.microsoft.com/office/drawing/2014/main" id="{771C576C-EEC0-4DAB-823D-3B3AA9761169}"/>
+              </a:ext>
+            </a:extLst>
+          </p:cNvPr>
+          <p:cNvSpPr/>
+          <p:nvPr/>
+        </p:nvSpPr>
+        <p:spPr>
+          <a:xfrm rot="16200000">
+            <a:off x="6358128" y="5782909"/>
+            <a:ext cx="780288" cy="524256"/>
+          </a:xfrm>
+          <a:prstGeom prst="downArrow">
+            <a:avLst/>
+          </a:prstGeom>
+        </p:spPr>
+        <p:style>
+          <a:lnRef idx="2">
+            <a:schemeClr val="accent2"/>
+          </a:lnRef>
+          <a:fillRef idx="1">
+            <a:schemeClr val="lt1"/>
+          </a:fillRef>
+          <a:effectRef idx="0">
+            <a:schemeClr val="accent2"/>
+          </a:effectRef>
+          <a:fontRef idx="minor">
+            <a:schemeClr val="dk1"/>
+          </a:fontRef>
+        </p:style>
+        <p:txBody>
+          <a:bodyPr rtlCol="0" anchor="ctr"/>
+          <a:lstStyle/>
+          <a:p>
+            <a:pPr algn="ctr"/>
+            <a:endParaRPr lang="ru-RU"/>
+          </a:p>
+        </p:txBody>
+      </p:sp>
+      <p:sp>
+        <p:nvSpPr>
+          <p:cNvPr id="39" name="Стрелка: вниз 38">
+            <a:extLst>
+              <a:ext uri="{FF2B5EF4-FFF2-40B4-BE49-F238E27FC236}">
+                <a16:creationId xmlns:a16="http://schemas.microsoft.com/office/drawing/2014/main" id="{4B6F1246-DE55-4BA5-B9A2-7D1816116B6A}"/>
+              </a:ext>
+            </a:extLst>
+          </p:cNvPr>
+          <p:cNvSpPr/>
+          <p:nvPr/>
+        </p:nvSpPr>
+        <p:spPr>
+          <a:xfrm rot="16200000">
+            <a:off x="8317802" y="5795199"/>
+            <a:ext cx="780288" cy="524256"/>
+          </a:xfrm>
+          <a:prstGeom prst="downArrow">
+            <a:avLst/>
+          </a:prstGeom>
+        </p:spPr>
+        <p:style>
+          <a:lnRef idx="2">
+            <a:schemeClr val="accent2"/>
+          </a:lnRef>
+          <a:fillRef idx="1">
+            <a:schemeClr val="lt1"/>
+          </a:fillRef>
+          <a:effectRef idx="0">
+            <a:schemeClr val="accent2"/>
+          </a:effectRef>
+          <a:fontRef idx="minor">
+            <a:schemeClr val="dk1"/>
+          </a:fontRef>
+        </p:style>
+        <p:txBody>
+          <a:bodyPr rtlCol="0" anchor="ctr"/>
+          <a:lstStyle/>
+          <a:p>
+            <a:pPr algn="ctr"/>
+            <a:endParaRPr lang="ru-RU"/>
+          </a:p>
+        </p:txBody>
+      </p:sp>
+    </p:spTree>
+    <p:extLst>
+      <p:ext uri="{BB962C8B-B14F-4D97-AF65-F5344CB8AC3E}">
+        <p14:creationId xmlns:p14="http://schemas.microsoft.com/office/powerpoint/2010/main" val="2494456435"/>
+      </p:ext>
+    </p:extLst>
+  </p:cSld>
+  <p:clrMapOvr>
+    <a:masterClrMapping/>
+  </p:clrMapOvr>
+</p:sld>
+</file>
+
+<file path=ppt/slides/slide82.xml><?xml version="1.0" encoding="utf-8"?>
+<p:sld xmlns:a="http://schemas.openxmlformats.org/drawingml/2006/main" xmlns:r="http://schemas.openxmlformats.org/officeDocument/2006/relationships" xmlns:p="http://schemas.openxmlformats.org/presentationml/2006/main">
+  <p:cSld>
+    <p:spTree>
+      <p:nvGrpSpPr>
+        <p:cNvPr id="1" name=""/>
+        <p:cNvGrpSpPr/>
+        <p:nvPr/>
+      </p:nvGrpSpPr>
+      <p:grpSpPr>
+        <a:xfrm>
+          <a:off x="0" y="0"/>
+          <a:ext cx="0" cy="0"/>
+          <a:chOff x="0" y="0"/>
+          <a:chExt cx="0" cy="0"/>
+        </a:xfrm>
+      </p:grpSpPr>
+      <p:sp>
+        <p:nvSpPr>
+          <p:cNvPr id="2" name="Заголовок 1">
+            <a:extLst>
+              <a:ext uri="{FF2B5EF4-FFF2-40B4-BE49-F238E27FC236}">
+                <a16:creationId xmlns:a16="http://schemas.microsoft.com/office/drawing/2014/main" id="{171465E2-E513-43EC-84F2-F02E853806D3}"/>
+              </a:ext>
+            </a:extLst>
+          </p:cNvPr>
+          <p:cNvSpPr>
+            <a:spLocks noGrp="1"/>
+          </p:cNvSpPr>
+          <p:nvPr>
+            <p:ph type="title"/>
+          </p:nvPr>
+        </p:nvSpPr>
+        <p:spPr/>
+        <p:txBody>
+          <a:bodyPr/>
+          <a:lstStyle/>
+          <a:p>
+            <a:r>
+              <a:rPr lang="ru-RU" dirty="0"/>
+              <a:t>Пример реализации алгоритма </a:t>
+            </a:r>
+            <a:br>
+              <a:rPr lang="en-US" dirty="0"/>
+            </a:br>
+            <a:r>
+              <a:rPr lang="ru-RU" dirty="0"/>
+              <a:t>«</a:t>
+            </a:r>
+            <a:r>
+              <a:rPr lang="en-US" dirty="0"/>
+              <a:t>Map-Filter-Reduce</a:t>
+            </a:r>
+            <a:r>
+              <a:rPr lang="ru-RU" dirty="0"/>
+              <a:t>»</a:t>
+            </a:r>
+          </a:p>
+        </p:txBody>
+      </p:sp>
+      <p:sp>
+        <p:nvSpPr>
+          <p:cNvPr id="4" name="TextBox 3">
+            <a:extLst>
+              <a:ext uri="{FF2B5EF4-FFF2-40B4-BE49-F238E27FC236}">
+                <a16:creationId xmlns:a16="http://schemas.microsoft.com/office/drawing/2014/main" id="{59EAF2CF-E53C-45B0-B0BC-6A1E9994764A}"/>
+              </a:ext>
+            </a:extLst>
+          </p:cNvPr>
+          <p:cNvSpPr txBox="1"/>
+          <p:nvPr/>
+        </p:nvSpPr>
+        <p:spPr>
+          <a:xfrm>
+            <a:off x="414671" y="2486384"/>
+            <a:ext cx="11536324" cy="3416320"/>
+          </a:xfrm>
+          <a:prstGeom prst="rect">
+            <a:avLst/>
+          </a:prstGeom>
+          <a:noFill/>
+        </p:spPr>
+        <p:txBody>
+          <a:bodyPr wrap="square">
+            <a:spAutoFit/>
+          </a:bodyPr>
+          <a:lstStyle/>
+          <a:p>
+            <a:r>
+              <a:rPr lang="en-US" sz="2400" b="0" dirty="0">
+                <a:solidFill>
+                  <a:srgbClr val="C586C0"/>
+                </a:solidFill>
+                <a:effectLst/>
+                <a:latin typeface="Consolas" panose="020B0609020204030204" pitchFamily="49" charset="0"/>
+              </a:rPr>
+              <a:t>from</a:t>
+            </a:r>
+            <a:r>
+              <a:rPr lang="en-US" sz="2400" b="0" dirty="0">
+                <a:solidFill>
+                  <a:srgbClr val="D4D4D4"/>
+                </a:solidFill>
+                <a:effectLst/>
+                <a:latin typeface="Consolas" panose="020B0609020204030204" pitchFamily="49" charset="0"/>
+              </a:rPr>
+              <a:t> </a:t>
+            </a:r>
+            <a:r>
+              <a:rPr lang="en-US" sz="2400" b="0" dirty="0" err="1">
+                <a:solidFill>
+                  <a:srgbClr val="D4D4D4"/>
+                </a:solidFill>
+                <a:effectLst/>
+                <a:latin typeface="Consolas" panose="020B0609020204030204" pitchFamily="49" charset="0"/>
+              </a:rPr>
+              <a:t>functools</a:t>
+            </a:r>
+            <a:r>
+              <a:rPr lang="en-US" sz="2400" b="0" dirty="0">
+                <a:solidFill>
+                  <a:srgbClr val="D4D4D4"/>
+                </a:solidFill>
+                <a:effectLst/>
+                <a:latin typeface="Consolas" panose="020B0609020204030204" pitchFamily="49" charset="0"/>
+              </a:rPr>
+              <a:t> </a:t>
+            </a:r>
+            <a:r>
+              <a:rPr lang="en-US" sz="2400" b="0" dirty="0">
+                <a:solidFill>
+                  <a:srgbClr val="C586C0"/>
+                </a:solidFill>
+                <a:effectLst/>
+                <a:latin typeface="Consolas" panose="020B0609020204030204" pitchFamily="49" charset="0"/>
+              </a:rPr>
+              <a:t>import</a:t>
+            </a:r>
+            <a:r>
+              <a:rPr lang="en-US" sz="2400" b="0" dirty="0">
+                <a:solidFill>
+                  <a:srgbClr val="D4D4D4"/>
+                </a:solidFill>
+                <a:effectLst/>
+                <a:latin typeface="Consolas" panose="020B0609020204030204" pitchFamily="49" charset="0"/>
+              </a:rPr>
+              <a:t> </a:t>
+            </a:r>
+            <a:r>
+              <a:rPr lang="en-US" sz="2400" b="0" dirty="0">
+                <a:solidFill>
+                  <a:srgbClr val="9CDCFE"/>
+                </a:solidFill>
+                <a:effectLst/>
+                <a:latin typeface="Consolas" panose="020B0609020204030204" pitchFamily="49" charset="0"/>
+              </a:rPr>
+              <a:t>reduce</a:t>
+            </a:r>
+            <a:endParaRPr lang="en-US" sz="2400" b="0" dirty="0">
+              <a:solidFill>
+                <a:srgbClr val="D4D4D4"/>
+              </a:solidFill>
+              <a:effectLst/>
+              <a:latin typeface="Consolas" panose="020B0609020204030204" pitchFamily="49" charset="0"/>
+            </a:endParaRPr>
+          </a:p>
+          <a:p>
+            <a:br>
+              <a:rPr lang="en-US" sz="2400" b="0" dirty="0">
+                <a:solidFill>
+                  <a:srgbClr val="D4D4D4"/>
+                </a:solidFill>
+                <a:effectLst/>
+                <a:latin typeface="Consolas" panose="020B0609020204030204" pitchFamily="49" charset="0"/>
+              </a:rPr>
+            </a:br>
+            <a:r>
+              <a:rPr lang="en-US" sz="2400" b="0" dirty="0">
+                <a:solidFill>
+                  <a:srgbClr val="D4D4D4"/>
+                </a:solidFill>
+                <a:effectLst/>
+                <a:latin typeface="Consolas" panose="020B0609020204030204" pitchFamily="49" charset="0"/>
+              </a:rPr>
+              <a:t>source = [(</a:t>
+            </a:r>
+            <a:r>
+              <a:rPr lang="en-US" sz="2400" b="0" dirty="0">
+                <a:solidFill>
+                  <a:srgbClr val="CE9178"/>
+                </a:solidFill>
+                <a:effectLst/>
+                <a:latin typeface="Consolas" panose="020B0609020204030204" pitchFamily="49" charset="0"/>
+              </a:rPr>
+              <a:t>'a'</a:t>
+            </a:r>
+            <a:r>
+              <a:rPr lang="en-US" sz="2400" b="0" dirty="0">
+                <a:solidFill>
+                  <a:srgbClr val="D4D4D4"/>
+                </a:solidFill>
+                <a:effectLst/>
+                <a:latin typeface="Consolas" panose="020B0609020204030204" pitchFamily="49" charset="0"/>
+              </a:rPr>
+              <a:t>,</a:t>
+            </a:r>
+            <a:r>
+              <a:rPr lang="en-US" sz="2400" b="0" dirty="0">
+                <a:solidFill>
+                  <a:srgbClr val="B5CEA8"/>
+                </a:solidFill>
+                <a:effectLst/>
+                <a:latin typeface="Consolas" panose="020B0609020204030204" pitchFamily="49" charset="0"/>
+              </a:rPr>
+              <a:t>2</a:t>
+            </a:r>
+            <a:r>
+              <a:rPr lang="en-US" sz="2400" b="0" dirty="0">
+                <a:solidFill>
+                  <a:srgbClr val="D4D4D4"/>
+                </a:solidFill>
+                <a:effectLst/>
+                <a:latin typeface="Consolas" panose="020B0609020204030204" pitchFamily="49" charset="0"/>
+              </a:rPr>
+              <a:t>),(</a:t>
+            </a:r>
+            <a:r>
+              <a:rPr lang="en-US" sz="2400" b="0" dirty="0">
+                <a:solidFill>
+                  <a:srgbClr val="CE9178"/>
+                </a:solidFill>
+                <a:effectLst/>
+                <a:latin typeface="Consolas" panose="020B0609020204030204" pitchFamily="49" charset="0"/>
+              </a:rPr>
+              <a:t>'b'</a:t>
+            </a:r>
+            <a:r>
+              <a:rPr lang="en-US" sz="2400" b="0" dirty="0">
+                <a:solidFill>
+                  <a:srgbClr val="D4D4D4"/>
+                </a:solidFill>
+                <a:effectLst/>
+                <a:latin typeface="Consolas" panose="020B0609020204030204" pitchFamily="49" charset="0"/>
+              </a:rPr>
+              <a:t>,</a:t>
+            </a:r>
+            <a:r>
+              <a:rPr lang="en-US" sz="2400" b="0" dirty="0">
+                <a:solidFill>
+                  <a:srgbClr val="B5CEA8"/>
+                </a:solidFill>
+                <a:effectLst/>
+                <a:latin typeface="Consolas" panose="020B0609020204030204" pitchFamily="49" charset="0"/>
+              </a:rPr>
+              <a:t>3</a:t>
+            </a:r>
+            <a:r>
+              <a:rPr lang="en-US" sz="2400" b="0" dirty="0">
+                <a:solidFill>
+                  <a:srgbClr val="D4D4D4"/>
+                </a:solidFill>
+                <a:effectLst/>
+                <a:latin typeface="Consolas" panose="020B0609020204030204" pitchFamily="49" charset="0"/>
+              </a:rPr>
+              <a:t>),(</a:t>
+            </a:r>
+            <a:r>
+              <a:rPr lang="en-US" sz="2400" b="0" dirty="0">
+                <a:solidFill>
+                  <a:srgbClr val="CE9178"/>
+                </a:solidFill>
+                <a:effectLst/>
+                <a:latin typeface="Consolas" panose="020B0609020204030204" pitchFamily="49" charset="0"/>
+              </a:rPr>
+              <a:t>'c'</a:t>
+            </a:r>
+            <a:r>
+              <a:rPr lang="en-US" sz="2400" b="0" dirty="0">
+                <a:solidFill>
+                  <a:srgbClr val="D4D4D4"/>
+                </a:solidFill>
+                <a:effectLst/>
+                <a:latin typeface="Consolas" panose="020B0609020204030204" pitchFamily="49" charset="0"/>
+              </a:rPr>
+              <a:t>,</a:t>
+            </a:r>
+            <a:r>
+              <a:rPr lang="en-US" sz="2400" b="0" dirty="0">
+                <a:solidFill>
+                  <a:srgbClr val="CE9178"/>
+                </a:solidFill>
+                <a:effectLst/>
+                <a:latin typeface="Consolas" panose="020B0609020204030204" pitchFamily="49" charset="0"/>
+              </a:rPr>
+              <a:t>'4'</a:t>
+            </a:r>
+            <a:r>
+              <a:rPr lang="en-US" sz="2400" b="0" dirty="0">
+                <a:solidFill>
+                  <a:srgbClr val="D4D4D4"/>
+                </a:solidFill>
+                <a:effectLst/>
+                <a:latin typeface="Consolas" panose="020B0609020204030204" pitchFamily="49" charset="0"/>
+              </a:rPr>
+              <a:t>),(</a:t>
+            </a:r>
+            <a:r>
+              <a:rPr lang="en-US" sz="2400" b="0" dirty="0">
+                <a:solidFill>
+                  <a:srgbClr val="CE9178"/>
+                </a:solidFill>
+                <a:effectLst/>
+                <a:latin typeface="Consolas" panose="020B0609020204030204" pitchFamily="49" charset="0"/>
+              </a:rPr>
+              <a:t>'e'</a:t>
+            </a:r>
+            <a:r>
+              <a:rPr lang="en-US" sz="2400" b="0" dirty="0">
+                <a:solidFill>
+                  <a:srgbClr val="D4D4D4"/>
+                </a:solidFill>
+                <a:effectLst/>
+                <a:latin typeface="Consolas" panose="020B0609020204030204" pitchFamily="49" charset="0"/>
+              </a:rPr>
+              <a:t>,</a:t>
+            </a:r>
+            <a:r>
+              <a:rPr lang="en-US" sz="2400" b="0" dirty="0">
+                <a:solidFill>
+                  <a:srgbClr val="B5CEA8"/>
+                </a:solidFill>
+                <a:effectLst/>
+                <a:latin typeface="Consolas" panose="020B0609020204030204" pitchFamily="49" charset="0"/>
+              </a:rPr>
+              <a:t>1</a:t>
+            </a:r>
+            <a:r>
+              <a:rPr lang="en-US" sz="2400" b="0" dirty="0">
+                <a:solidFill>
+                  <a:srgbClr val="D4D4D4"/>
+                </a:solidFill>
+                <a:effectLst/>
+                <a:latin typeface="Consolas" panose="020B0609020204030204" pitchFamily="49" charset="0"/>
+              </a:rPr>
+              <a:t>)]</a:t>
+            </a:r>
+          </a:p>
+          <a:p>
+            <a:r>
+              <a:rPr lang="en-US" sz="2400" b="0" dirty="0" err="1">
+                <a:solidFill>
+                  <a:srgbClr val="D4D4D4"/>
+                </a:solidFill>
+                <a:effectLst/>
+                <a:latin typeface="Consolas" panose="020B0609020204030204" pitchFamily="49" charset="0"/>
+              </a:rPr>
+              <a:t>map_result</a:t>
+            </a:r>
+            <a:r>
+              <a:rPr lang="en-US" sz="2400" b="0" dirty="0">
+                <a:solidFill>
+                  <a:srgbClr val="D4D4D4"/>
+                </a:solidFill>
+                <a:effectLst/>
+                <a:latin typeface="Consolas" panose="020B0609020204030204" pitchFamily="49" charset="0"/>
+              </a:rPr>
+              <a:t> = </a:t>
+            </a:r>
+            <a:r>
+              <a:rPr lang="en-US" sz="2400" b="0" dirty="0">
+                <a:solidFill>
+                  <a:srgbClr val="4EC9B0"/>
+                </a:solidFill>
+                <a:effectLst/>
+                <a:latin typeface="Consolas" panose="020B0609020204030204" pitchFamily="49" charset="0"/>
+              </a:rPr>
+              <a:t>list</a:t>
+            </a:r>
+            <a:r>
+              <a:rPr lang="en-US" sz="2400" b="0" dirty="0">
+                <a:solidFill>
+                  <a:srgbClr val="D4D4D4"/>
+                </a:solidFill>
+                <a:effectLst/>
+                <a:latin typeface="Consolas" panose="020B0609020204030204" pitchFamily="49" charset="0"/>
+              </a:rPr>
+              <a:t>(</a:t>
+            </a:r>
+            <a:r>
+              <a:rPr lang="en-US" sz="2400" b="0" dirty="0">
+                <a:solidFill>
+                  <a:srgbClr val="DCDCAA"/>
+                </a:solidFill>
+                <a:effectLst/>
+                <a:latin typeface="Consolas" panose="020B0609020204030204" pitchFamily="49" charset="0"/>
+              </a:rPr>
+              <a:t>map</a:t>
+            </a:r>
+            <a:r>
+              <a:rPr lang="en-US" sz="2400" b="0" dirty="0">
+                <a:solidFill>
+                  <a:srgbClr val="D4D4D4"/>
+                </a:solidFill>
+                <a:effectLst/>
+                <a:latin typeface="Consolas" panose="020B0609020204030204" pitchFamily="49" charset="0"/>
+              </a:rPr>
+              <a:t>(</a:t>
+            </a:r>
+            <a:r>
+              <a:rPr lang="en-US" sz="2400" b="0" dirty="0">
+                <a:solidFill>
+                  <a:srgbClr val="569CD6"/>
+                </a:solidFill>
+                <a:effectLst/>
+                <a:latin typeface="Consolas" panose="020B0609020204030204" pitchFamily="49" charset="0"/>
+              </a:rPr>
+              <a:t>lambda</a:t>
+            </a:r>
+            <a:r>
+              <a:rPr lang="en-US" sz="2400" b="0" dirty="0">
+                <a:solidFill>
+                  <a:srgbClr val="D4D4D4"/>
+                </a:solidFill>
+                <a:effectLst/>
+                <a:latin typeface="Consolas" panose="020B0609020204030204" pitchFamily="49" charset="0"/>
+              </a:rPr>
+              <a:t> </a:t>
+            </a:r>
+            <a:r>
+              <a:rPr lang="en-US" sz="2400" b="0" dirty="0">
+                <a:solidFill>
+                  <a:srgbClr val="9CDCFE"/>
+                </a:solidFill>
+                <a:effectLst/>
+                <a:latin typeface="Consolas" panose="020B0609020204030204" pitchFamily="49" charset="0"/>
+              </a:rPr>
+              <a:t>x</a:t>
+            </a:r>
+            <a:r>
+              <a:rPr lang="en-US" sz="2400" b="0" dirty="0">
+                <a:solidFill>
+                  <a:srgbClr val="D4D4D4"/>
+                </a:solidFill>
+                <a:effectLst/>
+                <a:latin typeface="Consolas" panose="020B0609020204030204" pitchFamily="49" charset="0"/>
+              </a:rPr>
+              <a:t>: </a:t>
+            </a:r>
+            <a:r>
+              <a:rPr lang="en-US" sz="2400" b="0" dirty="0">
+                <a:solidFill>
+                  <a:srgbClr val="4EC9B0"/>
+                </a:solidFill>
+                <a:effectLst/>
+                <a:latin typeface="Consolas" panose="020B0609020204030204" pitchFamily="49" charset="0"/>
+              </a:rPr>
+              <a:t>str</a:t>
+            </a:r>
+            <a:r>
+              <a:rPr lang="en-US" sz="2400" b="0" dirty="0">
+                <a:solidFill>
+                  <a:srgbClr val="D4D4D4"/>
+                </a:solidFill>
+                <a:effectLst/>
+                <a:latin typeface="Consolas" panose="020B0609020204030204" pitchFamily="49" charset="0"/>
+              </a:rPr>
+              <a:t>(x[</a:t>
+            </a:r>
+            <a:r>
+              <a:rPr lang="en-US" sz="2400" b="0" dirty="0">
+                <a:solidFill>
+                  <a:srgbClr val="B5CEA8"/>
+                </a:solidFill>
+                <a:effectLst/>
+                <a:latin typeface="Consolas" panose="020B0609020204030204" pitchFamily="49" charset="0"/>
+              </a:rPr>
+              <a:t>0</a:t>
+            </a:r>
+            <a:r>
+              <a:rPr lang="en-US" sz="2400" b="0" dirty="0">
+                <a:solidFill>
+                  <a:srgbClr val="D4D4D4"/>
+                </a:solidFill>
+                <a:effectLst/>
+                <a:latin typeface="Consolas" panose="020B0609020204030204" pitchFamily="49" charset="0"/>
+              </a:rPr>
+              <a:t>] * </a:t>
+            </a:r>
+            <a:r>
+              <a:rPr lang="en-US" sz="2400" b="0" dirty="0">
+                <a:solidFill>
+                  <a:srgbClr val="4EC9B0"/>
+                </a:solidFill>
+                <a:effectLst/>
+                <a:latin typeface="Consolas" panose="020B0609020204030204" pitchFamily="49" charset="0"/>
+              </a:rPr>
+              <a:t>int</a:t>
+            </a:r>
+            <a:r>
+              <a:rPr lang="en-US" sz="2400" b="0" dirty="0">
+                <a:solidFill>
+                  <a:srgbClr val="D4D4D4"/>
+                </a:solidFill>
+                <a:effectLst/>
+                <a:latin typeface="Consolas" panose="020B0609020204030204" pitchFamily="49" charset="0"/>
+              </a:rPr>
+              <a:t>(x[</a:t>
+            </a:r>
+            <a:r>
+              <a:rPr lang="en-US" sz="2400" b="0" dirty="0">
+                <a:solidFill>
+                  <a:srgbClr val="B5CEA8"/>
+                </a:solidFill>
+                <a:effectLst/>
+                <a:latin typeface="Consolas" panose="020B0609020204030204" pitchFamily="49" charset="0"/>
+              </a:rPr>
+              <a:t>1</a:t>
+            </a:r>
+            <a:r>
+              <a:rPr lang="en-US" sz="2400" b="0" dirty="0">
+                <a:solidFill>
+                  <a:srgbClr val="D4D4D4"/>
+                </a:solidFill>
+                <a:effectLst/>
+                <a:latin typeface="Consolas" panose="020B0609020204030204" pitchFamily="49" charset="0"/>
+              </a:rPr>
+              <a:t>])),source))</a:t>
+            </a:r>
+          </a:p>
+          <a:p>
+            <a:r>
+              <a:rPr lang="en-US" sz="2400" b="0" dirty="0">
+                <a:solidFill>
+                  <a:srgbClr val="DCDCAA"/>
+                </a:solidFill>
+                <a:effectLst/>
+                <a:latin typeface="Consolas" panose="020B0609020204030204" pitchFamily="49" charset="0"/>
+              </a:rPr>
+              <a:t>print</a:t>
+            </a:r>
+            <a:r>
+              <a:rPr lang="en-US" sz="2400" b="0" dirty="0">
+                <a:solidFill>
+                  <a:srgbClr val="D4D4D4"/>
+                </a:solidFill>
+                <a:effectLst/>
+                <a:latin typeface="Consolas" panose="020B0609020204030204" pitchFamily="49" charset="0"/>
+              </a:rPr>
+              <a:t>(</a:t>
+            </a:r>
+            <a:r>
+              <a:rPr lang="en-US" sz="2400" b="0" dirty="0" err="1">
+                <a:solidFill>
+                  <a:srgbClr val="D4D4D4"/>
+                </a:solidFill>
+                <a:effectLst/>
+                <a:latin typeface="Consolas" panose="020B0609020204030204" pitchFamily="49" charset="0"/>
+              </a:rPr>
+              <a:t>map_result</a:t>
+            </a:r>
+            <a:r>
+              <a:rPr lang="en-US" sz="2400" b="0" dirty="0">
+                <a:solidFill>
+                  <a:srgbClr val="D4D4D4"/>
+                </a:solidFill>
+                <a:effectLst/>
+                <a:latin typeface="Consolas" panose="020B0609020204030204" pitchFamily="49" charset="0"/>
+              </a:rPr>
+              <a:t>)</a:t>
+            </a:r>
+          </a:p>
+          <a:p>
+            <a:r>
+              <a:rPr lang="en-US" sz="2400" b="0" dirty="0" err="1">
+                <a:solidFill>
+                  <a:srgbClr val="D4D4D4"/>
+                </a:solidFill>
+                <a:effectLst/>
+                <a:latin typeface="Consolas" panose="020B0609020204030204" pitchFamily="49" charset="0"/>
+              </a:rPr>
+              <a:t>filter_result</a:t>
+            </a:r>
+            <a:r>
+              <a:rPr lang="en-US" sz="2400" b="0" dirty="0">
+                <a:solidFill>
+                  <a:srgbClr val="D4D4D4"/>
+                </a:solidFill>
+                <a:effectLst/>
+                <a:latin typeface="Consolas" panose="020B0609020204030204" pitchFamily="49" charset="0"/>
+              </a:rPr>
+              <a:t> = </a:t>
+            </a:r>
+            <a:r>
+              <a:rPr lang="en-US" sz="2400" b="0" dirty="0">
+                <a:solidFill>
+                  <a:srgbClr val="4EC9B0"/>
+                </a:solidFill>
+                <a:effectLst/>
+                <a:latin typeface="Consolas" panose="020B0609020204030204" pitchFamily="49" charset="0"/>
+              </a:rPr>
+              <a:t>list</a:t>
+            </a:r>
+            <a:r>
+              <a:rPr lang="en-US" sz="2400" b="0" dirty="0">
+                <a:solidFill>
+                  <a:srgbClr val="D4D4D4"/>
+                </a:solidFill>
+                <a:effectLst/>
+                <a:latin typeface="Consolas" panose="020B0609020204030204" pitchFamily="49" charset="0"/>
+              </a:rPr>
+              <a:t>(</a:t>
+            </a:r>
+            <a:r>
+              <a:rPr lang="en-US" sz="2400" b="0" dirty="0">
+                <a:solidFill>
+                  <a:srgbClr val="DCDCAA"/>
+                </a:solidFill>
+                <a:effectLst/>
+                <a:latin typeface="Consolas" panose="020B0609020204030204" pitchFamily="49" charset="0"/>
+              </a:rPr>
+              <a:t>filter</a:t>
+            </a:r>
+            <a:r>
+              <a:rPr lang="en-US" sz="2400" b="0" dirty="0">
+                <a:solidFill>
+                  <a:srgbClr val="D4D4D4"/>
+                </a:solidFill>
+                <a:effectLst/>
+                <a:latin typeface="Consolas" panose="020B0609020204030204" pitchFamily="49" charset="0"/>
+              </a:rPr>
+              <a:t>(</a:t>
+            </a:r>
+            <a:r>
+              <a:rPr lang="en-US" sz="2400" b="0" dirty="0">
+                <a:solidFill>
+                  <a:srgbClr val="569CD6"/>
+                </a:solidFill>
+                <a:effectLst/>
+                <a:latin typeface="Consolas" panose="020B0609020204030204" pitchFamily="49" charset="0"/>
+              </a:rPr>
+              <a:t>lambda</a:t>
+            </a:r>
+            <a:r>
+              <a:rPr lang="en-US" sz="2400" b="0" dirty="0">
+                <a:solidFill>
+                  <a:srgbClr val="D4D4D4"/>
+                </a:solidFill>
+                <a:effectLst/>
+                <a:latin typeface="Consolas" panose="020B0609020204030204" pitchFamily="49" charset="0"/>
+              </a:rPr>
+              <a:t> </a:t>
+            </a:r>
+            <a:r>
+              <a:rPr lang="en-US" sz="2400" b="0" dirty="0">
+                <a:solidFill>
+                  <a:srgbClr val="9CDCFE"/>
+                </a:solidFill>
+                <a:effectLst/>
+                <a:latin typeface="Consolas" panose="020B0609020204030204" pitchFamily="49" charset="0"/>
+              </a:rPr>
+              <a:t>x</a:t>
+            </a:r>
+            <a:r>
+              <a:rPr lang="en-US" sz="2400" b="0" dirty="0">
+                <a:solidFill>
+                  <a:srgbClr val="D4D4D4"/>
+                </a:solidFill>
+                <a:effectLst/>
+                <a:latin typeface="Consolas" panose="020B0609020204030204" pitchFamily="49" charset="0"/>
+              </a:rPr>
+              <a:t>: </a:t>
+            </a:r>
+            <a:r>
+              <a:rPr lang="en-US" sz="2400" b="0" dirty="0" err="1">
+                <a:solidFill>
+                  <a:srgbClr val="DCDCAA"/>
+                </a:solidFill>
+                <a:effectLst/>
+                <a:latin typeface="Consolas" panose="020B0609020204030204" pitchFamily="49" charset="0"/>
+              </a:rPr>
+              <a:t>len</a:t>
+            </a:r>
+            <a:r>
+              <a:rPr lang="en-US" sz="2400" b="0" dirty="0">
+                <a:solidFill>
+                  <a:srgbClr val="D4D4D4"/>
+                </a:solidFill>
+                <a:effectLst/>
+                <a:latin typeface="Consolas" panose="020B0609020204030204" pitchFamily="49" charset="0"/>
+              </a:rPr>
+              <a:t>(x) &gt;= </a:t>
+            </a:r>
+            <a:r>
+              <a:rPr lang="en-US" sz="2400" b="0" dirty="0">
+                <a:solidFill>
+                  <a:srgbClr val="B5CEA8"/>
+                </a:solidFill>
+                <a:effectLst/>
+                <a:latin typeface="Consolas" panose="020B0609020204030204" pitchFamily="49" charset="0"/>
+              </a:rPr>
+              <a:t>3</a:t>
+            </a:r>
+            <a:r>
+              <a:rPr lang="en-US" sz="2400" b="0" dirty="0">
+                <a:solidFill>
+                  <a:srgbClr val="D4D4D4"/>
+                </a:solidFill>
+                <a:effectLst/>
+                <a:latin typeface="Consolas" panose="020B0609020204030204" pitchFamily="49" charset="0"/>
+              </a:rPr>
+              <a:t>,map_result))</a:t>
+            </a:r>
+          </a:p>
+          <a:p>
+            <a:r>
+              <a:rPr lang="en-US" sz="2400" b="0" dirty="0">
+                <a:solidFill>
+                  <a:srgbClr val="DCDCAA"/>
+                </a:solidFill>
+                <a:effectLst/>
+                <a:latin typeface="Consolas" panose="020B0609020204030204" pitchFamily="49" charset="0"/>
+              </a:rPr>
+              <a:t>print</a:t>
+            </a:r>
+            <a:r>
+              <a:rPr lang="en-US" sz="2400" b="0" dirty="0">
+                <a:solidFill>
+                  <a:srgbClr val="D4D4D4"/>
+                </a:solidFill>
+                <a:effectLst/>
+                <a:latin typeface="Consolas" panose="020B0609020204030204" pitchFamily="49" charset="0"/>
+              </a:rPr>
+              <a:t>(</a:t>
+            </a:r>
+            <a:r>
+              <a:rPr lang="en-US" sz="2400" b="0" dirty="0" err="1">
+                <a:solidFill>
+                  <a:srgbClr val="D4D4D4"/>
+                </a:solidFill>
+                <a:effectLst/>
+                <a:latin typeface="Consolas" panose="020B0609020204030204" pitchFamily="49" charset="0"/>
+              </a:rPr>
+              <a:t>filter_result</a:t>
+            </a:r>
+            <a:r>
+              <a:rPr lang="en-US" sz="2400" b="0" dirty="0">
+                <a:solidFill>
+                  <a:srgbClr val="D4D4D4"/>
+                </a:solidFill>
+                <a:effectLst/>
+                <a:latin typeface="Consolas" panose="020B0609020204030204" pitchFamily="49" charset="0"/>
+              </a:rPr>
+              <a:t>)</a:t>
+            </a:r>
+          </a:p>
+          <a:p>
+            <a:r>
+              <a:rPr lang="en-US" sz="2400" b="0" dirty="0" err="1">
+                <a:solidFill>
+                  <a:srgbClr val="D4D4D4"/>
+                </a:solidFill>
+                <a:effectLst/>
+                <a:latin typeface="Consolas" panose="020B0609020204030204" pitchFamily="49" charset="0"/>
+              </a:rPr>
+              <a:t>reduce_result</a:t>
+            </a:r>
+            <a:r>
+              <a:rPr lang="en-US" sz="2400" b="0" dirty="0">
+                <a:solidFill>
+                  <a:srgbClr val="D4D4D4"/>
+                </a:solidFill>
+                <a:effectLst/>
+                <a:latin typeface="Consolas" panose="020B0609020204030204" pitchFamily="49" charset="0"/>
+              </a:rPr>
+              <a:t> = </a:t>
+            </a:r>
+            <a:r>
+              <a:rPr lang="en-US" sz="2400" b="0" dirty="0">
+                <a:solidFill>
+                  <a:srgbClr val="9CDCFE"/>
+                </a:solidFill>
+                <a:effectLst/>
+                <a:latin typeface="Consolas" panose="020B0609020204030204" pitchFamily="49" charset="0"/>
+              </a:rPr>
+              <a:t>reduce</a:t>
+            </a:r>
+            <a:r>
+              <a:rPr lang="en-US" sz="2400" b="0" dirty="0">
+                <a:solidFill>
+                  <a:srgbClr val="D4D4D4"/>
+                </a:solidFill>
+                <a:effectLst/>
+                <a:latin typeface="Consolas" panose="020B0609020204030204" pitchFamily="49" charset="0"/>
+              </a:rPr>
+              <a:t>(</a:t>
+            </a:r>
+            <a:r>
+              <a:rPr lang="en-US" sz="2400" b="0" dirty="0">
+                <a:solidFill>
+                  <a:srgbClr val="569CD6"/>
+                </a:solidFill>
+                <a:effectLst/>
+                <a:latin typeface="Consolas" panose="020B0609020204030204" pitchFamily="49" charset="0"/>
+              </a:rPr>
+              <a:t>lambda</a:t>
+            </a:r>
+            <a:r>
+              <a:rPr lang="en-US" sz="2400" b="0" dirty="0">
+                <a:solidFill>
+                  <a:srgbClr val="D4D4D4"/>
+                </a:solidFill>
+                <a:effectLst/>
+                <a:latin typeface="Consolas" panose="020B0609020204030204" pitchFamily="49" charset="0"/>
+              </a:rPr>
+              <a:t> </a:t>
+            </a:r>
+            <a:r>
+              <a:rPr lang="en-US" sz="2400" b="0" dirty="0" err="1">
+                <a:solidFill>
+                  <a:srgbClr val="9CDCFE"/>
+                </a:solidFill>
+                <a:effectLst/>
+                <a:latin typeface="Consolas" panose="020B0609020204030204" pitchFamily="49" charset="0"/>
+              </a:rPr>
+              <a:t>sum</a:t>
+            </a:r>
+            <a:r>
+              <a:rPr lang="en-US" sz="2400" b="0" dirty="0" err="1">
+                <a:solidFill>
+                  <a:srgbClr val="D4D4D4"/>
+                </a:solidFill>
+                <a:effectLst/>
+                <a:latin typeface="Consolas" panose="020B0609020204030204" pitchFamily="49" charset="0"/>
+              </a:rPr>
+              <a:t>,</a:t>
+            </a:r>
+            <a:r>
+              <a:rPr lang="en-US" sz="2400" b="0" dirty="0" err="1">
+                <a:solidFill>
+                  <a:srgbClr val="9CDCFE"/>
+                </a:solidFill>
+                <a:effectLst/>
+                <a:latin typeface="Consolas" panose="020B0609020204030204" pitchFamily="49" charset="0"/>
+              </a:rPr>
+              <a:t>x</a:t>
+            </a:r>
+            <a:r>
+              <a:rPr lang="en-US" sz="2400" b="0" dirty="0">
+                <a:solidFill>
+                  <a:srgbClr val="D4D4D4"/>
+                </a:solidFill>
+                <a:effectLst/>
+                <a:latin typeface="Consolas" panose="020B0609020204030204" pitchFamily="49" charset="0"/>
+              </a:rPr>
+              <a:t>: </a:t>
+            </a:r>
+            <a:r>
+              <a:rPr lang="en-US" sz="2400" b="0" dirty="0">
+                <a:solidFill>
+                  <a:srgbClr val="DCDCAA"/>
+                </a:solidFill>
+                <a:effectLst/>
+                <a:latin typeface="Consolas" panose="020B0609020204030204" pitchFamily="49" charset="0"/>
+              </a:rPr>
+              <a:t>sum</a:t>
+            </a:r>
+            <a:r>
+              <a:rPr lang="en-US" sz="2400" b="0" dirty="0">
+                <a:solidFill>
+                  <a:srgbClr val="D4D4D4"/>
+                </a:solidFill>
+                <a:effectLst/>
+                <a:latin typeface="Consolas" panose="020B0609020204030204" pitchFamily="49" charset="0"/>
+              </a:rPr>
+              <a:t> + </a:t>
+            </a:r>
+            <a:r>
+              <a:rPr lang="en-US" sz="2400" b="0" dirty="0" err="1">
+                <a:solidFill>
+                  <a:srgbClr val="DCDCAA"/>
+                </a:solidFill>
+                <a:effectLst/>
+                <a:latin typeface="Consolas" panose="020B0609020204030204" pitchFamily="49" charset="0"/>
+              </a:rPr>
+              <a:t>len</a:t>
+            </a:r>
+            <a:r>
+              <a:rPr lang="en-US" sz="2400" b="0" dirty="0">
+                <a:solidFill>
+                  <a:srgbClr val="D4D4D4"/>
+                </a:solidFill>
+                <a:effectLst/>
+                <a:latin typeface="Consolas" panose="020B0609020204030204" pitchFamily="49" charset="0"/>
+              </a:rPr>
+              <a:t>(x),filter_result,</a:t>
+            </a:r>
+            <a:r>
+              <a:rPr lang="en-US" sz="2400" b="0" dirty="0">
+                <a:solidFill>
+                  <a:srgbClr val="B5CEA8"/>
+                </a:solidFill>
+                <a:effectLst/>
+                <a:latin typeface="Consolas" panose="020B0609020204030204" pitchFamily="49" charset="0"/>
+              </a:rPr>
+              <a:t>0</a:t>
+            </a:r>
+            <a:r>
+              <a:rPr lang="en-US" sz="2400" b="0" dirty="0">
+                <a:solidFill>
+                  <a:srgbClr val="D4D4D4"/>
+                </a:solidFill>
+                <a:effectLst/>
+                <a:latin typeface="Consolas" panose="020B0609020204030204" pitchFamily="49" charset="0"/>
+              </a:rPr>
+              <a:t>)</a:t>
+            </a:r>
+          </a:p>
+          <a:p>
+            <a:r>
+              <a:rPr lang="en-US" sz="2400" b="0" dirty="0">
+                <a:solidFill>
+                  <a:srgbClr val="DCDCAA"/>
+                </a:solidFill>
+                <a:effectLst/>
+                <a:latin typeface="Consolas" panose="020B0609020204030204" pitchFamily="49" charset="0"/>
+              </a:rPr>
+              <a:t>print</a:t>
+            </a:r>
+            <a:r>
+              <a:rPr lang="en-US" sz="2400" b="0" dirty="0">
+                <a:solidFill>
+                  <a:srgbClr val="D4D4D4"/>
+                </a:solidFill>
+                <a:effectLst/>
+                <a:latin typeface="Consolas" panose="020B0609020204030204" pitchFamily="49" charset="0"/>
+              </a:rPr>
+              <a:t>(</a:t>
+            </a:r>
+            <a:r>
+              <a:rPr lang="en-US" sz="2400" b="0" dirty="0" err="1">
+                <a:solidFill>
+                  <a:srgbClr val="D4D4D4"/>
+                </a:solidFill>
+                <a:effectLst/>
+                <a:latin typeface="Consolas" panose="020B0609020204030204" pitchFamily="49" charset="0"/>
+              </a:rPr>
+              <a:t>reduce_result</a:t>
+            </a:r>
+            <a:r>
+              <a:rPr lang="en-US" sz="2400" b="0" dirty="0">
+                <a:solidFill>
+                  <a:srgbClr val="D4D4D4"/>
+                </a:solidFill>
+                <a:effectLst/>
+                <a:latin typeface="Consolas" panose="020B0609020204030204" pitchFamily="49" charset="0"/>
+              </a:rPr>
+              <a:t>)</a:t>
+            </a:r>
+          </a:p>
+        </p:txBody>
+      </p:sp>
+      <p:sp>
+        <p:nvSpPr>
+          <p:cNvPr id="5" name="Облачко с текстом: прямоугольное 4">
+            <a:extLst>
+              <a:ext uri="{FF2B5EF4-FFF2-40B4-BE49-F238E27FC236}">
+                <a16:creationId xmlns:a16="http://schemas.microsoft.com/office/drawing/2014/main" id="{E15958E8-416B-4E52-89C2-0377AB74BF0A}"/>
+              </a:ext>
+            </a:extLst>
+          </p:cNvPr>
+          <p:cNvSpPr/>
+          <p:nvPr/>
+        </p:nvSpPr>
+        <p:spPr>
+          <a:xfrm>
+            <a:off x="8702495" y="1690688"/>
+            <a:ext cx="3019647" cy="612648"/>
+          </a:xfrm>
+          <a:prstGeom prst="wedgeRectCallout">
+            <a:avLst>
+              <a:gd name="adj1" fmla="val -163487"/>
+              <a:gd name="adj2" fmla="val 118036"/>
+            </a:avLst>
+          </a:prstGeom>
+        </p:spPr>
+        <p:style>
+          <a:lnRef idx="2">
+            <a:schemeClr val="accent1">
+              <a:shade val="50000"/>
+            </a:schemeClr>
+          </a:lnRef>
+          <a:fillRef idx="1">
+            <a:schemeClr val="accent1"/>
+          </a:fillRef>
+          <a:effectRef idx="0">
+            <a:schemeClr val="accent1"/>
+          </a:effectRef>
+          <a:fontRef idx="minor">
+            <a:schemeClr val="lt1"/>
+          </a:fontRef>
+        </p:style>
+        <p:txBody>
+          <a:bodyPr rtlCol="0" anchor="ctr"/>
+          <a:lstStyle/>
+          <a:p>
+            <a:pPr algn="ctr"/>
+            <a:r>
+              <a:rPr lang="ru-RU" dirty="0"/>
+              <a:t>Функцию </a:t>
+            </a:r>
+            <a:r>
+              <a:rPr lang="en-US" dirty="0"/>
+              <a:t>reduce() </a:t>
+            </a:r>
+            <a:r>
+              <a:rPr lang="ru-RU" dirty="0"/>
+              <a:t>необходимо импортировать</a:t>
+            </a:r>
+          </a:p>
+        </p:txBody>
+      </p:sp>
+    </p:spTree>
+    <p:extLst>
+      <p:ext uri="{BB962C8B-B14F-4D97-AF65-F5344CB8AC3E}">
+        <p14:creationId xmlns:p14="http://schemas.microsoft.com/office/powerpoint/2010/main" val="57388770"/>
+      </p:ext>
+    </p:extLst>
+  </p:cSld>
+  <p:clrMapOvr>
+    <a:masterClrMapping/>
+  </p:clrMapOvr>
+</p:sld>
+</file>
+
 <file path=ppt/slides/slide9.xml><?xml version="1.0" encoding="utf-8"?>
 <p:sld xmlns:a="http://schemas.openxmlformats.org/drawingml/2006/main" xmlns:r="http://schemas.openxmlformats.org/officeDocument/2006/relationships" xmlns:p="http://schemas.openxmlformats.org/presentationml/2006/main">
   <p:cSld>
